--- a/MongoDB PPT.pptx
+++ b/MongoDB PPT.pptx
@@ -5,7 +5,7 @@
     <p:sldMasterId id="2147483720" r:id="rId1"/>
   </p:sldMasterIdLst>
   <p:notesMasterIdLst>
-    <p:notesMasterId r:id="rId86"/>
+    <p:notesMasterId r:id="rId90"/>
   </p:notesMasterIdLst>
   <p:sldIdLst>
     <p:sldId id="497" r:id="rId2"/>
@@ -37,61 +37,65 @@
     <p:sldId id="1141" r:id="rId28"/>
     <p:sldId id="1163" r:id="rId29"/>
     <p:sldId id="1164" r:id="rId30"/>
-    <p:sldId id="1167" r:id="rId31"/>
-    <p:sldId id="1168" r:id="rId32"/>
-    <p:sldId id="1142" r:id="rId33"/>
-    <p:sldId id="1143" r:id="rId34"/>
-    <p:sldId id="1144" r:id="rId35"/>
-    <p:sldId id="1156" r:id="rId36"/>
-    <p:sldId id="1145" r:id="rId37"/>
-    <p:sldId id="1146" r:id="rId38"/>
-    <p:sldId id="1147" r:id="rId39"/>
-    <p:sldId id="1148" r:id="rId40"/>
-    <p:sldId id="1149" r:id="rId41"/>
-    <p:sldId id="1150" r:id="rId42"/>
-    <p:sldId id="1151" r:id="rId43"/>
-    <p:sldId id="1152" r:id="rId44"/>
-    <p:sldId id="1153" r:id="rId45"/>
-    <p:sldId id="1161" r:id="rId46"/>
-    <p:sldId id="1162" r:id="rId47"/>
-    <p:sldId id="1154" r:id="rId48"/>
-    <p:sldId id="1155" r:id="rId49"/>
-    <p:sldId id="1098" r:id="rId50"/>
-    <p:sldId id="1090" r:id="rId51"/>
-    <p:sldId id="1099" r:id="rId52"/>
-    <p:sldId id="1092" r:id="rId53"/>
-    <p:sldId id="1102" r:id="rId54"/>
-    <p:sldId id="1103" r:id="rId55"/>
-    <p:sldId id="1104" r:id="rId56"/>
-    <p:sldId id="1105" r:id="rId57"/>
-    <p:sldId id="1106" r:id="rId58"/>
-    <p:sldId id="1107" r:id="rId59"/>
-    <p:sldId id="1108" r:id="rId60"/>
-    <p:sldId id="1109" r:id="rId61"/>
-    <p:sldId id="1110" r:id="rId62"/>
-    <p:sldId id="1111" r:id="rId63"/>
-    <p:sldId id="1112" r:id="rId64"/>
-    <p:sldId id="1113" r:id="rId65"/>
-    <p:sldId id="1114" r:id="rId66"/>
-    <p:sldId id="1115" r:id="rId67"/>
-    <p:sldId id="1116" r:id="rId68"/>
-    <p:sldId id="1117" r:id="rId69"/>
-    <p:sldId id="1118" r:id="rId70"/>
-    <p:sldId id="1119" r:id="rId71"/>
-    <p:sldId id="1120" r:id="rId72"/>
-    <p:sldId id="1121" r:id="rId73"/>
-    <p:sldId id="1122" r:id="rId74"/>
-    <p:sldId id="1123" r:id="rId75"/>
-    <p:sldId id="1124" r:id="rId76"/>
-    <p:sldId id="1125" r:id="rId77"/>
-    <p:sldId id="1126" r:id="rId78"/>
-    <p:sldId id="1127" r:id="rId79"/>
-    <p:sldId id="1128" r:id="rId80"/>
-    <p:sldId id="1129" r:id="rId81"/>
-    <p:sldId id="954" r:id="rId82"/>
-    <p:sldId id="788" r:id="rId83"/>
-    <p:sldId id="1071" r:id="rId84"/>
-    <p:sldId id="1087" r:id="rId85"/>
+    <p:sldId id="1169" r:id="rId31"/>
+    <p:sldId id="1170" r:id="rId32"/>
+    <p:sldId id="1171" r:id="rId33"/>
+    <p:sldId id="1172" r:id="rId34"/>
+    <p:sldId id="1167" r:id="rId35"/>
+    <p:sldId id="1168" r:id="rId36"/>
+    <p:sldId id="1142" r:id="rId37"/>
+    <p:sldId id="1143" r:id="rId38"/>
+    <p:sldId id="1144" r:id="rId39"/>
+    <p:sldId id="1156" r:id="rId40"/>
+    <p:sldId id="1145" r:id="rId41"/>
+    <p:sldId id="1146" r:id="rId42"/>
+    <p:sldId id="1147" r:id="rId43"/>
+    <p:sldId id="1148" r:id="rId44"/>
+    <p:sldId id="1149" r:id="rId45"/>
+    <p:sldId id="1150" r:id="rId46"/>
+    <p:sldId id="1151" r:id="rId47"/>
+    <p:sldId id="1152" r:id="rId48"/>
+    <p:sldId id="1153" r:id="rId49"/>
+    <p:sldId id="1161" r:id="rId50"/>
+    <p:sldId id="1162" r:id="rId51"/>
+    <p:sldId id="1154" r:id="rId52"/>
+    <p:sldId id="1155" r:id="rId53"/>
+    <p:sldId id="1098" r:id="rId54"/>
+    <p:sldId id="1090" r:id="rId55"/>
+    <p:sldId id="1099" r:id="rId56"/>
+    <p:sldId id="1092" r:id="rId57"/>
+    <p:sldId id="1102" r:id="rId58"/>
+    <p:sldId id="1103" r:id="rId59"/>
+    <p:sldId id="1104" r:id="rId60"/>
+    <p:sldId id="1105" r:id="rId61"/>
+    <p:sldId id="1106" r:id="rId62"/>
+    <p:sldId id="1107" r:id="rId63"/>
+    <p:sldId id="1108" r:id="rId64"/>
+    <p:sldId id="1109" r:id="rId65"/>
+    <p:sldId id="1110" r:id="rId66"/>
+    <p:sldId id="1111" r:id="rId67"/>
+    <p:sldId id="1112" r:id="rId68"/>
+    <p:sldId id="1113" r:id="rId69"/>
+    <p:sldId id="1114" r:id="rId70"/>
+    <p:sldId id="1115" r:id="rId71"/>
+    <p:sldId id="1116" r:id="rId72"/>
+    <p:sldId id="1117" r:id="rId73"/>
+    <p:sldId id="1118" r:id="rId74"/>
+    <p:sldId id="1119" r:id="rId75"/>
+    <p:sldId id="1120" r:id="rId76"/>
+    <p:sldId id="1121" r:id="rId77"/>
+    <p:sldId id="1122" r:id="rId78"/>
+    <p:sldId id="1123" r:id="rId79"/>
+    <p:sldId id="1124" r:id="rId80"/>
+    <p:sldId id="1125" r:id="rId81"/>
+    <p:sldId id="1126" r:id="rId82"/>
+    <p:sldId id="1127" r:id="rId83"/>
+    <p:sldId id="1128" r:id="rId84"/>
+    <p:sldId id="1129" r:id="rId85"/>
+    <p:sldId id="954" r:id="rId86"/>
+    <p:sldId id="788" r:id="rId87"/>
+    <p:sldId id="1071" r:id="rId88"/>
+    <p:sldId id="1087" r:id="rId89"/>
   </p:sldIdLst>
   <p:sldSz cx="9144000" cy="6858000" type="screen4x3"/>
   <p:notesSz cx="6858000" cy="9144000"/>
@@ -9296,17 +9300,7 @@
                 <a:latin typeface="Consolas" panose="020B0609020204030204" pitchFamily="49" charset="0"/>
                 <a:cs typeface="Calibri" panose="020F0502020204030204" pitchFamily="34" charset="0"/>
               </a:rPr>
-              <a:t>&gt; &lt; --collection &gt; &lt; </a:t>
-            </a:r>
-            <a:r>
-              <a:rPr lang="en-US" dirty="0" smtClean="0">
-                <a:solidFill>
-                  <a:srgbClr val="049DC8"/>
-                </a:solidFill>
-                <a:latin typeface="Consolas" panose="020B0609020204030204" pitchFamily="49" charset="0"/>
-                <a:cs typeface="Calibri" panose="020F0502020204030204" pitchFamily="34" charset="0"/>
-              </a:rPr>
-              <a:t>--file&gt;</a:t>
+              <a:t>&gt; &lt; --collection &gt; &lt; --file&gt;</a:t>
             </a:r>
             <a:endParaRPr lang="en-US" dirty="0">
               <a:solidFill>
@@ -9427,17 +9421,7 @@
                 <a:latin typeface="Calibri" panose="020F0502020204030204" pitchFamily="34" charset="0"/>
                 <a:cs typeface="Calibri" panose="020F0502020204030204" pitchFamily="34" charset="0"/>
               </a:rPr>
-              <a:t>"d</a:t>
-            </a:r>
-            <a:r>
-              <a:rPr lang="fr-FR" sz="2200" dirty="0" smtClean="0">
-                <a:solidFill>
-                  <a:srgbClr val="FC6F0D"/>
-                </a:solidFill>
-                <a:latin typeface="Calibri" panose="020F0502020204030204" pitchFamily="34" charset="0"/>
-                <a:cs typeface="Calibri" panose="020F0502020204030204" pitchFamily="34" charset="0"/>
-              </a:rPr>
-              <a:t>:\emp.json</a:t>
+              <a:t>"d:\emp.json</a:t>
             </a:r>
             <a:r>
               <a:rPr lang="fr-FR" sz="2200" dirty="0">
@@ -9593,11 +9577,11 @@
   <p:clrMapOvr>
     <a:masterClrMapping/>
   </p:clrMapOvr>
-  <mc:AlternateContent xmlns:mc="http://schemas.openxmlformats.org/markup-compatibility/2006">
-    <mc:Choice xmlns:p14="http://schemas.microsoft.com/office/powerpoint/2010/main" Requires="p14">
+  <mc:AlternateContent xmlns:mc="http://schemas.openxmlformats.org/markup-compatibility/2006" xmlns:p14="http://schemas.microsoft.com/office/powerpoint/2010/main">
+    <mc:Choice Requires="p14">
       <p:transition spd="slow" p14:dur="2000"/>
     </mc:Choice>
-    <mc:Fallback>
+    <mc:Fallback xmlns="">
       <p:transition spd="slow"/>
     </mc:Fallback>
   </mc:AlternateContent>
@@ -9800,17 +9784,7 @@
                 <a:latin typeface="Consolas" panose="020B0609020204030204" pitchFamily="49" charset="0"/>
                 <a:cs typeface="Calibri" panose="020F0502020204030204" pitchFamily="34" charset="0"/>
               </a:rPr>
-              <a:t>&gt; &lt; --collection &gt; &lt; </a:t>
-            </a:r>
-            <a:r>
-              <a:rPr lang="en-US" dirty="0" smtClean="0">
-                <a:solidFill>
-                  <a:srgbClr val="049DC8"/>
-                </a:solidFill>
-                <a:latin typeface="Consolas" panose="020B0609020204030204" pitchFamily="49" charset="0"/>
-                <a:cs typeface="Calibri" panose="020F0502020204030204" pitchFamily="34" charset="0"/>
-              </a:rPr>
-              <a:t>--out &gt;</a:t>
+              <a:t>&gt; &lt; --collection &gt; &lt; --out &gt;</a:t>
             </a:r>
             <a:endParaRPr lang="en-US" dirty="0">
               <a:solidFill>
@@ -9891,17 +9865,7 @@
                 <a:latin typeface="Calibri" panose="020F0502020204030204" pitchFamily="34" charset="0"/>
                 <a:cs typeface="Calibri" panose="020F0502020204030204" pitchFamily="34" charset="0"/>
               </a:rPr>
-              <a:t>"d</a:t>
-            </a:r>
-            <a:r>
-              <a:rPr lang="fr-FR" sz="2200" dirty="0" smtClean="0">
-                <a:solidFill>
-                  <a:srgbClr val="FC6F0D"/>
-                </a:solidFill>
-                <a:latin typeface="Calibri" panose="020F0502020204030204" pitchFamily="34" charset="0"/>
-                <a:cs typeface="Calibri" panose="020F0502020204030204" pitchFamily="34" charset="0"/>
-              </a:rPr>
-              <a:t>:\e.json</a:t>
+              <a:t>"d:\e.json</a:t>
             </a:r>
             <a:r>
               <a:rPr lang="fr-FR" sz="2200" dirty="0">
@@ -10725,11 +10689,7 @@
           <a:p>
             <a:r>
               <a:rPr lang="en-IN" dirty="0" smtClean="0"/>
-              <a:t>db.createCollection</a:t>
-            </a:r>
-            <a:r>
-              <a:rPr lang="en-IN" dirty="0" smtClean="0"/>
-              <a:t>()</a:t>
+              <a:t>db.createCollection()</a:t>
             </a:r>
             <a:endParaRPr lang="en-US" dirty="0"/>
           </a:p>
@@ -11367,7 +11327,7 @@
           <a:p>
             <a:r>
               <a:rPr lang="en-IN" dirty="0"/>
-              <a:t>db.collection.drop()</a:t>
+              <a:t>db.collection.isCapped()</a:t>
             </a:r>
             <a:endParaRPr lang="en-US" dirty="0"/>
           </a:p>
@@ -11416,7 +11376,7 @@
     </p:spTree>
     <p:extLst>
       <p:ext uri="{BB962C8B-B14F-4D97-AF65-F5344CB8AC3E}">
-        <p14:creationId xmlns:p14="http://schemas.microsoft.com/office/powerpoint/2010/main" val="1235406667"/>
+        <p14:creationId xmlns:p14="http://schemas.microsoft.com/office/powerpoint/2010/main" val="1022697490"/>
       </p:ext>
     </p:extLst>
   </p:cSld>
@@ -11497,17 +11457,7 @@
                 <a:latin typeface="Arial" pitchFamily="34" charset="0"/>
                 <a:cs typeface="Arial" pitchFamily="34" charset="0"/>
               </a:rPr>
-              <a:t>db.collection.drop</a:t>
-            </a:r>
-            <a:r>
-              <a:rPr lang="en-IN" sz="3200" b="1" i="1" dirty="0" smtClean="0">
-                <a:solidFill>
-                  <a:srgbClr val="FFFF00"/>
-                </a:solidFill>
-                <a:latin typeface="Arial" pitchFamily="34" charset="0"/>
-                <a:cs typeface="Arial" pitchFamily="34" charset="0"/>
-              </a:rPr>
-              <a:t>()</a:t>
+              <a:t>db.collection.isCapped()</a:t>
             </a:r>
             <a:endParaRPr lang="en-IN" sz="3200" b="1" i="1" dirty="0">
               <a:solidFill>
@@ -11521,13 +11471,45 @@
       </p:sp>
       <p:sp>
         <p:nvSpPr>
+          <p:cNvPr id="7" name="Rectangle 6"/>
+          <p:cNvSpPr/>
+          <p:nvPr/>
+        </p:nvSpPr>
+        <p:spPr>
+          <a:xfrm>
+            <a:off x="76200" y="762000"/>
+            <a:ext cx="8994812" cy="369332"/>
+          </a:xfrm>
+          <a:prstGeom prst="rect">
+            <a:avLst/>
+          </a:prstGeom>
+        </p:spPr>
+        <p:txBody>
+          <a:bodyPr wrap="square">
+            <a:spAutoFit/>
+          </a:bodyPr>
+          <a:lstStyle/>
+          <a:p>
+            <a:r>
+              <a:rPr lang="en-US" dirty="0"/>
+              <a:t>Returns true if the collection is a capped collection, otherwise returns false.</a:t>
+            </a:r>
+            <a:r>
+              <a:rPr lang="en-IN" dirty="0"/>
+              <a:t> </a:t>
+            </a:r>
+          </a:p>
+        </p:txBody>
+      </p:sp>
+      <p:sp>
+        <p:nvSpPr>
           <p:cNvPr id="8" name="Rectangle 7"/>
           <p:cNvSpPr/>
           <p:nvPr/>
         </p:nvSpPr>
         <p:spPr>
           <a:xfrm>
-            <a:off x="149188" y="1676400"/>
+            <a:off x="149188" y="1371600"/>
             <a:ext cx="8845624" cy="369332"/>
           </a:xfrm>
           <a:prstGeom prst="rect">
@@ -11548,7 +11530,7 @@
                 <a:latin typeface="Consolas" panose="020B0609020204030204" pitchFamily="49" charset="0"/>
                 <a:cs typeface="Calibri" panose="020F0502020204030204" pitchFamily="34" charset="0"/>
               </a:rPr>
-              <a:t>db.collection.drop(&lt;options&gt;)</a:t>
+              <a:t>db.collection.isCapped()</a:t>
             </a:r>
             <a:endParaRPr lang="en-IN" dirty="0">
               <a:solidFill>
@@ -11568,7 +11550,7 @@
         </p:nvSpPr>
         <p:spPr>
           <a:xfrm>
-            <a:off x="149188" y="2404186"/>
+            <a:off x="149188" y="2099386"/>
             <a:ext cx="8845624" cy="430887"/>
           </a:xfrm>
           <a:prstGeom prst="rect">
@@ -11582,38 +11564,18 @@
           <a:lstStyle/>
           <a:p>
             <a:r>
-              <a:rPr lang="en-IN" sz="2200" dirty="0">
+              <a:rPr lang="en-IN" sz="2200" dirty="0" smtClean="0">
                 <a:solidFill>
                   <a:srgbClr val="FC6F0D"/>
                 </a:solidFill>
                 <a:latin typeface="Calibri" panose="020F0502020204030204" pitchFamily="34" charset="0"/>
                 <a:cs typeface="Calibri" panose="020F0502020204030204" pitchFamily="34" charset="0"/>
               </a:rPr>
-              <a:t> </a:t>
-            </a:r>
-            <a:r>
-              <a:rPr lang="en-IN" sz="2200" dirty="0" err="1" smtClean="0">
-                <a:solidFill>
-                  <a:srgbClr val="FC6F0D"/>
-                </a:solidFill>
-                <a:latin typeface="Calibri" panose="020F0502020204030204" pitchFamily="34" charset="0"/>
-                <a:cs typeface="Calibri" panose="020F0502020204030204" pitchFamily="34" charset="0"/>
-              </a:rPr>
-              <a:t>db.emp.drop</a:t>
-            </a:r>
-            <a:r>
-              <a:rPr lang="en-IN" sz="2200" dirty="0" smtClean="0">
-                <a:solidFill>
-                  <a:srgbClr val="FC6F0D"/>
-                </a:solidFill>
-                <a:latin typeface="Calibri" panose="020F0502020204030204" pitchFamily="34" charset="0"/>
-                <a:cs typeface="Calibri" panose="020F0502020204030204" pitchFamily="34" charset="0"/>
-              </a:rPr>
-              <a:t>();</a:t>
-            </a:r>
-            <a:endParaRPr lang="en-IN" sz="2200" dirty="0" smtClean="0">
+              <a:t>db.log.isCapped();</a:t>
+            </a:r>
+            <a:endParaRPr lang="en-US" sz="2200" dirty="0">
               <a:solidFill>
-                <a:srgbClr val="FC6F0D"/>
+                <a:srgbClr val="00B050"/>
               </a:solidFill>
               <a:latin typeface="Calibri" panose="020F0502020204030204" pitchFamily="34" charset="0"/>
               <a:cs typeface="Calibri" panose="020F0502020204030204" pitchFamily="34" charset="0"/>
@@ -11621,39 +11583,10 @@
           </a:p>
         </p:txBody>
       </p:sp>
-      <p:sp>
-        <p:nvSpPr>
-          <p:cNvPr id="9" name="Rectangle 8"/>
-          <p:cNvSpPr/>
-          <p:nvPr/>
-        </p:nvSpPr>
-        <p:spPr>
-          <a:xfrm>
-            <a:off x="149188" y="762000"/>
-            <a:ext cx="8845624" cy="646331"/>
-          </a:xfrm>
-          <a:prstGeom prst="rect">
-            <a:avLst/>
-          </a:prstGeom>
-        </p:spPr>
-        <p:txBody>
-          <a:bodyPr wrap="square">
-            <a:spAutoFit/>
-          </a:bodyPr>
-          <a:lstStyle/>
-          <a:p>
-            <a:r>
-              <a:rPr lang="en-US" dirty="0"/>
-              <a:t>Removes a collection or view from the database. The method also removes any indexes associated with the dropped collection.</a:t>
-            </a:r>
-            <a:endParaRPr lang="en-IN" dirty="0"/>
-          </a:p>
-        </p:txBody>
-      </p:sp>
     </p:spTree>
     <p:extLst>
       <p:ext uri="{BB962C8B-B14F-4D97-AF65-F5344CB8AC3E}">
-        <p14:creationId xmlns:p14="http://schemas.microsoft.com/office/powerpoint/2010/main" val="458997171"/>
+        <p14:creationId xmlns:p14="http://schemas.microsoft.com/office/powerpoint/2010/main" val="3694772601"/>
       </p:ext>
     </p:extLst>
   </p:cSld>
@@ -11727,8 +11660,8 @@
           </a:lstStyle>
           <a:p>
             <a:r>
-              <a:rPr lang="en-IN" dirty="0" smtClean="0"/>
-              <a:t>db.collection.find()</a:t>
+              <a:rPr lang="en-IN" dirty="0"/>
+              <a:t>db.collection.renameCollection()</a:t>
             </a:r>
             <a:endParaRPr lang="en-US" dirty="0"/>
           </a:p>
@@ -11743,7 +11676,7 @@
         <p:spPr>
           <a:xfrm>
             <a:off x="419100" y="2861953"/>
-            <a:ext cx="8305800" cy="646331"/>
+            <a:ext cx="8305800" cy="369332"/>
           </a:xfrm>
           <a:prstGeom prst="rect">
             <a:avLst/>
@@ -11762,41 +11695,33 @@
           <a:lstStyle/>
           <a:p>
             <a:r>
-              <a:rPr lang="en-US" dirty="0">
+              <a:rPr lang="en-US" dirty="0" smtClean="0">
                 <a:solidFill>
                   <a:srgbClr val="222222"/>
                 </a:solidFill>
                 <a:latin typeface="arial" panose="020B0604020202020204" pitchFamily="34" charset="0"/>
               </a:rPr>
-              <a:t>The find() method always returns the _id field unless you specify _id: 0 to suppress the field</a:t>
-            </a:r>
-            <a:r>
-              <a:rPr lang="en-US" dirty="0" smtClean="0">
-                <a:solidFill>
-                  <a:srgbClr val="222222"/>
-                </a:solidFill>
-                <a:latin typeface="arial" panose="020B0604020202020204" pitchFamily="34" charset="0"/>
-              </a:rPr>
-              <a:t>.</a:t>
-            </a:r>
+              <a:t>TODO</a:t>
+            </a:r>
+            <a:endParaRPr lang="en-US" dirty="0"/>
           </a:p>
         </p:txBody>
       </p:sp>
     </p:spTree>
     <p:extLst>
       <p:ext uri="{BB962C8B-B14F-4D97-AF65-F5344CB8AC3E}">
-        <p14:creationId xmlns:p14="http://schemas.microsoft.com/office/powerpoint/2010/main" val="3237465807"/>
+        <p14:creationId xmlns:p14="http://schemas.microsoft.com/office/powerpoint/2010/main" val="1142020784"/>
       </p:ext>
     </p:extLst>
   </p:cSld>
   <p:clrMapOvr>
     <a:masterClrMapping/>
   </p:clrMapOvr>
-  <mc:AlternateContent xmlns:mc="http://schemas.openxmlformats.org/markup-compatibility/2006" xmlns:p14="http://schemas.microsoft.com/office/powerpoint/2010/main">
-    <mc:Choice Requires="p14">
+  <mc:AlternateContent xmlns:mc="http://schemas.openxmlformats.org/markup-compatibility/2006">
+    <mc:Choice xmlns:p14="http://schemas.microsoft.com/office/powerpoint/2010/main" Requires="p14">
       <p:transition spd="slow" p14:dur="2000"/>
     </mc:Choice>
-    <mc:Fallback xmlns="">
+    <mc:Fallback>
       <p:transition spd="slow"/>
     </mc:Fallback>
   </mc:AlternateContent>
@@ -11859,37 +11784,34 @@
               </a:spcBef>
             </a:pPr>
             <a:r>
-              <a:rPr lang="en-IN" sz="3200" b="1" i="1" dirty="0" smtClean="0">
+              <a:rPr lang="en-IN" sz="3200" b="1" i="1" dirty="0">
                 <a:solidFill>
                   <a:srgbClr val="FFFF00"/>
                 </a:solidFill>
                 <a:latin typeface="Arial" pitchFamily="34" charset="0"/>
                 <a:cs typeface="Arial" pitchFamily="34" charset="0"/>
               </a:rPr>
-              <a:t>db.collection.find()</a:t>
-            </a:r>
-            <a:r>
-              <a:rPr lang="en-IN" sz="3200" b="1" i="1" dirty="0">
-                <a:solidFill>
-                  <a:srgbClr val="FFFF00"/>
-                </a:solidFill>
-                <a:latin typeface="Arial" pitchFamily="34" charset="0"/>
-                <a:cs typeface="Arial" pitchFamily="34" charset="0"/>
-              </a:rPr>
-              <a:t> </a:t>
-            </a:r>
-          </a:p>
-        </p:txBody>
-      </p:sp>
-      <p:sp>
-        <p:nvSpPr>
-          <p:cNvPr id="7" name="Rectangle 6"/>
+              <a:t>db.collection.renameCollection()</a:t>
+            </a:r>
+            <a:endParaRPr lang="en-IN" sz="3200" b="1" i="1" dirty="0">
+              <a:solidFill>
+                <a:srgbClr val="FFFF00"/>
+              </a:solidFill>
+              <a:latin typeface="Arial" pitchFamily="34" charset="0"/>
+              <a:cs typeface="Arial" pitchFamily="34" charset="0"/>
+            </a:endParaRPr>
+          </a:p>
+        </p:txBody>
+      </p:sp>
+      <p:sp>
+        <p:nvSpPr>
+          <p:cNvPr id="8" name="Rectangle 7"/>
           <p:cNvSpPr/>
           <p:nvPr/>
         </p:nvSpPr>
         <p:spPr>
           <a:xfrm>
-            <a:off x="149188" y="762000"/>
+            <a:off x="149188" y="1676400"/>
             <a:ext cx="8845624" cy="369332"/>
           </a:xfrm>
           <a:prstGeom prst="rect">
@@ -11903,119 +11825,16 @@
           <a:lstStyle/>
           <a:p>
             <a:r>
-              <a:rPr lang="en-US" dirty="0" smtClean="0"/>
-              <a:t>TODO</a:t>
-            </a:r>
-            <a:endParaRPr lang="en-IN" dirty="0"/>
-          </a:p>
-        </p:txBody>
-      </p:sp>
-      <p:sp>
-        <p:nvSpPr>
-          <p:cNvPr id="4" name="Rectangle 3"/>
-          <p:cNvSpPr/>
-          <p:nvPr/>
-        </p:nvSpPr>
-        <p:spPr>
-          <a:xfrm>
-            <a:off x="154136" y="1563469"/>
-            <a:ext cx="6516528" cy="923330"/>
-          </a:xfrm>
-          <a:prstGeom prst="rect">
-            <a:avLst/>
-          </a:prstGeom>
-        </p:spPr>
-        <p:txBody>
-          <a:bodyPr wrap="none">
-            <a:spAutoFit/>
-          </a:bodyPr>
-          <a:lstStyle/>
-          <a:p>
-            <a:r>
-              <a:rPr lang="en-US" dirty="0" smtClean="0">
+              <a:rPr lang="en-IN" dirty="0">
                 <a:solidFill>
                   <a:srgbClr val="049DC8"/>
                 </a:solidFill>
                 <a:latin typeface="Consolas" panose="020B0609020204030204" pitchFamily="49" charset="0"/>
                 <a:cs typeface="Calibri" panose="020F0502020204030204" pitchFamily="34" charset="0"/>
               </a:rPr>
-              <a:t>db </a:t>
-            </a:r>
-            <a:r>
-              <a:rPr lang="en-US" dirty="0">
-                <a:solidFill>
-                  <a:srgbClr val="049DC8"/>
-                </a:solidFill>
-                <a:latin typeface="Consolas" panose="020B0609020204030204" pitchFamily="49" charset="0"/>
-                <a:cs typeface="Calibri" panose="020F0502020204030204" pitchFamily="34" charset="0"/>
-              </a:rPr>
-              <a:t>['collection'].find (query, projection) </a:t>
-            </a:r>
-          </a:p>
-          <a:p>
-            <a:r>
-              <a:rPr lang="en-US" dirty="0">
-                <a:solidFill>
-                  <a:srgbClr val="049DC8"/>
-                </a:solidFill>
-                <a:latin typeface="Consolas" panose="020B0609020204030204" pitchFamily="49" charset="0"/>
-                <a:cs typeface="Calibri" panose="020F0502020204030204" pitchFamily="34" charset="0"/>
-              </a:rPr>
-              <a:t>db.collection.find(query, projection</a:t>
-            </a:r>
-            <a:r>
-              <a:rPr lang="en-US" dirty="0" smtClean="0">
-                <a:solidFill>
-                  <a:srgbClr val="049DC8"/>
-                </a:solidFill>
-                <a:latin typeface="Consolas" panose="020B0609020204030204" pitchFamily="49" charset="0"/>
-                <a:cs typeface="Calibri" panose="020F0502020204030204" pitchFamily="34" charset="0"/>
-              </a:rPr>
-              <a:t>)</a:t>
-            </a:r>
-          </a:p>
-          <a:p>
-            <a:r>
-              <a:rPr lang="en-US" dirty="0">
-                <a:solidFill>
-                  <a:srgbClr val="049DC8"/>
-                </a:solidFill>
-                <a:latin typeface="Consolas" panose="020B0609020204030204" pitchFamily="49" charset="0"/>
-                <a:cs typeface="Calibri" panose="020F0502020204030204" pitchFamily="34" charset="0"/>
-              </a:rPr>
-              <a:t>db.getCollection('name</a:t>
-            </a:r>
-            <a:r>
-              <a:rPr lang="en-US" dirty="0" smtClean="0">
-                <a:solidFill>
-                  <a:srgbClr val="049DC8"/>
-                </a:solidFill>
-                <a:latin typeface="Consolas" panose="020B0609020204030204" pitchFamily="49" charset="0"/>
-                <a:cs typeface="Calibri" panose="020F0502020204030204" pitchFamily="34" charset="0"/>
-              </a:rPr>
-              <a:t>').</a:t>
-            </a:r>
-            <a:r>
-              <a:rPr lang="en-US" dirty="0">
-                <a:solidFill>
-                  <a:srgbClr val="049DC8"/>
-                </a:solidFill>
-                <a:latin typeface="Consolas" panose="020B0609020204030204" pitchFamily="49" charset="0"/>
-                <a:cs typeface="Calibri" panose="020F0502020204030204" pitchFamily="34" charset="0"/>
-              </a:rPr>
-              <a:t>find (query, projection</a:t>
-            </a:r>
-            <a:r>
-              <a:rPr lang="en-US" dirty="0" smtClean="0">
-                <a:solidFill>
-                  <a:srgbClr val="049DC8"/>
-                </a:solidFill>
-                <a:latin typeface="Consolas" panose="020B0609020204030204" pitchFamily="49" charset="0"/>
-                <a:cs typeface="Calibri" panose="020F0502020204030204" pitchFamily="34" charset="0"/>
-              </a:rPr>
-              <a:t>)</a:t>
-            </a:r>
-            <a:endParaRPr lang="en-US" dirty="0">
+              <a:t>db.collection.renameCollection(target, dropTarget)</a:t>
+            </a:r>
+            <a:endParaRPr lang="en-IN" dirty="0">
               <a:solidFill>
                 <a:srgbClr val="049DC8"/>
               </a:solidFill>
@@ -12027,14 +11846,14 @@
       </p:sp>
       <p:sp>
         <p:nvSpPr>
-          <p:cNvPr id="8" name="Rectangle 7"/>
+          <p:cNvPr id="2" name="Rectangle 1"/>
           <p:cNvSpPr/>
           <p:nvPr/>
         </p:nvSpPr>
         <p:spPr>
           <a:xfrm>
-            <a:off x="178876" y="2535217"/>
-            <a:ext cx="8845624" cy="1477328"/>
+            <a:off x="149188" y="2404186"/>
+            <a:ext cx="8845624" cy="430887"/>
           </a:xfrm>
           <a:prstGeom prst="rect">
             <a:avLst/>
@@ -12047,126 +11866,85 @@
           <a:lstStyle/>
           <a:p>
             <a:r>
-              <a:rPr lang="en-US" b="1" i="1" dirty="0">
-                <a:solidFill>
-                  <a:srgbClr val="036883"/>
-                </a:solidFill>
-              </a:rPr>
-              <a:t>query</a:t>
-            </a:r>
-            <a:r>
-              <a:rPr lang="en-US" dirty="0" smtClean="0"/>
-              <a:t>: Specifies </a:t>
-            </a:r>
-            <a:r>
-              <a:rPr lang="en-US" dirty="0"/>
-              <a:t>selection filter using query operators. To return all documents in a collection, omit this parameter or pass an empty document ({}).</a:t>
-            </a:r>
-          </a:p>
-          <a:p>
-            <a:endParaRPr lang="en-US" dirty="0"/>
-          </a:p>
-          <a:p>
-            <a:r>
-              <a:rPr lang="en-US" b="1" i="1" dirty="0">
-                <a:solidFill>
-                  <a:srgbClr val="036883"/>
-                </a:solidFill>
-              </a:rPr>
-              <a:t>projection</a:t>
-            </a:r>
-            <a:r>
-              <a:rPr lang="en-US" dirty="0" smtClean="0"/>
-              <a:t>: Specifies </a:t>
-            </a:r>
-            <a:r>
-              <a:rPr lang="en-US" dirty="0"/>
-              <a:t>the fields to return in the documents that match the query filter. To return all fields in the matching documents, omit this parameter.</a:t>
-            </a:r>
-          </a:p>
-        </p:txBody>
-      </p:sp>
-      <p:sp>
-        <p:nvSpPr>
-          <p:cNvPr id="12" name="Rectangle 11"/>
+              <a:rPr lang="en-IN" sz="2200" dirty="0">
+                <a:solidFill>
+                  <a:srgbClr val="FC6F0D"/>
+                </a:solidFill>
+                <a:latin typeface="Calibri" panose="020F0502020204030204" pitchFamily="34" charset="0"/>
+                <a:cs typeface="Calibri" panose="020F0502020204030204" pitchFamily="34" charset="0"/>
+              </a:rPr>
+              <a:t> </a:t>
+            </a:r>
+            <a:r>
+              <a:rPr lang="en-IN" sz="2200" dirty="0" smtClean="0">
+                <a:solidFill>
+                  <a:srgbClr val="FC6F0D"/>
+                </a:solidFill>
+                <a:latin typeface="Calibri" panose="020F0502020204030204" pitchFamily="34" charset="0"/>
+                <a:cs typeface="Calibri" panose="020F0502020204030204" pitchFamily="34" charset="0"/>
+              </a:rPr>
+              <a:t>db.emp.renameCollection</a:t>
+            </a:r>
+            <a:r>
+              <a:rPr lang="en-IN" sz="2200" dirty="0">
+                <a:solidFill>
+                  <a:srgbClr val="FC6F0D"/>
+                </a:solidFill>
+                <a:latin typeface="Calibri" panose="020F0502020204030204" pitchFamily="34" charset="0"/>
+                <a:cs typeface="Calibri" panose="020F0502020204030204" pitchFamily="34" charset="0"/>
+              </a:rPr>
+              <a:t>(</a:t>
+            </a:r>
+            <a:r>
+              <a:rPr lang="en-IN" sz="2200" dirty="0" smtClean="0">
+                <a:solidFill>
+                  <a:srgbClr val="FC6F0D"/>
+                </a:solidFill>
+                <a:latin typeface="Calibri" panose="020F0502020204030204" pitchFamily="34" charset="0"/>
+                <a:cs typeface="Calibri" panose="020F0502020204030204" pitchFamily="34" charset="0"/>
+              </a:rPr>
+              <a:t>'e</a:t>
+            </a:r>
+            <a:r>
+              <a:rPr lang="en-IN" sz="2200" dirty="0">
+                <a:solidFill>
+                  <a:srgbClr val="FC6F0D"/>
+                </a:solidFill>
+                <a:latin typeface="Calibri" panose="020F0502020204030204" pitchFamily="34" charset="0"/>
+                <a:cs typeface="Calibri" panose="020F0502020204030204" pitchFamily="34" charset="0"/>
+              </a:rPr>
+              <a:t>'</a:t>
+            </a:r>
+            <a:r>
+              <a:rPr lang="en-IN" sz="2200" dirty="0" smtClean="0">
+                <a:solidFill>
+                  <a:srgbClr val="FC6F0D"/>
+                </a:solidFill>
+                <a:latin typeface="Calibri" panose="020F0502020204030204" pitchFamily="34" charset="0"/>
+                <a:cs typeface="Calibri" panose="020F0502020204030204" pitchFamily="34" charset="0"/>
+              </a:rPr>
+              <a:t>, false);</a:t>
+            </a:r>
+            <a:endParaRPr lang="en-IN" sz="2200" dirty="0" smtClean="0">
+              <a:solidFill>
+                <a:srgbClr val="FC6F0D"/>
+              </a:solidFill>
+              <a:latin typeface="Calibri" panose="020F0502020204030204" pitchFamily="34" charset="0"/>
+              <a:cs typeface="Calibri" panose="020F0502020204030204" pitchFamily="34" charset="0"/>
+            </a:endParaRPr>
+          </a:p>
+        </p:txBody>
+      </p:sp>
+      <p:sp>
+        <p:nvSpPr>
+          <p:cNvPr id="9" name="Rectangle 8"/>
           <p:cNvSpPr/>
           <p:nvPr/>
         </p:nvSpPr>
         <p:spPr>
           <a:xfrm>
-            <a:off x="178876" y="4226831"/>
-            <a:ext cx="1210588" cy="369332"/>
-          </a:xfrm>
-          <a:prstGeom prst="rect">
-            <a:avLst/>
-          </a:prstGeom>
-        </p:spPr>
-        <p:txBody>
-          <a:bodyPr wrap="none">
-            <a:spAutoFit/>
-          </a:bodyPr>
-          <a:lstStyle/>
-          <a:p>
-            <a:r>
-              <a:rPr lang="en-US" dirty="0" smtClean="0">
-                <a:solidFill>
-                  <a:srgbClr val="C00000"/>
-                </a:solidFill>
-              </a:rPr>
-              <a:t>Projection</a:t>
-            </a:r>
-            <a:endParaRPr lang="en-US" dirty="0">
-              <a:solidFill>
-                <a:srgbClr val="C00000"/>
-              </a:solidFill>
-            </a:endParaRPr>
-          </a:p>
-        </p:txBody>
-      </p:sp>
-      <p:sp>
-        <p:nvSpPr>
-          <p:cNvPr id="13" name="Rectangle 12"/>
-          <p:cNvSpPr/>
-          <p:nvPr/>
-        </p:nvSpPr>
-        <p:spPr>
-          <a:xfrm>
-            <a:off x="178876" y="4625783"/>
-            <a:ext cx="5250155" cy="369332"/>
-          </a:xfrm>
-          <a:prstGeom prst="rect">
-            <a:avLst/>
-          </a:prstGeom>
-        </p:spPr>
-        <p:txBody>
-          <a:bodyPr wrap="none">
-            <a:spAutoFit/>
-          </a:bodyPr>
-          <a:lstStyle/>
-          <a:p>
-            <a:r>
-              <a:rPr lang="en-US" dirty="0">
-                <a:solidFill>
-                  <a:srgbClr val="049DC8"/>
-                </a:solidFill>
-                <a:latin typeface="Consolas" panose="020B0609020204030204" pitchFamily="49" charset="0"/>
-                <a:cs typeface="Calibri" panose="020F0502020204030204" pitchFamily="34" charset="0"/>
-              </a:rPr>
-              <a:t>{ field1: &lt;value&gt;, field2: &lt;value&gt; ... }</a:t>
-            </a:r>
-          </a:p>
-        </p:txBody>
-      </p:sp>
-      <p:sp>
-        <p:nvSpPr>
-          <p:cNvPr id="14" name="Rectangle 13"/>
-          <p:cNvSpPr/>
-          <p:nvPr/>
-        </p:nvSpPr>
-        <p:spPr>
-          <a:xfrm>
-            <a:off x="173928" y="5096470"/>
-            <a:ext cx="8820884" cy="923330"/>
+            <a:off x="149188" y="762000"/>
+            <a:ext cx="8845624" cy="646331"/>
           </a:xfrm>
           <a:prstGeom prst="rect">
             <a:avLst/>
@@ -12178,90 +11956,28 @@
           </a:bodyPr>
           <a:lstStyle/>
           <a:p>
-            <a:pPr marL="285750" indent="-285750">
-              <a:lnSpc>
-                <a:spcPct val="150000"/>
-              </a:lnSpc>
-              <a:buFont typeface="Arial" panose="020B0604020202020204" pitchFamily="34" charset="0"/>
-              <a:buChar char="•"/>
-            </a:pPr>
-            <a:r>
-              <a:rPr lang="en-US" b="1" i="1" dirty="0">
-                <a:solidFill>
-                  <a:srgbClr val="036883"/>
-                </a:solidFill>
-              </a:rPr>
-              <a:t>1</a:t>
-            </a:r>
             <a:r>
               <a:rPr lang="en-US" dirty="0"/>
-              <a:t> or </a:t>
-            </a:r>
-            <a:r>
-              <a:rPr lang="en-US" b="1" i="1" dirty="0">
-                <a:solidFill>
-                  <a:srgbClr val="036883"/>
-                </a:solidFill>
-              </a:rPr>
-              <a:t>true</a:t>
-            </a:r>
-            <a:r>
-              <a:rPr lang="en-US" dirty="0"/>
-              <a:t> to include the field in the return documents.</a:t>
-            </a:r>
-          </a:p>
-          <a:p>
-            <a:pPr marL="285750" indent="-285750">
-              <a:lnSpc>
-                <a:spcPct val="150000"/>
-              </a:lnSpc>
-              <a:buFont typeface="Arial" panose="020B0604020202020204" pitchFamily="34" charset="0"/>
-              <a:buChar char="•"/>
-            </a:pPr>
-            <a:r>
-              <a:rPr lang="en-US" b="1" i="1" dirty="0">
-                <a:solidFill>
-                  <a:srgbClr val="036883"/>
-                </a:solidFill>
-              </a:rPr>
-              <a:t>0</a:t>
-            </a:r>
-            <a:r>
-              <a:rPr lang="en-US" dirty="0"/>
-              <a:t> or </a:t>
-            </a:r>
-            <a:r>
-              <a:rPr lang="en-US" b="1" i="1" dirty="0">
-                <a:solidFill>
-                  <a:srgbClr val="036883"/>
-                </a:solidFill>
-              </a:rPr>
-              <a:t>false</a:t>
-            </a:r>
-            <a:r>
-              <a:rPr lang="en-US" dirty="0"/>
-              <a:t> to exclude the field.</a:t>
-            </a:r>
-          </a:p>
-        </p:txBody>
-      </p:sp>
-      <p:sp>
-        <p:nvSpPr>
-          <p:cNvPr id="15" name="Rectangle 14"/>
+              <a:t>Removes a collection or view from the database. The method also removes any indexes associated with the dropped collection.</a:t>
+            </a:r>
+            <a:endParaRPr lang="en-IN" dirty="0"/>
+          </a:p>
+        </p:txBody>
+      </p:sp>
+      <p:sp>
+        <p:nvSpPr>
+          <p:cNvPr id="4" name="Rectangle 3"/>
           <p:cNvSpPr/>
           <p:nvPr/>
         </p:nvSpPr>
         <p:spPr>
           <a:xfrm>
-            <a:off x="4888676" y="619526"/>
-            <a:ext cx="4219700" cy="877163"/>
-          </a:xfrm>
-          <a:prstGeom prst="rect">
-            <a:avLst/>
-          </a:prstGeom>
-          <a:solidFill>
-            <a:srgbClr val="90E183"/>
-          </a:solidFill>
+            <a:off x="164032" y="3048000"/>
+            <a:ext cx="8830780" cy="646331"/>
+          </a:xfrm>
+          <a:prstGeom prst="rect">
+            <a:avLst/>
+          </a:prstGeom>
         </p:spPr>
         <p:txBody>
           <a:bodyPr wrap="square">
@@ -12270,14 +11986,16 @@
           <a:lstStyle/>
           <a:p>
             <a:r>
-              <a:rPr lang="en-US" sz="1700" dirty="0">
-                <a:solidFill>
-                  <a:schemeClr val="bg2">
-                    <a:lumMod val="25000"/>
-                  </a:schemeClr>
-                </a:solidFill>
-              </a:rPr>
-              <a:t>A projection cannot contain both include and exclude specifications, except for the exclusion of the _id field. </a:t>
+              <a:rPr lang="en-US" dirty="0">
+                <a:solidFill>
+                  <a:srgbClr val="B22251"/>
+                </a:solidFill>
+              </a:rPr>
+              <a:t>dropTarget</a:t>
+            </a:r>
+            <a:r>
+              <a:rPr lang="en-US" dirty="0"/>
+              <a:t> : If true, mongod drops the target of renameCollection prior to renaming the collection. The default value is false.</a:t>
             </a:r>
           </a:p>
         </p:txBody>
@@ -12285,7 +12003,7 @@
     </p:spTree>
     <p:extLst>
       <p:ext uri="{BB962C8B-B14F-4D97-AF65-F5344CB8AC3E}">
-        <p14:creationId xmlns:p14="http://schemas.microsoft.com/office/powerpoint/2010/main" val="639887221"/>
+        <p14:creationId xmlns:p14="http://schemas.microsoft.com/office/powerpoint/2010/main" val="1877133030"/>
       </p:ext>
     </p:extLst>
   </p:cSld>
@@ -12321,72 +12039,71 @@
       </p:grpSpPr>
       <p:sp>
         <p:nvSpPr>
-          <p:cNvPr id="6" name="Rectangle 5"/>
-          <p:cNvSpPr/>
-          <p:nvPr/>
-        </p:nvSpPr>
-        <p:spPr>
-          <a:xfrm>
-            <a:off x="0" y="0"/>
-            <a:ext cx="9144000" cy="584775"/>
-          </a:xfrm>
-          <a:prstGeom prst="rect">
-            <a:avLst/>
-          </a:prstGeom>
-          <a:solidFill>
-            <a:schemeClr val="accent4">
-              <a:lumMod val="75000"/>
-            </a:schemeClr>
-          </a:solidFill>
-        </p:spPr>
-        <p:txBody>
-          <a:bodyPr wrap="square">
-            <a:spAutoFit/>
-          </a:bodyPr>
-          <a:lstStyle/>
-          <a:p>
-            <a:pPr algn="r">
+          <p:cNvPr id="2" name="Title 1"/>
+          <p:cNvSpPr txBox="1">
+            <a:spLocks/>
+          </p:cNvSpPr>
+          <p:nvPr/>
+        </p:nvSpPr>
+        <p:spPr>
+          <a:xfrm>
+            <a:off x="152400" y="2057400"/>
+            <a:ext cx="8839200" cy="838200"/>
+          </a:xfrm>
+          <a:prstGeom prst="rect">
+            <a:avLst/>
+          </a:prstGeom>
+        </p:spPr>
+        <p:txBody>
+          <a:bodyPr>
+            <a:noAutofit/>
+          </a:bodyPr>
+          <a:lstStyle>
+            <a:defPPr>
+              <a:defRPr lang="en-US"/>
+            </a:defPPr>
+            <a:lvl1pPr lvl="0" algn="ctr">
               <a:spcBef>
                 <a:spcPct val="0"/>
               </a:spcBef>
-            </a:pPr>
-            <a:r>
-              <a:rPr lang="en-IN" sz="3200" b="1" i="1" dirty="0" smtClean="0">
-                <a:solidFill>
-                  <a:srgbClr val="FFFF00"/>
-                </a:solidFill>
-                <a:latin typeface="Arial" pitchFamily="34" charset="0"/>
-                <a:cs typeface="Arial" pitchFamily="34" charset="0"/>
-              </a:rPr>
-              <a:t>db.collection.find()</a:t>
-            </a:r>
-            <a:r>
-              <a:rPr lang="en-IN" sz="3200" b="1" i="1" dirty="0">
-                <a:solidFill>
-                  <a:srgbClr val="FFFF00"/>
-                </a:solidFill>
-                <a:latin typeface="Arial" pitchFamily="34" charset="0"/>
-                <a:cs typeface="Arial" pitchFamily="34" charset="0"/>
-              </a:rPr>
-              <a:t> </a:t>
-            </a:r>
-          </a:p>
-        </p:txBody>
-      </p:sp>
-      <p:sp>
-        <p:nvSpPr>
-          <p:cNvPr id="7" name="Rectangle 6"/>
+              <a:defRPr sz="4800">
+                <a:solidFill>
+                  <a:srgbClr val="7EEEE3"/>
+                </a:solidFill>
+                <a:latin typeface="Segoe UI Light" panose="020B0502040204020203" pitchFamily="34" charset="0"/>
+                <a:cs typeface="Segoe UI Light" panose="020B0502040204020203" pitchFamily="34" charset="0"/>
+              </a:defRPr>
+            </a:lvl1pPr>
+          </a:lstStyle>
+          <a:p>
+            <a:r>
+              <a:rPr lang="en-IN" dirty="0"/>
+              <a:t>db.collection.drop()</a:t>
+            </a:r>
+            <a:endParaRPr lang="en-US" dirty="0"/>
+          </a:p>
+        </p:txBody>
+      </p:sp>
+      <p:sp>
+        <p:nvSpPr>
+          <p:cNvPr id="3" name="Rectangle 2"/>
           <p:cNvSpPr/>
           <p:nvPr/>
         </p:nvSpPr>
         <p:spPr>
           <a:xfrm>
-            <a:off x="149188" y="762000"/>
-            <a:ext cx="8845624" cy="369332"/>
-          </a:xfrm>
-          <a:prstGeom prst="rect">
-            <a:avLst/>
-          </a:prstGeom>
+            <a:off x="419100" y="2861953"/>
+            <a:ext cx="8305800" cy="369332"/>
+          </a:xfrm>
+          <a:prstGeom prst="rect">
+            <a:avLst/>
+          </a:prstGeom>
+          <a:solidFill>
+            <a:schemeClr val="accent6">
+              <a:lumMod val="20000"/>
+              <a:lumOff val="80000"/>
+            </a:schemeClr>
+          </a:solidFill>
         </p:spPr>
         <p:txBody>
           <a:bodyPr wrap="square">
@@ -12395,519 +12112,36 @@
           <a:lstStyle/>
           <a:p>
             <a:r>
-              <a:rPr lang="en-US" dirty="0" smtClean="0"/>
+              <a:rPr lang="en-US" dirty="0" smtClean="0">
+                <a:solidFill>
+                  <a:srgbClr val="222222"/>
+                </a:solidFill>
+                <a:latin typeface="arial" panose="020B0604020202020204" pitchFamily="34" charset="0"/>
+              </a:rPr>
               <a:t>TODO</a:t>
             </a:r>
-            <a:endParaRPr lang="en-IN" dirty="0"/>
-          </a:p>
-        </p:txBody>
-      </p:sp>
-      <p:sp>
-        <p:nvSpPr>
-          <p:cNvPr id="9" name="Rectangle 8"/>
-          <p:cNvSpPr/>
-          <p:nvPr/>
-        </p:nvSpPr>
-        <p:spPr>
-          <a:xfrm>
-            <a:off x="149188" y="2329696"/>
-            <a:ext cx="8845624" cy="3662541"/>
-          </a:xfrm>
-          <a:prstGeom prst="rect">
-            <a:avLst/>
-          </a:prstGeom>
-        </p:spPr>
-        <p:txBody>
-          <a:bodyPr wrap="square">
-            <a:spAutoFit/>
-          </a:bodyPr>
-          <a:lstStyle/>
-          <a:p>
-            <a:r>
-              <a:rPr lang="en-US" sz="2200" dirty="0">
-                <a:solidFill>
-                  <a:srgbClr val="FC6F0D"/>
-                </a:solidFill>
-                <a:latin typeface="Calibri" panose="020F0502020204030204" pitchFamily="34" charset="0"/>
-                <a:cs typeface="Calibri" panose="020F0502020204030204" pitchFamily="34" charset="0"/>
-              </a:rPr>
-              <a:t>db.emp.find</a:t>
-            </a:r>
-            <a:r>
-              <a:rPr lang="en-US" sz="2200" dirty="0" smtClean="0">
-                <a:solidFill>
-                  <a:srgbClr val="FC6F0D"/>
-                </a:solidFill>
-                <a:latin typeface="Calibri" panose="020F0502020204030204" pitchFamily="34" charset="0"/>
-                <a:cs typeface="Calibri" panose="020F0502020204030204" pitchFamily="34" charset="0"/>
-              </a:rPr>
-              <a:t>();</a:t>
-            </a:r>
-          </a:p>
-          <a:p>
-            <a:endParaRPr lang="en-US" sz="800" dirty="0" smtClean="0">
-              <a:solidFill>
-                <a:srgbClr val="FC6F0D"/>
-              </a:solidFill>
-              <a:latin typeface="Calibri" panose="020F0502020204030204" pitchFamily="34" charset="0"/>
-              <a:cs typeface="Calibri" panose="020F0502020204030204" pitchFamily="34" charset="0"/>
-            </a:endParaRPr>
-          </a:p>
-          <a:p>
-            <a:r>
-              <a:rPr lang="en-US" sz="2200" dirty="0">
-                <a:solidFill>
-                  <a:srgbClr val="FC6F0D"/>
-                </a:solidFill>
-                <a:latin typeface="Calibri" panose="020F0502020204030204" pitchFamily="34" charset="0"/>
-                <a:cs typeface="Calibri" panose="020F0502020204030204" pitchFamily="34" charset="0"/>
-              </a:rPr>
-              <a:t>db ['emp'].find </a:t>
-            </a:r>
-            <a:r>
-              <a:rPr lang="en-US" sz="2200" dirty="0" smtClean="0">
-                <a:solidFill>
-                  <a:srgbClr val="FC6F0D"/>
-                </a:solidFill>
-                <a:latin typeface="Calibri" panose="020F0502020204030204" pitchFamily="34" charset="0"/>
-                <a:cs typeface="Calibri" panose="020F0502020204030204" pitchFamily="34" charset="0"/>
-              </a:rPr>
-              <a:t>()</a:t>
-            </a:r>
-          </a:p>
-          <a:p>
-            <a:endParaRPr lang="en-US" sz="800" dirty="0">
-              <a:solidFill>
-                <a:srgbClr val="FC6F0D"/>
-              </a:solidFill>
-              <a:latin typeface="Calibri" panose="020F0502020204030204" pitchFamily="34" charset="0"/>
-              <a:cs typeface="Calibri" panose="020F0502020204030204" pitchFamily="34" charset="0"/>
-            </a:endParaRPr>
-          </a:p>
-          <a:p>
-            <a:r>
-              <a:rPr lang="en-US" sz="2200" dirty="0" smtClean="0">
-                <a:solidFill>
-                  <a:srgbClr val="FC6F0D"/>
-                </a:solidFill>
-                <a:latin typeface="Calibri" panose="020F0502020204030204" pitchFamily="34" charset="0"/>
-                <a:cs typeface="Calibri" panose="020F0502020204030204" pitchFamily="34" charset="0"/>
-              </a:rPr>
-              <a:t>db.getCollection</a:t>
-            </a:r>
-            <a:r>
-              <a:rPr lang="en-US" sz="2200" dirty="0">
-                <a:solidFill>
-                  <a:srgbClr val="FC6F0D"/>
-                </a:solidFill>
-                <a:latin typeface="Calibri" panose="020F0502020204030204" pitchFamily="34" charset="0"/>
-                <a:cs typeface="Calibri" panose="020F0502020204030204" pitchFamily="34" charset="0"/>
-              </a:rPr>
-              <a:t>(</a:t>
-            </a:r>
-            <a:r>
-              <a:rPr lang="en-US" sz="2200" dirty="0" smtClean="0">
-                <a:solidFill>
-                  <a:srgbClr val="FC6F0D"/>
-                </a:solidFill>
-                <a:latin typeface="Calibri" panose="020F0502020204030204" pitchFamily="34" charset="0"/>
-                <a:cs typeface="Calibri" panose="020F0502020204030204" pitchFamily="34" charset="0"/>
-              </a:rPr>
-              <a:t>'emp</a:t>
-            </a:r>
-            <a:r>
-              <a:rPr lang="en-US" sz="2200" dirty="0">
-                <a:solidFill>
-                  <a:srgbClr val="FC6F0D"/>
-                </a:solidFill>
-                <a:latin typeface="Calibri" panose="020F0502020204030204" pitchFamily="34" charset="0"/>
-                <a:cs typeface="Calibri" panose="020F0502020204030204" pitchFamily="34" charset="0"/>
-              </a:rPr>
-              <a:t>'</a:t>
-            </a:r>
-            <a:r>
-              <a:rPr lang="en-US" sz="2200" dirty="0" smtClean="0">
-                <a:solidFill>
-                  <a:srgbClr val="FC6F0D"/>
-                </a:solidFill>
-                <a:latin typeface="Calibri" panose="020F0502020204030204" pitchFamily="34" charset="0"/>
-                <a:cs typeface="Calibri" panose="020F0502020204030204" pitchFamily="34" charset="0"/>
-              </a:rPr>
-              <a:t>).find();</a:t>
-            </a:r>
-          </a:p>
-          <a:p>
-            <a:endParaRPr lang="en-US" sz="800" dirty="0">
-              <a:solidFill>
-                <a:srgbClr val="FC6F0D"/>
-              </a:solidFill>
-              <a:latin typeface="Calibri" panose="020F0502020204030204" pitchFamily="34" charset="0"/>
-              <a:cs typeface="Calibri" panose="020F0502020204030204" pitchFamily="34" charset="0"/>
-            </a:endParaRPr>
-          </a:p>
-          <a:p>
-            <a:r>
-              <a:rPr lang="en-US" sz="2200" dirty="0">
-                <a:solidFill>
-                  <a:srgbClr val="FC6F0D"/>
-                </a:solidFill>
-                <a:latin typeface="Calibri" panose="020F0502020204030204" pitchFamily="34" charset="0"/>
-                <a:cs typeface="Calibri" panose="020F0502020204030204" pitchFamily="34" charset="0"/>
-              </a:rPr>
-              <a:t>db.emp.find</a:t>
-            </a:r>
-            <a:r>
-              <a:rPr lang="en-US" sz="2200" dirty="0" smtClean="0">
-                <a:solidFill>
-                  <a:srgbClr val="FC6F0D"/>
-                </a:solidFill>
-                <a:latin typeface="Calibri" panose="020F0502020204030204" pitchFamily="34" charset="0"/>
-                <a:cs typeface="Calibri" panose="020F0502020204030204" pitchFamily="34" charset="0"/>
-              </a:rPr>
-              <a:t>({job: 'manager'})</a:t>
-            </a:r>
-          </a:p>
-          <a:p>
-            <a:endParaRPr lang="en-US" sz="800" dirty="0" smtClean="0">
-              <a:solidFill>
-                <a:srgbClr val="FC6F0D"/>
-              </a:solidFill>
-              <a:latin typeface="Calibri" panose="020F0502020204030204" pitchFamily="34" charset="0"/>
-              <a:cs typeface="Calibri" panose="020F0502020204030204" pitchFamily="34" charset="0"/>
-            </a:endParaRPr>
-          </a:p>
-          <a:p>
-            <a:r>
-              <a:rPr lang="en-US" sz="2200" dirty="0">
-                <a:solidFill>
-                  <a:srgbClr val="FC6F0D"/>
-                </a:solidFill>
-                <a:latin typeface="Calibri" panose="020F0502020204030204" pitchFamily="34" charset="0"/>
-                <a:cs typeface="Calibri" panose="020F0502020204030204" pitchFamily="34" charset="0"/>
-              </a:rPr>
-              <a:t>db.emp.find({}, </a:t>
-            </a:r>
-            <a:r>
-              <a:rPr lang="en-US" sz="2200" dirty="0" smtClean="0">
-                <a:solidFill>
-                  <a:srgbClr val="FC6F0D"/>
-                </a:solidFill>
-                <a:latin typeface="Calibri" panose="020F0502020204030204" pitchFamily="34" charset="0"/>
-                <a:cs typeface="Calibri" panose="020F0502020204030204" pitchFamily="34" charset="0"/>
-              </a:rPr>
-              <a:t>{ename:1</a:t>
-            </a:r>
-            <a:r>
-              <a:rPr lang="en-US" sz="2200" dirty="0">
-                <a:solidFill>
-                  <a:srgbClr val="FC6F0D"/>
-                </a:solidFill>
-                <a:latin typeface="Calibri" panose="020F0502020204030204" pitchFamily="34" charset="0"/>
-                <a:cs typeface="Calibri" panose="020F0502020204030204" pitchFamily="34" charset="0"/>
-              </a:rPr>
-              <a:t>, </a:t>
-            </a:r>
-            <a:r>
-              <a:rPr lang="en-US" sz="2200" dirty="0" smtClean="0">
-                <a:solidFill>
-                  <a:srgbClr val="FC6F0D"/>
-                </a:solidFill>
-                <a:latin typeface="Calibri" panose="020F0502020204030204" pitchFamily="34" charset="0"/>
-                <a:cs typeface="Calibri" panose="020F0502020204030204" pitchFamily="34" charset="0"/>
-              </a:rPr>
-              <a:t>job: true});</a:t>
-            </a:r>
-          </a:p>
-          <a:p>
-            <a:endParaRPr lang="en-US" sz="800" dirty="0" smtClean="0">
-              <a:solidFill>
-                <a:srgbClr val="FC6F0D"/>
-              </a:solidFill>
-              <a:latin typeface="Calibri" panose="020F0502020204030204" pitchFamily="34" charset="0"/>
-              <a:cs typeface="Calibri" panose="020F0502020204030204" pitchFamily="34" charset="0"/>
-            </a:endParaRPr>
-          </a:p>
-          <a:p>
-            <a:r>
-              <a:rPr lang="en-US" sz="2200" dirty="0" smtClean="0">
-                <a:solidFill>
-                  <a:srgbClr val="FC6F0D"/>
-                </a:solidFill>
-                <a:latin typeface="Calibri" panose="020F0502020204030204" pitchFamily="34" charset="0"/>
-                <a:cs typeface="Calibri" panose="020F0502020204030204" pitchFamily="34" charset="0"/>
-              </a:rPr>
-              <a:t>db.emp.find({sal:{ </a:t>
-            </a:r>
-            <a:r>
-              <a:rPr lang="en-US" sz="2200" dirty="0">
-                <a:solidFill>
-                  <a:srgbClr val="FC6F0D"/>
-                </a:solidFill>
-                <a:latin typeface="Calibri" panose="020F0502020204030204" pitchFamily="34" charset="0"/>
-                <a:cs typeface="Calibri" panose="020F0502020204030204" pitchFamily="34" charset="0"/>
-              </a:rPr>
-              <a:t>$</a:t>
-            </a:r>
-            <a:r>
-              <a:rPr lang="en-US" sz="2200" dirty="0" smtClean="0">
-                <a:solidFill>
-                  <a:srgbClr val="FC6F0D"/>
-                </a:solidFill>
-                <a:latin typeface="Calibri" panose="020F0502020204030204" pitchFamily="34" charset="0"/>
-                <a:cs typeface="Calibri" panose="020F0502020204030204" pitchFamily="34" charset="0"/>
-              </a:rPr>
-              <a:t>gt:4}})</a:t>
-            </a:r>
-          </a:p>
-          <a:p>
-            <a:endParaRPr lang="en-US" sz="800" dirty="0">
-              <a:solidFill>
-                <a:srgbClr val="FC6F0D"/>
-              </a:solidFill>
-              <a:latin typeface="Calibri" panose="020F0502020204030204" pitchFamily="34" charset="0"/>
-              <a:cs typeface="Calibri" panose="020F0502020204030204" pitchFamily="34" charset="0"/>
-            </a:endParaRPr>
-          </a:p>
-          <a:p>
-            <a:r>
-              <a:rPr lang="en-US" sz="2200" dirty="0" smtClean="0">
-                <a:solidFill>
-                  <a:srgbClr val="FC6F0D"/>
-                </a:solidFill>
-                <a:latin typeface="Calibri" panose="020F0502020204030204" pitchFamily="34" charset="0"/>
-                <a:cs typeface="Calibri" panose="020F0502020204030204" pitchFamily="34" charset="0"/>
-              </a:rPr>
-              <a:t>db.emp.find</a:t>
-            </a:r>
-            <a:r>
-              <a:rPr lang="en-US" sz="2200" dirty="0">
-                <a:solidFill>
-                  <a:srgbClr val="FC6F0D"/>
-                </a:solidFill>
-                <a:latin typeface="Calibri" panose="020F0502020204030204" pitchFamily="34" charset="0"/>
-                <a:cs typeface="Calibri" panose="020F0502020204030204" pitchFamily="34" charset="0"/>
-              </a:rPr>
-              <a:t>({job:'manager</a:t>
-            </a:r>
-            <a:r>
-              <a:rPr lang="en-US" sz="2200" dirty="0" smtClean="0">
-                <a:solidFill>
-                  <a:srgbClr val="FC6F0D"/>
-                </a:solidFill>
-                <a:latin typeface="Calibri" panose="020F0502020204030204" pitchFamily="34" charset="0"/>
-                <a:cs typeface="Calibri" panose="020F0502020204030204" pitchFamily="34" charset="0"/>
-              </a:rPr>
-              <a:t>'}, {</a:t>
-            </a:r>
-            <a:r>
-              <a:rPr lang="en-US" sz="2200" dirty="0">
-                <a:solidFill>
-                  <a:srgbClr val="FC6F0D"/>
-                </a:solidFill>
-                <a:latin typeface="Calibri" panose="020F0502020204030204" pitchFamily="34" charset="0"/>
-                <a:cs typeface="Calibri" panose="020F0502020204030204" pitchFamily="34" charset="0"/>
-              </a:rPr>
-              <a:t>ename:true, job:true</a:t>
-            </a:r>
-            <a:r>
-              <a:rPr lang="en-US" sz="2200" dirty="0" smtClean="0">
-                <a:solidFill>
-                  <a:srgbClr val="FC6F0D"/>
-                </a:solidFill>
-                <a:latin typeface="Calibri" panose="020F0502020204030204" pitchFamily="34" charset="0"/>
-                <a:cs typeface="Calibri" panose="020F0502020204030204" pitchFamily="34" charset="0"/>
-              </a:rPr>
-              <a:t>})</a:t>
-            </a:r>
-          </a:p>
-          <a:p>
-            <a:endParaRPr lang="en-US" sz="800" dirty="0" smtClean="0">
-              <a:solidFill>
-                <a:srgbClr val="FC6F0D"/>
-              </a:solidFill>
-              <a:latin typeface="Calibri" panose="020F0502020204030204" pitchFamily="34" charset="0"/>
-              <a:cs typeface="Calibri" panose="020F0502020204030204" pitchFamily="34" charset="0"/>
-            </a:endParaRPr>
-          </a:p>
-          <a:p>
-            <a:r>
-              <a:rPr lang="en-US" sz="2200" dirty="0" smtClean="0">
-                <a:solidFill>
-                  <a:srgbClr val="FC6F0D"/>
-                </a:solidFill>
-                <a:latin typeface="Calibri" panose="020F0502020204030204" pitchFamily="34" charset="0"/>
-                <a:cs typeface="Calibri" panose="020F0502020204030204" pitchFamily="34" charset="0"/>
-              </a:rPr>
-              <a:t>db.emp.find</a:t>
-            </a:r>
-            <a:r>
-              <a:rPr lang="en-US" sz="2200" dirty="0">
-                <a:solidFill>
-                  <a:srgbClr val="FC6F0D"/>
-                </a:solidFill>
-                <a:latin typeface="Calibri" panose="020F0502020204030204" pitchFamily="34" charset="0"/>
-                <a:cs typeface="Calibri" panose="020F0502020204030204" pitchFamily="34" charset="0"/>
-              </a:rPr>
-              <a:t>({job:'manager'}, </a:t>
-            </a:r>
-            <a:r>
-              <a:rPr lang="en-US" sz="2200" dirty="0" smtClean="0">
-                <a:solidFill>
-                  <a:srgbClr val="FC6F0D"/>
-                </a:solidFill>
-                <a:latin typeface="Calibri" panose="020F0502020204030204" pitchFamily="34" charset="0"/>
-                <a:cs typeface="Calibri" panose="020F0502020204030204" pitchFamily="34" charset="0"/>
-              </a:rPr>
-              <a:t>{_id:false, ename:true</a:t>
-            </a:r>
-            <a:r>
-              <a:rPr lang="en-US" sz="2200" dirty="0">
-                <a:solidFill>
-                  <a:srgbClr val="FC6F0D"/>
-                </a:solidFill>
-                <a:latin typeface="Calibri" panose="020F0502020204030204" pitchFamily="34" charset="0"/>
-                <a:cs typeface="Calibri" panose="020F0502020204030204" pitchFamily="34" charset="0"/>
-              </a:rPr>
-              <a:t>, job:true</a:t>
-            </a:r>
-            <a:r>
-              <a:rPr lang="en-US" sz="2200" dirty="0" smtClean="0">
-                <a:solidFill>
-                  <a:srgbClr val="FC6F0D"/>
-                </a:solidFill>
-                <a:latin typeface="Calibri" panose="020F0502020204030204" pitchFamily="34" charset="0"/>
-                <a:cs typeface="Calibri" panose="020F0502020204030204" pitchFamily="34" charset="0"/>
-              </a:rPr>
-              <a:t>})</a:t>
-            </a:r>
-          </a:p>
-        </p:txBody>
-      </p:sp>
-      <p:sp>
-        <p:nvSpPr>
-          <p:cNvPr id="10" name="Rectangle 9"/>
-          <p:cNvSpPr/>
-          <p:nvPr/>
-        </p:nvSpPr>
-        <p:spPr>
-          <a:xfrm>
-            <a:off x="154136" y="1371600"/>
-            <a:ext cx="6516528" cy="923330"/>
-          </a:xfrm>
-          <a:prstGeom prst="rect">
-            <a:avLst/>
-          </a:prstGeom>
-        </p:spPr>
-        <p:txBody>
-          <a:bodyPr wrap="none">
-            <a:spAutoFit/>
-          </a:bodyPr>
-          <a:lstStyle/>
-          <a:p>
-            <a:r>
-              <a:rPr lang="en-US" dirty="0" smtClean="0">
-                <a:solidFill>
-                  <a:srgbClr val="049DC8"/>
-                </a:solidFill>
-                <a:latin typeface="Consolas" panose="020B0609020204030204" pitchFamily="49" charset="0"/>
-                <a:cs typeface="Calibri" panose="020F0502020204030204" pitchFamily="34" charset="0"/>
-              </a:rPr>
-              <a:t>db </a:t>
-            </a:r>
-            <a:r>
-              <a:rPr lang="en-US" dirty="0">
-                <a:solidFill>
-                  <a:srgbClr val="049DC8"/>
-                </a:solidFill>
-                <a:latin typeface="Consolas" panose="020B0609020204030204" pitchFamily="49" charset="0"/>
-                <a:cs typeface="Calibri" panose="020F0502020204030204" pitchFamily="34" charset="0"/>
-              </a:rPr>
-              <a:t>['collection'].find (query, projection) </a:t>
-            </a:r>
-          </a:p>
-          <a:p>
-            <a:r>
-              <a:rPr lang="en-US" dirty="0">
-                <a:solidFill>
-                  <a:srgbClr val="049DC8"/>
-                </a:solidFill>
-                <a:latin typeface="Consolas" panose="020B0609020204030204" pitchFamily="49" charset="0"/>
-                <a:cs typeface="Calibri" panose="020F0502020204030204" pitchFamily="34" charset="0"/>
-              </a:rPr>
-              <a:t>db.collection.find(query, projection</a:t>
-            </a:r>
-            <a:r>
-              <a:rPr lang="en-US" dirty="0" smtClean="0">
-                <a:solidFill>
-                  <a:srgbClr val="049DC8"/>
-                </a:solidFill>
-                <a:latin typeface="Consolas" panose="020B0609020204030204" pitchFamily="49" charset="0"/>
-                <a:cs typeface="Calibri" panose="020F0502020204030204" pitchFamily="34" charset="0"/>
-              </a:rPr>
-              <a:t>)</a:t>
-            </a:r>
-          </a:p>
-          <a:p>
-            <a:r>
-              <a:rPr lang="en-US" dirty="0">
-                <a:solidFill>
-                  <a:srgbClr val="049DC8"/>
-                </a:solidFill>
-                <a:latin typeface="Consolas" panose="020B0609020204030204" pitchFamily="49" charset="0"/>
-                <a:cs typeface="Calibri" panose="020F0502020204030204" pitchFamily="34" charset="0"/>
-              </a:rPr>
-              <a:t>db.getCollection('name</a:t>
-            </a:r>
-            <a:r>
-              <a:rPr lang="en-US" dirty="0" smtClean="0">
-                <a:solidFill>
-                  <a:srgbClr val="049DC8"/>
-                </a:solidFill>
-                <a:latin typeface="Consolas" panose="020B0609020204030204" pitchFamily="49" charset="0"/>
-                <a:cs typeface="Calibri" panose="020F0502020204030204" pitchFamily="34" charset="0"/>
-              </a:rPr>
-              <a:t>').</a:t>
-            </a:r>
-            <a:r>
-              <a:rPr lang="en-US" dirty="0">
-                <a:solidFill>
-                  <a:srgbClr val="049DC8"/>
-                </a:solidFill>
-                <a:latin typeface="Consolas" panose="020B0609020204030204" pitchFamily="49" charset="0"/>
-                <a:cs typeface="Calibri" panose="020F0502020204030204" pitchFamily="34" charset="0"/>
-              </a:rPr>
-              <a:t>find (query, projection</a:t>
-            </a:r>
-            <a:r>
-              <a:rPr lang="en-US" dirty="0" smtClean="0">
-                <a:solidFill>
-                  <a:srgbClr val="049DC8"/>
-                </a:solidFill>
-                <a:latin typeface="Consolas" panose="020B0609020204030204" pitchFamily="49" charset="0"/>
-                <a:cs typeface="Calibri" panose="020F0502020204030204" pitchFamily="34" charset="0"/>
-              </a:rPr>
-              <a:t>)</a:t>
-            </a:r>
-            <a:endParaRPr lang="en-US" dirty="0">
-              <a:solidFill>
-                <a:srgbClr val="049DC8"/>
-              </a:solidFill>
-              <a:latin typeface="Consolas" panose="020B0609020204030204" pitchFamily="49" charset="0"/>
-              <a:cs typeface="Calibri" panose="020F0502020204030204" pitchFamily="34" charset="0"/>
-            </a:endParaRPr>
+            <a:endParaRPr lang="en-US" dirty="0"/>
           </a:p>
         </p:txBody>
       </p:sp>
     </p:spTree>
     <p:extLst>
       <p:ext uri="{BB962C8B-B14F-4D97-AF65-F5344CB8AC3E}">
-        <p14:creationId xmlns:p14="http://schemas.microsoft.com/office/powerpoint/2010/main" val="635217269"/>
+        <p14:creationId xmlns:p14="http://schemas.microsoft.com/office/powerpoint/2010/main" val="1235406667"/>
       </p:ext>
     </p:extLst>
   </p:cSld>
   <p:clrMapOvr>
     <a:masterClrMapping/>
   </p:clrMapOvr>
+  <mc:AlternateContent xmlns:mc="http://schemas.openxmlformats.org/markup-compatibility/2006" xmlns:p14="http://schemas.microsoft.com/office/powerpoint/2010/main">
+    <mc:Choice Requires="p14">
+      <p:transition spd="slow" p14:dur="2000"/>
+    </mc:Choice>
+    <mc:Fallback xmlns="">
+      <p:transition spd="slow"/>
+    </mc:Fallback>
+  </mc:AlternateContent>
   <p:timing>
     <p:tnLst>
       <p:par>
@@ -12967,37 +12201,44 @@
               </a:spcBef>
             </a:pPr>
             <a:r>
-              <a:rPr lang="en-IN" sz="3200" b="1" i="1" dirty="0" smtClean="0">
+              <a:rPr lang="en-IN" sz="3200" b="1" i="1" dirty="0">
                 <a:solidFill>
                   <a:srgbClr val="FFFF00"/>
                 </a:solidFill>
                 <a:latin typeface="Arial" pitchFamily="34" charset="0"/>
                 <a:cs typeface="Arial" pitchFamily="34" charset="0"/>
               </a:rPr>
-              <a:t>db.collection.find()[&lt;index_number&gt;]</a:t>
-            </a:r>
-            <a:r>
-              <a:rPr lang="en-IN" sz="3200" b="1" i="1" dirty="0">
+              <a:t>db.collection.drop</a:t>
+            </a:r>
+            <a:r>
+              <a:rPr lang="en-IN" sz="3200" b="1" i="1" dirty="0" smtClean="0">
                 <a:solidFill>
                   <a:srgbClr val="FFFF00"/>
                 </a:solidFill>
                 <a:latin typeface="Arial" pitchFamily="34" charset="0"/>
                 <a:cs typeface="Arial" pitchFamily="34" charset="0"/>
               </a:rPr>
-              <a:t> </a:t>
-            </a:r>
-          </a:p>
-        </p:txBody>
-      </p:sp>
-      <p:sp>
-        <p:nvSpPr>
-          <p:cNvPr id="7" name="Rectangle 6"/>
+              <a:t>()</a:t>
+            </a:r>
+            <a:endParaRPr lang="en-IN" sz="3200" b="1" i="1" dirty="0">
+              <a:solidFill>
+                <a:srgbClr val="FFFF00"/>
+              </a:solidFill>
+              <a:latin typeface="Arial" pitchFamily="34" charset="0"/>
+              <a:cs typeface="Arial" pitchFamily="34" charset="0"/>
+            </a:endParaRPr>
+          </a:p>
+        </p:txBody>
+      </p:sp>
+      <p:sp>
+        <p:nvSpPr>
+          <p:cNvPr id="8" name="Rectangle 7"/>
           <p:cNvSpPr/>
           <p:nvPr/>
         </p:nvSpPr>
         <p:spPr>
           <a:xfrm>
-            <a:off x="149188" y="762000"/>
+            <a:off x="149188" y="1676400"/>
             <a:ext cx="8845624" cy="369332"/>
           </a:xfrm>
           <a:prstGeom prst="rect">
@@ -13011,10 +12252,59 @@
           <a:lstStyle/>
           <a:p>
             <a:r>
-              <a:rPr lang="en-US" dirty="0" smtClean="0"/>
-              <a:t>TODO</a:t>
-            </a:r>
-            <a:endParaRPr lang="en-IN" dirty="0"/>
+              <a:rPr lang="en-IN" dirty="0">
+                <a:solidFill>
+                  <a:srgbClr val="049DC8"/>
+                </a:solidFill>
+                <a:latin typeface="Consolas" panose="020B0609020204030204" pitchFamily="49" charset="0"/>
+                <a:cs typeface="Calibri" panose="020F0502020204030204" pitchFamily="34" charset="0"/>
+              </a:rPr>
+              <a:t>db.collection.drop(&lt;options&gt;)</a:t>
+            </a:r>
+          </a:p>
+        </p:txBody>
+      </p:sp>
+      <p:sp>
+        <p:nvSpPr>
+          <p:cNvPr id="2" name="Rectangle 1"/>
+          <p:cNvSpPr/>
+          <p:nvPr/>
+        </p:nvSpPr>
+        <p:spPr>
+          <a:xfrm>
+            <a:off x="149188" y="2404186"/>
+            <a:ext cx="8845624" cy="430887"/>
+          </a:xfrm>
+          <a:prstGeom prst="rect">
+            <a:avLst/>
+          </a:prstGeom>
+        </p:spPr>
+        <p:txBody>
+          <a:bodyPr wrap="square">
+            <a:spAutoFit/>
+          </a:bodyPr>
+          <a:lstStyle/>
+          <a:p>
+            <a:r>
+              <a:rPr lang="en-IN" sz="2200" dirty="0">
+                <a:solidFill>
+                  <a:srgbClr val="FC6F0D"/>
+                </a:solidFill>
+                <a:latin typeface="Calibri" panose="020F0502020204030204" pitchFamily="34" charset="0"/>
+                <a:cs typeface="Calibri" panose="020F0502020204030204" pitchFamily="34" charset="0"/>
+              </a:rPr>
+              <a:t> </a:t>
+            </a:r>
+            <a:r>
+              <a:rPr lang="en-IN" sz="2200" dirty="0" smtClean="0">
+                <a:solidFill>
+                  <a:srgbClr val="FC6F0D"/>
+                </a:solidFill>
+                <a:latin typeface="Calibri" panose="020F0502020204030204" pitchFamily="34" charset="0"/>
+                <a:cs typeface="Calibri" panose="020F0502020204030204" pitchFamily="34" charset="0"/>
+              </a:rPr>
+              <a:t>db.emp.drop();</a:t>
+            </a:r>
           </a:p>
         </p:txBody>
       </p:sp>
@@ -13026,8 +12316,8 @@
         </p:nvSpPr>
         <p:spPr>
           <a:xfrm>
-            <a:off x="149188" y="2832318"/>
-            <a:ext cx="8845624" cy="1815882"/>
+            <a:off x="149188" y="762000"/>
+            <a:ext cx="8845624" cy="646331"/>
           </a:xfrm>
           <a:prstGeom prst="rect">
             <a:avLst/>
@@ -13040,317 +12330,17 @@
           <a:lstStyle/>
           <a:p>
             <a:r>
-              <a:rPr lang="en-US" sz="2200" dirty="0">
-                <a:solidFill>
-                  <a:srgbClr val="FC6F0D"/>
-                </a:solidFill>
-                <a:latin typeface="Calibri" panose="020F0502020204030204" pitchFamily="34" charset="0"/>
-                <a:cs typeface="Calibri" panose="020F0502020204030204" pitchFamily="34" charset="0"/>
-              </a:rPr>
-              <a:t>db.emp.find</a:t>
-            </a:r>
-            <a:r>
-              <a:rPr lang="en-US" sz="2200" dirty="0" smtClean="0">
-                <a:solidFill>
-                  <a:srgbClr val="FC6F0D"/>
-                </a:solidFill>
-                <a:latin typeface="Calibri" panose="020F0502020204030204" pitchFamily="34" charset="0"/>
-                <a:cs typeface="Calibri" panose="020F0502020204030204" pitchFamily="34" charset="0"/>
-              </a:rPr>
-              <a:t>()[0];</a:t>
-            </a:r>
-          </a:p>
-          <a:p>
-            <a:endParaRPr lang="en-US" sz="800" dirty="0" smtClean="0">
-              <a:solidFill>
-                <a:srgbClr val="FC6F0D"/>
-              </a:solidFill>
-              <a:latin typeface="Calibri" panose="020F0502020204030204" pitchFamily="34" charset="0"/>
-              <a:cs typeface="Calibri" panose="020F0502020204030204" pitchFamily="34" charset="0"/>
-            </a:endParaRPr>
-          </a:p>
-          <a:p>
-            <a:r>
-              <a:rPr lang="en-US" sz="2200" dirty="0">
-                <a:solidFill>
-                  <a:srgbClr val="FC6F0D"/>
-                </a:solidFill>
-                <a:latin typeface="Calibri" panose="020F0502020204030204" pitchFamily="34" charset="0"/>
-                <a:cs typeface="Calibri" panose="020F0502020204030204" pitchFamily="34" charset="0"/>
-              </a:rPr>
-              <a:t>db.emp.find()[0</a:t>
-            </a:r>
-            <a:r>
-              <a:rPr lang="en-US" sz="2200" dirty="0" smtClean="0">
-                <a:solidFill>
-                  <a:srgbClr val="FC6F0D"/>
-                </a:solidFill>
-                <a:latin typeface="Calibri" panose="020F0502020204030204" pitchFamily="34" charset="0"/>
-                <a:cs typeface="Calibri" panose="020F0502020204030204" pitchFamily="34" charset="0"/>
-              </a:rPr>
-              <a:t>].ename;</a:t>
-            </a:r>
-          </a:p>
-          <a:p>
-            <a:endParaRPr lang="en-US" sz="800" dirty="0" smtClean="0">
-              <a:solidFill>
-                <a:srgbClr val="FC6F0D"/>
-              </a:solidFill>
-              <a:latin typeface="Calibri" panose="020F0502020204030204" pitchFamily="34" charset="0"/>
-              <a:cs typeface="Calibri" panose="020F0502020204030204" pitchFamily="34" charset="0"/>
-            </a:endParaRPr>
-          </a:p>
-          <a:p>
-            <a:r>
-              <a:rPr lang="en-US" sz="2200" dirty="0">
-                <a:solidFill>
-                  <a:srgbClr val="FC6F0D"/>
-                </a:solidFill>
-                <a:latin typeface="Calibri" panose="020F0502020204030204" pitchFamily="34" charset="0"/>
-                <a:cs typeface="Calibri" panose="020F0502020204030204" pitchFamily="34" charset="0"/>
-              </a:rPr>
-              <a:t>db.getCollection('emp').find</a:t>
-            </a:r>
-            <a:r>
-              <a:rPr lang="en-US" sz="2200" dirty="0" smtClean="0">
-                <a:solidFill>
-                  <a:srgbClr val="FC6F0D"/>
-                </a:solidFill>
-                <a:latin typeface="Calibri" panose="020F0502020204030204" pitchFamily="34" charset="0"/>
-                <a:cs typeface="Calibri" panose="020F0502020204030204" pitchFamily="34" charset="0"/>
-              </a:rPr>
-              <a:t>()</a:t>
-            </a:r>
-            <a:r>
-              <a:rPr lang="en-US" sz="2200" dirty="0">
-                <a:solidFill>
-                  <a:srgbClr val="FC6F0D"/>
-                </a:solidFill>
-                <a:latin typeface="Calibri" panose="020F0502020204030204" pitchFamily="34" charset="0"/>
-                <a:cs typeface="Calibri" panose="020F0502020204030204" pitchFamily="34" charset="0"/>
-              </a:rPr>
-              <a:t> [0]</a:t>
-            </a:r>
-            <a:r>
-              <a:rPr lang="en-US" sz="2200" dirty="0" smtClean="0">
-                <a:solidFill>
-                  <a:srgbClr val="FC6F0D"/>
-                </a:solidFill>
-                <a:latin typeface="Calibri" panose="020F0502020204030204" pitchFamily="34" charset="0"/>
-                <a:cs typeface="Calibri" panose="020F0502020204030204" pitchFamily="34" charset="0"/>
-              </a:rPr>
-              <a:t>;</a:t>
-            </a:r>
-          </a:p>
-          <a:p>
-            <a:endParaRPr lang="en-US" sz="800" dirty="0" smtClean="0">
-              <a:solidFill>
-                <a:srgbClr val="FC6F0D"/>
-              </a:solidFill>
-              <a:latin typeface="Calibri" panose="020F0502020204030204" pitchFamily="34" charset="0"/>
-              <a:cs typeface="Calibri" panose="020F0502020204030204" pitchFamily="34" charset="0"/>
-            </a:endParaRPr>
-          </a:p>
-          <a:p>
-            <a:r>
-              <a:rPr lang="en-US" sz="2200" dirty="0">
-                <a:solidFill>
-                  <a:srgbClr val="FC6F0D"/>
-                </a:solidFill>
-                <a:latin typeface="Calibri" panose="020F0502020204030204" pitchFamily="34" charset="0"/>
-                <a:cs typeface="Calibri" panose="020F0502020204030204" pitchFamily="34" charset="0"/>
-              </a:rPr>
-              <a:t>db.emp.find()[db.emp.find().count()-1]</a:t>
-            </a:r>
-          </a:p>
-        </p:txBody>
-      </p:sp>
-      <p:sp>
-        <p:nvSpPr>
-          <p:cNvPr id="8" name="Rectangle 7"/>
-          <p:cNvSpPr/>
-          <p:nvPr/>
-        </p:nvSpPr>
-        <p:spPr>
-          <a:xfrm>
-            <a:off x="149188" y="1563469"/>
-            <a:ext cx="8845624" cy="923330"/>
-          </a:xfrm>
-          <a:prstGeom prst="rect">
-            <a:avLst/>
-          </a:prstGeom>
-        </p:spPr>
-        <p:txBody>
-          <a:bodyPr wrap="square">
-            <a:spAutoFit/>
-          </a:bodyPr>
-          <a:lstStyle/>
-          <a:p>
-            <a:r>
-              <a:rPr lang="en-US" dirty="0">
-                <a:solidFill>
-                  <a:srgbClr val="049DC8"/>
-                </a:solidFill>
-                <a:latin typeface="Consolas" panose="020B0609020204030204" pitchFamily="49" charset="0"/>
-                <a:cs typeface="Calibri" panose="020F0502020204030204" pitchFamily="34" charset="0"/>
-              </a:rPr>
-              <a:t>db ['collection'].find (query, projection</a:t>
-            </a:r>
-            <a:r>
-              <a:rPr lang="en-US" dirty="0" smtClean="0">
-                <a:solidFill>
-                  <a:srgbClr val="049DC8"/>
-                </a:solidFill>
-                <a:latin typeface="Consolas" panose="020B0609020204030204" pitchFamily="49" charset="0"/>
-                <a:cs typeface="Calibri" panose="020F0502020204030204" pitchFamily="34" charset="0"/>
-              </a:rPr>
-              <a:t>) [&lt;index&gt; [.field] ]</a:t>
-            </a:r>
-            <a:endParaRPr lang="en-US" dirty="0">
-              <a:solidFill>
-                <a:srgbClr val="049DC8"/>
-              </a:solidFill>
-              <a:latin typeface="Consolas" panose="020B0609020204030204" pitchFamily="49" charset="0"/>
-              <a:cs typeface="Calibri" panose="020F0502020204030204" pitchFamily="34" charset="0"/>
-            </a:endParaRPr>
-          </a:p>
-          <a:p>
-            <a:r>
-              <a:rPr lang="en-US" dirty="0" smtClean="0">
-                <a:solidFill>
-                  <a:srgbClr val="049DC8"/>
-                </a:solidFill>
-                <a:latin typeface="Consolas" panose="020B0609020204030204" pitchFamily="49" charset="0"/>
-                <a:cs typeface="Calibri" panose="020F0502020204030204" pitchFamily="34" charset="0"/>
-              </a:rPr>
-              <a:t>db.collection.find(query</a:t>
-            </a:r>
-            <a:r>
-              <a:rPr lang="en-US" dirty="0">
-                <a:solidFill>
-                  <a:srgbClr val="049DC8"/>
-                </a:solidFill>
-                <a:latin typeface="Consolas" panose="020B0609020204030204" pitchFamily="49" charset="0"/>
-                <a:cs typeface="Calibri" panose="020F0502020204030204" pitchFamily="34" charset="0"/>
-              </a:rPr>
-              <a:t>, projection) </a:t>
-            </a:r>
-            <a:r>
-              <a:rPr lang="en-US" dirty="0" smtClean="0">
-                <a:solidFill>
-                  <a:srgbClr val="049DC8"/>
-                </a:solidFill>
-                <a:latin typeface="Consolas" panose="020B0609020204030204" pitchFamily="49" charset="0"/>
-                <a:cs typeface="Calibri" panose="020F0502020204030204" pitchFamily="34" charset="0"/>
-              </a:rPr>
-              <a:t>[&lt;index&gt; [.</a:t>
-            </a:r>
-            <a:r>
-              <a:rPr lang="en-US" dirty="0">
-                <a:solidFill>
-                  <a:srgbClr val="049DC8"/>
-                </a:solidFill>
-                <a:latin typeface="Consolas" panose="020B0609020204030204" pitchFamily="49" charset="0"/>
-                <a:cs typeface="Calibri" panose="020F0502020204030204" pitchFamily="34" charset="0"/>
-              </a:rPr>
-              <a:t>field</a:t>
-            </a:r>
-            <a:r>
-              <a:rPr lang="en-US" dirty="0" smtClean="0">
-                <a:solidFill>
-                  <a:srgbClr val="049DC8"/>
-                </a:solidFill>
-                <a:latin typeface="Consolas" panose="020B0609020204030204" pitchFamily="49" charset="0"/>
-                <a:cs typeface="Calibri" panose="020F0502020204030204" pitchFamily="34" charset="0"/>
-              </a:rPr>
-              <a:t>] ]</a:t>
-            </a:r>
-          </a:p>
-          <a:p>
-            <a:r>
-              <a:rPr lang="en-US" dirty="0" smtClean="0">
-                <a:solidFill>
-                  <a:srgbClr val="049DC8"/>
-                </a:solidFill>
-                <a:latin typeface="Consolas" panose="020B0609020204030204" pitchFamily="49" charset="0"/>
-                <a:cs typeface="Calibri" panose="020F0502020204030204" pitchFamily="34" charset="0"/>
-              </a:rPr>
-              <a:t>db.getCollection</a:t>
-            </a:r>
-            <a:r>
-              <a:rPr lang="en-US" dirty="0">
-                <a:solidFill>
-                  <a:srgbClr val="049DC8"/>
-                </a:solidFill>
-                <a:latin typeface="Consolas" panose="020B0609020204030204" pitchFamily="49" charset="0"/>
-                <a:cs typeface="Calibri" panose="020F0502020204030204" pitchFamily="34" charset="0"/>
-              </a:rPr>
-              <a:t>('name</a:t>
-            </a:r>
-            <a:r>
-              <a:rPr lang="en-US" dirty="0" smtClean="0">
-                <a:solidFill>
-                  <a:srgbClr val="049DC8"/>
-                </a:solidFill>
-                <a:latin typeface="Consolas" panose="020B0609020204030204" pitchFamily="49" charset="0"/>
-                <a:cs typeface="Calibri" panose="020F0502020204030204" pitchFamily="34" charset="0"/>
-              </a:rPr>
-              <a:t>').</a:t>
-            </a:r>
-            <a:r>
-              <a:rPr lang="en-US" dirty="0">
-                <a:solidFill>
-                  <a:srgbClr val="049DC8"/>
-                </a:solidFill>
-                <a:latin typeface="Consolas" panose="020B0609020204030204" pitchFamily="49" charset="0"/>
-                <a:cs typeface="Calibri" panose="020F0502020204030204" pitchFamily="34" charset="0"/>
-              </a:rPr>
-              <a:t>find (query, projection</a:t>
-            </a:r>
-            <a:r>
-              <a:rPr lang="en-US" dirty="0" smtClean="0">
-                <a:solidFill>
-                  <a:srgbClr val="049DC8"/>
-                </a:solidFill>
-                <a:latin typeface="Consolas" panose="020B0609020204030204" pitchFamily="49" charset="0"/>
-                <a:cs typeface="Calibri" panose="020F0502020204030204" pitchFamily="34" charset="0"/>
-              </a:rPr>
-              <a:t>) [&lt;index&gt; </a:t>
-            </a:r>
-            <a:r>
-              <a:rPr lang="en-US" dirty="0">
-                <a:solidFill>
-                  <a:srgbClr val="049DC8"/>
-                </a:solidFill>
-                <a:latin typeface="Consolas" panose="020B0609020204030204" pitchFamily="49" charset="0"/>
-                <a:cs typeface="Calibri" panose="020F0502020204030204" pitchFamily="34" charset="0"/>
-              </a:rPr>
-              <a:t>[.field] </a:t>
-            </a:r>
-            <a:r>
-              <a:rPr lang="en-US" dirty="0" smtClean="0">
-                <a:solidFill>
-                  <a:srgbClr val="049DC8"/>
-                </a:solidFill>
-                <a:latin typeface="Consolas" panose="020B0609020204030204" pitchFamily="49" charset="0"/>
-                <a:cs typeface="Calibri" panose="020F0502020204030204" pitchFamily="34" charset="0"/>
-              </a:rPr>
-              <a:t>]</a:t>
-            </a:r>
-            <a:endParaRPr lang="en-US" dirty="0">
-              <a:solidFill>
-                <a:srgbClr val="049DC8"/>
-              </a:solidFill>
-              <a:latin typeface="Consolas" panose="020B0609020204030204" pitchFamily="49" charset="0"/>
-              <a:cs typeface="Calibri" panose="020F0502020204030204" pitchFamily="34" charset="0"/>
-            </a:endParaRPr>
+              <a:rPr lang="en-US" dirty="0"/>
+              <a:t>Removes a collection or view from the database. The method also removes any indexes associated with the dropped collection.</a:t>
+            </a:r>
+            <a:endParaRPr lang="en-IN" dirty="0"/>
           </a:p>
         </p:txBody>
       </p:sp>
     </p:spTree>
     <p:extLst>
       <p:ext uri="{BB962C8B-B14F-4D97-AF65-F5344CB8AC3E}">
-        <p14:creationId xmlns:p14="http://schemas.microsoft.com/office/powerpoint/2010/main" val="2762672699"/>
+        <p14:creationId xmlns:p14="http://schemas.microsoft.com/office/powerpoint/2010/main" val="458997171"/>
       </p:ext>
     </p:extLst>
   </p:cSld>
@@ -13386,72 +12376,71 @@
       </p:grpSpPr>
       <p:sp>
         <p:nvSpPr>
-          <p:cNvPr id="6" name="Rectangle 5"/>
-          <p:cNvSpPr/>
-          <p:nvPr/>
-        </p:nvSpPr>
-        <p:spPr>
-          <a:xfrm>
-            <a:off x="0" y="0"/>
-            <a:ext cx="9144000" cy="584775"/>
-          </a:xfrm>
-          <a:prstGeom prst="rect">
-            <a:avLst/>
-          </a:prstGeom>
-          <a:solidFill>
-            <a:schemeClr val="accent4">
-              <a:lumMod val="75000"/>
-            </a:schemeClr>
-          </a:solidFill>
-        </p:spPr>
-        <p:txBody>
-          <a:bodyPr wrap="square">
-            <a:spAutoFit/>
-          </a:bodyPr>
-          <a:lstStyle/>
-          <a:p>
-            <a:pPr algn="r">
+          <p:cNvPr id="2" name="Title 1"/>
+          <p:cNvSpPr txBox="1">
+            <a:spLocks/>
+          </p:cNvSpPr>
+          <p:nvPr/>
+        </p:nvSpPr>
+        <p:spPr>
+          <a:xfrm>
+            <a:off x="152400" y="2057400"/>
+            <a:ext cx="8839200" cy="838200"/>
+          </a:xfrm>
+          <a:prstGeom prst="rect">
+            <a:avLst/>
+          </a:prstGeom>
+        </p:spPr>
+        <p:txBody>
+          <a:bodyPr>
+            <a:noAutofit/>
+          </a:bodyPr>
+          <a:lstStyle>
+            <a:defPPr>
+              <a:defRPr lang="en-US"/>
+            </a:defPPr>
+            <a:lvl1pPr lvl="0" algn="ctr">
               <a:spcBef>
                 <a:spcPct val="0"/>
               </a:spcBef>
-            </a:pPr>
-            <a:r>
-              <a:rPr lang="en-IN" sz="3200" b="1" i="1" dirty="0" smtClean="0">
-                <a:solidFill>
-                  <a:srgbClr val="FFFF00"/>
-                </a:solidFill>
-                <a:latin typeface="Arial" pitchFamily="34" charset="0"/>
-                <a:cs typeface="Arial" pitchFamily="34" charset="0"/>
-              </a:rPr>
-              <a:t>cursor with db.collection.find()</a:t>
-            </a:r>
-            <a:r>
-              <a:rPr lang="en-IN" sz="3200" b="1" i="1" dirty="0">
-                <a:solidFill>
-                  <a:srgbClr val="FFFF00"/>
-                </a:solidFill>
-                <a:latin typeface="Arial" pitchFamily="34" charset="0"/>
-                <a:cs typeface="Arial" pitchFamily="34" charset="0"/>
-              </a:rPr>
-              <a:t> </a:t>
-            </a:r>
-          </a:p>
-        </p:txBody>
-      </p:sp>
-      <p:sp>
-        <p:nvSpPr>
-          <p:cNvPr id="7" name="Rectangle 6"/>
+              <a:defRPr sz="4800">
+                <a:solidFill>
+                  <a:srgbClr val="7EEEE3"/>
+                </a:solidFill>
+                <a:latin typeface="Segoe UI Light" panose="020B0502040204020203" pitchFamily="34" charset="0"/>
+                <a:cs typeface="Segoe UI Light" panose="020B0502040204020203" pitchFamily="34" charset="0"/>
+              </a:defRPr>
+            </a:lvl1pPr>
+          </a:lstStyle>
+          <a:p>
+            <a:r>
+              <a:rPr lang="en-IN" dirty="0" smtClean="0"/>
+              <a:t>db.collection.find()</a:t>
+            </a:r>
+            <a:endParaRPr lang="en-US" dirty="0"/>
+          </a:p>
+        </p:txBody>
+      </p:sp>
+      <p:sp>
+        <p:nvSpPr>
+          <p:cNvPr id="3" name="Rectangle 2"/>
           <p:cNvSpPr/>
           <p:nvPr/>
         </p:nvSpPr>
         <p:spPr>
           <a:xfrm>
-            <a:off x="149188" y="762000"/>
-            <a:ext cx="8845624" cy="923330"/>
-          </a:xfrm>
-          <a:prstGeom prst="rect">
-            <a:avLst/>
-          </a:prstGeom>
+            <a:off x="419100" y="2861953"/>
+            <a:ext cx="8305800" cy="646331"/>
+          </a:xfrm>
+          <a:prstGeom prst="rect">
+            <a:avLst/>
+          </a:prstGeom>
+          <a:solidFill>
+            <a:schemeClr val="accent6">
+              <a:lumMod val="20000"/>
+              <a:lumOff val="80000"/>
+            </a:schemeClr>
+          </a:solidFill>
         </p:spPr>
         <p:txBody>
           <a:bodyPr wrap="square">
@@ -13460,131 +12449,22 @@
           <a:lstStyle/>
           <a:p>
             <a:r>
-              <a:rPr lang="en-US" dirty="0"/>
-              <a:t>In the mongo shell, if the returned cursor is not assigned to a variable using the var keyword, the cursor is automatically iterated to access up to the first 20 documents that match the query.</a:t>
-            </a:r>
-            <a:endParaRPr lang="en-IN" dirty="0"/>
-          </a:p>
-        </p:txBody>
-      </p:sp>
-      <p:sp>
-        <p:nvSpPr>
-          <p:cNvPr id="4" name="Rectangle 3"/>
-          <p:cNvSpPr/>
-          <p:nvPr/>
-        </p:nvSpPr>
-        <p:spPr>
-          <a:xfrm>
-            <a:off x="154136" y="1840468"/>
-            <a:ext cx="7402989" cy="369332"/>
-          </a:xfrm>
-          <a:prstGeom prst="rect">
-            <a:avLst/>
-          </a:prstGeom>
-        </p:spPr>
-        <p:txBody>
-          <a:bodyPr wrap="none">
-            <a:spAutoFit/>
-          </a:bodyPr>
-          <a:lstStyle/>
-          <a:p>
+              <a:rPr lang="en-US" dirty="0">
+                <a:solidFill>
+                  <a:srgbClr val="222222"/>
+                </a:solidFill>
+                <a:latin typeface="arial" panose="020B0604020202020204" pitchFamily="34" charset="0"/>
+              </a:rPr>
+              <a:t>The find() method always returns the _id field unless you specify _id: 0 to suppress the field</a:t>
+            </a:r>
             <a:r>
               <a:rPr lang="en-US" dirty="0" smtClean="0">
                 <a:solidFill>
-                  <a:srgbClr val="049DC8"/>
-                </a:solidFill>
-                <a:latin typeface="Consolas" panose="020B0609020204030204" pitchFamily="49" charset="0"/>
-                <a:cs typeface="Calibri" panose="020F0502020204030204" pitchFamily="34" charset="0"/>
-              </a:rPr>
-              <a:t>var variable_name = db.collection.find(query</a:t>
-            </a:r>
-            <a:r>
-              <a:rPr lang="en-US" dirty="0">
-                <a:solidFill>
-                  <a:srgbClr val="049DC8"/>
-                </a:solidFill>
-                <a:latin typeface="Consolas" panose="020B0609020204030204" pitchFamily="49" charset="0"/>
-                <a:cs typeface="Calibri" panose="020F0502020204030204" pitchFamily="34" charset="0"/>
-              </a:rPr>
-              <a:t>, projection)</a:t>
-            </a:r>
-          </a:p>
-        </p:txBody>
-      </p:sp>
-      <p:sp>
-        <p:nvSpPr>
-          <p:cNvPr id="12" name="Rectangle 11"/>
-          <p:cNvSpPr/>
-          <p:nvPr/>
-        </p:nvSpPr>
-        <p:spPr>
-          <a:xfrm>
-            <a:off x="178876" y="2526268"/>
-            <a:ext cx="3736985" cy="369332"/>
-          </a:xfrm>
-          <a:prstGeom prst="rect">
-            <a:avLst/>
-          </a:prstGeom>
-        </p:spPr>
-        <p:txBody>
-          <a:bodyPr wrap="none">
-            <a:spAutoFit/>
-          </a:bodyPr>
-          <a:lstStyle/>
-          <a:p>
-            <a:r>
-              <a:rPr lang="en-US" dirty="0">
-                <a:solidFill>
-                  <a:srgbClr val="C00000"/>
-                </a:solidFill>
-              </a:rPr>
-              <a:t>The find() method returns a cursor.</a:t>
-            </a:r>
-          </a:p>
-        </p:txBody>
-      </p:sp>
-      <p:sp>
-        <p:nvSpPr>
-          <p:cNvPr id="3" name="Rectangle 2"/>
-          <p:cNvSpPr/>
-          <p:nvPr/>
-        </p:nvSpPr>
-        <p:spPr>
-          <a:xfrm>
-            <a:off x="224432" y="3048000"/>
-            <a:ext cx="8770379" cy="769441"/>
-          </a:xfrm>
-          <a:prstGeom prst="rect">
-            <a:avLst/>
-          </a:prstGeom>
-        </p:spPr>
-        <p:txBody>
-          <a:bodyPr wrap="square">
-            <a:spAutoFit/>
-          </a:bodyPr>
-          <a:lstStyle/>
-          <a:p>
-            <a:r>
-              <a:rPr lang="en-US" sz="2200" dirty="0">
-                <a:solidFill>
-                  <a:srgbClr val="FC6F0D"/>
-                </a:solidFill>
-                <a:latin typeface="Calibri" panose="020F0502020204030204" pitchFamily="34" charset="0"/>
-                <a:cs typeface="Calibri" panose="020F0502020204030204" pitchFamily="34" charset="0"/>
-              </a:rPr>
-              <a:t>var x = db ['emp'].find ()</a:t>
-            </a:r>
-          </a:p>
-          <a:p>
-            <a:r>
-              <a:rPr lang="en-US" sz="2200" dirty="0">
-                <a:solidFill>
-                  <a:srgbClr val="FC6F0D"/>
-                </a:solidFill>
-                <a:latin typeface="Calibri" panose="020F0502020204030204" pitchFamily="34" charset="0"/>
-                <a:cs typeface="Calibri" panose="020F0502020204030204" pitchFamily="34" charset="0"/>
-              </a:rPr>
-              <a:t>x.forEach(printjson)</a:t>
+                  <a:srgbClr val="222222"/>
+                </a:solidFill>
+                <a:latin typeface="arial" panose="020B0604020202020204" pitchFamily="34" charset="0"/>
+              </a:rPr>
+              <a:t>.</a:t>
             </a:r>
           </a:p>
         </p:txBody>
@@ -13592,13 +12472,21 @@
     </p:spTree>
     <p:extLst>
       <p:ext uri="{BB962C8B-B14F-4D97-AF65-F5344CB8AC3E}">
-        <p14:creationId xmlns:p14="http://schemas.microsoft.com/office/powerpoint/2010/main" val="1504006984"/>
+        <p14:creationId xmlns:p14="http://schemas.microsoft.com/office/powerpoint/2010/main" val="3237465807"/>
       </p:ext>
     </p:extLst>
   </p:cSld>
   <p:clrMapOvr>
     <a:masterClrMapping/>
   </p:clrMapOvr>
+  <mc:AlternateContent xmlns:mc="http://schemas.openxmlformats.org/markup-compatibility/2006" xmlns:p14="http://schemas.microsoft.com/office/powerpoint/2010/main">
+    <mc:Choice Requires="p14">
+      <p:transition spd="slow" p14:dur="2000"/>
+    </mc:Choice>
+    <mc:Fallback xmlns="">
+      <p:transition spd="slow"/>
+    </mc:Fallback>
+  </mc:AlternateContent>
   <p:timing>
     <p:tnLst>
       <p:par>
@@ -13628,71 +12516,72 @@
       </p:grpSpPr>
       <p:sp>
         <p:nvSpPr>
-          <p:cNvPr id="2" name="Title 1"/>
-          <p:cNvSpPr txBox="1">
-            <a:spLocks/>
-          </p:cNvSpPr>
-          <p:nvPr/>
-        </p:nvSpPr>
-        <p:spPr>
-          <a:xfrm>
-            <a:off x="152400" y="2057400"/>
-            <a:ext cx="8839200" cy="838200"/>
-          </a:xfrm>
-          <a:prstGeom prst="rect">
-            <a:avLst/>
-          </a:prstGeom>
-        </p:spPr>
-        <p:txBody>
-          <a:bodyPr>
-            <a:noAutofit/>
-          </a:bodyPr>
-          <a:lstStyle>
-            <a:defPPr>
-              <a:defRPr lang="en-US"/>
-            </a:defPPr>
-            <a:lvl1pPr lvl="0" algn="ctr">
+          <p:cNvPr id="6" name="Rectangle 5"/>
+          <p:cNvSpPr/>
+          <p:nvPr/>
+        </p:nvSpPr>
+        <p:spPr>
+          <a:xfrm>
+            <a:off x="0" y="0"/>
+            <a:ext cx="9144000" cy="584775"/>
+          </a:xfrm>
+          <a:prstGeom prst="rect">
+            <a:avLst/>
+          </a:prstGeom>
+          <a:solidFill>
+            <a:schemeClr val="accent4">
+              <a:lumMod val="75000"/>
+            </a:schemeClr>
+          </a:solidFill>
+        </p:spPr>
+        <p:txBody>
+          <a:bodyPr wrap="square">
+            <a:spAutoFit/>
+          </a:bodyPr>
+          <a:lstStyle/>
+          <a:p>
+            <a:pPr algn="r">
               <a:spcBef>
                 <a:spcPct val="0"/>
               </a:spcBef>
-              <a:defRPr sz="4800">
-                <a:solidFill>
-                  <a:srgbClr val="7EEEE3"/>
-                </a:solidFill>
-                <a:latin typeface="Segoe UI Light" panose="020B0502040204020203" pitchFamily="34" charset="0"/>
-                <a:cs typeface="Segoe UI Light" panose="020B0502040204020203" pitchFamily="34" charset="0"/>
-              </a:defRPr>
-            </a:lvl1pPr>
-          </a:lstStyle>
-          <a:p>
-            <a:r>
-              <a:rPr lang="en-IN" dirty="0" smtClean="0"/>
-              <a:t>sort</a:t>
-            </a:r>
-            <a:endParaRPr lang="en-US" dirty="0"/>
-          </a:p>
-        </p:txBody>
-      </p:sp>
-      <p:sp>
-        <p:nvSpPr>
-          <p:cNvPr id="3" name="Rectangle 2"/>
+            </a:pPr>
+            <a:r>
+              <a:rPr lang="en-IN" sz="3200" b="1" i="1" dirty="0" smtClean="0">
+                <a:solidFill>
+                  <a:srgbClr val="FFFF00"/>
+                </a:solidFill>
+                <a:latin typeface="Arial" pitchFamily="34" charset="0"/>
+                <a:cs typeface="Arial" pitchFamily="34" charset="0"/>
+              </a:rPr>
+              <a:t>db.collection.find()</a:t>
+            </a:r>
+            <a:r>
+              <a:rPr lang="en-IN" sz="3200" b="1" i="1" dirty="0">
+                <a:solidFill>
+                  <a:srgbClr val="FFFF00"/>
+                </a:solidFill>
+                <a:latin typeface="Arial" pitchFamily="34" charset="0"/>
+                <a:cs typeface="Arial" pitchFamily="34" charset="0"/>
+              </a:rPr>
+              <a:t> </a:t>
+            </a:r>
+          </a:p>
+        </p:txBody>
+      </p:sp>
+      <p:sp>
+        <p:nvSpPr>
+          <p:cNvPr id="7" name="Rectangle 6"/>
           <p:cNvSpPr/>
           <p:nvPr/>
         </p:nvSpPr>
         <p:spPr>
           <a:xfrm>
-            <a:off x="419100" y="2861953"/>
-            <a:ext cx="8305800" cy="369332"/>
-          </a:xfrm>
-          <a:prstGeom prst="rect">
-            <a:avLst/>
-          </a:prstGeom>
-          <a:solidFill>
-            <a:schemeClr val="accent6">
-              <a:lumMod val="20000"/>
-              <a:lumOff val="80000"/>
-            </a:schemeClr>
-          </a:solidFill>
+            <a:off x="149188" y="762000"/>
+            <a:ext cx="8845624" cy="369332"/>
+          </a:xfrm>
+          <a:prstGeom prst="rect">
+            <a:avLst/>
+          </a:prstGeom>
         </p:spPr>
         <p:txBody>
           <a:bodyPr wrap="square">
@@ -13701,13 +12590,381 @@
           <a:lstStyle/>
           <a:p>
             <a:r>
+              <a:rPr lang="en-US" dirty="0" smtClean="0"/>
+              <a:t>TODO</a:t>
+            </a:r>
+            <a:endParaRPr lang="en-IN" dirty="0"/>
+          </a:p>
+        </p:txBody>
+      </p:sp>
+      <p:sp>
+        <p:nvSpPr>
+          <p:cNvPr id="4" name="Rectangle 3"/>
+          <p:cNvSpPr/>
+          <p:nvPr/>
+        </p:nvSpPr>
+        <p:spPr>
+          <a:xfrm>
+            <a:off x="154136" y="1563469"/>
+            <a:ext cx="6516528" cy="923330"/>
+          </a:xfrm>
+          <a:prstGeom prst="rect">
+            <a:avLst/>
+          </a:prstGeom>
+        </p:spPr>
+        <p:txBody>
+          <a:bodyPr wrap="none">
+            <a:spAutoFit/>
+          </a:bodyPr>
+          <a:lstStyle/>
+          <a:p>
+            <a:r>
               <a:rPr lang="en-US" dirty="0" smtClean="0">
                 <a:solidFill>
-                  <a:srgbClr val="222222"/>
-                </a:solidFill>
-                <a:latin typeface="arial" panose="020B0604020202020204" pitchFamily="34" charset="0"/>
-              </a:rPr>
-              <a:t>TODO</a:t>
+                  <a:srgbClr val="049DC8"/>
+                </a:solidFill>
+                <a:latin typeface="Consolas" panose="020B0609020204030204" pitchFamily="49" charset="0"/>
+                <a:cs typeface="Calibri" panose="020F0502020204030204" pitchFamily="34" charset="0"/>
+              </a:rPr>
+              <a:t>db </a:t>
+            </a:r>
+            <a:r>
+              <a:rPr lang="en-US" dirty="0">
+                <a:solidFill>
+                  <a:srgbClr val="049DC8"/>
+                </a:solidFill>
+                <a:latin typeface="Consolas" panose="020B0609020204030204" pitchFamily="49" charset="0"/>
+                <a:cs typeface="Calibri" panose="020F0502020204030204" pitchFamily="34" charset="0"/>
+              </a:rPr>
+              <a:t>['collection'].find (query, projection) </a:t>
+            </a:r>
+          </a:p>
+          <a:p>
+            <a:r>
+              <a:rPr lang="en-US" dirty="0">
+                <a:solidFill>
+                  <a:srgbClr val="049DC8"/>
+                </a:solidFill>
+                <a:latin typeface="Consolas" panose="020B0609020204030204" pitchFamily="49" charset="0"/>
+                <a:cs typeface="Calibri" panose="020F0502020204030204" pitchFamily="34" charset="0"/>
+              </a:rPr>
+              <a:t>db.collection.find(query, projection</a:t>
+            </a:r>
+            <a:r>
+              <a:rPr lang="en-US" dirty="0" smtClean="0">
+                <a:solidFill>
+                  <a:srgbClr val="049DC8"/>
+                </a:solidFill>
+                <a:latin typeface="Consolas" panose="020B0609020204030204" pitchFamily="49" charset="0"/>
+                <a:cs typeface="Calibri" panose="020F0502020204030204" pitchFamily="34" charset="0"/>
+              </a:rPr>
+              <a:t>)</a:t>
+            </a:r>
+          </a:p>
+          <a:p>
+            <a:r>
+              <a:rPr lang="en-US" dirty="0">
+                <a:solidFill>
+                  <a:srgbClr val="049DC8"/>
+                </a:solidFill>
+                <a:latin typeface="Consolas" panose="020B0609020204030204" pitchFamily="49" charset="0"/>
+                <a:cs typeface="Calibri" panose="020F0502020204030204" pitchFamily="34" charset="0"/>
+              </a:rPr>
+              <a:t>db.getCollection('name</a:t>
+            </a:r>
+            <a:r>
+              <a:rPr lang="en-US" dirty="0" smtClean="0">
+                <a:solidFill>
+                  <a:srgbClr val="049DC8"/>
+                </a:solidFill>
+                <a:latin typeface="Consolas" panose="020B0609020204030204" pitchFamily="49" charset="0"/>
+                <a:cs typeface="Calibri" panose="020F0502020204030204" pitchFamily="34" charset="0"/>
+              </a:rPr>
+              <a:t>').</a:t>
+            </a:r>
+            <a:r>
+              <a:rPr lang="en-US" dirty="0">
+                <a:solidFill>
+                  <a:srgbClr val="049DC8"/>
+                </a:solidFill>
+                <a:latin typeface="Consolas" panose="020B0609020204030204" pitchFamily="49" charset="0"/>
+                <a:cs typeface="Calibri" panose="020F0502020204030204" pitchFamily="34" charset="0"/>
+              </a:rPr>
+              <a:t>find (query, projection</a:t>
+            </a:r>
+            <a:r>
+              <a:rPr lang="en-US" dirty="0" smtClean="0">
+                <a:solidFill>
+                  <a:srgbClr val="049DC8"/>
+                </a:solidFill>
+                <a:latin typeface="Consolas" panose="020B0609020204030204" pitchFamily="49" charset="0"/>
+                <a:cs typeface="Calibri" panose="020F0502020204030204" pitchFamily="34" charset="0"/>
+              </a:rPr>
+              <a:t>)</a:t>
+            </a:r>
+            <a:endParaRPr lang="en-US" dirty="0">
+              <a:solidFill>
+                <a:srgbClr val="049DC8"/>
+              </a:solidFill>
+              <a:latin typeface="Consolas" panose="020B0609020204030204" pitchFamily="49" charset="0"/>
+              <a:cs typeface="Calibri" panose="020F0502020204030204" pitchFamily="34" charset="0"/>
+            </a:endParaRPr>
+          </a:p>
+        </p:txBody>
+      </p:sp>
+      <p:sp>
+        <p:nvSpPr>
+          <p:cNvPr id="8" name="Rectangle 7"/>
+          <p:cNvSpPr/>
+          <p:nvPr/>
+        </p:nvSpPr>
+        <p:spPr>
+          <a:xfrm>
+            <a:off x="178876" y="2535217"/>
+            <a:ext cx="8845624" cy="1477328"/>
+          </a:xfrm>
+          <a:prstGeom prst="rect">
+            <a:avLst/>
+          </a:prstGeom>
+        </p:spPr>
+        <p:txBody>
+          <a:bodyPr wrap="square">
+            <a:spAutoFit/>
+          </a:bodyPr>
+          <a:lstStyle/>
+          <a:p>
+            <a:r>
+              <a:rPr lang="en-US" b="1" i="1" dirty="0">
+                <a:solidFill>
+                  <a:srgbClr val="036883"/>
+                </a:solidFill>
+              </a:rPr>
+              <a:t>query</a:t>
+            </a:r>
+            <a:r>
+              <a:rPr lang="en-US" dirty="0" smtClean="0"/>
+              <a:t>: Specifies </a:t>
+            </a:r>
+            <a:r>
+              <a:rPr lang="en-US" dirty="0"/>
+              <a:t>selection filter using query operators. To return all documents in a collection, omit this parameter or pass an empty document ({}).</a:t>
+            </a:r>
+          </a:p>
+          <a:p>
+            <a:endParaRPr lang="en-US" dirty="0"/>
+          </a:p>
+          <a:p>
+            <a:r>
+              <a:rPr lang="en-US" b="1" i="1" dirty="0">
+                <a:solidFill>
+                  <a:srgbClr val="036883"/>
+                </a:solidFill>
+              </a:rPr>
+              <a:t>projection</a:t>
+            </a:r>
+            <a:r>
+              <a:rPr lang="en-US" dirty="0" smtClean="0"/>
+              <a:t>: Specifies </a:t>
+            </a:r>
+            <a:r>
+              <a:rPr lang="en-US" dirty="0"/>
+              <a:t>the fields to return in the documents that match the query filter. To return all fields in the matching documents, omit this parameter.</a:t>
+            </a:r>
+          </a:p>
+        </p:txBody>
+      </p:sp>
+      <p:sp>
+        <p:nvSpPr>
+          <p:cNvPr id="12" name="Rectangle 11"/>
+          <p:cNvSpPr/>
+          <p:nvPr/>
+        </p:nvSpPr>
+        <p:spPr>
+          <a:xfrm>
+            <a:off x="178876" y="4226831"/>
+            <a:ext cx="1210588" cy="369332"/>
+          </a:xfrm>
+          <a:prstGeom prst="rect">
+            <a:avLst/>
+          </a:prstGeom>
+        </p:spPr>
+        <p:txBody>
+          <a:bodyPr wrap="none">
+            <a:spAutoFit/>
+          </a:bodyPr>
+          <a:lstStyle/>
+          <a:p>
+            <a:r>
+              <a:rPr lang="en-US" dirty="0" smtClean="0">
+                <a:solidFill>
+                  <a:srgbClr val="C00000"/>
+                </a:solidFill>
+              </a:rPr>
+              <a:t>Projection</a:t>
+            </a:r>
+            <a:endParaRPr lang="en-US" dirty="0">
+              <a:solidFill>
+                <a:srgbClr val="C00000"/>
+              </a:solidFill>
+            </a:endParaRPr>
+          </a:p>
+        </p:txBody>
+      </p:sp>
+      <p:sp>
+        <p:nvSpPr>
+          <p:cNvPr id="13" name="Rectangle 12"/>
+          <p:cNvSpPr/>
+          <p:nvPr/>
+        </p:nvSpPr>
+        <p:spPr>
+          <a:xfrm>
+            <a:off x="178876" y="4625783"/>
+            <a:ext cx="5250155" cy="369332"/>
+          </a:xfrm>
+          <a:prstGeom prst="rect">
+            <a:avLst/>
+          </a:prstGeom>
+        </p:spPr>
+        <p:txBody>
+          <a:bodyPr wrap="none">
+            <a:spAutoFit/>
+          </a:bodyPr>
+          <a:lstStyle/>
+          <a:p>
+            <a:r>
+              <a:rPr lang="en-US" dirty="0">
+                <a:solidFill>
+                  <a:srgbClr val="049DC8"/>
+                </a:solidFill>
+                <a:latin typeface="Consolas" panose="020B0609020204030204" pitchFamily="49" charset="0"/>
+                <a:cs typeface="Calibri" panose="020F0502020204030204" pitchFamily="34" charset="0"/>
+              </a:rPr>
+              <a:t>{ field1: &lt;value&gt;, field2: &lt;value&gt; ... }</a:t>
+            </a:r>
+          </a:p>
+        </p:txBody>
+      </p:sp>
+      <p:sp>
+        <p:nvSpPr>
+          <p:cNvPr id="14" name="Rectangle 13"/>
+          <p:cNvSpPr/>
+          <p:nvPr/>
+        </p:nvSpPr>
+        <p:spPr>
+          <a:xfrm>
+            <a:off x="173928" y="5096470"/>
+            <a:ext cx="8820884" cy="923330"/>
+          </a:xfrm>
+          <a:prstGeom prst="rect">
+            <a:avLst/>
+          </a:prstGeom>
+        </p:spPr>
+        <p:txBody>
+          <a:bodyPr wrap="square">
+            <a:spAutoFit/>
+          </a:bodyPr>
+          <a:lstStyle/>
+          <a:p>
+            <a:pPr marL="285750" indent="-285750">
+              <a:lnSpc>
+                <a:spcPct val="150000"/>
+              </a:lnSpc>
+              <a:buFont typeface="Arial" panose="020B0604020202020204" pitchFamily="34" charset="0"/>
+              <a:buChar char="•"/>
+            </a:pPr>
+            <a:r>
+              <a:rPr lang="en-US" b="1" i="1" dirty="0">
+                <a:solidFill>
+                  <a:srgbClr val="036883"/>
+                </a:solidFill>
+              </a:rPr>
+              <a:t>1</a:t>
+            </a:r>
+            <a:r>
+              <a:rPr lang="en-US" dirty="0"/>
+              <a:t> or </a:t>
+            </a:r>
+            <a:r>
+              <a:rPr lang="en-US" b="1" i="1" dirty="0">
+                <a:solidFill>
+                  <a:srgbClr val="036883"/>
+                </a:solidFill>
+              </a:rPr>
+              <a:t>true</a:t>
+            </a:r>
+            <a:r>
+              <a:rPr lang="en-US" dirty="0"/>
+              <a:t> to include the field in the return documents.</a:t>
+            </a:r>
+          </a:p>
+          <a:p>
+            <a:pPr marL="285750" indent="-285750">
+              <a:lnSpc>
+                <a:spcPct val="150000"/>
+              </a:lnSpc>
+              <a:buFont typeface="Arial" panose="020B0604020202020204" pitchFamily="34" charset="0"/>
+              <a:buChar char="•"/>
+            </a:pPr>
+            <a:r>
+              <a:rPr lang="en-US" b="1" i="1" dirty="0">
+                <a:solidFill>
+                  <a:srgbClr val="036883"/>
+                </a:solidFill>
+              </a:rPr>
+              <a:t>0</a:t>
+            </a:r>
+            <a:r>
+              <a:rPr lang="en-US" dirty="0"/>
+              <a:t> or </a:t>
+            </a:r>
+            <a:r>
+              <a:rPr lang="en-US" b="1" i="1" dirty="0">
+                <a:solidFill>
+                  <a:srgbClr val="036883"/>
+                </a:solidFill>
+              </a:rPr>
+              <a:t>false</a:t>
+            </a:r>
+            <a:r>
+              <a:rPr lang="en-US" dirty="0"/>
+              <a:t> to exclude the field.</a:t>
+            </a:r>
+          </a:p>
+        </p:txBody>
+      </p:sp>
+      <p:sp>
+        <p:nvSpPr>
+          <p:cNvPr id="15" name="Rectangle 14"/>
+          <p:cNvSpPr/>
+          <p:nvPr/>
+        </p:nvSpPr>
+        <p:spPr>
+          <a:xfrm>
+            <a:off x="4888676" y="619526"/>
+            <a:ext cx="4219700" cy="877163"/>
+          </a:xfrm>
+          <a:prstGeom prst="rect">
+            <a:avLst/>
+          </a:prstGeom>
+          <a:solidFill>
+            <a:srgbClr val="90E183"/>
+          </a:solidFill>
+        </p:spPr>
+        <p:txBody>
+          <a:bodyPr wrap="square">
+            <a:spAutoFit/>
+          </a:bodyPr>
+          <a:lstStyle/>
+          <a:p>
+            <a:r>
+              <a:rPr lang="en-US" sz="1700" dirty="0">
+                <a:solidFill>
+                  <a:schemeClr val="bg2">
+                    <a:lumMod val="25000"/>
+                  </a:schemeClr>
+                </a:solidFill>
+              </a:rPr>
+              <a:t>A projection cannot contain both include and exclude specifications, except for the exclusion of the _id field. </a:t>
             </a:r>
           </a:p>
         </p:txBody>
@@ -13715,21 +12972,13 @@
     </p:spTree>
     <p:extLst>
       <p:ext uri="{BB962C8B-B14F-4D97-AF65-F5344CB8AC3E}">
-        <p14:creationId xmlns:p14="http://schemas.microsoft.com/office/powerpoint/2010/main" val="1275689109"/>
+        <p14:creationId xmlns:p14="http://schemas.microsoft.com/office/powerpoint/2010/main" val="639887221"/>
       </p:ext>
     </p:extLst>
   </p:cSld>
   <p:clrMapOvr>
     <a:masterClrMapping/>
   </p:clrMapOvr>
-  <mc:AlternateContent xmlns:mc="http://schemas.openxmlformats.org/markup-compatibility/2006" xmlns:p14="http://schemas.microsoft.com/office/powerpoint/2010/main">
-    <mc:Choice Requires="p14">
-      <p:transition spd="slow" p14:dur="2000"/>
-    </mc:Choice>
-    <mc:Fallback xmlns="">
-      <p:transition spd="slow"/>
-    </mc:Fallback>
-  </mc:AlternateContent>
   <p:timing>
     <p:tnLst>
       <p:par>
@@ -13796,15 +13045,18 @@
                 <a:latin typeface="Arial" pitchFamily="34" charset="0"/>
                 <a:cs typeface="Arial" pitchFamily="34" charset="0"/>
               </a:rPr>
-              <a:t>db.collection.find().sort({ })</a:t>
-            </a:r>
-            <a:endParaRPr lang="en-IN" sz="3200" b="1" i="1" dirty="0">
-              <a:solidFill>
-                <a:srgbClr val="FFFF00"/>
-              </a:solidFill>
-              <a:latin typeface="Arial" pitchFamily="34" charset="0"/>
-              <a:cs typeface="Arial" pitchFamily="34" charset="0"/>
-            </a:endParaRPr>
+              <a:t>db.collection.find()</a:t>
+            </a:r>
+            <a:r>
+              <a:rPr lang="en-IN" sz="3200" b="1" i="1" dirty="0">
+                <a:solidFill>
+                  <a:srgbClr val="FFFF00"/>
+                </a:solidFill>
+                <a:latin typeface="Arial" pitchFamily="34" charset="0"/>
+                <a:cs typeface="Arial" pitchFamily="34" charset="0"/>
+              </a:rPr>
+              <a:t> </a:t>
+            </a:r>
           </a:p>
         </p:txBody>
       </p:sp>
@@ -13817,7 +13069,7 @@
         <p:spPr>
           <a:xfrm>
             <a:off x="149188" y="762000"/>
-            <a:ext cx="8845624" cy="646331"/>
+            <a:ext cx="8845624" cy="369332"/>
           </a:xfrm>
           <a:prstGeom prst="rect">
             <a:avLst/>
@@ -13830,20 +13082,8 @@
           <a:lstStyle/>
           <a:p>
             <a:r>
-              <a:rPr lang="en-US" dirty="0"/>
-              <a:t>Specifies the order in which the query returns matching documents. You must apply </a:t>
-            </a:r>
-            <a:r>
-              <a:rPr lang="en-US" b="1" i="1" dirty="0">
-                <a:solidFill>
-                  <a:srgbClr val="036883"/>
-                </a:solidFill>
-              </a:rPr>
-              <a:t>sort() </a:t>
-            </a:r>
-            <a:r>
-              <a:rPr lang="en-US" dirty="0"/>
-              <a:t>to the cursor before retrieving any documents from the database.</a:t>
+              <a:rPr lang="en-US" dirty="0" smtClean="0"/>
+              <a:t>TODO</a:t>
             </a:r>
             <a:endParaRPr lang="en-IN" dirty="0"/>
           </a:p>
@@ -13851,14 +13091,14 @@
       </p:sp>
       <p:sp>
         <p:nvSpPr>
-          <p:cNvPr id="4" name="Rectangle 3"/>
+          <p:cNvPr id="9" name="Rectangle 8"/>
           <p:cNvSpPr/>
           <p:nvPr/>
         </p:nvSpPr>
         <p:spPr>
           <a:xfrm>
-            <a:off x="154136" y="1563469"/>
-            <a:ext cx="8840676" cy="923330"/>
+            <a:off x="149188" y="2329696"/>
+            <a:ext cx="8845624" cy="3662541"/>
           </a:xfrm>
           <a:prstGeom prst="rect">
             <a:avLst/>
@@ -13871,6 +13111,397 @@
           <a:lstStyle/>
           <a:p>
             <a:r>
+              <a:rPr lang="en-US" sz="2200" dirty="0">
+                <a:solidFill>
+                  <a:srgbClr val="FC6F0D"/>
+                </a:solidFill>
+                <a:latin typeface="Calibri" panose="020F0502020204030204" pitchFamily="34" charset="0"/>
+                <a:cs typeface="Calibri" panose="020F0502020204030204" pitchFamily="34" charset="0"/>
+              </a:rPr>
+              <a:t>db.emp.find</a:t>
+            </a:r>
+            <a:r>
+              <a:rPr lang="en-US" sz="2200" dirty="0" smtClean="0">
+                <a:solidFill>
+                  <a:srgbClr val="FC6F0D"/>
+                </a:solidFill>
+                <a:latin typeface="Calibri" panose="020F0502020204030204" pitchFamily="34" charset="0"/>
+                <a:cs typeface="Calibri" panose="020F0502020204030204" pitchFamily="34" charset="0"/>
+              </a:rPr>
+              <a:t>();</a:t>
+            </a:r>
+          </a:p>
+          <a:p>
+            <a:endParaRPr lang="en-US" sz="800" dirty="0" smtClean="0">
+              <a:solidFill>
+                <a:srgbClr val="FC6F0D"/>
+              </a:solidFill>
+              <a:latin typeface="Calibri" panose="020F0502020204030204" pitchFamily="34" charset="0"/>
+              <a:cs typeface="Calibri" panose="020F0502020204030204" pitchFamily="34" charset="0"/>
+            </a:endParaRPr>
+          </a:p>
+          <a:p>
+            <a:r>
+              <a:rPr lang="en-US" sz="2200" dirty="0">
+                <a:solidFill>
+                  <a:srgbClr val="FC6F0D"/>
+                </a:solidFill>
+                <a:latin typeface="Calibri" panose="020F0502020204030204" pitchFamily="34" charset="0"/>
+                <a:cs typeface="Calibri" panose="020F0502020204030204" pitchFamily="34" charset="0"/>
+              </a:rPr>
+              <a:t>db ['emp'].find </a:t>
+            </a:r>
+            <a:r>
+              <a:rPr lang="en-US" sz="2200" dirty="0" smtClean="0">
+                <a:solidFill>
+                  <a:srgbClr val="FC6F0D"/>
+                </a:solidFill>
+                <a:latin typeface="Calibri" panose="020F0502020204030204" pitchFamily="34" charset="0"/>
+                <a:cs typeface="Calibri" panose="020F0502020204030204" pitchFamily="34" charset="0"/>
+              </a:rPr>
+              <a:t>()</a:t>
+            </a:r>
+          </a:p>
+          <a:p>
+            <a:endParaRPr lang="en-US" sz="800" dirty="0">
+              <a:solidFill>
+                <a:srgbClr val="FC6F0D"/>
+              </a:solidFill>
+              <a:latin typeface="Calibri" panose="020F0502020204030204" pitchFamily="34" charset="0"/>
+              <a:cs typeface="Calibri" panose="020F0502020204030204" pitchFamily="34" charset="0"/>
+            </a:endParaRPr>
+          </a:p>
+          <a:p>
+            <a:r>
+              <a:rPr lang="en-US" sz="2200" dirty="0" smtClean="0">
+                <a:solidFill>
+                  <a:srgbClr val="FC6F0D"/>
+                </a:solidFill>
+                <a:latin typeface="Calibri" panose="020F0502020204030204" pitchFamily="34" charset="0"/>
+                <a:cs typeface="Calibri" panose="020F0502020204030204" pitchFamily="34" charset="0"/>
+              </a:rPr>
+              <a:t>db.getCollection</a:t>
+            </a:r>
+            <a:r>
+              <a:rPr lang="en-US" sz="2200" dirty="0">
+                <a:solidFill>
+                  <a:srgbClr val="FC6F0D"/>
+                </a:solidFill>
+                <a:latin typeface="Calibri" panose="020F0502020204030204" pitchFamily="34" charset="0"/>
+                <a:cs typeface="Calibri" panose="020F0502020204030204" pitchFamily="34" charset="0"/>
+              </a:rPr>
+              <a:t>(</a:t>
+            </a:r>
+            <a:r>
+              <a:rPr lang="en-US" sz="2200" dirty="0" smtClean="0">
+                <a:solidFill>
+                  <a:srgbClr val="FC6F0D"/>
+                </a:solidFill>
+                <a:latin typeface="Calibri" panose="020F0502020204030204" pitchFamily="34" charset="0"/>
+                <a:cs typeface="Calibri" panose="020F0502020204030204" pitchFamily="34" charset="0"/>
+              </a:rPr>
+              <a:t>'emp</a:t>
+            </a:r>
+            <a:r>
+              <a:rPr lang="en-US" sz="2200" dirty="0">
+                <a:solidFill>
+                  <a:srgbClr val="FC6F0D"/>
+                </a:solidFill>
+                <a:latin typeface="Calibri" panose="020F0502020204030204" pitchFamily="34" charset="0"/>
+                <a:cs typeface="Calibri" panose="020F0502020204030204" pitchFamily="34" charset="0"/>
+              </a:rPr>
+              <a:t>'</a:t>
+            </a:r>
+            <a:r>
+              <a:rPr lang="en-US" sz="2200" dirty="0" smtClean="0">
+                <a:solidFill>
+                  <a:srgbClr val="FC6F0D"/>
+                </a:solidFill>
+                <a:latin typeface="Calibri" panose="020F0502020204030204" pitchFamily="34" charset="0"/>
+                <a:cs typeface="Calibri" panose="020F0502020204030204" pitchFamily="34" charset="0"/>
+              </a:rPr>
+              <a:t>).find();</a:t>
+            </a:r>
+          </a:p>
+          <a:p>
+            <a:endParaRPr lang="en-US" sz="800" dirty="0">
+              <a:solidFill>
+                <a:srgbClr val="FC6F0D"/>
+              </a:solidFill>
+              <a:latin typeface="Calibri" panose="020F0502020204030204" pitchFamily="34" charset="0"/>
+              <a:cs typeface="Calibri" panose="020F0502020204030204" pitchFamily="34" charset="0"/>
+            </a:endParaRPr>
+          </a:p>
+          <a:p>
+            <a:r>
+              <a:rPr lang="en-US" sz="2200" dirty="0">
+                <a:solidFill>
+                  <a:srgbClr val="FC6F0D"/>
+                </a:solidFill>
+                <a:latin typeface="Calibri" panose="020F0502020204030204" pitchFamily="34" charset="0"/>
+                <a:cs typeface="Calibri" panose="020F0502020204030204" pitchFamily="34" charset="0"/>
+              </a:rPr>
+              <a:t>db.emp.find</a:t>
+            </a:r>
+            <a:r>
+              <a:rPr lang="en-US" sz="2200" dirty="0" smtClean="0">
+                <a:solidFill>
+                  <a:srgbClr val="FC6F0D"/>
+                </a:solidFill>
+                <a:latin typeface="Calibri" panose="020F0502020204030204" pitchFamily="34" charset="0"/>
+                <a:cs typeface="Calibri" panose="020F0502020204030204" pitchFamily="34" charset="0"/>
+              </a:rPr>
+              <a:t>({job: 'manager'})</a:t>
+            </a:r>
+          </a:p>
+          <a:p>
+            <a:endParaRPr lang="en-US" sz="800" dirty="0" smtClean="0">
+              <a:solidFill>
+                <a:srgbClr val="FC6F0D"/>
+              </a:solidFill>
+              <a:latin typeface="Calibri" panose="020F0502020204030204" pitchFamily="34" charset="0"/>
+              <a:cs typeface="Calibri" panose="020F0502020204030204" pitchFamily="34" charset="0"/>
+            </a:endParaRPr>
+          </a:p>
+          <a:p>
+            <a:r>
+              <a:rPr lang="en-US" sz="2200" dirty="0">
+                <a:solidFill>
+                  <a:srgbClr val="FC6F0D"/>
+                </a:solidFill>
+                <a:latin typeface="Calibri" panose="020F0502020204030204" pitchFamily="34" charset="0"/>
+                <a:cs typeface="Calibri" panose="020F0502020204030204" pitchFamily="34" charset="0"/>
+              </a:rPr>
+              <a:t>db.emp.find({}, </a:t>
+            </a:r>
+            <a:r>
+              <a:rPr lang="en-US" sz="2200" dirty="0" smtClean="0">
+                <a:solidFill>
+                  <a:srgbClr val="FC6F0D"/>
+                </a:solidFill>
+                <a:latin typeface="Calibri" panose="020F0502020204030204" pitchFamily="34" charset="0"/>
+                <a:cs typeface="Calibri" panose="020F0502020204030204" pitchFamily="34" charset="0"/>
+              </a:rPr>
+              <a:t>{ename:1</a:t>
+            </a:r>
+            <a:r>
+              <a:rPr lang="en-US" sz="2200" dirty="0">
+                <a:solidFill>
+                  <a:srgbClr val="FC6F0D"/>
+                </a:solidFill>
+                <a:latin typeface="Calibri" panose="020F0502020204030204" pitchFamily="34" charset="0"/>
+                <a:cs typeface="Calibri" panose="020F0502020204030204" pitchFamily="34" charset="0"/>
+              </a:rPr>
+              <a:t>, </a:t>
+            </a:r>
+            <a:r>
+              <a:rPr lang="en-US" sz="2200" dirty="0" smtClean="0">
+                <a:solidFill>
+                  <a:srgbClr val="FC6F0D"/>
+                </a:solidFill>
+                <a:latin typeface="Calibri" panose="020F0502020204030204" pitchFamily="34" charset="0"/>
+                <a:cs typeface="Calibri" panose="020F0502020204030204" pitchFamily="34" charset="0"/>
+              </a:rPr>
+              <a:t>job: true});</a:t>
+            </a:r>
+          </a:p>
+          <a:p>
+            <a:endParaRPr lang="en-US" sz="800" dirty="0" smtClean="0">
+              <a:solidFill>
+                <a:srgbClr val="FC6F0D"/>
+              </a:solidFill>
+              <a:latin typeface="Calibri" panose="020F0502020204030204" pitchFamily="34" charset="0"/>
+              <a:cs typeface="Calibri" panose="020F0502020204030204" pitchFamily="34" charset="0"/>
+            </a:endParaRPr>
+          </a:p>
+          <a:p>
+            <a:r>
+              <a:rPr lang="en-US" sz="2200" dirty="0" smtClean="0">
+                <a:solidFill>
+                  <a:srgbClr val="FC6F0D"/>
+                </a:solidFill>
+                <a:latin typeface="Calibri" panose="020F0502020204030204" pitchFamily="34" charset="0"/>
+                <a:cs typeface="Calibri" panose="020F0502020204030204" pitchFamily="34" charset="0"/>
+              </a:rPr>
+              <a:t>db.emp.find({sal:{ </a:t>
+            </a:r>
+            <a:r>
+              <a:rPr lang="en-US" sz="2200" dirty="0">
+                <a:solidFill>
+                  <a:srgbClr val="FC6F0D"/>
+                </a:solidFill>
+                <a:latin typeface="Calibri" panose="020F0502020204030204" pitchFamily="34" charset="0"/>
+                <a:cs typeface="Calibri" panose="020F0502020204030204" pitchFamily="34" charset="0"/>
+              </a:rPr>
+              <a:t>$</a:t>
+            </a:r>
+            <a:r>
+              <a:rPr lang="en-US" sz="2200" dirty="0" smtClean="0">
+                <a:solidFill>
+                  <a:srgbClr val="FC6F0D"/>
+                </a:solidFill>
+                <a:latin typeface="Calibri" panose="020F0502020204030204" pitchFamily="34" charset="0"/>
+                <a:cs typeface="Calibri" panose="020F0502020204030204" pitchFamily="34" charset="0"/>
+              </a:rPr>
+              <a:t>gt:4}})</a:t>
+            </a:r>
+          </a:p>
+          <a:p>
+            <a:endParaRPr lang="en-US" sz="800" dirty="0">
+              <a:solidFill>
+                <a:srgbClr val="FC6F0D"/>
+              </a:solidFill>
+              <a:latin typeface="Calibri" panose="020F0502020204030204" pitchFamily="34" charset="0"/>
+              <a:cs typeface="Calibri" panose="020F0502020204030204" pitchFamily="34" charset="0"/>
+            </a:endParaRPr>
+          </a:p>
+          <a:p>
+            <a:r>
+              <a:rPr lang="en-US" sz="2200" dirty="0" smtClean="0">
+                <a:solidFill>
+                  <a:srgbClr val="FC6F0D"/>
+                </a:solidFill>
+                <a:latin typeface="Calibri" panose="020F0502020204030204" pitchFamily="34" charset="0"/>
+                <a:cs typeface="Calibri" panose="020F0502020204030204" pitchFamily="34" charset="0"/>
+              </a:rPr>
+              <a:t>db.emp.find</a:t>
+            </a:r>
+            <a:r>
+              <a:rPr lang="en-US" sz="2200" dirty="0">
+                <a:solidFill>
+                  <a:srgbClr val="FC6F0D"/>
+                </a:solidFill>
+                <a:latin typeface="Calibri" panose="020F0502020204030204" pitchFamily="34" charset="0"/>
+                <a:cs typeface="Calibri" panose="020F0502020204030204" pitchFamily="34" charset="0"/>
+              </a:rPr>
+              <a:t>({job:'manager</a:t>
+            </a:r>
+            <a:r>
+              <a:rPr lang="en-US" sz="2200" dirty="0" smtClean="0">
+                <a:solidFill>
+                  <a:srgbClr val="FC6F0D"/>
+                </a:solidFill>
+                <a:latin typeface="Calibri" panose="020F0502020204030204" pitchFamily="34" charset="0"/>
+                <a:cs typeface="Calibri" panose="020F0502020204030204" pitchFamily="34" charset="0"/>
+              </a:rPr>
+              <a:t>'}, {</a:t>
+            </a:r>
+            <a:r>
+              <a:rPr lang="en-US" sz="2200" dirty="0">
+                <a:solidFill>
+                  <a:srgbClr val="FC6F0D"/>
+                </a:solidFill>
+                <a:latin typeface="Calibri" panose="020F0502020204030204" pitchFamily="34" charset="0"/>
+                <a:cs typeface="Calibri" panose="020F0502020204030204" pitchFamily="34" charset="0"/>
+              </a:rPr>
+              <a:t>ename:true, job:true</a:t>
+            </a:r>
+            <a:r>
+              <a:rPr lang="en-US" sz="2200" dirty="0" smtClean="0">
+                <a:solidFill>
+                  <a:srgbClr val="FC6F0D"/>
+                </a:solidFill>
+                <a:latin typeface="Calibri" panose="020F0502020204030204" pitchFamily="34" charset="0"/>
+                <a:cs typeface="Calibri" panose="020F0502020204030204" pitchFamily="34" charset="0"/>
+              </a:rPr>
+              <a:t>})</a:t>
+            </a:r>
+          </a:p>
+          <a:p>
+            <a:endParaRPr lang="en-US" sz="800" dirty="0" smtClean="0">
+              <a:solidFill>
+                <a:srgbClr val="FC6F0D"/>
+              </a:solidFill>
+              <a:latin typeface="Calibri" panose="020F0502020204030204" pitchFamily="34" charset="0"/>
+              <a:cs typeface="Calibri" panose="020F0502020204030204" pitchFamily="34" charset="0"/>
+            </a:endParaRPr>
+          </a:p>
+          <a:p>
+            <a:r>
+              <a:rPr lang="en-US" sz="2200" dirty="0" smtClean="0">
+                <a:solidFill>
+                  <a:srgbClr val="FC6F0D"/>
+                </a:solidFill>
+                <a:latin typeface="Calibri" panose="020F0502020204030204" pitchFamily="34" charset="0"/>
+                <a:cs typeface="Calibri" panose="020F0502020204030204" pitchFamily="34" charset="0"/>
+              </a:rPr>
+              <a:t>db.emp.find</a:t>
+            </a:r>
+            <a:r>
+              <a:rPr lang="en-US" sz="2200" dirty="0">
+                <a:solidFill>
+                  <a:srgbClr val="FC6F0D"/>
+                </a:solidFill>
+                <a:latin typeface="Calibri" panose="020F0502020204030204" pitchFamily="34" charset="0"/>
+                <a:cs typeface="Calibri" panose="020F0502020204030204" pitchFamily="34" charset="0"/>
+              </a:rPr>
+              <a:t>({job:'manager'}, </a:t>
+            </a:r>
+            <a:r>
+              <a:rPr lang="en-US" sz="2200" dirty="0" smtClean="0">
+                <a:solidFill>
+                  <a:srgbClr val="FC6F0D"/>
+                </a:solidFill>
+                <a:latin typeface="Calibri" panose="020F0502020204030204" pitchFamily="34" charset="0"/>
+                <a:cs typeface="Calibri" panose="020F0502020204030204" pitchFamily="34" charset="0"/>
+              </a:rPr>
+              <a:t>{_id:false, ename:true</a:t>
+            </a:r>
+            <a:r>
+              <a:rPr lang="en-US" sz="2200" dirty="0">
+                <a:solidFill>
+                  <a:srgbClr val="FC6F0D"/>
+                </a:solidFill>
+                <a:latin typeface="Calibri" panose="020F0502020204030204" pitchFamily="34" charset="0"/>
+                <a:cs typeface="Calibri" panose="020F0502020204030204" pitchFamily="34" charset="0"/>
+              </a:rPr>
+              <a:t>, job:true</a:t>
+            </a:r>
+            <a:r>
+              <a:rPr lang="en-US" sz="2200" dirty="0" smtClean="0">
+                <a:solidFill>
+                  <a:srgbClr val="FC6F0D"/>
+                </a:solidFill>
+                <a:latin typeface="Calibri" panose="020F0502020204030204" pitchFamily="34" charset="0"/>
+                <a:cs typeface="Calibri" panose="020F0502020204030204" pitchFamily="34" charset="0"/>
+              </a:rPr>
+              <a:t>})</a:t>
+            </a:r>
+          </a:p>
+        </p:txBody>
+      </p:sp>
+      <p:sp>
+        <p:nvSpPr>
+          <p:cNvPr id="10" name="Rectangle 9"/>
+          <p:cNvSpPr/>
+          <p:nvPr/>
+        </p:nvSpPr>
+        <p:spPr>
+          <a:xfrm>
+            <a:off x="154136" y="1371600"/>
+            <a:ext cx="6516528" cy="923330"/>
+          </a:xfrm>
+          <a:prstGeom prst="rect">
+            <a:avLst/>
+          </a:prstGeom>
+        </p:spPr>
+        <p:txBody>
+          <a:bodyPr wrap="none">
+            <a:spAutoFit/>
+          </a:bodyPr>
+          <a:lstStyle/>
+          <a:p>
+            <a:r>
+              <a:rPr lang="en-US" dirty="0" smtClean="0">
+                <a:solidFill>
+                  <a:srgbClr val="049DC8"/>
+                </a:solidFill>
+                <a:latin typeface="Consolas" panose="020B0609020204030204" pitchFamily="49" charset="0"/>
+                <a:cs typeface="Calibri" panose="020F0502020204030204" pitchFamily="34" charset="0"/>
+              </a:rPr>
+              <a:t>db </a:t>
+            </a:r>
+            <a:r>
               <a:rPr lang="en-US" dirty="0">
                 <a:solidFill>
                   <a:srgbClr val="049DC8"/>
@@ -13878,7 +13509,19 @@
                 <a:latin typeface="Consolas" panose="020B0609020204030204" pitchFamily="49" charset="0"/>
                 <a:cs typeface="Calibri" panose="020F0502020204030204" pitchFamily="34" charset="0"/>
               </a:rPr>
-              <a:t>cursor.sort</a:t>
+              <a:t>['collection'].find (query, projection) </a:t>
+            </a:r>
+          </a:p>
+          <a:p>
+            <a:r>
+              <a:rPr lang="en-US" dirty="0">
+                <a:solidFill>
+                  <a:srgbClr val="049DC8"/>
+                </a:solidFill>
+                <a:latin typeface="Consolas" panose="020B0609020204030204" pitchFamily="49" charset="0"/>
+                <a:cs typeface="Calibri" panose="020F0502020204030204" pitchFamily="34" charset="0"/>
+              </a:rPr>
+              <a:t>db.collection.find(query, projection</a:t>
             </a:r>
             <a:r>
               <a:rPr lang="en-US" dirty="0" smtClean="0">
@@ -13888,8 +13531,10 @@
                 <a:latin typeface="Consolas" panose="020B0609020204030204" pitchFamily="49" charset="0"/>
                 <a:cs typeface="Calibri" panose="020F0502020204030204" pitchFamily="34" charset="0"/>
               </a:rPr>
-              <a:t>(</a:t>
-            </a:r>
+              <a:t>)</a:t>
+            </a:r>
+          </a:p>
+          <a:p>
             <a:r>
               <a:rPr lang="en-US" dirty="0">
                 <a:solidFill>
@@ -13898,7 +13543,27 @@
                 <a:latin typeface="Consolas" panose="020B0609020204030204" pitchFamily="49" charset="0"/>
                 <a:cs typeface="Calibri" panose="020F0502020204030204" pitchFamily="34" charset="0"/>
               </a:rPr>
-              <a:t>{ field: value }</a:t>
+              <a:t>db.getCollection('name</a:t>
+            </a:r>
+            <a:r>
+              <a:rPr lang="en-US" dirty="0" smtClean="0">
+                <a:solidFill>
+                  <a:srgbClr val="049DC8"/>
+                </a:solidFill>
+                <a:latin typeface="Consolas" panose="020B0609020204030204" pitchFamily="49" charset="0"/>
+                <a:cs typeface="Calibri" panose="020F0502020204030204" pitchFamily="34" charset="0"/>
+              </a:rPr>
+              <a:t>').</a:t>
+            </a:r>
+            <a:r>
+              <a:rPr lang="en-US" dirty="0">
+                <a:solidFill>
+                  <a:srgbClr val="049DC8"/>
+                </a:solidFill>
+                <a:latin typeface="Consolas" panose="020B0609020204030204" pitchFamily="49" charset="0"/>
+                <a:cs typeface="Calibri" panose="020F0502020204030204" pitchFamily="34" charset="0"/>
+              </a:rPr>
+              <a:t>find (query, projection</a:t>
             </a:r>
             <a:r>
               <a:rPr lang="en-US" dirty="0" smtClean="0">
@@ -13918,202 +13583,12 @@
               <a:cs typeface="Calibri" panose="020F0502020204030204" pitchFamily="34" charset="0"/>
             </a:endParaRPr>
           </a:p>
-          <a:p>
-            <a:r>
-              <a:rPr lang="en-US" dirty="0" smtClean="0">
-                <a:solidFill>
-                  <a:srgbClr val="049DC8"/>
-                </a:solidFill>
-                <a:latin typeface="Consolas" panose="020B0609020204030204" pitchFamily="49" charset="0"/>
-                <a:cs typeface="Calibri" panose="020F0502020204030204" pitchFamily="34" charset="0"/>
-              </a:rPr>
-              <a:t>db </a:t>
-            </a:r>
-            <a:r>
-              <a:rPr lang="en-US" dirty="0">
-                <a:solidFill>
-                  <a:srgbClr val="049DC8"/>
-                </a:solidFill>
-                <a:latin typeface="Consolas" panose="020B0609020204030204" pitchFamily="49" charset="0"/>
-                <a:cs typeface="Calibri" panose="020F0502020204030204" pitchFamily="34" charset="0"/>
-              </a:rPr>
-              <a:t>['collection'].find (query, projection</a:t>
-            </a:r>
-            <a:r>
-              <a:rPr lang="en-US" dirty="0" smtClean="0">
-                <a:solidFill>
-                  <a:srgbClr val="049DC8"/>
-                </a:solidFill>
-                <a:latin typeface="Consolas" panose="020B0609020204030204" pitchFamily="49" charset="0"/>
-                <a:cs typeface="Calibri" panose="020F0502020204030204" pitchFamily="34" charset="0"/>
-              </a:rPr>
-              <a:t>).</a:t>
-            </a:r>
-            <a:r>
-              <a:rPr lang="en-US" dirty="0">
-                <a:solidFill>
-                  <a:srgbClr val="049DC8"/>
-                </a:solidFill>
-                <a:latin typeface="Consolas" panose="020B0609020204030204" pitchFamily="49" charset="0"/>
-                <a:cs typeface="Calibri" panose="020F0502020204030204" pitchFamily="34" charset="0"/>
-              </a:rPr>
-              <a:t>sort({ field: value }) </a:t>
-            </a:r>
-          </a:p>
-          <a:p>
-            <a:r>
-              <a:rPr lang="en-US" dirty="0">
-                <a:solidFill>
-                  <a:srgbClr val="049DC8"/>
-                </a:solidFill>
-                <a:latin typeface="Consolas" panose="020B0609020204030204" pitchFamily="49" charset="0"/>
-                <a:cs typeface="Calibri" panose="020F0502020204030204" pitchFamily="34" charset="0"/>
-              </a:rPr>
-              <a:t>db.collection.find(query, projection</a:t>
-            </a:r>
-            <a:r>
-              <a:rPr lang="en-US" dirty="0" smtClean="0">
-                <a:solidFill>
-                  <a:srgbClr val="049DC8"/>
-                </a:solidFill>
-                <a:latin typeface="Consolas" panose="020B0609020204030204" pitchFamily="49" charset="0"/>
-                <a:cs typeface="Calibri" panose="020F0502020204030204" pitchFamily="34" charset="0"/>
-              </a:rPr>
-              <a:t>).</a:t>
-            </a:r>
-            <a:r>
-              <a:rPr lang="en-US" dirty="0">
-                <a:solidFill>
-                  <a:srgbClr val="049DC8"/>
-                </a:solidFill>
-                <a:latin typeface="Consolas" panose="020B0609020204030204" pitchFamily="49" charset="0"/>
-                <a:cs typeface="Calibri" panose="020F0502020204030204" pitchFamily="34" charset="0"/>
-              </a:rPr>
-              <a:t>sort({ field: value })</a:t>
-            </a:r>
-          </a:p>
-        </p:txBody>
-      </p:sp>
-      <p:sp>
-        <p:nvSpPr>
-          <p:cNvPr id="3" name="Rectangle 2"/>
-          <p:cNvSpPr/>
-          <p:nvPr/>
-        </p:nvSpPr>
-        <p:spPr>
-          <a:xfrm>
-            <a:off x="160073" y="2782669"/>
-            <a:ext cx="8823853" cy="646331"/>
-          </a:xfrm>
-          <a:prstGeom prst="rect">
-            <a:avLst/>
-          </a:prstGeom>
-          <a:solidFill>
-            <a:srgbClr val="DFE100"/>
-          </a:solidFill>
-        </p:spPr>
-        <p:txBody>
-          <a:bodyPr wrap="square">
-            <a:spAutoFit/>
-          </a:bodyPr>
-          <a:lstStyle/>
-          <a:p>
-            <a:r>
-              <a:rPr lang="en-US" dirty="0"/>
-              <a:t>Specify in the sort parameter  1 or -1 to specify an ascending or descending sort respectively.</a:t>
-            </a:r>
-          </a:p>
-        </p:txBody>
-      </p:sp>
-      <p:sp>
-        <p:nvSpPr>
-          <p:cNvPr id="5" name="Rectangle 4"/>
-          <p:cNvSpPr/>
-          <p:nvPr/>
-        </p:nvSpPr>
-        <p:spPr>
-          <a:xfrm>
-            <a:off x="160072" y="3768804"/>
-            <a:ext cx="8823853" cy="892552"/>
-          </a:xfrm>
-          <a:prstGeom prst="rect">
-            <a:avLst/>
-          </a:prstGeom>
-        </p:spPr>
-        <p:txBody>
-          <a:bodyPr wrap="square">
-            <a:spAutoFit/>
-          </a:bodyPr>
-          <a:lstStyle/>
-          <a:p>
-            <a:r>
-              <a:rPr lang="en-US" sz="2200" dirty="0">
-                <a:solidFill>
-                  <a:srgbClr val="FC6F0D"/>
-                </a:solidFill>
-                <a:latin typeface="Calibri" panose="020F0502020204030204" pitchFamily="34" charset="0"/>
-                <a:cs typeface="Calibri" panose="020F0502020204030204" pitchFamily="34" charset="0"/>
-              </a:rPr>
-              <a:t>db['emp'].find({},{ename:true}).sort({ename:1</a:t>
-            </a:r>
-            <a:r>
-              <a:rPr lang="en-US" sz="2200" dirty="0" smtClean="0">
-                <a:solidFill>
-                  <a:srgbClr val="FC6F0D"/>
-                </a:solidFill>
-                <a:latin typeface="Calibri" panose="020F0502020204030204" pitchFamily="34" charset="0"/>
-                <a:cs typeface="Calibri" panose="020F0502020204030204" pitchFamily="34" charset="0"/>
-              </a:rPr>
-              <a:t>});</a:t>
-            </a:r>
-          </a:p>
-          <a:p>
-            <a:endParaRPr lang="en-US" sz="800" dirty="0" smtClean="0">
-              <a:solidFill>
-                <a:srgbClr val="FC6F0D"/>
-              </a:solidFill>
-              <a:latin typeface="Calibri" panose="020F0502020204030204" pitchFamily="34" charset="0"/>
-              <a:cs typeface="Calibri" panose="020F0502020204030204" pitchFamily="34" charset="0"/>
-            </a:endParaRPr>
-          </a:p>
-          <a:p>
-            <a:r>
-              <a:rPr lang="en-US" sz="2200" dirty="0">
-                <a:solidFill>
-                  <a:srgbClr val="FC6F0D"/>
-                </a:solidFill>
-                <a:latin typeface="Calibri" panose="020F0502020204030204" pitchFamily="34" charset="0"/>
-                <a:cs typeface="Calibri" panose="020F0502020204030204" pitchFamily="34" charset="0"/>
-              </a:rPr>
-              <a:t>db['emp'].find({},{ename:true}).sort({ename</a:t>
-            </a:r>
-            <a:r>
-              <a:rPr lang="en-US" sz="2200" dirty="0" smtClean="0">
-                <a:solidFill>
-                  <a:srgbClr val="FC6F0D"/>
-                </a:solidFill>
-                <a:latin typeface="Calibri" panose="020F0502020204030204" pitchFamily="34" charset="0"/>
-                <a:cs typeface="Calibri" panose="020F0502020204030204" pitchFamily="34" charset="0"/>
-              </a:rPr>
-              <a:t>:-1</a:t>
-            </a:r>
-            <a:r>
-              <a:rPr lang="en-US" sz="2200" dirty="0">
-                <a:solidFill>
-                  <a:srgbClr val="FC6F0D"/>
-                </a:solidFill>
-                <a:latin typeface="Calibri" panose="020F0502020204030204" pitchFamily="34" charset="0"/>
-                <a:cs typeface="Calibri" panose="020F0502020204030204" pitchFamily="34" charset="0"/>
-              </a:rPr>
-              <a:t>});</a:t>
-            </a:r>
-          </a:p>
         </p:txBody>
       </p:sp>
     </p:spTree>
     <p:extLst>
       <p:ext uri="{BB962C8B-B14F-4D97-AF65-F5344CB8AC3E}">
-        <p14:creationId xmlns:p14="http://schemas.microsoft.com/office/powerpoint/2010/main" val="3558721917"/>
+        <p14:creationId xmlns:p14="http://schemas.microsoft.com/office/powerpoint/2010/main" val="635217269"/>
       </p:ext>
     </p:extLst>
   </p:cSld>
@@ -14149,71 +13624,72 @@
       </p:grpSpPr>
       <p:sp>
         <p:nvSpPr>
-          <p:cNvPr id="2" name="Title 1"/>
-          <p:cNvSpPr txBox="1">
-            <a:spLocks/>
-          </p:cNvSpPr>
-          <p:nvPr/>
-        </p:nvSpPr>
-        <p:spPr>
-          <a:xfrm>
-            <a:off x="152400" y="2057400"/>
-            <a:ext cx="8839200" cy="838200"/>
-          </a:xfrm>
-          <a:prstGeom prst="rect">
-            <a:avLst/>
-          </a:prstGeom>
-        </p:spPr>
-        <p:txBody>
-          <a:bodyPr>
-            <a:noAutofit/>
-          </a:bodyPr>
-          <a:lstStyle>
-            <a:defPPr>
-              <a:defRPr lang="en-US"/>
-            </a:defPPr>
-            <a:lvl1pPr lvl="0" algn="ctr">
+          <p:cNvPr id="6" name="Rectangle 5"/>
+          <p:cNvSpPr/>
+          <p:nvPr/>
+        </p:nvSpPr>
+        <p:spPr>
+          <a:xfrm>
+            <a:off x="0" y="0"/>
+            <a:ext cx="9144000" cy="584775"/>
+          </a:xfrm>
+          <a:prstGeom prst="rect">
+            <a:avLst/>
+          </a:prstGeom>
+          <a:solidFill>
+            <a:schemeClr val="accent4">
+              <a:lumMod val="75000"/>
+            </a:schemeClr>
+          </a:solidFill>
+        </p:spPr>
+        <p:txBody>
+          <a:bodyPr wrap="square">
+            <a:spAutoFit/>
+          </a:bodyPr>
+          <a:lstStyle/>
+          <a:p>
+            <a:pPr algn="r">
               <a:spcBef>
                 <a:spcPct val="0"/>
               </a:spcBef>
-              <a:defRPr sz="4800">
-                <a:solidFill>
-                  <a:srgbClr val="7EEEE3"/>
-                </a:solidFill>
-                <a:latin typeface="Segoe UI Light" panose="020B0502040204020203" pitchFamily="34" charset="0"/>
-                <a:cs typeface="Segoe UI Light" panose="020B0502040204020203" pitchFamily="34" charset="0"/>
-              </a:defRPr>
-            </a:lvl1pPr>
-          </a:lstStyle>
-          <a:p>
-            <a:r>
-              <a:rPr lang="en-IN" dirty="0" smtClean="0"/>
-              <a:t>limit</a:t>
-            </a:r>
-            <a:endParaRPr lang="en-US" dirty="0"/>
-          </a:p>
-        </p:txBody>
-      </p:sp>
-      <p:sp>
-        <p:nvSpPr>
-          <p:cNvPr id="3" name="Rectangle 2"/>
+            </a:pPr>
+            <a:r>
+              <a:rPr lang="en-IN" sz="3200" b="1" i="1" dirty="0" smtClean="0">
+                <a:solidFill>
+                  <a:srgbClr val="FFFF00"/>
+                </a:solidFill>
+                <a:latin typeface="Arial" pitchFamily="34" charset="0"/>
+                <a:cs typeface="Arial" pitchFamily="34" charset="0"/>
+              </a:rPr>
+              <a:t>db.collection.find()[&lt;index_number&gt;]</a:t>
+            </a:r>
+            <a:r>
+              <a:rPr lang="en-IN" sz="3200" b="1" i="1" dirty="0">
+                <a:solidFill>
+                  <a:srgbClr val="FFFF00"/>
+                </a:solidFill>
+                <a:latin typeface="Arial" pitchFamily="34" charset="0"/>
+                <a:cs typeface="Arial" pitchFamily="34" charset="0"/>
+              </a:rPr>
+              <a:t> </a:t>
+            </a:r>
+          </a:p>
+        </p:txBody>
+      </p:sp>
+      <p:sp>
+        <p:nvSpPr>
+          <p:cNvPr id="7" name="Rectangle 6"/>
           <p:cNvSpPr/>
           <p:nvPr/>
         </p:nvSpPr>
         <p:spPr>
           <a:xfrm>
-            <a:off x="419100" y="2861953"/>
-            <a:ext cx="8305800" cy="369332"/>
-          </a:xfrm>
-          <a:prstGeom prst="rect">
-            <a:avLst/>
-          </a:prstGeom>
-          <a:solidFill>
-            <a:schemeClr val="accent6">
-              <a:lumMod val="20000"/>
-              <a:lumOff val="80000"/>
-            </a:schemeClr>
-          </a:solidFill>
+            <a:off x="149188" y="762000"/>
+            <a:ext cx="8845624" cy="369332"/>
+          </a:xfrm>
+          <a:prstGeom prst="rect">
+            <a:avLst/>
+          </a:prstGeom>
         </p:spPr>
         <p:txBody>
           <a:bodyPr wrap="square">
@@ -14222,35 +13698,352 @@
           <a:lstStyle/>
           <a:p>
             <a:r>
+              <a:rPr lang="en-US" dirty="0" smtClean="0"/>
+              <a:t>TODO</a:t>
+            </a:r>
+            <a:endParaRPr lang="en-IN" dirty="0"/>
+          </a:p>
+        </p:txBody>
+      </p:sp>
+      <p:sp>
+        <p:nvSpPr>
+          <p:cNvPr id="9" name="Rectangle 8"/>
+          <p:cNvSpPr/>
+          <p:nvPr/>
+        </p:nvSpPr>
+        <p:spPr>
+          <a:xfrm>
+            <a:off x="149188" y="2832318"/>
+            <a:ext cx="8845624" cy="1815882"/>
+          </a:xfrm>
+          <a:prstGeom prst="rect">
+            <a:avLst/>
+          </a:prstGeom>
+        </p:spPr>
+        <p:txBody>
+          <a:bodyPr wrap="square">
+            <a:spAutoFit/>
+          </a:bodyPr>
+          <a:lstStyle/>
+          <a:p>
+            <a:r>
+              <a:rPr lang="en-US" sz="2200" dirty="0">
+                <a:solidFill>
+                  <a:srgbClr val="FC6F0D"/>
+                </a:solidFill>
+                <a:latin typeface="Calibri" panose="020F0502020204030204" pitchFamily="34" charset="0"/>
+                <a:cs typeface="Calibri" panose="020F0502020204030204" pitchFamily="34" charset="0"/>
+              </a:rPr>
+              <a:t>db.emp.find</a:t>
+            </a:r>
+            <a:r>
+              <a:rPr lang="en-US" sz="2200" dirty="0" smtClean="0">
+                <a:solidFill>
+                  <a:srgbClr val="FC6F0D"/>
+                </a:solidFill>
+                <a:latin typeface="Calibri" panose="020F0502020204030204" pitchFamily="34" charset="0"/>
+                <a:cs typeface="Calibri" panose="020F0502020204030204" pitchFamily="34" charset="0"/>
+              </a:rPr>
+              <a:t>()[0];</a:t>
+            </a:r>
+          </a:p>
+          <a:p>
+            <a:endParaRPr lang="en-US" sz="800" dirty="0" smtClean="0">
+              <a:solidFill>
+                <a:srgbClr val="FC6F0D"/>
+              </a:solidFill>
+              <a:latin typeface="Calibri" panose="020F0502020204030204" pitchFamily="34" charset="0"/>
+              <a:cs typeface="Calibri" panose="020F0502020204030204" pitchFamily="34" charset="0"/>
+            </a:endParaRPr>
+          </a:p>
+          <a:p>
+            <a:r>
+              <a:rPr lang="en-US" sz="2200" dirty="0">
+                <a:solidFill>
+                  <a:srgbClr val="FC6F0D"/>
+                </a:solidFill>
+                <a:latin typeface="Calibri" panose="020F0502020204030204" pitchFamily="34" charset="0"/>
+                <a:cs typeface="Calibri" panose="020F0502020204030204" pitchFamily="34" charset="0"/>
+              </a:rPr>
+              <a:t>db.emp.find()[0</a:t>
+            </a:r>
+            <a:r>
+              <a:rPr lang="en-US" sz="2200" dirty="0" smtClean="0">
+                <a:solidFill>
+                  <a:srgbClr val="FC6F0D"/>
+                </a:solidFill>
+                <a:latin typeface="Calibri" panose="020F0502020204030204" pitchFamily="34" charset="0"/>
+                <a:cs typeface="Calibri" panose="020F0502020204030204" pitchFamily="34" charset="0"/>
+              </a:rPr>
+              <a:t>].ename;</a:t>
+            </a:r>
+          </a:p>
+          <a:p>
+            <a:endParaRPr lang="en-US" sz="800" dirty="0" smtClean="0">
+              <a:solidFill>
+                <a:srgbClr val="FC6F0D"/>
+              </a:solidFill>
+              <a:latin typeface="Calibri" panose="020F0502020204030204" pitchFamily="34" charset="0"/>
+              <a:cs typeface="Calibri" panose="020F0502020204030204" pitchFamily="34" charset="0"/>
+            </a:endParaRPr>
+          </a:p>
+          <a:p>
+            <a:r>
+              <a:rPr lang="en-US" sz="2200" dirty="0">
+                <a:solidFill>
+                  <a:srgbClr val="FC6F0D"/>
+                </a:solidFill>
+                <a:latin typeface="Calibri" panose="020F0502020204030204" pitchFamily="34" charset="0"/>
+                <a:cs typeface="Calibri" panose="020F0502020204030204" pitchFamily="34" charset="0"/>
+              </a:rPr>
+              <a:t>db.getCollection('emp').find</a:t>
+            </a:r>
+            <a:r>
+              <a:rPr lang="en-US" sz="2200" dirty="0" smtClean="0">
+                <a:solidFill>
+                  <a:srgbClr val="FC6F0D"/>
+                </a:solidFill>
+                <a:latin typeface="Calibri" panose="020F0502020204030204" pitchFamily="34" charset="0"/>
+                <a:cs typeface="Calibri" panose="020F0502020204030204" pitchFamily="34" charset="0"/>
+              </a:rPr>
+              <a:t>()</a:t>
+            </a:r>
+            <a:r>
+              <a:rPr lang="en-US" sz="2200" dirty="0">
+                <a:solidFill>
+                  <a:srgbClr val="FC6F0D"/>
+                </a:solidFill>
+                <a:latin typeface="Calibri" panose="020F0502020204030204" pitchFamily="34" charset="0"/>
+                <a:cs typeface="Calibri" panose="020F0502020204030204" pitchFamily="34" charset="0"/>
+              </a:rPr>
+              <a:t> [0]</a:t>
+            </a:r>
+            <a:r>
+              <a:rPr lang="en-US" sz="2200" dirty="0" smtClean="0">
+                <a:solidFill>
+                  <a:srgbClr val="FC6F0D"/>
+                </a:solidFill>
+                <a:latin typeface="Calibri" panose="020F0502020204030204" pitchFamily="34" charset="0"/>
+                <a:cs typeface="Calibri" panose="020F0502020204030204" pitchFamily="34" charset="0"/>
+              </a:rPr>
+              <a:t>;</a:t>
+            </a:r>
+          </a:p>
+          <a:p>
+            <a:endParaRPr lang="en-US" sz="800" dirty="0" smtClean="0">
+              <a:solidFill>
+                <a:srgbClr val="FC6F0D"/>
+              </a:solidFill>
+              <a:latin typeface="Calibri" panose="020F0502020204030204" pitchFamily="34" charset="0"/>
+              <a:cs typeface="Calibri" panose="020F0502020204030204" pitchFamily="34" charset="0"/>
+            </a:endParaRPr>
+          </a:p>
+          <a:p>
+            <a:r>
+              <a:rPr lang="en-US" sz="2200" dirty="0">
+                <a:solidFill>
+                  <a:srgbClr val="FC6F0D"/>
+                </a:solidFill>
+                <a:latin typeface="Calibri" panose="020F0502020204030204" pitchFamily="34" charset="0"/>
+                <a:cs typeface="Calibri" panose="020F0502020204030204" pitchFamily="34" charset="0"/>
+              </a:rPr>
+              <a:t>db.emp.find()[db.emp.find().count()-1]</a:t>
+            </a:r>
+          </a:p>
+        </p:txBody>
+      </p:sp>
+      <p:sp>
+        <p:nvSpPr>
+          <p:cNvPr id="8" name="Rectangle 7"/>
+          <p:cNvSpPr/>
+          <p:nvPr/>
+        </p:nvSpPr>
+        <p:spPr>
+          <a:xfrm>
+            <a:off x="149188" y="1563469"/>
+            <a:ext cx="8845624" cy="923330"/>
+          </a:xfrm>
+          <a:prstGeom prst="rect">
+            <a:avLst/>
+          </a:prstGeom>
+        </p:spPr>
+        <p:txBody>
+          <a:bodyPr wrap="square">
+            <a:spAutoFit/>
+          </a:bodyPr>
+          <a:lstStyle/>
+          <a:p>
+            <a:r>
+              <a:rPr lang="en-US" dirty="0">
+                <a:solidFill>
+                  <a:srgbClr val="049DC8"/>
+                </a:solidFill>
+                <a:latin typeface="Consolas" panose="020B0609020204030204" pitchFamily="49" charset="0"/>
+                <a:cs typeface="Calibri" panose="020F0502020204030204" pitchFamily="34" charset="0"/>
+              </a:rPr>
+              <a:t>db ['collection'].find (query, projection</a:t>
+            </a:r>
+            <a:r>
               <a:rPr lang="en-US" dirty="0" smtClean="0">
                 <a:solidFill>
-                  <a:srgbClr val="222222"/>
-                </a:solidFill>
-                <a:latin typeface="arial" panose="020B0604020202020204" pitchFamily="34" charset="0"/>
-              </a:rPr>
-              <a:t>TODO</a:t>
-            </a:r>
+                  <a:srgbClr val="049DC8"/>
+                </a:solidFill>
+                <a:latin typeface="Consolas" panose="020B0609020204030204" pitchFamily="49" charset="0"/>
+                <a:cs typeface="Calibri" panose="020F0502020204030204" pitchFamily="34" charset="0"/>
+              </a:rPr>
+              <a:t>) [&lt;index&gt; [.field] ]</a:t>
+            </a:r>
+            <a:endParaRPr lang="en-US" dirty="0">
+              <a:solidFill>
+                <a:srgbClr val="049DC8"/>
+              </a:solidFill>
+              <a:latin typeface="Consolas" panose="020B0609020204030204" pitchFamily="49" charset="0"/>
+              <a:cs typeface="Calibri" panose="020F0502020204030204" pitchFamily="34" charset="0"/>
+            </a:endParaRPr>
+          </a:p>
+          <a:p>
+            <a:r>
+              <a:rPr lang="en-US" dirty="0" smtClean="0">
+                <a:solidFill>
+                  <a:srgbClr val="049DC8"/>
+                </a:solidFill>
+                <a:latin typeface="Consolas" panose="020B0609020204030204" pitchFamily="49" charset="0"/>
+                <a:cs typeface="Calibri" panose="020F0502020204030204" pitchFamily="34" charset="0"/>
+              </a:rPr>
+              <a:t>db.collection.find(query</a:t>
+            </a:r>
+            <a:r>
+              <a:rPr lang="en-US" dirty="0">
+                <a:solidFill>
+                  <a:srgbClr val="049DC8"/>
+                </a:solidFill>
+                <a:latin typeface="Consolas" panose="020B0609020204030204" pitchFamily="49" charset="0"/>
+                <a:cs typeface="Calibri" panose="020F0502020204030204" pitchFamily="34" charset="0"/>
+              </a:rPr>
+              <a:t>, projection) </a:t>
+            </a:r>
+            <a:r>
+              <a:rPr lang="en-US" dirty="0" smtClean="0">
+                <a:solidFill>
+                  <a:srgbClr val="049DC8"/>
+                </a:solidFill>
+                <a:latin typeface="Consolas" panose="020B0609020204030204" pitchFamily="49" charset="0"/>
+                <a:cs typeface="Calibri" panose="020F0502020204030204" pitchFamily="34" charset="0"/>
+              </a:rPr>
+              <a:t>[&lt;index&gt; [.</a:t>
+            </a:r>
+            <a:r>
+              <a:rPr lang="en-US" dirty="0">
+                <a:solidFill>
+                  <a:srgbClr val="049DC8"/>
+                </a:solidFill>
+                <a:latin typeface="Consolas" panose="020B0609020204030204" pitchFamily="49" charset="0"/>
+                <a:cs typeface="Calibri" panose="020F0502020204030204" pitchFamily="34" charset="0"/>
+              </a:rPr>
+              <a:t>field</a:t>
+            </a:r>
+            <a:r>
+              <a:rPr lang="en-US" dirty="0" smtClean="0">
+                <a:solidFill>
+                  <a:srgbClr val="049DC8"/>
+                </a:solidFill>
+                <a:latin typeface="Consolas" panose="020B0609020204030204" pitchFamily="49" charset="0"/>
+                <a:cs typeface="Calibri" panose="020F0502020204030204" pitchFamily="34" charset="0"/>
+              </a:rPr>
+              <a:t>] ]</a:t>
+            </a:r>
+          </a:p>
+          <a:p>
+            <a:r>
+              <a:rPr lang="en-US" dirty="0" smtClean="0">
+                <a:solidFill>
+                  <a:srgbClr val="049DC8"/>
+                </a:solidFill>
+                <a:latin typeface="Consolas" panose="020B0609020204030204" pitchFamily="49" charset="0"/>
+                <a:cs typeface="Calibri" panose="020F0502020204030204" pitchFamily="34" charset="0"/>
+              </a:rPr>
+              <a:t>db.getCollection</a:t>
+            </a:r>
+            <a:r>
+              <a:rPr lang="en-US" dirty="0">
+                <a:solidFill>
+                  <a:srgbClr val="049DC8"/>
+                </a:solidFill>
+                <a:latin typeface="Consolas" panose="020B0609020204030204" pitchFamily="49" charset="0"/>
+                <a:cs typeface="Calibri" panose="020F0502020204030204" pitchFamily="34" charset="0"/>
+              </a:rPr>
+              <a:t>('name</a:t>
+            </a:r>
+            <a:r>
+              <a:rPr lang="en-US" dirty="0" smtClean="0">
+                <a:solidFill>
+                  <a:srgbClr val="049DC8"/>
+                </a:solidFill>
+                <a:latin typeface="Consolas" panose="020B0609020204030204" pitchFamily="49" charset="0"/>
+                <a:cs typeface="Calibri" panose="020F0502020204030204" pitchFamily="34" charset="0"/>
+              </a:rPr>
+              <a:t>').</a:t>
+            </a:r>
+            <a:r>
+              <a:rPr lang="en-US" dirty="0">
+                <a:solidFill>
+                  <a:srgbClr val="049DC8"/>
+                </a:solidFill>
+                <a:latin typeface="Consolas" panose="020B0609020204030204" pitchFamily="49" charset="0"/>
+                <a:cs typeface="Calibri" panose="020F0502020204030204" pitchFamily="34" charset="0"/>
+              </a:rPr>
+              <a:t>find (query, projection</a:t>
+            </a:r>
+            <a:r>
+              <a:rPr lang="en-US" dirty="0" smtClean="0">
+                <a:solidFill>
+                  <a:srgbClr val="049DC8"/>
+                </a:solidFill>
+                <a:latin typeface="Consolas" panose="020B0609020204030204" pitchFamily="49" charset="0"/>
+                <a:cs typeface="Calibri" panose="020F0502020204030204" pitchFamily="34" charset="0"/>
+              </a:rPr>
+              <a:t>) [&lt;index&gt; </a:t>
+            </a:r>
+            <a:r>
+              <a:rPr lang="en-US" dirty="0">
+                <a:solidFill>
+                  <a:srgbClr val="049DC8"/>
+                </a:solidFill>
+                <a:latin typeface="Consolas" panose="020B0609020204030204" pitchFamily="49" charset="0"/>
+                <a:cs typeface="Calibri" panose="020F0502020204030204" pitchFamily="34" charset="0"/>
+              </a:rPr>
+              <a:t>[.field] </a:t>
+            </a:r>
+            <a:r>
+              <a:rPr lang="en-US" dirty="0" smtClean="0">
+                <a:solidFill>
+                  <a:srgbClr val="049DC8"/>
+                </a:solidFill>
+                <a:latin typeface="Consolas" panose="020B0609020204030204" pitchFamily="49" charset="0"/>
+                <a:cs typeface="Calibri" panose="020F0502020204030204" pitchFamily="34" charset="0"/>
+              </a:rPr>
+              <a:t>]</a:t>
+            </a:r>
+            <a:endParaRPr lang="en-US" dirty="0">
+              <a:solidFill>
+                <a:srgbClr val="049DC8"/>
+              </a:solidFill>
+              <a:latin typeface="Consolas" panose="020B0609020204030204" pitchFamily="49" charset="0"/>
+              <a:cs typeface="Calibri" panose="020F0502020204030204" pitchFamily="34" charset="0"/>
+            </a:endParaRPr>
           </a:p>
         </p:txBody>
       </p:sp>
     </p:spTree>
     <p:extLst>
       <p:ext uri="{BB962C8B-B14F-4D97-AF65-F5344CB8AC3E}">
-        <p14:creationId xmlns:p14="http://schemas.microsoft.com/office/powerpoint/2010/main" val="2279083902"/>
+        <p14:creationId xmlns:p14="http://schemas.microsoft.com/office/powerpoint/2010/main" val="2762672699"/>
       </p:ext>
     </p:extLst>
   </p:cSld>
   <p:clrMapOvr>
     <a:masterClrMapping/>
   </p:clrMapOvr>
-  <mc:AlternateContent xmlns:mc="http://schemas.openxmlformats.org/markup-compatibility/2006" xmlns:p14="http://schemas.microsoft.com/office/powerpoint/2010/main">
-    <mc:Choice Requires="p14">
-      <p:transition spd="slow" p14:dur="2000"/>
-    </mc:Choice>
-    <mc:Fallback xmlns="">
-      <p:transition spd="slow"/>
-    </mc:Fallback>
-  </mc:AlternateContent>
   <p:timing>
     <p:tnLst>
       <p:par>
@@ -14563,15 +14356,18 @@
                 <a:latin typeface="Arial" pitchFamily="34" charset="0"/>
                 <a:cs typeface="Arial" pitchFamily="34" charset="0"/>
               </a:rPr>
-              <a:t>db.collection.find().limit()</a:t>
-            </a:r>
-            <a:endParaRPr lang="en-IN" sz="3200" b="1" i="1" dirty="0">
-              <a:solidFill>
-                <a:srgbClr val="FFFF00"/>
-              </a:solidFill>
-              <a:latin typeface="Arial" pitchFamily="34" charset="0"/>
-              <a:cs typeface="Arial" pitchFamily="34" charset="0"/>
-            </a:endParaRPr>
+              <a:t>cursor with db.collection.find()</a:t>
+            </a:r>
+            <a:r>
+              <a:rPr lang="en-IN" sz="3200" b="1" i="1" dirty="0">
+                <a:solidFill>
+                  <a:srgbClr val="FFFF00"/>
+                </a:solidFill>
+                <a:latin typeface="Arial" pitchFamily="34" charset="0"/>
+                <a:cs typeface="Arial" pitchFamily="34" charset="0"/>
+              </a:rPr>
+              <a:t> </a:t>
+            </a:r>
           </a:p>
         </p:txBody>
       </p:sp>
@@ -14584,7 +14380,7 @@
         <p:spPr>
           <a:xfrm>
             <a:off x="149188" y="762000"/>
-            <a:ext cx="8845624" cy="646331"/>
+            <a:ext cx="8845624" cy="923330"/>
           </a:xfrm>
           <a:prstGeom prst="rect">
             <a:avLst/>
@@ -14598,19 +14394,7 @@
           <a:p>
             <a:r>
               <a:rPr lang="en-US" dirty="0"/>
-              <a:t>Use the </a:t>
-            </a:r>
-            <a:r>
-              <a:rPr lang="en-US" b="1" i="1" dirty="0">
-                <a:solidFill>
-                  <a:srgbClr val="036883"/>
-                </a:solidFill>
-              </a:rPr>
-              <a:t>limit()</a:t>
-            </a:r>
-            <a:r>
-              <a:rPr lang="en-US" dirty="0"/>
-              <a:t> method to specify the maximum number of documents the cursor will return.</a:t>
+              <a:t>In the mongo shell, if the returned cursor is not assigned to a variable using the var keyword, the cursor is automatically iterated to access up to the first 20 documents that match the query.</a:t>
             </a:r>
             <a:endParaRPr lang="en-IN" dirty="0"/>
           </a:p>
@@ -14624,8 +14408,84 @@
         </p:nvSpPr>
         <p:spPr>
           <a:xfrm>
-            <a:off x="154136" y="1563469"/>
-            <a:ext cx="8840676" cy="923330"/>
+            <a:off x="154136" y="1840468"/>
+            <a:ext cx="7402989" cy="369332"/>
+          </a:xfrm>
+          <a:prstGeom prst="rect">
+            <a:avLst/>
+          </a:prstGeom>
+        </p:spPr>
+        <p:txBody>
+          <a:bodyPr wrap="none">
+            <a:spAutoFit/>
+          </a:bodyPr>
+          <a:lstStyle/>
+          <a:p>
+            <a:r>
+              <a:rPr lang="en-US" dirty="0" smtClean="0">
+                <a:solidFill>
+                  <a:srgbClr val="049DC8"/>
+                </a:solidFill>
+                <a:latin typeface="Consolas" panose="020B0609020204030204" pitchFamily="49" charset="0"/>
+                <a:cs typeface="Calibri" panose="020F0502020204030204" pitchFamily="34" charset="0"/>
+              </a:rPr>
+              <a:t>var variable_name = db.collection.find(query</a:t>
+            </a:r>
+            <a:r>
+              <a:rPr lang="en-US" dirty="0">
+                <a:solidFill>
+                  <a:srgbClr val="049DC8"/>
+                </a:solidFill>
+                <a:latin typeface="Consolas" panose="020B0609020204030204" pitchFamily="49" charset="0"/>
+                <a:cs typeface="Calibri" panose="020F0502020204030204" pitchFamily="34" charset="0"/>
+              </a:rPr>
+              <a:t>, projection)</a:t>
+            </a:r>
+          </a:p>
+        </p:txBody>
+      </p:sp>
+      <p:sp>
+        <p:nvSpPr>
+          <p:cNvPr id="12" name="Rectangle 11"/>
+          <p:cNvSpPr/>
+          <p:nvPr/>
+        </p:nvSpPr>
+        <p:spPr>
+          <a:xfrm>
+            <a:off x="178876" y="2526268"/>
+            <a:ext cx="3736985" cy="369332"/>
+          </a:xfrm>
+          <a:prstGeom prst="rect">
+            <a:avLst/>
+          </a:prstGeom>
+        </p:spPr>
+        <p:txBody>
+          <a:bodyPr wrap="none">
+            <a:spAutoFit/>
+          </a:bodyPr>
+          <a:lstStyle/>
+          <a:p>
+            <a:r>
+              <a:rPr lang="en-US" dirty="0">
+                <a:solidFill>
+                  <a:srgbClr val="C00000"/>
+                </a:solidFill>
+              </a:rPr>
+              <a:t>The find() method returns a cursor.</a:t>
+            </a:r>
+          </a:p>
+        </p:txBody>
+      </p:sp>
+      <p:sp>
+        <p:nvSpPr>
+          <p:cNvPr id="3" name="Rectangle 2"/>
+          <p:cNvSpPr/>
+          <p:nvPr/>
+        </p:nvSpPr>
+        <p:spPr>
+          <a:xfrm>
+            <a:off x="224432" y="3048000"/>
+            <a:ext cx="8770379" cy="769441"/>
           </a:xfrm>
           <a:prstGeom prst="rect">
             <a:avLst/>
@@ -14638,175 +14498,6 @@
           <a:lstStyle/>
           <a:p>
             <a:r>
-              <a:rPr lang="en-US" dirty="0" smtClean="0">
-                <a:solidFill>
-                  <a:srgbClr val="049DC8"/>
-                </a:solidFill>
-                <a:latin typeface="Consolas" panose="020B0609020204030204" pitchFamily="49" charset="0"/>
-                <a:cs typeface="Calibri" panose="020F0502020204030204" pitchFamily="34" charset="0"/>
-              </a:rPr>
-              <a:t>cursor.limit(</a:t>
-            </a:r>
-            <a:r>
-              <a:rPr lang="en-US" dirty="0">
-                <a:solidFill>
-                  <a:srgbClr val="049DC8"/>
-                </a:solidFill>
-                <a:latin typeface="Consolas" panose="020B0609020204030204" pitchFamily="49" charset="0"/>
-                <a:cs typeface="Calibri" panose="020F0502020204030204" pitchFamily="34" charset="0"/>
-              </a:rPr>
-              <a:t>&lt;number&gt;</a:t>
-            </a:r>
-            <a:r>
-              <a:rPr lang="en-US" dirty="0" smtClean="0">
-                <a:solidFill>
-                  <a:srgbClr val="049DC8"/>
-                </a:solidFill>
-                <a:latin typeface="Consolas" panose="020B0609020204030204" pitchFamily="49" charset="0"/>
-                <a:cs typeface="Calibri" panose="020F0502020204030204" pitchFamily="34" charset="0"/>
-              </a:rPr>
-              <a:t>)</a:t>
-            </a:r>
-            <a:endParaRPr lang="en-US" dirty="0">
-              <a:solidFill>
-                <a:srgbClr val="049DC8"/>
-              </a:solidFill>
-              <a:latin typeface="Consolas" panose="020B0609020204030204" pitchFamily="49" charset="0"/>
-              <a:cs typeface="Calibri" panose="020F0502020204030204" pitchFamily="34" charset="0"/>
-            </a:endParaRPr>
-          </a:p>
-          <a:p>
-            <a:r>
-              <a:rPr lang="en-US" dirty="0" smtClean="0">
-                <a:solidFill>
-                  <a:srgbClr val="049DC8"/>
-                </a:solidFill>
-                <a:latin typeface="Consolas" panose="020B0609020204030204" pitchFamily="49" charset="0"/>
-                <a:cs typeface="Calibri" panose="020F0502020204030204" pitchFamily="34" charset="0"/>
-              </a:rPr>
-              <a:t>db </a:t>
-            </a:r>
-            <a:r>
-              <a:rPr lang="en-US" dirty="0">
-                <a:solidFill>
-                  <a:srgbClr val="049DC8"/>
-                </a:solidFill>
-                <a:latin typeface="Consolas" panose="020B0609020204030204" pitchFamily="49" charset="0"/>
-                <a:cs typeface="Calibri" panose="020F0502020204030204" pitchFamily="34" charset="0"/>
-              </a:rPr>
-              <a:t>['collection'].find (query, projection</a:t>
-            </a:r>
-            <a:r>
-              <a:rPr lang="en-US" dirty="0" smtClean="0">
-                <a:solidFill>
-                  <a:srgbClr val="049DC8"/>
-                </a:solidFill>
-                <a:latin typeface="Consolas" panose="020B0609020204030204" pitchFamily="49" charset="0"/>
-                <a:cs typeface="Calibri" panose="020F0502020204030204" pitchFamily="34" charset="0"/>
-              </a:rPr>
-              <a:t>).limit(&lt;number&gt;) </a:t>
-            </a:r>
-            <a:endParaRPr lang="en-US" dirty="0">
-              <a:solidFill>
-                <a:srgbClr val="049DC8"/>
-              </a:solidFill>
-              <a:latin typeface="Consolas" panose="020B0609020204030204" pitchFamily="49" charset="0"/>
-              <a:cs typeface="Calibri" panose="020F0502020204030204" pitchFamily="34" charset="0"/>
-            </a:endParaRPr>
-          </a:p>
-          <a:p>
-            <a:r>
-              <a:rPr lang="en-US" dirty="0">
-                <a:solidFill>
-                  <a:srgbClr val="049DC8"/>
-                </a:solidFill>
-                <a:latin typeface="Consolas" panose="020B0609020204030204" pitchFamily="49" charset="0"/>
-                <a:cs typeface="Calibri" panose="020F0502020204030204" pitchFamily="34" charset="0"/>
-              </a:rPr>
-              <a:t>db.collection.find(query, projection</a:t>
-            </a:r>
-            <a:r>
-              <a:rPr lang="en-US" dirty="0" smtClean="0">
-                <a:solidFill>
-                  <a:srgbClr val="049DC8"/>
-                </a:solidFill>
-                <a:latin typeface="Consolas" panose="020B0609020204030204" pitchFamily="49" charset="0"/>
-                <a:cs typeface="Calibri" panose="020F0502020204030204" pitchFamily="34" charset="0"/>
-              </a:rPr>
-              <a:t>).</a:t>
-            </a:r>
-            <a:r>
-              <a:rPr lang="en-US" dirty="0">
-                <a:solidFill>
-                  <a:srgbClr val="049DC8"/>
-                </a:solidFill>
-                <a:latin typeface="Consolas" panose="020B0609020204030204" pitchFamily="49" charset="0"/>
-                <a:cs typeface="Calibri" panose="020F0502020204030204" pitchFamily="34" charset="0"/>
-              </a:rPr>
-              <a:t>limit</a:t>
-            </a:r>
-            <a:r>
-              <a:rPr lang="en-US" dirty="0" smtClean="0">
-                <a:solidFill>
-                  <a:srgbClr val="049DC8"/>
-                </a:solidFill>
-                <a:latin typeface="Consolas" panose="020B0609020204030204" pitchFamily="49" charset="0"/>
-                <a:cs typeface="Calibri" panose="020F0502020204030204" pitchFamily="34" charset="0"/>
-              </a:rPr>
-              <a:t>(</a:t>
-            </a:r>
-            <a:r>
-              <a:rPr lang="en-US" dirty="0">
-                <a:solidFill>
-                  <a:srgbClr val="049DC8"/>
-                </a:solidFill>
-                <a:latin typeface="Consolas" panose="020B0609020204030204" pitchFamily="49" charset="0"/>
-                <a:cs typeface="Calibri" panose="020F0502020204030204" pitchFamily="34" charset="0"/>
-              </a:rPr>
-              <a:t>&lt;number&gt;</a:t>
-            </a:r>
-            <a:r>
-              <a:rPr lang="en-US" dirty="0" smtClean="0">
-                <a:solidFill>
-                  <a:srgbClr val="049DC8"/>
-                </a:solidFill>
-                <a:latin typeface="Consolas" panose="020B0609020204030204" pitchFamily="49" charset="0"/>
-                <a:cs typeface="Calibri" panose="020F0502020204030204" pitchFamily="34" charset="0"/>
-              </a:rPr>
-              <a:t>)</a:t>
-            </a:r>
-            <a:endParaRPr lang="en-US" dirty="0">
-              <a:solidFill>
-                <a:srgbClr val="049DC8"/>
-              </a:solidFill>
-              <a:latin typeface="Consolas" panose="020B0609020204030204" pitchFamily="49" charset="0"/>
-              <a:cs typeface="Calibri" panose="020F0502020204030204" pitchFamily="34" charset="0"/>
-            </a:endParaRPr>
-          </a:p>
-        </p:txBody>
-      </p:sp>
-      <p:sp>
-        <p:nvSpPr>
-          <p:cNvPr id="2" name="Rectangle 1"/>
-          <p:cNvSpPr/>
-          <p:nvPr/>
-        </p:nvSpPr>
-        <p:spPr>
-          <a:xfrm>
-            <a:off x="149188" y="2676436"/>
-            <a:ext cx="8845624" cy="892552"/>
-          </a:xfrm>
-          <a:prstGeom prst="rect">
-            <a:avLst/>
-          </a:prstGeom>
-        </p:spPr>
-        <p:txBody>
-          <a:bodyPr wrap="square">
-            <a:spAutoFit/>
-          </a:bodyPr>
-          <a:lstStyle/>
-          <a:p>
-            <a:r>
               <a:rPr lang="en-US" sz="2200" dirty="0">
                 <a:solidFill>
                   <a:srgbClr val="FC6F0D"/>
@@ -14814,102 +14505,19 @@
                 <a:latin typeface="Calibri" panose="020F0502020204030204" pitchFamily="34" charset="0"/>
                 <a:cs typeface="Calibri" panose="020F0502020204030204" pitchFamily="34" charset="0"/>
               </a:rPr>
-              <a:t>db['emp'].find({},{ename:true}).</a:t>
-            </a:r>
-            <a:r>
-              <a:rPr lang="en-US" sz="2200" dirty="0" smtClean="0">
+              <a:t>var x = db ['emp'].find ()</a:t>
+            </a:r>
+          </a:p>
+          <a:p>
+            <a:r>
+              <a:rPr lang="en-US" sz="2200" dirty="0">
                 <a:solidFill>
                   <a:srgbClr val="FC6F0D"/>
                 </a:solidFill>
                 <a:latin typeface="Calibri" panose="020F0502020204030204" pitchFamily="34" charset="0"/>
                 <a:cs typeface="Calibri" panose="020F0502020204030204" pitchFamily="34" charset="0"/>
               </a:rPr>
-              <a:t>limit(0);	</a:t>
-            </a:r>
-            <a:r>
-              <a:rPr lang="en-US" sz="2200" dirty="0" smtClean="0">
-                <a:solidFill>
-                  <a:srgbClr val="00B050"/>
-                </a:solidFill>
-                <a:latin typeface="Calibri" panose="020F0502020204030204" pitchFamily="34" charset="0"/>
-                <a:cs typeface="Calibri" panose="020F0502020204030204" pitchFamily="34" charset="0"/>
-              </a:rPr>
-              <a:t>// all documents</a:t>
-            </a:r>
-          </a:p>
-          <a:p>
-            <a:endParaRPr lang="en-US" sz="800" dirty="0" smtClean="0">
-              <a:solidFill>
-                <a:srgbClr val="00B050"/>
-              </a:solidFill>
-              <a:latin typeface="Calibri" panose="020F0502020204030204" pitchFamily="34" charset="0"/>
-              <a:cs typeface="Calibri" panose="020F0502020204030204" pitchFamily="34" charset="0"/>
-            </a:endParaRPr>
-          </a:p>
-          <a:p>
-            <a:r>
-              <a:rPr lang="en-US" sz="2200" dirty="0">
-                <a:solidFill>
-                  <a:srgbClr val="FC6F0D"/>
-                </a:solidFill>
-                <a:latin typeface="Calibri" panose="020F0502020204030204" pitchFamily="34" charset="0"/>
-                <a:cs typeface="Calibri" panose="020F0502020204030204" pitchFamily="34" charset="0"/>
-              </a:rPr>
-              <a:t>db['emp'].find({},{ename:true}).limit(2</a:t>
-            </a:r>
-            <a:r>
-              <a:rPr lang="en-US" sz="2200" dirty="0" smtClean="0">
-                <a:solidFill>
-                  <a:srgbClr val="FC6F0D"/>
-                </a:solidFill>
-                <a:latin typeface="Calibri" panose="020F0502020204030204" pitchFamily="34" charset="0"/>
-                <a:cs typeface="Calibri" panose="020F0502020204030204" pitchFamily="34" charset="0"/>
-              </a:rPr>
-              <a:t>);</a:t>
-            </a:r>
-            <a:endParaRPr lang="en-US" sz="2200" dirty="0">
-              <a:solidFill>
-                <a:srgbClr val="FC6F0D"/>
-              </a:solidFill>
-              <a:latin typeface="Calibri" panose="020F0502020204030204" pitchFamily="34" charset="0"/>
-              <a:cs typeface="Calibri" panose="020F0502020204030204" pitchFamily="34" charset="0"/>
-            </a:endParaRPr>
-          </a:p>
-        </p:txBody>
-      </p:sp>
-      <p:sp>
-        <p:nvSpPr>
-          <p:cNvPr id="3" name="Rectangle 2"/>
-          <p:cNvSpPr/>
-          <p:nvPr/>
-        </p:nvSpPr>
-        <p:spPr>
-          <a:xfrm>
-            <a:off x="31667" y="49975"/>
-            <a:ext cx="3432212" cy="646331"/>
-          </a:xfrm>
-          <a:prstGeom prst="rect">
-            <a:avLst/>
-          </a:prstGeom>
-          <a:solidFill>
-            <a:srgbClr val="90E183"/>
-          </a:solidFill>
-        </p:spPr>
-        <p:txBody>
-          <a:bodyPr wrap="square">
-            <a:spAutoFit/>
-          </a:bodyPr>
-          <a:lstStyle/>
-          <a:p>
-            <a:r>
-              <a:rPr lang="en-US" dirty="0">
-                <a:solidFill>
-                  <a:schemeClr val="bg2">
-                    <a:lumMod val="25000"/>
-                  </a:schemeClr>
-                </a:solidFill>
-              </a:rPr>
-              <a:t>A limit() value of 0 (i.e. .limit(0)) is equivalent to setting no limit.</a:t>
+              <a:t>x.forEach(printjson)</a:t>
             </a:r>
           </a:p>
         </p:txBody>
@@ -14917,7 +14525,7 @@
     </p:spTree>
     <p:extLst>
       <p:ext uri="{BB962C8B-B14F-4D97-AF65-F5344CB8AC3E}">
-        <p14:creationId xmlns:p14="http://schemas.microsoft.com/office/powerpoint/2010/main" val="1180999377"/>
+        <p14:creationId xmlns:p14="http://schemas.microsoft.com/office/powerpoint/2010/main" val="1504006984"/>
       </p:ext>
     </p:extLst>
   </p:cSld>
@@ -14992,7 +14600,7 @@
           <a:p>
             <a:r>
               <a:rPr lang="en-IN" dirty="0" smtClean="0"/>
-              <a:t>skip</a:t>
+              <a:t>sort</a:t>
             </a:r>
             <a:endParaRPr lang="en-US" dirty="0"/>
           </a:p>
@@ -15040,7 +14648,7 @@
     </p:spTree>
     <p:extLst>
       <p:ext uri="{BB962C8B-B14F-4D97-AF65-F5344CB8AC3E}">
-        <p14:creationId xmlns:p14="http://schemas.microsoft.com/office/powerpoint/2010/main" val="3719784492"/>
+        <p14:creationId xmlns:p14="http://schemas.microsoft.com/office/powerpoint/2010/main" val="1275689109"/>
       </p:ext>
     </p:extLst>
   </p:cSld>
@@ -15121,7 +14729,7 @@
                 <a:latin typeface="Arial" pitchFamily="34" charset="0"/>
                 <a:cs typeface="Arial" pitchFamily="34" charset="0"/>
               </a:rPr>
-              <a:t>db.collection.find().skip()</a:t>
+              <a:t>db.collection.find().sort({ })</a:t>
             </a:r>
             <a:endParaRPr lang="en-IN" sz="3200" b="1" i="1" dirty="0">
               <a:solidFill>
@@ -15156,7 +14764,7 @@
           <a:p>
             <a:r>
               <a:rPr lang="en-US" dirty="0"/>
-              <a:t>The </a:t>
+              <a:t>Specifies the order in which the query returns matching documents. You must apply </a:t>
             </a:r>
             <a:r>
               <a:rPr lang="en-US" b="1" i="1" dirty="0">
@@ -15164,11 +14772,11 @@
                   <a:srgbClr val="036883"/>
                 </a:solidFill>
               </a:rPr>
-              <a:t>skip()</a:t>
+              <a:t>sort() </a:t>
             </a:r>
             <a:r>
               <a:rPr lang="en-US" dirty="0"/>
-              <a:t> method is used for skipping the given number of documents in the Query result.</a:t>
+              <a:t>to the cursor before retrieving any documents from the database.</a:t>
             </a:r>
             <a:endParaRPr lang="en-IN" dirty="0"/>
           </a:p>
@@ -15203,7 +14811,7 @@
                 <a:latin typeface="Consolas" panose="020B0609020204030204" pitchFamily="49" charset="0"/>
                 <a:cs typeface="Calibri" panose="020F0502020204030204" pitchFamily="34" charset="0"/>
               </a:rPr>
-              <a:t>cursor.skip</a:t>
+              <a:t>cursor.sort</a:t>
             </a:r>
             <a:r>
               <a:rPr lang="en-US" dirty="0" smtClean="0">
@@ -15213,7 +14821,27 @@
                 <a:latin typeface="Consolas" panose="020B0609020204030204" pitchFamily="49" charset="0"/>
                 <a:cs typeface="Calibri" panose="020F0502020204030204" pitchFamily="34" charset="0"/>
               </a:rPr>
-              <a:t>(&lt;offset_number&gt;)</a:t>
+              <a:t>(</a:t>
+            </a:r>
+            <a:r>
+              <a:rPr lang="en-US" dirty="0">
+                <a:solidFill>
+                  <a:srgbClr val="049DC8"/>
+                </a:solidFill>
+                <a:latin typeface="Consolas" panose="020B0609020204030204" pitchFamily="49" charset="0"/>
+                <a:cs typeface="Calibri" panose="020F0502020204030204" pitchFamily="34" charset="0"/>
+              </a:rPr>
+              <a:t>{ field: value }</a:t>
+            </a:r>
+            <a:r>
+              <a:rPr lang="en-US" dirty="0" smtClean="0">
+                <a:solidFill>
+                  <a:srgbClr val="049DC8"/>
+                </a:solidFill>
+                <a:latin typeface="Consolas" panose="020B0609020204030204" pitchFamily="49" charset="0"/>
+                <a:cs typeface="Calibri" panose="020F0502020204030204" pitchFamily="34" charset="0"/>
+              </a:rPr>
+              <a:t>)</a:t>
             </a:r>
             <a:endParaRPr lang="en-US" dirty="0">
               <a:solidFill>
@@ -15242,7 +14870,7 @@
                 <a:latin typeface="Consolas" panose="020B0609020204030204" pitchFamily="49" charset="0"/>
                 <a:cs typeface="Calibri" panose="020F0502020204030204" pitchFamily="34" charset="0"/>
               </a:rPr>
-              <a:t>['emp'].find (query, projection</a:t>
+              <a:t>['collection'].find (query, projection</a:t>
             </a:r>
             <a:r>
               <a:rPr lang="en-US" dirty="0" smtClean="0">
@@ -15262,7 +14890,19 @@
                 <a:latin typeface="Consolas" panose="020B0609020204030204" pitchFamily="49" charset="0"/>
                 <a:cs typeface="Calibri" panose="020F0502020204030204" pitchFamily="34" charset="0"/>
               </a:rPr>
-              <a:t>skip(&lt;</a:t>
+              <a:t>sort({ field: value }) </a:t>
+            </a:r>
+          </a:p>
+          <a:p>
+            <a:r>
+              <a:rPr lang="en-US" dirty="0">
+                <a:solidFill>
+                  <a:srgbClr val="049DC8"/>
+                </a:solidFill>
+                <a:latin typeface="Consolas" panose="020B0609020204030204" pitchFamily="49" charset="0"/>
+                <a:cs typeface="Calibri" panose="020F0502020204030204" pitchFamily="34" charset="0"/>
+              </a:rPr>
+              <a:t>db.collection.find(query, projection</a:t>
             </a:r>
             <a:r>
               <a:rPr lang="en-US" dirty="0" smtClean="0">
@@ -15272,89 +14912,105 @@
                 <a:latin typeface="Consolas" panose="020B0609020204030204" pitchFamily="49" charset="0"/>
                 <a:cs typeface="Calibri" panose="020F0502020204030204" pitchFamily="34" charset="0"/>
               </a:rPr>
-              <a:t>offset_number&gt;) </a:t>
-            </a:r>
-            <a:endParaRPr lang="en-US" dirty="0">
+              <a:t>).</a:t>
+            </a:r>
+            <a:r>
+              <a:rPr lang="en-US" dirty="0">
+                <a:solidFill>
+                  <a:srgbClr val="049DC8"/>
+                </a:solidFill>
+                <a:latin typeface="Consolas" panose="020B0609020204030204" pitchFamily="49" charset="0"/>
+                <a:cs typeface="Calibri" panose="020F0502020204030204" pitchFamily="34" charset="0"/>
+              </a:rPr>
+              <a:t>sort({ field: value })</a:t>
+            </a:r>
+          </a:p>
+        </p:txBody>
+      </p:sp>
+      <p:sp>
+        <p:nvSpPr>
+          <p:cNvPr id="3" name="Rectangle 2"/>
+          <p:cNvSpPr/>
+          <p:nvPr/>
+        </p:nvSpPr>
+        <p:spPr>
+          <a:xfrm>
+            <a:off x="160073" y="2782669"/>
+            <a:ext cx="8823853" cy="646331"/>
+          </a:xfrm>
+          <a:prstGeom prst="rect">
+            <a:avLst/>
+          </a:prstGeom>
+          <a:solidFill>
+            <a:srgbClr val="DFE100"/>
+          </a:solidFill>
+        </p:spPr>
+        <p:txBody>
+          <a:bodyPr wrap="square">
+            <a:spAutoFit/>
+          </a:bodyPr>
+          <a:lstStyle/>
+          <a:p>
+            <a:r>
+              <a:rPr lang="en-US" dirty="0"/>
+              <a:t>Specify in the sort parameter  1 or -1 to specify an ascending or descending sort respectively.</a:t>
+            </a:r>
+          </a:p>
+        </p:txBody>
+      </p:sp>
+      <p:sp>
+        <p:nvSpPr>
+          <p:cNvPr id="5" name="Rectangle 4"/>
+          <p:cNvSpPr/>
+          <p:nvPr/>
+        </p:nvSpPr>
+        <p:spPr>
+          <a:xfrm>
+            <a:off x="160072" y="3768804"/>
+            <a:ext cx="8823853" cy="892552"/>
+          </a:xfrm>
+          <a:prstGeom prst="rect">
+            <a:avLst/>
+          </a:prstGeom>
+        </p:spPr>
+        <p:txBody>
+          <a:bodyPr wrap="square">
+            <a:spAutoFit/>
+          </a:bodyPr>
+          <a:lstStyle/>
+          <a:p>
+            <a:r>
+              <a:rPr lang="en-US" sz="2200" dirty="0">
+                <a:solidFill>
+                  <a:srgbClr val="FC6F0D"/>
+                </a:solidFill>
+                <a:latin typeface="Calibri" panose="020F0502020204030204" pitchFamily="34" charset="0"/>
+                <a:cs typeface="Calibri" panose="020F0502020204030204" pitchFamily="34" charset="0"/>
+              </a:rPr>
+              <a:t>db['emp'].find({},{ename:true}).sort({ename:1</a:t>
+            </a:r>
+            <a:r>
+              <a:rPr lang="en-US" sz="2200" dirty="0" smtClean="0">
+                <a:solidFill>
+                  <a:srgbClr val="FC6F0D"/>
+                </a:solidFill>
+                <a:latin typeface="Calibri" panose="020F0502020204030204" pitchFamily="34" charset="0"/>
+                <a:cs typeface="Calibri" panose="020F0502020204030204" pitchFamily="34" charset="0"/>
+              </a:rPr>
+              <a:t>});</a:t>
+            </a:r>
+          </a:p>
+          <a:p>
+            <a:endParaRPr lang="en-US" sz="800" dirty="0" smtClean="0">
               <a:solidFill>
-                <a:srgbClr val="049DC8"/>
+                <a:srgbClr val="FC6F0D"/>
               </a:solidFill>
-              <a:latin typeface="Consolas" panose="020B0609020204030204" pitchFamily="49" charset="0"/>
+              <a:latin typeface="Calibri" panose="020F0502020204030204" pitchFamily="34" charset="0"/>
               <a:cs typeface="Calibri" panose="020F0502020204030204" pitchFamily="34" charset="0"/>
             </a:endParaRPr>
           </a:p>
           <a:p>
             <a:r>
-              <a:rPr lang="en-US" dirty="0">
-                <a:solidFill>
-                  <a:srgbClr val="049DC8"/>
-                </a:solidFill>
-                <a:latin typeface="Consolas" panose="020B0609020204030204" pitchFamily="49" charset="0"/>
-                <a:cs typeface="Calibri" panose="020F0502020204030204" pitchFamily="34" charset="0"/>
-              </a:rPr>
-              <a:t>db.collection.find(query, projection</a:t>
-            </a:r>
-            <a:r>
-              <a:rPr lang="en-US" dirty="0" smtClean="0">
-                <a:solidFill>
-                  <a:srgbClr val="049DC8"/>
-                </a:solidFill>
-                <a:latin typeface="Consolas" panose="020B0609020204030204" pitchFamily="49" charset="0"/>
-                <a:cs typeface="Calibri" panose="020F0502020204030204" pitchFamily="34" charset="0"/>
-              </a:rPr>
-              <a:t>).</a:t>
-            </a:r>
-            <a:r>
-              <a:rPr lang="en-US" dirty="0">
-                <a:solidFill>
-                  <a:srgbClr val="049DC8"/>
-                </a:solidFill>
-                <a:latin typeface="Consolas" panose="020B0609020204030204" pitchFamily="49" charset="0"/>
-                <a:cs typeface="Calibri" panose="020F0502020204030204" pitchFamily="34" charset="0"/>
-              </a:rPr>
-              <a:t>skip(&lt;</a:t>
-            </a:r>
-            <a:r>
-              <a:rPr lang="en-US" dirty="0" smtClean="0">
-                <a:solidFill>
-                  <a:srgbClr val="049DC8"/>
-                </a:solidFill>
-                <a:latin typeface="Consolas" panose="020B0609020204030204" pitchFamily="49" charset="0"/>
-                <a:cs typeface="Calibri" panose="020F0502020204030204" pitchFamily="34" charset="0"/>
-              </a:rPr>
-              <a:t>offset_number&gt;)</a:t>
-            </a:r>
-            <a:endParaRPr lang="en-US" dirty="0">
-              <a:solidFill>
-                <a:srgbClr val="049DC8"/>
-              </a:solidFill>
-              <a:latin typeface="Consolas" panose="020B0609020204030204" pitchFamily="49" charset="0"/>
-              <a:cs typeface="Calibri" panose="020F0502020204030204" pitchFamily="34" charset="0"/>
-            </a:endParaRPr>
-          </a:p>
-        </p:txBody>
-      </p:sp>
-      <p:sp>
-        <p:nvSpPr>
-          <p:cNvPr id="2" name="Rectangle 1"/>
-          <p:cNvSpPr/>
-          <p:nvPr/>
-        </p:nvSpPr>
-        <p:spPr>
-          <a:xfrm>
-            <a:off x="160074" y="2918936"/>
-            <a:ext cx="8834738" cy="430887"/>
-          </a:xfrm>
-          <a:prstGeom prst="rect">
-            <a:avLst/>
-          </a:prstGeom>
-        </p:spPr>
-        <p:txBody>
-          <a:bodyPr wrap="square">
-            <a:spAutoFit/>
-          </a:bodyPr>
-          <a:lstStyle/>
-          <a:p>
-            <a:r>
               <a:rPr lang="en-US" sz="2200" dirty="0">
                 <a:solidFill>
                   <a:srgbClr val="FC6F0D"/>
@@ -15362,7 +15018,27 @@
                 <a:latin typeface="Calibri" panose="020F0502020204030204" pitchFamily="34" charset="0"/>
                 <a:cs typeface="Calibri" panose="020F0502020204030204" pitchFamily="34" charset="0"/>
               </a:rPr>
-              <a:t>db.emp.find().skip(4);</a:t>
+              <a:t>db['emp'].find({},{ename:true}).sort({ename</a:t>
+            </a:r>
+            <a:r>
+              <a:rPr lang="en-US" sz="2200" dirty="0" smtClean="0">
+                <a:solidFill>
+                  <a:srgbClr val="FC6F0D"/>
+                </a:solidFill>
+                <a:latin typeface="Calibri" panose="020F0502020204030204" pitchFamily="34" charset="0"/>
+                <a:cs typeface="Calibri" panose="020F0502020204030204" pitchFamily="34" charset="0"/>
+              </a:rPr>
+              <a:t>:-1</a:t>
+            </a:r>
+            <a:r>
+              <a:rPr lang="en-US" sz="2200" dirty="0">
+                <a:solidFill>
+                  <a:srgbClr val="FC6F0D"/>
+                </a:solidFill>
+                <a:latin typeface="Calibri" panose="020F0502020204030204" pitchFamily="34" charset="0"/>
+                <a:cs typeface="Calibri" panose="020F0502020204030204" pitchFamily="34" charset="0"/>
+              </a:rPr>
+              <a:t>});</a:t>
             </a:r>
           </a:p>
         </p:txBody>
@@ -15370,7 +15046,7 @@
     </p:spTree>
     <p:extLst>
       <p:ext uri="{BB962C8B-B14F-4D97-AF65-F5344CB8AC3E}">
-        <p14:creationId xmlns:p14="http://schemas.microsoft.com/office/powerpoint/2010/main" val="1547012814"/>
+        <p14:creationId xmlns:p14="http://schemas.microsoft.com/office/powerpoint/2010/main" val="3558721917"/>
       </p:ext>
     </p:extLst>
   </p:cSld>
@@ -15445,7 +15121,7 @@
           <a:p>
             <a:r>
               <a:rPr lang="en-IN" dirty="0" smtClean="0"/>
-              <a:t>count</a:t>
+              <a:t>limit</a:t>
             </a:r>
             <a:endParaRPr lang="en-US" dirty="0"/>
           </a:p>
@@ -15493,7 +15169,7 @@
     </p:spTree>
     <p:extLst>
       <p:ext uri="{BB962C8B-B14F-4D97-AF65-F5344CB8AC3E}">
-        <p14:creationId xmlns:p14="http://schemas.microsoft.com/office/powerpoint/2010/main" val="887710447"/>
+        <p14:creationId xmlns:p14="http://schemas.microsoft.com/office/powerpoint/2010/main" val="2279083902"/>
       </p:ext>
     </p:extLst>
   </p:cSld>
@@ -15574,7 +15250,7 @@
                 <a:latin typeface="Arial" pitchFamily="34" charset="0"/>
                 <a:cs typeface="Arial" pitchFamily="34" charset="0"/>
               </a:rPr>
-              <a:t>db.collection.find().count()</a:t>
+              <a:t>db.collection.find().limit()</a:t>
             </a:r>
             <a:endParaRPr lang="en-IN" sz="3200" b="1" i="1" dirty="0">
               <a:solidFill>
@@ -15595,7 +15271,7 @@
         <p:spPr>
           <a:xfrm>
             <a:off x="149188" y="762000"/>
-            <a:ext cx="8845624" cy="1200329"/>
+            <a:ext cx="8845624" cy="646331"/>
           </a:xfrm>
           <a:prstGeom prst="rect">
             <a:avLst/>
@@ -15609,7 +15285,7 @@
           <a:p>
             <a:r>
               <a:rPr lang="en-US" dirty="0"/>
-              <a:t>Counts the number of documents referenced by a cursor. Append the </a:t>
+              <a:t>Use the </a:t>
             </a:r>
             <a:r>
               <a:rPr lang="en-US" b="1" i="1" dirty="0">
@@ -15617,23 +15293,11 @@
                   <a:srgbClr val="036883"/>
                 </a:solidFill>
               </a:rPr>
-              <a:t>count() </a:t>
+              <a:t>limit()</a:t>
             </a:r>
             <a:r>
               <a:rPr lang="en-US" dirty="0"/>
-              <a:t>method to a </a:t>
-            </a:r>
-            <a:r>
-              <a:rPr lang="en-US" b="1" i="1" dirty="0">
-                <a:solidFill>
-                  <a:srgbClr val="036883"/>
-                </a:solidFill>
-              </a:rPr>
-              <a:t>find() </a:t>
-            </a:r>
-            <a:r>
-              <a:rPr lang="en-US" dirty="0"/>
-              <a:t>query to return the number of matching documents. The operation does not perform the query but instead counts the results that would be returned by the query.</a:t>
+              <a:t> method to specify the maximum number of documents the cursor will return.</a:t>
             </a:r>
             <a:endParaRPr lang="en-IN" dirty="0"/>
           </a:p>
@@ -15647,7 +15311,7 @@
         </p:nvSpPr>
         <p:spPr>
           <a:xfrm>
-            <a:off x="154136" y="2048470"/>
+            <a:off x="154136" y="1563469"/>
             <a:ext cx="8840676" cy="923330"/>
           </a:xfrm>
           <a:prstGeom prst="rect">
@@ -15661,6 +15325,16 @@
           <a:lstStyle/>
           <a:p>
             <a:r>
+              <a:rPr lang="en-US" dirty="0" smtClean="0">
+                <a:solidFill>
+                  <a:srgbClr val="049DC8"/>
+                </a:solidFill>
+                <a:latin typeface="Consolas" panose="020B0609020204030204" pitchFamily="49" charset="0"/>
+                <a:cs typeface="Calibri" panose="020F0502020204030204" pitchFamily="34" charset="0"/>
+              </a:rPr>
+              <a:t>cursor.limit(</a:t>
+            </a:r>
+            <a:r>
               <a:rPr lang="en-US" dirty="0">
                 <a:solidFill>
                   <a:srgbClr val="049DC8"/>
@@ -15668,17 +15342,8 @@
                 <a:latin typeface="Consolas" panose="020B0609020204030204" pitchFamily="49" charset="0"/>
                 <a:cs typeface="Calibri" panose="020F0502020204030204" pitchFamily="34" charset="0"/>
               </a:rPr>
-              <a:t>cursor.count()</a:t>
-            </a:r>
-            <a:endParaRPr lang="en-US" dirty="0" smtClean="0">
-              <a:solidFill>
-                <a:srgbClr val="049DC8"/>
-              </a:solidFill>
-              <a:latin typeface="Consolas" panose="020B0609020204030204" pitchFamily="49" charset="0"/>
-              <a:cs typeface="Calibri" panose="020F0502020204030204" pitchFamily="34" charset="0"/>
-            </a:endParaRPr>
-          </a:p>
-          <a:p>
+              <a:t>&lt;number&gt;</a:t>
+            </a:r>
             <a:r>
               <a:rPr lang="en-US" dirty="0" smtClean="0">
                 <a:solidFill>
@@ -15687,59 +15352,7 @@
                 <a:latin typeface="Consolas" panose="020B0609020204030204" pitchFamily="49" charset="0"/>
                 <a:cs typeface="Calibri" panose="020F0502020204030204" pitchFamily="34" charset="0"/>
               </a:rPr>
-              <a:t>db.collection.find</a:t>
-            </a:r>
-            <a:r>
-              <a:rPr lang="en-US" dirty="0">
-                <a:solidFill>
-                  <a:srgbClr val="049DC8"/>
-                </a:solidFill>
-                <a:latin typeface="Consolas" panose="020B0609020204030204" pitchFamily="49" charset="0"/>
-                <a:cs typeface="Calibri" panose="020F0502020204030204" pitchFamily="34" charset="0"/>
-              </a:rPr>
-              <a:t>(&lt;query&gt;).count()</a:t>
-            </a:r>
-          </a:p>
-          <a:p>
-            <a:r>
-              <a:rPr lang="en-US" dirty="0">
-                <a:solidFill>
-                  <a:srgbClr val="049DC8"/>
-                </a:solidFill>
-                <a:latin typeface="Consolas" panose="020B0609020204030204" pitchFamily="49" charset="0"/>
-                <a:cs typeface="Calibri" panose="020F0502020204030204" pitchFamily="34" charset="0"/>
-              </a:rPr>
-              <a:t>db ['</a:t>
-            </a:r>
-            <a:r>
-              <a:rPr lang="en-US" dirty="0" smtClean="0">
-                <a:solidFill>
-                  <a:srgbClr val="049DC8"/>
-                </a:solidFill>
-                <a:latin typeface="Consolas" panose="020B0609020204030204" pitchFamily="49" charset="0"/>
-                <a:cs typeface="Calibri" panose="020F0502020204030204" pitchFamily="34" charset="0"/>
-              </a:rPr>
-              <a:t>collection_name'].find(&lt;</a:t>
-            </a:r>
-            <a:r>
-              <a:rPr lang="en-US" dirty="0">
-                <a:solidFill>
-                  <a:srgbClr val="049DC8"/>
-                </a:solidFill>
-                <a:latin typeface="Consolas" panose="020B0609020204030204" pitchFamily="49" charset="0"/>
-                <a:cs typeface="Calibri" panose="020F0502020204030204" pitchFamily="34" charset="0"/>
-              </a:rPr>
-              <a:t>query&gt;).count</a:t>
-            </a:r>
-            <a:r>
-              <a:rPr lang="en-US" dirty="0" smtClean="0">
-                <a:solidFill>
-                  <a:srgbClr val="049DC8"/>
-                </a:solidFill>
-                <a:latin typeface="Consolas" panose="020B0609020204030204" pitchFamily="49" charset="0"/>
-                <a:cs typeface="Calibri" panose="020F0502020204030204" pitchFamily="34" charset="0"/>
-              </a:rPr>
-              <a:t>()</a:t>
+              <a:t>)</a:t>
             </a:r>
             <a:endParaRPr lang="en-US" dirty="0">
               <a:solidFill>
@@ -15749,6 +15362,114 @@
               <a:cs typeface="Calibri" panose="020F0502020204030204" pitchFamily="34" charset="0"/>
             </a:endParaRPr>
           </a:p>
+          <a:p>
+            <a:r>
+              <a:rPr lang="en-US" dirty="0" smtClean="0">
+                <a:solidFill>
+                  <a:srgbClr val="049DC8"/>
+                </a:solidFill>
+                <a:latin typeface="Consolas" panose="020B0609020204030204" pitchFamily="49" charset="0"/>
+                <a:cs typeface="Calibri" panose="020F0502020204030204" pitchFamily="34" charset="0"/>
+              </a:rPr>
+              <a:t>db </a:t>
+            </a:r>
+            <a:r>
+              <a:rPr lang="en-US" dirty="0">
+                <a:solidFill>
+                  <a:srgbClr val="049DC8"/>
+                </a:solidFill>
+                <a:latin typeface="Consolas" panose="020B0609020204030204" pitchFamily="49" charset="0"/>
+                <a:cs typeface="Calibri" panose="020F0502020204030204" pitchFamily="34" charset="0"/>
+              </a:rPr>
+              <a:t>['collection'].find (query, projection</a:t>
+            </a:r>
+            <a:r>
+              <a:rPr lang="en-US" dirty="0" smtClean="0">
+                <a:solidFill>
+                  <a:srgbClr val="049DC8"/>
+                </a:solidFill>
+                <a:latin typeface="Consolas" panose="020B0609020204030204" pitchFamily="49" charset="0"/>
+                <a:cs typeface="Calibri" panose="020F0502020204030204" pitchFamily="34" charset="0"/>
+              </a:rPr>
+              <a:t>).limit(&lt;number&gt;) </a:t>
+            </a:r>
+            <a:endParaRPr lang="en-US" dirty="0">
+              <a:solidFill>
+                <a:srgbClr val="049DC8"/>
+              </a:solidFill>
+              <a:latin typeface="Consolas" panose="020B0609020204030204" pitchFamily="49" charset="0"/>
+              <a:cs typeface="Calibri" panose="020F0502020204030204" pitchFamily="34" charset="0"/>
+            </a:endParaRPr>
+          </a:p>
+          <a:p>
+            <a:r>
+              <a:rPr lang="en-US" dirty="0">
+                <a:solidFill>
+                  <a:srgbClr val="049DC8"/>
+                </a:solidFill>
+                <a:latin typeface="Consolas" panose="020B0609020204030204" pitchFamily="49" charset="0"/>
+                <a:cs typeface="Calibri" panose="020F0502020204030204" pitchFamily="34" charset="0"/>
+              </a:rPr>
+              <a:t>db.collection.find(query, projection</a:t>
+            </a:r>
+            <a:r>
+              <a:rPr lang="en-US" dirty="0" smtClean="0">
+                <a:solidFill>
+                  <a:srgbClr val="049DC8"/>
+                </a:solidFill>
+                <a:latin typeface="Consolas" panose="020B0609020204030204" pitchFamily="49" charset="0"/>
+                <a:cs typeface="Calibri" panose="020F0502020204030204" pitchFamily="34" charset="0"/>
+              </a:rPr>
+              <a:t>).</a:t>
+            </a:r>
+            <a:r>
+              <a:rPr lang="en-US" dirty="0">
+                <a:solidFill>
+                  <a:srgbClr val="049DC8"/>
+                </a:solidFill>
+                <a:latin typeface="Consolas" panose="020B0609020204030204" pitchFamily="49" charset="0"/>
+                <a:cs typeface="Calibri" panose="020F0502020204030204" pitchFamily="34" charset="0"/>
+              </a:rPr>
+              <a:t>limit</a:t>
+            </a:r>
+            <a:r>
+              <a:rPr lang="en-US" dirty="0" smtClean="0">
+                <a:solidFill>
+                  <a:srgbClr val="049DC8"/>
+                </a:solidFill>
+                <a:latin typeface="Consolas" panose="020B0609020204030204" pitchFamily="49" charset="0"/>
+                <a:cs typeface="Calibri" panose="020F0502020204030204" pitchFamily="34" charset="0"/>
+              </a:rPr>
+              <a:t>(</a:t>
+            </a:r>
+            <a:r>
+              <a:rPr lang="en-US" dirty="0">
+                <a:solidFill>
+                  <a:srgbClr val="049DC8"/>
+                </a:solidFill>
+                <a:latin typeface="Consolas" panose="020B0609020204030204" pitchFamily="49" charset="0"/>
+                <a:cs typeface="Calibri" panose="020F0502020204030204" pitchFamily="34" charset="0"/>
+              </a:rPr>
+              <a:t>&lt;number&gt;</a:t>
+            </a:r>
+            <a:r>
+              <a:rPr lang="en-US" dirty="0" smtClean="0">
+                <a:solidFill>
+                  <a:srgbClr val="049DC8"/>
+                </a:solidFill>
+                <a:latin typeface="Consolas" panose="020B0609020204030204" pitchFamily="49" charset="0"/>
+                <a:cs typeface="Calibri" panose="020F0502020204030204" pitchFamily="34" charset="0"/>
+              </a:rPr>
+              <a:t>)</a:t>
+            </a:r>
+            <a:endParaRPr lang="en-US" dirty="0">
+              <a:solidFill>
+                <a:srgbClr val="049DC8"/>
+              </a:solidFill>
+              <a:latin typeface="Consolas" panose="020B0609020204030204" pitchFamily="49" charset="0"/>
+              <a:cs typeface="Calibri" panose="020F0502020204030204" pitchFamily="34" charset="0"/>
+            </a:endParaRPr>
+          </a:p>
         </p:txBody>
       </p:sp>
       <p:sp>
@@ -15759,7 +15480,7 @@
         </p:nvSpPr>
         <p:spPr>
           <a:xfrm>
-            <a:off x="149188" y="3429000"/>
+            <a:off x="149188" y="2676436"/>
             <a:ext cx="8845624" cy="892552"/>
           </a:xfrm>
           <a:prstGeom prst="rect">
@@ -15780,7 +15501,7 @@
                 <a:latin typeface="Calibri" panose="020F0502020204030204" pitchFamily="34" charset="0"/>
                 <a:cs typeface="Calibri" panose="020F0502020204030204" pitchFamily="34" charset="0"/>
               </a:rPr>
-              <a:t>db.emp.find().count</a:t>
+              <a:t>db['emp'].find({},{ename:true}).</a:t>
             </a:r>
             <a:r>
               <a:rPr lang="en-US" sz="2200" dirty="0" smtClean="0">
@@ -15790,11 +15511,50 @@
                 <a:latin typeface="Calibri" panose="020F0502020204030204" pitchFamily="34" charset="0"/>
                 <a:cs typeface="Calibri" panose="020F0502020204030204" pitchFamily="34" charset="0"/>
               </a:rPr>
-              <a:t>();</a:t>
-            </a:r>
-          </a:p>
-          <a:p>
-            <a:endParaRPr lang="en-US" sz="800" dirty="0">
+              <a:t>limit(0);	</a:t>
+            </a:r>
+            <a:r>
+              <a:rPr lang="en-US" sz="2200" dirty="0" smtClean="0">
+                <a:solidFill>
+                  <a:srgbClr val="00B050"/>
+                </a:solidFill>
+                <a:latin typeface="Calibri" panose="020F0502020204030204" pitchFamily="34" charset="0"/>
+                <a:cs typeface="Calibri" panose="020F0502020204030204" pitchFamily="34" charset="0"/>
+              </a:rPr>
+              <a:t>// all documents</a:t>
+            </a:r>
+          </a:p>
+          <a:p>
+            <a:endParaRPr lang="en-US" sz="800" dirty="0" smtClean="0">
+              <a:solidFill>
+                <a:srgbClr val="00B050"/>
+              </a:solidFill>
+              <a:latin typeface="Calibri" panose="020F0502020204030204" pitchFamily="34" charset="0"/>
+              <a:cs typeface="Calibri" panose="020F0502020204030204" pitchFamily="34" charset="0"/>
+            </a:endParaRPr>
+          </a:p>
+          <a:p>
+            <a:r>
+              <a:rPr lang="en-US" sz="2200" dirty="0">
+                <a:solidFill>
+                  <a:srgbClr val="FC6F0D"/>
+                </a:solidFill>
+                <a:latin typeface="Calibri" panose="020F0502020204030204" pitchFamily="34" charset="0"/>
+                <a:cs typeface="Calibri" panose="020F0502020204030204" pitchFamily="34" charset="0"/>
+              </a:rPr>
+              <a:t>db['emp'].find({},{ename:true}).limit(2</a:t>
+            </a:r>
+            <a:r>
+              <a:rPr lang="en-US" sz="2200" dirty="0" smtClean="0">
+                <a:solidFill>
+                  <a:srgbClr val="FC6F0D"/>
+                </a:solidFill>
+                <a:latin typeface="Calibri" panose="020F0502020204030204" pitchFamily="34" charset="0"/>
+                <a:cs typeface="Calibri" panose="020F0502020204030204" pitchFamily="34" charset="0"/>
+              </a:rPr>
+              <a:t>);</a:t>
+            </a:r>
+            <a:endParaRPr lang="en-US" sz="2200" dirty="0">
               <a:solidFill>
                 <a:srgbClr val="FC6F0D"/>
               </a:solidFill>
@@ -15802,16 +15562,41 @@
               <a:cs typeface="Calibri" panose="020F0502020204030204" pitchFamily="34" charset="0"/>
             </a:endParaRPr>
           </a:p>
-          <a:p>
-            <a:r>
-              <a:rPr lang="en-US" sz="2200" dirty="0">
-                <a:solidFill>
-                  <a:srgbClr val="FC6F0D"/>
-                </a:solidFill>
-                <a:latin typeface="Calibri" panose="020F0502020204030204" pitchFamily="34" charset="0"/>
-                <a:cs typeface="Calibri" panose="020F0502020204030204" pitchFamily="34" charset="0"/>
-              </a:rPr>
-              <a:t>db.emp.find({job:'manager'}).count();</a:t>
+        </p:txBody>
+      </p:sp>
+      <p:sp>
+        <p:nvSpPr>
+          <p:cNvPr id="3" name="Rectangle 2"/>
+          <p:cNvSpPr/>
+          <p:nvPr/>
+        </p:nvSpPr>
+        <p:spPr>
+          <a:xfrm>
+            <a:off x="31667" y="49975"/>
+            <a:ext cx="3432212" cy="646331"/>
+          </a:xfrm>
+          <a:prstGeom prst="rect">
+            <a:avLst/>
+          </a:prstGeom>
+          <a:solidFill>
+            <a:srgbClr val="90E183"/>
+          </a:solidFill>
+        </p:spPr>
+        <p:txBody>
+          <a:bodyPr wrap="square">
+            <a:spAutoFit/>
+          </a:bodyPr>
+          <a:lstStyle/>
+          <a:p>
+            <a:r>
+              <a:rPr lang="en-US" dirty="0">
+                <a:solidFill>
+                  <a:schemeClr val="bg2">
+                    <a:lumMod val="25000"/>
+                  </a:schemeClr>
+                </a:solidFill>
+              </a:rPr>
+              <a:t>A limit() value of 0 (i.e. .limit(0)) is equivalent to setting no limit.</a:t>
             </a:r>
           </a:p>
         </p:txBody>
@@ -15819,7 +15604,7 @@
     </p:spTree>
     <p:extLst>
       <p:ext uri="{BB962C8B-B14F-4D97-AF65-F5344CB8AC3E}">
-        <p14:creationId xmlns:p14="http://schemas.microsoft.com/office/powerpoint/2010/main" val="690466655"/>
+        <p14:creationId xmlns:p14="http://schemas.microsoft.com/office/powerpoint/2010/main" val="1180999377"/>
       </p:ext>
     </p:extLst>
   </p:cSld>
@@ -15893,8 +15678,8 @@
           </a:lstStyle>
           <a:p>
             <a:r>
-              <a:rPr lang="en-IN" dirty="0"/>
-              <a:t>db.collection.countDocuments()</a:t>
+              <a:rPr lang="en-IN" dirty="0" smtClean="0"/>
+              <a:t>skip</a:t>
             </a:r>
             <a:endParaRPr lang="en-US" dirty="0"/>
           </a:p>
@@ -15942,7 +15727,7 @@
     </p:spTree>
     <p:extLst>
       <p:ext uri="{BB962C8B-B14F-4D97-AF65-F5344CB8AC3E}">
-        <p14:creationId xmlns:p14="http://schemas.microsoft.com/office/powerpoint/2010/main" val="4254761430"/>
+        <p14:creationId xmlns:p14="http://schemas.microsoft.com/office/powerpoint/2010/main" val="3719784492"/>
       </p:ext>
     </p:extLst>
   </p:cSld>
@@ -16016,15 +15801,22 @@
               </a:spcBef>
             </a:pPr>
             <a:r>
-              <a:rPr lang="en-IN" sz="3200" b="1" i="1" dirty="0">
+              <a:rPr lang="en-IN" sz="3200" b="1" i="1" dirty="0" smtClean="0">
                 <a:solidFill>
                   <a:srgbClr val="FFFF00"/>
                 </a:solidFill>
                 <a:latin typeface="Arial" pitchFamily="34" charset="0"/>
                 <a:cs typeface="Arial" pitchFamily="34" charset="0"/>
               </a:rPr>
-              <a:t>db.collection.countDocuments() </a:t>
-            </a:r>
+              <a:t>db.collection.find().skip()</a:t>
+            </a:r>
+            <a:endParaRPr lang="en-IN" sz="3200" b="1" i="1" dirty="0">
+              <a:solidFill>
+                <a:srgbClr val="FFFF00"/>
+              </a:solidFill>
+              <a:latin typeface="Arial" pitchFamily="34" charset="0"/>
+              <a:cs typeface="Arial" pitchFamily="34" charset="0"/>
+            </a:endParaRPr>
           </a:p>
         </p:txBody>
       </p:sp>
@@ -16037,7 +15829,7 @@
         <p:spPr>
           <a:xfrm>
             <a:off x="149188" y="762000"/>
-            <a:ext cx="8845624" cy="1200329"/>
+            <a:ext cx="8845624" cy="646331"/>
           </a:xfrm>
           <a:prstGeom prst="rect">
             <a:avLst/>
@@ -16050,28 +15842,20 @@
           <a:lstStyle/>
           <a:p>
             <a:r>
+              <a:rPr lang="en-US" dirty="0"/>
+              <a:t>The </a:t>
+            </a:r>
+            <a:r>
               <a:rPr lang="en-US" b="1" i="1" dirty="0">
                 <a:solidFill>
                   <a:srgbClr val="036883"/>
                 </a:solidFill>
               </a:rPr>
-              <a:t>findOne() </a:t>
-            </a:r>
-            <a:r>
-              <a:rPr lang="en-US" dirty="0" smtClean="0"/>
-              <a:t>returns </a:t>
+              <a:t>skip()</a:t>
             </a:r>
             <a:r>
               <a:rPr lang="en-US" dirty="0"/>
-              <a:t>one document that satisfies the specified query criteria on the collection. If multiple documents satisfy the query, this method returns the first document according to the order in which order the documents are stored in the disk</a:t>
-            </a:r>
-            <a:r>
-              <a:rPr lang="en-US" dirty="0" smtClean="0"/>
-              <a:t>. </a:t>
-            </a:r>
-            <a:r>
-              <a:rPr lang="en-US" dirty="0"/>
-              <a:t>If no document satisfies the query, the method returns null.</a:t>
+              <a:t> method is used for skipping the given number of documents in the Query result.</a:t>
             </a:r>
             <a:endParaRPr lang="en-IN" dirty="0"/>
           </a:p>
@@ -16085,15 +15869,15 @@
         </p:nvSpPr>
         <p:spPr>
           <a:xfrm>
-            <a:off x="154136" y="2173069"/>
-            <a:ext cx="6516528" cy="369332"/>
-          </a:xfrm>
-          <a:prstGeom prst="rect">
-            <a:avLst/>
-          </a:prstGeom>
-        </p:spPr>
-        <p:txBody>
-          <a:bodyPr wrap="none">
+            <a:off x="154136" y="1563469"/>
+            <a:ext cx="8840676" cy="923330"/>
+          </a:xfrm>
+          <a:prstGeom prst="rect">
+            <a:avLst/>
+          </a:prstGeom>
+        </p:spPr>
+        <p:txBody>
+          <a:bodyPr wrap="square">
             <a:spAutoFit/>
           </a:bodyPr>
           <a:lstStyle/>
@@ -16106,7 +15890,7 @@
                 <a:latin typeface="Consolas" panose="020B0609020204030204" pitchFamily="49" charset="0"/>
                 <a:cs typeface="Calibri" panose="020F0502020204030204" pitchFamily="34" charset="0"/>
               </a:rPr>
-              <a:t>db.collection.countDocuments( &lt;query&gt;, &lt;options&gt; </a:t>
+              <a:t>cursor.skip</a:t>
             </a:r>
             <a:r>
               <a:rPr lang="en-US" dirty="0" smtClean="0">
@@ -16116,7 +15900,7 @@
                 <a:latin typeface="Consolas" panose="020B0609020204030204" pitchFamily="49" charset="0"/>
                 <a:cs typeface="Calibri" panose="020F0502020204030204" pitchFamily="34" charset="0"/>
               </a:rPr>
-              <a:t>)</a:t>
+              <a:t>(&lt;offset_number&gt;)</a:t>
             </a:r>
             <a:endParaRPr lang="en-US" dirty="0">
               <a:solidFill>
@@ -16126,6 +15910,114 @@
               <a:cs typeface="Calibri" panose="020F0502020204030204" pitchFamily="34" charset="0"/>
             </a:endParaRPr>
           </a:p>
+          <a:p>
+            <a:r>
+              <a:rPr lang="en-US" dirty="0" smtClean="0">
+                <a:solidFill>
+                  <a:srgbClr val="049DC8"/>
+                </a:solidFill>
+                <a:latin typeface="Consolas" panose="020B0609020204030204" pitchFamily="49" charset="0"/>
+                <a:cs typeface="Calibri" panose="020F0502020204030204" pitchFamily="34" charset="0"/>
+              </a:rPr>
+              <a:t>db </a:t>
+            </a:r>
+            <a:r>
+              <a:rPr lang="en-US" dirty="0">
+                <a:solidFill>
+                  <a:srgbClr val="049DC8"/>
+                </a:solidFill>
+                <a:latin typeface="Consolas" panose="020B0609020204030204" pitchFamily="49" charset="0"/>
+                <a:cs typeface="Calibri" panose="020F0502020204030204" pitchFamily="34" charset="0"/>
+              </a:rPr>
+              <a:t>['emp'].find (query, projection</a:t>
+            </a:r>
+            <a:r>
+              <a:rPr lang="en-US" dirty="0" smtClean="0">
+                <a:solidFill>
+                  <a:srgbClr val="049DC8"/>
+                </a:solidFill>
+                <a:latin typeface="Consolas" panose="020B0609020204030204" pitchFamily="49" charset="0"/>
+                <a:cs typeface="Calibri" panose="020F0502020204030204" pitchFamily="34" charset="0"/>
+              </a:rPr>
+              <a:t>).</a:t>
+            </a:r>
+            <a:r>
+              <a:rPr lang="en-US" dirty="0">
+                <a:solidFill>
+                  <a:srgbClr val="049DC8"/>
+                </a:solidFill>
+                <a:latin typeface="Consolas" panose="020B0609020204030204" pitchFamily="49" charset="0"/>
+                <a:cs typeface="Calibri" panose="020F0502020204030204" pitchFamily="34" charset="0"/>
+              </a:rPr>
+              <a:t>skip(&lt;</a:t>
+            </a:r>
+            <a:r>
+              <a:rPr lang="en-US" dirty="0" smtClean="0">
+                <a:solidFill>
+                  <a:srgbClr val="049DC8"/>
+                </a:solidFill>
+                <a:latin typeface="Consolas" panose="020B0609020204030204" pitchFamily="49" charset="0"/>
+                <a:cs typeface="Calibri" panose="020F0502020204030204" pitchFamily="34" charset="0"/>
+              </a:rPr>
+              <a:t>offset_number&gt;) </a:t>
+            </a:r>
+            <a:endParaRPr lang="en-US" dirty="0">
+              <a:solidFill>
+                <a:srgbClr val="049DC8"/>
+              </a:solidFill>
+              <a:latin typeface="Consolas" panose="020B0609020204030204" pitchFamily="49" charset="0"/>
+              <a:cs typeface="Calibri" panose="020F0502020204030204" pitchFamily="34" charset="0"/>
+            </a:endParaRPr>
+          </a:p>
+          <a:p>
+            <a:r>
+              <a:rPr lang="en-US" dirty="0">
+                <a:solidFill>
+                  <a:srgbClr val="049DC8"/>
+                </a:solidFill>
+                <a:latin typeface="Consolas" panose="020B0609020204030204" pitchFamily="49" charset="0"/>
+                <a:cs typeface="Calibri" panose="020F0502020204030204" pitchFamily="34" charset="0"/>
+              </a:rPr>
+              <a:t>db.collection.find(query, projection</a:t>
+            </a:r>
+            <a:r>
+              <a:rPr lang="en-US" dirty="0" smtClean="0">
+                <a:solidFill>
+                  <a:srgbClr val="049DC8"/>
+                </a:solidFill>
+                <a:latin typeface="Consolas" panose="020B0609020204030204" pitchFamily="49" charset="0"/>
+                <a:cs typeface="Calibri" panose="020F0502020204030204" pitchFamily="34" charset="0"/>
+              </a:rPr>
+              <a:t>).</a:t>
+            </a:r>
+            <a:r>
+              <a:rPr lang="en-US" dirty="0">
+                <a:solidFill>
+                  <a:srgbClr val="049DC8"/>
+                </a:solidFill>
+                <a:latin typeface="Consolas" panose="020B0609020204030204" pitchFamily="49" charset="0"/>
+                <a:cs typeface="Calibri" panose="020F0502020204030204" pitchFamily="34" charset="0"/>
+              </a:rPr>
+              <a:t>skip(&lt;</a:t>
+            </a:r>
+            <a:r>
+              <a:rPr lang="en-US" dirty="0" smtClean="0">
+                <a:solidFill>
+                  <a:srgbClr val="049DC8"/>
+                </a:solidFill>
+                <a:latin typeface="Consolas" panose="020B0609020204030204" pitchFamily="49" charset="0"/>
+                <a:cs typeface="Calibri" panose="020F0502020204030204" pitchFamily="34" charset="0"/>
+              </a:rPr>
+              <a:t>offset_number&gt;)</a:t>
+            </a:r>
+            <a:endParaRPr lang="en-US" dirty="0">
+              <a:solidFill>
+                <a:srgbClr val="049DC8"/>
+              </a:solidFill>
+              <a:latin typeface="Consolas" panose="020B0609020204030204" pitchFamily="49" charset="0"/>
+              <a:cs typeface="Calibri" panose="020F0502020204030204" pitchFamily="34" charset="0"/>
+            </a:endParaRPr>
+          </a:p>
         </p:txBody>
       </p:sp>
       <p:sp>
@@ -16136,8 +16028,8 @@
         </p:nvSpPr>
         <p:spPr>
           <a:xfrm>
-            <a:off x="149188" y="4572000"/>
-            <a:ext cx="8845624" cy="1231106"/>
+            <a:off x="160074" y="2918936"/>
+            <a:ext cx="8834738" cy="430887"/>
           </a:xfrm>
           <a:prstGeom prst="rect">
             <a:avLst/>
@@ -16150,251 +16042,22 @@
           <a:lstStyle/>
           <a:p>
             <a:r>
-              <a:rPr lang="en-US" sz="2200" dirty="0" smtClean="0">
+              <a:rPr lang="en-US" sz="2200" dirty="0">
                 <a:solidFill>
                   <a:srgbClr val="FC6F0D"/>
                 </a:solidFill>
                 <a:latin typeface="Calibri" panose="020F0502020204030204" pitchFamily="34" charset="0"/>
                 <a:cs typeface="Calibri" panose="020F0502020204030204" pitchFamily="34" charset="0"/>
               </a:rPr>
-              <a:t>db.emp.countDocuments({});</a:t>
-            </a:r>
-          </a:p>
-          <a:p>
-            <a:endParaRPr lang="en-US" sz="800" dirty="0" smtClean="0">
-              <a:solidFill>
-                <a:srgbClr val="FC6F0D"/>
-              </a:solidFill>
-              <a:latin typeface="Calibri" panose="020F0502020204030204" pitchFamily="34" charset="0"/>
-              <a:cs typeface="Calibri" panose="020F0502020204030204" pitchFamily="34" charset="0"/>
-            </a:endParaRPr>
-          </a:p>
-          <a:p>
-            <a:r>
-              <a:rPr lang="en-US" sz="2200" dirty="0">
-                <a:solidFill>
-                  <a:srgbClr val="FC6F0D"/>
-                </a:solidFill>
-                <a:latin typeface="Calibri" panose="020F0502020204030204" pitchFamily="34" charset="0"/>
-                <a:cs typeface="Calibri" panose="020F0502020204030204" pitchFamily="34" charset="0"/>
-              </a:rPr>
-              <a:t>db.emp.countDocuments({job:'manager</a:t>
-            </a:r>
-            <a:r>
-              <a:rPr lang="en-US" sz="2200" dirty="0" smtClean="0">
-                <a:solidFill>
-                  <a:srgbClr val="FC6F0D"/>
-                </a:solidFill>
-                <a:latin typeface="Calibri" panose="020F0502020204030204" pitchFamily="34" charset="0"/>
-                <a:cs typeface="Calibri" panose="020F0502020204030204" pitchFamily="34" charset="0"/>
-              </a:rPr>
-              <a:t>'});</a:t>
-            </a:r>
-          </a:p>
-          <a:p>
-            <a:r>
-              <a:rPr lang="en-US" sz="2200" dirty="0">
-                <a:solidFill>
-                  <a:srgbClr val="FC6F0D"/>
-                </a:solidFill>
-                <a:latin typeface="Calibri" panose="020F0502020204030204" pitchFamily="34" charset="0"/>
-                <a:cs typeface="Calibri" panose="020F0502020204030204" pitchFamily="34" charset="0"/>
-              </a:rPr>
-              <a:t>db.emp.countDocuments({job:'salesman</a:t>
-            </a:r>
-            <a:r>
-              <a:rPr lang="en-US" sz="2200" dirty="0" smtClean="0">
-                <a:solidFill>
-                  <a:srgbClr val="FC6F0D"/>
-                </a:solidFill>
-                <a:latin typeface="Calibri" panose="020F0502020204030204" pitchFamily="34" charset="0"/>
-                <a:cs typeface="Calibri" panose="020F0502020204030204" pitchFamily="34" charset="0"/>
-              </a:rPr>
-              <a:t>'}, {</a:t>
-            </a:r>
-            <a:r>
-              <a:rPr lang="en-US" sz="2200" dirty="0">
-                <a:solidFill>
-                  <a:srgbClr val="FC6F0D"/>
-                </a:solidFill>
-                <a:latin typeface="Calibri" panose="020F0502020204030204" pitchFamily="34" charset="0"/>
-                <a:cs typeface="Calibri" panose="020F0502020204030204" pitchFamily="34" charset="0"/>
-              </a:rPr>
-              <a:t>skip:1, limit:3});</a:t>
-            </a:r>
-          </a:p>
-        </p:txBody>
-      </p:sp>
-      <p:graphicFrame>
-        <p:nvGraphicFramePr>
-          <p:cNvPr id="3" name="Table 2"/>
-          <p:cNvGraphicFramePr>
-            <a:graphicFrameLocks noGrp="1"/>
-          </p:cNvGraphicFramePr>
-          <p:nvPr>
-            <p:extLst>
-              <p:ext uri="{D42A27DB-BD31-4B8C-83A1-F6EECF244321}">
-                <p14:modId xmlns:p14="http://schemas.microsoft.com/office/powerpoint/2010/main" val="3177525448"/>
-              </p:ext>
-            </p:extLst>
-          </p:nvPr>
-        </p:nvGraphicFramePr>
-        <p:xfrm>
-          <a:off x="149188" y="2819400"/>
-          <a:ext cx="8845624" cy="1421130"/>
-        </p:xfrm>
-        <a:graphic>
-          <a:graphicData uri="http://schemas.openxmlformats.org/drawingml/2006/table">
-            <a:tbl>
-              <a:tblPr>
-                <a:tableStyleId>{5940675A-B579-460E-94D1-54222C63F5DA}</a:tableStyleId>
-              </a:tblPr>
-              <a:tblGrid>
-                <a:gridCol w="1755812"/>
-                <a:gridCol w="7089812"/>
-              </a:tblGrid>
-              <a:tr h="0">
-                <a:tc>
-                  <a:txBody>
-                    <a:bodyPr/>
-                    <a:lstStyle/>
-                    <a:p>
-                      <a:pPr algn="l"/>
-                      <a:r>
-                        <a:rPr lang="en-IN" dirty="0" smtClean="0">
-                          <a:effectLst/>
-                        </a:rPr>
-                        <a:t>  Field</a:t>
-                      </a:r>
-                      <a:endParaRPr lang="en-IN" dirty="0">
-                        <a:effectLst/>
-                      </a:endParaRPr>
-                    </a:p>
-                  </a:txBody>
-                  <a:tcPr marL="47625" marR="47625" marB="114300" anchor="ctr">
-                    <a:solidFill>
-                      <a:schemeClr val="bg2"/>
-                    </a:solidFill>
-                  </a:tcPr>
-                </a:tc>
-                <a:tc>
-                  <a:txBody>
-                    <a:bodyPr/>
-                    <a:lstStyle/>
-                    <a:p>
-                      <a:pPr algn="l"/>
-                      <a:r>
-                        <a:rPr lang="en-IN" dirty="0" smtClean="0">
-                          <a:effectLst/>
-                        </a:rPr>
-                        <a:t>  Description</a:t>
-                      </a:r>
-                      <a:endParaRPr lang="en-IN" dirty="0">
-                        <a:effectLst/>
-                      </a:endParaRPr>
-                    </a:p>
-                  </a:txBody>
-                  <a:tcPr marL="47625" marR="47625" marB="114300" anchor="ctr">
-                    <a:solidFill>
-                      <a:schemeClr val="bg2"/>
-                    </a:solidFill>
-                  </a:tcPr>
-                </a:tc>
-              </a:tr>
-              <a:tr h="0">
-                <a:tc>
-                  <a:txBody>
-                    <a:bodyPr/>
-                    <a:lstStyle/>
-                    <a:p>
-                      <a:pPr algn="l"/>
-                      <a:r>
-                        <a:rPr lang="en-IN" dirty="0" smtClean="0">
-                          <a:effectLst/>
-                        </a:rPr>
-                        <a:t>  limit</a:t>
-                      </a:r>
-                      <a:endParaRPr lang="en-IN" dirty="0">
-                        <a:effectLst/>
-                      </a:endParaRPr>
-                    </a:p>
-                  </a:txBody>
-                  <a:tcPr marL="47625" marR="47625" marT="104775" marB="114300" anchor="ctr"/>
-                </a:tc>
-                <a:tc>
-                  <a:txBody>
-                    <a:bodyPr/>
-                    <a:lstStyle/>
-                    <a:p>
-                      <a:pPr algn="l"/>
-                      <a:r>
-                        <a:rPr lang="en-IN" dirty="0" smtClean="0">
-                          <a:effectLst/>
-                        </a:rPr>
-                        <a:t>  Optional</a:t>
-                      </a:r>
-                      <a:r>
-                        <a:rPr lang="en-IN" dirty="0">
-                          <a:effectLst/>
-                        </a:rPr>
-                        <a:t>. The maximum number of documents to count.</a:t>
-                      </a:r>
-                    </a:p>
-                  </a:txBody>
-                  <a:tcPr marL="47625" marR="47625" marT="104775" marB="114300" anchor="ctr"/>
-                </a:tc>
-              </a:tr>
-              <a:tr h="0">
-                <a:tc>
-                  <a:txBody>
-                    <a:bodyPr/>
-                    <a:lstStyle/>
-                    <a:p>
-                      <a:pPr algn="l"/>
-                      <a:r>
-                        <a:rPr lang="en-IN" dirty="0" smtClean="0">
-                          <a:effectLst/>
-                        </a:rPr>
-                        <a:t>  skip</a:t>
-                      </a:r>
-                      <a:endParaRPr lang="en-IN" dirty="0">
-                        <a:effectLst/>
-                      </a:endParaRPr>
-                    </a:p>
-                  </a:txBody>
-                  <a:tcPr marL="47625" marR="47625" marT="104775" marB="114300" anchor="ctr"/>
-                </a:tc>
-                <a:tc>
-                  <a:txBody>
-                    <a:bodyPr/>
-                    <a:lstStyle/>
-                    <a:p>
-                      <a:pPr algn="l"/>
-                      <a:r>
-                        <a:rPr lang="en-IN" dirty="0" smtClean="0">
-                          <a:effectLst/>
-                        </a:rPr>
-                        <a:t>  Optional</a:t>
-                      </a:r>
-                      <a:r>
-                        <a:rPr lang="en-IN" dirty="0">
-                          <a:effectLst/>
-                        </a:rPr>
-                        <a:t>. The number of documents to skip before counting.</a:t>
-                      </a:r>
-                    </a:p>
-                  </a:txBody>
-                  <a:tcPr marL="47625" marR="47625" marT="104775" marB="114300" anchor="ctr"/>
-                </a:tc>
-              </a:tr>
-            </a:tbl>
-          </a:graphicData>
-        </a:graphic>
-      </p:graphicFrame>
+              <a:t>db.emp.find().skip(4);</a:t>
+            </a:r>
+          </a:p>
+        </p:txBody>
+      </p:sp>
     </p:spTree>
     <p:extLst>
       <p:ext uri="{BB962C8B-B14F-4D97-AF65-F5344CB8AC3E}">
-        <p14:creationId xmlns:p14="http://schemas.microsoft.com/office/powerpoint/2010/main" val="1001357693"/>
+        <p14:creationId xmlns:p14="http://schemas.microsoft.com/office/powerpoint/2010/main" val="1547012814"/>
       </p:ext>
     </p:extLst>
   </p:cSld>
@@ -16469,7 +16132,7 @@
           <a:p>
             <a:r>
               <a:rPr lang="en-IN" dirty="0" smtClean="0"/>
-              <a:t>findOne</a:t>
+              <a:t>count</a:t>
             </a:r>
             <a:endParaRPr lang="en-US" dirty="0"/>
           </a:p>
@@ -16484,7 +16147,7 @@
         <p:spPr>
           <a:xfrm>
             <a:off x="419100" y="2861953"/>
-            <a:ext cx="8305800" cy="646331"/>
+            <a:ext cx="8305800" cy="369332"/>
           </a:xfrm>
           <a:prstGeom prst="rect">
             <a:avLst/>
@@ -16503,22 +16166,13 @@
           <a:lstStyle/>
           <a:p>
             <a:r>
-              <a:rPr lang="en-US" dirty="0">
+              <a:rPr lang="en-US" dirty="0" smtClean="0">
                 <a:solidFill>
                   <a:srgbClr val="222222"/>
                 </a:solidFill>
                 <a:latin typeface="arial" panose="020B0604020202020204" pitchFamily="34" charset="0"/>
               </a:rPr>
-              <a:t>The find() method always returns the _id field unless you specify _id: 0 to suppress the field</a:t>
-            </a:r>
-            <a:r>
-              <a:rPr lang="en-US" dirty="0" smtClean="0">
-                <a:solidFill>
-                  <a:srgbClr val="222222"/>
-                </a:solidFill>
-                <a:latin typeface="arial" panose="020B0604020202020204" pitchFamily="34" charset="0"/>
-              </a:rPr>
-              <a:t>.</a:t>
+              <a:t>TODO</a:t>
             </a:r>
           </a:p>
         </p:txBody>
@@ -16526,7 +16180,7 @@
     </p:spTree>
     <p:extLst>
       <p:ext uri="{BB962C8B-B14F-4D97-AF65-F5344CB8AC3E}">
-        <p14:creationId xmlns:p14="http://schemas.microsoft.com/office/powerpoint/2010/main" val="2476936322"/>
+        <p14:creationId xmlns:p14="http://schemas.microsoft.com/office/powerpoint/2010/main" val="887710447"/>
       </p:ext>
     </p:extLst>
   </p:cSld>
@@ -16607,18 +16261,15 @@
                 <a:latin typeface="Arial" pitchFamily="34" charset="0"/>
                 <a:cs typeface="Arial" pitchFamily="34" charset="0"/>
               </a:rPr>
-              <a:t>db.collection.findOne()</a:t>
-            </a:r>
-            <a:r>
-              <a:rPr lang="en-IN" sz="3200" b="1" i="1" dirty="0">
-                <a:solidFill>
-                  <a:srgbClr val="FFFF00"/>
-                </a:solidFill>
-                <a:latin typeface="Arial" pitchFamily="34" charset="0"/>
-                <a:cs typeface="Arial" pitchFamily="34" charset="0"/>
-              </a:rPr>
-              <a:t> </a:t>
-            </a:r>
+              <a:t>db.collection.find().count()</a:t>
+            </a:r>
+            <a:endParaRPr lang="en-IN" sz="3200" b="1" i="1" dirty="0">
+              <a:solidFill>
+                <a:srgbClr val="FFFF00"/>
+              </a:solidFill>
+              <a:latin typeface="Arial" pitchFamily="34" charset="0"/>
+              <a:cs typeface="Arial" pitchFamily="34" charset="0"/>
+            </a:endParaRPr>
           </a:p>
         </p:txBody>
       </p:sp>
@@ -16644,28 +16295,32 @@
           <a:lstStyle/>
           <a:p>
             <a:r>
+              <a:rPr lang="en-US" dirty="0"/>
+              <a:t>Counts the number of documents referenced by a cursor. Append the </a:t>
+            </a:r>
+            <a:r>
               <a:rPr lang="en-US" b="1" i="1" dirty="0">
                 <a:solidFill>
                   <a:srgbClr val="036883"/>
                 </a:solidFill>
               </a:rPr>
-              <a:t>findOne() </a:t>
-            </a:r>
-            <a:r>
-              <a:rPr lang="en-US" dirty="0" smtClean="0"/>
-              <a:t>returns </a:t>
+              <a:t>count() </a:t>
             </a:r>
             <a:r>
               <a:rPr lang="en-US" dirty="0"/>
-              <a:t>one document that satisfies the specified query criteria on the collection. If multiple documents satisfy the query, this method returns the first document according to the order in which order the documents are stored in the disk</a:t>
-            </a:r>
-            <a:r>
-              <a:rPr lang="en-US" dirty="0" smtClean="0"/>
-              <a:t>. </a:t>
+              <a:t>method to a </a:t>
+            </a:r>
+            <a:r>
+              <a:rPr lang="en-US" b="1" i="1" dirty="0">
+                <a:solidFill>
+                  <a:srgbClr val="036883"/>
+                </a:solidFill>
+              </a:rPr>
+              <a:t>find() </a:t>
             </a:r>
             <a:r>
               <a:rPr lang="en-US" dirty="0"/>
-              <a:t>If no document satisfies the query, the method returns null.</a:t>
+              <a:t>query to return the number of matching documents. The operation does not perform the query but instead counts the results that would be returned by the query.</a:t>
             </a:r>
             <a:endParaRPr lang="en-IN" dirty="0"/>
           </a:p>
@@ -16679,15 +16334,15 @@
         </p:nvSpPr>
         <p:spPr>
           <a:xfrm>
-            <a:off x="154136" y="2173069"/>
-            <a:ext cx="5250155" cy="646331"/>
-          </a:xfrm>
-          <a:prstGeom prst="rect">
-            <a:avLst/>
-          </a:prstGeom>
-        </p:spPr>
-        <p:txBody>
-          <a:bodyPr wrap="none">
+            <a:off x="154136" y="2048470"/>
+            <a:ext cx="8840676" cy="923330"/>
+          </a:xfrm>
+          <a:prstGeom prst="rect">
+            <a:avLst/>
+          </a:prstGeom>
+        </p:spPr>
+        <p:txBody>
+          <a:bodyPr wrap="square">
             <a:spAutoFit/>
           </a:bodyPr>
           <a:lstStyle/>
@@ -16700,8 +16355,17 @@
                 <a:latin typeface="Consolas" panose="020B0609020204030204" pitchFamily="49" charset="0"/>
                 <a:cs typeface="Calibri" panose="020F0502020204030204" pitchFamily="34" charset="0"/>
               </a:rPr>
-              <a:t>db ['emp'].</a:t>
-            </a:r>
+              <a:t>cursor.count()</a:t>
+            </a:r>
+            <a:endParaRPr lang="en-US" dirty="0" smtClean="0">
+              <a:solidFill>
+                <a:srgbClr val="049DC8"/>
+              </a:solidFill>
+              <a:latin typeface="Consolas" panose="020B0609020204030204" pitchFamily="49" charset="0"/>
+              <a:cs typeface="Calibri" panose="020F0502020204030204" pitchFamily="34" charset="0"/>
+            </a:endParaRPr>
+          </a:p>
+          <a:p>
             <a:r>
               <a:rPr lang="en-US" dirty="0" smtClean="0">
                 <a:solidFill>
@@ -16710,7 +16374,7 @@
                 <a:latin typeface="Consolas" panose="020B0609020204030204" pitchFamily="49" charset="0"/>
                 <a:cs typeface="Calibri" panose="020F0502020204030204" pitchFamily="34" charset="0"/>
               </a:rPr>
-              <a:t>findOne(query</a:t>
+              <a:t>db.collection.find</a:t>
             </a:r>
             <a:r>
               <a:rPr lang="en-US" dirty="0">
@@ -16720,10 +16384,20 @@
                 <a:latin typeface="Consolas" panose="020B0609020204030204" pitchFamily="49" charset="0"/>
                 <a:cs typeface="Calibri" panose="020F0502020204030204" pitchFamily="34" charset="0"/>
               </a:rPr>
-              <a:t>, projection) </a:t>
-            </a:r>
-          </a:p>
-          <a:p>
+              <a:t>(&lt;query&gt;).count()</a:t>
+            </a:r>
+          </a:p>
+          <a:p>
+            <a:r>
+              <a:rPr lang="en-US" dirty="0">
+                <a:solidFill>
+                  <a:srgbClr val="049DC8"/>
+                </a:solidFill>
+                <a:latin typeface="Consolas" panose="020B0609020204030204" pitchFamily="49" charset="0"/>
+                <a:cs typeface="Calibri" panose="020F0502020204030204" pitchFamily="34" charset="0"/>
+              </a:rPr>
+              <a:t>db ['</a:t>
+            </a:r>
             <a:r>
               <a:rPr lang="en-US" dirty="0" smtClean="0">
                 <a:solidFill>
@@ -16732,7 +16406,7 @@
                 <a:latin typeface="Consolas" panose="020B0609020204030204" pitchFamily="49" charset="0"/>
                 <a:cs typeface="Calibri" panose="020F0502020204030204" pitchFamily="34" charset="0"/>
               </a:rPr>
-              <a:t>db.collection.findOne(query</a:t>
+              <a:t>collection_name'].find(&lt;</a:t>
             </a:r>
             <a:r>
               <a:rPr lang="en-US" dirty="0">
@@ -16742,8 +16416,25 @@
                 <a:latin typeface="Consolas" panose="020B0609020204030204" pitchFamily="49" charset="0"/>
                 <a:cs typeface="Calibri" panose="020F0502020204030204" pitchFamily="34" charset="0"/>
               </a:rPr>
-              <a:t>, projection)</a:t>
-            </a:r>
+              <a:t>query&gt;).count</a:t>
+            </a:r>
+            <a:r>
+              <a:rPr lang="en-US" dirty="0" smtClean="0">
+                <a:solidFill>
+                  <a:srgbClr val="049DC8"/>
+                </a:solidFill>
+                <a:latin typeface="Consolas" panose="020B0609020204030204" pitchFamily="49" charset="0"/>
+                <a:cs typeface="Calibri" panose="020F0502020204030204" pitchFamily="34" charset="0"/>
+              </a:rPr>
+              <a:t>()</a:t>
+            </a:r>
+            <a:endParaRPr lang="en-US" dirty="0">
+              <a:solidFill>
+                <a:srgbClr val="049DC8"/>
+              </a:solidFill>
+              <a:latin typeface="Consolas" panose="020B0609020204030204" pitchFamily="49" charset="0"/>
+              <a:cs typeface="Calibri" panose="020F0502020204030204" pitchFamily="34" charset="0"/>
+            </a:endParaRPr>
           </a:p>
         </p:txBody>
       </p:sp>
@@ -16755,7 +16446,7 @@
         </p:nvSpPr>
         <p:spPr>
           <a:xfrm>
-            <a:off x="149188" y="2971800"/>
+            <a:off x="149188" y="3429000"/>
             <a:ext cx="8845624" cy="892552"/>
           </a:xfrm>
           <a:prstGeom prst="rect">
@@ -16769,6 +16460,16 @@
           <a:lstStyle/>
           <a:p>
             <a:r>
+              <a:rPr lang="en-US" sz="2200" dirty="0">
+                <a:solidFill>
+                  <a:srgbClr val="FC6F0D"/>
+                </a:solidFill>
+                <a:latin typeface="Calibri" panose="020F0502020204030204" pitchFamily="34" charset="0"/>
+                <a:cs typeface="Calibri" panose="020F0502020204030204" pitchFamily="34" charset="0"/>
+              </a:rPr>
+              <a:t>db.emp.find().count</a:t>
+            </a:r>
+            <a:r>
               <a:rPr lang="en-US" sz="2200" dirty="0" smtClean="0">
                 <a:solidFill>
                   <a:srgbClr val="FC6F0D"/>
@@ -16776,11 +16477,11 @@
                 <a:latin typeface="Calibri" panose="020F0502020204030204" pitchFamily="34" charset="0"/>
                 <a:cs typeface="Calibri" panose="020F0502020204030204" pitchFamily="34" charset="0"/>
               </a:rPr>
-              <a:t>db.emp.findOne();</a:t>
-            </a:r>
-          </a:p>
-          <a:p>
-            <a:endParaRPr lang="en-US" sz="800" dirty="0" smtClean="0">
+              <a:t>();</a:t>
+            </a:r>
+          </a:p>
+          <a:p>
+            <a:endParaRPr lang="en-US" sz="800" dirty="0">
               <a:solidFill>
                 <a:srgbClr val="FC6F0D"/>
               </a:solidFill>
@@ -16797,32 +16498,15 @@
                 <a:latin typeface="Calibri" panose="020F0502020204030204" pitchFamily="34" charset="0"/>
                 <a:cs typeface="Calibri" panose="020F0502020204030204" pitchFamily="34" charset="0"/>
               </a:rPr>
-              <a:t>db.emp.findOne({job:'manager</a:t>
-            </a:r>
-            <a:r>
-              <a:rPr lang="en-US" sz="2200" dirty="0" smtClean="0">
-                <a:solidFill>
-                  <a:srgbClr val="FC6F0D"/>
-                </a:solidFill>
-                <a:latin typeface="Calibri" panose="020F0502020204030204" pitchFamily="34" charset="0"/>
-                <a:cs typeface="Calibri" panose="020F0502020204030204" pitchFamily="34" charset="0"/>
-              </a:rPr>
-              <a:t>'});</a:t>
-            </a:r>
-            <a:endParaRPr lang="en-US" sz="2200" dirty="0">
-              <a:solidFill>
-                <a:srgbClr val="FC6F0D"/>
-              </a:solidFill>
-              <a:latin typeface="Calibri" panose="020F0502020204030204" pitchFamily="34" charset="0"/>
-              <a:cs typeface="Calibri" panose="020F0502020204030204" pitchFamily="34" charset="0"/>
-            </a:endParaRPr>
+              <a:t>db.emp.find({job:'manager'}).count();</a:t>
+            </a:r>
           </a:p>
         </p:txBody>
       </p:sp>
     </p:spTree>
     <p:extLst>
       <p:ext uri="{BB962C8B-B14F-4D97-AF65-F5344CB8AC3E}">
-        <p14:creationId xmlns:p14="http://schemas.microsoft.com/office/powerpoint/2010/main" val="611755139"/>
+        <p14:creationId xmlns:p14="http://schemas.microsoft.com/office/powerpoint/2010/main" val="690466655"/>
       </p:ext>
     </p:extLst>
   </p:cSld>
@@ -16896,8 +16580,8 @@
           </a:lstStyle>
           <a:p>
             <a:r>
-              <a:rPr lang="en-IN" dirty="0" smtClean="0"/>
-              <a:t>document</a:t>
+              <a:rPr lang="en-IN" dirty="0"/>
+              <a:t>db.collection.countDocuments()</a:t>
             </a:r>
             <a:endParaRPr lang="en-US" dirty="0"/>
           </a:p>
@@ -16912,7 +16596,7 @@
         <p:spPr>
           <a:xfrm>
             <a:off x="419100" y="2861953"/>
-            <a:ext cx="8305800" cy="646331"/>
+            <a:ext cx="8305800" cy="369332"/>
           </a:xfrm>
           <a:prstGeom prst="rect">
             <a:avLst/>
@@ -16931,22 +16615,21 @@
           <a:lstStyle/>
           <a:p>
             <a:r>
-              <a:rPr lang="en-US" dirty="0">
+              <a:rPr lang="en-US" dirty="0" smtClean="0">
                 <a:solidFill>
                   <a:srgbClr val="222222"/>
                 </a:solidFill>
                 <a:latin typeface="arial" panose="020B0604020202020204" pitchFamily="34" charset="0"/>
               </a:rPr>
-              <a:t>MongoDB stores data as BSON documents. BSON is a binary representation of JSON documents.</a:t>
-            </a:r>
-            <a:endParaRPr lang="en-US" dirty="0"/>
+              <a:t>TODO</a:t>
+            </a:r>
           </a:p>
         </p:txBody>
       </p:sp>
     </p:spTree>
     <p:extLst>
       <p:ext uri="{BB962C8B-B14F-4D97-AF65-F5344CB8AC3E}">
-        <p14:creationId xmlns:p14="http://schemas.microsoft.com/office/powerpoint/2010/main" val="316225766"/>
+        <p14:creationId xmlns:p14="http://schemas.microsoft.com/office/powerpoint/2010/main" val="4254761430"/>
       </p:ext>
     </p:extLst>
   </p:cSld>
@@ -17564,24 +17247,14 @@
               </a:spcBef>
             </a:pPr>
             <a:r>
-              <a:rPr lang="en-IN" sz="3200" b="1" i="1" dirty="0" smtClean="0">
+              <a:rPr lang="en-IN" sz="3200" b="1" i="1" dirty="0">
                 <a:solidFill>
                   <a:srgbClr val="FFFF00"/>
                 </a:solidFill>
                 <a:latin typeface="Arial" pitchFamily="34" charset="0"/>
                 <a:cs typeface="Arial" pitchFamily="34" charset="0"/>
               </a:rPr>
-              <a:t>document</a:t>
-            </a:r>
-            <a:r>
-              <a:rPr lang="en-IN" sz="3200" b="1" i="1" dirty="0">
-                <a:solidFill>
-                  <a:srgbClr val="FFFF00"/>
-                </a:solidFill>
-                <a:latin typeface="Arial" pitchFamily="34" charset="0"/>
-                <a:cs typeface="Arial" pitchFamily="34" charset="0"/>
-              </a:rPr>
-              <a:t> </a:t>
+              <a:t>db.collection.countDocuments() </a:t>
             </a:r>
           </a:p>
         </p:txBody>
@@ -17595,7 +17268,7 @@
         <p:spPr>
           <a:xfrm>
             <a:off x="149188" y="762000"/>
-            <a:ext cx="8845624" cy="923330"/>
+            <a:ext cx="8845624" cy="1200329"/>
           </a:xfrm>
           <a:prstGeom prst="rect">
             <a:avLst/>
@@ -17608,22 +17281,81 @@
           <a:lstStyle/>
           <a:p>
             <a:r>
+              <a:rPr lang="en-US" b="1" i="1" dirty="0">
+                <a:solidFill>
+                  <a:srgbClr val="036883"/>
+                </a:solidFill>
+              </a:rPr>
+              <a:t>findOne() </a:t>
+            </a:r>
+            <a:r>
+              <a:rPr lang="en-US" dirty="0" smtClean="0"/>
+              <a:t>returns </a:t>
+            </a:r>
+            <a:r>
               <a:rPr lang="en-US" dirty="0"/>
-              <a:t>MongoDB documents are composed of </a:t>
-            </a:r>
-            <a:r>
-              <a:rPr lang="en-US" b="1" i="1" dirty="0">
-                <a:solidFill>
-                  <a:srgbClr val="036883"/>
-                </a:solidFill>
-              </a:rPr>
-              <a:t>field-and-value</a:t>
+              <a:t>one document that satisfies the specified query criteria on the collection. If multiple documents satisfy the query, this method returns the first document according to the order in which order the documents are stored in the disk</a:t>
+            </a:r>
+            <a:r>
+              <a:rPr lang="en-US" dirty="0" smtClean="0"/>
+              <a:t>. </a:t>
             </a:r>
             <a:r>
               <a:rPr lang="en-US" dirty="0"/>
-              <a:t> pairs. The value of a field can be any of the BSON data types, including other documents, arrays, and arrays of documents.</a:t>
+              <a:t>If no document satisfies the query, the method returns null.</a:t>
             </a:r>
             <a:endParaRPr lang="en-IN" dirty="0"/>
+          </a:p>
+        </p:txBody>
+      </p:sp>
+      <p:sp>
+        <p:nvSpPr>
+          <p:cNvPr id="4" name="Rectangle 3"/>
+          <p:cNvSpPr/>
+          <p:nvPr/>
+        </p:nvSpPr>
+        <p:spPr>
+          <a:xfrm>
+            <a:off x="154136" y="2173069"/>
+            <a:ext cx="6516528" cy="369332"/>
+          </a:xfrm>
+          <a:prstGeom prst="rect">
+            <a:avLst/>
+          </a:prstGeom>
+        </p:spPr>
+        <p:txBody>
+          <a:bodyPr wrap="none">
+            <a:spAutoFit/>
+          </a:bodyPr>
+          <a:lstStyle/>
+          <a:p>
+            <a:r>
+              <a:rPr lang="en-US" dirty="0">
+                <a:solidFill>
+                  <a:srgbClr val="049DC8"/>
+                </a:solidFill>
+                <a:latin typeface="Consolas" panose="020B0609020204030204" pitchFamily="49" charset="0"/>
+                <a:cs typeface="Calibri" panose="020F0502020204030204" pitchFamily="34" charset="0"/>
+              </a:rPr>
+              <a:t>db.collection.countDocuments( &lt;query&gt;, &lt;options&gt; </a:t>
+            </a:r>
+            <a:r>
+              <a:rPr lang="en-US" dirty="0" smtClean="0">
+                <a:solidFill>
+                  <a:srgbClr val="049DC8"/>
+                </a:solidFill>
+                <a:latin typeface="Consolas" panose="020B0609020204030204" pitchFamily="49" charset="0"/>
+                <a:cs typeface="Calibri" panose="020F0502020204030204" pitchFamily="34" charset="0"/>
+              </a:rPr>
+              <a:t>)</a:t>
+            </a:r>
+            <a:endParaRPr lang="en-US" dirty="0">
+              <a:solidFill>
+                <a:srgbClr val="049DC8"/>
+              </a:solidFill>
+              <a:latin typeface="Consolas" panose="020B0609020204030204" pitchFamily="49" charset="0"/>
+              <a:cs typeface="Calibri" panose="020F0502020204030204" pitchFamily="34" charset="0"/>
+            </a:endParaRPr>
           </a:p>
         </p:txBody>
       </p:sp>
@@ -17635,8 +17367,8 @@
         </p:nvSpPr>
         <p:spPr>
           <a:xfrm>
-            <a:off x="149188" y="1875420"/>
-            <a:ext cx="8845624" cy="646331"/>
+            <a:off x="149188" y="4572000"/>
+            <a:ext cx="8845624" cy="1231106"/>
           </a:xfrm>
           <a:prstGeom prst="rect">
             <a:avLst/>
@@ -17649,162 +17381,251 @@
           <a:lstStyle/>
           <a:p>
             <a:r>
-              <a:rPr lang="en-US" dirty="0"/>
-              <a:t>The </a:t>
-            </a:r>
-            <a:r>
-              <a:rPr lang="en-US" b="1" i="1" dirty="0">
-                <a:solidFill>
-                  <a:srgbClr val="036883"/>
-                </a:solidFill>
-              </a:rPr>
-              <a:t>field name</a:t>
-            </a:r>
-            <a:r>
-              <a:rPr lang="en-US" dirty="0"/>
-              <a:t> </a:t>
-            </a:r>
-            <a:r>
-              <a:rPr lang="en-US" b="1" i="1" dirty="0">
-                <a:solidFill>
-                  <a:srgbClr val="C00000"/>
-                </a:solidFill>
-              </a:rPr>
-              <a:t>_</a:t>
-            </a:r>
-            <a:r>
-              <a:rPr lang="en-US" b="1" dirty="0">
-                <a:solidFill>
-                  <a:srgbClr val="C00000"/>
-                </a:solidFill>
-              </a:rPr>
-              <a:t>id</a:t>
-            </a:r>
-            <a:r>
-              <a:rPr lang="en-US" b="1" i="1" dirty="0">
-                <a:solidFill>
-                  <a:srgbClr val="C00000"/>
-                </a:solidFill>
-              </a:rPr>
-              <a:t> </a:t>
-            </a:r>
-            <a:r>
-              <a:rPr lang="en-US" dirty="0"/>
-              <a:t>is reserved for use as a primary key; its value must be unique in the collection, is immutable, and may be of any type other than an array.</a:t>
-            </a:r>
-          </a:p>
-        </p:txBody>
-      </p:sp>
-      <p:sp>
-        <p:nvSpPr>
-          <p:cNvPr id="3" name="Rectangle 2"/>
-          <p:cNvSpPr/>
-          <p:nvPr/>
-        </p:nvSpPr>
-        <p:spPr>
-          <a:xfrm>
-            <a:off x="184814" y="2971800"/>
-            <a:ext cx="2464136" cy="2031325"/>
-          </a:xfrm>
-          <a:prstGeom prst="rect">
-            <a:avLst/>
-          </a:prstGeom>
-        </p:spPr>
-        <p:txBody>
-          <a:bodyPr wrap="none">
-            <a:spAutoFit/>
-          </a:bodyPr>
-          <a:lstStyle/>
-          <a:p>
-            <a:r>
-              <a:rPr lang="en-US" dirty="0">
-                <a:solidFill>
-                  <a:srgbClr val="049DC8"/>
-                </a:solidFill>
-                <a:latin typeface="Consolas" panose="020B0609020204030204" pitchFamily="49" charset="0"/>
-                <a:cs typeface="Calibri" panose="020F0502020204030204" pitchFamily="34" charset="0"/>
-              </a:rPr>
-              <a:t>{</a:t>
-            </a:r>
-          </a:p>
-          <a:p>
-            <a:r>
-              <a:rPr lang="en-US" dirty="0">
-                <a:solidFill>
-                  <a:srgbClr val="049DC8"/>
-                </a:solidFill>
-                <a:latin typeface="Consolas" panose="020B0609020204030204" pitchFamily="49" charset="0"/>
-                <a:cs typeface="Calibri" panose="020F0502020204030204" pitchFamily="34" charset="0"/>
-              </a:rPr>
-              <a:t>   field1: value1,</a:t>
-            </a:r>
-          </a:p>
-          <a:p>
-            <a:r>
-              <a:rPr lang="en-US" dirty="0">
-                <a:solidFill>
-                  <a:srgbClr val="049DC8"/>
-                </a:solidFill>
-                <a:latin typeface="Consolas" panose="020B0609020204030204" pitchFamily="49" charset="0"/>
-                <a:cs typeface="Calibri" panose="020F0502020204030204" pitchFamily="34" charset="0"/>
-              </a:rPr>
-              <a:t>   field2: value2,</a:t>
-            </a:r>
-          </a:p>
-          <a:p>
-            <a:r>
-              <a:rPr lang="en-US" dirty="0">
-                <a:solidFill>
-                  <a:srgbClr val="049DC8"/>
-                </a:solidFill>
-                <a:latin typeface="Consolas" panose="020B0609020204030204" pitchFamily="49" charset="0"/>
-                <a:cs typeface="Calibri" panose="020F0502020204030204" pitchFamily="34" charset="0"/>
-              </a:rPr>
-              <a:t>   field3: value3,</a:t>
-            </a:r>
-          </a:p>
-          <a:p>
-            <a:r>
-              <a:rPr lang="en-US" dirty="0">
-                <a:solidFill>
-                  <a:srgbClr val="049DC8"/>
-                </a:solidFill>
-                <a:latin typeface="Consolas" panose="020B0609020204030204" pitchFamily="49" charset="0"/>
-                <a:cs typeface="Calibri" panose="020F0502020204030204" pitchFamily="34" charset="0"/>
-              </a:rPr>
-              <a:t>   ...</a:t>
-            </a:r>
-          </a:p>
-          <a:p>
-            <a:r>
-              <a:rPr lang="en-US" dirty="0">
-                <a:solidFill>
-                  <a:srgbClr val="049DC8"/>
-                </a:solidFill>
-                <a:latin typeface="Consolas" panose="020B0609020204030204" pitchFamily="49" charset="0"/>
-                <a:cs typeface="Calibri" panose="020F0502020204030204" pitchFamily="34" charset="0"/>
-              </a:rPr>
-              <a:t>   fieldN: valueN</a:t>
-            </a:r>
-          </a:p>
-          <a:p>
-            <a:r>
-              <a:rPr lang="en-US" dirty="0">
-                <a:solidFill>
-                  <a:srgbClr val="049DC8"/>
-                </a:solidFill>
-                <a:latin typeface="Consolas" panose="020B0609020204030204" pitchFamily="49" charset="0"/>
-                <a:cs typeface="Calibri" panose="020F0502020204030204" pitchFamily="34" charset="0"/>
-              </a:rPr>
-              <a:t>}</a:t>
-            </a:r>
-          </a:p>
-        </p:txBody>
-      </p:sp>
+              <a:rPr lang="en-US" sz="2200" dirty="0" smtClean="0">
+                <a:solidFill>
+                  <a:srgbClr val="FC6F0D"/>
+                </a:solidFill>
+                <a:latin typeface="Calibri" panose="020F0502020204030204" pitchFamily="34" charset="0"/>
+                <a:cs typeface="Calibri" panose="020F0502020204030204" pitchFamily="34" charset="0"/>
+              </a:rPr>
+              <a:t>db.emp.countDocuments({});</a:t>
+            </a:r>
+          </a:p>
+          <a:p>
+            <a:endParaRPr lang="en-US" sz="800" dirty="0" smtClean="0">
+              <a:solidFill>
+                <a:srgbClr val="FC6F0D"/>
+              </a:solidFill>
+              <a:latin typeface="Calibri" panose="020F0502020204030204" pitchFamily="34" charset="0"/>
+              <a:cs typeface="Calibri" panose="020F0502020204030204" pitchFamily="34" charset="0"/>
+            </a:endParaRPr>
+          </a:p>
+          <a:p>
+            <a:r>
+              <a:rPr lang="en-US" sz="2200" dirty="0">
+                <a:solidFill>
+                  <a:srgbClr val="FC6F0D"/>
+                </a:solidFill>
+                <a:latin typeface="Calibri" panose="020F0502020204030204" pitchFamily="34" charset="0"/>
+                <a:cs typeface="Calibri" panose="020F0502020204030204" pitchFamily="34" charset="0"/>
+              </a:rPr>
+              <a:t>db.emp.countDocuments({job:'manager</a:t>
+            </a:r>
+            <a:r>
+              <a:rPr lang="en-US" sz="2200" dirty="0" smtClean="0">
+                <a:solidFill>
+                  <a:srgbClr val="FC6F0D"/>
+                </a:solidFill>
+                <a:latin typeface="Calibri" panose="020F0502020204030204" pitchFamily="34" charset="0"/>
+                <a:cs typeface="Calibri" panose="020F0502020204030204" pitchFamily="34" charset="0"/>
+              </a:rPr>
+              <a:t>'});</a:t>
+            </a:r>
+          </a:p>
+          <a:p>
+            <a:r>
+              <a:rPr lang="en-US" sz="2200" dirty="0">
+                <a:solidFill>
+                  <a:srgbClr val="FC6F0D"/>
+                </a:solidFill>
+                <a:latin typeface="Calibri" panose="020F0502020204030204" pitchFamily="34" charset="0"/>
+                <a:cs typeface="Calibri" panose="020F0502020204030204" pitchFamily="34" charset="0"/>
+              </a:rPr>
+              <a:t>db.emp.countDocuments({job:'salesman</a:t>
+            </a:r>
+            <a:r>
+              <a:rPr lang="en-US" sz="2200" dirty="0" smtClean="0">
+                <a:solidFill>
+                  <a:srgbClr val="FC6F0D"/>
+                </a:solidFill>
+                <a:latin typeface="Calibri" panose="020F0502020204030204" pitchFamily="34" charset="0"/>
+                <a:cs typeface="Calibri" panose="020F0502020204030204" pitchFamily="34" charset="0"/>
+              </a:rPr>
+              <a:t>'}, {</a:t>
+            </a:r>
+            <a:r>
+              <a:rPr lang="en-US" sz="2200" dirty="0">
+                <a:solidFill>
+                  <a:srgbClr val="FC6F0D"/>
+                </a:solidFill>
+                <a:latin typeface="Calibri" panose="020F0502020204030204" pitchFamily="34" charset="0"/>
+                <a:cs typeface="Calibri" panose="020F0502020204030204" pitchFamily="34" charset="0"/>
+              </a:rPr>
+              <a:t>skip:1, limit:3});</a:t>
+            </a:r>
+          </a:p>
+        </p:txBody>
+      </p:sp>
+      <p:graphicFrame>
+        <p:nvGraphicFramePr>
+          <p:cNvPr id="3" name="Table 2"/>
+          <p:cNvGraphicFramePr>
+            <a:graphicFrameLocks noGrp="1"/>
+          </p:cNvGraphicFramePr>
+          <p:nvPr>
+            <p:extLst>
+              <p:ext uri="{D42A27DB-BD31-4B8C-83A1-F6EECF244321}">
+                <p14:modId xmlns:p14="http://schemas.microsoft.com/office/powerpoint/2010/main" val="3177525448"/>
+              </p:ext>
+            </p:extLst>
+          </p:nvPr>
+        </p:nvGraphicFramePr>
+        <p:xfrm>
+          <a:off x="149188" y="2819400"/>
+          <a:ext cx="8845624" cy="1421130"/>
+        </p:xfrm>
+        <a:graphic>
+          <a:graphicData uri="http://schemas.openxmlformats.org/drawingml/2006/table">
+            <a:tbl>
+              <a:tblPr>
+                <a:tableStyleId>{5940675A-B579-460E-94D1-54222C63F5DA}</a:tableStyleId>
+              </a:tblPr>
+              <a:tblGrid>
+                <a:gridCol w="1755812"/>
+                <a:gridCol w="7089812"/>
+              </a:tblGrid>
+              <a:tr h="0">
+                <a:tc>
+                  <a:txBody>
+                    <a:bodyPr/>
+                    <a:lstStyle/>
+                    <a:p>
+                      <a:pPr algn="l"/>
+                      <a:r>
+                        <a:rPr lang="en-IN" dirty="0" smtClean="0">
+                          <a:effectLst/>
+                        </a:rPr>
+                        <a:t>  Field</a:t>
+                      </a:r>
+                      <a:endParaRPr lang="en-IN" dirty="0">
+                        <a:effectLst/>
+                      </a:endParaRPr>
+                    </a:p>
+                  </a:txBody>
+                  <a:tcPr marL="47625" marR="47625" marB="114300" anchor="ctr">
+                    <a:solidFill>
+                      <a:schemeClr val="bg2"/>
+                    </a:solidFill>
+                  </a:tcPr>
+                </a:tc>
+                <a:tc>
+                  <a:txBody>
+                    <a:bodyPr/>
+                    <a:lstStyle/>
+                    <a:p>
+                      <a:pPr algn="l"/>
+                      <a:r>
+                        <a:rPr lang="en-IN" dirty="0" smtClean="0">
+                          <a:effectLst/>
+                        </a:rPr>
+                        <a:t>  Description</a:t>
+                      </a:r>
+                      <a:endParaRPr lang="en-IN" dirty="0">
+                        <a:effectLst/>
+                      </a:endParaRPr>
+                    </a:p>
+                  </a:txBody>
+                  <a:tcPr marL="47625" marR="47625" marB="114300" anchor="ctr">
+                    <a:solidFill>
+                      <a:schemeClr val="bg2"/>
+                    </a:solidFill>
+                  </a:tcPr>
+                </a:tc>
+              </a:tr>
+              <a:tr h="0">
+                <a:tc>
+                  <a:txBody>
+                    <a:bodyPr/>
+                    <a:lstStyle/>
+                    <a:p>
+                      <a:pPr algn="l"/>
+                      <a:r>
+                        <a:rPr lang="en-IN" dirty="0" smtClean="0">
+                          <a:effectLst/>
+                        </a:rPr>
+                        <a:t>  limit</a:t>
+                      </a:r>
+                      <a:endParaRPr lang="en-IN" dirty="0">
+                        <a:effectLst/>
+                      </a:endParaRPr>
+                    </a:p>
+                  </a:txBody>
+                  <a:tcPr marL="47625" marR="47625" marT="104775" marB="114300" anchor="ctr"/>
+                </a:tc>
+                <a:tc>
+                  <a:txBody>
+                    <a:bodyPr/>
+                    <a:lstStyle/>
+                    <a:p>
+                      <a:pPr algn="l"/>
+                      <a:r>
+                        <a:rPr lang="en-IN" dirty="0" smtClean="0">
+                          <a:effectLst/>
+                        </a:rPr>
+                        <a:t>  Optional</a:t>
+                      </a:r>
+                      <a:r>
+                        <a:rPr lang="en-IN" dirty="0">
+                          <a:effectLst/>
+                        </a:rPr>
+                        <a:t>. The maximum number of documents to count.</a:t>
+                      </a:r>
+                    </a:p>
+                  </a:txBody>
+                  <a:tcPr marL="47625" marR="47625" marT="104775" marB="114300" anchor="ctr"/>
+                </a:tc>
+              </a:tr>
+              <a:tr h="0">
+                <a:tc>
+                  <a:txBody>
+                    <a:bodyPr/>
+                    <a:lstStyle/>
+                    <a:p>
+                      <a:pPr algn="l"/>
+                      <a:r>
+                        <a:rPr lang="en-IN" dirty="0" smtClean="0">
+                          <a:effectLst/>
+                        </a:rPr>
+                        <a:t>  skip</a:t>
+                      </a:r>
+                      <a:endParaRPr lang="en-IN" dirty="0">
+                        <a:effectLst/>
+                      </a:endParaRPr>
+                    </a:p>
+                  </a:txBody>
+                  <a:tcPr marL="47625" marR="47625" marT="104775" marB="114300" anchor="ctr"/>
+                </a:tc>
+                <a:tc>
+                  <a:txBody>
+                    <a:bodyPr/>
+                    <a:lstStyle/>
+                    <a:p>
+                      <a:pPr algn="l"/>
+                      <a:r>
+                        <a:rPr lang="en-IN" dirty="0" smtClean="0">
+                          <a:effectLst/>
+                        </a:rPr>
+                        <a:t>  Optional</a:t>
+                      </a:r>
+                      <a:r>
+                        <a:rPr lang="en-IN" dirty="0">
+                          <a:effectLst/>
+                        </a:rPr>
+                        <a:t>. The number of documents to skip before counting.</a:t>
+                      </a:r>
+                    </a:p>
+                  </a:txBody>
+                  <a:tcPr marL="47625" marR="47625" marT="104775" marB="114300" anchor="ctr"/>
+                </a:tc>
+              </a:tr>
+            </a:tbl>
+          </a:graphicData>
+        </a:graphic>
+      </p:graphicFrame>
     </p:spTree>
     <p:extLst>
       <p:ext uri="{BB962C8B-B14F-4D97-AF65-F5344CB8AC3E}">
-        <p14:creationId xmlns:p14="http://schemas.microsoft.com/office/powerpoint/2010/main" val="1707159998"/>
+        <p14:creationId xmlns:p14="http://schemas.microsoft.com/office/powerpoint/2010/main" val="1001357693"/>
       </p:ext>
     </p:extLst>
   </p:cSld>
@@ -17840,72 +17661,71 @@
       </p:grpSpPr>
       <p:sp>
         <p:nvSpPr>
-          <p:cNvPr id="6" name="Rectangle 5"/>
-          <p:cNvSpPr/>
-          <p:nvPr/>
-        </p:nvSpPr>
-        <p:spPr>
-          <a:xfrm>
-            <a:off x="0" y="0"/>
-            <a:ext cx="9144000" cy="584775"/>
-          </a:xfrm>
-          <a:prstGeom prst="rect">
-            <a:avLst/>
-          </a:prstGeom>
-          <a:solidFill>
-            <a:schemeClr val="accent4">
-              <a:lumMod val="75000"/>
-            </a:schemeClr>
-          </a:solidFill>
-        </p:spPr>
-        <p:txBody>
-          <a:bodyPr wrap="square">
-            <a:spAutoFit/>
-          </a:bodyPr>
-          <a:lstStyle/>
-          <a:p>
-            <a:pPr algn="r">
+          <p:cNvPr id="2" name="Title 1"/>
+          <p:cNvSpPr txBox="1">
+            <a:spLocks/>
+          </p:cNvSpPr>
+          <p:nvPr/>
+        </p:nvSpPr>
+        <p:spPr>
+          <a:xfrm>
+            <a:off x="152400" y="2057400"/>
+            <a:ext cx="8839200" cy="838200"/>
+          </a:xfrm>
+          <a:prstGeom prst="rect">
+            <a:avLst/>
+          </a:prstGeom>
+        </p:spPr>
+        <p:txBody>
+          <a:bodyPr>
+            <a:noAutofit/>
+          </a:bodyPr>
+          <a:lstStyle>
+            <a:defPPr>
+              <a:defRPr lang="en-US"/>
+            </a:defPPr>
+            <a:lvl1pPr lvl="0" algn="ctr">
               <a:spcBef>
                 <a:spcPct val="0"/>
               </a:spcBef>
-            </a:pPr>
-            <a:r>
-              <a:rPr lang="en-IN" sz="3200" b="1" i="1" dirty="0" smtClean="0">
-                <a:solidFill>
-                  <a:srgbClr val="FFFF00"/>
-                </a:solidFill>
-                <a:latin typeface="Arial" pitchFamily="34" charset="0"/>
-                <a:cs typeface="Arial" pitchFamily="34" charset="0"/>
-              </a:rPr>
-              <a:t>document</a:t>
-            </a:r>
-            <a:r>
-              <a:rPr lang="en-IN" sz="3200" b="1" i="1" dirty="0">
-                <a:solidFill>
-                  <a:srgbClr val="FFFF00"/>
-                </a:solidFill>
-                <a:latin typeface="Arial" pitchFamily="34" charset="0"/>
-                <a:cs typeface="Arial" pitchFamily="34" charset="0"/>
-              </a:rPr>
-              <a:t> </a:t>
-            </a:r>
-          </a:p>
-        </p:txBody>
-      </p:sp>
-      <p:sp>
-        <p:nvSpPr>
-          <p:cNvPr id="7" name="Rectangle 6"/>
+              <a:defRPr sz="4800">
+                <a:solidFill>
+                  <a:srgbClr val="7EEEE3"/>
+                </a:solidFill>
+                <a:latin typeface="Segoe UI Light" panose="020B0502040204020203" pitchFamily="34" charset="0"/>
+                <a:cs typeface="Segoe UI Light" panose="020B0502040204020203" pitchFamily="34" charset="0"/>
+              </a:defRPr>
+            </a:lvl1pPr>
+          </a:lstStyle>
+          <a:p>
+            <a:r>
+              <a:rPr lang="en-IN" dirty="0" smtClean="0"/>
+              <a:t>findOne</a:t>
+            </a:r>
+            <a:endParaRPr lang="en-US" dirty="0"/>
+          </a:p>
+        </p:txBody>
+      </p:sp>
+      <p:sp>
+        <p:nvSpPr>
+          <p:cNvPr id="3" name="Rectangle 2"/>
           <p:cNvSpPr/>
           <p:nvPr/>
         </p:nvSpPr>
         <p:spPr>
           <a:xfrm>
-            <a:off x="149188" y="762000"/>
-            <a:ext cx="8845624" cy="369332"/>
-          </a:xfrm>
-          <a:prstGeom prst="rect">
-            <a:avLst/>
-          </a:prstGeom>
+            <a:off x="419100" y="2861953"/>
+            <a:ext cx="8305800" cy="646331"/>
+          </a:xfrm>
+          <a:prstGeom prst="rect">
+            <a:avLst/>
+          </a:prstGeom>
+          <a:solidFill>
+            <a:schemeClr val="accent6">
+              <a:lumMod val="20000"/>
+              <a:lumOff val="80000"/>
+            </a:schemeClr>
+          </a:solidFill>
         </p:spPr>
         <p:txBody>
           <a:bodyPr wrap="square">
@@ -17914,23 +17734,44 @@
           <a:lstStyle/>
           <a:p>
             <a:r>
-              <a:rPr lang="en-US" dirty="0" smtClean="0"/>
-              <a:t>TODO</a:t>
-            </a:r>
-            <a:endParaRPr lang="en-IN" dirty="0"/>
+              <a:rPr lang="en-US" dirty="0">
+                <a:solidFill>
+                  <a:srgbClr val="222222"/>
+                </a:solidFill>
+                <a:latin typeface="arial" panose="020B0604020202020204" pitchFamily="34" charset="0"/>
+              </a:rPr>
+              <a:t>The find() method always returns the _id field unless you specify _id: 0 to suppress the field</a:t>
+            </a:r>
+            <a:r>
+              <a:rPr lang="en-US" dirty="0" smtClean="0">
+                <a:solidFill>
+                  <a:srgbClr val="222222"/>
+                </a:solidFill>
+                <a:latin typeface="arial" panose="020B0604020202020204" pitchFamily="34" charset="0"/>
+              </a:rPr>
+              <a:t>.</a:t>
+            </a:r>
           </a:p>
         </p:txBody>
       </p:sp>
     </p:spTree>
     <p:extLst>
       <p:ext uri="{BB962C8B-B14F-4D97-AF65-F5344CB8AC3E}">
-        <p14:creationId xmlns:p14="http://schemas.microsoft.com/office/powerpoint/2010/main" val="3587670722"/>
+        <p14:creationId xmlns:p14="http://schemas.microsoft.com/office/powerpoint/2010/main" val="2476936322"/>
       </p:ext>
     </p:extLst>
   </p:cSld>
   <p:clrMapOvr>
     <a:masterClrMapping/>
   </p:clrMapOvr>
+  <mc:AlternateContent xmlns:mc="http://schemas.openxmlformats.org/markup-compatibility/2006" xmlns:p14="http://schemas.microsoft.com/office/powerpoint/2010/main">
+    <mc:Choice Requires="p14">
+      <p:transition spd="slow" p14:dur="2000"/>
+    </mc:Choice>
+    <mc:Fallback xmlns="">
+      <p:transition spd="slow"/>
+    </mc:Fallback>
+  </mc:AlternateContent>
   <p:timing>
     <p:tnLst>
       <p:par>
@@ -17997,26 +17838,16 @@
                 <a:latin typeface="Arial" pitchFamily="34" charset="0"/>
                 <a:cs typeface="Arial" pitchFamily="34" charset="0"/>
               </a:rPr>
-              <a:t>MongoDB</a:t>
-            </a:r>
-            <a:r>
-              <a:rPr lang="en-US" sz="3200" b="1" i="1" dirty="0" smtClean="0">
+              <a:t>db.collection.findOne()</a:t>
+            </a:r>
+            <a:r>
+              <a:rPr lang="en-IN" sz="3200" b="1" i="1" dirty="0">
                 <a:solidFill>
                   <a:srgbClr val="FFFF00"/>
                 </a:solidFill>
                 <a:latin typeface="Arial" pitchFamily="34" charset="0"/>
                 <a:cs typeface="Arial" pitchFamily="34" charset="0"/>
               </a:rPr>
-              <a:t> </a:t>
-            </a:r>
-            <a:r>
-              <a:rPr lang="en-IN" sz="3200" b="1" i="1" dirty="0">
-                <a:solidFill>
-                  <a:srgbClr val="FFFF00"/>
-                </a:solidFill>
-                <a:latin typeface="Arial" pitchFamily="34" charset="0"/>
-                <a:cs typeface="Arial" pitchFamily="34" charset="0"/>
-              </a:rPr>
               <a:t> </a:t>
             </a:r>
           </a:p>
@@ -18031,7 +17862,7 @@
         <p:spPr>
           <a:xfrm>
             <a:off x="149188" y="762000"/>
-            <a:ext cx="8845624" cy="369332"/>
+            <a:ext cx="8845624" cy="1200329"/>
           </a:xfrm>
           <a:prstGeom prst="rect">
             <a:avLst/>
@@ -18044,17 +17875,185 @@
           <a:lstStyle/>
           <a:p>
             <a:r>
+              <a:rPr lang="en-US" b="1" i="1" dirty="0">
+                <a:solidFill>
+                  <a:srgbClr val="036883"/>
+                </a:solidFill>
+              </a:rPr>
+              <a:t>findOne() </a:t>
+            </a:r>
+            <a:r>
               <a:rPr lang="en-US" dirty="0" smtClean="0"/>
-              <a:t>TODO</a:t>
+              <a:t>returns </a:t>
+            </a:r>
+            <a:r>
+              <a:rPr lang="en-US" dirty="0"/>
+              <a:t>one document that satisfies the specified query criteria on the collection. If multiple documents satisfy the query, this method returns the first document according to the order in which order the documents are stored in the disk</a:t>
+            </a:r>
+            <a:r>
+              <a:rPr lang="en-US" dirty="0" smtClean="0"/>
+              <a:t>. </a:t>
+            </a:r>
+            <a:r>
+              <a:rPr lang="en-US" dirty="0"/>
+              <a:t>If no document satisfies the query, the method returns null.</a:t>
             </a:r>
             <a:endParaRPr lang="en-IN" dirty="0"/>
+          </a:p>
+        </p:txBody>
+      </p:sp>
+      <p:sp>
+        <p:nvSpPr>
+          <p:cNvPr id="4" name="Rectangle 3"/>
+          <p:cNvSpPr/>
+          <p:nvPr/>
+        </p:nvSpPr>
+        <p:spPr>
+          <a:xfrm>
+            <a:off x="154136" y="2173069"/>
+            <a:ext cx="5250155" cy="646331"/>
+          </a:xfrm>
+          <a:prstGeom prst="rect">
+            <a:avLst/>
+          </a:prstGeom>
+        </p:spPr>
+        <p:txBody>
+          <a:bodyPr wrap="none">
+            <a:spAutoFit/>
+          </a:bodyPr>
+          <a:lstStyle/>
+          <a:p>
+            <a:r>
+              <a:rPr lang="en-US" dirty="0">
+                <a:solidFill>
+                  <a:srgbClr val="049DC8"/>
+                </a:solidFill>
+                <a:latin typeface="Consolas" panose="020B0609020204030204" pitchFamily="49" charset="0"/>
+                <a:cs typeface="Calibri" panose="020F0502020204030204" pitchFamily="34" charset="0"/>
+              </a:rPr>
+              <a:t>db ['emp'].</a:t>
+            </a:r>
+            <a:r>
+              <a:rPr lang="en-US" dirty="0" smtClean="0">
+                <a:solidFill>
+                  <a:srgbClr val="049DC8"/>
+                </a:solidFill>
+                <a:latin typeface="Consolas" panose="020B0609020204030204" pitchFamily="49" charset="0"/>
+                <a:cs typeface="Calibri" panose="020F0502020204030204" pitchFamily="34" charset="0"/>
+              </a:rPr>
+              <a:t>findOne(query</a:t>
+            </a:r>
+            <a:r>
+              <a:rPr lang="en-US" dirty="0">
+                <a:solidFill>
+                  <a:srgbClr val="049DC8"/>
+                </a:solidFill>
+                <a:latin typeface="Consolas" panose="020B0609020204030204" pitchFamily="49" charset="0"/>
+                <a:cs typeface="Calibri" panose="020F0502020204030204" pitchFamily="34" charset="0"/>
+              </a:rPr>
+              <a:t>, projection) </a:t>
+            </a:r>
+          </a:p>
+          <a:p>
+            <a:r>
+              <a:rPr lang="en-US" dirty="0" smtClean="0">
+                <a:solidFill>
+                  <a:srgbClr val="049DC8"/>
+                </a:solidFill>
+                <a:latin typeface="Consolas" panose="020B0609020204030204" pitchFamily="49" charset="0"/>
+                <a:cs typeface="Calibri" panose="020F0502020204030204" pitchFamily="34" charset="0"/>
+              </a:rPr>
+              <a:t>db.collection.findOne(query</a:t>
+            </a:r>
+            <a:r>
+              <a:rPr lang="en-US" dirty="0">
+                <a:solidFill>
+                  <a:srgbClr val="049DC8"/>
+                </a:solidFill>
+                <a:latin typeface="Consolas" panose="020B0609020204030204" pitchFamily="49" charset="0"/>
+                <a:cs typeface="Calibri" panose="020F0502020204030204" pitchFamily="34" charset="0"/>
+              </a:rPr>
+              <a:t>, projection)</a:t>
+            </a:r>
+          </a:p>
+        </p:txBody>
+      </p:sp>
+      <p:sp>
+        <p:nvSpPr>
+          <p:cNvPr id="2" name="Rectangle 1"/>
+          <p:cNvSpPr/>
+          <p:nvPr/>
+        </p:nvSpPr>
+        <p:spPr>
+          <a:xfrm>
+            <a:off x="149188" y="2971800"/>
+            <a:ext cx="8845624" cy="892552"/>
+          </a:xfrm>
+          <a:prstGeom prst="rect">
+            <a:avLst/>
+          </a:prstGeom>
+        </p:spPr>
+        <p:txBody>
+          <a:bodyPr wrap="square">
+            <a:spAutoFit/>
+          </a:bodyPr>
+          <a:lstStyle/>
+          <a:p>
+            <a:r>
+              <a:rPr lang="en-US" sz="2200" dirty="0" smtClean="0">
+                <a:solidFill>
+                  <a:srgbClr val="FC6F0D"/>
+                </a:solidFill>
+                <a:latin typeface="Calibri" panose="020F0502020204030204" pitchFamily="34" charset="0"/>
+                <a:cs typeface="Calibri" panose="020F0502020204030204" pitchFamily="34" charset="0"/>
+              </a:rPr>
+              <a:t>db.emp.findOne();</a:t>
+            </a:r>
+          </a:p>
+          <a:p>
+            <a:endParaRPr lang="en-US" sz="800" dirty="0" smtClean="0">
+              <a:solidFill>
+                <a:srgbClr val="FC6F0D"/>
+              </a:solidFill>
+              <a:latin typeface="Calibri" panose="020F0502020204030204" pitchFamily="34" charset="0"/>
+              <a:cs typeface="Calibri" panose="020F0502020204030204" pitchFamily="34" charset="0"/>
+            </a:endParaRPr>
+          </a:p>
+          <a:p>
+            <a:r>
+              <a:rPr lang="en-US" sz="2200" dirty="0">
+                <a:solidFill>
+                  <a:srgbClr val="FC6F0D"/>
+                </a:solidFill>
+                <a:latin typeface="Calibri" panose="020F0502020204030204" pitchFamily="34" charset="0"/>
+                <a:cs typeface="Calibri" panose="020F0502020204030204" pitchFamily="34" charset="0"/>
+              </a:rPr>
+              <a:t>db.emp.findOne({job:'manager</a:t>
+            </a:r>
+            <a:r>
+              <a:rPr lang="en-US" sz="2200" dirty="0" smtClean="0">
+                <a:solidFill>
+                  <a:srgbClr val="FC6F0D"/>
+                </a:solidFill>
+                <a:latin typeface="Calibri" panose="020F0502020204030204" pitchFamily="34" charset="0"/>
+                <a:cs typeface="Calibri" panose="020F0502020204030204" pitchFamily="34" charset="0"/>
+              </a:rPr>
+              <a:t>'});</a:t>
+            </a:r>
+            <a:endParaRPr lang="en-US" sz="2200" dirty="0">
+              <a:solidFill>
+                <a:srgbClr val="FC6F0D"/>
+              </a:solidFill>
+              <a:latin typeface="Calibri" panose="020F0502020204030204" pitchFamily="34" charset="0"/>
+              <a:cs typeface="Calibri" panose="020F0502020204030204" pitchFamily="34" charset="0"/>
+            </a:endParaRPr>
           </a:p>
         </p:txBody>
       </p:sp>
     </p:spTree>
     <p:extLst>
       <p:ext uri="{BB962C8B-B14F-4D97-AF65-F5344CB8AC3E}">
-        <p14:creationId xmlns:p14="http://schemas.microsoft.com/office/powerpoint/2010/main" val="250252946"/>
+        <p14:creationId xmlns:p14="http://schemas.microsoft.com/office/powerpoint/2010/main" val="611755139"/>
       </p:ext>
     </p:extLst>
   </p:cSld>
@@ -18090,82 +18089,71 @@
       </p:grpSpPr>
       <p:sp>
         <p:nvSpPr>
-          <p:cNvPr id="6" name="Rectangle 5"/>
-          <p:cNvSpPr/>
-          <p:nvPr/>
-        </p:nvSpPr>
-        <p:spPr>
-          <a:xfrm>
-            <a:off x="0" y="0"/>
-            <a:ext cx="9144000" cy="584775"/>
-          </a:xfrm>
-          <a:prstGeom prst="rect">
-            <a:avLst/>
-          </a:prstGeom>
-          <a:solidFill>
-            <a:schemeClr val="accent4">
-              <a:lumMod val="75000"/>
-            </a:schemeClr>
-          </a:solidFill>
-        </p:spPr>
-        <p:txBody>
-          <a:bodyPr wrap="square">
-            <a:spAutoFit/>
-          </a:bodyPr>
-          <a:lstStyle/>
-          <a:p>
-            <a:pPr algn="r">
+          <p:cNvPr id="2" name="Title 1"/>
+          <p:cNvSpPr txBox="1">
+            <a:spLocks/>
+          </p:cNvSpPr>
+          <p:nvPr/>
+        </p:nvSpPr>
+        <p:spPr>
+          <a:xfrm>
+            <a:off x="152400" y="2057400"/>
+            <a:ext cx="8839200" cy="838200"/>
+          </a:xfrm>
+          <a:prstGeom prst="rect">
+            <a:avLst/>
+          </a:prstGeom>
+        </p:spPr>
+        <p:txBody>
+          <a:bodyPr>
+            <a:noAutofit/>
+          </a:bodyPr>
+          <a:lstStyle>
+            <a:defPPr>
+              <a:defRPr lang="en-US"/>
+            </a:defPPr>
+            <a:lvl1pPr lvl="0" algn="ctr">
               <a:spcBef>
                 <a:spcPct val="0"/>
               </a:spcBef>
-            </a:pPr>
-            <a:r>
-              <a:rPr lang="en-IN" sz="3200" b="1" i="1" dirty="0" smtClean="0">
-                <a:solidFill>
-                  <a:srgbClr val="FFFF00"/>
-                </a:solidFill>
-                <a:latin typeface="Arial" pitchFamily="34" charset="0"/>
-                <a:cs typeface="Arial" pitchFamily="34" charset="0"/>
-              </a:rPr>
-              <a:t>MongoDB</a:t>
-            </a:r>
-            <a:r>
-              <a:rPr lang="en-US" sz="3200" b="1" i="1" dirty="0" smtClean="0">
-                <a:solidFill>
-                  <a:srgbClr val="FFFF00"/>
-                </a:solidFill>
-                <a:latin typeface="Arial" pitchFamily="34" charset="0"/>
-                <a:cs typeface="Arial" pitchFamily="34" charset="0"/>
-              </a:rPr>
-              <a:t> </a:t>
-            </a:r>
-            <a:r>
-              <a:rPr lang="en-IN" sz="3200" b="1" i="1" dirty="0">
-                <a:solidFill>
-                  <a:srgbClr val="FFFF00"/>
-                </a:solidFill>
-                <a:latin typeface="Arial" pitchFamily="34" charset="0"/>
-                <a:cs typeface="Arial" pitchFamily="34" charset="0"/>
-              </a:rPr>
-              <a:t> </a:t>
-            </a:r>
-          </a:p>
-        </p:txBody>
-      </p:sp>
-      <p:sp>
-        <p:nvSpPr>
-          <p:cNvPr id="7" name="Rectangle 6"/>
+              <a:defRPr sz="4800">
+                <a:solidFill>
+                  <a:srgbClr val="7EEEE3"/>
+                </a:solidFill>
+                <a:latin typeface="Segoe UI Light" panose="020B0502040204020203" pitchFamily="34" charset="0"/>
+                <a:cs typeface="Segoe UI Light" panose="020B0502040204020203" pitchFamily="34" charset="0"/>
+              </a:defRPr>
+            </a:lvl1pPr>
+          </a:lstStyle>
+          <a:p>
+            <a:r>
+              <a:rPr lang="en-IN" dirty="0" smtClean="0"/>
+              <a:t>document</a:t>
+            </a:r>
+            <a:endParaRPr lang="en-US" dirty="0"/>
+          </a:p>
+        </p:txBody>
+      </p:sp>
+      <p:sp>
+        <p:nvSpPr>
+          <p:cNvPr id="3" name="Rectangle 2"/>
           <p:cNvSpPr/>
           <p:nvPr/>
         </p:nvSpPr>
         <p:spPr>
           <a:xfrm>
-            <a:off x="149188" y="762000"/>
-            <a:ext cx="8845624" cy="369332"/>
-          </a:xfrm>
-          <a:prstGeom prst="rect">
-            <a:avLst/>
-          </a:prstGeom>
+            <a:off x="419100" y="2861953"/>
+            <a:ext cx="8305800" cy="646331"/>
+          </a:xfrm>
+          <a:prstGeom prst="rect">
+            <a:avLst/>
+          </a:prstGeom>
+          <a:solidFill>
+            <a:schemeClr val="accent6">
+              <a:lumMod val="20000"/>
+              <a:lumOff val="80000"/>
+            </a:schemeClr>
+          </a:solidFill>
         </p:spPr>
         <p:txBody>
           <a:bodyPr wrap="square">
@@ -18174,23 +18162,36 @@
           <a:lstStyle/>
           <a:p>
             <a:r>
-              <a:rPr lang="en-US" dirty="0" smtClean="0"/>
-              <a:t>TODO</a:t>
-            </a:r>
-            <a:endParaRPr lang="en-IN" dirty="0"/>
+              <a:rPr lang="en-US" dirty="0">
+                <a:solidFill>
+                  <a:srgbClr val="222222"/>
+                </a:solidFill>
+                <a:latin typeface="arial" panose="020B0604020202020204" pitchFamily="34" charset="0"/>
+              </a:rPr>
+              <a:t>MongoDB stores data as BSON documents. BSON is a binary representation of JSON documents.</a:t>
+            </a:r>
+            <a:endParaRPr lang="en-US" dirty="0"/>
           </a:p>
         </p:txBody>
       </p:sp>
     </p:spTree>
     <p:extLst>
       <p:ext uri="{BB962C8B-B14F-4D97-AF65-F5344CB8AC3E}">
-        <p14:creationId xmlns:p14="http://schemas.microsoft.com/office/powerpoint/2010/main" val="895975297"/>
+        <p14:creationId xmlns:p14="http://schemas.microsoft.com/office/powerpoint/2010/main" val="316225766"/>
       </p:ext>
     </p:extLst>
   </p:cSld>
   <p:clrMapOvr>
     <a:masterClrMapping/>
   </p:clrMapOvr>
+  <mc:AlternateContent xmlns:mc="http://schemas.openxmlformats.org/markup-compatibility/2006" xmlns:p14="http://schemas.microsoft.com/office/powerpoint/2010/main">
+    <mc:Choice Requires="p14">
+      <p:transition spd="slow" p14:dur="2000"/>
+    </mc:Choice>
+    <mc:Fallback xmlns="">
+      <p:transition spd="slow"/>
+    </mc:Fallback>
+  </mc:AlternateContent>
   <p:timing>
     <p:tnLst>
       <p:par>
@@ -18257,26 +18258,16 @@
                 <a:latin typeface="Arial" pitchFamily="34" charset="0"/>
                 <a:cs typeface="Arial" pitchFamily="34" charset="0"/>
               </a:rPr>
-              <a:t>MongoDB</a:t>
-            </a:r>
-            <a:r>
-              <a:rPr lang="en-US" sz="3200" b="1" i="1" dirty="0" smtClean="0">
+              <a:t>document</a:t>
+            </a:r>
+            <a:r>
+              <a:rPr lang="en-IN" sz="3200" b="1" i="1" dirty="0">
                 <a:solidFill>
                   <a:srgbClr val="FFFF00"/>
                 </a:solidFill>
                 <a:latin typeface="Arial" pitchFamily="34" charset="0"/>
                 <a:cs typeface="Arial" pitchFamily="34" charset="0"/>
               </a:rPr>
-              <a:t> </a:t>
-            </a:r>
-            <a:r>
-              <a:rPr lang="en-IN" sz="3200" b="1" i="1" dirty="0">
-                <a:solidFill>
-                  <a:srgbClr val="FFFF00"/>
-                </a:solidFill>
-                <a:latin typeface="Arial" pitchFamily="34" charset="0"/>
-                <a:cs typeface="Arial" pitchFamily="34" charset="0"/>
-              </a:rPr>
               <a:t> </a:t>
             </a:r>
           </a:p>
@@ -18291,7 +18282,7 @@
         <p:spPr>
           <a:xfrm>
             <a:off x="149188" y="762000"/>
-            <a:ext cx="8845624" cy="369332"/>
+            <a:ext cx="8845624" cy="923330"/>
           </a:xfrm>
           <a:prstGeom prst="rect">
             <a:avLst/>
@@ -18304,17 +18295,203 @@
           <a:lstStyle/>
           <a:p>
             <a:r>
-              <a:rPr lang="en-US" dirty="0" smtClean="0"/>
-              <a:t>TODO</a:t>
+              <a:rPr lang="en-US" dirty="0"/>
+              <a:t>MongoDB documents are composed of </a:t>
+            </a:r>
+            <a:r>
+              <a:rPr lang="en-US" b="1" i="1" dirty="0">
+                <a:solidFill>
+                  <a:srgbClr val="036883"/>
+                </a:solidFill>
+              </a:rPr>
+              <a:t>field-and-value</a:t>
+            </a:r>
+            <a:r>
+              <a:rPr lang="en-US" dirty="0"/>
+              <a:t> pairs. The value of a field can be any of the BSON data types, including other documents, arrays, and arrays of documents.</a:t>
             </a:r>
             <a:endParaRPr lang="en-IN" dirty="0"/>
+          </a:p>
+        </p:txBody>
+      </p:sp>
+      <p:sp>
+        <p:nvSpPr>
+          <p:cNvPr id="2" name="Rectangle 1"/>
+          <p:cNvSpPr/>
+          <p:nvPr/>
+        </p:nvSpPr>
+        <p:spPr>
+          <a:xfrm>
+            <a:off x="149188" y="1875420"/>
+            <a:ext cx="8845624" cy="646331"/>
+          </a:xfrm>
+          <a:prstGeom prst="rect">
+            <a:avLst/>
+          </a:prstGeom>
+        </p:spPr>
+        <p:txBody>
+          <a:bodyPr wrap="square">
+            <a:spAutoFit/>
+          </a:bodyPr>
+          <a:lstStyle/>
+          <a:p>
+            <a:r>
+              <a:rPr lang="en-US" dirty="0"/>
+              <a:t>The </a:t>
+            </a:r>
+            <a:r>
+              <a:rPr lang="en-US" b="1" i="1" dirty="0">
+                <a:solidFill>
+                  <a:srgbClr val="036883"/>
+                </a:solidFill>
+              </a:rPr>
+              <a:t>field name</a:t>
+            </a:r>
+            <a:r>
+              <a:rPr lang="en-US" dirty="0"/>
+              <a:t> </a:t>
+            </a:r>
+            <a:r>
+              <a:rPr lang="en-US" b="1" i="1" dirty="0">
+                <a:solidFill>
+                  <a:srgbClr val="C00000"/>
+                </a:solidFill>
+              </a:rPr>
+              <a:t>_</a:t>
+            </a:r>
+            <a:r>
+              <a:rPr lang="en-US" b="1" dirty="0">
+                <a:solidFill>
+                  <a:srgbClr val="C00000"/>
+                </a:solidFill>
+              </a:rPr>
+              <a:t>id</a:t>
+            </a:r>
+            <a:r>
+              <a:rPr lang="en-US" b="1" i="1" dirty="0">
+                <a:solidFill>
+                  <a:srgbClr val="C00000"/>
+                </a:solidFill>
+              </a:rPr>
+              <a:t> </a:t>
+            </a:r>
+            <a:r>
+              <a:rPr lang="en-US" dirty="0"/>
+              <a:t>is reserved for use as a primary key; its value must be unique in the collection, is immutable, and may be of any type other than an array.</a:t>
+            </a:r>
+          </a:p>
+        </p:txBody>
+      </p:sp>
+      <p:sp>
+        <p:nvSpPr>
+          <p:cNvPr id="3" name="Rectangle 2"/>
+          <p:cNvSpPr/>
+          <p:nvPr/>
+        </p:nvSpPr>
+        <p:spPr>
+          <a:xfrm>
+            <a:off x="184814" y="2971800"/>
+            <a:ext cx="2464136" cy="2031325"/>
+          </a:xfrm>
+          <a:prstGeom prst="rect">
+            <a:avLst/>
+          </a:prstGeom>
+        </p:spPr>
+        <p:txBody>
+          <a:bodyPr wrap="none">
+            <a:spAutoFit/>
+          </a:bodyPr>
+          <a:lstStyle/>
+          <a:p>
+            <a:r>
+              <a:rPr lang="en-US" dirty="0">
+                <a:solidFill>
+                  <a:srgbClr val="049DC8"/>
+                </a:solidFill>
+                <a:latin typeface="Consolas" panose="020B0609020204030204" pitchFamily="49" charset="0"/>
+                <a:cs typeface="Calibri" panose="020F0502020204030204" pitchFamily="34" charset="0"/>
+              </a:rPr>
+              <a:t>{</a:t>
+            </a:r>
+          </a:p>
+          <a:p>
+            <a:r>
+              <a:rPr lang="en-US" dirty="0">
+                <a:solidFill>
+                  <a:srgbClr val="049DC8"/>
+                </a:solidFill>
+                <a:latin typeface="Consolas" panose="020B0609020204030204" pitchFamily="49" charset="0"/>
+                <a:cs typeface="Calibri" panose="020F0502020204030204" pitchFamily="34" charset="0"/>
+              </a:rPr>
+              <a:t>   field1: value1,</a:t>
+            </a:r>
+          </a:p>
+          <a:p>
+            <a:r>
+              <a:rPr lang="en-US" dirty="0">
+                <a:solidFill>
+                  <a:srgbClr val="049DC8"/>
+                </a:solidFill>
+                <a:latin typeface="Consolas" panose="020B0609020204030204" pitchFamily="49" charset="0"/>
+                <a:cs typeface="Calibri" panose="020F0502020204030204" pitchFamily="34" charset="0"/>
+              </a:rPr>
+              <a:t>   field2: value2,</a:t>
+            </a:r>
+          </a:p>
+          <a:p>
+            <a:r>
+              <a:rPr lang="en-US" dirty="0">
+                <a:solidFill>
+                  <a:srgbClr val="049DC8"/>
+                </a:solidFill>
+                <a:latin typeface="Consolas" panose="020B0609020204030204" pitchFamily="49" charset="0"/>
+                <a:cs typeface="Calibri" panose="020F0502020204030204" pitchFamily="34" charset="0"/>
+              </a:rPr>
+              <a:t>   field3: value3,</a:t>
+            </a:r>
+          </a:p>
+          <a:p>
+            <a:r>
+              <a:rPr lang="en-US" dirty="0">
+                <a:solidFill>
+                  <a:srgbClr val="049DC8"/>
+                </a:solidFill>
+                <a:latin typeface="Consolas" panose="020B0609020204030204" pitchFamily="49" charset="0"/>
+                <a:cs typeface="Calibri" panose="020F0502020204030204" pitchFamily="34" charset="0"/>
+              </a:rPr>
+              <a:t>   ...</a:t>
+            </a:r>
+          </a:p>
+          <a:p>
+            <a:r>
+              <a:rPr lang="en-US" dirty="0">
+                <a:solidFill>
+                  <a:srgbClr val="049DC8"/>
+                </a:solidFill>
+                <a:latin typeface="Consolas" panose="020B0609020204030204" pitchFamily="49" charset="0"/>
+                <a:cs typeface="Calibri" panose="020F0502020204030204" pitchFamily="34" charset="0"/>
+              </a:rPr>
+              <a:t>   fieldN: valueN</a:t>
+            </a:r>
+          </a:p>
+          <a:p>
+            <a:r>
+              <a:rPr lang="en-US" dirty="0">
+                <a:solidFill>
+                  <a:srgbClr val="049DC8"/>
+                </a:solidFill>
+                <a:latin typeface="Consolas" panose="020B0609020204030204" pitchFamily="49" charset="0"/>
+                <a:cs typeface="Calibri" panose="020F0502020204030204" pitchFamily="34" charset="0"/>
+              </a:rPr>
+              <a:t>}</a:t>
+            </a:r>
           </a:p>
         </p:txBody>
       </p:sp>
     </p:spTree>
     <p:extLst>
       <p:ext uri="{BB962C8B-B14F-4D97-AF65-F5344CB8AC3E}">
-        <p14:creationId xmlns:p14="http://schemas.microsoft.com/office/powerpoint/2010/main" val="1785036271"/>
+        <p14:creationId xmlns:p14="http://schemas.microsoft.com/office/powerpoint/2010/main" val="1707159998"/>
       </p:ext>
     </p:extLst>
   </p:cSld>
@@ -18387,17 +18564,7 @@
                 <a:latin typeface="Arial" pitchFamily="34" charset="0"/>
                 <a:cs typeface="Arial" pitchFamily="34" charset="0"/>
               </a:rPr>
-              <a:t>MongoDB</a:t>
-            </a:r>
-            <a:r>
-              <a:rPr lang="en-US" sz="3200" b="1" i="1" dirty="0" smtClean="0">
-                <a:solidFill>
-                  <a:srgbClr val="FFFF00"/>
-                </a:solidFill>
-                <a:latin typeface="Arial" pitchFamily="34" charset="0"/>
-                <a:cs typeface="Arial" pitchFamily="34" charset="0"/>
-              </a:rPr>
-              <a:t> </a:t>
+              <a:t>document</a:t>
             </a:r>
             <a:r>
               <a:rPr lang="en-IN" sz="3200" b="1" i="1" dirty="0">
@@ -18444,7 +18611,7 @@
     </p:spTree>
     <p:extLst>
       <p:ext uri="{BB962C8B-B14F-4D97-AF65-F5344CB8AC3E}">
-        <p14:creationId xmlns:p14="http://schemas.microsoft.com/office/powerpoint/2010/main" val="2324753550"/>
+        <p14:creationId xmlns:p14="http://schemas.microsoft.com/office/powerpoint/2010/main" val="3587670722"/>
       </p:ext>
     </p:extLst>
   </p:cSld>
@@ -18574,7 +18741,7 @@
     </p:spTree>
     <p:extLst>
       <p:ext uri="{BB962C8B-B14F-4D97-AF65-F5344CB8AC3E}">
-        <p14:creationId xmlns:p14="http://schemas.microsoft.com/office/powerpoint/2010/main" val="159175200"/>
+        <p14:creationId xmlns:p14="http://schemas.microsoft.com/office/powerpoint/2010/main" val="250252946"/>
       </p:ext>
     </p:extLst>
   </p:cSld>
@@ -18704,7 +18871,7 @@
     </p:spTree>
     <p:extLst>
       <p:ext uri="{BB962C8B-B14F-4D97-AF65-F5344CB8AC3E}">
-        <p14:creationId xmlns:p14="http://schemas.microsoft.com/office/powerpoint/2010/main" val="4200858574"/>
+        <p14:creationId xmlns:p14="http://schemas.microsoft.com/office/powerpoint/2010/main" val="895975297"/>
       </p:ext>
     </p:extLst>
   </p:cSld>
@@ -18834,7 +19001,7 @@
     </p:spTree>
     <p:extLst>
       <p:ext uri="{BB962C8B-B14F-4D97-AF65-F5344CB8AC3E}">
-        <p14:creationId xmlns:p14="http://schemas.microsoft.com/office/powerpoint/2010/main" val="2535387021"/>
+        <p14:creationId xmlns:p14="http://schemas.microsoft.com/office/powerpoint/2010/main" val="1785036271"/>
       </p:ext>
     </p:extLst>
   </p:cSld>
@@ -18964,7 +19131,7 @@
     </p:spTree>
     <p:extLst>
       <p:ext uri="{BB962C8B-B14F-4D97-AF65-F5344CB8AC3E}">
-        <p14:creationId xmlns:p14="http://schemas.microsoft.com/office/powerpoint/2010/main" val="3372373110"/>
+        <p14:creationId xmlns:p14="http://schemas.microsoft.com/office/powerpoint/2010/main" val="2324753550"/>
       </p:ext>
     </p:extLst>
   </p:cSld>
@@ -19290,7 +19457,7 @@
     </p:spTree>
     <p:extLst>
       <p:ext uri="{BB962C8B-B14F-4D97-AF65-F5344CB8AC3E}">
-        <p14:creationId xmlns:p14="http://schemas.microsoft.com/office/powerpoint/2010/main" val="1298561359"/>
+        <p14:creationId xmlns:p14="http://schemas.microsoft.com/office/powerpoint/2010/main" val="159175200"/>
       </p:ext>
     </p:extLst>
   </p:cSld>
@@ -19420,7 +19587,7 @@
     </p:spTree>
     <p:extLst>
       <p:ext uri="{BB962C8B-B14F-4D97-AF65-F5344CB8AC3E}">
-        <p14:creationId xmlns:p14="http://schemas.microsoft.com/office/powerpoint/2010/main" val="2767122750"/>
+        <p14:creationId xmlns:p14="http://schemas.microsoft.com/office/powerpoint/2010/main" val="4200858574"/>
       </p:ext>
     </p:extLst>
   </p:cSld>
@@ -19550,7 +19717,7 @@
     </p:spTree>
     <p:extLst>
       <p:ext uri="{BB962C8B-B14F-4D97-AF65-F5344CB8AC3E}">
-        <p14:creationId xmlns:p14="http://schemas.microsoft.com/office/powerpoint/2010/main" val="3923222660"/>
+        <p14:creationId xmlns:p14="http://schemas.microsoft.com/office/powerpoint/2010/main" val="2535387021"/>
       </p:ext>
     </p:extLst>
   </p:cSld>
@@ -19680,7 +19847,7 @@
     </p:spTree>
     <p:extLst>
       <p:ext uri="{BB962C8B-B14F-4D97-AF65-F5344CB8AC3E}">
-        <p14:creationId xmlns:p14="http://schemas.microsoft.com/office/powerpoint/2010/main" val="166747101"/>
+        <p14:creationId xmlns:p14="http://schemas.microsoft.com/office/powerpoint/2010/main" val="3372373110"/>
       </p:ext>
     </p:extLst>
   </p:cSld>
@@ -19810,7 +19977,7 @@
     </p:spTree>
     <p:extLst>
       <p:ext uri="{BB962C8B-B14F-4D97-AF65-F5344CB8AC3E}">
-        <p14:creationId xmlns:p14="http://schemas.microsoft.com/office/powerpoint/2010/main" val="924942284"/>
+        <p14:creationId xmlns:p14="http://schemas.microsoft.com/office/powerpoint/2010/main" val="1298561359"/>
       </p:ext>
     </p:extLst>
   </p:cSld>
@@ -19940,7 +20107,7 @@
     </p:spTree>
     <p:extLst>
       <p:ext uri="{BB962C8B-B14F-4D97-AF65-F5344CB8AC3E}">
-        <p14:creationId xmlns:p14="http://schemas.microsoft.com/office/powerpoint/2010/main" val="3259065627"/>
+        <p14:creationId xmlns:p14="http://schemas.microsoft.com/office/powerpoint/2010/main" val="2767122750"/>
       </p:ext>
     </p:extLst>
   </p:cSld>
@@ -20070,7 +20237,7 @@
     </p:spTree>
     <p:extLst>
       <p:ext uri="{BB962C8B-B14F-4D97-AF65-F5344CB8AC3E}">
-        <p14:creationId xmlns:p14="http://schemas.microsoft.com/office/powerpoint/2010/main" val="3171492564"/>
+        <p14:creationId xmlns:p14="http://schemas.microsoft.com/office/powerpoint/2010/main" val="3923222660"/>
       </p:ext>
     </p:extLst>
   </p:cSld>
@@ -20200,7 +20367,7 @@
     </p:spTree>
     <p:extLst>
       <p:ext uri="{BB962C8B-B14F-4D97-AF65-F5344CB8AC3E}">
-        <p14:creationId xmlns:p14="http://schemas.microsoft.com/office/powerpoint/2010/main" val="2780407736"/>
+        <p14:creationId xmlns:p14="http://schemas.microsoft.com/office/powerpoint/2010/main" val="166747101"/>
       </p:ext>
     </p:extLst>
   </p:cSld>
@@ -20330,7 +20497,7 @@
     </p:spTree>
     <p:extLst>
       <p:ext uri="{BB962C8B-B14F-4D97-AF65-F5344CB8AC3E}">
-        <p14:creationId xmlns:p14="http://schemas.microsoft.com/office/powerpoint/2010/main" val="848474725"/>
+        <p14:creationId xmlns:p14="http://schemas.microsoft.com/office/powerpoint/2010/main" val="924942284"/>
       </p:ext>
     </p:extLst>
   </p:cSld>
@@ -20460,7 +20627,7 @@
     </p:spTree>
     <p:extLst>
       <p:ext uri="{BB962C8B-B14F-4D97-AF65-F5344CB8AC3E}">
-        <p14:creationId xmlns:p14="http://schemas.microsoft.com/office/powerpoint/2010/main" val="4030158449"/>
+        <p14:creationId xmlns:p14="http://schemas.microsoft.com/office/powerpoint/2010/main" val="3259065627"/>
       </p:ext>
     </p:extLst>
   </p:cSld>
@@ -20797,7 +20964,7 @@
     </p:spTree>
     <p:extLst>
       <p:ext uri="{BB962C8B-B14F-4D97-AF65-F5344CB8AC3E}">
-        <p14:creationId xmlns:p14="http://schemas.microsoft.com/office/powerpoint/2010/main" val="1708605334"/>
+        <p14:creationId xmlns:p14="http://schemas.microsoft.com/office/powerpoint/2010/main" val="3171492564"/>
       </p:ext>
     </p:extLst>
   </p:cSld>
@@ -20927,7 +21094,7 @@
     </p:spTree>
     <p:extLst>
       <p:ext uri="{BB962C8B-B14F-4D97-AF65-F5344CB8AC3E}">
-        <p14:creationId xmlns:p14="http://schemas.microsoft.com/office/powerpoint/2010/main" val="1478242473"/>
+        <p14:creationId xmlns:p14="http://schemas.microsoft.com/office/powerpoint/2010/main" val="2780407736"/>
       </p:ext>
     </p:extLst>
   </p:cSld>
@@ -21057,7 +21224,7 @@
     </p:spTree>
     <p:extLst>
       <p:ext uri="{BB962C8B-B14F-4D97-AF65-F5344CB8AC3E}">
-        <p14:creationId xmlns:p14="http://schemas.microsoft.com/office/powerpoint/2010/main" val="2136286712"/>
+        <p14:creationId xmlns:p14="http://schemas.microsoft.com/office/powerpoint/2010/main" val="848474725"/>
       </p:ext>
     </p:extLst>
   </p:cSld>
@@ -21187,7 +21354,7 @@
     </p:spTree>
     <p:extLst>
       <p:ext uri="{BB962C8B-B14F-4D97-AF65-F5344CB8AC3E}">
-        <p14:creationId xmlns:p14="http://schemas.microsoft.com/office/powerpoint/2010/main" val="160110094"/>
+        <p14:creationId xmlns:p14="http://schemas.microsoft.com/office/powerpoint/2010/main" val="4030158449"/>
       </p:ext>
     </p:extLst>
   </p:cSld>
@@ -21317,7 +21484,7 @@
     </p:spTree>
     <p:extLst>
       <p:ext uri="{BB962C8B-B14F-4D97-AF65-F5344CB8AC3E}">
-        <p14:creationId xmlns:p14="http://schemas.microsoft.com/office/powerpoint/2010/main" val="1060267809"/>
+        <p14:creationId xmlns:p14="http://schemas.microsoft.com/office/powerpoint/2010/main" val="1708605334"/>
       </p:ext>
     </p:extLst>
   </p:cSld>
@@ -21447,7 +21614,7 @@
     </p:spTree>
     <p:extLst>
       <p:ext uri="{BB962C8B-B14F-4D97-AF65-F5344CB8AC3E}">
-        <p14:creationId xmlns:p14="http://schemas.microsoft.com/office/powerpoint/2010/main" val="1137647517"/>
+        <p14:creationId xmlns:p14="http://schemas.microsoft.com/office/powerpoint/2010/main" val="1478242473"/>
       </p:ext>
     </p:extLst>
   </p:cSld>
@@ -21577,7 +21744,7 @@
     </p:spTree>
     <p:extLst>
       <p:ext uri="{BB962C8B-B14F-4D97-AF65-F5344CB8AC3E}">
-        <p14:creationId xmlns:p14="http://schemas.microsoft.com/office/powerpoint/2010/main" val="3052086859"/>
+        <p14:creationId xmlns:p14="http://schemas.microsoft.com/office/powerpoint/2010/main" val="2136286712"/>
       </p:ext>
     </p:extLst>
   </p:cSld>
@@ -21707,7 +21874,7 @@
     </p:spTree>
     <p:extLst>
       <p:ext uri="{BB962C8B-B14F-4D97-AF65-F5344CB8AC3E}">
-        <p14:creationId xmlns:p14="http://schemas.microsoft.com/office/powerpoint/2010/main" val="1097272351"/>
+        <p14:creationId xmlns:p14="http://schemas.microsoft.com/office/powerpoint/2010/main" val="160110094"/>
       </p:ext>
     </p:extLst>
   </p:cSld>
@@ -21837,7 +22004,7 @@
     </p:spTree>
     <p:extLst>
       <p:ext uri="{BB962C8B-B14F-4D97-AF65-F5344CB8AC3E}">
-        <p14:creationId xmlns:p14="http://schemas.microsoft.com/office/powerpoint/2010/main" val="1587220367"/>
+        <p14:creationId xmlns:p14="http://schemas.microsoft.com/office/powerpoint/2010/main" val="1060267809"/>
       </p:ext>
     </p:extLst>
   </p:cSld>
@@ -21967,7 +22134,7 @@
     </p:spTree>
     <p:extLst>
       <p:ext uri="{BB962C8B-B14F-4D97-AF65-F5344CB8AC3E}">
-        <p14:creationId xmlns:p14="http://schemas.microsoft.com/office/powerpoint/2010/main" val="1863467568"/>
+        <p14:creationId xmlns:p14="http://schemas.microsoft.com/office/powerpoint/2010/main" val="1137647517"/>
       </p:ext>
     </p:extLst>
   </p:cSld>
@@ -22189,7 +22356,7 @@
     </p:spTree>
     <p:extLst>
       <p:ext uri="{BB962C8B-B14F-4D97-AF65-F5344CB8AC3E}">
-        <p14:creationId xmlns:p14="http://schemas.microsoft.com/office/powerpoint/2010/main" val="1971192509"/>
+        <p14:creationId xmlns:p14="http://schemas.microsoft.com/office/powerpoint/2010/main" val="3052086859"/>
       </p:ext>
     </p:extLst>
   </p:cSld>
@@ -22225,7 +22392,7 @@
       </p:grpSpPr>
       <p:sp>
         <p:nvSpPr>
-          <p:cNvPr id="4" name="Rectangle 3"/>
+          <p:cNvPr id="6" name="Rectangle 5"/>
           <p:cNvSpPr/>
           <p:nvPr/>
         </p:nvSpPr>
@@ -22238,8 +22405,8 @@
             <a:avLst/>
           </a:prstGeom>
           <a:solidFill>
-            <a:schemeClr val="bg2">
-              <a:lumMod val="10000"/>
+            <a:schemeClr val="accent4">
+              <a:lumMod val="75000"/>
             </a:schemeClr>
           </a:solidFill>
         </p:spPr>
@@ -22249,7 +22416,11 @@
           </a:bodyPr>
           <a:lstStyle/>
           <a:p>
-            <a:pPr algn="r"/>
+            <a:pPr algn="r">
+              <a:spcBef>
+                <a:spcPct val="0"/>
+              </a:spcBef>
+            </a:pPr>
             <a:r>
               <a:rPr lang="en-IN" sz="3200" b="1" i="1" dirty="0" smtClean="0">
                 <a:solidFill>
@@ -22258,27 +22429,40 @@
                 <a:latin typeface="Arial" pitchFamily="34" charset="0"/>
                 <a:cs typeface="Arial" pitchFamily="34" charset="0"/>
               </a:rPr>
-              <a:t>IMP</a:t>
-            </a:r>
-            <a:endParaRPr lang="en-IN" sz="3200" b="1" i="1" dirty="0">
-              <a:solidFill>
-                <a:srgbClr val="FFFF00"/>
-              </a:solidFill>
-              <a:latin typeface="Arial" pitchFamily="34" charset="0"/>
-              <a:cs typeface="Arial" pitchFamily="34" charset="0"/>
-            </a:endParaRPr>
-          </a:p>
-        </p:txBody>
-      </p:sp>
-      <p:sp>
-        <p:nvSpPr>
-          <p:cNvPr id="2" name="Rectangle 1"/>
+              <a:t>MongoDB</a:t>
+            </a:r>
+            <a:r>
+              <a:rPr lang="en-US" sz="3200" b="1" i="1" dirty="0" smtClean="0">
+                <a:solidFill>
+                  <a:srgbClr val="FFFF00"/>
+                </a:solidFill>
+                <a:latin typeface="Arial" pitchFamily="34" charset="0"/>
+                <a:cs typeface="Arial" pitchFamily="34" charset="0"/>
+              </a:rPr>
+              <a:t> </a:t>
+            </a:r>
+            <a:r>
+              <a:rPr lang="en-IN" sz="3200" b="1" i="1" dirty="0">
+                <a:solidFill>
+                  <a:srgbClr val="FFFF00"/>
+                </a:solidFill>
+                <a:latin typeface="Arial" pitchFamily="34" charset="0"/>
+                <a:cs typeface="Arial" pitchFamily="34" charset="0"/>
+              </a:rPr>
+              <a:t> </a:t>
+            </a:r>
+          </a:p>
+        </p:txBody>
+      </p:sp>
+      <p:sp>
+        <p:nvSpPr>
+          <p:cNvPr id="7" name="Rectangle 6"/>
           <p:cNvSpPr/>
           <p:nvPr/>
         </p:nvSpPr>
         <p:spPr>
           <a:xfrm>
-            <a:off x="145976" y="849264"/>
+            <a:off x="149188" y="762000"/>
             <a:ext cx="8845624" cy="369332"/>
           </a:xfrm>
           <a:prstGeom prst="rect">
@@ -22292,153 +22476,17 @@
           <a:lstStyle/>
           <a:p>
             <a:r>
-              <a:rPr lang="en-IN" dirty="0" smtClean="0">
-                <a:solidFill>
-                  <a:srgbClr val="222222"/>
-                </a:solidFill>
-                <a:latin typeface="Verdana" panose="020B0604030504040204" pitchFamily="34" charset="0"/>
-              </a:rPr>
-              <a:t>1. Think </a:t>
-            </a:r>
-            <a:r>
-              <a:rPr lang="en-IN" dirty="0">
-                <a:solidFill>
-                  <a:srgbClr val="222222"/>
-                </a:solidFill>
-                <a:latin typeface="Verdana" panose="020B0604030504040204" pitchFamily="34" charset="0"/>
-              </a:rPr>
-              <a:t>about how multiplication can be done without actually </a:t>
-            </a:r>
-            <a:r>
-              <a:rPr lang="en-IN" dirty="0" smtClean="0">
-                <a:solidFill>
-                  <a:srgbClr val="222222"/>
-                </a:solidFill>
-                <a:latin typeface="Verdana" panose="020B0604030504040204" pitchFamily="34" charset="0"/>
-              </a:rPr>
-              <a:t>multiplying </a:t>
+              <a:rPr lang="en-US" dirty="0" smtClean="0"/>
+              <a:t>TODO</a:t>
             </a:r>
             <a:endParaRPr lang="en-IN" dirty="0"/>
           </a:p>
         </p:txBody>
       </p:sp>
-      <p:sp>
-        <p:nvSpPr>
-          <p:cNvPr id="3" name="TextBox 2"/>
-          <p:cNvSpPr txBox="1"/>
-          <p:nvPr/>
-        </p:nvSpPr>
-        <p:spPr>
-          <a:xfrm>
-            <a:off x="990600" y="2514600"/>
-            <a:ext cx="184731" cy="369332"/>
-          </a:xfrm>
-          <a:prstGeom prst="rect">
-            <a:avLst/>
-          </a:prstGeom>
-          <a:noFill/>
-        </p:spPr>
-        <p:txBody>
-          <a:bodyPr wrap="none" rtlCol="0">
-            <a:spAutoFit/>
-          </a:bodyPr>
-          <a:lstStyle/>
-          <a:p>
-            <a:endParaRPr lang="en-IN" dirty="0"/>
-          </a:p>
-        </p:txBody>
-      </p:sp>
-      <p:pic>
-        <p:nvPicPr>
-          <p:cNvPr id="5" name="Picture 4"/>
-          <p:cNvPicPr>
-            <a:picLocks noChangeAspect="1"/>
-          </p:cNvPicPr>
-          <p:nvPr/>
-        </p:nvPicPr>
-        <p:blipFill>
-          <a:blip r:embed="rId2"/>
-          <a:stretch>
-            <a:fillRect/>
-          </a:stretch>
-        </p:blipFill>
-        <p:spPr>
-          <a:xfrm>
-            <a:off x="304800" y="3700361"/>
-            <a:ext cx="4648200" cy="2471839"/>
-          </a:xfrm>
-          <a:prstGeom prst="rect">
-            <a:avLst/>
-          </a:prstGeom>
-        </p:spPr>
-      </p:pic>
-      <p:sp>
-        <p:nvSpPr>
-          <p:cNvPr id="6" name="Rectangle 5"/>
-          <p:cNvSpPr/>
-          <p:nvPr/>
-        </p:nvSpPr>
-        <p:spPr>
-          <a:xfrm>
-            <a:off x="145976" y="3243552"/>
-            <a:ext cx="1317990" cy="369332"/>
-          </a:xfrm>
-          <a:prstGeom prst="rect">
-            <a:avLst/>
-          </a:prstGeom>
-        </p:spPr>
-        <p:txBody>
-          <a:bodyPr wrap="none">
-            <a:spAutoFit/>
-          </a:bodyPr>
-          <a:lstStyle/>
-          <a:p>
-            <a:r>
-              <a:rPr lang="en-IN" dirty="0" smtClean="0">
-                <a:solidFill>
-                  <a:srgbClr val="222222"/>
-                </a:solidFill>
-                <a:latin typeface="Verdana" panose="020B0604030504040204" pitchFamily="34" charset="0"/>
-              </a:rPr>
-              <a:t>2. Square</a:t>
-            </a:r>
-            <a:endParaRPr lang="en-IN" dirty="0">
-              <a:solidFill>
-                <a:srgbClr val="222222"/>
-              </a:solidFill>
-              <a:latin typeface="Verdana" panose="020B0604030504040204" pitchFamily="34" charset="0"/>
-            </a:endParaRPr>
-          </a:p>
-        </p:txBody>
-      </p:sp>
-      <p:pic>
-        <p:nvPicPr>
-          <p:cNvPr id="8" name="Picture 7"/>
-          <p:cNvPicPr>
-            <a:picLocks noChangeAspect="1"/>
-          </p:cNvPicPr>
-          <p:nvPr/>
-        </p:nvPicPr>
-        <p:blipFill>
-          <a:blip r:embed="rId3"/>
-          <a:stretch>
-            <a:fillRect/>
-          </a:stretch>
-        </p:blipFill>
-        <p:spPr>
-          <a:xfrm>
-            <a:off x="533400" y="1250647"/>
-            <a:ext cx="4495800" cy="1883657"/>
-          </a:xfrm>
-          <a:prstGeom prst="rect">
-            <a:avLst/>
-          </a:prstGeom>
-        </p:spPr>
-      </p:pic>
     </p:spTree>
     <p:extLst>
       <p:ext uri="{BB962C8B-B14F-4D97-AF65-F5344CB8AC3E}">
-        <p14:creationId xmlns:p14="http://schemas.microsoft.com/office/powerpoint/2010/main" val="3391323119"/>
+        <p14:creationId xmlns:p14="http://schemas.microsoft.com/office/powerpoint/2010/main" val="1097272351"/>
       </p:ext>
     </p:extLst>
   </p:cSld>
@@ -22472,61 +22520,25 @@
           <a:chExt cx="0" cy="0"/>
         </a:xfrm>
       </p:grpSpPr>
-      <p:pic>
-        <p:nvPicPr>
-          <p:cNvPr id="1026" name="Picture 2" descr="http://www.bvctch.vn/vnt_upload/weblink/thks.jpg"/>
-          <p:cNvPicPr>
-            <a:picLocks noChangeAspect="1" noChangeArrowheads="1"/>
-          </p:cNvPicPr>
-          <p:nvPr/>
-        </p:nvPicPr>
-        <p:blipFill>
-          <a:blip r:embed="rId2">
-            <a:extLst>
-              <a:ext uri="{28A0092B-C50C-407E-A947-70E740481C1C}">
-                <a14:useLocalDpi xmlns:a14="http://schemas.microsoft.com/office/drawing/2010/main" val="0"/>
-              </a:ext>
-            </a:extLst>
-          </a:blip>
-          <a:srcRect/>
-          <a:stretch>
-            <a:fillRect/>
-          </a:stretch>
-        </p:blipFill>
-        <p:spPr bwMode="auto">
-          <a:xfrm>
-            <a:off x="2895600" y="757237"/>
-            <a:ext cx="3124200" cy="4881563"/>
-          </a:xfrm>
-          <a:prstGeom prst="rect">
-            <a:avLst/>
-          </a:prstGeom>
-          <a:noFill/>
-          <a:extLst>
-            <a:ext uri="{909E8E84-426E-40DD-AFC4-6F175D3DCCD1}">
-              <a14:hiddenFill xmlns:a14="http://schemas.microsoft.com/office/drawing/2010/main">
-                <a:solidFill>
-                  <a:srgbClr val="FFFFFF"/>
-                </a:solidFill>
-              </a14:hiddenFill>
-            </a:ext>
-          </a:extLst>
-        </p:spPr>
-      </p:pic>
-      <p:sp>
-        <p:nvSpPr>
-          <p:cNvPr id="3" name="Rectangle 2"/>
+      <p:sp>
+        <p:nvSpPr>
+          <p:cNvPr id="6" name="Rectangle 5"/>
           <p:cNvSpPr/>
           <p:nvPr/>
         </p:nvSpPr>
         <p:spPr>
           <a:xfrm>
-            <a:off x="304800" y="5105400"/>
-            <a:ext cx="8610600" cy="1077218"/>
-          </a:xfrm>
-          <a:prstGeom prst="rect">
-            <a:avLst/>
-          </a:prstGeom>
+            <a:off x="0" y="0"/>
+            <a:ext cx="9144000" cy="584775"/>
+          </a:xfrm>
+          <a:prstGeom prst="rect">
+            <a:avLst/>
+          </a:prstGeom>
+          <a:solidFill>
+            <a:schemeClr val="accent4">
+              <a:lumMod val="75000"/>
+            </a:schemeClr>
+          </a:solidFill>
         </p:spPr>
         <p:txBody>
           <a:bodyPr wrap="square">
@@ -22534,35 +22546,77 @@
           </a:bodyPr>
           <a:lstStyle/>
           <a:p>
-            <a:pPr algn="ctr"/>
-            <a:r>
-              <a:rPr lang="en-IN" sz="3200" dirty="0">
-                <a:solidFill>
-                  <a:srgbClr val="FE1212"/>
-                </a:solidFill>
-                <a:latin typeface="Segoe Print" panose="02000600000000000000" pitchFamily="2" charset="0"/>
-              </a:rPr>
-              <a:t>"Live as if you were to die tomorrow.</a:t>
-            </a:r>
-          </a:p>
-          <a:p>
-            <a:pPr algn="ctr"/>
-            <a:r>
-              <a:rPr lang="en-IN" sz="3200" dirty="0">
-                <a:solidFill>
-                  <a:srgbClr val="FE1212"/>
-                </a:solidFill>
-                <a:latin typeface="Segoe Print" panose="02000600000000000000" pitchFamily="2" charset="0"/>
-              </a:rPr>
-              <a:t>Learn as if you were to live forever"</a:t>
-            </a:r>
+            <a:pPr algn="r">
+              <a:spcBef>
+                <a:spcPct val="0"/>
+              </a:spcBef>
+            </a:pPr>
+            <a:r>
+              <a:rPr lang="en-IN" sz="3200" b="1" i="1" dirty="0" smtClean="0">
+                <a:solidFill>
+                  <a:srgbClr val="FFFF00"/>
+                </a:solidFill>
+                <a:latin typeface="Arial" pitchFamily="34" charset="0"/>
+                <a:cs typeface="Arial" pitchFamily="34" charset="0"/>
+              </a:rPr>
+              <a:t>MongoDB</a:t>
+            </a:r>
+            <a:r>
+              <a:rPr lang="en-US" sz="3200" b="1" i="1" dirty="0" smtClean="0">
+                <a:solidFill>
+                  <a:srgbClr val="FFFF00"/>
+                </a:solidFill>
+                <a:latin typeface="Arial" pitchFamily="34" charset="0"/>
+                <a:cs typeface="Arial" pitchFamily="34" charset="0"/>
+              </a:rPr>
+              <a:t> </a:t>
+            </a:r>
+            <a:r>
+              <a:rPr lang="en-IN" sz="3200" b="1" i="1" dirty="0">
+                <a:solidFill>
+                  <a:srgbClr val="FFFF00"/>
+                </a:solidFill>
+                <a:latin typeface="Arial" pitchFamily="34" charset="0"/>
+                <a:cs typeface="Arial" pitchFamily="34" charset="0"/>
+              </a:rPr>
+              <a:t> </a:t>
+            </a:r>
+          </a:p>
+        </p:txBody>
+      </p:sp>
+      <p:sp>
+        <p:nvSpPr>
+          <p:cNvPr id="7" name="Rectangle 6"/>
+          <p:cNvSpPr/>
+          <p:nvPr/>
+        </p:nvSpPr>
+        <p:spPr>
+          <a:xfrm>
+            <a:off x="149188" y="762000"/>
+            <a:ext cx="8845624" cy="369332"/>
+          </a:xfrm>
+          <a:prstGeom prst="rect">
+            <a:avLst/>
+          </a:prstGeom>
+        </p:spPr>
+        <p:txBody>
+          <a:bodyPr wrap="square">
+            <a:spAutoFit/>
+          </a:bodyPr>
+          <a:lstStyle/>
+          <a:p>
+            <a:r>
+              <a:rPr lang="en-US" dirty="0" smtClean="0"/>
+              <a:t>TODO</a:t>
+            </a:r>
+            <a:endParaRPr lang="en-IN" dirty="0"/>
           </a:p>
         </p:txBody>
       </p:sp>
     </p:spTree>
     <p:extLst>
       <p:ext uri="{BB962C8B-B14F-4D97-AF65-F5344CB8AC3E}">
-        <p14:creationId xmlns:p14="http://schemas.microsoft.com/office/powerpoint/2010/main" val="1148130326"/>
+        <p14:creationId xmlns:p14="http://schemas.microsoft.com/office/powerpoint/2010/main" val="1587220367"/>
       </p:ext>
     </p:extLst>
   </p:cSld>
@@ -22598,6 +22652,639 @@
       </p:grpSpPr>
       <p:sp>
         <p:nvSpPr>
+          <p:cNvPr id="6" name="Rectangle 5"/>
+          <p:cNvSpPr/>
+          <p:nvPr/>
+        </p:nvSpPr>
+        <p:spPr>
+          <a:xfrm>
+            <a:off x="0" y="0"/>
+            <a:ext cx="9144000" cy="584775"/>
+          </a:xfrm>
+          <a:prstGeom prst="rect">
+            <a:avLst/>
+          </a:prstGeom>
+          <a:solidFill>
+            <a:schemeClr val="accent4">
+              <a:lumMod val="75000"/>
+            </a:schemeClr>
+          </a:solidFill>
+        </p:spPr>
+        <p:txBody>
+          <a:bodyPr wrap="square">
+            <a:spAutoFit/>
+          </a:bodyPr>
+          <a:lstStyle/>
+          <a:p>
+            <a:pPr algn="r">
+              <a:spcBef>
+                <a:spcPct val="0"/>
+              </a:spcBef>
+            </a:pPr>
+            <a:r>
+              <a:rPr lang="en-IN" sz="3200" b="1" i="1" dirty="0" smtClean="0">
+                <a:solidFill>
+                  <a:srgbClr val="FFFF00"/>
+                </a:solidFill>
+                <a:latin typeface="Arial" pitchFamily="34" charset="0"/>
+                <a:cs typeface="Arial" pitchFamily="34" charset="0"/>
+              </a:rPr>
+              <a:t>MongoDB</a:t>
+            </a:r>
+            <a:r>
+              <a:rPr lang="en-US" sz="3200" b="1" i="1" dirty="0" smtClean="0">
+                <a:solidFill>
+                  <a:srgbClr val="FFFF00"/>
+                </a:solidFill>
+                <a:latin typeface="Arial" pitchFamily="34" charset="0"/>
+                <a:cs typeface="Arial" pitchFamily="34" charset="0"/>
+              </a:rPr>
+              <a:t> </a:t>
+            </a:r>
+            <a:r>
+              <a:rPr lang="en-IN" sz="3200" b="1" i="1" dirty="0">
+                <a:solidFill>
+                  <a:srgbClr val="FFFF00"/>
+                </a:solidFill>
+                <a:latin typeface="Arial" pitchFamily="34" charset="0"/>
+                <a:cs typeface="Arial" pitchFamily="34" charset="0"/>
+              </a:rPr>
+              <a:t> </a:t>
+            </a:r>
+          </a:p>
+        </p:txBody>
+      </p:sp>
+      <p:sp>
+        <p:nvSpPr>
+          <p:cNvPr id="7" name="Rectangle 6"/>
+          <p:cNvSpPr/>
+          <p:nvPr/>
+        </p:nvSpPr>
+        <p:spPr>
+          <a:xfrm>
+            <a:off x="149188" y="762000"/>
+            <a:ext cx="8845624" cy="369332"/>
+          </a:xfrm>
+          <a:prstGeom prst="rect">
+            <a:avLst/>
+          </a:prstGeom>
+        </p:spPr>
+        <p:txBody>
+          <a:bodyPr wrap="square">
+            <a:spAutoFit/>
+          </a:bodyPr>
+          <a:lstStyle/>
+          <a:p>
+            <a:r>
+              <a:rPr lang="en-US" dirty="0" smtClean="0"/>
+              <a:t>TODO</a:t>
+            </a:r>
+            <a:endParaRPr lang="en-IN" dirty="0"/>
+          </a:p>
+        </p:txBody>
+      </p:sp>
+    </p:spTree>
+    <p:extLst>
+      <p:ext uri="{BB962C8B-B14F-4D97-AF65-F5344CB8AC3E}">
+        <p14:creationId xmlns:p14="http://schemas.microsoft.com/office/powerpoint/2010/main" val="1863467568"/>
+      </p:ext>
+    </p:extLst>
+  </p:cSld>
+  <p:clrMapOvr>
+    <a:masterClrMapping/>
+  </p:clrMapOvr>
+  <p:timing>
+    <p:tnLst>
+      <p:par>
+        <p:cTn id="1" dur="indefinite" restart="never" nodeType="tmRoot"/>
+      </p:par>
+    </p:tnLst>
+  </p:timing>
+</p:sld>
+</file>
+
+<file path=ppt/slides/slide84.xml><?xml version="1.0" encoding="utf-8"?>
+<p:sld xmlns:a="http://schemas.openxmlformats.org/drawingml/2006/main" xmlns:r="http://schemas.openxmlformats.org/officeDocument/2006/relationships" xmlns:p="http://schemas.openxmlformats.org/presentationml/2006/main">
+  <p:cSld>
+    <p:spTree>
+      <p:nvGrpSpPr>
+        <p:cNvPr id="1" name=""/>
+        <p:cNvGrpSpPr/>
+        <p:nvPr/>
+      </p:nvGrpSpPr>
+      <p:grpSpPr>
+        <a:xfrm>
+          <a:off x="0" y="0"/>
+          <a:ext cx="0" cy="0"/>
+          <a:chOff x="0" y="0"/>
+          <a:chExt cx="0" cy="0"/>
+        </a:xfrm>
+      </p:grpSpPr>
+      <p:sp>
+        <p:nvSpPr>
+          <p:cNvPr id="6" name="Rectangle 5"/>
+          <p:cNvSpPr/>
+          <p:nvPr/>
+        </p:nvSpPr>
+        <p:spPr>
+          <a:xfrm>
+            <a:off x="0" y="0"/>
+            <a:ext cx="9144000" cy="584775"/>
+          </a:xfrm>
+          <a:prstGeom prst="rect">
+            <a:avLst/>
+          </a:prstGeom>
+          <a:solidFill>
+            <a:schemeClr val="accent4">
+              <a:lumMod val="75000"/>
+            </a:schemeClr>
+          </a:solidFill>
+        </p:spPr>
+        <p:txBody>
+          <a:bodyPr wrap="square">
+            <a:spAutoFit/>
+          </a:bodyPr>
+          <a:lstStyle/>
+          <a:p>
+            <a:pPr algn="r">
+              <a:spcBef>
+                <a:spcPct val="0"/>
+              </a:spcBef>
+            </a:pPr>
+            <a:r>
+              <a:rPr lang="en-IN" sz="3200" b="1" i="1" dirty="0" smtClean="0">
+                <a:solidFill>
+                  <a:srgbClr val="FFFF00"/>
+                </a:solidFill>
+                <a:latin typeface="Arial" pitchFamily="34" charset="0"/>
+                <a:cs typeface="Arial" pitchFamily="34" charset="0"/>
+              </a:rPr>
+              <a:t>MongoDB</a:t>
+            </a:r>
+            <a:r>
+              <a:rPr lang="en-US" sz="3200" b="1" i="1" dirty="0" smtClean="0">
+                <a:solidFill>
+                  <a:srgbClr val="FFFF00"/>
+                </a:solidFill>
+                <a:latin typeface="Arial" pitchFamily="34" charset="0"/>
+                <a:cs typeface="Arial" pitchFamily="34" charset="0"/>
+              </a:rPr>
+              <a:t> </a:t>
+            </a:r>
+            <a:r>
+              <a:rPr lang="en-IN" sz="3200" b="1" i="1" dirty="0">
+                <a:solidFill>
+                  <a:srgbClr val="FFFF00"/>
+                </a:solidFill>
+                <a:latin typeface="Arial" pitchFamily="34" charset="0"/>
+                <a:cs typeface="Arial" pitchFamily="34" charset="0"/>
+              </a:rPr>
+              <a:t> </a:t>
+            </a:r>
+          </a:p>
+        </p:txBody>
+      </p:sp>
+      <p:sp>
+        <p:nvSpPr>
+          <p:cNvPr id="7" name="Rectangle 6"/>
+          <p:cNvSpPr/>
+          <p:nvPr/>
+        </p:nvSpPr>
+        <p:spPr>
+          <a:xfrm>
+            <a:off x="149188" y="762000"/>
+            <a:ext cx="8845624" cy="369332"/>
+          </a:xfrm>
+          <a:prstGeom prst="rect">
+            <a:avLst/>
+          </a:prstGeom>
+        </p:spPr>
+        <p:txBody>
+          <a:bodyPr wrap="square">
+            <a:spAutoFit/>
+          </a:bodyPr>
+          <a:lstStyle/>
+          <a:p>
+            <a:r>
+              <a:rPr lang="en-US" dirty="0" smtClean="0"/>
+              <a:t>TODO</a:t>
+            </a:r>
+            <a:endParaRPr lang="en-IN" dirty="0"/>
+          </a:p>
+        </p:txBody>
+      </p:sp>
+    </p:spTree>
+    <p:extLst>
+      <p:ext uri="{BB962C8B-B14F-4D97-AF65-F5344CB8AC3E}">
+        <p14:creationId xmlns:p14="http://schemas.microsoft.com/office/powerpoint/2010/main" val="1971192509"/>
+      </p:ext>
+    </p:extLst>
+  </p:cSld>
+  <p:clrMapOvr>
+    <a:masterClrMapping/>
+  </p:clrMapOvr>
+  <p:timing>
+    <p:tnLst>
+      <p:par>
+        <p:cTn id="1" dur="indefinite" restart="never" nodeType="tmRoot"/>
+      </p:par>
+    </p:tnLst>
+  </p:timing>
+</p:sld>
+</file>
+
+<file path=ppt/slides/slide85.xml><?xml version="1.0" encoding="utf-8"?>
+<p:sld xmlns:a="http://schemas.openxmlformats.org/drawingml/2006/main" xmlns:r="http://schemas.openxmlformats.org/officeDocument/2006/relationships" xmlns:p="http://schemas.openxmlformats.org/presentationml/2006/main">
+  <p:cSld>
+    <p:spTree>
+      <p:nvGrpSpPr>
+        <p:cNvPr id="1" name=""/>
+        <p:cNvGrpSpPr/>
+        <p:nvPr/>
+      </p:nvGrpSpPr>
+      <p:grpSpPr>
+        <a:xfrm>
+          <a:off x="0" y="0"/>
+          <a:ext cx="0" cy="0"/>
+          <a:chOff x="0" y="0"/>
+          <a:chExt cx="0" cy="0"/>
+        </a:xfrm>
+      </p:grpSpPr>
+      <p:sp>
+        <p:nvSpPr>
+          <p:cNvPr id="4" name="Rectangle 3"/>
+          <p:cNvSpPr/>
+          <p:nvPr/>
+        </p:nvSpPr>
+        <p:spPr>
+          <a:xfrm>
+            <a:off x="0" y="0"/>
+            <a:ext cx="9144000" cy="584775"/>
+          </a:xfrm>
+          <a:prstGeom prst="rect">
+            <a:avLst/>
+          </a:prstGeom>
+          <a:solidFill>
+            <a:schemeClr val="bg2">
+              <a:lumMod val="10000"/>
+            </a:schemeClr>
+          </a:solidFill>
+        </p:spPr>
+        <p:txBody>
+          <a:bodyPr wrap="square">
+            <a:spAutoFit/>
+          </a:bodyPr>
+          <a:lstStyle/>
+          <a:p>
+            <a:pPr algn="r"/>
+            <a:r>
+              <a:rPr lang="en-IN" sz="3200" b="1" i="1" dirty="0" smtClean="0">
+                <a:solidFill>
+                  <a:srgbClr val="FFFF00"/>
+                </a:solidFill>
+                <a:latin typeface="Arial" pitchFamily="34" charset="0"/>
+                <a:cs typeface="Arial" pitchFamily="34" charset="0"/>
+              </a:rPr>
+              <a:t>IMP</a:t>
+            </a:r>
+            <a:endParaRPr lang="en-IN" sz="3200" b="1" i="1" dirty="0">
+              <a:solidFill>
+                <a:srgbClr val="FFFF00"/>
+              </a:solidFill>
+              <a:latin typeface="Arial" pitchFamily="34" charset="0"/>
+              <a:cs typeface="Arial" pitchFamily="34" charset="0"/>
+            </a:endParaRPr>
+          </a:p>
+        </p:txBody>
+      </p:sp>
+      <p:sp>
+        <p:nvSpPr>
+          <p:cNvPr id="2" name="Rectangle 1"/>
+          <p:cNvSpPr/>
+          <p:nvPr/>
+        </p:nvSpPr>
+        <p:spPr>
+          <a:xfrm>
+            <a:off x="145976" y="849264"/>
+            <a:ext cx="8845624" cy="369332"/>
+          </a:xfrm>
+          <a:prstGeom prst="rect">
+            <a:avLst/>
+          </a:prstGeom>
+        </p:spPr>
+        <p:txBody>
+          <a:bodyPr wrap="square">
+            <a:spAutoFit/>
+          </a:bodyPr>
+          <a:lstStyle/>
+          <a:p>
+            <a:r>
+              <a:rPr lang="en-IN" dirty="0" smtClean="0">
+                <a:solidFill>
+                  <a:srgbClr val="222222"/>
+                </a:solidFill>
+                <a:latin typeface="Verdana" panose="020B0604030504040204" pitchFamily="34" charset="0"/>
+              </a:rPr>
+              <a:t>1. Think </a:t>
+            </a:r>
+            <a:r>
+              <a:rPr lang="en-IN" dirty="0">
+                <a:solidFill>
+                  <a:srgbClr val="222222"/>
+                </a:solidFill>
+                <a:latin typeface="Verdana" panose="020B0604030504040204" pitchFamily="34" charset="0"/>
+              </a:rPr>
+              <a:t>about how multiplication can be done without actually </a:t>
+            </a:r>
+            <a:r>
+              <a:rPr lang="en-IN" dirty="0" smtClean="0">
+                <a:solidFill>
+                  <a:srgbClr val="222222"/>
+                </a:solidFill>
+                <a:latin typeface="Verdana" panose="020B0604030504040204" pitchFamily="34" charset="0"/>
+              </a:rPr>
+              <a:t>multiplying </a:t>
+            </a:r>
+            <a:endParaRPr lang="en-IN" dirty="0"/>
+          </a:p>
+        </p:txBody>
+      </p:sp>
+      <p:sp>
+        <p:nvSpPr>
+          <p:cNvPr id="3" name="TextBox 2"/>
+          <p:cNvSpPr txBox="1"/>
+          <p:nvPr/>
+        </p:nvSpPr>
+        <p:spPr>
+          <a:xfrm>
+            <a:off x="990600" y="2514600"/>
+            <a:ext cx="184731" cy="369332"/>
+          </a:xfrm>
+          <a:prstGeom prst="rect">
+            <a:avLst/>
+          </a:prstGeom>
+          <a:noFill/>
+        </p:spPr>
+        <p:txBody>
+          <a:bodyPr wrap="none" rtlCol="0">
+            <a:spAutoFit/>
+          </a:bodyPr>
+          <a:lstStyle/>
+          <a:p>
+            <a:endParaRPr lang="en-IN" dirty="0"/>
+          </a:p>
+        </p:txBody>
+      </p:sp>
+      <p:pic>
+        <p:nvPicPr>
+          <p:cNvPr id="5" name="Picture 4"/>
+          <p:cNvPicPr>
+            <a:picLocks noChangeAspect="1"/>
+          </p:cNvPicPr>
+          <p:nvPr/>
+        </p:nvPicPr>
+        <p:blipFill>
+          <a:blip r:embed="rId2"/>
+          <a:stretch>
+            <a:fillRect/>
+          </a:stretch>
+        </p:blipFill>
+        <p:spPr>
+          <a:xfrm>
+            <a:off x="304800" y="3700361"/>
+            <a:ext cx="4648200" cy="2471839"/>
+          </a:xfrm>
+          <a:prstGeom prst="rect">
+            <a:avLst/>
+          </a:prstGeom>
+        </p:spPr>
+      </p:pic>
+      <p:sp>
+        <p:nvSpPr>
+          <p:cNvPr id="6" name="Rectangle 5"/>
+          <p:cNvSpPr/>
+          <p:nvPr/>
+        </p:nvSpPr>
+        <p:spPr>
+          <a:xfrm>
+            <a:off x="145976" y="3243552"/>
+            <a:ext cx="1317990" cy="369332"/>
+          </a:xfrm>
+          <a:prstGeom prst="rect">
+            <a:avLst/>
+          </a:prstGeom>
+        </p:spPr>
+        <p:txBody>
+          <a:bodyPr wrap="none">
+            <a:spAutoFit/>
+          </a:bodyPr>
+          <a:lstStyle/>
+          <a:p>
+            <a:r>
+              <a:rPr lang="en-IN" dirty="0" smtClean="0">
+                <a:solidFill>
+                  <a:srgbClr val="222222"/>
+                </a:solidFill>
+                <a:latin typeface="Verdana" panose="020B0604030504040204" pitchFamily="34" charset="0"/>
+              </a:rPr>
+              <a:t>2. Square</a:t>
+            </a:r>
+            <a:endParaRPr lang="en-IN" dirty="0">
+              <a:solidFill>
+                <a:srgbClr val="222222"/>
+              </a:solidFill>
+              <a:latin typeface="Verdana" panose="020B0604030504040204" pitchFamily="34" charset="0"/>
+            </a:endParaRPr>
+          </a:p>
+        </p:txBody>
+      </p:sp>
+      <p:pic>
+        <p:nvPicPr>
+          <p:cNvPr id="8" name="Picture 7"/>
+          <p:cNvPicPr>
+            <a:picLocks noChangeAspect="1"/>
+          </p:cNvPicPr>
+          <p:nvPr/>
+        </p:nvPicPr>
+        <p:blipFill>
+          <a:blip r:embed="rId3"/>
+          <a:stretch>
+            <a:fillRect/>
+          </a:stretch>
+        </p:blipFill>
+        <p:spPr>
+          <a:xfrm>
+            <a:off x="533400" y="1250647"/>
+            <a:ext cx="4495800" cy="1883657"/>
+          </a:xfrm>
+          <a:prstGeom prst="rect">
+            <a:avLst/>
+          </a:prstGeom>
+        </p:spPr>
+      </p:pic>
+    </p:spTree>
+    <p:extLst>
+      <p:ext uri="{BB962C8B-B14F-4D97-AF65-F5344CB8AC3E}">
+        <p14:creationId xmlns:p14="http://schemas.microsoft.com/office/powerpoint/2010/main" val="3391323119"/>
+      </p:ext>
+    </p:extLst>
+  </p:cSld>
+  <p:clrMapOvr>
+    <a:masterClrMapping/>
+  </p:clrMapOvr>
+  <p:timing>
+    <p:tnLst>
+      <p:par>
+        <p:cTn id="1" dur="indefinite" restart="never" nodeType="tmRoot"/>
+      </p:par>
+    </p:tnLst>
+  </p:timing>
+</p:sld>
+</file>
+
+<file path=ppt/slides/slide86.xml><?xml version="1.0" encoding="utf-8"?>
+<p:sld xmlns:a="http://schemas.openxmlformats.org/drawingml/2006/main" xmlns:r="http://schemas.openxmlformats.org/officeDocument/2006/relationships" xmlns:p="http://schemas.openxmlformats.org/presentationml/2006/main">
+  <p:cSld>
+    <p:spTree>
+      <p:nvGrpSpPr>
+        <p:cNvPr id="1" name=""/>
+        <p:cNvGrpSpPr/>
+        <p:nvPr/>
+      </p:nvGrpSpPr>
+      <p:grpSpPr>
+        <a:xfrm>
+          <a:off x="0" y="0"/>
+          <a:ext cx="0" cy="0"/>
+          <a:chOff x="0" y="0"/>
+          <a:chExt cx="0" cy="0"/>
+        </a:xfrm>
+      </p:grpSpPr>
+      <p:pic>
+        <p:nvPicPr>
+          <p:cNvPr id="1026" name="Picture 2" descr="http://www.bvctch.vn/vnt_upload/weblink/thks.jpg"/>
+          <p:cNvPicPr>
+            <a:picLocks noChangeAspect="1" noChangeArrowheads="1"/>
+          </p:cNvPicPr>
+          <p:nvPr/>
+        </p:nvPicPr>
+        <p:blipFill>
+          <a:blip r:embed="rId2">
+            <a:extLst>
+              <a:ext uri="{28A0092B-C50C-407E-A947-70E740481C1C}">
+                <a14:useLocalDpi xmlns:a14="http://schemas.microsoft.com/office/drawing/2010/main" val="0"/>
+              </a:ext>
+            </a:extLst>
+          </a:blip>
+          <a:srcRect/>
+          <a:stretch>
+            <a:fillRect/>
+          </a:stretch>
+        </p:blipFill>
+        <p:spPr bwMode="auto">
+          <a:xfrm>
+            <a:off x="2895600" y="757237"/>
+            <a:ext cx="3124200" cy="4881563"/>
+          </a:xfrm>
+          <a:prstGeom prst="rect">
+            <a:avLst/>
+          </a:prstGeom>
+          <a:noFill/>
+          <a:extLst>
+            <a:ext uri="{909E8E84-426E-40DD-AFC4-6F175D3DCCD1}">
+              <a14:hiddenFill xmlns:a14="http://schemas.microsoft.com/office/drawing/2010/main">
+                <a:solidFill>
+                  <a:srgbClr val="FFFFFF"/>
+                </a:solidFill>
+              </a14:hiddenFill>
+            </a:ext>
+          </a:extLst>
+        </p:spPr>
+      </p:pic>
+      <p:sp>
+        <p:nvSpPr>
+          <p:cNvPr id="3" name="Rectangle 2"/>
+          <p:cNvSpPr/>
+          <p:nvPr/>
+        </p:nvSpPr>
+        <p:spPr>
+          <a:xfrm>
+            <a:off x="304800" y="5105400"/>
+            <a:ext cx="8610600" cy="1077218"/>
+          </a:xfrm>
+          <a:prstGeom prst="rect">
+            <a:avLst/>
+          </a:prstGeom>
+        </p:spPr>
+        <p:txBody>
+          <a:bodyPr wrap="square">
+            <a:spAutoFit/>
+          </a:bodyPr>
+          <a:lstStyle/>
+          <a:p>
+            <a:pPr algn="ctr"/>
+            <a:r>
+              <a:rPr lang="en-IN" sz="3200" dirty="0">
+                <a:solidFill>
+                  <a:srgbClr val="FE1212"/>
+                </a:solidFill>
+                <a:latin typeface="Segoe Print" panose="02000600000000000000" pitchFamily="2" charset="0"/>
+              </a:rPr>
+              <a:t>"Live as if you were to die tomorrow.</a:t>
+            </a:r>
+          </a:p>
+          <a:p>
+            <a:pPr algn="ctr"/>
+            <a:r>
+              <a:rPr lang="en-IN" sz="3200" dirty="0">
+                <a:solidFill>
+                  <a:srgbClr val="FE1212"/>
+                </a:solidFill>
+                <a:latin typeface="Segoe Print" panose="02000600000000000000" pitchFamily="2" charset="0"/>
+              </a:rPr>
+              <a:t>Learn as if you were to live forever"</a:t>
+            </a:r>
+          </a:p>
+        </p:txBody>
+      </p:sp>
+    </p:spTree>
+    <p:extLst>
+      <p:ext uri="{BB962C8B-B14F-4D97-AF65-F5344CB8AC3E}">
+        <p14:creationId xmlns:p14="http://schemas.microsoft.com/office/powerpoint/2010/main" val="1148130326"/>
+      </p:ext>
+    </p:extLst>
+  </p:cSld>
+  <p:clrMapOvr>
+    <a:masterClrMapping/>
+  </p:clrMapOvr>
+  <p:timing>
+    <p:tnLst>
+      <p:par>
+        <p:cTn id="1" dur="indefinite" restart="never" nodeType="tmRoot"/>
+      </p:par>
+    </p:tnLst>
+  </p:timing>
+</p:sld>
+</file>
+
+<file path=ppt/slides/slide87.xml><?xml version="1.0" encoding="utf-8"?>
+<p:sld xmlns:a="http://schemas.openxmlformats.org/drawingml/2006/main" xmlns:r="http://schemas.openxmlformats.org/officeDocument/2006/relationships" xmlns:p="http://schemas.openxmlformats.org/presentationml/2006/main">
+  <p:cSld>
+    <p:spTree>
+      <p:nvGrpSpPr>
+        <p:cNvPr id="1" name=""/>
+        <p:cNvGrpSpPr/>
+        <p:nvPr/>
+      </p:nvGrpSpPr>
+      <p:grpSpPr>
+        <a:xfrm>
+          <a:off x="0" y="0"/>
+          <a:ext cx="0" cy="0"/>
+          <a:chOff x="0" y="0"/>
+          <a:chExt cx="0" cy="0"/>
+        </a:xfrm>
+      </p:grpSpPr>
+      <p:sp>
+        <p:nvSpPr>
           <p:cNvPr id="3" name="Rectangle 2"/>
           <p:cNvSpPr/>
           <p:nvPr/>
@@ -22680,7 +23367,7 @@
 </p:sld>
 </file>
 
-<file path=ppt/slides/slide84.xml><?xml version="1.0" encoding="utf-8"?>
+<file path=ppt/slides/slide88.xml><?xml version="1.0" encoding="utf-8"?>
 <p:sld xmlns:a="http://schemas.openxmlformats.org/drawingml/2006/main" xmlns:r="http://schemas.openxmlformats.org/officeDocument/2006/relationships" xmlns:p="http://schemas.openxmlformats.org/presentationml/2006/main">
   <p:cSld>
     <p:spTree>

--- a/MongoDB PPT.pptx
+++ b/MongoDB PPT.pptx
@@ -5,7 +5,7 @@
     <p:sldMasterId id="2147483720" r:id="rId1"/>
   </p:sldMasterIdLst>
   <p:notesMasterIdLst>
-    <p:notesMasterId r:id="rId90"/>
+    <p:notesMasterId r:id="rId94"/>
   </p:notesMasterIdLst>
   <p:sldIdLst>
     <p:sldId id="497" r:id="rId2"/>
@@ -60,42 +60,46 @@
     <p:sldId id="1162" r:id="rId51"/>
     <p:sldId id="1154" r:id="rId52"/>
     <p:sldId id="1155" r:id="rId53"/>
-    <p:sldId id="1098" r:id="rId54"/>
-    <p:sldId id="1090" r:id="rId55"/>
-    <p:sldId id="1099" r:id="rId56"/>
-    <p:sldId id="1092" r:id="rId57"/>
-    <p:sldId id="1102" r:id="rId58"/>
-    <p:sldId id="1103" r:id="rId59"/>
-    <p:sldId id="1104" r:id="rId60"/>
-    <p:sldId id="1105" r:id="rId61"/>
-    <p:sldId id="1106" r:id="rId62"/>
-    <p:sldId id="1107" r:id="rId63"/>
-    <p:sldId id="1108" r:id="rId64"/>
-    <p:sldId id="1109" r:id="rId65"/>
-    <p:sldId id="1110" r:id="rId66"/>
-    <p:sldId id="1111" r:id="rId67"/>
-    <p:sldId id="1112" r:id="rId68"/>
-    <p:sldId id="1113" r:id="rId69"/>
-    <p:sldId id="1114" r:id="rId70"/>
-    <p:sldId id="1115" r:id="rId71"/>
-    <p:sldId id="1116" r:id="rId72"/>
-    <p:sldId id="1117" r:id="rId73"/>
-    <p:sldId id="1118" r:id="rId74"/>
-    <p:sldId id="1119" r:id="rId75"/>
-    <p:sldId id="1120" r:id="rId76"/>
-    <p:sldId id="1121" r:id="rId77"/>
-    <p:sldId id="1122" r:id="rId78"/>
-    <p:sldId id="1123" r:id="rId79"/>
-    <p:sldId id="1124" r:id="rId80"/>
-    <p:sldId id="1125" r:id="rId81"/>
-    <p:sldId id="1126" r:id="rId82"/>
-    <p:sldId id="1127" r:id="rId83"/>
-    <p:sldId id="1128" r:id="rId84"/>
-    <p:sldId id="1129" r:id="rId85"/>
-    <p:sldId id="954" r:id="rId86"/>
-    <p:sldId id="788" r:id="rId87"/>
-    <p:sldId id="1071" r:id="rId88"/>
-    <p:sldId id="1087" r:id="rId89"/>
+    <p:sldId id="1173" r:id="rId54"/>
+    <p:sldId id="1174" r:id="rId55"/>
+    <p:sldId id="1175" r:id="rId56"/>
+    <p:sldId id="1176" r:id="rId57"/>
+    <p:sldId id="1098" r:id="rId58"/>
+    <p:sldId id="1090" r:id="rId59"/>
+    <p:sldId id="1099" r:id="rId60"/>
+    <p:sldId id="1092" r:id="rId61"/>
+    <p:sldId id="1102" r:id="rId62"/>
+    <p:sldId id="1103" r:id="rId63"/>
+    <p:sldId id="1104" r:id="rId64"/>
+    <p:sldId id="1105" r:id="rId65"/>
+    <p:sldId id="1106" r:id="rId66"/>
+    <p:sldId id="1107" r:id="rId67"/>
+    <p:sldId id="1108" r:id="rId68"/>
+    <p:sldId id="1109" r:id="rId69"/>
+    <p:sldId id="1110" r:id="rId70"/>
+    <p:sldId id="1111" r:id="rId71"/>
+    <p:sldId id="1112" r:id="rId72"/>
+    <p:sldId id="1113" r:id="rId73"/>
+    <p:sldId id="1114" r:id="rId74"/>
+    <p:sldId id="1115" r:id="rId75"/>
+    <p:sldId id="1116" r:id="rId76"/>
+    <p:sldId id="1117" r:id="rId77"/>
+    <p:sldId id="1118" r:id="rId78"/>
+    <p:sldId id="1119" r:id="rId79"/>
+    <p:sldId id="1120" r:id="rId80"/>
+    <p:sldId id="1121" r:id="rId81"/>
+    <p:sldId id="1122" r:id="rId82"/>
+    <p:sldId id="1123" r:id="rId83"/>
+    <p:sldId id="1124" r:id="rId84"/>
+    <p:sldId id="1125" r:id="rId85"/>
+    <p:sldId id="1126" r:id="rId86"/>
+    <p:sldId id="1127" r:id="rId87"/>
+    <p:sldId id="1128" r:id="rId88"/>
+    <p:sldId id="1129" r:id="rId89"/>
+    <p:sldId id="954" r:id="rId90"/>
+    <p:sldId id="788" r:id="rId91"/>
+    <p:sldId id="1071" r:id="rId92"/>
+    <p:sldId id="1087" r:id="rId93"/>
   </p:sldIdLst>
   <p:sldSz cx="9144000" cy="6858000" type="screen4x3"/>
   <p:notesSz cx="6858000" cy="9144000"/>
@@ -11383,11 +11387,11 @@
   <p:clrMapOvr>
     <a:masterClrMapping/>
   </p:clrMapOvr>
-  <mc:AlternateContent xmlns:mc="http://schemas.openxmlformats.org/markup-compatibility/2006">
-    <mc:Choice xmlns:p14="http://schemas.microsoft.com/office/powerpoint/2010/main" Requires="p14">
+  <mc:AlternateContent xmlns:mc="http://schemas.openxmlformats.org/markup-compatibility/2006" xmlns:p14="http://schemas.microsoft.com/office/powerpoint/2010/main">
+    <mc:Choice Requires="p14">
       <p:transition spd="slow" p14:dur="2000"/>
     </mc:Choice>
-    <mc:Fallback>
+    <mc:Fallback xmlns="">
       <p:transition spd="slow"/>
     </mc:Fallback>
   </mc:AlternateContent>
@@ -11459,13 +11463,6 @@
               </a:rPr>
               <a:t>db.collection.isCapped()</a:t>
             </a:r>
-            <a:endParaRPr lang="en-IN" sz="3200" b="1" i="1" dirty="0">
-              <a:solidFill>
-                <a:srgbClr val="FFFF00"/>
-              </a:solidFill>
-              <a:latin typeface="Arial" pitchFamily="34" charset="0"/>
-              <a:cs typeface="Arial" pitchFamily="34" charset="0"/>
-            </a:endParaRPr>
           </a:p>
         </p:txBody>
       </p:sp>
@@ -11532,13 +11529,6 @@
               </a:rPr>
               <a:t>db.collection.isCapped()</a:t>
             </a:r>
-            <a:endParaRPr lang="en-IN" dirty="0">
-              <a:solidFill>
-                <a:srgbClr val="049DC8"/>
-              </a:solidFill>
-              <a:latin typeface="Consolas" panose="020B0609020204030204" pitchFamily="49" charset="0"/>
-              <a:cs typeface="Calibri" panose="020F0502020204030204" pitchFamily="34" charset="0"/>
-            </a:endParaRPr>
           </a:p>
         </p:txBody>
       </p:sp>
@@ -11717,11 +11707,11 @@
   <p:clrMapOvr>
     <a:masterClrMapping/>
   </p:clrMapOvr>
-  <mc:AlternateContent xmlns:mc="http://schemas.openxmlformats.org/markup-compatibility/2006">
-    <mc:Choice xmlns:p14="http://schemas.microsoft.com/office/powerpoint/2010/main" Requires="p14">
+  <mc:AlternateContent xmlns:mc="http://schemas.openxmlformats.org/markup-compatibility/2006" xmlns:p14="http://schemas.microsoft.com/office/powerpoint/2010/main">
+    <mc:Choice Requires="p14">
       <p:transition spd="slow" p14:dur="2000"/>
     </mc:Choice>
-    <mc:Fallback>
+    <mc:Fallback xmlns="">
       <p:transition spd="slow"/>
     </mc:Fallback>
   </mc:AlternateContent>
@@ -11793,13 +11783,6 @@
               </a:rPr>
               <a:t>db.collection.renameCollection()</a:t>
             </a:r>
-            <a:endParaRPr lang="en-IN" sz="3200" b="1" i="1" dirty="0">
-              <a:solidFill>
-                <a:srgbClr val="FFFF00"/>
-              </a:solidFill>
-              <a:latin typeface="Arial" pitchFamily="34" charset="0"/>
-              <a:cs typeface="Arial" pitchFamily="34" charset="0"/>
-            </a:endParaRPr>
           </a:p>
         </p:txBody>
       </p:sp>
@@ -11834,13 +11817,6 @@
               </a:rPr>
               <a:t>db.collection.renameCollection(target, dropTarget)</a:t>
             </a:r>
-            <a:endParaRPr lang="en-IN" dirty="0">
-              <a:solidFill>
-                <a:srgbClr val="049DC8"/>
-              </a:solidFill>
-              <a:latin typeface="Consolas" panose="020B0609020204030204" pitchFamily="49" charset="0"/>
-              <a:cs typeface="Calibri" panose="020F0502020204030204" pitchFamily="34" charset="0"/>
-            </a:endParaRPr>
           </a:p>
         </p:txBody>
       </p:sp>
@@ -11925,13 +11901,6 @@
               </a:rPr>
               <a:t>, false);</a:t>
             </a:r>
-            <a:endParaRPr lang="en-IN" sz="2200" dirty="0" smtClean="0">
-              <a:solidFill>
-                <a:srgbClr val="FC6F0D"/>
-              </a:solidFill>
-              <a:latin typeface="Calibri" panose="020F0502020204030204" pitchFamily="34" charset="0"/>
-              <a:cs typeface="Calibri" panose="020F0502020204030204" pitchFamily="34" charset="0"/>
-            </a:endParaRPr>
           </a:p>
         </p:txBody>
       </p:sp>
@@ -18127,8 +18096,8 @@
           </a:lstStyle>
           <a:p>
             <a:r>
-              <a:rPr lang="en-IN" dirty="0" smtClean="0"/>
-              <a:t>document</a:t>
+              <a:rPr lang="en-IN" dirty="0"/>
+              <a:t>db.collection.deleteOne()</a:t>
             </a:r>
             <a:endParaRPr lang="en-US" dirty="0"/>
           </a:p>
@@ -18143,7 +18112,7 @@
         <p:spPr>
           <a:xfrm>
             <a:off x="419100" y="2861953"/>
-            <a:ext cx="8305800" cy="646331"/>
+            <a:ext cx="8305800" cy="369332"/>
           </a:xfrm>
           <a:prstGeom prst="rect">
             <a:avLst/>
@@ -18162,13 +18131,13 @@
           <a:lstStyle/>
           <a:p>
             <a:r>
-              <a:rPr lang="en-US" dirty="0">
+              <a:rPr lang="en-US" dirty="0" smtClean="0">
                 <a:solidFill>
                   <a:srgbClr val="222222"/>
                 </a:solidFill>
                 <a:latin typeface="arial" panose="020B0604020202020204" pitchFamily="34" charset="0"/>
               </a:rPr>
-              <a:t>MongoDB stores data as BSON documents. BSON is a binary representation of JSON documents.</a:t>
+              <a:t>TODO</a:t>
             </a:r>
             <a:endParaRPr lang="en-US" dirty="0"/>
           </a:p>
@@ -18177,18 +18146,18 @@
     </p:spTree>
     <p:extLst>
       <p:ext uri="{BB962C8B-B14F-4D97-AF65-F5344CB8AC3E}">
-        <p14:creationId xmlns:p14="http://schemas.microsoft.com/office/powerpoint/2010/main" val="316225766"/>
+        <p14:creationId xmlns:p14="http://schemas.microsoft.com/office/powerpoint/2010/main" val="3719896549"/>
       </p:ext>
     </p:extLst>
   </p:cSld>
   <p:clrMapOvr>
     <a:masterClrMapping/>
   </p:clrMapOvr>
-  <mc:AlternateContent xmlns:mc="http://schemas.openxmlformats.org/markup-compatibility/2006" xmlns:p14="http://schemas.microsoft.com/office/powerpoint/2010/main">
-    <mc:Choice Requires="p14">
+  <mc:AlternateContent xmlns:mc="http://schemas.openxmlformats.org/markup-compatibility/2006">
+    <mc:Choice xmlns:p14="http://schemas.microsoft.com/office/powerpoint/2010/main" Requires="p14">
       <p:transition spd="slow" p14:dur="2000"/>
     </mc:Choice>
-    <mc:Fallback xmlns="">
+    <mc:Fallback>
       <p:transition spd="slow"/>
     </mc:Fallback>
   </mc:AlternateContent>
@@ -18251,25 +18220,22 @@
               </a:spcBef>
             </a:pPr>
             <a:r>
-              <a:rPr lang="en-IN" sz="3200" b="1" i="1" dirty="0" smtClean="0">
+              <a:rPr lang="en-IN" sz="3200" b="1" i="1" dirty="0">
                 <a:solidFill>
                   <a:srgbClr val="FFFF00"/>
                 </a:solidFill>
                 <a:latin typeface="Arial" pitchFamily="34" charset="0"/>
                 <a:cs typeface="Arial" pitchFamily="34" charset="0"/>
               </a:rPr>
-              <a:t>document</a:t>
-            </a:r>
-            <a:r>
-              <a:rPr lang="en-IN" sz="3200" b="1" i="1" dirty="0">
-                <a:solidFill>
-                  <a:srgbClr val="FFFF00"/>
-                </a:solidFill>
-                <a:latin typeface="Arial" pitchFamily="34" charset="0"/>
-                <a:cs typeface="Arial" pitchFamily="34" charset="0"/>
-              </a:rPr>
-              <a:t> </a:t>
-            </a:r>
+              <a:t>db.collection.deleteOne()</a:t>
+            </a:r>
+            <a:endParaRPr lang="en-IN" sz="3200" b="1" i="1" dirty="0">
+              <a:solidFill>
+                <a:srgbClr val="FFFF00"/>
+              </a:solidFill>
+              <a:latin typeface="Arial" pitchFamily="34" charset="0"/>
+              <a:cs typeface="Arial" pitchFamily="34" charset="0"/>
+            </a:endParaRPr>
           </a:p>
         </p:txBody>
       </p:sp>
@@ -18282,7 +18248,7 @@
         <p:spPr>
           <a:xfrm>
             <a:off x="149188" y="762000"/>
-            <a:ext cx="8845624" cy="923330"/>
+            <a:ext cx="8845624" cy="646331"/>
           </a:xfrm>
           <a:prstGeom prst="rect">
             <a:avLst/>
@@ -18296,19 +18262,7 @@
           <a:p>
             <a:r>
               <a:rPr lang="en-US" dirty="0"/>
-              <a:t>MongoDB documents are composed of </a:t>
-            </a:r>
-            <a:r>
-              <a:rPr lang="en-US" b="1" i="1" dirty="0">
-                <a:solidFill>
-                  <a:srgbClr val="036883"/>
-                </a:solidFill>
-              </a:rPr>
-              <a:t>field-and-value</a:t>
-            </a:r>
-            <a:r>
-              <a:rPr lang="en-US" dirty="0"/>
-              <a:t> pairs. The value of a field can be any of the BSON data types, including other documents, arrays, and arrays of documents.</a:t>
+              <a:t>Removes a single document from a collection. Specify an empty document { } to delete the first document returned in the collection.</a:t>
             </a:r>
             <a:endParaRPr lang="en-IN" dirty="0"/>
           </a:p>
@@ -18316,14 +18270,14 @@
       </p:sp>
       <p:sp>
         <p:nvSpPr>
-          <p:cNvPr id="2" name="Rectangle 1"/>
+          <p:cNvPr id="8" name="Rectangle 7"/>
           <p:cNvSpPr/>
           <p:nvPr/>
         </p:nvSpPr>
         <p:spPr>
           <a:xfrm>
-            <a:off x="149188" y="1875420"/>
-            <a:ext cx="8845624" cy="646331"/>
+            <a:off x="154136" y="1611868"/>
+            <a:ext cx="8761264" cy="369332"/>
           </a:xfrm>
           <a:prstGeom prst="rect">
             <a:avLst/>
@@ -18336,162 +18290,101 @@
           <a:lstStyle/>
           <a:p>
             <a:r>
-              <a:rPr lang="en-US" dirty="0"/>
-              <a:t>The </a:t>
-            </a:r>
-            <a:r>
-              <a:rPr lang="en-US" b="1" i="1" dirty="0">
-                <a:solidFill>
-                  <a:srgbClr val="036883"/>
-                </a:solidFill>
-              </a:rPr>
-              <a:t>field name</a:t>
-            </a:r>
-            <a:r>
-              <a:rPr lang="en-US" dirty="0"/>
-              <a:t> </a:t>
-            </a:r>
-            <a:r>
-              <a:rPr lang="en-US" b="1" i="1" dirty="0">
-                <a:solidFill>
-                  <a:srgbClr val="C00000"/>
-                </a:solidFill>
-              </a:rPr>
-              <a:t>_</a:t>
-            </a:r>
-            <a:r>
-              <a:rPr lang="en-US" b="1" dirty="0">
-                <a:solidFill>
-                  <a:srgbClr val="C00000"/>
-                </a:solidFill>
-              </a:rPr>
-              <a:t>id</a:t>
-            </a:r>
-            <a:r>
-              <a:rPr lang="en-US" b="1" i="1" dirty="0">
-                <a:solidFill>
-                  <a:srgbClr val="C00000"/>
-                </a:solidFill>
-              </a:rPr>
-              <a:t> </a:t>
-            </a:r>
-            <a:r>
-              <a:rPr lang="en-US" dirty="0"/>
-              <a:t>is reserved for use as a primary key; its value must be unique in the collection, is immutable, and may be of any type other than an array.</a:t>
-            </a:r>
-          </a:p>
-        </p:txBody>
-      </p:sp>
-      <p:sp>
-        <p:nvSpPr>
-          <p:cNvPr id="3" name="Rectangle 2"/>
+              <a:rPr lang="en-US" dirty="0" smtClean="0">
+                <a:solidFill>
+                  <a:srgbClr val="049DC8"/>
+                </a:solidFill>
+                <a:latin typeface="Consolas" panose="020B0609020204030204" pitchFamily="49" charset="0"/>
+                <a:cs typeface="Calibri" panose="020F0502020204030204" pitchFamily="34" charset="0"/>
+              </a:rPr>
+              <a:t>db.collection.deleteOne({&lt;filter&gt;})</a:t>
+            </a:r>
+            <a:endParaRPr lang="en-US" dirty="0">
+              <a:solidFill>
+                <a:srgbClr val="049DC8"/>
+              </a:solidFill>
+              <a:latin typeface="Consolas" panose="020B0609020204030204" pitchFamily="49" charset="0"/>
+              <a:cs typeface="Calibri" panose="020F0502020204030204" pitchFamily="34" charset="0"/>
+            </a:endParaRPr>
+          </a:p>
+        </p:txBody>
+      </p:sp>
+      <p:sp>
+        <p:nvSpPr>
+          <p:cNvPr id="5" name="Rectangle 4"/>
           <p:cNvSpPr/>
           <p:nvPr/>
         </p:nvSpPr>
         <p:spPr>
           <a:xfrm>
-            <a:off x="184814" y="2971800"/>
-            <a:ext cx="2464136" cy="2031325"/>
-          </a:xfrm>
-          <a:prstGeom prst="rect">
-            <a:avLst/>
-          </a:prstGeom>
-        </p:spPr>
-        <p:txBody>
-          <a:bodyPr wrap="none">
+            <a:off x="149188" y="2286000"/>
+            <a:ext cx="8766212" cy="892552"/>
+          </a:xfrm>
+          <a:prstGeom prst="rect">
+            <a:avLst/>
+          </a:prstGeom>
+        </p:spPr>
+        <p:txBody>
+          <a:bodyPr wrap="square">
             <a:spAutoFit/>
           </a:bodyPr>
           <a:lstStyle/>
           <a:p>
             <a:r>
-              <a:rPr lang="en-US" dirty="0">
-                <a:solidFill>
-                  <a:srgbClr val="049DC8"/>
-                </a:solidFill>
-                <a:latin typeface="Consolas" panose="020B0609020204030204" pitchFamily="49" charset="0"/>
-                <a:cs typeface="Calibri" panose="020F0502020204030204" pitchFamily="34" charset="0"/>
-              </a:rPr>
-              <a:t>{</a:t>
-            </a:r>
-          </a:p>
-          <a:p>
-            <a:r>
-              <a:rPr lang="en-US" dirty="0">
-                <a:solidFill>
-                  <a:srgbClr val="049DC8"/>
-                </a:solidFill>
-                <a:latin typeface="Consolas" panose="020B0609020204030204" pitchFamily="49" charset="0"/>
-                <a:cs typeface="Calibri" panose="020F0502020204030204" pitchFamily="34" charset="0"/>
-              </a:rPr>
-              <a:t>   field1: value1,</a:t>
-            </a:r>
-          </a:p>
-          <a:p>
-            <a:r>
-              <a:rPr lang="en-US" dirty="0">
-                <a:solidFill>
-                  <a:srgbClr val="049DC8"/>
-                </a:solidFill>
-                <a:latin typeface="Consolas" panose="020B0609020204030204" pitchFamily="49" charset="0"/>
-                <a:cs typeface="Calibri" panose="020F0502020204030204" pitchFamily="34" charset="0"/>
-              </a:rPr>
-              <a:t>   field2: value2,</a:t>
-            </a:r>
-          </a:p>
-          <a:p>
-            <a:r>
-              <a:rPr lang="en-US" dirty="0">
-                <a:solidFill>
-                  <a:srgbClr val="049DC8"/>
-                </a:solidFill>
-                <a:latin typeface="Consolas" panose="020B0609020204030204" pitchFamily="49" charset="0"/>
-                <a:cs typeface="Calibri" panose="020F0502020204030204" pitchFamily="34" charset="0"/>
-              </a:rPr>
-              <a:t>   field3: value3,</a:t>
-            </a:r>
-          </a:p>
-          <a:p>
-            <a:r>
-              <a:rPr lang="en-US" dirty="0">
-                <a:solidFill>
-                  <a:srgbClr val="049DC8"/>
-                </a:solidFill>
-                <a:latin typeface="Consolas" panose="020B0609020204030204" pitchFamily="49" charset="0"/>
-                <a:cs typeface="Calibri" panose="020F0502020204030204" pitchFamily="34" charset="0"/>
-              </a:rPr>
-              <a:t>   ...</a:t>
-            </a:r>
-          </a:p>
-          <a:p>
-            <a:r>
-              <a:rPr lang="en-US" dirty="0">
-                <a:solidFill>
-                  <a:srgbClr val="049DC8"/>
-                </a:solidFill>
-                <a:latin typeface="Consolas" panose="020B0609020204030204" pitchFamily="49" charset="0"/>
-                <a:cs typeface="Calibri" panose="020F0502020204030204" pitchFamily="34" charset="0"/>
-              </a:rPr>
-              <a:t>   fieldN: valueN</a:t>
-            </a:r>
-          </a:p>
-          <a:p>
-            <a:r>
-              <a:rPr lang="en-US" dirty="0">
-                <a:solidFill>
-                  <a:srgbClr val="049DC8"/>
-                </a:solidFill>
-                <a:latin typeface="Consolas" panose="020B0609020204030204" pitchFamily="49" charset="0"/>
-                <a:cs typeface="Calibri" panose="020F0502020204030204" pitchFamily="34" charset="0"/>
-              </a:rPr>
-              <a:t>}</a:t>
-            </a:r>
+              <a:rPr lang="en-US" sz="2200" dirty="0" smtClean="0">
+                <a:solidFill>
+                  <a:srgbClr val="FC6F0D"/>
+                </a:solidFill>
+                <a:latin typeface="Calibri" panose="020F0502020204030204" pitchFamily="34" charset="0"/>
+                <a:cs typeface="Calibri" panose="020F0502020204030204" pitchFamily="34" charset="0"/>
+              </a:rPr>
+              <a:t>db.emp.deleteOne({})</a:t>
+            </a:r>
+          </a:p>
+          <a:p>
+            <a:endParaRPr lang="en-US" sz="800" dirty="0" smtClean="0">
+              <a:solidFill>
+                <a:srgbClr val="FC6F0D"/>
+              </a:solidFill>
+              <a:latin typeface="Calibri" panose="020F0502020204030204" pitchFamily="34" charset="0"/>
+              <a:cs typeface="Calibri" panose="020F0502020204030204" pitchFamily="34" charset="0"/>
+            </a:endParaRPr>
+          </a:p>
+          <a:p>
+            <a:r>
+              <a:rPr lang="en-US" sz="2200" dirty="0">
+                <a:solidFill>
+                  <a:srgbClr val="FC6F0D"/>
+                </a:solidFill>
+                <a:latin typeface="Calibri" panose="020F0502020204030204" pitchFamily="34" charset="0"/>
+                <a:cs typeface="Calibri" panose="020F0502020204030204" pitchFamily="34" charset="0"/>
+              </a:rPr>
+              <a:t>db.e.deleteOne({job:'manager</a:t>
+            </a:r>
+            <a:r>
+              <a:rPr lang="en-US" sz="2200" dirty="0" smtClean="0">
+                <a:solidFill>
+                  <a:srgbClr val="FC6F0D"/>
+                </a:solidFill>
+                <a:latin typeface="Calibri" panose="020F0502020204030204" pitchFamily="34" charset="0"/>
+                <a:cs typeface="Calibri" panose="020F0502020204030204" pitchFamily="34" charset="0"/>
+              </a:rPr>
+              <a:t>'})</a:t>
+            </a:r>
+            <a:endParaRPr lang="en-US" sz="2200" dirty="0">
+              <a:solidFill>
+                <a:srgbClr val="FC6F0D"/>
+              </a:solidFill>
+              <a:latin typeface="Calibri" panose="020F0502020204030204" pitchFamily="34" charset="0"/>
+              <a:cs typeface="Calibri" panose="020F0502020204030204" pitchFamily="34" charset="0"/>
+            </a:endParaRPr>
           </a:p>
         </p:txBody>
       </p:sp>
     </p:spTree>
     <p:extLst>
       <p:ext uri="{BB962C8B-B14F-4D97-AF65-F5344CB8AC3E}">
-        <p14:creationId xmlns:p14="http://schemas.microsoft.com/office/powerpoint/2010/main" val="1707159998"/>
+        <p14:creationId xmlns:p14="http://schemas.microsoft.com/office/powerpoint/2010/main" val="3696592824"/>
       </p:ext>
     </p:extLst>
   </p:cSld>
@@ -18527,72 +18420,75 @@
       </p:grpSpPr>
       <p:sp>
         <p:nvSpPr>
-          <p:cNvPr id="6" name="Rectangle 5"/>
-          <p:cNvSpPr/>
-          <p:nvPr/>
-        </p:nvSpPr>
-        <p:spPr>
-          <a:xfrm>
-            <a:off x="0" y="0"/>
-            <a:ext cx="9144000" cy="584775"/>
-          </a:xfrm>
-          <a:prstGeom prst="rect">
-            <a:avLst/>
-          </a:prstGeom>
-          <a:solidFill>
-            <a:schemeClr val="accent4">
-              <a:lumMod val="75000"/>
-            </a:schemeClr>
-          </a:solidFill>
-        </p:spPr>
-        <p:txBody>
-          <a:bodyPr wrap="square">
-            <a:spAutoFit/>
-          </a:bodyPr>
-          <a:lstStyle/>
-          <a:p>
-            <a:pPr algn="r">
+          <p:cNvPr id="2" name="Title 1"/>
+          <p:cNvSpPr txBox="1">
+            <a:spLocks/>
+          </p:cNvSpPr>
+          <p:nvPr/>
+        </p:nvSpPr>
+        <p:spPr>
+          <a:xfrm>
+            <a:off x="152400" y="2057400"/>
+            <a:ext cx="8839200" cy="838200"/>
+          </a:xfrm>
+          <a:prstGeom prst="rect">
+            <a:avLst/>
+          </a:prstGeom>
+        </p:spPr>
+        <p:txBody>
+          <a:bodyPr>
+            <a:noAutofit/>
+          </a:bodyPr>
+          <a:lstStyle>
+            <a:defPPr>
+              <a:defRPr lang="en-US"/>
+            </a:defPPr>
+            <a:lvl1pPr lvl="0" algn="ctr">
               <a:spcBef>
                 <a:spcPct val="0"/>
               </a:spcBef>
-            </a:pPr>
-            <a:r>
-              <a:rPr lang="en-IN" sz="3200" b="1" i="1" dirty="0" smtClean="0">
-                <a:solidFill>
-                  <a:srgbClr val="FFFF00"/>
-                </a:solidFill>
-                <a:latin typeface="Arial" pitchFamily="34" charset="0"/>
-                <a:cs typeface="Arial" pitchFamily="34" charset="0"/>
-              </a:rPr>
-              <a:t>document</a:t>
-            </a:r>
-            <a:r>
-              <a:rPr lang="en-IN" sz="3200" b="1" i="1" dirty="0">
-                <a:solidFill>
-                  <a:srgbClr val="FFFF00"/>
-                </a:solidFill>
-                <a:latin typeface="Arial" pitchFamily="34" charset="0"/>
-                <a:cs typeface="Arial" pitchFamily="34" charset="0"/>
-              </a:rPr>
-              <a:t> </a:t>
-            </a:r>
-          </a:p>
-        </p:txBody>
-      </p:sp>
-      <p:sp>
-        <p:nvSpPr>
-          <p:cNvPr id="7" name="Rectangle 6"/>
+              <a:defRPr sz="4800">
+                <a:solidFill>
+                  <a:srgbClr val="7EEEE3"/>
+                </a:solidFill>
+                <a:latin typeface="Segoe UI Light" panose="020B0502040204020203" pitchFamily="34" charset="0"/>
+                <a:cs typeface="Segoe UI Light" panose="020B0502040204020203" pitchFamily="34" charset="0"/>
+              </a:defRPr>
+            </a:lvl1pPr>
+          </a:lstStyle>
+          <a:p>
+            <a:r>
+              <a:rPr lang="en-IN" dirty="0" err="1" smtClean="0"/>
+              <a:t>db.collection.deleteMany</a:t>
+            </a:r>
+            <a:r>
+              <a:rPr lang="en-IN" dirty="0" smtClean="0"/>
+              <a:t>()</a:t>
+            </a:r>
+            <a:endParaRPr lang="en-US" dirty="0"/>
+          </a:p>
+        </p:txBody>
+      </p:sp>
+      <p:sp>
+        <p:nvSpPr>
+          <p:cNvPr id="3" name="Rectangle 2"/>
           <p:cNvSpPr/>
           <p:nvPr/>
         </p:nvSpPr>
         <p:spPr>
           <a:xfrm>
-            <a:off x="149188" y="762000"/>
-            <a:ext cx="8845624" cy="369332"/>
-          </a:xfrm>
-          <a:prstGeom prst="rect">
-            <a:avLst/>
-          </a:prstGeom>
+            <a:off x="419100" y="2861953"/>
+            <a:ext cx="8305800" cy="369332"/>
+          </a:xfrm>
+          <a:prstGeom prst="rect">
+            <a:avLst/>
+          </a:prstGeom>
+          <a:solidFill>
+            <a:schemeClr val="accent6">
+              <a:lumMod val="20000"/>
+              <a:lumOff val="80000"/>
+            </a:schemeClr>
+          </a:solidFill>
         </p:spPr>
         <p:txBody>
           <a:bodyPr wrap="square">
@@ -18601,23 +18497,36 @@
           <a:lstStyle/>
           <a:p>
             <a:r>
-              <a:rPr lang="en-US" dirty="0" smtClean="0"/>
+              <a:rPr lang="en-US" dirty="0" smtClean="0">
+                <a:solidFill>
+                  <a:srgbClr val="222222"/>
+                </a:solidFill>
+                <a:latin typeface="arial" panose="020B0604020202020204" pitchFamily="34" charset="0"/>
+              </a:rPr>
               <a:t>TODO</a:t>
             </a:r>
-            <a:endParaRPr lang="en-IN" dirty="0"/>
+            <a:endParaRPr lang="en-US" dirty="0"/>
           </a:p>
         </p:txBody>
       </p:sp>
     </p:spTree>
     <p:extLst>
       <p:ext uri="{BB962C8B-B14F-4D97-AF65-F5344CB8AC3E}">
-        <p14:creationId xmlns:p14="http://schemas.microsoft.com/office/powerpoint/2010/main" val="3587670722"/>
+        <p14:creationId xmlns:p14="http://schemas.microsoft.com/office/powerpoint/2010/main" val="4110389760"/>
       </p:ext>
     </p:extLst>
   </p:cSld>
   <p:clrMapOvr>
     <a:masterClrMapping/>
   </p:clrMapOvr>
+  <mc:AlternateContent xmlns:mc="http://schemas.openxmlformats.org/markup-compatibility/2006">
+    <mc:Choice xmlns:p14="http://schemas.microsoft.com/office/powerpoint/2010/main" Requires="p14">
+      <p:transition spd="slow" p14:dur="2000"/>
+    </mc:Choice>
+    <mc:Fallback>
+      <p:transition spd="slow"/>
+    </mc:Fallback>
+  </mc:AlternateContent>
   <p:timing>
     <p:tnLst>
       <p:par>
@@ -18677,35 +18586,32 @@
               </a:spcBef>
             </a:pPr>
             <a:r>
-              <a:rPr lang="en-IN" sz="3200" b="1" i="1" dirty="0" smtClean="0">
+              <a:rPr lang="en-IN" sz="3200" b="1" i="1" dirty="0" err="1" smtClean="0">
                 <a:solidFill>
                   <a:srgbClr val="FFFF00"/>
                 </a:solidFill>
                 <a:latin typeface="Arial" pitchFamily="34" charset="0"/>
                 <a:cs typeface="Arial" pitchFamily="34" charset="0"/>
               </a:rPr>
-              <a:t>MongoDB</a:t>
-            </a:r>
-            <a:r>
-              <a:rPr lang="en-US" sz="3200" b="1" i="1" dirty="0" smtClean="0">
+              <a:t>db.collection.deleteMany</a:t>
+            </a:r>
+            <a:r>
+              <a:rPr lang="en-IN" sz="3200" b="1" i="1" dirty="0" smtClean="0">
                 <a:solidFill>
                   <a:srgbClr val="FFFF00"/>
                 </a:solidFill>
                 <a:latin typeface="Arial" pitchFamily="34" charset="0"/>
                 <a:cs typeface="Arial" pitchFamily="34" charset="0"/>
               </a:rPr>
-              <a:t> </a:t>
-            </a:r>
-            <a:r>
-              <a:rPr lang="en-IN" sz="3200" b="1" i="1" dirty="0">
-                <a:solidFill>
-                  <a:srgbClr val="FFFF00"/>
-                </a:solidFill>
-                <a:latin typeface="Arial" pitchFamily="34" charset="0"/>
-                <a:cs typeface="Arial" pitchFamily="34" charset="0"/>
-              </a:rPr>
-              <a:t> </a:t>
-            </a:r>
+              <a:t>()</a:t>
+            </a:r>
+            <a:endParaRPr lang="en-IN" sz="3200" b="1" i="1" dirty="0">
+              <a:solidFill>
+                <a:srgbClr val="FFFF00"/>
+              </a:solidFill>
+              <a:latin typeface="Arial" pitchFamily="34" charset="0"/>
+              <a:cs typeface="Arial" pitchFamily="34" charset="0"/>
+            </a:endParaRPr>
           </a:p>
         </p:txBody>
       </p:sp>
@@ -18718,7 +18624,7 @@
         <p:spPr>
           <a:xfrm>
             <a:off x="149188" y="762000"/>
-            <a:ext cx="8845624" cy="369332"/>
+            <a:ext cx="8845624" cy="646331"/>
           </a:xfrm>
           <a:prstGeom prst="rect">
             <a:avLst/>
@@ -18731,17 +18637,140 @@
           <a:lstStyle/>
           <a:p>
             <a:r>
-              <a:rPr lang="en-US" dirty="0" smtClean="0"/>
-              <a:t>TODO</a:t>
+              <a:rPr lang="en-US" dirty="0"/>
+              <a:t>Removes a single document from a collection. Specify an empty document { } to delete the first document returned in the collection.</a:t>
             </a:r>
             <a:endParaRPr lang="en-IN" dirty="0"/>
+          </a:p>
+        </p:txBody>
+      </p:sp>
+      <p:sp>
+        <p:nvSpPr>
+          <p:cNvPr id="8" name="Rectangle 7"/>
+          <p:cNvSpPr/>
+          <p:nvPr/>
+        </p:nvSpPr>
+        <p:spPr>
+          <a:xfrm>
+            <a:off x="154136" y="1611868"/>
+            <a:ext cx="8761264" cy="369332"/>
+          </a:xfrm>
+          <a:prstGeom prst="rect">
+            <a:avLst/>
+          </a:prstGeom>
+        </p:spPr>
+        <p:txBody>
+          <a:bodyPr wrap="square">
+            <a:spAutoFit/>
+          </a:bodyPr>
+          <a:lstStyle/>
+          <a:p>
+            <a:r>
+              <a:rPr lang="en-US" dirty="0" err="1" smtClean="0">
+                <a:solidFill>
+                  <a:srgbClr val="049DC8"/>
+                </a:solidFill>
+                <a:latin typeface="Consolas" panose="020B0609020204030204" pitchFamily="49" charset="0"/>
+                <a:cs typeface="Calibri" panose="020F0502020204030204" pitchFamily="34" charset="0"/>
+              </a:rPr>
+              <a:t>db.collection.deleteMany</a:t>
+            </a:r>
+            <a:r>
+              <a:rPr lang="en-US" dirty="0" smtClean="0">
+                <a:solidFill>
+                  <a:srgbClr val="049DC8"/>
+                </a:solidFill>
+                <a:latin typeface="Consolas" panose="020B0609020204030204" pitchFamily="49" charset="0"/>
+                <a:cs typeface="Calibri" panose="020F0502020204030204" pitchFamily="34" charset="0"/>
+              </a:rPr>
+              <a:t>({&lt;filter&gt;})</a:t>
+            </a:r>
+            <a:endParaRPr lang="en-US" dirty="0">
+              <a:solidFill>
+                <a:srgbClr val="049DC8"/>
+              </a:solidFill>
+              <a:latin typeface="Consolas" panose="020B0609020204030204" pitchFamily="49" charset="0"/>
+              <a:cs typeface="Calibri" panose="020F0502020204030204" pitchFamily="34" charset="0"/>
+            </a:endParaRPr>
+          </a:p>
+        </p:txBody>
+      </p:sp>
+      <p:sp>
+        <p:nvSpPr>
+          <p:cNvPr id="5" name="Rectangle 4"/>
+          <p:cNvSpPr/>
+          <p:nvPr/>
+        </p:nvSpPr>
+        <p:spPr>
+          <a:xfrm>
+            <a:off x="149188" y="2286000"/>
+            <a:ext cx="8766212" cy="892552"/>
+          </a:xfrm>
+          <a:prstGeom prst="rect">
+            <a:avLst/>
+          </a:prstGeom>
+        </p:spPr>
+        <p:txBody>
+          <a:bodyPr wrap="square">
+            <a:spAutoFit/>
+          </a:bodyPr>
+          <a:lstStyle/>
+          <a:p>
+            <a:r>
+              <a:rPr lang="en-US" sz="2200" dirty="0" smtClean="0">
+                <a:solidFill>
+                  <a:srgbClr val="FC6F0D"/>
+                </a:solidFill>
+                <a:latin typeface="Calibri" panose="020F0502020204030204" pitchFamily="34" charset="0"/>
+                <a:cs typeface="Calibri" panose="020F0502020204030204" pitchFamily="34" charset="0"/>
+              </a:rPr>
+              <a:t>db.emp.deleteOne({})</a:t>
+            </a:r>
+          </a:p>
+          <a:p>
+            <a:endParaRPr lang="en-US" sz="800" dirty="0" smtClean="0">
+              <a:solidFill>
+                <a:srgbClr val="FC6F0D"/>
+              </a:solidFill>
+              <a:latin typeface="Calibri" panose="020F0502020204030204" pitchFamily="34" charset="0"/>
+              <a:cs typeface="Calibri" panose="020F0502020204030204" pitchFamily="34" charset="0"/>
+            </a:endParaRPr>
+          </a:p>
+          <a:p>
+            <a:r>
+              <a:rPr lang="en-US" sz="2200" dirty="0">
+                <a:solidFill>
+                  <a:srgbClr val="FC6F0D"/>
+                </a:solidFill>
+                <a:latin typeface="Calibri" panose="020F0502020204030204" pitchFamily="34" charset="0"/>
+                <a:cs typeface="Calibri" panose="020F0502020204030204" pitchFamily="34" charset="0"/>
+              </a:rPr>
+              <a:t>db.e.deleteOne({job:'manager</a:t>
+            </a:r>
+            <a:r>
+              <a:rPr lang="en-US" sz="2200" dirty="0" smtClean="0">
+                <a:solidFill>
+                  <a:srgbClr val="FC6F0D"/>
+                </a:solidFill>
+                <a:latin typeface="Calibri" panose="020F0502020204030204" pitchFamily="34" charset="0"/>
+                <a:cs typeface="Calibri" panose="020F0502020204030204" pitchFamily="34" charset="0"/>
+              </a:rPr>
+              <a:t>'})</a:t>
+            </a:r>
+            <a:endParaRPr lang="en-US" sz="2200" dirty="0">
+              <a:solidFill>
+                <a:srgbClr val="FC6F0D"/>
+              </a:solidFill>
+              <a:latin typeface="Calibri" panose="020F0502020204030204" pitchFamily="34" charset="0"/>
+              <a:cs typeface="Calibri" panose="020F0502020204030204" pitchFamily="34" charset="0"/>
+            </a:endParaRPr>
           </a:p>
         </p:txBody>
       </p:sp>
     </p:spTree>
     <p:extLst>
       <p:ext uri="{BB962C8B-B14F-4D97-AF65-F5344CB8AC3E}">
-        <p14:creationId xmlns:p14="http://schemas.microsoft.com/office/powerpoint/2010/main" val="250252946"/>
+        <p14:creationId xmlns:p14="http://schemas.microsoft.com/office/powerpoint/2010/main" val="3771916804"/>
       </p:ext>
     </p:extLst>
   </p:cSld>
@@ -18777,82 +18806,71 @@
       </p:grpSpPr>
       <p:sp>
         <p:nvSpPr>
-          <p:cNvPr id="6" name="Rectangle 5"/>
-          <p:cNvSpPr/>
-          <p:nvPr/>
-        </p:nvSpPr>
-        <p:spPr>
-          <a:xfrm>
-            <a:off x="0" y="0"/>
-            <a:ext cx="9144000" cy="584775"/>
-          </a:xfrm>
-          <a:prstGeom prst="rect">
-            <a:avLst/>
-          </a:prstGeom>
-          <a:solidFill>
-            <a:schemeClr val="accent4">
-              <a:lumMod val="75000"/>
-            </a:schemeClr>
-          </a:solidFill>
-        </p:spPr>
-        <p:txBody>
-          <a:bodyPr wrap="square">
-            <a:spAutoFit/>
-          </a:bodyPr>
-          <a:lstStyle/>
-          <a:p>
-            <a:pPr algn="r">
+          <p:cNvPr id="2" name="Title 1"/>
+          <p:cNvSpPr txBox="1">
+            <a:spLocks/>
+          </p:cNvSpPr>
+          <p:nvPr/>
+        </p:nvSpPr>
+        <p:spPr>
+          <a:xfrm>
+            <a:off x="152400" y="2057400"/>
+            <a:ext cx="8839200" cy="838200"/>
+          </a:xfrm>
+          <a:prstGeom prst="rect">
+            <a:avLst/>
+          </a:prstGeom>
+        </p:spPr>
+        <p:txBody>
+          <a:bodyPr>
+            <a:noAutofit/>
+          </a:bodyPr>
+          <a:lstStyle>
+            <a:defPPr>
+              <a:defRPr lang="en-US"/>
+            </a:defPPr>
+            <a:lvl1pPr lvl="0" algn="ctr">
               <a:spcBef>
                 <a:spcPct val="0"/>
               </a:spcBef>
-            </a:pPr>
-            <a:r>
-              <a:rPr lang="en-IN" sz="3200" b="1" i="1" dirty="0" smtClean="0">
-                <a:solidFill>
-                  <a:srgbClr val="FFFF00"/>
-                </a:solidFill>
-                <a:latin typeface="Arial" pitchFamily="34" charset="0"/>
-                <a:cs typeface="Arial" pitchFamily="34" charset="0"/>
-              </a:rPr>
-              <a:t>MongoDB</a:t>
-            </a:r>
-            <a:r>
-              <a:rPr lang="en-US" sz="3200" b="1" i="1" dirty="0" smtClean="0">
-                <a:solidFill>
-                  <a:srgbClr val="FFFF00"/>
-                </a:solidFill>
-                <a:latin typeface="Arial" pitchFamily="34" charset="0"/>
-                <a:cs typeface="Arial" pitchFamily="34" charset="0"/>
-              </a:rPr>
-              <a:t> </a:t>
-            </a:r>
-            <a:r>
-              <a:rPr lang="en-IN" sz="3200" b="1" i="1" dirty="0">
-                <a:solidFill>
-                  <a:srgbClr val="FFFF00"/>
-                </a:solidFill>
-                <a:latin typeface="Arial" pitchFamily="34" charset="0"/>
-                <a:cs typeface="Arial" pitchFamily="34" charset="0"/>
-              </a:rPr>
-              <a:t> </a:t>
-            </a:r>
-          </a:p>
-        </p:txBody>
-      </p:sp>
-      <p:sp>
-        <p:nvSpPr>
-          <p:cNvPr id="7" name="Rectangle 6"/>
+              <a:defRPr sz="4800">
+                <a:solidFill>
+                  <a:srgbClr val="7EEEE3"/>
+                </a:solidFill>
+                <a:latin typeface="Segoe UI Light" panose="020B0502040204020203" pitchFamily="34" charset="0"/>
+                <a:cs typeface="Segoe UI Light" panose="020B0502040204020203" pitchFamily="34" charset="0"/>
+              </a:defRPr>
+            </a:lvl1pPr>
+          </a:lstStyle>
+          <a:p>
+            <a:r>
+              <a:rPr lang="en-IN" dirty="0" smtClean="0"/>
+              <a:t>document</a:t>
+            </a:r>
+            <a:endParaRPr lang="en-US" dirty="0"/>
+          </a:p>
+        </p:txBody>
+      </p:sp>
+      <p:sp>
+        <p:nvSpPr>
+          <p:cNvPr id="3" name="Rectangle 2"/>
           <p:cNvSpPr/>
           <p:nvPr/>
         </p:nvSpPr>
         <p:spPr>
           <a:xfrm>
-            <a:off x="149188" y="762000"/>
-            <a:ext cx="8845624" cy="369332"/>
-          </a:xfrm>
-          <a:prstGeom prst="rect">
-            <a:avLst/>
-          </a:prstGeom>
+            <a:off x="419100" y="2861953"/>
+            <a:ext cx="8305800" cy="646331"/>
+          </a:xfrm>
+          <a:prstGeom prst="rect">
+            <a:avLst/>
+          </a:prstGeom>
+          <a:solidFill>
+            <a:schemeClr val="accent6">
+              <a:lumMod val="20000"/>
+              <a:lumOff val="80000"/>
+            </a:schemeClr>
+          </a:solidFill>
         </p:spPr>
         <p:txBody>
           <a:bodyPr wrap="square">
@@ -18861,23 +18879,36 @@
           <a:lstStyle/>
           <a:p>
             <a:r>
-              <a:rPr lang="en-US" dirty="0" smtClean="0"/>
-              <a:t>TODO</a:t>
-            </a:r>
-            <a:endParaRPr lang="en-IN" dirty="0"/>
+              <a:rPr lang="en-US" dirty="0">
+                <a:solidFill>
+                  <a:srgbClr val="222222"/>
+                </a:solidFill>
+                <a:latin typeface="arial" panose="020B0604020202020204" pitchFamily="34" charset="0"/>
+              </a:rPr>
+              <a:t>MongoDB stores data as BSON documents. BSON is a binary representation of JSON documents.</a:t>
+            </a:r>
+            <a:endParaRPr lang="en-US" dirty="0"/>
           </a:p>
         </p:txBody>
       </p:sp>
     </p:spTree>
     <p:extLst>
       <p:ext uri="{BB962C8B-B14F-4D97-AF65-F5344CB8AC3E}">
-        <p14:creationId xmlns:p14="http://schemas.microsoft.com/office/powerpoint/2010/main" val="895975297"/>
+        <p14:creationId xmlns:p14="http://schemas.microsoft.com/office/powerpoint/2010/main" val="316225766"/>
       </p:ext>
     </p:extLst>
   </p:cSld>
   <p:clrMapOvr>
     <a:masterClrMapping/>
   </p:clrMapOvr>
+  <mc:AlternateContent xmlns:mc="http://schemas.openxmlformats.org/markup-compatibility/2006" xmlns:p14="http://schemas.microsoft.com/office/powerpoint/2010/main">
+    <mc:Choice Requires="p14">
+      <p:transition spd="slow" p14:dur="2000"/>
+    </mc:Choice>
+    <mc:Fallback xmlns="">
+      <p:transition spd="slow"/>
+    </mc:Fallback>
+  </mc:AlternateContent>
   <p:timing>
     <p:tnLst>
       <p:par>
@@ -18944,26 +18975,16 @@
                 <a:latin typeface="Arial" pitchFamily="34" charset="0"/>
                 <a:cs typeface="Arial" pitchFamily="34" charset="0"/>
               </a:rPr>
-              <a:t>MongoDB</a:t>
-            </a:r>
-            <a:r>
-              <a:rPr lang="en-US" sz="3200" b="1" i="1" dirty="0" smtClean="0">
+              <a:t>document</a:t>
+            </a:r>
+            <a:r>
+              <a:rPr lang="en-IN" sz="3200" b="1" i="1" dirty="0">
                 <a:solidFill>
                   <a:srgbClr val="FFFF00"/>
                 </a:solidFill>
                 <a:latin typeface="Arial" pitchFamily="34" charset="0"/>
                 <a:cs typeface="Arial" pitchFamily="34" charset="0"/>
               </a:rPr>
-              <a:t> </a:t>
-            </a:r>
-            <a:r>
-              <a:rPr lang="en-IN" sz="3200" b="1" i="1" dirty="0">
-                <a:solidFill>
-                  <a:srgbClr val="FFFF00"/>
-                </a:solidFill>
-                <a:latin typeface="Arial" pitchFamily="34" charset="0"/>
-                <a:cs typeface="Arial" pitchFamily="34" charset="0"/>
-              </a:rPr>
               <a:t> </a:t>
             </a:r>
           </a:p>
@@ -18978,7 +18999,7 @@
         <p:spPr>
           <a:xfrm>
             <a:off x="149188" y="762000"/>
-            <a:ext cx="8845624" cy="369332"/>
+            <a:ext cx="8845624" cy="923330"/>
           </a:xfrm>
           <a:prstGeom prst="rect">
             <a:avLst/>
@@ -18991,17 +19012,203 @@
           <a:lstStyle/>
           <a:p>
             <a:r>
-              <a:rPr lang="en-US" dirty="0" smtClean="0"/>
-              <a:t>TODO</a:t>
+              <a:rPr lang="en-US" dirty="0"/>
+              <a:t>MongoDB documents are composed of </a:t>
+            </a:r>
+            <a:r>
+              <a:rPr lang="en-US" b="1" i="1" dirty="0">
+                <a:solidFill>
+                  <a:srgbClr val="036883"/>
+                </a:solidFill>
+              </a:rPr>
+              <a:t>field-and-value</a:t>
+            </a:r>
+            <a:r>
+              <a:rPr lang="en-US" dirty="0"/>
+              <a:t> pairs. The value of a field can be any of the BSON data types, including other documents, arrays, and arrays of documents.</a:t>
             </a:r>
             <a:endParaRPr lang="en-IN" dirty="0"/>
+          </a:p>
+        </p:txBody>
+      </p:sp>
+      <p:sp>
+        <p:nvSpPr>
+          <p:cNvPr id="2" name="Rectangle 1"/>
+          <p:cNvSpPr/>
+          <p:nvPr/>
+        </p:nvSpPr>
+        <p:spPr>
+          <a:xfrm>
+            <a:off x="149188" y="1875420"/>
+            <a:ext cx="8845624" cy="646331"/>
+          </a:xfrm>
+          <a:prstGeom prst="rect">
+            <a:avLst/>
+          </a:prstGeom>
+        </p:spPr>
+        <p:txBody>
+          <a:bodyPr wrap="square">
+            <a:spAutoFit/>
+          </a:bodyPr>
+          <a:lstStyle/>
+          <a:p>
+            <a:r>
+              <a:rPr lang="en-US" dirty="0"/>
+              <a:t>The </a:t>
+            </a:r>
+            <a:r>
+              <a:rPr lang="en-US" b="1" i="1" dirty="0">
+                <a:solidFill>
+                  <a:srgbClr val="036883"/>
+                </a:solidFill>
+              </a:rPr>
+              <a:t>field name</a:t>
+            </a:r>
+            <a:r>
+              <a:rPr lang="en-US" dirty="0"/>
+              <a:t> </a:t>
+            </a:r>
+            <a:r>
+              <a:rPr lang="en-US" b="1" i="1" dirty="0">
+                <a:solidFill>
+                  <a:srgbClr val="C00000"/>
+                </a:solidFill>
+              </a:rPr>
+              <a:t>_</a:t>
+            </a:r>
+            <a:r>
+              <a:rPr lang="en-US" b="1" dirty="0">
+                <a:solidFill>
+                  <a:srgbClr val="C00000"/>
+                </a:solidFill>
+              </a:rPr>
+              <a:t>id</a:t>
+            </a:r>
+            <a:r>
+              <a:rPr lang="en-US" b="1" i="1" dirty="0">
+                <a:solidFill>
+                  <a:srgbClr val="C00000"/>
+                </a:solidFill>
+              </a:rPr>
+              <a:t> </a:t>
+            </a:r>
+            <a:r>
+              <a:rPr lang="en-US" dirty="0"/>
+              <a:t>is reserved for use as a primary key; its value must be unique in the collection, is immutable, and may be of any type other than an array.</a:t>
+            </a:r>
+          </a:p>
+        </p:txBody>
+      </p:sp>
+      <p:sp>
+        <p:nvSpPr>
+          <p:cNvPr id="3" name="Rectangle 2"/>
+          <p:cNvSpPr/>
+          <p:nvPr/>
+        </p:nvSpPr>
+        <p:spPr>
+          <a:xfrm>
+            <a:off x="184814" y="2971800"/>
+            <a:ext cx="2464136" cy="2031325"/>
+          </a:xfrm>
+          <a:prstGeom prst="rect">
+            <a:avLst/>
+          </a:prstGeom>
+        </p:spPr>
+        <p:txBody>
+          <a:bodyPr wrap="none">
+            <a:spAutoFit/>
+          </a:bodyPr>
+          <a:lstStyle/>
+          <a:p>
+            <a:r>
+              <a:rPr lang="en-US" dirty="0">
+                <a:solidFill>
+                  <a:srgbClr val="049DC8"/>
+                </a:solidFill>
+                <a:latin typeface="Consolas" panose="020B0609020204030204" pitchFamily="49" charset="0"/>
+                <a:cs typeface="Calibri" panose="020F0502020204030204" pitchFamily="34" charset="0"/>
+              </a:rPr>
+              <a:t>{</a:t>
+            </a:r>
+          </a:p>
+          <a:p>
+            <a:r>
+              <a:rPr lang="en-US" dirty="0">
+                <a:solidFill>
+                  <a:srgbClr val="049DC8"/>
+                </a:solidFill>
+                <a:latin typeface="Consolas" panose="020B0609020204030204" pitchFamily="49" charset="0"/>
+                <a:cs typeface="Calibri" panose="020F0502020204030204" pitchFamily="34" charset="0"/>
+              </a:rPr>
+              <a:t>   field1: value1,</a:t>
+            </a:r>
+          </a:p>
+          <a:p>
+            <a:r>
+              <a:rPr lang="en-US" dirty="0">
+                <a:solidFill>
+                  <a:srgbClr val="049DC8"/>
+                </a:solidFill>
+                <a:latin typeface="Consolas" panose="020B0609020204030204" pitchFamily="49" charset="0"/>
+                <a:cs typeface="Calibri" panose="020F0502020204030204" pitchFamily="34" charset="0"/>
+              </a:rPr>
+              <a:t>   field2: value2,</a:t>
+            </a:r>
+          </a:p>
+          <a:p>
+            <a:r>
+              <a:rPr lang="en-US" dirty="0">
+                <a:solidFill>
+                  <a:srgbClr val="049DC8"/>
+                </a:solidFill>
+                <a:latin typeface="Consolas" panose="020B0609020204030204" pitchFamily="49" charset="0"/>
+                <a:cs typeface="Calibri" panose="020F0502020204030204" pitchFamily="34" charset="0"/>
+              </a:rPr>
+              <a:t>   field3: value3,</a:t>
+            </a:r>
+          </a:p>
+          <a:p>
+            <a:r>
+              <a:rPr lang="en-US" dirty="0">
+                <a:solidFill>
+                  <a:srgbClr val="049DC8"/>
+                </a:solidFill>
+                <a:latin typeface="Consolas" panose="020B0609020204030204" pitchFamily="49" charset="0"/>
+                <a:cs typeface="Calibri" panose="020F0502020204030204" pitchFamily="34" charset="0"/>
+              </a:rPr>
+              <a:t>   ...</a:t>
+            </a:r>
+          </a:p>
+          <a:p>
+            <a:r>
+              <a:rPr lang="en-US" dirty="0">
+                <a:solidFill>
+                  <a:srgbClr val="049DC8"/>
+                </a:solidFill>
+                <a:latin typeface="Consolas" panose="020B0609020204030204" pitchFamily="49" charset="0"/>
+                <a:cs typeface="Calibri" panose="020F0502020204030204" pitchFamily="34" charset="0"/>
+              </a:rPr>
+              <a:t>   fieldN: valueN</a:t>
+            </a:r>
+          </a:p>
+          <a:p>
+            <a:r>
+              <a:rPr lang="en-US" dirty="0">
+                <a:solidFill>
+                  <a:srgbClr val="049DC8"/>
+                </a:solidFill>
+                <a:latin typeface="Consolas" panose="020B0609020204030204" pitchFamily="49" charset="0"/>
+                <a:cs typeface="Calibri" panose="020F0502020204030204" pitchFamily="34" charset="0"/>
+              </a:rPr>
+              <a:t>}</a:t>
+            </a:r>
           </a:p>
         </p:txBody>
       </p:sp>
     </p:spTree>
     <p:extLst>
       <p:ext uri="{BB962C8B-B14F-4D97-AF65-F5344CB8AC3E}">
-        <p14:creationId xmlns:p14="http://schemas.microsoft.com/office/powerpoint/2010/main" val="1785036271"/>
+        <p14:creationId xmlns:p14="http://schemas.microsoft.com/office/powerpoint/2010/main" val="1707159998"/>
       </p:ext>
     </p:extLst>
   </p:cSld>
@@ -19074,17 +19281,7 @@
                 <a:latin typeface="Arial" pitchFamily="34" charset="0"/>
                 <a:cs typeface="Arial" pitchFamily="34" charset="0"/>
               </a:rPr>
-              <a:t>MongoDB</a:t>
-            </a:r>
-            <a:r>
-              <a:rPr lang="en-US" sz="3200" b="1" i="1" dirty="0" smtClean="0">
-                <a:solidFill>
-                  <a:srgbClr val="FFFF00"/>
-                </a:solidFill>
-                <a:latin typeface="Arial" pitchFamily="34" charset="0"/>
-                <a:cs typeface="Arial" pitchFamily="34" charset="0"/>
-              </a:rPr>
-              <a:t> </a:t>
+              <a:t>document</a:t>
             </a:r>
             <a:r>
               <a:rPr lang="en-IN" sz="3200" b="1" i="1" dirty="0">
@@ -19131,7 +19328,7 @@
     </p:spTree>
     <p:extLst>
       <p:ext uri="{BB962C8B-B14F-4D97-AF65-F5344CB8AC3E}">
-        <p14:creationId xmlns:p14="http://schemas.microsoft.com/office/powerpoint/2010/main" val="2324753550"/>
+        <p14:creationId xmlns:p14="http://schemas.microsoft.com/office/powerpoint/2010/main" val="3587670722"/>
       </p:ext>
     </p:extLst>
   </p:cSld>
@@ -19457,7 +19654,7 @@
     </p:spTree>
     <p:extLst>
       <p:ext uri="{BB962C8B-B14F-4D97-AF65-F5344CB8AC3E}">
-        <p14:creationId xmlns:p14="http://schemas.microsoft.com/office/powerpoint/2010/main" val="159175200"/>
+        <p14:creationId xmlns:p14="http://schemas.microsoft.com/office/powerpoint/2010/main" val="250252946"/>
       </p:ext>
     </p:extLst>
   </p:cSld>
@@ -19587,7 +19784,7 @@
     </p:spTree>
     <p:extLst>
       <p:ext uri="{BB962C8B-B14F-4D97-AF65-F5344CB8AC3E}">
-        <p14:creationId xmlns:p14="http://schemas.microsoft.com/office/powerpoint/2010/main" val="4200858574"/>
+        <p14:creationId xmlns:p14="http://schemas.microsoft.com/office/powerpoint/2010/main" val="895975297"/>
       </p:ext>
     </p:extLst>
   </p:cSld>
@@ -19717,7 +19914,7 @@
     </p:spTree>
     <p:extLst>
       <p:ext uri="{BB962C8B-B14F-4D97-AF65-F5344CB8AC3E}">
-        <p14:creationId xmlns:p14="http://schemas.microsoft.com/office/powerpoint/2010/main" val="2535387021"/>
+        <p14:creationId xmlns:p14="http://schemas.microsoft.com/office/powerpoint/2010/main" val="1785036271"/>
       </p:ext>
     </p:extLst>
   </p:cSld>
@@ -19847,7 +20044,7 @@
     </p:spTree>
     <p:extLst>
       <p:ext uri="{BB962C8B-B14F-4D97-AF65-F5344CB8AC3E}">
-        <p14:creationId xmlns:p14="http://schemas.microsoft.com/office/powerpoint/2010/main" val="3372373110"/>
+        <p14:creationId xmlns:p14="http://schemas.microsoft.com/office/powerpoint/2010/main" val="2324753550"/>
       </p:ext>
     </p:extLst>
   </p:cSld>
@@ -19977,7 +20174,7 @@
     </p:spTree>
     <p:extLst>
       <p:ext uri="{BB962C8B-B14F-4D97-AF65-F5344CB8AC3E}">
-        <p14:creationId xmlns:p14="http://schemas.microsoft.com/office/powerpoint/2010/main" val="1298561359"/>
+        <p14:creationId xmlns:p14="http://schemas.microsoft.com/office/powerpoint/2010/main" val="159175200"/>
       </p:ext>
     </p:extLst>
   </p:cSld>
@@ -20107,7 +20304,7 @@
     </p:spTree>
     <p:extLst>
       <p:ext uri="{BB962C8B-B14F-4D97-AF65-F5344CB8AC3E}">
-        <p14:creationId xmlns:p14="http://schemas.microsoft.com/office/powerpoint/2010/main" val="2767122750"/>
+        <p14:creationId xmlns:p14="http://schemas.microsoft.com/office/powerpoint/2010/main" val="4200858574"/>
       </p:ext>
     </p:extLst>
   </p:cSld>
@@ -20237,7 +20434,7 @@
     </p:spTree>
     <p:extLst>
       <p:ext uri="{BB962C8B-B14F-4D97-AF65-F5344CB8AC3E}">
-        <p14:creationId xmlns:p14="http://schemas.microsoft.com/office/powerpoint/2010/main" val="3923222660"/>
+        <p14:creationId xmlns:p14="http://schemas.microsoft.com/office/powerpoint/2010/main" val="2535387021"/>
       </p:ext>
     </p:extLst>
   </p:cSld>
@@ -20367,7 +20564,7 @@
     </p:spTree>
     <p:extLst>
       <p:ext uri="{BB962C8B-B14F-4D97-AF65-F5344CB8AC3E}">
-        <p14:creationId xmlns:p14="http://schemas.microsoft.com/office/powerpoint/2010/main" val="166747101"/>
+        <p14:creationId xmlns:p14="http://schemas.microsoft.com/office/powerpoint/2010/main" val="3372373110"/>
       </p:ext>
     </p:extLst>
   </p:cSld>
@@ -20497,7 +20694,7 @@
     </p:spTree>
     <p:extLst>
       <p:ext uri="{BB962C8B-B14F-4D97-AF65-F5344CB8AC3E}">
-        <p14:creationId xmlns:p14="http://schemas.microsoft.com/office/powerpoint/2010/main" val="924942284"/>
+        <p14:creationId xmlns:p14="http://schemas.microsoft.com/office/powerpoint/2010/main" val="1298561359"/>
       </p:ext>
     </p:extLst>
   </p:cSld>
@@ -20627,7 +20824,7 @@
     </p:spTree>
     <p:extLst>
       <p:ext uri="{BB962C8B-B14F-4D97-AF65-F5344CB8AC3E}">
-        <p14:creationId xmlns:p14="http://schemas.microsoft.com/office/powerpoint/2010/main" val="3259065627"/>
+        <p14:creationId xmlns:p14="http://schemas.microsoft.com/office/powerpoint/2010/main" val="2767122750"/>
       </p:ext>
     </p:extLst>
   </p:cSld>
@@ -20964,7 +21161,7 @@
     </p:spTree>
     <p:extLst>
       <p:ext uri="{BB962C8B-B14F-4D97-AF65-F5344CB8AC3E}">
-        <p14:creationId xmlns:p14="http://schemas.microsoft.com/office/powerpoint/2010/main" val="3171492564"/>
+        <p14:creationId xmlns:p14="http://schemas.microsoft.com/office/powerpoint/2010/main" val="3923222660"/>
       </p:ext>
     </p:extLst>
   </p:cSld>
@@ -21094,7 +21291,7 @@
     </p:spTree>
     <p:extLst>
       <p:ext uri="{BB962C8B-B14F-4D97-AF65-F5344CB8AC3E}">
-        <p14:creationId xmlns:p14="http://schemas.microsoft.com/office/powerpoint/2010/main" val="2780407736"/>
+        <p14:creationId xmlns:p14="http://schemas.microsoft.com/office/powerpoint/2010/main" val="166747101"/>
       </p:ext>
     </p:extLst>
   </p:cSld>
@@ -21224,7 +21421,7 @@
     </p:spTree>
     <p:extLst>
       <p:ext uri="{BB962C8B-B14F-4D97-AF65-F5344CB8AC3E}">
-        <p14:creationId xmlns:p14="http://schemas.microsoft.com/office/powerpoint/2010/main" val="848474725"/>
+        <p14:creationId xmlns:p14="http://schemas.microsoft.com/office/powerpoint/2010/main" val="924942284"/>
       </p:ext>
     </p:extLst>
   </p:cSld>
@@ -21354,7 +21551,7 @@
     </p:spTree>
     <p:extLst>
       <p:ext uri="{BB962C8B-B14F-4D97-AF65-F5344CB8AC3E}">
-        <p14:creationId xmlns:p14="http://schemas.microsoft.com/office/powerpoint/2010/main" val="4030158449"/>
+        <p14:creationId xmlns:p14="http://schemas.microsoft.com/office/powerpoint/2010/main" val="3259065627"/>
       </p:ext>
     </p:extLst>
   </p:cSld>
@@ -21484,7 +21681,7 @@
     </p:spTree>
     <p:extLst>
       <p:ext uri="{BB962C8B-B14F-4D97-AF65-F5344CB8AC3E}">
-        <p14:creationId xmlns:p14="http://schemas.microsoft.com/office/powerpoint/2010/main" val="1708605334"/>
+        <p14:creationId xmlns:p14="http://schemas.microsoft.com/office/powerpoint/2010/main" val="3171492564"/>
       </p:ext>
     </p:extLst>
   </p:cSld>
@@ -21614,7 +21811,7 @@
     </p:spTree>
     <p:extLst>
       <p:ext uri="{BB962C8B-B14F-4D97-AF65-F5344CB8AC3E}">
-        <p14:creationId xmlns:p14="http://schemas.microsoft.com/office/powerpoint/2010/main" val="1478242473"/>
+        <p14:creationId xmlns:p14="http://schemas.microsoft.com/office/powerpoint/2010/main" val="2780407736"/>
       </p:ext>
     </p:extLst>
   </p:cSld>
@@ -21744,7 +21941,7 @@
     </p:spTree>
     <p:extLst>
       <p:ext uri="{BB962C8B-B14F-4D97-AF65-F5344CB8AC3E}">
-        <p14:creationId xmlns:p14="http://schemas.microsoft.com/office/powerpoint/2010/main" val="2136286712"/>
+        <p14:creationId xmlns:p14="http://schemas.microsoft.com/office/powerpoint/2010/main" val="848474725"/>
       </p:ext>
     </p:extLst>
   </p:cSld>
@@ -21874,7 +22071,7 @@
     </p:spTree>
     <p:extLst>
       <p:ext uri="{BB962C8B-B14F-4D97-AF65-F5344CB8AC3E}">
-        <p14:creationId xmlns:p14="http://schemas.microsoft.com/office/powerpoint/2010/main" val="160110094"/>
+        <p14:creationId xmlns:p14="http://schemas.microsoft.com/office/powerpoint/2010/main" val="4030158449"/>
       </p:ext>
     </p:extLst>
   </p:cSld>
@@ -22004,7 +22201,7 @@
     </p:spTree>
     <p:extLst>
       <p:ext uri="{BB962C8B-B14F-4D97-AF65-F5344CB8AC3E}">
-        <p14:creationId xmlns:p14="http://schemas.microsoft.com/office/powerpoint/2010/main" val="1060267809"/>
+        <p14:creationId xmlns:p14="http://schemas.microsoft.com/office/powerpoint/2010/main" val="1708605334"/>
       </p:ext>
     </p:extLst>
   </p:cSld>
@@ -22134,7 +22331,7 @@
     </p:spTree>
     <p:extLst>
       <p:ext uri="{BB962C8B-B14F-4D97-AF65-F5344CB8AC3E}">
-        <p14:creationId xmlns:p14="http://schemas.microsoft.com/office/powerpoint/2010/main" val="1137647517"/>
+        <p14:creationId xmlns:p14="http://schemas.microsoft.com/office/powerpoint/2010/main" val="1478242473"/>
       </p:ext>
     </p:extLst>
   </p:cSld>
@@ -22356,7 +22553,7 @@
     </p:spTree>
     <p:extLst>
       <p:ext uri="{BB962C8B-B14F-4D97-AF65-F5344CB8AC3E}">
-        <p14:creationId xmlns:p14="http://schemas.microsoft.com/office/powerpoint/2010/main" val="3052086859"/>
+        <p14:creationId xmlns:p14="http://schemas.microsoft.com/office/powerpoint/2010/main" val="2136286712"/>
       </p:ext>
     </p:extLst>
   </p:cSld>
@@ -22486,7 +22683,7 @@
     </p:spTree>
     <p:extLst>
       <p:ext uri="{BB962C8B-B14F-4D97-AF65-F5344CB8AC3E}">
-        <p14:creationId xmlns:p14="http://schemas.microsoft.com/office/powerpoint/2010/main" val="1097272351"/>
+        <p14:creationId xmlns:p14="http://schemas.microsoft.com/office/powerpoint/2010/main" val="160110094"/>
       </p:ext>
     </p:extLst>
   </p:cSld>
@@ -22616,7 +22813,7 @@
     </p:spTree>
     <p:extLst>
       <p:ext uri="{BB962C8B-B14F-4D97-AF65-F5344CB8AC3E}">
-        <p14:creationId xmlns:p14="http://schemas.microsoft.com/office/powerpoint/2010/main" val="1587220367"/>
+        <p14:creationId xmlns:p14="http://schemas.microsoft.com/office/powerpoint/2010/main" val="1060267809"/>
       </p:ext>
     </p:extLst>
   </p:cSld>
@@ -22746,7 +22943,7 @@
     </p:spTree>
     <p:extLst>
       <p:ext uri="{BB962C8B-B14F-4D97-AF65-F5344CB8AC3E}">
-        <p14:creationId xmlns:p14="http://schemas.microsoft.com/office/powerpoint/2010/main" val="1863467568"/>
+        <p14:creationId xmlns:p14="http://schemas.microsoft.com/office/powerpoint/2010/main" val="1137647517"/>
       </p:ext>
     </p:extLst>
   </p:cSld>
@@ -22876,7 +23073,7 @@
     </p:spTree>
     <p:extLst>
       <p:ext uri="{BB962C8B-B14F-4D97-AF65-F5344CB8AC3E}">
-        <p14:creationId xmlns:p14="http://schemas.microsoft.com/office/powerpoint/2010/main" val="1971192509"/>
+        <p14:creationId xmlns:p14="http://schemas.microsoft.com/office/powerpoint/2010/main" val="3052086859"/>
       </p:ext>
     </p:extLst>
   </p:cSld>
@@ -22912,7 +23109,7 @@
       </p:grpSpPr>
       <p:sp>
         <p:nvSpPr>
-          <p:cNvPr id="4" name="Rectangle 3"/>
+          <p:cNvPr id="6" name="Rectangle 5"/>
           <p:cNvSpPr/>
           <p:nvPr/>
         </p:nvSpPr>
@@ -22925,8 +23122,8 @@
             <a:avLst/>
           </a:prstGeom>
           <a:solidFill>
-            <a:schemeClr val="bg2">
-              <a:lumMod val="10000"/>
+            <a:schemeClr val="accent4">
+              <a:lumMod val="75000"/>
             </a:schemeClr>
           </a:solidFill>
         </p:spPr>
@@ -22936,7 +23133,11 @@
           </a:bodyPr>
           <a:lstStyle/>
           <a:p>
-            <a:pPr algn="r"/>
+            <a:pPr algn="r">
+              <a:spcBef>
+                <a:spcPct val="0"/>
+              </a:spcBef>
+            </a:pPr>
             <a:r>
               <a:rPr lang="en-IN" sz="3200" b="1" i="1" dirty="0" smtClean="0">
                 <a:solidFill>
@@ -22945,27 +23146,40 @@
                 <a:latin typeface="Arial" pitchFamily="34" charset="0"/>
                 <a:cs typeface="Arial" pitchFamily="34" charset="0"/>
               </a:rPr>
-              <a:t>IMP</a:t>
-            </a:r>
-            <a:endParaRPr lang="en-IN" sz="3200" b="1" i="1" dirty="0">
-              <a:solidFill>
-                <a:srgbClr val="FFFF00"/>
-              </a:solidFill>
-              <a:latin typeface="Arial" pitchFamily="34" charset="0"/>
-              <a:cs typeface="Arial" pitchFamily="34" charset="0"/>
-            </a:endParaRPr>
-          </a:p>
-        </p:txBody>
-      </p:sp>
-      <p:sp>
-        <p:nvSpPr>
-          <p:cNvPr id="2" name="Rectangle 1"/>
+              <a:t>MongoDB</a:t>
+            </a:r>
+            <a:r>
+              <a:rPr lang="en-US" sz="3200" b="1" i="1" dirty="0" smtClean="0">
+                <a:solidFill>
+                  <a:srgbClr val="FFFF00"/>
+                </a:solidFill>
+                <a:latin typeface="Arial" pitchFamily="34" charset="0"/>
+                <a:cs typeface="Arial" pitchFamily="34" charset="0"/>
+              </a:rPr>
+              <a:t> </a:t>
+            </a:r>
+            <a:r>
+              <a:rPr lang="en-IN" sz="3200" b="1" i="1" dirty="0">
+                <a:solidFill>
+                  <a:srgbClr val="FFFF00"/>
+                </a:solidFill>
+                <a:latin typeface="Arial" pitchFamily="34" charset="0"/>
+                <a:cs typeface="Arial" pitchFamily="34" charset="0"/>
+              </a:rPr>
+              <a:t> </a:t>
+            </a:r>
+          </a:p>
+        </p:txBody>
+      </p:sp>
+      <p:sp>
+        <p:nvSpPr>
+          <p:cNvPr id="7" name="Rectangle 6"/>
           <p:cNvSpPr/>
           <p:nvPr/>
         </p:nvSpPr>
         <p:spPr>
           <a:xfrm>
-            <a:off x="145976" y="849264"/>
+            <a:off x="149188" y="762000"/>
             <a:ext cx="8845624" cy="369332"/>
           </a:xfrm>
           <a:prstGeom prst="rect">
@@ -22979,153 +23193,17 @@
           <a:lstStyle/>
           <a:p>
             <a:r>
-              <a:rPr lang="en-IN" dirty="0" smtClean="0">
-                <a:solidFill>
-                  <a:srgbClr val="222222"/>
-                </a:solidFill>
-                <a:latin typeface="Verdana" panose="020B0604030504040204" pitchFamily="34" charset="0"/>
-              </a:rPr>
-              <a:t>1. Think </a:t>
-            </a:r>
-            <a:r>
-              <a:rPr lang="en-IN" dirty="0">
-                <a:solidFill>
-                  <a:srgbClr val="222222"/>
-                </a:solidFill>
-                <a:latin typeface="Verdana" panose="020B0604030504040204" pitchFamily="34" charset="0"/>
-              </a:rPr>
-              <a:t>about how multiplication can be done without actually </a:t>
-            </a:r>
-            <a:r>
-              <a:rPr lang="en-IN" dirty="0" smtClean="0">
-                <a:solidFill>
-                  <a:srgbClr val="222222"/>
-                </a:solidFill>
-                <a:latin typeface="Verdana" panose="020B0604030504040204" pitchFamily="34" charset="0"/>
-              </a:rPr>
-              <a:t>multiplying </a:t>
+              <a:rPr lang="en-US" dirty="0" smtClean="0"/>
+              <a:t>TODO</a:t>
             </a:r>
             <a:endParaRPr lang="en-IN" dirty="0"/>
           </a:p>
         </p:txBody>
       </p:sp>
-      <p:sp>
-        <p:nvSpPr>
-          <p:cNvPr id="3" name="TextBox 2"/>
-          <p:cNvSpPr txBox="1"/>
-          <p:nvPr/>
-        </p:nvSpPr>
-        <p:spPr>
-          <a:xfrm>
-            <a:off x="990600" y="2514600"/>
-            <a:ext cx="184731" cy="369332"/>
-          </a:xfrm>
-          <a:prstGeom prst="rect">
-            <a:avLst/>
-          </a:prstGeom>
-          <a:noFill/>
-        </p:spPr>
-        <p:txBody>
-          <a:bodyPr wrap="none" rtlCol="0">
-            <a:spAutoFit/>
-          </a:bodyPr>
-          <a:lstStyle/>
-          <a:p>
-            <a:endParaRPr lang="en-IN" dirty="0"/>
-          </a:p>
-        </p:txBody>
-      </p:sp>
-      <p:pic>
-        <p:nvPicPr>
-          <p:cNvPr id="5" name="Picture 4"/>
-          <p:cNvPicPr>
-            <a:picLocks noChangeAspect="1"/>
-          </p:cNvPicPr>
-          <p:nvPr/>
-        </p:nvPicPr>
-        <p:blipFill>
-          <a:blip r:embed="rId2"/>
-          <a:stretch>
-            <a:fillRect/>
-          </a:stretch>
-        </p:blipFill>
-        <p:spPr>
-          <a:xfrm>
-            <a:off x="304800" y="3700361"/>
-            <a:ext cx="4648200" cy="2471839"/>
-          </a:xfrm>
-          <a:prstGeom prst="rect">
-            <a:avLst/>
-          </a:prstGeom>
-        </p:spPr>
-      </p:pic>
-      <p:sp>
-        <p:nvSpPr>
-          <p:cNvPr id="6" name="Rectangle 5"/>
-          <p:cNvSpPr/>
-          <p:nvPr/>
-        </p:nvSpPr>
-        <p:spPr>
-          <a:xfrm>
-            <a:off x="145976" y="3243552"/>
-            <a:ext cx="1317990" cy="369332"/>
-          </a:xfrm>
-          <a:prstGeom prst="rect">
-            <a:avLst/>
-          </a:prstGeom>
-        </p:spPr>
-        <p:txBody>
-          <a:bodyPr wrap="none">
-            <a:spAutoFit/>
-          </a:bodyPr>
-          <a:lstStyle/>
-          <a:p>
-            <a:r>
-              <a:rPr lang="en-IN" dirty="0" smtClean="0">
-                <a:solidFill>
-                  <a:srgbClr val="222222"/>
-                </a:solidFill>
-                <a:latin typeface="Verdana" panose="020B0604030504040204" pitchFamily="34" charset="0"/>
-              </a:rPr>
-              <a:t>2. Square</a:t>
-            </a:r>
-            <a:endParaRPr lang="en-IN" dirty="0">
-              <a:solidFill>
-                <a:srgbClr val="222222"/>
-              </a:solidFill>
-              <a:latin typeface="Verdana" panose="020B0604030504040204" pitchFamily="34" charset="0"/>
-            </a:endParaRPr>
-          </a:p>
-        </p:txBody>
-      </p:sp>
-      <p:pic>
-        <p:nvPicPr>
-          <p:cNvPr id="8" name="Picture 7"/>
-          <p:cNvPicPr>
-            <a:picLocks noChangeAspect="1"/>
-          </p:cNvPicPr>
-          <p:nvPr/>
-        </p:nvPicPr>
-        <p:blipFill>
-          <a:blip r:embed="rId3"/>
-          <a:stretch>
-            <a:fillRect/>
-          </a:stretch>
-        </p:blipFill>
-        <p:spPr>
-          <a:xfrm>
-            <a:off x="533400" y="1250647"/>
-            <a:ext cx="4495800" cy="1883657"/>
-          </a:xfrm>
-          <a:prstGeom prst="rect">
-            <a:avLst/>
-          </a:prstGeom>
-        </p:spPr>
-      </p:pic>
     </p:spTree>
     <p:extLst>
       <p:ext uri="{BB962C8B-B14F-4D97-AF65-F5344CB8AC3E}">
-        <p14:creationId xmlns:p14="http://schemas.microsoft.com/office/powerpoint/2010/main" val="3391323119"/>
+        <p14:creationId xmlns:p14="http://schemas.microsoft.com/office/powerpoint/2010/main" val="1097272351"/>
       </p:ext>
     </p:extLst>
   </p:cSld>
@@ -23159,61 +23237,25 @@
           <a:chExt cx="0" cy="0"/>
         </a:xfrm>
       </p:grpSpPr>
-      <p:pic>
-        <p:nvPicPr>
-          <p:cNvPr id="1026" name="Picture 2" descr="http://www.bvctch.vn/vnt_upload/weblink/thks.jpg"/>
-          <p:cNvPicPr>
-            <a:picLocks noChangeAspect="1" noChangeArrowheads="1"/>
-          </p:cNvPicPr>
-          <p:nvPr/>
-        </p:nvPicPr>
-        <p:blipFill>
-          <a:blip r:embed="rId2">
-            <a:extLst>
-              <a:ext uri="{28A0092B-C50C-407E-A947-70E740481C1C}">
-                <a14:useLocalDpi xmlns:a14="http://schemas.microsoft.com/office/drawing/2010/main" val="0"/>
-              </a:ext>
-            </a:extLst>
-          </a:blip>
-          <a:srcRect/>
-          <a:stretch>
-            <a:fillRect/>
-          </a:stretch>
-        </p:blipFill>
-        <p:spPr bwMode="auto">
-          <a:xfrm>
-            <a:off x="2895600" y="757237"/>
-            <a:ext cx="3124200" cy="4881563"/>
-          </a:xfrm>
-          <a:prstGeom prst="rect">
-            <a:avLst/>
-          </a:prstGeom>
-          <a:noFill/>
-          <a:extLst>
-            <a:ext uri="{909E8E84-426E-40DD-AFC4-6F175D3DCCD1}">
-              <a14:hiddenFill xmlns:a14="http://schemas.microsoft.com/office/drawing/2010/main">
-                <a:solidFill>
-                  <a:srgbClr val="FFFFFF"/>
-                </a:solidFill>
-              </a14:hiddenFill>
-            </a:ext>
-          </a:extLst>
-        </p:spPr>
-      </p:pic>
-      <p:sp>
-        <p:nvSpPr>
-          <p:cNvPr id="3" name="Rectangle 2"/>
+      <p:sp>
+        <p:nvSpPr>
+          <p:cNvPr id="6" name="Rectangle 5"/>
           <p:cNvSpPr/>
           <p:nvPr/>
         </p:nvSpPr>
         <p:spPr>
           <a:xfrm>
-            <a:off x="304800" y="5105400"/>
-            <a:ext cx="8610600" cy="1077218"/>
-          </a:xfrm>
-          <a:prstGeom prst="rect">
-            <a:avLst/>
-          </a:prstGeom>
+            <a:off x="0" y="0"/>
+            <a:ext cx="9144000" cy="584775"/>
+          </a:xfrm>
+          <a:prstGeom prst="rect">
+            <a:avLst/>
+          </a:prstGeom>
+          <a:solidFill>
+            <a:schemeClr val="accent4">
+              <a:lumMod val="75000"/>
+            </a:schemeClr>
+          </a:solidFill>
         </p:spPr>
         <p:txBody>
           <a:bodyPr wrap="square">
@@ -23221,35 +23263,77 @@
           </a:bodyPr>
           <a:lstStyle/>
           <a:p>
-            <a:pPr algn="ctr"/>
-            <a:r>
-              <a:rPr lang="en-IN" sz="3200" dirty="0">
-                <a:solidFill>
-                  <a:srgbClr val="FE1212"/>
-                </a:solidFill>
-                <a:latin typeface="Segoe Print" panose="02000600000000000000" pitchFamily="2" charset="0"/>
-              </a:rPr>
-              <a:t>"Live as if you were to die tomorrow.</a:t>
-            </a:r>
-          </a:p>
-          <a:p>
-            <a:pPr algn="ctr"/>
-            <a:r>
-              <a:rPr lang="en-IN" sz="3200" dirty="0">
-                <a:solidFill>
-                  <a:srgbClr val="FE1212"/>
-                </a:solidFill>
-                <a:latin typeface="Segoe Print" panose="02000600000000000000" pitchFamily="2" charset="0"/>
-              </a:rPr>
-              <a:t>Learn as if you were to live forever"</a:t>
-            </a:r>
+            <a:pPr algn="r">
+              <a:spcBef>
+                <a:spcPct val="0"/>
+              </a:spcBef>
+            </a:pPr>
+            <a:r>
+              <a:rPr lang="en-IN" sz="3200" b="1" i="1" dirty="0" smtClean="0">
+                <a:solidFill>
+                  <a:srgbClr val="FFFF00"/>
+                </a:solidFill>
+                <a:latin typeface="Arial" pitchFamily="34" charset="0"/>
+                <a:cs typeface="Arial" pitchFamily="34" charset="0"/>
+              </a:rPr>
+              <a:t>MongoDB</a:t>
+            </a:r>
+            <a:r>
+              <a:rPr lang="en-US" sz="3200" b="1" i="1" dirty="0" smtClean="0">
+                <a:solidFill>
+                  <a:srgbClr val="FFFF00"/>
+                </a:solidFill>
+                <a:latin typeface="Arial" pitchFamily="34" charset="0"/>
+                <a:cs typeface="Arial" pitchFamily="34" charset="0"/>
+              </a:rPr>
+              <a:t> </a:t>
+            </a:r>
+            <a:r>
+              <a:rPr lang="en-IN" sz="3200" b="1" i="1" dirty="0">
+                <a:solidFill>
+                  <a:srgbClr val="FFFF00"/>
+                </a:solidFill>
+                <a:latin typeface="Arial" pitchFamily="34" charset="0"/>
+                <a:cs typeface="Arial" pitchFamily="34" charset="0"/>
+              </a:rPr>
+              <a:t> </a:t>
+            </a:r>
+          </a:p>
+        </p:txBody>
+      </p:sp>
+      <p:sp>
+        <p:nvSpPr>
+          <p:cNvPr id="7" name="Rectangle 6"/>
+          <p:cNvSpPr/>
+          <p:nvPr/>
+        </p:nvSpPr>
+        <p:spPr>
+          <a:xfrm>
+            <a:off x="149188" y="762000"/>
+            <a:ext cx="8845624" cy="369332"/>
+          </a:xfrm>
+          <a:prstGeom prst="rect">
+            <a:avLst/>
+          </a:prstGeom>
+        </p:spPr>
+        <p:txBody>
+          <a:bodyPr wrap="square">
+            <a:spAutoFit/>
+          </a:bodyPr>
+          <a:lstStyle/>
+          <a:p>
+            <a:r>
+              <a:rPr lang="en-US" dirty="0" smtClean="0"/>
+              <a:t>TODO</a:t>
+            </a:r>
+            <a:endParaRPr lang="en-IN" dirty="0"/>
           </a:p>
         </p:txBody>
       </p:sp>
     </p:spTree>
     <p:extLst>
       <p:ext uri="{BB962C8B-B14F-4D97-AF65-F5344CB8AC3E}">
-        <p14:creationId xmlns:p14="http://schemas.microsoft.com/office/powerpoint/2010/main" val="1148130326"/>
+        <p14:creationId xmlns:p14="http://schemas.microsoft.com/office/powerpoint/2010/main" val="1587220367"/>
       </p:ext>
     </p:extLst>
   </p:cSld>
@@ -23285,18 +23369,23 @@
       </p:grpSpPr>
       <p:sp>
         <p:nvSpPr>
-          <p:cNvPr id="3" name="Rectangle 2"/>
+          <p:cNvPr id="6" name="Rectangle 5"/>
           <p:cNvSpPr/>
           <p:nvPr/>
         </p:nvSpPr>
         <p:spPr>
           <a:xfrm>
-            <a:off x="304800" y="1981200"/>
-            <a:ext cx="8305800" cy="1754326"/>
-          </a:xfrm>
-          <a:prstGeom prst="rect">
-            <a:avLst/>
-          </a:prstGeom>
+            <a:off x="0" y="0"/>
+            <a:ext cx="9144000" cy="584775"/>
+          </a:xfrm>
+          <a:prstGeom prst="rect">
+            <a:avLst/>
+          </a:prstGeom>
+          <a:solidFill>
+            <a:schemeClr val="accent4">
+              <a:lumMod val="75000"/>
+            </a:schemeClr>
+          </a:solidFill>
         </p:spPr>
         <p:txBody>
           <a:bodyPr wrap="square">
@@ -23304,66 +23393,90 @@
           </a:bodyPr>
           <a:lstStyle/>
           <a:p>
-            <a:r>
-              <a:rPr lang="en-US" dirty="0"/>
-              <a:t>The ALTER TABLE...DROP UNUSED COLUMNS statement is the only action allowed on unused columns. It physically removes unused columns from the table and reclaims disk space</a:t>
-            </a:r>
+            <a:pPr algn="r">
+              <a:spcBef>
+                <a:spcPct val="0"/>
+              </a:spcBef>
+            </a:pPr>
+            <a:r>
+              <a:rPr lang="en-IN" sz="3200" b="1" i="1" dirty="0" smtClean="0">
+                <a:solidFill>
+                  <a:srgbClr val="FFFF00"/>
+                </a:solidFill>
+                <a:latin typeface="Arial" pitchFamily="34" charset="0"/>
+                <a:cs typeface="Arial" pitchFamily="34" charset="0"/>
+              </a:rPr>
+              <a:t>MongoDB</a:t>
+            </a:r>
+            <a:r>
+              <a:rPr lang="en-US" sz="3200" b="1" i="1" dirty="0" smtClean="0">
+                <a:solidFill>
+                  <a:srgbClr val="FFFF00"/>
+                </a:solidFill>
+                <a:latin typeface="Arial" pitchFamily="34" charset="0"/>
+                <a:cs typeface="Arial" pitchFamily="34" charset="0"/>
+              </a:rPr>
+              <a:t> </a:t>
+            </a:r>
+            <a:r>
+              <a:rPr lang="en-IN" sz="3200" b="1" i="1" dirty="0">
+                <a:solidFill>
+                  <a:srgbClr val="FFFF00"/>
+                </a:solidFill>
+                <a:latin typeface="Arial" pitchFamily="34" charset="0"/>
+                <a:cs typeface="Arial" pitchFamily="34" charset="0"/>
+              </a:rPr>
+              <a:t> </a:t>
+            </a:r>
+          </a:p>
+        </p:txBody>
+      </p:sp>
+      <p:sp>
+        <p:nvSpPr>
+          <p:cNvPr id="7" name="Rectangle 6"/>
+          <p:cNvSpPr/>
+          <p:nvPr/>
+        </p:nvSpPr>
+        <p:spPr>
+          <a:xfrm>
+            <a:off x="149188" y="762000"/>
+            <a:ext cx="8845624" cy="369332"/>
+          </a:xfrm>
+          <a:prstGeom prst="rect">
+            <a:avLst/>
+          </a:prstGeom>
+        </p:spPr>
+        <p:txBody>
+          <a:bodyPr wrap="square">
+            <a:spAutoFit/>
+          </a:bodyPr>
+          <a:lstStyle/>
+          <a:p>
             <a:r>
               <a:rPr lang="en-US" dirty="0" smtClean="0"/>
-              <a:t>.</a:t>
-            </a:r>
-          </a:p>
-          <a:p>
-            <a:endParaRPr lang="en-US" dirty="0" smtClean="0"/>
-          </a:p>
-          <a:p>
-            <a:r>
-              <a:rPr lang="en-US" dirty="0" smtClean="0">
-                <a:solidFill>
-                  <a:srgbClr val="FF0000"/>
-                </a:solidFill>
-              </a:rPr>
-              <a:t>alter </a:t>
-            </a:r>
-            <a:r>
-              <a:rPr lang="en-US" dirty="0">
-                <a:solidFill>
-                  <a:srgbClr val="FF0000"/>
-                </a:solidFill>
-              </a:rPr>
-              <a:t>table t set unused(c2);</a:t>
-            </a:r>
-          </a:p>
-          <a:p>
-            <a:r>
-              <a:rPr lang="en-US" dirty="0" smtClean="0">
-                <a:solidFill>
-                  <a:srgbClr val="FF0000"/>
-                </a:solidFill>
-              </a:rPr>
-              <a:t> </a:t>
-            </a:r>
-            <a:r>
-              <a:rPr lang="en-US" dirty="0">
-                <a:solidFill>
-                  <a:srgbClr val="FF0000"/>
-                </a:solidFill>
-              </a:rPr>
-              <a:t>alter table t drop unused column;</a:t>
-            </a:r>
+              <a:t>TODO</a:t>
+            </a:r>
+            <a:endParaRPr lang="en-IN" dirty="0"/>
           </a:p>
         </p:txBody>
       </p:sp>
     </p:spTree>
     <p:extLst>
       <p:ext uri="{BB962C8B-B14F-4D97-AF65-F5344CB8AC3E}">
-        <p14:creationId xmlns:p14="http://schemas.microsoft.com/office/powerpoint/2010/main" val="1183446369"/>
+        <p14:creationId xmlns:p14="http://schemas.microsoft.com/office/powerpoint/2010/main" val="1863467568"/>
       </p:ext>
     </p:extLst>
   </p:cSld>
   <p:clrMapOvr>
     <a:masterClrMapping/>
   </p:clrMapOvr>
+  <p:timing>
+    <p:tnLst>
+      <p:par>
+        <p:cTn id="1" dur="indefinite" restart="never" nodeType="tmRoot"/>
+      </p:par>
+    </p:tnLst>
+  </p:timing>
 </p:sld>
 </file>
 
@@ -23386,18 +23499,23 @@
       </p:grpSpPr>
       <p:sp>
         <p:nvSpPr>
-          <p:cNvPr id="2" name="Rectangle 1"/>
+          <p:cNvPr id="6" name="Rectangle 5"/>
           <p:cNvSpPr/>
           <p:nvPr/>
         </p:nvSpPr>
         <p:spPr>
           <a:xfrm>
-            <a:off x="152400" y="228600"/>
-            <a:ext cx="8763000" cy="2862322"/>
-          </a:xfrm>
-          <a:prstGeom prst="rect">
-            <a:avLst/>
-          </a:prstGeom>
+            <a:off x="0" y="0"/>
+            <a:ext cx="9144000" cy="584775"/>
+          </a:xfrm>
+          <a:prstGeom prst="rect">
+            <a:avLst/>
+          </a:prstGeom>
+          <a:solidFill>
+            <a:schemeClr val="accent4">
+              <a:lumMod val="75000"/>
+            </a:schemeClr>
+          </a:solidFill>
         </p:spPr>
         <p:txBody>
           <a:bodyPr wrap="square">
@@ -23405,102 +23523,339 @@
           </a:bodyPr>
           <a:lstStyle/>
           <a:p>
-            <a:r>
-              <a:rPr lang="en-US" dirty="0"/>
-              <a:t>create table book (id raw(16) primary key, data clob check(data is json</a:t>
-            </a:r>
+            <a:pPr algn="r">
+              <a:spcBef>
+                <a:spcPct val="0"/>
+              </a:spcBef>
+            </a:pPr>
+            <a:r>
+              <a:rPr lang="en-IN" sz="3200" b="1" i="1" dirty="0" smtClean="0">
+                <a:solidFill>
+                  <a:srgbClr val="FFFF00"/>
+                </a:solidFill>
+                <a:latin typeface="Arial" pitchFamily="34" charset="0"/>
+                <a:cs typeface="Arial" pitchFamily="34" charset="0"/>
+              </a:rPr>
+              <a:t>MongoDB</a:t>
+            </a:r>
+            <a:r>
+              <a:rPr lang="en-US" sz="3200" b="1" i="1" dirty="0" smtClean="0">
+                <a:solidFill>
+                  <a:srgbClr val="FFFF00"/>
+                </a:solidFill>
+                <a:latin typeface="Arial" pitchFamily="34" charset="0"/>
+                <a:cs typeface="Arial" pitchFamily="34" charset="0"/>
+              </a:rPr>
+              <a:t> </a:t>
+            </a:r>
+            <a:r>
+              <a:rPr lang="en-IN" sz="3200" b="1" i="1" dirty="0">
+                <a:solidFill>
+                  <a:srgbClr val="FFFF00"/>
+                </a:solidFill>
+                <a:latin typeface="Arial" pitchFamily="34" charset="0"/>
+                <a:cs typeface="Arial" pitchFamily="34" charset="0"/>
+              </a:rPr>
+              <a:t> </a:t>
+            </a:r>
+          </a:p>
+        </p:txBody>
+      </p:sp>
+      <p:sp>
+        <p:nvSpPr>
+          <p:cNvPr id="7" name="Rectangle 6"/>
+          <p:cNvSpPr/>
+          <p:nvPr/>
+        </p:nvSpPr>
+        <p:spPr>
+          <a:xfrm>
+            <a:off x="149188" y="762000"/>
+            <a:ext cx="8845624" cy="369332"/>
+          </a:xfrm>
+          <a:prstGeom prst="rect">
+            <a:avLst/>
+          </a:prstGeom>
+        </p:spPr>
+        <p:txBody>
+          <a:bodyPr wrap="square">
+            <a:spAutoFit/>
+          </a:bodyPr>
+          <a:lstStyle/>
+          <a:p>
             <a:r>
               <a:rPr lang="en-US" dirty="0" smtClean="0"/>
-              <a:t>));</a:t>
-            </a:r>
-          </a:p>
-          <a:p>
-            <a:endParaRPr lang="en-US" dirty="0"/>
-          </a:p>
-          <a:p>
-            <a:r>
-              <a:rPr lang="en-US" dirty="0"/>
-              <a:t>select book.* </a:t>
-            </a:r>
-          </a:p>
-          <a:p>
-            <a:r>
-              <a:rPr lang="en-US" dirty="0"/>
-              <a:t>	from books,</a:t>
-            </a:r>
-          </a:p>
-          <a:p>
-            <a:r>
-              <a:rPr lang="en-US" dirty="0"/>
-              <a:t>	</a:t>
-            </a:r>
-            <a:r>
-              <a:rPr lang="en-US" dirty="0" err="1"/>
-              <a:t>json_table</a:t>
-            </a:r>
-            <a:r>
-              <a:rPr lang="en-US" dirty="0"/>
-              <a:t>(data,'$'</a:t>
-            </a:r>
-          </a:p>
-          <a:p>
-            <a:r>
-              <a:rPr lang="en-US" dirty="0"/>
-              <a:t>	columns(</a:t>
-            </a:r>
-            <a:r>
-              <a:rPr lang="en-US" dirty="0" err="1"/>
-              <a:t>isbn</a:t>
-            </a:r>
-            <a:r>
-              <a:rPr lang="en-US" dirty="0"/>
-              <a:t>   varchar2(20) path '$.</a:t>
-            </a:r>
-            <a:r>
-              <a:rPr lang="en-US" dirty="0" err="1"/>
-              <a:t>isbn</a:t>
-            </a:r>
-            <a:r>
-              <a:rPr lang="en-US" dirty="0"/>
-              <a:t>',</a:t>
-            </a:r>
-          </a:p>
-          <a:p>
-            <a:r>
-              <a:rPr lang="en-US" dirty="0"/>
-              <a:t>		title  varchar2(20) path '$.title',</a:t>
-            </a:r>
-          </a:p>
-          <a:p>
-            <a:r>
-              <a:rPr lang="en-US" dirty="0"/>
-              <a:t>		price  varchar2(10) path '$.price',</a:t>
-            </a:r>
-          </a:p>
-          <a:p>
-            <a:r>
-              <a:rPr lang="en-US" dirty="0"/>
-              <a:t>		author varchar2(20) path '$.author',</a:t>
-            </a:r>
-          </a:p>
-          <a:p>
-            <a:r>
-              <a:rPr lang="en-US" dirty="0"/>
-              <a:t>		phone  varchar2(10) path '$.phone')) book</a:t>
-            </a:r>
+              <a:t>TODO</a:t>
+            </a:r>
+            <a:endParaRPr lang="en-IN" dirty="0"/>
           </a:p>
         </p:txBody>
       </p:sp>
     </p:spTree>
     <p:extLst>
       <p:ext uri="{BB962C8B-B14F-4D97-AF65-F5344CB8AC3E}">
-        <p14:creationId xmlns:p14="http://schemas.microsoft.com/office/powerpoint/2010/main" val="1501210411"/>
+        <p14:creationId xmlns:p14="http://schemas.microsoft.com/office/powerpoint/2010/main" val="1971192509"/>
       </p:ext>
     </p:extLst>
   </p:cSld>
   <p:clrMapOvr>
     <a:masterClrMapping/>
   </p:clrMapOvr>
+  <p:timing>
+    <p:tnLst>
+      <p:par>
+        <p:cTn id="1" dur="indefinite" restart="never" nodeType="tmRoot"/>
+      </p:par>
+    </p:tnLst>
+  </p:timing>
+</p:sld>
+</file>
+
+<file path=ppt/slides/slide89.xml><?xml version="1.0" encoding="utf-8"?>
+<p:sld xmlns:a="http://schemas.openxmlformats.org/drawingml/2006/main" xmlns:r="http://schemas.openxmlformats.org/officeDocument/2006/relationships" xmlns:p="http://schemas.openxmlformats.org/presentationml/2006/main">
+  <p:cSld>
+    <p:spTree>
+      <p:nvGrpSpPr>
+        <p:cNvPr id="1" name=""/>
+        <p:cNvGrpSpPr/>
+        <p:nvPr/>
+      </p:nvGrpSpPr>
+      <p:grpSpPr>
+        <a:xfrm>
+          <a:off x="0" y="0"/>
+          <a:ext cx="0" cy="0"/>
+          <a:chOff x="0" y="0"/>
+          <a:chExt cx="0" cy="0"/>
+        </a:xfrm>
+      </p:grpSpPr>
+      <p:sp>
+        <p:nvSpPr>
+          <p:cNvPr id="4" name="Rectangle 3"/>
+          <p:cNvSpPr/>
+          <p:nvPr/>
+        </p:nvSpPr>
+        <p:spPr>
+          <a:xfrm>
+            <a:off x="0" y="0"/>
+            <a:ext cx="9144000" cy="584775"/>
+          </a:xfrm>
+          <a:prstGeom prst="rect">
+            <a:avLst/>
+          </a:prstGeom>
+          <a:solidFill>
+            <a:schemeClr val="bg2">
+              <a:lumMod val="10000"/>
+            </a:schemeClr>
+          </a:solidFill>
+        </p:spPr>
+        <p:txBody>
+          <a:bodyPr wrap="square">
+            <a:spAutoFit/>
+          </a:bodyPr>
+          <a:lstStyle/>
+          <a:p>
+            <a:pPr algn="r"/>
+            <a:r>
+              <a:rPr lang="en-IN" sz="3200" b="1" i="1" dirty="0" smtClean="0">
+                <a:solidFill>
+                  <a:srgbClr val="FFFF00"/>
+                </a:solidFill>
+                <a:latin typeface="Arial" pitchFamily="34" charset="0"/>
+                <a:cs typeface="Arial" pitchFamily="34" charset="0"/>
+              </a:rPr>
+              <a:t>IMP</a:t>
+            </a:r>
+            <a:endParaRPr lang="en-IN" sz="3200" b="1" i="1" dirty="0">
+              <a:solidFill>
+                <a:srgbClr val="FFFF00"/>
+              </a:solidFill>
+              <a:latin typeface="Arial" pitchFamily="34" charset="0"/>
+              <a:cs typeface="Arial" pitchFamily="34" charset="0"/>
+            </a:endParaRPr>
+          </a:p>
+        </p:txBody>
+      </p:sp>
+      <p:sp>
+        <p:nvSpPr>
+          <p:cNvPr id="2" name="Rectangle 1"/>
+          <p:cNvSpPr/>
+          <p:nvPr/>
+        </p:nvSpPr>
+        <p:spPr>
+          <a:xfrm>
+            <a:off x="145976" y="849264"/>
+            <a:ext cx="8845624" cy="369332"/>
+          </a:xfrm>
+          <a:prstGeom prst="rect">
+            <a:avLst/>
+          </a:prstGeom>
+        </p:spPr>
+        <p:txBody>
+          <a:bodyPr wrap="square">
+            <a:spAutoFit/>
+          </a:bodyPr>
+          <a:lstStyle/>
+          <a:p>
+            <a:r>
+              <a:rPr lang="en-IN" dirty="0" smtClean="0">
+                <a:solidFill>
+                  <a:srgbClr val="222222"/>
+                </a:solidFill>
+                <a:latin typeface="Verdana" panose="020B0604030504040204" pitchFamily="34" charset="0"/>
+              </a:rPr>
+              <a:t>1. Think </a:t>
+            </a:r>
+            <a:r>
+              <a:rPr lang="en-IN" dirty="0">
+                <a:solidFill>
+                  <a:srgbClr val="222222"/>
+                </a:solidFill>
+                <a:latin typeface="Verdana" panose="020B0604030504040204" pitchFamily="34" charset="0"/>
+              </a:rPr>
+              <a:t>about how multiplication can be done without actually </a:t>
+            </a:r>
+            <a:r>
+              <a:rPr lang="en-IN" dirty="0" smtClean="0">
+                <a:solidFill>
+                  <a:srgbClr val="222222"/>
+                </a:solidFill>
+                <a:latin typeface="Verdana" panose="020B0604030504040204" pitchFamily="34" charset="0"/>
+              </a:rPr>
+              <a:t>multiplying </a:t>
+            </a:r>
+            <a:endParaRPr lang="en-IN" dirty="0"/>
+          </a:p>
+        </p:txBody>
+      </p:sp>
+      <p:sp>
+        <p:nvSpPr>
+          <p:cNvPr id="3" name="TextBox 2"/>
+          <p:cNvSpPr txBox="1"/>
+          <p:nvPr/>
+        </p:nvSpPr>
+        <p:spPr>
+          <a:xfrm>
+            <a:off x="990600" y="2514600"/>
+            <a:ext cx="184731" cy="369332"/>
+          </a:xfrm>
+          <a:prstGeom prst="rect">
+            <a:avLst/>
+          </a:prstGeom>
+          <a:noFill/>
+        </p:spPr>
+        <p:txBody>
+          <a:bodyPr wrap="none" rtlCol="0">
+            <a:spAutoFit/>
+          </a:bodyPr>
+          <a:lstStyle/>
+          <a:p>
+            <a:endParaRPr lang="en-IN" dirty="0"/>
+          </a:p>
+        </p:txBody>
+      </p:sp>
+      <p:pic>
+        <p:nvPicPr>
+          <p:cNvPr id="5" name="Picture 4"/>
+          <p:cNvPicPr>
+            <a:picLocks noChangeAspect="1"/>
+          </p:cNvPicPr>
+          <p:nvPr/>
+        </p:nvPicPr>
+        <p:blipFill>
+          <a:blip r:embed="rId2"/>
+          <a:stretch>
+            <a:fillRect/>
+          </a:stretch>
+        </p:blipFill>
+        <p:spPr>
+          <a:xfrm>
+            <a:off x="304800" y="3700361"/>
+            <a:ext cx="4648200" cy="2471839"/>
+          </a:xfrm>
+          <a:prstGeom prst="rect">
+            <a:avLst/>
+          </a:prstGeom>
+        </p:spPr>
+      </p:pic>
+      <p:sp>
+        <p:nvSpPr>
+          <p:cNvPr id="6" name="Rectangle 5"/>
+          <p:cNvSpPr/>
+          <p:nvPr/>
+        </p:nvSpPr>
+        <p:spPr>
+          <a:xfrm>
+            <a:off x="145976" y="3243552"/>
+            <a:ext cx="1317990" cy="369332"/>
+          </a:xfrm>
+          <a:prstGeom prst="rect">
+            <a:avLst/>
+          </a:prstGeom>
+        </p:spPr>
+        <p:txBody>
+          <a:bodyPr wrap="none">
+            <a:spAutoFit/>
+          </a:bodyPr>
+          <a:lstStyle/>
+          <a:p>
+            <a:r>
+              <a:rPr lang="en-IN" dirty="0" smtClean="0">
+                <a:solidFill>
+                  <a:srgbClr val="222222"/>
+                </a:solidFill>
+                <a:latin typeface="Verdana" panose="020B0604030504040204" pitchFamily="34" charset="0"/>
+              </a:rPr>
+              <a:t>2. Square</a:t>
+            </a:r>
+            <a:endParaRPr lang="en-IN" dirty="0">
+              <a:solidFill>
+                <a:srgbClr val="222222"/>
+              </a:solidFill>
+              <a:latin typeface="Verdana" panose="020B0604030504040204" pitchFamily="34" charset="0"/>
+            </a:endParaRPr>
+          </a:p>
+        </p:txBody>
+      </p:sp>
+      <p:pic>
+        <p:nvPicPr>
+          <p:cNvPr id="8" name="Picture 7"/>
+          <p:cNvPicPr>
+            <a:picLocks noChangeAspect="1"/>
+          </p:cNvPicPr>
+          <p:nvPr/>
+        </p:nvPicPr>
+        <p:blipFill>
+          <a:blip r:embed="rId3"/>
+          <a:stretch>
+            <a:fillRect/>
+          </a:stretch>
+        </p:blipFill>
+        <p:spPr>
+          <a:xfrm>
+            <a:off x="533400" y="1250647"/>
+            <a:ext cx="4495800" cy="1883657"/>
+          </a:xfrm>
+          <a:prstGeom prst="rect">
+            <a:avLst/>
+          </a:prstGeom>
+        </p:spPr>
+      </p:pic>
+    </p:spTree>
+    <p:extLst>
+      <p:ext uri="{BB962C8B-B14F-4D97-AF65-F5344CB8AC3E}">
+        <p14:creationId xmlns:p14="http://schemas.microsoft.com/office/powerpoint/2010/main" val="3391323119"/>
+      </p:ext>
+    </p:extLst>
+  </p:cSld>
+  <p:clrMapOvr>
+    <a:masterClrMapping/>
+  </p:clrMapOvr>
+  <p:timing>
+    <p:tnLst>
+      <p:par>
+        <p:cTn id="1" dur="indefinite" restart="never" nodeType="tmRoot"/>
+      </p:par>
+    </p:tnLst>
+  </p:timing>
 </p:sld>
 </file>
 
@@ -24024,6 +24379,368 @@
       </p:par>
     </p:tnLst>
   </p:timing>
+</p:sld>
+</file>
+
+<file path=ppt/slides/slide90.xml><?xml version="1.0" encoding="utf-8"?>
+<p:sld xmlns:a="http://schemas.openxmlformats.org/drawingml/2006/main" xmlns:r="http://schemas.openxmlformats.org/officeDocument/2006/relationships" xmlns:p="http://schemas.openxmlformats.org/presentationml/2006/main">
+  <p:cSld>
+    <p:spTree>
+      <p:nvGrpSpPr>
+        <p:cNvPr id="1" name=""/>
+        <p:cNvGrpSpPr/>
+        <p:nvPr/>
+      </p:nvGrpSpPr>
+      <p:grpSpPr>
+        <a:xfrm>
+          <a:off x="0" y="0"/>
+          <a:ext cx="0" cy="0"/>
+          <a:chOff x="0" y="0"/>
+          <a:chExt cx="0" cy="0"/>
+        </a:xfrm>
+      </p:grpSpPr>
+      <p:pic>
+        <p:nvPicPr>
+          <p:cNvPr id="1026" name="Picture 2" descr="http://www.bvctch.vn/vnt_upload/weblink/thks.jpg"/>
+          <p:cNvPicPr>
+            <a:picLocks noChangeAspect="1" noChangeArrowheads="1"/>
+          </p:cNvPicPr>
+          <p:nvPr/>
+        </p:nvPicPr>
+        <p:blipFill>
+          <a:blip r:embed="rId2">
+            <a:extLst>
+              <a:ext uri="{28A0092B-C50C-407E-A947-70E740481C1C}">
+                <a14:useLocalDpi xmlns:a14="http://schemas.microsoft.com/office/drawing/2010/main" val="0"/>
+              </a:ext>
+            </a:extLst>
+          </a:blip>
+          <a:srcRect/>
+          <a:stretch>
+            <a:fillRect/>
+          </a:stretch>
+        </p:blipFill>
+        <p:spPr bwMode="auto">
+          <a:xfrm>
+            <a:off x="2895600" y="757237"/>
+            <a:ext cx="3124200" cy="4881563"/>
+          </a:xfrm>
+          <a:prstGeom prst="rect">
+            <a:avLst/>
+          </a:prstGeom>
+          <a:noFill/>
+          <a:extLst>
+            <a:ext uri="{909E8E84-426E-40DD-AFC4-6F175D3DCCD1}">
+              <a14:hiddenFill xmlns:a14="http://schemas.microsoft.com/office/drawing/2010/main">
+                <a:solidFill>
+                  <a:srgbClr val="FFFFFF"/>
+                </a:solidFill>
+              </a14:hiddenFill>
+            </a:ext>
+          </a:extLst>
+        </p:spPr>
+      </p:pic>
+      <p:sp>
+        <p:nvSpPr>
+          <p:cNvPr id="3" name="Rectangle 2"/>
+          <p:cNvSpPr/>
+          <p:nvPr/>
+        </p:nvSpPr>
+        <p:spPr>
+          <a:xfrm>
+            <a:off x="304800" y="5105400"/>
+            <a:ext cx="8610600" cy="1077218"/>
+          </a:xfrm>
+          <a:prstGeom prst="rect">
+            <a:avLst/>
+          </a:prstGeom>
+        </p:spPr>
+        <p:txBody>
+          <a:bodyPr wrap="square">
+            <a:spAutoFit/>
+          </a:bodyPr>
+          <a:lstStyle/>
+          <a:p>
+            <a:pPr algn="ctr"/>
+            <a:r>
+              <a:rPr lang="en-IN" sz="3200" dirty="0">
+                <a:solidFill>
+                  <a:srgbClr val="FE1212"/>
+                </a:solidFill>
+                <a:latin typeface="Segoe Print" panose="02000600000000000000" pitchFamily="2" charset="0"/>
+              </a:rPr>
+              <a:t>"Live as if you were to die tomorrow.</a:t>
+            </a:r>
+          </a:p>
+          <a:p>
+            <a:pPr algn="ctr"/>
+            <a:r>
+              <a:rPr lang="en-IN" sz="3200" dirty="0">
+                <a:solidFill>
+                  <a:srgbClr val="FE1212"/>
+                </a:solidFill>
+                <a:latin typeface="Segoe Print" panose="02000600000000000000" pitchFamily="2" charset="0"/>
+              </a:rPr>
+              <a:t>Learn as if you were to live forever"</a:t>
+            </a:r>
+          </a:p>
+        </p:txBody>
+      </p:sp>
+    </p:spTree>
+    <p:extLst>
+      <p:ext uri="{BB962C8B-B14F-4D97-AF65-F5344CB8AC3E}">
+        <p14:creationId xmlns:p14="http://schemas.microsoft.com/office/powerpoint/2010/main" val="1148130326"/>
+      </p:ext>
+    </p:extLst>
+  </p:cSld>
+  <p:clrMapOvr>
+    <a:masterClrMapping/>
+  </p:clrMapOvr>
+  <p:timing>
+    <p:tnLst>
+      <p:par>
+        <p:cTn id="1" dur="indefinite" restart="never" nodeType="tmRoot"/>
+      </p:par>
+    </p:tnLst>
+  </p:timing>
+</p:sld>
+</file>
+
+<file path=ppt/slides/slide91.xml><?xml version="1.0" encoding="utf-8"?>
+<p:sld xmlns:a="http://schemas.openxmlformats.org/drawingml/2006/main" xmlns:r="http://schemas.openxmlformats.org/officeDocument/2006/relationships" xmlns:p="http://schemas.openxmlformats.org/presentationml/2006/main">
+  <p:cSld>
+    <p:spTree>
+      <p:nvGrpSpPr>
+        <p:cNvPr id="1" name=""/>
+        <p:cNvGrpSpPr/>
+        <p:nvPr/>
+      </p:nvGrpSpPr>
+      <p:grpSpPr>
+        <a:xfrm>
+          <a:off x="0" y="0"/>
+          <a:ext cx="0" cy="0"/>
+          <a:chOff x="0" y="0"/>
+          <a:chExt cx="0" cy="0"/>
+        </a:xfrm>
+      </p:grpSpPr>
+      <p:sp>
+        <p:nvSpPr>
+          <p:cNvPr id="3" name="Rectangle 2"/>
+          <p:cNvSpPr/>
+          <p:nvPr/>
+        </p:nvSpPr>
+        <p:spPr>
+          <a:xfrm>
+            <a:off x="304800" y="1981200"/>
+            <a:ext cx="8305800" cy="1754326"/>
+          </a:xfrm>
+          <a:prstGeom prst="rect">
+            <a:avLst/>
+          </a:prstGeom>
+        </p:spPr>
+        <p:txBody>
+          <a:bodyPr wrap="square">
+            <a:spAutoFit/>
+          </a:bodyPr>
+          <a:lstStyle/>
+          <a:p>
+            <a:r>
+              <a:rPr lang="en-US" dirty="0"/>
+              <a:t>The ALTER TABLE...DROP UNUSED COLUMNS statement is the only action allowed on unused columns. It physically removes unused columns from the table and reclaims disk space</a:t>
+            </a:r>
+            <a:r>
+              <a:rPr lang="en-US" dirty="0" smtClean="0"/>
+              <a:t>.</a:t>
+            </a:r>
+          </a:p>
+          <a:p>
+            <a:endParaRPr lang="en-US" dirty="0" smtClean="0"/>
+          </a:p>
+          <a:p>
+            <a:r>
+              <a:rPr lang="en-US" dirty="0" smtClean="0">
+                <a:solidFill>
+                  <a:srgbClr val="FF0000"/>
+                </a:solidFill>
+              </a:rPr>
+              <a:t>alter </a:t>
+            </a:r>
+            <a:r>
+              <a:rPr lang="en-US" dirty="0">
+                <a:solidFill>
+                  <a:srgbClr val="FF0000"/>
+                </a:solidFill>
+              </a:rPr>
+              <a:t>table t set unused(c2);</a:t>
+            </a:r>
+          </a:p>
+          <a:p>
+            <a:r>
+              <a:rPr lang="en-US" dirty="0" smtClean="0">
+                <a:solidFill>
+                  <a:srgbClr val="FF0000"/>
+                </a:solidFill>
+              </a:rPr>
+              <a:t> </a:t>
+            </a:r>
+            <a:r>
+              <a:rPr lang="en-US" dirty="0">
+                <a:solidFill>
+                  <a:srgbClr val="FF0000"/>
+                </a:solidFill>
+              </a:rPr>
+              <a:t>alter table t drop unused column;</a:t>
+            </a:r>
+          </a:p>
+        </p:txBody>
+      </p:sp>
+    </p:spTree>
+    <p:extLst>
+      <p:ext uri="{BB962C8B-B14F-4D97-AF65-F5344CB8AC3E}">
+        <p14:creationId xmlns:p14="http://schemas.microsoft.com/office/powerpoint/2010/main" val="1183446369"/>
+      </p:ext>
+    </p:extLst>
+  </p:cSld>
+  <p:clrMapOvr>
+    <a:masterClrMapping/>
+  </p:clrMapOvr>
+</p:sld>
+</file>
+
+<file path=ppt/slides/slide92.xml><?xml version="1.0" encoding="utf-8"?>
+<p:sld xmlns:a="http://schemas.openxmlformats.org/drawingml/2006/main" xmlns:r="http://schemas.openxmlformats.org/officeDocument/2006/relationships" xmlns:p="http://schemas.openxmlformats.org/presentationml/2006/main">
+  <p:cSld>
+    <p:spTree>
+      <p:nvGrpSpPr>
+        <p:cNvPr id="1" name=""/>
+        <p:cNvGrpSpPr/>
+        <p:nvPr/>
+      </p:nvGrpSpPr>
+      <p:grpSpPr>
+        <a:xfrm>
+          <a:off x="0" y="0"/>
+          <a:ext cx="0" cy="0"/>
+          <a:chOff x="0" y="0"/>
+          <a:chExt cx="0" cy="0"/>
+        </a:xfrm>
+      </p:grpSpPr>
+      <p:sp>
+        <p:nvSpPr>
+          <p:cNvPr id="2" name="Rectangle 1"/>
+          <p:cNvSpPr/>
+          <p:nvPr/>
+        </p:nvSpPr>
+        <p:spPr>
+          <a:xfrm>
+            <a:off x="152400" y="228600"/>
+            <a:ext cx="8763000" cy="2862322"/>
+          </a:xfrm>
+          <a:prstGeom prst="rect">
+            <a:avLst/>
+          </a:prstGeom>
+        </p:spPr>
+        <p:txBody>
+          <a:bodyPr wrap="square">
+            <a:spAutoFit/>
+          </a:bodyPr>
+          <a:lstStyle/>
+          <a:p>
+            <a:r>
+              <a:rPr lang="en-US" dirty="0"/>
+              <a:t>create table book (id raw(16) primary key, data clob check(data is json</a:t>
+            </a:r>
+            <a:r>
+              <a:rPr lang="en-US" dirty="0" smtClean="0"/>
+              <a:t>));</a:t>
+            </a:r>
+          </a:p>
+          <a:p>
+            <a:endParaRPr lang="en-US" dirty="0"/>
+          </a:p>
+          <a:p>
+            <a:r>
+              <a:rPr lang="en-US" dirty="0"/>
+              <a:t>select book.* </a:t>
+            </a:r>
+          </a:p>
+          <a:p>
+            <a:r>
+              <a:rPr lang="en-US" dirty="0"/>
+              <a:t>	from books,</a:t>
+            </a:r>
+          </a:p>
+          <a:p>
+            <a:r>
+              <a:rPr lang="en-US" dirty="0"/>
+              <a:t>	</a:t>
+            </a:r>
+            <a:r>
+              <a:rPr lang="en-US" dirty="0" err="1"/>
+              <a:t>json_table</a:t>
+            </a:r>
+            <a:r>
+              <a:rPr lang="en-US" dirty="0"/>
+              <a:t>(data,'$'</a:t>
+            </a:r>
+          </a:p>
+          <a:p>
+            <a:r>
+              <a:rPr lang="en-US" dirty="0"/>
+              <a:t>	columns(</a:t>
+            </a:r>
+            <a:r>
+              <a:rPr lang="en-US" dirty="0" err="1"/>
+              <a:t>isbn</a:t>
+            </a:r>
+            <a:r>
+              <a:rPr lang="en-US" dirty="0"/>
+              <a:t>   varchar2(20) path '$.</a:t>
+            </a:r>
+            <a:r>
+              <a:rPr lang="en-US" dirty="0" err="1"/>
+              <a:t>isbn</a:t>
+            </a:r>
+            <a:r>
+              <a:rPr lang="en-US" dirty="0"/>
+              <a:t>',</a:t>
+            </a:r>
+          </a:p>
+          <a:p>
+            <a:r>
+              <a:rPr lang="en-US" dirty="0"/>
+              <a:t>		title  varchar2(20) path '$.title',</a:t>
+            </a:r>
+          </a:p>
+          <a:p>
+            <a:r>
+              <a:rPr lang="en-US" dirty="0"/>
+              <a:t>		price  varchar2(10) path '$.price',</a:t>
+            </a:r>
+          </a:p>
+          <a:p>
+            <a:r>
+              <a:rPr lang="en-US" dirty="0"/>
+              <a:t>		author varchar2(20) path '$.author',</a:t>
+            </a:r>
+          </a:p>
+          <a:p>
+            <a:r>
+              <a:rPr lang="en-US" dirty="0"/>
+              <a:t>		phone  varchar2(10) path '$.phone')) book</a:t>
+            </a:r>
+          </a:p>
+        </p:txBody>
+      </p:sp>
+    </p:spTree>
+    <p:extLst>
+      <p:ext uri="{BB962C8B-B14F-4D97-AF65-F5344CB8AC3E}">
+        <p14:creationId xmlns:p14="http://schemas.microsoft.com/office/powerpoint/2010/main" val="1501210411"/>
+      </p:ext>
+    </p:extLst>
+  </p:cSld>
+  <p:clrMapOvr>
+    <a:masterClrMapping/>
+  </p:clrMapOvr>
 </p:sld>
 </file>
 

--- a/MongoDB PPT.pptx
+++ b/MongoDB PPT.pptx
@@ -5,7 +5,7 @@
     <p:sldMasterId id="2147483720" r:id="rId1"/>
   </p:sldMasterIdLst>
   <p:notesMasterIdLst>
-    <p:notesMasterId r:id="rId94"/>
+    <p:notesMasterId r:id="rId98"/>
   </p:notesMasterIdLst>
   <p:sldIdLst>
     <p:sldId id="497" r:id="rId2"/>
@@ -62,44 +62,48 @@
     <p:sldId id="1162" r:id="rId53"/>
     <p:sldId id="1154" r:id="rId54"/>
     <p:sldId id="1155" r:id="rId55"/>
-    <p:sldId id="1173" r:id="rId56"/>
-    <p:sldId id="1174" r:id="rId57"/>
-    <p:sldId id="1175" r:id="rId58"/>
-    <p:sldId id="1176" r:id="rId59"/>
-    <p:sldId id="1099" r:id="rId60"/>
-    <p:sldId id="1092" r:id="rId61"/>
-    <p:sldId id="1102" r:id="rId62"/>
-    <p:sldId id="1103" r:id="rId63"/>
-    <p:sldId id="1104" r:id="rId64"/>
-    <p:sldId id="1105" r:id="rId65"/>
-    <p:sldId id="1106" r:id="rId66"/>
-    <p:sldId id="1107" r:id="rId67"/>
-    <p:sldId id="1108" r:id="rId68"/>
-    <p:sldId id="1109" r:id="rId69"/>
-    <p:sldId id="1110" r:id="rId70"/>
-    <p:sldId id="1111" r:id="rId71"/>
-    <p:sldId id="1112" r:id="rId72"/>
-    <p:sldId id="1113" r:id="rId73"/>
-    <p:sldId id="1114" r:id="rId74"/>
-    <p:sldId id="1115" r:id="rId75"/>
-    <p:sldId id="1116" r:id="rId76"/>
-    <p:sldId id="1117" r:id="rId77"/>
-    <p:sldId id="1118" r:id="rId78"/>
-    <p:sldId id="1119" r:id="rId79"/>
-    <p:sldId id="1120" r:id="rId80"/>
-    <p:sldId id="1121" r:id="rId81"/>
-    <p:sldId id="1122" r:id="rId82"/>
-    <p:sldId id="1123" r:id="rId83"/>
-    <p:sldId id="1124" r:id="rId84"/>
-    <p:sldId id="1125" r:id="rId85"/>
-    <p:sldId id="1126" r:id="rId86"/>
-    <p:sldId id="1127" r:id="rId87"/>
-    <p:sldId id="1128" r:id="rId88"/>
-    <p:sldId id="1129" r:id="rId89"/>
-    <p:sldId id="954" r:id="rId90"/>
-    <p:sldId id="788" r:id="rId91"/>
-    <p:sldId id="1071" r:id="rId92"/>
-    <p:sldId id="1087" r:id="rId93"/>
+    <p:sldId id="1179" r:id="rId56"/>
+    <p:sldId id="1180" r:id="rId57"/>
+    <p:sldId id="1181" r:id="rId58"/>
+    <p:sldId id="1182" r:id="rId59"/>
+    <p:sldId id="1173" r:id="rId60"/>
+    <p:sldId id="1174" r:id="rId61"/>
+    <p:sldId id="1175" r:id="rId62"/>
+    <p:sldId id="1176" r:id="rId63"/>
+    <p:sldId id="1099" r:id="rId64"/>
+    <p:sldId id="1092" r:id="rId65"/>
+    <p:sldId id="1102" r:id="rId66"/>
+    <p:sldId id="1103" r:id="rId67"/>
+    <p:sldId id="1104" r:id="rId68"/>
+    <p:sldId id="1105" r:id="rId69"/>
+    <p:sldId id="1106" r:id="rId70"/>
+    <p:sldId id="1107" r:id="rId71"/>
+    <p:sldId id="1108" r:id="rId72"/>
+    <p:sldId id="1109" r:id="rId73"/>
+    <p:sldId id="1110" r:id="rId74"/>
+    <p:sldId id="1111" r:id="rId75"/>
+    <p:sldId id="1112" r:id="rId76"/>
+    <p:sldId id="1113" r:id="rId77"/>
+    <p:sldId id="1114" r:id="rId78"/>
+    <p:sldId id="1115" r:id="rId79"/>
+    <p:sldId id="1116" r:id="rId80"/>
+    <p:sldId id="1117" r:id="rId81"/>
+    <p:sldId id="1118" r:id="rId82"/>
+    <p:sldId id="1119" r:id="rId83"/>
+    <p:sldId id="1120" r:id="rId84"/>
+    <p:sldId id="1121" r:id="rId85"/>
+    <p:sldId id="1122" r:id="rId86"/>
+    <p:sldId id="1123" r:id="rId87"/>
+    <p:sldId id="1124" r:id="rId88"/>
+    <p:sldId id="1125" r:id="rId89"/>
+    <p:sldId id="1126" r:id="rId90"/>
+    <p:sldId id="1127" r:id="rId91"/>
+    <p:sldId id="1128" r:id="rId92"/>
+    <p:sldId id="1129" r:id="rId93"/>
+    <p:sldId id="954" r:id="rId94"/>
+    <p:sldId id="788" r:id="rId95"/>
+    <p:sldId id="1071" r:id="rId96"/>
+    <p:sldId id="1087" r:id="rId97"/>
   </p:sldIdLst>
   <p:sldSz cx="9144000" cy="6858000" type="screen4x3"/>
   <p:notesSz cx="6858000" cy="9144000"/>
@@ -18763,7 +18767,7 @@
           <a:p>
             <a:r>
               <a:rPr lang="en-IN" dirty="0"/>
-              <a:t>db.collection.deleteOne()</a:t>
+              <a:t>db.collection.insert()</a:t>
             </a:r>
             <a:endParaRPr lang="en-US" dirty="0"/>
           </a:p>
@@ -18805,25 +18809,30 @@
               </a:rPr>
               <a:t>TODO</a:t>
             </a:r>
-            <a:endParaRPr lang="en-US" dirty="0"/>
+            <a:endParaRPr lang="en-US" dirty="0" smtClean="0">
+              <a:solidFill>
+                <a:srgbClr val="222222"/>
+              </a:solidFill>
+              <a:latin typeface="arial" panose="020B0604020202020204" pitchFamily="34" charset="0"/>
+            </a:endParaRPr>
           </a:p>
         </p:txBody>
       </p:sp>
     </p:spTree>
     <p:extLst>
       <p:ext uri="{BB962C8B-B14F-4D97-AF65-F5344CB8AC3E}">
-        <p14:creationId xmlns:p14="http://schemas.microsoft.com/office/powerpoint/2010/main" val="3719896549"/>
+        <p14:creationId xmlns:p14="http://schemas.microsoft.com/office/powerpoint/2010/main" val="532022479"/>
       </p:ext>
     </p:extLst>
   </p:cSld>
   <p:clrMapOvr>
     <a:masterClrMapping/>
   </p:clrMapOvr>
-  <mc:AlternateContent xmlns:mc="http://schemas.openxmlformats.org/markup-compatibility/2006" xmlns:p14="http://schemas.microsoft.com/office/powerpoint/2010/main">
-    <mc:Choice Requires="p14">
+  <mc:AlternateContent xmlns:mc="http://schemas.openxmlformats.org/markup-compatibility/2006">
+    <mc:Choice xmlns:p14="http://schemas.microsoft.com/office/powerpoint/2010/main" Requires="p14">
       <p:transition spd="slow" p14:dur="2000"/>
     </mc:Choice>
-    <mc:Fallback xmlns="">
+    <mc:Fallback>
       <p:transition spd="slow"/>
     </mc:Fallback>
   </mc:AlternateContent>
@@ -18893,72 +18902,65 @@
                 <a:latin typeface="Arial" pitchFamily="34" charset="0"/>
                 <a:cs typeface="Arial" pitchFamily="34" charset="0"/>
               </a:rPr>
-              <a:t>db.collection.deleteOne()</a:t>
-            </a:r>
-          </a:p>
-        </p:txBody>
-      </p:sp>
-      <p:sp>
-        <p:nvSpPr>
-          <p:cNvPr id="7" name="Rectangle 6"/>
+              <a:t>db.collection.insert()</a:t>
+            </a:r>
+            <a:endParaRPr lang="en-IN" sz="3200" b="1" i="1" dirty="0">
+              <a:solidFill>
+                <a:srgbClr val="FFFF00"/>
+              </a:solidFill>
+              <a:latin typeface="Arial" pitchFamily="34" charset="0"/>
+              <a:cs typeface="Arial" pitchFamily="34" charset="0"/>
+            </a:endParaRPr>
+          </a:p>
+        </p:txBody>
+      </p:sp>
+      <p:sp>
+        <p:nvSpPr>
+          <p:cNvPr id="4" name="Rectangle 3"/>
           <p:cNvSpPr/>
           <p:nvPr/>
         </p:nvSpPr>
         <p:spPr>
           <a:xfrm>
-            <a:off x="149188" y="762000"/>
-            <a:ext cx="8845624" cy="646331"/>
-          </a:xfrm>
-          <a:prstGeom prst="rect">
-            <a:avLst/>
-          </a:prstGeom>
-        </p:spPr>
-        <p:txBody>
-          <a:bodyPr wrap="square">
+            <a:off x="133354" y="1497568"/>
+            <a:ext cx="3350597" cy="369332"/>
+          </a:xfrm>
+          <a:prstGeom prst="rect">
+            <a:avLst/>
+          </a:prstGeom>
+        </p:spPr>
+        <p:txBody>
+          <a:bodyPr wrap="none">
             <a:spAutoFit/>
           </a:bodyPr>
           <a:lstStyle/>
           <a:p>
-            <a:r>
-              <a:rPr lang="en-US" dirty="0"/>
-              <a:t>Removes a single document from a collection. Specify an empty document { } to delete the first document returned in the collection.</a:t>
-            </a:r>
-            <a:endParaRPr lang="en-IN" dirty="0"/>
-          </a:p>
-        </p:txBody>
-      </p:sp>
-      <p:sp>
-        <p:nvSpPr>
-          <p:cNvPr id="8" name="Rectangle 7"/>
-          <p:cNvSpPr/>
-          <p:nvPr/>
-        </p:nvSpPr>
-        <p:spPr>
-          <a:xfrm>
-            <a:off x="154136" y="1611868"/>
-            <a:ext cx="8761264" cy="369332"/>
-          </a:xfrm>
-          <a:prstGeom prst="rect">
-            <a:avLst/>
-          </a:prstGeom>
-        </p:spPr>
-        <p:txBody>
-          <a:bodyPr wrap="square">
-            <a:spAutoFit/>
-          </a:bodyPr>
-          <a:lstStyle/>
-          <a:p>
-            <a:r>
-              <a:rPr lang="en-US" dirty="0" smtClean="0">
+            <a:pPr>
+              <a:spcBef>
+                <a:spcPct val="0"/>
+              </a:spcBef>
+            </a:pPr>
+            <a:r>
+              <a:rPr lang="en-IN" dirty="0">
                 <a:solidFill>
                   <a:srgbClr val="049DC8"/>
                 </a:solidFill>
                 <a:latin typeface="Consolas" panose="020B0609020204030204" pitchFamily="49" charset="0"/>
                 <a:cs typeface="Calibri" panose="020F0502020204030204" pitchFamily="34" charset="0"/>
               </a:rPr>
-              <a:t>db.collection.deleteOne({&lt;filter&gt;})</a:t>
-            </a:r>
-            <a:endParaRPr lang="en-US" dirty="0">
+              <a:t>db.collection.insert</a:t>
+            </a:r>
+            <a:r>
+              <a:rPr lang="en-IN" dirty="0" smtClean="0">
+                <a:solidFill>
+                  <a:srgbClr val="049DC8"/>
+                </a:solidFill>
+                <a:latin typeface="Consolas" panose="020B0609020204030204" pitchFamily="49" charset="0"/>
+                <a:cs typeface="Calibri" panose="020F0502020204030204" pitchFamily="34" charset="0"/>
+              </a:rPr>
+              <a:t>({ })</a:t>
+            </a:r>
+            <a:endParaRPr lang="en-IN" dirty="0">
               <a:solidFill>
                 <a:srgbClr val="049DC8"/>
               </a:solidFill>
@@ -18970,14 +18972,14 @@
       </p:sp>
       <p:sp>
         <p:nvSpPr>
-          <p:cNvPr id="5" name="Rectangle 4"/>
+          <p:cNvPr id="8" name="Rectangle 7"/>
           <p:cNvSpPr/>
           <p:nvPr/>
         </p:nvSpPr>
         <p:spPr>
           <a:xfrm>
-            <a:off x="149188" y="2286000"/>
-            <a:ext cx="8766212" cy="892552"/>
+            <a:off x="149188" y="762000"/>
+            <a:ext cx="8845624" cy="369332"/>
           </a:xfrm>
           <a:prstGeom prst="rect">
             <a:avLst/>
@@ -18990,6 +18992,45 @@
           <a:lstStyle/>
           <a:p>
             <a:r>
+              <a:rPr lang="en-US" dirty="0"/>
+              <a:t>Inserts a document or documents into a collection.</a:t>
+            </a:r>
+            <a:endParaRPr lang="en-IN" dirty="0"/>
+          </a:p>
+        </p:txBody>
+      </p:sp>
+      <p:sp>
+        <p:nvSpPr>
+          <p:cNvPr id="3" name="Rectangle 2"/>
+          <p:cNvSpPr/>
+          <p:nvPr/>
+        </p:nvSpPr>
+        <p:spPr>
+          <a:xfrm>
+            <a:off x="153146" y="2233136"/>
+            <a:ext cx="8841666" cy="1354217"/>
+          </a:xfrm>
+          <a:prstGeom prst="rect">
+            <a:avLst/>
+          </a:prstGeom>
+        </p:spPr>
+        <p:txBody>
+          <a:bodyPr wrap="square">
+            <a:spAutoFit/>
+          </a:bodyPr>
+          <a:lstStyle/>
+          <a:p>
+            <a:r>
+              <a:rPr lang="en-US" sz="2200" dirty="0">
+                <a:solidFill>
+                  <a:srgbClr val="FC6F0D"/>
+                </a:solidFill>
+                <a:latin typeface="Calibri" panose="020F0502020204030204" pitchFamily="34" charset="0"/>
+                <a:cs typeface="Calibri" panose="020F0502020204030204" pitchFamily="34" charset="0"/>
+              </a:rPr>
+              <a:t>db.e.insert</a:t>
+            </a:r>
+            <a:r>
               <a:rPr lang="en-US" sz="2200" dirty="0" smtClean="0">
                 <a:solidFill>
                   <a:srgbClr val="FC6F0D"/>
@@ -18997,11 +19038,11 @@
                 <a:latin typeface="Calibri" panose="020F0502020204030204" pitchFamily="34" charset="0"/>
                 <a:cs typeface="Calibri" panose="020F0502020204030204" pitchFamily="34" charset="0"/>
               </a:rPr>
-              <a:t>db.emp.deleteOne({})</a:t>
-            </a:r>
-          </a:p>
-          <a:p>
-            <a:endParaRPr lang="en-US" sz="800" dirty="0" smtClean="0">
+              <a:t>({})</a:t>
+            </a:r>
+          </a:p>
+          <a:p>
+            <a:endParaRPr lang="en-US" sz="800" dirty="0">
               <a:solidFill>
                 <a:srgbClr val="FC6F0D"/>
               </a:solidFill>
@@ -19018,7 +19059,7 @@
                 <a:latin typeface="Calibri" panose="020F0502020204030204" pitchFamily="34" charset="0"/>
                 <a:cs typeface="Calibri" panose="020F0502020204030204" pitchFamily="34" charset="0"/>
               </a:rPr>
-              <a:t>db.e.deleteOne({job:'manager</a:t>
+              <a:t>db.e.insert</a:t>
             </a:r>
             <a:r>
               <a:rPr lang="en-US" sz="2200" dirty="0" smtClean="0">
@@ -19028,7 +19069,128 @@
                 <a:latin typeface="Calibri" panose="020F0502020204030204" pitchFamily="34" charset="0"/>
                 <a:cs typeface="Calibri" panose="020F0502020204030204" pitchFamily="34" charset="0"/>
               </a:rPr>
-              <a:t>'})</a:t>
+              <a:t>({ename</a:t>
+            </a:r>
+            <a:r>
+              <a:rPr lang="en-US" sz="2200" dirty="0">
+                <a:solidFill>
+                  <a:srgbClr val="FC6F0D"/>
+                </a:solidFill>
+                <a:latin typeface="Calibri" panose="020F0502020204030204" pitchFamily="34" charset="0"/>
+                <a:cs typeface="Calibri" panose="020F0502020204030204" pitchFamily="34" charset="0"/>
+              </a:rPr>
+              <a:t>:'a', job:'</a:t>
+            </a:r>
+            <a:r>
+              <a:rPr lang="en-US" sz="2200" dirty="0" err="1">
+                <a:solidFill>
+                  <a:srgbClr val="FC6F0D"/>
+                </a:solidFill>
+                <a:latin typeface="Calibri" panose="020F0502020204030204" pitchFamily="34" charset="0"/>
+                <a:cs typeface="Calibri" panose="020F0502020204030204" pitchFamily="34" charset="0"/>
+              </a:rPr>
+              <a:t>abc</a:t>
+            </a:r>
+            <a:r>
+              <a:rPr lang="en-US" sz="2200" dirty="0">
+                <a:solidFill>
+                  <a:srgbClr val="FC6F0D"/>
+                </a:solidFill>
+                <a:latin typeface="Calibri" panose="020F0502020204030204" pitchFamily="34" charset="0"/>
+                <a:cs typeface="Calibri" panose="020F0502020204030204" pitchFamily="34" charset="0"/>
+              </a:rPr>
+              <a:t>', salary:2000</a:t>
+            </a:r>
+            <a:r>
+              <a:rPr lang="en-US" sz="2200" dirty="0" smtClean="0">
+                <a:solidFill>
+                  <a:srgbClr val="FC6F0D"/>
+                </a:solidFill>
+                <a:latin typeface="Calibri" panose="020F0502020204030204" pitchFamily="34" charset="0"/>
+                <a:cs typeface="Calibri" panose="020F0502020204030204" pitchFamily="34" charset="0"/>
+              </a:rPr>
+              <a:t>})</a:t>
+            </a:r>
+          </a:p>
+          <a:p>
+            <a:endParaRPr lang="en-US" sz="800" dirty="0">
+              <a:solidFill>
+                <a:srgbClr val="FC6F0D"/>
+              </a:solidFill>
+              <a:latin typeface="Calibri" panose="020F0502020204030204" pitchFamily="34" charset="0"/>
+              <a:cs typeface="Calibri" panose="020F0502020204030204" pitchFamily="34" charset="0"/>
+            </a:endParaRPr>
+          </a:p>
+          <a:p>
+            <a:r>
+              <a:rPr lang="en-US" sz="2200" dirty="0">
+                <a:solidFill>
+                  <a:srgbClr val="FC6F0D"/>
+                </a:solidFill>
+                <a:latin typeface="Calibri" panose="020F0502020204030204" pitchFamily="34" charset="0"/>
+                <a:cs typeface="Calibri" panose="020F0502020204030204" pitchFamily="34" charset="0"/>
+              </a:rPr>
+              <a:t>db.e.insert</a:t>
+            </a:r>
+            <a:r>
+              <a:rPr lang="en-US" sz="2200" dirty="0" smtClean="0">
+                <a:solidFill>
+                  <a:srgbClr val="FC6F0D"/>
+                </a:solidFill>
+                <a:latin typeface="Calibri" panose="020F0502020204030204" pitchFamily="34" charset="0"/>
+                <a:cs typeface="Calibri" panose="020F0502020204030204" pitchFamily="34" charset="0"/>
+              </a:rPr>
+              <a:t>([{ename</a:t>
+            </a:r>
+            <a:r>
+              <a:rPr lang="en-US" sz="2200" dirty="0">
+                <a:solidFill>
+                  <a:srgbClr val="FC6F0D"/>
+                </a:solidFill>
+                <a:latin typeface="Calibri" panose="020F0502020204030204" pitchFamily="34" charset="0"/>
+                <a:cs typeface="Calibri" panose="020F0502020204030204" pitchFamily="34" charset="0"/>
+              </a:rPr>
+              <a:t>:'x', job:'</a:t>
+            </a:r>
+            <a:r>
+              <a:rPr lang="en-US" sz="2200" dirty="0" err="1">
+                <a:solidFill>
+                  <a:srgbClr val="FC6F0D"/>
+                </a:solidFill>
+                <a:latin typeface="Calibri" panose="020F0502020204030204" pitchFamily="34" charset="0"/>
+                <a:cs typeface="Calibri" panose="020F0502020204030204" pitchFamily="34" charset="0"/>
+              </a:rPr>
+              <a:t>pqr</a:t>
+            </a:r>
+            <a:r>
+              <a:rPr lang="en-US" sz="2200" dirty="0">
+                <a:solidFill>
+                  <a:srgbClr val="FC6F0D"/>
+                </a:solidFill>
+                <a:latin typeface="Calibri" panose="020F0502020204030204" pitchFamily="34" charset="0"/>
+                <a:cs typeface="Calibri" panose="020F0502020204030204" pitchFamily="34" charset="0"/>
+              </a:rPr>
+              <a:t>', salary:2000} , {ename:'y',job:'</a:t>
+            </a:r>
+            <a:r>
+              <a:rPr lang="en-US" sz="2200" dirty="0" err="1">
+                <a:solidFill>
+                  <a:srgbClr val="FC6F0D"/>
+                </a:solidFill>
+                <a:latin typeface="Calibri" panose="020F0502020204030204" pitchFamily="34" charset="0"/>
+                <a:cs typeface="Calibri" panose="020F0502020204030204" pitchFamily="34" charset="0"/>
+              </a:rPr>
+              <a:t>hr</a:t>
+            </a:r>
+            <a:r>
+              <a:rPr lang="en-US" sz="2200" dirty="0" smtClean="0">
+                <a:solidFill>
+                  <a:srgbClr val="FC6F0D"/>
+                </a:solidFill>
+                <a:latin typeface="Calibri" panose="020F0502020204030204" pitchFamily="34" charset="0"/>
+                <a:cs typeface="Calibri" panose="020F0502020204030204" pitchFamily="34" charset="0"/>
+              </a:rPr>
+              <a:t>'}])</a:t>
             </a:r>
             <a:endParaRPr lang="en-US" sz="2200" dirty="0">
               <a:solidFill>
@@ -19043,7 +19205,7 @@
     </p:spTree>
     <p:extLst>
       <p:ext uri="{BB962C8B-B14F-4D97-AF65-F5344CB8AC3E}">
-        <p14:creationId xmlns:p14="http://schemas.microsoft.com/office/powerpoint/2010/main" val="3696592824"/>
+        <p14:creationId xmlns:p14="http://schemas.microsoft.com/office/powerpoint/2010/main" val="2986541393"/>
       </p:ext>
     </p:extLst>
   </p:cSld>
@@ -19117,8 +19279,12 @@
           </a:lstStyle>
           <a:p>
             <a:r>
+              <a:rPr lang="en-IN" dirty="0"/>
+              <a:t>db.collection.insertMany</a:t>
+            </a:r>
+            <a:r>
               <a:rPr lang="en-IN" dirty="0" smtClean="0"/>
-              <a:t>db.collection.deleteMany()</a:t>
+              <a:t>()</a:t>
             </a:r>
             <a:endParaRPr lang="en-US" dirty="0"/>
           </a:p>
@@ -19160,25 +19326,30 @@
               </a:rPr>
               <a:t>TODO</a:t>
             </a:r>
-            <a:endParaRPr lang="en-US" dirty="0"/>
+            <a:endParaRPr lang="en-US" dirty="0" smtClean="0">
+              <a:solidFill>
+                <a:srgbClr val="222222"/>
+              </a:solidFill>
+              <a:latin typeface="arial" panose="020B0604020202020204" pitchFamily="34" charset="0"/>
+            </a:endParaRPr>
           </a:p>
         </p:txBody>
       </p:sp>
     </p:spTree>
     <p:extLst>
       <p:ext uri="{BB962C8B-B14F-4D97-AF65-F5344CB8AC3E}">
-        <p14:creationId xmlns:p14="http://schemas.microsoft.com/office/powerpoint/2010/main" val="4110389760"/>
+        <p14:creationId xmlns:p14="http://schemas.microsoft.com/office/powerpoint/2010/main" val="2867497369"/>
       </p:ext>
     </p:extLst>
   </p:cSld>
   <p:clrMapOvr>
     <a:masterClrMapping/>
   </p:clrMapOvr>
-  <mc:AlternateContent xmlns:mc="http://schemas.openxmlformats.org/markup-compatibility/2006" xmlns:p14="http://schemas.microsoft.com/office/powerpoint/2010/main">
-    <mc:Choice Requires="p14">
+  <mc:AlternateContent xmlns:mc="http://schemas.openxmlformats.org/markup-compatibility/2006">
+    <mc:Choice xmlns:p14="http://schemas.microsoft.com/office/powerpoint/2010/main" Requires="p14">
       <p:transition spd="slow" p14:dur="2000"/>
     </mc:Choice>
-    <mc:Fallback xmlns="">
+    <mc:Fallback>
       <p:transition spd="slow"/>
     </mc:Fallback>
   </mc:AlternateContent>
@@ -19241,14 +19412,14 @@
               </a:spcBef>
             </a:pPr>
             <a:r>
-              <a:rPr lang="en-IN" sz="3200" b="1" i="1" dirty="0" smtClean="0">
+              <a:rPr lang="en-IN" sz="3200" b="1" i="1" dirty="0">
                 <a:solidFill>
                   <a:srgbClr val="FFFF00"/>
                 </a:solidFill>
                 <a:latin typeface="Arial" pitchFamily="34" charset="0"/>
                 <a:cs typeface="Arial" pitchFamily="34" charset="0"/>
               </a:rPr>
-              <a:t>db.collection.deleteMany()</a:t>
+              <a:t>db.collection.insertMany()</a:t>
             </a:r>
             <a:endParaRPr lang="en-IN" sz="3200" b="1" i="1" dirty="0">
               <a:solidFill>
@@ -19262,65 +19433,121 @@
       </p:sp>
       <p:sp>
         <p:nvSpPr>
-          <p:cNvPr id="7" name="Rectangle 6"/>
+          <p:cNvPr id="4" name="Rectangle 3"/>
           <p:cNvSpPr/>
           <p:nvPr/>
         </p:nvSpPr>
         <p:spPr>
           <a:xfrm>
-            <a:off x="149188" y="762000"/>
-            <a:ext cx="8845624" cy="369332"/>
-          </a:xfrm>
-          <a:prstGeom prst="rect">
-            <a:avLst/>
-          </a:prstGeom>
-        </p:spPr>
-        <p:txBody>
-          <a:bodyPr wrap="square">
+            <a:off x="133354" y="1497568"/>
+            <a:ext cx="8542723" cy="369332"/>
+          </a:xfrm>
+          <a:prstGeom prst="rect">
+            <a:avLst/>
+          </a:prstGeom>
+        </p:spPr>
+        <p:txBody>
+          <a:bodyPr wrap="none">
             <a:spAutoFit/>
           </a:bodyPr>
           <a:lstStyle/>
           <a:p>
-            <a:r>
-              <a:rPr lang="en-US" dirty="0"/>
-              <a:t>Removes all documents that match the filter from a collection.</a:t>
-            </a:r>
-            <a:endParaRPr lang="en-IN" dirty="0"/>
-          </a:p>
-        </p:txBody>
-      </p:sp>
-      <p:sp>
-        <p:nvSpPr>
-          <p:cNvPr id="8" name="Rectangle 7"/>
-          <p:cNvSpPr/>
-          <p:nvPr/>
-        </p:nvSpPr>
-        <p:spPr>
-          <a:xfrm>
-            <a:off x="154136" y="1611868"/>
-            <a:ext cx="8761264" cy="369332"/>
-          </a:xfrm>
-          <a:prstGeom prst="rect">
-            <a:avLst/>
-          </a:prstGeom>
-        </p:spPr>
-        <p:txBody>
-          <a:bodyPr wrap="square">
-            <a:spAutoFit/>
-          </a:bodyPr>
-          <a:lstStyle/>
-          <a:p>
-            <a:r>
-              <a:rPr lang="en-US" dirty="0" smtClean="0">
+            <a:pPr>
+              <a:spcBef>
+                <a:spcPct val="0"/>
+              </a:spcBef>
+            </a:pPr>
+            <a:r>
+              <a:rPr lang="en-IN" dirty="0">
                 <a:solidFill>
                   <a:srgbClr val="049DC8"/>
                 </a:solidFill>
                 <a:latin typeface="Consolas" panose="020B0609020204030204" pitchFamily="49" charset="0"/>
                 <a:cs typeface="Calibri" panose="020F0502020204030204" pitchFamily="34" charset="0"/>
               </a:rPr>
-              <a:t>db.collection.deleteMany({&lt;filter&gt;})</a:t>
-            </a:r>
-            <a:endParaRPr lang="en-US" dirty="0">
+              <a:t>db.collection.insertMany([ </a:t>
+            </a:r>
+            <a:r>
+              <a:rPr lang="en-IN" dirty="0" smtClean="0">
+                <a:solidFill>
+                  <a:srgbClr val="049DC8"/>
+                </a:solidFill>
+                <a:latin typeface="Consolas" panose="020B0609020204030204" pitchFamily="49" charset="0"/>
+                <a:cs typeface="Calibri" panose="020F0502020204030204" pitchFamily="34" charset="0"/>
+              </a:rPr>
+              <a:t>{&lt;</a:t>
+            </a:r>
+            <a:r>
+              <a:rPr lang="en-IN" dirty="0">
+                <a:solidFill>
+                  <a:srgbClr val="049DC8"/>
+                </a:solidFill>
+                <a:latin typeface="Consolas" panose="020B0609020204030204" pitchFamily="49" charset="0"/>
+                <a:cs typeface="Calibri" panose="020F0502020204030204" pitchFamily="34" charset="0"/>
+              </a:rPr>
+              <a:t>document 1</a:t>
+            </a:r>
+            <a:r>
+              <a:rPr lang="en-IN" dirty="0" smtClean="0">
+                <a:solidFill>
+                  <a:srgbClr val="049DC8"/>
+                </a:solidFill>
+                <a:latin typeface="Consolas" panose="020B0609020204030204" pitchFamily="49" charset="0"/>
+                <a:cs typeface="Calibri" panose="020F0502020204030204" pitchFamily="34" charset="0"/>
+              </a:rPr>
+              <a:t>&gt;} </a:t>
+            </a:r>
+            <a:r>
+              <a:rPr lang="en-IN" dirty="0">
+                <a:solidFill>
+                  <a:srgbClr val="049DC8"/>
+                </a:solidFill>
+                <a:latin typeface="Consolas" panose="020B0609020204030204" pitchFamily="49" charset="0"/>
+                <a:cs typeface="Calibri" panose="020F0502020204030204" pitchFamily="34" charset="0"/>
+              </a:rPr>
+              <a:t>, </a:t>
+            </a:r>
+            <a:r>
+              <a:rPr lang="en-IN" dirty="0" smtClean="0">
+                <a:solidFill>
+                  <a:srgbClr val="049DC8"/>
+                </a:solidFill>
+                <a:latin typeface="Consolas" panose="020B0609020204030204" pitchFamily="49" charset="0"/>
+                <a:cs typeface="Calibri" panose="020F0502020204030204" pitchFamily="34" charset="0"/>
+              </a:rPr>
+              <a:t>{&lt;</a:t>
+            </a:r>
+            <a:r>
+              <a:rPr lang="en-IN" dirty="0">
+                <a:solidFill>
+                  <a:srgbClr val="049DC8"/>
+                </a:solidFill>
+                <a:latin typeface="Consolas" panose="020B0609020204030204" pitchFamily="49" charset="0"/>
+                <a:cs typeface="Calibri" panose="020F0502020204030204" pitchFamily="34" charset="0"/>
+              </a:rPr>
+              <a:t>document 2</a:t>
+            </a:r>
+            <a:r>
+              <a:rPr lang="en-IN" dirty="0" smtClean="0">
+                <a:solidFill>
+                  <a:srgbClr val="049DC8"/>
+                </a:solidFill>
+                <a:latin typeface="Consolas" panose="020B0609020204030204" pitchFamily="49" charset="0"/>
+                <a:cs typeface="Calibri" panose="020F0502020204030204" pitchFamily="34" charset="0"/>
+              </a:rPr>
+              <a:t>&gt;}, </a:t>
+            </a:r>
+            <a:r>
+              <a:rPr lang="en-IN" dirty="0">
+                <a:solidFill>
+                  <a:srgbClr val="049DC8"/>
+                </a:solidFill>
+                <a:latin typeface="Consolas" panose="020B0609020204030204" pitchFamily="49" charset="0"/>
+                <a:cs typeface="Calibri" panose="020F0502020204030204" pitchFamily="34" charset="0"/>
+              </a:rPr>
+              <a:t>... ])</a:t>
+            </a:r>
+            <a:endParaRPr lang="en-IN" dirty="0">
               <a:solidFill>
                 <a:srgbClr val="049DC8"/>
               </a:solidFill>
@@ -19332,14 +19559,14 @@
       </p:sp>
       <p:sp>
         <p:nvSpPr>
-          <p:cNvPr id="5" name="Rectangle 4"/>
+          <p:cNvPr id="8" name="Rectangle 7"/>
           <p:cNvSpPr/>
           <p:nvPr/>
         </p:nvSpPr>
         <p:spPr>
           <a:xfrm>
-            <a:off x="149188" y="2286000"/>
-            <a:ext cx="8766212" cy="892552"/>
+            <a:off x="149188" y="762000"/>
+            <a:ext cx="8845624" cy="369332"/>
           </a:xfrm>
           <a:prstGeom prst="rect">
             <a:avLst/>
@@ -19352,6 +19579,45 @@
           <a:lstStyle/>
           <a:p>
             <a:r>
+              <a:rPr lang="en-US" dirty="0"/>
+              <a:t>Inserts a document or documents into a collection.</a:t>
+            </a:r>
+            <a:endParaRPr lang="en-IN" dirty="0"/>
+          </a:p>
+        </p:txBody>
+      </p:sp>
+      <p:sp>
+        <p:nvSpPr>
+          <p:cNvPr id="3" name="Rectangle 2"/>
+          <p:cNvSpPr/>
+          <p:nvPr/>
+        </p:nvSpPr>
+        <p:spPr>
+          <a:xfrm>
+            <a:off x="153146" y="2233136"/>
+            <a:ext cx="8841666" cy="430887"/>
+          </a:xfrm>
+          <a:prstGeom prst="rect">
+            <a:avLst/>
+          </a:prstGeom>
+        </p:spPr>
+        <p:txBody>
+          <a:bodyPr wrap="square">
+            <a:spAutoFit/>
+          </a:bodyPr>
+          <a:lstStyle/>
+          <a:p>
+            <a:r>
+              <a:rPr lang="en-US" sz="2200" dirty="0" smtClean="0">
+                <a:solidFill>
+                  <a:srgbClr val="FC6F0D"/>
+                </a:solidFill>
+                <a:latin typeface="Calibri" panose="020F0502020204030204" pitchFamily="34" charset="0"/>
+                <a:cs typeface="Calibri" panose="020F0502020204030204" pitchFamily="34" charset="0"/>
+              </a:rPr>
+              <a:t>db.e.insertMany([{ename</a:t>
+            </a:r>
+            <a:r>
               <a:rPr lang="en-US" sz="2200" dirty="0">
                 <a:solidFill>
                   <a:srgbClr val="FC6F0D"/>
@@ -19359,26 +19625,38 @@
                 <a:latin typeface="Calibri" panose="020F0502020204030204" pitchFamily="34" charset="0"/>
                 <a:cs typeface="Calibri" panose="020F0502020204030204" pitchFamily="34" charset="0"/>
               </a:rPr>
-              <a:t>db.e.deleteMany({});</a:t>
-            </a:r>
-            <a:endParaRPr lang="en-US" sz="2200" dirty="0" smtClean="0">
-              <a:solidFill>
-                <a:srgbClr val="FC6F0D"/>
-              </a:solidFill>
-              <a:latin typeface="Calibri" panose="020F0502020204030204" pitchFamily="34" charset="0"/>
-              <a:cs typeface="Calibri" panose="020F0502020204030204" pitchFamily="34" charset="0"/>
-            </a:endParaRPr>
-          </a:p>
-          <a:p>
-            <a:endParaRPr lang="en-US" sz="800" dirty="0" smtClean="0">
-              <a:solidFill>
-                <a:srgbClr val="FC6F0D"/>
-              </a:solidFill>
-              <a:latin typeface="Calibri" panose="020F0502020204030204" pitchFamily="34" charset="0"/>
-              <a:cs typeface="Calibri" panose="020F0502020204030204" pitchFamily="34" charset="0"/>
-            </a:endParaRPr>
-          </a:p>
-          <a:p>
+              <a:t>:'x', job:'</a:t>
+            </a:r>
+            <a:r>
+              <a:rPr lang="en-US" sz="2200" dirty="0" err="1">
+                <a:solidFill>
+                  <a:srgbClr val="FC6F0D"/>
+                </a:solidFill>
+                <a:latin typeface="Calibri" panose="020F0502020204030204" pitchFamily="34" charset="0"/>
+                <a:cs typeface="Calibri" panose="020F0502020204030204" pitchFamily="34" charset="0"/>
+              </a:rPr>
+              <a:t>pqr</a:t>
+            </a:r>
+            <a:r>
+              <a:rPr lang="en-US" sz="2200" dirty="0">
+                <a:solidFill>
+                  <a:srgbClr val="FC6F0D"/>
+                </a:solidFill>
+                <a:latin typeface="Calibri" panose="020F0502020204030204" pitchFamily="34" charset="0"/>
+                <a:cs typeface="Calibri" panose="020F0502020204030204" pitchFamily="34" charset="0"/>
+              </a:rPr>
+              <a:t>', salary:2000} , {ename:'y',job:'</a:t>
+            </a:r>
+            <a:r>
+              <a:rPr lang="en-US" sz="2200" dirty="0" err="1">
+                <a:solidFill>
+                  <a:srgbClr val="FC6F0D"/>
+                </a:solidFill>
+                <a:latin typeface="Calibri" panose="020F0502020204030204" pitchFamily="34" charset="0"/>
+                <a:cs typeface="Calibri" panose="020F0502020204030204" pitchFamily="34" charset="0"/>
+              </a:rPr>
+              <a:t>hr</a:t>
+            </a:r>
             <a:r>
               <a:rPr lang="en-US" sz="2200" dirty="0" smtClean="0">
                 <a:solidFill>
@@ -19387,27 +19665,7 @@
                 <a:latin typeface="Calibri" panose="020F0502020204030204" pitchFamily="34" charset="0"/>
                 <a:cs typeface="Calibri" panose="020F0502020204030204" pitchFamily="34" charset="0"/>
               </a:rPr>
-              <a:t>db.e.deleteMany({</a:t>
-            </a:r>
-            <a:r>
-              <a:rPr lang="en-US" sz="2200" dirty="0">
-                <a:solidFill>
-                  <a:srgbClr val="FC6F0D"/>
-                </a:solidFill>
-                <a:latin typeface="Calibri" panose="020F0502020204030204" pitchFamily="34" charset="0"/>
-                <a:cs typeface="Calibri" panose="020F0502020204030204" pitchFamily="34" charset="0"/>
-              </a:rPr>
-              <a:t>job:'manager</a:t>
-            </a:r>
-            <a:r>
-              <a:rPr lang="en-US" sz="2200" dirty="0" smtClean="0">
-                <a:solidFill>
-                  <a:srgbClr val="FC6F0D"/>
-                </a:solidFill>
-                <a:latin typeface="Calibri" panose="020F0502020204030204" pitchFamily="34" charset="0"/>
-                <a:cs typeface="Calibri" panose="020F0502020204030204" pitchFamily="34" charset="0"/>
-              </a:rPr>
-              <a:t>'})</a:t>
+              <a:t>'}])</a:t>
             </a:r>
             <a:endParaRPr lang="en-US" sz="2200" dirty="0">
               <a:solidFill>
@@ -19422,7 +19680,7 @@
     </p:spTree>
     <p:extLst>
       <p:ext uri="{BB962C8B-B14F-4D97-AF65-F5344CB8AC3E}">
-        <p14:creationId xmlns:p14="http://schemas.microsoft.com/office/powerpoint/2010/main" val="3771916804"/>
+        <p14:creationId xmlns:p14="http://schemas.microsoft.com/office/powerpoint/2010/main" val="2845818728"/>
       </p:ext>
     </p:extLst>
   </p:cSld>
@@ -19458,72 +19716,71 @@
       </p:grpSpPr>
       <p:sp>
         <p:nvSpPr>
-          <p:cNvPr id="6" name="Rectangle 5"/>
-          <p:cNvSpPr/>
-          <p:nvPr/>
-        </p:nvSpPr>
-        <p:spPr>
-          <a:xfrm>
-            <a:off x="0" y="0"/>
-            <a:ext cx="9144000" cy="584775"/>
-          </a:xfrm>
-          <a:prstGeom prst="rect">
-            <a:avLst/>
-          </a:prstGeom>
-          <a:solidFill>
-            <a:schemeClr val="accent4">
-              <a:lumMod val="75000"/>
-            </a:schemeClr>
-          </a:solidFill>
-        </p:spPr>
-        <p:txBody>
-          <a:bodyPr wrap="square">
-            <a:spAutoFit/>
-          </a:bodyPr>
-          <a:lstStyle/>
-          <a:p>
-            <a:pPr algn="r">
+          <p:cNvPr id="2" name="Title 1"/>
+          <p:cNvSpPr txBox="1">
+            <a:spLocks/>
+          </p:cNvSpPr>
+          <p:nvPr/>
+        </p:nvSpPr>
+        <p:spPr>
+          <a:xfrm>
+            <a:off x="152400" y="2057400"/>
+            <a:ext cx="8839200" cy="838200"/>
+          </a:xfrm>
+          <a:prstGeom prst="rect">
+            <a:avLst/>
+          </a:prstGeom>
+        </p:spPr>
+        <p:txBody>
+          <a:bodyPr>
+            <a:noAutofit/>
+          </a:bodyPr>
+          <a:lstStyle>
+            <a:defPPr>
+              <a:defRPr lang="en-US"/>
+            </a:defPPr>
+            <a:lvl1pPr lvl="0" algn="ctr">
               <a:spcBef>
                 <a:spcPct val="0"/>
               </a:spcBef>
-            </a:pPr>
-            <a:r>
-              <a:rPr lang="en-IN" sz="3200" b="1" i="1" dirty="0" smtClean="0">
-                <a:solidFill>
-                  <a:srgbClr val="FFFF00"/>
-                </a:solidFill>
-                <a:latin typeface="Arial" pitchFamily="34" charset="0"/>
-                <a:cs typeface="Arial" pitchFamily="34" charset="0"/>
-              </a:rPr>
-              <a:t>document</a:t>
-            </a:r>
-            <a:r>
-              <a:rPr lang="en-IN" sz="3200" b="1" i="1" dirty="0">
-                <a:solidFill>
-                  <a:srgbClr val="FFFF00"/>
-                </a:solidFill>
-                <a:latin typeface="Arial" pitchFamily="34" charset="0"/>
-                <a:cs typeface="Arial" pitchFamily="34" charset="0"/>
-              </a:rPr>
-              <a:t> </a:t>
-            </a:r>
-          </a:p>
-        </p:txBody>
-      </p:sp>
-      <p:sp>
-        <p:nvSpPr>
-          <p:cNvPr id="7" name="Rectangle 6"/>
+              <a:defRPr sz="4800">
+                <a:solidFill>
+                  <a:srgbClr val="7EEEE3"/>
+                </a:solidFill>
+                <a:latin typeface="Segoe UI Light" panose="020B0502040204020203" pitchFamily="34" charset="0"/>
+                <a:cs typeface="Segoe UI Light" panose="020B0502040204020203" pitchFamily="34" charset="0"/>
+              </a:defRPr>
+            </a:lvl1pPr>
+          </a:lstStyle>
+          <a:p>
+            <a:r>
+              <a:rPr lang="en-IN" dirty="0"/>
+              <a:t>db.collection.deleteOne()</a:t>
+            </a:r>
+            <a:endParaRPr lang="en-US" dirty="0"/>
+          </a:p>
+        </p:txBody>
+      </p:sp>
+      <p:sp>
+        <p:nvSpPr>
+          <p:cNvPr id="3" name="Rectangle 2"/>
           <p:cNvSpPr/>
           <p:nvPr/>
         </p:nvSpPr>
         <p:spPr>
           <a:xfrm>
-            <a:off x="149188" y="762000"/>
-            <a:ext cx="8845624" cy="369332"/>
-          </a:xfrm>
-          <a:prstGeom prst="rect">
-            <a:avLst/>
-          </a:prstGeom>
+            <a:off x="419100" y="2861953"/>
+            <a:ext cx="8305800" cy="369332"/>
+          </a:xfrm>
+          <a:prstGeom prst="rect">
+            <a:avLst/>
+          </a:prstGeom>
+          <a:solidFill>
+            <a:schemeClr val="accent6">
+              <a:lumMod val="20000"/>
+              <a:lumOff val="80000"/>
+            </a:schemeClr>
+          </a:solidFill>
         </p:spPr>
         <p:txBody>
           <a:bodyPr wrap="square">
@@ -19532,23 +19789,36 @@
           <a:lstStyle/>
           <a:p>
             <a:r>
-              <a:rPr lang="en-US" dirty="0" smtClean="0"/>
+              <a:rPr lang="en-US" dirty="0" smtClean="0">
+                <a:solidFill>
+                  <a:srgbClr val="222222"/>
+                </a:solidFill>
+                <a:latin typeface="arial" panose="020B0604020202020204" pitchFamily="34" charset="0"/>
+              </a:rPr>
               <a:t>TODO</a:t>
             </a:r>
-            <a:endParaRPr lang="en-IN" dirty="0"/>
+            <a:endParaRPr lang="en-US" dirty="0"/>
           </a:p>
         </p:txBody>
       </p:sp>
     </p:spTree>
     <p:extLst>
       <p:ext uri="{BB962C8B-B14F-4D97-AF65-F5344CB8AC3E}">
-        <p14:creationId xmlns:p14="http://schemas.microsoft.com/office/powerpoint/2010/main" val="3587670722"/>
+        <p14:creationId xmlns:p14="http://schemas.microsoft.com/office/powerpoint/2010/main" val="3719896549"/>
       </p:ext>
     </p:extLst>
   </p:cSld>
   <p:clrMapOvr>
     <a:masterClrMapping/>
   </p:clrMapOvr>
+  <mc:AlternateContent xmlns:mc="http://schemas.openxmlformats.org/markup-compatibility/2006" xmlns:p14="http://schemas.microsoft.com/office/powerpoint/2010/main">
+    <mc:Choice Requires="p14">
+      <p:transition spd="slow" p14:dur="2000"/>
+    </mc:Choice>
+    <mc:Fallback xmlns="">
+      <p:transition spd="slow"/>
+    </mc:Fallback>
+  </mc:AlternateContent>
   <p:timing>
     <p:tnLst>
       <p:par>
@@ -19804,34 +20074,14 @@
               </a:spcBef>
             </a:pPr>
             <a:r>
-              <a:rPr lang="en-IN" sz="3200" b="1" i="1" dirty="0" smtClean="0">
+              <a:rPr lang="en-IN" sz="3200" b="1" i="1" dirty="0">
                 <a:solidFill>
                   <a:srgbClr val="FFFF00"/>
                 </a:solidFill>
                 <a:latin typeface="Arial" pitchFamily="34" charset="0"/>
                 <a:cs typeface="Arial" pitchFamily="34" charset="0"/>
               </a:rPr>
-              <a:t>MongoDB</a:t>
-            </a:r>
-            <a:r>
-              <a:rPr lang="en-US" sz="3200" b="1" i="1" dirty="0" smtClean="0">
-                <a:solidFill>
-                  <a:srgbClr val="FFFF00"/>
-                </a:solidFill>
-                <a:latin typeface="Arial" pitchFamily="34" charset="0"/>
-                <a:cs typeface="Arial" pitchFamily="34" charset="0"/>
-              </a:rPr>
-              <a:t> </a:t>
-            </a:r>
-            <a:r>
-              <a:rPr lang="en-IN" sz="3200" b="1" i="1" dirty="0">
-                <a:solidFill>
-                  <a:srgbClr val="FFFF00"/>
-                </a:solidFill>
-                <a:latin typeface="Arial" pitchFamily="34" charset="0"/>
-                <a:cs typeface="Arial" pitchFamily="34" charset="0"/>
-              </a:rPr>
-              <a:t> </a:t>
+              <a:t>db.collection.deleteOne()</a:t>
             </a:r>
           </a:p>
         </p:txBody>
@@ -19845,7 +20095,7 @@
         <p:spPr>
           <a:xfrm>
             <a:off x="149188" y="762000"/>
-            <a:ext cx="8845624" cy="369332"/>
+            <a:ext cx="8845624" cy="646331"/>
           </a:xfrm>
           <a:prstGeom prst="rect">
             <a:avLst/>
@@ -19858,17 +20108,130 @@
           <a:lstStyle/>
           <a:p>
             <a:r>
-              <a:rPr lang="en-US" dirty="0" smtClean="0"/>
-              <a:t>TODO</a:t>
+              <a:rPr lang="en-US" dirty="0"/>
+              <a:t>Removes a single document from a collection. Specify an empty document { } to delete the first document returned in the collection.</a:t>
             </a:r>
             <a:endParaRPr lang="en-IN" dirty="0"/>
+          </a:p>
+        </p:txBody>
+      </p:sp>
+      <p:sp>
+        <p:nvSpPr>
+          <p:cNvPr id="8" name="Rectangle 7"/>
+          <p:cNvSpPr/>
+          <p:nvPr/>
+        </p:nvSpPr>
+        <p:spPr>
+          <a:xfrm>
+            <a:off x="154136" y="1611868"/>
+            <a:ext cx="8761264" cy="369332"/>
+          </a:xfrm>
+          <a:prstGeom prst="rect">
+            <a:avLst/>
+          </a:prstGeom>
+        </p:spPr>
+        <p:txBody>
+          <a:bodyPr wrap="square">
+            <a:spAutoFit/>
+          </a:bodyPr>
+          <a:lstStyle/>
+          <a:p>
+            <a:r>
+              <a:rPr lang="en-US" dirty="0" smtClean="0">
+                <a:solidFill>
+                  <a:srgbClr val="049DC8"/>
+                </a:solidFill>
+                <a:latin typeface="Consolas" panose="020B0609020204030204" pitchFamily="49" charset="0"/>
+                <a:cs typeface="Calibri" panose="020F0502020204030204" pitchFamily="34" charset="0"/>
+              </a:rPr>
+              <a:t>db.collection.deleteOne({&lt;filter&gt;})</a:t>
+            </a:r>
+            <a:endParaRPr lang="en-US" dirty="0">
+              <a:solidFill>
+                <a:srgbClr val="049DC8"/>
+              </a:solidFill>
+              <a:latin typeface="Consolas" panose="020B0609020204030204" pitchFamily="49" charset="0"/>
+              <a:cs typeface="Calibri" panose="020F0502020204030204" pitchFamily="34" charset="0"/>
+            </a:endParaRPr>
+          </a:p>
+        </p:txBody>
+      </p:sp>
+      <p:sp>
+        <p:nvSpPr>
+          <p:cNvPr id="5" name="Rectangle 4"/>
+          <p:cNvSpPr/>
+          <p:nvPr/>
+        </p:nvSpPr>
+        <p:spPr>
+          <a:xfrm>
+            <a:off x="149188" y="2286000"/>
+            <a:ext cx="8766212" cy="892552"/>
+          </a:xfrm>
+          <a:prstGeom prst="rect">
+            <a:avLst/>
+          </a:prstGeom>
+        </p:spPr>
+        <p:txBody>
+          <a:bodyPr wrap="square">
+            <a:spAutoFit/>
+          </a:bodyPr>
+          <a:lstStyle/>
+          <a:p>
+            <a:r>
+              <a:rPr lang="en-US" sz="2200" dirty="0" smtClean="0">
+                <a:solidFill>
+                  <a:srgbClr val="FC6F0D"/>
+                </a:solidFill>
+                <a:latin typeface="Calibri" panose="020F0502020204030204" pitchFamily="34" charset="0"/>
+                <a:cs typeface="Calibri" panose="020F0502020204030204" pitchFamily="34" charset="0"/>
+              </a:rPr>
+              <a:t>db.emp.deleteOne({})</a:t>
+            </a:r>
+          </a:p>
+          <a:p>
+            <a:endParaRPr lang="en-US" sz="800" dirty="0" smtClean="0">
+              <a:solidFill>
+                <a:srgbClr val="FC6F0D"/>
+              </a:solidFill>
+              <a:latin typeface="Calibri" panose="020F0502020204030204" pitchFamily="34" charset="0"/>
+              <a:cs typeface="Calibri" panose="020F0502020204030204" pitchFamily="34" charset="0"/>
+            </a:endParaRPr>
+          </a:p>
+          <a:p>
+            <a:r>
+              <a:rPr lang="en-US" sz="2200" dirty="0">
+                <a:solidFill>
+                  <a:srgbClr val="FC6F0D"/>
+                </a:solidFill>
+                <a:latin typeface="Calibri" panose="020F0502020204030204" pitchFamily="34" charset="0"/>
+                <a:cs typeface="Calibri" panose="020F0502020204030204" pitchFamily="34" charset="0"/>
+              </a:rPr>
+              <a:t>db.e.deleteOne({job:'manager</a:t>
+            </a:r>
+            <a:r>
+              <a:rPr lang="en-US" sz="2200" dirty="0" smtClean="0">
+                <a:solidFill>
+                  <a:srgbClr val="FC6F0D"/>
+                </a:solidFill>
+                <a:latin typeface="Calibri" panose="020F0502020204030204" pitchFamily="34" charset="0"/>
+                <a:cs typeface="Calibri" panose="020F0502020204030204" pitchFamily="34" charset="0"/>
+              </a:rPr>
+              <a:t>'})</a:t>
+            </a:r>
+            <a:endParaRPr lang="en-US" sz="2200" dirty="0">
+              <a:solidFill>
+                <a:srgbClr val="FC6F0D"/>
+              </a:solidFill>
+              <a:latin typeface="Calibri" panose="020F0502020204030204" pitchFamily="34" charset="0"/>
+              <a:cs typeface="Calibri" panose="020F0502020204030204" pitchFamily="34" charset="0"/>
+            </a:endParaRPr>
           </a:p>
         </p:txBody>
       </p:sp>
     </p:spTree>
     <p:extLst>
       <p:ext uri="{BB962C8B-B14F-4D97-AF65-F5344CB8AC3E}">
-        <p14:creationId xmlns:p14="http://schemas.microsoft.com/office/powerpoint/2010/main" val="250252946"/>
+        <p14:creationId xmlns:p14="http://schemas.microsoft.com/office/powerpoint/2010/main" val="3696592824"/>
       </p:ext>
     </p:extLst>
   </p:cSld>
@@ -19904,82 +20267,71 @@
       </p:grpSpPr>
       <p:sp>
         <p:nvSpPr>
-          <p:cNvPr id="6" name="Rectangle 5"/>
-          <p:cNvSpPr/>
-          <p:nvPr/>
-        </p:nvSpPr>
-        <p:spPr>
-          <a:xfrm>
-            <a:off x="0" y="0"/>
-            <a:ext cx="9144000" cy="584775"/>
-          </a:xfrm>
-          <a:prstGeom prst="rect">
-            <a:avLst/>
-          </a:prstGeom>
-          <a:solidFill>
-            <a:schemeClr val="accent4">
-              <a:lumMod val="75000"/>
-            </a:schemeClr>
-          </a:solidFill>
-        </p:spPr>
-        <p:txBody>
-          <a:bodyPr wrap="square">
-            <a:spAutoFit/>
-          </a:bodyPr>
-          <a:lstStyle/>
-          <a:p>
-            <a:pPr algn="r">
+          <p:cNvPr id="2" name="Title 1"/>
+          <p:cNvSpPr txBox="1">
+            <a:spLocks/>
+          </p:cNvSpPr>
+          <p:nvPr/>
+        </p:nvSpPr>
+        <p:spPr>
+          <a:xfrm>
+            <a:off x="152400" y="2057400"/>
+            <a:ext cx="8839200" cy="838200"/>
+          </a:xfrm>
+          <a:prstGeom prst="rect">
+            <a:avLst/>
+          </a:prstGeom>
+        </p:spPr>
+        <p:txBody>
+          <a:bodyPr>
+            <a:noAutofit/>
+          </a:bodyPr>
+          <a:lstStyle>
+            <a:defPPr>
+              <a:defRPr lang="en-US"/>
+            </a:defPPr>
+            <a:lvl1pPr lvl="0" algn="ctr">
               <a:spcBef>
                 <a:spcPct val="0"/>
               </a:spcBef>
-            </a:pPr>
-            <a:r>
-              <a:rPr lang="en-IN" sz="3200" b="1" i="1" dirty="0" smtClean="0">
-                <a:solidFill>
-                  <a:srgbClr val="FFFF00"/>
-                </a:solidFill>
-                <a:latin typeface="Arial" pitchFamily="34" charset="0"/>
-                <a:cs typeface="Arial" pitchFamily="34" charset="0"/>
-              </a:rPr>
-              <a:t>MongoDB</a:t>
-            </a:r>
-            <a:r>
-              <a:rPr lang="en-US" sz="3200" b="1" i="1" dirty="0" smtClean="0">
-                <a:solidFill>
-                  <a:srgbClr val="FFFF00"/>
-                </a:solidFill>
-                <a:latin typeface="Arial" pitchFamily="34" charset="0"/>
-                <a:cs typeface="Arial" pitchFamily="34" charset="0"/>
-              </a:rPr>
-              <a:t> </a:t>
-            </a:r>
-            <a:r>
-              <a:rPr lang="en-IN" sz="3200" b="1" i="1" dirty="0">
-                <a:solidFill>
-                  <a:srgbClr val="FFFF00"/>
-                </a:solidFill>
-                <a:latin typeface="Arial" pitchFamily="34" charset="0"/>
-                <a:cs typeface="Arial" pitchFamily="34" charset="0"/>
-              </a:rPr>
-              <a:t> </a:t>
-            </a:r>
-          </a:p>
-        </p:txBody>
-      </p:sp>
-      <p:sp>
-        <p:nvSpPr>
-          <p:cNvPr id="7" name="Rectangle 6"/>
+              <a:defRPr sz="4800">
+                <a:solidFill>
+                  <a:srgbClr val="7EEEE3"/>
+                </a:solidFill>
+                <a:latin typeface="Segoe UI Light" panose="020B0502040204020203" pitchFamily="34" charset="0"/>
+                <a:cs typeface="Segoe UI Light" panose="020B0502040204020203" pitchFamily="34" charset="0"/>
+              </a:defRPr>
+            </a:lvl1pPr>
+          </a:lstStyle>
+          <a:p>
+            <a:r>
+              <a:rPr lang="en-IN" dirty="0" smtClean="0"/>
+              <a:t>db.collection.deleteMany()</a:t>
+            </a:r>
+            <a:endParaRPr lang="en-US" dirty="0"/>
+          </a:p>
+        </p:txBody>
+      </p:sp>
+      <p:sp>
+        <p:nvSpPr>
+          <p:cNvPr id="3" name="Rectangle 2"/>
           <p:cNvSpPr/>
           <p:nvPr/>
         </p:nvSpPr>
         <p:spPr>
           <a:xfrm>
-            <a:off x="149188" y="762000"/>
-            <a:ext cx="8845624" cy="369332"/>
-          </a:xfrm>
-          <a:prstGeom prst="rect">
-            <a:avLst/>
-          </a:prstGeom>
+            <a:off x="419100" y="2861953"/>
+            <a:ext cx="8305800" cy="369332"/>
+          </a:xfrm>
+          <a:prstGeom prst="rect">
+            <a:avLst/>
+          </a:prstGeom>
+          <a:solidFill>
+            <a:schemeClr val="accent6">
+              <a:lumMod val="20000"/>
+              <a:lumOff val="80000"/>
+            </a:schemeClr>
+          </a:solidFill>
         </p:spPr>
         <p:txBody>
           <a:bodyPr wrap="square">
@@ -19988,23 +20340,36 @@
           <a:lstStyle/>
           <a:p>
             <a:r>
-              <a:rPr lang="en-US" dirty="0" smtClean="0"/>
+              <a:rPr lang="en-US" dirty="0" smtClean="0">
+                <a:solidFill>
+                  <a:srgbClr val="222222"/>
+                </a:solidFill>
+                <a:latin typeface="arial" panose="020B0604020202020204" pitchFamily="34" charset="0"/>
+              </a:rPr>
               <a:t>TODO</a:t>
             </a:r>
-            <a:endParaRPr lang="en-IN" dirty="0"/>
+            <a:endParaRPr lang="en-US" dirty="0"/>
           </a:p>
         </p:txBody>
       </p:sp>
     </p:spTree>
     <p:extLst>
       <p:ext uri="{BB962C8B-B14F-4D97-AF65-F5344CB8AC3E}">
-        <p14:creationId xmlns:p14="http://schemas.microsoft.com/office/powerpoint/2010/main" val="895975297"/>
+        <p14:creationId xmlns:p14="http://schemas.microsoft.com/office/powerpoint/2010/main" val="4110389760"/>
       </p:ext>
     </p:extLst>
   </p:cSld>
   <p:clrMapOvr>
     <a:masterClrMapping/>
   </p:clrMapOvr>
+  <mc:AlternateContent xmlns:mc="http://schemas.openxmlformats.org/markup-compatibility/2006" xmlns:p14="http://schemas.microsoft.com/office/powerpoint/2010/main">
+    <mc:Choice Requires="p14">
+      <p:transition spd="slow" p14:dur="2000"/>
+    </mc:Choice>
+    <mc:Fallback xmlns="">
+      <p:transition spd="slow"/>
+    </mc:Fallback>
+  </mc:AlternateContent>
   <p:timing>
     <p:tnLst>
       <p:par>
@@ -20071,28 +20436,15 @@
                 <a:latin typeface="Arial" pitchFamily="34" charset="0"/>
                 <a:cs typeface="Arial" pitchFamily="34" charset="0"/>
               </a:rPr>
-              <a:t>MongoDB</a:t>
-            </a:r>
-            <a:r>
-              <a:rPr lang="en-US" sz="3200" b="1" i="1" dirty="0" smtClean="0">
-                <a:solidFill>
-                  <a:srgbClr val="FFFF00"/>
-                </a:solidFill>
-                <a:latin typeface="Arial" pitchFamily="34" charset="0"/>
-                <a:cs typeface="Arial" pitchFamily="34" charset="0"/>
-              </a:rPr>
-              <a:t> </a:t>
-            </a:r>
-            <a:r>
-              <a:rPr lang="en-IN" sz="3200" b="1" i="1" dirty="0">
-                <a:solidFill>
-                  <a:srgbClr val="FFFF00"/>
-                </a:solidFill>
-                <a:latin typeface="Arial" pitchFamily="34" charset="0"/>
-                <a:cs typeface="Arial" pitchFamily="34" charset="0"/>
-              </a:rPr>
-              <a:t> </a:t>
-            </a:r>
+              <a:t>db.collection.deleteMany()</a:t>
+            </a:r>
+            <a:endParaRPr lang="en-IN" sz="3200" b="1" i="1" dirty="0">
+              <a:solidFill>
+                <a:srgbClr val="FFFF00"/>
+              </a:solidFill>
+              <a:latin typeface="Arial" pitchFamily="34" charset="0"/>
+              <a:cs typeface="Arial" pitchFamily="34" charset="0"/>
+            </a:endParaRPr>
           </a:p>
         </p:txBody>
       </p:sp>
@@ -20118,17 +20470,147 @@
           <a:lstStyle/>
           <a:p>
             <a:r>
-              <a:rPr lang="en-US" dirty="0" smtClean="0"/>
-              <a:t>TODO</a:t>
+              <a:rPr lang="en-US" dirty="0"/>
+              <a:t>Removes all documents that match the filter from a collection.</a:t>
             </a:r>
             <a:endParaRPr lang="en-IN" dirty="0"/>
+          </a:p>
+        </p:txBody>
+      </p:sp>
+      <p:sp>
+        <p:nvSpPr>
+          <p:cNvPr id="8" name="Rectangle 7"/>
+          <p:cNvSpPr/>
+          <p:nvPr/>
+        </p:nvSpPr>
+        <p:spPr>
+          <a:xfrm>
+            <a:off x="154136" y="1611868"/>
+            <a:ext cx="8761264" cy="369332"/>
+          </a:xfrm>
+          <a:prstGeom prst="rect">
+            <a:avLst/>
+          </a:prstGeom>
+        </p:spPr>
+        <p:txBody>
+          <a:bodyPr wrap="square">
+            <a:spAutoFit/>
+          </a:bodyPr>
+          <a:lstStyle/>
+          <a:p>
+            <a:r>
+              <a:rPr lang="en-US" dirty="0" smtClean="0">
+                <a:solidFill>
+                  <a:srgbClr val="049DC8"/>
+                </a:solidFill>
+                <a:latin typeface="Consolas" panose="020B0609020204030204" pitchFamily="49" charset="0"/>
+                <a:cs typeface="Calibri" panose="020F0502020204030204" pitchFamily="34" charset="0"/>
+              </a:rPr>
+              <a:t>db.collection.deleteMany({&lt;filter&gt;})</a:t>
+            </a:r>
+            <a:endParaRPr lang="en-US" dirty="0">
+              <a:solidFill>
+                <a:srgbClr val="049DC8"/>
+              </a:solidFill>
+              <a:latin typeface="Consolas" panose="020B0609020204030204" pitchFamily="49" charset="0"/>
+              <a:cs typeface="Calibri" panose="020F0502020204030204" pitchFamily="34" charset="0"/>
+            </a:endParaRPr>
+          </a:p>
+        </p:txBody>
+      </p:sp>
+      <p:sp>
+        <p:nvSpPr>
+          <p:cNvPr id="5" name="Rectangle 4"/>
+          <p:cNvSpPr/>
+          <p:nvPr/>
+        </p:nvSpPr>
+        <p:spPr>
+          <a:xfrm>
+            <a:off x="149188" y="2286000"/>
+            <a:ext cx="8766212" cy="892552"/>
+          </a:xfrm>
+          <a:prstGeom prst="rect">
+            <a:avLst/>
+          </a:prstGeom>
+        </p:spPr>
+        <p:txBody>
+          <a:bodyPr wrap="square">
+            <a:spAutoFit/>
+          </a:bodyPr>
+          <a:lstStyle/>
+          <a:p>
+            <a:r>
+              <a:rPr lang="en-US" sz="2200" dirty="0">
+                <a:solidFill>
+                  <a:srgbClr val="FC6F0D"/>
+                </a:solidFill>
+                <a:latin typeface="Calibri" panose="020F0502020204030204" pitchFamily="34" charset="0"/>
+                <a:cs typeface="Calibri" panose="020F0502020204030204" pitchFamily="34" charset="0"/>
+              </a:rPr>
+              <a:t>db.e.deleteMany({});</a:t>
+            </a:r>
+            <a:endParaRPr lang="en-US" sz="2200" dirty="0" smtClean="0">
+              <a:solidFill>
+                <a:srgbClr val="FC6F0D"/>
+              </a:solidFill>
+              <a:latin typeface="Calibri" panose="020F0502020204030204" pitchFamily="34" charset="0"/>
+              <a:cs typeface="Calibri" panose="020F0502020204030204" pitchFamily="34" charset="0"/>
+            </a:endParaRPr>
+          </a:p>
+          <a:p>
+            <a:endParaRPr lang="en-US" sz="800" dirty="0" smtClean="0">
+              <a:solidFill>
+                <a:srgbClr val="FC6F0D"/>
+              </a:solidFill>
+              <a:latin typeface="Calibri" panose="020F0502020204030204" pitchFamily="34" charset="0"/>
+              <a:cs typeface="Calibri" panose="020F0502020204030204" pitchFamily="34" charset="0"/>
+            </a:endParaRPr>
+          </a:p>
+          <a:p>
+            <a:r>
+              <a:rPr lang="en-US" sz="2200" dirty="0" smtClean="0">
+                <a:solidFill>
+                  <a:srgbClr val="FC6F0D"/>
+                </a:solidFill>
+                <a:latin typeface="Calibri" panose="020F0502020204030204" pitchFamily="34" charset="0"/>
+                <a:cs typeface="Calibri" panose="020F0502020204030204" pitchFamily="34" charset="0"/>
+              </a:rPr>
+              <a:t>db.e.deleteMany({</a:t>
+            </a:r>
+            <a:r>
+              <a:rPr lang="en-US" sz="2200" dirty="0">
+                <a:solidFill>
+                  <a:srgbClr val="FC6F0D"/>
+                </a:solidFill>
+                <a:latin typeface="Calibri" panose="020F0502020204030204" pitchFamily="34" charset="0"/>
+                <a:cs typeface="Calibri" panose="020F0502020204030204" pitchFamily="34" charset="0"/>
+              </a:rPr>
+              <a:t>job:'manager</a:t>
+            </a:r>
+            <a:r>
+              <a:rPr lang="en-US" sz="2200" dirty="0" smtClean="0">
+                <a:solidFill>
+                  <a:srgbClr val="FC6F0D"/>
+                </a:solidFill>
+                <a:latin typeface="Calibri" panose="020F0502020204030204" pitchFamily="34" charset="0"/>
+                <a:cs typeface="Calibri" panose="020F0502020204030204" pitchFamily="34" charset="0"/>
+              </a:rPr>
+              <a:t>'})</a:t>
+            </a:r>
+            <a:endParaRPr lang="en-US" sz="2200" dirty="0">
+              <a:solidFill>
+                <a:srgbClr val="FC6F0D"/>
+              </a:solidFill>
+              <a:latin typeface="Calibri" panose="020F0502020204030204" pitchFamily="34" charset="0"/>
+              <a:cs typeface="Calibri" panose="020F0502020204030204" pitchFamily="34" charset="0"/>
+            </a:endParaRPr>
           </a:p>
         </p:txBody>
       </p:sp>
     </p:spTree>
     <p:extLst>
       <p:ext uri="{BB962C8B-B14F-4D97-AF65-F5344CB8AC3E}">
-        <p14:creationId xmlns:p14="http://schemas.microsoft.com/office/powerpoint/2010/main" val="1785036271"/>
+        <p14:creationId xmlns:p14="http://schemas.microsoft.com/office/powerpoint/2010/main" val="3771916804"/>
       </p:ext>
     </p:extLst>
   </p:cSld>
@@ -20201,17 +20683,7 @@
                 <a:latin typeface="Arial" pitchFamily="34" charset="0"/>
                 <a:cs typeface="Arial" pitchFamily="34" charset="0"/>
               </a:rPr>
-              <a:t>MongoDB</a:t>
-            </a:r>
-            <a:r>
-              <a:rPr lang="en-US" sz="3200" b="1" i="1" dirty="0" smtClean="0">
-                <a:solidFill>
-                  <a:srgbClr val="FFFF00"/>
-                </a:solidFill>
-                <a:latin typeface="Arial" pitchFamily="34" charset="0"/>
-                <a:cs typeface="Arial" pitchFamily="34" charset="0"/>
-              </a:rPr>
-              <a:t> </a:t>
+              <a:t>document</a:t>
             </a:r>
             <a:r>
               <a:rPr lang="en-IN" sz="3200" b="1" i="1" dirty="0">
@@ -20258,7 +20730,7 @@
     </p:spTree>
     <p:extLst>
       <p:ext uri="{BB962C8B-B14F-4D97-AF65-F5344CB8AC3E}">
-        <p14:creationId xmlns:p14="http://schemas.microsoft.com/office/powerpoint/2010/main" val="2324753550"/>
+        <p14:creationId xmlns:p14="http://schemas.microsoft.com/office/powerpoint/2010/main" val="3587670722"/>
       </p:ext>
     </p:extLst>
   </p:cSld>
@@ -20388,7 +20860,7 @@
     </p:spTree>
     <p:extLst>
       <p:ext uri="{BB962C8B-B14F-4D97-AF65-F5344CB8AC3E}">
-        <p14:creationId xmlns:p14="http://schemas.microsoft.com/office/powerpoint/2010/main" val="159175200"/>
+        <p14:creationId xmlns:p14="http://schemas.microsoft.com/office/powerpoint/2010/main" val="250252946"/>
       </p:ext>
     </p:extLst>
   </p:cSld>
@@ -20518,7 +20990,7 @@
     </p:spTree>
     <p:extLst>
       <p:ext uri="{BB962C8B-B14F-4D97-AF65-F5344CB8AC3E}">
-        <p14:creationId xmlns:p14="http://schemas.microsoft.com/office/powerpoint/2010/main" val="4200858574"/>
+        <p14:creationId xmlns:p14="http://schemas.microsoft.com/office/powerpoint/2010/main" val="895975297"/>
       </p:ext>
     </p:extLst>
   </p:cSld>
@@ -20648,7 +21120,7 @@
     </p:spTree>
     <p:extLst>
       <p:ext uri="{BB962C8B-B14F-4D97-AF65-F5344CB8AC3E}">
-        <p14:creationId xmlns:p14="http://schemas.microsoft.com/office/powerpoint/2010/main" val="2535387021"/>
+        <p14:creationId xmlns:p14="http://schemas.microsoft.com/office/powerpoint/2010/main" val="1785036271"/>
       </p:ext>
     </p:extLst>
   </p:cSld>
@@ -20778,7 +21250,7 @@
     </p:spTree>
     <p:extLst>
       <p:ext uri="{BB962C8B-B14F-4D97-AF65-F5344CB8AC3E}">
-        <p14:creationId xmlns:p14="http://schemas.microsoft.com/office/powerpoint/2010/main" val="3372373110"/>
+        <p14:creationId xmlns:p14="http://schemas.microsoft.com/office/powerpoint/2010/main" val="2324753550"/>
       </p:ext>
     </p:extLst>
   </p:cSld>
@@ -20908,7 +21380,7 @@
     </p:spTree>
     <p:extLst>
       <p:ext uri="{BB962C8B-B14F-4D97-AF65-F5344CB8AC3E}">
-        <p14:creationId xmlns:p14="http://schemas.microsoft.com/office/powerpoint/2010/main" val="1298561359"/>
+        <p14:creationId xmlns:p14="http://schemas.microsoft.com/office/powerpoint/2010/main" val="159175200"/>
       </p:ext>
     </p:extLst>
   </p:cSld>
@@ -21038,7 +21510,7 @@
     </p:spTree>
     <p:extLst>
       <p:ext uri="{BB962C8B-B14F-4D97-AF65-F5344CB8AC3E}">
-        <p14:creationId xmlns:p14="http://schemas.microsoft.com/office/powerpoint/2010/main" val="2767122750"/>
+        <p14:creationId xmlns:p14="http://schemas.microsoft.com/office/powerpoint/2010/main" val="4200858574"/>
       </p:ext>
     </p:extLst>
   </p:cSld>
@@ -21169,11 +21641,11 @@
   <p:clrMapOvr>
     <a:masterClrMapping/>
   </p:clrMapOvr>
-  <mc:AlternateContent xmlns:mc="http://schemas.openxmlformats.org/markup-compatibility/2006">
-    <mc:Choice xmlns:p14="http://schemas.microsoft.com/office/powerpoint/2010/main" Requires="p14">
+  <mc:AlternateContent xmlns:mc="http://schemas.openxmlformats.org/markup-compatibility/2006" xmlns:p14="http://schemas.microsoft.com/office/powerpoint/2010/main">
+    <mc:Choice Requires="p14">
       <p:transition spd="slow" p14:dur="2000"/>
     </mc:Choice>
-    <mc:Fallback>
+    <mc:Fallback xmlns="">
       <p:transition spd="slow"/>
     </mc:Fallback>
   </mc:AlternateContent>
@@ -21300,7 +21772,7 @@
     </p:spTree>
     <p:extLst>
       <p:ext uri="{BB962C8B-B14F-4D97-AF65-F5344CB8AC3E}">
-        <p14:creationId xmlns:p14="http://schemas.microsoft.com/office/powerpoint/2010/main" val="3923222660"/>
+        <p14:creationId xmlns:p14="http://schemas.microsoft.com/office/powerpoint/2010/main" val="2535387021"/>
       </p:ext>
     </p:extLst>
   </p:cSld>
@@ -21430,7 +21902,7 @@
     </p:spTree>
     <p:extLst>
       <p:ext uri="{BB962C8B-B14F-4D97-AF65-F5344CB8AC3E}">
-        <p14:creationId xmlns:p14="http://schemas.microsoft.com/office/powerpoint/2010/main" val="166747101"/>
+        <p14:creationId xmlns:p14="http://schemas.microsoft.com/office/powerpoint/2010/main" val="3372373110"/>
       </p:ext>
     </p:extLst>
   </p:cSld>
@@ -21560,7 +22032,7 @@
     </p:spTree>
     <p:extLst>
       <p:ext uri="{BB962C8B-B14F-4D97-AF65-F5344CB8AC3E}">
-        <p14:creationId xmlns:p14="http://schemas.microsoft.com/office/powerpoint/2010/main" val="924942284"/>
+        <p14:creationId xmlns:p14="http://schemas.microsoft.com/office/powerpoint/2010/main" val="1298561359"/>
       </p:ext>
     </p:extLst>
   </p:cSld>
@@ -21690,7 +22162,7 @@
     </p:spTree>
     <p:extLst>
       <p:ext uri="{BB962C8B-B14F-4D97-AF65-F5344CB8AC3E}">
-        <p14:creationId xmlns:p14="http://schemas.microsoft.com/office/powerpoint/2010/main" val="3259065627"/>
+        <p14:creationId xmlns:p14="http://schemas.microsoft.com/office/powerpoint/2010/main" val="2767122750"/>
       </p:ext>
     </p:extLst>
   </p:cSld>
@@ -21820,7 +22292,7 @@
     </p:spTree>
     <p:extLst>
       <p:ext uri="{BB962C8B-B14F-4D97-AF65-F5344CB8AC3E}">
-        <p14:creationId xmlns:p14="http://schemas.microsoft.com/office/powerpoint/2010/main" val="3171492564"/>
+        <p14:creationId xmlns:p14="http://schemas.microsoft.com/office/powerpoint/2010/main" val="3923222660"/>
       </p:ext>
     </p:extLst>
   </p:cSld>
@@ -21950,7 +22422,7 @@
     </p:spTree>
     <p:extLst>
       <p:ext uri="{BB962C8B-B14F-4D97-AF65-F5344CB8AC3E}">
-        <p14:creationId xmlns:p14="http://schemas.microsoft.com/office/powerpoint/2010/main" val="2780407736"/>
+        <p14:creationId xmlns:p14="http://schemas.microsoft.com/office/powerpoint/2010/main" val="166747101"/>
       </p:ext>
     </p:extLst>
   </p:cSld>
@@ -22080,7 +22552,7 @@
     </p:spTree>
     <p:extLst>
       <p:ext uri="{BB962C8B-B14F-4D97-AF65-F5344CB8AC3E}">
-        <p14:creationId xmlns:p14="http://schemas.microsoft.com/office/powerpoint/2010/main" val="848474725"/>
+        <p14:creationId xmlns:p14="http://schemas.microsoft.com/office/powerpoint/2010/main" val="924942284"/>
       </p:ext>
     </p:extLst>
   </p:cSld>
@@ -22210,7 +22682,7 @@
     </p:spTree>
     <p:extLst>
       <p:ext uri="{BB962C8B-B14F-4D97-AF65-F5344CB8AC3E}">
-        <p14:creationId xmlns:p14="http://schemas.microsoft.com/office/powerpoint/2010/main" val="4030158449"/>
+        <p14:creationId xmlns:p14="http://schemas.microsoft.com/office/powerpoint/2010/main" val="3259065627"/>
       </p:ext>
     </p:extLst>
   </p:cSld>
@@ -22340,7 +22812,7 @@
     </p:spTree>
     <p:extLst>
       <p:ext uri="{BB962C8B-B14F-4D97-AF65-F5344CB8AC3E}">
-        <p14:creationId xmlns:p14="http://schemas.microsoft.com/office/powerpoint/2010/main" val="1708605334"/>
+        <p14:creationId xmlns:p14="http://schemas.microsoft.com/office/powerpoint/2010/main" val="3171492564"/>
       </p:ext>
     </p:extLst>
   </p:cSld>
@@ -22470,7 +22942,7 @@
     </p:spTree>
     <p:extLst>
       <p:ext uri="{BB962C8B-B14F-4D97-AF65-F5344CB8AC3E}">
-        <p14:creationId xmlns:p14="http://schemas.microsoft.com/office/powerpoint/2010/main" val="1478242473"/>
+        <p14:creationId xmlns:p14="http://schemas.microsoft.com/office/powerpoint/2010/main" val="2780407736"/>
       </p:ext>
     </p:extLst>
   </p:cSld>
@@ -22906,7 +23378,7 @@
     </p:spTree>
     <p:extLst>
       <p:ext uri="{BB962C8B-B14F-4D97-AF65-F5344CB8AC3E}">
-        <p14:creationId xmlns:p14="http://schemas.microsoft.com/office/powerpoint/2010/main" val="2136286712"/>
+        <p14:creationId xmlns:p14="http://schemas.microsoft.com/office/powerpoint/2010/main" val="848474725"/>
       </p:ext>
     </p:extLst>
   </p:cSld>
@@ -23036,7 +23508,7 @@
     </p:spTree>
     <p:extLst>
       <p:ext uri="{BB962C8B-B14F-4D97-AF65-F5344CB8AC3E}">
-        <p14:creationId xmlns:p14="http://schemas.microsoft.com/office/powerpoint/2010/main" val="160110094"/>
+        <p14:creationId xmlns:p14="http://schemas.microsoft.com/office/powerpoint/2010/main" val="4030158449"/>
       </p:ext>
     </p:extLst>
   </p:cSld>
@@ -23166,7 +23638,7 @@
     </p:spTree>
     <p:extLst>
       <p:ext uri="{BB962C8B-B14F-4D97-AF65-F5344CB8AC3E}">
-        <p14:creationId xmlns:p14="http://schemas.microsoft.com/office/powerpoint/2010/main" val="1060267809"/>
+        <p14:creationId xmlns:p14="http://schemas.microsoft.com/office/powerpoint/2010/main" val="1708605334"/>
       </p:ext>
     </p:extLst>
   </p:cSld>
@@ -23296,7 +23768,7 @@
     </p:spTree>
     <p:extLst>
       <p:ext uri="{BB962C8B-B14F-4D97-AF65-F5344CB8AC3E}">
-        <p14:creationId xmlns:p14="http://schemas.microsoft.com/office/powerpoint/2010/main" val="1137647517"/>
+        <p14:creationId xmlns:p14="http://schemas.microsoft.com/office/powerpoint/2010/main" val="1478242473"/>
       </p:ext>
     </p:extLst>
   </p:cSld>
@@ -23426,7 +23898,7 @@
     </p:spTree>
     <p:extLst>
       <p:ext uri="{BB962C8B-B14F-4D97-AF65-F5344CB8AC3E}">
-        <p14:creationId xmlns:p14="http://schemas.microsoft.com/office/powerpoint/2010/main" val="3052086859"/>
+        <p14:creationId xmlns:p14="http://schemas.microsoft.com/office/powerpoint/2010/main" val="2136286712"/>
       </p:ext>
     </p:extLst>
   </p:cSld>
@@ -23556,7 +24028,7 @@
     </p:spTree>
     <p:extLst>
       <p:ext uri="{BB962C8B-B14F-4D97-AF65-F5344CB8AC3E}">
-        <p14:creationId xmlns:p14="http://schemas.microsoft.com/office/powerpoint/2010/main" val="1097272351"/>
+        <p14:creationId xmlns:p14="http://schemas.microsoft.com/office/powerpoint/2010/main" val="160110094"/>
       </p:ext>
     </p:extLst>
   </p:cSld>
@@ -23686,7 +24158,7 @@
     </p:spTree>
     <p:extLst>
       <p:ext uri="{BB962C8B-B14F-4D97-AF65-F5344CB8AC3E}">
-        <p14:creationId xmlns:p14="http://schemas.microsoft.com/office/powerpoint/2010/main" val="1587220367"/>
+        <p14:creationId xmlns:p14="http://schemas.microsoft.com/office/powerpoint/2010/main" val="1060267809"/>
       </p:ext>
     </p:extLst>
   </p:cSld>
@@ -23816,7 +24288,7 @@
     </p:spTree>
     <p:extLst>
       <p:ext uri="{BB962C8B-B14F-4D97-AF65-F5344CB8AC3E}">
-        <p14:creationId xmlns:p14="http://schemas.microsoft.com/office/powerpoint/2010/main" val="1863467568"/>
+        <p14:creationId xmlns:p14="http://schemas.microsoft.com/office/powerpoint/2010/main" val="1137647517"/>
       </p:ext>
     </p:extLst>
   </p:cSld>
@@ -23946,7 +24418,7 @@
     </p:spTree>
     <p:extLst>
       <p:ext uri="{BB962C8B-B14F-4D97-AF65-F5344CB8AC3E}">
-        <p14:creationId xmlns:p14="http://schemas.microsoft.com/office/powerpoint/2010/main" val="1971192509"/>
+        <p14:creationId xmlns:p14="http://schemas.microsoft.com/office/powerpoint/2010/main" val="3052086859"/>
       </p:ext>
     </p:extLst>
   </p:cSld>
@@ -23982,7 +24454,7 @@
       </p:grpSpPr>
       <p:sp>
         <p:nvSpPr>
-          <p:cNvPr id="4" name="Rectangle 3"/>
+          <p:cNvPr id="6" name="Rectangle 5"/>
           <p:cNvSpPr/>
           <p:nvPr/>
         </p:nvSpPr>
@@ -23995,8 +24467,8 @@
             <a:avLst/>
           </a:prstGeom>
           <a:solidFill>
-            <a:schemeClr val="bg2">
-              <a:lumMod val="10000"/>
+            <a:schemeClr val="accent4">
+              <a:lumMod val="75000"/>
             </a:schemeClr>
           </a:solidFill>
         </p:spPr>
@@ -24006,7 +24478,11 @@
           </a:bodyPr>
           <a:lstStyle/>
           <a:p>
-            <a:pPr algn="r"/>
+            <a:pPr algn="r">
+              <a:spcBef>
+                <a:spcPct val="0"/>
+              </a:spcBef>
+            </a:pPr>
             <a:r>
               <a:rPr lang="en-IN" sz="3200" b="1" i="1" dirty="0" smtClean="0">
                 <a:solidFill>
@@ -24015,27 +24491,40 @@
                 <a:latin typeface="Arial" pitchFamily="34" charset="0"/>
                 <a:cs typeface="Arial" pitchFamily="34" charset="0"/>
               </a:rPr>
-              <a:t>IMP</a:t>
-            </a:r>
-            <a:endParaRPr lang="en-IN" sz="3200" b="1" i="1" dirty="0">
-              <a:solidFill>
-                <a:srgbClr val="FFFF00"/>
-              </a:solidFill>
-              <a:latin typeface="Arial" pitchFamily="34" charset="0"/>
-              <a:cs typeface="Arial" pitchFamily="34" charset="0"/>
-            </a:endParaRPr>
-          </a:p>
-        </p:txBody>
-      </p:sp>
-      <p:sp>
-        <p:nvSpPr>
-          <p:cNvPr id="2" name="Rectangle 1"/>
+              <a:t>MongoDB</a:t>
+            </a:r>
+            <a:r>
+              <a:rPr lang="en-US" sz="3200" b="1" i="1" dirty="0" smtClean="0">
+                <a:solidFill>
+                  <a:srgbClr val="FFFF00"/>
+                </a:solidFill>
+                <a:latin typeface="Arial" pitchFamily="34" charset="0"/>
+                <a:cs typeface="Arial" pitchFamily="34" charset="0"/>
+              </a:rPr>
+              <a:t> </a:t>
+            </a:r>
+            <a:r>
+              <a:rPr lang="en-IN" sz="3200" b="1" i="1" dirty="0">
+                <a:solidFill>
+                  <a:srgbClr val="FFFF00"/>
+                </a:solidFill>
+                <a:latin typeface="Arial" pitchFamily="34" charset="0"/>
+                <a:cs typeface="Arial" pitchFamily="34" charset="0"/>
+              </a:rPr>
+              <a:t> </a:t>
+            </a:r>
+          </a:p>
+        </p:txBody>
+      </p:sp>
+      <p:sp>
+        <p:nvSpPr>
+          <p:cNvPr id="7" name="Rectangle 6"/>
           <p:cNvSpPr/>
           <p:nvPr/>
         </p:nvSpPr>
         <p:spPr>
           <a:xfrm>
-            <a:off x="145976" y="849264"/>
+            <a:off x="149188" y="762000"/>
             <a:ext cx="8845624" cy="369332"/>
           </a:xfrm>
           <a:prstGeom prst="rect">
@@ -24049,153 +24538,17 @@
           <a:lstStyle/>
           <a:p>
             <a:r>
-              <a:rPr lang="en-IN" dirty="0" smtClean="0">
-                <a:solidFill>
-                  <a:srgbClr val="222222"/>
-                </a:solidFill>
-                <a:latin typeface="Verdana" panose="020B0604030504040204" pitchFamily="34" charset="0"/>
-              </a:rPr>
-              <a:t>1. Think </a:t>
-            </a:r>
-            <a:r>
-              <a:rPr lang="en-IN" dirty="0">
-                <a:solidFill>
-                  <a:srgbClr val="222222"/>
-                </a:solidFill>
-                <a:latin typeface="Verdana" panose="020B0604030504040204" pitchFamily="34" charset="0"/>
-              </a:rPr>
-              <a:t>about how multiplication can be done without actually </a:t>
-            </a:r>
-            <a:r>
-              <a:rPr lang="en-IN" dirty="0" smtClean="0">
-                <a:solidFill>
-                  <a:srgbClr val="222222"/>
-                </a:solidFill>
-                <a:latin typeface="Verdana" panose="020B0604030504040204" pitchFamily="34" charset="0"/>
-              </a:rPr>
-              <a:t>multiplying </a:t>
+              <a:rPr lang="en-US" dirty="0" smtClean="0"/>
+              <a:t>TODO</a:t>
             </a:r>
             <a:endParaRPr lang="en-IN" dirty="0"/>
           </a:p>
         </p:txBody>
       </p:sp>
-      <p:sp>
-        <p:nvSpPr>
-          <p:cNvPr id="3" name="TextBox 2"/>
-          <p:cNvSpPr txBox="1"/>
-          <p:nvPr/>
-        </p:nvSpPr>
-        <p:spPr>
-          <a:xfrm>
-            <a:off x="990600" y="2514600"/>
-            <a:ext cx="184731" cy="369332"/>
-          </a:xfrm>
-          <a:prstGeom prst="rect">
-            <a:avLst/>
-          </a:prstGeom>
-          <a:noFill/>
-        </p:spPr>
-        <p:txBody>
-          <a:bodyPr wrap="none" rtlCol="0">
-            <a:spAutoFit/>
-          </a:bodyPr>
-          <a:lstStyle/>
-          <a:p>
-            <a:endParaRPr lang="en-IN" dirty="0"/>
-          </a:p>
-        </p:txBody>
-      </p:sp>
-      <p:pic>
-        <p:nvPicPr>
-          <p:cNvPr id="5" name="Picture 4"/>
-          <p:cNvPicPr>
-            <a:picLocks noChangeAspect="1"/>
-          </p:cNvPicPr>
-          <p:nvPr/>
-        </p:nvPicPr>
-        <p:blipFill>
-          <a:blip r:embed="rId2"/>
-          <a:stretch>
-            <a:fillRect/>
-          </a:stretch>
-        </p:blipFill>
-        <p:spPr>
-          <a:xfrm>
-            <a:off x="304800" y="3700361"/>
-            <a:ext cx="4648200" cy="2471839"/>
-          </a:xfrm>
-          <a:prstGeom prst="rect">
-            <a:avLst/>
-          </a:prstGeom>
-        </p:spPr>
-      </p:pic>
-      <p:sp>
-        <p:nvSpPr>
-          <p:cNvPr id="6" name="Rectangle 5"/>
-          <p:cNvSpPr/>
-          <p:nvPr/>
-        </p:nvSpPr>
-        <p:spPr>
-          <a:xfrm>
-            <a:off x="145976" y="3243552"/>
-            <a:ext cx="1317990" cy="369332"/>
-          </a:xfrm>
-          <a:prstGeom prst="rect">
-            <a:avLst/>
-          </a:prstGeom>
-        </p:spPr>
-        <p:txBody>
-          <a:bodyPr wrap="none">
-            <a:spAutoFit/>
-          </a:bodyPr>
-          <a:lstStyle/>
-          <a:p>
-            <a:r>
-              <a:rPr lang="en-IN" dirty="0" smtClean="0">
-                <a:solidFill>
-                  <a:srgbClr val="222222"/>
-                </a:solidFill>
-                <a:latin typeface="Verdana" panose="020B0604030504040204" pitchFamily="34" charset="0"/>
-              </a:rPr>
-              <a:t>2. Square</a:t>
-            </a:r>
-            <a:endParaRPr lang="en-IN" dirty="0">
-              <a:solidFill>
-                <a:srgbClr val="222222"/>
-              </a:solidFill>
-              <a:latin typeface="Verdana" panose="020B0604030504040204" pitchFamily="34" charset="0"/>
-            </a:endParaRPr>
-          </a:p>
-        </p:txBody>
-      </p:sp>
-      <p:pic>
-        <p:nvPicPr>
-          <p:cNvPr id="8" name="Picture 7"/>
-          <p:cNvPicPr>
-            <a:picLocks noChangeAspect="1"/>
-          </p:cNvPicPr>
-          <p:nvPr/>
-        </p:nvPicPr>
-        <p:blipFill>
-          <a:blip r:embed="rId3"/>
-          <a:stretch>
-            <a:fillRect/>
-          </a:stretch>
-        </p:blipFill>
-        <p:spPr>
-          <a:xfrm>
-            <a:off x="533400" y="1250647"/>
-            <a:ext cx="4495800" cy="1883657"/>
-          </a:xfrm>
-          <a:prstGeom prst="rect">
-            <a:avLst/>
-          </a:prstGeom>
-        </p:spPr>
-      </p:pic>
     </p:spTree>
     <p:extLst>
       <p:ext uri="{BB962C8B-B14F-4D97-AF65-F5344CB8AC3E}">
-        <p14:creationId xmlns:p14="http://schemas.microsoft.com/office/powerpoint/2010/main" val="3391323119"/>
+        <p14:creationId xmlns:p14="http://schemas.microsoft.com/office/powerpoint/2010/main" val="1097272351"/>
       </p:ext>
     </p:extLst>
   </p:cSld>
@@ -24436,61 +24789,25 @@
           <a:chExt cx="0" cy="0"/>
         </a:xfrm>
       </p:grpSpPr>
-      <p:pic>
-        <p:nvPicPr>
-          <p:cNvPr id="1026" name="Picture 2" descr="http://www.bvctch.vn/vnt_upload/weblink/thks.jpg"/>
-          <p:cNvPicPr>
-            <a:picLocks noChangeAspect="1" noChangeArrowheads="1"/>
-          </p:cNvPicPr>
-          <p:nvPr/>
-        </p:nvPicPr>
-        <p:blipFill>
-          <a:blip r:embed="rId2">
-            <a:extLst>
-              <a:ext uri="{28A0092B-C50C-407E-A947-70E740481C1C}">
-                <a14:useLocalDpi xmlns:a14="http://schemas.microsoft.com/office/drawing/2010/main" val="0"/>
-              </a:ext>
-            </a:extLst>
-          </a:blip>
-          <a:srcRect/>
-          <a:stretch>
-            <a:fillRect/>
-          </a:stretch>
-        </p:blipFill>
-        <p:spPr bwMode="auto">
-          <a:xfrm>
-            <a:off x="2895600" y="757237"/>
-            <a:ext cx="3124200" cy="4881563"/>
-          </a:xfrm>
-          <a:prstGeom prst="rect">
-            <a:avLst/>
-          </a:prstGeom>
-          <a:noFill/>
-          <a:extLst>
-            <a:ext uri="{909E8E84-426E-40DD-AFC4-6F175D3DCCD1}">
-              <a14:hiddenFill xmlns:a14="http://schemas.microsoft.com/office/drawing/2010/main">
-                <a:solidFill>
-                  <a:srgbClr val="FFFFFF"/>
-                </a:solidFill>
-              </a14:hiddenFill>
-            </a:ext>
-          </a:extLst>
-        </p:spPr>
-      </p:pic>
-      <p:sp>
-        <p:nvSpPr>
-          <p:cNvPr id="3" name="Rectangle 2"/>
+      <p:sp>
+        <p:nvSpPr>
+          <p:cNvPr id="6" name="Rectangle 5"/>
           <p:cNvSpPr/>
           <p:nvPr/>
         </p:nvSpPr>
         <p:spPr>
           <a:xfrm>
-            <a:off x="304800" y="5105400"/>
-            <a:ext cx="8610600" cy="1077218"/>
-          </a:xfrm>
-          <a:prstGeom prst="rect">
-            <a:avLst/>
-          </a:prstGeom>
+            <a:off x="0" y="0"/>
+            <a:ext cx="9144000" cy="584775"/>
+          </a:xfrm>
+          <a:prstGeom prst="rect">
+            <a:avLst/>
+          </a:prstGeom>
+          <a:solidFill>
+            <a:schemeClr val="accent4">
+              <a:lumMod val="75000"/>
+            </a:schemeClr>
+          </a:solidFill>
         </p:spPr>
         <p:txBody>
           <a:bodyPr wrap="square">
@@ -24498,35 +24815,77 @@
           </a:bodyPr>
           <a:lstStyle/>
           <a:p>
-            <a:pPr algn="ctr"/>
-            <a:r>
-              <a:rPr lang="en-IN" sz="3200" dirty="0">
-                <a:solidFill>
-                  <a:srgbClr val="FE1212"/>
-                </a:solidFill>
-                <a:latin typeface="Segoe Print" panose="02000600000000000000" pitchFamily="2" charset="0"/>
-              </a:rPr>
-              <a:t>"Live as if you were to die tomorrow.</a:t>
-            </a:r>
-          </a:p>
-          <a:p>
-            <a:pPr algn="ctr"/>
-            <a:r>
-              <a:rPr lang="en-IN" sz="3200" dirty="0">
-                <a:solidFill>
-                  <a:srgbClr val="FE1212"/>
-                </a:solidFill>
-                <a:latin typeface="Segoe Print" panose="02000600000000000000" pitchFamily="2" charset="0"/>
-              </a:rPr>
-              <a:t>Learn as if you were to live forever"</a:t>
-            </a:r>
+            <a:pPr algn="r">
+              <a:spcBef>
+                <a:spcPct val="0"/>
+              </a:spcBef>
+            </a:pPr>
+            <a:r>
+              <a:rPr lang="en-IN" sz="3200" b="1" i="1" dirty="0" smtClean="0">
+                <a:solidFill>
+                  <a:srgbClr val="FFFF00"/>
+                </a:solidFill>
+                <a:latin typeface="Arial" pitchFamily="34" charset="0"/>
+                <a:cs typeface="Arial" pitchFamily="34" charset="0"/>
+              </a:rPr>
+              <a:t>MongoDB</a:t>
+            </a:r>
+            <a:r>
+              <a:rPr lang="en-US" sz="3200" b="1" i="1" dirty="0" smtClean="0">
+                <a:solidFill>
+                  <a:srgbClr val="FFFF00"/>
+                </a:solidFill>
+                <a:latin typeface="Arial" pitchFamily="34" charset="0"/>
+                <a:cs typeface="Arial" pitchFamily="34" charset="0"/>
+              </a:rPr>
+              <a:t> </a:t>
+            </a:r>
+            <a:r>
+              <a:rPr lang="en-IN" sz="3200" b="1" i="1" dirty="0">
+                <a:solidFill>
+                  <a:srgbClr val="FFFF00"/>
+                </a:solidFill>
+                <a:latin typeface="Arial" pitchFamily="34" charset="0"/>
+                <a:cs typeface="Arial" pitchFamily="34" charset="0"/>
+              </a:rPr>
+              <a:t> </a:t>
+            </a:r>
+          </a:p>
+        </p:txBody>
+      </p:sp>
+      <p:sp>
+        <p:nvSpPr>
+          <p:cNvPr id="7" name="Rectangle 6"/>
+          <p:cNvSpPr/>
+          <p:nvPr/>
+        </p:nvSpPr>
+        <p:spPr>
+          <a:xfrm>
+            <a:off x="149188" y="762000"/>
+            <a:ext cx="8845624" cy="369332"/>
+          </a:xfrm>
+          <a:prstGeom prst="rect">
+            <a:avLst/>
+          </a:prstGeom>
+        </p:spPr>
+        <p:txBody>
+          <a:bodyPr wrap="square">
+            <a:spAutoFit/>
+          </a:bodyPr>
+          <a:lstStyle/>
+          <a:p>
+            <a:r>
+              <a:rPr lang="en-US" dirty="0" smtClean="0"/>
+              <a:t>TODO</a:t>
+            </a:r>
+            <a:endParaRPr lang="en-IN" dirty="0"/>
           </a:p>
         </p:txBody>
       </p:sp>
     </p:spTree>
     <p:extLst>
       <p:ext uri="{BB962C8B-B14F-4D97-AF65-F5344CB8AC3E}">
-        <p14:creationId xmlns:p14="http://schemas.microsoft.com/office/powerpoint/2010/main" val="1148130326"/>
+        <p14:creationId xmlns:p14="http://schemas.microsoft.com/office/powerpoint/2010/main" val="1587220367"/>
       </p:ext>
     </p:extLst>
   </p:cSld>
@@ -24562,6 +24921,639 @@
       </p:grpSpPr>
       <p:sp>
         <p:nvSpPr>
+          <p:cNvPr id="6" name="Rectangle 5"/>
+          <p:cNvSpPr/>
+          <p:nvPr/>
+        </p:nvSpPr>
+        <p:spPr>
+          <a:xfrm>
+            <a:off x="0" y="0"/>
+            <a:ext cx="9144000" cy="584775"/>
+          </a:xfrm>
+          <a:prstGeom prst="rect">
+            <a:avLst/>
+          </a:prstGeom>
+          <a:solidFill>
+            <a:schemeClr val="accent4">
+              <a:lumMod val="75000"/>
+            </a:schemeClr>
+          </a:solidFill>
+        </p:spPr>
+        <p:txBody>
+          <a:bodyPr wrap="square">
+            <a:spAutoFit/>
+          </a:bodyPr>
+          <a:lstStyle/>
+          <a:p>
+            <a:pPr algn="r">
+              <a:spcBef>
+                <a:spcPct val="0"/>
+              </a:spcBef>
+            </a:pPr>
+            <a:r>
+              <a:rPr lang="en-IN" sz="3200" b="1" i="1" dirty="0" smtClean="0">
+                <a:solidFill>
+                  <a:srgbClr val="FFFF00"/>
+                </a:solidFill>
+                <a:latin typeface="Arial" pitchFamily="34" charset="0"/>
+                <a:cs typeface="Arial" pitchFamily="34" charset="0"/>
+              </a:rPr>
+              <a:t>MongoDB</a:t>
+            </a:r>
+            <a:r>
+              <a:rPr lang="en-US" sz="3200" b="1" i="1" dirty="0" smtClean="0">
+                <a:solidFill>
+                  <a:srgbClr val="FFFF00"/>
+                </a:solidFill>
+                <a:latin typeface="Arial" pitchFamily="34" charset="0"/>
+                <a:cs typeface="Arial" pitchFamily="34" charset="0"/>
+              </a:rPr>
+              <a:t> </a:t>
+            </a:r>
+            <a:r>
+              <a:rPr lang="en-IN" sz="3200" b="1" i="1" dirty="0">
+                <a:solidFill>
+                  <a:srgbClr val="FFFF00"/>
+                </a:solidFill>
+                <a:latin typeface="Arial" pitchFamily="34" charset="0"/>
+                <a:cs typeface="Arial" pitchFamily="34" charset="0"/>
+              </a:rPr>
+              <a:t> </a:t>
+            </a:r>
+          </a:p>
+        </p:txBody>
+      </p:sp>
+      <p:sp>
+        <p:nvSpPr>
+          <p:cNvPr id="7" name="Rectangle 6"/>
+          <p:cNvSpPr/>
+          <p:nvPr/>
+        </p:nvSpPr>
+        <p:spPr>
+          <a:xfrm>
+            <a:off x="149188" y="762000"/>
+            <a:ext cx="8845624" cy="369332"/>
+          </a:xfrm>
+          <a:prstGeom prst="rect">
+            <a:avLst/>
+          </a:prstGeom>
+        </p:spPr>
+        <p:txBody>
+          <a:bodyPr wrap="square">
+            <a:spAutoFit/>
+          </a:bodyPr>
+          <a:lstStyle/>
+          <a:p>
+            <a:r>
+              <a:rPr lang="en-US" dirty="0" smtClean="0"/>
+              <a:t>TODO</a:t>
+            </a:r>
+            <a:endParaRPr lang="en-IN" dirty="0"/>
+          </a:p>
+        </p:txBody>
+      </p:sp>
+    </p:spTree>
+    <p:extLst>
+      <p:ext uri="{BB962C8B-B14F-4D97-AF65-F5344CB8AC3E}">
+        <p14:creationId xmlns:p14="http://schemas.microsoft.com/office/powerpoint/2010/main" val="1863467568"/>
+      </p:ext>
+    </p:extLst>
+  </p:cSld>
+  <p:clrMapOvr>
+    <a:masterClrMapping/>
+  </p:clrMapOvr>
+  <p:timing>
+    <p:tnLst>
+      <p:par>
+        <p:cTn id="1" dur="indefinite" restart="never" nodeType="tmRoot"/>
+      </p:par>
+    </p:tnLst>
+  </p:timing>
+</p:sld>
+</file>
+
+<file path=ppt/slides/slide92.xml><?xml version="1.0" encoding="utf-8"?>
+<p:sld xmlns:a="http://schemas.openxmlformats.org/drawingml/2006/main" xmlns:r="http://schemas.openxmlformats.org/officeDocument/2006/relationships" xmlns:p="http://schemas.openxmlformats.org/presentationml/2006/main">
+  <p:cSld>
+    <p:spTree>
+      <p:nvGrpSpPr>
+        <p:cNvPr id="1" name=""/>
+        <p:cNvGrpSpPr/>
+        <p:nvPr/>
+      </p:nvGrpSpPr>
+      <p:grpSpPr>
+        <a:xfrm>
+          <a:off x="0" y="0"/>
+          <a:ext cx="0" cy="0"/>
+          <a:chOff x="0" y="0"/>
+          <a:chExt cx="0" cy="0"/>
+        </a:xfrm>
+      </p:grpSpPr>
+      <p:sp>
+        <p:nvSpPr>
+          <p:cNvPr id="6" name="Rectangle 5"/>
+          <p:cNvSpPr/>
+          <p:nvPr/>
+        </p:nvSpPr>
+        <p:spPr>
+          <a:xfrm>
+            <a:off x="0" y="0"/>
+            <a:ext cx="9144000" cy="584775"/>
+          </a:xfrm>
+          <a:prstGeom prst="rect">
+            <a:avLst/>
+          </a:prstGeom>
+          <a:solidFill>
+            <a:schemeClr val="accent4">
+              <a:lumMod val="75000"/>
+            </a:schemeClr>
+          </a:solidFill>
+        </p:spPr>
+        <p:txBody>
+          <a:bodyPr wrap="square">
+            <a:spAutoFit/>
+          </a:bodyPr>
+          <a:lstStyle/>
+          <a:p>
+            <a:pPr algn="r">
+              <a:spcBef>
+                <a:spcPct val="0"/>
+              </a:spcBef>
+            </a:pPr>
+            <a:r>
+              <a:rPr lang="en-IN" sz="3200" b="1" i="1" dirty="0" smtClean="0">
+                <a:solidFill>
+                  <a:srgbClr val="FFFF00"/>
+                </a:solidFill>
+                <a:latin typeface="Arial" pitchFamily="34" charset="0"/>
+                <a:cs typeface="Arial" pitchFamily="34" charset="0"/>
+              </a:rPr>
+              <a:t>MongoDB</a:t>
+            </a:r>
+            <a:r>
+              <a:rPr lang="en-US" sz="3200" b="1" i="1" dirty="0" smtClean="0">
+                <a:solidFill>
+                  <a:srgbClr val="FFFF00"/>
+                </a:solidFill>
+                <a:latin typeface="Arial" pitchFamily="34" charset="0"/>
+                <a:cs typeface="Arial" pitchFamily="34" charset="0"/>
+              </a:rPr>
+              <a:t> </a:t>
+            </a:r>
+            <a:r>
+              <a:rPr lang="en-IN" sz="3200" b="1" i="1" dirty="0">
+                <a:solidFill>
+                  <a:srgbClr val="FFFF00"/>
+                </a:solidFill>
+                <a:latin typeface="Arial" pitchFamily="34" charset="0"/>
+                <a:cs typeface="Arial" pitchFamily="34" charset="0"/>
+              </a:rPr>
+              <a:t> </a:t>
+            </a:r>
+          </a:p>
+        </p:txBody>
+      </p:sp>
+      <p:sp>
+        <p:nvSpPr>
+          <p:cNvPr id="7" name="Rectangle 6"/>
+          <p:cNvSpPr/>
+          <p:nvPr/>
+        </p:nvSpPr>
+        <p:spPr>
+          <a:xfrm>
+            <a:off x="149188" y="762000"/>
+            <a:ext cx="8845624" cy="369332"/>
+          </a:xfrm>
+          <a:prstGeom prst="rect">
+            <a:avLst/>
+          </a:prstGeom>
+        </p:spPr>
+        <p:txBody>
+          <a:bodyPr wrap="square">
+            <a:spAutoFit/>
+          </a:bodyPr>
+          <a:lstStyle/>
+          <a:p>
+            <a:r>
+              <a:rPr lang="en-US" dirty="0" smtClean="0"/>
+              <a:t>TODO</a:t>
+            </a:r>
+            <a:endParaRPr lang="en-IN" dirty="0"/>
+          </a:p>
+        </p:txBody>
+      </p:sp>
+    </p:spTree>
+    <p:extLst>
+      <p:ext uri="{BB962C8B-B14F-4D97-AF65-F5344CB8AC3E}">
+        <p14:creationId xmlns:p14="http://schemas.microsoft.com/office/powerpoint/2010/main" val="1971192509"/>
+      </p:ext>
+    </p:extLst>
+  </p:cSld>
+  <p:clrMapOvr>
+    <a:masterClrMapping/>
+  </p:clrMapOvr>
+  <p:timing>
+    <p:tnLst>
+      <p:par>
+        <p:cTn id="1" dur="indefinite" restart="never" nodeType="tmRoot"/>
+      </p:par>
+    </p:tnLst>
+  </p:timing>
+</p:sld>
+</file>
+
+<file path=ppt/slides/slide93.xml><?xml version="1.0" encoding="utf-8"?>
+<p:sld xmlns:a="http://schemas.openxmlformats.org/drawingml/2006/main" xmlns:r="http://schemas.openxmlformats.org/officeDocument/2006/relationships" xmlns:p="http://schemas.openxmlformats.org/presentationml/2006/main">
+  <p:cSld>
+    <p:spTree>
+      <p:nvGrpSpPr>
+        <p:cNvPr id="1" name=""/>
+        <p:cNvGrpSpPr/>
+        <p:nvPr/>
+      </p:nvGrpSpPr>
+      <p:grpSpPr>
+        <a:xfrm>
+          <a:off x="0" y="0"/>
+          <a:ext cx="0" cy="0"/>
+          <a:chOff x="0" y="0"/>
+          <a:chExt cx="0" cy="0"/>
+        </a:xfrm>
+      </p:grpSpPr>
+      <p:sp>
+        <p:nvSpPr>
+          <p:cNvPr id="4" name="Rectangle 3"/>
+          <p:cNvSpPr/>
+          <p:nvPr/>
+        </p:nvSpPr>
+        <p:spPr>
+          <a:xfrm>
+            <a:off x="0" y="0"/>
+            <a:ext cx="9144000" cy="584775"/>
+          </a:xfrm>
+          <a:prstGeom prst="rect">
+            <a:avLst/>
+          </a:prstGeom>
+          <a:solidFill>
+            <a:schemeClr val="bg2">
+              <a:lumMod val="10000"/>
+            </a:schemeClr>
+          </a:solidFill>
+        </p:spPr>
+        <p:txBody>
+          <a:bodyPr wrap="square">
+            <a:spAutoFit/>
+          </a:bodyPr>
+          <a:lstStyle/>
+          <a:p>
+            <a:pPr algn="r"/>
+            <a:r>
+              <a:rPr lang="en-IN" sz="3200" b="1" i="1" dirty="0" smtClean="0">
+                <a:solidFill>
+                  <a:srgbClr val="FFFF00"/>
+                </a:solidFill>
+                <a:latin typeface="Arial" pitchFamily="34" charset="0"/>
+                <a:cs typeface="Arial" pitchFamily="34" charset="0"/>
+              </a:rPr>
+              <a:t>IMP</a:t>
+            </a:r>
+            <a:endParaRPr lang="en-IN" sz="3200" b="1" i="1" dirty="0">
+              <a:solidFill>
+                <a:srgbClr val="FFFF00"/>
+              </a:solidFill>
+              <a:latin typeface="Arial" pitchFamily="34" charset="0"/>
+              <a:cs typeface="Arial" pitchFamily="34" charset="0"/>
+            </a:endParaRPr>
+          </a:p>
+        </p:txBody>
+      </p:sp>
+      <p:sp>
+        <p:nvSpPr>
+          <p:cNvPr id="2" name="Rectangle 1"/>
+          <p:cNvSpPr/>
+          <p:nvPr/>
+        </p:nvSpPr>
+        <p:spPr>
+          <a:xfrm>
+            <a:off x="145976" y="849264"/>
+            <a:ext cx="8845624" cy="369332"/>
+          </a:xfrm>
+          <a:prstGeom prst="rect">
+            <a:avLst/>
+          </a:prstGeom>
+        </p:spPr>
+        <p:txBody>
+          <a:bodyPr wrap="square">
+            <a:spAutoFit/>
+          </a:bodyPr>
+          <a:lstStyle/>
+          <a:p>
+            <a:r>
+              <a:rPr lang="en-IN" dirty="0" smtClean="0">
+                <a:solidFill>
+                  <a:srgbClr val="222222"/>
+                </a:solidFill>
+                <a:latin typeface="Verdana" panose="020B0604030504040204" pitchFamily="34" charset="0"/>
+              </a:rPr>
+              <a:t>1. Think </a:t>
+            </a:r>
+            <a:r>
+              <a:rPr lang="en-IN" dirty="0">
+                <a:solidFill>
+                  <a:srgbClr val="222222"/>
+                </a:solidFill>
+                <a:latin typeface="Verdana" panose="020B0604030504040204" pitchFamily="34" charset="0"/>
+              </a:rPr>
+              <a:t>about how multiplication can be done without actually </a:t>
+            </a:r>
+            <a:r>
+              <a:rPr lang="en-IN" dirty="0" smtClean="0">
+                <a:solidFill>
+                  <a:srgbClr val="222222"/>
+                </a:solidFill>
+                <a:latin typeface="Verdana" panose="020B0604030504040204" pitchFamily="34" charset="0"/>
+              </a:rPr>
+              <a:t>multiplying </a:t>
+            </a:r>
+            <a:endParaRPr lang="en-IN" dirty="0"/>
+          </a:p>
+        </p:txBody>
+      </p:sp>
+      <p:sp>
+        <p:nvSpPr>
+          <p:cNvPr id="3" name="TextBox 2"/>
+          <p:cNvSpPr txBox="1"/>
+          <p:nvPr/>
+        </p:nvSpPr>
+        <p:spPr>
+          <a:xfrm>
+            <a:off x="990600" y="2514600"/>
+            <a:ext cx="184731" cy="369332"/>
+          </a:xfrm>
+          <a:prstGeom prst="rect">
+            <a:avLst/>
+          </a:prstGeom>
+          <a:noFill/>
+        </p:spPr>
+        <p:txBody>
+          <a:bodyPr wrap="none" rtlCol="0">
+            <a:spAutoFit/>
+          </a:bodyPr>
+          <a:lstStyle/>
+          <a:p>
+            <a:endParaRPr lang="en-IN" dirty="0"/>
+          </a:p>
+        </p:txBody>
+      </p:sp>
+      <p:pic>
+        <p:nvPicPr>
+          <p:cNvPr id="5" name="Picture 4"/>
+          <p:cNvPicPr>
+            <a:picLocks noChangeAspect="1"/>
+          </p:cNvPicPr>
+          <p:nvPr/>
+        </p:nvPicPr>
+        <p:blipFill>
+          <a:blip r:embed="rId2"/>
+          <a:stretch>
+            <a:fillRect/>
+          </a:stretch>
+        </p:blipFill>
+        <p:spPr>
+          <a:xfrm>
+            <a:off x="304800" y="3700361"/>
+            <a:ext cx="4648200" cy="2471839"/>
+          </a:xfrm>
+          <a:prstGeom prst="rect">
+            <a:avLst/>
+          </a:prstGeom>
+        </p:spPr>
+      </p:pic>
+      <p:sp>
+        <p:nvSpPr>
+          <p:cNvPr id="6" name="Rectangle 5"/>
+          <p:cNvSpPr/>
+          <p:nvPr/>
+        </p:nvSpPr>
+        <p:spPr>
+          <a:xfrm>
+            <a:off x="145976" y="3243552"/>
+            <a:ext cx="1317990" cy="369332"/>
+          </a:xfrm>
+          <a:prstGeom prst="rect">
+            <a:avLst/>
+          </a:prstGeom>
+        </p:spPr>
+        <p:txBody>
+          <a:bodyPr wrap="none">
+            <a:spAutoFit/>
+          </a:bodyPr>
+          <a:lstStyle/>
+          <a:p>
+            <a:r>
+              <a:rPr lang="en-IN" dirty="0" smtClean="0">
+                <a:solidFill>
+                  <a:srgbClr val="222222"/>
+                </a:solidFill>
+                <a:latin typeface="Verdana" panose="020B0604030504040204" pitchFamily="34" charset="0"/>
+              </a:rPr>
+              <a:t>2. Square</a:t>
+            </a:r>
+            <a:endParaRPr lang="en-IN" dirty="0">
+              <a:solidFill>
+                <a:srgbClr val="222222"/>
+              </a:solidFill>
+              <a:latin typeface="Verdana" panose="020B0604030504040204" pitchFamily="34" charset="0"/>
+            </a:endParaRPr>
+          </a:p>
+        </p:txBody>
+      </p:sp>
+      <p:pic>
+        <p:nvPicPr>
+          <p:cNvPr id="8" name="Picture 7"/>
+          <p:cNvPicPr>
+            <a:picLocks noChangeAspect="1"/>
+          </p:cNvPicPr>
+          <p:nvPr/>
+        </p:nvPicPr>
+        <p:blipFill>
+          <a:blip r:embed="rId3"/>
+          <a:stretch>
+            <a:fillRect/>
+          </a:stretch>
+        </p:blipFill>
+        <p:spPr>
+          <a:xfrm>
+            <a:off x="533400" y="1250647"/>
+            <a:ext cx="4495800" cy="1883657"/>
+          </a:xfrm>
+          <a:prstGeom prst="rect">
+            <a:avLst/>
+          </a:prstGeom>
+        </p:spPr>
+      </p:pic>
+    </p:spTree>
+    <p:extLst>
+      <p:ext uri="{BB962C8B-B14F-4D97-AF65-F5344CB8AC3E}">
+        <p14:creationId xmlns:p14="http://schemas.microsoft.com/office/powerpoint/2010/main" val="3391323119"/>
+      </p:ext>
+    </p:extLst>
+  </p:cSld>
+  <p:clrMapOvr>
+    <a:masterClrMapping/>
+  </p:clrMapOvr>
+  <p:timing>
+    <p:tnLst>
+      <p:par>
+        <p:cTn id="1" dur="indefinite" restart="never" nodeType="tmRoot"/>
+      </p:par>
+    </p:tnLst>
+  </p:timing>
+</p:sld>
+</file>
+
+<file path=ppt/slides/slide94.xml><?xml version="1.0" encoding="utf-8"?>
+<p:sld xmlns:a="http://schemas.openxmlformats.org/drawingml/2006/main" xmlns:r="http://schemas.openxmlformats.org/officeDocument/2006/relationships" xmlns:p="http://schemas.openxmlformats.org/presentationml/2006/main">
+  <p:cSld>
+    <p:spTree>
+      <p:nvGrpSpPr>
+        <p:cNvPr id="1" name=""/>
+        <p:cNvGrpSpPr/>
+        <p:nvPr/>
+      </p:nvGrpSpPr>
+      <p:grpSpPr>
+        <a:xfrm>
+          <a:off x="0" y="0"/>
+          <a:ext cx="0" cy="0"/>
+          <a:chOff x="0" y="0"/>
+          <a:chExt cx="0" cy="0"/>
+        </a:xfrm>
+      </p:grpSpPr>
+      <p:pic>
+        <p:nvPicPr>
+          <p:cNvPr id="1026" name="Picture 2" descr="http://www.bvctch.vn/vnt_upload/weblink/thks.jpg"/>
+          <p:cNvPicPr>
+            <a:picLocks noChangeAspect="1" noChangeArrowheads="1"/>
+          </p:cNvPicPr>
+          <p:nvPr/>
+        </p:nvPicPr>
+        <p:blipFill>
+          <a:blip r:embed="rId2">
+            <a:extLst>
+              <a:ext uri="{28A0092B-C50C-407E-A947-70E740481C1C}">
+                <a14:useLocalDpi xmlns:a14="http://schemas.microsoft.com/office/drawing/2010/main" val="0"/>
+              </a:ext>
+            </a:extLst>
+          </a:blip>
+          <a:srcRect/>
+          <a:stretch>
+            <a:fillRect/>
+          </a:stretch>
+        </p:blipFill>
+        <p:spPr bwMode="auto">
+          <a:xfrm>
+            <a:off x="2895600" y="757237"/>
+            <a:ext cx="3124200" cy="4881563"/>
+          </a:xfrm>
+          <a:prstGeom prst="rect">
+            <a:avLst/>
+          </a:prstGeom>
+          <a:noFill/>
+          <a:extLst>
+            <a:ext uri="{909E8E84-426E-40DD-AFC4-6F175D3DCCD1}">
+              <a14:hiddenFill xmlns:a14="http://schemas.microsoft.com/office/drawing/2010/main">
+                <a:solidFill>
+                  <a:srgbClr val="FFFFFF"/>
+                </a:solidFill>
+              </a14:hiddenFill>
+            </a:ext>
+          </a:extLst>
+        </p:spPr>
+      </p:pic>
+      <p:sp>
+        <p:nvSpPr>
+          <p:cNvPr id="3" name="Rectangle 2"/>
+          <p:cNvSpPr/>
+          <p:nvPr/>
+        </p:nvSpPr>
+        <p:spPr>
+          <a:xfrm>
+            <a:off x="304800" y="5105400"/>
+            <a:ext cx="8610600" cy="1077218"/>
+          </a:xfrm>
+          <a:prstGeom prst="rect">
+            <a:avLst/>
+          </a:prstGeom>
+        </p:spPr>
+        <p:txBody>
+          <a:bodyPr wrap="square">
+            <a:spAutoFit/>
+          </a:bodyPr>
+          <a:lstStyle/>
+          <a:p>
+            <a:pPr algn="ctr"/>
+            <a:r>
+              <a:rPr lang="en-IN" sz="3200" dirty="0">
+                <a:solidFill>
+                  <a:srgbClr val="FE1212"/>
+                </a:solidFill>
+                <a:latin typeface="Segoe Print" panose="02000600000000000000" pitchFamily="2" charset="0"/>
+              </a:rPr>
+              <a:t>"Live as if you were to die tomorrow.</a:t>
+            </a:r>
+          </a:p>
+          <a:p>
+            <a:pPr algn="ctr"/>
+            <a:r>
+              <a:rPr lang="en-IN" sz="3200" dirty="0">
+                <a:solidFill>
+                  <a:srgbClr val="FE1212"/>
+                </a:solidFill>
+                <a:latin typeface="Segoe Print" panose="02000600000000000000" pitchFamily="2" charset="0"/>
+              </a:rPr>
+              <a:t>Learn as if you were to live forever"</a:t>
+            </a:r>
+          </a:p>
+        </p:txBody>
+      </p:sp>
+    </p:spTree>
+    <p:extLst>
+      <p:ext uri="{BB962C8B-B14F-4D97-AF65-F5344CB8AC3E}">
+        <p14:creationId xmlns:p14="http://schemas.microsoft.com/office/powerpoint/2010/main" val="1148130326"/>
+      </p:ext>
+    </p:extLst>
+  </p:cSld>
+  <p:clrMapOvr>
+    <a:masterClrMapping/>
+  </p:clrMapOvr>
+  <p:timing>
+    <p:tnLst>
+      <p:par>
+        <p:cTn id="1" dur="indefinite" restart="never" nodeType="tmRoot"/>
+      </p:par>
+    </p:tnLst>
+  </p:timing>
+</p:sld>
+</file>
+
+<file path=ppt/slides/slide95.xml><?xml version="1.0" encoding="utf-8"?>
+<p:sld xmlns:a="http://schemas.openxmlformats.org/drawingml/2006/main" xmlns:r="http://schemas.openxmlformats.org/officeDocument/2006/relationships" xmlns:p="http://schemas.openxmlformats.org/presentationml/2006/main">
+  <p:cSld>
+    <p:spTree>
+      <p:nvGrpSpPr>
+        <p:cNvPr id="1" name=""/>
+        <p:cNvGrpSpPr/>
+        <p:nvPr/>
+      </p:nvGrpSpPr>
+      <p:grpSpPr>
+        <a:xfrm>
+          <a:off x="0" y="0"/>
+          <a:ext cx="0" cy="0"/>
+          <a:chOff x="0" y="0"/>
+          <a:chExt cx="0" cy="0"/>
+        </a:xfrm>
+      </p:grpSpPr>
+      <p:sp>
+        <p:nvSpPr>
           <p:cNvPr id="3" name="Rectangle 2"/>
           <p:cNvSpPr/>
           <p:nvPr/>
@@ -24644,7 +25636,7 @@
 </p:sld>
 </file>
 
-<file path=ppt/slides/slide92.xml><?xml version="1.0" encoding="utf-8"?>
+<file path=ppt/slides/slide96.xml><?xml version="1.0" encoding="utf-8"?>
 <p:sld xmlns:a="http://schemas.openxmlformats.org/drawingml/2006/main" xmlns:r="http://schemas.openxmlformats.org/officeDocument/2006/relationships" xmlns:p="http://schemas.openxmlformats.org/presentationml/2006/main">
   <p:cSld>
     <p:spTree>

--- a/MongoDB PPT.pptx
+++ b/MongoDB PPT.pptx
@@ -5,7 +5,7 @@
     <p:sldMasterId id="2147483720" r:id="rId1"/>
   </p:sldMasterIdLst>
   <p:notesMasterIdLst>
-    <p:notesMasterId r:id="rId98"/>
+    <p:notesMasterId r:id="rId100"/>
   </p:notesMasterIdLst>
   <p:sldIdLst>
     <p:sldId id="497" r:id="rId2"/>
@@ -64,46 +64,48 @@
     <p:sldId id="1155" r:id="rId55"/>
     <p:sldId id="1179" r:id="rId56"/>
     <p:sldId id="1180" r:id="rId57"/>
-    <p:sldId id="1181" r:id="rId58"/>
-    <p:sldId id="1182" r:id="rId59"/>
-    <p:sldId id="1173" r:id="rId60"/>
-    <p:sldId id="1174" r:id="rId61"/>
-    <p:sldId id="1175" r:id="rId62"/>
-    <p:sldId id="1176" r:id="rId63"/>
-    <p:sldId id="1099" r:id="rId64"/>
-    <p:sldId id="1092" r:id="rId65"/>
-    <p:sldId id="1102" r:id="rId66"/>
-    <p:sldId id="1103" r:id="rId67"/>
-    <p:sldId id="1104" r:id="rId68"/>
-    <p:sldId id="1105" r:id="rId69"/>
-    <p:sldId id="1106" r:id="rId70"/>
-    <p:sldId id="1107" r:id="rId71"/>
-    <p:sldId id="1108" r:id="rId72"/>
-    <p:sldId id="1109" r:id="rId73"/>
-    <p:sldId id="1110" r:id="rId74"/>
-    <p:sldId id="1111" r:id="rId75"/>
-    <p:sldId id="1112" r:id="rId76"/>
-    <p:sldId id="1113" r:id="rId77"/>
-    <p:sldId id="1114" r:id="rId78"/>
-    <p:sldId id="1115" r:id="rId79"/>
-    <p:sldId id="1116" r:id="rId80"/>
-    <p:sldId id="1117" r:id="rId81"/>
-    <p:sldId id="1118" r:id="rId82"/>
-    <p:sldId id="1119" r:id="rId83"/>
-    <p:sldId id="1120" r:id="rId84"/>
-    <p:sldId id="1121" r:id="rId85"/>
-    <p:sldId id="1122" r:id="rId86"/>
-    <p:sldId id="1123" r:id="rId87"/>
-    <p:sldId id="1124" r:id="rId88"/>
-    <p:sldId id="1125" r:id="rId89"/>
-    <p:sldId id="1126" r:id="rId90"/>
-    <p:sldId id="1127" r:id="rId91"/>
-    <p:sldId id="1128" r:id="rId92"/>
-    <p:sldId id="1129" r:id="rId93"/>
-    <p:sldId id="954" r:id="rId94"/>
-    <p:sldId id="788" r:id="rId95"/>
-    <p:sldId id="1071" r:id="rId96"/>
-    <p:sldId id="1087" r:id="rId97"/>
+    <p:sldId id="1183" r:id="rId58"/>
+    <p:sldId id="1184" r:id="rId59"/>
+    <p:sldId id="1181" r:id="rId60"/>
+    <p:sldId id="1182" r:id="rId61"/>
+    <p:sldId id="1173" r:id="rId62"/>
+    <p:sldId id="1174" r:id="rId63"/>
+    <p:sldId id="1175" r:id="rId64"/>
+    <p:sldId id="1176" r:id="rId65"/>
+    <p:sldId id="1099" r:id="rId66"/>
+    <p:sldId id="1092" r:id="rId67"/>
+    <p:sldId id="1102" r:id="rId68"/>
+    <p:sldId id="1103" r:id="rId69"/>
+    <p:sldId id="1104" r:id="rId70"/>
+    <p:sldId id="1105" r:id="rId71"/>
+    <p:sldId id="1106" r:id="rId72"/>
+    <p:sldId id="1107" r:id="rId73"/>
+    <p:sldId id="1108" r:id="rId74"/>
+    <p:sldId id="1109" r:id="rId75"/>
+    <p:sldId id="1110" r:id="rId76"/>
+    <p:sldId id="1111" r:id="rId77"/>
+    <p:sldId id="1112" r:id="rId78"/>
+    <p:sldId id="1113" r:id="rId79"/>
+    <p:sldId id="1114" r:id="rId80"/>
+    <p:sldId id="1115" r:id="rId81"/>
+    <p:sldId id="1116" r:id="rId82"/>
+    <p:sldId id="1117" r:id="rId83"/>
+    <p:sldId id="1118" r:id="rId84"/>
+    <p:sldId id="1119" r:id="rId85"/>
+    <p:sldId id="1120" r:id="rId86"/>
+    <p:sldId id="1121" r:id="rId87"/>
+    <p:sldId id="1122" r:id="rId88"/>
+    <p:sldId id="1123" r:id="rId89"/>
+    <p:sldId id="1124" r:id="rId90"/>
+    <p:sldId id="1125" r:id="rId91"/>
+    <p:sldId id="1126" r:id="rId92"/>
+    <p:sldId id="1127" r:id="rId93"/>
+    <p:sldId id="1128" r:id="rId94"/>
+    <p:sldId id="1129" r:id="rId95"/>
+    <p:sldId id="954" r:id="rId96"/>
+    <p:sldId id="788" r:id="rId97"/>
+    <p:sldId id="1071" r:id="rId98"/>
+    <p:sldId id="1087" r:id="rId99"/>
   </p:sldIdLst>
   <p:sldSz cx="9144000" cy="6858000" type="screen4x3"/>
   <p:notesSz cx="6858000" cy="9144000"/>
@@ -18809,12 +18811,6 @@
               </a:rPr>
               <a:t>TODO</a:t>
             </a:r>
-            <a:endParaRPr lang="en-US" dirty="0" smtClean="0">
-              <a:solidFill>
-                <a:srgbClr val="222222"/>
-              </a:solidFill>
-              <a:latin typeface="arial" panose="020B0604020202020204" pitchFamily="34" charset="0"/>
-            </a:endParaRPr>
           </a:p>
         </p:txBody>
       </p:sp>
@@ -18828,11 +18824,11 @@
   <p:clrMapOvr>
     <a:masterClrMapping/>
   </p:clrMapOvr>
-  <mc:AlternateContent xmlns:mc="http://schemas.openxmlformats.org/markup-compatibility/2006">
-    <mc:Choice xmlns:p14="http://schemas.microsoft.com/office/powerpoint/2010/main" Requires="p14">
+  <mc:AlternateContent xmlns:mc="http://schemas.openxmlformats.org/markup-compatibility/2006" xmlns:p14="http://schemas.microsoft.com/office/powerpoint/2010/main">
+    <mc:Choice Requires="p14">
       <p:transition spd="slow" p14:dur="2000"/>
     </mc:Choice>
-    <mc:Fallback>
+    <mc:Fallback xmlns="">
       <p:transition spd="slow"/>
     </mc:Fallback>
   </mc:AlternateContent>
@@ -18904,13 +18900,6 @@
               </a:rPr>
               <a:t>db.collection.insert()</a:t>
             </a:r>
-            <a:endParaRPr lang="en-IN" sz="3200" b="1" i="1" dirty="0">
-              <a:solidFill>
-                <a:srgbClr val="FFFF00"/>
-              </a:solidFill>
-              <a:latin typeface="Arial" pitchFamily="34" charset="0"/>
-              <a:cs typeface="Arial" pitchFamily="34" charset="0"/>
-            </a:endParaRPr>
           </a:p>
         </p:txBody>
       </p:sp>
@@ -18923,7 +18912,7 @@
         <p:spPr>
           <a:xfrm>
             <a:off x="133354" y="1497568"/>
-            <a:ext cx="3350597" cy="369332"/>
+            <a:ext cx="7909538" cy="646331"/>
           </a:xfrm>
           <a:prstGeom prst="rect">
             <a:avLst/>
@@ -18958,7 +18947,34 @@
                 <a:latin typeface="Consolas" panose="020B0609020204030204" pitchFamily="49" charset="0"/>
                 <a:cs typeface="Calibri" panose="020F0502020204030204" pitchFamily="34" charset="0"/>
               </a:rPr>
-              <a:t>({ })</a:t>
+              <a:t>({&lt;document&gt;})</a:t>
+            </a:r>
+          </a:p>
+          <a:p>
+            <a:pPr>
+              <a:spcBef>
+                <a:spcPct val="0"/>
+              </a:spcBef>
+            </a:pPr>
+            <a:r>
+              <a:rPr lang="en-IN" dirty="0">
+                <a:solidFill>
+                  <a:srgbClr val="049DC8"/>
+                </a:solidFill>
+                <a:latin typeface="Consolas" panose="020B0609020204030204" pitchFamily="49" charset="0"/>
+                <a:cs typeface="Calibri" panose="020F0502020204030204" pitchFamily="34" charset="0"/>
+              </a:rPr>
+              <a:t>db.collection.insert([{&lt;document 1&gt;} , {&lt;document 2&gt;}, ... </a:t>
+            </a:r>
+            <a:r>
+              <a:rPr lang="en-IN" dirty="0" smtClean="0">
+                <a:solidFill>
+                  <a:srgbClr val="049DC8"/>
+                </a:solidFill>
+                <a:latin typeface="Consolas" panose="020B0609020204030204" pitchFamily="49" charset="0"/>
+                <a:cs typeface="Calibri" panose="020F0502020204030204" pitchFamily="34" charset="0"/>
+              </a:rPr>
+              <a:t>])</a:t>
             </a:r>
             <a:endParaRPr lang="en-IN" dirty="0">
               <a:solidFill>
@@ -19007,7 +19023,7 @@
         </p:nvSpPr>
         <p:spPr>
           <a:xfrm>
-            <a:off x="153146" y="2233136"/>
+            <a:off x="153146" y="2379583"/>
             <a:ext cx="8841666" cy="1354217"/>
           </a:xfrm>
           <a:prstGeom prst="rect">
@@ -19279,12 +19295,8 @@
           </a:lstStyle>
           <a:p>
             <a:r>
-              <a:rPr lang="en-IN" dirty="0"/>
-              <a:t>db.collection.insertMany</a:t>
-            </a:r>
-            <a:r>
               <a:rPr lang="en-IN" dirty="0" smtClean="0"/>
-              <a:t>()</a:t>
+              <a:t>db.collection.insertOne()</a:t>
             </a:r>
             <a:endParaRPr lang="en-US" dirty="0"/>
           </a:p>
@@ -19326,19 +19338,13 @@
               </a:rPr>
               <a:t>TODO</a:t>
             </a:r>
-            <a:endParaRPr lang="en-US" dirty="0" smtClean="0">
-              <a:solidFill>
-                <a:srgbClr val="222222"/>
-              </a:solidFill>
-              <a:latin typeface="arial" panose="020B0604020202020204" pitchFamily="34" charset="0"/>
-            </a:endParaRPr>
           </a:p>
         </p:txBody>
       </p:sp>
     </p:spTree>
     <p:extLst>
       <p:ext uri="{BB962C8B-B14F-4D97-AF65-F5344CB8AC3E}">
-        <p14:creationId xmlns:p14="http://schemas.microsoft.com/office/powerpoint/2010/main" val="2867497369"/>
+        <p14:creationId xmlns:p14="http://schemas.microsoft.com/office/powerpoint/2010/main" val="2500728323"/>
       </p:ext>
     </p:extLst>
   </p:cSld>
@@ -19412,14 +19418,14 @@
               </a:spcBef>
             </a:pPr>
             <a:r>
-              <a:rPr lang="en-IN" sz="3200" b="1" i="1" dirty="0">
+              <a:rPr lang="en-IN" sz="3200" b="1" i="1" dirty="0" smtClean="0">
                 <a:solidFill>
                   <a:srgbClr val="FFFF00"/>
                 </a:solidFill>
                 <a:latin typeface="Arial" pitchFamily="34" charset="0"/>
                 <a:cs typeface="Arial" pitchFamily="34" charset="0"/>
               </a:rPr>
-              <a:t>db.collection.insertMany()</a:t>
+              <a:t>db.collection.insertOne()</a:t>
             </a:r>
             <a:endParaRPr lang="en-IN" sz="3200" b="1" i="1" dirty="0">
               <a:solidFill>
@@ -19440,7 +19446,7 @@
         <p:spPr>
           <a:xfrm>
             <a:off x="133354" y="1497568"/>
-            <a:ext cx="8542723" cy="369332"/>
+            <a:ext cx="4870244" cy="369332"/>
           </a:xfrm>
           <a:prstGeom prst="rect">
             <a:avLst/>
@@ -19458,94 +19464,14 @@
               </a:spcBef>
             </a:pPr>
             <a:r>
-              <a:rPr lang="en-IN" dirty="0">
+              <a:rPr lang="en-IN" dirty="0" smtClean="0">
                 <a:solidFill>
                   <a:srgbClr val="049DC8"/>
                 </a:solidFill>
                 <a:latin typeface="Consolas" panose="020B0609020204030204" pitchFamily="49" charset="0"/>
                 <a:cs typeface="Calibri" panose="020F0502020204030204" pitchFamily="34" charset="0"/>
               </a:rPr>
-              <a:t>db.collection.insertMany([ </a:t>
-            </a:r>
-            <a:r>
-              <a:rPr lang="en-IN" dirty="0" smtClean="0">
-                <a:solidFill>
-                  <a:srgbClr val="049DC8"/>
-                </a:solidFill>
-                <a:latin typeface="Consolas" panose="020B0609020204030204" pitchFamily="49" charset="0"/>
-                <a:cs typeface="Calibri" panose="020F0502020204030204" pitchFamily="34" charset="0"/>
-              </a:rPr>
-              <a:t>{&lt;</a:t>
-            </a:r>
-            <a:r>
-              <a:rPr lang="en-IN" dirty="0">
-                <a:solidFill>
-                  <a:srgbClr val="049DC8"/>
-                </a:solidFill>
-                <a:latin typeface="Consolas" panose="020B0609020204030204" pitchFamily="49" charset="0"/>
-                <a:cs typeface="Calibri" panose="020F0502020204030204" pitchFamily="34" charset="0"/>
-              </a:rPr>
-              <a:t>document 1</a:t>
-            </a:r>
-            <a:r>
-              <a:rPr lang="en-IN" dirty="0" smtClean="0">
-                <a:solidFill>
-                  <a:srgbClr val="049DC8"/>
-                </a:solidFill>
-                <a:latin typeface="Consolas" panose="020B0609020204030204" pitchFamily="49" charset="0"/>
-                <a:cs typeface="Calibri" panose="020F0502020204030204" pitchFamily="34" charset="0"/>
-              </a:rPr>
-              <a:t>&gt;} </a:t>
-            </a:r>
-            <a:r>
-              <a:rPr lang="en-IN" dirty="0">
-                <a:solidFill>
-                  <a:srgbClr val="049DC8"/>
-                </a:solidFill>
-                <a:latin typeface="Consolas" panose="020B0609020204030204" pitchFamily="49" charset="0"/>
-                <a:cs typeface="Calibri" panose="020F0502020204030204" pitchFamily="34" charset="0"/>
-              </a:rPr>
-              <a:t>, </a:t>
-            </a:r>
-            <a:r>
-              <a:rPr lang="en-IN" dirty="0" smtClean="0">
-                <a:solidFill>
-                  <a:srgbClr val="049DC8"/>
-                </a:solidFill>
-                <a:latin typeface="Consolas" panose="020B0609020204030204" pitchFamily="49" charset="0"/>
-                <a:cs typeface="Calibri" panose="020F0502020204030204" pitchFamily="34" charset="0"/>
-              </a:rPr>
-              <a:t>{&lt;</a:t>
-            </a:r>
-            <a:r>
-              <a:rPr lang="en-IN" dirty="0">
-                <a:solidFill>
-                  <a:srgbClr val="049DC8"/>
-                </a:solidFill>
-                <a:latin typeface="Consolas" panose="020B0609020204030204" pitchFamily="49" charset="0"/>
-                <a:cs typeface="Calibri" panose="020F0502020204030204" pitchFamily="34" charset="0"/>
-              </a:rPr>
-              <a:t>document 2</a:t>
-            </a:r>
-            <a:r>
-              <a:rPr lang="en-IN" dirty="0" smtClean="0">
-                <a:solidFill>
-                  <a:srgbClr val="049DC8"/>
-                </a:solidFill>
-                <a:latin typeface="Consolas" panose="020B0609020204030204" pitchFamily="49" charset="0"/>
-                <a:cs typeface="Calibri" panose="020F0502020204030204" pitchFamily="34" charset="0"/>
-              </a:rPr>
-              <a:t>&gt;}, </a:t>
-            </a:r>
-            <a:r>
-              <a:rPr lang="en-IN" dirty="0">
-                <a:solidFill>
-                  <a:srgbClr val="049DC8"/>
-                </a:solidFill>
-                <a:latin typeface="Consolas" panose="020B0609020204030204" pitchFamily="49" charset="0"/>
-                <a:cs typeface="Calibri" panose="020F0502020204030204" pitchFamily="34" charset="0"/>
-              </a:rPr>
-              <a:t>... ])</a:t>
+              <a:t>db.collection.insertOne({&lt;document&gt;})</a:t>
             </a:r>
             <a:endParaRPr lang="en-IN" dirty="0">
               <a:solidFill>
@@ -19615,7 +19541,27 @@
                 <a:latin typeface="Calibri" panose="020F0502020204030204" pitchFamily="34" charset="0"/>
                 <a:cs typeface="Calibri" panose="020F0502020204030204" pitchFamily="34" charset="0"/>
               </a:rPr>
-              <a:t>db.e.insertMany([{ename</a:t>
+              <a:t>db.e.insertMany</a:t>
+            </a:r>
+            <a:r>
+              <a:rPr lang="en-US" sz="2200" dirty="0" smtClean="0">
+                <a:solidFill>
+                  <a:srgbClr val="FC6F0D"/>
+                </a:solidFill>
+                <a:latin typeface="Calibri" panose="020F0502020204030204" pitchFamily="34" charset="0"/>
+                <a:cs typeface="Calibri" panose="020F0502020204030204" pitchFamily="34" charset="0"/>
+              </a:rPr>
+              <a:t>({</a:t>
+            </a:r>
+            <a:r>
+              <a:rPr lang="en-US" sz="2200" dirty="0" smtClean="0">
+                <a:solidFill>
+                  <a:srgbClr val="FC6F0D"/>
+                </a:solidFill>
+                <a:latin typeface="Calibri" panose="020F0502020204030204" pitchFamily="34" charset="0"/>
+                <a:cs typeface="Calibri" panose="020F0502020204030204" pitchFamily="34" charset="0"/>
+              </a:rPr>
+              <a:t>ename</a:t>
             </a:r>
             <a:r>
               <a:rPr lang="en-US" sz="2200" dirty="0">
@@ -19645,27 +19591,17 @@
                 <a:latin typeface="Calibri" panose="020F0502020204030204" pitchFamily="34" charset="0"/>
                 <a:cs typeface="Calibri" panose="020F0502020204030204" pitchFamily="34" charset="0"/>
               </a:rPr>
-              <a:t>', salary:2000} , {ename:'y',job:'</a:t>
-            </a:r>
-            <a:r>
-              <a:rPr lang="en-US" sz="2200" dirty="0" err="1">
+              <a:t>', salary:2000</a:t>
+            </a:r>
+            <a:r>
+              <a:rPr lang="en-US" sz="2200" dirty="0" smtClean="0">
                 <a:solidFill>
                   <a:srgbClr val="FC6F0D"/>
                 </a:solidFill>
                 <a:latin typeface="Calibri" panose="020F0502020204030204" pitchFamily="34" charset="0"/>
                 <a:cs typeface="Calibri" panose="020F0502020204030204" pitchFamily="34" charset="0"/>
               </a:rPr>
-              <a:t>hr</a:t>
-            </a:r>
-            <a:r>
-              <a:rPr lang="en-US" sz="2200" dirty="0" smtClean="0">
-                <a:solidFill>
-                  <a:srgbClr val="FC6F0D"/>
-                </a:solidFill>
-                <a:latin typeface="Calibri" panose="020F0502020204030204" pitchFamily="34" charset="0"/>
-                <a:cs typeface="Calibri" panose="020F0502020204030204" pitchFamily="34" charset="0"/>
-              </a:rPr>
-              <a:t>'}])</a:t>
+              <a:t>})</a:t>
             </a:r>
             <a:endParaRPr lang="en-US" sz="2200" dirty="0">
               <a:solidFill>
@@ -19680,7 +19616,7 @@
     </p:spTree>
     <p:extLst>
       <p:ext uri="{BB962C8B-B14F-4D97-AF65-F5344CB8AC3E}">
-        <p14:creationId xmlns:p14="http://schemas.microsoft.com/office/powerpoint/2010/main" val="2845818728"/>
+        <p14:creationId xmlns:p14="http://schemas.microsoft.com/office/powerpoint/2010/main" val="1684840865"/>
       </p:ext>
     </p:extLst>
   </p:cSld>
@@ -19755,7 +19691,11 @@
           <a:p>
             <a:r>
               <a:rPr lang="en-IN" dirty="0"/>
-              <a:t>db.collection.deleteOne()</a:t>
+              <a:t>db.collection.insertMany</a:t>
+            </a:r>
+            <a:r>
+              <a:rPr lang="en-IN" dirty="0" smtClean="0"/>
+              <a:t>()</a:t>
             </a:r>
             <a:endParaRPr lang="en-US" dirty="0"/>
           </a:p>
@@ -19797,14 +19737,13 @@
               </a:rPr>
               <a:t>TODO</a:t>
             </a:r>
-            <a:endParaRPr lang="en-US" dirty="0"/>
           </a:p>
         </p:txBody>
       </p:sp>
     </p:spTree>
     <p:extLst>
       <p:ext uri="{BB962C8B-B14F-4D97-AF65-F5344CB8AC3E}">
-        <p14:creationId xmlns:p14="http://schemas.microsoft.com/office/powerpoint/2010/main" val="3719896549"/>
+        <p14:creationId xmlns:p14="http://schemas.microsoft.com/office/powerpoint/2010/main" val="2867497369"/>
       </p:ext>
     </p:extLst>
   </p:cSld>
@@ -20081,21 +20020,140 @@
                 <a:latin typeface="Arial" pitchFamily="34" charset="0"/>
                 <a:cs typeface="Arial" pitchFamily="34" charset="0"/>
               </a:rPr>
-              <a:t>db.collection.deleteOne()</a:t>
-            </a:r>
-          </a:p>
-        </p:txBody>
-      </p:sp>
-      <p:sp>
-        <p:nvSpPr>
-          <p:cNvPr id="7" name="Rectangle 6"/>
+              <a:t>db.collection.insertMany()</a:t>
+            </a:r>
+          </a:p>
+        </p:txBody>
+      </p:sp>
+      <p:sp>
+        <p:nvSpPr>
+          <p:cNvPr id="4" name="Rectangle 3"/>
           <p:cNvSpPr/>
           <p:nvPr/>
         </p:nvSpPr>
         <p:spPr>
           <a:xfrm>
+            <a:off x="133354" y="1497568"/>
+            <a:ext cx="8542723" cy="369332"/>
+          </a:xfrm>
+          <a:prstGeom prst="rect">
+            <a:avLst/>
+          </a:prstGeom>
+        </p:spPr>
+        <p:txBody>
+          <a:bodyPr wrap="none">
+            <a:spAutoFit/>
+          </a:bodyPr>
+          <a:lstStyle/>
+          <a:p>
+            <a:pPr>
+              <a:spcBef>
+                <a:spcPct val="0"/>
+              </a:spcBef>
+            </a:pPr>
+            <a:r>
+              <a:rPr lang="en-IN" dirty="0">
+                <a:solidFill>
+                  <a:srgbClr val="049DC8"/>
+                </a:solidFill>
+                <a:latin typeface="Consolas" panose="020B0609020204030204" pitchFamily="49" charset="0"/>
+                <a:cs typeface="Calibri" panose="020F0502020204030204" pitchFamily="34" charset="0"/>
+              </a:rPr>
+              <a:t>db.collection.insertMany</a:t>
+            </a:r>
+            <a:r>
+              <a:rPr lang="en-IN" dirty="0" smtClean="0">
+                <a:solidFill>
+                  <a:srgbClr val="049DC8"/>
+                </a:solidFill>
+                <a:latin typeface="Consolas" panose="020B0609020204030204" pitchFamily="49" charset="0"/>
+                <a:cs typeface="Calibri" panose="020F0502020204030204" pitchFamily="34" charset="0"/>
+              </a:rPr>
+              <a:t>([{&lt;</a:t>
+            </a:r>
+            <a:r>
+              <a:rPr lang="en-IN" dirty="0">
+                <a:solidFill>
+                  <a:srgbClr val="049DC8"/>
+                </a:solidFill>
+                <a:latin typeface="Consolas" panose="020B0609020204030204" pitchFamily="49" charset="0"/>
+                <a:cs typeface="Calibri" panose="020F0502020204030204" pitchFamily="34" charset="0"/>
+              </a:rPr>
+              <a:t>document 1</a:t>
+            </a:r>
+            <a:r>
+              <a:rPr lang="en-IN" dirty="0" smtClean="0">
+                <a:solidFill>
+                  <a:srgbClr val="049DC8"/>
+                </a:solidFill>
+                <a:latin typeface="Consolas" panose="020B0609020204030204" pitchFamily="49" charset="0"/>
+                <a:cs typeface="Calibri" panose="020F0502020204030204" pitchFamily="34" charset="0"/>
+              </a:rPr>
+              <a:t>&gt;} </a:t>
+            </a:r>
+            <a:r>
+              <a:rPr lang="en-IN" dirty="0">
+                <a:solidFill>
+                  <a:srgbClr val="049DC8"/>
+                </a:solidFill>
+                <a:latin typeface="Consolas" panose="020B0609020204030204" pitchFamily="49" charset="0"/>
+                <a:cs typeface="Calibri" panose="020F0502020204030204" pitchFamily="34" charset="0"/>
+              </a:rPr>
+              <a:t>, </a:t>
+            </a:r>
+            <a:r>
+              <a:rPr lang="en-IN" dirty="0" smtClean="0">
+                <a:solidFill>
+                  <a:srgbClr val="049DC8"/>
+                </a:solidFill>
+                <a:latin typeface="Consolas" panose="020B0609020204030204" pitchFamily="49" charset="0"/>
+                <a:cs typeface="Calibri" panose="020F0502020204030204" pitchFamily="34" charset="0"/>
+              </a:rPr>
+              <a:t>{&lt;</a:t>
+            </a:r>
+            <a:r>
+              <a:rPr lang="en-IN" dirty="0">
+                <a:solidFill>
+                  <a:srgbClr val="049DC8"/>
+                </a:solidFill>
+                <a:latin typeface="Consolas" panose="020B0609020204030204" pitchFamily="49" charset="0"/>
+                <a:cs typeface="Calibri" panose="020F0502020204030204" pitchFamily="34" charset="0"/>
+              </a:rPr>
+              <a:t>document 2</a:t>
+            </a:r>
+            <a:r>
+              <a:rPr lang="en-IN" dirty="0" smtClean="0">
+                <a:solidFill>
+                  <a:srgbClr val="049DC8"/>
+                </a:solidFill>
+                <a:latin typeface="Consolas" panose="020B0609020204030204" pitchFamily="49" charset="0"/>
+                <a:cs typeface="Calibri" panose="020F0502020204030204" pitchFamily="34" charset="0"/>
+              </a:rPr>
+              <a:t>&gt;}, </a:t>
+            </a:r>
+            <a:r>
+              <a:rPr lang="en-IN" dirty="0">
+                <a:solidFill>
+                  <a:srgbClr val="049DC8"/>
+                </a:solidFill>
+                <a:latin typeface="Consolas" panose="020B0609020204030204" pitchFamily="49" charset="0"/>
+                <a:cs typeface="Calibri" panose="020F0502020204030204" pitchFamily="34" charset="0"/>
+              </a:rPr>
+              <a:t>... ])</a:t>
+            </a:r>
+          </a:p>
+        </p:txBody>
+      </p:sp>
+      <p:sp>
+        <p:nvSpPr>
+          <p:cNvPr id="8" name="Rectangle 7"/>
+          <p:cNvSpPr/>
+          <p:nvPr/>
+        </p:nvSpPr>
+        <p:spPr>
+          <a:xfrm>
             <a:off x="149188" y="762000"/>
-            <a:ext cx="8845624" cy="646331"/>
+            <a:ext cx="8845624" cy="369332"/>
           </a:xfrm>
           <a:prstGeom prst="rect">
             <a:avLst/>
@@ -20109,7 +20167,7 @@
           <a:p>
             <a:r>
               <a:rPr lang="en-US" dirty="0"/>
-              <a:t>Removes a single document from a collection. Specify an empty document { } to delete the first document returned in the collection.</a:t>
+              <a:t>Inserts a document or documents into a collection.</a:t>
             </a:r>
             <a:endParaRPr lang="en-IN" dirty="0"/>
           </a:p>
@@ -20117,14 +20175,14 @@
       </p:sp>
       <p:sp>
         <p:nvSpPr>
-          <p:cNvPr id="8" name="Rectangle 7"/>
+          <p:cNvPr id="3" name="Rectangle 2"/>
           <p:cNvSpPr/>
           <p:nvPr/>
         </p:nvSpPr>
         <p:spPr>
           <a:xfrm>
-            <a:off x="154136" y="1611868"/>
-            <a:ext cx="8761264" cy="369332"/>
+            <a:off x="153146" y="2233136"/>
+            <a:ext cx="8841666" cy="430887"/>
           </a:xfrm>
           <a:prstGeom prst="rect">
             <a:avLst/>
@@ -20137,47 +20195,6 @@
           <a:lstStyle/>
           <a:p>
             <a:r>
-              <a:rPr lang="en-US" dirty="0" smtClean="0">
-                <a:solidFill>
-                  <a:srgbClr val="049DC8"/>
-                </a:solidFill>
-                <a:latin typeface="Consolas" panose="020B0609020204030204" pitchFamily="49" charset="0"/>
-                <a:cs typeface="Calibri" panose="020F0502020204030204" pitchFamily="34" charset="0"/>
-              </a:rPr>
-              <a:t>db.collection.deleteOne({&lt;filter&gt;})</a:t>
-            </a:r>
-            <a:endParaRPr lang="en-US" dirty="0">
-              <a:solidFill>
-                <a:srgbClr val="049DC8"/>
-              </a:solidFill>
-              <a:latin typeface="Consolas" panose="020B0609020204030204" pitchFamily="49" charset="0"/>
-              <a:cs typeface="Calibri" panose="020F0502020204030204" pitchFamily="34" charset="0"/>
-            </a:endParaRPr>
-          </a:p>
-        </p:txBody>
-      </p:sp>
-      <p:sp>
-        <p:nvSpPr>
-          <p:cNvPr id="5" name="Rectangle 4"/>
-          <p:cNvSpPr/>
-          <p:nvPr/>
-        </p:nvSpPr>
-        <p:spPr>
-          <a:xfrm>
-            <a:off x="149188" y="2286000"/>
-            <a:ext cx="8766212" cy="892552"/>
-          </a:xfrm>
-          <a:prstGeom prst="rect">
-            <a:avLst/>
-          </a:prstGeom>
-        </p:spPr>
-        <p:txBody>
-          <a:bodyPr wrap="square">
-            <a:spAutoFit/>
-          </a:bodyPr>
-          <a:lstStyle/>
-          <a:p>
-            <a:r>
               <a:rPr lang="en-US" sz="2200" dirty="0" smtClean="0">
                 <a:solidFill>
                   <a:srgbClr val="FC6F0D"/>
@@ -20185,19 +20202,8 @@
                 <a:latin typeface="Calibri" panose="020F0502020204030204" pitchFamily="34" charset="0"/>
                 <a:cs typeface="Calibri" panose="020F0502020204030204" pitchFamily="34" charset="0"/>
               </a:rPr>
-              <a:t>db.emp.deleteOne({})</a:t>
-            </a:r>
-          </a:p>
-          <a:p>
-            <a:endParaRPr lang="en-US" sz="800" dirty="0" smtClean="0">
-              <a:solidFill>
-                <a:srgbClr val="FC6F0D"/>
-              </a:solidFill>
-              <a:latin typeface="Calibri" panose="020F0502020204030204" pitchFamily="34" charset="0"/>
-              <a:cs typeface="Calibri" panose="020F0502020204030204" pitchFamily="34" charset="0"/>
-            </a:endParaRPr>
-          </a:p>
-          <a:p>
+              <a:t>db.e.insertMany([{ename</a:t>
+            </a:r>
             <a:r>
               <a:rPr lang="en-US" sz="2200" dirty="0">
                 <a:solidFill>
@@ -20206,7 +20212,37 @@
                 <a:latin typeface="Calibri" panose="020F0502020204030204" pitchFamily="34" charset="0"/>
                 <a:cs typeface="Calibri" panose="020F0502020204030204" pitchFamily="34" charset="0"/>
               </a:rPr>
-              <a:t>db.e.deleteOne({job:'manager</a:t>
+              <a:t>:'x', job:'</a:t>
+            </a:r>
+            <a:r>
+              <a:rPr lang="en-US" sz="2200" dirty="0" err="1">
+                <a:solidFill>
+                  <a:srgbClr val="FC6F0D"/>
+                </a:solidFill>
+                <a:latin typeface="Calibri" panose="020F0502020204030204" pitchFamily="34" charset="0"/>
+                <a:cs typeface="Calibri" panose="020F0502020204030204" pitchFamily="34" charset="0"/>
+              </a:rPr>
+              <a:t>pqr</a:t>
+            </a:r>
+            <a:r>
+              <a:rPr lang="en-US" sz="2200" dirty="0">
+                <a:solidFill>
+                  <a:srgbClr val="FC6F0D"/>
+                </a:solidFill>
+                <a:latin typeface="Calibri" panose="020F0502020204030204" pitchFamily="34" charset="0"/>
+                <a:cs typeface="Calibri" panose="020F0502020204030204" pitchFamily="34" charset="0"/>
+              </a:rPr>
+              <a:t>', salary:2000} , {ename:'y',job:'</a:t>
+            </a:r>
+            <a:r>
+              <a:rPr lang="en-US" sz="2200" dirty="0" err="1">
+                <a:solidFill>
+                  <a:srgbClr val="FC6F0D"/>
+                </a:solidFill>
+                <a:latin typeface="Calibri" panose="020F0502020204030204" pitchFamily="34" charset="0"/>
+                <a:cs typeface="Calibri" panose="020F0502020204030204" pitchFamily="34" charset="0"/>
+              </a:rPr>
+              <a:t>hr</a:t>
             </a:r>
             <a:r>
               <a:rPr lang="en-US" sz="2200" dirty="0" smtClean="0">
@@ -20216,7 +20252,7 @@
                 <a:latin typeface="Calibri" panose="020F0502020204030204" pitchFamily="34" charset="0"/>
                 <a:cs typeface="Calibri" panose="020F0502020204030204" pitchFamily="34" charset="0"/>
               </a:rPr>
-              <a:t>'})</a:t>
+              <a:t>'}])</a:t>
             </a:r>
             <a:endParaRPr lang="en-US" sz="2200" dirty="0">
               <a:solidFill>
@@ -20231,7 +20267,7 @@
     </p:spTree>
     <p:extLst>
       <p:ext uri="{BB962C8B-B14F-4D97-AF65-F5344CB8AC3E}">
-        <p14:creationId xmlns:p14="http://schemas.microsoft.com/office/powerpoint/2010/main" val="3696592824"/>
+        <p14:creationId xmlns:p14="http://schemas.microsoft.com/office/powerpoint/2010/main" val="2845818728"/>
       </p:ext>
     </p:extLst>
   </p:cSld>
@@ -20305,8 +20341,8 @@
           </a:lstStyle>
           <a:p>
             <a:r>
-              <a:rPr lang="en-IN" dirty="0" smtClean="0"/>
-              <a:t>db.collection.deleteMany()</a:t>
+              <a:rPr lang="en-IN" dirty="0"/>
+              <a:t>db.collection.deleteOne()</a:t>
             </a:r>
             <a:endParaRPr lang="en-US" dirty="0"/>
           </a:p>
@@ -20355,7 +20391,7 @@
     </p:spTree>
     <p:extLst>
       <p:ext uri="{BB962C8B-B14F-4D97-AF65-F5344CB8AC3E}">
-        <p14:creationId xmlns:p14="http://schemas.microsoft.com/office/powerpoint/2010/main" val="4110389760"/>
+        <p14:creationId xmlns:p14="http://schemas.microsoft.com/office/powerpoint/2010/main" val="3719896549"/>
       </p:ext>
     </p:extLst>
   </p:cSld>
@@ -20429,22 +20465,15 @@
               </a:spcBef>
             </a:pPr>
             <a:r>
-              <a:rPr lang="en-IN" sz="3200" b="1" i="1" dirty="0" smtClean="0">
+              <a:rPr lang="en-IN" sz="3200" b="1" i="1" dirty="0">
                 <a:solidFill>
                   <a:srgbClr val="FFFF00"/>
                 </a:solidFill>
                 <a:latin typeface="Arial" pitchFamily="34" charset="0"/>
                 <a:cs typeface="Arial" pitchFamily="34" charset="0"/>
               </a:rPr>
-              <a:t>db.collection.deleteMany()</a:t>
-            </a:r>
-            <a:endParaRPr lang="en-IN" sz="3200" b="1" i="1" dirty="0">
-              <a:solidFill>
-                <a:srgbClr val="FFFF00"/>
-              </a:solidFill>
-              <a:latin typeface="Arial" pitchFamily="34" charset="0"/>
-              <a:cs typeface="Arial" pitchFamily="34" charset="0"/>
-            </a:endParaRPr>
+              <a:t>db.collection.deleteOne()</a:t>
+            </a:r>
           </a:p>
         </p:txBody>
       </p:sp>
@@ -20457,7 +20486,7 @@
         <p:spPr>
           <a:xfrm>
             <a:off x="149188" y="762000"/>
-            <a:ext cx="8845624" cy="369332"/>
+            <a:ext cx="8845624" cy="646331"/>
           </a:xfrm>
           <a:prstGeom prst="rect">
             <a:avLst/>
@@ -20471,7 +20500,7 @@
           <a:p>
             <a:r>
               <a:rPr lang="en-US" dirty="0"/>
-              <a:t>Removes all documents that match the filter from a collection.</a:t>
+              <a:t>Removes a single document from a collection. Specify an empty document { } to delete the first document returned in the collection.</a:t>
             </a:r>
             <a:endParaRPr lang="en-IN" dirty="0"/>
           </a:p>
@@ -20506,7 +20535,7 @@
                 <a:latin typeface="Consolas" panose="020B0609020204030204" pitchFamily="49" charset="0"/>
                 <a:cs typeface="Calibri" panose="020F0502020204030204" pitchFamily="34" charset="0"/>
               </a:rPr>
-              <a:t>db.collection.deleteMany({&lt;filter&gt;})</a:t>
+              <a:t>db.collection.deleteOne({&lt;filter&gt;})</a:t>
             </a:r>
             <a:endParaRPr lang="en-US" dirty="0">
               <a:solidFill>
@@ -20540,22 +20569,15 @@
           <a:lstStyle/>
           <a:p>
             <a:r>
-              <a:rPr lang="en-US" sz="2200" dirty="0">
+              <a:rPr lang="en-US" sz="2200" dirty="0" smtClean="0">
                 <a:solidFill>
                   <a:srgbClr val="FC6F0D"/>
                 </a:solidFill>
                 <a:latin typeface="Calibri" panose="020F0502020204030204" pitchFamily="34" charset="0"/>
                 <a:cs typeface="Calibri" panose="020F0502020204030204" pitchFamily="34" charset="0"/>
               </a:rPr>
-              <a:t>db.e.deleteMany({});</a:t>
-            </a:r>
-            <a:endParaRPr lang="en-US" sz="2200" dirty="0" smtClean="0">
-              <a:solidFill>
-                <a:srgbClr val="FC6F0D"/>
-              </a:solidFill>
-              <a:latin typeface="Calibri" panose="020F0502020204030204" pitchFamily="34" charset="0"/>
-              <a:cs typeface="Calibri" panose="020F0502020204030204" pitchFamily="34" charset="0"/>
-            </a:endParaRPr>
+              <a:t>db.emp.deleteOne({})</a:t>
+            </a:r>
           </a:p>
           <a:p>
             <a:endParaRPr lang="en-US" sz="800" dirty="0" smtClean="0">
@@ -20568,24 +20590,14 @@
           </a:p>
           <a:p>
             <a:r>
-              <a:rPr lang="en-US" sz="2200" dirty="0" smtClean="0">
+              <a:rPr lang="en-US" sz="2200" dirty="0">
                 <a:solidFill>
                   <a:srgbClr val="FC6F0D"/>
                 </a:solidFill>
                 <a:latin typeface="Calibri" panose="020F0502020204030204" pitchFamily="34" charset="0"/>
                 <a:cs typeface="Calibri" panose="020F0502020204030204" pitchFamily="34" charset="0"/>
               </a:rPr>
-              <a:t>db.e.deleteMany({</a:t>
-            </a:r>
-            <a:r>
-              <a:rPr lang="en-US" sz="2200" dirty="0">
-                <a:solidFill>
-                  <a:srgbClr val="FC6F0D"/>
-                </a:solidFill>
-                <a:latin typeface="Calibri" panose="020F0502020204030204" pitchFamily="34" charset="0"/>
-                <a:cs typeface="Calibri" panose="020F0502020204030204" pitchFamily="34" charset="0"/>
-              </a:rPr>
-              <a:t>job:'manager</a:t>
+              <a:t>db.e.deleteOne({job:'manager</a:t>
             </a:r>
             <a:r>
               <a:rPr lang="en-US" sz="2200" dirty="0" smtClean="0">
@@ -20610,7 +20622,7 @@
     </p:spTree>
     <p:extLst>
       <p:ext uri="{BB962C8B-B14F-4D97-AF65-F5344CB8AC3E}">
-        <p14:creationId xmlns:p14="http://schemas.microsoft.com/office/powerpoint/2010/main" val="3771916804"/>
+        <p14:creationId xmlns:p14="http://schemas.microsoft.com/office/powerpoint/2010/main" val="3696592824"/>
       </p:ext>
     </p:extLst>
   </p:cSld>
@@ -20646,72 +20658,71 @@
       </p:grpSpPr>
       <p:sp>
         <p:nvSpPr>
-          <p:cNvPr id="6" name="Rectangle 5"/>
-          <p:cNvSpPr/>
-          <p:nvPr/>
-        </p:nvSpPr>
-        <p:spPr>
-          <a:xfrm>
-            <a:off x="0" y="0"/>
-            <a:ext cx="9144000" cy="584775"/>
-          </a:xfrm>
-          <a:prstGeom prst="rect">
-            <a:avLst/>
-          </a:prstGeom>
-          <a:solidFill>
-            <a:schemeClr val="accent4">
-              <a:lumMod val="75000"/>
-            </a:schemeClr>
-          </a:solidFill>
-        </p:spPr>
-        <p:txBody>
-          <a:bodyPr wrap="square">
-            <a:spAutoFit/>
-          </a:bodyPr>
-          <a:lstStyle/>
-          <a:p>
-            <a:pPr algn="r">
+          <p:cNvPr id="2" name="Title 1"/>
+          <p:cNvSpPr txBox="1">
+            <a:spLocks/>
+          </p:cNvSpPr>
+          <p:nvPr/>
+        </p:nvSpPr>
+        <p:spPr>
+          <a:xfrm>
+            <a:off x="152400" y="2057400"/>
+            <a:ext cx="8839200" cy="838200"/>
+          </a:xfrm>
+          <a:prstGeom prst="rect">
+            <a:avLst/>
+          </a:prstGeom>
+        </p:spPr>
+        <p:txBody>
+          <a:bodyPr>
+            <a:noAutofit/>
+          </a:bodyPr>
+          <a:lstStyle>
+            <a:defPPr>
+              <a:defRPr lang="en-US"/>
+            </a:defPPr>
+            <a:lvl1pPr lvl="0" algn="ctr">
               <a:spcBef>
                 <a:spcPct val="0"/>
               </a:spcBef>
-            </a:pPr>
-            <a:r>
-              <a:rPr lang="en-IN" sz="3200" b="1" i="1" dirty="0" smtClean="0">
-                <a:solidFill>
-                  <a:srgbClr val="FFFF00"/>
-                </a:solidFill>
-                <a:latin typeface="Arial" pitchFamily="34" charset="0"/>
-                <a:cs typeface="Arial" pitchFamily="34" charset="0"/>
-              </a:rPr>
-              <a:t>document</a:t>
-            </a:r>
-            <a:r>
-              <a:rPr lang="en-IN" sz="3200" b="1" i="1" dirty="0">
-                <a:solidFill>
-                  <a:srgbClr val="FFFF00"/>
-                </a:solidFill>
-                <a:latin typeface="Arial" pitchFamily="34" charset="0"/>
-                <a:cs typeface="Arial" pitchFamily="34" charset="0"/>
-              </a:rPr>
-              <a:t> </a:t>
-            </a:r>
-          </a:p>
-        </p:txBody>
-      </p:sp>
-      <p:sp>
-        <p:nvSpPr>
-          <p:cNvPr id="7" name="Rectangle 6"/>
+              <a:defRPr sz="4800">
+                <a:solidFill>
+                  <a:srgbClr val="7EEEE3"/>
+                </a:solidFill>
+                <a:latin typeface="Segoe UI Light" panose="020B0502040204020203" pitchFamily="34" charset="0"/>
+                <a:cs typeface="Segoe UI Light" panose="020B0502040204020203" pitchFamily="34" charset="0"/>
+              </a:defRPr>
+            </a:lvl1pPr>
+          </a:lstStyle>
+          <a:p>
+            <a:r>
+              <a:rPr lang="en-IN" dirty="0" smtClean="0"/>
+              <a:t>db.collection.deleteMany()</a:t>
+            </a:r>
+            <a:endParaRPr lang="en-US" dirty="0"/>
+          </a:p>
+        </p:txBody>
+      </p:sp>
+      <p:sp>
+        <p:nvSpPr>
+          <p:cNvPr id="3" name="Rectangle 2"/>
           <p:cNvSpPr/>
           <p:nvPr/>
         </p:nvSpPr>
         <p:spPr>
           <a:xfrm>
-            <a:off x="149188" y="762000"/>
-            <a:ext cx="8845624" cy="369332"/>
-          </a:xfrm>
-          <a:prstGeom prst="rect">
-            <a:avLst/>
-          </a:prstGeom>
+            <a:off x="419100" y="2861953"/>
+            <a:ext cx="8305800" cy="369332"/>
+          </a:xfrm>
+          <a:prstGeom prst="rect">
+            <a:avLst/>
+          </a:prstGeom>
+          <a:solidFill>
+            <a:schemeClr val="accent6">
+              <a:lumMod val="20000"/>
+              <a:lumOff val="80000"/>
+            </a:schemeClr>
+          </a:solidFill>
         </p:spPr>
         <p:txBody>
           <a:bodyPr wrap="square">
@@ -20720,23 +20731,36 @@
           <a:lstStyle/>
           <a:p>
             <a:r>
-              <a:rPr lang="en-US" dirty="0" smtClean="0"/>
+              <a:rPr lang="en-US" dirty="0" smtClean="0">
+                <a:solidFill>
+                  <a:srgbClr val="222222"/>
+                </a:solidFill>
+                <a:latin typeface="arial" panose="020B0604020202020204" pitchFamily="34" charset="0"/>
+              </a:rPr>
               <a:t>TODO</a:t>
             </a:r>
-            <a:endParaRPr lang="en-IN" dirty="0"/>
+            <a:endParaRPr lang="en-US" dirty="0"/>
           </a:p>
         </p:txBody>
       </p:sp>
     </p:spTree>
     <p:extLst>
       <p:ext uri="{BB962C8B-B14F-4D97-AF65-F5344CB8AC3E}">
-        <p14:creationId xmlns:p14="http://schemas.microsoft.com/office/powerpoint/2010/main" val="3587670722"/>
+        <p14:creationId xmlns:p14="http://schemas.microsoft.com/office/powerpoint/2010/main" val="4110389760"/>
       </p:ext>
     </p:extLst>
   </p:cSld>
   <p:clrMapOvr>
     <a:masterClrMapping/>
   </p:clrMapOvr>
+  <mc:AlternateContent xmlns:mc="http://schemas.openxmlformats.org/markup-compatibility/2006" xmlns:p14="http://schemas.microsoft.com/office/powerpoint/2010/main">
+    <mc:Choice Requires="p14">
+      <p:transition spd="slow" p14:dur="2000"/>
+    </mc:Choice>
+    <mc:Fallback xmlns="">
+      <p:transition spd="slow"/>
+    </mc:Fallback>
+  </mc:AlternateContent>
   <p:timing>
     <p:tnLst>
       <p:par>
@@ -20803,28 +20827,15 @@
                 <a:latin typeface="Arial" pitchFamily="34" charset="0"/>
                 <a:cs typeface="Arial" pitchFamily="34" charset="0"/>
               </a:rPr>
-              <a:t>MongoDB</a:t>
-            </a:r>
-            <a:r>
-              <a:rPr lang="en-US" sz="3200" b="1" i="1" dirty="0" smtClean="0">
-                <a:solidFill>
-                  <a:srgbClr val="FFFF00"/>
-                </a:solidFill>
-                <a:latin typeface="Arial" pitchFamily="34" charset="0"/>
-                <a:cs typeface="Arial" pitchFamily="34" charset="0"/>
-              </a:rPr>
-              <a:t> </a:t>
-            </a:r>
-            <a:r>
-              <a:rPr lang="en-IN" sz="3200" b="1" i="1" dirty="0">
-                <a:solidFill>
-                  <a:srgbClr val="FFFF00"/>
-                </a:solidFill>
-                <a:latin typeface="Arial" pitchFamily="34" charset="0"/>
-                <a:cs typeface="Arial" pitchFamily="34" charset="0"/>
-              </a:rPr>
-              <a:t> </a:t>
-            </a:r>
+              <a:t>db.collection.deleteMany()</a:t>
+            </a:r>
+            <a:endParaRPr lang="en-IN" sz="3200" b="1" i="1" dirty="0">
+              <a:solidFill>
+                <a:srgbClr val="FFFF00"/>
+              </a:solidFill>
+              <a:latin typeface="Arial" pitchFamily="34" charset="0"/>
+              <a:cs typeface="Arial" pitchFamily="34" charset="0"/>
+            </a:endParaRPr>
           </a:p>
         </p:txBody>
       </p:sp>
@@ -20850,17 +20861,147 @@
           <a:lstStyle/>
           <a:p>
             <a:r>
-              <a:rPr lang="en-US" dirty="0" smtClean="0"/>
-              <a:t>TODO</a:t>
+              <a:rPr lang="en-US" dirty="0"/>
+              <a:t>Removes all documents that match the filter from a collection.</a:t>
             </a:r>
             <a:endParaRPr lang="en-IN" dirty="0"/>
+          </a:p>
+        </p:txBody>
+      </p:sp>
+      <p:sp>
+        <p:nvSpPr>
+          <p:cNvPr id="8" name="Rectangle 7"/>
+          <p:cNvSpPr/>
+          <p:nvPr/>
+        </p:nvSpPr>
+        <p:spPr>
+          <a:xfrm>
+            <a:off x="154136" y="1611868"/>
+            <a:ext cx="8761264" cy="369332"/>
+          </a:xfrm>
+          <a:prstGeom prst="rect">
+            <a:avLst/>
+          </a:prstGeom>
+        </p:spPr>
+        <p:txBody>
+          <a:bodyPr wrap="square">
+            <a:spAutoFit/>
+          </a:bodyPr>
+          <a:lstStyle/>
+          <a:p>
+            <a:r>
+              <a:rPr lang="en-US" dirty="0" smtClean="0">
+                <a:solidFill>
+                  <a:srgbClr val="049DC8"/>
+                </a:solidFill>
+                <a:latin typeface="Consolas" panose="020B0609020204030204" pitchFamily="49" charset="0"/>
+                <a:cs typeface="Calibri" panose="020F0502020204030204" pitchFamily="34" charset="0"/>
+              </a:rPr>
+              <a:t>db.collection.deleteMany({&lt;filter&gt;})</a:t>
+            </a:r>
+            <a:endParaRPr lang="en-US" dirty="0">
+              <a:solidFill>
+                <a:srgbClr val="049DC8"/>
+              </a:solidFill>
+              <a:latin typeface="Consolas" panose="020B0609020204030204" pitchFamily="49" charset="0"/>
+              <a:cs typeface="Calibri" panose="020F0502020204030204" pitchFamily="34" charset="0"/>
+            </a:endParaRPr>
+          </a:p>
+        </p:txBody>
+      </p:sp>
+      <p:sp>
+        <p:nvSpPr>
+          <p:cNvPr id="5" name="Rectangle 4"/>
+          <p:cNvSpPr/>
+          <p:nvPr/>
+        </p:nvSpPr>
+        <p:spPr>
+          <a:xfrm>
+            <a:off x="149188" y="2286000"/>
+            <a:ext cx="8766212" cy="892552"/>
+          </a:xfrm>
+          <a:prstGeom prst="rect">
+            <a:avLst/>
+          </a:prstGeom>
+        </p:spPr>
+        <p:txBody>
+          <a:bodyPr wrap="square">
+            <a:spAutoFit/>
+          </a:bodyPr>
+          <a:lstStyle/>
+          <a:p>
+            <a:r>
+              <a:rPr lang="en-US" sz="2200" dirty="0">
+                <a:solidFill>
+                  <a:srgbClr val="FC6F0D"/>
+                </a:solidFill>
+                <a:latin typeface="Calibri" panose="020F0502020204030204" pitchFamily="34" charset="0"/>
+                <a:cs typeface="Calibri" panose="020F0502020204030204" pitchFamily="34" charset="0"/>
+              </a:rPr>
+              <a:t>db.e.deleteMany({});</a:t>
+            </a:r>
+            <a:endParaRPr lang="en-US" sz="2200" dirty="0" smtClean="0">
+              <a:solidFill>
+                <a:srgbClr val="FC6F0D"/>
+              </a:solidFill>
+              <a:latin typeface="Calibri" panose="020F0502020204030204" pitchFamily="34" charset="0"/>
+              <a:cs typeface="Calibri" panose="020F0502020204030204" pitchFamily="34" charset="0"/>
+            </a:endParaRPr>
+          </a:p>
+          <a:p>
+            <a:endParaRPr lang="en-US" sz="800" dirty="0" smtClean="0">
+              <a:solidFill>
+                <a:srgbClr val="FC6F0D"/>
+              </a:solidFill>
+              <a:latin typeface="Calibri" panose="020F0502020204030204" pitchFamily="34" charset="0"/>
+              <a:cs typeface="Calibri" panose="020F0502020204030204" pitchFamily="34" charset="0"/>
+            </a:endParaRPr>
+          </a:p>
+          <a:p>
+            <a:r>
+              <a:rPr lang="en-US" sz="2200" dirty="0" smtClean="0">
+                <a:solidFill>
+                  <a:srgbClr val="FC6F0D"/>
+                </a:solidFill>
+                <a:latin typeface="Calibri" panose="020F0502020204030204" pitchFamily="34" charset="0"/>
+                <a:cs typeface="Calibri" panose="020F0502020204030204" pitchFamily="34" charset="0"/>
+              </a:rPr>
+              <a:t>db.e.deleteMany({</a:t>
+            </a:r>
+            <a:r>
+              <a:rPr lang="en-US" sz="2200" dirty="0">
+                <a:solidFill>
+                  <a:srgbClr val="FC6F0D"/>
+                </a:solidFill>
+                <a:latin typeface="Calibri" panose="020F0502020204030204" pitchFamily="34" charset="0"/>
+                <a:cs typeface="Calibri" panose="020F0502020204030204" pitchFamily="34" charset="0"/>
+              </a:rPr>
+              <a:t>job:'manager</a:t>
+            </a:r>
+            <a:r>
+              <a:rPr lang="en-US" sz="2200" dirty="0" smtClean="0">
+                <a:solidFill>
+                  <a:srgbClr val="FC6F0D"/>
+                </a:solidFill>
+                <a:latin typeface="Calibri" panose="020F0502020204030204" pitchFamily="34" charset="0"/>
+                <a:cs typeface="Calibri" panose="020F0502020204030204" pitchFamily="34" charset="0"/>
+              </a:rPr>
+              <a:t>'})</a:t>
+            </a:r>
+            <a:endParaRPr lang="en-US" sz="2200" dirty="0">
+              <a:solidFill>
+                <a:srgbClr val="FC6F0D"/>
+              </a:solidFill>
+              <a:latin typeface="Calibri" panose="020F0502020204030204" pitchFamily="34" charset="0"/>
+              <a:cs typeface="Calibri" panose="020F0502020204030204" pitchFamily="34" charset="0"/>
+            </a:endParaRPr>
           </a:p>
         </p:txBody>
       </p:sp>
     </p:spTree>
     <p:extLst>
       <p:ext uri="{BB962C8B-B14F-4D97-AF65-F5344CB8AC3E}">
-        <p14:creationId xmlns:p14="http://schemas.microsoft.com/office/powerpoint/2010/main" val="250252946"/>
+        <p14:creationId xmlns:p14="http://schemas.microsoft.com/office/powerpoint/2010/main" val="3771916804"/>
       </p:ext>
     </p:extLst>
   </p:cSld>
@@ -20933,17 +21074,7 @@
                 <a:latin typeface="Arial" pitchFamily="34" charset="0"/>
                 <a:cs typeface="Arial" pitchFamily="34" charset="0"/>
               </a:rPr>
-              <a:t>MongoDB</a:t>
-            </a:r>
-            <a:r>
-              <a:rPr lang="en-US" sz="3200" b="1" i="1" dirty="0" smtClean="0">
-                <a:solidFill>
-                  <a:srgbClr val="FFFF00"/>
-                </a:solidFill>
-                <a:latin typeface="Arial" pitchFamily="34" charset="0"/>
-                <a:cs typeface="Arial" pitchFamily="34" charset="0"/>
-              </a:rPr>
-              <a:t> </a:t>
+              <a:t>document</a:t>
             </a:r>
             <a:r>
               <a:rPr lang="en-IN" sz="3200" b="1" i="1" dirty="0">
@@ -20990,7 +21121,7 @@
     </p:spTree>
     <p:extLst>
       <p:ext uri="{BB962C8B-B14F-4D97-AF65-F5344CB8AC3E}">
-        <p14:creationId xmlns:p14="http://schemas.microsoft.com/office/powerpoint/2010/main" val="895975297"/>
+        <p14:creationId xmlns:p14="http://schemas.microsoft.com/office/powerpoint/2010/main" val="3587670722"/>
       </p:ext>
     </p:extLst>
   </p:cSld>
@@ -21120,7 +21251,7 @@
     </p:spTree>
     <p:extLst>
       <p:ext uri="{BB962C8B-B14F-4D97-AF65-F5344CB8AC3E}">
-        <p14:creationId xmlns:p14="http://schemas.microsoft.com/office/powerpoint/2010/main" val="1785036271"/>
+        <p14:creationId xmlns:p14="http://schemas.microsoft.com/office/powerpoint/2010/main" val="250252946"/>
       </p:ext>
     </p:extLst>
   </p:cSld>
@@ -21250,7 +21381,7 @@
     </p:spTree>
     <p:extLst>
       <p:ext uri="{BB962C8B-B14F-4D97-AF65-F5344CB8AC3E}">
-        <p14:creationId xmlns:p14="http://schemas.microsoft.com/office/powerpoint/2010/main" val="2324753550"/>
+        <p14:creationId xmlns:p14="http://schemas.microsoft.com/office/powerpoint/2010/main" val="895975297"/>
       </p:ext>
     </p:extLst>
   </p:cSld>
@@ -21380,7 +21511,7 @@
     </p:spTree>
     <p:extLst>
       <p:ext uri="{BB962C8B-B14F-4D97-AF65-F5344CB8AC3E}">
-        <p14:creationId xmlns:p14="http://schemas.microsoft.com/office/powerpoint/2010/main" val="159175200"/>
+        <p14:creationId xmlns:p14="http://schemas.microsoft.com/office/powerpoint/2010/main" val="1785036271"/>
       </p:ext>
     </p:extLst>
   </p:cSld>
@@ -21510,7 +21641,7 @@
     </p:spTree>
     <p:extLst>
       <p:ext uri="{BB962C8B-B14F-4D97-AF65-F5344CB8AC3E}">
-        <p14:creationId xmlns:p14="http://schemas.microsoft.com/office/powerpoint/2010/main" val="4200858574"/>
+        <p14:creationId xmlns:p14="http://schemas.microsoft.com/office/powerpoint/2010/main" val="2324753550"/>
       </p:ext>
     </p:extLst>
   </p:cSld>
@@ -21772,7 +21903,7 @@
     </p:spTree>
     <p:extLst>
       <p:ext uri="{BB962C8B-B14F-4D97-AF65-F5344CB8AC3E}">
-        <p14:creationId xmlns:p14="http://schemas.microsoft.com/office/powerpoint/2010/main" val="2535387021"/>
+        <p14:creationId xmlns:p14="http://schemas.microsoft.com/office/powerpoint/2010/main" val="159175200"/>
       </p:ext>
     </p:extLst>
   </p:cSld>
@@ -21902,7 +22033,7 @@
     </p:spTree>
     <p:extLst>
       <p:ext uri="{BB962C8B-B14F-4D97-AF65-F5344CB8AC3E}">
-        <p14:creationId xmlns:p14="http://schemas.microsoft.com/office/powerpoint/2010/main" val="3372373110"/>
+        <p14:creationId xmlns:p14="http://schemas.microsoft.com/office/powerpoint/2010/main" val="4200858574"/>
       </p:ext>
     </p:extLst>
   </p:cSld>
@@ -22032,7 +22163,7 @@
     </p:spTree>
     <p:extLst>
       <p:ext uri="{BB962C8B-B14F-4D97-AF65-F5344CB8AC3E}">
-        <p14:creationId xmlns:p14="http://schemas.microsoft.com/office/powerpoint/2010/main" val="1298561359"/>
+        <p14:creationId xmlns:p14="http://schemas.microsoft.com/office/powerpoint/2010/main" val="2535387021"/>
       </p:ext>
     </p:extLst>
   </p:cSld>
@@ -22162,7 +22293,7 @@
     </p:spTree>
     <p:extLst>
       <p:ext uri="{BB962C8B-B14F-4D97-AF65-F5344CB8AC3E}">
-        <p14:creationId xmlns:p14="http://schemas.microsoft.com/office/powerpoint/2010/main" val="2767122750"/>
+        <p14:creationId xmlns:p14="http://schemas.microsoft.com/office/powerpoint/2010/main" val="3372373110"/>
       </p:ext>
     </p:extLst>
   </p:cSld>
@@ -22292,7 +22423,7 @@
     </p:spTree>
     <p:extLst>
       <p:ext uri="{BB962C8B-B14F-4D97-AF65-F5344CB8AC3E}">
-        <p14:creationId xmlns:p14="http://schemas.microsoft.com/office/powerpoint/2010/main" val="3923222660"/>
+        <p14:creationId xmlns:p14="http://schemas.microsoft.com/office/powerpoint/2010/main" val="1298561359"/>
       </p:ext>
     </p:extLst>
   </p:cSld>
@@ -22422,7 +22553,7 @@
     </p:spTree>
     <p:extLst>
       <p:ext uri="{BB962C8B-B14F-4D97-AF65-F5344CB8AC3E}">
-        <p14:creationId xmlns:p14="http://schemas.microsoft.com/office/powerpoint/2010/main" val="166747101"/>
+        <p14:creationId xmlns:p14="http://schemas.microsoft.com/office/powerpoint/2010/main" val="2767122750"/>
       </p:ext>
     </p:extLst>
   </p:cSld>
@@ -22552,7 +22683,7 @@
     </p:spTree>
     <p:extLst>
       <p:ext uri="{BB962C8B-B14F-4D97-AF65-F5344CB8AC3E}">
-        <p14:creationId xmlns:p14="http://schemas.microsoft.com/office/powerpoint/2010/main" val="924942284"/>
+        <p14:creationId xmlns:p14="http://schemas.microsoft.com/office/powerpoint/2010/main" val="3923222660"/>
       </p:ext>
     </p:extLst>
   </p:cSld>
@@ -22682,7 +22813,7 @@
     </p:spTree>
     <p:extLst>
       <p:ext uri="{BB962C8B-B14F-4D97-AF65-F5344CB8AC3E}">
-        <p14:creationId xmlns:p14="http://schemas.microsoft.com/office/powerpoint/2010/main" val="3259065627"/>
+        <p14:creationId xmlns:p14="http://schemas.microsoft.com/office/powerpoint/2010/main" val="166747101"/>
       </p:ext>
     </p:extLst>
   </p:cSld>
@@ -22812,7 +22943,7 @@
     </p:spTree>
     <p:extLst>
       <p:ext uri="{BB962C8B-B14F-4D97-AF65-F5344CB8AC3E}">
-        <p14:creationId xmlns:p14="http://schemas.microsoft.com/office/powerpoint/2010/main" val="3171492564"/>
+        <p14:creationId xmlns:p14="http://schemas.microsoft.com/office/powerpoint/2010/main" val="924942284"/>
       </p:ext>
     </p:extLst>
   </p:cSld>
@@ -22942,7 +23073,7 @@
     </p:spTree>
     <p:extLst>
       <p:ext uri="{BB962C8B-B14F-4D97-AF65-F5344CB8AC3E}">
-        <p14:creationId xmlns:p14="http://schemas.microsoft.com/office/powerpoint/2010/main" val="2780407736"/>
+        <p14:creationId xmlns:p14="http://schemas.microsoft.com/office/powerpoint/2010/main" val="3259065627"/>
       </p:ext>
     </p:extLst>
   </p:cSld>
@@ -23378,7 +23509,7 @@
     </p:spTree>
     <p:extLst>
       <p:ext uri="{BB962C8B-B14F-4D97-AF65-F5344CB8AC3E}">
-        <p14:creationId xmlns:p14="http://schemas.microsoft.com/office/powerpoint/2010/main" val="848474725"/>
+        <p14:creationId xmlns:p14="http://schemas.microsoft.com/office/powerpoint/2010/main" val="3171492564"/>
       </p:ext>
     </p:extLst>
   </p:cSld>
@@ -23508,7 +23639,7 @@
     </p:spTree>
     <p:extLst>
       <p:ext uri="{BB962C8B-B14F-4D97-AF65-F5344CB8AC3E}">
-        <p14:creationId xmlns:p14="http://schemas.microsoft.com/office/powerpoint/2010/main" val="4030158449"/>
+        <p14:creationId xmlns:p14="http://schemas.microsoft.com/office/powerpoint/2010/main" val="2780407736"/>
       </p:ext>
     </p:extLst>
   </p:cSld>
@@ -23638,7 +23769,7 @@
     </p:spTree>
     <p:extLst>
       <p:ext uri="{BB962C8B-B14F-4D97-AF65-F5344CB8AC3E}">
-        <p14:creationId xmlns:p14="http://schemas.microsoft.com/office/powerpoint/2010/main" val="1708605334"/>
+        <p14:creationId xmlns:p14="http://schemas.microsoft.com/office/powerpoint/2010/main" val="848474725"/>
       </p:ext>
     </p:extLst>
   </p:cSld>
@@ -23768,7 +23899,7 @@
     </p:spTree>
     <p:extLst>
       <p:ext uri="{BB962C8B-B14F-4D97-AF65-F5344CB8AC3E}">
-        <p14:creationId xmlns:p14="http://schemas.microsoft.com/office/powerpoint/2010/main" val="1478242473"/>
+        <p14:creationId xmlns:p14="http://schemas.microsoft.com/office/powerpoint/2010/main" val="4030158449"/>
       </p:ext>
     </p:extLst>
   </p:cSld>
@@ -23898,7 +24029,7 @@
     </p:spTree>
     <p:extLst>
       <p:ext uri="{BB962C8B-B14F-4D97-AF65-F5344CB8AC3E}">
-        <p14:creationId xmlns:p14="http://schemas.microsoft.com/office/powerpoint/2010/main" val="2136286712"/>
+        <p14:creationId xmlns:p14="http://schemas.microsoft.com/office/powerpoint/2010/main" val="1708605334"/>
       </p:ext>
     </p:extLst>
   </p:cSld>
@@ -24028,7 +24159,7 @@
     </p:spTree>
     <p:extLst>
       <p:ext uri="{BB962C8B-B14F-4D97-AF65-F5344CB8AC3E}">
-        <p14:creationId xmlns:p14="http://schemas.microsoft.com/office/powerpoint/2010/main" val="160110094"/>
+        <p14:creationId xmlns:p14="http://schemas.microsoft.com/office/powerpoint/2010/main" val="1478242473"/>
       </p:ext>
     </p:extLst>
   </p:cSld>
@@ -24158,7 +24289,7 @@
     </p:spTree>
     <p:extLst>
       <p:ext uri="{BB962C8B-B14F-4D97-AF65-F5344CB8AC3E}">
-        <p14:creationId xmlns:p14="http://schemas.microsoft.com/office/powerpoint/2010/main" val="1060267809"/>
+        <p14:creationId xmlns:p14="http://schemas.microsoft.com/office/powerpoint/2010/main" val="2136286712"/>
       </p:ext>
     </p:extLst>
   </p:cSld>
@@ -24288,7 +24419,7 @@
     </p:spTree>
     <p:extLst>
       <p:ext uri="{BB962C8B-B14F-4D97-AF65-F5344CB8AC3E}">
-        <p14:creationId xmlns:p14="http://schemas.microsoft.com/office/powerpoint/2010/main" val="1137647517"/>
+        <p14:creationId xmlns:p14="http://schemas.microsoft.com/office/powerpoint/2010/main" val="160110094"/>
       </p:ext>
     </p:extLst>
   </p:cSld>
@@ -24418,7 +24549,7 @@
     </p:spTree>
     <p:extLst>
       <p:ext uri="{BB962C8B-B14F-4D97-AF65-F5344CB8AC3E}">
-        <p14:creationId xmlns:p14="http://schemas.microsoft.com/office/powerpoint/2010/main" val="3052086859"/>
+        <p14:creationId xmlns:p14="http://schemas.microsoft.com/office/powerpoint/2010/main" val="1060267809"/>
       </p:ext>
     </p:extLst>
   </p:cSld>
@@ -24548,7 +24679,7 @@
     </p:spTree>
     <p:extLst>
       <p:ext uri="{BB962C8B-B14F-4D97-AF65-F5344CB8AC3E}">
-        <p14:creationId xmlns:p14="http://schemas.microsoft.com/office/powerpoint/2010/main" val="1097272351"/>
+        <p14:creationId xmlns:p14="http://schemas.microsoft.com/office/powerpoint/2010/main" val="1137647517"/>
       </p:ext>
     </p:extLst>
   </p:cSld>
@@ -24885,7 +25016,7 @@
     </p:spTree>
     <p:extLst>
       <p:ext uri="{BB962C8B-B14F-4D97-AF65-F5344CB8AC3E}">
-        <p14:creationId xmlns:p14="http://schemas.microsoft.com/office/powerpoint/2010/main" val="1587220367"/>
+        <p14:creationId xmlns:p14="http://schemas.microsoft.com/office/powerpoint/2010/main" val="3052086859"/>
       </p:ext>
     </p:extLst>
   </p:cSld>
@@ -25015,7 +25146,7 @@
     </p:spTree>
     <p:extLst>
       <p:ext uri="{BB962C8B-B14F-4D97-AF65-F5344CB8AC3E}">
-        <p14:creationId xmlns:p14="http://schemas.microsoft.com/office/powerpoint/2010/main" val="1863467568"/>
+        <p14:creationId xmlns:p14="http://schemas.microsoft.com/office/powerpoint/2010/main" val="1097272351"/>
       </p:ext>
     </p:extLst>
   </p:cSld>
@@ -25145,7 +25276,7 @@
     </p:spTree>
     <p:extLst>
       <p:ext uri="{BB962C8B-B14F-4D97-AF65-F5344CB8AC3E}">
-        <p14:creationId xmlns:p14="http://schemas.microsoft.com/office/powerpoint/2010/main" val="1971192509"/>
+        <p14:creationId xmlns:p14="http://schemas.microsoft.com/office/powerpoint/2010/main" val="1587220367"/>
       </p:ext>
     </p:extLst>
   </p:cSld>
@@ -25181,7 +25312,7 @@
       </p:grpSpPr>
       <p:sp>
         <p:nvSpPr>
-          <p:cNvPr id="4" name="Rectangle 3"/>
+          <p:cNvPr id="6" name="Rectangle 5"/>
           <p:cNvSpPr/>
           <p:nvPr/>
         </p:nvSpPr>
@@ -25194,8 +25325,8 @@
             <a:avLst/>
           </a:prstGeom>
           <a:solidFill>
-            <a:schemeClr val="bg2">
-              <a:lumMod val="10000"/>
+            <a:schemeClr val="accent4">
+              <a:lumMod val="75000"/>
             </a:schemeClr>
           </a:solidFill>
         </p:spPr>
@@ -25205,7 +25336,11 @@
           </a:bodyPr>
           <a:lstStyle/>
           <a:p>
-            <a:pPr algn="r"/>
+            <a:pPr algn="r">
+              <a:spcBef>
+                <a:spcPct val="0"/>
+              </a:spcBef>
+            </a:pPr>
             <a:r>
               <a:rPr lang="en-IN" sz="3200" b="1" i="1" dirty="0" smtClean="0">
                 <a:solidFill>
@@ -25214,27 +25349,40 @@
                 <a:latin typeface="Arial" pitchFamily="34" charset="0"/>
                 <a:cs typeface="Arial" pitchFamily="34" charset="0"/>
               </a:rPr>
-              <a:t>IMP</a:t>
-            </a:r>
-            <a:endParaRPr lang="en-IN" sz="3200" b="1" i="1" dirty="0">
-              <a:solidFill>
-                <a:srgbClr val="FFFF00"/>
-              </a:solidFill>
-              <a:latin typeface="Arial" pitchFamily="34" charset="0"/>
-              <a:cs typeface="Arial" pitchFamily="34" charset="0"/>
-            </a:endParaRPr>
-          </a:p>
-        </p:txBody>
-      </p:sp>
-      <p:sp>
-        <p:nvSpPr>
-          <p:cNvPr id="2" name="Rectangle 1"/>
+              <a:t>MongoDB</a:t>
+            </a:r>
+            <a:r>
+              <a:rPr lang="en-US" sz="3200" b="1" i="1" dirty="0" smtClean="0">
+                <a:solidFill>
+                  <a:srgbClr val="FFFF00"/>
+                </a:solidFill>
+                <a:latin typeface="Arial" pitchFamily="34" charset="0"/>
+                <a:cs typeface="Arial" pitchFamily="34" charset="0"/>
+              </a:rPr>
+              <a:t> </a:t>
+            </a:r>
+            <a:r>
+              <a:rPr lang="en-IN" sz="3200" b="1" i="1" dirty="0">
+                <a:solidFill>
+                  <a:srgbClr val="FFFF00"/>
+                </a:solidFill>
+                <a:latin typeface="Arial" pitchFamily="34" charset="0"/>
+                <a:cs typeface="Arial" pitchFamily="34" charset="0"/>
+              </a:rPr>
+              <a:t> </a:t>
+            </a:r>
+          </a:p>
+        </p:txBody>
+      </p:sp>
+      <p:sp>
+        <p:nvSpPr>
+          <p:cNvPr id="7" name="Rectangle 6"/>
           <p:cNvSpPr/>
           <p:nvPr/>
         </p:nvSpPr>
         <p:spPr>
           <a:xfrm>
-            <a:off x="145976" y="849264"/>
+            <a:off x="149188" y="762000"/>
             <a:ext cx="8845624" cy="369332"/>
           </a:xfrm>
           <a:prstGeom prst="rect">
@@ -25248,153 +25396,17 @@
           <a:lstStyle/>
           <a:p>
             <a:r>
-              <a:rPr lang="en-IN" dirty="0" smtClean="0">
-                <a:solidFill>
-                  <a:srgbClr val="222222"/>
-                </a:solidFill>
-                <a:latin typeface="Verdana" panose="020B0604030504040204" pitchFamily="34" charset="0"/>
-              </a:rPr>
-              <a:t>1. Think </a:t>
-            </a:r>
-            <a:r>
-              <a:rPr lang="en-IN" dirty="0">
-                <a:solidFill>
-                  <a:srgbClr val="222222"/>
-                </a:solidFill>
-                <a:latin typeface="Verdana" panose="020B0604030504040204" pitchFamily="34" charset="0"/>
-              </a:rPr>
-              <a:t>about how multiplication can be done without actually </a:t>
-            </a:r>
-            <a:r>
-              <a:rPr lang="en-IN" dirty="0" smtClean="0">
-                <a:solidFill>
-                  <a:srgbClr val="222222"/>
-                </a:solidFill>
-                <a:latin typeface="Verdana" panose="020B0604030504040204" pitchFamily="34" charset="0"/>
-              </a:rPr>
-              <a:t>multiplying </a:t>
+              <a:rPr lang="en-US" dirty="0" smtClean="0"/>
+              <a:t>TODO</a:t>
             </a:r>
             <a:endParaRPr lang="en-IN" dirty="0"/>
           </a:p>
         </p:txBody>
       </p:sp>
-      <p:sp>
-        <p:nvSpPr>
-          <p:cNvPr id="3" name="TextBox 2"/>
-          <p:cNvSpPr txBox="1"/>
-          <p:nvPr/>
-        </p:nvSpPr>
-        <p:spPr>
-          <a:xfrm>
-            <a:off x="990600" y="2514600"/>
-            <a:ext cx="184731" cy="369332"/>
-          </a:xfrm>
-          <a:prstGeom prst="rect">
-            <a:avLst/>
-          </a:prstGeom>
-          <a:noFill/>
-        </p:spPr>
-        <p:txBody>
-          <a:bodyPr wrap="none" rtlCol="0">
-            <a:spAutoFit/>
-          </a:bodyPr>
-          <a:lstStyle/>
-          <a:p>
-            <a:endParaRPr lang="en-IN" dirty="0"/>
-          </a:p>
-        </p:txBody>
-      </p:sp>
-      <p:pic>
-        <p:nvPicPr>
-          <p:cNvPr id="5" name="Picture 4"/>
-          <p:cNvPicPr>
-            <a:picLocks noChangeAspect="1"/>
-          </p:cNvPicPr>
-          <p:nvPr/>
-        </p:nvPicPr>
-        <p:blipFill>
-          <a:blip r:embed="rId2"/>
-          <a:stretch>
-            <a:fillRect/>
-          </a:stretch>
-        </p:blipFill>
-        <p:spPr>
-          <a:xfrm>
-            <a:off x="304800" y="3700361"/>
-            <a:ext cx="4648200" cy="2471839"/>
-          </a:xfrm>
-          <a:prstGeom prst="rect">
-            <a:avLst/>
-          </a:prstGeom>
-        </p:spPr>
-      </p:pic>
-      <p:sp>
-        <p:nvSpPr>
-          <p:cNvPr id="6" name="Rectangle 5"/>
-          <p:cNvSpPr/>
-          <p:nvPr/>
-        </p:nvSpPr>
-        <p:spPr>
-          <a:xfrm>
-            <a:off x="145976" y="3243552"/>
-            <a:ext cx="1317990" cy="369332"/>
-          </a:xfrm>
-          <a:prstGeom prst="rect">
-            <a:avLst/>
-          </a:prstGeom>
-        </p:spPr>
-        <p:txBody>
-          <a:bodyPr wrap="none">
-            <a:spAutoFit/>
-          </a:bodyPr>
-          <a:lstStyle/>
-          <a:p>
-            <a:r>
-              <a:rPr lang="en-IN" dirty="0" smtClean="0">
-                <a:solidFill>
-                  <a:srgbClr val="222222"/>
-                </a:solidFill>
-                <a:latin typeface="Verdana" panose="020B0604030504040204" pitchFamily="34" charset="0"/>
-              </a:rPr>
-              <a:t>2. Square</a:t>
-            </a:r>
-            <a:endParaRPr lang="en-IN" dirty="0">
-              <a:solidFill>
-                <a:srgbClr val="222222"/>
-              </a:solidFill>
-              <a:latin typeface="Verdana" panose="020B0604030504040204" pitchFamily="34" charset="0"/>
-            </a:endParaRPr>
-          </a:p>
-        </p:txBody>
-      </p:sp>
-      <p:pic>
-        <p:nvPicPr>
-          <p:cNvPr id="8" name="Picture 7"/>
-          <p:cNvPicPr>
-            <a:picLocks noChangeAspect="1"/>
-          </p:cNvPicPr>
-          <p:nvPr/>
-        </p:nvPicPr>
-        <p:blipFill>
-          <a:blip r:embed="rId3"/>
-          <a:stretch>
-            <a:fillRect/>
-          </a:stretch>
-        </p:blipFill>
-        <p:spPr>
-          <a:xfrm>
-            <a:off x="533400" y="1250647"/>
-            <a:ext cx="4495800" cy="1883657"/>
-          </a:xfrm>
-          <a:prstGeom prst="rect">
-            <a:avLst/>
-          </a:prstGeom>
-        </p:spPr>
-      </p:pic>
     </p:spTree>
     <p:extLst>
       <p:ext uri="{BB962C8B-B14F-4D97-AF65-F5344CB8AC3E}">
-        <p14:creationId xmlns:p14="http://schemas.microsoft.com/office/powerpoint/2010/main" val="3391323119"/>
+        <p14:creationId xmlns:p14="http://schemas.microsoft.com/office/powerpoint/2010/main" val="1863467568"/>
       </p:ext>
     </p:extLst>
   </p:cSld>
@@ -25428,61 +25440,25 @@
           <a:chExt cx="0" cy="0"/>
         </a:xfrm>
       </p:grpSpPr>
-      <p:pic>
-        <p:nvPicPr>
-          <p:cNvPr id="1026" name="Picture 2" descr="http://www.bvctch.vn/vnt_upload/weblink/thks.jpg"/>
-          <p:cNvPicPr>
-            <a:picLocks noChangeAspect="1" noChangeArrowheads="1"/>
-          </p:cNvPicPr>
-          <p:nvPr/>
-        </p:nvPicPr>
-        <p:blipFill>
-          <a:blip r:embed="rId2">
-            <a:extLst>
-              <a:ext uri="{28A0092B-C50C-407E-A947-70E740481C1C}">
-                <a14:useLocalDpi xmlns:a14="http://schemas.microsoft.com/office/drawing/2010/main" val="0"/>
-              </a:ext>
-            </a:extLst>
-          </a:blip>
-          <a:srcRect/>
-          <a:stretch>
-            <a:fillRect/>
-          </a:stretch>
-        </p:blipFill>
-        <p:spPr bwMode="auto">
-          <a:xfrm>
-            <a:off x="2895600" y="757237"/>
-            <a:ext cx="3124200" cy="4881563"/>
-          </a:xfrm>
-          <a:prstGeom prst="rect">
-            <a:avLst/>
-          </a:prstGeom>
-          <a:noFill/>
-          <a:extLst>
-            <a:ext uri="{909E8E84-426E-40DD-AFC4-6F175D3DCCD1}">
-              <a14:hiddenFill xmlns:a14="http://schemas.microsoft.com/office/drawing/2010/main">
-                <a:solidFill>
-                  <a:srgbClr val="FFFFFF"/>
-                </a:solidFill>
-              </a14:hiddenFill>
-            </a:ext>
-          </a:extLst>
-        </p:spPr>
-      </p:pic>
-      <p:sp>
-        <p:nvSpPr>
-          <p:cNvPr id="3" name="Rectangle 2"/>
+      <p:sp>
+        <p:nvSpPr>
+          <p:cNvPr id="6" name="Rectangle 5"/>
           <p:cNvSpPr/>
           <p:nvPr/>
         </p:nvSpPr>
         <p:spPr>
           <a:xfrm>
-            <a:off x="304800" y="5105400"/>
-            <a:ext cx="8610600" cy="1077218"/>
-          </a:xfrm>
-          <a:prstGeom prst="rect">
-            <a:avLst/>
-          </a:prstGeom>
+            <a:off x="0" y="0"/>
+            <a:ext cx="9144000" cy="584775"/>
+          </a:xfrm>
+          <a:prstGeom prst="rect">
+            <a:avLst/>
+          </a:prstGeom>
+          <a:solidFill>
+            <a:schemeClr val="accent4">
+              <a:lumMod val="75000"/>
+            </a:schemeClr>
+          </a:solidFill>
         </p:spPr>
         <p:txBody>
           <a:bodyPr wrap="square">
@@ -25490,35 +25466,77 @@
           </a:bodyPr>
           <a:lstStyle/>
           <a:p>
-            <a:pPr algn="ctr"/>
-            <a:r>
-              <a:rPr lang="en-IN" sz="3200" dirty="0">
-                <a:solidFill>
-                  <a:srgbClr val="FE1212"/>
-                </a:solidFill>
-                <a:latin typeface="Segoe Print" panose="02000600000000000000" pitchFamily="2" charset="0"/>
-              </a:rPr>
-              <a:t>"Live as if you were to die tomorrow.</a:t>
-            </a:r>
-          </a:p>
-          <a:p>
-            <a:pPr algn="ctr"/>
-            <a:r>
-              <a:rPr lang="en-IN" sz="3200" dirty="0">
-                <a:solidFill>
-                  <a:srgbClr val="FE1212"/>
-                </a:solidFill>
-                <a:latin typeface="Segoe Print" panose="02000600000000000000" pitchFamily="2" charset="0"/>
-              </a:rPr>
-              <a:t>Learn as if you were to live forever"</a:t>
-            </a:r>
+            <a:pPr algn="r">
+              <a:spcBef>
+                <a:spcPct val="0"/>
+              </a:spcBef>
+            </a:pPr>
+            <a:r>
+              <a:rPr lang="en-IN" sz="3200" b="1" i="1" dirty="0" smtClean="0">
+                <a:solidFill>
+                  <a:srgbClr val="FFFF00"/>
+                </a:solidFill>
+                <a:latin typeface="Arial" pitchFamily="34" charset="0"/>
+                <a:cs typeface="Arial" pitchFamily="34" charset="0"/>
+              </a:rPr>
+              <a:t>MongoDB</a:t>
+            </a:r>
+            <a:r>
+              <a:rPr lang="en-US" sz="3200" b="1" i="1" dirty="0" smtClean="0">
+                <a:solidFill>
+                  <a:srgbClr val="FFFF00"/>
+                </a:solidFill>
+                <a:latin typeface="Arial" pitchFamily="34" charset="0"/>
+                <a:cs typeface="Arial" pitchFamily="34" charset="0"/>
+              </a:rPr>
+              <a:t> </a:t>
+            </a:r>
+            <a:r>
+              <a:rPr lang="en-IN" sz="3200" b="1" i="1" dirty="0">
+                <a:solidFill>
+                  <a:srgbClr val="FFFF00"/>
+                </a:solidFill>
+                <a:latin typeface="Arial" pitchFamily="34" charset="0"/>
+                <a:cs typeface="Arial" pitchFamily="34" charset="0"/>
+              </a:rPr>
+              <a:t> </a:t>
+            </a:r>
+          </a:p>
+        </p:txBody>
+      </p:sp>
+      <p:sp>
+        <p:nvSpPr>
+          <p:cNvPr id="7" name="Rectangle 6"/>
+          <p:cNvSpPr/>
+          <p:nvPr/>
+        </p:nvSpPr>
+        <p:spPr>
+          <a:xfrm>
+            <a:off x="149188" y="762000"/>
+            <a:ext cx="8845624" cy="369332"/>
+          </a:xfrm>
+          <a:prstGeom prst="rect">
+            <a:avLst/>
+          </a:prstGeom>
+        </p:spPr>
+        <p:txBody>
+          <a:bodyPr wrap="square">
+            <a:spAutoFit/>
+          </a:bodyPr>
+          <a:lstStyle/>
+          <a:p>
+            <a:r>
+              <a:rPr lang="en-US" dirty="0" smtClean="0"/>
+              <a:t>TODO</a:t>
+            </a:r>
+            <a:endParaRPr lang="en-IN" dirty="0"/>
           </a:p>
         </p:txBody>
       </p:sp>
     </p:spTree>
     <p:extLst>
       <p:ext uri="{BB962C8B-B14F-4D97-AF65-F5344CB8AC3E}">
-        <p14:creationId xmlns:p14="http://schemas.microsoft.com/office/powerpoint/2010/main" val="1148130326"/>
+        <p14:creationId xmlns:p14="http://schemas.microsoft.com/office/powerpoint/2010/main" val="1971192509"/>
       </p:ext>
     </p:extLst>
   </p:cSld>
@@ -25554,6 +25572,379 @@
       </p:grpSpPr>
       <p:sp>
         <p:nvSpPr>
+          <p:cNvPr id="4" name="Rectangle 3"/>
+          <p:cNvSpPr/>
+          <p:nvPr/>
+        </p:nvSpPr>
+        <p:spPr>
+          <a:xfrm>
+            <a:off x="0" y="0"/>
+            <a:ext cx="9144000" cy="584775"/>
+          </a:xfrm>
+          <a:prstGeom prst="rect">
+            <a:avLst/>
+          </a:prstGeom>
+          <a:solidFill>
+            <a:schemeClr val="bg2">
+              <a:lumMod val="10000"/>
+            </a:schemeClr>
+          </a:solidFill>
+        </p:spPr>
+        <p:txBody>
+          <a:bodyPr wrap="square">
+            <a:spAutoFit/>
+          </a:bodyPr>
+          <a:lstStyle/>
+          <a:p>
+            <a:pPr algn="r"/>
+            <a:r>
+              <a:rPr lang="en-IN" sz="3200" b="1" i="1" dirty="0" smtClean="0">
+                <a:solidFill>
+                  <a:srgbClr val="FFFF00"/>
+                </a:solidFill>
+                <a:latin typeface="Arial" pitchFamily="34" charset="0"/>
+                <a:cs typeface="Arial" pitchFamily="34" charset="0"/>
+              </a:rPr>
+              <a:t>IMP</a:t>
+            </a:r>
+            <a:endParaRPr lang="en-IN" sz="3200" b="1" i="1" dirty="0">
+              <a:solidFill>
+                <a:srgbClr val="FFFF00"/>
+              </a:solidFill>
+              <a:latin typeface="Arial" pitchFamily="34" charset="0"/>
+              <a:cs typeface="Arial" pitchFamily="34" charset="0"/>
+            </a:endParaRPr>
+          </a:p>
+        </p:txBody>
+      </p:sp>
+      <p:sp>
+        <p:nvSpPr>
+          <p:cNvPr id="2" name="Rectangle 1"/>
+          <p:cNvSpPr/>
+          <p:nvPr/>
+        </p:nvSpPr>
+        <p:spPr>
+          <a:xfrm>
+            <a:off x="145976" y="849264"/>
+            <a:ext cx="8845624" cy="369332"/>
+          </a:xfrm>
+          <a:prstGeom prst="rect">
+            <a:avLst/>
+          </a:prstGeom>
+        </p:spPr>
+        <p:txBody>
+          <a:bodyPr wrap="square">
+            <a:spAutoFit/>
+          </a:bodyPr>
+          <a:lstStyle/>
+          <a:p>
+            <a:r>
+              <a:rPr lang="en-IN" dirty="0" smtClean="0">
+                <a:solidFill>
+                  <a:srgbClr val="222222"/>
+                </a:solidFill>
+                <a:latin typeface="Verdana" panose="020B0604030504040204" pitchFamily="34" charset="0"/>
+              </a:rPr>
+              <a:t>1. Think </a:t>
+            </a:r>
+            <a:r>
+              <a:rPr lang="en-IN" dirty="0">
+                <a:solidFill>
+                  <a:srgbClr val="222222"/>
+                </a:solidFill>
+                <a:latin typeface="Verdana" panose="020B0604030504040204" pitchFamily="34" charset="0"/>
+              </a:rPr>
+              <a:t>about how multiplication can be done without actually </a:t>
+            </a:r>
+            <a:r>
+              <a:rPr lang="en-IN" dirty="0" smtClean="0">
+                <a:solidFill>
+                  <a:srgbClr val="222222"/>
+                </a:solidFill>
+                <a:latin typeface="Verdana" panose="020B0604030504040204" pitchFamily="34" charset="0"/>
+              </a:rPr>
+              <a:t>multiplying </a:t>
+            </a:r>
+            <a:endParaRPr lang="en-IN" dirty="0"/>
+          </a:p>
+        </p:txBody>
+      </p:sp>
+      <p:sp>
+        <p:nvSpPr>
+          <p:cNvPr id="3" name="TextBox 2"/>
+          <p:cNvSpPr txBox="1"/>
+          <p:nvPr/>
+        </p:nvSpPr>
+        <p:spPr>
+          <a:xfrm>
+            <a:off x="990600" y="2514600"/>
+            <a:ext cx="184731" cy="369332"/>
+          </a:xfrm>
+          <a:prstGeom prst="rect">
+            <a:avLst/>
+          </a:prstGeom>
+          <a:noFill/>
+        </p:spPr>
+        <p:txBody>
+          <a:bodyPr wrap="none" rtlCol="0">
+            <a:spAutoFit/>
+          </a:bodyPr>
+          <a:lstStyle/>
+          <a:p>
+            <a:endParaRPr lang="en-IN" dirty="0"/>
+          </a:p>
+        </p:txBody>
+      </p:sp>
+      <p:pic>
+        <p:nvPicPr>
+          <p:cNvPr id="5" name="Picture 4"/>
+          <p:cNvPicPr>
+            <a:picLocks noChangeAspect="1"/>
+          </p:cNvPicPr>
+          <p:nvPr/>
+        </p:nvPicPr>
+        <p:blipFill>
+          <a:blip r:embed="rId2"/>
+          <a:stretch>
+            <a:fillRect/>
+          </a:stretch>
+        </p:blipFill>
+        <p:spPr>
+          <a:xfrm>
+            <a:off x="304800" y="3700361"/>
+            <a:ext cx="4648200" cy="2471839"/>
+          </a:xfrm>
+          <a:prstGeom prst="rect">
+            <a:avLst/>
+          </a:prstGeom>
+        </p:spPr>
+      </p:pic>
+      <p:sp>
+        <p:nvSpPr>
+          <p:cNvPr id="6" name="Rectangle 5"/>
+          <p:cNvSpPr/>
+          <p:nvPr/>
+        </p:nvSpPr>
+        <p:spPr>
+          <a:xfrm>
+            <a:off x="145976" y="3243552"/>
+            <a:ext cx="1317990" cy="369332"/>
+          </a:xfrm>
+          <a:prstGeom prst="rect">
+            <a:avLst/>
+          </a:prstGeom>
+        </p:spPr>
+        <p:txBody>
+          <a:bodyPr wrap="none">
+            <a:spAutoFit/>
+          </a:bodyPr>
+          <a:lstStyle/>
+          <a:p>
+            <a:r>
+              <a:rPr lang="en-IN" dirty="0" smtClean="0">
+                <a:solidFill>
+                  <a:srgbClr val="222222"/>
+                </a:solidFill>
+                <a:latin typeface="Verdana" panose="020B0604030504040204" pitchFamily="34" charset="0"/>
+              </a:rPr>
+              <a:t>2. Square</a:t>
+            </a:r>
+            <a:endParaRPr lang="en-IN" dirty="0">
+              <a:solidFill>
+                <a:srgbClr val="222222"/>
+              </a:solidFill>
+              <a:latin typeface="Verdana" panose="020B0604030504040204" pitchFamily="34" charset="0"/>
+            </a:endParaRPr>
+          </a:p>
+        </p:txBody>
+      </p:sp>
+      <p:pic>
+        <p:nvPicPr>
+          <p:cNvPr id="8" name="Picture 7"/>
+          <p:cNvPicPr>
+            <a:picLocks noChangeAspect="1"/>
+          </p:cNvPicPr>
+          <p:nvPr/>
+        </p:nvPicPr>
+        <p:blipFill>
+          <a:blip r:embed="rId3"/>
+          <a:stretch>
+            <a:fillRect/>
+          </a:stretch>
+        </p:blipFill>
+        <p:spPr>
+          <a:xfrm>
+            <a:off x="533400" y="1250647"/>
+            <a:ext cx="4495800" cy="1883657"/>
+          </a:xfrm>
+          <a:prstGeom prst="rect">
+            <a:avLst/>
+          </a:prstGeom>
+        </p:spPr>
+      </p:pic>
+    </p:spTree>
+    <p:extLst>
+      <p:ext uri="{BB962C8B-B14F-4D97-AF65-F5344CB8AC3E}">
+        <p14:creationId xmlns:p14="http://schemas.microsoft.com/office/powerpoint/2010/main" val="3391323119"/>
+      </p:ext>
+    </p:extLst>
+  </p:cSld>
+  <p:clrMapOvr>
+    <a:masterClrMapping/>
+  </p:clrMapOvr>
+  <p:timing>
+    <p:tnLst>
+      <p:par>
+        <p:cTn id="1" dur="indefinite" restart="never" nodeType="tmRoot"/>
+      </p:par>
+    </p:tnLst>
+  </p:timing>
+</p:sld>
+</file>
+
+<file path=ppt/slides/slide96.xml><?xml version="1.0" encoding="utf-8"?>
+<p:sld xmlns:a="http://schemas.openxmlformats.org/drawingml/2006/main" xmlns:r="http://schemas.openxmlformats.org/officeDocument/2006/relationships" xmlns:p="http://schemas.openxmlformats.org/presentationml/2006/main">
+  <p:cSld>
+    <p:spTree>
+      <p:nvGrpSpPr>
+        <p:cNvPr id="1" name=""/>
+        <p:cNvGrpSpPr/>
+        <p:nvPr/>
+      </p:nvGrpSpPr>
+      <p:grpSpPr>
+        <a:xfrm>
+          <a:off x="0" y="0"/>
+          <a:ext cx="0" cy="0"/>
+          <a:chOff x="0" y="0"/>
+          <a:chExt cx="0" cy="0"/>
+        </a:xfrm>
+      </p:grpSpPr>
+      <p:pic>
+        <p:nvPicPr>
+          <p:cNvPr id="1026" name="Picture 2" descr="http://www.bvctch.vn/vnt_upload/weblink/thks.jpg"/>
+          <p:cNvPicPr>
+            <a:picLocks noChangeAspect="1" noChangeArrowheads="1"/>
+          </p:cNvPicPr>
+          <p:nvPr/>
+        </p:nvPicPr>
+        <p:blipFill>
+          <a:blip r:embed="rId2">
+            <a:extLst>
+              <a:ext uri="{28A0092B-C50C-407E-A947-70E740481C1C}">
+                <a14:useLocalDpi xmlns:a14="http://schemas.microsoft.com/office/drawing/2010/main" val="0"/>
+              </a:ext>
+            </a:extLst>
+          </a:blip>
+          <a:srcRect/>
+          <a:stretch>
+            <a:fillRect/>
+          </a:stretch>
+        </p:blipFill>
+        <p:spPr bwMode="auto">
+          <a:xfrm>
+            <a:off x="2895600" y="757237"/>
+            <a:ext cx="3124200" cy="4881563"/>
+          </a:xfrm>
+          <a:prstGeom prst="rect">
+            <a:avLst/>
+          </a:prstGeom>
+          <a:noFill/>
+          <a:extLst>
+            <a:ext uri="{909E8E84-426E-40DD-AFC4-6F175D3DCCD1}">
+              <a14:hiddenFill xmlns:a14="http://schemas.microsoft.com/office/drawing/2010/main">
+                <a:solidFill>
+                  <a:srgbClr val="FFFFFF"/>
+                </a:solidFill>
+              </a14:hiddenFill>
+            </a:ext>
+          </a:extLst>
+        </p:spPr>
+      </p:pic>
+      <p:sp>
+        <p:nvSpPr>
+          <p:cNvPr id="3" name="Rectangle 2"/>
+          <p:cNvSpPr/>
+          <p:nvPr/>
+        </p:nvSpPr>
+        <p:spPr>
+          <a:xfrm>
+            <a:off x="304800" y="5105400"/>
+            <a:ext cx="8610600" cy="1077218"/>
+          </a:xfrm>
+          <a:prstGeom prst="rect">
+            <a:avLst/>
+          </a:prstGeom>
+        </p:spPr>
+        <p:txBody>
+          <a:bodyPr wrap="square">
+            <a:spAutoFit/>
+          </a:bodyPr>
+          <a:lstStyle/>
+          <a:p>
+            <a:pPr algn="ctr"/>
+            <a:r>
+              <a:rPr lang="en-IN" sz="3200" dirty="0">
+                <a:solidFill>
+                  <a:srgbClr val="FE1212"/>
+                </a:solidFill>
+                <a:latin typeface="Segoe Print" panose="02000600000000000000" pitchFamily="2" charset="0"/>
+              </a:rPr>
+              <a:t>"Live as if you were to die tomorrow.</a:t>
+            </a:r>
+          </a:p>
+          <a:p>
+            <a:pPr algn="ctr"/>
+            <a:r>
+              <a:rPr lang="en-IN" sz="3200" dirty="0">
+                <a:solidFill>
+                  <a:srgbClr val="FE1212"/>
+                </a:solidFill>
+                <a:latin typeface="Segoe Print" panose="02000600000000000000" pitchFamily="2" charset="0"/>
+              </a:rPr>
+              <a:t>Learn as if you were to live forever"</a:t>
+            </a:r>
+          </a:p>
+        </p:txBody>
+      </p:sp>
+    </p:spTree>
+    <p:extLst>
+      <p:ext uri="{BB962C8B-B14F-4D97-AF65-F5344CB8AC3E}">
+        <p14:creationId xmlns:p14="http://schemas.microsoft.com/office/powerpoint/2010/main" val="1148130326"/>
+      </p:ext>
+    </p:extLst>
+  </p:cSld>
+  <p:clrMapOvr>
+    <a:masterClrMapping/>
+  </p:clrMapOvr>
+  <p:timing>
+    <p:tnLst>
+      <p:par>
+        <p:cTn id="1" dur="indefinite" restart="never" nodeType="tmRoot"/>
+      </p:par>
+    </p:tnLst>
+  </p:timing>
+</p:sld>
+</file>
+
+<file path=ppt/slides/slide97.xml><?xml version="1.0" encoding="utf-8"?>
+<p:sld xmlns:a="http://schemas.openxmlformats.org/drawingml/2006/main" xmlns:r="http://schemas.openxmlformats.org/officeDocument/2006/relationships" xmlns:p="http://schemas.openxmlformats.org/presentationml/2006/main">
+  <p:cSld>
+    <p:spTree>
+      <p:nvGrpSpPr>
+        <p:cNvPr id="1" name=""/>
+        <p:cNvGrpSpPr/>
+        <p:nvPr/>
+      </p:nvGrpSpPr>
+      <p:grpSpPr>
+        <a:xfrm>
+          <a:off x="0" y="0"/>
+          <a:ext cx="0" cy="0"/>
+          <a:chOff x="0" y="0"/>
+          <a:chExt cx="0" cy="0"/>
+        </a:xfrm>
+      </p:grpSpPr>
+      <p:sp>
+        <p:nvSpPr>
           <p:cNvPr id="3" name="Rectangle 2"/>
           <p:cNvSpPr/>
           <p:nvPr/>
@@ -25636,7 +26027,7 @@
 </p:sld>
 </file>
 
-<file path=ppt/slides/slide96.xml><?xml version="1.0" encoding="utf-8"?>
+<file path=ppt/slides/slide98.xml><?xml version="1.0" encoding="utf-8"?>
 <p:sld xmlns:a="http://schemas.openxmlformats.org/drawingml/2006/main" xmlns:r="http://schemas.openxmlformats.org/officeDocument/2006/relationships" xmlns:p="http://schemas.openxmlformats.org/presentationml/2006/main">
   <p:cSld>
     <p:spTree>

--- a/MongoDB PPT.pptx
+++ b/MongoDB PPT.pptx
@@ -5,7 +5,7 @@
     <p:sldMasterId id="2147483720" r:id="rId1"/>
   </p:sldMasterIdLst>
   <p:notesMasterIdLst>
-    <p:notesMasterId r:id="rId100"/>
+    <p:notesMasterId r:id="rId102"/>
   </p:notesMasterIdLst>
   <p:sldIdLst>
     <p:sldId id="497" r:id="rId2"/>
@@ -68,44 +68,46 @@
     <p:sldId id="1184" r:id="rId59"/>
     <p:sldId id="1181" r:id="rId60"/>
     <p:sldId id="1182" r:id="rId61"/>
-    <p:sldId id="1173" r:id="rId62"/>
-    <p:sldId id="1174" r:id="rId63"/>
-    <p:sldId id="1175" r:id="rId64"/>
-    <p:sldId id="1176" r:id="rId65"/>
-    <p:sldId id="1099" r:id="rId66"/>
-    <p:sldId id="1092" r:id="rId67"/>
-    <p:sldId id="1102" r:id="rId68"/>
-    <p:sldId id="1103" r:id="rId69"/>
-    <p:sldId id="1104" r:id="rId70"/>
-    <p:sldId id="1105" r:id="rId71"/>
-    <p:sldId id="1106" r:id="rId72"/>
-    <p:sldId id="1107" r:id="rId73"/>
-    <p:sldId id="1108" r:id="rId74"/>
-    <p:sldId id="1109" r:id="rId75"/>
-    <p:sldId id="1110" r:id="rId76"/>
-    <p:sldId id="1111" r:id="rId77"/>
-    <p:sldId id="1112" r:id="rId78"/>
-    <p:sldId id="1113" r:id="rId79"/>
-    <p:sldId id="1114" r:id="rId80"/>
-    <p:sldId id="1115" r:id="rId81"/>
-    <p:sldId id="1116" r:id="rId82"/>
-    <p:sldId id="1117" r:id="rId83"/>
-    <p:sldId id="1118" r:id="rId84"/>
-    <p:sldId id="1119" r:id="rId85"/>
-    <p:sldId id="1120" r:id="rId86"/>
-    <p:sldId id="1121" r:id="rId87"/>
-    <p:sldId id="1122" r:id="rId88"/>
-    <p:sldId id="1123" r:id="rId89"/>
-    <p:sldId id="1124" r:id="rId90"/>
-    <p:sldId id="1125" r:id="rId91"/>
-    <p:sldId id="1126" r:id="rId92"/>
-    <p:sldId id="1127" r:id="rId93"/>
-    <p:sldId id="1128" r:id="rId94"/>
-    <p:sldId id="1129" r:id="rId95"/>
-    <p:sldId id="954" r:id="rId96"/>
-    <p:sldId id="788" r:id="rId97"/>
-    <p:sldId id="1071" r:id="rId98"/>
-    <p:sldId id="1087" r:id="rId99"/>
+    <p:sldId id="1185" r:id="rId62"/>
+    <p:sldId id="1186" r:id="rId63"/>
+    <p:sldId id="1173" r:id="rId64"/>
+    <p:sldId id="1174" r:id="rId65"/>
+    <p:sldId id="1175" r:id="rId66"/>
+    <p:sldId id="1176" r:id="rId67"/>
+    <p:sldId id="1099" r:id="rId68"/>
+    <p:sldId id="1092" r:id="rId69"/>
+    <p:sldId id="1102" r:id="rId70"/>
+    <p:sldId id="1103" r:id="rId71"/>
+    <p:sldId id="1104" r:id="rId72"/>
+    <p:sldId id="1105" r:id="rId73"/>
+    <p:sldId id="1106" r:id="rId74"/>
+    <p:sldId id="1107" r:id="rId75"/>
+    <p:sldId id="1108" r:id="rId76"/>
+    <p:sldId id="1109" r:id="rId77"/>
+    <p:sldId id="1110" r:id="rId78"/>
+    <p:sldId id="1111" r:id="rId79"/>
+    <p:sldId id="1112" r:id="rId80"/>
+    <p:sldId id="1113" r:id="rId81"/>
+    <p:sldId id="1114" r:id="rId82"/>
+    <p:sldId id="1115" r:id="rId83"/>
+    <p:sldId id="1116" r:id="rId84"/>
+    <p:sldId id="1117" r:id="rId85"/>
+    <p:sldId id="1118" r:id="rId86"/>
+    <p:sldId id="1119" r:id="rId87"/>
+    <p:sldId id="1120" r:id="rId88"/>
+    <p:sldId id="1121" r:id="rId89"/>
+    <p:sldId id="1122" r:id="rId90"/>
+    <p:sldId id="1123" r:id="rId91"/>
+    <p:sldId id="1124" r:id="rId92"/>
+    <p:sldId id="1125" r:id="rId93"/>
+    <p:sldId id="1126" r:id="rId94"/>
+    <p:sldId id="1127" r:id="rId95"/>
+    <p:sldId id="1128" r:id="rId96"/>
+    <p:sldId id="1129" r:id="rId97"/>
+    <p:sldId id="954" r:id="rId98"/>
+    <p:sldId id="788" r:id="rId99"/>
+    <p:sldId id="1071" r:id="rId100"/>
+    <p:sldId id="1087" r:id="rId101"/>
   </p:sldIdLst>
   <p:sldSz cx="9144000" cy="6858000" type="screen4x3"/>
   <p:notesSz cx="6858000" cy="9144000"/>
@@ -4855,6 +4857,143 @@
       </p:par>
     </p:tnLst>
   </p:timing>
+</p:sld>
+</file>
+
+<file path=ppt/slides/slide100.xml><?xml version="1.0" encoding="utf-8"?>
+<p:sld xmlns:a="http://schemas.openxmlformats.org/drawingml/2006/main" xmlns:r="http://schemas.openxmlformats.org/officeDocument/2006/relationships" xmlns:p="http://schemas.openxmlformats.org/presentationml/2006/main">
+  <p:cSld>
+    <p:spTree>
+      <p:nvGrpSpPr>
+        <p:cNvPr id="1" name=""/>
+        <p:cNvGrpSpPr/>
+        <p:nvPr/>
+      </p:nvGrpSpPr>
+      <p:grpSpPr>
+        <a:xfrm>
+          <a:off x="0" y="0"/>
+          <a:ext cx="0" cy="0"/>
+          <a:chOff x="0" y="0"/>
+          <a:chExt cx="0" cy="0"/>
+        </a:xfrm>
+      </p:grpSpPr>
+      <p:sp>
+        <p:nvSpPr>
+          <p:cNvPr id="2" name="Rectangle 1"/>
+          <p:cNvSpPr/>
+          <p:nvPr/>
+        </p:nvSpPr>
+        <p:spPr>
+          <a:xfrm>
+            <a:off x="152400" y="228600"/>
+            <a:ext cx="8763000" cy="2862322"/>
+          </a:xfrm>
+          <a:prstGeom prst="rect">
+            <a:avLst/>
+          </a:prstGeom>
+        </p:spPr>
+        <p:txBody>
+          <a:bodyPr wrap="square">
+            <a:spAutoFit/>
+          </a:bodyPr>
+          <a:lstStyle/>
+          <a:p>
+            <a:r>
+              <a:rPr lang="en-US" dirty="0"/>
+              <a:t>create table book (id raw(16) primary key, data clob check(data is json</a:t>
+            </a:r>
+            <a:r>
+              <a:rPr lang="en-US" dirty="0" smtClean="0"/>
+              <a:t>));</a:t>
+            </a:r>
+          </a:p>
+          <a:p>
+            <a:endParaRPr lang="en-US" dirty="0"/>
+          </a:p>
+          <a:p>
+            <a:r>
+              <a:rPr lang="en-US" dirty="0"/>
+              <a:t>select book.* </a:t>
+            </a:r>
+          </a:p>
+          <a:p>
+            <a:r>
+              <a:rPr lang="en-US" dirty="0"/>
+              <a:t>	from books,</a:t>
+            </a:r>
+          </a:p>
+          <a:p>
+            <a:r>
+              <a:rPr lang="en-US" dirty="0"/>
+              <a:t>	</a:t>
+            </a:r>
+            <a:r>
+              <a:rPr lang="en-US" dirty="0" err="1"/>
+              <a:t>json_table</a:t>
+            </a:r>
+            <a:r>
+              <a:rPr lang="en-US" dirty="0"/>
+              <a:t>(data,'$'</a:t>
+            </a:r>
+          </a:p>
+          <a:p>
+            <a:r>
+              <a:rPr lang="en-US" dirty="0"/>
+              <a:t>	columns(</a:t>
+            </a:r>
+            <a:r>
+              <a:rPr lang="en-US" dirty="0" err="1"/>
+              <a:t>isbn</a:t>
+            </a:r>
+            <a:r>
+              <a:rPr lang="en-US" dirty="0"/>
+              <a:t>   varchar2(20) path '$.</a:t>
+            </a:r>
+            <a:r>
+              <a:rPr lang="en-US" dirty="0" err="1"/>
+              <a:t>isbn</a:t>
+            </a:r>
+            <a:r>
+              <a:rPr lang="en-US" dirty="0"/>
+              <a:t>',</a:t>
+            </a:r>
+          </a:p>
+          <a:p>
+            <a:r>
+              <a:rPr lang="en-US" dirty="0"/>
+              <a:t>		title  varchar2(20) path '$.title',</a:t>
+            </a:r>
+          </a:p>
+          <a:p>
+            <a:r>
+              <a:rPr lang="en-US" dirty="0"/>
+              <a:t>		price  varchar2(10) path '$.price',</a:t>
+            </a:r>
+          </a:p>
+          <a:p>
+            <a:r>
+              <a:rPr lang="en-US" dirty="0"/>
+              <a:t>		author varchar2(20) path '$.author',</a:t>
+            </a:r>
+          </a:p>
+          <a:p>
+            <a:r>
+              <a:rPr lang="en-US" dirty="0"/>
+              <a:t>		phone  varchar2(10) path '$.phone')) book</a:t>
+            </a:r>
+          </a:p>
+        </p:txBody>
+      </p:sp>
+    </p:spTree>
+    <p:extLst>
+      <p:ext uri="{BB962C8B-B14F-4D97-AF65-F5344CB8AC3E}">
+        <p14:creationId xmlns:p14="http://schemas.microsoft.com/office/powerpoint/2010/main" val="1501210411"/>
+      </p:ext>
+    </p:extLst>
+  </p:cSld>
+  <p:clrMapOvr>
+    <a:masterClrMapping/>
+  </p:clrMapOvr>
 </p:sld>
 </file>
 
@@ -19351,11 +19490,11 @@
   <p:clrMapOvr>
     <a:masterClrMapping/>
   </p:clrMapOvr>
-  <mc:AlternateContent xmlns:mc="http://schemas.openxmlformats.org/markup-compatibility/2006">
-    <mc:Choice xmlns:p14="http://schemas.microsoft.com/office/powerpoint/2010/main" Requires="p14">
+  <mc:AlternateContent xmlns:mc="http://schemas.openxmlformats.org/markup-compatibility/2006" xmlns:p14="http://schemas.microsoft.com/office/powerpoint/2010/main">
+    <mc:Choice Requires="p14">
       <p:transition spd="slow" p14:dur="2000"/>
     </mc:Choice>
-    <mc:Fallback>
+    <mc:Fallback xmlns="">
       <p:transition spd="slow"/>
     </mc:Fallback>
   </mc:AlternateContent>
@@ -19541,27 +19680,7 @@
                 <a:latin typeface="Calibri" panose="020F0502020204030204" pitchFamily="34" charset="0"/>
                 <a:cs typeface="Calibri" panose="020F0502020204030204" pitchFamily="34" charset="0"/>
               </a:rPr>
-              <a:t>db.e.insertMany</a:t>
-            </a:r>
-            <a:r>
-              <a:rPr lang="en-US" sz="2200" dirty="0" smtClean="0">
-                <a:solidFill>
-                  <a:srgbClr val="FC6F0D"/>
-                </a:solidFill>
-                <a:latin typeface="Calibri" panose="020F0502020204030204" pitchFamily="34" charset="0"/>
-                <a:cs typeface="Calibri" panose="020F0502020204030204" pitchFamily="34" charset="0"/>
-              </a:rPr>
-              <a:t>({</a:t>
-            </a:r>
-            <a:r>
-              <a:rPr lang="en-US" sz="2200" dirty="0" smtClean="0">
-                <a:solidFill>
-                  <a:srgbClr val="FC6F0D"/>
-                </a:solidFill>
-                <a:latin typeface="Calibri" panose="020F0502020204030204" pitchFamily="34" charset="0"/>
-                <a:cs typeface="Calibri" panose="020F0502020204030204" pitchFamily="34" charset="0"/>
-              </a:rPr>
-              <a:t>ename</a:t>
+              <a:t>db.e.insertMany({ename</a:t>
             </a:r>
             <a:r>
               <a:rPr lang="en-US" sz="2200" dirty="0">
@@ -20342,7 +20461,7 @@
           <a:p>
             <a:r>
               <a:rPr lang="en-IN" dirty="0"/>
-              <a:t>db.collection.deleteOne()</a:t>
+              <a:t>db.collection.update()</a:t>
             </a:r>
             <a:endParaRPr lang="en-US" dirty="0"/>
           </a:p>
@@ -20384,25 +20503,24 @@
               </a:rPr>
               <a:t>TODO</a:t>
             </a:r>
-            <a:endParaRPr lang="en-US" dirty="0"/>
           </a:p>
         </p:txBody>
       </p:sp>
     </p:spTree>
     <p:extLst>
       <p:ext uri="{BB962C8B-B14F-4D97-AF65-F5344CB8AC3E}">
-        <p14:creationId xmlns:p14="http://schemas.microsoft.com/office/powerpoint/2010/main" val="3719896549"/>
+        <p14:creationId xmlns:p14="http://schemas.microsoft.com/office/powerpoint/2010/main" val="2844348414"/>
       </p:ext>
     </p:extLst>
   </p:cSld>
   <p:clrMapOvr>
     <a:masterClrMapping/>
   </p:clrMapOvr>
-  <mc:AlternateContent xmlns:mc="http://schemas.openxmlformats.org/markup-compatibility/2006" xmlns:p14="http://schemas.microsoft.com/office/powerpoint/2010/main">
-    <mc:Choice Requires="p14">
+  <mc:AlternateContent xmlns:mc="http://schemas.openxmlformats.org/markup-compatibility/2006">
+    <mc:Choice xmlns:p14="http://schemas.microsoft.com/office/powerpoint/2010/main" Requires="p14">
       <p:transition spd="slow" p14:dur="2000"/>
     </mc:Choice>
-    <mc:Fallback xmlns="">
+    <mc:Fallback>
       <p:transition spd="slow"/>
     </mc:Fallback>
   </mc:AlternateContent>
@@ -20472,72 +20590,65 @@
                 <a:latin typeface="Arial" pitchFamily="34" charset="0"/>
                 <a:cs typeface="Arial" pitchFamily="34" charset="0"/>
               </a:rPr>
-              <a:t>db.collection.deleteOne()</a:t>
-            </a:r>
-          </a:p>
-        </p:txBody>
-      </p:sp>
-      <p:sp>
-        <p:nvSpPr>
-          <p:cNvPr id="7" name="Rectangle 6"/>
+              <a:t>db.collection.update()</a:t>
+            </a:r>
+            <a:endParaRPr lang="en-IN" sz="3200" b="1" i="1" dirty="0">
+              <a:solidFill>
+                <a:srgbClr val="FFFF00"/>
+              </a:solidFill>
+              <a:latin typeface="Arial" pitchFamily="34" charset="0"/>
+              <a:cs typeface="Arial" pitchFamily="34" charset="0"/>
+            </a:endParaRPr>
+          </a:p>
+        </p:txBody>
+      </p:sp>
+      <p:sp>
+        <p:nvSpPr>
+          <p:cNvPr id="4" name="Rectangle 3"/>
           <p:cNvSpPr/>
           <p:nvPr/>
         </p:nvSpPr>
         <p:spPr>
           <a:xfrm>
-            <a:off x="149188" y="762000"/>
-            <a:ext cx="8845624" cy="646331"/>
-          </a:xfrm>
-          <a:prstGeom prst="rect">
-            <a:avLst/>
-          </a:prstGeom>
-        </p:spPr>
-        <p:txBody>
-          <a:bodyPr wrap="square">
+            <a:off x="133354" y="1611868"/>
+            <a:ext cx="5756704" cy="369332"/>
+          </a:xfrm>
+          <a:prstGeom prst="rect">
+            <a:avLst/>
+          </a:prstGeom>
+        </p:spPr>
+        <p:txBody>
+          <a:bodyPr wrap="none">
             <a:spAutoFit/>
           </a:bodyPr>
           <a:lstStyle/>
           <a:p>
-            <a:r>
-              <a:rPr lang="en-US" dirty="0"/>
-              <a:t>Removes a single document from a collection. Specify an empty document { } to delete the first document returned in the collection.</a:t>
-            </a:r>
-            <a:endParaRPr lang="en-IN" dirty="0"/>
-          </a:p>
-        </p:txBody>
-      </p:sp>
-      <p:sp>
-        <p:nvSpPr>
-          <p:cNvPr id="8" name="Rectangle 7"/>
-          <p:cNvSpPr/>
-          <p:nvPr/>
-        </p:nvSpPr>
-        <p:spPr>
-          <a:xfrm>
-            <a:off x="154136" y="1611868"/>
-            <a:ext cx="8761264" cy="369332"/>
-          </a:xfrm>
-          <a:prstGeom prst="rect">
-            <a:avLst/>
-          </a:prstGeom>
-        </p:spPr>
-        <p:txBody>
-          <a:bodyPr wrap="square">
-            <a:spAutoFit/>
-          </a:bodyPr>
-          <a:lstStyle/>
-          <a:p>
-            <a:r>
-              <a:rPr lang="en-US" dirty="0" smtClean="0">
+            <a:pPr>
+              <a:spcBef>
+                <a:spcPct val="0"/>
+              </a:spcBef>
+            </a:pPr>
+            <a:r>
+              <a:rPr lang="en-IN" dirty="0">
                 <a:solidFill>
                   <a:srgbClr val="049DC8"/>
                 </a:solidFill>
                 <a:latin typeface="Consolas" panose="020B0609020204030204" pitchFamily="49" charset="0"/>
                 <a:cs typeface="Calibri" panose="020F0502020204030204" pitchFamily="34" charset="0"/>
               </a:rPr>
-              <a:t>db.collection.deleteOne({&lt;filter&gt;})</a:t>
-            </a:r>
-            <a:endParaRPr lang="en-US" dirty="0">
+              <a:t>db.collection.update(query, update, options</a:t>
+            </a:r>
+            <a:r>
+              <a:rPr lang="en-IN" dirty="0" smtClean="0">
+                <a:solidFill>
+                  <a:srgbClr val="049DC8"/>
+                </a:solidFill>
+                <a:latin typeface="Consolas" panose="020B0609020204030204" pitchFamily="49" charset="0"/>
+                <a:cs typeface="Calibri" panose="020F0502020204030204" pitchFamily="34" charset="0"/>
+              </a:rPr>
+              <a:t>)</a:t>
+            </a:r>
+            <a:endParaRPr lang="en-IN" dirty="0" smtClean="0">
               <a:solidFill>
                 <a:srgbClr val="049DC8"/>
               </a:solidFill>
@@ -20549,14 +20660,14 @@
       </p:sp>
       <p:sp>
         <p:nvSpPr>
-          <p:cNvPr id="5" name="Rectangle 4"/>
+          <p:cNvPr id="8" name="Rectangle 7"/>
           <p:cNvSpPr/>
           <p:nvPr/>
         </p:nvSpPr>
         <p:spPr>
           <a:xfrm>
-            <a:off x="149188" y="2286000"/>
-            <a:ext cx="8766212" cy="892552"/>
+            <a:off x="149188" y="762000"/>
+            <a:ext cx="8845624" cy="646331"/>
           </a:xfrm>
           <a:prstGeom prst="rect">
             <a:avLst/>
@@ -20569,6 +20680,45 @@
           <a:lstStyle/>
           <a:p>
             <a:r>
+              <a:rPr lang="en-US" dirty="0"/>
+              <a:t>By default, the update() method updates a single document. Set the Multi Parameter to update all documents that match the query criteria.</a:t>
+            </a:r>
+            <a:endParaRPr lang="en-IN" dirty="0"/>
+          </a:p>
+        </p:txBody>
+      </p:sp>
+      <p:sp>
+        <p:nvSpPr>
+          <p:cNvPr id="3" name="Rectangle 2"/>
+          <p:cNvSpPr/>
+          <p:nvPr/>
+        </p:nvSpPr>
+        <p:spPr>
+          <a:xfrm>
+            <a:off x="153146" y="2379583"/>
+            <a:ext cx="8841666" cy="892552"/>
+          </a:xfrm>
+          <a:prstGeom prst="rect">
+            <a:avLst/>
+          </a:prstGeom>
+        </p:spPr>
+        <p:txBody>
+          <a:bodyPr wrap="square">
+            <a:spAutoFit/>
+          </a:bodyPr>
+          <a:lstStyle/>
+          <a:p>
+            <a:r>
+              <a:rPr lang="en-US" sz="2200" dirty="0">
+                <a:solidFill>
+                  <a:srgbClr val="FC6F0D"/>
+                </a:solidFill>
+                <a:latin typeface="Calibri" panose="020F0502020204030204" pitchFamily="34" charset="0"/>
+                <a:cs typeface="Calibri" panose="020F0502020204030204" pitchFamily="34" charset="0"/>
+              </a:rPr>
+              <a:t>db.e.update({job:'abc1'}, </a:t>
+            </a:r>
+            <a:r>
               <a:rPr lang="en-US" sz="2200" dirty="0" smtClean="0">
                 <a:solidFill>
                   <a:srgbClr val="FC6F0D"/>
@@ -20576,11 +20726,31 @@
                 <a:latin typeface="Calibri" panose="020F0502020204030204" pitchFamily="34" charset="0"/>
                 <a:cs typeface="Calibri" panose="020F0502020204030204" pitchFamily="34" charset="0"/>
               </a:rPr>
-              <a:t>db.emp.deleteOne({})</a:t>
-            </a:r>
-          </a:p>
-          <a:p>
-            <a:endParaRPr lang="en-US" sz="800" dirty="0" smtClean="0">
+              <a:t>{ job</a:t>
+            </a:r>
+            <a:r>
+              <a:rPr lang="en-US" sz="2200" dirty="0">
+                <a:solidFill>
+                  <a:srgbClr val="FC6F0D"/>
+                </a:solidFill>
+                <a:latin typeface="Calibri" panose="020F0502020204030204" pitchFamily="34" charset="0"/>
+                <a:cs typeface="Calibri" panose="020F0502020204030204" pitchFamily="34" charset="0"/>
+              </a:rPr>
+              <a:t>:</a:t>
+            </a:r>
+            <a:r>
+              <a:rPr lang="en-US" sz="2200" dirty="0" smtClean="0">
+                <a:solidFill>
+                  <a:srgbClr val="FC6F0D"/>
+                </a:solidFill>
+                <a:latin typeface="Calibri" panose="020F0502020204030204" pitchFamily="34" charset="0"/>
+                <a:cs typeface="Calibri" panose="020F0502020204030204" pitchFamily="34" charset="0"/>
+              </a:rPr>
+              <a:t>'sales‘ },{ upsert:true });</a:t>
+            </a:r>
+          </a:p>
+          <a:p>
+            <a:endParaRPr lang="en-US" sz="800" dirty="0">
               <a:solidFill>
                 <a:srgbClr val="FC6F0D"/>
               </a:solidFill>
@@ -20597,7 +20767,7 @@
                 <a:latin typeface="Calibri" panose="020F0502020204030204" pitchFamily="34" charset="0"/>
                 <a:cs typeface="Calibri" panose="020F0502020204030204" pitchFamily="34" charset="0"/>
               </a:rPr>
-              <a:t>db.e.deleteOne({job:'manager</a:t>
+              <a:t>db.e.update</a:t>
             </a:r>
             <a:r>
               <a:rPr lang="en-US" sz="2200" dirty="0" smtClean="0">
@@ -20607,9 +20777,99 @@
                 <a:latin typeface="Calibri" panose="020F0502020204030204" pitchFamily="34" charset="0"/>
                 <a:cs typeface="Calibri" panose="020F0502020204030204" pitchFamily="34" charset="0"/>
               </a:rPr>
-              <a:t>'})</a:t>
-            </a:r>
-            <a:endParaRPr lang="en-US" sz="2200" dirty="0">
+              <a:t>({ job</a:t>
+            </a:r>
+            <a:r>
+              <a:rPr lang="en-US" sz="2200" dirty="0">
+                <a:solidFill>
+                  <a:srgbClr val="FC6F0D"/>
+                </a:solidFill>
+                <a:latin typeface="Calibri" panose="020F0502020204030204" pitchFamily="34" charset="0"/>
+                <a:cs typeface="Calibri" panose="020F0502020204030204" pitchFamily="34" charset="0"/>
+              </a:rPr>
+              <a:t>:</a:t>
+            </a:r>
+            <a:r>
+              <a:rPr lang="en-US" sz="2200" dirty="0" smtClean="0">
+                <a:solidFill>
+                  <a:srgbClr val="FC6F0D"/>
+                </a:solidFill>
+                <a:latin typeface="Calibri" panose="020F0502020204030204" pitchFamily="34" charset="0"/>
+                <a:cs typeface="Calibri" panose="020F0502020204030204" pitchFamily="34" charset="0"/>
+              </a:rPr>
+              <a:t>'</a:t>
+            </a:r>
+            <a:r>
+              <a:rPr lang="en-US" sz="2200" dirty="0" err="1" smtClean="0">
+                <a:solidFill>
+                  <a:srgbClr val="FC6F0D"/>
+                </a:solidFill>
+                <a:latin typeface="Calibri" panose="020F0502020204030204" pitchFamily="34" charset="0"/>
+                <a:cs typeface="Calibri" panose="020F0502020204030204" pitchFamily="34" charset="0"/>
+              </a:rPr>
+              <a:t>bbc</a:t>
+            </a:r>
+            <a:r>
+              <a:rPr lang="en-US" sz="2200" dirty="0" smtClean="0">
+                <a:solidFill>
+                  <a:srgbClr val="FC6F0D"/>
+                </a:solidFill>
+                <a:latin typeface="Calibri" panose="020F0502020204030204" pitchFamily="34" charset="0"/>
+                <a:cs typeface="Calibri" panose="020F0502020204030204" pitchFamily="34" charset="0"/>
+              </a:rPr>
+              <a:t>‘ }, { $</a:t>
+            </a:r>
+            <a:r>
+              <a:rPr lang="en-US" sz="2200" dirty="0">
+                <a:solidFill>
+                  <a:srgbClr val="FC6F0D"/>
+                </a:solidFill>
+                <a:latin typeface="Calibri" panose="020F0502020204030204" pitchFamily="34" charset="0"/>
+                <a:cs typeface="Calibri" panose="020F0502020204030204" pitchFamily="34" charset="0"/>
+              </a:rPr>
+              <a:t>set:{ job:'</a:t>
+            </a:r>
+            <a:r>
+              <a:rPr lang="en-US" sz="2200" dirty="0" err="1">
+                <a:solidFill>
+                  <a:srgbClr val="FC6F0D"/>
+                </a:solidFill>
+                <a:latin typeface="Calibri" panose="020F0502020204030204" pitchFamily="34" charset="0"/>
+                <a:cs typeface="Calibri" panose="020F0502020204030204" pitchFamily="34" charset="0"/>
+              </a:rPr>
+              <a:t>abc</a:t>
+            </a:r>
+            <a:r>
+              <a:rPr lang="en-US" sz="2200" dirty="0" smtClean="0">
+                <a:solidFill>
+                  <a:srgbClr val="FC6F0D"/>
+                </a:solidFill>
+                <a:latin typeface="Calibri" panose="020F0502020204030204" pitchFamily="34" charset="0"/>
+                <a:cs typeface="Calibri" panose="020F0502020204030204" pitchFamily="34" charset="0"/>
+              </a:rPr>
+              <a:t>'} }, { upsert:true</a:t>
+            </a:r>
+            <a:r>
+              <a:rPr lang="en-US" sz="2200" dirty="0">
+                <a:solidFill>
+                  <a:srgbClr val="FC6F0D"/>
+                </a:solidFill>
+                <a:latin typeface="Calibri" panose="020F0502020204030204" pitchFamily="34" charset="0"/>
+                <a:cs typeface="Calibri" panose="020F0502020204030204" pitchFamily="34" charset="0"/>
+              </a:rPr>
+              <a:t>,  multi: </a:t>
+            </a:r>
+            <a:r>
+              <a:rPr lang="en-US" sz="2200" dirty="0" smtClean="0">
+                <a:solidFill>
+                  <a:srgbClr val="FC6F0D"/>
+                </a:solidFill>
+                <a:latin typeface="Calibri" panose="020F0502020204030204" pitchFamily="34" charset="0"/>
+                <a:cs typeface="Calibri" panose="020F0502020204030204" pitchFamily="34" charset="0"/>
+              </a:rPr>
+              <a:t>true });</a:t>
+            </a:r>
+            <a:endParaRPr lang="en-US" sz="800" dirty="0">
               <a:solidFill>
                 <a:srgbClr val="FC6F0D"/>
               </a:solidFill>
@@ -20622,7 +20882,7 @@
     </p:spTree>
     <p:extLst>
       <p:ext uri="{BB962C8B-B14F-4D97-AF65-F5344CB8AC3E}">
-        <p14:creationId xmlns:p14="http://schemas.microsoft.com/office/powerpoint/2010/main" val="3696592824"/>
+        <p14:creationId xmlns:p14="http://schemas.microsoft.com/office/powerpoint/2010/main" val="2473691024"/>
       </p:ext>
     </p:extLst>
   </p:cSld>
@@ -20696,8 +20956,8 @@
           </a:lstStyle>
           <a:p>
             <a:r>
-              <a:rPr lang="en-IN" dirty="0" smtClean="0"/>
-              <a:t>db.collection.deleteMany()</a:t>
+              <a:rPr lang="en-IN" dirty="0"/>
+              <a:t>db.collection.deleteOne()</a:t>
             </a:r>
             <a:endParaRPr lang="en-US" dirty="0"/>
           </a:p>
@@ -20746,7 +21006,7 @@
     </p:spTree>
     <p:extLst>
       <p:ext uri="{BB962C8B-B14F-4D97-AF65-F5344CB8AC3E}">
-        <p14:creationId xmlns:p14="http://schemas.microsoft.com/office/powerpoint/2010/main" val="4110389760"/>
+        <p14:creationId xmlns:p14="http://schemas.microsoft.com/office/powerpoint/2010/main" val="3719896549"/>
       </p:ext>
     </p:extLst>
   </p:cSld>
@@ -20820,22 +21080,15 @@
               </a:spcBef>
             </a:pPr>
             <a:r>
-              <a:rPr lang="en-IN" sz="3200" b="1" i="1" dirty="0" smtClean="0">
+              <a:rPr lang="en-IN" sz="3200" b="1" i="1" dirty="0">
                 <a:solidFill>
                   <a:srgbClr val="FFFF00"/>
                 </a:solidFill>
                 <a:latin typeface="Arial" pitchFamily="34" charset="0"/>
                 <a:cs typeface="Arial" pitchFamily="34" charset="0"/>
               </a:rPr>
-              <a:t>db.collection.deleteMany()</a:t>
-            </a:r>
-            <a:endParaRPr lang="en-IN" sz="3200" b="1" i="1" dirty="0">
-              <a:solidFill>
-                <a:srgbClr val="FFFF00"/>
-              </a:solidFill>
-              <a:latin typeface="Arial" pitchFamily="34" charset="0"/>
-              <a:cs typeface="Arial" pitchFamily="34" charset="0"/>
-            </a:endParaRPr>
+              <a:t>db.collection.deleteOne()</a:t>
+            </a:r>
           </a:p>
         </p:txBody>
       </p:sp>
@@ -20848,7 +21101,7 @@
         <p:spPr>
           <a:xfrm>
             <a:off x="149188" y="762000"/>
-            <a:ext cx="8845624" cy="369332"/>
+            <a:ext cx="8845624" cy="646331"/>
           </a:xfrm>
           <a:prstGeom prst="rect">
             <a:avLst/>
@@ -20862,7 +21115,7 @@
           <a:p>
             <a:r>
               <a:rPr lang="en-US" dirty="0"/>
-              <a:t>Removes all documents that match the filter from a collection.</a:t>
+              <a:t>Removes a single document from a collection. Specify an empty document { } to delete the first document returned in the collection.</a:t>
             </a:r>
             <a:endParaRPr lang="en-IN" dirty="0"/>
           </a:p>
@@ -20897,7 +21150,7 @@
                 <a:latin typeface="Consolas" panose="020B0609020204030204" pitchFamily="49" charset="0"/>
                 <a:cs typeface="Calibri" panose="020F0502020204030204" pitchFamily="34" charset="0"/>
               </a:rPr>
-              <a:t>db.collection.deleteMany({&lt;filter&gt;})</a:t>
+              <a:t>db.collection.deleteOne({&lt;filter&gt;})</a:t>
             </a:r>
             <a:endParaRPr lang="en-US" dirty="0">
               <a:solidFill>
@@ -20931,22 +21184,15 @@
           <a:lstStyle/>
           <a:p>
             <a:r>
-              <a:rPr lang="en-US" sz="2200" dirty="0">
+              <a:rPr lang="en-US" sz="2200" dirty="0" smtClean="0">
                 <a:solidFill>
                   <a:srgbClr val="FC6F0D"/>
                 </a:solidFill>
                 <a:latin typeface="Calibri" panose="020F0502020204030204" pitchFamily="34" charset="0"/>
                 <a:cs typeface="Calibri" panose="020F0502020204030204" pitchFamily="34" charset="0"/>
               </a:rPr>
-              <a:t>db.e.deleteMany({});</a:t>
-            </a:r>
-            <a:endParaRPr lang="en-US" sz="2200" dirty="0" smtClean="0">
-              <a:solidFill>
-                <a:srgbClr val="FC6F0D"/>
-              </a:solidFill>
-              <a:latin typeface="Calibri" panose="020F0502020204030204" pitchFamily="34" charset="0"/>
-              <a:cs typeface="Calibri" panose="020F0502020204030204" pitchFamily="34" charset="0"/>
-            </a:endParaRPr>
+              <a:t>db.emp.deleteOne({})</a:t>
+            </a:r>
           </a:p>
           <a:p>
             <a:endParaRPr lang="en-US" sz="800" dirty="0" smtClean="0">
@@ -20959,24 +21205,14 @@
           </a:p>
           <a:p>
             <a:r>
-              <a:rPr lang="en-US" sz="2200" dirty="0" smtClean="0">
+              <a:rPr lang="en-US" sz="2200" dirty="0">
                 <a:solidFill>
                   <a:srgbClr val="FC6F0D"/>
                 </a:solidFill>
                 <a:latin typeface="Calibri" panose="020F0502020204030204" pitchFamily="34" charset="0"/>
                 <a:cs typeface="Calibri" panose="020F0502020204030204" pitchFamily="34" charset="0"/>
               </a:rPr>
-              <a:t>db.e.deleteMany({</a:t>
-            </a:r>
-            <a:r>
-              <a:rPr lang="en-US" sz="2200" dirty="0">
-                <a:solidFill>
-                  <a:srgbClr val="FC6F0D"/>
-                </a:solidFill>
-                <a:latin typeface="Calibri" panose="020F0502020204030204" pitchFamily="34" charset="0"/>
-                <a:cs typeface="Calibri" panose="020F0502020204030204" pitchFamily="34" charset="0"/>
-              </a:rPr>
-              <a:t>job:'manager</a:t>
+              <a:t>db.e.deleteOne({job:'manager</a:t>
             </a:r>
             <a:r>
               <a:rPr lang="en-US" sz="2200" dirty="0" smtClean="0">
@@ -21001,7 +21237,7 @@
     </p:spTree>
     <p:extLst>
       <p:ext uri="{BB962C8B-B14F-4D97-AF65-F5344CB8AC3E}">
-        <p14:creationId xmlns:p14="http://schemas.microsoft.com/office/powerpoint/2010/main" val="3771916804"/>
+        <p14:creationId xmlns:p14="http://schemas.microsoft.com/office/powerpoint/2010/main" val="3696592824"/>
       </p:ext>
     </p:extLst>
   </p:cSld>
@@ -21037,72 +21273,71 @@
       </p:grpSpPr>
       <p:sp>
         <p:nvSpPr>
-          <p:cNvPr id="6" name="Rectangle 5"/>
-          <p:cNvSpPr/>
-          <p:nvPr/>
-        </p:nvSpPr>
-        <p:spPr>
-          <a:xfrm>
-            <a:off x="0" y="0"/>
-            <a:ext cx="9144000" cy="584775"/>
-          </a:xfrm>
-          <a:prstGeom prst="rect">
-            <a:avLst/>
-          </a:prstGeom>
-          <a:solidFill>
-            <a:schemeClr val="accent4">
-              <a:lumMod val="75000"/>
-            </a:schemeClr>
-          </a:solidFill>
-        </p:spPr>
-        <p:txBody>
-          <a:bodyPr wrap="square">
-            <a:spAutoFit/>
-          </a:bodyPr>
-          <a:lstStyle/>
-          <a:p>
-            <a:pPr algn="r">
+          <p:cNvPr id="2" name="Title 1"/>
+          <p:cNvSpPr txBox="1">
+            <a:spLocks/>
+          </p:cNvSpPr>
+          <p:nvPr/>
+        </p:nvSpPr>
+        <p:spPr>
+          <a:xfrm>
+            <a:off x="152400" y="2057400"/>
+            <a:ext cx="8839200" cy="838200"/>
+          </a:xfrm>
+          <a:prstGeom prst="rect">
+            <a:avLst/>
+          </a:prstGeom>
+        </p:spPr>
+        <p:txBody>
+          <a:bodyPr>
+            <a:noAutofit/>
+          </a:bodyPr>
+          <a:lstStyle>
+            <a:defPPr>
+              <a:defRPr lang="en-US"/>
+            </a:defPPr>
+            <a:lvl1pPr lvl="0" algn="ctr">
               <a:spcBef>
                 <a:spcPct val="0"/>
               </a:spcBef>
-            </a:pPr>
-            <a:r>
-              <a:rPr lang="en-IN" sz="3200" b="1" i="1" dirty="0" smtClean="0">
-                <a:solidFill>
-                  <a:srgbClr val="FFFF00"/>
-                </a:solidFill>
-                <a:latin typeface="Arial" pitchFamily="34" charset="0"/>
-                <a:cs typeface="Arial" pitchFamily="34" charset="0"/>
-              </a:rPr>
-              <a:t>document</a:t>
-            </a:r>
-            <a:r>
-              <a:rPr lang="en-IN" sz="3200" b="1" i="1" dirty="0">
-                <a:solidFill>
-                  <a:srgbClr val="FFFF00"/>
-                </a:solidFill>
-                <a:latin typeface="Arial" pitchFamily="34" charset="0"/>
-                <a:cs typeface="Arial" pitchFamily="34" charset="0"/>
-              </a:rPr>
-              <a:t> </a:t>
-            </a:r>
-          </a:p>
-        </p:txBody>
-      </p:sp>
-      <p:sp>
-        <p:nvSpPr>
-          <p:cNvPr id="7" name="Rectangle 6"/>
+              <a:defRPr sz="4800">
+                <a:solidFill>
+                  <a:srgbClr val="7EEEE3"/>
+                </a:solidFill>
+                <a:latin typeface="Segoe UI Light" panose="020B0502040204020203" pitchFamily="34" charset="0"/>
+                <a:cs typeface="Segoe UI Light" panose="020B0502040204020203" pitchFamily="34" charset="0"/>
+              </a:defRPr>
+            </a:lvl1pPr>
+          </a:lstStyle>
+          <a:p>
+            <a:r>
+              <a:rPr lang="en-IN" dirty="0" smtClean="0"/>
+              <a:t>db.collection.deleteMany()</a:t>
+            </a:r>
+            <a:endParaRPr lang="en-US" dirty="0"/>
+          </a:p>
+        </p:txBody>
+      </p:sp>
+      <p:sp>
+        <p:nvSpPr>
+          <p:cNvPr id="3" name="Rectangle 2"/>
           <p:cNvSpPr/>
           <p:nvPr/>
         </p:nvSpPr>
         <p:spPr>
           <a:xfrm>
-            <a:off x="149188" y="762000"/>
-            <a:ext cx="8845624" cy="369332"/>
-          </a:xfrm>
-          <a:prstGeom prst="rect">
-            <a:avLst/>
-          </a:prstGeom>
+            <a:off x="419100" y="2861953"/>
+            <a:ext cx="8305800" cy="369332"/>
+          </a:xfrm>
+          <a:prstGeom prst="rect">
+            <a:avLst/>
+          </a:prstGeom>
+          <a:solidFill>
+            <a:schemeClr val="accent6">
+              <a:lumMod val="20000"/>
+              <a:lumOff val="80000"/>
+            </a:schemeClr>
+          </a:solidFill>
         </p:spPr>
         <p:txBody>
           <a:bodyPr wrap="square">
@@ -21111,23 +21346,36 @@
           <a:lstStyle/>
           <a:p>
             <a:r>
-              <a:rPr lang="en-US" dirty="0" smtClean="0"/>
+              <a:rPr lang="en-US" dirty="0" smtClean="0">
+                <a:solidFill>
+                  <a:srgbClr val="222222"/>
+                </a:solidFill>
+                <a:latin typeface="arial" panose="020B0604020202020204" pitchFamily="34" charset="0"/>
+              </a:rPr>
               <a:t>TODO</a:t>
             </a:r>
-            <a:endParaRPr lang="en-IN" dirty="0"/>
+            <a:endParaRPr lang="en-US" dirty="0"/>
           </a:p>
         </p:txBody>
       </p:sp>
     </p:spTree>
     <p:extLst>
       <p:ext uri="{BB962C8B-B14F-4D97-AF65-F5344CB8AC3E}">
-        <p14:creationId xmlns:p14="http://schemas.microsoft.com/office/powerpoint/2010/main" val="3587670722"/>
+        <p14:creationId xmlns:p14="http://schemas.microsoft.com/office/powerpoint/2010/main" val="4110389760"/>
       </p:ext>
     </p:extLst>
   </p:cSld>
   <p:clrMapOvr>
     <a:masterClrMapping/>
   </p:clrMapOvr>
+  <mc:AlternateContent xmlns:mc="http://schemas.openxmlformats.org/markup-compatibility/2006" xmlns:p14="http://schemas.microsoft.com/office/powerpoint/2010/main">
+    <mc:Choice Requires="p14">
+      <p:transition spd="slow" p14:dur="2000"/>
+    </mc:Choice>
+    <mc:Fallback xmlns="">
+      <p:transition spd="slow"/>
+    </mc:Fallback>
+  </mc:AlternateContent>
   <p:timing>
     <p:tnLst>
       <p:par>
@@ -21194,28 +21442,15 @@
                 <a:latin typeface="Arial" pitchFamily="34" charset="0"/>
                 <a:cs typeface="Arial" pitchFamily="34" charset="0"/>
               </a:rPr>
-              <a:t>MongoDB</a:t>
-            </a:r>
-            <a:r>
-              <a:rPr lang="en-US" sz="3200" b="1" i="1" dirty="0" smtClean="0">
-                <a:solidFill>
-                  <a:srgbClr val="FFFF00"/>
-                </a:solidFill>
-                <a:latin typeface="Arial" pitchFamily="34" charset="0"/>
-                <a:cs typeface="Arial" pitchFamily="34" charset="0"/>
-              </a:rPr>
-              <a:t> </a:t>
-            </a:r>
-            <a:r>
-              <a:rPr lang="en-IN" sz="3200" b="1" i="1" dirty="0">
-                <a:solidFill>
-                  <a:srgbClr val="FFFF00"/>
-                </a:solidFill>
-                <a:latin typeface="Arial" pitchFamily="34" charset="0"/>
-                <a:cs typeface="Arial" pitchFamily="34" charset="0"/>
-              </a:rPr>
-              <a:t> </a:t>
-            </a:r>
+              <a:t>db.collection.deleteMany()</a:t>
+            </a:r>
+            <a:endParaRPr lang="en-IN" sz="3200" b="1" i="1" dirty="0">
+              <a:solidFill>
+                <a:srgbClr val="FFFF00"/>
+              </a:solidFill>
+              <a:latin typeface="Arial" pitchFamily="34" charset="0"/>
+              <a:cs typeface="Arial" pitchFamily="34" charset="0"/>
+            </a:endParaRPr>
           </a:p>
         </p:txBody>
       </p:sp>
@@ -21241,17 +21476,147 @@
           <a:lstStyle/>
           <a:p>
             <a:r>
-              <a:rPr lang="en-US" dirty="0" smtClean="0"/>
-              <a:t>TODO</a:t>
+              <a:rPr lang="en-US" dirty="0"/>
+              <a:t>Removes all documents that match the filter from a collection.</a:t>
             </a:r>
             <a:endParaRPr lang="en-IN" dirty="0"/>
+          </a:p>
+        </p:txBody>
+      </p:sp>
+      <p:sp>
+        <p:nvSpPr>
+          <p:cNvPr id="8" name="Rectangle 7"/>
+          <p:cNvSpPr/>
+          <p:nvPr/>
+        </p:nvSpPr>
+        <p:spPr>
+          <a:xfrm>
+            <a:off x="154136" y="1611868"/>
+            <a:ext cx="8761264" cy="369332"/>
+          </a:xfrm>
+          <a:prstGeom prst="rect">
+            <a:avLst/>
+          </a:prstGeom>
+        </p:spPr>
+        <p:txBody>
+          <a:bodyPr wrap="square">
+            <a:spAutoFit/>
+          </a:bodyPr>
+          <a:lstStyle/>
+          <a:p>
+            <a:r>
+              <a:rPr lang="en-US" dirty="0" smtClean="0">
+                <a:solidFill>
+                  <a:srgbClr val="049DC8"/>
+                </a:solidFill>
+                <a:latin typeface="Consolas" panose="020B0609020204030204" pitchFamily="49" charset="0"/>
+                <a:cs typeface="Calibri" panose="020F0502020204030204" pitchFamily="34" charset="0"/>
+              </a:rPr>
+              <a:t>db.collection.deleteMany({&lt;filter&gt;})</a:t>
+            </a:r>
+            <a:endParaRPr lang="en-US" dirty="0">
+              <a:solidFill>
+                <a:srgbClr val="049DC8"/>
+              </a:solidFill>
+              <a:latin typeface="Consolas" panose="020B0609020204030204" pitchFamily="49" charset="0"/>
+              <a:cs typeface="Calibri" panose="020F0502020204030204" pitchFamily="34" charset="0"/>
+            </a:endParaRPr>
+          </a:p>
+        </p:txBody>
+      </p:sp>
+      <p:sp>
+        <p:nvSpPr>
+          <p:cNvPr id="5" name="Rectangle 4"/>
+          <p:cNvSpPr/>
+          <p:nvPr/>
+        </p:nvSpPr>
+        <p:spPr>
+          <a:xfrm>
+            <a:off x="149188" y="2286000"/>
+            <a:ext cx="8766212" cy="892552"/>
+          </a:xfrm>
+          <a:prstGeom prst="rect">
+            <a:avLst/>
+          </a:prstGeom>
+        </p:spPr>
+        <p:txBody>
+          <a:bodyPr wrap="square">
+            <a:spAutoFit/>
+          </a:bodyPr>
+          <a:lstStyle/>
+          <a:p>
+            <a:r>
+              <a:rPr lang="en-US" sz="2200" dirty="0">
+                <a:solidFill>
+                  <a:srgbClr val="FC6F0D"/>
+                </a:solidFill>
+                <a:latin typeface="Calibri" panose="020F0502020204030204" pitchFamily="34" charset="0"/>
+                <a:cs typeface="Calibri" panose="020F0502020204030204" pitchFamily="34" charset="0"/>
+              </a:rPr>
+              <a:t>db.e.deleteMany({});</a:t>
+            </a:r>
+            <a:endParaRPr lang="en-US" sz="2200" dirty="0" smtClean="0">
+              <a:solidFill>
+                <a:srgbClr val="FC6F0D"/>
+              </a:solidFill>
+              <a:latin typeface="Calibri" panose="020F0502020204030204" pitchFamily="34" charset="0"/>
+              <a:cs typeface="Calibri" panose="020F0502020204030204" pitchFamily="34" charset="0"/>
+            </a:endParaRPr>
+          </a:p>
+          <a:p>
+            <a:endParaRPr lang="en-US" sz="800" dirty="0" smtClean="0">
+              <a:solidFill>
+                <a:srgbClr val="FC6F0D"/>
+              </a:solidFill>
+              <a:latin typeface="Calibri" panose="020F0502020204030204" pitchFamily="34" charset="0"/>
+              <a:cs typeface="Calibri" panose="020F0502020204030204" pitchFamily="34" charset="0"/>
+            </a:endParaRPr>
+          </a:p>
+          <a:p>
+            <a:r>
+              <a:rPr lang="en-US" sz="2200" dirty="0" smtClean="0">
+                <a:solidFill>
+                  <a:srgbClr val="FC6F0D"/>
+                </a:solidFill>
+                <a:latin typeface="Calibri" panose="020F0502020204030204" pitchFamily="34" charset="0"/>
+                <a:cs typeface="Calibri" panose="020F0502020204030204" pitchFamily="34" charset="0"/>
+              </a:rPr>
+              <a:t>db.e.deleteMany({</a:t>
+            </a:r>
+            <a:r>
+              <a:rPr lang="en-US" sz="2200" dirty="0">
+                <a:solidFill>
+                  <a:srgbClr val="FC6F0D"/>
+                </a:solidFill>
+                <a:latin typeface="Calibri" panose="020F0502020204030204" pitchFamily="34" charset="0"/>
+                <a:cs typeface="Calibri" panose="020F0502020204030204" pitchFamily="34" charset="0"/>
+              </a:rPr>
+              <a:t>job:'manager</a:t>
+            </a:r>
+            <a:r>
+              <a:rPr lang="en-US" sz="2200" dirty="0" smtClean="0">
+                <a:solidFill>
+                  <a:srgbClr val="FC6F0D"/>
+                </a:solidFill>
+                <a:latin typeface="Calibri" panose="020F0502020204030204" pitchFamily="34" charset="0"/>
+                <a:cs typeface="Calibri" panose="020F0502020204030204" pitchFamily="34" charset="0"/>
+              </a:rPr>
+              <a:t>'})</a:t>
+            </a:r>
+            <a:endParaRPr lang="en-US" sz="2200" dirty="0">
+              <a:solidFill>
+                <a:srgbClr val="FC6F0D"/>
+              </a:solidFill>
+              <a:latin typeface="Calibri" panose="020F0502020204030204" pitchFamily="34" charset="0"/>
+              <a:cs typeface="Calibri" panose="020F0502020204030204" pitchFamily="34" charset="0"/>
+            </a:endParaRPr>
           </a:p>
         </p:txBody>
       </p:sp>
     </p:spTree>
     <p:extLst>
       <p:ext uri="{BB962C8B-B14F-4D97-AF65-F5344CB8AC3E}">
-        <p14:creationId xmlns:p14="http://schemas.microsoft.com/office/powerpoint/2010/main" val="250252946"/>
+        <p14:creationId xmlns:p14="http://schemas.microsoft.com/office/powerpoint/2010/main" val="3771916804"/>
       </p:ext>
     </p:extLst>
   </p:cSld>
@@ -21324,17 +21689,7 @@
                 <a:latin typeface="Arial" pitchFamily="34" charset="0"/>
                 <a:cs typeface="Arial" pitchFamily="34" charset="0"/>
               </a:rPr>
-              <a:t>MongoDB</a:t>
-            </a:r>
-            <a:r>
-              <a:rPr lang="en-US" sz="3200" b="1" i="1" dirty="0" smtClean="0">
-                <a:solidFill>
-                  <a:srgbClr val="FFFF00"/>
-                </a:solidFill>
-                <a:latin typeface="Arial" pitchFamily="34" charset="0"/>
-                <a:cs typeface="Arial" pitchFamily="34" charset="0"/>
-              </a:rPr>
-              <a:t> </a:t>
+              <a:t>document</a:t>
             </a:r>
             <a:r>
               <a:rPr lang="en-IN" sz="3200" b="1" i="1" dirty="0">
@@ -21381,7 +21736,7 @@
     </p:spTree>
     <p:extLst>
       <p:ext uri="{BB962C8B-B14F-4D97-AF65-F5344CB8AC3E}">
-        <p14:creationId xmlns:p14="http://schemas.microsoft.com/office/powerpoint/2010/main" val="895975297"/>
+        <p14:creationId xmlns:p14="http://schemas.microsoft.com/office/powerpoint/2010/main" val="3587670722"/>
       </p:ext>
     </p:extLst>
   </p:cSld>
@@ -21511,7 +21866,7 @@
     </p:spTree>
     <p:extLst>
       <p:ext uri="{BB962C8B-B14F-4D97-AF65-F5344CB8AC3E}">
-        <p14:creationId xmlns:p14="http://schemas.microsoft.com/office/powerpoint/2010/main" val="1785036271"/>
+        <p14:creationId xmlns:p14="http://schemas.microsoft.com/office/powerpoint/2010/main" val="250252946"/>
       </p:ext>
     </p:extLst>
   </p:cSld>
@@ -21641,7 +21996,7 @@
     </p:spTree>
     <p:extLst>
       <p:ext uri="{BB962C8B-B14F-4D97-AF65-F5344CB8AC3E}">
-        <p14:creationId xmlns:p14="http://schemas.microsoft.com/office/powerpoint/2010/main" val="2324753550"/>
+        <p14:creationId xmlns:p14="http://schemas.microsoft.com/office/powerpoint/2010/main" val="895975297"/>
       </p:ext>
     </p:extLst>
   </p:cSld>
@@ -21903,7 +22258,7 @@
     </p:spTree>
     <p:extLst>
       <p:ext uri="{BB962C8B-B14F-4D97-AF65-F5344CB8AC3E}">
-        <p14:creationId xmlns:p14="http://schemas.microsoft.com/office/powerpoint/2010/main" val="159175200"/>
+        <p14:creationId xmlns:p14="http://schemas.microsoft.com/office/powerpoint/2010/main" val="1785036271"/>
       </p:ext>
     </p:extLst>
   </p:cSld>
@@ -22033,7 +22388,7 @@
     </p:spTree>
     <p:extLst>
       <p:ext uri="{BB962C8B-B14F-4D97-AF65-F5344CB8AC3E}">
-        <p14:creationId xmlns:p14="http://schemas.microsoft.com/office/powerpoint/2010/main" val="4200858574"/>
+        <p14:creationId xmlns:p14="http://schemas.microsoft.com/office/powerpoint/2010/main" val="2324753550"/>
       </p:ext>
     </p:extLst>
   </p:cSld>
@@ -22163,7 +22518,7 @@
     </p:spTree>
     <p:extLst>
       <p:ext uri="{BB962C8B-B14F-4D97-AF65-F5344CB8AC3E}">
-        <p14:creationId xmlns:p14="http://schemas.microsoft.com/office/powerpoint/2010/main" val="2535387021"/>
+        <p14:creationId xmlns:p14="http://schemas.microsoft.com/office/powerpoint/2010/main" val="159175200"/>
       </p:ext>
     </p:extLst>
   </p:cSld>
@@ -22293,7 +22648,7 @@
     </p:spTree>
     <p:extLst>
       <p:ext uri="{BB962C8B-B14F-4D97-AF65-F5344CB8AC3E}">
-        <p14:creationId xmlns:p14="http://schemas.microsoft.com/office/powerpoint/2010/main" val="3372373110"/>
+        <p14:creationId xmlns:p14="http://schemas.microsoft.com/office/powerpoint/2010/main" val="4200858574"/>
       </p:ext>
     </p:extLst>
   </p:cSld>
@@ -22423,7 +22778,7 @@
     </p:spTree>
     <p:extLst>
       <p:ext uri="{BB962C8B-B14F-4D97-AF65-F5344CB8AC3E}">
-        <p14:creationId xmlns:p14="http://schemas.microsoft.com/office/powerpoint/2010/main" val="1298561359"/>
+        <p14:creationId xmlns:p14="http://schemas.microsoft.com/office/powerpoint/2010/main" val="2535387021"/>
       </p:ext>
     </p:extLst>
   </p:cSld>
@@ -22553,7 +22908,7 @@
     </p:spTree>
     <p:extLst>
       <p:ext uri="{BB962C8B-B14F-4D97-AF65-F5344CB8AC3E}">
-        <p14:creationId xmlns:p14="http://schemas.microsoft.com/office/powerpoint/2010/main" val="2767122750"/>
+        <p14:creationId xmlns:p14="http://schemas.microsoft.com/office/powerpoint/2010/main" val="3372373110"/>
       </p:ext>
     </p:extLst>
   </p:cSld>
@@ -22683,7 +23038,7 @@
     </p:spTree>
     <p:extLst>
       <p:ext uri="{BB962C8B-B14F-4D97-AF65-F5344CB8AC3E}">
-        <p14:creationId xmlns:p14="http://schemas.microsoft.com/office/powerpoint/2010/main" val="3923222660"/>
+        <p14:creationId xmlns:p14="http://schemas.microsoft.com/office/powerpoint/2010/main" val="1298561359"/>
       </p:ext>
     </p:extLst>
   </p:cSld>
@@ -22813,7 +23168,7 @@
     </p:spTree>
     <p:extLst>
       <p:ext uri="{BB962C8B-B14F-4D97-AF65-F5344CB8AC3E}">
-        <p14:creationId xmlns:p14="http://schemas.microsoft.com/office/powerpoint/2010/main" val="166747101"/>
+        <p14:creationId xmlns:p14="http://schemas.microsoft.com/office/powerpoint/2010/main" val="2767122750"/>
       </p:ext>
     </p:extLst>
   </p:cSld>
@@ -22943,7 +23298,7 @@
     </p:spTree>
     <p:extLst>
       <p:ext uri="{BB962C8B-B14F-4D97-AF65-F5344CB8AC3E}">
-        <p14:creationId xmlns:p14="http://schemas.microsoft.com/office/powerpoint/2010/main" val="924942284"/>
+        <p14:creationId xmlns:p14="http://schemas.microsoft.com/office/powerpoint/2010/main" val="3923222660"/>
       </p:ext>
     </p:extLst>
   </p:cSld>
@@ -23073,7 +23428,7 @@
     </p:spTree>
     <p:extLst>
       <p:ext uri="{BB962C8B-B14F-4D97-AF65-F5344CB8AC3E}">
-        <p14:creationId xmlns:p14="http://schemas.microsoft.com/office/powerpoint/2010/main" val="3259065627"/>
+        <p14:creationId xmlns:p14="http://schemas.microsoft.com/office/powerpoint/2010/main" val="166747101"/>
       </p:ext>
     </p:extLst>
   </p:cSld>
@@ -23509,7 +23864,7 @@
     </p:spTree>
     <p:extLst>
       <p:ext uri="{BB962C8B-B14F-4D97-AF65-F5344CB8AC3E}">
-        <p14:creationId xmlns:p14="http://schemas.microsoft.com/office/powerpoint/2010/main" val="3171492564"/>
+        <p14:creationId xmlns:p14="http://schemas.microsoft.com/office/powerpoint/2010/main" val="924942284"/>
       </p:ext>
     </p:extLst>
   </p:cSld>
@@ -23639,7 +23994,7 @@
     </p:spTree>
     <p:extLst>
       <p:ext uri="{BB962C8B-B14F-4D97-AF65-F5344CB8AC3E}">
-        <p14:creationId xmlns:p14="http://schemas.microsoft.com/office/powerpoint/2010/main" val="2780407736"/>
+        <p14:creationId xmlns:p14="http://schemas.microsoft.com/office/powerpoint/2010/main" val="3259065627"/>
       </p:ext>
     </p:extLst>
   </p:cSld>
@@ -23769,7 +24124,7 @@
     </p:spTree>
     <p:extLst>
       <p:ext uri="{BB962C8B-B14F-4D97-AF65-F5344CB8AC3E}">
-        <p14:creationId xmlns:p14="http://schemas.microsoft.com/office/powerpoint/2010/main" val="848474725"/>
+        <p14:creationId xmlns:p14="http://schemas.microsoft.com/office/powerpoint/2010/main" val="3171492564"/>
       </p:ext>
     </p:extLst>
   </p:cSld>
@@ -23899,7 +24254,7 @@
     </p:spTree>
     <p:extLst>
       <p:ext uri="{BB962C8B-B14F-4D97-AF65-F5344CB8AC3E}">
-        <p14:creationId xmlns:p14="http://schemas.microsoft.com/office/powerpoint/2010/main" val="4030158449"/>
+        <p14:creationId xmlns:p14="http://schemas.microsoft.com/office/powerpoint/2010/main" val="2780407736"/>
       </p:ext>
     </p:extLst>
   </p:cSld>
@@ -24029,7 +24384,7 @@
     </p:spTree>
     <p:extLst>
       <p:ext uri="{BB962C8B-B14F-4D97-AF65-F5344CB8AC3E}">
-        <p14:creationId xmlns:p14="http://schemas.microsoft.com/office/powerpoint/2010/main" val="1708605334"/>
+        <p14:creationId xmlns:p14="http://schemas.microsoft.com/office/powerpoint/2010/main" val="848474725"/>
       </p:ext>
     </p:extLst>
   </p:cSld>
@@ -24159,7 +24514,7 @@
     </p:spTree>
     <p:extLst>
       <p:ext uri="{BB962C8B-B14F-4D97-AF65-F5344CB8AC3E}">
-        <p14:creationId xmlns:p14="http://schemas.microsoft.com/office/powerpoint/2010/main" val="1478242473"/>
+        <p14:creationId xmlns:p14="http://schemas.microsoft.com/office/powerpoint/2010/main" val="4030158449"/>
       </p:ext>
     </p:extLst>
   </p:cSld>
@@ -24289,7 +24644,7 @@
     </p:spTree>
     <p:extLst>
       <p:ext uri="{BB962C8B-B14F-4D97-AF65-F5344CB8AC3E}">
-        <p14:creationId xmlns:p14="http://schemas.microsoft.com/office/powerpoint/2010/main" val="2136286712"/>
+        <p14:creationId xmlns:p14="http://schemas.microsoft.com/office/powerpoint/2010/main" val="1708605334"/>
       </p:ext>
     </p:extLst>
   </p:cSld>
@@ -24419,7 +24774,7 @@
     </p:spTree>
     <p:extLst>
       <p:ext uri="{BB962C8B-B14F-4D97-AF65-F5344CB8AC3E}">
-        <p14:creationId xmlns:p14="http://schemas.microsoft.com/office/powerpoint/2010/main" val="160110094"/>
+        <p14:creationId xmlns:p14="http://schemas.microsoft.com/office/powerpoint/2010/main" val="1478242473"/>
       </p:ext>
     </p:extLst>
   </p:cSld>
@@ -24549,7 +24904,7 @@
     </p:spTree>
     <p:extLst>
       <p:ext uri="{BB962C8B-B14F-4D97-AF65-F5344CB8AC3E}">
-        <p14:creationId xmlns:p14="http://schemas.microsoft.com/office/powerpoint/2010/main" val="1060267809"/>
+        <p14:creationId xmlns:p14="http://schemas.microsoft.com/office/powerpoint/2010/main" val="2136286712"/>
       </p:ext>
     </p:extLst>
   </p:cSld>
@@ -24679,7 +25034,7 @@
     </p:spTree>
     <p:extLst>
       <p:ext uri="{BB962C8B-B14F-4D97-AF65-F5344CB8AC3E}">
-        <p14:creationId xmlns:p14="http://schemas.microsoft.com/office/powerpoint/2010/main" val="1137647517"/>
+        <p14:creationId xmlns:p14="http://schemas.microsoft.com/office/powerpoint/2010/main" val="160110094"/>
       </p:ext>
     </p:extLst>
   </p:cSld>
@@ -25016,7 +25371,7 @@
     </p:spTree>
     <p:extLst>
       <p:ext uri="{BB962C8B-B14F-4D97-AF65-F5344CB8AC3E}">
-        <p14:creationId xmlns:p14="http://schemas.microsoft.com/office/powerpoint/2010/main" val="3052086859"/>
+        <p14:creationId xmlns:p14="http://schemas.microsoft.com/office/powerpoint/2010/main" val="1060267809"/>
       </p:ext>
     </p:extLst>
   </p:cSld>
@@ -25146,7 +25501,7 @@
     </p:spTree>
     <p:extLst>
       <p:ext uri="{BB962C8B-B14F-4D97-AF65-F5344CB8AC3E}">
-        <p14:creationId xmlns:p14="http://schemas.microsoft.com/office/powerpoint/2010/main" val="1097272351"/>
+        <p14:creationId xmlns:p14="http://schemas.microsoft.com/office/powerpoint/2010/main" val="1137647517"/>
       </p:ext>
     </p:extLst>
   </p:cSld>
@@ -25276,7 +25631,7 @@
     </p:spTree>
     <p:extLst>
       <p:ext uri="{BB962C8B-B14F-4D97-AF65-F5344CB8AC3E}">
-        <p14:creationId xmlns:p14="http://schemas.microsoft.com/office/powerpoint/2010/main" val="1587220367"/>
+        <p14:creationId xmlns:p14="http://schemas.microsoft.com/office/powerpoint/2010/main" val="3052086859"/>
       </p:ext>
     </p:extLst>
   </p:cSld>
@@ -25406,7 +25761,7 @@
     </p:spTree>
     <p:extLst>
       <p:ext uri="{BB962C8B-B14F-4D97-AF65-F5344CB8AC3E}">
-        <p14:creationId xmlns:p14="http://schemas.microsoft.com/office/powerpoint/2010/main" val="1863467568"/>
+        <p14:creationId xmlns:p14="http://schemas.microsoft.com/office/powerpoint/2010/main" val="1097272351"/>
       </p:ext>
     </p:extLst>
   </p:cSld>
@@ -25536,7 +25891,7 @@
     </p:spTree>
     <p:extLst>
       <p:ext uri="{BB962C8B-B14F-4D97-AF65-F5344CB8AC3E}">
-        <p14:creationId xmlns:p14="http://schemas.microsoft.com/office/powerpoint/2010/main" val="1971192509"/>
+        <p14:creationId xmlns:p14="http://schemas.microsoft.com/office/powerpoint/2010/main" val="1587220367"/>
       </p:ext>
     </p:extLst>
   </p:cSld>
@@ -25572,7 +25927,7 @@
       </p:grpSpPr>
       <p:sp>
         <p:nvSpPr>
-          <p:cNvPr id="4" name="Rectangle 3"/>
+          <p:cNvPr id="6" name="Rectangle 5"/>
           <p:cNvSpPr/>
           <p:nvPr/>
         </p:nvSpPr>
@@ -25585,8 +25940,8 @@
             <a:avLst/>
           </a:prstGeom>
           <a:solidFill>
-            <a:schemeClr val="bg2">
-              <a:lumMod val="10000"/>
+            <a:schemeClr val="accent4">
+              <a:lumMod val="75000"/>
             </a:schemeClr>
           </a:solidFill>
         </p:spPr>
@@ -25596,7 +25951,11 @@
           </a:bodyPr>
           <a:lstStyle/>
           <a:p>
-            <a:pPr algn="r"/>
+            <a:pPr algn="r">
+              <a:spcBef>
+                <a:spcPct val="0"/>
+              </a:spcBef>
+            </a:pPr>
             <a:r>
               <a:rPr lang="en-IN" sz="3200" b="1" i="1" dirty="0" smtClean="0">
                 <a:solidFill>
@@ -25605,27 +25964,40 @@
                 <a:latin typeface="Arial" pitchFamily="34" charset="0"/>
                 <a:cs typeface="Arial" pitchFamily="34" charset="0"/>
               </a:rPr>
-              <a:t>IMP</a:t>
-            </a:r>
-            <a:endParaRPr lang="en-IN" sz="3200" b="1" i="1" dirty="0">
-              <a:solidFill>
-                <a:srgbClr val="FFFF00"/>
-              </a:solidFill>
-              <a:latin typeface="Arial" pitchFamily="34" charset="0"/>
-              <a:cs typeface="Arial" pitchFamily="34" charset="0"/>
-            </a:endParaRPr>
-          </a:p>
-        </p:txBody>
-      </p:sp>
-      <p:sp>
-        <p:nvSpPr>
-          <p:cNvPr id="2" name="Rectangle 1"/>
+              <a:t>MongoDB</a:t>
+            </a:r>
+            <a:r>
+              <a:rPr lang="en-US" sz="3200" b="1" i="1" dirty="0" smtClean="0">
+                <a:solidFill>
+                  <a:srgbClr val="FFFF00"/>
+                </a:solidFill>
+                <a:latin typeface="Arial" pitchFamily="34" charset="0"/>
+                <a:cs typeface="Arial" pitchFamily="34" charset="0"/>
+              </a:rPr>
+              <a:t> </a:t>
+            </a:r>
+            <a:r>
+              <a:rPr lang="en-IN" sz="3200" b="1" i="1" dirty="0">
+                <a:solidFill>
+                  <a:srgbClr val="FFFF00"/>
+                </a:solidFill>
+                <a:latin typeface="Arial" pitchFamily="34" charset="0"/>
+                <a:cs typeface="Arial" pitchFamily="34" charset="0"/>
+              </a:rPr>
+              <a:t> </a:t>
+            </a:r>
+          </a:p>
+        </p:txBody>
+      </p:sp>
+      <p:sp>
+        <p:nvSpPr>
+          <p:cNvPr id="7" name="Rectangle 6"/>
           <p:cNvSpPr/>
           <p:nvPr/>
         </p:nvSpPr>
         <p:spPr>
           <a:xfrm>
-            <a:off x="145976" y="849264"/>
+            <a:off x="149188" y="762000"/>
             <a:ext cx="8845624" cy="369332"/>
           </a:xfrm>
           <a:prstGeom prst="rect">
@@ -25639,153 +26011,17 @@
           <a:lstStyle/>
           <a:p>
             <a:r>
-              <a:rPr lang="en-IN" dirty="0" smtClean="0">
-                <a:solidFill>
-                  <a:srgbClr val="222222"/>
-                </a:solidFill>
-                <a:latin typeface="Verdana" panose="020B0604030504040204" pitchFamily="34" charset="0"/>
-              </a:rPr>
-              <a:t>1. Think </a:t>
-            </a:r>
-            <a:r>
-              <a:rPr lang="en-IN" dirty="0">
-                <a:solidFill>
-                  <a:srgbClr val="222222"/>
-                </a:solidFill>
-                <a:latin typeface="Verdana" panose="020B0604030504040204" pitchFamily="34" charset="0"/>
-              </a:rPr>
-              <a:t>about how multiplication can be done without actually </a:t>
-            </a:r>
-            <a:r>
-              <a:rPr lang="en-IN" dirty="0" smtClean="0">
-                <a:solidFill>
-                  <a:srgbClr val="222222"/>
-                </a:solidFill>
-                <a:latin typeface="Verdana" panose="020B0604030504040204" pitchFamily="34" charset="0"/>
-              </a:rPr>
-              <a:t>multiplying </a:t>
+              <a:rPr lang="en-US" dirty="0" smtClean="0"/>
+              <a:t>TODO</a:t>
             </a:r>
             <a:endParaRPr lang="en-IN" dirty="0"/>
           </a:p>
         </p:txBody>
       </p:sp>
-      <p:sp>
-        <p:nvSpPr>
-          <p:cNvPr id="3" name="TextBox 2"/>
-          <p:cNvSpPr txBox="1"/>
-          <p:nvPr/>
-        </p:nvSpPr>
-        <p:spPr>
-          <a:xfrm>
-            <a:off x="990600" y="2514600"/>
-            <a:ext cx="184731" cy="369332"/>
-          </a:xfrm>
-          <a:prstGeom prst="rect">
-            <a:avLst/>
-          </a:prstGeom>
-          <a:noFill/>
-        </p:spPr>
-        <p:txBody>
-          <a:bodyPr wrap="none" rtlCol="0">
-            <a:spAutoFit/>
-          </a:bodyPr>
-          <a:lstStyle/>
-          <a:p>
-            <a:endParaRPr lang="en-IN" dirty="0"/>
-          </a:p>
-        </p:txBody>
-      </p:sp>
-      <p:pic>
-        <p:nvPicPr>
-          <p:cNvPr id="5" name="Picture 4"/>
-          <p:cNvPicPr>
-            <a:picLocks noChangeAspect="1"/>
-          </p:cNvPicPr>
-          <p:nvPr/>
-        </p:nvPicPr>
-        <p:blipFill>
-          <a:blip r:embed="rId2"/>
-          <a:stretch>
-            <a:fillRect/>
-          </a:stretch>
-        </p:blipFill>
-        <p:spPr>
-          <a:xfrm>
-            <a:off x="304800" y="3700361"/>
-            <a:ext cx="4648200" cy="2471839"/>
-          </a:xfrm>
-          <a:prstGeom prst="rect">
-            <a:avLst/>
-          </a:prstGeom>
-        </p:spPr>
-      </p:pic>
-      <p:sp>
-        <p:nvSpPr>
-          <p:cNvPr id="6" name="Rectangle 5"/>
-          <p:cNvSpPr/>
-          <p:nvPr/>
-        </p:nvSpPr>
-        <p:spPr>
-          <a:xfrm>
-            <a:off x="145976" y="3243552"/>
-            <a:ext cx="1317990" cy="369332"/>
-          </a:xfrm>
-          <a:prstGeom prst="rect">
-            <a:avLst/>
-          </a:prstGeom>
-        </p:spPr>
-        <p:txBody>
-          <a:bodyPr wrap="none">
-            <a:spAutoFit/>
-          </a:bodyPr>
-          <a:lstStyle/>
-          <a:p>
-            <a:r>
-              <a:rPr lang="en-IN" dirty="0" smtClean="0">
-                <a:solidFill>
-                  <a:srgbClr val="222222"/>
-                </a:solidFill>
-                <a:latin typeface="Verdana" panose="020B0604030504040204" pitchFamily="34" charset="0"/>
-              </a:rPr>
-              <a:t>2. Square</a:t>
-            </a:r>
-            <a:endParaRPr lang="en-IN" dirty="0">
-              <a:solidFill>
-                <a:srgbClr val="222222"/>
-              </a:solidFill>
-              <a:latin typeface="Verdana" panose="020B0604030504040204" pitchFamily="34" charset="0"/>
-            </a:endParaRPr>
-          </a:p>
-        </p:txBody>
-      </p:sp>
-      <p:pic>
-        <p:nvPicPr>
-          <p:cNvPr id="8" name="Picture 7"/>
-          <p:cNvPicPr>
-            <a:picLocks noChangeAspect="1"/>
-          </p:cNvPicPr>
-          <p:nvPr/>
-        </p:nvPicPr>
-        <p:blipFill>
-          <a:blip r:embed="rId3"/>
-          <a:stretch>
-            <a:fillRect/>
-          </a:stretch>
-        </p:blipFill>
-        <p:spPr>
-          <a:xfrm>
-            <a:off x="533400" y="1250647"/>
-            <a:ext cx="4495800" cy="1883657"/>
-          </a:xfrm>
-          <a:prstGeom prst="rect">
-            <a:avLst/>
-          </a:prstGeom>
-        </p:spPr>
-      </p:pic>
     </p:spTree>
     <p:extLst>
       <p:ext uri="{BB962C8B-B14F-4D97-AF65-F5344CB8AC3E}">
-        <p14:creationId xmlns:p14="http://schemas.microsoft.com/office/powerpoint/2010/main" val="3391323119"/>
+        <p14:creationId xmlns:p14="http://schemas.microsoft.com/office/powerpoint/2010/main" val="1863467568"/>
       </p:ext>
     </p:extLst>
   </p:cSld>
@@ -25819,61 +26055,25 @@
           <a:chExt cx="0" cy="0"/>
         </a:xfrm>
       </p:grpSpPr>
-      <p:pic>
-        <p:nvPicPr>
-          <p:cNvPr id="1026" name="Picture 2" descr="http://www.bvctch.vn/vnt_upload/weblink/thks.jpg"/>
-          <p:cNvPicPr>
-            <a:picLocks noChangeAspect="1" noChangeArrowheads="1"/>
-          </p:cNvPicPr>
-          <p:nvPr/>
-        </p:nvPicPr>
-        <p:blipFill>
-          <a:blip r:embed="rId2">
-            <a:extLst>
-              <a:ext uri="{28A0092B-C50C-407E-A947-70E740481C1C}">
-                <a14:useLocalDpi xmlns:a14="http://schemas.microsoft.com/office/drawing/2010/main" val="0"/>
-              </a:ext>
-            </a:extLst>
-          </a:blip>
-          <a:srcRect/>
-          <a:stretch>
-            <a:fillRect/>
-          </a:stretch>
-        </p:blipFill>
-        <p:spPr bwMode="auto">
-          <a:xfrm>
-            <a:off x="2895600" y="757237"/>
-            <a:ext cx="3124200" cy="4881563"/>
-          </a:xfrm>
-          <a:prstGeom prst="rect">
-            <a:avLst/>
-          </a:prstGeom>
-          <a:noFill/>
-          <a:extLst>
-            <a:ext uri="{909E8E84-426E-40DD-AFC4-6F175D3DCCD1}">
-              <a14:hiddenFill xmlns:a14="http://schemas.microsoft.com/office/drawing/2010/main">
-                <a:solidFill>
-                  <a:srgbClr val="FFFFFF"/>
-                </a:solidFill>
-              </a14:hiddenFill>
-            </a:ext>
-          </a:extLst>
-        </p:spPr>
-      </p:pic>
-      <p:sp>
-        <p:nvSpPr>
-          <p:cNvPr id="3" name="Rectangle 2"/>
+      <p:sp>
+        <p:nvSpPr>
+          <p:cNvPr id="6" name="Rectangle 5"/>
           <p:cNvSpPr/>
           <p:nvPr/>
         </p:nvSpPr>
         <p:spPr>
           <a:xfrm>
-            <a:off x="304800" y="5105400"/>
-            <a:ext cx="8610600" cy="1077218"/>
-          </a:xfrm>
-          <a:prstGeom prst="rect">
-            <a:avLst/>
-          </a:prstGeom>
+            <a:off x="0" y="0"/>
+            <a:ext cx="9144000" cy="584775"/>
+          </a:xfrm>
+          <a:prstGeom prst="rect">
+            <a:avLst/>
+          </a:prstGeom>
+          <a:solidFill>
+            <a:schemeClr val="accent4">
+              <a:lumMod val="75000"/>
+            </a:schemeClr>
+          </a:solidFill>
         </p:spPr>
         <p:txBody>
           <a:bodyPr wrap="square">
@@ -25881,35 +26081,77 @@
           </a:bodyPr>
           <a:lstStyle/>
           <a:p>
-            <a:pPr algn="ctr"/>
-            <a:r>
-              <a:rPr lang="en-IN" sz="3200" dirty="0">
-                <a:solidFill>
-                  <a:srgbClr val="FE1212"/>
-                </a:solidFill>
-                <a:latin typeface="Segoe Print" panose="02000600000000000000" pitchFamily="2" charset="0"/>
-              </a:rPr>
-              <a:t>"Live as if you were to die tomorrow.</a:t>
-            </a:r>
-          </a:p>
-          <a:p>
-            <a:pPr algn="ctr"/>
-            <a:r>
-              <a:rPr lang="en-IN" sz="3200" dirty="0">
-                <a:solidFill>
-                  <a:srgbClr val="FE1212"/>
-                </a:solidFill>
-                <a:latin typeface="Segoe Print" panose="02000600000000000000" pitchFamily="2" charset="0"/>
-              </a:rPr>
-              <a:t>Learn as if you were to live forever"</a:t>
-            </a:r>
+            <a:pPr algn="r">
+              <a:spcBef>
+                <a:spcPct val="0"/>
+              </a:spcBef>
+            </a:pPr>
+            <a:r>
+              <a:rPr lang="en-IN" sz="3200" b="1" i="1" dirty="0" smtClean="0">
+                <a:solidFill>
+                  <a:srgbClr val="FFFF00"/>
+                </a:solidFill>
+                <a:latin typeface="Arial" pitchFamily="34" charset="0"/>
+                <a:cs typeface="Arial" pitchFamily="34" charset="0"/>
+              </a:rPr>
+              <a:t>MongoDB</a:t>
+            </a:r>
+            <a:r>
+              <a:rPr lang="en-US" sz="3200" b="1" i="1" dirty="0" smtClean="0">
+                <a:solidFill>
+                  <a:srgbClr val="FFFF00"/>
+                </a:solidFill>
+                <a:latin typeface="Arial" pitchFamily="34" charset="0"/>
+                <a:cs typeface="Arial" pitchFamily="34" charset="0"/>
+              </a:rPr>
+              <a:t> </a:t>
+            </a:r>
+            <a:r>
+              <a:rPr lang="en-IN" sz="3200" b="1" i="1" dirty="0">
+                <a:solidFill>
+                  <a:srgbClr val="FFFF00"/>
+                </a:solidFill>
+                <a:latin typeface="Arial" pitchFamily="34" charset="0"/>
+                <a:cs typeface="Arial" pitchFamily="34" charset="0"/>
+              </a:rPr>
+              <a:t> </a:t>
+            </a:r>
+          </a:p>
+        </p:txBody>
+      </p:sp>
+      <p:sp>
+        <p:nvSpPr>
+          <p:cNvPr id="7" name="Rectangle 6"/>
+          <p:cNvSpPr/>
+          <p:nvPr/>
+        </p:nvSpPr>
+        <p:spPr>
+          <a:xfrm>
+            <a:off x="149188" y="762000"/>
+            <a:ext cx="8845624" cy="369332"/>
+          </a:xfrm>
+          <a:prstGeom prst="rect">
+            <a:avLst/>
+          </a:prstGeom>
+        </p:spPr>
+        <p:txBody>
+          <a:bodyPr wrap="square">
+            <a:spAutoFit/>
+          </a:bodyPr>
+          <a:lstStyle/>
+          <a:p>
+            <a:r>
+              <a:rPr lang="en-US" dirty="0" smtClean="0"/>
+              <a:t>TODO</a:t>
+            </a:r>
+            <a:endParaRPr lang="en-IN" dirty="0"/>
           </a:p>
         </p:txBody>
       </p:sp>
     </p:spTree>
     <p:extLst>
       <p:ext uri="{BB962C8B-B14F-4D97-AF65-F5344CB8AC3E}">
-        <p14:creationId xmlns:p14="http://schemas.microsoft.com/office/powerpoint/2010/main" val="1148130326"/>
+        <p14:creationId xmlns:p14="http://schemas.microsoft.com/office/powerpoint/2010/main" val="1971192509"/>
       </p:ext>
     </p:extLst>
   </p:cSld>
@@ -25945,18 +26187,23 @@
       </p:grpSpPr>
       <p:sp>
         <p:nvSpPr>
-          <p:cNvPr id="3" name="Rectangle 2"/>
+          <p:cNvPr id="4" name="Rectangle 3"/>
           <p:cNvSpPr/>
           <p:nvPr/>
         </p:nvSpPr>
         <p:spPr>
           <a:xfrm>
-            <a:off x="304800" y="1981200"/>
-            <a:ext cx="8305800" cy="1754326"/>
-          </a:xfrm>
-          <a:prstGeom prst="rect">
-            <a:avLst/>
-          </a:prstGeom>
+            <a:off x="0" y="0"/>
+            <a:ext cx="9144000" cy="584775"/>
+          </a:xfrm>
+          <a:prstGeom prst="rect">
+            <a:avLst/>
+          </a:prstGeom>
+          <a:solidFill>
+            <a:schemeClr val="bg2">
+              <a:lumMod val="10000"/>
+            </a:schemeClr>
+          </a:solidFill>
         </p:spPr>
         <p:txBody>
           <a:bodyPr wrap="square">
@@ -25964,66 +26211,209 @@
           </a:bodyPr>
           <a:lstStyle/>
           <a:p>
-            <a:r>
-              <a:rPr lang="en-US" dirty="0"/>
-              <a:t>The ALTER TABLE...DROP UNUSED COLUMNS statement is the only action allowed on unused columns. It physically removes unused columns from the table and reclaims disk space</a:t>
-            </a:r>
-            <a:r>
-              <a:rPr lang="en-US" dirty="0" smtClean="0"/>
-              <a:t>.</a:t>
-            </a:r>
-          </a:p>
-          <a:p>
-            <a:endParaRPr lang="en-US" dirty="0" smtClean="0"/>
-          </a:p>
-          <a:p>
-            <a:r>
-              <a:rPr lang="en-US" dirty="0" smtClean="0">
-                <a:solidFill>
-                  <a:srgbClr val="FF0000"/>
-                </a:solidFill>
-              </a:rPr>
-              <a:t>alter </a:t>
-            </a:r>
-            <a:r>
-              <a:rPr lang="en-US" dirty="0">
-                <a:solidFill>
-                  <a:srgbClr val="FF0000"/>
-                </a:solidFill>
-              </a:rPr>
-              <a:t>table t set unused(c2);</a:t>
-            </a:r>
-          </a:p>
-          <a:p>
-            <a:r>
-              <a:rPr lang="en-US" dirty="0" smtClean="0">
-                <a:solidFill>
-                  <a:srgbClr val="FF0000"/>
-                </a:solidFill>
-              </a:rPr>
-              <a:t> </a:t>
-            </a:r>
-            <a:r>
-              <a:rPr lang="en-US" dirty="0">
-                <a:solidFill>
-                  <a:srgbClr val="FF0000"/>
-                </a:solidFill>
-              </a:rPr>
-              <a:t>alter table t drop unused column;</a:t>
-            </a:r>
-          </a:p>
-        </p:txBody>
-      </p:sp>
+            <a:pPr algn="r"/>
+            <a:r>
+              <a:rPr lang="en-IN" sz="3200" b="1" i="1" dirty="0" smtClean="0">
+                <a:solidFill>
+                  <a:srgbClr val="FFFF00"/>
+                </a:solidFill>
+                <a:latin typeface="Arial" pitchFamily="34" charset="0"/>
+                <a:cs typeface="Arial" pitchFamily="34" charset="0"/>
+              </a:rPr>
+              <a:t>IMP</a:t>
+            </a:r>
+            <a:endParaRPr lang="en-IN" sz="3200" b="1" i="1" dirty="0">
+              <a:solidFill>
+                <a:srgbClr val="FFFF00"/>
+              </a:solidFill>
+              <a:latin typeface="Arial" pitchFamily="34" charset="0"/>
+              <a:cs typeface="Arial" pitchFamily="34" charset="0"/>
+            </a:endParaRPr>
+          </a:p>
+        </p:txBody>
+      </p:sp>
+      <p:sp>
+        <p:nvSpPr>
+          <p:cNvPr id="2" name="Rectangle 1"/>
+          <p:cNvSpPr/>
+          <p:nvPr/>
+        </p:nvSpPr>
+        <p:spPr>
+          <a:xfrm>
+            <a:off x="145976" y="849264"/>
+            <a:ext cx="8845624" cy="369332"/>
+          </a:xfrm>
+          <a:prstGeom prst="rect">
+            <a:avLst/>
+          </a:prstGeom>
+        </p:spPr>
+        <p:txBody>
+          <a:bodyPr wrap="square">
+            <a:spAutoFit/>
+          </a:bodyPr>
+          <a:lstStyle/>
+          <a:p>
+            <a:r>
+              <a:rPr lang="en-IN" dirty="0" smtClean="0">
+                <a:solidFill>
+                  <a:srgbClr val="222222"/>
+                </a:solidFill>
+                <a:latin typeface="Verdana" panose="020B0604030504040204" pitchFamily="34" charset="0"/>
+              </a:rPr>
+              <a:t>1. Think </a:t>
+            </a:r>
+            <a:r>
+              <a:rPr lang="en-IN" dirty="0">
+                <a:solidFill>
+                  <a:srgbClr val="222222"/>
+                </a:solidFill>
+                <a:latin typeface="Verdana" panose="020B0604030504040204" pitchFamily="34" charset="0"/>
+              </a:rPr>
+              <a:t>about how multiplication can be done without actually </a:t>
+            </a:r>
+            <a:r>
+              <a:rPr lang="en-IN" dirty="0" smtClean="0">
+                <a:solidFill>
+                  <a:srgbClr val="222222"/>
+                </a:solidFill>
+                <a:latin typeface="Verdana" panose="020B0604030504040204" pitchFamily="34" charset="0"/>
+              </a:rPr>
+              <a:t>multiplying </a:t>
+            </a:r>
+            <a:endParaRPr lang="en-IN" dirty="0"/>
+          </a:p>
+        </p:txBody>
+      </p:sp>
+      <p:sp>
+        <p:nvSpPr>
+          <p:cNvPr id="3" name="TextBox 2"/>
+          <p:cNvSpPr txBox="1"/>
+          <p:nvPr/>
+        </p:nvSpPr>
+        <p:spPr>
+          <a:xfrm>
+            <a:off x="990600" y="2514600"/>
+            <a:ext cx="184731" cy="369332"/>
+          </a:xfrm>
+          <a:prstGeom prst="rect">
+            <a:avLst/>
+          </a:prstGeom>
+          <a:noFill/>
+        </p:spPr>
+        <p:txBody>
+          <a:bodyPr wrap="none" rtlCol="0">
+            <a:spAutoFit/>
+          </a:bodyPr>
+          <a:lstStyle/>
+          <a:p>
+            <a:endParaRPr lang="en-IN" dirty="0"/>
+          </a:p>
+        </p:txBody>
+      </p:sp>
+      <p:pic>
+        <p:nvPicPr>
+          <p:cNvPr id="5" name="Picture 4"/>
+          <p:cNvPicPr>
+            <a:picLocks noChangeAspect="1"/>
+          </p:cNvPicPr>
+          <p:nvPr/>
+        </p:nvPicPr>
+        <p:blipFill>
+          <a:blip r:embed="rId2"/>
+          <a:stretch>
+            <a:fillRect/>
+          </a:stretch>
+        </p:blipFill>
+        <p:spPr>
+          <a:xfrm>
+            <a:off x="304800" y="3700361"/>
+            <a:ext cx="4648200" cy="2471839"/>
+          </a:xfrm>
+          <a:prstGeom prst="rect">
+            <a:avLst/>
+          </a:prstGeom>
+        </p:spPr>
+      </p:pic>
+      <p:sp>
+        <p:nvSpPr>
+          <p:cNvPr id="6" name="Rectangle 5"/>
+          <p:cNvSpPr/>
+          <p:nvPr/>
+        </p:nvSpPr>
+        <p:spPr>
+          <a:xfrm>
+            <a:off x="145976" y="3243552"/>
+            <a:ext cx="1317990" cy="369332"/>
+          </a:xfrm>
+          <a:prstGeom prst="rect">
+            <a:avLst/>
+          </a:prstGeom>
+        </p:spPr>
+        <p:txBody>
+          <a:bodyPr wrap="none">
+            <a:spAutoFit/>
+          </a:bodyPr>
+          <a:lstStyle/>
+          <a:p>
+            <a:r>
+              <a:rPr lang="en-IN" dirty="0" smtClean="0">
+                <a:solidFill>
+                  <a:srgbClr val="222222"/>
+                </a:solidFill>
+                <a:latin typeface="Verdana" panose="020B0604030504040204" pitchFamily="34" charset="0"/>
+              </a:rPr>
+              <a:t>2. Square</a:t>
+            </a:r>
+            <a:endParaRPr lang="en-IN" dirty="0">
+              <a:solidFill>
+                <a:srgbClr val="222222"/>
+              </a:solidFill>
+              <a:latin typeface="Verdana" panose="020B0604030504040204" pitchFamily="34" charset="0"/>
+            </a:endParaRPr>
+          </a:p>
+        </p:txBody>
+      </p:sp>
+      <p:pic>
+        <p:nvPicPr>
+          <p:cNvPr id="8" name="Picture 7"/>
+          <p:cNvPicPr>
+            <a:picLocks noChangeAspect="1"/>
+          </p:cNvPicPr>
+          <p:nvPr/>
+        </p:nvPicPr>
+        <p:blipFill>
+          <a:blip r:embed="rId3"/>
+          <a:stretch>
+            <a:fillRect/>
+          </a:stretch>
+        </p:blipFill>
+        <p:spPr>
+          <a:xfrm>
+            <a:off x="533400" y="1250647"/>
+            <a:ext cx="4495800" cy="1883657"/>
+          </a:xfrm>
+          <a:prstGeom prst="rect">
+            <a:avLst/>
+          </a:prstGeom>
+        </p:spPr>
+      </p:pic>
     </p:spTree>
     <p:extLst>
       <p:ext uri="{BB962C8B-B14F-4D97-AF65-F5344CB8AC3E}">
-        <p14:creationId xmlns:p14="http://schemas.microsoft.com/office/powerpoint/2010/main" val="1183446369"/>
+        <p14:creationId xmlns:p14="http://schemas.microsoft.com/office/powerpoint/2010/main" val="3391323119"/>
       </p:ext>
     </p:extLst>
   </p:cSld>
   <p:clrMapOvr>
     <a:masterClrMapping/>
   </p:clrMapOvr>
+  <p:timing>
+    <p:tnLst>
+      <p:par>
+        <p:cTn id="1" dur="indefinite" restart="never" nodeType="tmRoot"/>
+      </p:par>
+    </p:tnLst>
+  </p:timing>
 </p:sld>
 </file>
 
@@ -26044,16 +26434,57 @@
           <a:chExt cx="0" cy="0"/>
         </a:xfrm>
       </p:grpSpPr>
-      <p:sp>
-        <p:nvSpPr>
-          <p:cNvPr id="2" name="Rectangle 1"/>
+      <p:pic>
+        <p:nvPicPr>
+          <p:cNvPr id="1026" name="Picture 2" descr="http://www.bvctch.vn/vnt_upload/weblink/thks.jpg"/>
+          <p:cNvPicPr>
+            <a:picLocks noChangeAspect="1" noChangeArrowheads="1"/>
+          </p:cNvPicPr>
+          <p:nvPr/>
+        </p:nvPicPr>
+        <p:blipFill>
+          <a:blip r:embed="rId2">
+            <a:extLst>
+              <a:ext uri="{28A0092B-C50C-407E-A947-70E740481C1C}">
+                <a14:useLocalDpi xmlns:a14="http://schemas.microsoft.com/office/drawing/2010/main" val="0"/>
+              </a:ext>
+            </a:extLst>
+          </a:blip>
+          <a:srcRect/>
+          <a:stretch>
+            <a:fillRect/>
+          </a:stretch>
+        </p:blipFill>
+        <p:spPr bwMode="auto">
+          <a:xfrm>
+            <a:off x="2895600" y="757237"/>
+            <a:ext cx="3124200" cy="4881563"/>
+          </a:xfrm>
+          <a:prstGeom prst="rect">
+            <a:avLst/>
+          </a:prstGeom>
+          <a:noFill/>
+          <a:extLst>
+            <a:ext uri="{909E8E84-426E-40DD-AFC4-6F175D3DCCD1}">
+              <a14:hiddenFill xmlns:a14="http://schemas.microsoft.com/office/drawing/2010/main">
+                <a:solidFill>
+                  <a:srgbClr val="FFFFFF"/>
+                </a:solidFill>
+              </a14:hiddenFill>
+            </a:ext>
+          </a:extLst>
+        </p:spPr>
+      </p:pic>
+      <p:sp>
+        <p:nvSpPr>
+          <p:cNvPr id="3" name="Rectangle 2"/>
           <p:cNvSpPr/>
           <p:nvPr/>
         </p:nvSpPr>
         <p:spPr>
           <a:xfrm>
-            <a:off x="152400" y="228600"/>
-            <a:ext cx="8763000" cy="2862322"/>
+            <a:off x="304800" y="5105400"/>
+            <a:ext cx="8610600" cy="1077218"/>
           </a:xfrm>
           <a:prstGeom prst="rect">
             <a:avLst/>
@@ -26065,88 +26496,27 @@
           </a:bodyPr>
           <a:lstStyle/>
           <a:p>
-            <a:r>
-              <a:rPr lang="en-US" dirty="0"/>
-              <a:t>create table book (id raw(16) primary key, data clob check(data is json</a:t>
-            </a:r>
-            <a:r>
-              <a:rPr lang="en-US" dirty="0" smtClean="0"/>
-              <a:t>));</a:t>
-            </a:r>
-          </a:p>
-          <a:p>
-            <a:endParaRPr lang="en-US" dirty="0"/>
-          </a:p>
-          <a:p>
-            <a:r>
-              <a:rPr lang="en-US" dirty="0"/>
-              <a:t>select book.* </a:t>
-            </a:r>
-          </a:p>
-          <a:p>
-            <a:r>
-              <a:rPr lang="en-US" dirty="0"/>
-              <a:t>	from books,</a:t>
-            </a:r>
-          </a:p>
-          <a:p>
-            <a:r>
-              <a:rPr lang="en-US" dirty="0"/>
-              <a:t>	</a:t>
-            </a:r>
-            <a:r>
-              <a:rPr lang="en-US" dirty="0" err="1"/>
-              <a:t>json_table</a:t>
-            </a:r>
-            <a:r>
-              <a:rPr lang="en-US" dirty="0"/>
-              <a:t>(data,'$'</a:t>
-            </a:r>
-          </a:p>
-          <a:p>
-            <a:r>
-              <a:rPr lang="en-US" dirty="0"/>
-              <a:t>	columns(</a:t>
-            </a:r>
-            <a:r>
-              <a:rPr lang="en-US" dirty="0" err="1"/>
-              <a:t>isbn</a:t>
-            </a:r>
-            <a:r>
-              <a:rPr lang="en-US" dirty="0"/>
-              <a:t>   varchar2(20) path '$.</a:t>
-            </a:r>
-            <a:r>
-              <a:rPr lang="en-US" dirty="0" err="1"/>
-              <a:t>isbn</a:t>
-            </a:r>
-            <a:r>
-              <a:rPr lang="en-US" dirty="0"/>
-              <a:t>',</a:t>
-            </a:r>
-          </a:p>
-          <a:p>
-            <a:r>
-              <a:rPr lang="en-US" dirty="0"/>
-              <a:t>		title  varchar2(20) path '$.title',</a:t>
-            </a:r>
-          </a:p>
-          <a:p>
-            <a:r>
-              <a:rPr lang="en-US" dirty="0"/>
-              <a:t>		price  varchar2(10) path '$.price',</a:t>
-            </a:r>
-          </a:p>
-          <a:p>
-            <a:r>
-              <a:rPr lang="en-US" dirty="0"/>
-              <a:t>		author varchar2(20) path '$.author',</a:t>
-            </a:r>
-          </a:p>
-          <a:p>
-            <a:r>
-              <a:rPr lang="en-US" dirty="0"/>
-              <a:t>		phone  varchar2(10) path '$.phone')) book</a:t>
+            <a:pPr algn="ctr"/>
+            <a:r>
+              <a:rPr lang="en-IN" sz="3200" dirty="0">
+                <a:solidFill>
+                  <a:srgbClr val="FE1212"/>
+                </a:solidFill>
+                <a:latin typeface="Segoe Print" panose="02000600000000000000" pitchFamily="2" charset="0"/>
+              </a:rPr>
+              <a:t>"Live as if you were to die tomorrow.</a:t>
+            </a:r>
+          </a:p>
+          <a:p>
+            <a:pPr algn="ctr"/>
+            <a:r>
+              <a:rPr lang="en-IN" sz="3200" dirty="0">
+                <a:solidFill>
+                  <a:srgbClr val="FE1212"/>
+                </a:solidFill>
+                <a:latin typeface="Segoe Print" panose="02000600000000000000" pitchFamily="2" charset="0"/>
+              </a:rPr>
+              <a:t>Learn as if you were to live forever"</a:t>
             </a:r>
           </a:p>
         </p:txBody>
@@ -26154,7 +26524,115 @@
     </p:spTree>
     <p:extLst>
       <p:ext uri="{BB962C8B-B14F-4D97-AF65-F5344CB8AC3E}">
-        <p14:creationId xmlns:p14="http://schemas.microsoft.com/office/powerpoint/2010/main" val="1501210411"/>
+        <p14:creationId xmlns:p14="http://schemas.microsoft.com/office/powerpoint/2010/main" val="1148130326"/>
+      </p:ext>
+    </p:extLst>
+  </p:cSld>
+  <p:clrMapOvr>
+    <a:masterClrMapping/>
+  </p:clrMapOvr>
+  <p:timing>
+    <p:tnLst>
+      <p:par>
+        <p:cTn id="1" dur="indefinite" restart="never" nodeType="tmRoot"/>
+      </p:par>
+    </p:tnLst>
+  </p:timing>
+</p:sld>
+</file>
+
+<file path=ppt/slides/slide99.xml><?xml version="1.0" encoding="utf-8"?>
+<p:sld xmlns:a="http://schemas.openxmlformats.org/drawingml/2006/main" xmlns:r="http://schemas.openxmlformats.org/officeDocument/2006/relationships" xmlns:p="http://schemas.openxmlformats.org/presentationml/2006/main">
+  <p:cSld>
+    <p:spTree>
+      <p:nvGrpSpPr>
+        <p:cNvPr id="1" name=""/>
+        <p:cNvGrpSpPr/>
+        <p:nvPr/>
+      </p:nvGrpSpPr>
+      <p:grpSpPr>
+        <a:xfrm>
+          <a:off x="0" y="0"/>
+          <a:ext cx="0" cy="0"/>
+          <a:chOff x="0" y="0"/>
+          <a:chExt cx="0" cy="0"/>
+        </a:xfrm>
+      </p:grpSpPr>
+      <p:sp>
+        <p:nvSpPr>
+          <p:cNvPr id="3" name="Rectangle 2"/>
+          <p:cNvSpPr/>
+          <p:nvPr/>
+        </p:nvSpPr>
+        <p:spPr>
+          <a:xfrm>
+            <a:off x="304800" y="1981200"/>
+            <a:ext cx="8305800" cy="1754326"/>
+          </a:xfrm>
+          <a:prstGeom prst="rect">
+            <a:avLst/>
+          </a:prstGeom>
+        </p:spPr>
+        <p:txBody>
+          <a:bodyPr wrap="square">
+            <a:spAutoFit/>
+          </a:bodyPr>
+          <a:lstStyle/>
+          <a:p>
+            <a:r>
+              <a:rPr lang="en-US" dirty="0"/>
+              <a:t>The ALTER TABLE...DROP UNUSED COLUMNS statement is the only action allowed on unused columns. It physically removes unused columns from the table and reclaims disk space</a:t>
+            </a:r>
+            <a:r>
+              <a:rPr lang="en-US" dirty="0" smtClean="0"/>
+              <a:t>.</a:t>
+            </a:r>
+          </a:p>
+          <a:p>
+            <a:endParaRPr lang="en-US" dirty="0" smtClean="0"/>
+          </a:p>
+          <a:p>
+            <a:r>
+              <a:rPr lang="en-US" dirty="0" smtClean="0">
+                <a:solidFill>
+                  <a:srgbClr val="FF0000"/>
+                </a:solidFill>
+              </a:rPr>
+              <a:t>alter </a:t>
+            </a:r>
+            <a:r>
+              <a:rPr lang="en-US" dirty="0">
+                <a:solidFill>
+                  <a:srgbClr val="FF0000"/>
+                </a:solidFill>
+              </a:rPr>
+              <a:t>table t set unused(c2);</a:t>
+            </a:r>
+          </a:p>
+          <a:p>
+            <a:r>
+              <a:rPr lang="en-US" dirty="0" smtClean="0">
+                <a:solidFill>
+                  <a:srgbClr val="FF0000"/>
+                </a:solidFill>
+              </a:rPr>
+              <a:t> </a:t>
+            </a:r>
+            <a:r>
+              <a:rPr lang="en-US" dirty="0">
+                <a:solidFill>
+                  <a:srgbClr val="FF0000"/>
+                </a:solidFill>
+              </a:rPr>
+              <a:t>alter table t drop unused column;</a:t>
+            </a:r>
+          </a:p>
+        </p:txBody>
+      </p:sp>
+    </p:spTree>
+    <p:extLst>
+      <p:ext uri="{BB962C8B-B14F-4D97-AF65-F5344CB8AC3E}">
+        <p14:creationId xmlns:p14="http://schemas.microsoft.com/office/powerpoint/2010/main" val="1183446369"/>
       </p:ext>
     </p:extLst>
   </p:cSld>

--- a/MongoDB PPT.pptx
+++ b/MongoDB PPT.pptx
@@ -5,7 +5,7 @@
     <p:sldMasterId id="2147483720" r:id="rId1"/>
   </p:sldMasterIdLst>
   <p:notesMasterIdLst>
-    <p:notesMasterId r:id="rId102"/>
+    <p:notesMasterId r:id="rId104"/>
   </p:notesMasterIdLst>
   <p:sldIdLst>
     <p:sldId id="497" r:id="rId2"/>
@@ -70,44 +70,46 @@
     <p:sldId id="1182" r:id="rId61"/>
     <p:sldId id="1185" r:id="rId62"/>
     <p:sldId id="1186" r:id="rId63"/>
-    <p:sldId id="1173" r:id="rId64"/>
-    <p:sldId id="1174" r:id="rId65"/>
-    <p:sldId id="1175" r:id="rId66"/>
-    <p:sldId id="1176" r:id="rId67"/>
-    <p:sldId id="1099" r:id="rId68"/>
-    <p:sldId id="1092" r:id="rId69"/>
-    <p:sldId id="1102" r:id="rId70"/>
-    <p:sldId id="1103" r:id="rId71"/>
-    <p:sldId id="1104" r:id="rId72"/>
-    <p:sldId id="1105" r:id="rId73"/>
-    <p:sldId id="1106" r:id="rId74"/>
-    <p:sldId id="1107" r:id="rId75"/>
-    <p:sldId id="1108" r:id="rId76"/>
-    <p:sldId id="1109" r:id="rId77"/>
-    <p:sldId id="1110" r:id="rId78"/>
-    <p:sldId id="1111" r:id="rId79"/>
-    <p:sldId id="1112" r:id="rId80"/>
-    <p:sldId id="1113" r:id="rId81"/>
-    <p:sldId id="1114" r:id="rId82"/>
-    <p:sldId id="1115" r:id="rId83"/>
-    <p:sldId id="1116" r:id="rId84"/>
-    <p:sldId id="1117" r:id="rId85"/>
-    <p:sldId id="1118" r:id="rId86"/>
-    <p:sldId id="1119" r:id="rId87"/>
-    <p:sldId id="1120" r:id="rId88"/>
-    <p:sldId id="1121" r:id="rId89"/>
-    <p:sldId id="1122" r:id="rId90"/>
-    <p:sldId id="1123" r:id="rId91"/>
-    <p:sldId id="1124" r:id="rId92"/>
-    <p:sldId id="1125" r:id="rId93"/>
-    <p:sldId id="1126" r:id="rId94"/>
-    <p:sldId id="1127" r:id="rId95"/>
-    <p:sldId id="1128" r:id="rId96"/>
-    <p:sldId id="1129" r:id="rId97"/>
-    <p:sldId id="954" r:id="rId98"/>
-    <p:sldId id="788" r:id="rId99"/>
-    <p:sldId id="1071" r:id="rId100"/>
-    <p:sldId id="1087" r:id="rId101"/>
+    <p:sldId id="1187" r:id="rId64"/>
+    <p:sldId id="1188" r:id="rId65"/>
+    <p:sldId id="1173" r:id="rId66"/>
+    <p:sldId id="1174" r:id="rId67"/>
+    <p:sldId id="1175" r:id="rId68"/>
+    <p:sldId id="1176" r:id="rId69"/>
+    <p:sldId id="1099" r:id="rId70"/>
+    <p:sldId id="1092" r:id="rId71"/>
+    <p:sldId id="1102" r:id="rId72"/>
+    <p:sldId id="1103" r:id="rId73"/>
+    <p:sldId id="1104" r:id="rId74"/>
+    <p:sldId id="1105" r:id="rId75"/>
+    <p:sldId id="1106" r:id="rId76"/>
+    <p:sldId id="1107" r:id="rId77"/>
+    <p:sldId id="1108" r:id="rId78"/>
+    <p:sldId id="1109" r:id="rId79"/>
+    <p:sldId id="1110" r:id="rId80"/>
+    <p:sldId id="1111" r:id="rId81"/>
+    <p:sldId id="1112" r:id="rId82"/>
+    <p:sldId id="1113" r:id="rId83"/>
+    <p:sldId id="1114" r:id="rId84"/>
+    <p:sldId id="1115" r:id="rId85"/>
+    <p:sldId id="1116" r:id="rId86"/>
+    <p:sldId id="1117" r:id="rId87"/>
+    <p:sldId id="1118" r:id="rId88"/>
+    <p:sldId id="1119" r:id="rId89"/>
+    <p:sldId id="1120" r:id="rId90"/>
+    <p:sldId id="1121" r:id="rId91"/>
+    <p:sldId id="1122" r:id="rId92"/>
+    <p:sldId id="1123" r:id="rId93"/>
+    <p:sldId id="1124" r:id="rId94"/>
+    <p:sldId id="1125" r:id="rId95"/>
+    <p:sldId id="1126" r:id="rId96"/>
+    <p:sldId id="1127" r:id="rId97"/>
+    <p:sldId id="1128" r:id="rId98"/>
+    <p:sldId id="1129" r:id="rId99"/>
+    <p:sldId id="954" r:id="rId100"/>
+    <p:sldId id="788" r:id="rId101"/>
+    <p:sldId id="1071" r:id="rId102"/>
+    <p:sldId id="1087" r:id="rId103"/>
   </p:sldIdLst>
   <p:sldSz cx="9144000" cy="6858000" type="screen4x3"/>
   <p:notesSz cx="6858000" cy="9144000"/>
@@ -4861,6 +4863,231 @@
 </file>
 
 <file path=ppt/slides/slide100.xml><?xml version="1.0" encoding="utf-8"?>
+<p:sld xmlns:a="http://schemas.openxmlformats.org/drawingml/2006/main" xmlns:r="http://schemas.openxmlformats.org/officeDocument/2006/relationships" xmlns:p="http://schemas.openxmlformats.org/presentationml/2006/main">
+  <p:cSld>
+    <p:spTree>
+      <p:nvGrpSpPr>
+        <p:cNvPr id="1" name=""/>
+        <p:cNvGrpSpPr/>
+        <p:nvPr/>
+      </p:nvGrpSpPr>
+      <p:grpSpPr>
+        <a:xfrm>
+          <a:off x="0" y="0"/>
+          <a:ext cx="0" cy="0"/>
+          <a:chOff x="0" y="0"/>
+          <a:chExt cx="0" cy="0"/>
+        </a:xfrm>
+      </p:grpSpPr>
+      <p:pic>
+        <p:nvPicPr>
+          <p:cNvPr id="1026" name="Picture 2" descr="http://www.bvctch.vn/vnt_upload/weblink/thks.jpg"/>
+          <p:cNvPicPr>
+            <a:picLocks noChangeAspect="1" noChangeArrowheads="1"/>
+          </p:cNvPicPr>
+          <p:nvPr/>
+        </p:nvPicPr>
+        <p:blipFill>
+          <a:blip r:embed="rId2">
+            <a:extLst>
+              <a:ext uri="{28A0092B-C50C-407E-A947-70E740481C1C}">
+                <a14:useLocalDpi xmlns:a14="http://schemas.microsoft.com/office/drawing/2010/main" val="0"/>
+              </a:ext>
+            </a:extLst>
+          </a:blip>
+          <a:srcRect/>
+          <a:stretch>
+            <a:fillRect/>
+          </a:stretch>
+        </p:blipFill>
+        <p:spPr bwMode="auto">
+          <a:xfrm>
+            <a:off x="2895600" y="757237"/>
+            <a:ext cx="3124200" cy="4881563"/>
+          </a:xfrm>
+          <a:prstGeom prst="rect">
+            <a:avLst/>
+          </a:prstGeom>
+          <a:noFill/>
+          <a:extLst>
+            <a:ext uri="{909E8E84-426E-40DD-AFC4-6F175D3DCCD1}">
+              <a14:hiddenFill xmlns:a14="http://schemas.microsoft.com/office/drawing/2010/main">
+                <a:solidFill>
+                  <a:srgbClr val="FFFFFF"/>
+                </a:solidFill>
+              </a14:hiddenFill>
+            </a:ext>
+          </a:extLst>
+        </p:spPr>
+      </p:pic>
+      <p:sp>
+        <p:nvSpPr>
+          <p:cNvPr id="3" name="Rectangle 2"/>
+          <p:cNvSpPr/>
+          <p:nvPr/>
+        </p:nvSpPr>
+        <p:spPr>
+          <a:xfrm>
+            <a:off x="304800" y="5105400"/>
+            <a:ext cx="8610600" cy="1077218"/>
+          </a:xfrm>
+          <a:prstGeom prst="rect">
+            <a:avLst/>
+          </a:prstGeom>
+        </p:spPr>
+        <p:txBody>
+          <a:bodyPr wrap="square">
+            <a:spAutoFit/>
+          </a:bodyPr>
+          <a:lstStyle/>
+          <a:p>
+            <a:pPr algn="ctr"/>
+            <a:r>
+              <a:rPr lang="en-IN" sz="3200" dirty="0">
+                <a:solidFill>
+                  <a:srgbClr val="FE1212"/>
+                </a:solidFill>
+                <a:latin typeface="Segoe Print" panose="02000600000000000000" pitchFamily="2" charset="0"/>
+              </a:rPr>
+              <a:t>"Live as if you were to die tomorrow.</a:t>
+            </a:r>
+          </a:p>
+          <a:p>
+            <a:pPr algn="ctr"/>
+            <a:r>
+              <a:rPr lang="en-IN" sz="3200" dirty="0">
+                <a:solidFill>
+                  <a:srgbClr val="FE1212"/>
+                </a:solidFill>
+                <a:latin typeface="Segoe Print" panose="02000600000000000000" pitchFamily="2" charset="0"/>
+              </a:rPr>
+              <a:t>Learn as if you were to live forever"</a:t>
+            </a:r>
+          </a:p>
+        </p:txBody>
+      </p:sp>
+    </p:spTree>
+    <p:extLst>
+      <p:ext uri="{BB962C8B-B14F-4D97-AF65-F5344CB8AC3E}">
+        <p14:creationId xmlns:p14="http://schemas.microsoft.com/office/powerpoint/2010/main" val="1148130326"/>
+      </p:ext>
+    </p:extLst>
+  </p:cSld>
+  <p:clrMapOvr>
+    <a:masterClrMapping/>
+  </p:clrMapOvr>
+  <p:timing>
+    <p:tnLst>
+      <p:par>
+        <p:cTn id="1" dur="indefinite" restart="never" nodeType="tmRoot"/>
+      </p:par>
+    </p:tnLst>
+  </p:timing>
+</p:sld>
+</file>
+
+<file path=ppt/slides/slide101.xml><?xml version="1.0" encoding="utf-8"?>
+<p:sld xmlns:a="http://schemas.openxmlformats.org/drawingml/2006/main" xmlns:r="http://schemas.openxmlformats.org/officeDocument/2006/relationships" xmlns:p="http://schemas.openxmlformats.org/presentationml/2006/main">
+  <p:cSld>
+    <p:spTree>
+      <p:nvGrpSpPr>
+        <p:cNvPr id="1" name=""/>
+        <p:cNvGrpSpPr/>
+        <p:nvPr/>
+      </p:nvGrpSpPr>
+      <p:grpSpPr>
+        <a:xfrm>
+          <a:off x="0" y="0"/>
+          <a:ext cx="0" cy="0"/>
+          <a:chOff x="0" y="0"/>
+          <a:chExt cx="0" cy="0"/>
+        </a:xfrm>
+      </p:grpSpPr>
+      <p:sp>
+        <p:nvSpPr>
+          <p:cNvPr id="3" name="Rectangle 2"/>
+          <p:cNvSpPr/>
+          <p:nvPr/>
+        </p:nvSpPr>
+        <p:spPr>
+          <a:xfrm>
+            <a:off x="304800" y="1981200"/>
+            <a:ext cx="8305800" cy="1754326"/>
+          </a:xfrm>
+          <a:prstGeom prst="rect">
+            <a:avLst/>
+          </a:prstGeom>
+        </p:spPr>
+        <p:txBody>
+          <a:bodyPr wrap="square">
+            <a:spAutoFit/>
+          </a:bodyPr>
+          <a:lstStyle/>
+          <a:p>
+            <a:r>
+              <a:rPr lang="en-US" dirty="0"/>
+              <a:t>The ALTER TABLE...DROP UNUSED COLUMNS statement is the only action allowed on unused columns. It physically removes unused columns from the table and reclaims disk space</a:t>
+            </a:r>
+            <a:r>
+              <a:rPr lang="en-US" dirty="0" smtClean="0"/>
+              <a:t>.</a:t>
+            </a:r>
+          </a:p>
+          <a:p>
+            <a:endParaRPr lang="en-US" dirty="0" smtClean="0"/>
+          </a:p>
+          <a:p>
+            <a:r>
+              <a:rPr lang="en-US" dirty="0" smtClean="0">
+                <a:solidFill>
+                  <a:srgbClr val="FF0000"/>
+                </a:solidFill>
+              </a:rPr>
+              <a:t>alter </a:t>
+            </a:r>
+            <a:r>
+              <a:rPr lang="en-US" dirty="0">
+                <a:solidFill>
+                  <a:srgbClr val="FF0000"/>
+                </a:solidFill>
+              </a:rPr>
+              <a:t>table t set unused(c2);</a:t>
+            </a:r>
+          </a:p>
+          <a:p>
+            <a:r>
+              <a:rPr lang="en-US" dirty="0" smtClean="0">
+                <a:solidFill>
+                  <a:srgbClr val="FF0000"/>
+                </a:solidFill>
+              </a:rPr>
+              <a:t> </a:t>
+            </a:r>
+            <a:r>
+              <a:rPr lang="en-US" dirty="0">
+                <a:solidFill>
+                  <a:srgbClr val="FF0000"/>
+                </a:solidFill>
+              </a:rPr>
+              <a:t>alter table t drop unused column;</a:t>
+            </a:r>
+          </a:p>
+        </p:txBody>
+      </p:sp>
+    </p:spTree>
+    <p:extLst>
+      <p:ext uri="{BB962C8B-B14F-4D97-AF65-F5344CB8AC3E}">
+        <p14:creationId xmlns:p14="http://schemas.microsoft.com/office/powerpoint/2010/main" val="1183446369"/>
+      </p:ext>
+    </p:extLst>
+  </p:cSld>
+  <p:clrMapOvr>
+    <a:masterClrMapping/>
+  </p:clrMapOvr>
+</p:sld>
+</file>
+
+<file path=ppt/slides/slide102.xml><?xml version="1.0" encoding="utf-8"?>
 <p:sld xmlns:a="http://schemas.openxmlformats.org/drawingml/2006/main" xmlns:r="http://schemas.openxmlformats.org/officeDocument/2006/relationships" xmlns:p="http://schemas.openxmlformats.org/presentationml/2006/main">
   <p:cSld>
     <p:spTree>
@@ -20516,11 +20743,11 @@
   <p:clrMapOvr>
     <a:masterClrMapping/>
   </p:clrMapOvr>
-  <mc:AlternateContent xmlns:mc="http://schemas.openxmlformats.org/markup-compatibility/2006">
-    <mc:Choice xmlns:p14="http://schemas.microsoft.com/office/powerpoint/2010/main" Requires="p14">
+  <mc:AlternateContent xmlns:mc="http://schemas.openxmlformats.org/markup-compatibility/2006" xmlns:p14="http://schemas.microsoft.com/office/powerpoint/2010/main">
+    <mc:Choice Requires="p14">
       <p:transition spd="slow" p14:dur="2000"/>
     </mc:Choice>
-    <mc:Fallback>
+    <mc:Fallback xmlns="">
       <p:transition spd="slow"/>
     </mc:Fallback>
   </mc:AlternateContent>
@@ -20592,13 +20819,6 @@
               </a:rPr>
               <a:t>db.collection.update()</a:t>
             </a:r>
-            <a:endParaRPr lang="en-IN" sz="3200" b="1" i="1" dirty="0">
-              <a:solidFill>
-                <a:srgbClr val="FFFF00"/>
-              </a:solidFill>
-              <a:latin typeface="Arial" pitchFamily="34" charset="0"/>
-              <a:cs typeface="Arial" pitchFamily="34" charset="0"/>
-            </a:endParaRPr>
           </a:p>
         </p:txBody>
       </p:sp>
@@ -20611,7 +20831,7 @@
         <p:spPr>
           <a:xfrm>
             <a:off x="133354" y="1611868"/>
-            <a:ext cx="5756704" cy="369332"/>
+            <a:ext cx="7402989" cy="646331"/>
           </a:xfrm>
           <a:prstGeom prst="rect">
             <a:avLst/>
@@ -20636,7 +20856,7 @@
                 <a:latin typeface="Consolas" panose="020B0609020204030204" pitchFamily="49" charset="0"/>
                 <a:cs typeface="Calibri" panose="020F0502020204030204" pitchFamily="34" charset="0"/>
               </a:rPr>
-              <a:t>db.collection.update(query, update, options</a:t>
+              <a:t>db.collection.update</a:t>
             </a:r>
             <a:r>
               <a:rPr lang="en-IN" dirty="0" smtClean="0">
@@ -20646,9 +20866,76 @@
                 <a:latin typeface="Consolas" panose="020B0609020204030204" pitchFamily="49" charset="0"/>
                 <a:cs typeface="Calibri" panose="020F0502020204030204" pitchFamily="34" charset="0"/>
               </a:rPr>
+              <a:t>({query}, {update}, {options})</a:t>
+            </a:r>
+          </a:p>
+          <a:p>
+            <a:pPr>
+              <a:spcBef>
+                <a:spcPct val="0"/>
+              </a:spcBef>
+            </a:pPr>
+            <a:r>
+              <a:rPr lang="en-IN" dirty="0">
+                <a:solidFill>
+                  <a:srgbClr val="049DC8"/>
+                </a:solidFill>
+                <a:latin typeface="Consolas" panose="020B0609020204030204" pitchFamily="49" charset="0"/>
+                <a:cs typeface="Calibri" panose="020F0502020204030204" pitchFamily="34" charset="0"/>
+              </a:rPr>
+              <a:t>db.collection.update</a:t>
+            </a:r>
+            <a:r>
+              <a:rPr lang="en-IN" dirty="0" smtClean="0">
+                <a:solidFill>
+                  <a:srgbClr val="049DC8"/>
+                </a:solidFill>
+                <a:latin typeface="Consolas" panose="020B0609020204030204" pitchFamily="49" charset="0"/>
+                <a:cs typeface="Calibri" panose="020F0502020204030204" pitchFamily="34" charset="0"/>
+              </a:rPr>
+              <a:t>(</a:t>
+            </a:r>
+            <a:r>
+              <a:rPr lang="en-IN" dirty="0">
+                <a:solidFill>
+                  <a:srgbClr val="049DC8"/>
+                </a:solidFill>
+                <a:latin typeface="Consolas" panose="020B0609020204030204" pitchFamily="49" charset="0"/>
+                <a:cs typeface="Calibri" panose="020F0502020204030204" pitchFamily="34" charset="0"/>
+              </a:rPr>
+              <a:t>{query}, </a:t>
+            </a:r>
+            <a:r>
+              <a:rPr lang="en-IN" dirty="0" smtClean="0">
+                <a:solidFill>
+                  <a:srgbClr val="049DC8"/>
+                </a:solidFill>
+                <a:latin typeface="Consolas" panose="020B0609020204030204" pitchFamily="49" charset="0"/>
+                <a:cs typeface="Calibri" panose="020F0502020204030204" pitchFamily="34" charset="0"/>
+              </a:rPr>
+              <a:t>{$set:{update}}, </a:t>
+            </a:r>
+            <a:r>
+              <a:rPr lang="en-IN" dirty="0">
+                <a:solidFill>
+                  <a:srgbClr val="049DC8"/>
+                </a:solidFill>
+                <a:latin typeface="Consolas" panose="020B0609020204030204" pitchFamily="49" charset="0"/>
+                <a:cs typeface="Calibri" panose="020F0502020204030204" pitchFamily="34" charset="0"/>
+              </a:rPr>
+              <a:t>{options}</a:t>
+            </a:r>
+            <a:r>
+              <a:rPr lang="en-IN" dirty="0" smtClean="0">
+                <a:solidFill>
+                  <a:srgbClr val="049DC8"/>
+                </a:solidFill>
+                <a:latin typeface="Consolas" panose="020B0609020204030204" pitchFamily="49" charset="0"/>
+                <a:cs typeface="Calibri" panose="020F0502020204030204" pitchFamily="34" charset="0"/>
+              </a:rPr>
               <a:t>)</a:t>
             </a:r>
-            <a:endParaRPr lang="en-IN" dirty="0" smtClean="0">
+            <a:endParaRPr lang="en-IN" dirty="0">
               <a:solidFill>
                 <a:srgbClr val="049DC8"/>
               </a:solidFill>
@@ -20695,8 +20982,8 @@
         </p:nvSpPr>
         <p:spPr>
           <a:xfrm>
-            <a:off x="153146" y="2379583"/>
-            <a:ext cx="8841666" cy="892552"/>
+            <a:off x="153146" y="3488829"/>
+            <a:ext cx="8841666" cy="1692771"/>
           </a:xfrm>
           <a:prstGeom prst="rect">
             <a:avLst/>
@@ -20790,6 +21077,36 @@
               <a:t>:</a:t>
             </a:r>
             <a:r>
+              <a:rPr lang="en-US" sz="2200" dirty="0">
+                <a:solidFill>
+                  <a:srgbClr val="FC6F0D"/>
+                </a:solidFill>
+                <a:latin typeface="Calibri" panose="020F0502020204030204" pitchFamily="34" charset="0"/>
+                <a:cs typeface="Calibri" panose="020F0502020204030204" pitchFamily="34" charset="0"/>
+              </a:rPr>
+              <a:t>'</a:t>
+            </a:r>
+            <a:r>
+              <a:rPr lang="en-US" sz="2200" dirty="0" err="1">
+                <a:solidFill>
+                  <a:srgbClr val="FC6F0D"/>
+                </a:solidFill>
+                <a:latin typeface="Calibri" panose="020F0502020204030204" pitchFamily="34" charset="0"/>
+                <a:cs typeface="Calibri" panose="020F0502020204030204" pitchFamily="34" charset="0"/>
+              </a:rPr>
+              <a:t>bbc</a:t>
+            </a:r>
+            <a:r>
+              <a:rPr lang="en-US" sz="2200" dirty="0">
+                <a:solidFill>
+                  <a:srgbClr val="FC6F0D"/>
+                </a:solidFill>
+                <a:latin typeface="Calibri" panose="020F0502020204030204" pitchFamily="34" charset="0"/>
+                <a:cs typeface="Calibri" panose="020F0502020204030204" pitchFamily="34" charset="0"/>
+              </a:rPr>
+              <a:t>' </a:t>
+            </a:r>
+            <a:r>
               <a:rPr lang="en-US" sz="2200" dirty="0" smtClean="0">
                 <a:solidFill>
                   <a:srgbClr val="FC6F0D"/>
@@ -20797,17 +21114,27 @@
                 <a:latin typeface="Calibri" panose="020F0502020204030204" pitchFamily="34" charset="0"/>
                 <a:cs typeface="Calibri" panose="020F0502020204030204" pitchFamily="34" charset="0"/>
               </a:rPr>
-              <a:t>'</a:t>
-            </a:r>
-            <a:r>
-              <a:rPr lang="en-US" sz="2200" dirty="0" err="1" smtClean="0">
+              <a:t>}, { $</a:t>
+            </a:r>
+            <a:r>
+              <a:rPr lang="en-US" sz="2200" dirty="0">
                 <a:solidFill>
                   <a:srgbClr val="FC6F0D"/>
                 </a:solidFill>
                 <a:latin typeface="Calibri" panose="020F0502020204030204" pitchFamily="34" charset="0"/>
                 <a:cs typeface="Calibri" panose="020F0502020204030204" pitchFamily="34" charset="0"/>
               </a:rPr>
-              <a:t>bbc</a:t>
+              <a:t>set:{ job:'</a:t>
+            </a:r>
+            <a:r>
+              <a:rPr lang="en-US" sz="2200" dirty="0" err="1">
+                <a:solidFill>
+                  <a:srgbClr val="FC6F0D"/>
+                </a:solidFill>
+                <a:latin typeface="Calibri" panose="020F0502020204030204" pitchFamily="34" charset="0"/>
+                <a:cs typeface="Calibri" panose="020F0502020204030204" pitchFamily="34" charset="0"/>
+              </a:rPr>
+              <a:t>abc</a:t>
             </a:r>
             <a:r>
               <a:rPr lang="en-US" sz="2200" dirty="0" smtClean="0">
@@ -20817,7 +21144,7 @@
                 <a:latin typeface="Calibri" panose="020F0502020204030204" pitchFamily="34" charset="0"/>
                 <a:cs typeface="Calibri" panose="020F0502020204030204" pitchFamily="34" charset="0"/>
               </a:rPr>
-              <a:t>‘ }, { $</a:t>
+              <a:t>'} }, { upsert:true</a:t>
             </a:r>
             <a:r>
               <a:rPr lang="en-US" sz="2200" dirty="0">
@@ -20827,55 +21154,158 @@
                 <a:latin typeface="Calibri" panose="020F0502020204030204" pitchFamily="34" charset="0"/>
                 <a:cs typeface="Calibri" panose="020F0502020204030204" pitchFamily="34" charset="0"/>
               </a:rPr>
-              <a:t>set:{ job:'</a:t>
-            </a:r>
-            <a:r>
-              <a:rPr lang="en-US" sz="2200" dirty="0" err="1">
+              <a:t>,  </a:t>
+            </a:r>
+            <a:r>
+              <a:rPr lang="en-US" sz="2200" dirty="0" smtClean="0">
                 <a:solidFill>
                   <a:srgbClr val="FC6F0D"/>
                 </a:solidFill>
                 <a:latin typeface="Calibri" panose="020F0502020204030204" pitchFamily="34" charset="0"/>
                 <a:cs typeface="Calibri" panose="020F0502020204030204" pitchFamily="34" charset="0"/>
               </a:rPr>
-              <a:t>abc</a:t>
-            </a:r>
-            <a:r>
-              <a:rPr lang="en-US" sz="2200" dirty="0" smtClean="0">
-                <a:solidFill>
-                  <a:srgbClr val="FC6F0D"/>
-                </a:solidFill>
-                <a:latin typeface="Calibri" panose="020F0502020204030204" pitchFamily="34" charset="0"/>
-                <a:cs typeface="Calibri" panose="020F0502020204030204" pitchFamily="34" charset="0"/>
-              </a:rPr>
-              <a:t>'} }, { upsert:true</a:t>
-            </a:r>
-            <a:r>
-              <a:rPr lang="en-US" sz="2200" dirty="0">
-                <a:solidFill>
-                  <a:srgbClr val="FC6F0D"/>
-                </a:solidFill>
-                <a:latin typeface="Calibri" panose="020F0502020204030204" pitchFamily="34" charset="0"/>
-                <a:cs typeface="Calibri" panose="020F0502020204030204" pitchFamily="34" charset="0"/>
-              </a:rPr>
-              <a:t>,  multi: </a:t>
-            </a:r>
-            <a:r>
-              <a:rPr lang="en-US" sz="2200" dirty="0" smtClean="0">
-                <a:solidFill>
-                  <a:srgbClr val="FC6F0D"/>
-                </a:solidFill>
-                <a:latin typeface="Calibri" panose="020F0502020204030204" pitchFamily="34" charset="0"/>
-                <a:cs typeface="Calibri" panose="020F0502020204030204" pitchFamily="34" charset="0"/>
-              </a:rPr>
-              <a:t>true });</a:t>
-            </a:r>
-            <a:endParaRPr lang="en-US" sz="800" dirty="0">
+              <a:t>multi:true });</a:t>
+            </a:r>
+          </a:p>
+          <a:p>
+            <a:endParaRPr lang="en-US" sz="800" dirty="0" smtClean="0">
               <a:solidFill>
                 <a:srgbClr val="FC6F0D"/>
               </a:solidFill>
               <a:latin typeface="Calibri" panose="020F0502020204030204" pitchFamily="34" charset="0"/>
               <a:cs typeface="Calibri" panose="020F0502020204030204" pitchFamily="34" charset="0"/>
             </a:endParaRPr>
+          </a:p>
+          <a:p>
+            <a:r>
+              <a:rPr lang="en-US" sz="2200" dirty="0">
+                <a:solidFill>
+                  <a:srgbClr val="FC6F0D"/>
+                </a:solidFill>
+                <a:latin typeface="Calibri" panose="020F0502020204030204" pitchFamily="34" charset="0"/>
+                <a:cs typeface="Calibri" panose="020F0502020204030204" pitchFamily="34" charset="0"/>
+              </a:rPr>
+              <a:t>db.e.update({ename:'saleel</a:t>
+            </a:r>
+            <a:r>
+              <a:rPr lang="en-US" sz="2200" dirty="0" smtClean="0">
+                <a:solidFill>
+                  <a:srgbClr val="FC6F0D"/>
+                </a:solidFill>
+                <a:latin typeface="Calibri" panose="020F0502020204030204" pitchFamily="34" charset="0"/>
+                <a:cs typeface="Calibri" panose="020F0502020204030204" pitchFamily="34" charset="0"/>
+              </a:rPr>
+              <a:t>'}, { $</a:t>
+            </a:r>
+            <a:r>
+              <a:rPr lang="en-US" sz="2200" dirty="0">
+                <a:solidFill>
+                  <a:srgbClr val="FC6F0D"/>
+                </a:solidFill>
+                <a:latin typeface="Calibri" panose="020F0502020204030204" pitchFamily="34" charset="0"/>
+                <a:cs typeface="Calibri" panose="020F0502020204030204" pitchFamily="34" charset="0"/>
+              </a:rPr>
+              <a:t>set:{ size:'small', color</a:t>
+            </a:r>
+            <a:r>
+              <a:rPr lang="en-US" sz="2200" dirty="0" smtClean="0">
+                <a:solidFill>
+                  <a:srgbClr val="FC6F0D"/>
+                </a:solidFill>
+                <a:latin typeface="Calibri" panose="020F0502020204030204" pitchFamily="34" charset="0"/>
+                <a:cs typeface="Calibri" panose="020F0502020204030204" pitchFamily="34" charset="0"/>
+              </a:rPr>
+              <a:t>: [</a:t>
+            </a:r>
+            <a:r>
+              <a:rPr lang="en-US" sz="2200" dirty="0">
+                <a:solidFill>
+                  <a:srgbClr val="FC6F0D"/>
+                </a:solidFill>
+                <a:latin typeface="Calibri" panose="020F0502020204030204" pitchFamily="34" charset="0"/>
+                <a:cs typeface="Calibri" panose="020F0502020204030204" pitchFamily="34" charset="0"/>
+              </a:rPr>
+              <a:t>'red</a:t>
+            </a:r>
+            <a:r>
+              <a:rPr lang="en-US" sz="2200" dirty="0" smtClean="0">
+                <a:solidFill>
+                  <a:srgbClr val="FC6F0D"/>
+                </a:solidFill>
+                <a:latin typeface="Calibri" panose="020F0502020204030204" pitchFamily="34" charset="0"/>
+                <a:cs typeface="Calibri" panose="020F0502020204030204" pitchFamily="34" charset="0"/>
+              </a:rPr>
+              <a:t>', 'blue</a:t>
+            </a:r>
+            <a:r>
+              <a:rPr lang="en-US" sz="2200" dirty="0">
+                <a:solidFill>
+                  <a:srgbClr val="FC6F0D"/>
+                </a:solidFill>
+                <a:latin typeface="Calibri" panose="020F0502020204030204" pitchFamily="34" charset="0"/>
+                <a:cs typeface="Calibri" panose="020F0502020204030204" pitchFamily="34" charset="0"/>
+              </a:rPr>
+              <a:t>'</a:t>
+            </a:r>
+            <a:r>
+              <a:rPr lang="en-US" sz="2200" dirty="0" smtClean="0">
+                <a:solidFill>
+                  <a:srgbClr val="FC6F0D"/>
+                </a:solidFill>
+                <a:latin typeface="Calibri" panose="020F0502020204030204" pitchFamily="34" charset="0"/>
+                <a:cs typeface="Calibri" panose="020F0502020204030204" pitchFamily="34" charset="0"/>
+              </a:rPr>
+              <a:t>] } }, { multi:true} );</a:t>
+            </a:r>
+            <a:endParaRPr lang="en-US" sz="2200" dirty="0">
+              <a:solidFill>
+                <a:srgbClr val="FC6F0D"/>
+              </a:solidFill>
+              <a:latin typeface="Calibri" panose="020F0502020204030204" pitchFamily="34" charset="0"/>
+              <a:cs typeface="Calibri" panose="020F0502020204030204" pitchFamily="34" charset="0"/>
+            </a:endParaRPr>
+          </a:p>
+        </p:txBody>
+      </p:sp>
+      <p:sp>
+        <p:nvSpPr>
+          <p:cNvPr id="5" name="Rectangle 4"/>
+          <p:cNvSpPr/>
+          <p:nvPr/>
+        </p:nvSpPr>
+        <p:spPr>
+          <a:xfrm>
+            <a:off x="32657" y="2688848"/>
+            <a:ext cx="8962155" cy="369332"/>
+          </a:xfrm>
+          <a:prstGeom prst="rect">
+            <a:avLst/>
+          </a:prstGeom>
+        </p:spPr>
+        <p:txBody>
+          <a:bodyPr wrap="square">
+            <a:spAutoFit/>
+          </a:bodyPr>
+          <a:lstStyle/>
+          <a:p>
+            <a:r>
+              <a:rPr lang="en-US" dirty="0" smtClean="0">
+                <a:solidFill>
+                  <a:srgbClr val="B22251"/>
+                </a:solidFill>
+                <a:latin typeface="Consolas" panose="020B0609020204030204" pitchFamily="49" charset="0"/>
+              </a:rPr>
+              <a:t>Options : { </a:t>
+            </a:r>
+            <a:r>
+              <a:rPr lang="en-US" dirty="0">
+                <a:solidFill>
+                  <a:srgbClr val="B22251"/>
+                </a:solidFill>
+                <a:latin typeface="Consolas" panose="020B0609020204030204" pitchFamily="49" charset="0"/>
+              </a:rPr>
+              <a:t>$set: { reorder: true } }, { multi: true, upsert: true }</a:t>
+            </a:r>
           </a:p>
         </p:txBody>
       </p:sp>
@@ -20957,7 +21387,11 @@
           <a:p>
             <a:r>
               <a:rPr lang="en-IN" dirty="0"/>
-              <a:t>db.collection.deleteOne()</a:t>
+              <a:t>db.collection.updateOne</a:t>
+            </a:r>
+            <a:r>
+              <a:rPr lang="en-IN" dirty="0" smtClean="0"/>
+              <a:t>()</a:t>
             </a:r>
             <a:endParaRPr lang="en-US" dirty="0"/>
           </a:p>
@@ -21006,18 +21440,18 @@
     </p:spTree>
     <p:extLst>
       <p:ext uri="{BB962C8B-B14F-4D97-AF65-F5344CB8AC3E}">
-        <p14:creationId xmlns:p14="http://schemas.microsoft.com/office/powerpoint/2010/main" val="3719896549"/>
+        <p14:creationId xmlns:p14="http://schemas.microsoft.com/office/powerpoint/2010/main" val="2191941974"/>
       </p:ext>
     </p:extLst>
   </p:cSld>
   <p:clrMapOvr>
     <a:masterClrMapping/>
   </p:clrMapOvr>
-  <mc:AlternateContent xmlns:mc="http://schemas.openxmlformats.org/markup-compatibility/2006" xmlns:p14="http://schemas.microsoft.com/office/powerpoint/2010/main">
-    <mc:Choice Requires="p14">
+  <mc:AlternateContent xmlns:mc="http://schemas.openxmlformats.org/markup-compatibility/2006">
+    <mc:Choice xmlns:p14="http://schemas.microsoft.com/office/powerpoint/2010/main" Requires="p14">
       <p:transition spd="slow" p14:dur="2000"/>
     </mc:Choice>
-    <mc:Fallback xmlns="">
+    <mc:Fallback>
       <p:transition spd="slow"/>
     </mc:Fallback>
   </mc:AlternateContent>
@@ -21087,8 +21521,15 @@
                 <a:latin typeface="Arial" pitchFamily="34" charset="0"/>
                 <a:cs typeface="Arial" pitchFamily="34" charset="0"/>
               </a:rPr>
-              <a:t>db.collection.deleteOne()</a:t>
-            </a:r>
+              <a:t>db.collection.updateOne()</a:t>
+            </a:r>
+            <a:endParaRPr lang="en-IN" sz="3200" b="1" i="1" dirty="0">
+              <a:solidFill>
+                <a:srgbClr val="FFFF00"/>
+              </a:solidFill>
+              <a:latin typeface="Arial" pitchFamily="34" charset="0"/>
+              <a:cs typeface="Arial" pitchFamily="34" charset="0"/>
+            </a:endParaRPr>
           </a:p>
         </p:txBody>
       </p:sp>
@@ -21101,7 +21542,7 @@
         <p:spPr>
           <a:xfrm>
             <a:off x="149188" y="762000"/>
-            <a:ext cx="8845624" cy="646331"/>
+            <a:ext cx="8845624" cy="369332"/>
           </a:xfrm>
           <a:prstGeom prst="rect">
             <a:avLst/>
@@ -21115,7 +21556,7 @@
           <a:p>
             <a:r>
               <a:rPr lang="en-US" dirty="0"/>
-              <a:t>Removes a single document from a collection. Specify an empty document { } to delete the first document returned in the collection.</a:t>
+              <a:t>Updates a single document within the collection based on the filter.</a:t>
             </a:r>
             <a:endParaRPr lang="en-IN" dirty="0"/>
           </a:p>
@@ -21129,7 +21570,7 @@
         </p:nvSpPr>
         <p:spPr>
           <a:xfrm>
-            <a:off x="154136" y="1611868"/>
+            <a:off x="154136" y="1459468"/>
             <a:ext cx="8761264" cy="369332"/>
           </a:xfrm>
           <a:prstGeom prst="rect">
@@ -21143,14 +21584,14 @@
           <a:lstStyle/>
           <a:p>
             <a:r>
-              <a:rPr lang="en-US" dirty="0" smtClean="0">
+              <a:rPr lang="en-US" dirty="0">
                 <a:solidFill>
                   <a:srgbClr val="049DC8"/>
                 </a:solidFill>
                 <a:latin typeface="Consolas" panose="020B0609020204030204" pitchFamily="49" charset="0"/>
                 <a:cs typeface="Calibri" panose="020F0502020204030204" pitchFamily="34" charset="0"/>
               </a:rPr>
-              <a:t>db.collection.deleteOne({&lt;filter&gt;})</a:t>
+              <a:t>db.collection.updateOne(filter, update, options)</a:t>
             </a:r>
             <a:endParaRPr lang="en-US" dirty="0">
               <a:solidFill>
@@ -21162,82 +21603,10 @@
           </a:p>
         </p:txBody>
       </p:sp>
-      <p:sp>
-        <p:nvSpPr>
-          <p:cNvPr id="5" name="Rectangle 4"/>
-          <p:cNvSpPr/>
-          <p:nvPr/>
-        </p:nvSpPr>
-        <p:spPr>
-          <a:xfrm>
-            <a:off x="149188" y="2286000"/>
-            <a:ext cx="8766212" cy="892552"/>
-          </a:xfrm>
-          <a:prstGeom prst="rect">
-            <a:avLst/>
-          </a:prstGeom>
-        </p:spPr>
-        <p:txBody>
-          <a:bodyPr wrap="square">
-            <a:spAutoFit/>
-          </a:bodyPr>
-          <a:lstStyle/>
-          <a:p>
-            <a:r>
-              <a:rPr lang="en-US" sz="2200" dirty="0" smtClean="0">
-                <a:solidFill>
-                  <a:srgbClr val="FC6F0D"/>
-                </a:solidFill>
-                <a:latin typeface="Calibri" panose="020F0502020204030204" pitchFamily="34" charset="0"/>
-                <a:cs typeface="Calibri" panose="020F0502020204030204" pitchFamily="34" charset="0"/>
-              </a:rPr>
-              <a:t>db.emp.deleteOne({})</a:t>
-            </a:r>
-          </a:p>
-          <a:p>
-            <a:endParaRPr lang="en-US" sz="800" dirty="0" smtClean="0">
-              <a:solidFill>
-                <a:srgbClr val="FC6F0D"/>
-              </a:solidFill>
-              <a:latin typeface="Calibri" panose="020F0502020204030204" pitchFamily="34" charset="0"/>
-              <a:cs typeface="Calibri" panose="020F0502020204030204" pitchFamily="34" charset="0"/>
-            </a:endParaRPr>
-          </a:p>
-          <a:p>
-            <a:r>
-              <a:rPr lang="en-US" sz="2200" dirty="0">
-                <a:solidFill>
-                  <a:srgbClr val="FC6F0D"/>
-                </a:solidFill>
-                <a:latin typeface="Calibri" panose="020F0502020204030204" pitchFamily="34" charset="0"/>
-                <a:cs typeface="Calibri" panose="020F0502020204030204" pitchFamily="34" charset="0"/>
-              </a:rPr>
-              <a:t>db.e.deleteOne({job:'manager</a:t>
-            </a:r>
-            <a:r>
-              <a:rPr lang="en-US" sz="2200" dirty="0" smtClean="0">
-                <a:solidFill>
-                  <a:srgbClr val="FC6F0D"/>
-                </a:solidFill>
-                <a:latin typeface="Calibri" panose="020F0502020204030204" pitchFamily="34" charset="0"/>
-                <a:cs typeface="Calibri" panose="020F0502020204030204" pitchFamily="34" charset="0"/>
-              </a:rPr>
-              <a:t>'})</a:t>
-            </a:r>
-            <a:endParaRPr lang="en-US" sz="2200" dirty="0">
-              <a:solidFill>
-                <a:srgbClr val="FC6F0D"/>
-              </a:solidFill>
-              <a:latin typeface="Calibri" panose="020F0502020204030204" pitchFamily="34" charset="0"/>
-              <a:cs typeface="Calibri" panose="020F0502020204030204" pitchFamily="34" charset="0"/>
-            </a:endParaRPr>
-          </a:p>
-        </p:txBody>
-      </p:sp>
     </p:spTree>
     <p:extLst>
       <p:ext uri="{BB962C8B-B14F-4D97-AF65-F5344CB8AC3E}">
-        <p14:creationId xmlns:p14="http://schemas.microsoft.com/office/powerpoint/2010/main" val="3696592824"/>
+        <p14:creationId xmlns:p14="http://schemas.microsoft.com/office/powerpoint/2010/main" val="3916522350"/>
       </p:ext>
     </p:extLst>
   </p:cSld>
@@ -21311,8 +21680,8 @@
           </a:lstStyle>
           <a:p>
             <a:r>
-              <a:rPr lang="en-IN" dirty="0" smtClean="0"/>
-              <a:t>db.collection.deleteMany()</a:t>
+              <a:rPr lang="en-IN" dirty="0"/>
+              <a:t>db.collection.deleteOne()</a:t>
             </a:r>
             <a:endParaRPr lang="en-US" dirty="0"/>
           </a:p>
@@ -21361,7 +21730,7 @@
     </p:spTree>
     <p:extLst>
       <p:ext uri="{BB962C8B-B14F-4D97-AF65-F5344CB8AC3E}">
-        <p14:creationId xmlns:p14="http://schemas.microsoft.com/office/powerpoint/2010/main" val="4110389760"/>
+        <p14:creationId xmlns:p14="http://schemas.microsoft.com/office/powerpoint/2010/main" val="3719896549"/>
       </p:ext>
     </p:extLst>
   </p:cSld>
@@ -21435,22 +21804,15 @@
               </a:spcBef>
             </a:pPr>
             <a:r>
-              <a:rPr lang="en-IN" sz="3200" b="1" i="1" dirty="0" smtClean="0">
+              <a:rPr lang="en-IN" sz="3200" b="1" i="1" dirty="0">
                 <a:solidFill>
                   <a:srgbClr val="FFFF00"/>
                 </a:solidFill>
                 <a:latin typeface="Arial" pitchFamily="34" charset="0"/>
                 <a:cs typeface="Arial" pitchFamily="34" charset="0"/>
               </a:rPr>
-              <a:t>db.collection.deleteMany()</a:t>
-            </a:r>
-            <a:endParaRPr lang="en-IN" sz="3200" b="1" i="1" dirty="0">
-              <a:solidFill>
-                <a:srgbClr val="FFFF00"/>
-              </a:solidFill>
-              <a:latin typeface="Arial" pitchFamily="34" charset="0"/>
-              <a:cs typeface="Arial" pitchFamily="34" charset="0"/>
-            </a:endParaRPr>
+              <a:t>db.collection.deleteOne()</a:t>
+            </a:r>
           </a:p>
         </p:txBody>
       </p:sp>
@@ -21463,7 +21825,7 @@
         <p:spPr>
           <a:xfrm>
             <a:off x="149188" y="762000"/>
-            <a:ext cx="8845624" cy="369332"/>
+            <a:ext cx="8845624" cy="646331"/>
           </a:xfrm>
           <a:prstGeom prst="rect">
             <a:avLst/>
@@ -21477,7 +21839,7 @@
           <a:p>
             <a:r>
               <a:rPr lang="en-US" dirty="0"/>
-              <a:t>Removes all documents that match the filter from a collection.</a:t>
+              <a:t>Removes a single document from a collection. Specify an empty document { } to delete the first document returned in the collection.</a:t>
             </a:r>
             <a:endParaRPr lang="en-IN" dirty="0"/>
           </a:p>
@@ -21512,7 +21874,7 @@
                 <a:latin typeface="Consolas" panose="020B0609020204030204" pitchFamily="49" charset="0"/>
                 <a:cs typeface="Calibri" panose="020F0502020204030204" pitchFamily="34" charset="0"/>
               </a:rPr>
-              <a:t>db.collection.deleteMany({&lt;filter&gt;})</a:t>
+              <a:t>db.collection.deleteOne({&lt;filter&gt;})</a:t>
             </a:r>
             <a:endParaRPr lang="en-US" dirty="0">
               <a:solidFill>
@@ -21546,22 +21908,15 @@
           <a:lstStyle/>
           <a:p>
             <a:r>
-              <a:rPr lang="en-US" sz="2200" dirty="0">
+              <a:rPr lang="en-US" sz="2200" dirty="0" smtClean="0">
                 <a:solidFill>
                   <a:srgbClr val="FC6F0D"/>
                 </a:solidFill>
                 <a:latin typeface="Calibri" panose="020F0502020204030204" pitchFamily="34" charset="0"/>
                 <a:cs typeface="Calibri" panose="020F0502020204030204" pitchFamily="34" charset="0"/>
               </a:rPr>
-              <a:t>db.e.deleteMany({});</a:t>
-            </a:r>
-            <a:endParaRPr lang="en-US" sz="2200" dirty="0" smtClean="0">
-              <a:solidFill>
-                <a:srgbClr val="FC6F0D"/>
-              </a:solidFill>
-              <a:latin typeface="Calibri" panose="020F0502020204030204" pitchFamily="34" charset="0"/>
-              <a:cs typeface="Calibri" panose="020F0502020204030204" pitchFamily="34" charset="0"/>
-            </a:endParaRPr>
+              <a:t>db.emp.deleteOne({})</a:t>
+            </a:r>
           </a:p>
           <a:p>
             <a:endParaRPr lang="en-US" sz="800" dirty="0" smtClean="0">
@@ -21574,24 +21929,14 @@
           </a:p>
           <a:p>
             <a:r>
-              <a:rPr lang="en-US" sz="2200" dirty="0" smtClean="0">
+              <a:rPr lang="en-US" sz="2200" dirty="0">
                 <a:solidFill>
                   <a:srgbClr val="FC6F0D"/>
                 </a:solidFill>
                 <a:latin typeface="Calibri" panose="020F0502020204030204" pitchFamily="34" charset="0"/>
                 <a:cs typeface="Calibri" panose="020F0502020204030204" pitchFamily="34" charset="0"/>
               </a:rPr>
-              <a:t>db.e.deleteMany({</a:t>
-            </a:r>
-            <a:r>
-              <a:rPr lang="en-US" sz="2200" dirty="0">
-                <a:solidFill>
-                  <a:srgbClr val="FC6F0D"/>
-                </a:solidFill>
-                <a:latin typeface="Calibri" panose="020F0502020204030204" pitchFamily="34" charset="0"/>
-                <a:cs typeface="Calibri" panose="020F0502020204030204" pitchFamily="34" charset="0"/>
-              </a:rPr>
-              <a:t>job:'manager</a:t>
+              <a:t>db.e.deleteOne({job:'manager</a:t>
             </a:r>
             <a:r>
               <a:rPr lang="en-US" sz="2200" dirty="0" smtClean="0">
@@ -21616,7 +21961,7 @@
     </p:spTree>
     <p:extLst>
       <p:ext uri="{BB962C8B-B14F-4D97-AF65-F5344CB8AC3E}">
-        <p14:creationId xmlns:p14="http://schemas.microsoft.com/office/powerpoint/2010/main" val="3771916804"/>
+        <p14:creationId xmlns:p14="http://schemas.microsoft.com/office/powerpoint/2010/main" val="3696592824"/>
       </p:ext>
     </p:extLst>
   </p:cSld>
@@ -21652,72 +21997,71 @@
       </p:grpSpPr>
       <p:sp>
         <p:nvSpPr>
-          <p:cNvPr id="6" name="Rectangle 5"/>
-          <p:cNvSpPr/>
-          <p:nvPr/>
-        </p:nvSpPr>
-        <p:spPr>
-          <a:xfrm>
-            <a:off x="0" y="0"/>
-            <a:ext cx="9144000" cy="584775"/>
-          </a:xfrm>
-          <a:prstGeom prst="rect">
-            <a:avLst/>
-          </a:prstGeom>
-          <a:solidFill>
-            <a:schemeClr val="accent4">
-              <a:lumMod val="75000"/>
-            </a:schemeClr>
-          </a:solidFill>
-        </p:spPr>
-        <p:txBody>
-          <a:bodyPr wrap="square">
-            <a:spAutoFit/>
-          </a:bodyPr>
-          <a:lstStyle/>
-          <a:p>
-            <a:pPr algn="r">
+          <p:cNvPr id="2" name="Title 1"/>
+          <p:cNvSpPr txBox="1">
+            <a:spLocks/>
+          </p:cNvSpPr>
+          <p:nvPr/>
+        </p:nvSpPr>
+        <p:spPr>
+          <a:xfrm>
+            <a:off x="152400" y="2057400"/>
+            <a:ext cx="8839200" cy="838200"/>
+          </a:xfrm>
+          <a:prstGeom prst="rect">
+            <a:avLst/>
+          </a:prstGeom>
+        </p:spPr>
+        <p:txBody>
+          <a:bodyPr>
+            <a:noAutofit/>
+          </a:bodyPr>
+          <a:lstStyle>
+            <a:defPPr>
+              <a:defRPr lang="en-US"/>
+            </a:defPPr>
+            <a:lvl1pPr lvl="0" algn="ctr">
               <a:spcBef>
                 <a:spcPct val="0"/>
               </a:spcBef>
-            </a:pPr>
-            <a:r>
-              <a:rPr lang="en-IN" sz="3200" b="1" i="1" dirty="0" smtClean="0">
-                <a:solidFill>
-                  <a:srgbClr val="FFFF00"/>
-                </a:solidFill>
-                <a:latin typeface="Arial" pitchFamily="34" charset="0"/>
-                <a:cs typeface="Arial" pitchFamily="34" charset="0"/>
-              </a:rPr>
-              <a:t>document</a:t>
-            </a:r>
-            <a:r>
-              <a:rPr lang="en-IN" sz="3200" b="1" i="1" dirty="0">
-                <a:solidFill>
-                  <a:srgbClr val="FFFF00"/>
-                </a:solidFill>
-                <a:latin typeface="Arial" pitchFamily="34" charset="0"/>
-                <a:cs typeface="Arial" pitchFamily="34" charset="0"/>
-              </a:rPr>
-              <a:t> </a:t>
-            </a:r>
-          </a:p>
-        </p:txBody>
-      </p:sp>
-      <p:sp>
-        <p:nvSpPr>
-          <p:cNvPr id="7" name="Rectangle 6"/>
+              <a:defRPr sz="4800">
+                <a:solidFill>
+                  <a:srgbClr val="7EEEE3"/>
+                </a:solidFill>
+                <a:latin typeface="Segoe UI Light" panose="020B0502040204020203" pitchFamily="34" charset="0"/>
+                <a:cs typeface="Segoe UI Light" panose="020B0502040204020203" pitchFamily="34" charset="0"/>
+              </a:defRPr>
+            </a:lvl1pPr>
+          </a:lstStyle>
+          <a:p>
+            <a:r>
+              <a:rPr lang="en-IN" dirty="0" smtClean="0"/>
+              <a:t>db.collection.deleteMany()</a:t>
+            </a:r>
+            <a:endParaRPr lang="en-US" dirty="0"/>
+          </a:p>
+        </p:txBody>
+      </p:sp>
+      <p:sp>
+        <p:nvSpPr>
+          <p:cNvPr id="3" name="Rectangle 2"/>
           <p:cNvSpPr/>
           <p:nvPr/>
         </p:nvSpPr>
         <p:spPr>
           <a:xfrm>
-            <a:off x="149188" y="762000"/>
-            <a:ext cx="8845624" cy="369332"/>
-          </a:xfrm>
-          <a:prstGeom prst="rect">
-            <a:avLst/>
-          </a:prstGeom>
+            <a:off x="419100" y="2861953"/>
+            <a:ext cx="8305800" cy="369332"/>
+          </a:xfrm>
+          <a:prstGeom prst="rect">
+            <a:avLst/>
+          </a:prstGeom>
+          <a:solidFill>
+            <a:schemeClr val="accent6">
+              <a:lumMod val="20000"/>
+              <a:lumOff val="80000"/>
+            </a:schemeClr>
+          </a:solidFill>
         </p:spPr>
         <p:txBody>
           <a:bodyPr wrap="square">
@@ -21726,23 +22070,36 @@
           <a:lstStyle/>
           <a:p>
             <a:r>
-              <a:rPr lang="en-US" dirty="0" smtClean="0"/>
+              <a:rPr lang="en-US" dirty="0" smtClean="0">
+                <a:solidFill>
+                  <a:srgbClr val="222222"/>
+                </a:solidFill>
+                <a:latin typeface="arial" panose="020B0604020202020204" pitchFamily="34" charset="0"/>
+              </a:rPr>
               <a:t>TODO</a:t>
             </a:r>
-            <a:endParaRPr lang="en-IN" dirty="0"/>
+            <a:endParaRPr lang="en-US" dirty="0"/>
           </a:p>
         </p:txBody>
       </p:sp>
     </p:spTree>
     <p:extLst>
       <p:ext uri="{BB962C8B-B14F-4D97-AF65-F5344CB8AC3E}">
-        <p14:creationId xmlns:p14="http://schemas.microsoft.com/office/powerpoint/2010/main" val="3587670722"/>
+        <p14:creationId xmlns:p14="http://schemas.microsoft.com/office/powerpoint/2010/main" val="4110389760"/>
       </p:ext>
     </p:extLst>
   </p:cSld>
   <p:clrMapOvr>
     <a:masterClrMapping/>
   </p:clrMapOvr>
+  <mc:AlternateContent xmlns:mc="http://schemas.openxmlformats.org/markup-compatibility/2006" xmlns:p14="http://schemas.microsoft.com/office/powerpoint/2010/main">
+    <mc:Choice Requires="p14">
+      <p:transition spd="slow" p14:dur="2000"/>
+    </mc:Choice>
+    <mc:Fallback xmlns="">
+      <p:transition spd="slow"/>
+    </mc:Fallback>
+  </mc:AlternateContent>
   <p:timing>
     <p:tnLst>
       <p:par>
@@ -21809,28 +22166,15 @@
                 <a:latin typeface="Arial" pitchFamily="34" charset="0"/>
                 <a:cs typeface="Arial" pitchFamily="34" charset="0"/>
               </a:rPr>
-              <a:t>MongoDB</a:t>
-            </a:r>
-            <a:r>
-              <a:rPr lang="en-US" sz="3200" b="1" i="1" dirty="0" smtClean="0">
-                <a:solidFill>
-                  <a:srgbClr val="FFFF00"/>
-                </a:solidFill>
-                <a:latin typeface="Arial" pitchFamily="34" charset="0"/>
-                <a:cs typeface="Arial" pitchFamily="34" charset="0"/>
-              </a:rPr>
-              <a:t> </a:t>
-            </a:r>
-            <a:r>
-              <a:rPr lang="en-IN" sz="3200" b="1" i="1" dirty="0">
-                <a:solidFill>
-                  <a:srgbClr val="FFFF00"/>
-                </a:solidFill>
-                <a:latin typeface="Arial" pitchFamily="34" charset="0"/>
-                <a:cs typeface="Arial" pitchFamily="34" charset="0"/>
-              </a:rPr>
-              <a:t> </a:t>
-            </a:r>
+              <a:t>db.collection.deleteMany()</a:t>
+            </a:r>
+            <a:endParaRPr lang="en-IN" sz="3200" b="1" i="1" dirty="0">
+              <a:solidFill>
+                <a:srgbClr val="FFFF00"/>
+              </a:solidFill>
+              <a:latin typeface="Arial" pitchFamily="34" charset="0"/>
+              <a:cs typeface="Arial" pitchFamily="34" charset="0"/>
+            </a:endParaRPr>
           </a:p>
         </p:txBody>
       </p:sp>
@@ -21856,17 +22200,147 @@
           <a:lstStyle/>
           <a:p>
             <a:r>
-              <a:rPr lang="en-US" dirty="0" smtClean="0"/>
-              <a:t>TODO</a:t>
+              <a:rPr lang="en-US" dirty="0"/>
+              <a:t>Removes all documents that match the filter from a collection.</a:t>
             </a:r>
             <a:endParaRPr lang="en-IN" dirty="0"/>
+          </a:p>
+        </p:txBody>
+      </p:sp>
+      <p:sp>
+        <p:nvSpPr>
+          <p:cNvPr id="8" name="Rectangle 7"/>
+          <p:cNvSpPr/>
+          <p:nvPr/>
+        </p:nvSpPr>
+        <p:spPr>
+          <a:xfrm>
+            <a:off x="154136" y="1611868"/>
+            <a:ext cx="8761264" cy="369332"/>
+          </a:xfrm>
+          <a:prstGeom prst="rect">
+            <a:avLst/>
+          </a:prstGeom>
+        </p:spPr>
+        <p:txBody>
+          <a:bodyPr wrap="square">
+            <a:spAutoFit/>
+          </a:bodyPr>
+          <a:lstStyle/>
+          <a:p>
+            <a:r>
+              <a:rPr lang="en-US" dirty="0" smtClean="0">
+                <a:solidFill>
+                  <a:srgbClr val="049DC8"/>
+                </a:solidFill>
+                <a:latin typeface="Consolas" panose="020B0609020204030204" pitchFamily="49" charset="0"/>
+                <a:cs typeface="Calibri" panose="020F0502020204030204" pitchFamily="34" charset="0"/>
+              </a:rPr>
+              <a:t>db.collection.deleteMany({&lt;filter&gt;})</a:t>
+            </a:r>
+            <a:endParaRPr lang="en-US" dirty="0">
+              <a:solidFill>
+                <a:srgbClr val="049DC8"/>
+              </a:solidFill>
+              <a:latin typeface="Consolas" panose="020B0609020204030204" pitchFamily="49" charset="0"/>
+              <a:cs typeface="Calibri" panose="020F0502020204030204" pitchFamily="34" charset="0"/>
+            </a:endParaRPr>
+          </a:p>
+        </p:txBody>
+      </p:sp>
+      <p:sp>
+        <p:nvSpPr>
+          <p:cNvPr id="5" name="Rectangle 4"/>
+          <p:cNvSpPr/>
+          <p:nvPr/>
+        </p:nvSpPr>
+        <p:spPr>
+          <a:xfrm>
+            <a:off x="149188" y="2286000"/>
+            <a:ext cx="8766212" cy="892552"/>
+          </a:xfrm>
+          <a:prstGeom prst="rect">
+            <a:avLst/>
+          </a:prstGeom>
+        </p:spPr>
+        <p:txBody>
+          <a:bodyPr wrap="square">
+            <a:spAutoFit/>
+          </a:bodyPr>
+          <a:lstStyle/>
+          <a:p>
+            <a:r>
+              <a:rPr lang="en-US" sz="2200" dirty="0">
+                <a:solidFill>
+                  <a:srgbClr val="FC6F0D"/>
+                </a:solidFill>
+                <a:latin typeface="Calibri" panose="020F0502020204030204" pitchFamily="34" charset="0"/>
+                <a:cs typeface="Calibri" panose="020F0502020204030204" pitchFamily="34" charset="0"/>
+              </a:rPr>
+              <a:t>db.e.deleteMany({});</a:t>
+            </a:r>
+            <a:endParaRPr lang="en-US" sz="2200" dirty="0" smtClean="0">
+              <a:solidFill>
+                <a:srgbClr val="FC6F0D"/>
+              </a:solidFill>
+              <a:latin typeface="Calibri" panose="020F0502020204030204" pitchFamily="34" charset="0"/>
+              <a:cs typeface="Calibri" panose="020F0502020204030204" pitchFamily="34" charset="0"/>
+            </a:endParaRPr>
+          </a:p>
+          <a:p>
+            <a:endParaRPr lang="en-US" sz="800" dirty="0" smtClean="0">
+              <a:solidFill>
+                <a:srgbClr val="FC6F0D"/>
+              </a:solidFill>
+              <a:latin typeface="Calibri" panose="020F0502020204030204" pitchFamily="34" charset="0"/>
+              <a:cs typeface="Calibri" panose="020F0502020204030204" pitchFamily="34" charset="0"/>
+            </a:endParaRPr>
+          </a:p>
+          <a:p>
+            <a:r>
+              <a:rPr lang="en-US" sz="2200" dirty="0" smtClean="0">
+                <a:solidFill>
+                  <a:srgbClr val="FC6F0D"/>
+                </a:solidFill>
+                <a:latin typeface="Calibri" panose="020F0502020204030204" pitchFamily="34" charset="0"/>
+                <a:cs typeface="Calibri" panose="020F0502020204030204" pitchFamily="34" charset="0"/>
+              </a:rPr>
+              <a:t>db.e.deleteMany({</a:t>
+            </a:r>
+            <a:r>
+              <a:rPr lang="en-US" sz="2200" dirty="0">
+                <a:solidFill>
+                  <a:srgbClr val="FC6F0D"/>
+                </a:solidFill>
+                <a:latin typeface="Calibri" panose="020F0502020204030204" pitchFamily="34" charset="0"/>
+                <a:cs typeface="Calibri" panose="020F0502020204030204" pitchFamily="34" charset="0"/>
+              </a:rPr>
+              <a:t>job:'manager</a:t>
+            </a:r>
+            <a:r>
+              <a:rPr lang="en-US" sz="2200" dirty="0" smtClean="0">
+                <a:solidFill>
+                  <a:srgbClr val="FC6F0D"/>
+                </a:solidFill>
+                <a:latin typeface="Calibri" panose="020F0502020204030204" pitchFamily="34" charset="0"/>
+                <a:cs typeface="Calibri" panose="020F0502020204030204" pitchFamily="34" charset="0"/>
+              </a:rPr>
+              <a:t>'})</a:t>
+            </a:r>
+            <a:endParaRPr lang="en-US" sz="2200" dirty="0">
+              <a:solidFill>
+                <a:srgbClr val="FC6F0D"/>
+              </a:solidFill>
+              <a:latin typeface="Calibri" panose="020F0502020204030204" pitchFamily="34" charset="0"/>
+              <a:cs typeface="Calibri" panose="020F0502020204030204" pitchFamily="34" charset="0"/>
+            </a:endParaRPr>
           </a:p>
         </p:txBody>
       </p:sp>
     </p:spTree>
     <p:extLst>
       <p:ext uri="{BB962C8B-B14F-4D97-AF65-F5344CB8AC3E}">
-        <p14:creationId xmlns:p14="http://schemas.microsoft.com/office/powerpoint/2010/main" val="250252946"/>
+        <p14:creationId xmlns:p14="http://schemas.microsoft.com/office/powerpoint/2010/main" val="3771916804"/>
       </p:ext>
     </p:extLst>
   </p:cSld>
@@ -21939,17 +22413,7 @@
                 <a:latin typeface="Arial" pitchFamily="34" charset="0"/>
                 <a:cs typeface="Arial" pitchFamily="34" charset="0"/>
               </a:rPr>
-              <a:t>MongoDB</a:t>
-            </a:r>
-            <a:r>
-              <a:rPr lang="en-US" sz="3200" b="1" i="1" dirty="0" smtClean="0">
-                <a:solidFill>
-                  <a:srgbClr val="FFFF00"/>
-                </a:solidFill>
-                <a:latin typeface="Arial" pitchFamily="34" charset="0"/>
-                <a:cs typeface="Arial" pitchFamily="34" charset="0"/>
-              </a:rPr>
-              <a:t> </a:t>
+              <a:t>document</a:t>
             </a:r>
             <a:r>
               <a:rPr lang="en-IN" sz="3200" b="1" i="1" dirty="0">
@@ -21996,7 +22460,7 @@
     </p:spTree>
     <p:extLst>
       <p:ext uri="{BB962C8B-B14F-4D97-AF65-F5344CB8AC3E}">
-        <p14:creationId xmlns:p14="http://schemas.microsoft.com/office/powerpoint/2010/main" val="895975297"/>
+        <p14:creationId xmlns:p14="http://schemas.microsoft.com/office/powerpoint/2010/main" val="3587670722"/>
       </p:ext>
     </p:extLst>
   </p:cSld>
@@ -22258,7 +22722,7 @@
     </p:spTree>
     <p:extLst>
       <p:ext uri="{BB962C8B-B14F-4D97-AF65-F5344CB8AC3E}">
-        <p14:creationId xmlns:p14="http://schemas.microsoft.com/office/powerpoint/2010/main" val="1785036271"/>
+        <p14:creationId xmlns:p14="http://schemas.microsoft.com/office/powerpoint/2010/main" val="250252946"/>
       </p:ext>
     </p:extLst>
   </p:cSld>
@@ -22388,7 +22852,7 @@
     </p:spTree>
     <p:extLst>
       <p:ext uri="{BB962C8B-B14F-4D97-AF65-F5344CB8AC3E}">
-        <p14:creationId xmlns:p14="http://schemas.microsoft.com/office/powerpoint/2010/main" val="2324753550"/>
+        <p14:creationId xmlns:p14="http://schemas.microsoft.com/office/powerpoint/2010/main" val="895975297"/>
       </p:ext>
     </p:extLst>
   </p:cSld>
@@ -22518,7 +22982,7 @@
     </p:spTree>
     <p:extLst>
       <p:ext uri="{BB962C8B-B14F-4D97-AF65-F5344CB8AC3E}">
-        <p14:creationId xmlns:p14="http://schemas.microsoft.com/office/powerpoint/2010/main" val="159175200"/>
+        <p14:creationId xmlns:p14="http://schemas.microsoft.com/office/powerpoint/2010/main" val="1785036271"/>
       </p:ext>
     </p:extLst>
   </p:cSld>
@@ -22648,7 +23112,7 @@
     </p:spTree>
     <p:extLst>
       <p:ext uri="{BB962C8B-B14F-4D97-AF65-F5344CB8AC3E}">
-        <p14:creationId xmlns:p14="http://schemas.microsoft.com/office/powerpoint/2010/main" val="4200858574"/>
+        <p14:creationId xmlns:p14="http://schemas.microsoft.com/office/powerpoint/2010/main" val="2324753550"/>
       </p:ext>
     </p:extLst>
   </p:cSld>
@@ -22778,7 +23242,7 @@
     </p:spTree>
     <p:extLst>
       <p:ext uri="{BB962C8B-B14F-4D97-AF65-F5344CB8AC3E}">
-        <p14:creationId xmlns:p14="http://schemas.microsoft.com/office/powerpoint/2010/main" val="2535387021"/>
+        <p14:creationId xmlns:p14="http://schemas.microsoft.com/office/powerpoint/2010/main" val="159175200"/>
       </p:ext>
     </p:extLst>
   </p:cSld>
@@ -22908,7 +23372,7 @@
     </p:spTree>
     <p:extLst>
       <p:ext uri="{BB962C8B-B14F-4D97-AF65-F5344CB8AC3E}">
-        <p14:creationId xmlns:p14="http://schemas.microsoft.com/office/powerpoint/2010/main" val="3372373110"/>
+        <p14:creationId xmlns:p14="http://schemas.microsoft.com/office/powerpoint/2010/main" val="4200858574"/>
       </p:ext>
     </p:extLst>
   </p:cSld>
@@ -23038,7 +23502,7 @@
     </p:spTree>
     <p:extLst>
       <p:ext uri="{BB962C8B-B14F-4D97-AF65-F5344CB8AC3E}">
-        <p14:creationId xmlns:p14="http://schemas.microsoft.com/office/powerpoint/2010/main" val="1298561359"/>
+        <p14:creationId xmlns:p14="http://schemas.microsoft.com/office/powerpoint/2010/main" val="2535387021"/>
       </p:ext>
     </p:extLst>
   </p:cSld>
@@ -23168,7 +23632,7 @@
     </p:spTree>
     <p:extLst>
       <p:ext uri="{BB962C8B-B14F-4D97-AF65-F5344CB8AC3E}">
-        <p14:creationId xmlns:p14="http://schemas.microsoft.com/office/powerpoint/2010/main" val="2767122750"/>
+        <p14:creationId xmlns:p14="http://schemas.microsoft.com/office/powerpoint/2010/main" val="3372373110"/>
       </p:ext>
     </p:extLst>
   </p:cSld>
@@ -23298,7 +23762,7 @@
     </p:spTree>
     <p:extLst>
       <p:ext uri="{BB962C8B-B14F-4D97-AF65-F5344CB8AC3E}">
-        <p14:creationId xmlns:p14="http://schemas.microsoft.com/office/powerpoint/2010/main" val="3923222660"/>
+        <p14:creationId xmlns:p14="http://schemas.microsoft.com/office/powerpoint/2010/main" val="1298561359"/>
       </p:ext>
     </p:extLst>
   </p:cSld>
@@ -23428,7 +23892,7 @@
     </p:spTree>
     <p:extLst>
       <p:ext uri="{BB962C8B-B14F-4D97-AF65-F5344CB8AC3E}">
-        <p14:creationId xmlns:p14="http://schemas.microsoft.com/office/powerpoint/2010/main" val="166747101"/>
+        <p14:creationId xmlns:p14="http://schemas.microsoft.com/office/powerpoint/2010/main" val="2767122750"/>
       </p:ext>
     </p:extLst>
   </p:cSld>
@@ -23864,7 +24328,7 @@
     </p:spTree>
     <p:extLst>
       <p:ext uri="{BB962C8B-B14F-4D97-AF65-F5344CB8AC3E}">
-        <p14:creationId xmlns:p14="http://schemas.microsoft.com/office/powerpoint/2010/main" val="924942284"/>
+        <p14:creationId xmlns:p14="http://schemas.microsoft.com/office/powerpoint/2010/main" val="3923222660"/>
       </p:ext>
     </p:extLst>
   </p:cSld>
@@ -23994,7 +24458,7 @@
     </p:spTree>
     <p:extLst>
       <p:ext uri="{BB962C8B-B14F-4D97-AF65-F5344CB8AC3E}">
-        <p14:creationId xmlns:p14="http://schemas.microsoft.com/office/powerpoint/2010/main" val="3259065627"/>
+        <p14:creationId xmlns:p14="http://schemas.microsoft.com/office/powerpoint/2010/main" val="166747101"/>
       </p:ext>
     </p:extLst>
   </p:cSld>
@@ -24124,7 +24588,7 @@
     </p:spTree>
     <p:extLst>
       <p:ext uri="{BB962C8B-B14F-4D97-AF65-F5344CB8AC3E}">
-        <p14:creationId xmlns:p14="http://schemas.microsoft.com/office/powerpoint/2010/main" val="3171492564"/>
+        <p14:creationId xmlns:p14="http://schemas.microsoft.com/office/powerpoint/2010/main" val="924942284"/>
       </p:ext>
     </p:extLst>
   </p:cSld>
@@ -24254,7 +24718,7 @@
     </p:spTree>
     <p:extLst>
       <p:ext uri="{BB962C8B-B14F-4D97-AF65-F5344CB8AC3E}">
-        <p14:creationId xmlns:p14="http://schemas.microsoft.com/office/powerpoint/2010/main" val="2780407736"/>
+        <p14:creationId xmlns:p14="http://schemas.microsoft.com/office/powerpoint/2010/main" val="3259065627"/>
       </p:ext>
     </p:extLst>
   </p:cSld>
@@ -24384,7 +24848,7 @@
     </p:spTree>
     <p:extLst>
       <p:ext uri="{BB962C8B-B14F-4D97-AF65-F5344CB8AC3E}">
-        <p14:creationId xmlns:p14="http://schemas.microsoft.com/office/powerpoint/2010/main" val="848474725"/>
+        <p14:creationId xmlns:p14="http://schemas.microsoft.com/office/powerpoint/2010/main" val="3171492564"/>
       </p:ext>
     </p:extLst>
   </p:cSld>
@@ -24514,7 +24978,7 @@
     </p:spTree>
     <p:extLst>
       <p:ext uri="{BB962C8B-B14F-4D97-AF65-F5344CB8AC3E}">
-        <p14:creationId xmlns:p14="http://schemas.microsoft.com/office/powerpoint/2010/main" val="4030158449"/>
+        <p14:creationId xmlns:p14="http://schemas.microsoft.com/office/powerpoint/2010/main" val="2780407736"/>
       </p:ext>
     </p:extLst>
   </p:cSld>
@@ -24644,7 +25108,7 @@
     </p:spTree>
     <p:extLst>
       <p:ext uri="{BB962C8B-B14F-4D97-AF65-F5344CB8AC3E}">
-        <p14:creationId xmlns:p14="http://schemas.microsoft.com/office/powerpoint/2010/main" val="1708605334"/>
+        <p14:creationId xmlns:p14="http://schemas.microsoft.com/office/powerpoint/2010/main" val="848474725"/>
       </p:ext>
     </p:extLst>
   </p:cSld>
@@ -24774,7 +25238,7 @@
     </p:spTree>
     <p:extLst>
       <p:ext uri="{BB962C8B-B14F-4D97-AF65-F5344CB8AC3E}">
-        <p14:creationId xmlns:p14="http://schemas.microsoft.com/office/powerpoint/2010/main" val="1478242473"/>
+        <p14:creationId xmlns:p14="http://schemas.microsoft.com/office/powerpoint/2010/main" val="4030158449"/>
       </p:ext>
     </p:extLst>
   </p:cSld>
@@ -24904,7 +25368,7 @@
     </p:spTree>
     <p:extLst>
       <p:ext uri="{BB962C8B-B14F-4D97-AF65-F5344CB8AC3E}">
-        <p14:creationId xmlns:p14="http://schemas.microsoft.com/office/powerpoint/2010/main" val="2136286712"/>
+        <p14:creationId xmlns:p14="http://schemas.microsoft.com/office/powerpoint/2010/main" val="1708605334"/>
       </p:ext>
     </p:extLst>
   </p:cSld>
@@ -25034,7 +25498,7 @@
     </p:spTree>
     <p:extLst>
       <p:ext uri="{BB962C8B-B14F-4D97-AF65-F5344CB8AC3E}">
-        <p14:creationId xmlns:p14="http://schemas.microsoft.com/office/powerpoint/2010/main" val="160110094"/>
+        <p14:creationId xmlns:p14="http://schemas.microsoft.com/office/powerpoint/2010/main" val="1478242473"/>
       </p:ext>
     </p:extLst>
   </p:cSld>
@@ -25371,7 +25835,7 @@
     </p:spTree>
     <p:extLst>
       <p:ext uri="{BB962C8B-B14F-4D97-AF65-F5344CB8AC3E}">
-        <p14:creationId xmlns:p14="http://schemas.microsoft.com/office/powerpoint/2010/main" val="1060267809"/>
+        <p14:creationId xmlns:p14="http://schemas.microsoft.com/office/powerpoint/2010/main" val="2136286712"/>
       </p:ext>
     </p:extLst>
   </p:cSld>
@@ -25501,7 +25965,7 @@
     </p:spTree>
     <p:extLst>
       <p:ext uri="{BB962C8B-B14F-4D97-AF65-F5344CB8AC3E}">
-        <p14:creationId xmlns:p14="http://schemas.microsoft.com/office/powerpoint/2010/main" val="1137647517"/>
+        <p14:creationId xmlns:p14="http://schemas.microsoft.com/office/powerpoint/2010/main" val="160110094"/>
       </p:ext>
     </p:extLst>
   </p:cSld>
@@ -25631,7 +26095,7 @@
     </p:spTree>
     <p:extLst>
       <p:ext uri="{BB962C8B-B14F-4D97-AF65-F5344CB8AC3E}">
-        <p14:creationId xmlns:p14="http://schemas.microsoft.com/office/powerpoint/2010/main" val="3052086859"/>
+        <p14:creationId xmlns:p14="http://schemas.microsoft.com/office/powerpoint/2010/main" val="1060267809"/>
       </p:ext>
     </p:extLst>
   </p:cSld>
@@ -25761,7 +26225,7 @@
     </p:spTree>
     <p:extLst>
       <p:ext uri="{BB962C8B-B14F-4D97-AF65-F5344CB8AC3E}">
-        <p14:creationId xmlns:p14="http://schemas.microsoft.com/office/powerpoint/2010/main" val="1097272351"/>
+        <p14:creationId xmlns:p14="http://schemas.microsoft.com/office/powerpoint/2010/main" val="1137647517"/>
       </p:ext>
     </p:extLst>
   </p:cSld>
@@ -25891,7 +26355,7 @@
     </p:spTree>
     <p:extLst>
       <p:ext uri="{BB962C8B-B14F-4D97-AF65-F5344CB8AC3E}">
-        <p14:creationId xmlns:p14="http://schemas.microsoft.com/office/powerpoint/2010/main" val="1587220367"/>
+        <p14:creationId xmlns:p14="http://schemas.microsoft.com/office/powerpoint/2010/main" val="3052086859"/>
       </p:ext>
     </p:extLst>
   </p:cSld>
@@ -26021,7 +26485,7 @@
     </p:spTree>
     <p:extLst>
       <p:ext uri="{BB962C8B-B14F-4D97-AF65-F5344CB8AC3E}">
-        <p14:creationId xmlns:p14="http://schemas.microsoft.com/office/powerpoint/2010/main" val="1863467568"/>
+        <p14:creationId xmlns:p14="http://schemas.microsoft.com/office/powerpoint/2010/main" val="1097272351"/>
       </p:ext>
     </p:extLst>
   </p:cSld>
@@ -26151,7 +26615,7 @@
     </p:spTree>
     <p:extLst>
       <p:ext uri="{BB962C8B-B14F-4D97-AF65-F5344CB8AC3E}">
-        <p14:creationId xmlns:p14="http://schemas.microsoft.com/office/powerpoint/2010/main" val="1971192509"/>
+        <p14:creationId xmlns:p14="http://schemas.microsoft.com/office/powerpoint/2010/main" val="1587220367"/>
       </p:ext>
     </p:extLst>
   </p:cSld>
@@ -26187,7 +26651,7 @@
       </p:grpSpPr>
       <p:sp>
         <p:nvSpPr>
-          <p:cNvPr id="4" name="Rectangle 3"/>
+          <p:cNvPr id="6" name="Rectangle 5"/>
           <p:cNvSpPr/>
           <p:nvPr/>
         </p:nvSpPr>
@@ -26200,8 +26664,8 @@
             <a:avLst/>
           </a:prstGeom>
           <a:solidFill>
-            <a:schemeClr val="bg2">
-              <a:lumMod val="10000"/>
+            <a:schemeClr val="accent4">
+              <a:lumMod val="75000"/>
             </a:schemeClr>
           </a:solidFill>
         </p:spPr>
@@ -26211,7 +26675,11 @@
           </a:bodyPr>
           <a:lstStyle/>
           <a:p>
-            <a:pPr algn="r"/>
+            <a:pPr algn="r">
+              <a:spcBef>
+                <a:spcPct val="0"/>
+              </a:spcBef>
+            </a:pPr>
             <a:r>
               <a:rPr lang="en-IN" sz="3200" b="1" i="1" dirty="0" smtClean="0">
                 <a:solidFill>
@@ -26220,27 +26688,40 @@
                 <a:latin typeface="Arial" pitchFamily="34" charset="0"/>
                 <a:cs typeface="Arial" pitchFamily="34" charset="0"/>
               </a:rPr>
-              <a:t>IMP</a:t>
-            </a:r>
-            <a:endParaRPr lang="en-IN" sz="3200" b="1" i="1" dirty="0">
-              <a:solidFill>
-                <a:srgbClr val="FFFF00"/>
-              </a:solidFill>
-              <a:latin typeface="Arial" pitchFamily="34" charset="0"/>
-              <a:cs typeface="Arial" pitchFamily="34" charset="0"/>
-            </a:endParaRPr>
-          </a:p>
-        </p:txBody>
-      </p:sp>
-      <p:sp>
-        <p:nvSpPr>
-          <p:cNvPr id="2" name="Rectangle 1"/>
+              <a:t>MongoDB</a:t>
+            </a:r>
+            <a:r>
+              <a:rPr lang="en-US" sz="3200" b="1" i="1" dirty="0" smtClean="0">
+                <a:solidFill>
+                  <a:srgbClr val="FFFF00"/>
+                </a:solidFill>
+                <a:latin typeface="Arial" pitchFamily="34" charset="0"/>
+                <a:cs typeface="Arial" pitchFamily="34" charset="0"/>
+              </a:rPr>
+              <a:t> </a:t>
+            </a:r>
+            <a:r>
+              <a:rPr lang="en-IN" sz="3200" b="1" i="1" dirty="0">
+                <a:solidFill>
+                  <a:srgbClr val="FFFF00"/>
+                </a:solidFill>
+                <a:latin typeface="Arial" pitchFamily="34" charset="0"/>
+                <a:cs typeface="Arial" pitchFamily="34" charset="0"/>
+              </a:rPr>
+              <a:t> </a:t>
+            </a:r>
+          </a:p>
+        </p:txBody>
+      </p:sp>
+      <p:sp>
+        <p:nvSpPr>
+          <p:cNvPr id="7" name="Rectangle 6"/>
           <p:cNvSpPr/>
           <p:nvPr/>
         </p:nvSpPr>
         <p:spPr>
           <a:xfrm>
-            <a:off x="145976" y="849264"/>
+            <a:off x="149188" y="762000"/>
             <a:ext cx="8845624" cy="369332"/>
           </a:xfrm>
           <a:prstGeom prst="rect">
@@ -26254,153 +26735,17 @@
           <a:lstStyle/>
           <a:p>
             <a:r>
-              <a:rPr lang="en-IN" dirty="0" smtClean="0">
-                <a:solidFill>
-                  <a:srgbClr val="222222"/>
-                </a:solidFill>
-                <a:latin typeface="Verdana" panose="020B0604030504040204" pitchFamily="34" charset="0"/>
-              </a:rPr>
-              <a:t>1. Think </a:t>
-            </a:r>
-            <a:r>
-              <a:rPr lang="en-IN" dirty="0">
-                <a:solidFill>
-                  <a:srgbClr val="222222"/>
-                </a:solidFill>
-                <a:latin typeface="Verdana" panose="020B0604030504040204" pitchFamily="34" charset="0"/>
-              </a:rPr>
-              <a:t>about how multiplication can be done without actually </a:t>
-            </a:r>
-            <a:r>
-              <a:rPr lang="en-IN" dirty="0" smtClean="0">
-                <a:solidFill>
-                  <a:srgbClr val="222222"/>
-                </a:solidFill>
-                <a:latin typeface="Verdana" panose="020B0604030504040204" pitchFamily="34" charset="0"/>
-              </a:rPr>
-              <a:t>multiplying </a:t>
+              <a:rPr lang="en-US" dirty="0" smtClean="0"/>
+              <a:t>TODO</a:t>
             </a:r>
             <a:endParaRPr lang="en-IN" dirty="0"/>
           </a:p>
         </p:txBody>
       </p:sp>
-      <p:sp>
-        <p:nvSpPr>
-          <p:cNvPr id="3" name="TextBox 2"/>
-          <p:cNvSpPr txBox="1"/>
-          <p:nvPr/>
-        </p:nvSpPr>
-        <p:spPr>
-          <a:xfrm>
-            <a:off x="990600" y="2514600"/>
-            <a:ext cx="184731" cy="369332"/>
-          </a:xfrm>
-          <a:prstGeom prst="rect">
-            <a:avLst/>
-          </a:prstGeom>
-          <a:noFill/>
-        </p:spPr>
-        <p:txBody>
-          <a:bodyPr wrap="none" rtlCol="0">
-            <a:spAutoFit/>
-          </a:bodyPr>
-          <a:lstStyle/>
-          <a:p>
-            <a:endParaRPr lang="en-IN" dirty="0"/>
-          </a:p>
-        </p:txBody>
-      </p:sp>
-      <p:pic>
-        <p:nvPicPr>
-          <p:cNvPr id="5" name="Picture 4"/>
-          <p:cNvPicPr>
-            <a:picLocks noChangeAspect="1"/>
-          </p:cNvPicPr>
-          <p:nvPr/>
-        </p:nvPicPr>
-        <p:blipFill>
-          <a:blip r:embed="rId2"/>
-          <a:stretch>
-            <a:fillRect/>
-          </a:stretch>
-        </p:blipFill>
-        <p:spPr>
-          <a:xfrm>
-            <a:off x="304800" y="3700361"/>
-            <a:ext cx="4648200" cy="2471839"/>
-          </a:xfrm>
-          <a:prstGeom prst="rect">
-            <a:avLst/>
-          </a:prstGeom>
-        </p:spPr>
-      </p:pic>
-      <p:sp>
-        <p:nvSpPr>
-          <p:cNvPr id="6" name="Rectangle 5"/>
-          <p:cNvSpPr/>
-          <p:nvPr/>
-        </p:nvSpPr>
-        <p:spPr>
-          <a:xfrm>
-            <a:off x="145976" y="3243552"/>
-            <a:ext cx="1317990" cy="369332"/>
-          </a:xfrm>
-          <a:prstGeom prst="rect">
-            <a:avLst/>
-          </a:prstGeom>
-        </p:spPr>
-        <p:txBody>
-          <a:bodyPr wrap="none">
-            <a:spAutoFit/>
-          </a:bodyPr>
-          <a:lstStyle/>
-          <a:p>
-            <a:r>
-              <a:rPr lang="en-IN" dirty="0" smtClean="0">
-                <a:solidFill>
-                  <a:srgbClr val="222222"/>
-                </a:solidFill>
-                <a:latin typeface="Verdana" panose="020B0604030504040204" pitchFamily="34" charset="0"/>
-              </a:rPr>
-              <a:t>2. Square</a:t>
-            </a:r>
-            <a:endParaRPr lang="en-IN" dirty="0">
-              <a:solidFill>
-                <a:srgbClr val="222222"/>
-              </a:solidFill>
-              <a:latin typeface="Verdana" panose="020B0604030504040204" pitchFamily="34" charset="0"/>
-            </a:endParaRPr>
-          </a:p>
-        </p:txBody>
-      </p:sp>
-      <p:pic>
-        <p:nvPicPr>
-          <p:cNvPr id="8" name="Picture 7"/>
-          <p:cNvPicPr>
-            <a:picLocks noChangeAspect="1"/>
-          </p:cNvPicPr>
-          <p:nvPr/>
-        </p:nvPicPr>
-        <p:blipFill>
-          <a:blip r:embed="rId3"/>
-          <a:stretch>
-            <a:fillRect/>
-          </a:stretch>
-        </p:blipFill>
-        <p:spPr>
-          <a:xfrm>
-            <a:off x="533400" y="1250647"/>
-            <a:ext cx="4495800" cy="1883657"/>
-          </a:xfrm>
-          <a:prstGeom prst="rect">
-            <a:avLst/>
-          </a:prstGeom>
-        </p:spPr>
-      </p:pic>
     </p:spTree>
     <p:extLst>
       <p:ext uri="{BB962C8B-B14F-4D97-AF65-F5344CB8AC3E}">
-        <p14:creationId xmlns:p14="http://schemas.microsoft.com/office/powerpoint/2010/main" val="3391323119"/>
+        <p14:creationId xmlns:p14="http://schemas.microsoft.com/office/powerpoint/2010/main" val="1863467568"/>
       </p:ext>
     </p:extLst>
   </p:cSld>
@@ -26434,61 +26779,25 @@
           <a:chExt cx="0" cy="0"/>
         </a:xfrm>
       </p:grpSpPr>
-      <p:pic>
-        <p:nvPicPr>
-          <p:cNvPr id="1026" name="Picture 2" descr="http://www.bvctch.vn/vnt_upload/weblink/thks.jpg"/>
-          <p:cNvPicPr>
-            <a:picLocks noChangeAspect="1" noChangeArrowheads="1"/>
-          </p:cNvPicPr>
-          <p:nvPr/>
-        </p:nvPicPr>
-        <p:blipFill>
-          <a:blip r:embed="rId2">
-            <a:extLst>
-              <a:ext uri="{28A0092B-C50C-407E-A947-70E740481C1C}">
-                <a14:useLocalDpi xmlns:a14="http://schemas.microsoft.com/office/drawing/2010/main" val="0"/>
-              </a:ext>
-            </a:extLst>
-          </a:blip>
-          <a:srcRect/>
-          <a:stretch>
-            <a:fillRect/>
-          </a:stretch>
-        </p:blipFill>
-        <p:spPr bwMode="auto">
-          <a:xfrm>
-            <a:off x="2895600" y="757237"/>
-            <a:ext cx="3124200" cy="4881563"/>
-          </a:xfrm>
-          <a:prstGeom prst="rect">
-            <a:avLst/>
-          </a:prstGeom>
-          <a:noFill/>
-          <a:extLst>
-            <a:ext uri="{909E8E84-426E-40DD-AFC4-6F175D3DCCD1}">
-              <a14:hiddenFill xmlns:a14="http://schemas.microsoft.com/office/drawing/2010/main">
-                <a:solidFill>
-                  <a:srgbClr val="FFFFFF"/>
-                </a:solidFill>
-              </a14:hiddenFill>
-            </a:ext>
-          </a:extLst>
-        </p:spPr>
-      </p:pic>
-      <p:sp>
-        <p:nvSpPr>
-          <p:cNvPr id="3" name="Rectangle 2"/>
+      <p:sp>
+        <p:nvSpPr>
+          <p:cNvPr id="6" name="Rectangle 5"/>
           <p:cNvSpPr/>
           <p:nvPr/>
         </p:nvSpPr>
         <p:spPr>
           <a:xfrm>
-            <a:off x="304800" y="5105400"/>
-            <a:ext cx="8610600" cy="1077218"/>
-          </a:xfrm>
-          <a:prstGeom prst="rect">
-            <a:avLst/>
-          </a:prstGeom>
+            <a:off x="0" y="0"/>
+            <a:ext cx="9144000" cy="584775"/>
+          </a:xfrm>
+          <a:prstGeom prst="rect">
+            <a:avLst/>
+          </a:prstGeom>
+          <a:solidFill>
+            <a:schemeClr val="accent4">
+              <a:lumMod val="75000"/>
+            </a:schemeClr>
+          </a:solidFill>
         </p:spPr>
         <p:txBody>
           <a:bodyPr wrap="square">
@@ -26496,35 +26805,77 @@
           </a:bodyPr>
           <a:lstStyle/>
           <a:p>
-            <a:pPr algn="ctr"/>
-            <a:r>
-              <a:rPr lang="en-IN" sz="3200" dirty="0">
-                <a:solidFill>
-                  <a:srgbClr val="FE1212"/>
-                </a:solidFill>
-                <a:latin typeface="Segoe Print" panose="02000600000000000000" pitchFamily="2" charset="0"/>
-              </a:rPr>
-              <a:t>"Live as if you were to die tomorrow.</a:t>
-            </a:r>
-          </a:p>
-          <a:p>
-            <a:pPr algn="ctr"/>
-            <a:r>
-              <a:rPr lang="en-IN" sz="3200" dirty="0">
-                <a:solidFill>
-                  <a:srgbClr val="FE1212"/>
-                </a:solidFill>
-                <a:latin typeface="Segoe Print" panose="02000600000000000000" pitchFamily="2" charset="0"/>
-              </a:rPr>
-              <a:t>Learn as if you were to live forever"</a:t>
-            </a:r>
+            <a:pPr algn="r">
+              <a:spcBef>
+                <a:spcPct val="0"/>
+              </a:spcBef>
+            </a:pPr>
+            <a:r>
+              <a:rPr lang="en-IN" sz="3200" b="1" i="1" dirty="0" smtClean="0">
+                <a:solidFill>
+                  <a:srgbClr val="FFFF00"/>
+                </a:solidFill>
+                <a:latin typeface="Arial" pitchFamily="34" charset="0"/>
+                <a:cs typeface="Arial" pitchFamily="34" charset="0"/>
+              </a:rPr>
+              <a:t>MongoDB</a:t>
+            </a:r>
+            <a:r>
+              <a:rPr lang="en-US" sz="3200" b="1" i="1" dirty="0" smtClean="0">
+                <a:solidFill>
+                  <a:srgbClr val="FFFF00"/>
+                </a:solidFill>
+                <a:latin typeface="Arial" pitchFamily="34" charset="0"/>
+                <a:cs typeface="Arial" pitchFamily="34" charset="0"/>
+              </a:rPr>
+              <a:t> </a:t>
+            </a:r>
+            <a:r>
+              <a:rPr lang="en-IN" sz="3200" b="1" i="1" dirty="0">
+                <a:solidFill>
+                  <a:srgbClr val="FFFF00"/>
+                </a:solidFill>
+                <a:latin typeface="Arial" pitchFamily="34" charset="0"/>
+                <a:cs typeface="Arial" pitchFamily="34" charset="0"/>
+              </a:rPr>
+              <a:t> </a:t>
+            </a:r>
+          </a:p>
+        </p:txBody>
+      </p:sp>
+      <p:sp>
+        <p:nvSpPr>
+          <p:cNvPr id="7" name="Rectangle 6"/>
+          <p:cNvSpPr/>
+          <p:nvPr/>
+        </p:nvSpPr>
+        <p:spPr>
+          <a:xfrm>
+            <a:off x="149188" y="762000"/>
+            <a:ext cx="8845624" cy="369332"/>
+          </a:xfrm>
+          <a:prstGeom prst="rect">
+            <a:avLst/>
+          </a:prstGeom>
+        </p:spPr>
+        <p:txBody>
+          <a:bodyPr wrap="square">
+            <a:spAutoFit/>
+          </a:bodyPr>
+          <a:lstStyle/>
+          <a:p>
+            <a:r>
+              <a:rPr lang="en-US" dirty="0" smtClean="0"/>
+              <a:t>TODO</a:t>
+            </a:r>
+            <a:endParaRPr lang="en-IN" dirty="0"/>
           </a:p>
         </p:txBody>
       </p:sp>
     </p:spTree>
     <p:extLst>
       <p:ext uri="{BB962C8B-B14F-4D97-AF65-F5344CB8AC3E}">
-        <p14:creationId xmlns:p14="http://schemas.microsoft.com/office/powerpoint/2010/main" val="1148130326"/>
+        <p14:creationId xmlns:p14="http://schemas.microsoft.com/office/powerpoint/2010/main" val="1971192509"/>
       </p:ext>
     </p:extLst>
   </p:cSld>
@@ -26560,18 +26911,23 @@
       </p:grpSpPr>
       <p:sp>
         <p:nvSpPr>
-          <p:cNvPr id="3" name="Rectangle 2"/>
+          <p:cNvPr id="4" name="Rectangle 3"/>
           <p:cNvSpPr/>
           <p:nvPr/>
         </p:nvSpPr>
         <p:spPr>
           <a:xfrm>
-            <a:off x="304800" y="1981200"/>
-            <a:ext cx="8305800" cy="1754326"/>
-          </a:xfrm>
-          <a:prstGeom prst="rect">
-            <a:avLst/>
-          </a:prstGeom>
+            <a:off x="0" y="0"/>
+            <a:ext cx="9144000" cy="584775"/>
+          </a:xfrm>
+          <a:prstGeom prst="rect">
+            <a:avLst/>
+          </a:prstGeom>
+          <a:solidFill>
+            <a:schemeClr val="bg2">
+              <a:lumMod val="10000"/>
+            </a:schemeClr>
+          </a:solidFill>
         </p:spPr>
         <p:txBody>
           <a:bodyPr wrap="square">
@@ -26579,66 +26935,209 @@
           </a:bodyPr>
           <a:lstStyle/>
           <a:p>
-            <a:r>
-              <a:rPr lang="en-US" dirty="0"/>
-              <a:t>The ALTER TABLE...DROP UNUSED COLUMNS statement is the only action allowed on unused columns. It physically removes unused columns from the table and reclaims disk space</a:t>
-            </a:r>
-            <a:r>
-              <a:rPr lang="en-US" dirty="0" smtClean="0"/>
-              <a:t>.</a:t>
-            </a:r>
-          </a:p>
-          <a:p>
-            <a:endParaRPr lang="en-US" dirty="0" smtClean="0"/>
-          </a:p>
-          <a:p>
-            <a:r>
-              <a:rPr lang="en-US" dirty="0" smtClean="0">
-                <a:solidFill>
-                  <a:srgbClr val="FF0000"/>
-                </a:solidFill>
-              </a:rPr>
-              <a:t>alter </a:t>
-            </a:r>
-            <a:r>
-              <a:rPr lang="en-US" dirty="0">
-                <a:solidFill>
-                  <a:srgbClr val="FF0000"/>
-                </a:solidFill>
-              </a:rPr>
-              <a:t>table t set unused(c2);</a:t>
-            </a:r>
-          </a:p>
-          <a:p>
-            <a:r>
-              <a:rPr lang="en-US" dirty="0" smtClean="0">
-                <a:solidFill>
-                  <a:srgbClr val="FF0000"/>
-                </a:solidFill>
-              </a:rPr>
-              <a:t> </a:t>
-            </a:r>
-            <a:r>
-              <a:rPr lang="en-US" dirty="0">
-                <a:solidFill>
-                  <a:srgbClr val="FF0000"/>
-                </a:solidFill>
-              </a:rPr>
-              <a:t>alter table t drop unused column;</a:t>
-            </a:r>
-          </a:p>
-        </p:txBody>
-      </p:sp>
+            <a:pPr algn="r"/>
+            <a:r>
+              <a:rPr lang="en-IN" sz="3200" b="1" i="1" dirty="0" smtClean="0">
+                <a:solidFill>
+                  <a:srgbClr val="FFFF00"/>
+                </a:solidFill>
+                <a:latin typeface="Arial" pitchFamily="34" charset="0"/>
+                <a:cs typeface="Arial" pitchFamily="34" charset="0"/>
+              </a:rPr>
+              <a:t>IMP</a:t>
+            </a:r>
+            <a:endParaRPr lang="en-IN" sz="3200" b="1" i="1" dirty="0">
+              <a:solidFill>
+                <a:srgbClr val="FFFF00"/>
+              </a:solidFill>
+              <a:latin typeface="Arial" pitchFamily="34" charset="0"/>
+              <a:cs typeface="Arial" pitchFamily="34" charset="0"/>
+            </a:endParaRPr>
+          </a:p>
+        </p:txBody>
+      </p:sp>
+      <p:sp>
+        <p:nvSpPr>
+          <p:cNvPr id="2" name="Rectangle 1"/>
+          <p:cNvSpPr/>
+          <p:nvPr/>
+        </p:nvSpPr>
+        <p:spPr>
+          <a:xfrm>
+            <a:off x="145976" y="849264"/>
+            <a:ext cx="8845624" cy="369332"/>
+          </a:xfrm>
+          <a:prstGeom prst="rect">
+            <a:avLst/>
+          </a:prstGeom>
+        </p:spPr>
+        <p:txBody>
+          <a:bodyPr wrap="square">
+            <a:spAutoFit/>
+          </a:bodyPr>
+          <a:lstStyle/>
+          <a:p>
+            <a:r>
+              <a:rPr lang="en-IN" dirty="0" smtClean="0">
+                <a:solidFill>
+                  <a:srgbClr val="222222"/>
+                </a:solidFill>
+                <a:latin typeface="Verdana" panose="020B0604030504040204" pitchFamily="34" charset="0"/>
+              </a:rPr>
+              <a:t>1. Think </a:t>
+            </a:r>
+            <a:r>
+              <a:rPr lang="en-IN" dirty="0">
+                <a:solidFill>
+                  <a:srgbClr val="222222"/>
+                </a:solidFill>
+                <a:latin typeface="Verdana" panose="020B0604030504040204" pitchFamily="34" charset="0"/>
+              </a:rPr>
+              <a:t>about how multiplication can be done without actually </a:t>
+            </a:r>
+            <a:r>
+              <a:rPr lang="en-IN" dirty="0" smtClean="0">
+                <a:solidFill>
+                  <a:srgbClr val="222222"/>
+                </a:solidFill>
+                <a:latin typeface="Verdana" panose="020B0604030504040204" pitchFamily="34" charset="0"/>
+              </a:rPr>
+              <a:t>multiplying </a:t>
+            </a:r>
+            <a:endParaRPr lang="en-IN" dirty="0"/>
+          </a:p>
+        </p:txBody>
+      </p:sp>
+      <p:sp>
+        <p:nvSpPr>
+          <p:cNvPr id="3" name="TextBox 2"/>
+          <p:cNvSpPr txBox="1"/>
+          <p:nvPr/>
+        </p:nvSpPr>
+        <p:spPr>
+          <a:xfrm>
+            <a:off x="990600" y="2514600"/>
+            <a:ext cx="184731" cy="369332"/>
+          </a:xfrm>
+          <a:prstGeom prst="rect">
+            <a:avLst/>
+          </a:prstGeom>
+          <a:noFill/>
+        </p:spPr>
+        <p:txBody>
+          <a:bodyPr wrap="none" rtlCol="0">
+            <a:spAutoFit/>
+          </a:bodyPr>
+          <a:lstStyle/>
+          <a:p>
+            <a:endParaRPr lang="en-IN" dirty="0"/>
+          </a:p>
+        </p:txBody>
+      </p:sp>
+      <p:pic>
+        <p:nvPicPr>
+          <p:cNvPr id="5" name="Picture 4"/>
+          <p:cNvPicPr>
+            <a:picLocks noChangeAspect="1"/>
+          </p:cNvPicPr>
+          <p:nvPr/>
+        </p:nvPicPr>
+        <p:blipFill>
+          <a:blip r:embed="rId2"/>
+          <a:stretch>
+            <a:fillRect/>
+          </a:stretch>
+        </p:blipFill>
+        <p:spPr>
+          <a:xfrm>
+            <a:off x="304800" y="3700361"/>
+            <a:ext cx="4648200" cy="2471839"/>
+          </a:xfrm>
+          <a:prstGeom prst="rect">
+            <a:avLst/>
+          </a:prstGeom>
+        </p:spPr>
+      </p:pic>
+      <p:sp>
+        <p:nvSpPr>
+          <p:cNvPr id="6" name="Rectangle 5"/>
+          <p:cNvSpPr/>
+          <p:nvPr/>
+        </p:nvSpPr>
+        <p:spPr>
+          <a:xfrm>
+            <a:off x="145976" y="3243552"/>
+            <a:ext cx="1317990" cy="369332"/>
+          </a:xfrm>
+          <a:prstGeom prst="rect">
+            <a:avLst/>
+          </a:prstGeom>
+        </p:spPr>
+        <p:txBody>
+          <a:bodyPr wrap="none">
+            <a:spAutoFit/>
+          </a:bodyPr>
+          <a:lstStyle/>
+          <a:p>
+            <a:r>
+              <a:rPr lang="en-IN" dirty="0" smtClean="0">
+                <a:solidFill>
+                  <a:srgbClr val="222222"/>
+                </a:solidFill>
+                <a:latin typeface="Verdana" panose="020B0604030504040204" pitchFamily="34" charset="0"/>
+              </a:rPr>
+              <a:t>2. Square</a:t>
+            </a:r>
+            <a:endParaRPr lang="en-IN" dirty="0">
+              <a:solidFill>
+                <a:srgbClr val="222222"/>
+              </a:solidFill>
+              <a:latin typeface="Verdana" panose="020B0604030504040204" pitchFamily="34" charset="0"/>
+            </a:endParaRPr>
+          </a:p>
+        </p:txBody>
+      </p:sp>
+      <p:pic>
+        <p:nvPicPr>
+          <p:cNvPr id="8" name="Picture 7"/>
+          <p:cNvPicPr>
+            <a:picLocks noChangeAspect="1"/>
+          </p:cNvPicPr>
+          <p:nvPr/>
+        </p:nvPicPr>
+        <p:blipFill>
+          <a:blip r:embed="rId3"/>
+          <a:stretch>
+            <a:fillRect/>
+          </a:stretch>
+        </p:blipFill>
+        <p:spPr>
+          <a:xfrm>
+            <a:off x="533400" y="1250647"/>
+            <a:ext cx="4495800" cy="1883657"/>
+          </a:xfrm>
+          <a:prstGeom prst="rect">
+            <a:avLst/>
+          </a:prstGeom>
+        </p:spPr>
+      </p:pic>
     </p:spTree>
     <p:extLst>
       <p:ext uri="{BB962C8B-B14F-4D97-AF65-F5344CB8AC3E}">
-        <p14:creationId xmlns:p14="http://schemas.microsoft.com/office/powerpoint/2010/main" val="1183446369"/>
+        <p14:creationId xmlns:p14="http://schemas.microsoft.com/office/powerpoint/2010/main" val="3391323119"/>
       </p:ext>
     </p:extLst>
   </p:cSld>
   <p:clrMapOvr>
     <a:masterClrMapping/>
   </p:clrMapOvr>
+  <p:timing>
+    <p:tnLst>
+      <p:par>
+        <p:cTn id="1" dur="indefinite" restart="never" nodeType="tmRoot"/>
+      </p:par>
+    </p:tnLst>
+  </p:timing>
 </p:sld>
 </file>
 

--- a/MongoDB PPT.pptx
+++ b/MongoDB PPT.pptx
@@ -5,7 +5,7 @@
     <p:sldMasterId id="2147483720" r:id="rId1"/>
   </p:sldMasterIdLst>
   <p:notesMasterIdLst>
-    <p:notesMasterId r:id="rId104"/>
+    <p:notesMasterId r:id="rId108"/>
   </p:notesMasterIdLst>
   <p:sldIdLst>
     <p:sldId id="497" r:id="rId2"/>
@@ -62,54 +62,58 @@
     <p:sldId id="1162" r:id="rId53"/>
     <p:sldId id="1154" r:id="rId54"/>
     <p:sldId id="1155" r:id="rId55"/>
-    <p:sldId id="1179" r:id="rId56"/>
-    <p:sldId id="1180" r:id="rId57"/>
-    <p:sldId id="1183" r:id="rId58"/>
-    <p:sldId id="1184" r:id="rId59"/>
-    <p:sldId id="1181" r:id="rId60"/>
-    <p:sldId id="1182" r:id="rId61"/>
-    <p:sldId id="1185" r:id="rId62"/>
-    <p:sldId id="1186" r:id="rId63"/>
-    <p:sldId id="1187" r:id="rId64"/>
-    <p:sldId id="1188" r:id="rId65"/>
-    <p:sldId id="1173" r:id="rId66"/>
-    <p:sldId id="1174" r:id="rId67"/>
-    <p:sldId id="1175" r:id="rId68"/>
-    <p:sldId id="1176" r:id="rId69"/>
-    <p:sldId id="1099" r:id="rId70"/>
-    <p:sldId id="1092" r:id="rId71"/>
-    <p:sldId id="1102" r:id="rId72"/>
-    <p:sldId id="1103" r:id="rId73"/>
-    <p:sldId id="1104" r:id="rId74"/>
-    <p:sldId id="1105" r:id="rId75"/>
-    <p:sldId id="1106" r:id="rId76"/>
-    <p:sldId id="1107" r:id="rId77"/>
-    <p:sldId id="1108" r:id="rId78"/>
-    <p:sldId id="1109" r:id="rId79"/>
-    <p:sldId id="1110" r:id="rId80"/>
-    <p:sldId id="1111" r:id="rId81"/>
-    <p:sldId id="1112" r:id="rId82"/>
-    <p:sldId id="1113" r:id="rId83"/>
-    <p:sldId id="1114" r:id="rId84"/>
-    <p:sldId id="1115" r:id="rId85"/>
-    <p:sldId id="1116" r:id="rId86"/>
-    <p:sldId id="1117" r:id="rId87"/>
-    <p:sldId id="1118" r:id="rId88"/>
-    <p:sldId id="1119" r:id="rId89"/>
-    <p:sldId id="1120" r:id="rId90"/>
-    <p:sldId id="1121" r:id="rId91"/>
-    <p:sldId id="1122" r:id="rId92"/>
-    <p:sldId id="1123" r:id="rId93"/>
-    <p:sldId id="1124" r:id="rId94"/>
-    <p:sldId id="1125" r:id="rId95"/>
-    <p:sldId id="1126" r:id="rId96"/>
-    <p:sldId id="1127" r:id="rId97"/>
-    <p:sldId id="1128" r:id="rId98"/>
-    <p:sldId id="1129" r:id="rId99"/>
-    <p:sldId id="954" r:id="rId100"/>
-    <p:sldId id="788" r:id="rId101"/>
-    <p:sldId id="1071" r:id="rId102"/>
-    <p:sldId id="1087" r:id="rId103"/>
+    <p:sldId id="1191" r:id="rId56"/>
+    <p:sldId id="1192" r:id="rId57"/>
+    <p:sldId id="1179" r:id="rId58"/>
+    <p:sldId id="1180" r:id="rId59"/>
+    <p:sldId id="1183" r:id="rId60"/>
+    <p:sldId id="1184" r:id="rId61"/>
+    <p:sldId id="1181" r:id="rId62"/>
+    <p:sldId id="1182" r:id="rId63"/>
+    <p:sldId id="1185" r:id="rId64"/>
+    <p:sldId id="1186" r:id="rId65"/>
+    <p:sldId id="1187" r:id="rId66"/>
+    <p:sldId id="1188" r:id="rId67"/>
+    <p:sldId id="1189" r:id="rId68"/>
+    <p:sldId id="1190" r:id="rId69"/>
+    <p:sldId id="1173" r:id="rId70"/>
+    <p:sldId id="1174" r:id="rId71"/>
+    <p:sldId id="1175" r:id="rId72"/>
+    <p:sldId id="1176" r:id="rId73"/>
+    <p:sldId id="1099" r:id="rId74"/>
+    <p:sldId id="1092" r:id="rId75"/>
+    <p:sldId id="1102" r:id="rId76"/>
+    <p:sldId id="1103" r:id="rId77"/>
+    <p:sldId id="1104" r:id="rId78"/>
+    <p:sldId id="1105" r:id="rId79"/>
+    <p:sldId id="1106" r:id="rId80"/>
+    <p:sldId id="1107" r:id="rId81"/>
+    <p:sldId id="1108" r:id="rId82"/>
+    <p:sldId id="1109" r:id="rId83"/>
+    <p:sldId id="1110" r:id="rId84"/>
+    <p:sldId id="1111" r:id="rId85"/>
+    <p:sldId id="1112" r:id="rId86"/>
+    <p:sldId id="1113" r:id="rId87"/>
+    <p:sldId id="1114" r:id="rId88"/>
+    <p:sldId id="1115" r:id="rId89"/>
+    <p:sldId id="1116" r:id="rId90"/>
+    <p:sldId id="1117" r:id="rId91"/>
+    <p:sldId id="1118" r:id="rId92"/>
+    <p:sldId id="1119" r:id="rId93"/>
+    <p:sldId id="1120" r:id="rId94"/>
+    <p:sldId id="1121" r:id="rId95"/>
+    <p:sldId id="1122" r:id="rId96"/>
+    <p:sldId id="1123" r:id="rId97"/>
+    <p:sldId id="1124" r:id="rId98"/>
+    <p:sldId id="1125" r:id="rId99"/>
+    <p:sldId id="1126" r:id="rId100"/>
+    <p:sldId id="1127" r:id="rId101"/>
+    <p:sldId id="1128" r:id="rId102"/>
+    <p:sldId id="1129" r:id="rId103"/>
+    <p:sldId id="954" r:id="rId104"/>
+    <p:sldId id="788" r:id="rId105"/>
+    <p:sldId id="1071" r:id="rId106"/>
+    <p:sldId id="1087" r:id="rId107"/>
   </p:sldIdLst>
   <p:sldSz cx="9144000" cy="6858000" type="screen4x3"/>
   <p:notesSz cx="6858000" cy="9144000"/>
@@ -4879,61 +4883,25 @@
           <a:chExt cx="0" cy="0"/>
         </a:xfrm>
       </p:grpSpPr>
-      <p:pic>
-        <p:nvPicPr>
-          <p:cNvPr id="1026" name="Picture 2" descr="http://www.bvctch.vn/vnt_upload/weblink/thks.jpg"/>
-          <p:cNvPicPr>
-            <a:picLocks noChangeAspect="1" noChangeArrowheads="1"/>
-          </p:cNvPicPr>
-          <p:nvPr/>
-        </p:nvPicPr>
-        <p:blipFill>
-          <a:blip r:embed="rId2">
-            <a:extLst>
-              <a:ext uri="{28A0092B-C50C-407E-A947-70E740481C1C}">
-                <a14:useLocalDpi xmlns:a14="http://schemas.microsoft.com/office/drawing/2010/main" val="0"/>
-              </a:ext>
-            </a:extLst>
-          </a:blip>
-          <a:srcRect/>
-          <a:stretch>
-            <a:fillRect/>
-          </a:stretch>
-        </p:blipFill>
-        <p:spPr bwMode="auto">
-          <a:xfrm>
-            <a:off x="2895600" y="757237"/>
-            <a:ext cx="3124200" cy="4881563"/>
-          </a:xfrm>
-          <a:prstGeom prst="rect">
-            <a:avLst/>
-          </a:prstGeom>
-          <a:noFill/>
-          <a:extLst>
-            <a:ext uri="{909E8E84-426E-40DD-AFC4-6F175D3DCCD1}">
-              <a14:hiddenFill xmlns:a14="http://schemas.microsoft.com/office/drawing/2010/main">
-                <a:solidFill>
-                  <a:srgbClr val="FFFFFF"/>
-                </a:solidFill>
-              </a14:hiddenFill>
-            </a:ext>
-          </a:extLst>
-        </p:spPr>
-      </p:pic>
-      <p:sp>
-        <p:nvSpPr>
-          <p:cNvPr id="3" name="Rectangle 2"/>
+      <p:sp>
+        <p:nvSpPr>
+          <p:cNvPr id="6" name="Rectangle 5"/>
           <p:cNvSpPr/>
           <p:nvPr/>
         </p:nvSpPr>
         <p:spPr>
           <a:xfrm>
-            <a:off x="304800" y="5105400"/>
-            <a:ext cx="8610600" cy="1077218"/>
-          </a:xfrm>
-          <a:prstGeom prst="rect">
-            <a:avLst/>
-          </a:prstGeom>
+            <a:off x="0" y="0"/>
+            <a:ext cx="9144000" cy="584775"/>
+          </a:xfrm>
+          <a:prstGeom prst="rect">
+            <a:avLst/>
+          </a:prstGeom>
+          <a:solidFill>
+            <a:schemeClr val="accent4">
+              <a:lumMod val="75000"/>
+            </a:schemeClr>
+          </a:solidFill>
         </p:spPr>
         <p:txBody>
           <a:bodyPr wrap="square">
@@ -4941,35 +4909,77 @@
           </a:bodyPr>
           <a:lstStyle/>
           <a:p>
-            <a:pPr algn="ctr"/>
-            <a:r>
-              <a:rPr lang="en-IN" sz="3200" dirty="0">
-                <a:solidFill>
-                  <a:srgbClr val="FE1212"/>
-                </a:solidFill>
-                <a:latin typeface="Segoe Print" panose="02000600000000000000" pitchFamily="2" charset="0"/>
-              </a:rPr>
-              <a:t>"Live as if you were to die tomorrow.</a:t>
-            </a:r>
-          </a:p>
-          <a:p>
-            <a:pPr algn="ctr"/>
-            <a:r>
-              <a:rPr lang="en-IN" sz="3200" dirty="0">
-                <a:solidFill>
-                  <a:srgbClr val="FE1212"/>
-                </a:solidFill>
-                <a:latin typeface="Segoe Print" panose="02000600000000000000" pitchFamily="2" charset="0"/>
-              </a:rPr>
-              <a:t>Learn as if you were to live forever"</a:t>
-            </a:r>
+            <a:pPr algn="r">
+              <a:spcBef>
+                <a:spcPct val="0"/>
+              </a:spcBef>
+            </a:pPr>
+            <a:r>
+              <a:rPr lang="en-IN" sz="3200" b="1" i="1" dirty="0" smtClean="0">
+                <a:solidFill>
+                  <a:srgbClr val="FFFF00"/>
+                </a:solidFill>
+                <a:latin typeface="Arial" pitchFamily="34" charset="0"/>
+                <a:cs typeface="Arial" pitchFamily="34" charset="0"/>
+              </a:rPr>
+              <a:t>MongoDB</a:t>
+            </a:r>
+            <a:r>
+              <a:rPr lang="en-US" sz="3200" b="1" i="1" dirty="0" smtClean="0">
+                <a:solidFill>
+                  <a:srgbClr val="FFFF00"/>
+                </a:solidFill>
+                <a:latin typeface="Arial" pitchFamily="34" charset="0"/>
+                <a:cs typeface="Arial" pitchFamily="34" charset="0"/>
+              </a:rPr>
+              <a:t> </a:t>
+            </a:r>
+            <a:r>
+              <a:rPr lang="en-IN" sz="3200" b="1" i="1" dirty="0">
+                <a:solidFill>
+                  <a:srgbClr val="FFFF00"/>
+                </a:solidFill>
+                <a:latin typeface="Arial" pitchFamily="34" charset="0"/>
+                <a:cs typeface="Arial" pitchFamily="34" charset="0"/>
+              </a:rPr>
+              <a:t> </a:t>
+            </a:r>
+          </a:p>
+        </p:txBody>
+      </p:sp>
+      <p:sp>
+        <p:nvSpPr>
+          <p:cNvPr id="7" name="Rectangle 6"/>
+          <p:cNvSpPr/>
+          <p:nvPr/>
+        </p:nvSpPr>
+        <p:spPr>
+          <a:xfrm>
+            <a:off x="149188" y="762000"/>
+            <a:ext cx="8845624" cy="369332"/>
+          </a:xfrm>
+          <a:prstGeom prst="rect">
+            <a:avLst/>
+          </a:prstGeom>
+        </p:spPr>
+        <p:txBody>
+          <a:bodyPr wrap="square">
+            <a:spAutoFit/>
+          </a:bodyPr>
+          <a:lstStyle/>
+          <a:p>
+            <a:r>
+              <a:rPr lang="en-US" dirty="0" smtClean="0"/>
+              <a:t>TODO</a:t>
+            </a:r>
+            <a:endParaRPr lang="en-IN" dirty="0"/>
           </a:p>
         </p:txBody>
       </p:sp>
     </p:spTree>
     <p:extLst>
       <p:ext uri="{BB962C8B-B14F-4D97-AF65-F5344CB8AC3E}">
-        <p14:creationId xmlns:p14="http://schemas.microsoft.com/office/powerpoint/2010/main" val="1148130326"/>
+        <p14:creationId xmlns:p14="http://schemas.microsoft.com/office/powerpoint/2010/main" val="1587220367"/>
       </p:ext>
     </p:extLst>
   </p:cSld>
@@ -5005,6 +5015,639 @@
       </p:grpSpPr>
       <p:sp>
         <p:nvSpPr>
+          <p:cNvPr id="6" name="Rectangle 5"/>
+          <p:cNvSpPr/>
+          <p:nvPr/>
+        </p:nvSpPr>
+        <p:spPr>
+          <a:xfrm>
+            <a:off x="0" y="0"/>
+            <a:ext cx="9144000" cy="584775"/>
+          </a:xfrm>
+          <a:prstGeom prst="rect">
+            <a:avLst/>
+          </a:prstGeom>
+          <a:solidFill>
+            <a:schemeClr val="accent4">
+              <a:lumMod val="75000"/>
+            </a:schemeClr>
+          </a:solidFill>
+        </p:spPr>
+        <p:txBody>
+          <a:bodyPr wrap="square">
+            <a:spAutoFit/>
+          </a:bodyPr>
+          <a:lstStyle/>
+          <a:p>
+            <a:pPr algn="r">
+              <a:spcBef>
+                <a:spcPct val="0"/>
+              </a:spcBef>
+            </a:pPr>
+            <a:r>
+              <a:rPr lang="en-IN" sz="3200" b="1" i="1" dirty="0" smtClean="0">
+                <a:solidFill>
+                  <a:srgbClr val="FFFF00"/>
+                </a:solidFill>
+                <a:latin typeface="Arial" pitchFamily="34" charset="0"/>
+                <a:cs typeface="Arial" pitchFamily="34" charset="0"/>
+              </a:rPr>
+              <a:t>MongoDB</a:t>
+            </a:r>
+            <a:r>
+              <a:rPr lang="en-US" sz="3200" b="1" i="1" dirty="0" smtClean="0">
+                <a:solidFill>
+                  <a:srgbClr val="FFFF00"/>
+                </a:solidFill>
+                <a:latin typeface="Arial" pitchFamily="34" charset="0"/>
+                <a:cs typeface="Arial" pitchFamily="34" charset="0"/>
+              </a:rPr>
+              <a:t> </a:t>
+            </a:r>
+            <a:r>
+              <a:rPr lang="en-IN" sz="3200" b="1" i="1" dirty="0">
+                <a:solidFill>
+                  <a:srgbClr val="FFFF00"/>
+                </a:solidFill>
+                <a:latin typeface="Arial" pitchFamily="34" charset="0"/>
+                <a:cs typeface="Arial" pitchFamily="34" charset="0"/>
+              </a:rPr>
+              <a:t> </a:t>
+            </a:r>
+          </a:p>
+        </p:txBody>
+      </p:sp>
+      <p:sp>
+        <p:nvSpPr>
+          <p:cNvPr id="7" name="Rectangle 6"/>
+          <p:cNvSpPr/>
+          <p:nvPr/>
+        </p:nvSpPr>
+        <p:spPr>
+          <a:xfrm>
+            <a:off x="149188" y="762000"/>
+            <a:ext cx="8845624" cy="369332"/>
+          </a:xfrm>
+          <a:prstGeom prst="rect">
+            <a:avLst/>
+          </a:prstGeom>
+        </p:spPr>
+        <p:txBody>
+          <a:bodyPr wrap="square">
+            <a:spAutoFit/>
+          </a:bodyPr>
+          <a:lstStyle/>
+          <a:p>
+            <a:r>
+              <a:rPr lang="en-US" dirty="0" smtClean="0"/>
+              <a:t>TODO</a:t>
+            </a:r>
+            <a:endParaRPr lang="en-IN" dirty="0"/>
+          </a:p>
+        </p:txBody>
+      </p:sp>
+    </p:spTree>
+    <p:extLst>
+      <p:ext uri="{BB962C8B-B14F-4D97-AF65-F5344CB8AC3E}">
+        <p14:creationId xmlns:p14="http://schemas.microsoft.com/office/powerpoint/2010/main" val="1863467568"/>
+      </p:ext>
+    </p:extLst>
+  </p:cSld>
+  <p:clrMapOvr>
+    <a:masterClrMapping/>
+  </p:clrMapOvr>
+  <p:timing>
+    <p:tnLst>
+      <p:par>
+        <p:cTn id="1" dur="indefinite" restart="never" nodeType="tmRoot"/>
+      </p:par>
+    </p:tnLst>
+  </p:timing>
+</p:sld>
+</file>
+
+<file path=ppt/slides/slide102.xml><?xml version="1.0" encoding="utf-8"?>
+<p:sld xmlns:a="http://schemas.openxmlformats.org/drawingml/2006/main" xmlns:r="http://schemas.openxmlformats.org/officeDocument/2006/relationships" xmlns:p="http://schemas.openxmlformats.org/presentationml/2006/main">
+  <p:cSld>
+    <p:spTree>
+      <p:nvGrpSpPr>
+        <p:cNvPr id="1" name=""/>
+        <p:cNvGrpSpPr/>
+        <p:nvPr/>
+      </p:nvGrpSpPr>
+      <p:grpSpPr>
+        <a:xfrm>
+          <a:off x="0" y="0"/>
+          <a:ext cx="0" cy="0"/>
+          <a:chOff x="0" y="0"/>
+          <a:chExt cx="0" cy="0"/>
+        </a:xfrm>
+      </p:grpSpPr>
+      <p:sp>
+        <p:nvSpPr>
+          <p:cNvPr id="6" name="Rectangle 5"/>
+          <p:cNvSpPr/>
+          <p:nvPr/>
+        </p:nvSpPr>
+        <p:spPr>
+          <a:xfrm>
+            <a:off x="0" y="0"/>
+            <a:ext cx="9144000" cy="584775"/>
+          </a:xfrm>
+          <a:prstGeom prst="rect">
+            <a:avLst/>
+          </a:prstGeom>
+          <a:solidFill>
+            <a:schemeClr val="accent4">
+              <a:lumMod val="75000"/>
+            </a:schemeClr>
+          </a:solidFill>
+        </p:spPr>
+        <p:txBody>
+          <a:bodyPr wrap="square">
+            <a:spAutoFit/>
+          </a:bodyPr>
+          <a:lstStyle/>
+          <a:p>
+            <a:pPr algn="r">
+              <a:spcBef>
+                <a:spcPct val="0"/>
+              </a:spcBef>
+            </a:pPr>
+            <a:r>
+              <a:rPr lang="en-IN" sz="3200" b="1" i="1" dirty="0" smtClean="0">
+                <a:solidFill>
+                  <a:srgbClr val="FFFF00"/>
+                </a:solidFill>
+                <a:latin typeface="Arial" pitchFamily="34" charset="0"/>
+                <a:cs typeface="Arial" pitchFamily="34" charset="0"/>
+              </a:rPr>
+              <a:t>MongoDB</a:t>
+            </a:r>
+            <a:r>
+              <a:rPr lang="en-US" sz="3200" b="1" i="1" dirty="0" smtClean="0">
+                <a:solidFill>
+                  <a:srgbClr val="FFFF00"/>
+                </a:solidFill>
+                <a:latin typeface="Arial" pitchFamily="34" charset="0"/>
+                <a:cs typeface="Arial" pitchFamily="34" charset="0"/>
+              </a:rPr>
+              <a:t> </a:t>
+            </a:r>
+            <a:r>
+              <a:rPr lang="en-IN" sz="3200" b="1" i="1" dirty="0">
+                <a:solidFill>
+                  <a:srgbClr val="FFFF00"/>
+                </a:solidFill>
+                <a:latin typeface="Arial" pitchFamily="34" charset="0"/>
+                <a:cs typeface="Arial" pitchFamily="34" charset="0"/>
+              </a:rPr>
+              <a:t> </a:t>
+            </a:r>
+          </a:p>
+        </p:txBody>
+      </p:sp>
+      <p:sp>
+        <p:nvSpPr>
+          <p:cNvPr id="7" name="Rectangle 6"/>
+          <p:cNvSpPr/>
+          <p:nvPr/>
+        </p:nvSpPr>
+        <p:spPr>
+          <a:xfrm>
+            <a:off x="149188" y="762000"/>
+            <a:ext cx="8845624" cy="369332"/>
+          </a:xfrm>
+          <a:prstGeom prst="rect">
+            <a:avLst/>
+          </a:prstGeom>
+        </p:spPr>
+        <p:txBody>
+          <a:bodyPr wrap="square">
+            <a:spAutoFit/>
+          </a:bodyPr>
+          <a:lstStyle/>
+          <a:p>
+            <a:r>
+              <a:rPr lang="en-US" dirty="0" smtClean="0"/>
+              <a:t>TODO</a:t>
+            </a:r>
+            <a:endParaRPr lang="en-IN" dirty="0"/>
+          </a:p>
+        </p:txBody>
+      </p:sp>
+    </p:spTree>
+    <p:extLst>
+      <p:ext uri="{BB962C8B-B14F-4D97-AF65-F5344CB8AC3E}">
+        <p14:creationId xmlns:p14="http://schemas.microsoft.com/office/powerpoint/2010/main" val="1971192509"/>
+      </p:ext>
+    </p:extLst>
+  </p:cSld>
+  <p:clrMapOvr>
+    <a:masterClrMapping/>
+  </p:clrMapOvr>
+  <p:timing>
+    <p:tnLst>
+      <p:par>
+        <p:cTn id="1" dur="indefinite" restart="never" nodeType="tmRoot"/>
+      </p:par>
+    </p:tnLst>
+  </p:timing>
+</p:sld>
+</file>
+
+<file path=ppt/slides/slide103.xml><?xml version="1.0" encoding="utf-8"?>
+<p:sld xmlns:a="http://schemas.openxmlformats.org/drawingml/2006/main" xmlns:r="http://schemas.openxmlformats.org/officeDocument/2006/relationships" xmlns:p="http://schemas.openxmlformats.org/presentationml/2006/main">
+  <p:cSld>
+    <p:spTree>
+      <p:nvGrpSpPr>
+        <p:cNvPr id="1" name=""/>
+        <p:cNvGrpSpPr/>
+        <p:nvPr/>
+      </p:nvGrpSpPr>
+      <p:grpSpPr>
+        <a:xfrm>
+          <a:off x="0" y="0"/>
+          <a:ext cx="0" cy="0"/>
+          <a:chOff x="0" y="0"/>
+          <a:chExt cx="0" cy="0"/>
+        </a:xfrm>
+      </p:grpSpPr>
+      <p:sp>
+        <p:nvSpPr>
+          <p:cNvPr id="4" name="Rectangle 3"/>
+          <p:cNvSpPr/>
+          <p:nvPr/>
+        </p:nvSpPr>
+        <p:spPr>
+          <a:xfrm>
+            <a:off x="0" y="0"/>
+            <a:ext cx="9144000" cy="584775"/>
+          </a:xfrm>
+          <a:prstGeom prst="rect">
+            <a:avLst/>
+          </a:prstGeom>
+          <a:solidFill>
+            <a:schemeClr val="bg2">
+              <a:lumMod val="10000"/>
+            </a:schemeClr>
+          </a:solidFill>
+        </p:spPr>
+        <p:txBody>
+          <a:bodyPr wrap="square">
+            <a:spAutoFit/>
+          </a:bodyPr>
+          <a:lstStyle/>
+          <a:p>
+            <a:pPr algn="r"/>
+            <a:r>
+              <a:rPr lang="en-IN" sz="3200" b="1" i="1" dirty="0" smtClean="0">
+                <a:solidFill>
+                  <a:srgbClr val="FFFF00"/>
+                </a:solidFill>
+                <a:latin typeface="Arial" pitchFamily="34" charset="0"/>
+                <a:cs typeface="Arial" pitchFamily="34" charset="0"/>
+              </a:rPr>
+              <a:t>IMP</a:t>
+            </a:r>
+            <a:endParaRPr lang="en-IN" sz="3200" b="1" i="1" dirty="0">
+              <a:solidFill>
+                <a:srgbClr val="FFFF00"/>
+              </a:solidFill>
+              <a:latin typeface="Arial" pitchFamily="34" charset="0"/>
+              <a:cs typeface="Arial" pitchFamily="34" charset="0"/>
+            </a:endParaRPr>
+          </a:p>
+        </p:txBody>
+      </p:sp>
+      <p:sp>
+        <p:nvSpPr>
+          <p:cNvPr id="2" name="Rectangle 1"/>
+          <p:cNvSpPr/>
+          <p:nvPr/>
+        </p:nvSpPr>
+        <p:spPr>
+          <a:xfrm>
+            <a:off x="145976" y="849264"/>
+            <a:ext cx="8845624" cy="369332"/>
+          </a:xfrm>
+          <a:prstGeom prst="rect">
+            <a:avLst/>
+          </a:prstGeom>
+        </p:spPr>
+        <p:txBody>
+          <a:bodyPr wrap="square">
+            <a:spAutoFit/>
+          </a:bodyPr>
+          <a:lstStyle/>
+          <a:p>
+            <a:r>
+              <a:rPr lang="en-IN" dirty="0" smtClean="0">
+                <a:solidFill>
+                  <a:srgbClr val="222222"/>
+                </a:solidFill>
+                <a:latin typeface="Verdana" panose="020B0604030504040204" pitchFamily="34" charset="0"/>
+              </a:rPr>
+              <a:t>1. Think </a:t>
+            </a:r>
+            <a:r>
+              <a:rPr lang="en-IN" dirty="0">
+                <a:solidFill>
+                  <a:srgbClr val="222222"/>
+                </a:solidFill>
+                <a:latin typeface="Verdana" panose="020B0604030504040204" pitchFamily="34" charset="0"/>
+              </a:rPr>
+              <a:t>about how multiplication can be done without actually </a:t>
+            </a:r>
+            <a:r>
+              <a:rPr lang="en-IN" dirty="0" smtClean="0">
+                <a:solidFill>
+                  <a:srgbClr val="222222"/>
+                </a:solidFill>
+                <a:latin typeface="Verdana" panose="020B0604030504040204" pitchFamily="34" charset="0"/>
+              </a:rPr>
+              <a:t>multiplying </a:t>
+            </a:r>
+            <a:endParaRPr lang="en-IN" dirty="0"/>
+          </a:p>
+        </p:txBody>
+      </p:sp>
+      <p:sp>
+        <p:nvSpPr>
+          <p:cNvPr id="3" name="TextBox 2"/>
+          <p:cNvSpPr txBox="1"/>
+          <p:nvPr/>
+        </p:nvSpPr>
+        <p:spPr>
+          <a:xfrm>
+            <a:off x="990600" y="2514600"/>
+            <a:ext cx="184731" cy="369332"/>
+          </a:xfrm>
+          <a:prstGeom prst="rect">
+            <a:avLst/>
+          </a:prstGeom>
+          <a:noFill/>
+        </p:spPr>
+        <p:txBody>
+          <a:bodyPr wrap="none" rtlCol="0">
+            <a:spAutoFit/>
+          </a:bodyPr>
+          <a:lstStyle/>
+          <a:p>
+            <a:endParaRPr lang="en-IN" dirty="0"/>
+          </a:p>
+        </p:txBody>
+      </p:sp>
+      <p:pic>
+        <p:nvPicPr>
+          <p:cNvPr id="5" name="Picture 4"/>
+          <p:cNvPicPr>
+            <a:picLocks noChangeAspect="1"/>
+          </p:cNvPicPr>
+          <p:nvPr/>
+        </p:nvPicPr>
+        <p:blipFill>
+          <a:blip r:embed="rId2"/>
+          <a:stretch>
+            <a:fillRect/>
+          </a:stretch>
+        </p:blipFill>
+        <p:spPr>
+          <a:xfrm>
+            <a:off x="304800" y="3700361"/>
+            <a:ext cx="4648200" cy="2471839"/>
+          </a:xfrm>
+          <a:prstGeom prst="rect">
+            <a:avLst/>
+          </a:prstGeom>
+        </p:spPr>
+      </p:pic>
+      <p:sp>
+        <p:nvSpPr>
+          <p:cNvPr id="6" name="Rectangle 5"/>
+          <p:cNvSpPr/>
+          <p:nvPr/>
+        </p:nvSpPr>
+        <p:spPr>
+          <a:xfrm>
+            <a:off x="145976" y="3243552"/>
+            <a:ext cx="1317990" cy="369332"/>
+          </a:xfrm>
+          <a:prstGeom prst="rect">
+            <a:avLst/>
+          </a:prstGeom>
+        </p:spPr>
+        <p:txBody>
+          <a:bodyPr wrap="none">
+            <a:spAutoFit/>
+          </a:bodyPr>
+          <a:lstStyle/>
+          <a:p>
+            <a:r>
+              <a:rPr lang="en-IN" dirty="0" smtClean="0">
+                <a:solidFill>
+                  <a:srgbClr val="222222"/>
+                </a:solidFill>
+                <a:latin typeface="Verdana" panose="020B0604030504040204" pitchFamily="34" charset="0"/>
+              </a:rPr>
+              <a:t>2. Square</a:t>
+            </a:r>
+            <a:endParaRPr lang="en-IN" dirty="0">
+              <a:solidFill>
+                <a:srgbClr val="222222"/>
+              </a:solidFill>
+              <a:latin typeface="Verdana" panose="020B0604030504040204" pitchFamily="34" charset="0"/>
+            </a:endParaRPr>
+          </a:p>
+        </p:txBody>
+      </p:sp>
+      <p:pic>
+        <p:nvPicPr>
+          <p:cNvPr id="8" name="Picture 7"/>
+          <p:cNvPicPr>
+            <a:picLocks noChangeAspect="1"/>
+          </p:cNvPicPr>
+          <p:nvPr/>
+        </p:nvPicPr>
+        <p:blipFill>
+          <a:blip r:embed="rId3"/>
+          <a:stretch>
+            <a:fillRect/>
+          </a:stretch>
+        </p:blipFill>
+        <p:spPr>
+          <a:xfrm>
+            <a:off x="533400" y="1250647"/>
+            <a:ext cx="4495800" cy="1883657"/>
+          </a:xfrm>
+          <a:prstGeom prst="rect">
+            <a:avLst/>
+          </a:prstGeom>
+        </p:spPr>
+      </p:pic>
+    </p:spTree>
+    <p:extLst>
+      <p:ext uri="{BB962C8B-B14F-4D97-AF65-F5344CB8AC3E}">
+        <p14:creationId xmlns:p14="http://schemas.microsoft.com/office/powerpoint/2010/main" val="3391323119"/>
+      </p:ext>
+    </p:extLst>
+  </p:cSld>
+  <p:clrMapOvr>
+    <a:masterClrMapping/>
+  </p:clrMapOvr>
+  <p:timing>
+    <p:tnLst>
+      <p:par>
+        <p:cTn id="1" dur="indefinite" restart="never" nodeType="tmRoot"/>
+      </p:par>
+    </p:tnLst>
+  </p:timing>
+</p:sld>
+</file>
+
+<file path=ppt/slides/slide104.xml><?xml version="1.0" encoding="utf-8"?>
+<p:sld xmlns:a="http://schemas.openxmlformats.org/drawingml/2006/main" xmlns:r="http://schemas.openxmlformats.org/officeDocument/2006/relationships" xmlns:p="http://schemas.openxmlformats.org/presentationml/2006/main">
+  <p:cSld>
+    <p:spTree>
+      <p:nvGrpSpPr>
+        <p:cNvPr id="1" name=""/>
+        <p:cNvGrpSpPr/>
+        <p:nvPr/>
+      </p:nvGrpSpPr>
+      <p:grpSpPr>
+        <a:xfrm>
+          <a:off x="0" y="0"/>
+          <a:ext cx="0" cy="0"/>
+          <a:chOff x="0" y="0"/>
+          <a:chExt cx="0" cy="0"/>
+        </a:xfrm>
+      </p:grpSpPr>
+      <p:pic>
+        <p:nvPicPr>
+          <p:cNvPr id="1026" name="Picture 2" descr="http://www.bvctch.vn/vnt_upload/weblink/thks.jpg"/>
+          <p:cNvPicPr>
+            <a:picLocks noChangeAspect="1" noChangeArrowheads="1"/>
+          </p:cNvPicPr>
+          <p:nvPr/>
+        </p:nvPicPr>
+        <p:blipFill>
+          <a:blip r:embed="rId2">
+            <a:extLst>
+              <a:ext uri="{28A0092B-C50C-407E-A947-70E740481C1C}">
+                <a14:useLocalDpi xmlns:a14="http://schemas.microsoft.com/office/drawing/2010/main" val="0"/>
+              </a:ext>
+            </a:extLst>
+          </a:blip>
+          <a:srcRect/>
+          <a:stretch>
+            <a:fillRect/>
+          </a:stretch>
+        </p:blipFill>
+        <p:spPr bwMode="auto">
+          <a:xfrm>
+            <a:off x="2895600" y="757237"/>
+            <a:ext cx="3124200" cy="4881563"/>
+          </a:xfrm>
+          <a:prstGeom prst="rect">
+            <a:avLst/>
+          </a:prstGeom>
+          <a:noFill/>
+          <a:extLst>
+            <a:ext uri="{909E8E84-426E-40DD-AFC4-6F175D3DCCD1}">
+              <a14:hiddenFill xmlns:a14="http://schemas.microsoft.com/office/drawing/2010/main">
+                <a:solidFill>
+                  <a:srgbClr val="FFFFFF"/>
+                </a:solidFill>
+              </a14:hiddenFill>
+            </a:ext>
+          </a:extLst>
+        </p:spPr>
+      </p:pic>
+      <p:sp>
+        <p:nvSpPr>
+          <p:cNvPr id="3" name="Rectangle 2"/>
+          <p:cNvSpPr/>
+          <p:nvPr/>
+        </p:nvSpPr>
+        <p:spPr>
+          <a:xfrm>
+            <a:off x="304800" y="5105400"/>
+            <a:ext cx="8610600" cy="1077218"/>
+          </a:xfrm>
+          <a:prstGeom prst="rect">
+            <a:avLst/>
+          </a:prstGeom>
+        </p:spPr>
+        <p:txBody>
+          <a:bodyPr wrap="square">
+            <a:spAutoFit/>
+          </a:bodyPr>
+          <a:lstStyle/>
+          <a:p>
+            <a:pPr algn="ctr"/>
+            <a:r>
+              <a:rPr lang="en-IN" sz="3200" dirty="0">
+                <a:solidFill>
+                  <a:srgbClr val="FE1212"/>
+                </a:solidFill>
+                <a:latin typeface="Segoe Print" panose="02000600000000000000" pitchFamily="2" charset="0"/>
+              </a:rPr>
+              <a:t>"Live as if you were to die tomorrow.</a:t>
+            </a:r>
+          </a:p>
+          <a:p>
+            <a:pPr algn="ctr"/>
+            <a:r>
+              <a:rPr lang="en-IN" sz="3200" dirty="0">
+                <a:solidFill>
+                  <a:srgbClr val="FE1212"/>
+                </a:solidFill>
+                <a:latin typeface="Segoe Print" panose="02000600000000000000" pitchFamily="2" charset="0"/>
+              </a:rPr>
+              <a:t>Learn as if you were to live forever"</a:t>
+            </a:r>
+          </a:p>
+        </p:txBody>
+      </p:sp>
+    </p:spTree>
+    <p:extLst>
+      <p:ext uri="{BB962C8B-B14F-4D97-AF65-F5344CB8AC3E}">
+        <p14:creationId xmlns:p14="http://schemas.microsoft.com/office/powerpoint/2010/main" val="1148130326"/>
+      </p:ext>
+    </p:extLst>
+  </p:cSld>
+  <p:clrMapOvr>
+    <a:masterClrMapping/>
+  </p:clrMapOvr>
+  <p:timing>
+    <p:tnLst>
+      <p:par>
+        <p:cTn id="1" dur="indefinite" restart="never" nodeType="tmRoot"/>
+      </p:par>
+    </p:tnLst>
+  </p:timing>
+</p:sld>
+</file>
+
+<file path=ppt/slides/slide105.xml><?xml version="1.0" encoding="utf-8"?>
+<p:sld xmlns:a="http://schemas.openxmlformats.org/drawingml/2006/main" xmlns:r="http://schemas.openxmlformats.org/officeDocument/2006/relationships" xmlns:p="http://schemas.openxmlformats.org/presentationml/2006/main">
+  <p:cSld>
+    <p:spTree>
+      <p:nvGrpSpPr>
+        <p:cNvPr id="1" name=""/>
+        <p:cNvGrpSpPr/>
+        <p:nvPr/>
+      </p:nvGrpSpPr>
+      <p:grpSpPr>
+        <a:xfrm>
+          <a:off x="0" y="0"/>
+          <a:ext cx="0" cy="0"/>
+          <a:chOff x="0" y="0"/>
+          <a:chExt cx="0" cy="0"/>
+        </a:xfrm>
+      </p:grpSpPr>
+      <p:sp>
+        <p:nvSpPr>
           <p:cNvPr id="3" name="Rectangle 2"/>
           <p:cNvSpPr/>
           <p:nvPr/>
@@ -5087,7 +5730,7 @@
 </p:sld>
 </file>
 
-<file path=ppt/slides/slide102.xml><?xml version="1.0" encoding="utf-8"?>
+<file path=ppt/slides/slide106.xml><?xml version="1.0" encoding="utf-8"?>
 <p:sld xmlns:a="http://schemas.openxmlformats.org/drawingml/2006/main" xmlns:r="http://schemas.openxmlformats.org/officeDocument/2006/relationships" xmlns:p="http://schemas.openxmlformats.org/presentationml/2006/main">
   <p:cSld>
     <p:spTree>
@@ -19134,8 +19777,8 @@
           </a:lstStyle>
           <a:p>
             <a:r>
-              <a:rPr lang="en-IN" dirty="0"/>
-              <a:t>db.collection.insert()</a:t>
+              <a:rPr lang="en-US" dirty="0"/>
+              <a:t>db.collection.save()</a:t>
             </a:r>
             <a:endParaRPr lang="en-US" dirty="0"/>
           </a:p>
@@ -19183,18 +19826,18 @@
     </p:spTree>
     <p:extLst>
       <p:ext uri="{BB962C8B-B14F-4D97-AF65-F5344CB8AC3E}">
-        <p14:creationId xmlns:p14="http://schemas.microsoft.com/office/powerpoint/2010/main" val="532022479"/>
+        <p14:creationId xmlns:p14="http://schemas.microsoft.com/office/powerpoint/2010/main" val="4248551192"/>
       </p:ext>
     </p:extLst>
   </p:cSld>
   <p:clrMapOvr>
     <a:masterClrMapping/>
   </p:clrMapOvr>
-  <mc:AlternateContent xmlns:mc="http://schemas.openxmlformats.org/markup-compatibility/2006" xmlns:p14="http://schemas.microsoft.com/office/powerpoint/2010/main">
-    <mc:Choice Requires="p14">
+  <mc:AlternateContent xmlns:mc="http://schemas.openxmlformats.org/markup-compatibility/2006">
+    <mc:Choice xmlns:p14="http://schemas.microsoft.com/office/powerpoint/2010/main" Requires="p14">
       <p:transition spd="slow" p14:dur="2000"/>
     </mc:Choice>
-    <mc:Fallback xmlns="">
+    <mc:Fallback>
       <p:transition spd="slow"/>
     </mc:Fallback>
   </mc:AlternateContent>
@@ -19264,8 +19907,15 @@
                 <a:latin typeface="Arial" pitchFamily="34" charset="0"/>
                 <a:cs typeface="Arial" pitchFamily="34" charset="0"/>
               </a:rPr>
-              <a:t>db.collection.insert()</a:t>
-            </a:r>
+              <a:t>db.collection.save()()</a:t>
+            </a:r>
+            <a:endParaRPr lang="en-IN" sz="3200" b="1" i="1" dirty="0">
+              <a:solidFill>
+                <a:srgbClr val="FFFF00"/>
+              </a:solidFill>
+              <a:latin typeface="Arial" pitchFamily="34" charset="0"/>
+              <a:cs typeface="Arial" pitchFamily="34" charset="0"/>
+            </a:endParaRPr>
           </a:p>
         </p:txBody>
       </p:sp>
@@ -19278,14 +19928,14 @@
         <p:spPr>
           <a:xfrm>
             <a:off x="133354" y="1497568"/>
-            <a:ext cx="7909538" cy="646331"/>
-          </a:xfrm>
-          <a:prstGeom prst="rect">
-            <a:avLst/>
-          </a:prstGeom>
-        </p:spPr>
-        <p:txBody>
-          <a:bodyPr wrap="none">
+            <a:ext cx="8861458" cy="369332"/>
+          </a:xfrm>
+          <a:prstGeom prst="rect">
+            <a:avLst/>
+          </a:prstGeom>
+        </p:spPr>
+        <p:txBody>
+          <a:bodyPr wrap="square">
             <a:spAutoFit/>
           </a:bodyPr>
           <a:lstStyle/>
@@ -19303,44 +19953,7 @@
                 <a:latin typeface="Consolas" panose="020B0609020204030204" pitchFamily="49" charset="0"/>
                 <a:cs typeface="Calibri" panose="020F0502020204030204" pitchFamily="34" charset="0"/>
               </a:rPr>
-              <a:t>db.collection.insert</a:t>
-            </a:r>
-            <a:r>
-              <a:rPr lang="en-IN" dirty="0" smtClean="0">
-                <a:solidFill>
-                  <a:srgbClr val="049DC8"/>
-                </a:solidFill>
-                <a:latin typeface="Consolas" panose="020B0609020204030204" pitchFamily="49" charset="0"/>
-                <a:cs typeface="Calibri" panose="020F0502020204030204" pitchFamily="34" charset="0"/>
-              </a:rPr>
-              <a:t>({&lt;document&gt;})</a:t>
-            </a:r>
-          </a:p>
-          <a:p>
-            <a:pPr>
-              <a:spcBef>
-                <a:spcPct val="0"/>
-              </a:spcBef>
-            </a:pPr>
-            <a:r>
-              <a:rPr lang="en-IN" dirty="0">
-                <a:solidFill>
-                  <a:srgbClr val="049DC8"/>
-                </a:solidFill>
-                <a:latin typeface="Consolas" panose="020B0609020204030204" pitchFamily="49" charset="0"/>
-                <a:cs typeface="Calibri" panose="020F0502020204030204" pitchFamily="34" charset="0"/>
-              </a:rPr>
-              <a:t>db.collection.insert([{&lt;document 1&gt;} , {&lt;document 2&gt;}, ... </a:t>
-            </a:r>
-            <a:r>
-              <a:rPr lang="en-IN" dirty="0" smtClean="0">
-                <a:solidFill>
-                  <a:srgbClr val="049DC8"/>
-                </a:solidFill>
-                <a:latin typeface="Consolas" panose="020B0609020204030204" pitchFamily="49" charset="0"/>
-                <a:cs typeface="Calibri" panose="020F0502020204030204" pitchFamily="34" charset="0"/>
-              </a:rPr>
-              <a:t>])</a:t>
+              <a:t>db.collection.save( &lt;document&gt; )</a:t>
             </a:r>
             <a:endParaRPr lang="en-IN" dirty="0">
               <a:solidFill>
@@ -19361,7 +19974,7 @@
         <p:spPr>
           <a:xfrm>
             <a:off x="149188" y="762000"/>
-            <a:ext cx="8845624" cy="369332"/>
+            <a:ext cx="8845624" cy="646331"/>
           </a:xfrm>
           <a:prstGeom prst="rect">
             <a:avLst/>
@@ -19375,7 +19988,7 @@
           <a:p>
             <a:r>
               <a:rPr lang="en-US" dirty="0"/>
-              <a:t>Inserts a document or documents into a collection.</a:t>
+              <a:t>Updates an existing document or inserts a new document, depending on its document parameter.</a:t>
             </a:r>
             <a:endParaRPr lang="en-IN" dirty="0"/>
           </a:p>
@@ -19390,7 +20003,7 @@
         <p:spPr>
           <a:xfrm>
             <a:off x="153146" y="2379583"/>
-            <a:ext cx="8841666" cy="1354217"/>
+            <a:ext cx="8841666" cy="769441"/>
           </a:xfrm>
           <a:prstGeom prst="rect">
             <a:avLst/>
@@ -19410,7 +20023,7 @@
                 <a:latin typeface="Calibri" panose="020F0502020204030204" pitchFamily="34" charset="0"/>
                 <a:cs typeface="Calibri" panose="020F0502020204030204" pitchFamily="34" charset="0"/>
               </a:rPr>
-              <a:t>db.e.insert</a:t>
+              <a:t>db.e.save({_id:10,firstName:'neel',sal:5000,color</a:t>
             </a:r>
             <a:r>
               <a:rPr lang="en-US" sz="2200" dirty="0" smtClean="0">
@@ -19420,19 +20033,8 @@
                 <a:latin typeface="Calibri" panose="020F0502020204030204" pitchFamily="34" charset="0"/>
                 <a:cs typeface="Calibri" panose="020F0502020204030204" pitchFamily="34" charset="0"/>
               </a:rPr>
-              <a:t>({})</a:t>
-            </a:r>
-          </a:p>
-          <a:p>
-            <a:endParaRPr lang="en-US" sz="800" dirty="0">
-              <a:solidFill>
-                <a:srgbClr val="FC6F0D"/>
-              </a:solidFill>
-              <a:latin typeface="Calibri" panose="020F0502020204030204" pitchFamily="34" charset="0"/>
-              <a:cs typeface="Calibri" panose="020F0502020204030204" pitchFamily="34" charset="0"/>
-            </a:endParaRPr>
-          </a:p>
-          <a:p>
+              <a:t>: [</a:t>
+            </a:r>
             <a:r>
               <a:rPr lang="en-US" sz="2200" dirty="0">
                 <a:solidFill>
@@ -19441,7 +20043,7 @@
                 <a:latin typeface="Calibri" panose="020F0502020204030204" pitchFamily="34" charset="0"/>
                 <a:cs typeface="Calibri" panose="020F0502020204030204" pitchFamily="34" charset="0"/>
               </a:rPr>
-              <a:t>db.e.insert</a:t>
+              <a:t>'blue</a:t>
             </a:r>
             <a:r>
               <a:rPr lang="en-US" sz="2200" dirty="0" smtClean="0">
@@ -19451,7 +20053,7 @@
                 <a:latin typeface="Calibri" panose="020F0502020204030204" pitchFamily="34" charset="0"/>
                 <a:cs typeface="Calibri" panose="020F0502020204030204" pitchFamily="34" charset="0"/>
               </a:rPr>
-              <a:t>({ename</a:t>
+              <a:t>', 'black', 'brown</a:t>
             </a:r>
             <a:r>
               <a:rPr lang="en-US" sz="2200" dirty="0">
@@ -19461,17 +20063,17 @@
                 <a:latin typeface="Calibri" panose="020F0502020204030204" pitchFamily="34" charset="0"/>
                 <a:cs typeface="Calibri" panose="020F0502020204030204" pitchFamily="34" charset="0"/>
               </a:rPr>
-              <a:t>:'a', job:'</a:t>
-            </a:r>
-            <a:r>
-              <a:rPr lang="en-US" sz="2200" dirty="0" err="1">
+              <a:t>'</a:t>
+            </a:r>
+            <a:r>
+              <a:rPr lang="en-US" sz="2200" dirty="0" smtClean="0">
                 <a:solidFill>
                   <a:srgbClr val="FC6F0D"/>
                 </a:solidFill>
                 <a:latin typeface="Calibri" panose="020F0502020204030204" pitchFamily="34" charset="0"/>
                 <a:cs typeface="Calibri" panose="020F0502020204030204" pitchFamily="34" charset="0"/>
               </a:rPr>
-              <a:t>abc</a:t>
+              <a:t> ], </a:t>
             </a:r>
             <a:r>
               <a:rPr lang="en-US" sz="2200" dirty="0">
@@ -19481,7 +20083,7 @@
                 <a:latin typeface="Calibri" panose="020F0502020204030204" pitchFamily="34" charset="0"/>
                 <a:cs typeface="Calibri" panose="020F0502020204030204" pitchFamily="34" charset="0"/>
               </a:rPr>
-              <a:t>', salary:2000</a:t>
+              <a:t>size:['small</a:t>
             </a:r>
             <a:r>
               <a:rPr lang="en-US" sz="2200" dirty="0" smtClean="0">
@@ -19491,88 +20093,7 @@
                 <a:latin typeface="Calibri" panose="020F0502020204030204" pitchFamily="34" charset="0"/>
                 <a:cs typeface="Calibri" panose="020F0502020204030204" pitchFamily="34" charset="0"/>
               </a:rPr>
-              <a:t>})</a:t>
-            </a:r>
-          </a:p>
-          <a:p>
-            <a:endParaRPr lang="en-US" sz="800" dirty="0">
-              <a:solidFill>
-                <a:srgbClr val="FC6F0D"/>
-              </a:solidFill>
-              <a:latin typeface="Calibri" panose="020F0502020204030204" pitchFamily="34" charset="0"/>
-              <a:cs typeface="Calibri" panose="020F0502020204030204" pitchFamily="34" charset="0"/>
-            </a:endParaRPr>
-          </a:p>
-          <a:p>
-            <a:r>
-              <a:rPr lang="en-US" sz="2200" dirty="0">
-                <a:solidFill>
-                  <a:srgbClr val="FC6F0D"/>
-                </a:solidFill>
-                <a:latin typeface="Calibri" panose="020F0502020204030204" pitchFamily="34" charset="0"/>
-                <a:cs typeface="Calibri" panose="020F0502020204030204" pitchFamily="34" charset="0"/>
-              </a:rPr>
-              <a:t>db.e.insert</a:t>
-            </a:r>
-            <a:r>
-              <a:rPr lang="en-US" sz="2200" dirty="0" smtClean="0">
-                <a:solidFill>
-                  <a:srgbClr val="FC6F0D"/>
-                </a:solidFill>
-                <a:latin typeface="Calibri" panose="020F0502020204030204" pitchFamily="34" charset="0"/>
-                <a:cs typeface="Calibri" panose="020F0502020204030204" pitchFamily="34" charset="0"/>
-              </a:rPr>
-              <a:t>([{ename</a:t>
-            </a:r>
-            <a:r>
-              <a:rPr lang="en-US" sz="2200" dirty="0">
-                <a:solidFill>
-                  <a:srgbClr val="FC6F0D"/>
-                </a:solidFill>
-                <a:latin typeface="Calibri" panose="020F0502020204030204" pitchFamily="34" charset="0"/>
-                <a:cs typeface="Calibri" panose="020F0502020204030204" pitchFamily="34" charset="0"/>
-              </a:rPr>
-              <a:t>:'x', job:'</a:t>
-            </a:r>
-            <a:r>
-              <a:rPr lang="en-US" sz="2200" dirty="0" err="1">
-                <a:solidFill>
-                  <a:srgbClr val="FC6F0D"/>
-                </a:solidFill>
-                <a:latin typeface="Calibri" panose="020F0502020204030204" pitchFamily="34" charset="0"/>
-                <a:cs typeface="Calibri" panose="020F0502020204030204" pitchFamily="34" charset="0"/>
-              </a:rPr>
-              <a:t>pqr</a:t>
-            </a:r>
-            <a:r>
-              <a:rPr lang="en-US" sz="2200" dirty="0">
-                <a:solidFill>
-                  <a:srgbClr val="FC6F0D"/>
-                </a:solidFill>
-                <a:latin typeface="Calibri" panose="020F0502020204030204" pitchFamily="34" charset="0"/>
-                <a:cs typeface="Calibri" panose="020F0502020204030204" pitchFamily="34" charset="0"/>
-              </a:rPr>
-              <a:t>', salary:2000} , {ename:'y',job:'</a:t>
-            </a:r>
-            <a:r>
-              <a:rPr lang="en-US" sz="2200" dirty="0" err="1">
-                <a:solidFill>
-                  <a:srgbClr val="FC6F0D"/>
-                </a:solidFill>
-                <a:latin typeface="Calibri" panose="020F0502020204030204" pitchFamily="34" charset="0"/>
-                <a:cs typeface="Calibri" panose="020F0502020204030204" pitchFamily="34" charset="0"/>
-              </a:rPr>
-              <a:t>hr</a:t>
-            </a:r>
-            <a:r>
-              <a:rPr lang="en-US" sz="2200" dirty="0" smtClean="0">
-                <a:solidFill>
-                  <a:srgbClr val="FC6F0D"/>
-                </a:solidFill>
-                <a:latin typeface="Calibri" panose="020F0502020204030204" pitchFamily="34" charset="0"/>
-                <a:cs typeface="Calibri" panose="020F0502020204030204" pitchFamily="34" charset="0"/>
-              </a:rPr>
-              <a:t>'}])</a:t>
+              <a:t>', 'medium', 'large', 'xx-large']})</a:t>
             </a:r>
             <a:endParaRPr lang="en-US" sz="2200" dirty="0">
               <a:solidFill>
@@ -19587,7 +20108,7 @@
     </p:spTree>
     <p:extLst>
       <p:ext uri="{BB962C8B-B14F-4D97-AF65-F5344CB8AC3E}">
-        <p14:creationId xmlns:p14="http://schemas.microsoft.com/office/powerpoint/2010/main" val="2986541393"/>
+        <p14:creationId xmlns:p14="http://schemas.microsoft.com/office/powerpoint/2010/main" val="3858545977"/>
       </p:ext>
     </p:extLst>
   </p:cSld>
@@ -19661,8 +20182,8 @@
           </a:lstStyle>
           <a:p>
             <a:r>
-              <a:rPr lang="en-IN" dirty="0" smtClean="0"/>
-              <a:t>db.collection.insertOne()</a:t>
+              <a:rPr lang="en-IN" dirty="0"/>
+              <a:t>db.collection.insert()</a:t>
             </a:r>
             <a:endParaRPr lang="en-US" dirty="0"/>
           </a:p>
@@ -19710,7 +20231,7 @@
     </p:spTree>
     <p:extLst>
       <p:ext uri="{BB962C8B-B14F-4D97-AF65-F5344CB8AC3E}">
-        <p14:creationId xmlns:p14="http://schemas.microsoft.com/office/powerpoint/2010/main" val="2500728323"/>
+        <p14:creationId xmlns:p14="http://schemas.microsoft.com/office/powerpoint/2010/main" val="532022479"/>
       </p:ext>
     </p:extLst>
   </p:cSld>
@@ -19784,22 +20305,15 @@
               </a:spcBef>
             </a:pPr>
             <a:r>
-              <a:rPr lang="en-IN" sz="3200" b="1" i="1" dirty="0" smtClean="0">
+              <a:rPr lang="en-IN" sz="3200" b="1" i="1" dirty="0">
                 <a:solidFill>
                   <a:srgbClr val="FFFF00"/>
                 </a:solidFill>
                 <a:latin typeface="Arial" pitchFamily="34" charset="0"/>
                 <a:cs typeface="Arial" pitchFamily="34" charset="0"/>
               </a:rPr>
-              <a:t>db.collection.insertOne()</a:t>
-            </a:r>
-            <a:endParaRPr lang="en-IN" sz="3200" b="1" i="1" dirty="0">
-              <a:solidFill>
-                <a:srgbClr val="FFFF00"/>
-              </a:solidFill>
-              <a:latin typeface="Arial" pitchFamily="34" charset="0"/>
-              <a:cs typeface="Arial" pitchFamily="34" charset="0"/>
-            </a:endParaRPr>
+              <a:t>db.collection.insert()</a:t>
+            </a:r>
           </a:p>
         </p:txBody>
       </p:sp>
@@ -19812,7 +20326,7 @@
         <p:spPr>
           <a:xfrm>
             <a:off x="133354" y="1497568"/>
-            <a:ext cx="4870244" cy="369332"/>
+            <a:ext cx="7909538" cy="646331"/>
           </a:xfrm>
           <a:prstGeom prst="rect">
             <a:avLst/>
@@ -19830,6 +20344,16 @@
               </a:spcBef>
             </a:pPr>
             <a:r>
+              <a:rPr lang="en-IN" dirty="0">
+                <a:solidFill>
+                  <a:srgbClr val="049DC8"/>
+                </a:solidFill>
+                <a:latin typeface="Consolas" panose="020B0609020204030204" pitchFamily="49" charset="0"/>
+                <a:cs typeface="Calibri" panose="020F0502020204030204" pitchFamily="34" charset="0"/>
+              </a:rPr>
+              <a:t>db.collection.insert</a:t>
+            </a:r>
+            <a:r>
               <a:rPr lang="en-IN" dirty="0" smtClean="0">
                 <a:solidFill>
                   <a:srgbClr val="049DC8"/>
@@ -19837,7 +20361,34 @@
                 <a:latin typeface="Consolas" panose="020B0609020204030204" pitchFamily="49" charset="0"/>
                 <a:cs typeface="Calibri" panose="020F0502020204030204" pitchFamily="34" charset="0"/>
               </a:rPr>
-              <a:t>db.collection.insertOne({&lt;document&gt;})</a:t>
+              <a:t>({&lt;document&gt;})</a:t>
+            </a:r>
+          </a:p>
+          <a:p>
+            <a:pPr>
+              <a:spcBef>
+                <a:spcPct val="0"/>
+              </a:spcBef>
+            </a:pPr>
+            <a:r>
+              <a:rPr lang="en-IN" dirty="0">
+                <a:solidFill>
+                  <a:srgbClr val="049DC8"/>
+                </a:solidFill>
+                <a:latin typeface="Consolas" panose="020B0609020204030204" pitchFamily="49" charset="0"/>
+                <a:cs typeface="Calibri" panose="020F0502020204030204" pitchFamily="34" charset="0"/>
+              </a:rPr>
+              <a:t>db.collection.insert([{&lt;document 1&gt;} , {&lt;document 2&gt;}, ... </a:t>
+            </a:r>
+            <a:r>
+              <a:rPr lang="en-IN" dirty="0" smtClean="0">
+                <a:solidFill>
+                  <a:srgbClr val="049DC8"/>
+                </a:solidFill>
+                <a:latin typeface="Consolas" panose="020B0609020204030204" pitchFamily="49" charset="0"/>
+                <a:cs typeface="Calibri" panose="020F0502020204030204" pitchFamily="34" charset="0"/>
+              </a:rPr>
+              <a:t>])</a:t>
             </a:r>
             <a:endParaRPr lang="en-IN" dirty="0">
               <a:solidFill>
@@ -19886,8 +20437,8 @@
         </p:nvSpPr>
         <p:spPr>
           <a:xfrm>
-            <a:off x="153146" y="2233136"/>
-            <a:ext cx="8841666" cy="430887"/>
+            <a:off x="153146" y="2379583"/>
+            <a:ext cx="8841666" cy="1354217"/>
           </a:xfrm>
           <a:prstGeom prst="rect">
             <a:avLst/>
@@ -19900,6 +20451,16 @@
           <a:lstStyle/>
           <a:p>
             <a:r>
+              <a:rPr lang="en-US" sz="2200" dirty="0">
+                <a:solidFill>
+                  <a:srgbClr val="FC6F0D"/>
+                </a:solidFill>
+                <a:latin typeface="Calibri" panose="020F0502020204030204" pitchFamily="34" charset="0"/>
+                <a:cs typeface="Calibri" panose="020F0502020204030204" pitchFamily="34" charset="0"/>
+              </a:rPr>
+              <a:t>db.e.insert</a:t>
+            </a:r>
+            <a:r>
               <a:rPr lang="en-US" sz="2200" dirty="0" smtClean="0">
                 <a:solidFill>
                   <a:srgbClr val="FC6F0D"/>
@@ -19907,8 +20468,19 @@
                 <a:latin typeface="Calibri" panose="020F0502020204030204" pitchFamily="34" charset="0"/>
                 <a:cs typeface="Calibri" panose="020F0502020204030204" pitchFamily="34" charset="0"/>
               </a:rPr>
-              <a:t>db.e.insertMany({ename</a:t>
-            </a:r>
+              <a:t>({})</a:t>
+            </a:r>
+          </a:p>
+          <a:p>
+            <a:endParaRPr lang="en-US" sz="800" dirty="0">
+              <a:solidFill>
+                <a:srgbClr val="FC6F0D"/>
+              </a:solidFill>
+              <a:latin typeface="Calibri" panose="020F0502020204030204" pitchFamily="34" charset="0"/>
+              <a:cs typeface="Calibri" panose="020F0502020204030204" pitchFamily="34" charset="0"/>
+            </a:endParaRPr>
+          </a:p>
+          <a:p>
             <a:r>
               <a:rPr lang="en-US" sz="2200" dirty="0">
                 <a:solidFill>
@@ -19917,6 +20489,97 @@
                 <a:latin typeface="Calibri" panose="020F0502020204030204" pitchFamily="34" charset="0"/>
                 <a:cs typeface="Calibri" panose="020F0502020204030204" pitchFamily="34" charset="0"/>
               </a:rPr>
+              <a:t>db.e.insert</a:t>
+            </a:r>
+            <a:r>
+              <a:rPr lang="en-US" sz="2200" dirty="0" smtClean="0">
+                <a:solidFill>
+                  <a:srgbClr val="FC6F0D"/>
+                </a:solidFill>
+                <a:latin typeface="Calibri" panose="020F0502020204030204" pitchFamily="34" charset="0"/>
+                <a:cs typeface="Calibri" panose="020F0502020204030204" pitchFamily="34" charset="0"/>
+              </a:rPr>
+              <a:t>({ename</a:t>
+            </a:r>
+            <a:r>
+              <a:rPr lang="en-US" sz="2200" dirty="0">
+                <a:solidFill>
+                  <a:srgbClr val="FC6F0D"/>
+                </a:solidFill>
+                <a:latin typeface="Calibri" panose="020F0502020204030204" pitchFamily="34" charset="0"/>
+                <a:cs typeface="Calibri" panose="020F0502020204030204" pitchFamily="34" charset="0"/>
+              </a:rPr>
+              <a:t>:'a', job:'</a:t>
+            </a:r>
+            <a:r>
+              <a:rPr lang="en-US" sz="2200" dirty="0" err="1">
+                <a:solidFill>
+                  <a:srgbClr val="FC6F0D"/>
+                </a:solidFill>
+                <a:latin typeface="Calibri" panose="020F0502020204030204" pitchFamily="34" charset="0"/>
+                <a:cs typeface="Calibri" panose="020F0502020204030204" pitchFamily="34" charset="0"/>
+              </a:rPr>
+              <a:t>abc</a:t>
+            </a:r>
+            <a:r>
+              <a:rPr lang="en-US" sz="2200" dirty="0">
+                <a:solidFill>
+                  <a:srgbClr val="FC6F0D"/>
+                </a:solidFill>
+                <a:latin typeface="Calibri" panose="020F0502020204030204" pitchFamily="34" charset="0"/>
+                <a:cs typeface="Calibri" panose="020F0502020204030204" pitchFamily="34" charset="0"/>
+              </a:rPr>
+              <a:t>', salary:2000</a:t>
+            </a:r>
+            <a:r>
+              <a:rPr lang="en-US" sz="2200" dirty="0" smtClean="0">
+                <a:solidFill>
+                  <a:srgbClr val="FC6F0D"/>
+                </a:solidFill>
+                <a:latin typeface="Calibri" panose="020F0502020204030204" pitchFamily="34" charset="0"/>
+                <a:cs typeface="Calibri" panose="020F0502020204030204" pitchFamily="34" charset="0"/>
+              </a:rPr>
+              <a:t>})</a:t>
+            </a:r>
+          </a:p>
+          <a:p>
+            <a:endParaRPr lang="en-US" sz="800" dirty="0">
+              <a:solidFill>
+                <a:srgbClr val="FC6F0D"/>
+              </a:solidFill>
+              <a:latin typeface="Calibri" panose="020F0502020204030204" pitchFamily="34" charset="0"/>
+              <a:cs typeface="Calibri" panose="020F0502020204030204" pitchFamily="34" charset="0"/>
+            </a:endParaRPr>
+          </a:p>
+          <a:p>
+            <a:r>
+              <a:rPr lang="en-US" sz="2200" dirty="0">
+                <a:solidFill>
+                  <a:srgbClr val="FC6F0D"/>
+                </a:solidFill>
+                <a:latin typeface="Calibri" panose="020F0502020204030204" pitchFamily="34" charset="0"/>
+                <a:cs typeface="Calibri" panose="020F0502020204030204" pitchFamily="34" charset="0"/>
+              </a:rPr>
+              <a:t>db.e.insert</a:t>
+            </a:r>
+            <a:r>
+              <a:rPr lang="en-US" sz="2200" dirty="0" smtClean="0">
+                <a:solidFill>
+                  <a:srgbClr val="FC6F0D"/>
+                </a:solidFill>
+                <a:latin typeface="Calibri" panose="020F0502020204030204" pitchFamily="34" charset="0"/>
+                <a:cs typeface="Calibri" panose="020F0502020204030204" pitchFamily="34" charset="0"/>
+              </a:rPr>
+              <a:t>([{ename</a:t>
+            </a:r>
+            <a:r>
+              <a:rPr lang="en-US" sz="2200" dirty="0">
+                <a:solidFill>
+                  <a:srgbClr val="FC6F0D"/>
+                </a:solidFill>
+                <a:latin typeface="Calibri" panose="020F0502020204030204" pitchFamily="34" charset="0"/>
+                <a:cs typeface="Calibri" panose="020F0502020204030204" pitchFamily="34" charset="0"/>
+              </a:rPr>
               <a:t>:'x', job:'</a:t>
             </a:r>
             <a:r>
@@ -19937,7 +20600,17 @@
                 <a:latin typeface="Calibri" panose="020F0502020204030204" pitchFamily="34" charset="0"/>
                 <a:cs typeface="Calibri" panose="020F0502020204030204" pitchFamily="34" charset="0"/>
               </a:rPr>
-              <a:t>', salary:2000</a:t>
+              <a:t>', salary:2000} , {ename:'y',job:'</a:t>
+            </a:r>
+            <a:r>
+              <a:rPr lang="en-US" sz="2200" dirty="0" err="1">
+                <a:solidFill>
+                  <a:srgbClr val="FC6F0D"/>
+                </a:solidFill>
+                <a:latin typeface="Calibri" panose="020F0502020204030204" pitchFamily="34" charset="0"/>
+                <a:cs typeface="Calibri" panose="020F0502020204030204" pitchFamily="34" charset="0"/>
+              </a:rPr>
+              <a:t>hr</a:t>
             </a:r>
             <a:r>
               <a:rPr lang="en-US" sz="2200" dirty="0" smtClean="0">
@@ -19947,7 +20620,7 @@
                 <a:latin typeface="Calibri" panose="020F0502020204030204" pitchFamily="34" charset="0"/>
                 <a:cs typeface="Calibri" panose="020F0502020204030204" pitchFamily="34" charset="0"/>
               </a:rPr>
-              <a:t>})</a:t>
+              <a:t>'}])</a:t>
             </a:r>
             <a:endParaRPr lang="en-US" sz="2200" dirty="0">
               <a:solidFill>
@@ -19962,7 +20635,7 @@
     </p:spTree>
     <p:extLst>
       <p:ext uri="{BB962C8B-B14F-4D97-AF65-F5344CB8AC3E}">
-        <p14:creationId xmlns:p14="http://schemas.microsoft.com/office/powerpoint/2010/main" val="1684840865"/>
+        <p14:creationId xmlns:p14="http://schemas.microsoft.com/office/powerpoint/2010/main" val="2986541393"/>
       </p:ext>
     </p:extLst>
   </p:cSld>
@@ -20036,12 +20709,8 @@
           </a:lstStyle>
           <a:p>
             <a:r>
-              <a:rPr lang="en-IN" dirty="0"/>
-              <a:t>db.collection.insertMany</a:t>
-            </a:r>
-            <a:r>
               <a:rPr lang="en-IN" dirty="0" smtClean="0"/>
-              <a:t>()</a:t>
+              <a:t>db.collection.insertOne()</a:t>
             </a:r>
             <a:endParaRPr lang="en-US" dirty="0"/>
           </a:p>
@@ -20089,7 +20758,7 @@
     </p:spTree>
     <p:extLst>
       <p:ext uri="{BB962C8B-B14F-4D97-AF65-F5344CB8AC3E}">
-        <p14:creationId xmlns:p14="http://schemas.microsoft.com/office/powerpoint/2010/main" val="2867497369"/>
+        <p14:creationId xmlns:p14="http://schemas.microsoft.com/office/powerpoint/2010/main" val="2500728323"/>
       </p:ext>
     </p:extLst>
   </p:cSld>
@@ -20359,15 +21028,22 @@
               </a:spcBef>
             </a:pPr>
             <a:r>
-              <a:rPr lang="en-IN" sz="3200" b="1" i="1" dirty="0">
+              <a:rPr lang="en-IN" sz="3200" b="1" i="1" dirty="0" smtClean="0">
                 <a:solidFill>
                   <a:srgbClr val="FFFF00"/>
                 </a:solidFill>
                 <a:latin typeface="Arial" pitchFamily="34" charset="0"/>
                 <a:cs typeface="Arial" pitchFamily="34" charset="0"/>
               </a:rPr>
-              <a:t>db.collection.insertMany()</a:t>
-            </a:r>
+              <a:t>db.collection.insertOne()</a:t>
+            </a:r>
+            <a:endParaRPr lang="en-IN" sz="3200" b="1" i="1" dirty="0">
+              <a:solidFill>
+                <a:srgbClr val="FFFF00"/>
+              </a:solidFill>
+              <a:latin typeface="Arial" pitchFamily="34" charset="0"/>
+              <a:cs typeface="Arial" pitchFamily="34" charset="0"/>
+            </a:endParaRPr>
           </a:p>
         </p:txBody>
       </p:sp>
@@ -20380,7 +21056,7 @@
         <p:spPr>
           <a:xfrm>
             <a:off x="133354" y="1497568"/>
-            <a:ext cx="8542723" cy="369332"/>
+            <a:ext cx="4870244" cy="369332"/>
           </a:xfrm>
           <a:prstGeom prst="rect">
             <a:avLst/>
@@ -20398,95 +21074,22 @@
               </a:spcBef>
             </a:pPr>
             <a:r>
-              <a:rPr lang="en-IN" dirty="0">
+              <a:rPr lang="en-IN" dirty="0" smtClean="0">
                 <a:solidFill>
                   <a:srgbClr val="049DC8"/>
                 </a:solidFill>
                 <a:latin typeface="Consolas" panose="020B0609020204030204" pitchFamily="49" charset="0"/>
                 <a:cs typeface="Calibri" panose="020F0502020204030204" pitchFamily="34" charset="0"/>
               </a:rPr>
-              <a:t>db.collection.insertMany</a:t>
-            </a:r>
-            <a:r>
-              <a:rPr lang="en-IN" dirty="0" smtClean="0">
-                <a:solidFill>
-                  <a:srgbClr val="049DC8"/>
-                </a:solidFill>
-                <a:latin typeface="Consolas" panose="020B0609020204030204" pitchFamily="49" charset="0"/>
-                <a:cs typeface="Calibri" panose="020F0502020204030204" pitchFamily="34" charset="0"/>
-              </a:rPr>
-              <a:t>([{&lt;</a:t>
-            </a:r>
-            <a:r>
-              <a:rPr lang="en-IN" dirty="0">
-                <a:solidFill>
-                  <a:srgbClr val="049DC8"/>
-                </a:solidFill>
-                <a:latin typeface="Consolas" panose="020B0609020204030204" pitchFamily="49" charset="0"/>
-                <a:cs typeface="Calibri" panose="020F0502020204030204" pitchFamily="34" charset="0"/>
-              </a:rPr>
-              <a:t>document 1</a:t>
-            </a:r>
-            <a:r>
-              <a:rPr lang="en-IN" dirty="0" smtClean="0">
-                <a:solidFill>
-                  <a:srgbClr val="049DC8"/>
-                </a:solidFill>
-                <a:latin typeface="Consolas" panose="020B0609020204030204" pitchFamily="49" charset="0"/>
-                <a:cs typeface="Calibri" panose="020F0502020204030204" pitchFamily="34" charset="0"/>
-              </a:rPr>
-              <a:t>&gt;} </a:t>
-            </a:r>
-            <a:r>
-              <a:rPr lang="en-IN" dirty="0">
-                <a:solidFill>
-                  <a:srgbClr val="049DC8"/>
-                </a:solidFill>
-                <a:latin typeface="Consolas" panose="020B0609020204030204" pitchFamily="49" charset="0"/>
-                <a:cs typeface="Calibri" panose="020F0502020204030204" pitchFamily="34" charset="0"/>
-              </a:rPr>
-              <a:t>, </a:t>
-            </a:r>
-            <a:r>
-              <a:rPr lang="en-IN" dirty="0" smtClean="0">
-                <a:solidFill>
-                  <a:srgbClr val="049DC8"/>
-                </a:solidFill>
-                <a:latin typeface="Consolas" panose="020B0609020204030204" pitchFamily="49" charset="0"/>
-                <a:cs typeface="Calibri" panose="020F0502020204030204" pitchFamily="34" charset="0"/>
-              </a:rPr>
-              <a:t>{&lt;</a:t>
-            </a:r>
-            <a:r>
-              <a:rPr lang="en-IN" dirty="0">
-                <a:solidFill>
-                  <a:srgbClr val="049DC8"/>
-                </a:solidFill>
-                <a:latin typeface="Consolas" panose="020B0609020204030204" pitchFamily="49" charset="0"/>
-                <a:cs typeface="Calibri" panose="020F0502020204030204" pitchFamily="34" charset="0"/>
-              </a:rPr>
-              <a:t>document 2</a:t>
-            </a:r>
-            <a:r>
-              <a:rPr lang="en-IN" dirty="0" smtClean="0">
-                <a:solidFill>
-                  <a:srgbClr val="049DC8"/>
-                </a:solidFill>
-                <a:latin typeface="Consolas" panose="020B0609020204030204" pitchFamily="49" charset="0"/>
-                <a:cs typeface="Calibri" panose="020F0502020204030204" pitchFamily="34" charset="0"/>
-              </a:rPr>
-              <a:t>&gt;}, </a:t>
-            </a:r>
-            <a:r>
-              <a:rPr lang="en-IN" dirty="0">
-                <a:solidFill>
-                  <a:srgbClr val="049DC8"/>
-                </a:solidFill>
-                <a:latin typeface="Consolas" panose="020B0609020204030204" pitchFamily="49" charset="0"/>
-                <a:cs typeface="Calibri" panose="020F0502020204030204" pitchFamily="34" charset="0"/>
-              </a:rPr>
-              <a:t>... ])</a:t>
-            </a:r>
+              <a:t>db.collection.insertOne({&lt;document&gt;})</a:t>
+            </a:r>
+            <a:endParaRPr lang="en-IN" dirty="0">
+              <a:solidFill>
+                <a:srgbClr val="049DC8"/>
+              </a:solidFill>
+              <a:latin typeface="Consolas" panose="020B0609020204030204" pitchFamily="49" charset="0"/>
+              <a:cs typeface="Calibri" panose="020F0502020204030204" pitchFamily="34" charset="0"/>
+            </a:endParaRPr>
           </a:p>
         </p:txBody>
       </p:sp>
@@ -20548,7 +21151,7 @@
                 <a:latin typeface="Calibri" panose="020F0502020204030204" pitchFamily="34" charset="0"/>
                 <a:cs typeface="Calibri" panose="020F0502020204030204" pitchFamily="34" charset="0"/>
               </a:rPr>
-              <a:t>db.e.insertMany([{ename</a:t>
+              <a:t>db.e.insertMany({ename</a:t>
             </a:r>
             <a:r>
               <a:rPr lang="en-US" sz="2200" dirty="0">
@@ -20578,27 +21181,17 @@
                 <a:latin typeface="Calibri" panose="020F0502020204030204" pitchFamily="34" charset="0"/>
                 <a:cs typeface="Calibri" panose="020F0502020204030204" pitchFamily="34" charset="0"/>
               </a:rPr>
-              <a:t>', salary:2000} , {ename:'y',job:'</a:t>
-            </a:r>
-            <a:r>
-              <a:rPr lang="en-US" sz="2200" dirty="0" err="1">
+              <a:t>', salary:2000</a:t>
+            </a:r>
+            <a:r>
+              <a:rPr lang="en-US" sz="2200" dirty="0" smtClean="0">
                 <a:solidFill>
                   <a:srgbClr val="FC6F0D"/>
                 </a:solidFill>
                 <a:latin typeface="Calibri" panose="020F0502020204030204" pitchFamily="34" charset="0"/>
                 <a:cs typeface="Calibri" panose="020F0502020204030204" pitchFamily="34" charset="0"/>
               </a:rPr>
-              <a:t>hr</a:t>
-            </a:r>
-            <a:r>
-              <a:rPr lang="en-US" sz="2200" dirty="0" smtClean="0">
-                <a:solidFill>
-                  <a:srgbClr val="FC6F0D"/>
-                </a:solidFill>
-                <a:latin typeface="Calibri" panose="020F0502020204030204" pitchFamily="34" charset="0"/>
-                <a:cs typeface="Calibri" panose="020F0502020204030204" pitchFamily="34" charset="0"/>
-              </a:rPr>
-              <a:t>'}])</a:t>
+              <a:t>})</a:t>
             </a:r>
             <a:endParaRPr lang="en-US" sz="2200" dirty="0">
               <a:solidFill>
@@ -20613,7 +21206,7 @@
     </p:spTree>
     <p:extLst>
       <p:ext uri="{BB962C8B-B14F-4D97-AF65-F5344CB8AC3E}">
-        <p14:creationId xmlns:p14="http://schemas.microsoft.com/office/powerpoint/2010/main" val="2845818728"/>
+        <p14:creationId xmlns:p14="http://schemas.microsoft.com/office/powerpoint/2010/main" val="1684840865"/>
       </p:ext>
     </p:extLst>
   </p:cSld>
@@ -20688,7 +21281,11 @@
           <a:p>
             <a:r>
               <a:rPr lang="en-IN" dirty="0"/>
-              <a:t>db.collection.update()</a:t>
+              <a:t>db.collection.insertMany</a:t>
+            </a:r>
+            <a:r>
+              <a:rPr lang="en-IN" dirty="0" smtClean="0"/>
+              <a:t>()</a:t>
             </a:r>
             <a:endParaRPr lang="en-US" dirty="0"/>
           </a:p>
@@ -20736,7 +21333,7 @@
     </p:spTree>
     <p:extLst>
       <p:ext uri="{BB962C8B-B14F-4D97-AF65-F5344CB8AC3E}">
-        <p14:creationId xmlns:p14="http://schemas.microsoft.com/office/powerpoint/2010/main" val="2844348414"/>
+        <p14:creationId xmlns:p14="http://schemas.microsoft.com/office/powerpoint/2010/main" val="2867497369"/>
       </p:ext>
     </p:extLst>
   </p:cSld>
@@ -20817,7 +21414,7 @@
                 <a:latin typeface="Arial" pitchFamily="34" charset="0"/>
                 <a:cs typeface="Arial" pitchFamily="34" charset="0"/>
               </a:rPr>
-              <a:t>db.collection.update()</a:t>
+              <a:t>db.collection.insertMany()</a:t>
             </a:r>
           </a:p>
         </p:txBody>
@@ -20830,8 +21427,8 @@
         </p:nvSpPr>
         <p:spPr>
           <a:xfrm>
-            <a:off x="133354" y="1611868"/>
-            <a:ext cx="7402989" cy="646331"/>
+            <a:off x="133354" y="1497568"/>
+            <a:ext cx="8542723" cy="369332"/>
           </a:xfrm>
           <a:prstGeom prst="rect">
             <a:avLst/>
@@ -20856,7 +21453,7 @@
                 <a:latin typeface="Consolas" panose="020B0609020204030204" pitchFamily="49" charset="0"/>
                 <a:cs typeface="Calibri" panose="020F0502020204030204" pitchFamily="34" charset="0"/>
               </a:rPr>
-              <a:t>db.collection.update</a:t>
+              <a:t>db.collection.insertMany</a:t>
             </a:r>
             <a:r>
               <a:rPr lang="en-IN" dirty="0" smtClean="0">
@@ -20866,15 +21463,8 @@
                 <a:latin typeface="Consolas" panose="020B0609020204030204" pitchFamily="49" charset="0"/>
                 <a:cs typeface="Calibri" panose="020F0502020204030204" pitchFamily="34" charset="0"/>
               </a:rPr>
-              <a:t>({query}, {update}, {options})</a:t>
-            </a:r>
-          </a:p>
-          <a:p>
-            <a:pPr>
-              <a:spcBef>
-                <a:spcPct val="0"/>
-              </a:spcBef>
-            </a:pPr>
+              <a:t>([{&lt;</a:t>
+            </a:r>
             <a:r>
               <a:rPr lang="en-IN" dirty="0">
                 <a:solidFill>
@@ -20883,7 +21473,7 @@
                 <a:latin typeface="Consolas" panose="020B0609020204030204" pitchFamily="49" charset="0"/>
                 <a:cs typeface="Calibri" panose="020F0502020204030204" pitchFamily="34" charset="0"/>
               </a:rPr>
-              <a:t>db.collection.update</a:t>
+              <a:t>document 1</a:t>
             </a:r>
             <a:r>
               <a:rPr lang="en-IN" dirty="0" smtClean="0">
@@ -20893,7 +21483,7 @@
                 <a:latin typeface="Consolas" panose="020B0609020204030204" pitchFamily="49" charset="0"/>
                 <a:cs typeface="Calibri" panose="020F0502020204030204" pitchFamily="34" charset="0"/>
               </a:rPr>
-              <a:t>(</a:t>
+              <a:t>&gt;} </a:t>
             </a:r>
             <a:r>
               <a:rPr lang="en-IN" dirty="0">
@@ -20903,7 +21493,7 @@
                 <a:latin typeface="Consolas" panose="020B0609020204030204" pitchFamily="49" charset="0"/>
                 <a:cs typeface="Calibri" panose="020F0502020204030204" pitchFamily="34" charset="0"/>
               </a:rPr>
-              <a:t>{query}, </a:t>
+              <a:t>, </a:t>
             </a:r>
             <a:r>
               <a:rPr lang="en-IN" dirty="0" smtClean="0">
@@ -20913,7 +21503,7 @@
                 <a:latin typeface="Consolas" panose="020B0609020204030204" pitchFamily="49" charset="0"/>
                 <a:cs typeface="Calibri" panose="020F0502020204030204" pitchFamily="34" charset="0"/>
               </a:rPr>
-              <a:t>{$set:{update}}, </a:t>
+              <a:t>{&lt;</a:t>
             </a:r>
             <a:r>
               <a:rPr lang="en-IN" dirty="0">
@@ -20923,7 +21513,7 @@
                 <a:latin typeface="Consolas" panose="020B0609020204030204" pitchFamily="49" charset="0"/>
                 <a:cs typeface="Calibri" panose="020F0502020204030204" pitchFamily="34" charset="0"/>
               </a:rPr>
-              <a:t>{options}</a:t>
+              <a:t>document 2</a:t>
             </a:r>
             <a:r>
               <a:rPr lang="en-IN" dirty="0" smtClean="0">
@@ -20933,15 +21523,18 @@
                 <a:latin typeface="Consolas" panose="020B0609020204030204" pitchFamily="49" charset="0"/>
                 <a:cs typeface="Calibri" panose="020F0502020204030204" pitchFamily="34" charset="0"/>
               </a:rPr>
-              <a:t>)</a:t>
-            </a:r>
-            <a:endParaRPr lang="en-IN" dirty="0">
-              <a:solidFill>
-                <a:srgbClr val="049DC8"/>
-              </a:solidFill>
-              <a:latin typeface="Consolas" panose="020B0609020204030204" pitchFamily="49" charset="0"/>
-              <a:cs typeface="Calibri" panose="020F0502020204030204" pitchFamily="34" charset="0"/>
-            </a:endParaRPr>
+              <a:t>&gt;}, </a:t>
+            </a:r>
+            <a:r>
+              <a:rPr lang="en-IN" dirty="0">
+                <a:solidFill>
+                  <a:srgbClr val="049DC8"/>
+                </a:solidFill>
+                <a:latin typeface="Consolas" panose="020B0609020204030204" pitchFamily="49" charset="0"/>
+                <a:cs typeface="Calibri" panose="020F0502020204030204" pitchFamily="34" charset="0"/>
+              </a:rPr>
+              <a:t>... ])</a:t>
+            </a:r>
           </a:p>
         </p:txBody>
       </p:sp>
@@ -20954,7 +21547,7 @@
         <p:spPr>
           <a:xfrm>
             <a:off x="149188" y="762000"/>
-            <a:ext cx="8845624" cy="646331"/>
+            <a:ext cx="8845624" cy="369332"/>
           </a:xfrm>
           <a:prstGeom prst="rect">
             <a:avLst/>
@@ -20968,7 +21561,7 @@
           <a:p>
             <a:r>
               <a:rPr lang="en-US" dirty="0"/>
-              <a:t>By default, the update() method updates a single document. Set the Multi Parameter to update all documents that match the query criteria.</a:t>
+              <a:t>Inserts a document or documents into a collection.</a:t>
             </a:r>
             <a:endParaRPr lang="en-IN" dirty="0"/>
           </a:p>
@@ -20982,8 +21575,8 @@
         </p:nvSpPr>
         <p:spPr>
           <a:xfrm>
-            <a:off x="153146" y="3488829"/>
-            <a:ext cx="8841666" cy="1692771"/>
+            <a:off x="153146" y="2233136"/>
+            <a:ext cx="8841666" cy="430887"/>
           </a:xfrm>
           <a:prstGeom prst="rect">
             <a:avLst/>
@@ -20996,6 +21589,16 @@
           <a:lstStyle/>
           <a:p>
             <a:r>
+              <a:rPr lang="en-US" sz="2200" dirty="0" smtClean="0">
+                <a:solidFill>
+                  <a:srgbClr val="FC6F0D"/>
+                </a:solidFill>
+                <a:latin typeface="Calibri" panose="020F0502020204030204" pitchFamily="34" charset="0"/>
+                <a:cs typeface="Calibri" panose="020F0502020204030204" pitchFamily="34" charset="0"/>
+              </a:rPr>
+              <a:t>db.e.insertMany([{ename</a:t>
+            </a:r>
+            <a:r>
               <a:rPr lang="en-US" sz="2200" dirty="0">
                 <a:solidFill>
                   <a:srgbClr val="FC6F0D"/>
@@ -21003,7 +21606,37 @@
                 <a:latin typeface="Calibri" panose="020F0502020204030204" pitchFamily="34" charset="0"/>
                 <a:cs typeface="Calibri" panose="020F0502020204030204" pitchFamily="34" charset="0"/>
               </a:rPr>
-              <a:t>db.e.update({job:'abc1'}, </a:t>
+              <a:t>:'x', job:'</a:t>
+            </a:r>
+            <a:r>
+              <a:rPr lang="en-US" sz="2200" dirty="0" err="1">
+                <a:solidFill>
+                  <a:srgbClr val="FC6F0D"/>
+                </a:solidFill>
+                <a:latin typeface="Calibri" panose="020F0502020204030204" pitchFamily="34" charset="0"/>
+                <a:cs typeface="Calibri" panose="020F0502020204030204" pitchFamily="34" charset="0"/>
+              </a:rPr>
+              <a:t>pqr</a:t>
+            </a:r>
+            <a:r>
+              <a:rPr lang="en-US" sz="2200" dirty="0">
+                <a:solidFill>
+                  <a:srgbClr val="FC6F0D"/>
+                </a:solidFill>
+                <a:latin typeface="Calibri" panose="020F0502020204030204" pitchFamily="34" charset="0"/>
+                <a:cs typeface="Calibri" panose="020F0502020204030204" pitchFamily="34" charset="0"/>
+              </a:rPr>
+              <a:t>', salary:2000} , {ename:'y',job:'</a:t>
+            </a:r>
+            <a:r>
+              <a:rPr lang="en-US" sz="2200" dirty="0" err="1">
+                <a:solidFill>
+                  <a:srgbClr val="FC6F0D"/>
+                </a:solidFill>
+                <a:latin typeface="Calibri" panose="020F0502020204030204" pitchFamily="34" charset="0"/>
+                <a:cs typeface="Calibri" panose="020F0502020204030204" pitchFamily="34" charset="0"/>
+              </a:rPr>
+              <a:t>hr</a:t>
             </a:r>
             <a:r>
               <a:rPr lang="en-US" sz="2200" dirty="0" smtClean="0">
@@ -21013,249 +21646,7 @@
                 <a:latin typeface="Calibri" panose="020F0502020204030204" pitchFamily="34" charset="0"/>
                 <a:cs typeface="Calibri" panose="020F0502020204030204" pitchFamily="34" charset="0"/>
               </a:rPr>
-              <a:t>{ job</a:t>
-            </a:r>
-            <a:r>
-              <a:rPr lang="en-US" sz="2200" dirty="0">
-                <a:solidFill>
-                  <a:srgbClr val="FC6F0D"/>
-                </a:solidFill>
-                <a:latin typeface="Calibri" panose="020F0502020204030204" pitchFamily="34" charset="0"/>
-                <a:cs typeface="Calibri" panose="020F0502020204030204" pitchFamily="34" charset="0"/>
-              </a:rPr>
-              <a:t>:</a:t>
-            </a:r>
-            <a:r>
-              <a:rPr lang="en-US" sz="2200" dirty="0" smtClean="0">
-                <a:solidFill>
-                  <a:srgbClr val="FC6F0D"/>
-                </a:solidFill>
-                <a:latin typeface="Calibri" panose="020F0502020204030204" pitchFamily="34" charset="0"/>
-                <a:cs typeface="Calibri" panose="020F0502020204030204" pitchFamily="34" charset="0"/>
-              </a:rPr>
-              <a:t>'sales‘ },{ upsert:true });</a:t>
-            </a:r>
-          </a:p>
-          <a:p>
-            <a:endParaRPr lang="en-US" sz="800" dirty="0">
-              <a:solidFill>
-                <a:srgbClr val="FC6F0D"/>
-              </a:solidFill>
-              <a:latin typeface="Calibri" panose="020F0502020204030204" pitchFamily="34" charset="0"/>
-              <a:cs typeface="Calibri" panose="020F0502020204030204" pitchFamily="34" charset="0"/>
-            </a:endParaRPr>
-          </a:p>
-          <a:p>
-            <a:r>
-              <a:rPr lang="en-US" sz="2200" dirty="0">
-                <a:solidFill>
-                  <a:srgbClr val="FC6F0D"/>
-                </a:solidFill>
-                <a:latin typeface="Calibri" panose="020F0502020204030204" pitchFamily="34" charset="0"/>
-                <a:cs typeface="Calibri" panose="020F0502020204030204" pitchFamily="34" charset="0"/>
-              </a:rPr>
-              <a:t>db.e.update</a:t>
-            </a:r>
-            <a:r>
-              <a:rPr lang="en-US" sz="2200" dirty="0" smtClean="0">
-                <a:solidFill>
-                  <a:srgbClr val="FC6F0D"/>
-                </a:solidFill>
-                <a:latin typeface="Calibri" panose="020F0502020204030204" pitchFamily="34" charset="0"/>
-                <a:cs typeface="Calibri" panose="020F0502020204030204" pitchFamily="34" charset="0"/>
-              </a:rPr>
-              <a:t>({ job</a:t>
-            </a:r>
-            <a:r>
-              <a:rPr lang="en-US" sz="2200" dirty="0">
-                <a:solidFill>
-                  <a:srgbClr val="FC6F0D"/>
-                </a:solidFill>
-                <a:latin typeface="Calibri" panose="020F0502020204030204" pitchFamily="34" charset="0"/>
-                <a:cs typeface="Calibri" panose="020F0502020204030204" pitchFamily="34" charset="0"/>
-              </a:rPr>
-              <a:t>:</a:t>
-            </a:r>
-            <a:r>
-              <a:rPr lang="en-US" sz="2200" dirty="0">
-                <a:solidFill>
-                  <a:srgbClr val="FC6F0D"/>
-                </a:solidFill>
-                <a:latin typeface="Calibri" panose="020F0502020204030204" pitchFamily="34" charset="0"/>
-                <a:cs typeface="Calibri" panose="020F0502020204030204" pitchFamily="34" charset="0"/>
-              </a:rPr>
-              <a:t>'</a:t>
-            </a:r>
-            <a:r>
-              <a:rPr lang="en-US" sz="2200" dirty="0" err="1">
-                <a:solidFill>
-                  <a:srgbClr val="FC6F0D"/>
-                </a:solidFill>
-                <a:latin typeface="Calibri" panose="020F0502020204030204" pitchFamily="34" charset="0"/>
-                <a:cs typeface="Calibri" panose="020F0502020204030204" pitchFamily="34" charset="0"/>
-              </a:rPr>
-              <a:t>bbc</a:t>
-            </a:r>
-            <a:r>
-              <a:rPr lang="en-US" sz="2200" dirty="0">
-                <a:solidFill>
-                  <a:srgbClr val="FC6F0D"/>
-                </a:solidFill>
-                <a:latin typeface="Calibri" panose="020F0502020204030204" pitchFamily="34" charset="0"/>
-                <a:cs typeface="Calibri" panose="020F0502020204030204" pitchFamily="34" charset="0"/>
-              </a:rPr>
-              <a:t>' </a:t>
-            </a:r>
-            <a:r>
-              <a:rPr lang="en-US" sz="2200" dirty="0" smtClean="0">
-                <a:solidFill>
-                  <a:srgbClr val="FC6F0D"/>
-                </a:solidFill>
-                <a:latin typeface="Calibri" panose="020F0502020204030204" pitchFamily="34" charset="0"/>
-                <a:cs typeface="Calibri" panose="020F0502020204030204" pitchFamily="34" charset="0"/>
-              </a:rPr>
-              <a:t>}, { $</a:t>
-            </a:r>
-            <a:r>
-              <a:rPr lang="en-US" sz="2200" dirty="0">
-                <a:solidFill>
-                  <a:srgbClr val="FC6F0D"/>
-                </a:solidFill>
-                <a:latin typeface="Calibri" panose="020F0502020204030204" pitchFamily="34" charset="0"/>
-                <a:cs typeface="Calibri" panose="020F0502020204030204" pitchFamily="34" charset="0"/>
-              </a:rPr>
-              <a:t>set:{ job:'</a:t>
-            </a:r>
-            <a:r>
-              <a:rPr lang="en-US" sz="2200" dirty="0" err="1">
-                <a:solidFill>
-                  <a:srgbClr val="FC6F0D"/>
-                </a:solidFill>
-                <a:latin typeface="Calibri" panose="020F0502020204030204" pitchFamily="34" charset="0"/>
-                <a:cs typeface="Calibri" panose="020F0502020204030204" pitchFamily="34" charset="0"/>
-              </a:rPr>
-              <a:t>abc</a:t>
-            </a:r>
-            <a:r>
-              <a:rPr lang="en-US" sz="2200" dirty="0" smtClean="0">
-                <a:solidFill>
-                  <a:srgbClr val="FC6F0D"/>
-                </a:solidFill>
-                <a:latin typeface="Calibri" panose="020F0502020204030204" pitchFamily="34" charset="0"/>
-                <a:cs typeface="Calibri" panose="020F0502020204030204" pitchFamily="34" charset="0"/>
-              </a:rPr>
-              <a:t>'} }, { upsert:true</a:t>
-            </a:r>
-            <a:r>
-              <a:rPr lang="en-US" sz="2200" dirty="0">
-                <a:solidFill>
-                  <a:srgbClr val="FC6F0D"/>
-                </a:solidFill>
-                <a:latin typeface="Calibri" panose="020F0502020204030204" pitchFamily="34" charset="0"/>
-                <a:cs typeface="Calibri" panose="020F0502020204030204" pitchFamily="34" charset="0"/>
-              </a:rPr>
-              <a:t>,  </a:t>
-            </a:r>
-            <a:r>
-              <a:rPr lang="en-US" sz="2200" dirty="0" smtClean="0">
-                <a:solidFill>
-                  <a:srgbClr val="FC6F0D"/>
-                </a:solidFill>
-                <a:latin typeface="Calibri" panose="020F0502020204030204" pitchFamily="34" charset="0"/>
-                <a:cs typeface="Calibri" panose="020F0502020204030204" pitchFamily="34" charset="0"/>
-              </a:rPr>
-              <a:t>multi:true });</a:t>
-            </a:r>
-          </a:p>
-          <a:p>
-            <a:endParaRPr lang="en-US" sz="800" dirty="0" smtClean="0">
-              <a:solidFill>
-                <a:srgbClr val="FC6F0D"/>
-              </a:solidFill>
-              <a:latin typeface="Calibri" panose="020F0502020204030204" pitchFamily="34" charset="0"/>
-              <a:cs typeface="Calibri" panose="020F0502020204030204" pitchFamily="34" charset="0"/>
-            </a:endParaRPr>
-          </a:p>
-          <a:p>
-            <a:r>
-              <a:rPr lang="en-US" sz="2200" dirty="0">
-                <a:solidFill>
-                  <a:srgbClr val="FC6F0D"/>
-                </a:solidFill>
-                <a:latin typeface="Calibri" panose="020F0502020204030204" pitchFamily="34" charset="0"/>
-                <a:cs typeface="Calibri" panose="020F0502020204030204" pitchFamily="34" charset="0"/>
-              </a:rPr>
-              <a:t>db.e.update({ename:'saleel</a:t>
-            </a:r>
-            <a:r>
-              <a:rPr lang="en-US" sz="2200" dirty="0" smtClean="0">
-                <a:solidFill>
-                  <a:srgbClr val="FC6F0D"/>
-                </a:solidFill>
-                <a:latin typeface="Calibri" panose="020F0502020204030204" pitchFamily="34" charset="0"/>
-                <a:cs typeface="Calibri" panose="020F0502020204030204" pitchFamily="34" charset="0"/>
-              </a:rPr>
-              <a:t>'}, { $</a:t>
-            </a:r>
-            <a:r>
-              <a:rPr lang="en-US" sz="2200" dirty="0">
-                <a:solidFill>
-                  <a:srgbClr val="FC6F0D"/>
-                </a:solidFill>
-                <a:latin typeface="Calibri" panose="020F0502020204030204" pitchFamily="34" charset="0"/>
-                <a:cs typeface="Calibri" panose="020F0502020204030204" pitchFamily="34" charset="0"/>
-              </a:rPr>
-              <a:t>set:{ size:'small', color</a:t>
-            </a:r>
-            <a:r>
-              <a:rPr lang="en-US" sz="2200" dirty="0" smtClean="0">
-                <a:solidFill>
-                  <a:srgbClr val="FC6F0D"/>
-                </a:solidFill>
-                <a:latin typeface="Calibri" panose="020F0502020204030204" pitchFamily="34" charset="0"/>
-                <a:cs typeface="Calibri" panose="020F0502020204030204" pitchFamily="34" charset="0"/>
-              </a:rPr>
-              <a:t>: [</a:t>
-            </a:r>
-            <a:r>
-              <a:rPr lang="en-US" sz="2200" dirty="0">
-                <a:solidFill>
-                  <a:srgbClr val="FC6F0D"/>
-                </a:solidFill>
-                <a:latin typeface="Calibri" panose="020F0502020204030204" pitchFamily="34" charset="0"/>
-                <a:cs typeface="Calibri" panose="020F0502020204030204" pitchFamily="34" charset="0"/>
-              </a:rPr>
-              <a:t>'red</a:t>
-            </a:r>
-            <a:r>
-              <a:rPr lang="en-US" sz="2200" dirty="0" smtClean="0">
-                <a:solidFill>
-                  <a:srgbClr val="FC6F0D"/>
-                </a:solidFill>
-                <a:latin typeface="Calibri" panose="020F0502020204030204" pitchFamily="34" charset="0"/>
-                <a:cs typeface="Calibri" panose="020F0502020204030204" pitchFamily="34" charset="0"/>
-              </a:rPr>
-              <a:t>', 'blue</a:t>
-            </a:r>
-            <a:r>
-              <a:rPr lang="en-US" sz="2200" dirty="0">
-                <a:solidFill>
-                  <a:srgbClr val="FC6F0D"/>
-                </a:solidFill>
-                <a:latin typeface="Calibri" panose="020F0502020204030204" pitchFamily="34" charset="0"/>
-                <a:cs typeface="Calibri" panose="020F0502020204030204" pitchFamily="34" charset="0"/>
-              </a:rPr>
-              <a:t>'</a:t>
-            </a:r>
-            <a:r>
-              <a:rPr lang="en-US" sz="2200" dirty="0" smtClean="0">
-                <a:solidFill>
-                  <a:srgbClr val="FC6F0D"/>
-                </a:solidFill>
-                <a:latin typeface="Calibri" panose="020F0502020204030204" pitchFamily="34" charset="0"/>
-                <a:cs typeface="Calibri" panose="020F0502020204030204" pitchFamily="34" charset="0"/>
-              </a:rPr>
-              <a:t>] } }, { multi:true} );</a:t>
+              <a:t>'}])</a:t>
             </a:r>
             <a:endParaRPr lang="en-US" sz="2200" dirty="0">
               <a:solidFill>
@@ -21267,52 +21658,10 @@
           </a:p>
         </p:txBody>
       </p:sp>
-      <p:sp>
-        <p:nvSpPr>
-          <p:cNvPr id="5" name="Rectangle 4"/>
-          <p:cNvSpPr/>
-          <p:nvPr/>
-        </p:nvSpPr>
-        <p:spPr>
-          <a:xfrm>
-            <a:off x="32657" y="2688848"/>
-            <a:ext cx="8962155" cy="369332"/>
-          </a:xfrm>
-          <a:prstGeom prst="rect">
-            <a:avLst/>
-          </a:prstGeom>
-        </p:spPr>
-        <p:txBody>
-          <a:bodyPr wrap="square">
-            <a:spAutoFit/>
-          </a:bodyPr>
-          <a:lstStyle/>
-          <a:p>
-            <a:r>
-              <a:rPr lang="en-US" dirty="0" smtClean="0">
-                <a:solidFill>
-                  <a:srgbClr val="B22251"/>
-                </a:solidFill>
-                <a:latin typeface="Consolas" panose="020B0609020204030204" pitchFamily="49" charset="0"/>
-              </a:rPr>
-              <a:t>Options : { </a:t>
-            </a:r>
-            <a:r>
-              <a:rPr lang="en-US" dirty="0">
-                <a:solidFill>
-                  <a:srgbClr val="B22251"/>
-                </a:solidFill>
-                <a:latin typeface="Consolas" panose="020B0609020204030204" pitchFamily="49" charset="0"/>
-              </a:rPr>
-              <a:t>$set: { reorder: true } }, { multi: true, upsert: true }</a:t>
-            </a:r>
-          </a:p>
-        </p:txBody>
-      </p:sp>
     </p:spTree>
     <p:extLst>
       <p:ext uri="{BB962C8B-B14F-4D97-AF65-F5344CB8AC3E}">
-        <p14:creationId xmlns:p14="http://schemas.microsoft.com/office/powerpoint/2010/main" val="2473691024"/>
+        <p14:creationId xmlns:p14="http://schemas.microsoft.com/office/powerpoint/2010/main" val="2845818728"/>
       </p:ext>
     </p:extLst>
   </p:cSld>
@@ -21387,11 +21736,7 @@
           <a:p>
             <a:r>
               <a:rPr lang="en-IN" dirty="0"/>
-              <a:t>db.collection.updateOne</a:t>
-            </a:r>
-            <a:r>
-              <a:rPr lang="en-IN" dirty="0" smtClean="0"/>
-              <a:t>()</a:t>
+              <a:t>db.collection.update()</a:t>
             </a:r>
             <a:endParaRPr lang="en-US" dirty="0"/>
           </a:p>
@@ -21433,25 +21778,24 @@
               </a:rPr>
               <a:t>TODO</a:t>
             </a:r>
-            <a:endParaRPr lang="en-US" dirty="0"/>
           </a:p>
         </p:txBody>
       </p:sp>
     </p:spTree>
     <p:extLst>
       <p:ext uri="{BB962C8B-B14F-4D97-AF65-F5344CB8AC3E}">
-        <p14:creationId xmlns:p14="http://schemas.microsoft.com/office/powerpoint/2010/main" val="2191941974"/>
+        <p14:creationId xmlns:p14="http://schemas.microsoft.com/office/powerpoint/2010/main" val="2844348414"/>
       </p:ext>
     </p:extLst>
   </p:cSld>
   <p:clrMapOvr>
     <a:masterClrMapping/>
   </p:clrMapOvr>
-  <mc:AlternateContent xmlns:mc="http://schemas.openxmlformats.org/markup-compatibility/2006">
-    <mc:Choice xmlns:p14="http://schemas.microsoft.com/office/powerpoint/2010/main" Requires="p14">
+  <mc:AlternateContent xmlns:mc="http://schemas.openxmlformats.org/markup-compatibility/2006" xmlns:p14="http://schemas.microsoft.com/office/powerpoint/2010/main">
+    <mc:Choice Requires="p14">
       <p:transition spd="slow" p14:dur="2000"/>
     </mc:Choice>
-    <mc:Fallback>
+    <mc:Fallback xmlns="">
       <p:transition spd="slow"/>
     </mc:Fallback>
   </mc:AlternateContent>
@@ -21521,79 +21865,125 @@
                 <a:latin typeface="Arial" pitchFamily="34" charset="0"/>
                 <a:cs typeface="Arial" pitchFamily="34" charset="0"/>
               </a:rPr>
-              <a:t>db.collection.updateOne()</a:t>
-            </a:r>
-            <a:endParaRPr lang="en-IN" sz="3200" b="1" i="1" dirty="0">
-              <a:solidFill>
-                <a:srgbClr val="FFFF00"/>
-              </a:solidFill>
-              <a:latin typeface="Arial" pitchFamily="34" charset="0"/>
-              <a:cs typeface="Arial" pitchFamily="34" charset="0"/>
-            </a:endParaRPr>
-          </a:p>
-        </p:txBody>
-      </p:sp>
-      <p:sp>
-        <p:nvSpPr>
-          <p:cNvPr id="7" name="Rectangle 6"/>
+              <a:t>db.collection.update()</a:t>
+            </a:r>
+          </a:p>
+        </p:txBody>
+      </p:sp>
+      <p:sp>
+        <p:nvSpPr>
+          <p:cNvPr id="4" name="Rectangle 3"/>
           <p:cNvSpPr/>
           <p:nvPr/>
         </p:nvSpPr>
         <p:spPr>
           <a:xfrm>
-            <a:off x="149188" y="762000"/>
-            <a:ext cx="8845624" cy="369332"/>
-          </a:xfrm>
-          <a:prstGeom prst="rect">
-            <a:avLst/>
-          </a:prstGeom>
-        </p:spPr>
-        <p:txBody>
-          <a:bodyPr wrap="square">
+            <a:off x="133354" y="1611868"/>
+            <a:ext cx="7402989" cy="646331"/>
+          </a:xfrm>
+          <a:prstGeom prst="rect">
+            <a:avLst/>
+          </a:prstGeom>
+        </p:spPr>
+        <p:txBody>
+          <a:bodyPr wrap="none">
             <a:spAutoFit/>
           </a:bodyPr>
           <a:lstStyle/>
           <a:p>
-            <a:r>
-              <a:rPr lang="en-US" dirty="0"/>
-              <a:t>Updates a single document within the collection based on the filter.</a:t>
-            </a:r>
-            <a:endParaRPr lang="en-IN" dirty="0"/>
-          </a:p>
-        </p:txBody>
-      </p:sp>
-      <p:sp>
-        <p:nvSpPr>
-          <p:cNvPr id="8" name="Rectangle 7"/>
-          <p:cNvSpPr/>
-          <p:nvPr/>
-        </p:nvSpPr>
-        <p:spPr>
-          <a:xfrm>
-            <a:off x="154136" y="1459468"/>
-            <a:ext cx="8761264" cy="369332"/>
-          </a:xfrm>
-          <a:prstGeom prst="rect">
-            <a:avLst/>
-          </a:prstGeom>
-        </p:spPr>
-        <p:txBody>
-          <a:bodyPr wrap="square">
-            <a:spAutoFit/>
-          </a:bodyPr>
-          <a:lstStyle/>
-          <a:p>
-            <a:r>
-              <a:rPr lang="en-US" dirty="0">
+            <a:pPr>
+              <a:spcBef>
+                <a:spcPct val="0"/>
+              </a:spcBef>
+            </a:pPr>
+            <a:r>
+              <a:rPr lang="en-IN" dirty="0">
                 <a:solidFill>
                   <a:srgbClr val="049DC8"/>
                 </a:solidFill>
                 <a:latin typeface="Consolas" panose="020B0609020204030204" pitchFamily="49" charset="0"/>
                 <a:cs typeface="Calibri" panose="020F0502020204030204" pitchFamily="34" charset="0"/>
               </a:rPr>
-              <a:t>db.collection.updateOne(filter, update, options)</a:t>
-            </a:r>
-            <a:endParaRPr lang="en-US" dirty="0">
+              <a:t>db.collection.update</a:t>
+            </a:r>
+            <a:r>
+              <a:rPr lang="en-IN" dirty="0" smtClean="0">
+                <a:solidFill>
+                  <a:srgbClr val="049DC8"/>
+                </a:solidFill>
+                <a:latin typeface="Consolas" panose="020B0609020204030204" pitchFamily="49" charset="0"/>
+                <a:cs typeface="Calibri" panose="020F0502020204030204" pitchFamily="34" charset="0"/>
+              </a:rPr>
+              <a:t>({query}, {update}, {options})</a:t>
+            </a:r>
+          </a:p>
+          <a:p>
+            <a:pPr>
+              <a:spcBef>
+                <a:spcPct val="0"/>
+              </a:spcBef>
+            </a:pPr>
+            <a:r>
+              <a:rPr lang="en-IN" dirty="0">
+                <a:solidFill>
+                  <a:srgbClr val="049DC8"/>
+                </a:solidFill>
+                <a:latin typeface="Consolas" panose="020B0609020204030204" pitchFamily="49" charset="0"/>
+                <a:cs typeface="Calibri" panose="020F0502020204030204" pitchFamily="34" charset="0"/>
+              </a:rPr>
+              <a:t>db.collection.update</a:t>
+            </a:r>
+            <a:r>
+              <a:rPr lang="en-IN" dirty="0" smtClean="0">
+                <a:solidFill>
+                  <a:srgbClr val="049DC8"/>
+                </a:solidFill>
+                <a:latin typeface="Consolas" panose="020B0609020204030204" pitchFamily="49" charset="0"/>
+                <a:cs typeface="Calibri" panose="020F0502020204030204" pitchFamily="34" charset="0"/>
+              </a:rPr>
+              <a:t>(</a:t>
+            </a:r>
+            <a:r>
+              <a:rPr lang="en-IN" dirty="0">
+                <a:solidFill>
+                  <a:srgbClr val="049DC8"/>
+                </a:solidFill>
+                <a:latin typeface="Consolas" panose="020B0609020204030204" pitchFamily="49" charset="0"/>
+                <a:cs typeface="Calibri" panose="020F0502020204030204" pitchFamily="34" charset="0"/>
+              </a:rPr>
+              <a:t>{query}, </a:t>
+            </a:r>
+            <a:r>
+              <a:rPr lang="en-IN" dirty="0" smtClean="0">
+                <a:solidFill>
+                  <a:srgbClr val="049DC8"/>
+                </a:solidFill>
+                <a:latin typeface="Consolas" panose="020B0609020204030204" pitchFamily="49" charset="0"/>
+                <a:cs typeface="Calibri" panose="020F0502020204030204" pitchFamily="34" charset="0"/>
+              </a:rPr>
+              <a:t>{$set:{update}}, </a:t>
+            </a:r>
+            <a:r>
+              <a:rPr lang="en-IN" dirty="0">
+                <a:solidFill>
+                  <a:srgbClr val="049DC8"/>
+                </a:solidFill>
+                <a:latin typeface="Consolas" panose="020B0609020204030204" pitchFamily="49" charset="0"/>
+                <a:cs typeface="Calibri" panose="020F0502020204030204" pitchFamily="34" charset="0"/>
+              </a:rPr>
+              <a:t>{options}</a:t>
+            </a:r>
+            <a:r>
+              <a:rPr lang="en-IN" dirty="0" smtClean="0">
+                <a:solidFill>
+                  <a:srgbClr val="049DC8"/>
+                </a:solidFill>
+                <a:latin typeface="Consolas" panose="020B0609020204030204" pitchFamily="49" charset="0"/>
+                <a:cs typeface="Calibri" panose="020F0502020204030204" pitchFamily="34" charset="0"/>
+              </a:rPr>
+              <a:t>)</a:t>
+            </a:r>
+            <a:endParaRPr lang="en-IN" dirty="0">
               <a:solidFill>
                 <a:srgbClr val="049DC8"/>
               </a:solidFill>
@@ -21603,10 +21993,364 @@
           </a:p>
         </p:txBody>
       </p:sp>
+      <p:sp>
+        <p:nvSpPr>
+          <p:cNvPr id="8" name="Rectangle 7"/>
+          <p:cNvSpPr/>
+          <p:nvPr/>
+        </p:nvSpPr>
+        <p:spPr>
+          <a:xfrm>
+            <a:off x="149188" y="762000"/>
+            <a:ext cx="8845624" cy="646331"/>
+          </a:xfrm>
+          <a:prstGeom prst="rect">
+            <a:avLst/>
+          </a:prstGeom>
+        </p:spPr>
+        <p:txBody>
+          <a:bodyPr wrap="square">
+            <a:spAutoFit/>
+          </a:bodyPr>
+          <a:lstStyle/>
+          <a:p>
+            <a:r>
+              <a:rPr lang="en-US" dirty="0"/>
+              <a:t>By default, the update() method updates a single document. Set the Multi Parameter to update all documents that match the query criteria.</a:t>
+            </a:r>
+            <a:endParaRPr lang="en-IN" dirty="0"/>
+          </a:p>
+        </p:txBody>
+      </p:sp>
+      <p:sp>
+        <p:nvSpPr>
+          <p:cNvPr id="3" name="Rectangle 2"/>
+          <p:cNvSpPr/>
+          <p:nvPr/>
+        </p:nvSpPr>
+        <p:spPr>
+          <a:xfrm>
+            <a:off x="153146" y="3488829"/>
+            <a:ext cx="8841666" cy="1692771"/>
+          </a:xfrm>
+          <a:prstGeom prst="rect">
+            <a:avLst/>
+          </a:prstGeom>
+        </p:spPr>
+        <p:txBody>
+          <a:bodyPr wrap="square">
+            <a:spAutoFit/>
+          </a:bodyPr>
+          <a:lstStyle/>
+          <a:p>
+            <a:r>
+              <a:rPr lang="en-US" sz="2200" dirty="0">
+                <a:solidFill>
+                  <a:srgbClr val="FC6F0D"/>
+                </a:solidFill>
+                <a:latin typeface="Calibri" panose="020F0502020204030204" pitchFamily="34" charset="0"/>
+                <a:cs typeface="Calibri" panose="020F0502020204030204" pitchFamily="34" charset="0"/>
+              </a:rPr>
+              <a:t>db.e.update({job:'abc1'}, </a:t>
+            </a:r>
+            <a:r>
+              <a:rPr lang="en-US" sz="2200" dirty="0" smtClean="0">
+                <a:solidFill>
+                  <a:srgbClr val="FC6F0D"/>
+                </a:solidFill>
+                <a:latin typeface="Calibri" panose="020F0502020204030204" pitchFamily="34" charset="0"/>
+                <a:cs typeface="Calibri" panose="020F0502020204030204" pitchFamily="34" charset="0"/>
+              </a:rPr>
+              <a:t>{ job</a:t>
+            </a:r>
+            <a:r>
+              <a:rPr lang="en-US" sz="2200" dirty="0">
+                <a:solidFill>
+                  <a:srgbClr val="FC6F0D"/>
+                </a:solidFill>
+                <a:latin typeface="Calibri" panose="020F0502020204030204" pitchFamily="34" charset="0"/>
+                <a:cs typeface="Calibri" panose="020F0502020204030204" pitchFamily="34" charset="0"/>
+              </a:rPr>
+              <a:t>:</a:t>
+            </a:r>
+            <a:r>
+              <a:rPr lang="en-US" sz="2200" dirty="0" smtClean="0">
+                <a:solidFill>
+                  <a:srgbClr val="FC6F0D"/>
+                </a:solidFill>
+                <a:latin typeface="Calibri" panose="020F0502020204030204" pitchFamily="34" charset="0"/>
+                <a:cs typeface="Calibri" panose="020F0502020204030204" pitchFamily="34" charset="0"/>
+              </a:rPr>
+              <a:t>'sales‘ },{ upsert:true });</a:t>
+            </a:r>
+          </a:p>
+          <a:p>
+            <a:endParaRPr lang="en-US" sz="800" dirty="0">
+              <a:solidFill>
+                <a:srgbClr val="FC6F0D"/>
+              </a:solidFill>
+              <a:latin typeface="Calibri" panose="020F0502020204030204" pitchFamily="34" charset="0"/>
+              <a:cs typeface="Calibri" panose="020F0502020204030204" pitchFamily="34" charset="0"/>
+            </a:endParaRPr>
+          </a:p>
+          <a:p>
+            <a:r>
+              <a:rPr lang="en-US" sz="2200" dirty="0">
+                <a:solidFill>
+                  <a:srgbClr val="FC6F0D"/>
+                </a:solidFill>
+                <a:latin typeface="Calibri" panose="020F0502020204030204" pitchFamily="34" charset="0"/>
+                <a:cs typeface="Calibri" panose="020F0502020204030204" pitchFamily="34" charset="0"/>
+              </a:rPr>
+              <a:t>db.e.update</a:t>
+            </a:r>
+            <a:r>
+              <a:rPr lang="en-US" sz="2200" dirty="0" smtClean="0">
+                <a:solidFill>
+                  <a:srgbClr val="FC6F0D"/>
+                </a:solidFill>
+                <a:latin typeface="Calibri" panose="020F0502020204030204" pitchFamily="34" charset="0"/>
+                <a:cs typeface="Calibri" panose="020F0502020204030204" pitchFamily="34" charset="0"/>
+              </a:rPr>
+              <a:t>({ job</a:t>
+            </a:r>
+            <a:r>
+              <a:rPr lang="en-US" sz="2200" dirty="0">
+                <a:solidFill>
+                  <a:srgbClr val="FC6F0D"/>
+                </a:solidFill>
+                <a:latin typeface="Calibri" panose="020F0502020204030204" pitchFamily="34" charset="0"/>
+                <a:cs typeface="Calibri" panose="020F0502020204030204" pitchFamily="34" charset="0"/>
+              </a:rPr>
+              <a:t>:'</a:t>
+            </a:r>
+            <a:r>
+              <a:rPr lang="en-US" sz="2200" dirty="0" err="1">
+                <a:solidFill>
+                  <a:srgbClr val="FC6F0D"/>
+                </a:solidFill>
+                <a:latin typeface="Calibri" panose="020F0502020204030204" pitchFamily="34" charset="0"/>
+                <a:cs typeface="Calibri" panose="020F0502020204030204" pitchFamily="34" charset="0"/>
+              </a:rPr>
+              <a:t>bbc</a:t>
+            </a:r>
+            <a:r>
+              <a:rPr lang="en-US" sz="2200" dirty="0">
+                <a:solidFill>
+                  <a:srgbClr val="FC6F0D"/>
+                </a:solidFill>
+                <a:latin typeface="Calibri" panose="020F0502020204030204" pitchFamily="34" charset="0"/>
+                <a:cs typeface="Calibri" panose="020F0502020204030204" pitchFamily="34" charset="0"/>
+              </a:rPr>
+              <a:t>' </a:t>
+            </a:r>
+            <a:r>
+              <a:rPr lang="en-US" sz="2200" dirty="0" smtClean="0">
+                <a:solidFill>
+                  <a:srgbClr val="FC6F0D"/>
+                </a:solidFill>
+                <a:latin typeface="Calibri" panose="020F0502020204030204" pitchFamily="34" charset="0"/>
+                <a:cs typeface="Calibri" panose="020F0502020204030204" pitchFamily="34" charset="0"/>
+              </a:rPr>
+              <a:t>}, { $</a:t>
+            </a:r>
+            <a:r>
+              <a:rPr lang="en-US" sz="2200" dirty="0">
+                <a:solidFill>
+                  <a:srgbClr val="FC6F0D"/>
+                </a:solidFill>
+                <a:latin typeface="Calibri" panose="020F0502020204030204" pitchFamily="34" charset="0"/>
+                <a:cs typeface="Calibri" panose="020F0502020204030204" pitchFamily="34" charset="0"/>
+              </a:rPr>
+              <a:t>set:{ job:'</a:t>
+            </a:r>
+            <a:r>
+              <a:rPr lang="en-US" sz="2200" dirty="0" err="1">
+                <a:solidFill>
+                  <a:srgbClr val="FC6F0D"/>
+                </a:solidFill>
+                <a:latin typeface="Calibri" panose="020F0502020204030204" pitchFamily="34" charset="0"/>
+                <a:cs typeface="Calibri" panose="020F0502020204030204" pitchFamily="34" charset="0"/>
+              </a:rPr>
+              <a:t>abc</a:t>
+            </a:r>
+            <a:r>
+              <a:rPr lang="en-US" sz="2200" dirty="0" smtClean="0">
+                <a:solidFill>
+                  <a:srgbClr val="FC6F0D"/>
+                </a:solidFill>
+                <a:latin typeface="Calibri" panose="020F0502020204030204" pitchFamily="34" charset="0"/>
+                <a:cs typeface="Calibri" panose="020F0502020204030204" pitchFamily="34" charset="0"/>
+              </a:rPr>
+              <a:t>'} }, { upsert:true</a:t>
+            </a:r>
+            <a:r>
+              <a:rPr lang="en-US" sz="2200" dirty="0">
+                <a:solidFill>
+                  <a:srgbClr val="FC6F0D"/>
+                </a:solidFill>
+                <a:latin typeface="Calibri" panose="020F0502020204030204" pitchFamily="34" charset="0"/>
+                <a:cs typeface="Calibri" panose="020F0502020204030204" pitchFamily="34" charset="0"/>
+              </a:rPr>
+              <a:t>,  </a:t>
+            </a:r>
+            <a:r>
+              <a:rPr lang="en-US" sz="2200" dirty="0" smtClean="0">
+                <a:solidFill>
+                  <a:srgbClr val="FC6F0D"/>
+                </a:solidFill>
+                <a:latin typeface="Calibri" panose="020F0502020204030204" pitchFamily="34" charset="0"/>
+                <a:cs typeface="Calibri" panose="020F0502020204030204" pitchFamily="34" charset="0"/>
+              </a:rPr>
+              <a:t>multi:true });</a:t>
+            </a:r>
+          </a:p>
+          <a:p>
+            <a:endParaRPr lang="en-US" sz="800" dirty="0" smtClean="0">
+              <a:solidFill>
+                <a:srgbClr val="FC6F0D"/>
+              </a:solidFill>
+              <a:latin typeface="Calibri" panose="020F0502020204030204" pitchFamily="34" charset="0"/>
+              <a:cs typeface="Calibri" panose="020F0502020204030204" pitchFamily="34" charset="0"/>
+            </a:endParaRPr>
+          </a:p>
+          <a:p>
+            <a:r>
+              <a:rPr lang="en-US" sz="2200" dirty="0">
+                <a:solidFill>
+                  <a:srgbClr val="FC6F0D"/>
+                </a:solidFill>
+                <a:latin typeface="Calibri" panose="020F0502020204030204" pitchFamily="34" charset="0"/>
+                <a:cs typeface="Calibri" panose="020F0502020204030204" pitchFamily="34" charset="0"/>
+              </a:rPr>
+              <a:t>db.e.update({ename:'saleel</a:t>
+            </a:r>
+            <a:r>
+              <a:rPr lang="en-US" sz="2200" dirty="0" smtClean="0">
+                <a:solidFill>
+                  <a:srgbClr val="FC6F0D"/>
+                </a:solidFill>
+                <a:latin typeface="Calibri" panose="020F0502020204030204" pitchFamily="34" charset="0"/>
+                <a:cs typeface="Calibri" panose="020F0502020204030204" pitchFamily="34" charset="0"/>
+              </a:rPr>
+              <a:t>'}, { $</a:t>
+            </a:r>
+            <a:r>
+              <a:rPr lang="en-US" sz="2200" dirty="0">
+                <a:solidFill>
+                  <a:srgbClr val="FC6F0D"/>
+                </a:solidFill>
+                <a:latin typeface="Calibri" panose="020F0502020204030204" pitchFamily="34" charset="0"/>
+                <a:cs typeface="Calibri" panose="020F0502020204030204" pitchFamily="34" charset="0"/>
+              </a:rPr>
+              <a:t>set:{ size:'small', color</a:t>
+            </a:r>
+            <a:r>
+              <a:rPr lang="en-US" sz="2200" dirty="0" smtClean="0">
+                <a:solidFill>
+                  <a:srgbClr val="FC6F0D"/>
+                </a:solidFill>
+                <a:latin typeface="Calibri" panose="020F0502020204030204" pitchFamily="34" charset="0"/>
+                <a:cs typeface="Calibri" panose="020F0502020204030204" pitchFamily="34" charset="0"/>
+              </a:rPr>
+              <a:t>: [</a:t>
+            </a:r>
+            <a:r>
+              <a:rPr lang="en-US" sz="2200" dirty="0">
+                <a:solidFill>
+                  <a:srgbClr val="FC6F0D"/>
+                </a:solidFill>
+                <a:latin typeface="Calibri" panose="020F0502020204030204" pitchFamily="34" charset="0"/>
+                <a:cs typeface="Calibri" panose="020F0502020204030204" pitchFamily="34" charset="0"/>
+              </a:rPr>
+              <a:t>'red</a:t>
+            </a:r>
+            <a:r>
+              <a:rPr lang="en-US" sz="2200" dirty="0" smtClean="0">
+                <a:solidFill>
+                  <a:srgbClr val="FC6F0D"/>
+                </a:solidFill>
+                <a:latin typeface="Calibri" panose="020F0502020204030204" pitchFamily="34" charset="0"/>
+                <a:cs typeface="Calibri" panose="020F0502020204030204" pitchFamily="34" charset="0"/>
+              </a:rPr>
+              <a:t>', 'blue</a:t>
+            </a:r>
+            <a:r>
+              <a:rPr lang="en-US" sz="2200" dirty="0">
+                <a:solidFill>
+                  <a:srgbClr val="FC6F0D"/>
+                </a:solidFill>
+                <a:latin typeface="Calibri" panose="020F0502020204030204" pitchFamily="34" charset="0"/>
+                <a:cs typeface="Calibri" panose="020F0502020204030204" pitchFamily="34" charset="0"/>
+              </a:rPr>
+              <a:t>'</a:t>
+            </a:r>
+            <a:r>
+              <a:rPr lang="en-US" sz="2200" dirty="0" smtClean="0">
+                <a:solidFill>
+                  <a:srgbClr val="FC6F0D"/>
+                </a:solidFill>
+                <a:latin typeface="Calibri" panose="020F0502020204030204" pitchFamily="34" charset="0"/>
+                <a:cs typeface="Calibri" panose="020F0502020204030204" pitchFamily="34" charset="0"/>
+              </a:rPr>
+              <a:t>] } }, { multi:true} );</a:t>
+            </a:r>
+            <a:endParaRPr lang="en-US" sz="2200" dirty="0">
+              <a:solidFill>
+                <a:srgbClr val="FC6F0D"/>
+              </a:solidFill>
+              <a:latin typeface="Calibri" panose="020F0502020204030204" pitchFamily="34" charset="0"/>
+              <a:cs typeface="Calibri" panose="020F0502020204030204" pitchFamily="34" charset="0"/>
+            </a:endParaRPr>
+          </a:p>
+        </p:txBody>
+      </p:sp>
+      <p:sp>
+        <p:nvSpPr>
+          <p:cNvPr id="5" name="Rectangle 4"/>
+          <p:cNvSpPr/>
+          <p:nvPr/>
+        </p:nvSpPr>
+        <p:spPr>
+          <a:xfrm>
+            <a:off x="32657" y="2688848"/>
+            <a:ext cx="8962155" cy="369332"/>
+          </a:xfrm>
+          <a:prstGeom prst="rect">
+            <a:avLst/>
+          </a:prstGeom>
+        </p:spPr>
+        <p:txBody>
+          <a:bodyPr wrap="square">
+            <a:spAutoFit/>
+          </a:bodyPr>
+          <a:lstStyle/>
+          <a:p>
+            <a:r>
+              <a:rPr lang="en-US" dirty="0" smtClean="0">
+                <a:solidFill>
+                  <a:srgbClr val="B22251"/>
+                </a:solidFill>
+                <a:latin typeface="Consolas" panose="020B0609020204030204" pitchFamily="49" charset="0"/>
+              </a:rPr>
+              <a:t>Options : { </a:t>
+            </a:r>
+            <a:r>
+              <a:rPr lang="en-US" dirty="0">
+                <a:solidFill>
+                  <a:srgbClr val="B22251"/>
+                </a:solidFill>
+                <a:latin typeface="Consolas" panose="020B0609020204030204" pitchFamily="49" charset="0"/>
+              </a:rPr>
+              <a:t>$set: { reorder: true } }, { multi: true, upsert: true }</a:t>
+            </a:r>
+          </a:p>
+        </p:txBody>
+      </p:sp>
     </p:spTree>
     <p:extLst>
       <p:ext uri="{BB962C8B-B14F-4D97-AF65-F5344CB8AC3E}">
-        <p14:creationId xmlns:p14="http://schemas.microsoft.com/office/powerpoint/2010/main" val="3916522350"/>
+        <p14:creationId xmlns:p14="http://schemas.microsoft.com/office/powerpoint/2010/main" val="2473691024"/>
       </p:ext>
     </p:extLst>
   </p:cSld>
@@ -21681,7 +22425,11 @@
           <a:p>
             <a:r>
               <a:rPr lang="en-IN" dirty="0"/>
-              <a:t>db.collection.deleteOne()</a:t>
+              <a:t>db.collection.updateOne</a:t>
+            </a:r>
+            <a:r>
+              <a:rPr lang="en-IN" dirty="0" smtClean="0"/>
+              <a:t>()</a:t>
             </a:r>
             <a:endParaRPr lang="en-US" dirty="0"/>
           </a:p>
@@ -21730,7 +22478,7 @@
     </p:spTree>
     <p:extLst>
       <p:ext uri="{BB962C8B-B14F-4D97-AF65-F5344CB8AC3E}">
-        <p14:creationId xmlns:p14="http://schemas.microsoft.com/office/powerpoint/2010/main" val="3719896549"/>
+        <p14:creationId xmlns:p14="http://schemas.microsoft.com/office/powerpoint/2010/main" val="2191941974"/>
       </p:ext>
     </p:extLst>
   </p:cSld>
@@ -21811,7 +22559,7 @@
                 <a:latin typeface="Arial" pitchFamily="34" charset="0"/>
                 <a:cs typeface="Arial" pitchFamily="34" charset="0"/>
               </a:rPr>
-              <a:t>db.collection.deleteOne()</a:t>
+              <a:t>db.collection.updateOne()</a:t>
             </a:r>
           </a:p>
         </p:txBody>
@@ -21825,7 +22573,7 @@
         <p:spPr>
           <a:xfrm>
             <a:off x="149188" y="762000"/>
-            <a:ext cx="8845624" cy="646331"/>
+            <a:ext cx="8845624" cy="369332"/>
           </a:xfrm>
           <a:prstGeom prst="rect">
             <a:avLst/>
@@ -21839,7 +22587,7 @@
           <a:p>
             <a:r>
               <a:rPr lang="en-US" dirty="0"/>
-              <a:t>Removes a single document from a collection. Specify an empty document { } to delete the first document returned in the collection.</a:t>
+              <a:t>Updates a single document within the collection based on the filter.</a:t>
             </a:r>
             <a:endParaRPr lang="en-IN" dirty="0"/>
           </a:p>
@@ -21853,7 +22601,7 @@
         </p:nvSpPr>
         <p:spPr>
           <a:xfrm>
-            <a:off x="154136" y="1611868"/>
+            <a:off x="154136" y="1459468"/>
             <a:ext cx="8761264" cy="369332"/>
           </a:xfrm>
           <a:prstGeom prst="rect">
@@ -21867,6 +22615,16 @@
           <a:lstStyle/>
           <a:p>
             <a:r>
+              <a:rPr lang="en-US" dirty="0">
+                <a:solidFill>
+                  <a:srgbClr val="049DC8"/>
+                </a:solidFill>
+                <a:latin typeface="Consolas" panose="020B0609020204030204" pitchFamily="49" charset="0"/>
+                <a:cs typeface="Calibri" panose="020F0502020204030204" pitchFamily="34" charset="0"/>
+              </a:rPr>
+              <a:t>db.collection.updateOne</a:t>
+            </a:r>
+            <a:r>
               <a:rPr lang="en-US" dirty="0" smtClean="0">
                 <a:solidFill>
                   <a:srgbClr val="049DC8"/>
@@ -21874,7 +22632,37 @@
                 <a:latin typeface="Consolas" panose="020B0609020204030204" pitchFamily="49" charset="0"/>
                 <a:cs typeface="Calibri" panose="020F0502020204030204" pitchFamily="34" charset="0"/>
               </a:rPr>
-              <a:t>db.collection.deleteOne({&lt;filter&gt;})</a:t>
+              <a:t>({filter}, </a:t>
+            </a:r>
+            <a:r>
+              <a:rPr lang="en-IN" dirty="0">
+                <a:solidFill>
+                  <a:srgbClr val="049DC8"/>
+                </a:solidFill>
+                <a:latin typeface="Consolas" panose="020B0609020204030204" pitchFamily="49" charset="0"/>
+                <a:cs typeface="Calibri" panose="020F0502020204030204" pitchFamily="34" charset="0"/>
+              </a:rPr>
+              <a:t>{$set:{update</a:t>
+            </a:r>
+            <a:r>
+              <a:rPr lang="en-IN" dirty="0" smtClean="0">
+                <a:solidFill>
+                  <a:srgbClr val="049DC8"/>
+                </a:solidFill>
+                <a:latin typeface="Consolas" panose="020B0609020204030204" pitchFamily="49" charset="0"/>
+                <a:cs typeface="Calibri" panose="020F0502020204030204" pitchFamily="34" charset="0"/>
+              </a:rPr>
+              <a:t>} }</a:t>
+            </a:r>
+            <a:r>
+              <a:rPr lang="en-US" dirty="0" smtClean="0">
+                <a:solidFill>
+                  <a:srgbClr val="049DC8"/>
+                </a:solidFill>
+                <a:latin typeface="Consolas" panose="020B0609020204030204" pitchFamily="49" charset="0"/>
+                <a:cs typeface="Calibri" panose="020F0502020204030204" pitchFamily="34" charset="0"/>
+              </a:rPr>
+              <a:t>, {options})</a:t>
             </a:r>
             <a:endParaRPr lang="en-US" dirty="0">
               <a:solidFill>
@@ -21894,8 +22682,8 @@
         </p:nvSpPr>
         <p:spPr>
           <a:xfrm>
-            <a:off x="149188" y="2286000"/>
-            <a:ext cx="8766212" cy="892552"/>
+            <a:off x="32657" y="2129227"/>
+            <a:ext cx="8962155" cy="369332"/>
           </a:xfrm>
           <a:prstGeom prst="rect">
             <a:avLst/>
@@ -21908,6 +22696,76 @@
           <a:lstStyle/>
           <a:p>
             <a:r>
+              <a:rPr lang="en-US" dirty="0" smtClean="0">
+                <a:solidFill>
+                  <a:srgbClr val="B22251"/>
+                </a:solidFill>
+                <a:latin typeface="Consolas" panose="020B0609020204030204" pitchFamily="49" charset="0"/>
+              </a:rPr>
+              <a:t>Options : { </a:t>
+            </a:r>
+            <a:r>
+              <a:rPr lang="en-US" dirty="0">
+                <a:solidFill>
+                  <a:srgbClr val="B22251"/>
+                </a:solidFill>
+                <a:latin typeface="Consolas" panose="020B0609020204030204" pitchFamily="49" charset="0"/>
+              </a:rPr>
+              <a:t>$set: { reorder: true } }, { </a:t>
+            </a:r>
+            <a:r>
+              <a:rPr lang="en-US" dirty="0" smtClean="0">
+                <a:solidFill>
+                  <a:srgbClr val="B22251"/>
+                </a:solidFill>
+                <a:latin typeface="Consolas" panose="020B0609020204030204" pitchFamily="49" charset="0"/>
+              </a:rPr>
+              <a:t>upsert</a:t>
+            </a:r>
+            <a:r>
+              <a:rPr lang="en-US" dirty="0">
+                <a:solidFill>
+                  <a:srgbClr val="B22251"/>
+                </a:solidFill>
+                <a:latin typeface="Consolas" panose="020B0609020204030204" pitchFamily="49" charset="0"/>
+              </a:rPr>
+              <a:t>: true }</a:t>
+            </a:r>
+          </a:p>
+        </p:txBody>
+      </p:sp>
+      <p:sp>
+        <p:nvSpPr>
+          <p:cNvPr id="2" name="Rectangle 1"/>
+          <p:cNvSpPr/>
+          <p:nvPr/>
+        </p:nvSpPr>
+        <p:spPr>
+          <a:xfrm>
+            <a:off x="149188" y="3050086"/>
+            <a:ext cx="8845624" cy="769441"/>
+          </a:xfrm>
+          <a:prstGeom prst="rect">
+            <a:avLst/>
+          </a:prstGeom>
+        </p:spPr>
+        <p:txBody>
+          <a:bodyPr wrap="square">
+            <a:spAutoFit/>
+          </a:bodyPr>
+          <a:lstStyle/>
+          <a:p>
+            <a:r>
+              <a:rPr lang="en-US" sz="2200" dirty="0">
+                <a:solidFill>
+                  <a:srgbClr val="FC6F0D"/>
+                </a:solidFill>
+                <a:latin typeface="Calibri" panose="020F0502020204030204" pitchFamily="34" charset="0"/>
+                <a:cs typeface="Calibri" panose="020F0502020204030204" pitchFamily="34" charset="0"/>
+              </a:rPr>
+              <a:t>db.e.updateOne({ename:'saleel1</a:t>
+            </a:r>
+            <a:r>
               <a:rPr lang="en-US" sz="2200" dirty="0" smtClean="0">
                 <a:solidFill>
                   <a:srgbClr val="FC6F0D"/>
@@ -21915,19 +22773,8 @@
                 <a:latin typeface="Calibri" panose="020F0502020204030204" pitchFamily="34" charset="0"/>
                 <a:cs typeface="Calibri" panose="020F0502020204030204" pitchFamily="34" charset="0"/>
               </a:rPr>
-              <a:t>db.emp.deleteOne({})</a:t>
-            </a:r>
-          </a:p>
-          <a:p>
-            <a:endParaRPr lang="en-US" sz="800" dirty="0" smtClean="0">
-              <a:solidFill>
-                <a:srgbClr val="FC6F0D"/>
-              </a:solidFill>
-              <a:latin typeface="Calibri" panose="020F0502020204030204" pitchFamily="34" charset="0"/>
-              <a:cs typeface="Calibri" panose="020F0502020204030204" pitchFamily="34" charset="0"/>
-            </a:endParaRPr>
-          </a:p>
-          <a:p>
+              <a:t>'}, {$</a:t>
+            </a:r>
             <a:r>
               <a:rPr lang="en-US" sz="2200" dirty="0">
                 <a:solidFill>
@@ -21936,7 +22783,7 @@
                 <a:latin typeface="Calibri" panose="020F0502020204030204" pitchFamily="34" charset="0"/>
                 <a:cs typeface="Calibri" panose="020F0502020204030204" pitchFamily="34" charset="0"/>
               </a:rPr>
-              <a:t>db.e.deleteOne({job:'manager</a:t>
+              <a:t>set: {job:'A</a:t>
             </a:r>
             <a:r>
               <a:rPr lang="en-US" sz="2200" dirty="0" smtClean="0">
@@ -21946,22 +22793,67 @@
                 <a:latin typeface="Calibri" panose="020F0502020204030204" pitchFamily="34" charset="0"/>
                 <a:cs typeface="Calibri" panose="020F0502020204030204" pitchFamily="34" charset="0"/>
               </a:rPr>
-              <a:t>'})</a:t>
-            </a:r>
-            <a:endParaRPr lang="en-US" sz="2200" dirty="0">
-              <a:solidFill>
-                <a:srgbClr val="FC6F0D"/>
-              </a:solidFill>
-              <a:latin typeface="Calibri" panose="020F0502020204030204" pitchFamily="34" charset="0"/>
-              <a:cs typeface="Calibri" panose="020F0502020204030204" pitchFamily="34" charset="0"/>
-            </a:endParaRPr>
+              <a:t>'}})</a:t>
+            </a:r>
+          </a:p>
+          <a:p>
+            <a:r>
+              <a:rPr lang="en-US" sz="2200" dirty="0">
+                <a:solidFill>
+                  <a:srgbClr val="FC6F0D"/>
+                </a:solidFill>
+                <a:latin typeface="Calibri" panose="020F0502020204030204" pitchFamily="34" charset="0"/>
+                <a:cs typeface="Calibri" panose="020F0502020204030204" pitchFamily="34" charset="0"/>
+              </a:rPr>
+              <a:t>db.e.updateOne({ename:'saleel2</a:t>
+            </a:r>
+            <a:r>
+              <a:rPr lang="en-US" sz="2200" dirty="0" smtClean="0">
+                <a:solidFill>
+                  <a:srgbClr val="FC6F0D"/>
+                </a:solidFill>
+                <a:latin typeface="Calibri" panose="020F0502020204030204" pitchFamily="34" charset="0"/>
+                <a:cs typeface="Calibri" panose="020F0502020204030204" pitchFamily="34" charset="0"/>
+              </a:rPr>
+              <a:t>'}, {$</a:t>
+            </a:r>
+            <a:r>
+              <a:rPr lang="en-US" sz="2200" dirty="0">
+                <a:solidFill>
+                  <a:srgbClr val="FC6F0D"/>
+                </a:solidFill>
+                <a:latin typeface="Calibri" panose="020F0502020204030204" pitchFamily="34" charset="0"/>
+                <a:cs typeface="Calibri" panose="020F0502020204030204" pitchFamily="34" charset="0"/>
+              </a:rPr>
+              <a:t>set: {job:'A</a:t>
+            </a:r>
+            <a:r>
+              <a:rPr lang="en-US" sz="2200" dirty="0" smtClean="0">
+                <a:solidFill>
+                  <a:srgbClr val="FC6F0D"/>
+                </a:solidFill>
+                <a:latin typeface="Calibri" panose="020F0502020204030204" pitchFamily="34" charset="0"/>
+                <a:cs typeface="Calibri" panose="020F0502020204030204" pitchFamily="34" charset="0"/>
+              </a:rPr>
+              <a:t>'}}, { </a:t>
+            </a:r>
+            <a:r>
+              <a:rPr lang="en-US" sz="2200" dirty="0">
+                <a:solidFill>
+                  <a:srgbClr val="FC6F0D"/>
+                </a:solidFill>
+                <a:latin typeface="Calibri" panose="020F0502020204030204" pitchFamily="34" charset="0"/>
+                <a:cs typeface="Calibri" panose="020F0502020204030204" pitchFamily="34" charset="0"/>
+              </a:rPr>
+              <a:t>upsert: true })</a:t>
+            </a:r>
           </a:p>
         </p:txBody>
       </p:sp>
     </p:spTree>
     <p:extLst>
       <p:ext uri="{BB962C8B-B14F-4D97-AF65-F5344CB8AC3E}">
-        <p14:creationId xmlns:p14="http://schemas.microsoft.com/office/powerpoint/2010/main" val="3696592824"/>
+        <p14:creationId xmlns:p14="http://schemas.microsoft.com/office/powerpoint/2010/main" val="3916522350"/>
       </p:ext>
     </p:extLst>
   </p:cSld>
@@ -22036,7 +22928,7 @@
           <a:p>
             <a:r>
               <a:rPr lang="en-IN" dirty="0" smtClean="0"/>
-              <a:t>db.collection.deleteMany()</a:t>
+              <a:t>db.collection.updateMany()</a:t>
             </a:r>
             <a:endParaRPr lang="en-US" dirty="0"/>
           </a:p>
@@ -22085,18 +22977,18 @@
     </p:spTree>
     <p:extLst>
       <p:ext uri="{BB962C8B-B14F-4D97-AF65-F5344CB8AC3E}">
-        <p14:creationId xmlns:p14="http://schemas.microsoft.com/office/powerpoint/2010/main" val="4110389760"/>
+        <p14:creationId xmlns:p14="http://schemas.microsoft.com/office/powerpoint/2010/main" val="2237058823"/>
       </p:ext>
     </p:extLst>
   </p:cSld>
   <p:clrMapOvr>
     <a:masterClrMapping/>
   </p:clrMapOvr>
-  <mc:AlternateContent xmlns:mc="http://schemas.openxmlformats.org/markup-compatibility/2006" xmlns:p14="http://schemas.microsoft.com/office/powerpoint/2010/main">
-    <mc:Choice Requires="p14">
+  <mc:AlternateContent xmlns:mc="http://schemas.openxmlformats.org/markup-compatibility/2006">
+    <mc:Choice xmlns:p14="http://schemas.microsoft.com/office/powerpoint/2010/main" Requires="p14">
       <p:transition spd="slow" p14:dur="2000"/>
     </mc:Choice>
-    <mc:Fallback xmlns="">
+    <mc:Fallback>
       <p:transition spd="slow"/>
     </mc:Fallback>
   </mc:AlternateContent>
@@ -22166,7 +23058,7 @@
                 <a:latin typeface="Arial" pitchFamily="34" charset="0"/>
                 <a:cs typeface="Arial" pitchFamily="34" charset="0"/>
               </a:rPr>
-              <a:t>db.collection.deleteMany()</a:t>
+              <a:t>db.collection.updateMany()</a:t>
             </a:r>
             <a:endParaRPr lang="en-IN" sz="3200" b="1" i="1" dirty="0">
               <a:solidFill>
@@ -22201,7 +23093,7 @@
           <a:p>
             <a:r>
               <a:rPr lang="en-US" dirty="0"/>
-              <a:t>Removes all documents that match the filter from a collection.</a:t>
+              <a:t>Updates a single document within the collection based on the filter.</a:t>
             </a:r>
             <a:endParaRPr lang="en-IN" dirty="0"/>
           </a:p>
@@ -22215,7 +23107,7 @@
         </p:nvSpPr>
         <p:spPr>
           <a:xfrm>
-            <a:off x="154136" y="1611868"/>
+            <a:off x="154136" y="1459468"/>
             <a:ext cx="8761264" cy="369332"/>
           </a:xfrm>
           <a:prstGeom prst="rect">
@@ -22236,7 +23128,37 @@
                 <a:latin typeface="Consolas" panose="020B0609020204030204" pitchFamily="49" charset="0"/>
                 <a:cs typeface="Calibri" panose="020F0502020204030204" pitchFamily="34" charset="0"/>
               </a:rPr>
-              <a:t>db.collection.deleteMany({&lt;filter&gt;})</a:t>
+              <a:t>db.collection.updateMany({filter}, </a:t>
+            </a:r>
+            <a:r>
+              <a:rPr lang="en-IN" dirty="0">
+                <a:solidFill>
+                  <a:srgbClr val="049DC8"/>
+                </a:solidFill>
+                <a:latin typeface="Consolas" panose="020B0609020204030204" pitchFamily="49" charset="0"/>
+                <a:cs typeface="Calibri" panose="020F0502020204030204" pitchFamily="34" charset="0"/>
+              </a:rPr>
+              <a:t>{$set:{update</a:t>
+            </a:r>
+            <a:r>
+              <a:rPr lang="en-IN" dirty="0" smtClean="0">
+                <a:solidFill>
+                  <a:srgbClr val="049DC8"/>
+                </a:solidFill>
+                <a:latin typeface="Consolas" panose="020B0609020204030204" pitchFamily="49" charset="0"/>
+                <a:cs typeface="Calibri" panose="020F0502020204030204" pitchFamily="34" charset="0"/>
+              </a:rPr>
+              <a:t>} }</a:t>
+            </a:r>
+            <a:r>
+              <a:rPr lang="en-US" dirty="0" smtClean="0">
+                <a:solidFill>
+                  <a:srgbClr val="049DC8"/>
+                </a:solidFill>
+                <a:latin typeface="Consolas" panose="020B0609020204030204" pitchFamily="49" charset="0"/>
+                <a:cs typeface="Calibri" panose="020F0502020204030204" pitchFamily="34" charset="0"/>
+              </a:rPr>
+              <a:t>, {options})</a:t>
             </a:r>
             <a:endParaRPr lang="en-US" dirty="0">
               <a:solidFill>
@@ -22256,8 +23178,8 @@
         </p:nvSpPr>
         <p:spPr>
           <a:xfrm>
-            <a:off x="149188" y="2286000"/>
-            <a:ext cx="8766212" cy="892552"/>
+            <a:off x="32657" y="2129227"/>
+            <a:ext cx="8962155" cy="369332"/>
           </a:xfrm>
           <a:prstGeom prst="rect">
             <a:avLst/>
@@ -22270,6 +23192,66 @@
           <a:lstStyle/>
           <a:p>
             <a:r>
+              <a:rPr lang="en-US" dirty="0" smtClean="0">
+                <a:solidFill>
+                  <a:srgbClr val="B22251"/>
+                </a:solidFill>
+                <a:latin typeface="Consolas" panose="020B0609020204030204" pitchFamily="49" charset="0"/>
+              </a:rPr>
+              <a:t>Options : { </a:t>
+            </a:r>
+            <a:r>
+              <a:rPr lang="en-US" dirty="0">
+                <a:solidFill>
+                  <a:srgbClr val="B22251"/>
+                </a:solidFill>
+                <a:latin typeface="Consolas" panose="020B0609020204030204" pitchFamily="49" charset="0"/>
+              </a:rPr>
+              <a:t>$set: { reorder: true } }, { </a:t>
+            </a:r>
+            <a:r>
+              <a:rPr lang="en-US" dirty="0" smtClean="0">
+                <a:solidFill>
+                  <a:srgbClr val="B22251"/>
+                </a:solidFill>
+                <a:latin typeface="Consolas" panose="020B0609020204030204" pitchFamily="49" charset="0"/>
+              </a:rPr>
+              <a:t>upsert</a:t>
+            </a:r>
+            <a:r>
+              <a:rPr lang="en-US" dirty="0">
+                <a:solidFill>
+                  <a:srgbClr val="B22251"/>
+                </a:solidFill>
+                <a:latin typeface="Consolas" panose="020B0609020204030204" pitchFamily="49" charset="0"/>
+              </a:rPr>
+              <a:t>: true }</a:t>
+            </a:r>
+          </a:p>
+        </p:txBody>
+      </p:sp>
+      <p:sp>
+        <p:nvSpPr>
+          <p:cNvPr id="2" name="Rectangle 1"/>
+          <p:cNvSpPr/>
+          <p:nvPr/>
+        </p:nvSpPr>
+        <p:spPr>
+          <a:xfrm>
+            <a:off x="149188" y="3050086"/>
+            <a:ext cx="8845624" cy="769441"/>
+          </a:xfrm>
+          <a:prstGeom prst="rect">
+            <a:avLst/>
+          </a:prstGeom>
+        </p:spPr>
+        <p:txBody>
+          <a:bodyPr wrap="square">
+            <a:spAutoFit/>
+          </a:bodyPr>
+          <a:lstStyle/>
+          <a:p>
+            <a:r>
               <a:rPr lang="en-US" sz="2200" dirty="0">
                 <a:solidFill>
                   <a:srgbClr val="FC6F0D"/>
@@ -22277,26 +23259,8 @@
                 <a:latin typeface="Calibri" panose="020F0502020204030204" pitchFamily="34" charset="0"/>
                 <a:cs typeface="Calibri" panose="020F0502020204030204" pitchFamily="34" charset="0"/>
               </a:rPr>
-              <a:t>db.e.deleteMany({});</a:t>
-            </a:r>
-            <a:endParaRPr lang="en-US" sz="2200" dirty="0" smtClean="0">
-              <a:solidFill>
-                <a:srgbClr val="FC6F0D"/>
-              </a:solidFill>
-              <a:latin typeface="Calibri" panose="020F0502020204030204" pitchFamily="34" charset="0"/>
-              <a:cs typeface="Calibri" panose="020F0502020204030204" pitchFamily="34" charset="0"/>
-            </a:endParaRPr>
-          </a:p>
-          <a:p>
-            <a:endParaRPr lang="en-US" sz="800" dirty="0" smtClean="0">
-              <a:solidFill>
-                <a:srgbClr val="FC6F0D"/>
-              </a:solidFill>
-              <a:latin typeface="Calibri" panose="020F0502020204030204" pitchFamily="34" charset="0"/>
-              <a:cs typeface="Calibri" panose="020F0502020204030204" pitchFamily="34" charset="0"/>
-            </a:endParaRPr>
-          </a:p>
-          <a:p>
+              <a:t> db.e.updateMany({sal: {$gt:2000}}, {$set</a:t>
+            </a:r>
             <a:r>
               <a:rPr lang="en-US" sz="2200" dirty="0" smtClean="0">
                 <a:solidFill>
@@ -22305,7 +23269,7 @@
                 <a:latin typeface="Calibri" panose="020F0502020204030204" pitchFamily="34" charset="0"/>
                 <a:cs typeface="Calibri" panose="020F0502020204030204" pitchFamily="34" charset="0"/>
               </a:rPr>
-              <a:t>db.e.deleteMany({</a:t>
+              <a:t>: { color: [</a:t>
             </a:r>
             <a:r>
               <a:rPr lang="en-US" sz="2200" dirty="0">
@@ -22315,7 +23279,7 @@
                 <a:latin typeface="Calibri" panose="020F0502020204030204" pitchFamily="34" charset="0"/>
                 <a:cs typeface="Calibri" panose="020F0502020204030204" pitchFamily="34" charset="0"/>
               </a:rPr>
-              <a:t>job:'manager</a:t>
+              <a:t>'red</a:t>
             </a:r>
             <a:r>
               <a:rPr lang="en-US" sz="2200" dirty="0" smtClean="0">
@@ -22325,7 +23289,27 @@
                 <a:latin typeface="Calibri" panose="020F0502020204030204" pitchFamily="34" charset="0"/>
                 <a:cs typeface="Calibri" panose="020F0502020204030204" pitchFamily="34" charset="0"/>
               </a:rPr>
-              <a:t>'})</a:t>
+              <a:t>', 'yellow', 'green', 'blue'] } }, </a:t>
+            </a:r>
+            <a:r>
+              <a:rPr lang="en-US" sz="2200" dirty="0">
+                <a:solidFill>
+                  <a:srgbClr val="FC6F0D"/>
+                </a:solidFill>
+                <a:latin typeface="Calibri" panose="020F0502020204030204" pitchFamily="34" charset="0"/>
+                <a:cs typeface="Calibri" panose="020F0502020204030204" pitchFamily="34" charset="0"/>
+              </a:rPr>
+              <a:t>{upsert:true</a:t>
+            </a:r>
+            <a:r>
+              <a:rPr lang="en-US" sz="2200" dirty="0" smtClean="0">
+                <a:solidFill>
+                  <a:srgbClr val="FC6F0D"/>
+                </a:solidFill>
+                <a:latin typeface="Calibri" panose="020F0502020204030204" pitchFamily="34" charset="0"/>
+                <a:cs typeface="Calibri" panose="020F0502020204030204" pitchFamily="34" charset="0"/>
+              </a:rPr>
+              <a:t>});</a:t>
             </a:r>
             <a:endParaRPr lang="en-US" sz="2200" dirty="0">
               <a:solidFill>
@@ -22340,7 +23324,7 @@
     </p:spTree>
     <p:extLst>
       <p:ext uri="{BB962C8B-B14F-4D97-AF65-F5344CB8AC3E}">
-        <p14:creationId xmlns:p14="http://schemas.microsoft.com/office/powerpoint/2010/main" val="3771916804"/>
+        <p14:creationId xmlns:p14="http://schemas.microsoft.com/office/powerpoint/2010/main" val="3787651064"/>
       </p:ext>
     </p:extLst>
   </p:cSld>
@@ -22376,72 +23360,71 @@
       </p:grpSpPr>
       <p:sp>
         <p:nvSpPr>
-          <p:cNvPr id="6" name="Rectangle 5"/>
-          <p:cNvSpPr/>
-          <p:nvPr/>
-        </p:nvSpPr>
-        <p:spPr>
-          <a:xfrm>
-            <a:off x="0" y="0"/>
-            <a:ext cx="9144000" cy="584775"/>
-          </a:xfrm>
-          <a:prstGeom prst="rect">
-            <a:avLst/>
-          </a:prstGeom>
-          <a:solidFill>
-            <a:schemeClr val="accent4">
-              <a:lumMod val="75000"/>
-            </a:schemeClr>
-          </a:solidFill>
-        </p:spPr>
-        <p:txBody>
-          <a:bodyPr wrap="square">
-            <a:spAutoFit/>
-          </a:bodyPr>
-          <a:lstStyle/>
-          <a:p>
-            <a:pPr algn="r">
+          <p:cNvPr id="2" name="Title 1"/>
+          <p:cNvSpPr txBox="1">
+            <a:spLocks/>
+          </p:cNvSpPr>
+          <p:nvPr/>
+        </p:nvSpPr>
+        <p:spPr>
+          <a:xfrm>
+            <a:off x="152400" y="2057400"/>
+            <a:ext cx="8839200" cy="838200"/>
+          </a:xfrm>
+          <a:prstGeom prst="rect">
+            <a:avLst/>
+          </a:prstGeom>
+        </p:spPr>
+        <p:txBody>
+          <a:bodyPr>
+            <a:noAutofit/>
+          </a:bodyPr>
+          <a:lstStyle>
+            <a:defPPr>
+              <a:defRPr lang="en-US"/>
+            </a:defPPr>
+            <a:lvl1pPr lvl="0" algn="ctr">
               <a:spcBef>
                 <a:spcPct val="0"/>
               </a:spcBef>
-            </a:pPr>
-            <a:r>
-              <a:rPr lang="en-IN" sz="3200" b="1" i="1" dirty="0" smtClean="0">
-                <a:solidFill>
-                  <a:srgbClr val="FFFF00"/>
-                </a:solidFill>
-                <a:latin typeface="Arial" pitchFamily="34" charset="0"/>
-                <a:cs typeface="Arial" pitchFamily="34" charset="0"/>
-              </a:rPr>
-              <a:t>document</a:t>
-            </a:r>
-            <a:r>
-              <a:rPr lang="en-IN" sz="3200" b="1" i="1" dirty="0">
-                <a:solidFill>
-                  <a:srgbClr val="FFFF00"/>
-                </a:solidFill>
-                <a:latin typeface="Arial" pitchFamily="34" charset="0"/>
-                <a:cs typeface="Arial" pitchFamily="34" charset="0"/>
-              </a:rPr>
-              <a:t> </a:t>
-            </a:r>
-          </a:p>
-        </p:txBody>
-      </p:sp>
-      <p:sp>
-        <p:nvSpPr>
-          <p:cNvPr id="7" name="Rectangle 6"/>
+              <a:defRPr sz="4800">
+                <a:solidFill>
+                  <a:srgbClr val="7EEEE3"/>
+                </a:solidFill>
+                <a:latin typeface="Segoe UI Light" panose="020B0502040204020203" pitchFamily="34" charset="0"/>
+                <a:cs typeface="Segoe UI Light" panose="020B0502040204020203" pitchFamily="34" charset="0"/>
+              </a:defRPr>
+            </a:lvl1pPr>
+          </a:lstStyle>
+          <a:p>
+            <a:r>
+              <a:rPr lang="en-IN" dirty="0"/>
+              <a:t>db.collection.deleteOne()</a:t>
+            </a:r>
+            <a:endParaRPr lang="en-US" dirty="0"/>
+          </a:p>
+        </p:txBody>
+      </p:sp>
+      <p:sp>
+        <p:nvSpPr>
+          <p:cNvPr id="3" name="Rectangle 2"/>
           <p:cNvSpPr/>
           <p:nvPr/>
         </p:nvSpPr>
         <p:spPr>
           <a:xfrm>
-            <a:off x="149188" y="762000"/>
-            <a:ext cx="8845624" cy="369332"/>
-          </a:xfrm>
-          <a:prstGeom prst="rect">
-            <a:avLst/>
-          </a:prstGeom>
+            <a:off x="419100" y="2861953"/>
+            <a:ext cx="8305800" cy="369332"/>
+          </a:xfrm>
+          <a:prstGeom prst="rect">
+            <a:avLst/>
+          </a:prstGeom>
+          <a:solidFill>
+            <a:schemeClr val="accent6">
+              <a:lumMod val="20000"/>
+              <a:lumOff val="80000"/>
+            </a:schemeClr>
+          </a:solidFill>
         </p:spPr>
         <p:txBody>
           <a:bodyPr wrap="square">
@@ -22450,23 +23433,36 @@
           <a:lstStyle/>
           <a:p>
             <a:r>
-              <a:rPr lang="en-US" dirty="0" smtClean="0"/>
+              <a:rPr lang="en-US" dirty="0" smtClean="0">
+                <a:solidFill>
+                  <a:srgbClr val="222222"/>
+                </a:solidFill>
+                <a:latin typeface="arial" panose="020B0604020202020204" pitchFamily="34" charset="0"/>
+              </a:rPr>
               <a:t>TODO</a:t>
             </a:r>
-            <a:endParaRPr lang="en-IN" dirty="0"/>
+            <a:endParaRPr lang="en-US" dirty="0"/>
           </a:p>
         </p:txBody>
       </p:sp>
     </p:spTree>
     <p:extLst>
       <p:ext uri="{BB962C8B-B14F-4D97-AF65-F5344CB8AC3E}">
-        <p14:creationId xmlns:p14="http://schemas.microsoft.com/office/powerpoint/2010/main" val="3587670722"/>
+        <p14:creationId xmlns:p14="http://schemas.microsoft.com/office/powerpoint/2010/main" val="3719896549"/>
       </p:ext>
     </p:extLst>
   </p:cSld>
   <p:clrMapOvr>
     <a:masterClrMapping/>
   </p:clrMapOvr>
+  <mc:AlternateContent xmlns:mc="http://schemas.openxmlformats.org/markup-compatibility/2006" xmlns:p14="http://schemas.microsoft.com/office/powerpoint/2010/main">
+    <mc:Choice Requires="p14">
+      <p:transition spd="slow" p14:dur="2000"/>
+    </mc:Choice>
+    <mc:Fallback xmlns="">
+      <p:transition spd="slow"/>
+    </mc:Fallback>
+  </mc:AlternateContent>
   <p:timing>
     <p:tnLst>
       <p:par>
@@ -22658,34 +23654,14 @@
               </a:spcBef>
             </a:pPr>
             <a:r>
-              <a:rPr lang="en-IN" sz="3200" b="1" i="1" dirty="0" smtClean="0">
+              <a:rPr lang="en-IN" sz="3200" b="1" i="1" dirty="0">
                 <a:solidFill>
                   <a:srgbClr val="FFFF00"/>
                 </a:solidFill>
                 <a:latin typeface="Arial" pitchFamily="34" charset="0"/>
                 <a:cs typeface="Arial" pitchFamily="34" charset="0"/>
               </a:rPr>
-              <a:t>MongoDB</a:t>
-            </a:r>
-            <a:r>
-              <a:rPr lang="en-US" sz="3200" b="1" i="1" dirty="0" smtClean="0">
-                <a:solidFill>
-                  <a:srgbClr val="FFFF00"/>
-                </a:solidFill>
-                <a:latin typeface="Arial" pitchFamily="34" charset="0"/>
-                <a:cs typeface="Arial" pitchFamily="34" charset="0"/>
-              </a:rPr>
-              <a:t> </a:t>
-            </a:r>
-            <a:r>
-              <a:rPr lang="en-IN" sz="3200" b="1" i="1" dirty="0">
-                <a:solidFill>
-                  <a:srgbClr val="FFFF00"/>
-                </a:solidFill>
-                <a:latin typeface="Arial" pitchFamily="34" charset="0"/>
-                <a:cs typeface="Arial" pitchFamily="34" charset="0"/>
-              </a:rPr>
-              <a:t> </a:t>
+              <a:t>db.collection.deleteOne()</a:t>
             </a:r>
           </a:p>
         </p:txBody>
@@ -22699,7 +23675,7 @@
         <p:spPr>
           <a:xfrm>
             <a:off x="149188" y="762000"/>
-            <a:ext cx="8845624" cy="369332"/>
+            <a:ext cx="8845624" cy="646331"/>
           </a:xfrm>
           <a:prstGeom prst="rect">
             <a:avLst/>
@@ -22712,17 +23688,130 @@
           <a:lstStyle/>
           <a:p>
             <a:r>
-              <a:rPr lang="en-US" dirty="0" smtClean="0"/>
-              <a:t>TODO</a:t>
+              <a:rPr lang="en-US" dirty="0"/>
+              <a:t>Removes a single document from a collection. Specify an empty document { } to delete the first document returned in the collection.</a:t>
             </a:r>
             <a:endParaRPr lang="en-IN" dirty="0"/>
+          </a:p>
+        </p:txBody>
+      </p:sp>
+      <p:sp>
+        <p:nvSpPr>
+          <p:cNvPr id="8" name="Rectangle 7"/>
+          <p:cNvSpPr/>
+          <p:nvPr/>
+        </p:nvSpPr>
+        <p:spPr>
+          <a:xfrm>
+            <a:off x="154136" y="1611868"/>
+            <a:ext cx="8761264" cy="369332"/>
+          </a:xfrm>
+          <a:prstGeom prst="rect">
+            <a:avLst/>
+          </a:prstGeom>
+        </p:spPr>
+        <p:txBody>
+          <a:bodyPr wrap="square">
+            <a:spAutoFit/>
+          </a:bodyPr>
+          <a:lstStyle/>
+          <a:p>
+            <a:r>
+              <a:rPr lang="en-US" dirty="0" smtClean="0">
+                <a:solidFill>
+                  <a:srgbClr val="049DC8"/>
+                </a:solidFill>
+                <a:latin typeface="Consolas" panose="020B0609020204030204" pitchFamily="49" charset="0"/>
+                <a:cs typeface="Calibri" panose="020F0502020204030204" pitchFamily="34" charset="0"/>
+              </a:rPr>
+              <a:t>db.collection.deleteOne({&lt;filter&gt;})</a:t>
+            </a:r>
+            <a:endParaRPr lang="en-US" dirty="0">
+              <a:solidFill>
+                <a:srgbClr val="049DC8"/>
+              </a:solidFill>
+              <a:latin typeface="Consolas" panose="020B0609020204030204" pitchFamily="49" charset="0"/>
+              <a:cs typeface="Calibri" panose="020F0502020204030204" pitchFamily="34" charset="0"/>
+            </a:endParaRPr>
+          </a:p>
+        </p:txBody>
+      </p:sp>
+      <p:sp>
+        <p:nvSpPr>
+          <p:cNvPr id="5" name="Rectangle 4"/>
+          <p:cNvSpPr/>
+          <p:nvPr/>
+        </p:nvSpPr>
+        <p:spPr>
+          <a:xfrm>
+            <a:off x="149188" y="2286000"/>
+            <a:ext cx="8766212" cy="892552"/>
+          </a:xfrm>
+          <a:prstGeom prst="rect">
+            <a:avLst/>
+          </a:prstGeom>
+        </p:spPr>
+        <p:txBody>
+          <a:bodyPr wrap="square">
+            <a:spAutoFit/>
+          </a:bodyPr>
+          <a:lstStyle/>
+          <a:p>
+            <a:r>
+              <a:rPr lang="en-US" sz="2200" dirty="0" smtClean="0">
+                <a:solidFill>
+                  <a:srgbClr val="FC6F0D"/>
+                </a:solidFill>
+                <a:latin typeface="Calibri" panose="020F0502020204030204" pitchFamily="34" charset="0"/>
+                <a:cs typeface="Calibri" panose="020F0502020204030204" pitchFamily="34" charset="0"/>
+              </a:rPr>
+              <a:t>db.emp.deleteOne({})</a:t>
+            </a:r>
+          </a:p>
+          <a:p>
+            <a:endParaRPr lang="en-US" sz="800" dirty="0" smtClean="0">
+              <a:solidFill>
+                <a:srgbClr val="FC6F0D"/>
+              </a:solidFill>
+              <a:latin typeface="Calibri" panose="020F0502020204030204" pitchFamily="34" charset="0"/>
+              <a:cs typeface="Calibri" panose="020F0502020204030204" pitchFamily="34" charset="0"/>
+            </a:endParaRPr>
+          </a:p>
+          <a:p>
+            <a:r>
+              <a:rPr lang="en-US" sz="2200" dirty="0">
+                <a:solidFill>
+                  <a:srgbClr val="FC6F0D"/>
+                </a:solidFill>
+                <a:latin typeface="Calibri" panose="020F0502020204030204" pitchFamily="34" charset="0"/>
+                <a:cs typeface="Calibri" panose="020F0502020204030204" pitchFamily="34" charset="0"/>
+              </a:rPr>
+              <a:t>db.e.deleteOne({job:'manager</a:t>
+            </a:r>
+            <a:r>
+              <a:rPr lang="en-US" sz="2200" dirty="0" smtClean="0">
+                <a:solidFill>
+                  <a:srgbClr val="FC6F0D"/>
+                </a:solidFill>
+                <a:latin typeface="Calibri" panose="020F0502020204030204" pitchFamily="34" charset="0"/>
+                <a:cs typeface="Calibri" panose="020F0502020204030204" pitchFamily="34" charset="0"/>
+              </a:rPr>
+              <a:t>'})</a:t>
+            </a:r>
+            <a:endParaRPr lang="en-US" sz="2200" dirty="0">
+              <a:solidFill>
+                <a:srgbClr val="FC6F0D"/>
+              </a:solidFill>
+              <a:latin typeface="Calibri" panose="020F0502020204030204" pitchFamily="34" charset="0"/>
+              <a:cs typeface="Calibri" panose="020F0502020204030204" pitchFamily="34" charset="0"/>
+            </a:endParaRPr>
           </a:p>
         </p:txBody>
       </p:sp>
     </p:spTree>
     <p:extLst>
       <p:ext uri="{BB962C8B-B14F-4D97-AF65-F5344CB8AC3E}">
-        <p14:creationId xmlns:p14="http://schemas.microsoft.com/office/powerpoint/2010/main" val="250252946"/>
+        <p14:creationId xmlns:p14="http://schemas.microsoft.com/office/powerpoint/2010/main" val="3696592824"/>
       </p:ext>
     </p:extLst>
   </p:cSld>
@@ -22758,82 +23847,71 @@
       </p:grpSpPr>
       <p:sp>
         <p:nvSpPr>
-          <p:cNvPr id="6" name="Rectangle 5"/>
-          <p:cNvSpPr/>
-          <p:nvPr/>
-        </p:nvSpPr>
-        <p:spPr>
-          <a:xfrm>
-            <a:off x="0" y="0"/>
-            <a:ext cx="9144000" cy="584775"/>
-          </a:xfrm>
-          <a:prstGeom prst="rect">
-            <a:avLst/>
-          </a:prstGeom>
-          <a:solidFill>
-            <a:schemeClr val="accent4">
-              <a:lumMod val="75000"/>
-            </a:schemeClr>
-          </a:solidFill>
-        </p:spPr>
-        <p:txBody>
-          <a:bodyPr wrap="square">
-            <a:spAutoFit/>
-          </a:bodyPr>
-          <a:lstStyle/>
-          <a:p>
-            <a:pPr algn="r">
+          <p:cNvPr id="2" name="Title 1"/>
+          <p:cNvSpPr txBox="1">
+            <a:spLocks/>
+          </p:cNvSpPr>
+          <p:nvPr/>
+        </p:nvSpPr>
+        <p:spPr>
+          <a:xfrm>
+            <a:off x="152400" y="2057400"/>
+            <a:ext cx="8839200" cy="838200"/>
+          </a:xfrm>
+          <a:prstGeom prst="rect">
+            <a:avLst/>
+          </a:prstGeom>
+        </p:spPr>
+        <p:txBody>
+          <a:bodyPr>
+            <a:noAutofit/>
+          </a:bodyPr>
+          <a:lstStyle>
+            <a:defPPr>
+              <a:defRPr lang="en-US"/>
+            </a:defPPr>
+            <a:lvl1pPr lvl="0" algn="ctr">
               <a:spcBef>
                 <a:spcPct val="0"/>
               </a:spcBef>
-            </a:pPr>
-            <a:r>
-              <a:rPr lang="en-IN" sz="3200" b="1" i="1" dirty="0" smtClean="0">
-                <a:solidFill>
-                  <a:srgbClr val="FFFF00"/>
-                </a:solidFill>
-                <a:latin typeface="Arial" pitchFamily="34" charset="0"/>
-                <a:cs typeface="Arial" pitchFamily="34" charset="0"/>
-              </a:rPr>
-              <a:t>MongoDB</a:t>
-            </a:r>
-            <a:r>
-              <a:rPr lang="en-US" sz="3200" b="1" i="1" dirty="0" smtClean="0">
-                <a:solidFill>
-                  <a:srgbClr val="FFFF00"/>
-                </a:solidFill>
-                <a:latin typeface="Arial" pitchFamily="34" charset="0"/>
-                <a:cs typeface="Arial" pitchFamily="34" charset="0"/>
-              </a:rPr>
-              <a:t> </a:t>
-            </a:r>
-            <a:r>
-              <a:rPr lang="en-IN" sz="3200" b="1" i="1" dirty="0">
-                <a:solidFill>
-                  <a:srgbClr val="FFFF00"/>
-                </a:solidFill>
-                <a:latin typeface="Arial" pitchFamily="34" charset="0"/>
-                <a:cs typeface="Arial" pitchFamily="34" charset="0"/>
-              </a:rPr>
-              <a:t> </a:t>
-            </a:r>
-          </a:p>
-        </p:txBody>
-      </p:sp>
-      <p:sp>
-        <p:nvSpPr>
-          <p:cNvPr id="7" name="Rectangle 6"/>
+              <a:defRPr sz="4800">
+                <a:solidFill>
+                  <a:srgbClr val="7EEEE3"/>
+                </a:solidFill>
+                <a:latin typeface="Segoe UI Light" panose="020B0502040204020203" pitchFamily="34" charset="0"/>
+                <a:cs typeface="Segoe UI Light" panose="020B0502040204020203" pitchFamily="34" charset="0"/>
+              </a:defRPr>
+            </a:lvl1pPr>
+          </a:lstStyle>
+          <a:p>
+            <a:r>
+              <a:rPr lang="en-IN" dirty="0" smtClean="0"/>
+              <a:t>db.collection.deleteMany()</a:t>
+            </a:r>
+            <a:endParaRPr lang="en-US" dirty="0"/>
+          </a:p>
+        </p:txBody>
+      </p:sp>
+      <p:sp>
+        <p:nvSpPr>
+          <p:cNvPr id="3" name="Rectangle 2"/>
           <p:cNvSpPr/>
           <p:nvPr/>
         </p:nvSpPr>
         <p:spPr>
           <a:xfrm>
-            <a:off x="149188" y="762000"/>
-            <a:ext cx="8845624" cy="369332"/>
-          </a:xfrm>
-          <a:prstGeom prst="rect">
-            <a:avLst/>
-          </a:prstGeom>
+            <a:off x="419100" y="2861953"/>
+            <a:ext cx="8305800" cy="369332"/>
+          </a:xfrm>
+          <a:prstGeom prst="rect">
+            <a:avLst/>
+          </a:prstGeom>
+          <a:solidFill>
+            <a:schemeClr val="accent6">
+              <a:lumMod val="20000"/>
+              <a:lumOff val="80000"/>
+            </a:schemeClr>
+          </a:solidFill>
         </p:spPr>
         <p:txBody>
           <a:bodyPr wrap="square">
@@ -22842,23 +23920,36 @@
           <a:lstStyle/>
           <a:p>
             <a:r>
-              <a:rPr lang="en-US" dirty="0" smtClean="0"/>
+              <a:rPr lang="en-US" dirty="0" smtClean="0">
+                <a:solidFill>
+                  <a:srgbClr val="222222"/>
+                </a:solidFill>
+                <a:latin typeface="arial" panose="020B0604020202020204" pitchFamily="34" charset="0"/>
+              </a:rPr>
               <a:t>TODO</a:t>
             </a:r>
-            <a:endParaRPr lang="en-IN" dirty="0"/>
+            <a:endParaRPr lang="en-US" dirty="0"/>
           </a:p>
         </p:txBody>
       </p:sp>
     </p:spTree>
     <p:extLst>
       <p:ext uri="{BB962C8B-B14F-4D97-AF65-F5344CB8AC3E}">
-        <p14:creationId xmlns:p14="http://schemas.microsoft.com/office/powerpoint/2010/main" val="895975297"/>
+        <p14:creationId xmlns:p14="http://schemas.microsoft.com/office/powerpoint/2010/main" val="4110389760"/>
       </p:ext>
     </p:extLst>
   </p:cSld>
   <p:clrMapOvr>
     <a:masterClrMapping/>
   </p:clrMapOvr>
+  <mc:AlternateContent xmlns:mc="http://schemas.openxmlformats.org/markup-compatibility/2006" xmlns:p14="http://schemas.microsoft.com/office/powerpoint/2010/main">
+    <mc:Choice Requires="p14">
+      <p:transition spd="slow" p14:dur="2000"/>
+    </mc:Choice>
+    <mc:Fallback xmlns="">
+      <p:transition spd="slow"/>
+    </mc:Fallback>
+  </mc:AlternateContent>
   <p:timing>
     <p:tnLst>
       <p:par>
@@ -22925,28 +24016,15 @@
                 <a:latin typeface="Arial" pitchFamily="34" charset="0"/>
                 <a:cs typeface="Arial" pitchFamily="34" charset="0"/>
               </a:rPr>
-              <a:t>MongoDB</a:t>
-            </a:r>
-            <a:r>
-              <a:rPr lang="en-US" sz="3200" b="1" i="1" dirty="0" smtClean="0">
-                <a:solidFill>
-                  <a:srgbClr val="FFFF00"/>
-                </a:solidFill>
-                <a:latin typeface="Arial" pitchFamily="34" charset="0"/>
-                <a:cs typeface="Arial" pitchFamily="34" charset="0"/>
-              </a:rPr>
-              <a:t> </a:t>
-            </a:r>
-            <a:r>
-              <a:rPr lang="en-IN" sz="3200" b="1" i="1" dirty="0">
-                <a:solidFill>
-                  <a:srgbClr val="FFFF00"/>
-                </a:solidFill>
-                <a:latin typeface="Arial" pitchFamily="34" charset="0"/>
-                <a:cs typeface="Arial" pitchFamily="34" charset="0"/>
-              </a:rPr>
-              <a:t> </a:t>
-            </a:r>
+              <a:t>db.collection.deleteMany()</a:t>
+            </a:r>
+            <a:endParaRPr lang="en-IN" sz="3200" b="1" i="1" dirty="0">
+              <a:solidFill>
+                <a:srgbClr val="FFFF00"/>
+              </a:solidFill>
+              <a:latin typeface="Arial" pitchFamily="34" charset="0"/>
+              <a:cs typeface="Arial" pitchFamily="34" charset="0"/>
+            </a:endParaRPr>
           </a:p>
         </p:txBody>
       </p:sp>
@@ -22972,17 +24050,147 @@
           <a:lstStyle/>
           <a:p>
             <a:r>
-              <a:rPr lang="en-US" dirty="0" smtClean="0"/>
-              <a:t>TODO</a:t>
+              <a:rPr lang="en-US" dirty="0"/>
+              <a:t>Removes all documents that match the filter from a collection.</a:t>
             </a:r>
             <a:endParaRPr lang="en-IN" dirty="0"/>
+          </a:p>
+        </p:txBody>
+      </p:sp>
+      <p:sp>
+        <p:nvSpPr>
+          <p:cNvPr id="8" name="Rectangle 7"/>
+          <p:cNvSpPr/>
+          <p:nvPr/>
+        </p:nvSpPr>
+        <p:spPr>
+          <a:xfrm>
+            <a:off x="154136" y="1611868"/>
+            <a:ext cx="8761264" cy="369332"/>
+          </a:xfrm>
+          <a:prstGeom prst="rect">
+            <a:avLst/>
+          </a:prstGeom>
+        </p:spPr>
+        <p:txBody>
+          <a:bodyPr wrap="square">
+            <a:spAutoFit/>
+          </a:bodyPr>
+          <a:lstStyle/>
+          <a:p>
+            <a:r>
+              <a:rPr lang="en-US" dirty="0" smtClean="0">
+                <a:solidFill>
+                  <a:srgbClr val="049DC8"/>
+                </a:solidFill>
+                <a:latin typeface="Consolas" panose="020B0609020204030204" pitchFamily="49" charset="0"/>
+                <a:cs typeface="Calibri" panose="020F0502020204030204" pitchFamily="34" charset="0"/>
+              </a:rPr>
+              <a:t>db.collection.deleteMany({&lt;filter&gt;})</a:t>
+            </a:r>
+            <a:endParaRPr lang="en-US" dirty="0">
+              <a:solidFill>
+                <a:srgbClr val="049DC8"/>
+              </a:solidFill>
+              <a:latin typeface="Consolas" panose="020B0609020204030204" pitchFamily="49" charset="0"/>
+              <a:cs typeface="Calibri" panose="020F0502020204030204" pitchFamily="34" charset="0"/>
+            </a:endParaRPr>
+          </a:p>
+        </p:txBody>
+      </p:sp>
+      <p:sp>
+        <p:nvSpPr>
+          <p:cNvPr id="5" name="Rectangle 4"/>
+          <p:cNvSpPr/>
+          <p:nvPr/>
+        </p:nvSpPr>
+        <p:spPr>
+          <a:xfrm>
+            <a:off x="149188" y="2286000"/>
+            <a:ext cx="8766212" cy="892552"/>
+          </a:xfrm>
+          <a:prstGeom prst="rect">
+            <a:avLst/>
+          </a:prstGeom>
+        </p:spPr>
+        <p:txBody>
+          <a:bodyPr wrap="square">
+            <a:spAutoFit/>
+          </a:bodyPr>
+          <a:lstStyle/>
+          <a:p>
+            <a:r>
+              <a:rPr lang="en-US" sz="2200" dirty="0">
+                <a:solidFill>
+                  <a:srgbClr val="FC6F0D"/>
+                </a:solidFill>
+                <a:latin typeface="Calibri" panose="020F0502020204030204" pitchFamily="34" charset="0"/>
+                <a:cs typeface="Calibri" panose="020F0502020204030204" pitchFamily="34" charset="0"/>
+              </a:rPr>
+              <a:t>db.e.deleteMany({});</a:t>
+            </a:r>
+            <a:endParaRPr lang="en-US" sz="2200" dirty="0" smtClean="0">
+              <a:solidFill>
+                <a:srgbClr val="FC6F0D"/>
+              </a:solidFill>
+              <a:latin typeface="Calibri" panose="020F0502020204030204" pitchFamily="34" charset="0"/>
+              <a:cs typeface="Calibri" panose="020F0502020204030204" pitchFamily="34" charset="0"/>
+            </a:endParaRPr>
+          </a:p>
+          <a:p>
+            <a:endParaRPr lang="en-US" sz="800" dirty="0" smtClean="0">
+              <a:solidFill>
+                <a:srgbClr val="FC6F0D"/>
+              </a:solidFill>
+              <a:latin typeface="Calibri" panose="020F0502020204030204" pitchFamily="34" charset="0"/>
+              <a:cs typeface="Calibri" panose="020F0502020204030204" pitchFamily="34" charset="0"/>
+            </a:endParaRPr>
+          </a:p>
+          <a:p>
+            <a:r>
+              <a:rPr lang="en-US" sz="2200" dirty="0" smtClean="0">
+                <a:solidFill>
+                  <a:srgbClr val="FC6F0D"/>
+                </a:solidFill>
+                <a:latin typeface="Calibri" panose="020F0502020204030204" pitchFamily="34" charset="0"/>
+                <a:cs typeface="Calibri" panose="020F0502020204030204" pitchFamily="34" charset="0"/>
+              </a:rPr>
+              <a:t>db.e.deleteMany({</a:t>
+            </a:r>
+            <a:r>
+              <a:rPr lang="en-US" sz="2200" dirty="0">
+                <a:solidFill>
+                  <a:srgbClr val="FC6F0D"/>
+                </a:solidFill>
+                <a:latin typeface="Calibri" panose="020F0502020204030204" pitchFamily="34" charset="0"/>
+                <a:cs typeface="Calibri" panose="020F0502020204030204" pitchFamily="34" charset="0"/>
+              </a:rPr>
+              <a:t>job:'manager</a:t>
+            </a:r>
+            <a:r>
+              <a:rPr lang="en-US" sz="2200" dirty="0" smtClean="0">
+                <a:solidFill>
+                  <a:srgbClr val="FC6F0D"/>
+                </a:solidFill>
+                <a:latin typeface="Calibri" panose="020F0502020204030204" pitchFamily="34" charset="0"/>
+                <a:cs typeface="Calibri" panose="020F0502020204030204" pitchFamily="34" charset="0"/>
+              </a:rPr>
+              <a:t>'})</a:t>
+            </a:r>
+            <a:endParaRPr lang="en-US" sz="2200" dirty="0">
+              <a:solidFill>
+                <a:srgbClr val="FC6F0D"/>
+              </a:solidFill>
+              <a:latin typeface="Calibri" panose="020F0502020204030204" pitchFamily="34" charset="0"/>
+              <a:cs typeface="Calibri" panose="020F0502020204030204" pitchFamily="34" charset="0"/>
+            </a:endParaRPr>
           </a:p>
         </p:txBody>
       </p:sp>
     </p:spTree>
     <p:extLst>
       <p:ext uri="{BB962C8B-B14F-4D97-AF65-F5344CB8AC3E}">
-        <p14:creationId xmlns:p14="http://schemas.microsoft.com/office/powerpoint/2010/main" val="1785036271"/>
+        <p14:creationId xmlns:p14="http://schemas.microsoft.com/office/powerpoint/2010/main" val="3771916804"/>
       </p:ext>
     </p:extLst>
   </p:cSld>
@@ -23055,17 +24263,7 @@
                 <a:latin typeface="Arial" pitchFamily="34" charset="0"/>
                 <a:cs typeface="Arial" pitchFamily="34" charset="0"/>
               </a:rPr>
-              <a:t>MongoDB</a:t>
-            </a:r>
-            <a:r>
-              <a:rPr lang="en-US" sz="3200" b="1" i="1" dirty="0" smtClean="0">
-                <a:solidFill>
-                  <a:srgbClr val="FFFF00"/>
-                </a:solidFill>
-                <a:latin typeface="Arial" pitchFamily="34" charset="0"/>
-                <a:cs typeface="Arial" pitchFamily="34" charset="0"/>
-              </a:rPr>
-              <a:t> </a:t>
+              <a:t>document</a:t>
             </a:r>
             <a:r>
               <a:rPr lang="en-IN" sz="3200" b="1" i="1" dirty="0">
@@ -23112,7 +24310,7 @@
     </p:spTree>
     <p:extLst>
       <p:ext uri="{BB962C8B-B14F-4D97-AF65-F5344CB8AC3E}">
-        <p14:creationId xmlns:p14="http://schemas.microsoft.com/office/powerpoint/2010/main" val="2324753550"/>
+        <p14:creationId xmlns:p14="http://schemas.microsoft.com/office/powerpoint/2010/main" val="3587670722"/>
       </p:ext>
     </p:extLst>
   </p:cSld>
@@ -23242,7 +24440,7 @@
     </p:spTree>
     <p:extLst>
       <p:ext uri="{BB962C8B-B14F-4D97-AF65-F5344CB8AC3E}">
-        <p14:creationId xmlns:p14="http://schemas.microsoft.com/office/powerpoint/2010/main" val="159175200"/>
+        <p14:creationId xmlns:p14="http://schemas.microsoft.com/office/powerpoint/2010/main" val="250252946"/>
       </p:ext>
     </p:extLst>
   </p:cSld>
@@ -23372,7 +24570,7 @@
     </p:spTree>
     <p:extLst>
       <p:ext uri="{BB962C8B-B14F-4D97-AF65-F5344CB8AC3E}">
-        <p14:creationId xmlns:p14="http://schemas.microsoft.com/office/powerpoint/2010/main" val="4200858574"/>
+        <p14:creationId xmlns:p14="http://schemas.microsoft.com/office/powerpoint/2010/main" val="895975297"/>
       </p:ext>
     </p:extLst>
   </p:cSld>
@@ -23502,7 +24700,7 @@
     </p:spTree>
     <p:extLst>
       <p:ext uri="{BB962C8B-B14F-4D97-AF65-F5344CB8AC3E}">
-        <p14:creationId xmlns:p14="http://schemas.microsoft.com/office/powerpoint/2010/main" val="2535387021"/>
+        <p14:creationId xmlns:p14="http://schemas.microsoft.com/office/powerpoint/2010/main" val="1785036271"/>
       </p:ext>
     </p:extLst>
   </p:cSld>
@@ -23632,7 +24830,7 @@
     </p:spTree>
     <p:extLst>
       <p:ext uri="{BB962C8B-B14F-4D97-AF65-F5344CB8AC3E}">
-        <p14:creationId xmlns:p14="http://schemas.microsoft.com/office/powerpoint/2010/main" val="3372373110"/>
+        <p14:creationId xmlns:p14="http://schemas.microsoft.com/office/powerpoint/2010/main" val="2324753550"/>
       </p:ext>
     </p:extLst>
   </p:cSld>
@@ -23762,7 +24960,7 @@
     </p:spTree>
     <p:extLst>
       <p:ext uri="{BB962C8B-B14F-4D97-AF65-F5344CB8AC3E}">
-        <p14:creationId xmlns:p14="http://schemas.microsoft.com/office/powerpoint/2010/main" val="1298561359"/>
+        <p14:creationId xmlns:p14="http://schemas.microsoft.com/office/powerpoint/2010/main" val="159175200"/>
       </p:ext>
     </p:extLst>
   </p:cSld>
@@ -23892,7 +25090,7 @@
     </p:spTree>
     <p:extLst>
       <p:ext uri="{BB962C8B-B14F-4D97-AF65-F5344CB8AC3E}">
-        <p14:creationId xmlns:p14="http://schemas.microsoft.com/office/powerpoint/2010/main" val="2767122750"/>
+        <p14:creationId xmlns:p14="http://schemas.microsoft.com/office/powerpoint/2010/main" val="4200858574"/>
       </p:ext>
     </p:extLst>
   </p:cSld>
@@ -24328,7 +25526,7 @@
     </p:spTree>
     <p:extLst>
       <p:ext uri="{BB962C8B-B14F-4D97-AF65-F5344CB8AC3E}">
-        <p14:creationId xmlns:p14="http://schemas.microsoft.com/office/powerpoint/2010/main" val="3923222660"/>
+        <p14:creationId xmlns:p14="http://schemas.microsoft.com/office/powerpoint/2010/main" val="2535387021"/>
       </p:ext>
     </p:extLst>
   </p:cSld>
@@ -24458,7 +25656,7 @@
     </p:spTree>
     <p:extLst>
       <p:ext uri="{BB962C8B-B14F-4D97-AF65-F5344CB8AC3E}">
-        <p14:creationId xmlns:p14="http://schemas.microsoft.com/office/powerpoint/2010/main" val="166747101"/>
+        <p14:creationId xmlns:p14="http://schemas.microsoft.com/office/powerpoint/2010/main" val="3372373110"/>
       </p:ext>
     </p:extLst>
   </p:cSld>
@@ -24588,7 +25786,7 @@
     </p:spTree>
     <p:extLst>
       <p:ext uri="{BB962C8B-B14F-4D97-AF65-F5344CB8AC3E}">
-        <p14:creationId xmlns:p14="http://schemas.microsoft.com/office/powerpoint/2010/main" val="924942284"/>
+        <p14:creationId xmlns:p14="http://schemas.microsoft.com/office/powerpoint/2010/main" val="1298561359"/>
       </p:ext>
     </p:extLst>
   </p:cSld>
@@ -24718,7 +25916,7 @@
     </p:spTree>
     <p:extLst>
       <p:ext uri="{BB962C8B-B14F-4D97-AF65-F5344CB8AC3E}">
-        <p14:creationId xmlns:p14="http://schemas.microsoft.com/office/powerpoint/2010/main" val="3259065627"/>
+        <p14:creationId xmlns:p14="http://schemas.microsoft.com/office/powerpoint/2010/main" val="2767122750"/>
       </p:ext>
     </p:extLst>
   </p:cSld>
@@ -24848,7 +26046,7 @@
     </p:spTree>
     <p:extLst>
       <p:ext uri="{BB962C8B-B14F-4D97-AF65-F5344CB8AC3E}">
-        <p14:creationId xmlns:p14="http://schemas.microsoft.com/office/powerpoint/2010/main" val="3171492564"/>
+        <p14:creationId xmlns:p14="http://schemas.microsoft.com/office/powerpoint/2010/main" val="3923222660"/>
       </p:ext>
     </p:extLst>
   </p:cSld>
@@ -24978,7 +26176,7 @@
     </p:spTree>
     <p:extLst>
       <p:ext uri="{BB962C8B-B14F-4D97-AF65-F5344CB8AC3E}">
-        <p14:creationId xmlns:p14="http://schemas.microsoft.com/office/powerpoint/2010/main" val="2780407736"/>
+        <p14:creationId xmlns:p14="http://schemas.microsoft.com/office/powerpoint/2010/main" val="166747101"/>
       </p:ext>
     </p:extLst>
   </p:cSld>
@@ -25108,7 +26306,7 @@
     </p:spTree>
     <p:extLst>
       <p:ext uri="{BB962C8B-B14F-4D97-AF65-F5344CB8AC3E}">
-        <p14:creationId xmlns:p14="http://schemas.microsoft.com/office/powerpoint/2010/main" val="848474725"/>
+        <p14:creationId xmlns:p14="http://schemas.microsoft.com/office/powerpoint/2010/main" val="924942284"/>
       </p:ext>
     </p:extLst>
   </p:cSld>
@@ -25238,7 +26436,7 @@
     </p:spTree>
     <p:extLst>
       <p:ext uri="{BB962C8B-B14F-4D97-AF65-F5344CB8AC3E}">
-        <p14:creationId xmlns:p14="http://schemas.microsoft.com/office/powerpoint/2010/main" val="4030158449"/>
+        <p14:creationId xmlns:p14="http://schemas.microsoft.com/office/powerpoint/2010/main" val="3259065627"/>
       </p:ext>
     </p:extLst>
   </p:cSld>
@@ -25368,7 +26566,7 @@
     </p:spTree>
     <p:extLst>
       <p:ext uri="{BB962C8B-B14F-4D97-AF65-F5344CB8AC3E}">
-        <p14:creationId xmlns:p14="http://schemas.microsoft.com/office/powerpoint/2010/main" val="1708605334"/>
+        <p14:creationId xmlns:p14="http://schemas.microsoft.com/office/powerpoint/2010/main" val="3171492564"/>
       </p:ext>
     </p:extLst>
   </p:cSld>
@@ -25498,7 +26696,7 @@
     </p:spTree>
     <p:extLst>
       <p:ext uri="{BB962C8B-B14F-4D97-AF65-F5344CB8AC3E}">
-        <p14:creationId xmlns:p14="http://schemas.microsoft.com/office/powerpoint/2010/main" val="1478242473"/>
+        <p14:creationId xmlns:p14="http://schemas.microsoft.com/office/powerpoint/2010/main" val="2780407736"/>
       </p:ext>
     </p:extLst>
   </p:cSld>
@@ -25835,7 +27033,7 @@
     </p:spTree>
     <p:extLst>
       <p:ext uri="{BB962C8B-B14F-4D97-AF65-F5344CB8AC3E}">
-        <p14:creationId xmlns:p14="http://schemas.microsoft.com/office/powerpoint/2010/main" val="2136286712"/>
+        <p14:creationId xmlns:p14="http://schemas.microsoft.com/office/powerpoint/2010/main" val="848474725"/>
       </p:ext>
     </p:extLst>
   </p:cSld>
@@ -25965,7 +27163,7 @@
     </p:spTree>
     <p:extLst>
       <p:ext uri="{BB962C8B-B14F-4D97-AF65-F5344CB8AC3E}">
-        <p14:creationId xmlns:p14="http://schemas.microsoft.com/office/powerpoint/2010/main" val="160110094"/>
+        <p14:creationId xmlns:p14="http://schemas.microsoft.com/office/powerpoint/2010/main" val="4030158449"/>
       </p:ext>
     </p:extLst>
   </p:cSld>
@@ -26095,7 +27293,7 @@
     </p:spTree>
     <p:extLst>
       <p:ext uri="{BB962C8B-B14F-4D97-AF65-F5344CB8AC3E}">
-        <p14:creationId xmlns:p14="http://schemas.microsoft.com/office/powerpoint/2010/main" val="1060267809"/>
+        <p14:creationId xmlns:p14="http://schemas.microsoft.com/office/powerpoint/2010/main" val="1708605334"/>
       </p:ext>
     </p:extLst>
   </p:cSld>
@@ -26225,7 +27423,7 @@
     </p:spTree>
     <p:extLst>
       <p:ext uri="{BB962C8B-B14F-4D97-AF65-F5344CB8AC3E}">
-        <p14:creationId xmlns:p14="http://schemas.microsoft.com/office/powerpoint/2010/main" val="1137647517"/>
+        <p14:creationId xmlns:p14="http://schemas.microsoft.com/office/powerpoint/2010/main" val="1478242473"/>
       </p:ext>
     </p:extLst>
   </p:cSld>
@@ -26355,7 +27553,7 @@
     </p:spTree>
     <p:extLst>
       <p:ext uri="{BB962C8B-B14F-4D97-AF65-F5344CB8AC3E}">
-        <p14:creationId xmlns:p14="http://schemas.microsoft.com/office/powerpoint/2010/main" val="3052086859"/>
+        <p14:creationId xmlns:p14="http://schemas.microsoft.com/office/powerpoint/2010/main" val="2136286712"/>
       </p:ext>
     </p:extLst>
   </p:cSld>
@@ -26485,7 +27683,7 @@
     </p:spTree>
     <p:extLst>
       <p:ext uri="{BB962C8B-B14F-4D97-AF65-F5344CB8AC3E}">
-        <p14:creationId xmlns:p14="http://schemas.microsoft.com/office/powerpoint/2010/main" val="1097272351"/>
+        <p14:creationId xmlns:p14="http://schemas.microsoft.com/office/powerpoint/2010/main" val="160110094"/>
       </p:ext>
     </p:extLst>
   </p:cSld>
@@ -26615,7 +27813,7 @@
     </p:spTree>
     <p:extLst>
       <p:ext uri="{BB962C8B-B14F-4D97-AF65-F5344CB8AC3E}">
-        <p14:creationId xmlns:p14="http://schemas.microsoft.com/office/powerpoint/2010/main" val="1587220367"/>
+        <p14:creationId xmlns:p14="http://schemas.microsoft.com/office/powerpoint/2010/main" val="1060267809"/>
       </p:ext>
     </p:extLst>
   </p:cSld>
@@ -26745,7 +27943,7 @@
     </p:spTree>
     <p:extLst>
       <p:ext uri="{BB962C8B-B14F-4D97-AF65-F5344CB8AC3E}">
-        <p14:creationId xmlns:p14="http://schemas.microsoft.com/office/powerpoint/2010/main" val="1863467568"/>
+        <p14:creationId xmlns:p14="http://schemas.microsoft.com/office/powerpoint/2010/main" val="1137647517"/>
       </p:ext>
     </p:extLst>
   </p:cSld>
@@ -26875,7 +28073,7 @@
     </p:spTree>
     <p:extLst>
       <p:ext uri="{BB962C8B-B14F-4D97-AF65-F5344CB8AC3E}">
-        <p14:creationId xmlns:p14="http://schemas.microsoft.com/office/powerpoint/2010/main" val="1971192509"/>
+        <p14:creationId xmlns:p14="http://schemas.microsoft.com/office/powerpoint/2010/main" val="3052086859"/>
       </p:ext>
     </p:extLst>
   </p:cSld>
@@ -26911,7 +28109,7 @@
       </p:grpSpPr>
       <p:sp>
         <p:nvSpPr>
-          <p:cNvPr id="4" name="Rectangle 3"/>
+          <p:cNvPr id="6" name="Rectangle 5"/>
           <p:cNvSpPr/>
           <p:nvPr/>
         </p:nvSpPr>
@@ -26924,8 +28122,8 @@
             <a:avLst/>
           </a:prstGeom>
           <a:solidFill>
-            <a:schemeClr val="bg2">
-              <a:lumMod val="10000"/>
+            <a:schemeClr val="accent4">
+              <a:lumMod val="75000"/>
             </a:schemeClr>
           </a:solidFill>
         </p:spPr>
@@ -26935,7 +28133,11 @@
           </a:bodyPr>
           <a:lstStyle/>
           <a:p>
-            <a:pPr algn="r"/>
+            <a:pPr algn="r">
+              <a:spcBef>
+                <a:spcPct val="0"/>
+              </a:spcBef>
+            </a:pPr>
             <a:r>
               <a:rPr lang="en-IN" sz="3200" b="1" i="1" dirty="0" smtClean="0">
                 <a:solidFill>
@@ -26944,27 +28146,40 @@
                 <a:latin typeface="Arial" pitchFamily="34" charset="0"/>
                 <a:cs typeface="Arial" pitchFamily="34" charset="0"/>
               </a:rPr>
-              <a:t>IMP</a:t>
-            </a:r>
-            <a:endParaRPr lang="en-IN" sz="3200" b="1" i="1" dirty="0">
-              <a:solidFill>
-                <a:srgbClr val="FFFF00"/>
-              </a:solidFill>
-              <a:latin typeface="Arial" pitchFamily="34" charset="0"/>
-              <a:cs typeface="Arial" pitchFamily="34" charset="0"/>
-            </a:endParaRPr>
-          </a:p>
-        </p:txBody>
-      </p:sp>
-      <p:sp>
-        <p:nvSpPr>
-          <p:cNvPr id="2" name="Rectangle 1"/>
+              <a:t>MongoDB</a:t>
+            </a:r>
+            <a:r>
+              <a:rPr lang="en-US" sz="3200" b="1" i="1" dirty="0" smtClean="0">
+                <a:solidFill>
+                  <a:srgbClr val="FFFF00"/>
+                </a:solidFill>
+                <a:latin typeface="Arial" pitchFamily="34" charset="0"/>
+                <a:cs typeface="Arial" pitchFamily="34" charset="0"/>
+              </a:rPr>
+              <a:t> </a:t>
+            </a:r>
+            <a:r>
+              <a:rPr lang="en-IN" sz="3200" b="1" i="1" dirty="0">
+                <a:solidFill>
+                  <a:srgbClr val="FFFF00"/>
+                </a:solidFill>
+                <a:latin typeface="Arial" pitchFamily="34" charset="0"/>
+                <a:cs typeface="Arial" pitchFamily="34" charset="0"/>
+              </a:rPr>
+              <a:t> </a:t>
+            </a:r>
+          </a:p>
+        </p:txBody>
+      </p:sp>
+      <p:sp>
+        <p:nvSpPr>
+          <p:cNvPr id="7" name="Rectangle 6"/>
           <p:cNvSpPr/>
           <p:nvPr/>
         </p:nvSpPr>
         <p:spPr>
           <a:xfrm>
-            <a:off x="145976" y="849264"/>
+            <a:off x="149188" y="762000"/>
             <a:ext cx="8845624" cy="369332"/>
           </a:xfrm>
           <a:prstGeom prst="rect">
@@ -26978,153 +28193,17 @@
           <a:lstStyle/>
           <a:p>
             <a:r>
-              <a:rPr lang="en-IN" dirty="0" smtClean="0">
-                <a:solidFill>
-                  <a:srgbClr val="222222"/>
-                </a:solidFill>
-                <a:latin typeface="Verdana" panose="020B0604030504040204" pitchFamily="34" charset="0"/>
-              </a:rPr>
-              <a:t>1. Think </a:t>
-            </a:r>
-            <a:r>
-              <a:rPr lang="en-IN" dirty="0">
-                <a:solidFill>
-                  <a:srgbClr val="222222"/>
-                </a:solidFill>
-                <a:latin typeface="Verdana" panose="020B0604030504040204" pitchFamily="34" charset="0"/>
-              </a:rPr>
-              <a:t>about how multiplication can be done without actually </a:t>
-            </a:r>
-            <a:r>
-              <a:rPr lang="en-IN" dirty="0" smtClean="0">
-                <a:solidFill>
-                  <a:srgbClr val="222222"/>
-                </a:solidFill>
-                <a:latin typeface="Verdana" panose="020B0604030504040204" pitchFamily="34" charset="0"/>
-              </a:rPr>
-              <a:t>multiplying </a:t>
+              <a:rPr lang="en-US" dirty="0" smtClean="0"/>
+              <a:t>TODO</a:t>
             </a:r>
             <a:endParaRPr lang="en-IN" dirty="0"/>
           </a:p>
         </p:txBody>
       </p:sp>
-      <p:sp>
-        <p:nvSpPr>
-          <p:cNvPr id="3" name="TextBox 2"/>
-          <p:cNvSpPr txBox="1"/>
-          <p:nvPr/>
-        </p:nvSpPr>
-        <p:spPr>
-          <a:xfrm>
-            <a:off x="990600" y="2514600"/>
-            <a:ext cx="184731" cy="369332"/>
-          </a:xfrm>
-          <a:prstGeom prst="rect">
-            <a:avLst/>
-          </a:prstGeom>
-          <a:noFill/>
-        </p:spPr>
-        <p:txBody>
-          <a:bodyPr wrap="none" rtlCol="0">
-            <a:spAutoFit/>
-          </a:bodyPr>
-          <a:lstStyle/>
-          <a:p>
-            <a:endParaRPr lang="en-IN" dirty="0"/>
-          </a:p>
-        </p:txBody>
-      </p:sp>
-      <p:pic>
-        <p:nvPicPr>
-          <p:cNvPr id="5" name="Picture 4"/>
-          <p:cNvPicPr>
-            <a:picLocks noChangeAspect="1"/>
-          </p:cNvPicPr>
-          <p:nvPr/>
-        </p:nvPicPr>
-        <p:blipFill>
-          <a:blip r:embed="rId2"/>
-          <a:stretch>
-            <a:fillRect/>
-          </a:stretch>
-        </p:blipFill>
-        <p:spPr>
-          <a:xfrm>
-            <a:off x="304800" y="3700361"/>
-            <a:ext cx="4648200" cy="2471839"/>
-          </a:xfrm>
-          <a:prstGeom prst="rect">
-            <a:avLst/>
-          </a:prstGeom>
-        </p:spPr>
-      </p:pic>
-      <p:sp>
-        <p:nvSpPr>
-          <p:cNvPr id="6" name="Rectangle 5"/>
-          <p:cNvSpPr/>
-          <p:nvPr/>
-        </p:nvSpPr>
-        <p:spPr>
-          <a:xfrm>
-            <a:off x="145976" y="3243552"/>
-            <a:ext cx="1317990" cy="369332"/>
-          </a:xfrm>
-          <a:prstGeom prst="rect">
-            <a:avLst/>
-          </a:prstGeom>
-        </p:spPr>
-        <p:txBody>
-          <a:bodyPr wrap="none">
-            <a:spAutoFit/>
-          </a:bodyPr>
-          <a:lstStyle/>
-          <a:p>
-            <a:r>
-              <a:rPr lang="en-IN" dirty="0" smtClean="0">
-                <a:solidFill>
-                  <a:srgbClr val="222222"/>
-                </a:solidFill>
-                <a:latin typeface="Verdana" panose="020B0604030504040204" pitchFamily="34" charset="0"/>
-              </a:rPr>
-              <a:t>2. Square</a:t>
-            </a:r>
-            <a:endParaRPr lang="en-IN" dirty="0">
-              <a:solidFill>
-                <a:srgbClr val="222222"/>
-              </a:solidFill>
-              <a:latin typeface="Verdana" panose="020B0604030504040204" pitchFamily="34" charset="0"/>
-            </a:endParaRPr>
-          </a:p>
-        </p:txBody>
-      </p:sp>
-      <p:pic>
-        <p:nvPicPr>
-          <p:cNvPr id="8" name="Picture 7"/>
-          <p:cNvPicPr>
-            <a:picLocks noChangeAspect="1"/>
-          </p:cNvPicPr>
-          <p:nvPr/>
-        </p:nvPicPr>
-        <p:blipFill>
-          <a:blip r:embed="rId3"/>
-          <a:stretch>
-            <a:fillRect/>
-          </a:stretch>
-        </p:blipFill>
-        <p:spPr>
-          <a:xfrm>
-            <a:off x="533400" y="1250647"/>
-            <a:ext cx="4495800" cy="1883657"/>
-          </a:xfrm>
-          <a:prstGeom prst="rect">
-            <a:avLst/>
-          </a:prstGeom>
-        </p:spPr>
-      </p:pic>
     </p:spTree>
     <p:extLst>
       <p:ext uri="{BB962C8B-B14F-4D97-AF65-F5344CB8AC3E}">
-        <p14:creationId xmlns:p14="http://schemas.microsoft.com/office/powerpoint/2010/main" val="3391323119"/>
+        <p14:creationId xmlns:p14="http://schemas.microsoft.com/office/powerpoint/2010/main" val="1097272351"/>
       </p:ext>
     </p:extLst>
   </p:cSld>

--- a/MongoDB PPT.pptx
+++ b/MongoDB PPT.pptx
@@ -5,7 +5,7 @@
     <p:sldMasterId id="2147483720" r:id="rId1"/>
   </p:sldMasterIdLst>
   <p:notesMasterIdLst>
-    <p:notesMasterId r:id="rId108"/>
+    <p:notesMasterId r:id="rId110"/>
   </p:notesMasterIdLst>
   <p:sldIdLst>
     <p:sldId id="497" r:id="rId2"/>
@@ -70,50 +70,52 @@
     <p:sldId id="1184" r:id="rId61"/>
     <p:sldId id="1181" r:id="rId62"/>
     <p:sldId id="1182" r:id="rId63"/>
-    <p:sldId id="1185" r:id="rId64"/>
-    <p:sldId id="1186" r:id="rId65"/>
-    <p:sldId id="1187" r:id="rId66"/>
-    <p:sldId id="1188" r:id="rId67"/>
-    <p:sldId id="1189" r:id="rId68"/>
-    <p:sldId id="1190" r:id="rId69"/>
-    <p:sldId id="1173" r:id="rId70"/>
-    <p:sldId id="1174" r:id="rId71"/>
-    <p:sldId id="1175" r:id="rId72"/>
-    <p:sldId id="1176" r:id="rId73"/>
-    <p:sldId id="1099" r:id="rId74"/>
-    <p:sldId id="1092" r:id="rId75"/>
-    <p:sldId id="1102" r:id="rId76"/>
-    <p:sldId id="1103" r:id="rId77"/>
-    <p:sldId id="1104" r:id="rId78"/>
-    <p:sldId id="1105" r:id="rId79"/>
-    <p:sldId id="1106" r:id="rId80"/>
-    <p:sldId id="1107" r:id="rId81"/>
-    <p:sldId id="1108" r:id="rId82"/>
-    <p:sldId id="1109" r:id="rId83"/>
-    <p:sldId id="1110" r:id="rId84"/>
-    <p:sldId id="1111" r:id="rId85"/>
-    <p:sldId id="1112" r:id="rId86"/>
-    <p:sldId id="1113" r:id="rId87"/>
-    <p:sldId id="1114" r:id="rId88"/>
-    <p:sldId id="1115" r:id="rId89"/>
-    <p:sldId id="1116" r:id="rId90"/>
-    <p:sldId id="1117" r:id="rId91"/>
-    <p:sldId id="1118" r:id="rId92"/>
-    <p:sldId id="1119" r:id="rId93"/>
-    <p:sldId id="1120" r:id="rId94"/>
-    <p:sldId id="1121" r:id="rId95"/>
-    <p:sldId id="1122" r:id="rId96"/>
-    <p:sldId id="1123" r:id="rId97"/>
-    <p:sldId id="1124" r:id="rId98"/>
-    <p:sldId id="1125" r:id="rId99"/>
-    <p:sldId id="1126" r:id="rId100"/>
-    <p:sldId id="1127" r:id="rId101"/>
-    <p:sldId id="1128" r:id="rId102"/>
-    <p:sldId id="1129" r:id="rId103"/>
-    <p:sldId id="954" r:id="rId104"/>
-    <p:sldId id="788" r:id="rId105"/>
-    <p:sldId id="1071" r:id="rId106"/>
-    <p:sldId id="1087" r:id="rId107"/>
+    <p:sldId id="1193" r:id="rId64"/>
+    <p:sldId id="1194" r:id="rId65"/>
+    <p:sldId id="1185" r:id="rId66"/>
+    <p:sldId id="1186" r:id="rId67"/>
+    <p:sldId id="1187" r:id="rId68"/>
+    <p:sldId id="1188" r:id="rId69"/>
+    <p:sldId id="1189" r:id="rId70"/>
+    <p:sldId id="1190" r:id="rId71"/>
+    <p:sldId id="1173" r:id="rId72"/>
+    <p:sldId id="1174" r:id="rId73"/>
+    <p:sldId id="1175" r:id="rId74"/>
+    <p:sldId id="1176" r:id="rId75"/>
+    <p:sldId id="1099" r:id="rId76"/>
+    <p:sldId id="1092" r:id="rId77"/>
+    <p:sldId id="1102" r:id="rId78"/>
+    <p:sldId id="1103" r:id="rId79"/>
+    <p:sldId id="1104" r:id="rId80"/>
+    <p:sldId id="1105" r:id="rId81"/>
+    <p:sldId id="1106" r:id="rId82"/>
+    <p:sldId id="1107" r:id="rId83"/>
+    <p:sldId id="1108" r:id="rId84"/>
+    <p:sldId id="1109" r:id="rId85"/>
+    <p:sldId id="1110" r:id="rId86"/>
+    <p:sldId id="1111" r:id="rId87"/>
+    <p:sldId id="1112" r:id="rId88"/>
+    <p:sldId id="1113" r:id="rId89"/>
+    <p:sldId id="1114" r:id="rId90"/>
+    <p:sldId id="1115" r:id="rId91"/>
+    <p:sldId id="1116" r:id="rId92"/>
+    <p:sldId id="1117" r:id="rId93"/>
+    <p:sldId id="1118" r:id="rId94"/>
+    <p:sldId id="1119" r:id="rId95"/>
+    <p:sldId id="1120" r:id="rId96"/>
+    <p:sldId id="1121" r:id="rId97"/>
+    <p:sldId id="1122" r:id="rId98"/>
+    <p:sldId id="1123" r:id="rId99"/>
+    <p:sldId id="1124" r:id="rId100"/>
+    <p:sldId id="1125" r:id="rId101"/>
+    <p:sldId id="1126" r:id="rId102"/>
+    <p:sldId id="1127" r:id="rId103"/>
+    <p:sldId id="1128" r:id="rId104"/>
+    <p:sldId id="1129" r:id="rId105"/>
+    <p:sldId id="954" r:id="rId106"/>
+    <p:sldId id="788" r:id="rId107"/>
+    <p:sldId id="1071" r:id="rId108"/>
+    <p:sldId id="1087" r:id="rId109"/>
   </p:sldIdLst>
   <p:sldSz cx="9144000" cy="6858000" type="screen4x3"/>
   <p:notesSz cx="6858000" cy="9144000"/>
@@ -325,7 +327,7 @@
           <a:p>
             <a:fld id="{757F699C-254E-44B6-B18D-E7E82B2FC743}" type="datetimeFigureOut">
               <a:rPr lang="en-IN" smtClean="0"/>
-              <a:t>30-11-2018</a:t>
+              <a:t>01-12-2018</a:t>
             </a:fld>
             <a:endParaRPr lang="en-IN"/>
           </a:p>
@@ -1333,7 +1335,7 @@
             <a:fld id="{52F73076-280E-4994-B9AF-08CB19D7A53F}" type="datetimeFigureOut">
               <a:rPr lang="en-US" smtClean="0"/>
               <a:pPr/>
-              <a:t>11/30/2018</a:t>
+              <a:t>12/1/2018</a:t>
             </a:fld>
             <a:endParaRPr lang="en-US" dirty="0"/>
           </a:p>
@@ -1785,7 +1787,7 @@
             <a:fld id="{52F73076-280E-4994-B9AF-08CB19D7A53F}" type="datetimeFigureOut">
               <a:rPr lang="en-US" smtClean="0"/>
               <a:pPr/>
-              <a:t>11/30/2018</a:t>
+              <a:t>12/1/2018</a:t>
             </a:fld>
             <a:endParaRPr lang="en-US" dirty="0"/>
           </a:p>
@@ -3005,7 +3007,7 @@
             <a:fld id="{52F73076-280E-4994-B9AF-08CB19D7A53F}" type="datetimeFigureOut">
               <a:rPr lang="en-US" smtClean="0"/>
               <a:pPr/>
-              <a:t>11/30/2018</a:t>
+              <a:t>12/1/2018</a:t>
             </a:fld>
             <a:endParaRPr lang="en-US" dirty="0"/>
           </a:p>
@@ -3430,7 +3432,7 @@
             <a:fld id="{52F73076-280E-4994-B9AF-08CB19D7A53F}" type="datetimeFigureOut">
               <a:rPr lang="en-US" smtClean="0"/>
               <a:pPr/>
-              <a:t>11/30/2018</a:t>
+              <a:t>12/1/2018</a:t>
             </a:fld>
             <a:endParaRPr lang="en-US" dirty="0"/>
           </a:p>
@@ -4979,7 +4981,7 @@
     </p:spTree>
     <p:extLst>
       <p:ext uri="{BB962C8B-B14F-4D97-AF65-F5344CB8AC3E}">
-        <p14:creationId xmlns:p14="http://schemas.microsoft.com/office/powerpoint/2010/main" val="1587220367"/>
+        <p14:creationId xmlns:p14="http://schemas.microsoft.com/office/powerpoint/2010/main" val="3052086859"/>
       </p:ext>
     </p:extLst>
   </p:cSld>
@@ -5109,7 +5111,7 @@
     </p:spTree>
     <p:extLst>
       <p:ext uri="{BB962C8B-B14F-4D97-AF65-F5344CB8AC3E}">
-        <p14:creationId xmlns:p14="http://schemas.microsoft.com/office/powerpoint/2010/main" val="1863467568"/>
+        <p14:creationId xmlns:p14="http://schemas.microsoft.com/office/powerpoint/2010/main" val="1097272351"/>
       </p:ext>
     </p:extLst>
   </p:cSld>
@@ -5239,7 +5241,7 @@
     </p:spTree>
     <p:extLst>
       <p:ext uri="{BB962C8B-B14F-4D97-AF65-F5344CB8AC3E}">
-        <p14:creationId xmlns:p14="http://schemas.microsoft.com/office/powerpoint/2010/main" val="1971192509"/>
+        <p14:creationId xmlns:p14="http://schemas.microsoft.com/office/powerpoint/2010/main" val="1587220367"/>
       </p:ext>
     </p:extLst>
   </p:cSld>
@@ -5275,7 +5277,7 @@
       </p:grpSpPr>
       <p:sp>
         <p:nvSpPr>
-          <p:cNvPr id="4" name="Rectangle 3"/>
+          <p:cNvPr id="6" name="Rectangle 5"/>
           <p:cNvSpPr/>
           <p:nvPr/>
         </p:nvSpPr>
@@ -5288,8 +5290,8 @@
             <a:avLst/>
           </a:prstGeom>
           <a:solidFill>
-            <a:schemeClr val="bg2">
-              <a:lumMod val="10000"/>
+            <a:schemeClr val="accent4">
+              <a:lumMod val="75000"/>
             </a:schemeClr>
           </a:solidFill>
         </p:spPr>
@@ -5299,7 +5301,11 @@
           </a:bodyPr>
           <a:lstStyle/>
           <a:p>
-            <a:pPr algn="r"/>
+            <a:pPr algn="r">
+              <a:spcBef>
+                <a:spcPct val="0"/>
+              </a:spcBef>
+            </a:pPr>
             <a:r>
               <a:rPr lang="en-IN" sz="3200" b="1" i="1" dirty="0" smtClean="0">
                 <a:solidFill>
@@ -5308,27 +5314,40 @@
                 <a:latin typeface="Arial" pitchFamily="34" charset="0"/>
                 <a:cs typeface="Arial" pitchFamily="34" charset="0"/>
               </a:rPr>
-              <a:t>IMP</a:t>
-            </a:r>
-            <a:endParaRPr lang="en-IN" sz="3200" b="1" i="1" dirty="0">
-              <a:solidFill>
-                <a:srgbClr val="FFFF00"/>
-              </a:solidFill>
-              <a:latin typeface="Arial" pitchFamily="34" charset="0"/>
-              <a:cs typeface="Arial" pitchFamily="34" charset="0"/>
-            </a:endParaRPr>
-          </a:p>
-        </p:txBody>
-      </p:sp>
-      <p:sp>
-        <p:nvSpPr>
-          <p:cNvPr id="2" name="Rectangle 1"/>
+              <a:t>MongoDB</a:t>
+            </a:r>
+            <a:r>
+              <a:rPr lang="en-US" sz="3200" b="1" i="1" dirty="0" smtClean="0">
+                <a:solidFill>
+                  <a:srgbClr val="FFFF00"/>
+                </a:solidFill>
+                <a:latin typeface="Arial" pitchFamily="34" charset="0"/>
+                <a:cs typeface="Arial" pitchFamily="34" charset="0"/>
+              </a:rPr>
+              <a:t> </a:t>
+            </a:r>
+            <a:r>
+              <a:rPr lang="en-IN" sz="3200" b="1" i="1" dirty="0">
+                <a:solidFill>
+                  <a:srgbClr val="FFFF00"/>
+                </a:solidFill>
+                <a:latin typeface="Arial" pitchFamily="34" charset="0"/>
+                <a:cs typeface="Arial" pitchFamily="34" charset="0"/>
+              </a:rPr>
+              <a:t> </a:t>
+            </a:r>
+          </a:p>
+        </p:txBody>
+      </p:sp>
+      <p:sp>
+        <p:nvSpPr>
+          <p:cNvPr id="7" name="Rectangle 6"/>
           <p:cNvSpPr/>
           <p:nvPr/>
         </p:nvSpPr>
         <p:spPr>
           <a:xfrm>
-            <a:off x="145976" y="849264"/>
+            <a:off x="149188" y="762000"/>
             <a:ext cx="8845624" cy="369332"/>
           </a:xfrm>
           <a:prstGeom prst="rect">
@@ -5342,153 +5361,17 @@
           <a:lstStyle/>
           <a:p>
             <a:r>
-              <a:rPr lang="en-IN" dirty="0" smtClean="0">
-                <a:solidFill>
-                  <a:srgbClr val="222222"/>
-                </a:solidFill>
-                <a:latin typeface="Verdana" panose="020B0604030504040204" pitchFamily="34" charset="0"/>
-              </a:rPr>
-              <a:t>1. Think </a:t>
-            </a:r>
-            <a:r>
-              <a:rPr lang="en-IN" dirty="0">
-                <a:solidFill>
-                  <a:srgbClr val="222222"/>
-                </a:solidFill>
-                <a:latin typeface="Verdana" panose="020B0604030504040204" pitchFamily="34" charset="0"/>
-              </a:rPr>
-              <a:t>about how multiplication can be done without actually </a:t>
-            </a:r>
-            <a:r>
-              <a:rPr lang="en-IN" dirty="0" smtClean="0">
-                <a:solidFill>
-                  <a:srgbClr val="222222"/>
-                </a:solidFill>
-                <a:latin typeface="Verdana" panose="020B0604030504040204" pitchFamily="34" charset="0"/>
-              </a:rPr>
-              <a:t>multiplying </a:t>
+              <a:rPr lang="en-US" dirty="0" smtClean="0"/>
+              <a:t>TODO</a:t>
             </a:r>
             <a:endParaRPr lang="en-IN" dirty="0"/>
           </a:p>
         </p:txBody>
       </p:sp>
-      <p:sp>
-        <p:nvSpPr>
-          <p:cNvPr id="3" name="TextBox 2"/>
-          <p:cNvSpPr txBox="1"/>
-          <p:nvPr/>
-        </p:nvSpPr>
-        <p:spPr>
-          <a:xfrm>
-            <a:off x="990600" y="2514600"/>
-            <a:ext cx="184731" cy="369332"/>
-          </a:xfrm>
-          <a:prstGeom prst="rect">
-            <a:avLst/>
-          </a:prstGeom>
-          <a:noFill/>
-        </p:spPr>
-        <p:txBody>
-          <a:bodyPr wrap="none" rtlCol="0">
-            <a:spAutoFit/>
-          </a:bodyPr>
-          <a:lstStyle/>
-          <a:p>
-            <a:endParaRPr lang="en-IN" dirty="0"/>
-          </a:p>
-        </p:txBody>
-      </p:sp>
-      <p:pic>
-        <p:nvPicPr>
-          <p:cNvPr id="5" name="Picture 4"/>
-          <p:cNvPicPr>
-            <a:picLocks noChangeAspect="1"/>
-          </p:cNvPicPr>
-          <p:nvPr/>
-        </p:nvPicPr>
-        <p:blipFill>
-          <a:blip r:embed="rId2"/>
-          <a:stretch>
-            <a:fillRect/>
-          </a:stretch>
-        </p:blipFill>
-        <p:spPr>
-          <a:xfrm>
-            <a:off x="304800" y="3700361"/>
-            <a:ext cx="4648200" cy="2471839"/>
-          </a:xfrm>
-          <a:prstGeom prst="rect">
-            <a:avLst/>
-          </a:prstGeom>
-        </p:spPr>
-      </p:pic>
-      <p:sp>
-        <p:nvSpPr>
-          <p:cNvPr id="6" name="Rectangle 5"/>
-          <p:cNvSpPr/>
-          <p:nvPr/>
-        </p:nvSpPr>
-        <p:spPr>
-          <a:xfrm>
-            <a:off x="145976" y="3243552"/>
-            <a:ext cx="1317990" cy="369332"/>
-          </a:xfrm>
-          <a:prstGeom prst="rect">
-            <a:avLst/>
-          </a:prstGeom>
-        </p:spPr>
-        <p:txBody>
-          <a:bodyPr wrap="none">
-            <a:spAutoFit/>
-          </a:bodyPr>
-          <a:lstStyle/>
-          <a:p>
-            <a:r>
-              <a:rPr lang="en-IN" dirty="0" smtClean="0">
-                <a:solidFill>
-                  <a:srgbClr val="222222"/>
-                </a:solidFill>
-                <a:latin typeface="Verdana" panose="020B0604030504040204" pitchFamily="34" charset="0"/>
-              </a:rPr>
-              <a:t>2. Square</a:t>
-            </a:r>
-            <a:endParaRPr lang="en-IN" dirty="0">
-              <a:solidFill>
-                <a:srgbClr val="222222"/>
-              </a:solidFill>
-              <a:latin typeface="Verdana" panose="020B0604030504040204" pitchFamily="34" charset="0"/>
-            </a:endParaRPr>
-          </a:p>
-        </p:txBody>
-      </p:sp>
-      <p:pic>
-        <p:nvPicPr>
-          <p:cNvPr id="8" name="Picture 7"/>
-          <p:cNvPicPr>
-            <a:picLocks noChangeAspect="1"/>
-          </p:cNvPicPr>
-          <p:nvPr/>
-        </p:nvPicPr>
-        <p:blipFill>
-          <a:blip r:embed="rId3"/>
-          <a:stretch>
-            <a:fillRect/>
-          </a:stretch>
-        </p:blipFill>
-        <p:spPr>
-          <a:xfrm>
-            <a:off x="533400" y="1250647"/>
-            <a:ext cx="4495800" cy="1883657"/>
-          </a:xfrm>
-          <a:prstGeom prst="rect">
-            <a:avLst/>
-          </a:prstGeom>
-        </p:spPr>
-      </p:pic>
     </p:spTree>
     <p:extLst>
       <p:ext uri="{BB962C8B-B14F-4D97-AF65-F5344CB8AC3E}">
-        <p14:creationId xmlns:p14="http://schemas.microsoft.com/office/powerpoint/2010/main" val="3391323119"/>
+        <p14:creationId xmlns:p14="http://schemas.microsoft.com/office/powerpoint/2010/main" val="1863467568"/>
       </p:ext>
     </p:extLst>
   </p:cSld>
@@ -5522,61 +5405,25 @@
           <a:chExt cx="0" cy="0"/>
         </a:xfrm>
       </p:grpSpPr>
-      <p:pic>
-        <p:nvPicPr>
-          <p:cNvPr id="1026" name="Picture 2" descr="http://www.bvctch.vn/vnt_upload/weblink/thks.jpg"/>
-          <p:cNvPicPr>
-            <a:picLocks noChangeAspect="1" noChangeArrowheads="1"/>
-          </p:cNvPicPr>
-          <p:nvPr/>
-        </p:nvPicPr>
-        <p:blipFill>
-          <a:blip r:embed="rId2">
-            <a:extLst>
-              <a:ext uri="{28A0092B-C50C-407E-A947-70E740481C1C}">
-                <a14:useLocalDpi xmlns:a14="http://schemas.microsoft.com/office/drawing/2010/main" val="0"/>
-              </a:ext>
-            </a:extLst>
-          </a:blip>
-          <a:srcRect/>
-          <a:stretch>
-            <a:fillRect/>
-          </a:stretch>
-        </p:blipFill>
-        <p:spPr bwMode="auto">
-          <a:xfrm>
-            <a:off x="2895600" y="757237"/>
-            <a:ext cx="3124200" cy="4881563"/>
-          </a:xfrm>
-          <a:prstGeom prst="rect">
-            <a:avLst/>
-          </a:prstGeom>
-          <a:noFill/>
-          <a:extLst>
-            <a:ext uri="{909E8E84-426E-40DD-AFC4-6F175D3DCCD1}">
-              <a14:hiddenFill xmlns:a14="http://schemas.microsoft.com/office/drawing/2010/main">
-                <a:solidFill>
-                  <a:srgbClr val="FFFFFF"/>
-                </a:solidFill>
-              </a14:hiddenFill>
-            </a:ext>
-          </a:extLst>
-        </p:spPr>
-      </p:pic>
-      <p:sp>
-        <p:nvSpPr>
-          <p:cNvPr id="3" name="Rectangle 2"/>
+      <p:sp>
+        <p:nvSpPr>
+          <p:cNvPr id="6" name="Rectangle 5"/>
           <p:cNvSpPr/>
           <p:nvPr/>
         </p:nvSpPr>
         <p:spPr>
           <a:xfrm>
-            <a:off x="304800" y="5105400"/>
-            <a:ext cx="8610600" cy="1077218"/>
-          </a:xfrm>
-          <a:prstGeom prst="rect">
-            <a:avLst/>
-          </a:prstGeom>
+            <a:off x="0" y="0"/>
+            <a:ext cx="9144000" cy="584775"/>
+          </a:xfrm>
+          <a:prstGeom prst="rect">
+            <a:avLst/>
+          </a:prstGeom>
+          <a:solidFill>
+            <a:schemeClr val="accent4">
+              <a:lumMod val="75000"/>
+            </a:schemeClr>
+          </a:solidFill>
         </p:spPr>
         <p:txBody>
           <a:bodyPr wrap="square">
@@ -5584,35 +5431,77 @@
           </a:bodyPr>
           <a:lstStyle/>
           <a:p>
-            <a:pPr algn="ctr"/>
-            <a:r>
-              <a:rPr lang="en-IN" sz="3200" dirty="0">
-                <a:solidFill>
-                  <a:srgbClr val="FE1212"/>
-                </a:solidFill>
-                <a:latin typeface="Segoe Print" panose="02000600000000000000" pitchFamily="2" charset="0"/>
-              </a:rPr>
-              <a:t>"Live as if you were to die tomorrow.</a:t>
-            </a:r>
-          </a:p>
-          <a:p>
-            <a:pPr algn="ctr"/>
-            <a:r>
-              <a:rPr lang="en-IN" sz="3200" dirty="0">
-                <a:solidFill>
-                  <a:srgbClr val="FE1212"/>
-                </a:solidFill>
-                <a:latin typeface="Segoe Print" panose="02000600000000000000" pitchFamily="2" charset="0"/>
-              </a:rPr>
-              <a:t>Learn as if you were to live forever"</a:t>
-            </a:r>
+            <a:pPr algn="r">
+              <a:spcBef>
+                <a:spcPct val="0"/>
+              </a:spcBef>
+            </a:pPr>
+            <a:r>
+              <a:rPr lang="en-IN" sz="3200" b="1" i="1" dirty="0" smtClean="0">
+                <a:solidFill>
+                  <a:srgbClr val="FFFF00"/>
+                </a:solidFill>
+                <a:latin typeface="Arial" pitchFamily="34" charset="0"/>
+                <a:cs typeface="Arial" pitchFamily="34" charset="0"/>
+              </a:rPr>
+              <a:t>MongoDB</a:t>
+            </a:r>
+            <a:r>
+              <a:rPr lang="en-US" sz="3200" b="1" i="1" dirty="0" smtClean="0">
+                <a:solidFill>
+                  <a:srgbClr val="FFFF00"/>
+                </a:solidFill>
+                <a:latin typeface="Arial" pitchFamily="34" charset="0"/>
+                <a:cs typeface="Arial" pitchFamily="34" charset="0"/>
+              </a:rPr>
+              <a:t> </a:t>
+            </a:r>
+            <a:r>
+              <a:rPr lang="en-IN" sz="3200" b="1" i="1" dirty="0">
+                <a:solidFill>
+                  <a:srgbClr val="FFFF00"/>
+                </a:solidFill>
+                <a:latin typeface="Arial" pitchFamily="34" charset="0"/>
+                <a:cs typeface="Arial" pitchFamily="34" charset="0"/>
+              </a:rPr>
+              <a:t> </a:t>
+            </a:r>
+          </a:p>
+        </p:txBody>
+      </p:sp>
+      <p:sp>
+        <p:nvSpPr>
+          <p:cNvPr id="7" name="Rectangle 6"/>
+          <p:cNvSpPr/>
+          <p:nvPr/>
+        </p:nvSpPr>
+        <p:spPr>
+          <a:xfrm>
+            <a:off x="149188" y="762000"/>
+            <a:ext cx="8845624" cy="369332"/>
+          </a:xfrm>
+          <a:prstGeom prst="rect">
+            <a:avLst/>
+          </a:prstGeom>
+        </p:spPr>
+        <p:txBody>
+          <a:bodyPr wrap="square">
+            <a:spAutoFit/>
+          </a:bodyPr>
+          <a:lstStyle/>
+          <a:p>
+            <a:r>
+              <a:rPr lang="en-US" dirty="0" smtClean="0"/>
+              <a:t>TODO</a:t>
+            </a:r>
+            <a:endParaRPr lang="en-IN" dirty="0"/>
           </a:p>
         </p:txBody>
       </p:sp>
     </p:spTree>
     <p:extLst>
       <p:ext uri="{BB962C8B-B14F-4D97-AF65-F5344CB8AC3E}">
-        <p14:creationId xmlns:p14="http://schemas.microsoft.com/office/powerpoint/2010/main" val="1148130326"/>
+        <p14:creationId xmlns:p14="http://schemas.microsoft.com/office/powerpoint/2010/main" val="1971192509"/>
       </p:ext>
     </p:extLst>
   </p:cSld>
@@ -5648,6 +5537,379 @@
       </p:grpSpPr>
       <p:sp>
         <p:nvSpPr>
+          <p:cNvPr id="4" name="Rectangle 3"/>
+          <p:cNvSpPr/>
+          <p:nvPr/>
+        </p:nvSpPr>
+        <p:spPr>
+          <a:xfrm>
+            <a:off x="0" y="0"/>
+            <a:ext cx="9144000" cy="584775"/>
+          </a:xfrm>
+          <a:prstGeom prst="rect">
+            <a:avLst/>
+          </a:prstGeom>
+          <a:solidFill>
+            <a:schemeClr val="bg2">
+              <a:lumMod val="10000"/>
+            </a:schemeClr>
+          </a:solidFill>
+        </p:spPr>
+        <p:txBody>
+          <a:bodyPr wrap="square">
+            <a:spAutoFit/>
+          </a:bodyPr>
+          <a:lstStyle/>
+          <a:p>
+            <a:pPr algn="r"/>
+            <a:r>
+              <a:rPr lang="en-IN" sz="3200" b="1" i="1" dirty="0" smtClean="0">
+                <a:solidFill>
+                  <a:srgbClr val="FFFF00"/>
+                </a:solidFill>
+                <a:latin typeface="Arial" pitchFamily="34" charset="0"/>
+                <a:cs typeface="Arial" pitchFamily="34" charset="0"/>
+              </a:rPr>
+              <a:t>IMP</a:t>
+            </a:r>
+            <a:endParaRPr lang="en-IN" sz="3200" b="1" i="1" dirty="0">
+              <a:solidFill>
+                <a:srgbClr val="FFFF00"/>
+              </a:solidFill>
+              <a:latin typeface="Arial" pitchFamily="34" charset="0"/>
+              <a:cs typeface="Arial" pitchFamily="34" charset="0"/>
+            </a:endParaRPr>
+          </a:p>
+        </p:txBody>
+      </p:sp>
+      <p:sp>
+        <p:nvSpPr>
+          <p:cNvPr id="2" name="Rectangle 1"/>
+          <p:cNvSpPr/>
+          <p:nvPr/>
+        </p:nvSpPr>
+        <p:spPr>
+          <a:xfrm>
+            <a:off x="145976" y="849264"/>
+            <a:ext cx="8845624" cy="369332"/>
+          </a:xfrm>
+          <a:prstGeom prst="rect">
+            <a:avLst/>
+          </a:prstGeom>
+        </p:spPr>
+        <p:txBody>
+          <a:bodyPr wrap="square">
+            <a:spAutoFit/>
+          </a:bodyPr>
+          <a:lstStyle/>
+          <a:p>
+            <a:r>
+              <a:rPr lang="en-IN" dirty="0" smtClean="0">
+                <a:solidFill>
+                  <a:srgbClr val="222222"/>
+                </a:solidFill>
+                <a:latin typeface="Verdana" panose="020B0604030504040204" pitchFamily="34" charset="0"/>
+              </a:rPr>
+              <a:t>1. Think </a:t>
+            </a:r>
+            <a:r>
+              <a:rPr lang="en-IN" dirty="0">
+                <a:solidFill>
+                  <a:srgbClr val="222222"/>
+                </a:solidFill>
+                <a:latin typeface="Verdana" panose="020B0604030504040204" pitchFamily="34" charset="0"/>
+              </a:rPr>
+              <a:t>about how multiplication can be done without actually </a:t>
+            </a:r>
+            <a:r>
+              <a:rPr lang="en-IN" dirty="0" smtClean="0">
+                <a:solidFill>
+                  <a:srgbClr val="222222"/>
+                </a:solidFill>
+                <a:latin typeface="Verdana" panose="020B0604030504040204" pitchFamily="34" charset="0"/>
+              </a:rPr>
+              <a:t>multiplying </a:t>
+            </a:r>
+            <a:endParaRPr lang="en-IN" dirty="0"/>
+          </a:p>
+        </p:txBody>
+      </p:sp>
+      <p:sp>
+        <p:nvSpPr>
+          <p:cNvPr id="3" name="TextBox 2"/>
+          <p:cNvSpPr txBox="1"/>
+          <p:nvPr/>
+        </p:nvSpPr>
+        <p:spPr>
+          <a:xfrm>
+            <a:off x="990600" y="2514600"/>
+            <a:ext cx="184731" cy="369332"/>
+          </a:xfrm>
+          <a:prstGeom prst="rect">
+            <a:avLst/>
+          </a:prstGeom>
+          <a:noFill/>
+        </p:spPr>
+        <p:txBody>
+          <a:bodyPr wrap="none" rtlCol="0">
+            <a:spAutoFit/>
+          </a:bodyPr>
+          <a:lstStyle/>
+          <a:p>
+            <a:endParaRPr lang="en-IN" dirty="0"/>
+          </a:p>
+        </p:txBody>
+      </p:sp>
+      <p:pic>
+        <p:nvPicPr>
+          <p:cNvPr id="5" name="Picture 4"/>
+          <p:cNvPicPr>
+            <a:picLocks noChangeAspect="1"/>
+          </p:cNvPicPr>
+          <p:nvPr/>
+        </p:nvPicPr>
+        <p:blipFill>
+          <a:blip r:embed="rId2"/>
+          <a:stretch>
+            <a:fillRect/>
+          </a:stretch>
+        </p:blipFill>
+        <p:spPr>
+          <a:xfrm>
+            <a:off x="304800" y="3700361"/>
+            <a:ext cx="4648200" cy="2471839"/>
+          </a:xfrm>
+          <a:prstGeom prst="rect">
+            <a:avLst/>
+          </a:prstGeom>
+        </p:spPr>
+      </p:pic>
+      <p:sp>
+        <p:nvSpPr>
+          <p:cNvPr id="6" name="Rectangle 5"/>
+          <p:cNvSpPr/>
+          <p:nvPr/>
+        </p:nvSpPr>
+        <p:spPr>
+          <a:xfrm>
+            <a:off x="145976" y="3243552"/>
+            <a:ext cx="1317990" cy="369332"/>
+          </a:xfrm>
+          <a:prstGeom prst="rect">
+            <a:avLst/>
+          </a:prstGeom>
+        </p:spPr>
+        <p:txBody>
+          <a:bodyPr wrap="none">
+            <a:spAutoFit/>
+          </a:bodyPr>
+          <a:lstStyle/>
+          <a:p>
+            <a:r>
+              <a:rPr lang="en-IN" dirty="0" smtClean="0">
+                <a:solidFill>
+                  <a:srgbClr val="222222"/>
+                </a:solidFill>
+                <a:latin typeface="Verdana" panose="020B0604030504040204" pitchFamily="34" charset="0"/>
+              </a:rPr>
+              <a:t>2. Square</a:t>
+            </a:r>
+            <a:endParaRPr lang="en-IN" dirty="0">
+              <a:solidFill>
+                <a:srgbClr val="222222"/>
+              </a:solidFill>
+              <a:latin typeface="Verdana" panose="020B0604030504040204" pitchFamily="34" charset="0"/>
+            </a:endParaRPr>
+          </a:p>
+        </p:txBody>
+      </p:sp>
+      <p:pic>
+        <p:nvPicPr>
+          <p:cNvPr id="8" name="Picture 7"/>
+          <p:cNvPicPr>
+            <a:picLocks noChangeAspect="1"/>
+          </p:cNvPicPr>
+          <p:nvPr/>
+        </p:nvPicPr>
+        <p:blipFill>
+          <a:blip r:embed="rId3"/>
+          <a:stretch>
+            <a:fillRect/>
+          </a:stretch>
+        </p:blipFill>
+        <p:spPr>
+          <a:xfrm>
+            <a:off x="533400" y="1250647"/>
+            <a:ext cx="4495800" cy="1883657"/>
+          </a:xfrm>
+          <a:prstGeom prst="rect">
+            <a:avLst/>
+          </a:prstGeom>
+        </p:spPr>
+      </p:pic>
+    </p:spTree>
+    <p:extLst>
+      <p:ext uri="{BB962C8B-B14F-4D97-AF65-F5344CB8AC3E}">
+        <p14:creationId xmlns:p14="http://schemas.microsoft.com/office/powerpoint/2010/main" val="3391323119"/>
+      </p:ext>
+    </p:extLst>
+  </p:cSld>
+  <p:clrMapOvr>
+    <a:masterClrMapping/>
+  </p:clrMapOvr>
+  <p:timing>
+    <p:tnLst>
+      <p:par>
+        <p:cTn id="1" dur="indefinite" restart="never" nodeType="tmRoot"/>
+      </p:par>
+    </p:tnLst>
+  </p:timing>
+</p:sld>
+</file>
+
+<file path=ppt/slides/slide106.xml><?xml version="1.0" encoding="utf-8"?>
+<p:sld xmlns:a="http://schemas.openxmlformats.org/drawingml/2006/main" xmlns:r="http://schemas.openxmlformats.org/officeDocument/2006/relationships" xmlns:p="http://schemas.openxmlformats.org/presentationml/2006/main">
+  <p:cSld>
+    <p:spTree>
+      <p:nvGrpSpPr>
+        <p:cNvPr id="1" name=""/>
+        <p:cNvGrpSpPr/>
+        <p:nvPr/>
+      </p:nvGrpSpPr>
+      <p:grpSpPr>
+        <a:xfrm>
+          <a:off x="0" y="0"/>
+          <a:ext cx="0" cy="0"/>
+          <a:chOff x="0" y="0"/>
+          <a:chExt cx="0" cy="0"/>
+        </a:xfrm>
+      </p:grpSpPr>
+      <p:pic>
+        <p:nvPicPr>
+          <p:cNvPr id="1026" name="Picture 2" descr="http://www.bvctch.vn/vnt_upload/weblink/thks.jpg"/>
+          <p:cNvPicPr>
+            <a:picLocks noChangeAspect="1" noChangeArrowheads="1"/>
+          </p:cNvPicPr>
+          <p:nvPr/>
+        </p:nvPicPr>
+        <p:blipFill>
+          <a:blip r:embed="rId2">
+            <a:extLst>
+              <a:ext uri="{28A0092B-C50C-407E-A947-70E740481C1C}">
+                <a14:useLocalDpi xmlns:a14="http://schemas.microsoft.com/office/drawing/2010/main" val="0"/>
+              </a:ext>
+            </a:extLst>
+          </a:blip>
+          <a:srcRect/>
+          <a:stretch>
+            <a:fillRect/>
+          </a:stretch>
+        </p:blipFill>
+        <p:spPr bwMode="auto">
+          <a:xfrm>
+            <a:off x="2895600" y="757237"/>
+            <a:ext cx="3124200" cy="4881563"/>
+          </a:xfrm>
+          <a:prstGeom prst="rect">
+            <a:avLst/>
+          </a:prstGeom>
+          <a:noFill/>
+          <a:extLst>
+            <a:ext uri="{909E8E84-426E-40DD-AFC4-6F175D3DCCD1}">
+              <a14:hiddenFill xmlns:a14="http://schemas.microsoft.com/office/drawing/2010/main">
+                <a:solidFill>
+                  <a:srgbClr val="FFFFFF"/>
+                </a:solidFill>
+              </a14:hiddenFill>
+            </a:ext>
+          </a:extLst>
+        </p:spPr>
+      </p:pic>
+      <p:sp>
+        <p:nvSpPr>
+          <p:cNvPr id="3" name="Rectangle 2"/>
+          <p:cNvSpPr/>
+          <p:nvPr/>
+        </p:nvSpPr>
+        <p:spPr>
+          <a:xfrm>
+            <a:off x="304800" y="5105400"/>
+            <a:ext cx="8610600" cy="1077218"/>
+          </a:xfrm>
+          <a:prstGeom prst="rect">
+            <a:avLst/>
+          </a:prstGeom>
+        </p:spPr>
+        <p:txBody>
+          <a:bodyPr wrap="square">
+            <a:spAutoFit/>
+          </a:bodyPr>
+          <a:lstStyle/>
+          <a:p>
+            <a:pPr algn="ctr"/>
+            <a:r>
+              <a:rPr lang="en-IN" sz="3200" dirty="0">
+                <a:solidFill>
+                  <a:srgbClr val="FE1212"/>
+                </a:solidFill>
+                <a:latin typeface="Segoe Print" panose="02000600000000000000" pitchFamily="2" charset="0"/>
+              </a:rPr>
+              <a:t>"Live as if you were to die tomorrow.</a:t>
+            </a:r>
+          </a:p>
+          <a:p>
+            <a:pPr algn="ctr"/>
+            <a:r>
+              <a:rPr lang="en-IN" sz="3200" dirty="0">
+                <a:solidFill>
+                  <a:srgbClr val="FE1212"/>
+                </a:solidFill>
+                <a:latin typeface="Segoe Print" panose="02000600000000000000" pitchFamily="2" charset="0"/>
+              </a:rPr>
+              <a:t>Learn as if you were to live forever"</a:t>
+            </a:r>
+          </a:p>
+        </p:txBody>
+      </p:sp>
+    </p:spTree>
+    <p:extLst>
+      <p:ext uri="{BB962C8B-B14F-4D97-AF65-F5344CB8AC3E}">
+        <p14:creationId xmlns:p14="http://schemas.microsoft.com/office/powerpoint/2010/main" val="1148130326"/>
+      </p:ext>
+    </p:extLst>
+  </p:cSld>
+  <p:clrMapOvr>
+    <a:masterClrMapping/>
+  </p:clrMapOvr>
+  <p:timing>
+    <p:tnLst>
+      <p:par>
+        <p:cTn id="1" dur="indefinite" restart="never" nodeType="tmRoot"/>
+      </p:par>
+    </p:tnLst>
+  </p:timing>
+</p:sld>
+</file>
+
+<file path=ppt/slides/slide107.xml><?xml version="1.0" encoding="utf-8"?>
+<p:sld xmlns:a="http://schemas.openxmlformats.org/drawingml/2006/main" xmlns:r="http://schemas.openxmlformats.org/officeDocument/2006/relationships" xmlns:p="http://schemas.openxmlformats.org/presentationml/2006/main">
+  <p:cSld>
+    <p:spTree>
+      <p:nvGrpSpPr>
+        <p:cNvPr id="1" name=""/>
+        <p:cNvGrpSpPr/>
+        <p:nvPr/>
+      </p:nvGrpSpPr>
+      <p:grpSpPr>
+        <a:xfrm>
+          <a:off x="0" y="0"/>
+          <a:ext cx="0" cy="0"/>
+          <a:chOff x="0" y="0"/>
+          <a:chExt cx="0" cy="0"/>
+        </a:xfrm>
+      </p:grpSpPr>
+      <p:sp>
+        <p:nvSpPr>
           <p:cNvPr id="3" name="Rectangle 2"/>
           <p:cNvSpPr/>
           <p:nvPr/>
@@ -5730,7 +5992,7 @@
 </p:sld>
 </file>
 
-<file path=ppt/slides/slide106.xml><?xml version="1.0" encoding="utf-8"?>
+<file path=ppt/slides/slide108.xml><?xml version="1.0" encoding="utf-8"?>
 <p:sld xmlns:a="http://schemas.openxmlformats.org/drawingml/2006/main" xmlns:r="http://schemas.openxmlformats.org/officeDocument/2006/relationships" xmlns:p="http://schemas.openxmlformats.org/presentationml/2006/main">
   <p:cSld>
     <p:spTree>
@@ -19780,7 +20042,6 @@
               <a:rPr lang="en-US" dirty="0"/>
               <a:t>db.collection.save()</a:t>
             </a:r>
-            <a:endParaRPr lang="en-US" dirty="0"/>
           </a:p>
         </p:txBody>
       </p:sp>
@@ -19833,11 +20094,11 @@
   <p:clrMapOvr>
     <a:masterClrMapping/>
   </p:clrMapOvr>
-  <mc:AlternateContent xmlns:mc="http://schemas.openxmlformats.org/markup-compatibility/2006">
-    <mc:Choice xmlns:p14="http://schemas.microsoft.com/office/powerpoint/2010/main" Requires="p14">
+  <mc:AlternateContent xmlns:mc="http://schemas.openxmlformats.org/markup-compatibility/2006" xmlns:p14="http://schemas.microsoft.com/office/powerpoint/2010/main">
+    <mc:Choice Requires="p14">
       <p:transition spd="slow" p14:dur="2000"/>
     </mc:Choice>
-    <mc:Fallback>
+    <mc:Fallback xmlns="">
       <p:transition spd="slow"/>
     </mc:Fallback>
   </mc:AlternateContent>
@@ -19909,13 +20170,6 @@
               </a:rPr>
               <a:t>db.collection.save()()</a:t>
             </a:r>
-            <a:endParaRPr lang="en-IN" sz="3200" b="1" i="1" dirty="0">
-              <a:solidFill>
-                <a:srgbClr val="FFFF00"/>
-              </a:solidFill>
-              <a:latin typeface="Arial" pitchFamily="34" charset="0"/>
-              <a:cs typeface="Arial" pitchFamily="34" charset="0"/>
-            </a:endParaRPr>
           </a:p>
         </p:txBody>
       </p:sp>
@@ -19955,13 +20209,6 @@
               </a:rPr>
               <a:t>db.collection.save( &lt;document&gt; )</a:t>
             </a:r>
-            <a:endParaRPr lang="en-IN" dirty="0">
-              <a:solidFill>
-                <a:srgbClr val="049DC8"/>
-              </a:solidFill>
-              <a:latin typeface="Consolas" panose="020B0609020204030204" pitchFamily="49" charset="0"/>
-              <a:cs typeface="Calibri" panose="020F0502020204030204" pitchFamily="34" charset="0"/>
-            </a:endParaRPr>
           </a:p>
         </p:txBody>
       </p:sp>
@@ -21735,8 +21982,8 @@
           </a:lstStyle>
           <a:p>
             <a:r>
-              <a:rPr lang="en-IN" dirty="0"/>
-              <a:t>db.collection.update()</a:t>
+              <a:rPr lang="en-IN" dirty="0" smtClean="0"/>
+              <a:t>JavaScript object</a:t>
             </a:r>
             <a:endParaRPr lang="en-US" dirty="0"/>
           </a:p>
@@ -21784,18 +22031,18 @@
     </p:spTree>
     <p:extLst>
       <p:ext uri="{BB962C8B-B14F-4D97-AF65-F5344CB8AC3E}">
-        <p14:creationId xmlns:p14="http://schemas.microsoft.com/office/powerpoint/2010/main" val="2844348414"/>
+        <p14:creationId xmlns:p14="http://schemas.microsoft.com/office/powerpoint/2010/main" val="799949763"/>
       </p:ext>
     </p:extLst>
   </p:cSld>
   <p:clrMapOvr>
     <a:masterClrMapping/>
   </p:clrMapOvr>
-  <mc:AlternateContent xmlns:mc="http://schemas.openxmlformats.org/markup-compatibility/2006" xmlns:p14="http://schemas.microsoft.com/office/powerpoint/2010/main">
-    <mc:Choice Requires="p14">
+  <mc:AlternateContent xmlns:mc="http://schemas.openxmlformats.org/markup-compatibility/2006">
+    <mc:Choice xmlns:p14="http://schemas.microsoft.com/office/powerpoint/2010/main" Requires="p14">
       <p:transition spd="slow" p14:dur="2000"/>
     </mc:Choice>
-    <mc:Fallback xmlns="">
+    <mc:Fallback>
       <p:transition spd="slow"/>
     </mc:Fallback>
   </mc:AlternateContent>
@@ -21858,15 +22105,32 @@
               </a:spcBef>
             </a:pPr>
             <a:r>
-              <a:rPr lang="en-IN" sz="3200" b="1" i="1" dirty="0">
+              <a:rPr lang="en-IN" sz="3200" b="1" i="1" dirty="0" smtClean="0">
                 <a:solidFill>
                   <a:srgbClr val="FFFF00"/>
                 </a:solidFill>
                 <a:latin typeface="Arial" pitchFamily="34" charset="0"/>
                 <a:cs typeface="Arial" pitchFamily="34" charset="0"/>
               </a:rPr>
-              <a:t>db.collection.update()</a:t>
-            </a:r>
+              <a:t>j</a:t>
+            </a:r>
+            <a:r>
+              <a:rPr lang="en-IN" sz="3200" b="1" i="1" dirty="0" smtClean="0">
+                <a:solidFill>
+                  <a:srgbClr val="FFFF00"/>
+                </a:solidFill>
+                <a:latin typeface="Arial" pitchFamily="34" charset="0"/>
+                <a:cs typeface="Arial" pitchFamily="34" charset="0"/>
+              </a:rPr>
+              <a:t>avascript object</a:t>
+            </a:r>
+            <a:endParaRPr lang="en-IN" sz="3200" b="1" i="1" dirty="0">
+              <a:solidFill>
+                <a:srgbClr val="FFFF00"/>
+              </a:solidFill>
+              <a:latin typeface="Arial" pitchFamily="34" charset="0"/>
+              <a:cs typeface="Arial" pitchFamily="34" charset="0"/>
+            </a:endParaRPr>
           </a:p>
         </p:txBody>
       </p:sp>
@@ -21878,8 +22142,8 @@
         </p:nvSpPr>
         <p:spPr>
           <a:xfrm>
-            <a:off x="133354" y="1611868"/>
-            <a:ext cx="7402989" cy="646331"/>
+            <a:off x="133354" y="1219200"/>
+            <a:ext cx="1704313" cy="369332"/>
           </a:xfrm>
           <a:prstGeom prst="rect">
             <a:avLst/>
@@ -21897,93 +22161,16 @@
               </a:spcBef>
             </a:pPr>
             <a:r>
-              <a:rPr lang="en-IN" dirty="0">
+              <a:rPr lang="en-IN" dirty="0" smtClean="0">
                 <a:solidFill>
                   <a:srgbClr val="049DC8"/>
                 </a:solidFill>
                 <a:latin typeface="Consolas" panose="020B0609020204030204" pitchFamily="49" charset="0"/>
                 <a:cs typeface="Calibri" panose="020F0502020204030204" pitchFamily="34" charset="0"/>
               </a:rPr>
-              <a:t>db.collection.update</a:t>
-            </a:r>
-            <a:r>
-              <a:rPr lang="en-IN" dirty="0" smtClean="0">
-                <a:solidFill>
-                  <a:srgbClr val="049DC8"/>
-                </a:solidFill>
-                <a:latin typeface="Consolas" panose="020B0609020204030204" pitchFamily="49" charset="0"/>
-                <a:cs typeface="Calibri" panose="020F0502020204030204" pitchFamily="34" charset="0"/>
-              </a:rPr>
-              <a:t>({query}, {update}, {options})</a:t>
-            </a:r>
-          </a:p>
-          <a:p>
-            <a:pPr>
-              <a:spcBef>
-                <a:spcPct val="0"/>
-              </a:spcBef>
-            </a:pPr>
-            <a:r>
-              <a:rPr lang="en-IN" dirty="0">
-                <a:solidFill>
-                  <a:srgbClr val="049DC8"/>
-                </a:solidFill>
-                <a:latin typeface="Consolas" panose="020B0609020204030204" pitchFamily="49" charset="0"/>
-                <a:cs typeface="Calibri" panose="020F0502020204030204" pitchFamily="34" charset="0"/>
-              </a:rPr>
-              <a:t>db.collection.update</a:t>
-            </a:r>
-            <a:r>
-              <a:rPr lang="en-IN" dirty="0" smtClean="0">
-                <a:solidFill>
-                  <a:srgbClr val="049DC8"/>
-                </a:solidFill>
-                <a:latin typeface="Consolas" panose="020B0609020204030204" pitchFamily="49" charset="0"/>
-                <a:cs typeface="Calibri" panose="020F0502020204030204" pitchFamily="34" charset="0"/>
-              </a:rPr>
-              <a:t>(</a:t>
-            </a:r>
-            <a:r>
-              <a:rPr lang="en-IN" dirty="0">
-                <a:solidFill>
-                  <a:srgbClr val="049DC8"/>
-                </a:solidFill>
-                <a:latin typeface="Consolas" panose="020B0609020204030204" pitchFamily="49" charset="0"/>
-                <a:cs typeface="Calibri" panose="020F0502020204030204" pitchFamily="34" charset="0"/>
-              </a:rPr>
-              <a:t>{query}, </a:t>
-            </a:r>
-            <a:r>
-              <a:rPr lang="en-IN" dirty="0" smtClean="0">
-                <a:solidFill>
-                  <a:srgbClr val="049DC8"/>
-                </a:solidFill>
-                <a:latin typeface="Consolas" panose="020B0609020204030204" pitchFamily="49" charset="0"/>
-                <a:cs typeface="Calibri" panose="020F0502020204030204" pitchFamily="34" charset="0"/>
-              </a:rPr>
-              <a:t>{$set:{update}}, </a:t>
-            </a:r>
-            <a:r>
-              <a:rPr lang="en-IN" dirty="0">
-                <a:solidFill>
-                  <a:srgbClr val="049DC8"/>
-                </a:solidFill>
-                <a:latin typeface="Consolas" panose="020B0609020204030204" pitchFamily="49" charset="0"/>
-                <a:cs typeface="Calibri" panose="020F0502020204030204" pitchFamily="34" charset="0"/>
-              </a:rPr>
-              <a:t>{options}</a:t>
-            </a:r>
-            <a:r>
-              <a:rPr lang="en-IN" dirty="0" smtClean="0">
-                <a:solidFill>
-                  <a:srgbClr val="049DC8"/>
-                </a:solidFill>
-                <a:latin typeface="Consolas" panose="020B0609020204030204" pitchFamily="49" charset="0"/>
-                <a:cs typeface="Calibri" panose="020F0502020204030204" pitchFamily="34" charset="0"/>
-              </a:rPr>
-              <a:t>)</a:t>
-            </a:r>
-            <a:endParaRPr lang="en-IN" dirty="0">
+              <a:t>var obj = {}</a:t>
+            </a:r>
+            <a:endParaRPr lang="en-IN" dirty="0" smtClean="0">
               <a:solidFill>
                 <a:srgbClr val="049DC8"/>
               </a:solidFill>
@@ -22002,7 +22189,7 @@
         <p:spPr>
           <a:xfrm>
             <a:off x="149188" y="762000"/>
-            <a:ext cx="8845624" cy="646331"/>
+            <a:ext cx="8845624" cy="369332"/>
           </a:xfrm>
           <a:prstGeom prst="rect">
             <a:avLst/>
@@ -22016,7 +22203,11 @@
           <a:p>
             <a:r>
               <a:rPr lang="en-US" dirty="0"/>
-              <a:t>By default, the update() method updates a single document. Set the Multi Parameter to update all documents that match the query criteria.</a:t>
+              <a:t>Inserts a document or documents into a </a:t>
+            </a:r>
+            <a:r>
+              <a:rPr lang="en-US" dirty="0" smtClean="0"/>
+              <a:t>collection using javascript object.</a:t>
             </a:r>
             <a:endParaRPr lang="en-IN" dirty="0"/>
           </a:p>
@@ -22024,14 +22215,14 @@
       </p:sp>
       <p:sp>
         <p:nvSpPr>
-          <p:cNvPr id="3" name="Rectangle 2"/>
+          <p:cNvPr id="2" name="Rectangle 1"/>
           <p:cNvSpPr/>
           <p:nvPr/>
         </p:nvSpPr>
         <p:spPr>
           <a:xfrm>
-            <a:off x="153146" y="3488829"/>
-            <a:ext cx="8841666" cy="1692771"/>
+            <a:off x="133354" y="1764767"/>
+            <a:ext cx="8861458" cy="4493538"/>
           </a:xfrm>
           <a:prstGeom prst="rect">
             <a:avLst/>
@@ -22051,18 +22242,32 @@
                 <a:latin typeface="Calibri" panose="020F0502020204030204" pitchFamily="34" charset="0"/>
                 <a:cs typeface="Calibri" panose="020F0502020204030204" pitchFamily="34" charset="0"/>
               </a:rPr>
-              <a:t>db.e.update({job:'abc1'}, </a:t>
-            </a:r>
-            <a:r>
-              <a:rPr lang="en-US" sz="2200" dirty="0" smtClean="0">
+              <a:t>&gt; var doc = {}; 				</a:t>
+            </a:r>
+            <a:r>
+              <a:rPr lang="en-US" sz="2200" dirty="0">
+                <a:solidFill>
+                  <a:srgbClr val="00B050"/>
+                </a:solidFill>
+                <a:latin typeface="Calibri" panose="020F0502020204030204" pitchFamily="34" charset="0"/>
+                <a:cs typeface="Calibri" panose="020F0502020204030204" pitchFamily="34" charset="0"/>
+              </a:rPr>
+              <a:t>// JavaScript object</a:t>
+            </a:r>
+          </a:p>
+          <a:p>
+            <a:r>
+              <a:rPr lang="en-US" sz="2200" dirty="0">
                 <a:solidFill>
                   <a:srgbClr val="FC6F0D"/>
                 </a:solidFill>
                 <a:latin typeface="Calibri" panose="020F0502020204030204" pitchFamily="34" charset="0"/>
                 <a:cs typeface="Calibri" panose="020F0502020204030204" pitchFamily="34" charset="0"/>
               </a:rPr>
-              <a:t>{ job</a:t>
-            </a:r>
+              <a:t>&gt; doc.title = "MongoDB Tutorial"</a:t>
+            </a:r>
+          </a:p>
+          <a:p>
             <a:r>
               <a:rPr lang="en-US" sz="2200" dirty="0">
                 <a:solidFill>
@@ -22071,27 +22276,20 @@
                 <a:latin typeface="Calibri" panose="020F0502020204030204" pitchFamily="34" charset="0"/>
                 <a:cs typeface="Calibri" panose="020F0502020204030204" pitchFamily="34" charset="0"/>
               </a:rPr>
-              <a:t>:</a:t>
-            </a:r>
-            <a:r>
-              <a:rPr lang="en-US" sz="2200" dirty="0" smtClean="0">
+              <a:t>&gt; doc.url = "http://mongodb.org"</a:t>
+            </a:r>
+          </a:p>
+          <a:p>
+            <a:r>
+              <a:rPr lang="en-US" sz="2200" dirty="0">
                 <a:solidFill>
                   <a:srgbClr val="FC6F0D"/>
                 </a:solidFill>
                 <a:latin typeface="Calibri" panose="020F0502020204030204" pitchFamily="34" charset="0"/>
                 <a:cs typeface="Calibri" panose="020F0502020204030204" pitchFamily="34" charset="0"/>
               </a:rPr>
-              <a:t>'sales‘ },{ upsert:true });</a:t>
-            </a:r>
-          </a:p>
-          <a:p>
-            <a:endParaRPr lang="en-US" sz="800" dirty="0">
-              <a:solidFill>
-                <a:srgbClr val="FC6F0D"/>
-              </a:solidFill>
-              <a:latin typeface="Calibri" panose="020F0502020204030204" pitchFamily="34" charset="0"/>
-              <a:cs typeface="Calibri" panose="020F0502020204030204" pitchFamily="34" charset="0"/>
-            </a:endParaRPr>
+              <a:t>&gt; doc.comment = "Good tutorial video"</a:t>
+            </a:r>
           </a:p>
           <a:p>
             <a:r>
@@ -22102,17 +22300,17 @@
                 <a:latin typeface="Calibri" panose="020F0502020204030204" pitchFamily="34" charset="0"/>
                 <a:cs typeface="Calibri" panose="020F0502020204030204" pitchFamily="34" charset="0"/>
               </a:rPr>
-              <a:t>db.e.update</a:t>
-            </a:r>
-            <a:r>
-              <a:rPr lang="en-US" sz="2200" dirty="0" smtClean="0">
+              <a:t>&gt; doc.tags = ['tutorial', '</a:t>
+            </a:r>
+            <a:r>
+              <a:rPr lang="en-US" sz="2200" dirty="0" err="1">
                 <a:solidFill>
                   <a:srgbClr val="FC6F0D"/>
                 </a:solidFill>
                 <a:latin typeface="Calibri" panose="020F0502020204030204" pitchFamily="34" charset="0"/>
                 <a:cs typeface="Calibri" panose="020F0502020204030204" pitchFamily="34" charset="0"/>
               </a:rPr>
-              <a:t>({ job</a:t>
+              <a:t>noSQL</a:t>
             </a:r>
             <a:r>
               <a:rPr lang="en-US" sz="2200" dirty="0">
@@ -22122,18 +22320,22 @@
                 <a:latin typeface="Calibri" panose="020F0502020204030204" pitchFamily="34" charset="0"/>
                 <a:cs typeface="Calibri" panose="020F0502020204030204" pitchFamily="34" charset="0"/>
               </a:rPr>
-              <a:t>:'</a:t>
-            </a:r>
-            <a:r>
-              <a:rPr lang="en-US" sz="2200" dirty="0" err="1">
+              <a:t>']</a:t>
+            </a:r>
+          </a:p>
+          <a:p>
+            <a:r>
+              <a:rPr lang="en-US" sz="2200" dirty="0">
                 <a:solidFill>
                   <a:srgbClr val="FC6F0D"/>
                 </a:solidFill>
                 <a:latin typeface="Calibri" panose="020F0502020204030204" pitchFamily="34" charset="0"/>
                 <a:cs typeface="Calibri" panose="020F0502020204030204" pitchFamily="34" charset="0"/>
               </a:rPr>
-              <a:t>bbc</a:t>
-            </a:r>
+              <a:t>&gt; doc.saveondate = new Date ()</a:t>
+            </a:r>
+          </a:p>
+          <a:p>
             <a:r>
               <a:rPr lang="en-US" sz="2200" dirty="0">
                 <a:solidFill>
@@ -22142,18 +22344,32 @@
                 <a:latin typeface="Calibri" panose="020F0502020204030204" pitchFamily="34" charset="0"/>
                 <a:cs typeface="Calibri" panose="020F0502020204030204" pitchFamily="34" charset="0"/>
               </a:rPr>
-              <a:t>' </a:t>
-            </a:r>
-            <a:r>
-              <a:rPr lang="en-US" sz="2200" dirty="0" smtClean="0">
+              <a:t>&gt; doc.meta = {}			</a:t>
+            </a:r>
+            <a:r>
+              <a:rPr lang="en-US" sz="2200" dirty="0">
+                <a:solidFill>
+                  <a:srgbClr val="00B050"/>
+                </a:solidFill>
+                <a:latin typeface="Calibri" panose="020F0502020204030204" pitchFamily="34" charset="0"/>
+                <a:cs typeface="Calibri" panose="020F0502020204030204" pitchFamily="34" charset="0"/>
+              </a:rPr>
+              <a:t>// JavaScript sub object within doc object {}</a:t>
+            </a:r>
+          </a:p>
+          <a:p>
+            <a:r>
+              <a:rPr lang="en-US" sz="2200" dirty="0">
                 <a:solidFill>
                   <a:srgbClr val="FC6F0D"/>
                 </a:solidFill>
                 <a:latin typeface="Calibri" panose="020F0502020204030204" pitchFamily="34" charset="0"/>
                 <a:cs typeface="Calibri" panose="020F0502020204030204" pitchFamily="34" charset="0"/>
               </a:rPr>
-              <a:t>}, { $</a:t>
-            </a:r>
+              <a:t>&gt; doc.meta.browser = 'Google Chrome’</a:t>
+            </a:r>
+          </a:p>
+          <a:p>
             <a:r>
               <a:rPr lang="en-US" sz="2200" dirty="0">
                 <a:solidFill>
@@ -22162,139 +22378,34 @@
                 <a:latin typeface="Calibri" panose="020F0502020204030204" pitchFamily="34" charset="0"/>
                 <a:cs typeface="Calibri" panose="020F0502020204030204" pitchFamily="34" charset="0"/>
               </a:rPr>
-              <a:t>set:{ job:'</a:t>
-            </a:r>
-            <a:r>
-              <a:rPr lang="en-US" sz="2200" dirty="0" err="1">
+              <a:t>&gt; doc.meta.os = 'Microsoft Windows7'</a:t>
+            </a:r>
+          </a:p>
+          <a:p>
+            <a:r>
+              <a:rPr lang="en-US" sz="2200" dirty="0">
                 <a:solidFill>
                   <a:srgbClr val="FC6F0D"/>
                 </a:solidFill>
                 <a:latin typeface="Calibri" panose="020F0502020204030204" pitchFamily="34" charset="0"/>
                 <a:cs typeface="Calibri" panose="020F0502020204030204" pitchFamily="34" charset="0"/>
               </a:rPr>
-              <a:t>abc</a:t>
-            </a:r>
-            <a:r>
-              <a:rPr lang="en-US" sz="2200" dirty="0" smtClean="0">
+              <a:t>&gt; doc.meta.mongodbversion = '2.4.0.0'</a:t>
+            </a:r>
+          </a:p>
+          <a:p>
+            <a:r>
+              <a:rPr lang="en-US" sz="2200" dirty="0">
                 <a:solidFill>
                   <a:srgbClr val="FC6F0D"/>
                 </a:solidFill>
                 <a:latin typeface="Calibri" panose="020F0502020204030204" pitchFamily="34" charset="0"/>
                 <a:cs typeface="Calibri" panose="020F0502020204030204" pitchFamily="34" charset="0"/>
               </a:rPr>
-              <a:t>'} }, { upsert:true</a:t>
-            </a:r>
-            <a:r>
-              <a:rPr lang="en-US" sz="2200" dirty="0">
-                <a:solidFill>
-                  <a:srgbClr val="FC6F0D"/>
-                </a:solidFill>
-                <a:latin typeface="Calibri" panose="020F0502020204030204" pitchFamily="34" charset="0"/>
-                <a:cs typeface="Calibri" panose="020F0502020204030204" pitchFamily="34" charset="0"/>
-              </a:rPr>
-              <a:t>,  </a:t>
-            </a:r>
-            <a:r>
-              <a:rPr lang="en-US" sz="2200" dirty="0" smtClean="0">
-                <a:solidFill>
-                  <a:srgbClr val="FC6F0D"/>
-                </a:solidFill>
-                <a:latin typeface="Calibri" panose="020F0502020204030204" pitchFamily="34" charset="0"/>
-                <a:cs typeface="Calibri" panose="020F0502020204030204" pitchFamily="34" charset="0"/>
-              </a:rPr>
-              <a:t>multi:true });</a:t>
-            </a:r>
-          </a:p>
-          <a:p>
-            <a:endParaRPr lang="en-US" sz="800" dirty="0" smtClean="0">
-              <a:solidFill>
-                <a:srgbClr val="FC6F0D"/>
-              </a:solidFill>
-              <a:latin typeface="Calibri" panose="020F0502020204030204" pitchFamily="34" charset="0"/>
-              <a:cs typeface="Calibri" panose="020F0502020204030204" pitchFamily="34" charset="0"/>
-            </a:endParaRPr>
-          </a:p>
-          <a:p>
-            <a:r>
-              <a:rPr lang="en-US" sz="2200" dirty="0">
-                <a:solidFill>
-                  <a:srgbClr val="FC6F0D"/>
-                </a:solidFill>
-                <a:latin typeface="Calibri" panose="020F0502020204030204" pitchFamily="34" charset="0"/>
-                <a:cs typeface="Calibri" panose="020F0502020204030204" pitchFamily="34" charset="0"/>
-              </a:rPr>
-              <a:t>db.e.update({ename:'saleel</a:t>
-            </a:r>
-            <a:r>
-              <a:rPr lang="en-US" sz="2200" dirty="0" smtClean="0">
-                <a:solidFill>
-                  <a:srgbClr val="FC6F0D"/>
-                </a:solidFill>
-                <a:latin typeface="Calibri" panose="020F0502020204030204" pitchFamily="34" charset="0"/>
-                <a:cs typeface="Calibri" panose="020F0502020204030204" pitchFamily="34" charset="0"/>
-              </a:rPr>
-              <a:t>'}, { $</a:t>
-            </a:r>
-            <a:r>
-              <a:rPr lang="en-US" sz="2200" dirty="0">
-                <a:solidFill>
-                  <a:srgbClr val="FC6F0D"/>
-                </a:solidFill>
-                <a:latin typeface="Calibri" panose="020F0502020204030204" pitchFamily="34" charset="0"/>
-                <a:cs typeface="Calibri" panose="020F0502020204030204" pitchFamily="34" charset="0"/>
-              </a:rPr>
-              <a:t>set:{ size:'small', color</a:t>
-            </a:r>
-            <a:r>
-              <a:rPr lang="en-US" sz="2200" dirty="0" smtClean="0">
-                <a:solidFill>
-                  <a:srgbClr val="FC6F0D"/>
-                </a:solidFill>
-                <a:latin typeface="Calibri" panose="020F0502020204030204" pitchFamily="34" charset="0"/>
-                <a:cs typeface="Calibri" panose="020F0502020204030204" pitchFamily="34" charset="0"/>
-              </a:rPr>
-              <a:t>: [</a:t>
-            </a:r>
-            <a:r>
-              <a:rPr lang="en-US" sz="2200" dirty="0">
-                <a:solidFill>
-                  <a:srgbClr val="FC6F0D"/>
-                </a:solidFill>
-                <a:latin typeface="Calibri" panose="020F0502020204030204" pitchFamily="34" charset="0"/>
-                <a:cs typeface="Calibri" panose="020F0502020204030204" pitchFamily="34" charset="0"/>
-              </a:rPr>
-              <a:t>'red</a:t>
-            </a:r>
-            <a:r>
-              <a:rPr lang="en-US" sz="2200" dirty="0" smtClean="0">
-                <a:solidFill>
-                  <a:srgbClr val="FC6F0D"/>
-                </a:solidFill>
-                <a:latin typeface="Calibri" panose="020F0502020204030204" pitchFamily="34" charset="0"/>
-                <a:cs typeface="Calibri" panose="020F0502020204030204" pitchFamily="34" charset="0"/>
-              </a:rPr>
-              <a:t>', 'blue</a:t>
-            </a:r>
-            <a:r>
-              <a:rPr lang="en-US" sz="2200" dirty="0">
-                <a:solidFill>
-                  <a:srgbClr val="FC6F0D"/>
-                </a:solidFill>
-                <a:latin typeface="Calibri" panose="020F0502020204030204" pitchFamily="34" charset="0"/>
-                <a:cs typeface="Calibri" panose="020F0502020204030204" pitchFamily="34" charset="0"/>
-              </a:rPr>
-              <a:t>'</a:t>
-            </a:r>
-            <a:r>
-              <a:rPr lang="en-US" sz="2200" dirty="0" smtClean="0">
-                <a:solidFill>
-                  <a:srgbClr val="FC6F0D"/>
-                </a:solidFill>
-                <a:latin typeface="Calibri" panose="020F0502020204030204" pitchFamily="34" charset="0"/>
-                <a:cs typeface="Calibri" panose="020F0502020204030204" pitchFamily="34" charset="0"/>
-              </a:rPr>
-              <a:t>] } }, { multi:true} );</a:t>
-            </a:r>
+              <a:t>&gt; doc</a:t>
+            </a:r>
+          </a:p>
+          <a:p>
             <a:endParaRPr lang="en-US" sz="2200" dirty="0">
               <a:solidFill>
                 <a:srgbClr val="FC6F0D"/>
@@ -22303,46 +22414,16 @@
               <a:cs typeface="Calibri" panose="020F0502020204030204" pitchFamily="34" charset="0"/>
             </a:endParaRPr>
           </a:p>
-        </p:txBody>
-      </p:sp>
-      <p:sp>
-        <p:nvSpPr>
-          <p:cNvPr id="5" name="Rectangle 4"/>
-          <p:cNvSpPr/>
-          <p:nvPr/>
-        </p:nvSpPr>
-        <p:spPr>
-          <a:xfrm>
-            <a:off x="32657" y="2688848"/>
-            <a:ext cx="8962155" cy="369332"/>
-          </a:xfrm>
-          <a:prstGeom prst="rect">
-            <a:avLst/>
-          </a:prstGeom>
-        </p:spPr>
-        <p:txBody>
-          <a:bodyPr wrap="square">
-            <a:spAutoFit/>
-          </a:bodyPr>
-          <a:lstStyle/>
-          <a:p>
-            <a:r>
-              <a:rPr lang="en-US" dirty="0" smtClean="0">
-                <a:solidFill>
-                  <a:srgbClr val="B22251"/>
-                </a:solidFill>
-                <a:latin typeface="Consolas" panose="020B0609020204030204" pitchFamily="49" charset="0"/>
-              </a:rPr>
-              <a:t>Options : { </a:t>
-            </a:r>
-            <a:r>
-              <a:rPr lang="en-US" dirty="0">
-                <a:solidFill>
-                  <a:srgbClr val="B22251"/>
-                </a:solidFill>
-                <a:latin typeface="Consolas" panose="020B0609020204030204" pitchFamily="49" charset="0"/>
-              </a:rPr>
-              <a:t>$set: { reorder: true } }, { multi: true, upsert: true }</a:t>
+          <a:p>
+            <a:r>
+              <a:rPr lang="en-US" sz="2200" dirty="0">
+                <a:solidFill>
+                  <a:srgbClr val="FC6F0D"/>
+                </a:solidFill>
+                <a:latin typeface="Calibri" panose="020F0502020204030204" pitchFamily="34" charset="0"/>
+                <a:cs typeface="Calibri" panose="020F0502020204030204" pitchFamily="34" charset="0"/>
+              </a:rPr>
+              <a:t>&gt; db.book.insert (doc);</a:t>
             </a:r>
           </a:p>
         </p:txBody>
@@ -22350,7 +22431,7 @@
     </p:spTree>
     <p:extLst>
       <p:ext uri="{BB962C8B-B14F-4D97-AF65-F5344CB8AC3E}">
-        <p14:creationId xmlns:p14="http://schemas.microsoft.com/office/powerpoint/2010/main" val="2473691024"/>
+        <p14:creationId xmlns:p14="http://schemas.microsoft.com/office/powerpoint/2010/main" val="1245960001"/>
       </p:ext>
     </p:extLst>
   </p:cSld>
@@ -22425,11 +22506,7 @@
           <a:p>
             <a:r>
               <a:rPr lang="en-IN" dirty="0"/>
-              <a:t>db.collection.updateOne</a:t>
-            </a:r>
-            <a:r>
-              <a:rPr lang="en-IN" dirty="0" smtClean="0"/>
-              <a:t>()</a:t>
+              <a:t>db.collection.update()</a:t>
             </a:r>
             <a:endParaRPr lang="en-US" dirty="0"/>
           </a:p>
@@ -22471,14 +22548,13 @@
               </a:rPr>
               <a:t>TODO</a:t>
             </a:r>
-            <a:endParaRPr lang="en-US" dirty="0"/>
           </a:p>
         </p:txBody>
       </p:sp>
     </p:spTree>
     <p:extLst>
       <p:ext uri="{BB962C8B-B14F-4D97-AF65-F5344CB8AC3E}">
-        <p14:creationId xmlns:p14="http://schemas.microsoft.com/office/powerpoint/2010/main" val="2191941974"/>
+        <p14:creationId xmlns:p14="http://schemas.microsoft.com/office/powerpoint/2010/main" val="2844348414"/>
       </p:ext>
     </p:extLst>
   </p:cSld>
@@ -22559,81 +22635,64 @@
                 <a:latin typeface="Arial" pitchFamily="34" charset="0"/>
                 <a:cs typeface="Arial" pitchFamily="34" charset="0"/>
               </a:rPr>
-              <a:t>db.collection.updateOne()</a:t>
-            </a:r>
-          </a:p>
-        </p:txBody>
-      </p:sp>
-      <p:sp>
-        <p:nvSpPr>
-          <p:cNvPr id="7" name="Rectangle 6"/>
+              <a:t>db.collection.update()</a:t>
+            </a:r>
+          </a:p>
+        </p:txBody>
+      </p:sp>
+      <p:sp>
+        <p:nvSpPr>
+          <p:cNvPr id="4" name="Rectangle 3"/>
           <p:cNvSpPr/>
           <p:nvPr/>
         </p:nvSpPr>
         <p:spPr>
           <a:xfrm>
-            <a:off x="149188" y="762000"/>
-            <a:ext cx="8845624" cy="369332"/>
-          </a:xfrm>
-          <a:prstGeom prst="rect">
-            <a:avLst/>
-          </a:prstGeom>
-        </p:spPr>
-        <p:txBody>
-          <a:bodyPr wrap="square">
+            <a:off x="133354" y="1611868"/>
+            <a:ext cx="7402989" cy="646331"/>
+          </a:xfrm>
+          <a:prstGeom prst="rect">
+            <a:avLst/>
+          </a:prstGeom>
+        </p:spPr>
+        <p:txBody>
+          <a:bodyPr wrap="none">
             <a:spAutoFit/>
           </a:bodyPr>
           <a:lstStyle/>
           <a:p>
-            <a:r>
-              <a:rPr lang="en-US" dirty="0"/>
-              <a:t>Updates a single document within the collection based on the filter.</a:t>
-            </a:r>
-            <a:endParaRPr lang="en-IN" dirty="0"/>
-          </a:p>
-        </p:txBody>
-      </p:sp>
-      <p:sp>
-        <p:nvSpPr>
-          <p:cNvPr id="8" name="Rectangle 7"/>
-          <p:cNvSpPr/>
-          <p:nvPr/>
-        </p:nvSpPr>
-        <p:spPr>
-          <a:xfrm>
-            <a:off x="154136" y="1459468"/>
-            <a:ext cx="8761264" cy="369332"/>
-          </a:xfrm>
-          <a:prstGeom prst="rect">
-            <a:avLst/>
-          </a:prstGeom>
-        </p:spPr>
-        <p:txBody>
-          <a:bodyPr wrap="square">
-            <a:spAutoFit/>
-          </a:bodyPr>
-          <a:lstStyle/>
-          <a:p>
-            <a:r>
-              <a:rPr lang="en-US" dirty="0">
+            <a:pPr>
+              <a:spcBef>
+                <a:spcPct val="0"/>
+              </a:spcBef>
+            </a:pPr>
+            <a:r>
+              <a:rPr lang="en-IN" dirty="0">
                 <a:solidFill>
                   <a:srgbClr val="049DC8"/>
                 </a:solidFill>
                 <a:latin typeface="Consolas" panose="020B0609020204030204" pitchFamily="49" charset="0"/>
                 <a:cs typeface="Calibri" panose="020F0502020204030204" pitchFamily="34" charset="0"/>
               </a:rPr>
-              <a:t>db.collection.updateOne</a:t>
-            </a:r>
-            <a:r>
-              <a:rPr lang="en-US" dirty="0" smtClean="0">
+              <a:t>db.collection.update</a:t>
+            </a:r>
+            <a:r>
+              <a:rPr lang="en-IN" dirty="0" smtClean="0">
                 <a:solidFill>
                   <a:srgbClr val="049DC8"/>
                 </a:solidFill>
                 <a:latin typeface="Consolas" panose="020B0609020204030204" pitchFamily="49" charset="0"/>
                 <a:cs typeface="Calibri" panose="020F0502020204030204" pitchFamily="34" charset="0"/>
               </a:rPr>
-              <a:t>({filter}, </a:t>
-            </a:r>
+              <a:t>({query}, {update}, {options})</a:t>
+            </a:r>
+          </a:p>
+          <a:p>
+            <a:pPr>
+              <a:spcBef>
+                <a:spcPct val="0"/>
+              </a:spcBef>
+            </a:pPr>
             <a:r>
               <a:rPr lang="en-IN" dirty="0">
                 <a:solidFill>
@@ -22642,7 +22701,7 @@
                 <a:latin typeface="Consolas" panose="020B0609020204030204" pitchFamily="49" charset="0"/>
                 <a:cs typeface="Calibri" panose="020F0502020204030204" pitchFamily="34" charset="0"/>
               </a:rPr>
-              <a:t>{$set:{update</a:t>
+              <a:t>db.collection.update</a:t>
             </a:r>
             <a:r>
               <a:rPr lang="en-IN" dirty="0" smtClean="0">
@@ -22652,19 +22711,49 @@
                 <a:latin typeface="Consolas" panose="020B0609020204030204" pitchFamily="49" charset="0"/>
                 <a:cs typeface="Calibri" panose="020F0502020204030204" pitchFamily="34" charset="0"/>
               </a:rPr>
-              <a:t>} }</a:t>
-            </a:r>
-            <a:r>
-              <a:rPr lang="en-US" dirty="0" smtClean="0">
+              <a:t>(</a:t>
+            </a:r>
+            <a:r>
+              <a:rPr lang="en-IN" dirty="0">
                 <a:solidFill>
                   <a:srgbClr val="049DC8"/>
                 </a:solidFill>
                 <a:latin typeface="Consolas" panose="020B0609020204030204" pitchFamily="49" charset="0"/>
                 <a:cs typeface="Calibri" panose="020F0502020204030204" pitchFamily="34" charset="0"/>
               </a:rPr>
-              <a:t>, {options})</a:t>
-            </a:r>
-            <a:endParaRPr lang="en-US" dirty="0">
+              <a:t>{query}, </a:t>
+            </a:r>
+            <a:r>
+              <a:rPr lang="en-IN" dirty="0" smtClean="0">
+                <a:solidFill>
+                  <a:srgbClr val="049DC8"/>
+                </a:solidFill>
+                <a:latin typeface="Consolas" panose="020B0609020204030204" pitchFamily="49" charset="0"/>
+                <a:cs typeface="Calibri" panose="020F0502020204030204" pitchFamily="34" charset="0"/>
+              </a:rPr>
+              <a:t>{$set:{update}}, </a:t>
+            </a:r>
+            <a:r>
+              <a:rPr lang="en-IN" dirty="0">
+                <a:solidFill>
+                  <a:srgbClr val="049DC8"/>
+                </a:solidFill>
+                <a:latin typeface="Consolas" panose="020B0609020204030204" pitchFamily="49" charset="0"/>
+                <a:cs typeface="Calibri" panose="020F0502020204030204" pitchFamily="34" charset="0"/>
+              </a:rPr>
+              <a:t>{options}</a:t>
+            </a:r>
+            <a:r>
+              <a:rPr lang="en-IN" dirty="0" smtClean="0">
+                <a:solidFill>
+                  <a:srgbClr val="049DC8"/>
+                </a:solidFill>
+                <a:latin typeface="Consolas" panose="020B0609020204030204" pitchFamily="49" charset="0"/>
+                <a:cs typeface="Calibri" panose="020F0502020204030204" pitchFamily="34" charset="0"/>
+              </a:rPr>
+              <a:t>)</a:t>
+            </a:r>
+            <a:endParaRPr lang="en-IN" dirty="0">
               <a:solidFill>
                 <a:srgbClr val="049DC8"/>
               </a:solidFill>
@@ -22676,13 +22765,325 @@
       </p:sp>
       <p:sp>
         <p:nvSpPr>
+          <p:cNvPr id="8" name="Rectangle 7"/>
+          <p:cNvSpPr/>
+          <p:nvPr/>
+        </p:nvSpPr>
+        <p:spPr>
+          <a:xfrm>
+            <a:off x="149188" y="762000"/>
+            <a:ext cx="8845624" cy="646331"/>
+          </a:xfrm>
+          <a:prstGeom prst="rect">
+            <a:avLst/>
+          </a:prstGeom>
+        </p:spPr>
+        <p:txBody>
+          <a:bodyPr wrap="square">
+            <a:spAutoFit/>
+          </a:bodyPr>
+          <a:lstStyle/>
+          <a:p>
+            <a:r>
+              <a:rPr lang="en-US" dirty="0"/>
+              <a:t>By default, the update() method updates a single document. Set the Multi Parameter to update all documents that match the query criteria.</a:t>
+            </a:r>
+            <a:endParaRPr lang="en-IN" dirty="0"/>
+          </a:p>
+        </p:txBody>
+      </p:sp>
+      <p:sp>
+        <p:nvSpPr>
+          <p:cNvPr id="3" name="Rectangle 2"/>
+          <p:cNvSpPr/>
+          <p:nvPr/>
+        </p:nvSpPr>
+        <p:spPr>
+          <a:xfrm>
+            <a:off x="153146" y="3488829"/>
+            <a:ext cx="8841666" cy="1692771"/>
+          </a:xfrm>
+          <a:prstGeom prst="rect">
+            <a:avLst/>
+          </a:prstGeom>
+        </p:spPr>
+        <p:txBody>
+          <a:bodyPr wrap="square">
+            <a:spAutoFit/>
+          </a:bodyPr>
+          <a:lstStyle/>
+          <a:p>
+            <a:r>
+              <a:rPr lang="en-US" sz="2200" dirty="0">
+                <a:solidFill>
+                  <a:srgbClr val="FC6F0D"/>
+                </a:solidFill>
+                <a:latin typeface="Calibri" panose="020F0502020204030204" pitchFamily="34" charset="0"/>
+                <a:cs typeface="Calibri" panose="020F0502020204030204" pitchFamily="34" charset="0"/>
+              </a:rPr>
+              <a:t>db.e.update({job:'abc1'}, </a:t>
+            </a:r>
+            <a:r>
+              <a:rPr lang="en-US" sz="2200" dirty="0" smtClean="0">
+                <a:solidFill>
+                  <a:srgbClr val="FC6F0D"/>
+                </a:solidFill>
+                <a:latin typeface="Calibri" panose="020F0502020204030204" pitchFamily="34" charset="0"/>
+                <a:cs typeface="Calibri" panose="020F0502020204030204" pitchFamily="34" charset="0"/>
+              </a:rPr>
+              <a:t>{ job</a:t>
+            </a:r>
+            <a:r>
+              <a:rPr lang="en-US" sz="2200" dirty="0">
+                <a:solidFill>
+                  <a:srgbClr val="FC6F0D"/>
+                </a:solidFill>
+                <a:latin typeface="Calibri" panose="020F0502020204030204" pitchFamily="34" charset="0"/>
+                <a:cs typeface="Calibri" panose="020F0502020204030204" pitchFamily="34" charset="0"/>
+              </a:rPr>
+              <a:t>:</a:t>
+            </a:r>
+            <a:r>
+              <a:rPr lang="en-US" sz="2200" dirty="0" smtClean="0">
+                <a:solidFill>
+                  <a:srgbClr val="FC6F0D"/>
+                </a:solidFill>
+                <a:latin typeface="Calibri" panose="020F0502020204030204" pitchFamily="34" charset="0"/>
+                <a:cs typeface="Calibri" panose="020F0502020204030204" pitchFamily="34" charset="0"/>
+              </a:rPr>
+              <a:t>'sales‘ },{ upsert:true });</a:t>
+            </a:r>
+          </a:p>
+          <a:p>
+            <a:endParaRPr lang="en-US" sz="800" dirty="0">
+              <a:solidFill>
+                <a:srgbClr val="FC6F0D"/>
+              </a:solidFill>
+              <a:latin typeface="Calibri" panose="020F0502020204030204" pitchFamily="34" charset="0"/>
+              <a:cs typeface="Calibri" panose="020F0502020204030204" pitchFamily="34" charset="0"/>
+            </a:endParaRPr>
+          </a:p>
+          <a:p>
+            <a:r>
+              <a:rPr lang="en-US" sz="2200" dirty="0">
+                <a:solidFill>
+                  <a:srgbClr val="FC6F0D"/>
+                </a:solidFill>
+                <a:latin typeface="Calibri" panose="020F0502020204030204" pitchFamily="34" charset="0"/>
+                <a:cs typeface="Calibri" panose="020F0502020204030204" pitchFamily="34" charset="0"/>
+              </a:rPr>
+              <a:t>db.e.update</a:t>
+            </a:r>
+            <a:r>
+              <a:rPr lang="en-US" sz="2200" dirty="0" smtClean="0">
+                <a:solidFill>
+                  <a:srgbClr val="FC6F0D"/>
+                </a:solidFill>
+                <a:latin typeface="Calibri" panose="020F0502020204030204" pitchFamily="34" charset="0"/>
+                <a:cs typeface="Calibri" panose="020F0502020204030204" pitchFamily="34" charset="0"/>
+              </a:rPr>
+              <a:t>({ job</a:t>
+            </a:r>
+            <a:r>
+              <a:rPr lang="en-US" sz="2200" dirty="0">
+                <a:solidFill>
+                  <a:srgbClr val="FC6F0D"/>
+                </a:solidFill>
+                <a:latin typeface="Calibri" panose="020F0502020204030204" pitchFamily="34" charset="0"/>
+                <a:cs typeface="Calibri" panose="020F0502020204030204" pitchFamily="34" charset="0"/>
+              </a:rPr>
+              <a:t>:'</a:t>
+            </a:r>
+            <a:r>
+              <a:rPr lang="en-US" sz="2200" dirty="0" err="1">
+                <a:solidFill>
+                  <a:srgbClr val="FC6F0D"/>
+                </a:solidFill>
+                <a:latin typeface="Calibri" panose="020F0502020204030204" pitchFamily="34" charset="0"/>
+                <a:cs typeface="Calibri" panose="020F0502020204030204" pitchFamily="34" charset="0"/>
+              </a:rPr>
+              <a:t>bbc</a:t>
+            </a:r>
+            <a:r>
+              <a:rPr lang="en-US" sz="2200" dirty="0">
+                <a:solidFill>
+                  <a:srgbClr val="FC6F0D"/>
+                </a:solidFill>
+                <a:latin typeface="Calibri" panose="020F0502020204030204" pitchFamily="34" charset="0"/>
+                <a:cs typeface="Calibri" panose="020F0502020204030204" pitchFamily="34" charset="0"/>
+              </a:rPr>
+              <a:t>' </a:t>
+            </a:r>
+            <a:r>
+              <a:rPr lang="en-US" sz="2200" dirty="0" smtClean="0">
+                <a:solidFill>
+                  <a:srgbClr val="FC6F0D"/>
+                </a:solidFill>
+                <a:latin typeface="Calibri" panose="020F0502020204030204" pitchFamily="34" charset="0"/>
+                <a:cs typeface="Calibri" panose="020F0502020204030204" pitchFamily="34" charset="0"/>
+              </a:rPr>
+              <a:t>}, { $</a:t>
+            </a:r>
+            <a:r>
+              <a:rPr lang="en-US" sz="2200" dirty="0">
+                <a:solidFill>
+                  <a:srgbClr val="FC6F0D"/>
+                </a:solidFill>
+                <a:latin typeface="Calibri" panose="020F0502020204030204" pitchFamily="34" charset="0"/>
+                <a:cs typeface="Calibri" panose="020F0502020204030204" pitchFamily="34" charset="0"/>
+              </a:rPr>
+              <a:t>set:{ job:'</a:t>
+            </a:r>
+            <a:r>
+              <a:rPr lang="en-US" sz="2200" dirty="0" err="1">
+                <a:solidFill>
+                  <a:srgbClr val="FC6F0D"/>
+                </a:solidFill>
+                <a:latin typeface="Calibri" panose="020F0502020204030204" pitchFamily="34" charset="0"/>
+                <a:cs typeface="Calibri" panose="020F0502020204030204" pitchFamily="34" charset="0"/>
+              </a:rPr>
+              <a:t>abc</a:t>
+            </a:r>
+            <a:r>
+              <a:rPr lang="en-US" sz="2200" dirty="0" smtClean="0">
+                <a:solidFill>
+                  <a:srgbClr val="FC6F0D"/>
+                </a:solidFill>
+                <a:latin typeface="Calibri" panose="020F0502020204030204" pitchFamily="34" charset="0"/>
+                <a:cs typeface="Calibri" panose="020F0502020204030204" pitchFamily="34" charset="0"/>
+              </a:rPr>
+              <a:t>'} }, { upsert:true</a:t>
+            </a:r>
+            <a:r>
+              <a:rPr lang="en-US" sz="2200" dirty="0">
+                <a:solidFill>
+                  <a:srgbClr val="FC6F0D"/>
+                </a:solidFill>
+                <a:latin typeface="Calibri" panose="020F0502020204030204" pitchFamily="34" charset="0"/>
+                <a:cs typeface="Calibri" panose="020F0502020204030204" pitchFamily="34" charset="0"/>
+              </a:rPr>
+              <a:t>,  </a:t>
+            </a:r>
+            <a:r>
+              <a:rPr lang="en-US" sz="2200" dirty="0" smtClean="0">
+                <a:solidFill>
+                  <a:srgbClr val="FC6F0D"/>
+                </a:solidFill>
+                <a:latin typeface="Calibri" panose="020F0502020204030204" pitchFamily="34" charset="0"/>
+                <a:cs typeface="Calibri" panose="020F0502020204030204" pitchFamily="34" charset="0"/>
+              </a:rPr>
+              <a:t>multi:true });</a:t>
+            </a:r>
+          </a:p>
+          <a:p>
+            <a:endParaRPr lang="en-US" sz="800" dirty="0" smtClean="0">
+              <a:solidFill>
+                <a:srgbClr val="FC6F0D"/>
+              </a:solidFill>
+              <a:latin typeface="Calibri" panose="020F0502020204030204" pitchFamily="34" charset="0"/>
+              <a:cs typeface="Calibri" panose="020F0502020204030204" pitchFamily="34" charset="0"/>
+            </a:endParaRPr>
+          </a:p>
+          <a:p>
+            <a:r>
+              <a:rPr lang="en-US" sz="2200" dirty="0">
+                <a:solidFill>
+                  <a:srgbClr val="FC6F0D"/>
+                </a:solidFill>
+                <a:latin typeface="Calibri" panose="020F0502020204030204" pitchFamily="34" charset="0"/>
+                <a:cs typeface="Calibri" panose="020F0502020204030204" pitchFamily="34" charset="0"/>
+              </a:rPr>
+              <a:t>db.e.update({ename:'saleel</a:t>
+            </a:r>
+            <a:r>
+              <a:rPr lang="en-US" sz="2200" dirty="0" smtClean="0">
+                <a:solidFill>
+                  <a:srgbClr val="FC6F0D"/>
+                </a:solidFill>
+                <a:latin typeface="Calibri" panose="020F0502020204030204" pitchFamily="34" charset="0"/>
+                <a:cs typeface="Calibri" panose="020F0502020204030204" pitchFamily="34" charset="0"/>
+              </a:rPr>
+              <a:t>'}, { $</a:t>
+            </a:r>
+            <a:r>
+              <a:rPr lang="en-US" sz="2200" dirty="0">
+                <a:solidFill>
+                  <a:srgbClr val="FC6F0D"/>
+                </a:solidFill>
+                <a:latin typeface="Calibri" panose="020F0502020204030204" pitchFamily="34" charset="0"/>
+                <a:cs typeface="Calibri" panose="020F0502020204030204" pitchFamily="34" charset="0"/>
+              </a:rPr>
+              <a:t>set:{ size:'small', color</a:t>
+            </a:r>
+            <a:r>
+              <a:rPr lang="en-US" sz="2200" dirty="0" smtClean="0">
+                <a:solidFill>
+                  <a:srgbClr val="FC6F0D"/>
+                </a:solidFill>
+                <a:latin typeface="Calibri" panose="020F0502020204030204" pitchFamily="34" charset="0"/>
+                <a:cs typeface="Calibri" panose="020F0502020204030204" pitchFamily="34" charset="0"/>
+              </a:rPr>
+              <a:t>: [</a:t>
+            </a:r>
+            <a:r>
+              <a:rPr lang="en-US" sz="2200" dirty="0">
+                <a:solidFill>
+                  <a:srgbClr val="FC6F0D"/>
+                </a:solidFill>
+                <a:latin typeface="Calibri" panose="020F0502020204030204" pitchFamily="34" charset="0"/>
+                <a:cs typeface="Calibri" panose="020F0502020204030204" pitchFamily="34" charset="0"/>
+              </a:rPr>
+              <a:t>'red</a:t>
+            </a:r>
+            <a:r>
+              <a:rPr lang="en-US" sz="2200" dirty="0" smtClean="0">
+                <a:solidFill>
+                  <a:srgbClr val="FC6F0D"/>
+                </a:solidFill>
+                <a:latin typeface="Calibri" panose="020F0502020204030204" pitchFamily="34" charset="0"/>
+                <a:cs typeface="Calibri" panose="020F0502020204030204" pitchFamily="34" charset="0"/>
+              </a:rPr>
+              <a:t>', 'blue</a:t>
+            </a:r>
+            <a:r>
+              <a:rPr lang="en-US" sz="2200" dirty="0">
+                <a:solidFill>
+                  <a:srgbClr val="FC6F0D"/>
+                </a:solidFill>
+                <a:latin typeface="Calibri" panose="020F0502020204030204" pitchFamily="34" charset="0"/>
+                <a:cs typeface="Calibri" panose="020F0502020204030204" pitchFamily="34" charset="0"/>
+              </a:rPr>
+              <a:t>'</a:t>
+            </a:r>
+            <a:r>
+              <a:rPr lang="en-US" sz="2200" dirty="0" smtClean="0">
+                <a:solidFill>
+                  <a:srgbClr val="FC6F0D"/>
+                </a:solidFill>
+                <a:latin typeface="Calibri" panose="020F0502020204030204" pitchFamily="34" charset="0"/>
+                <a:cs typeface="Calibri" panose="020F0502020204030204" pitchFamily="34" charset="0"/>
+              </a:rPr>
+              <a:t>] } }, { multi:true} );</a:t>
+            </a:r>
+            <a:endParaRPr lang="en-US" sz="2200" dirty="0">
+              <a:solidFill>
+                <a:srgbClr val="FC6F0D"/>
+              </a:solidFill>
+              <a:latin typeface="Calibri" panose="020F0502020204030204" pitchFamily="34" charset="0"/>
+              <a:cs typeface="Calibri" panose="020F0502020204030204" pitchFamily="34" charset="0"/>
+            </a:endParaRPr>
+          </a:p>
+        </p:txBody>
+      </p:sp>
+      <p:sp>
+        <p:nvSpPr>
           <p:cNvPr id="5" name="Rectangle 4"/>
           <p:cNvSpPr/>
           <p:nvPr/>
         </p:nvSpPr>
         <p:spPr>
           <a:xfrm>
-            <a:off x="32657" y="2129227"/>
+            <a:off x="32657" y="2688848"/>
             <a:ext cx="8962155" cy="369332"/>
           </a:xfrm>
           <a:prstGeom prst="rect">
@@ -22711,141 +23112,7 @@
                 </a:solidFill>
                 <a:latin typeface="Consolas" panose="020B0609020204030204" pitchFamily="49" charset="0"/>
               </a:rPr>
-              <a:t>$set: { reorder: true } }, { </a:t>
-            </a:r>
-            <a:r>
-              <a:rPr lang="en-US" dirty="0" smtClean="0">
-                <a:solidFill>
-                  <a:srgbClr val="B22251"/>
-                </a:solidFill>
-                <a:latin typeface="Consolas" panose="020B0609020204030204" pitchFamily="49" charset="0"/>
-              </a:rPr>
-              <a:t>upsert</a:t>
-            </a:r>
-            <a:r>
-              <a:rPr lang="en-US" dirty="0">
-                <a:solidFill>
-                  <a:srgbClr val="B22251"/>
-                </a:solidFill>
-                <a:latin typeface="Consolas" panose="020B0609020204030204" pitchFamily="49" charset="0"/>
-              </a:rPr>
-              <a:t>: true }</a:t>
-            </a:r>
-          </a:p>
-        </p:txBody>
-      </p:sp>
-      <p:sp>
-        <p:nvSpPr>
-          <p:cNvPr id="2" name="Rectangle 1"/>
-          <p:cNvSpPr/>
-          <p:nvPr/>
-        </p:nvSpPr>
-        <p:spPr>
-          <a:xfrm>
-            <a:off x="149188" y="3050086"/>
-            <a:ext cx="8845624" cy="769441"/>
-          </a:xfrm>
-          <a:prstGeom prst="rect">
-            <a:avLst/>
-          </a:prstGeom>
-        </p:spPr>
-        <p:txBody>
-          <a:bodyPr wrap="square">
-            <a:spAutoFit/>
-          </a:bodyPr>
-          <a:lstStyle/>
-          <a:p>
-            <a:r>
-              <a:rPr lang="en-US" sz="2200" dirty="0">
-                <a:solidFill>
-                  <a:srgbClr val="FC6F0D"/>
-                </a:solidFill>
-                <a:latin typeface="Calibri" panose="020F0502020204030204" pitchFamily="34" charset="0"/>
-                <a:cs typeface="Calibri" panose="020F0502020204030204" pitchFamily="34" charset="0"/>
-              </a:rPr>
-              <a:t>db.e.updateOne({ename:'saleel1</a:t>
-            </a:r>
-            <a:r>
-              <a:rPr lang="en-US" sz="2200" dirty="0" smtClean="0">
-                <a:solidFill>
-                  <a:srgbClr val="FC6F0D"/>
-                </a:solidFill>
-                <a:latin typeface="Calibri" panose="020F0502020204030204" pitchFamily="34" charset="0"/>
-                <a:cs typeface="Calibri" panose="020F0502020204030204" pitchFamily="34" charset="0"/>
-              </a:rPr>
-              <a:t>'}, {$</a:t>
-            </a:r>
-            <a:r>
-              <a:rPr lang="en-US" sz="2200" dirty="0">
-                <a:solidFill>
-                  <a:srgbClr val="FC6F0D"/>
-                </a:solidFill>
-                <a:latin typeface="Calibri" panose="020F0502020204030204" pitchFamily="34" charset="0"/>
-                <a:cs typeface="Calibri" panose="020F0502020204030204" pitchFamily="34" charset="0"/>
-              </a:rPr>
-              <a:t>set: {job:'A</a:t>
-            </a:r>
-            <a:r>
-              <a:rPr lang="en-US" sz="2200" dirty="0" smtClean="0">
-                <a:solidFill>
-                  <a:srgbClr val="FC6F0D"/>
-                </a:solidFill>
-                <a:latin typeface="Calibri" panose="020F0502020204030204" pitchFamily="34" charset="0"/>
-                <a:cs typeface="Calibri" panose="020F0502020204030204" pitchFamily="34" charset="0"/>
-              </a:rPr>
-              <a:t>'}})</a:t>
-            </a:r>
-          </a:p>
-          <a:p>
-            <a:r>
-              <a:rPr lang="en-US" sz="2200" dirty="0">
-                <a:solidFill>
-                  <a:srgbClr val="FC6F0D"/>
-                </a:solidFill>
-                <a:latin typeface="Calibri" panose="020F0502020204030204" pitchFamily="34" charset="0"/>
-                <a:cs typeface="Calibri" panose="020F0502020204030204" pitchFamily="34" charset="0"/>
-              </a:rPr>
-              <a:t>db.e.updateOne({ename:'saleel2</a:t>
-            </a:r>
-            <a:r>
-              <a:rPr lang="en-US" sz="2200" dirty="0" smtClean="0">
-                <a:solidFill>
-                  <a:srgbClr val="FC6F0D"/>
-                </a:solidFill>
-                <a:latin typeface="Calibri" panose="020F0502020204030204" pitchFamily="34" charset="0"/>
-                <a:cs typeface="Calibri" panose="020F0502020204030204" pitchFamily="34" charset="0"/>
-              </a:rPr>
-              <a:t>'}, {$</a:t>
-            </a:r>
-            <a:r>
-              <a:rPr lang="en-US" sz="2200" dirty="0">
-                <a:solidFill>
-                  <a:srgbClr val="FC6F0D"/>
-                </a:solidFill>
-                <a:latin typeface="Calibri" panose="020F0502020204030204" pitchFamily="34" charset="0"/>
-                <a:cs typeface="Calibri" panose="020F0502020204030204" pitchFamily="34" charset="0"/>
-              </a:rPr>
-              <a:t>set: {job:'A</a:t>
-            </a:r>
-            <a:r>
-              <a:rPr lang="en-US" sz="2200" dirty="0" smtClean="0">
-                <a:solidFill>
-                  <a:srgbClr val="FC6F0D"/>
-                </a:solidFill>
-                <a:latin typeface="Calibri" panose="020F0502020204030204" pitchFamily="34" charset="0"/>
-                <a:cs typeface="Calibri" panose="020F0502020204030204" pitchFamily="34" charset="0"/>
-              </a:rPr>
-              <a:t>'}}, { </a:t>
-            </a:r>
-            <a:r>
-              <a:rPr lang="en-US" sz="2200" dirty="0">
-                <a:solidFill>
-                  <a:srgbClr val="FC6F0D"/>
-                </a:solidFill>
-                <a:latin typeface="Calibri" panose="020F0502020204030204" pitchFamily="34" charset="0"/>
-                <a:cs typeface="Calibri" panose="020F0502020204030204" pitchFamily="34" charset="0"/>
-              </a:rPr>
-              <a:t>upsert: true })</a:t>
+              <a:t>$set: { reorder: true } }, { multi: true, upsert: true }</a:t>
             </a:r>
           </a:p>
         </p:txBody>
@@ -22853,7 +23120,7 @@
     </p:spTree>
     <p:extLst>
       <p:ext uri="{BB962C8B-B14F-4D97-AF65-F5344CB8AC3E}">
-        <p14:creationId xmlns:p14="http://schemas.microsoft.com/office/powerpoint/2010/main" val="3916522350"/>
+        <p14:creationId xmlns:p14="http://schemas.microsoft.com/office/powerpoint/2010/main" val="2473691024"/>
       </p:ext>
     </p:extLst>
   </p:cSld>
@@ -22927,8 +23194,12 @@
           </a:lstStyle>
           <a:p>
             <a:r>
+              <a:rPr lang="en-IN" dirty="0"/>
+              <a:t>db.collection.updateOne</a:t>
+            </a:r>
+            <a:r>
               <a:rPr lang="en-IN" dirty="0" smtClean="0"/>
-              <a:t>db.collection.updateMany()</a:t>
+              <a:t>()</a:t>
             </a:r>
             <a:endParaRPr lang="en-US" dirty="0"/>
           </a:p>
@@ -22977,18 +23248,18 @@
     </p:spTree>
     <p:extLst>
       <p:ext uri="{BB962C8B-B14F-4D97-AF65-F5344CB8AC3E}">
-        <p14:creationId xmlns:p14="http://schemas.microsoft.com/office/powerpoint/2010/main" val="2237058823"/>
+        <p14:creationId xmlns:p14="http://schemas.microsoft.com/office/powerpoint/2010/main" val="2191941974"/>
       </p:ext>
     </p:extLst>
   </p:cSld>
   <p:clrMapOvr>
     <a:masterClrMapping/>
   </p:clrMapOvr>
-  <mc:AlternateContent xmlns:mc="http://schemas.openxmlformats.org/markup-compatibility/2006">
-    <mc:Choice xmlns:p14="http://schemas.microsoft.com/office/powerpoint/2010/main" Requires="p14">
+  <mc:AlternateContent xmlns:mc="http://schemas.openxmlformats.org/markup-compatibility/2006" xmlns:p14="http://schemas.microsoft.com/office/powerpoint/2010/main">
+    <mc:Choice Requires="p14">
       <p:transition spd="slow" p14:dur="2000"/>
     </mc:Choice>
-    <mc:Fallback>
+    <mc:Fallback xmlns="">
       <p:transition spd="slow"/>
     </mc:Fallback>
   </mc:AlternateContent>
@@ -23051,22 +23322,15 @@
               </a:spcBef>
             </a:pPr>
             <a:r>
-              <a:rPr lang="en-IN" sz="3200" b="1" i="1" dirty="0" smtClean="0">
+              <a:rPr lang="en-IN" sz="3200" b="1" i="1" dirty="0">
                 <a:solidFill>
                   <a:srgbClr val="FFFF00"/>
                 </a:solidFill>
                 <a:latin typeface="Arial" pitchFamily="34" charset="0"/>
                 <a:cs typeface="Arial" pitchFamily="34" charset="0"/>
               </a:rPr>
-              <a:t>db.collection.updateMany()</a:t>
-            </a:r>
-            <a:endParaRPr lang="en-IN" sz="3200" b="1" i="1" dirty="0">
-              <a:solidFill>
-                <a:srgbClr val="FFFF00"/>
-              </a:solidFill>
-              <a:latin typeface="Arial" pitchFamily="34" charset="0"/>
-              <a:cs typeface="Arial" pitchFamily="34" charset="0"/>
-            </a:endParaRPr>
+              <a:t>db.collection.updateOne()</a:t>
+            </a:r>
           </a:p>
         </p:txBody>
       </p:sp>
@@ -23121,6 +23385,16 @@
           <a:lstStyle/>
           <a:p>
             <a:r>
+              <a:rPr lang="en-US" dirty="0">
+                <a:solidFill>
+                  <a:srgbClr val="049DC8"/>
+                </a:solidFill>
+                <a:latin typeface="Consolas" panose="020B0609020204030204" pitchFamily="49" charset="0"/>
+                <a:cs typeface="Calibri" panose="020F0502020204030204" pitchFamily="34" charset="0"/>
+              </a:rPr>
+              <a:t>db.collection.updateOne</a:t>
+            </a:r>
+            <a:r>
               <a:rPr lang="en-US" dirty="0" smtClean="0">
                 <a:solidFill>
                   <a:srgbClr val="049DC8"/>
@@ -23128,7 +23402,7 @@
                 <a:latin typeface="Consolas" panose="020B0609020204030204" pitchFamily="49" charset="0"/>
                 <a:cs typeface="Calibri" panose="020F0502020204030204" pitchFamily="34" charset="0"/>
               </a:rPr>
-              <a:t>db.collection.updateMany({filter}, </a:t>
+              <a:t>({filter}, </a:t>
             </a:r>
             <a:r>
               <a:rPr lang="en-IN" dirty="0">
@@ -23259,7 +23533,7 @@
                 <a:latin typeface="Calibri" panose="020F0502020204030204" pitchFamily="34" charset="0"/>
                 <a:cs typeface="Calibri" panose="020F0502020204030204" pitchFamily="34" charset="0"/>
               </a:rPr>
-              <a:t> db.e.updateMany({sal: {$gt:2000}}, {$set</a:t>
+              <a:t>db.e.updateOne({ename:'saleel1</a:t>
             </a:r>
             <a:r>
               <a:rPr lang="en-US" sz="2200" dirty="0" smtClean="0">
@@ -23269,7 +23543,7 @@
                 <a:latin typeface="Calibri" panose="020F0502020204030204" pitchFamily="34" charset="0"/>
                 <a:cs typeface="Calibri" panose="020F0502020204030204" pitchFamily="34" charset="0"/>
               </a:rPr>
-              <a:t>: { color: [</a:t>
+              <a:t>'}, {$</a:t>
             </a:r>
             <a:r>
               <a:rPr lang="en-US" sz="2200" dirty="0">
@@ -23279,7 +23553,7 @@
                 <a:latin typeface="Calibri" panose="020F0502020204030204" pitchFamily="34" charset="0"/>
                 <a:cs typeface="Calibri" panose="020F0502020204030204" pitchFamily="34" charset="0"/>
               </a:rPr>
-              <a:t>'red</a:t>
+              <a:t>set: {job:'A</a:t>
             </a:r>
             <a:r>
               <a:rPr lang="en-US" sz="2200" dirty="0" smtClean="0">
@@ -23289,8 +23563,10 @@
                 <a:latin typeface="Calibri" panose="020F0502020204030204" pitchFamily="34" charset="0"/>
                 <a:cs typeface="Calibri" panose="020F0502020204030204" pitchFamily="34" charset="0"/>
               </a:rPr>
-              <a:t>', 'yellow', 'green', 'blue'] } }, </a:t>
-            </a:r>
+              <a:t>'}})</a:t>
+            </a:r>
+          </a:p>
+          <a:p>
             <a:r>
               <a:rPr lang="en-US" sz="2200" dirty="0">
                 <a:solidFill>
@@ -23299,7 +23575,7 @@
                 <a:latin typeface="Calibri" panose="020F0502020204030204" pitchFamily="34" charset="0"/>
                 <a:cs typeface="Calibri" panose="020F0502020204030204" pitchFamily="34" charset="0"/>
               </a:rPr>
-              <a:t>{upsert:true</a:t>
+              <a:t>db.e.updateOne({ename:'saleel2</a:t>
             </a:r>
             <a:r>
               <a:rPr lang="en-US" sz="2200" dirty="0" smtClean="0">
@@ -23309,22 +23585,45 @@
                 <a:latin typeface="Calibri" panose="020F0502020204030204" pitchFamily="34" charset="0"/>
                 <a:cs typeface="Calibri" panose="020F0502020204030204" pitchFamily="34" charset="0"/>
               </a:rPr>
-              <a:t>});</a:t>
-            </a:r>
-            <a:endParaRPr lang="en-US" sz="2200" dirty="0">
-              <a:solidFill>
-                <a:srgbClr val="FC6F0D"/>
-              </a:solidFill>
-              <a:latin typeface="Calibri" panose="020F0502020204030204" pitchFamily="34" charset="0"/>
-              <a:cs typeface="Calibri" panose="020F0502020204030204" pitchFamily="34" charset="0"/>
-            </a:endParaRPr>
+              <a:t>'}, {$</a:t>
+            </a:r>
+            <a:r>
+              <a:rPr lang="en-US" sz="2200" dirty="0">
+                <a:solidFill>
+                  <a:srgbClr val="FC6F0D"/>
+                </a:solidFill>
+                <a:latin typeface="Calibri" panose="020F0502020204030204" pitchFamily="34" charset="0"/>
+                <a:cs typeface="Calibri" panose="020F0502020204030204" pitchFamily="34" charset="0"/>
+              </a:rPr>
+              <a:t>set: {job:'A</a:t>
+            </a:r>
+            <a:r>
+              <a:rPr lang="en-US" sz="2200" dirty="0" smtClean="0">
+                <a:solidFill>
+                  <a:srgbClr val="FC6F0D"/>
+                </a:solidFill>
+                <a:latin typeface="Calibri" panose="020F0502020204030204" pitchFamily="34" charset="0"/>
+                <a:cs typeface="Calibri" panose="020F0502020204030204" pitchFamily="34" charset="0"/>
+              </a:rPr>
+              <a:t>'}}, { </a:t>
+            </a:r>
+            <a:r>
+              <a:rPr lang="en-US" sz="2200" dirty="0">
+                <a:solidFill>
+                  <a:srgbClr val="FC6F0D"/>
+                </a:solidFill>
+                <a:latin typeface="Calibri" panose="020F0502020204030204" pitchFamily="34" charset="0"/>
+                <a:cs typeface="Calibri" panose="020F0502020204030204" pitchFamily="34" charset="0"/>
+              </a:rPr>
+              <a:t>upsert: true })</a:t>
+            </a:r>
           </a:p>
         </p:txBody>
       </p:sp>
     </p:spTree>
     <p:extLst>
       <p:ext uri="{BB962C8B-B14F-4D97-AF65-F5344CB8AC3E}">
-        <p14:creationId xmlns:p14="http://schemas.microsoft.com/office/powerpoint/2010/main" val="3787651064"/>
+        <p14:creationId xmlns:p14="http://schemas.microsoft.com/office/powerpoint/2010/main" val="3916522350"/>
       </p:ext>
     </p:extLst>
   </p:cSld>
@@ -23398,8 +23697,8 @@
           </a:lstStyle>
           <a:p>
             <a:r>
-              <a:rPr lang="en-IN" dirty="0"/>
-              <a:t>db.collection.deleteOne()</a:t>
+              <a:rPr lang="en-IN" dirty="0" smtClean="0"/>
+              <a:t>db.collection.updateMany()</a:t>
             </a:r>
             <a:endParaRPr lang="en-US" dirty="0"/>
           </a:p>
@@ -23448,7 +23747,7 @@
     </p:spTree>
     <p:extLst>
       <p:ext uri="{BB962C8B-B14F-4D97-AF65-F5344CB8AC3E}">
-        <p14:creationId xmlns:p14="http://schemas.microsoft.com/office/powerpoint/2010/main" val="3719896549"/>
+        <p14:creationId xmlns:p14="http://schemas.microsoft.com/office/powerpoint/2010/main" val="2237058823"/>
       </p:ext>
     </p:extLst>
   </p:cSld>
@@ -23654,15 +23953,22 @@
               </a:spcBef>
             </a:pPr>
             <a:r>
-              <a:rPr lang="en-IN" sz="3200" b="1" i="1" dirty="0">
+              <a:rPr lang="en-IN" sz="3200" b="1" i="1" dirty="0" smtClean="0">
                 <a:solidFill>
                   <a:srgbClr val="FFFF00"/>
                 </a:solidFill>
                 <a:latin typeface="Arial" pitchFamily="34" charset="0"/>
                 <a:cs typeface="Arial" pitchFamily="34" charset="0"/>
               </a:rPr>
-              <a:t>db.collection.deleteOne()</a:t>
-            </a:r>
+              <a:t>db.collection.updateMany()</a:t>
+            </a:r>
+            <a:endParaRPr lang="en-IN" sz="3200" b="1" i="1" dirty="0">
+              <a:solidFill>
+                <a:srgbClr val="FFFF00"/>
+              </a:solidFill>
+              <a:latin typeface="Arial" pitchFamily="34" charset="0"/>
+              <a:cs typeface="Arial" pitchFamily="34" charset="0"/>
+            </a:endParaRPr>
           </a:p>
         </p:txBody>
       </p:sp>
@@ -23675,7 +23981,7 @@
         <p:spPr>
           <a:xfrm>
             <a:off x="149188" y="762000"/>
-            <a:ext cx="8845624" cy="646331"/>
+            <a:ext cx="8845624" cy="369332"/>
           </a:xfrm>
           <a:prstGeom prst="rect">
             <a:avLst/>
@@ -23689,7 +23995,7 @@
           <a:p>
             <a:r>
               <a:rPr lang="en-US" dirty="0"/>
-              <a:t>Removes a single document from a collection. Specify an empty document { } to delete the first document returned in the collection.</a:t>
+              <a:t>Updates a single document within the collection based on the filter.</a:t>
             </a:r>
             <a:endParaRPr lang="en-IN" dirty="0"/>
           </a:p>
@@ -23703,7 +24009,7 @@
         </p:nvSpPr>
         <p:spPr>
           <a:xfrm>
-            <a:off x="154136" y="1611868"/>
+            <a:off x="154136" y="1459468"/>
             <a:ext cx="8761264" cy="369332"/>
           </a:xfrm>
           <a:prstGeom prst="rect">
@@ -23724,7 +24030,37 @@
                 <a:latin typeface="Consolas" panose="020B0609020204030204" pitchFamily="49" charset="0"/>
                 <a:cs typeface="Calibri" panose="020F0502020204030204" pitchFamily="34" charset="0"/>
               </a:rPr>
-              <a:t>db.collection.deleteOne({&lt;filter&gt;})</a:t>
+              <a:t>db.collection.updateMany({filter}, </a:t>
+            </a:r>
+            <a:r>
+              <a:rPr lang="en-IN" dirty="0">
+                <a:solidFill>
+                  <a:srgbClr val="049DC8"/>
+                </a:solidFill>
+                <a:latin typeface="Consolas" panose="020B0609020204030204" pitchFamily="49" charset="0"/>
+                <a:cs typeface="Calibri" panose="020F0502020204030204" pitchFamily="34" charset="0"/>
+              </a:rPr>
+              <a:t>{$set:{update</a:t>
+            </a:r>
+            <a:r>
+              <a:rPr lang="en-IN" dirty="0" smtClean="0">
+                <a:solidFill>
+                  <a:srgbClr val="049DC8"/>
+                </a:solidFill>
+                <a:latin typeface="Consolas" panose="020B0609020204030204" pitchFamily="49" charset="0"/>
+                <a:cs typeface="Calibri" panose="020F0502020204030204" pitchFamily="34" charset="0"/>
+              </a:rPr>
+              <a:t>} }</a:t>
+            </a:r>
+            <a:r>
+              <a:rPr lang="en-US" dirty="0" smtClean="0">
+                <a:solidFill>
+                  <a:srgbClr val="049DC8"/>
+                </a:solidFill>
+                <a:latin typeface="Consolas" panose="020B0609020204030204" pitchFamily="49" charset="0"/>
+                <a:cs typeface="Calibri" panose="020F0502020204030204" pitchFamily="34" charset="0"/>
+              </a:rPr>
+              <a:t>, {options})</a:t>
             </a:r>
             <a:endParaRPr lang="en-US" dirty="0">
               <a:solidFill>
@@ -23744,8 +24080,8 @@
         </p:nvSpPr>
         <p:spPr>
           <a:xfrm>
-            <a:off x="149188" y="2286000"/>
-            <a:ext cx="8766212" cy="892552"/>
+            <a:off x="32657" y="2129227"/>
+            <a:ext cx="8962155" cy="369332"/>
           </a:xfrm>
           <a:prstGeom prst="rect">
             <a:avLst/>
@@ -23758,6 +24094,76 @@
           <a:lstStyle/>
           <a:p>
             <a:r>
+              <a:rPr lang="en-US" dirty="0" smtClean="0">
+                <a:solidFill>
+                  <a:srgbClr val="B22251"/>
+                </a:solidFill>
+                <a:latin typeface="Consolas" panose="020B0609020204030204" pitchFamily="49" charset="0"/>
+              </a:rPr>
+              <a:t>Options : { </a:t>
+            </a:r>
+            <a:r>
+              <a:rPr lang="en-US" dirty="0">
+                <a:solidFill>
+                  <a:srgbClr val="B22251"/>
+                </a:solidFill>
+                <a:latin typeface="Consolas" panose="020B0609020204030204" pitchFamily="49" charset="0"/>
+              </a:rPr>
+              <a:t>$set: { reorder: true } }, { </a:t>
+            </a:r>
+            <a:r>
+              <a:rPr lang="en-US" dirty="0" smtClean="0">
+                <a:solidFill>
+                  <a:srgbClr val="B22251"/>
+                </a:solidFill>
+                <a:latin typeface="Consolas" panose="020B0609020204030204" pitchFamily="49" charset="0"/>
+              </a:rPr>
+              <a:t>upsert</a:t>
+            </a:r>
+            <a:r>
+              <a:rPr lang="en-US" dirty="0">
+                <a:solidFill>
+                  <a:srgbClr val="B22251"/>
+                </a:solidFill>
+                <a:latin typeface="Consolas" panose="020B0609020204030204" pitchFamily="49" charset="0"/>
+              </a:rPr>
+              <a:t>: true }</a:t>
+            </a:r>
+          </a:p>
+        </p:txBody>
+      </p:sp>
+      <p:sp>
+        <p:nvSpPr>
+          <p:cNvPr id="2" name="Rectangle 1"/>
+          <p:cNvSpPr/>
+          <p:nvPr/>
+        </p:nvSpPr>
+        <p:spPr>
+          <a:xfrm>
+            <a:off x="149188" y="3050086"/>
+            <a:ext cx="8845624" cy="769441"/>
+          </a:xfrm>
+          <a:prstGeom prst="rect">
+            <a:avLst/>
+          </a:prstGeom>
+        </p:spPr>
+        <p:txBody>
+          <a:bodyPr wrap="square">
+            <a:spAutoFit/>
+          </a:bodyPr>
+          <a:lstStyle/>
+          <a:p>
+            <a:r>
+              <a:rPr lang="en-US" sz="2200" dirty="0">
+                <a:solidFill>
+                  <a:srgbClr val="FC6F0D"/>
+                </a:solidFill>
+                <a:latin typeface="Calibri" panose="020F0502020204030204" pitchFamily="34" charset="0"/>
+                <a:cs typeface="Calibri" panose="020F0502020204030204" pitchFamily="34" charset="0"/>
+              </a:rPr>
+              <a:t> db.e.updateMany({sal: {$gt:2000}}, {$set</a:t>
+            </a:r>
+            <a:r>
               <a:rPr lang="en-US" sz="2200" dirty="0" smtClean="0">
                 <a:solidFill>
                   <a:srgbClr val="FC6F0D"/>
@@ -23765,19 +24171,8 @@
                 <a:latin typeface="Calibri" panose="020F0502020204030204" pitchFamily="34" charset="0"/>
                 <a:cs typeface="Calibri" panose="020F0502020204030204" pitchFamily="34" charset="0"/>
               </a:rPr>
-              <a:t>db.emp.deleteOne({})</a:t>
-            </a:r>
-          </a:p>
-          <a:p>
-            <a:endParaRPr lang="en-US" sz="800" dirty="0" smtClean="0">
-              <a:solidFill>
-                <a:srgbClr val="FC6F0D"/>
-              </a:solidFill>
-              <a:latin typeface="Calibri" panose="020F0502020204030204" pitchFamily="34" charset="0"/>
-              <a:cs typeface="Calibri" panose="020F0502020204030204" pitchFamily="34" charset="0"/>
-            </a:endParaRPr>
-          </a:p>
-          <a:p>
+              <a:t>: { color: [</a:t>
+            </a:r>
             <a:r>
               <a:rPr lang="en-US" sz="2200" dirty="0">
                 <a:solidFill>
@@ -23786,7 +24181,7 @@
                 <a:latin typeface="Calibri" panose="020F0502020204030204" pitchFamily="34" charset="0"/>
                 <a:cs typeface="Calibri" panose="020F0502020204030204" pitchFamily="34" charset="0"/>
               </a:rPr>
-              <a:t>db.e.deleteOne({job:'manager</a:t>
+              <a:t>'red</a:t>
             </a:r>
             <a:r>
               <a:rPr lang="en-US" sz="2200" dirty="0" smtClean="0">
@@ -23796,7 +24191,27 @@
                 <a:latin typeface="Calibri" panose="020F0502020204030204" pitchFamily="34" charset="0"/>
                 <a:cs typeface="Calibri" panose="020F0502020204030204" pitchFamily="34" charset="0"/>
               </a:rPr>
-              <a:t>'})</a:t>
+              <a:t>', 'yellow', 'green', 'blue'] } }, </a:t>
+            </a:r>
+            <a:r>
+              <a:rPr lang="en-US" sz="2200" dirty="0">
+                <a:solidFill>
+                  <a:srgbClr val="FC6F0D"/>
+                </a:solidFill>
+                <a:latin typeface="Calibri" panose="020F0502020204030204" pitchFamily="34" charset="0"/>
+                <a:cs typeface="Calibri" panose="020F0502020204030204" pitchFamily="34" charset="0"/>
+              </a:rPr>
+              <a:t>{upsert:true</a:t>
+            </a:r>
+            <a:r>
+              <a:rPr lang="en-US" sz="2200" dirty="0" smtClean="0">
+                <a:solidFill>
+                  <a:srgbClr val="FC6F0D"/>
+                </a:solidFill>
+                <a:latin typeface="Calibri" panose="020F0502020204030204" pitchFamily="34" charset="0"/>
+                <a:cs typeface="Calibri" panose="020F0502020204030204" pitchFamily="34" charset="0"/>
+              </a:rPr>
+              <a:t>});</a:t>
             </a:r>
             <a:endParaRPr lang="en-US" sz="2200" dirty="0">
               <a:solidFill>
@@ -23811,7 +24226,7 @@
     </p:spTree>
     <p:extLst>
       <p:ext uri="{BB962C8B-B14F-4D97-AF65-F5344CB8AC3E}">
-        <p14:creationId xmlns:p14="http://schemas.microsoft.com/office/powerpoint/2010/main" val="3696592824"/>
+        <p14:creationId xmlns:p14="http://schemas.microsoft.com/office/powerpoint/2010/main" val="3787651064"/>
       </p:ext>
     </p:extLst>
   </p:cSld>
@@ -23885,8 +24300,8 @@
           </a:lstStyle>
           <a:p>
             <a:r>
-              <a:rPr lang="en-IN" dirty="0" smtClean="0"/>
-              <a:t>db.collection.deleteMany()</a:t>
+              <a:rPr lang="en-IN" dirty="0"/>
+              <a:t>db.collection.deleteOne()</a:t>
             </a:r>
             <a:endParaRPr lang="en-US" dirty="0"/>
           </a:p>
@@ -23935,7 +24350,7 @@
     </p:spTree>
     <p:extLst>
       <p:ext uri="{BB962C8B-B14F-4D97-AF65-F5344CB8AC3E}">
-        <p14:creationId xmlns:p14="http://schemas.microsoft.com/office/powerpoint/2010/main" val="4110389760"/>
+        <p14:creationId xmlns:p14="http://schemas.microsoft.com/office/powerpoint/2010/main" val="3719896549"/>
       </p:ext>
     </p:extLst>
   </p:cSld>
@@ -24009,22 +24424,15 @@
               </a:spcBef>
             </a:pPr>
             <a:r>
-              <a:rPr lang="en-IN" sz="3200" b="1" i="1" dirty="0" smtClean="0">
+              <a:rPr lang="en-IN" sz="3200" b="1" i="1" dirty="0">
                 <a:solidFill>
                   <a:srgbClr val="FFFF00"/>
                 </a:solidFill>
                 <a:latin typeface="Arial" pitchFamily="34" charset="0"/>
                 <a:cs typeface="Arial" pitchFamily="34" charset="0"/>
               </a:rPr>
-              <a:t>db.collection.deleteMany()</a:t>
-            </a:r>
-            <a:endParaRPr lang="en-IN" sz="3200" b="1" i="1" dirty="0">
-              <a:solidFill>
-                <a:srgbClr val="FFFF00"/>
-              </a:solidFill>
-              <a:latin typeface="Arial" pitchFamily="34" charset="0"/>
-              <a:cs typeface="Arial" pitchFamily="34" charset="0"/>
-            </a:endParaRPr>
+              <a:t>db.collection.deleteOne()</a:t>
+            </a:r>
           </a:p>
         </p:txBody>
       </p:sp>
@@ -24037,7 +24445,7 @@
         <p:spPr>
           <a:xfrm>
             <a:off x="149188" y="762000"/>
-            <a:ext cx="8845624" cy="369332"/>
+            <a:ext cx="8845624" cy="646331"/>
           </a:xfrm>
           <a:prstGeom prst="rect">
             <a:avLst/>
@@ -24051,7 +24459,7 @@
           <a:p>
             <a:r>
               <a:rPr lang="en-US" dirty="0"/>
-              <a:t>Removes all documents that match the filter from a collection.</a:t>
+              <a:t>Removes a single document from a collection. Specify an empty document { } to delete the first document returned in the collection.</a:t>
             </a:r>
             <a:endParaRPr lang="en-IN" dirty="0"/>
           </a:p>
@@ -24086,7 +24494,7 @@
                 <a:latin typeface="Consolas" panose="020B0609020204030204" pitchFamily="49" charset="0"/>
                 <a:cs typeface="Calibri" panose="020F0502020204030204" pitchFamily="34" charset="0"/>
               </a:rPr>
-              <a:t>db.collection.deleteMany({&lt;filter&gt;})</a:t>
+              <a:t>db.collection.deleteOne({&lt;filter&gt;})</a:t>
             </a:r>
             <a:endParaRPr lang="en-US" dirty="0">
               <a:solidFill>
@@ -24120,22 +24528,15 @@
           <a:lstStyle/>
           <a:p>
             <a:r>
-              <a:rPr lang="en-US" sz="2200" dirty="0">
+              <a:rPr lang="en-US" sz="2200" dirty="0" smtClean="0">
                 <a:solidFill>
                   <a:srgbClr val="FC6F0D"/>
                 </a:solidFill>
                 <a:latin typeface="Calibri" panose="020F0502020204030204" pitchFamily="34" charset="0"/>
                 <a:cs typeface="Calibri" panose="020F0502020204030204" pitchFamily="34" charset="0"/>
               </a:rPr>
-              <a:t>db.e.deleteMany({});</a:t>
-            </a:r>
-            <a:endParaRPr lang="en-US" sz="2200" dirty="0" smtClean="0">
-              <a:solidFill>
-                <a:srgbClr val="FC6F0D"/>
-              </a:solidFill>
-              <a:latin typeface="Calibri" panose="020F0502020204030204" pitchFamily="34" charset="0"/>
-              <a:cs typeface="Calibri" panose="020F0502020204030204" pitchFamily="34" charset="0"/>
-            </a:endParaRPr>
+              <a:t>db.emp.deleteOne({})</a:t>
+            </a:r>
           </a:p>
           <a:p>
             <a:endParaRPr lang="en-US" sz="800" dirty="0" smtClean="0">
@@ -24148,24 +24549,14 @@
           </a:p>
           <a:p>
             <a:r>
-              <a:rPr lang="en-US" sz="2200" dirty="0" smtClean="0">
+              <a:rPr lang="en-US" sz="2200" dirty="0">
                 <a:solidFill>
                   <a:srgbClr val="FC6F0D"/>
                 </a:solidFill>
                 <a:latin typeface="Calibri" panose="020F0502020204030204" pitchFamily="34" charset="0"/>
                 <a:cs typeface="Calibri" panose="020F0502020204030204" pitchFamily="34" charset="0"/>
               </a:rPr>
-              <a:t>db.e.deleteMany({</a:t>
-            </a:r>
-            <a:r>
-              <a:rPr lang="en-US" sz="2200" dirty="0">
-                <a:solidFill>
-                  <a:srgbClr val="FC6F0D"/>
-                </a:solidFill>
-                <a:latin typeface="Calibri" panose="020F0502020204030204" pitchFamily="34" charset="0"/>
-                <a:cs typeface="Calibri" panose="020F0502020204030204" pitchFamily="34" charset="0"/>
-              </a:rPr>
-              <a:t>job:'manager</a:t>
+              <a:t>db.e.deleteOne({job:'manager</a:t>
             </a:r>
             <a:r>
               <a:rPr lang="en-US" sz="2200" dirty="0" smtClean="0">
@@ -24190,7 +24581,7 @@
     </p:spTree>
     <p:extLst>
       <p:ext uri="{BB962C8B-B14F-4D97-AF65-F5344CB8AC3E}">
-        <p14:creationId xmlns:p14="http://schemas.microsoft.com/office/powerpoint/2010/main" val="3771916804"/>
+        <p14:creationId xmlns:p14="http://schemas.microsoft.com/office/powerpoint/2010/main" val="3696592824"/>
       </p:ext>
     </p:extLst>
   </p:cSld>
@@ -24226,72 +24617,71 @@
       </p:grpSpPr>
       <p:sp>
         <p:nvSpPr>
-          <p:cNvPr id="6" name="Rectangle 5"/>
-          <p:cNvSpPr/>
-          <p:nvPr/>
-        </p:nvSpPr>
-        <p:spPr>
-          <a:xfrm>
-            <a:off x="0" y="0"/>
-            <a:ext cx="9144000" cy="584775"/>
-          </a:xfrm>
-          <a:prstGeom prst="rect">
-            <a:avLst/>
-          </a:prstGeom>
-          <a:solidFill>
-            <a:schemeClr val="accent4">
-              <a:lumMod val="75000"/>
-            </a:schemeClr>
-          </a:solidFill>
-        </p:spPr>
-        <p:txBody>
-          <a:bodyPr wrap="square">
-            <a:spAutoFit/>
-          </a:bodyPr>
-          <a:lstStyle/>
-          <a:p>
-            <a:pPr algn="r">
+          <p:cNvPr id="2" name="Title 1"/>
+          <p:cNvSpPr txBox="1">
+            <a:spLocks/>
+          </p:cNvSpPr>
+          <p:nvPr/>
+        </p:nvSpPr>
+        <p:spPr>
+          <a:xfrm>
+            <a:off x="152400" y="2057400"/>
+            <a:ext cx="8839200" cy="838200"/>
+          </a:xfrm>
+          <a:prstGeom prst="rect">
+            <a:avLst/>
+          </a:prstGeom>
+        </p:spPr>
+        <p:txBody>
+          <a:bodyPr>
+            <a:noAutofit/>
+          </a:bodyPr>
+          <a:lstStyle>
+            <a:defPPr>
+              <a:defRPr lang="en-US"/>
+            </a:defPPr>
+            <a:lvl1pPr lvl="0" algn="ctr">
               <a:spcBef>
                 <a:spcPct val="0"/>
               </a:spcBef>
-            </a:pPr>
-            <a:r>
-              <a:rPr lang="en-IN" sz="3200" b="1" i="1" dirty="0" smtClean="0">
-                <a:solidFill>
-                  <a:srgbClr val="FFFF00"/>
-                </a:solidFill>
-                <a:latin typeface="Arial" pitchFamily="34" charset="0"/>
-                <a:cs typeface="Arial" pitchFamily="34" charset="0"/>
-              </a:rPr>
-              <a:t>document</a:t>
-            </a:r>
-            <a:r>
-              <a:rPr lang="en-IN" sz="3200" b="1" i="1" dirty="0">
-                <a:solidFill>
-                  <a:srgbClr val="FFFF00"/>
-                </a:solidFill>
-                <a:latin typeface="Arial" pitchFamily="34" charset="0"/>
-                <a:cs typeface="Arial" pitchFamily="34" charset="0"/>
-              </a:rPr>
-              <a:t> </a:t>
-            </a:r>
-          </a:p>
-        </p:txBody>
-      </p:sp>
-      <p:sp>
-        <p:nvSpPr>
-          <p:cNvPr id="7" name="Rectangle 6"/>
+              <a:defRPr sz="4800">
+                <a:solidFill>
+                  <a:srgbClr val="7EEEE3"/>
+                </a:solidFill>
+                <a:latin typeface="Segoe UI Light" panose="020B0502040204020203" pitchFamily="34" charset="0"/>
+                <a:cs typeface="Segoe UI Light" panose="020B0502040204020203" pitchFamily="34" charset="0"/>
+              </a:defRPr>
+            </a:lvl1pPr>
+          </a:lstStyle>
+          <a:p>
+            <a:r>
+              <a:rPr lang="en-IN" dirty="0" smtClean="0"/>
+              <a:t>db.collection.deleteMany()</a:t>
+            </a:r>
+            <a:endParaRPr lang="en-US" dirty="0"/>
+          </a:p>
+        </p:txBody>
+      </p:sp>
+      <p:sp>
+        <p:nvSpPr>
+          <p:cNvPr id="3" name="Rectangle 2"/>
           <p:cNvSpPr/>
           <p:nvPr/>
         </p:nvSpPr>
         <p:spPr>
           <a:xfrm>
-            <a:off x="149188" y="762000"/>
-            <a:ext cx="8845624" cy="369332"/>
-          </a:xfrm>
-          <a:prstGeom prst="rect">
-            <a:avLst/>
-          </a:prstGeom>
+            <a:off x="419100" y="2861953"/>
+            <a:ext cx="8305800" cy="369332"/>
+          </a:xfrm>
+          <a:prstGeom prst="rect">
+            <a:avLst/>
+          </a:prstGeom>
+          <a:solidFill>
+            <a:schemeClr val="accent6">
+              <a:lumMod val="20000"/>
+              <a:lumOff val="80000"/>
+            </a:schemeClr>
+          </a:solidFill>
         </p:spPr>
         <p:txBody>
           <a:bodyPr wrap="square">
@@ -24300,23 +24690,36 @@
           <a:lstStyle/>
           <a:p>
             <a:r>
-              <a:rPr lang="en-US" dirty="0" smtClean="0"/>
+              <a:rPr lang="en-US" dirty="0" smtClean="0">
+                <a:solidFill>
+                  <a:srgbClr val="222222"/>
+                </a:solidFill>
+                <a:latin typeface="arial" panose="020B0604020202020204" pitchFamily="34" charset="0"/>
+              </a:rPr>
               <a:t>TODO</a:t>
             </a:r>
-            <a:endParaRPr lang="en-IN" dirty="0"/>
+            <a:endParaRPr lang="en-US" dirty="0"/>
           </a:p>
         </p:txBody>
       </p:sp>
     </p:spTree>
     <p:extLst>
       <p:ext uri="{BB962C8B-B14F-4D97-AF65-F5344CB8AC3E}">
-        <p14:creationId xmlns:p14="http://schemas.microsoft.com/office/powerpoint/2010/main" val="3587670722"/>
+        <p14:creationId xmlns:p14="http://schemas.microsoft.com/office/powerpoint/2010/main" val="4110389760"/>
       </p:ext>
     </p:extLst>
   </p:cSld>
   <p:clrMapOvr>
     <a:masterClrMapping/>
   </p:clrMapOvr>
+  <mc:AlternateContent xmlns:mc="http://schemas.openxmlformats.org/markup-compatibility/2006" xmlns:p14="http://schemas.microsoft.com/office/powerpoint/2010/main">
+    <mc:Choice Requires="p14">
+      <p:transition spd="slow" p14:dur="2000"/>
+    </mc:Choice>
+    <mc:Fallback xmlns="">
+      <p:transition spd="slow"/>
+    </mc:Fallback>
+  </mc:AlternateContent>
   <p:timing>
     <p:tnLst>
       <p:par>
@@ -24383,28 +24786,15 @@
                 <a:latin typeface="Arial" pitchFamily="34" charset="0"/>
                 <a:cs typeface="Arial" pitchFamily="34" charset="0"/>
               </a:rPr>
-              <a:t>MongoDB</a:t>
-            </a:r>
-            <a:r>
-              <a:rPr lang="en-US" sz="3200" b="1" i="1" dirty="0" smtClean="0">
-                <a:solidFill>
-                  <a:srgbClr val="FFFF00"/>
-                </a:solidFill>
-                <a:latin typeface="Arial" pitchFamily="34" charset="0"/>
-                <a:cs typeface="Arial" pitchFamily="34" charset="0"/>
-              </a:rPr>
-              <a:t> </a:t>
-            </a:r>
-            <a:r>
-              <a:rPr lang="en-IN" sz="3200" b="1" i="1" dirty="0">
-                <a:solidFill>
-                  <a:srgbClr val="FFFF00"/>
-                </a:solidFill>
-                <a:latin typeface="Arial" pitchFamily="34" charset="0"/>
-                <a:cs typeface="Arial" pitchFamily="34" charset="0"/>
-              </a:rPr>
-              <a:t> </a:t>
-            </a:r>
+              <a:t>db.collection.deleteMany()</a:t>
+            </a:r>
+            <a:endParaRPr lang="en-IN" sz="3200" b="1" i="1" dirty="0">
+              <a:solidFill>
+                <a:srgbClr val="FFFF00"/>
+              </a:solidFill>
+              <a:latin typeface="Arial" pitchFamily="34" charset="0"/>
+              <a:cs typeface="Arial" pitchFamily="34" charset="0"/>
+            </a:endParaRPr>
           </a:p>
         </p:txBody>
       </p:sp>
@@ -24430,17 +24820,147 @@
           <a:lstStyle/>
           <a:p>
             <a:r>
-              <a:rPr lang="en-US" dirty="0" smtClean="0"/>
-              <a:t>TODO</a:t>
+              <a:rPr lang="en-US" dirty="0"/>
+              <a:t>Removes all documents that match the filter from a collection.</a:t>
             </a:r>
             <a:endParaRPr lang="en-IN" dirty="0"/>
+          </a:p>
+        </p:txBody>
+      </p:sp>
+      <p:sp>
+        <p:nvSpPr>
+          <p:cNvPr id="8" name="Rectangle 7"/>
+          <p:cNvSpPr/>
+          <p:nvPr/>
+        </p:nvSpPr>
+        <p:spPr>
+          <a:xfrm>
+            <a:off x="154136" y="1611868"/>
+            <a:ext cx="8761264" cy="369332"/>
+          </a:xfrm>
+          <a:prstGeom prst="rect">
+            <a:avLst/>
+          </a:prstGeom>
+        </p:spPr>
+        <p:txBody>
+          <a:bodyPr wrap="square">
+            <a:spAutoFit/>
+          </a:bodyPr>
+          <a:lstStyle/>
+          <a:p>
+            <a:r>
+              <a:rPr lang="en-US" dirty="0" smtClean="0">
+                <a:solidFill>
+                  <a:srgbClr val="049DC8"/>
+                </a:solidFill>
+                <a:latin typeface="Consolas" panose="020B0609020204030204" pitchFamily="49" charset="0"/>
+                <a:cs typeface="Calibri" panose="020F0502020204030204" pitchFamily="34" charset="0"/>
+              </a:rPr>
+              <a:t>db.collection.deleteMany({&lt;filter&gt;})</a:t>
+            </a:r>
+            <a:endParaRPr lang="en-US" dirty="0">
+              <a:solidFill>
+                <a:srgbClr val="049DC8"/>
+              </a:solidFill>
+              <a:latin typeface="Consolas" panose="020B0609020204030204" pitchFamily="49" charset="0"/>
+              <a:cs typeface="Calibri" panose="020F0502020204030204" pitchFamily="34" charset="0"/>
+            </a:endParaRPr>
+          </a:p>
+        </p:txBody>
+      </p:sp>
+      <p:sp>
+        <p:nvSpPr>
+          <p:cNvPr id="5" name="Rectangle 4"/>
+          <p:cNvSpPr/>
+          <p:nvPr/>
+        </p:nvSpPr>
+        <p:spPr>
+          <a:xfrm>
+            <a:off x="149188" y="2286000"/>
+            <a:ext cx="8766212" cy="892552"/>
+          </a:xfrm>
+          <a:prstGeom prst="rect">
+            <a:avLst/>
+          </a:prstGeom>
+        </p:spPr>
+        <p:txBody>
+          <a:bodyPr wrap="square">
+            <a:spAutoFit/>
+          </a:bodyPr>
+          <a:lstStyle/>
+          <a:p>
+            <a:r>
+              <a:rPr lang="en-US" sz="2200" dirty="0">
+                <a:solidFill>
+                  <a:srgbClr val="FC6F0D"/>
+                </a:solidFill>
+                <a:latin typeface="Calibri" panose="020F0502020204030204" pitchFamily="34" charset="0"/>
+                <a:cs typeface="Calibri" panose="020F0502020204030204" pitchFamily="34" charset="0"/>
+              </a:rPr>
+              <a:t>db.e.deleteMany({});</a:t>
+            </a:r>
+            <a:endParaRPr lang="en-US" sz="2200" dirty="0" smtClean="0">
+              <a:solidFill>
+                <a:srgbClr val="FC6F0D"/>
+              </a:solidFill>
+              <a:latin typeface="Calibri" panose="020F0502020204030204" pitchFamily="34" charset="0"/>
+              <a:cs typeface="Calibri" panose="020F0502020204030204" pitchFamily="34" charset="0"/>
+            </a:endParaRPr>
+          </a:p>
+          <a:p>
+            <a:endParaRPr lang="en-US" sz="800" dirty="0" smtClean="0">
+              <a:solidFill>
+                <a:srgbClr val="FC6F0D"/>
+              </a:solidFill>
+              <a:latin typeface="Calibri" panose="020F0502020204030204" pitchFamily="34" charset="0"/>
+              <a:cs typeface="Calibri" panose="020F0502020204030204" pitchFamily="34" charset="0"/>
+            </a:endParaRPr>
+          </a:p>
+          <a:p>
+            <a:r>
+              <a:rPr lang="en-US" sz="2200" dirty="0" smtClean="0">
+                <a:solidFill>
+                  <a:srgbClr val="FC6F0D"/>
+                </a:solidFill>
+                <a:latin typeface="Calibri" panose="020F0502020204030204" pitchFamily="34" charset="0"/>
+                <a:cs typeface="Calibri" panose="020F0502020204030204" pitchFamily="34" charset="0"/>
+              </a:rPr>
+              <a:t>db.e.deleteMany({</a:t>
+            </a:r>
+            <a:r>
+              <a:rPr lang="en-US" sz="2200" dirty="0">
+                <a:solidFill>
+                  <a:srgbClr val="FC6F0D"/>
+                </a:solidFill>
+                <a:latin typeface="Calibri" panose="020F0502020204030204" pitchFamily="34" charset="0"/>
+                <a:cs typeface="Calibri" panose="020F0502020204030204" pitchFamily="34" charset="0"/>
+              </a:rPr>
+              <a:t>job:'manager</a:t>
+            </a:r>
+            <a:r>
+              <a:rPr lang="en-US" sz="2200" dirty="0" smtClean="0">
+                <a:solidFill>
+                  <a:srgbClr val="FC6F0D"/>
+                </a:solidFill>
+                <a:latin typeface="Calibri" panose="020F0502020204030204" pitchFamily="34" charset="0"/>
+                <a:cs typeface="Calibri" panose="020F0502020204030204" pitchFamily="34" charset="0"/>
+              </a:rPr>
+              <a:t>'})</a:t>
+            </a:r>
+            <a:endParaRPr lang="en-US" sz="2200" dirty="0">
+              <a:solidFill>
+                <a:srgbClr val="FC6F0D"/>
+              </a:solidFill>
+              <a:latin typeface="Calibri" panose="020F0502020204030204" pitchFamily="34" charset="0"/>
+              <a:cs typeface="Calibri" panose="020F0502020204030204" pitchFamily="34" charset="0"/>
+            </a:endParaRPr>
           </a:p>
         </p:txBody>
       </p:sp>
     </p:spTree>
     <p:extLst>
       <p:ext uri="{BB962C8B-B14F-4D97-AF65-F5344CB8AC3E}">
-        <p14:creationId xmlns:p14="http://schemas.microsoft.com/office/powerpoint/2010/main" val="250252946"/>
+        <p14:creationId xmlns:p14="http://schemas.microsoft.com/office/powerpoint/2010/main" val="3771916804"/>
       </p:ext>
     </p:extLst>
   </p:cSld>
@@ -24513,17 +25033,7 @@
                 <a:latin typeface="Arial" pitchFamily="34" charset="0"/>
                 <a:cs typeface="Arial" pitchFamily="34" charset="0"/>
               </a:rPr>
-              <a:t>MongoDB</a:t>
-            </a:r>
-            <a:r>
-              <a:rPr lang="en-US" sz="3200" b="1" i="1" dirty="0" smtClean="0">
-                <a:solidFill>
-                  <a:srgbClr val="FFFF00"/>
-                </a:solidFill>
-                <a:latin typeface="Arial" pitchFamily="34" charset="0"/>
-                <a:cs typeface="Arial" pitchFamily="34" charset="0"/>
-              </a:rPr>
-              <a:t> </a:t>
+              <a:t>document</a:t>
             </a:r>
             <a:r>
               <a:rPr lang="en-IN" sz="3200" b="1" i="1" dirty="0">
@@ -24570,7 +25080,7 @@
     </p:spTree>
     <p:extLst>
       <p:ext uri="{BB962C8B-B14F-4D97-AF65-F5344CB8AC3E}">
-        <p14:creationId xmlns:p14="http://schemas.microsoft.com/office/powerpoint/2010/main" val="895975297"/>
+        <p14:creationId xmlns:p14="http://schemas.microsoft.com/office/powerpoint/2010/main" val="3587670722"/>
       </p:ext>
     </p:extLst>
   </p:cSld>
@@ -24700,7 +25210,7 @@
     </p:spTree>
     <p:extLst>
       <p:ext uri="{BB962C8B-B14F-4D97-AF65-F5344CB8AC3E}">
-        <p14:creationId xmlns:p14="http://schemas.microsoft.com/office/powerpoint/2010/main" val="1785036271"/>
+        <p14:creationId xmlns:p14="http://schemas.microsoft.com/office/powerpoint/2010/main" val="250252946"/>
       </p:ext>
     </p:extLst>
   </p:cSld>
@@ -24830,7 +25340,7 @@
     </p:spTree>
     <p:extLst>
       <p:ext uri="{BB962C8B-B14F-4D97-AF65-F5344CB8AC3E}">
-        <p14:creationId xmlns:p14="http://schemas.microsoft.com/office/powerpoint/2010/main" val="2324753550"/>
+        <p14:creationId xmlns:p14="http://schemas.microsoft.com/office/powerpoint/2010/main" val="895975297"/>
       </p:ext>
     </p:extLst>
   </p:cSld>
@@ -24960,7 +25470,7 @@
     </p:spTree>
     <p:extLst>
       <p:ext uri="{BB962C8B-B14F-4D97-AF65-F5344CB8AC3E}">
-        <p14:creationId xmlns:p14="http://schemas.microsoft.com/office/powerpoint/2010/main" val="159175200"/>
+        <p14:creationId xmlns:p14="http://schemas.microsoft.com/office/powerpoint/2010/main" val="1785036271"/>
       </p:ext>
     </p:extLst>
   </p:cSld>
@@ -25090,7 +25600,7 @@
     </p:spTree>
     <p:extLst>
       <p:ext uri="{BB962C8B-B14F-4D97-AF65-F5344CB8AC3E}">
-        <p14:creationId xmlns:p14="http://schemas.microsoft.com/office/powerpoint/2010/main" val="4200858574"/>
+        <p14:creationId xmlns:p14="http://schemas.microsoft.com/office/powerpoint/2010/main" val="2324753550"/>
       </p:ext>
     </p:extLst>
   </p:cSld>
@@ -25526,7 +26036,7 @@
     </p:spTree>
     <p:extLst>
       <p:ext uri="{BB962C8B-B14F-4D97-AF65-F5344CB8AC3E}">
-        <p14:creationId xmlns:p14="http://schemas.microsoft.com/office/powerpoint/2010/main" val="2535387021"/>
+        <p14:creationId xmlns:p14="http://schemas.microsoft.com/office/powerpoint/2010/main" val="159175200"/>
       </p:ext>
     </p:extLst>
   </p:cSld>
@@ -25656,7 +26166,7 @@
     </p:spTree>
     <p:extLst>
       <p:ext uri="{BB962C8B-B14F-4D97-AF65-F5344CB8AC3E}">
-        <p14:creationId xmlns:p14="http://schemas.microsoft.com/office/powerpoint/2010/main" val="3372373110"/>
+        <p14:creationId xmlns:p14="http://schemas.microsoft.com/office/powerpoint/2010/main" val="4200858574"/>
       </p:ext>
     </p:extLst>
   </p:cSld>
@@ -25786,7 +26296,7 @@
     </p:spTree>
     <p:extLst>
       <p:ext uri="{BB962C8B-B14F-4D97-AF65-F5344CB8AC3E}">
-        <p14:creationId xmlns:p14="http://schemas.microsoft.com/office/powerpoint/2010/main" val="1298561359"/>
+        <p14:creationId xmlns:p14="http://schemas.microsoft.com/office/powerpoint/2010/main" val="2535387021"/>
       </p:ext>
     </p:extLst>
   </p:cSld>
@@ -25916,7 +26426,7 @@
     </p:spTree>
     <p:extLst>
       <p:ext uri="{BB962C8B-B14F-4D97-AF65-F5344CB8AC3E}">
-        <p14:creationId xmlns:p14="http://schemas.microsoft.com/office/powerpoint/2010/main" val="2767122750"/>
+        <p14:creationId xmlns:p14="http://schemas.microsoft.com/office/powerpoint/2010/main" val="3372373110"/>
       </p:ext>
     </p:extLst>
   </p:cSld>
@@ -26046,7 +26556,7 @@
     </p:spTree>
     <p:extLst>
       <p:ext uri="{BB962C8B-B14F-4D97-AF65-F5344CB8AC3E}">
-        <p14:creationId xmlns:p14="http://schemas.microsoft.com/office/powerpoint/2010/main" val="3923222660"/>
+        <p14:creationId xmlns:p14="http://schemas.microsoft.com/office/powerpoint/2010/main" val="1298561359"/>
       </p:ext>
     </p:extLst>
   </p:cSld>
@@ -26176,7 +26686,7 @@
     </p:spTree>
     <p:extLst>
       <p:ext uri="{BB962C8B-B14F-4D97-AF65-F5344CB8AC3E}">
-        <p14:creationId xmlns:p14="http://schemas.microsoft.com/office/powerpoint/2010/main" val="166747101"/>
+        <p14:creationId xmlns:p14="http://schemas.microsoft.com/office/powerpoint/2010/main" val="2767122750"/>
       </p:ext>
     </p:extLst>
   </p:cSld>
@@ -26306,7 +26816,7 @@
     </p:spTree>
     <p:extLst>
       <p:ext uri="{BB962C8B-B14F-4D97-AF65-F5344CB8AC3E}">
-        <p14:creationId xmlns:p14="http://schemas.microsoft.com/office/powerpoint/2010/main" val="924942284"/>
+        <p14:creationId xmlns:p14="http://schemas.microsoft.com/office/powerpoint/2010/main" val="3923222660"/>
       </p:ext>
     </p:extLst>
   </p:cSld>
@@ -26436,7 +26946,7 @@
     </p:spTree>
     <p:extLst>
       <p:ext uri="{BB962C8B-B14F-4D97-AF65-F5344CB8AC3E}">
-        <p14:creationId xmlns:p14="http://schemas.microsoft.com/office/powerpoint/2010/main" val="3259065627"/>
+        <p14:creationId xmlns:p14="http://schemas.microsoft.com/office/powerpoint/2010/main" val="166747101"/>
       </p:ext>
     </p:extLst>
   </p:cSld>
@@ -26566,7 +27076,7 @@
     </p:spTree>
     <p:extLst>
       <p:ext uri="{BB962C8B-B14F-4D97-AF65-F5344CB8AC3E}">
-        <p14:creationId xmlns:p14="http://schemas.microsoft.com/office/powerpoint/2010/main" val="3171492564"/>
+        <p14:creationId xmlns:p14="http://schemas.microsoft.com/office/powerpoint/2010/main" val="924942284"/>
       </p:ext>
     </p:extLst>
   </p:cSld>
@@ -26696,7 +27206,7 @@
     </p:spTree>
     <p:extLst>
       <p:ext uri="{BB962C8B-B14F-4D97-AF65-F5344CB8AC3E}">
-        <p14:creationId xmlns:p14="http://schemas.microsoft.com/office/powerpoint/2010/main" val="2780407736"/>
+        <p14:creationId xmlns:p14="http://schemas.microsoft.com/office/powerpoint/2010/main" val="3259065627"/>
       </p:ext>
     </p:extLst>
   </p:cSld>
@@ -27033,7 +27543,7 @@
     </p:spTree>
     <p:extLst>
       <p:ext uri="{BB962C8B-B14F-4D97-AF65-F5344CB8AC3E}">
-        <p14:creationId xmlns:p14="http://schemas.microsoft.com/office/powerpoint/2010/main" val="848474725"/>
+        <p14:creationId xmlns:p14="http://schemas.microsoft.com/office/powerpoint/2010/main" val="3171492564"/>
       </p:ext>
     </p:extLst>
   </p:cSld>
@@ -27163,7 +27673,7 @@
     </p:spTree>
     <p:extLst>
       <p:ext uri="{BB962C8B-B14F-4D97-AF65-F5344CB8AC3E}">
-        <p14:creationId xmlns:p14="http://schemas.microsoft.com/office/powerpoint/2010/main" val="4030158449"/>
+        <p14:creationId xmlns:p14="http://schemas.microsoft.com/office/powerpoint/2010/main" val="2780407736"/>
       </p:ext>
     </p:extLst>
   </p:cSld>
@@ -27293,7 +27803,7 @@
     </p:spTree>
     <p:extLst>
       <p:ext uri="{BB962C8B-B14F-4D97-AF65-F5344CB8AC3E}">
-        <p14:creationId xmlns:p14="http://schemas.microsoft.com/office/powerpoint/2010/main" val="1708605334"/>
+        <p14:creationId xmlns:p14="http://schemas.microsoft.com/office/powerpoint/2010/main" val="848474725"/>
       </p:ext>
     </p:extLst>
   </p:cSld>
@@ -27423,7 +27933,7 @@
     </p:spTree>
     <p:extLst>
       <p:ext uri="{BB962C8B-B14F-4D97-AF65-F5344CB8AC3E}">
-        <p14:creationId xmlns:p14="http://schemas.microsoft.com/office/powerpoint/2010/main" val="1478242473"/>
+        <p14:creationId xmlns:p14="http://schemas.microsoft.com/office/powerpoint/2010/main" val="4030158449"/>
       </p:ext>
     </p:extLst>
   </p:cSld>
@@ -27553,7 +28063,7 @@
     </p:spTree>
     <p:extLst>
       <p:ext uri="{BB962C8B-B14F-4D97-AF65-F5344CB8AC3E}">
-        <p14:creationId xmlns:p14="http://schemas.microsoft.com/office/powerpoint/2010/main" val="2136286712"/>
+        <p14:creationId xmlns:p14="http://schemas.microsoft.com/office/powerpoint/2010/main" val="1708605334"/>
       </p:ext>
     </p:extLst>
   </p:cSld>
@@ -27683,7 +28193,7 @@
     </p:spTree>
     <p:extLst>
       <p:ext uri="{BB962C8B-B14F-4D97-AF65-F5344CB8AC3E}">
-        <p14:creationId xmlns:p14="http://schemas.microsoft.com/office/powerpoint/2010/main" val="160110094"/>
+        <p14:creationId xmlns:p14="http://schemas.microsoft.com/office/powerpoint/2010/main" val="1478242473"/>
       </p:ext>
     </p:extLst>
   </p:cSld>
@@ -27813,7 +28323,7 @@
     </p:spTree>
     <p:extLst>
       <p:ext uri="{BB962C8B-B14F-4D97-AF65-F5344CB8AC3E}">
-        <p14:creationId xmlns:p14="http://schemas.microsoft.com/office/powerpoint/2010/main" val="1060267809"/>
+        <p14:creationId xmlns:p14="http://schemas.microsoft.com/office/powerpoint/2010/main" val="2136286712"/>
       </p:ext>
     </p:extLst>
   </p:cSld>
@@ -27943,7 +28453,7 @@
     </p:spTree>
     <p:extLst>
       <p:ext uri="{BB962C8B-B14F-4D97-AF65-F5344CB8AC3E}">
-        <p14:creationId xmlns:p14="http://schemas.microsoft.com/office/powerpoint/2010/main" val="1137647517"/>
+        <p14:creationId xmlns:p14="http://schemas.microsoft.com/office/powerpoint/2010/main" val="160110094"/>
       </p:ext>
     </p:extLst>
   </p:cSld>
@@ -28073,7 +28583,7 @@
     </p:spTree>
     <p:extLst>
       <p:ext uri="{BB962C8B-B14F-4D97-AF65-F5344CB8AC3E}">
-        <p14:creationId xmlns:p14="http://schemas.microsoft.com/office/powerpoint/2010/main" val="3052086859"/>
+        <p14:creationId xmlns:p14="http://schemas.microsoft.com/office/powerpoint/2010/main" val="1060267809"/>
       </p:ext>
     </p:extLst>
   </p:cSld>
@@ -28203,7 +28713,7 @@
     </p:spTree>
     <p:extLst>
       <p:ext uri="{BB962C8B-B14F-4D97-AF65-F5344CB8AC3E}">
-        <p14:creationId xmlns:p14="http://schemas.microsoft.com/office/powerpoint/2010/main" val="1097272351"/>
+        <p14:creationId xmlns:p14="http://schemas.microsoft.com/office/powerpoint/2010/main" val="1137647517"/>
       </p:ext>
     </p:extLst>
   </p:cSld>

--- a/MongoDB PPT.pptx
+++ b/MongoDB PPT.pptx
@@ -5,7 +5,7 @@
     <p:sldMasterId id="2147483720" r:id="rId1"/>
   </p:sldMasterIdLst>
   <p:notesMasterIdLst>
-    <p:notesMasterId r:id="rId114"/>
+    <p:notesMasterId r:id="rId117"/>
   </p:notesMasterIdLst>
   <p:sldIdLst>
     <p:sldId id="497" r:id="rId2"/>
@@ -86,40 +86,43 @@
     <p:sldId id="1174" r:id="rId77"/>
     <p:sldId id="1175" r:id="rId78"/>
     <p:sldId id="1176" r:id="rId79"/>
-    <p:sldId id="1099" r:id="rId80"/>
-    <p:sldId id="1092" r:id="rId81"/>
-    <p:sldId id="1102" r:id="rId82"/>
-    <p:sldId id="1103" r:id="rId83"/>
-    <p:sldId id="1104" r:id="rId84"/>
-    <p:sldId id="1105" r:id="rId85"/>
-    <p:sldId id="1106" r:id="rId86"/>
-    <p:sldId id="1107" r:id="rId87"/>
-    <p:sldId id="1108" r:id="rId88"/>
-    <p:sldId id="1109" r:id="rId89"/>
-    <p:sldId id="1110" r:id="rId90"/>
-    <p:sldId id="1111" r:id="rId91"/>
-    <p:sldId id="1112" r:id="rId92"/>
-    <p:sldId id="1113" r:id="rId93"/>
-    <p:sldId id="1114" r:id="rId94"/>
-    <p:sldId id="1115" r:id="rId95"/>
-    <p:sldId id="1116" r:id="rId96"/>
-    <p:sldId id="1117" r:id="rId97"/>
-    <p:sldId id="1118" r:id="rId98"/>
-    <p:sldId id="1119" r:id="rId99"/>
-    <p:sldId id="1120" r:id="rId100"/>
-    <p:sldId id="1121" r:id="rId101"/>
-    <p:sldId id="1122" r:id="rId102"/>
-    <p:sldId id="1123" r:id="rId103"/>
-    <p:sldId id="1124" r:id="rId104"/>
-    <p:sldId id="1125" r:id="rId105"/>
-    <p:sldId id="1126" r:id="rId106"/>
-    <p:sldId id="1127" r:id="rId107"/>
-    <p:sldId id="1128" r:id="rId108"/>
-    <p:sldId id="1129" r:id="rId109"/>
-    <p:sldId id="954" r:id="rId110"/>
-    <p:sldId id="788" r:id="rId111"/>
-    <p:sldId id="1071" r:id="rId112"/>
-    <p:sldId id="1087" r:id="rId113"/>
+    <p:sldId id="1200" r:id="rId80"/>
+    <p:sldId id="1201" r:id="rId81"/>
+    <p:sldId id="1099" r:id="rId82"/>
+    <p:sldId id="1092" r:id="rId83"/>
+    <p:sldId id="1202" r:id="rId84"/>
+    <p:sldId id="1102" r:id="rId85"/>
+    <p:sldId id="1103" r:id="rId86"/>
+    <p:sldId id="1104" r:id="rId87"/>
+    <p:sldId id="1105" r:id="rId88"/>
+    <p:sldId id="1106" r:id="rId89"/>
+    <p:sldId id="1107" r:id="rId90"/>
+    <p:sldId id="1108" r:id="rId91"/>
+    <p:sldId id="1109" r:id="rId92"/>
+    <p:sldId id="1110" r:id="rId93"/>
+    <p:sldId id="1111" r:id="rId94"/>
+    <p:sldId id="1112" r:id="rId95"/>
+    <p:sldId id="1113" r:id="rId96"/>
+    <p:sldId id="1114" r:id="rId97"/>
+    <p:sldId id="1115" r:id="rId98"/>
+    <p:sldId id="1116" r:id="rId99"/>
+    <p:sldId id="1117" r:id="rId100"/>
+    <p:sldId id="1118" r:id="rId101"/>
+    <p:sldId id="1119" r:id="rId102"/>
+    <p:sldId id="1120" r:id="rId103"/>
+    <p:sldId id="1121" r:id="rId104"/>
+    <p:sldId id="1122" r:id="rId105"/>
+    <p:sldId id="1123" r:id="rId106"/>
+    <p:sldId id="1124" r:id="rId107"/>
+    <p:sldId id="1125" r:id="rId108"/>
+    <p:sldId id="1126" r:id="rId109"/>
+    <p:sldId id="1127" r:id="rId110"/>
+    <p:sldId id="1128" r:id="rId111"/>
+    <p:sldId id="1129" r:id="rId112"/>
+    <p:sldId id="954" r:id="rId113"/>
+    <p:sldId id="788" r:id="rId114"/>
+    <p:sldId id="1071" r:id="rId115"/>
+    <p:sldId id="1087" r:id="rId116"/>
   </p:sldIdLst>
   <p:sldSz cx="9144000" cy="6858000" type="screen4x3"/>
   <p:notesSz cx="6858000" cy="9144000"/>
@@ -331,7 +334,7 @@
           <a:p>
             <a:fld id="{757F699C-254E-44B6-B18D-E7E82B2FC743}" type="datetimeFigureOut">
               <a:rPr lang="en-IN" smtClean="0"/>
-              <a:t>01-12-2018</a:t>
+              <a:t>03-12-2018</a:t>
             </a:fld>
             <a:endParaRPr lang="en-IN"/>
           </a:p>
@@ -1339,7 +1342,7 @@
             <a:fld id="{52F73076-280E-4994-B9AF-08CB19D7A53F}" type="datetimeFigureOut">
               <a:rPr lang="en-US" smtClean="0"/>
               <a:pPr/>
-              <a:t>12/1/2018</a:t>
+              <a:t>12/3/2018</a:t>
             </a:fld>
             <a:endParaRPr lang="en-US" dirty="0"/>
           </a:p>
@@ -1791,7 +1794,7 @@
             <a:fld id="{52F73076-280E-4994-B9AF-08CB19D7A53F}" type="datetimeFigureOut">
               <a:rPr lang="en-US" smtClean="0"/>
               <a:pPr/>
-              <a:t>12/1/2018</a:t>
+              <a:t>12/3/2018</a:t>
             </a:fld>
             <a:endParaRPr lang="en-US" dirty="0"/>
           </a:p>
@@ -3011,7 +3014,7 @@
             <a:fld id="{52F73076-280E-4994-B9AF-08CB19D7A53F}" type="datetimeFigureOut">
               <a:rPr lang="en-US" smtClean="0"/>
               <a:pPr/>
-              <a:t>12/1/2018</a:t>
+              <a:t>12/3/2018</a:t>
             </a:fld>
             <a:endParaRPr lang="en-US" dirty="0"/>
           </a:p>
@@ -3436,7 +3439,7 @@
             <a:fld id="{52F73076-280E-4994-B9AF-08CB19D7A53F}" type="datetimeFigureOut">
               <a:rPr lang="en-US" smtClean="0"/>
               <a:pPr/>
-              <a:t>12/1/2018</a:t>
+              <a:t>12/3/2018</a:t>
             </a:fld>
             <a:endParaRPr lang="en-US" dirty="0"/>
           </a:p>
@@ -5095,7 +5098,7 @@
     </p:spTree>
     <p:extLst>
       <p:ext uri="{BB962C8B-B14F-4D97-AF65-F5344CB8AC3E}">
-        <p14:creationId xmlns:p14="http://schemas.microsoft.com/office/powerpoint/2010/main" val="2136286712"/>
+        <p14:creationId xmlns:p14="http://schemas.microsoft.com/office/powerpoint/2010/main" val="4030158449"/>
       </p:ext>
     </p:extLst>
   </p:cSld>
@@ -5225,7 +5228,7 @@
     </p:spTree>
     <p:extLst>
       <p:ext uri="{BB962C8B-B14F-4D97-AF65-F5344CB8AC3E}">
-        <p14:creationId xmlns:p14="http://schemas.microsoft.com/office/powerpoint/2010/main" val="160110094"/>
+        <p14:creationId xmlns:p14="http://schemas.microsoft.com/office/powerpoint/2010/main" val="1708605334"/>
       </p:ext>
     </p:extLst>
   </p:cSld>
@@ -5355,7 +5358,7 @@
     </p:spTree>
     <p:extLst>
       <p:ext uri="{BB962C8B-B14F-4D97-AF65-F5344CB8AC3E}">
-        <p14:creationId xmlns:p14="http://schemas.microsoft.com/office/powerpoint/2010/main" val="1060267809"/>
+        <p14:creationId xmlns:p14="http://schemas.microsoft.com/office/powerpoint/2010/main" val="1478242473"/>
       </p:ext>
     </p:extLst>
   </p:cSld>
@@ -5485,7 +5488,7 @@
     </p:spTree>
     <p:extLst>
       <p:ext uri="{BB962C8B-B14F-4D97-AF65-F5344CB8AC3E}">
-        <p14:creationId xmlns:p14="http://schemas.microsoft.com/office/powerpoint/2010/main" val="1137647517"/>
+        <p14:creationId xmlns:p14="http://schemas.microsoft.com/office/powerpoint/2010/main" val="2136286712"/>
       </p:ext>
     </p:extLst>
   </p:cSld>
@@ -5615,7 +5618,7 @@
     </p:spTree>
     <p:extLst>
       <p:ext uri="{BB962C8B-B14F-4D97-AF65-F5344CB8AC3E}">
-        <p14:creationId xmlns:p14="http://schemas.microsoft.com/office/powerpoint/2010/main" val="3052086859"/>
+        <p14:creationId xmlns:p14="http://schemas.microsoft.com/office/powerpoint/2010/main" val="160110094"/>
       </p:ext>
     </p:extLst>
   </p:cSld>
@@ -5745,7 +5748,7 @@
     </p:spTree>
     <p:extLst>
       <p:ext uri="{BB962C8B-B14F-4D97-AF65-F5344CB8AC3E}">
-        <p14:creationId xmlns:p14="http://schemas.microsoft.com/office/powerpoint/2010/main" val="1097272351"/>
+        <p14:creationId xmlns:p14="http://schemas.microsoft.com/office/powerpoint/2010/main" val="1060267809"/>
       </p:ext>
     </p:extLst>
   </p:cSld>
@@ -5875,7 +5878,7 @@
     </p:spTree>
     <p:extLst>
       <p:ext uri="{BB962C8B-B14F-4D97-AF65-F5344CB8AC3E}">
-        <p14:creationId xmlns:p14="http://schemas.microsoft.com/office/powerpoint/2010/main" val="1587220367"/>
+        <p14:creationId xmlns:p14="http://schemas.microsoft.com/office/powerpoint/2010/main" val="1137647517"/>
       </p:ext>
     </p:extLst>
   </p:cSld>
@@ -6005,7 +6008,7 @@
     </p:spTree>
     <p:extLst>
       <p:ext uri="{BB962C8B-B14F-4D97-AF65-F5344CB8AC3E}">
-        <p14:creationId xmlns:p14="http://schemas.microsoft.com/office/powerpoint/2010/main" val="1863467568"/>
+        <p14:creationId xmlns:p14="http://schemas.microsoft.com/office/powerpoint/2010/main" val="3052086859"/>
       </p:ext>
     </p:extLst>
   </p:cSld>
@@ -6135,7 +6138,7 @@
     </p:spTree>
     <p:extLst>
       <p:ext uri="{BB962C8B-B14F-4D97-AF65-F5344CB8AC3E}">
-        <p14:creationId xmlns:p14="http://schemas.microsoft.com/office/powerpoint/2010/main" val="1971192509"/>
+        <p14:creationId xmlns:p14="http://schemas.microsoft.com/office/powerpoint/2010/main" val="1097272351"/>
       </p:ext>
     </p:extLst>
   </p:cSld>
@@ -6171,7 +6174,7 @@
       </p:grpSpPr>
       <p:sp>
         <p:nvSpPr>
-          <p:cNvPr id="4" name="Rectangle 3"/>
+          <p:cNvPr id="6" name="Rectangle 5"/>
           <p:cNvSpPr/>
           <p:nvPr/>
         </p:nvSpPr>
@@ -6184,8 +6187,8 @@
             <a:avLst/>
           </a:prstGeom>
           <a:solidFill>
-            <a:schemeClr val="bg2">
-              <a:lumMod val="10000"/>
+            <a:schemeClr val="accent4">
+              <a:lumMod val="75000"/>
             </a:schemeClr>
           </a:solidFill>
         </p:spPr>
@@ -6195,7 +6198,11 @@
           </a:bodyPr>
           <a:lstStyle/>
           <a:p>
-            <a:pPr algn="r"/>
+            <a:pPr algn="r">
+              <a:spcBef>
+                <a:spcPct val="0"/>
+              </a:spcBef>
+            </a:pPr>
             <a:r>
               <a:rPr lang="en-IN" sz="3200" b="1" i="1" dirty="0" smtClean="0">
                 <a:solidFill>
@@ -6204,27 +6211,40 @@
                 <a:latin typeface="Arial" pitchFamily="34" charset="0"/>
                 <a:cs typeface="Arial" pitchFamily="34" charset="0"/>
               </a:rPr>
-              <a:t>IMP</a:t>
-            </a:r>
-            <a:endParaRPr lang="en-IN" sz="3200" b="1" i="1" dirty="0">
-              <a:solidFill>
-                <a:srgbClr val="FFFF00"/>
-              </a:solidFill>
-              <a:latin typeface="Arial" pitchFamily="34" charset="0"/>
-              <a:cs typeface="Arial" pitchFamily="34" charset="0"/>
-            </a:endParaRPr>
-          </a:p>
-        </p:txBody>
-      </p:sp>
-      <p:sp>
-        <p:nvSpPr>
-          <p:cNvPr id="2" name="Rectangle 1"/>
+              <a:t>MongoDB</a:t>
+            </a:r>
+            <a:r>
+              <a:rPr lang="en-US" sz="3200" b="1" i="1" dirty="0" smtClean="0">
+                <a:solidFill>
+                  <a:srgbClr val="FFFF00"/>
+                </a:solidFill>
+                <a:latin typeface="Arial" pitchFamily="34" charset="0"/>
+                <a:cs typeface="Arial" pitchFamily="34" charset="0"/>
+              </a:rPr>
+              <a:t> </a:t>
+            </a:r>
+            <a:r>
+              <a:rPr lang="en-IN" sz="3200" b="1" i="1" dirty="0">
+                <a:solidFill>
+                  <a:srgbClr val="FFFF00"/>
+                </a:solidFill>
+                <a:latin typeface="Arial" pitchFamily="34" charset="0"/>
+                <a:cs typeface="Arial" pitchFamily="34" charset="0"/>
+              </a:rPr>
+              <a:t> </a:t>
+            </a:r>
+          </a:p>
+        </p:txBody>
+      </p:sp>
+      <p:sp>
+        <p:nvSpPr>
+          <p:cNvPr id="7" name="Rectangle 6"/>
           <p:cNvSpPr/>
           <p:nvPr/>
         </p:nvSpPr>
         <p:spPr>
           <a:xfrm>
-            <a:off x="145976" y="849264"/>
+            <a:off x="149188" y="762000"/>
             <a:ext cx="8845624" cy="369332"/>
           </a:xfrm>
           <a:prstGeom prst="rect">
@@ -6238,153 +6258,17 @@
           <a:lstStyle/>
           <a:p>
             <a:r>
-              <a:rPr lang="en-IN" dirty="0" smtClean="0">
-                <a:solidFill>
-                  <a:srgbClr val="222222"/>
-                </a:solidFill>
-                <a:latin typeface="Verdana" panose="020B0604030504040204" pitchFamily="34" charset="0"/>
-              </a:rPr>
-              <a:t>1. Think </a:t>
-            </a:r>
-            <a:r>
-              <a:rPr lang="en-IN" dirty="0">
-                <a:solidFill>
-                  <a:srgbClr val="222222"/>
-                </a:solidFill>
-                <a:latin typeface="Verdana" panose="020B0604030504040204" pitchFamily="34" charset="0"/>
-              </a:rPr>
-              <a:t>about how multiplication can be done without actually </a:t>
-            </a:r>
-            <a:r>
-              <a:rPr lang="en-IN" dirty="0" smtClean="0">
-                <a:solidFill>
-                  <a:srgbClr val="222222"/>
-                </a:solidFill>
-                <a:latin typeface="Verdana" panose="020B0604030504040204" pitchFamily="34" charset="0"/>
-              </a:rPr>
-              <a:t>multiplying </a:t>
+              <a:rPr lang="en-US" dirty="0" smtClean="0"/>
+              <a:t>TODO</a:t>
             </a:r>
             <a:endParaRPr lang="en-IN" dirty="0"/>
           </a:p>
         </p:txBody>
       </p:sp>
-      <p:sp>
-        <p:nvSpPr>
-          <p:cNvPr id="3" name="TextBox 2"/>
-          <p:cNvSpPr txBox="1"/>
-          <p:nvPr/>
-        </p:nvSpPr>
-        <p:spPr>
-          <a:xfrm>
-            <a:off x="990600" y="2514600"/>
-            <a:ext cx="184731" cy="369332"/>
-          </a:xfrm>
-          <a:prstGeom prst="rect">
-            <a:avLst/>
-          </a:prstGeom>
-          <a:noFill/>
-        </p:spPr>
-        <p:txBody>
-          <a:bodyPr wrap="none" rtlCol="0">
-            <a:spAutoFit/>
-          </a:bodyPr>
-          <a:lstStyle/>
-          <a:p>
-            <a:endParaRPr lang="en-IN" dirty="0"/>
-          </a:p>
-        </p:txBody>
-      </p:sp>
-      <p:pic>
-        <p:nvPicPr>
-          <p:cNvPr id="5" name="Picture 4"/>
-          <p:cNvPicPr>
-            <a:picLocks noChangeAspect="1"/>
-          </p:cNvPicPr>
-          <p:nvPr/>
-        </p:nvPicPr>
-        <p:blipFill>
-          <a:blip r:embed="rId2"/>
-          <a:stretch>
-            <a:fillRect/>
-          </a:stretch>
-        </p:blipFill>
-        <p:spPr>
-          <a:xfrm>
-            <a:off x="304800" y="3700361"/>
-            <a:ext cx="4648200" cy="2471839"/>
-          </a:xfrm>
-          <a:prstGeom prst="rect">
-            <a:avLst/>
-          </a:prstGeom>
-        </p:spPr>
-      </p:pic>
-      <p:sp>
-        <p:nvSpPr>
-          <p:cNvPr id="6" name="Rectangle 5"/>
-          <p:cNvSpPr/>
-          <p:nvPr/>
-        </p:nvSpPr>
-        <p:spPr>
-          <a:xfrm>
-            <a:off x="145976" y="3243552"/>
-            <a:ext cx="1317990" cy="369332"/>
-          </a:xfrm>
-          <a:prstGeom prst="rect">
-            <a:avLst/>
-          </a:prstGeom>
-        </p:spPr>
-        <p:txBody>
-          <a:bodyPr wrap="none">
-            <a:spAutoFit/>
-          </a:bodyPr>
-          <a:lstStyle/>
-          <a:p>
-            <a:r>
-              <a:rPr lang="en-IN" dirty="0" smtClean="0">
-                <a:solidFill>
-                  <a:srgbClr val="222222"/>
-                </a:solidFill>
-                <a:latin typeface="Verdana" panose="020B0604030504040204" pitchFamily="34" charset="0"/>
-              </a:rPr>
-              <a:t>2. Square</a:t>
-            </a:r>
-            <a:endParaRPr lang="en-IN" dirty="0">
-              <a:solidFill>
-                <a:srgbClr val="222222"/>
-              </a:solidFill>
-              <a:latin typeface="Verdana" panose="020B0604030504040204" pitchFamily="34" charset="0"/>
-            </a:endParaRPr>
-          </a:p>
-        </p:txBody>
-      </p:sp>
-      <p:pic>
-        <p:nvPicPr>
-          <p:cNvPr id="8" name="Picture 7"/>
-          <p:cNvPicPr>
-            <a:picLocks noChangeAspect="1"/>
-          </p:cNvPicPr>
-          <p:nvPr/>
-        </p:nvPicPr>
-        <p:blipFill>
-          <a:blip r:embed="rId3"/>
-          <a:stretch>
-            <a:fillRect/>
-          </a:stretch>
-        </p:blipFill>
-        <p:spPr>
-          <a:xfrm>
-            <a:off x="533400" y="1250647"/>
-            <a:ext cx="4495800" cy="1883657"/>
-          </a:xfrm>
-          <a:prstGeom prst="rect">
-            <a:avLst/>
-          </a:prstGeom>
-        </p:spPr>
-      </p:pic>
     </p:spTree>
     <p:extLst>
       <p:ext uri="{BB962C8B-B14F-4D97-AF65-F5344CB8AC3E}">
-        <p14:creationId xmlns:p14="http://schemas.microsoft.com/office/powerpoint/2010/main" val="3391323119"/>
+        <p14:creationId xmlns:p14="http://schemas.microsoft.com/office/powerpoint/2010/main" val="1587220367"/>
       </p:ext>
     </p:extLst>
   </p:cSld>
@@ -6618,61 +6502,25 @@
           <a:chExt cx="0" cy="0"/>
         </a:xfrm>
       </p:grpSpPr>
-      <p:pic>
-        <p:nvPicPr>
-          <p:cNvPr id="1026" name="Picture 2" descr="http://www.bvctch.vn/vnt_upload/weblink/thks.jpg"/>
-          <p:cNvPicPr>
-            <a:picLocks noChangeAspect="1" noChangeArrowheads="1"/>
-          </p:cNvPicPr>
-          <p:nvPr/>
-        </p:nvPicPr>
-        <p:blipFill>
-          <a:blip r:embed="rId2">
-            <a:extLst>
-              <a:ext uri="{28A0092B-C50C-407E-A947-70E740481C1C}">
-                <a14:useLocalDpi xmlns:a14="http://schemas.microsoft.com/office/drawing/2010/main" val="0"/>
-              </a:ext>
-            </a:extLst>
-          </a:blip>
-          <a:srcRect/>
-          <a:stretch>
-            <a:fillRect/>
-          </a:stretch>
-        </p:blipFill>
-        <p:spPr bwMode="auto">
-          <a:xfrm>
-            <a:off x="2895600" y="757237"/>
-            <a:ext cx="3124200" cy="4881563"/>
-          </a:xfrm>
-          <a:prstGeom prst="rect">
-            <a:avLst/>
-          </a:prstGeom>
-          <a:noFill/>
-          <a:extLst>
-            <a:ext uri="{909E8E84-426E-40DD-AFC4-6F175D3DCCD1}">
-              <a14:hiddenFill xmlns:a14="http://schemas.microsoft.com/office/drawing/2010/main">
-                <a:solidFill>
-                  <a:srgbClr val="FFFFFF"/>
-                </a:solidFill>
-              </a14:hiddenFill>
-            </a:ext>
-          </a:extLst>
-        </p:spPr>
-      </p:pic>
-      <p:sp>
-        <p:nvSpPr>
-          <p:cNvPr id="3" name="Rectangle 2"/>
+      <p:sp>
+        <p:nvSpPr>
+          <p:cNvPr id="6" name="Rectangle 5"/>
           <p:cNvSpPr/>
           <p:nvPr/>
         </p:nvSpPr>
         <p:spPr>
           <a:xfrm>
-            <a:off x="304800" y="5105400"/>
-            <a:ext cx="8610600" cy="1077218"/>
-          </a:xfrm>
-          <a:prstGeom prst="rect">
-            <a:avLst/>
-          </a:prstGeom>
+            <a:off x="0" y="0"/>
+            <a:ext cx="9144000" cy="584775"/>
+          </a:xfrm>
+          <a:prstGeom prst="rect">
+            <a:avLst/>
+          </a:prstGeom>
+          <a:solidFill>
+            <a:schemeClr val="accent4">
+              <a:lumMod val="75000"/>
+            </a:schemeClr>
+          </a:solidFill>
         </p:spPr>
         <p:txBody>
           <a:bodyPr wrap="square">
@@ -6680,35 +6528,77 @@
           </a:bodyPr>
           <a:lstStyle/>
           <a:p>
-            <a:pPr algn="ctr"/>
-            <a:r>
-              <a:rPr lang="en-IN" sz="3200" dirty="0">
-                <a:solidFill>
-                  <a:srgbClr val="FE1212"/>
-                </a:solidFill>
-                <a:latin typeface="Segoe Print" panose="02000600000000000000" pitchFamily="2" charset="0"/>
-              </a:rPr>
-              <a:t>"Live as if you were to die tomorrow.</a:t>
-            </a:r>
-          </a:p>
-          <a:p>
-            <a:pPr algn="ctr"/>
-            <a:r>
-              <a:rPr lang="en-IN" sz="3200" dirty="0">
-                <a:solidFill>
-                  <a:srgbClr val="FE1212"/>
-                </a:solidFill>
-                <a:latin typeface="Segoe Print" panose="02000600000000000000" pitchFamily="2" charset="0"/>
-              </a:rPr>
-              <a:t>Learn as if you were to live forever"</a:t>
-            </a:r>
+            <a:pPr algn="r">
+              <a:spcBef>
+                <a:spcPct val="0"/>
+              </a:spcBef>
+            </a:pPr>
+            <a:r>
+              <a:rPr lang="en-IN" sz="3200" b="1" i="1" dirty="0" smtClean="0">
+                <a:solidFill>
+                  <a:srgbClr val="FFFF00"/>
+                </a:solidFill>
+                <a:latin typeface="Arial" pitchFamily="34" charset="0"/>
+                <a:cs typeface="Arial" pitchFamily="34" charset="0"/>
+              </a:rPr>
+              <a:t>MongoDB</a:t>
+            </a:r>
+            <a:r>
+              <a:rPr lang="en-US" sz="3200" b="1" i="1" dirty="0" smtClean="0">
+                <a:solidFill>
+                  <a:srgbClr val="FFFF00"/>
+                </a:solidFill>
+                <a:latin typeface="Arial" pitchFamily="34" charset="0"/>
+                <a:cs typeface="Arial" pitchFamily="34" charset="0"/>
+              </a:rPr>
+              <a:t> </a:t>
+            </a:r>
+            <a:r>
+              <a:rPr lang="en-IN" sz="3200" b="1" i="1" dirty="0">
+                <a:solidFill>
+                  <a:srgbClr val="FFFF00"/>
+                </a:solidFill>
+                <a:latin typeface="Arial" pitchFamily="34" charset="0"/>
+                <a:cs typeface="Arial" pitchFamily="34" charset="0"/>
+              </a:rPr>
+              <a:t> </a:t>
+            </a:r>
+          </a:p>
+        </p:txBody>
+      </p:sp>
+      <p:sp>
+        <p:nvSpPr>
+          <p:cNvPr id="7" name="Rectangle 6"/>
+          <p:cNvSpPr/>
+          <p:nvPr/>
+        </p:nvSpPr>
+        <p:spPr>
+          <a:xfrm>
+            <a:off x="149188" y="762000"/>
+            <a:ext cx="8845624" cy="369332"/>
+          </a:xfrm>
+          <a:prstGeom prst="rect">
+            <a:avLst/>
+          </a:prstGeom>
+        </p:spPr>
+        <p:txBody>
+          <a:bodyPr wrap="square">
+            <a:spAutoFit/>
+          </a:bodyPr>
+          <a:lstStyle/>
+          <a:p>
+            <a:r>
+              <a:rPr lang="en-US" dirty="0" smtClean="0"/>
+              <a:t>TODO</a:t>
+            </a:r>
+            <a:endParaRPr lang="en-IN" dirty="0"/>
           </a:p>
         </p:txBody>
       </p:sp>
     </p:spTree>
     <p:extLst>
       <p:ext uri="{BB962C8B-B14F-4D97-AF65-F5344CB8AC3E}">
-        <p14:creationId xmlns:p14="http://schemas.microsoft.com/office/powerpoint/2010/main" val="1148130326"/>
+        <p14:creationId xmlns:p14="http://schemas.microsoft.com/office/powerpoint/2010/main" val="1863467568"/>
       </p:ext>
     </p:extLst>
   </p:cSld>
@@ -6744,6 +6634,509 @@
       </p:grpSpPr>
       <p:sp>
         <p:nvSpPr>
+          <p:cNvPr id="6" name="Rectangle 5"/>
+          <p:cNvSpPr/>
+          <p:nvPr/>
+        </p:nvSpPr>
+        <p:spPr>
+          <a:xfrm>
+            <a:off x="0" y="0"/>
+            <a:ext cx="9144000" cy="584775"/>
+          </a:xfrm>
+          <a:prstGeom prst="rect">
+            <a:avLst/>
+          </a:prstGeom>
+          <a:solidFill>
+            <a:schemeClr val="accent4">
+              <a:lumMod val="75000"/>
+            </a:schemeClr>
+          </a:solidFill>
+        </p:spPr>
+        <p:txBody>
+          <a:bodyPr wrap="square">
+            <a:spAutoFit/>
+          </a:bodyPr>
+          <a:lstStyle/>
+          <a:p>
+            <a:pPr algn="r">
+              <a:spcBef>
+                <a:spcPct val="0"/>
+              </a:spcBef>
+            </a:pPr>
+            <a:r>
+              <a:rPr lang="en-IN" sz="3200" b="1" i="1" dirty="0" smtClean="0">
+                <a:solidFill>
+                  <a:srgbClr val="FFFF00"/>
+                </a:solidFill>
+                <a:latin typeface="Arial" pitchFamily="34" charset="0"/>
+                <a:cs typeface="Arial" pitchFamily="34" charset="0"/>
+              </a:rPr>
+              <a:t>MongoDB</a:t>
+            </a:r>
+            <a:r>
+              <a:rPr lang="en-US" sz="3200" b="1" i="1" dirty="0" smtClean="0">
+                <a:solidFill>
+                  <a:srgbClr val="FFFF00"/>
+                </a:solidFill>
+                <a:latin typeface="Arial" pitchFamily="34" charset="0"/>
+                <a:cs typeface="Arial" pitchFamily="34" charset="0"/>
+              </a:rPr>
+              <a:t> </a:t>
+            </a:r>
+            <a:r>
+              <a:rPr lang="en-IN" sz="3200" b="1" i="1" dirty="0">
+                <a:solidFill>
+                  <a:srgbClr val="FFFF00"/>
+                </a:solidFill>
+                <a:latin typeface="Arial" pitchFamily="34" charset="0"/>
+                <a:cs typeface="Arial" pitchFamily="34" charset="0"/>
+              </a:rPr>
+              <a:t> </a:t>
+            </a:r>
+          </a:p>
+        </p:txBody>
+      </p:sp>
+      <p:sp>
+        <p:nvSpPr>
+          <p:cNvPr id="7" name="Rectangle 6"/>
+          <p:cNvSpPr/>
+          <p:nvPr/>
+        </p:nvSpPr>
+        <p:spPr>
+          <a:xfrm>
+            <a:off x="149188" y="762000"/>
+            <a:ext cx="8845624" cy="369332"/>
+          </a:xfrm>
+          <a:prstGeom prst="rect">
+            <a:avLst/>
+          </a:prstGeom>
+        </p:spPr>
+        <p:txBody>
+          <a:bodyPr wrap="square">
+            <a:spAutoFit/>
+          </a:bodyPr>
+          <a:lstStyle/>
+          <a:p>
+            <a:r>
+              <a:rPr lang="en-US" dirty="0" smtClean="0"/>
+              <a:t>TODO</a:t>
+            </a:r>
+            <a:endParaRPr lang="en-IN" dirty="0"/>
+          </a:p>
+        </p:txBody>
+      </p:sp>
+    </p:spTree>
+    <p:extLst>
+      <p:ext uri="{BB962C8B-B14F-4D97-AF65-F5344CB8AC3E}">
+        <p14:creationId xmlns:p14="http://schemas.microsoft.com/office/powerpoint/2010/main" val="1971192509"/>
+      </p:ext>
+    </p:extLst>
+  </p:cSld>
+  <p:clrMapOvr>
+    <a:masterClrMapping/>
+  </p:clrMapOvr>
+  <p:timing>
+    <p:tnLst>
+      <p:par>
+        <p:cTn id="1" dur="indefinite" restart="never" nodeType="tmRoot"/>
+      </p:par>
+    </p:tnLst>
+  </p:timing>
+</p:sld>
+</file>
+
+<file path=ppt/slides/slide112.xml><?xml version="1.0" encoding="utf-8"?>
+<p:sld xmlns:a="http://schemas.openxmlformats.org/drawingml/2006/main" xmlns:r="http://schemas.openxmlformats.org/officeDocument/2006/relationships" xmlns:p="http://schemas.openxmlformats.org/presentationml/2006/main">
+  <p:cSld>
+    <p:spTree>
+      <p:nvGrpSpPr>
+        <p:cNvPr id="1" name=""/>
+        <p:cNvGrpSpPr/>
+        <p:nvPr/>
+      </p:nvGrpSpPr>
+      <p:grpSpPr>
+        <a:xfrm>
+          <a:off x="0" y="0"/>
+          <a:ext cx="0" cy="0"/>
+          <a:chOff x="0" y="0"/>
+          <a:chExt cx="0" cy="0"/>
+        </a:xfrm>
+      </p:grpSpPr>
+      <p:sp>
+        <p:nvSpPr>
+          <p:cNvPr id="4" name="Rectangle 3"/>
+          <p:cNvSpPr/>
+          <p:nvPr/>
+        </p:nvSpPr>
+        <p:spPr>
+          <a:xfrm>
+            <a:off x="0" y="0"/>
+            <a:ext cx="9144000" cy="584775"/>
+          </a:xfrm>
+          <a:prstGeom prst="rect">
+            <a:avLst/>
+          </a:prstGeom>
+          <a:solidFill>
+            <a:schemeClr val="bg2">
+              <a:lumMod val="10000"/>
+            </a:schemeClr>
+          </a:solidFill>
+        </p:spPr>
+        <p:txBody>
+          <a:bodyPr wrap="square">
+            <a:spAutoFit/>
+          </a:bodyPr>
+          <a:lstStyle/>
+          <a:p>
+            <a:pPr algn="r"/>
+            <a:r>
+              <a:rPr lang="en-IN" sz="3200" b="1" i="1" dirty="0" smtClean="0">
+                <a:solidFill>
+                  <a:srgbClr val="FFFF00"/>
+                </a:solidFill>
+                <a:latin typeface="Arial" pitchFamily="34" charset="0"/>
+                <a:cs typeface="Arial" pitchFamily="34" charset="0"/>
+              </a:rPr>
+              <a:t>IMP</a:t>
+            </a:r>
+            <a:endParaRPr lang="en-IN" sz="3200" b="1" i="1" dirty="0">
+              <a:solidFill>
+                <a:srgbClr val="FFFF00"/>
+              </a:solidFill>
+              <a:latin typeface="Arial" pitchFamily="34" charset="0"/>
+              <a:cs typeface="Arial" pitchFamily="34" charset="0"/>
+            </a:endParaRPr>
+          </a:p>
+        </p:txBody>
+      </p:sp>
+      <p:sp>
+        <p:nvSpPr>
+          <p:cNvPr id="2" name="Rectangle 1"/>
+          <p:cNvSpPr/>
+          <p:nvPr/>
+        </p:nvSpPr>
+        <p:spPr>
+          <a:xfrm>
+            <a:off x="145976" y="849264"/>
+            <a:ext cx="8845624" cy="369332"/>
+          </a:xfrm>
+          <a:prstGeom prst="rect">
+            <a:avLst/>
+          </a:prstGeom>
+        </p:spPr>
+        <p:txBody>
+          <a:bodyPr wrap="square">
+            <a:spAutoFit/>
+          </a:bodyPr>
+          <a:lstStyle/>
+          <a:p>
+            <a:r>
+              <a:rPr lang="en-IN" dirty="0" smtClean="0">
+                <a:solidFill>
+                  <a:srgbClr val="222222"/>
+                </a:solidFill>
+                <a:latin typeface="Verdana" panose="020B0604030504040204" pitchFamily="34" charset="0"/>
+              </a:rPr>
+              <a:t>1. Think </a:t>
+            </a:r>
+            <a:r>
+              <a:rPr lang="en-IN" dirty="0">
+                <a:solidFill>
+                  <a:srgbClr val="222222"/>
+                </a:solidFill>
+                <a:latin typeface="Verdana" panose="020B0604030504040204" pitchFamily="34" charset="0"/>
+              </a:rPr>
+              <a:t>about how multiplication can be done without actually </a:t>
+            </a:r>
+            <a:r>
+              <a:rPr lang="en-IN" dirty="0" smtClean="0">
+                <a:solidFill>
+                  <a:srgbClr val="222222"/>
+                </a:solidFill>
+                <a:latin typeface="Verdana" panose="020B0604030504040204" pitchFamily="34" charset="0"/>
+              </a:rPr>
+              <a:t>multiplying </a:t>
+            </a:r>
+            <a:endParaRPr lang="en-IN" dirty="0"/>
+          </a:p>
+        </p:txBody>
+      </p:sp>
+      <p:sp>
+        <p:nvSpPr>
+          <p:cNvPr id="3" name="TextBox 2"/>
+          <p:cNvSpPr txBox="1"/>
+          <p:nvPr/>
+        </p:nvSpPr>
+        <p:spPr>
+          <a:xfrm>
+            <a:off x="990600" y="2514600"/>
+            <a:ext cx="184731" cy="369332"/>
+          </a:xfrm>
+          <a:prstGeom prst="rect">
+            <a:avLst/>
+          </a:prstGeom>
+          <a:noFill/>
+        </p:spPr>
+        <p:txBody>
+          <a:bodyPr wrap="none" rtlCol="0">
+            <a:spAutoFit/>
+          </a:bodyPr>
+          <a:lstStyle/>
+          <a:p>
+            <a:endParaRPr lang="en-IN" dirty="0"/>
+          </a:p>
+        </p:txBody>
+      </p:sp>
+      <p:pic>
+        <p:nvPicPr>
+          <p:cNvPr id="5" name="Picture 4"/>
+          <p:cNvPicPr>
+            <a:picLocks noChangeAspect="1"/>
+          </p:cNvPicPr>
+          <p:nvPr/>
+        </p:nvPicPr>
+        <p:blipFill>
+          <a:blip r:embed="rId2"/>
+          <a:stretch>
+            <a:fillRect/>
+          </a:stretch>
+        </p:blipFill>
+        <p:spPr>
+          <a:xfrm>
+            <a:off x="304800" y="3700361"/>
+            <a:ext cx="4648200" cy="2471839"/>
+          </a:xfrm>
+          <a:prstGeom prst="rect">
+            <a:avLst/>
+          </a:prstGeom>
+        </p:spPr>
+      </p:pic>
+      <p:sp>
+        <p:nvSpPr>
+          <p:cNvPr id="6" name="Rectangle 5"/>
+          <p:cNvSpPr/>
+          <p:nvPr/>
+        </p:nvSpPr>
+        <p:spPr>
+          <a:xfrm>
+            <a:off x="145976" y="3243552"/>
+            <a:ext cx="1317990" cy="369332"/>
+          </a:xfrm>
+          <a:prstGeom prst="rect">
+            <a:avLst/>
+          </a:prstGeom>
+        </p:spPr>
+        <p:txBody>
+          <a:bodyPr wrap="none">
+            <a:spAutoFit/>
+          </a:bodyPr>
+          <a:lstStyle/>
+          <a:p>
+            <a:r>
+              <a:rPr lang="en-IN" dirty="0" smtClean="0">
+                <a:solidFill>
+                  <a:srgbClr val="222222"/>
+                </a:solidFill>
+                <a:latin typeface="Verdana" panose="020B0604030504040204" pitchFamily="34" charset="0"/>
+              </a:rPr>
+              <a:t>2. Square</a:t>
+            </a:r>
+            <a:endParaRPr lang="en-IN" dirty="0">
+              <a:solidFill>
+                <a:srgbClr val="222222"/>
+              </a:solidFill>
+              <a:latin typeface="Verdana" panose="020B0604030504040204" pitchFamily="34" charset="0"/>
+            </a:endParaRPr>
+          </a:p>
+        </p:txBody>
+      </p:sp>
+      <p:pic>
+        <p:nvPicPr>
+          <p:cNvPr id="8" name="Picture 7"/>
+          <p:cNvPicPr>
+            <a:picLocks noChangeAspect="1"/>
+          </p:cNvPicPr>
+          <p:nvPr/>
+        </p:nvPicPr>
+        <p:blipFill>
+          <a:blip r:embed="rId3"/>
+          <a:stretch>
+            <a:fillRect/>
+          </a:stretch>
+        </p:blipFill>
+        <p:spPr>
+          <a:xfrm>
+            <a:off x="533400" y="1250647"/>
+            <a:ext cx="4495800" cy="1883657"/>
+          </a:xfrm>
+          <a:prstGeom prst="rect">
+            <a:avLst/>
+          </a:prstGeom>
+        </p:spPr>
+      </p:pic>
+    </p:spTree>
+    <p:extLst>
+      <p:ext uri="{BB962C8B-B14F-4D97-AF65-F5344CB8AC3E}">
+        <p14:creationId xmlns:p14="http://schemas.microsoft.com/office/powerpoint/2010/main" val="3391323119"/>
+      </p:ext>
+    </p:extLst>
+  </p:cSld>
+  <p:clrMapOvr>
+    <a:masterClrMapping/>
+  </p:clrMapOvr>
+  <p:timing>
+    <p:tnLst>
+      <p:par>
+        <p:cTn id="1" dur="indefinite" restart="never" nodeType="tmRoot"/>
+      </p:par>
+    </p:tnLst>
+  </p:timing>
+</p:sld>
+</file>
+
+<file path=ppt/slides/slide113.xml><?xml version="1.0" encoding="utf-8"?>
+<p:sld xmlns:a="http://schemas.openxmlformats.org/drawingml/2006/main" xmlns:r="http://schemas.openxmlformats.org/officeDocument/2006/relationships" xmlns:p="http://schemas.openxmlformats.org/presentationml/2006/main">
+  <p:cSld>
+    <p:spTree>
+      <p:nvGrpSpPr>
+        <p:cNvPr id="1" name=""/>
+        <p:cNvGrpSpPr/>
+        <p:nvPr/>
+      </p:nvGrpSpPr>
+      <p:grpSpPr>
+        <a:xfrm>
+          <a:off x="0" y="0"/>
+          <a:ext cx="0" cy="0"/>
+          <a:chOff x="0" y="0"/>
+          <a:chExt cx="0" cy="0"/>
+        </a:xfrm>
+      </p:grpSpPr>
+      <p:pic>
+        <p:nvPicPr>
+          <p:cNvPr id="1026" name="Picture 2" descr="http://www.bvctch.vn/vnt_upload/weblink/thks.jpg"/>
+          <p:cNvPicPr>
+            <a:picLocks noChangeAspect="1" noChangeArrowheads="1"/>
+          </p:cNvPicPr>
+          <p:nvPr/>
+        </p:nvPicPr>
+        <p:blipFill>
+          <a:blip r:embed="rId2">
+            <a:extLst>
+              <a:ext uri="{28A0092B-C50C-407E-A947-70E740481C1C}">
+                <a14:useLocalDpi xmlns:a14="http://schemas.microsoft.com/office/drawing/2010/main" val="0"/>
+              </a:ext>
+            </a:extLst>
+          </a:blip>
+          <a:srcRect/>
+          <a:stretch>
+            <a:fillRect/>
+          </a:stretch>
+        </p:blipFill>
+        <p:spPr bwMode="auto">
+          <a:xfrm>
+            <a:off x="2895600" y="757237"/>
+            <a:ext cx="3124200" cy="4881563"/>
+          </a:xfrm>
+          <a:prstGeom prst="rect">
+            <a:avLst/>
+          </a:prstGeom>
+          <a:noFill/>
+          <a:extLst>
+            <a:ext uri="{909E8E84-426E-40DD-AFC4-6F175D3DCCD1}">
+              <a14:hiddenFill xmlns:a14="http://schemas.microsoft.com/office/drawing/2010/main">
+                <a:solidFill>
+                  <a:srgbClr val="FFFFFF"/>
+                </a:solidFill>
+              </a14:hiddenFill>
+            </a:ext>
+          </a:extLst>
+        </p:spPr>
+      </p:pic>
+      <p:sp>
+        <p:nvSpPr>
+          <p:cNvPr id="3" name="Rectangle 2"/>
+          <p:cNvSpPr/>
+          <p:nvPr/>
+        </p:nvSpPr>
+        <p:spPr>
+          <a:xfrm>
+            <a:off x="304800" y="5105400"/>
+            <a:ext cx="8610600" cy="1077218"/>
+          </a:xfrm>
+          <a:prstGeom prst="rect">
+            <a:avLst/>
+          </a:prstGeom>
+        </p:spPr>
+        <p:txBody>
+          <a:bodyPr wrap="square">
+            <a:spAutoFit/>
+          </a:bodyPr>
+          <a:lstStyle/>
+          <a:p>
+            <a:pPr algn="ctr"/>
+            <a:r>
+              <a:rPr lang="en-IN" sz="3200" dirty="0">
+                <a:solidFill>
+                  <a:srgbClr val="FE1212"/>
+                </a:solidFill>
+                <a:latin typeface="Segoe Print" panose="02000600000000000000" pitchFamily="2" charset="0"/>
+              </a:rPr>
+              <a:t>"Live as if you were to die tomorrow.</a:t>
+            </a:r>
+          </a:p>
+          <a:p>
+            <a:pPr algn="ctr"/>
+            <a:r>
+              <a:rPr lang="en-IN" sz="3200" dirty="0">
+                <a:solidFill>
+                  <a:srgbClr val="FE1212"/>
+                </a:solidFill>
+                <a:latin typeface="Segoe Print" panose="02000600000000000000" pitchFamily="2" charset="0"/>
+              </a:rPr>
+              <a:t>Learn as if you were to live forever"</a:t>
+            </a:r>
+          </a:p>
+        </p:txBody>
+      </p:sp>
+    </p:spTree>
+    <p:extLst>
+      <p:ext uri="{BB962C8B-B14F-4D97-AF65-F5344CB8AC3E}">
+        <p14:creationId xmlns:p14="http://schemas.microsoft.com/office/powerpoint/2010/main" val="1148130326"/>
+      </p:ext>
+    </p:extLst>
+  </p:cSld>
+  <p:clrMapOvr>
+    <a:masterClrMapping/>
+  </p:clrMapOvr>
+  <p:timing>
+    <p:tnLst>
+      <p:par>
+        <p:cTn id="1" dur="indefinite" restart="never" nodeType="tmRoot"/>
+      </p:par>
+    </p:tnLst>
+  </p:timing>
+</p:sld>
+</file>
+
+<file path=ppt/slides/slide114.xml><?xml version="1.0" encoding="utf-8"?>
+<p:sld xmlns:a="http://schemas.openxmlformats.org/drawingml/2006/main" xmlns:r="http://schemas.openxmlformats.org/officeDocument/2006/relationships" xmlns:p="http://schemas.openxmlformats.org/presentationml/2006/main">
+  <p:cSld>
+    <p:spTree>
+      <p:nvGrpSpPr>
+        <p:cNvPr id="1" name=""/>
+        <p:cNvGrpSpPr/>
+        <p:nvPr/>
+      </p:nvGrpSpPr>
+      <p:grpSpPr>
+        <a:xfrm>
+          <a:off x="0" y="0"/>
+          <a:ext cx="0" cy="0"/>
+          <a:chOff x="0" y="0"/>
+          <a:chExt cx="0" cy="0"/>
+        </a:xfrm>
+      </p:grpSpPr>
+      <p:sp>
+        <p:nvSpPr>
           <p:cNvPr id="3" name="Rectangle 2"/>
           <p:cNvSpPr/>
           <p:nvPr/>
@@ -6826,7 +7219,7 @@
 </p:sld>
 </file>
 
-<file path=ppt/slides/slide112.xml><?xml version="1.0" encoding="utf-8"?>
+<file path=ppt/slides/slide115.xml><?xml version="1.0" encoding="utf-8"?>
 <p:sld xmlns:a="http://schemas.openxmlformats.org/drawingml/2006/main" xmlns:r="http://schemas.openxmlformats.org/officeDocument/2006/relationships" xmlns:p="http://schemas.openxmlformats.org/presentationml/2006/main">
   <p:cSld>
     <p:spTree>
@@ -12998,17 +13391,7 @@
                 <a:latin typeface="Consolas" panose="020B0609020204030204" pitchFamily="49" charset="0"/>
                 <a:cs typeface="Calibri" panose="020F0502020204030204" pitchFamily="34" charset="0"/>
               </a:rPr>
-              <a:t>Var variable_name = n</a:t>
-            </a:r>
-            <a:r>
-              <a:rPr lang="en-US" dirty="0" smtClean="0">
-                <a:solidFill>
-                  <a:srgbClr val="049DC8"/>
-                </a:solidFill>
-                <a:latin typeface="Consolas" panose="020B0609020204030204" pitchFamily="49" charset="0"/>
-                <a:cs typeface="Calibri" panose="020F0502020204030204" pitchFamily="34" charset="0"/>
-              </a:rPr>
-              <a:t>ew Date()</a:t>
+              <a:t>Var variable_name = new Date()</a:t>
             </a:r>
             <a:endParaRPr lang="en-US" dirty="0">
               <a:solidFill>
@@ -13049,17 +13432,7 @@
                 <a:latin typeface="Calibri" panose="020F0502020204030204" pitchFamily="34" charset="0"/>
                 <a:cs typeface="Calibri" panose="020F0502020204030204" pitchFamily="34" charset="0"/>
               </a:rPr>
-              <a:t>x = </a:t>
-            </a:r>
-            <a:r>
-              <a:rPr lang="en-US" sz="2200" dirty="0" smtClean="0">
-                <a:solidFill>
-                  <a:srgbClr val="FC6F0D"/>
-                </a:solidFill>
-                <a:latin typeface="Calibri" panose="020F0502020204030204" pitchFamily="34" charset="0"/>
-                <a:cs typeface="Calibri" panose="020F0502020204030204" pitchFamily="34" charset="0"/>
-              </a:rPr>
-              <a:t>Date()</a:t>
+              <a:t>x = Date()</a:t>
             </a:r>
             <a:endParaRPr lang="en-US" sz="2200" dirty="0">
               <a:solidFill>
@@ -26342,72 +26715,71 @@
       </p:grpSpPr>
       <p:sp>
         <p:nvSpPr>
-          <p:cNvPr id="6" name="Rectangle 5"/>
-          <p:cNvSpPr/>
-          <p:nvPr/>
-        </p:nvSpPr>
-        <p:spPr>
-          <a:xfrm>
-            <a:off x="0" y="0"/>
-            <a:ext cx="9144000" cy="584775"/>
-          </a:xfrm>
-          <a:prstGeom prst="rect">
-            <a:avLst/>
-          </a:prstGeom>
-          <a:solidFill>
-            <a:schemeClr val="accent4">
-              <a:lumMod val="75000"/>
-            </a:schemeClr>
-          </a:solidFill>
-        </p:spPr>
-        <p:txBody>
-          <a:bodyPr wrap="square">
-            <a:spAutoFit/>
-          </a:bodyPr>
-          <a:lstStyle/>
-          <a:p>
-            <a:pPr algn="r">
+          <p:cNvPr id="2" name="Title 1"/>
+          <p:cNvSpPr txBox="1">
+            <a:spLocks/>
+          </p:cNvSpPr>
+          <p:nvPr/>
+        </p:nvSpPr>
+        <p:spPr>
+          <a:xfrm>
+            <a:off x="152400" y="2057400"/>
+            <a:ext cx="8839200" cy="838200"/>
+          </a:xfrm>
+          <a:prstGeom prst="rect">
+            <a:avLst/>
+          </a:prstGeom>
+        </p:spPr>
+        <p:txBody>
+          <a:bodyPr>
+            <a:noAutofit/>
+          </a:bodyPr>
+          <a:lstStyle>
+            <a:defPPr>
+              <a:defRPr lang="en-US"/>
+            </a:defPPr>
+            <a:lvl1pPr lvl="0" algn="ctr">
               <a:spcBef>
                 <a:spcPct val="0"/>
               </a:spcBef>
-            </a:pPr>
-            <a:r>
-              <a:rPr lang="en-IN" sz="3200" b="1" i="1" dirty="0" smtClean="0">
-                <a:solidFill>
-                  <a:srgbClr val="FFFF00"/>
-                </a:solidFill>
-                <a:latin typeface="Arial" pitchFamily="34" charset="0"/>
-                <a:cs typeface="Arial" pitchFamily="34" charset="0"/>
-              </a:rPr>
-              <a:t>document</a:t>
-            </a:r>
-            <a:r>
-              <a:rPr lang="en-IN" sz="3200" b="1" i="1" dirty="0">
-                <a:solidFill>
-                  <a:srgbClr val="FFFF00"/>
-                </a:solidFill>
-                <a:latin typeface="Arial" pitchFamily="34" charset="0"/>
-                <a:cs typeface="Arial" pitchFamily="34" charset="0"/>
-              </a:rPr>
-              <a:t> </a:t>
-            </a:r>
-          </a:p>
-        </p:txBody>
-      </p:sp>
-      <p:sp>
-        <p:nvSpPr>
-          <p:cNvPr id="7" name="Rectangle 6"/>
+              <a:defRPr sz="4800">
+                <a:solidFill>
+                  <a:srgbClr val="7EEEE3"/>
+                </a:solidFill>
+                <a:latin typeface="Segoe UI Light" panose="020B0502040204020203" pitchFamily="34" charset="0"/>
+                <a:cs typeface="Segoe UI Light" panose="020B0502040204020203" pitchFamily="34" charset="0"/>
+              </a:defRPr>
+            </a:lvl1pPr>
+          </a:lstStyle>
+          <a:p>
+            <a:r>
+              <a:rPr lang="en-IN" dirty="0" smtClean="0"/>
+              <a:t>aggregate()</a:t>
+            </a:r>
+            <a:endParaRPr lang="en-US" dirty="0"/>
+          </a:p>
+        </p:txBody>
+      </p:sp>
+      <p:sp>
+        <p:nvSpPr>
+          <p:cNvPr id="3" name="Rectangle 2"/>
           <p:cNvSpPr/>
           <p:nvPr/>
         </p:nvSpPr>
         <p:spPr>
           <a:xfrm>
-            <a:off x="149188" y="762000"/>
-            <a:ext cx="8845624" cy="369332"/>
-          </a:xfrm>
-          <a:prstGeom prst="rect">
-            <a:avLst/>
-          </a:prstGeom>
+            <a:off x="419100" y="2861953"/>
+            <a:ext cx="8305800" cy="369332"/>
+          </a:xfrm>
+          <a:prstGeom prst="rect">
+            <a:avLst/>
+          </a:prstGeom>
+          <a:solidFill>
+            <a:schemeClr val="accent6">
+              <a:lumMod val="20000"/>
+              <a:lumOff val="80000"/>
+            </a:schemeClr>
+          </a:solidFill>
         </p:spPr>
         <p:txBody>
           <a:bodyPr wrap="square">
@@ -26416,23 +26788,36 @@
           <a:lstStyle/>
           <a:p>
             <a:r>
-              <a:rPr lang="en-US" dirty="0" smtClean="0"/>
+              <a:rPr lang="en-US" dirty="0" smtClean="0">
+                <a:solidFill>
+                  <a:srgbClr val="222222"/>
+                </a:solidFill>
+                <a:latin typeface="arial" panose="020B0604020202020204" pitchFamily="34" charset="0"/>
+              </a:rPr>
               <a:t>TODO</a:t>
             </a:r>
-            <a:endParaRPr lang="en-IN" dirty="0"/>
+            <a:endParaRPr lang="en-US" dirty="0"/>
           </a:p>
         </p:txBody>
       </p:sp>
     </p:spTree>
     <p:extLst>
       <p:ext uri="{BB962C8B-B14F-4D97-AF65-F5344CB8AC3E}">
-        <p14:creationId xmlns:p14="http://schemas.microsoft.com/office/powerpoint/2010/main" val="3587670722"/>
+        <p14:creationId xmlns:p14="http://schemas.microsoft.com/office/powerpoint/2010/main" val="3320010287"/>
       </p:ext>
     </p:extLst>
   </p:cSld>
   <p:clrMapOvr>
     <a:masterClrMapping/>
   </p:clrMapOvr>
+  <mc:AlternateContent xmlns:mc="http://schemas.openxmlformats.org/markup-compatibility/2006" xmlns:p14="http://schemas.microsoft.com/office/powerpoint/2010/main">
+    <mc:Choice Requires="p14">
+      <p:transition spd="slow" p14:dur="2000"/>
+    </mc:Choice>
+    <mc:Fallback xmlns="">
+      <p:transition spd="slow"/>
+    </mc:Fallback>
+  </mc:AlternateContent>
   <p:timing>
     <p:tnLst>
       <p:par>
@@ -26631,28 +27016,15 @@
                 <a:latin typeface="Arial" pitchFamily="34" charset="0"/>
                 <a:cs typeface="Arial" pitchFamily="34" charset="0"/>
               </a:rPr>
-              <a:t>MongoDB</a:t>
-            </a:r>
-            <a:r>
-              <a:rPr lang="en-US" sz="3200" b="1" i="1" dirty="0" smtClean="0">
-                <a:solidFill>
-                  <a:srgbClr val="FFFF00"/>
-                </a:solidFill>
-                <a:latin typeface="Arial" pitchFamily="34" charset="0"/>
-                <a:cs typeface="Arial" pitchFamily="34" charset="0"/>
-              </a:rPr>
-              <a:t> </a:t>
-            </a:r>
-            <a:r>
-              <a:rPr lang="en-IN" sz="3200" b="1" i="1" dirty="0">
-                <a:solidFill>
-                  <a:srgbClr val="FFFF00"/>
-                </a:solidFill>
-                <a:latin typeface="Arial" pitchFamily="34" charset="0"/>
-                <a:cs typeface="Arial" pitchFamily="34" charset="0"/>
-              </a:rPr>
-              <a:t> </a:t>
-            </a:r>
+              <a:t>db.collection.aggregate()</a:t>
+            </a:r>
+            <a:endParaRPr lang="en-IN" sz="3200" b="1" i="1" dirty="0">
+              <a:solidFill>
+                <a:srgbClr val="FFFF00"/>
+              </a:solidFill>
+              <a:latin typeface="Arial" pitchFamily="34" charset="0"/>
+              <a:cs typeface="Arial" pitchFamily="34" charset="0"/>
+            </a:endParaRPr>
           </a:p>
         </p:txBody>
       </p:sp>
@@ -26682,13 +27054,211 @@
               <a:t>TODO</a:t>
             </a:r>
             <a:endParaRPr lang="en-IN" dirty="0"/>
+          </a:p>
+        </p:txBody>
+      </p:sp>
+      <p:sp>
+        <p:nvSpPr>
+          <p:cNvPr id="8" name="Rectangle 7"/>
+          <p:cNvSpPr/>
+          <p:nvPr/>
+        </p:nvSpPr>
+        <p:spPr>
+          <a:xfrm>
+            <a:off x="154136" y="1611868"/>
+            <a:ext cx="8736524" cy="646331"/>
+          </a:xfrm>
+          <a:prstGeom prst="rect">
+            <a:avLst/>
+          </a:prstGeom>
+        </p:spPr>
+        <p:txBody>
+          <a:bodyPr wrap="square">
+            <a:spAutoFit/>
+          </a:bodyPr>
+          <a:lstStyle/>
+          <a:p>
+            <a:r>
+              <a:rPr lang="en-US" dirty="0">
+                <a:solidFill>
+                  <a:srgbClr val="049DC8"/>
+                </a:solidFill>
+                <a:latin typeface="Consolas" panose="020B0609020204030204" pitchFamily="49" charset="0"/>
+                <a:cs typeface="Calibri" panose="020F0502020204030204" pitchFamily="34" charset="0"/>
+              </a:rPr>
+              <a:t>db.collection.aggregate( [ { &lt;</a:t>
+            </a:r>
+            <a:r>
+              <a:rPr lang="en-US" dirty="0" smtClean="0">
+                <a:solidFill>
+                  <a:srgbClr val="049DC8"/>
+                </a:solidFill>
+                <a:latin typeface="Consolas" panose="020B0609020204030204" pitchFamily="49" charset="0"/>
+                <a:cs typeface="Calibri" panose="020F0502020204030204" pitchFamily="34" charset="0"/>
+              </a:rPr>
+              <a:t>stage1</a:t>
+            </a:r>
+            <a:r>
+              <a:rPr lang="en-US" dirty="0">
+                <a:solidFill>
+                  <a:srgbClr val="049DC8"/>
+                </a:solidFill>
+                <a:latin typeface="Consolas" panose="020B0609020204030204" pitchFamily="49" charset="0"/>
+                <a:cs typeface="Calibri" panose="020F0502020204030204" pitchFamily="34" charset="0"/>
+              </a:rPr>
+              <a:t>&gt; }, { &lt;</a:t>
+            </a:r>
+            <a:r>
+              <a:rPr lang="en-US" dirty="0" smtClean="0">
+                <a:solidFill>
+                  <a:srgbClr val="049DC8"/>
+                </a:solidFill>
+                <a:latin typeface="Consolas" panose="020B0609020204030204" pitchFamily="49" charset="0"/>
+                <a:cs typeface="Calibri" panose="020F0502020204030204" pitchFamily="34" charset="0"/>
+              </a:rPr>
+              <a:t>stage2</a:t>
+            </a:r>
+            <a:r>
+              <a:rPr lang="en-US" dirty="0">
+                <a:solidFill>
+                  <a:srgbClr val="049DC8"/>
+                </a:solidFill>
+                <a:latin typeface="Consolas" panose="020B0609020204030204" pitchFamily="49" charset="0"/>
+                <a:cs typeface="Calibri" panose="020F0502020204030204" pitchFamily="34" charset="0"/>
+              </a:rPr>
+              <a:t>&gt; }, { &lt;</a:t>
+            </a:r>
+            <a:r>
+              <a:rPr lang="en-US" dirty="0" smtClean="0">
+                <a:solidFill>
+                  <a:srgbClr val="049DC8"/>
+                </a:solidFill>
+                <a:latin typeface="Consolas" panose="020B0609020204030204" pitchFamily="49" charset="0"/>
+                <a:cs typeface="Calibri" panose="020F0502020204030204" pitchFamily="34" charset="0"/>
+              </a:rPr>
+              <a:t>stage3</a:t>
+            </a:r>
+            <a:r>
+              <a:rPr lang="en-US" dirty="0">
+                <a:solidFill>
+                  <a:srgbClr val="049DC8"/>
+                </a:solidFill>
+                <a:latin typeface="Consolas" panose="020B0609020204030204" pitchFamily="49" charset="0"/>
+                <a:cs typeface="Calibri" panose="020F0502020204030204" pitchFamily="34" charset="0"/>
+              </a:rPr>
+              <a:t>&gt; </a:t>
+            </a:r>
+            <a:r>
+              <a:rPr lang="en-US" dirty="0" smtClean="0">
+                <a:solidFill>
+                  <a:srgbClr val="049DC8"/>
+                </a:solidFill>
+                <a:latin typeface="Consolas" panose="020B0609020204030204" pitchFamily="49" charset="0"/>
+                <a:cs typeface="Calibri" panose="020F0502020204030204" pitchFamily="34" charset="0"/>
+              </a:rPr>
+              <a:t>} ... </a:t>
+            </a:r>
+            <a:r>
+              <a:rPr lang="en-US" dirty="0">
+                <a:solidFill>
+                  <a:srgbClr val="049DC8"/>
+                </a:solidFill>
+                <a:latin typeface="Consolas" panose="020B0609020204030204" pitchFamily="49" charset="0"/>
+                <a:cs typeface="Calibri" panose="020F0502020204030204" pitchFamily="34" charset="0"/>
+              </a:rPr>
+              <a:t>, { &lt;</a:t>
+            </a:r>
+            <a:r>
+              <a:rPr lang="en-US" dirty="0" smtClean="0">
+                <a:solidFill>
+                  <a:srgbClr val="049DC8"/>
+                </a:solidFill>
+                <a:latin typeface="Consolas" panose="020B0609020204030204" pitchFamily="49" charset="0"/>
+                <a:cs typeface="Calibri" panose="020F0502020204030204" pitchFamily="34" charset="0"/>
+              </a:rPr>
+              <a:t>stageN&gt; </a:t>
+            </a:r>
+            <a:r>
+              <a:rPr lang="en-US" dirty="0">
+                <a:solidFill>
+                  <a:srgbClr val="049DC8"/>
+                </a:solidFill>
+                <a:latin typeface="Consolas" panose="020B0609020204030204" pitchFamily="49" charset="0"/>
+                <a:cs typeface="Calibri" panose="020F0502020204030204" pitchFamily="34" charset="0"/>
+              </a:rPr>
+              <a:t>}</a:t>
+            </a:r>
+            <a:r>
+              <a:rPr lang="en-US" dirty="0" smtClean="0">
+                <a:solidFill>
+                  <a:srgbClr val="049DC8"/>
+                </a:solidFill>
+                <a:latin typeface="Consolas" panose="020B0609020204030204" pitchFamily="49" charset="0"/>
+                <a:cs typeface="Calibri" panose="020F0502020204030204" pitchFamily="34" charset="0"/>
+              </a:rPr>
+              <a:t> </a:t>
+            </a:r>
+            <a:r>
+              <a:rPr lang="en-US" dirty="0">
+                <a:solidFill>
+                  <a:srgbClr val="049DC8"/>
+                </a:solidFill>
+                <a:latin typeface="Consolas" panose="020B0609020204030204" pitchFamily="49" charset="0"/>
+                <a:cs typeface="Calibri" panose="020F0502020204030204" pitchFamily="34" charset="0"/>
+              </a:rPr>
+              <a:t>] )</a:t>
+            </a:r>
+          </a:p>
+        </p:txBody>
+      </p:sp>
+      <p:sp>
+        <p:nvSpPr>
+          <p:cNvPr id="5" name="Rectangle 4"/>
+          <p:cNvSpPr/>
+          <p:nvPr/>
+        </p:nvSpPr>
+        <p:spPr>
+          <a:xfrm>
+            <a:off x="124448" y="2523291"/>
+            <a:ext cx="8766212" cy="430887"/>
+          </a:xfrm>
+          <a:prstGeom prst="rect">
+            <a:avLst/>
+          </a:prstGeom>
+        </p:spPr>
+        <p:txBody>
+          <a:bodyPr wrap="square">
+            <a:spAutoFit/>
+          </a:bodyPr>
+          <a:lstStyle/>
+          <a:p>
+            <a:r>
+              <a:rPr lang="en-US" sz="2200" dirty="0">
+                <a:solidFill>
+                  <a:srgbClr val="FC6F0D"/>
+                </a:solidFill>
+                <a:latin typeface="Calibri" panose="020F0502020204030204" pitchFamily="34" charset="0"/>
+                <a:cs typeface="Calibri" panose="020F0502020204030204" pitchFamily="34" charset="0"/>
+              </a:rPr>
+              <a:t>db.person.aggregate</a:t>
+            </a:r>
+            <a:r>
+              <a:rPr lang="en-US" sz="2200" dirty="0" smtClean="0">
+                <a:solidFill>
+                  <a:srgbClr val="FC6F0D"/>
+                </a:solidFill>
+                <a:latin typeface="Calibri" panose="020F0502020204030204" pitchFamily="34" charset="0"/>
+                <a:cs typeface="Calibri" panose="020F0502020204030204" pitchFamily="34" charset="0"/>
+              </a:rPr>
+              <a:t>([])</a:t>
+            </a:r>
           </a:p>
         </p:txBody>
       </p:sp>
     </p:spTree>
     <p:extLst>
       <p:ext uri="{BB962C8B-B14F-4D97-AF65-F5344CB8AC3E}">
-        <p14:creationId xmlns:p14="http://schemas.microsoft.com/office/powerpoint/2010/main" val="250252946"/>
+        <p14:creationId xmlns:p14="http://schemas.microsoft.com/office/powerpoint/2010/main" val="3430102903"/>
       </p:ext>
     </p:extLst>
   </p:cSld>
@@ -26731,7 +27301,7 @@
         <p:spPr>
           <a:xfrm>
             <a:off x="0" y="0"/>
-            <a:ext cx="9144000" cy="584775"/>
+            <a:ext cx="9144000" cy="1077218"/>
           </a:xfrm>
           <a:prstGeom prst="rect">
             <a:avLst/>
@@ -26761,28 +27331,35 @@
                 <a:latin typeface="Arial" pitchFamily="34" charset="0"/>
                 <a:cs typeface="Arial" pitchFamily="34" charset="0"/>
               </a:rPr>
-              <a:t>MongoDB</a:t>
-            </a:r>
-            <a:r>
-              <a:rPr lang="en-US" sz="3200" b="1" i="1" dirty="0" smtClean="0">
+              <a:t>aggregation &lt;stageOperators&gt;</a:t>
+            </a:r>
+            <a:r>
+              <a:rPr lang="en-IN" sz="3200" b="1" i="1" dirty="0">
                 <a:solidFill>
                   <a:srgbClr val="FFFF00"/>
                 </a:solidFill>
                 <a:latin typeface="Arial" pitchFamily="34" charset="0"/>
                 <a:cs typeface="Arial" pitchFamily="34" charset="0"/>
               </a:rPr>
-              <a:t> </a:t>
-            </a:r>
-            <a:r>
-              <a:rPr lang="en-IN" sz="3200" b="1" i="1" dirty="0">
+              <a:t> </a:t>
+            </a:r>
+            <a:r>
+              <a:rPr lang="en-IN" sz="3200" b="1" i="1" dirty="0" smtClean="0">
                 <a:solidFill>
                   <a:srgbClr val="FFFF00"/>
                 </a:solidFill>
                 <a:latin typeface="Arial" pitchFamily="34" charset="0"/>
                 <a:cs typeface="Arial" pitchFamily="34" charset="0"/>
               </a:rPr>
-              <a:t> </a:t>
-            </a:r>
+              <a:t> and aggregation &lt;expression&gt;</a:t>
+            </a:r>
+            <a:endParaRPr lang="en-IN" sz="3200" b="1" i="1" dirty="0">
+              <a:solidFill>
+                <a:srgbClr val="FFFF00"/>
+              </a:solidFill>
+              <a:latin typeface="Arial" pitchFamily="34" charset="0"/>
+              <a:cs typeface="Arial" pitchFamily="34" charset="0"/>
+            </a:endParaRPr>
           </a:p>
         </p:txBody>
       </p:sp>
@@ -26794,7 +27371,7 @@
         </p:nvSpPr>
         <p:spPr>
           <a:xfrm>
-            <a:off x="149188" y="762000"/>
+            <a:off x="149188" y="1254825"/>
             <a:ext cx="8845624" cy="369332"/>
           </a:xfrm>
           <a:prstGeom prst="rect">
@@ -26808,17 +27385,274 @@
           <a:lstStyle/>
           <a:p>
             <a:r>
+              <a:rPr lang="en-US" dirty="0"/>
+              <a:t>Each sage starts with stage operator</a:t>
+            </a:r>
+            <a:r>
               <a:rPr lang="en-US" dirty="0" smtClean="0"/>
-              <a:t>TODO</a:t>
+              <a:t>.</a:t>
             </a:r>
             <a:endParaRPr lang="en-IN" dirty="0"/>
+          </a:p>
+        </p:txBody>
+      </p:sp>
+      <p:sp>
+        <p:nvSpPr>
+          <p:cNvPr id="8" name="Rectangle 7"/>
+          <p:cNvSpPr/>
+          <p:nvPr/>
+        </p:nvSpPr>
+        <p:spPr>
+          <a:xfrm>
+            <a:off x="149188" y="1828800"/>
+            <a:ext cx="8761264" cy="369332"/>
+          </a:xfrm>
+          <a:prstGeom prst="rect">
+            <a:avLst/>
+          </a:prstGeom>
+        </p:spPr>
+        <p:txBody>
+          <a:bodyPr wrap="square">
+            <a:spAutoFit/>
+          </a:bodyPr>
+          <a:lstStyle/>
+          <a:p>
+            <a:r>
+              <a:rPr lang="en-US" dirty="0" smtClean="0">
+                <a:solidFill>
+                  <a:srgbClr val="049DC8"/>
+                </a:solidFill>
+                <a:latin typeface="Consolas" panose="020B0609020204030204" pitchFamily="49" charset="0"/>
+                <a:cs typeface="Calibri" panose="020F0502020204030204" pitchFamily="34" charset="0"/>
+              </a:rPr>
+              <a:t>{ $&lt;stageOperator&gt; : { } }</a:t>
+            </a:r>
+            <a:endParaRPr lang="en-US" dirty="0">
+              <a:solidFill>
+                <a:srgbClr val="049DC8"/>
+              </a:solidFill>
+              <a:latin typeface="Consolas" panose="020B0609020204030204" pitchFamily="49" charset="0"/>
+              <a:cs typeface="Calibri" panose="020F0502020204030204" pitchFamily="34" charset="0"/>
+            </a:endParaRPr>
+          </a:p>
+        </p:txBody>
+      </p:sp>
+      <p:sp>
+        <p:nvSpPr>
+          <p:cNvPr id="9" name="Rectangle 8"/>
+          <p:cNvSpPr/>
+          <p:nvPr/>
+        </p:nvSpPr>
+        <p:spPr>
+          <a:xfrm>
+            <a:off x="149188" y="3933493"/>
+            <a:ext cx="8845624" cy="461665"/>
+          </a:xfrm>
+          <a:prstGeom prst="rect">
+            <a:avLst/>
+          </a:prstGeom>
+        </p:spPr>
+        <p:txBody>
+          <a:bodyPr wrap="square">
+            <a:spAutoFit/>
+          </a:bodyPr>
+          <a:lstStyle/>
+          <a:p>
+            <a:r>
+              <a:rPr lang="en-US" dirty="0"/>
+              <a:t>Each </a:t>
+            </a:r>
+            <a:r>
+              <a:rPr lang="en-US" dirty="0" smtClean="0"/>
+              <a:t>aggregation expression starts with </a:t>
+            </a:r>
+            <a:r>
+              <a:rPr lang="en-US" sz="2400" dirty="0" smtClean="0">
+                <a:solidFill>
+                  <a:srgbClr val="B22251"/>
+                </a:solidFill>
+              </a:rPr>
+              <a:t>$ </a:t>
+            </a:r>
+            <a:r>
+              <a:rPr lang="en-US" dirty="0"/>
+              <a:t>sign</a:t>
+            </a:r>
+            <a:r>
+              <a:rPr lang="en-US" dirty="0" smtClean="0"/>
+              <a:t>.</a:t>
+            </a:r>
+            <a:endParaRPr lang="en-IN" dirty="0"/>
+          </a:p>
+        </p:txBody>
+      </p:sp>
+      <p:sp>
+        <p:nvSpPr>
+          <p:cNvPr id="10" name="Rectangle 9"/>
+          <p:cNvSpPr/>
+          <p:nvPr/>
+        </p:nvSpPr>
+        <p:spPr>
+          <a:xfrm>
+            <a:off x="155126" y="4507468"/>
+            <a:ext cx="8761264" cy="369332"/>
+          </a:xfrm>
+          <a:prstGeom prst="rect">
+            <a:avLst/>
+          </a:prstGeom>
+        </p:spPr>
+        <p:txBody>
+          <a:bodyPr wrap="square">
+            <a:spAutoFit/>
+          </a:bodyPr>
+          <a:lstStyle/>
+          <a:p>
+            <a:r>
+              <a:rPr lang="en-US" dirty="0" smtClean="0">
+                <a:solidFill>
+                  <a:srgbClr val="049DC8"/>
+                </a:solidFill>
+                <a:latin typeface="Consolas" panose="020B0609020204030204" pitchFamily="49" charset="0"/>
+                <a:cs typeface="Calibri" panose="020F0502020204030204" pitchFamily="34" charset="0"/>
+              </a:rPr>
+              <a:t>'$&lt;fieldName&gt;'</a:t>
+            </a:r>
+            <a:endParaRPr lang="en-US" dirty="0">
+              <a:solidFill>
+                <a:srgbClr val="049DC8"/>
+              </a:solidFill>
+              <a:latin typeface="Consolas" panose="020B0609020204030204" pitchFamily="49" charset="0"/>
+              <a:cs typeface="Calibri" panose="020F0502020204030204" pitchFamily="34" charset="0"/>
+            </a:endParaRPr>
+          </a:p>
+        </p:txBody>
+      </p:sp>
+      <p:sp>
+        <p:nvSpPr>
+          <p:cNvPr id="11" name="Rectangle 10"/>
+          <p:cNvSpPr/>
+          <p:nvPr/>
+        </p:nvSpPr>
+        <p:spPr>
+          <a:xfrm>
+            <a:off x="149188" y="2485654"/>
+            <a:ext cx="8761264" cy="892552"/>
+          </a:xfrm>
+          <a:prstGeom prst="rect">
+            <a:avLst/>
+          </a:prstGeom>
+        </p:spPr>
+        <p:txBody>
+          <a:bodyPr wrap="square">
+            <a:spAutoFit/>
+          </a:bodyPr>
+          <a:lstStyle/>
+          <a:p>
+            <a:r>
+              <a:rPr lang="en-US" sz="2200" dirty="0">
+                <a:solidFill>
+                  <a:srgbClr val="FC6F0D"/>
+                </a:solidFill>
+                <a:latin typeface="Calibri" panose="020F0502020204030204" pitchFamily="34" charset="0"/>
+                <a:cs typeface="Calibri" panose="020F0502020204030204" pitchFamily="34" charset="0"/>
+              </a:rPr>
+              <a:t>{ $match : { job: 'manager' } </a:t>
+            </a:r>
+            <a:r>
+              <a:rPr lang="en-US" sz="2200" dirty="0" smtClean="0">
+                <a:solidFill>
+                  <a:srgbClr val="FC6F0D"/>
+                </a:solidFill>
+                <a:latin typeface="Calibri" panose="020F0502020204030204" pitchFamily="34" charset="0"/>
+                <a:cs typeface="Calibri" panose="020F0502020204030204" pitchFamily="34" charset="0"/>
+              </a:rPr>
+              <a:t>}</a:t>
+            </a:r>
+          </a:p>
+          <a:p>
+            <a:endParaRPr lang="en-US" sz="800" dirty="0" smtClean="0">
+              <a:solidFill>
+                <a:srgbClr val="FC6F0D"/>
+              </a:solidFill>
+              <a:latin typeface="Calibri" panose="020F0502020204030204" pitchFamily="34" charset="0"/>
+              <a:cs typeface="Calibri" panose="020F0502020204030204" pitchFamily="34" charset="0"/>
+            </a:endParaRPr>
+          </a:p>
+          <a:p>
+            <a:r>
+              <a:rPr lang="en-US" sz="2200" dirty="0">
+                <a:solidFill>
+                  <a:srgbClr val="FC6F0D"/>
+                </a:solidFill>
+                <a:latin typeface="Calibri" panose="020F0502020204030204" pitchFamily="34" charset="0"/>
+                <a:cs typeface="Calibri" panose="020F0502020204030204" pitchFamily="34" charset="0"/>
+              </a:rPr>
+              <a:t>{ </a:t>
+            </a:r>
+            <a:r>
+              <a:rPr lang="en-US" sz="2200" dirty="0" smtClean="0">
+                <a:solidFill>
+                  <a:srgbClr val="FC6F0D"/>
+                </a:solidFill>
+                <a:latin typeface="Calibri" panose="020F0502020204030204" pitchFamily="34" charset="0"/>
+                <a:cs typeface="Calibri" panose="020F0502020204030204" pitchFamily="34" charset="0"/>
+              </a:rPr>
+              <a:t>$group </a:t>
+            </a:r>
+            <a:r>
+              <a:rPr lang="en-US" sz="2200" dirty="0">
+                <a:solidFill>
+                  <a:srgbClr val="FC6F0D"/>
+                </a:solidFill>
+                <a:latin typeface="Calibri" panose="020F0502020204030204" pitchFamily="34" charset="0"/>
+                <a:cs typeface="Calibri" panose="020F0502020204030204" pitchFamily="34" charset="0"/>
+              </a:rPr>
+              <a:t>: { </a:t>
+            </a:r>
+            <a:r>
+              <a:rPr lang="en-US" sz="2200" dirty="0" smtClean="0">
+                <a:solidFill>
+                  <a:srgbClr val="FC6F0D"/>
+                </a:solidFill>
+                <a:latin typeface="Calibri" panose="020F0502020204030204" pitchFamily="34" charset="0"/>
+                <a:cs typeface="Calibri" panose="020F0502020204030204" pitchFamily="34" charset="0"/>
+              </a:rPr>
+              <a:t>_id : '$job' </a:t>
+            </a:r>
+            <a:r>
+              <a:rPr lang="en-US" sz="2200" dirty="0">
+                <a:solidFill>
+                  <a:srgbClr val="FC6F0D"/>
+                </a:solidFill>
+                <a:latin typeface="Calibri" panose="020F0502020204030204" pitchFamily="34" charset="0"/>
+                <a:cs typeface="Calibri" panose="020F0502020204030204" pitchFamily="34" charset="0"/>
+              </a:rPr>
+              <a:t>} </a:t>
+            </a:r>
+            <a:r>
+              <a:rPr lang="en-US" sz="2200" dirty="0" smtClean="0">
+                <a:solidFill>
+                  <a:srgbClr val="FC6F0D"/>
+                </a:solidFill>
+                <a:latin typeface="Calibri" panose="020F0502020204030204" pitchFamily="34" charset="0"/>
+                <a:cs typeface="Calibri" panose="020F0502020204030204" pitchFamily="34" charset="0"/>
+              </a:rPr>
+              <a:t>}</a:t>
+            </a:r>
+            <a:endParaRPr lang="en-US" sz="2200" dirty="0">
+              <a:solidFill>
+                <a:srgbClr val="FC6F0D"/>
+              </a:solidFill>
+              <a:latin typeface="Calibri" panose="020F0502020204030204" pitchFamily="34" charset="0"/>
+              <a:cs typeface="Calibri" panose="020F0502020204030204" pitchFamily="34" charset="0"/>
+            </a:endParaRPr>
           </a:p>
         </p:txBody>
       </p:sp>
     </p:spTree>
     <p:extLst>
       <p:ext uri="{BB962C8B-B14F-4D97-AF65-F5344CB8AC3E}">
-        <p14:creationId xmlns:p14="http://schemas.microsoft.com/office/powerpoint/2010/main" val="895975297"/>
+        <p14:creationId xmlns:p14="http://schemas.microsoft.com/office/powerpoint/2010/main" val="3587670722"/>
       </p:ext>
     </p:extLst>
   </p:cSld>
@@ -26891,26 +27725,16 @@
                 <a:latin typeface="Arial" pitchFamily="34" charset="0"/>
                 <a:cs typeface="Arial" pitchFamily="34" charset="0"/>
               </a:rPr>
-              <a:t>MongoDB</a:t>
-            </a:r>
-            <a:r>
-              <a:rPr lang="en-US" sz="3200" b="1" i="1" dirty="0" smtClean="0">
+              <a:t>$group</a:t>
+            </a:r>
+            <a:r>
+              <a:rPr lang="en-IN" sz="3200" b="1" i="1" dirty="0">
                 <a:solidFill>
                   <a:srgbClr val="FFFF00"/>
                 </a:solidFill>
                 <a:latin typeface="Arial" pitchFamily="34" charset="0"/>
                 <a:cs typeface="Arial" pitchFamily="34" charset="0"/>
               </a:rPr>
-              <a:t> </a:t>
-            </a:r>
-            <a:r>
-              <a:rPr lang="en-IN" sz="3200" b="1" i="1" dirty="0">
-                <a:solidFill>
-                  <a:srgbClr val="FFFF00"/>
-                </a:solidFill>
-                <a:latin typeface="Arial" pitchFamily="34" charset="0"/>
-                <a:cs typeface="Arial" pitchFamily="34" charset="0"/>
-              </a:rPr>
               <a:t> </a:t>
             </a:r>
           </a:p>
@@ -26925,7 +27749,7 @@
         <p:spPr>
           <a:xfrm>
             <a:off x="149188" y="762000"/>
-            <a:ext cx="8845624" cy="369332"/>
+            <a:ext cx="8845624" cy="646331"/>
           </a:xfrm>
           <a:prstGeom prst="rect">
             <a:avLst/>
@@ -26938,17 +27762,688 @@
           <a:lstStyle/>
           <a:p>
             <a:r>
-              <a:rPr lang="en-US" dirty="0" smtClean="0"/>
-              <a:t>TODO</a:t>
+              <a:rPr lang="en-US" dirty="0"/>
+              <a:t>The _id field is mandatory; however, you can specify an _id value of null to calculate accumulated values for all the input documents as a whole.</a:t>
             </a:r>
             <a:endParaRPr lang="en-IN" dirty="0"/>
           </a:p>
         </p:txBody>
       </p:sp>
+      <p:sp>
+        <p:nvSpPr>
+          <p:cNvPr id="4" name="Rectangle 3"/>
+          <p:cNvSpPr/>
+          <p:nvPr/>
+        </p:nvSpPr>
+        <p:spPr>
+          <a:xfrm>
+            <a:off x="149188" y="1524000"/>
+            <a:ext cx="8761264" cy="646331"/>
+          </a:xfrm>
+          <a:prstGeom prst="rect">
+            <a:avLst/>
+          </a:prstGeom>
+        </p:spPr>
+        <p:txBody>
+          <a:bodyPr wrap="square">
+            <a:spAutoFit/>
+          </a:bodyPr>
+          <a:lstStyle/>
+          <a:p>
+            <a:r>
+              <a:rPr lang="en-US" dirty="0">
+                <a:solidFill>
+                  <a:srgbClr val="049DC8"/>
+                </a:solidFill>
+                <a:latin typeface="Consolas" panose="020B0609020204030204" pitchFamily="49" charset="0"/>
+                <a:cs typeface="Calibri" panose="020F0502020204030204" pitchFamily="34" charset="0"/>
+              </a:rPr>
+              <a:t>{ $group: { _id: &lt;expression&gt;, &lt;field1&gt;: { &lt;accumulator1&gt; : &lt;expression1&gt; }, ... } }</a:t>
+            </a:r>
+          </a:p>
+        </p:txBody>
+      </p:sp>
+      <p:sp>
+        <p:nvSpPr>
+          <p:cNvPr id="5" name="Rectangle 4"/>
+          <p:cNvSpPr/>
+          <p:nvPr/>
+        </p:nvSpPr>
+        <p:spPr>
+          <a:xfrm>
+            <a:off x="149188" y="4495800"/>
+            <a:ext cx="8761264" cy="1354217"/>
+          </a:xfrm>
+          <a:prstGeom prst="rect">
+            <a:avLst/>
+          </a:prstGeom>
+        </p:spPr>
+        <p:txBody>
+          <a:bodyPr wrap="square">
+            <a:spAutoFit/>
+          </a:bodyPr>
+          <a:lstStyle/>
+          <a:p>
+            <a:r>
+              <a:rPr lang="en-US" sz="2200" dirty="0">
+                <a:solidFill>
+                  <a:srgbClr val="FC6F0D"/>
+                </a:solidFill>
+                <a:latin typeface="Calibri" panose="020F0502020204030204" pitchFamily="34" charset="0"/>
+                <a:cs typeface="Calibri" panose="020F0502020204030204" pitchFamily="34" charset="0"/>
+              </a:rPr>
+              <a:t>db.emp.aggregate</a:t>
+            </a:r>
+            <a:r>
+              <a:rPr lang="en-US" sz="2200" dirty="0" smtClean="0">
+                <a:solidFill>
+                  <a:srgbClr val="FC6F0D"/>
+                </a:solidFill>
+                <a:latin typeface="Calibri" panose="020F0502020204030204" pitchFamily="34" charset="0"/>
+                <a:cs typeface="Calibri" panose="020F0502020204030204" pitchFamily="34" charset="0"/>
+              </a:rPr>
+              <a:t>([ {$</a:t>
+            </a:r>
+            <a:r>
+              <a:rPr lang="en-US" sz="2200" dirty="0">
+                <a:solidFill>
+                  <a:srgbClr val="FC6F0D"/>
+                </a:solidFill>
+                <a:latin typeface="Calibri" panose="020F0502020204030204" pitchFamily="34" charset="0"/>
+                <a:cs typeface="Calibri" panose="020F0502020204030204" pitchFamily="34" charset="0"/>
+              </a:rPr>
+              <a:t>group</a:t>
+            </a:r>
+            <a:r>
+              <a:rPr lang="en-US" sz="2200" dirty="0" smtClean="0">
+                <a:solidFill>
+                  <a:srgbClr val="FC6F0D"/>
+                </a:solidFill>
+                <a:latin typeface="Calibri" panose="020F0502020204030204" pitchFamily="34" charset="0"/>
+                <a:cs typeface="Calibri" panose="020F0502020204030204" pitchFamily="34" charset="0"/>
+              </a:rPr>
+              <a:t>: {_</a:t>
+            </a:r>
+            <a:r>
+              <a:rPr lang="en-US" sz="2200" dirty="0">
+                <a:solidFill>
+                  <a:srgbClr val="FC6F0D"/>
+                </a:solidFill>
+                <a:latin typeface="Calibri" panose="020F0502020204030204" pitchFamily="34" charset="0"/>
+                <a:cs typeface="Calibri" panose="020F0502020204030204" pitchFamily="34" charset="0"/>
+              </a:rPr>
+              <a:t>id</a:t>
+            </a:r>
+            <a:r>
+              <a:rPr lang="en-US" sz="2200" dirty="0" smtClean="0">
+                <a:solidFill>
+                  <a:srgbClr val="FC6F0D"/>
+                </a:solidFill>
+                <a:latin typeface="Calibri" panose="020F0502020204030204" pitchFamily="34" charset="0"/>
+                <a:cs typeface="Calibri" panose="020F0502020204030204" pitchFamily="34" charset="0"/>
+              </a:rPr>
+              <a:t>: null</a:t>
+            </a:r>
+            <a:r>
+              <a:rPr lang="en-US" sz="2200" dirty="0">
+                <a:solidFill>
+                  <a:srgbClr val="FC6F0D"/>
+                </a:solidFill>
+                <a:latin typeface="Calibri" panose="020F0502020204030204" pitchFamily="34" charset="0"/>
+                <a:cs typeface="Calibri" panose="020F0502020204030204" pitchFamily="34" charset="0"/>
+              </a:rPr>
+              <a:t>, count: {$sum</a:t>
+            </a:r>
+            <a:r>
+              <a:rPr lang="en-US" sz="2200" dirty="0" smtClean="0">
+                <a:solidFill>
+                  <a:srgbClr val="FC6F0D"/>
+                </a:solidFill>
+                <a:latin typeface="Calibri" panose="020F0502020204030204" pitchFamily="34" charset="0"/>
+                <a:cs typeface="Calibri" panose="020F0502020204030204" pitchFamily="34" charset="0"/>
+              </a:rPr>
+              <a:t>: 1} } } ])</a:t>
+            </a:r>
+          </a:p>
+          <a:p>
+            <a:endParaRPr lang="en-US" sz="800" dirty="0">
+              <a:solidFill>
+                <a:srgbClr val="FC6F0D"/>
+              </a:solidFill>
+              <a:latin typeface="Calibri" panose="020F0502020204030204" pitchFamily="34" charset="0"/>
+              <a:cs typeface="Calibri" panose="020F0502020204030204" pitchFamily="34" charset="0"/>
+            </a:endParaRPr>
+          </a:p>
+          <a:p>
+            <a:r>
+              <a:rPr lang="en-US" sz="2200" dirty="0" smtClean="0">
+                <a:solidFill>
+                  <a:srgbClr val="FC6F0D"/>
+                </a:solidFill>
+                <a:latin typeface="Calibri" panose="020F0502020204030204" pitchFamily="34" charset="0"/>
+                <a:cs typeface="Calibri" panose="020F0502020204030204" pitchFamily="34" charset="0"/>
+              </a:rPr>
+              <a:t>db.emp.aggregate</a:t>
+            </a:r>
+            <a:r>
+              <a:rPr lang="en-US" sz="2200" dirty="0" smtClean="0">
+                <a:solidFill>
+                  <a:srgbClr val="FC6F0D"/>
+                </a:solidFill>
+                <a:latin typeface="Calibri" panose="020F0502020204030204" pitchFamily="34" charset="0"/>
+                <a:cs typeface="Calibri" panose="020F0502020204030204" pitchFamily="34" charset="0"/>
+              </a:rPr>
+              <a:t>([ </a:t>
+            </a:r>
+            <a:r>
+              <a:rPr lang="en-US" sz="2200" dirty="0" smtClean="0">
+                <a:solidFill>
+                  <a:srgbClr val="FC6F0D"/>
+                </a:solidFill>
+                <a:latin typeface="Calibri" panose="020F0502020204030204" pitchFamily="34" charset="0"/>
+                <a:cs typeface="Calibri" panose="020F0502020204030204" pitchFamily="34" charset="0"/>
+              </a:rPr>
+              <a:t>{$group: </a:t>
+            </a:r>
+            <a:r>
+              <a:rPr lang="en-US" sz="2200" dirty="0" smtClean="0">
+                <a:solidFill>
+                  <a:srgbClr val="FC6F0D"/>
+                </a:solidFill>
+                <a:latin typeface="Calibri" panose="020F0502020204030204" pitchFamily="34" charset="0"/>
+                <a:cs typeface="Calibri" panose="020F0502020204030204" pitchFamily="34" charset="0"/>
+              </a:rPr>
+              <a:t>{_</a:t>
+            </a:r>
+            <a:r>
+              <a:rPr lang="en-US" sz="2200" dirty="0">
+                <a:solidFill>
+                  <a:srgbClr val="FC6F0D"/>
+                </a:solidFill>
+                <a:latin typeface="Calibri" panose="020F0502020204030204" pitchFamily="34" charset="0"/>
+                <a:cs typeface="Calibri" panose="020F0502020204030204" pitchFamily="34" charset="0"/>
+              </a:rPr>
+              <a:t>id</a:t>
+            </a:r>
+            <a:r>
+              <a:rPr lang="en-US" sz="2200" dirty="0" smtClean="0">
+                <a:solidFill>
+                  <a:srgbClr val="FC6F0D"/>
+                </a:solidFill>
+                <a:latin typeface="Calibri" panose="020F0502020204030204" pitchFamily="34" charset="0"/>
+                <a:cs typeface="Calibri" panose="020F0502020204030204" pitchFamily="34" charset="0"/>
+              </a:rPr>
+              <a:t>: </a:t>
+            </a:r>
+            <a:r>
+              <a:rPr lang="en-US" sz="2200" dirty="0" smtClean="0">
+                <a:solidFill>
+                  <a:srgbClr val="FC6F0D"/>
+                </a:solidFill>
+                <a:latin typeface="Calibri" panose="020F0502020204030204" pitchFamily="34" charset="0"/>
+                <a:cs typeface="Calibri" panose="020F0502020204030204" pitchFamily="34" charset="0"/>
+              </a:rPr>
+              <a:t>null, </a:t>
+            </a:r>
+            <a:r>
+              <a:rPr lang="en-US" sz="2200" dirty="0">
+                <a:solidFill>
+                  <a:srgbClr val="FC6F0D"/>
+                </a:solidFill>
+                <a:latin typeface="Calibri" panose="020F0502020204030204" pitchFamily="34" charset="0"/>
+                <a:cs typeface="Calibri" panose="020F0502020204030204" pitchFamily="34" charset="0"/>
+              </a:rPr>
+              <a:t>total</a:t>
+            </a:r>
+            <a:r>
+              <a:rPr lang="en-US" sz="2200" dirty="0" smtClean="0">
+                <a:solidFill>
+                  <a:srgbClr val="FC6F0D"/>
+                </a:solidFill>
+                <a:latin typeface="Calibri" panose="020F0502020204030204" pitchFamily="34" charset="0"/>
+                <a:cs typeface="Calibri" panose="020F0502020204030204" pitchFamily="34" charset="0"/>
+              </a:rPr>
+              <a:t>: </a:t>
+            </a:r>
+            <a:r>
+              <a:rPr lang="en-US" sz="2200" dirty="0" smtClean="0">
+                <a:solidFill>
+                  <a:srgbClr val="FC6F0D"/>
+                </a:solidFill>
+                <a:latin typeface="Calibri" panose="020F0502020204030204" pitchFamily="34" charset="0"/>
+                <a:cs typeface="Calibri" panose="020F0502020204030204" pitchFamily="34" charset="0"/>
+              </a:rPr>
+              <a:t>{$</a:t>
+            </a:r>
+            <a:r>
+              <a:rPr lang="en-US" sz="2200" dirty="0">
+                <a:solidFill>
+                  <a:srgbClr val="FC6F0D"/>
+                </a:solidFill>
+                <a:latin typeface="Calibri" panose="020F0502020204030204" pitchFamily="34" charset="0"/>
+                <a:cs typeface="Calibri" panose="020F0502020204030204" pitchFamily="34" charset="0"/>
+              </a:rPr>
+              <a:t>sum: "$</a:t>
+            </a:r>
+            <a:r>
+              <a:rPr lang="en-US" sz="2200" dirty="0" smtClean="0">
+                <a:solidFill>
+                  <a:srgbClr val="FC6F0D"/>
+                </a:solidFill>
+                <a:latin typeface="Calibri" panose="020F0502020204030204" pitchFamily="34" charset="0"/>
+                <a:cs typeface="Calibri" panose="020F0502020204030204" pitchFamily="34" charset="0"/>
+              </a:rPr>
+              <a:t>sal</a:t>
+            </a:r>
+            <a:r>
+              <a:rPr lang="en-US" sz="2200" dirty="0" smtClean="0">
+                <a:solidFill>
+                  <a:srgbClr val="FC6F0D"/>
+                </a:solidFill>
+                <a:latin typeface="Calibri" panose="020F0502020204030204" pitchFamily="34" charset="0"/>
+                <a:cs typeface="Calibri" panose="020F0502020204030204" pitchFamily="34" charset="0"/>
+              </a:rPr>
+              <a:t>"} </a:t>
+            </a:r>
+            <a:r>
+              <a:rPr lang="en-US" sz="2200" dirty="0" smtClean="0">
+                <a:solidFill>
+                  <a:srgbClr val="FC6F0D"/>
+                </a:solidFill>
+                <a:latin typeface="Calibri" panose="020F0502020204030204" pitchFamily="34" charset="0"/>
+                <a:cs typeface="Calibri" panose="020F0502020204030204" pitchFamily="34" charset="0"/>
+              </a:rPr>
+              <a:t>} } </a:t>
+            </a:r>
+            <a:r>
+              <a:rPr lang="en-US" sz="2200" dirty="0" smtClean="0">
+                <a:solidFill>
+                  <a:srgbClr val="FC6F0D"/>
+                </a:solidFill>
+                <a:latin typeface="Calibri" panose="020F0502020204030204" pitchFamily="34" charset="0"/>
+                <a:cs typeface="Calibri" panose="020F0502020204030204" pitchFamily="34" charset="0"/>
+              </a:rPr>
+              <a:t>])</a:t>
+            </a:r>
+          </a:p>
+          <a:p>
+            <a:endParaRPr lang="en-US" sz="800" dirty="0" smtClean="0">
+              <a:solidFill>
+                <a:srgbClr val="FC6F0D"/>
+              </a:solidFill>
+              <a:latin typeface="Calibri" panose="020F0502020204030204" pitchFamily="34" charset="0"/>
+              <a:cs typeface="Calibri" panose="020F0502020204030204" pitchFamily="34" charset="0"/>
+            </a:endParaRPr>
+          </a:p>
+          <a:p>
+            <a:r>
+              <a:rPr lang="en-US" sz="2200" dirty="0">
+                <a:solidFill>
+                  <a:srgbClr val="FC6F0D"/>
+                </a:solidFill>
+                <a:latin typeface="Calibri" panose="020F0502020204030204" pitchFamily="34" charset="0"/>
+                <a:cs typeface="Calibri" panose="020F0502020204030204" pitchFamily="34" charset="0"/>
+              </a:rPr>
+              <a:t>db.emp.aggregate</a:t>
+            </a:r>
+            <a:r>
+              <a:rPr lang="en-US" sz="2200" dirty="0" smtClean="0">
+                <a:solidFill>
+                  <a:srgbClr val="FC6F0D"/>
+                </a:solidFill>
+                <a:latin typeface="Calibri" panose="020F0502020204030204" pitchFamily="34" charset="0"/>
+                <a:cs typeface="Calibri" panose="020F0502020204030204" pitchFamily="34" charset="0"/>
+              </a:rPr>
+              <a:t>([ {$</a:t>
+            </a:r>
+            <a:r>
+              <a:rPr lang="en-US" sz="2200" dirty="0">
+                <a:solidFill>
+                  <a:srgbClr val="FC6F0D"/>
+                </a:solidFill>
+                <a:latin typeface="Calibri" panose="020F0502020204030204" pitchFamily="34" charset="0"/>
+                <a:cs typeface="Calibri" panose="020F0502020204030204" pitchFamily="34" charset="0"/>
+              </a:rPr>
+              <a:t>group</a:t>
+            </a:r>
+            <a:r>
+              <a:rPr lang="en-US" sz="2200" dirty="0" smtClean="0">
+                <a:solidFill>
+                  <a:srgbClr val="FC6F0D"/>
+                </a:solidFill>
+                <a:latin typeface="Calibri" panose="020F0502020204030204" pitchFamily="34" charset="0"/>
+                <a:cs typeface="Calibri" panose="020F0502020204030204" pitchFamily="34" charset="0"/>
+              </a:rPr>
+              <a:t>: {_</a:t>
+            </a:r>
+            <a:r>
+              <a:rPr lang="en-US" sz="2200" dirty="0">
+                <a:solidFill>
+                  <a:srgbClr val="FC6F0D"/>
+                </a:solidFill>
+                <a:latin typeface="Calibri" panose="020F0502020204030204" pitchFamily="34" charset="0"/>
+                <a:cs typeface="Calibri" panose="020F0502020204030204" pitchFamily="34" charset="0"/>
+              </a:rPr>
+              <a:t>id</a:t>
+            </a:r>
+            <a:r>
+              <a:rPr lang="en-US" sz="2200" dirty="0" smtClean="0">
+                <a:solidFill>
+                  <a:srgbClr val="FC6F0D"/>
+                </a:solidFill>
+                <a:latin typeface="Calibri" panose="020F0502020204030204" pitchFamily="34" charset="0"/>
+                <a:cs typeface="Calibri" panose="020F0502020204030204" pitchFamily="34" charset="0"/>
+              </a:rPr>
+              <a:t>: "$</a:t>
+            </a:r>
+            <a:r>
+              <a:rPr lang="en-US" sz="2200" dirty="0">
+                <a:solidFill>
+                  <a:srgbClr val="FC6F0D"/>
+                </a:solidFill>
+                <a:latin typeface="Calibri" panose="020F0502020204030204" pitchFamily="34" charset="0"/>
+                <a:cs typeface="Calibri" panose="020F0502020204030204" pitchFamily="34" charset="0"/>
+              </a:rPr>
+              <a:t>job", count: {$</a:t>
+            </a:r>
+            <a:r>
+              <a:rPr lang="en-US" sz="2200" dirty="0" smtClean="0">
+                <a:solidFill>
+                  <a:srgbClr val="FC6F0D"/>
+                </a:solidFill>
+                <a:latin typeface="Calibri" panose="020F0502020204030204" pitchFamily="34" charset="0"/>
+                <a:cs typeface="Calibri" panose="020F0502020204030204" pitchFamily="34" charset="0"/>
+              </a:rPr>
+              <a:t>sum: 1} } } ])</a:t>
+            </a:r>
+            <a:endParaRPr lang="en-US" sz="2200" dirty="0">
+              <a:solidFill>
+                <a:srgbClr val="FC6F0D"/>
+              </a:solidFill>
+              <a:latin typeface="Calibri" panose="020F0502020204030204" pitchFamily="34" charset="0"/>
+              <a:cs typeface="Calibri" panose="020F0502020204030204" pitchFamily="34" charset="0"/>
+            </a:endParaRPr>
+          </a:p>
+        </p:txBody>
+      </p:sp>
+      <p:graphicFrame>
+        <p:nvGraphicFramePr>
+          <p:cNvPr id="2" name="Table 1"/>
+          <p:cNvGraphicFramePr>
+            <a:graphicFrameLocks noGrp="1"/>
+          </p:cNvGraphicFramePr>
+          <p:nvPr>
+            <p:extLst>
+              <p:ext uri="{D42A27DB-BD31-4B8C-83A1-F6EECF244321}">
+                <p14:modId xmlns:p14="http://schemas.microsoft.com/office/powerpoint/2010/main" val="2851991049"/>
+              </p:ext>
+            </p:extLst>
+          </p:nvPr>
+        </p:nvGraphicFramePr>
+        <p:xfrm>
+          <a:off x="149188" y="2438400"/>
+          <a:ext cx="8845624" cy="1828800"/>
+        </p:xfrm>
+        <a:graphic>
+          <a:graphicData uri="http://schemas.openxmlformats.org/drawingml/2006/table">
+            <a:tbl>
+              <a:tblPr firstRow="1" bandRow="1">
+                <a:tableStyleId>{5940675A-B579-460E-94D1-54222C63F5DA}</a:tableStyleId>
+              </a:tblPr>
+              <a:tblGrid>
+                <a:gridCol w="1908212"/>
+                <a:gridCol w="6937412"/>
+              </a:tblGrid>
+              <a:tr h="127000">
+                <a:tc gridSpan="2">
+                  <a:txBody>
+                    <a:bodyPr/>
+                    <a:lstStyle/>
+                    <a:p>
+                      <a:r>
+                        <a:rPr lang="en-US" b="1" dirty="0" smtClean="0">
+                          <a:solidFill>
+                            <a:srgbClr val="DFE100"/>
+                          </a:solidFill>
+                        </a:rPr>
+                        <a:t>Accumulator Operator</a:t>
+                      </a:r>
+                      <a:endParaRPr lang="en-US" b="1" dirty="0">
+                        <a:solidFill>
+                          <a:srgbClr val="DFE100"/>
+                        </a:solidFill>
+                      </a:endParaRPr>
+                    </a:p>
+                  </a:txBody>
+                  <a:tcPr anchor="ctr"/>
+                </a:tc>
+                <a:tc hMerge="1">
+                  <a:txBody>
+                    <a:bodyPr/>
+                    <a:lstStyle/>
+                    <a:p>
+                      <a:endParaRPr lang="en-US" dirty="0"/>
+                    </a:p>
+                  </a:txBody>
+                  <a:tcPr/>
+                </a:tc>
+              </a:tr>
+              <a:tr h="127000">
+                <a:tc>
+                  <a:txBody>
+                    <a:bodyPr/>
+                    <a:lstStyle/>
+                    <a:p>
+                      <a:r>
+                        <a:rPr lang="en-US" dirty="0" smtClean="0">
+                          <a:solidFill>
+                            <a:srgbClr val="036883"/>
+                          </a:solidFill>
+                        </a:rPr>
+                        <a:t>  $avg</a:t>
+                      </a:r>
+                      <a:endParaRPr lang="en-US" dirty="0">
+                        <a:solidFill>
+                          <a:srgbClr val="036883"/>
+                        </a:solidFill>
+                      </a:endParaRPr>
+                    </a:p>
+                  </a:txBody>
+                  <a:tcPr anchor="ctr"/>
+                </a:tc>
+                <a:tc>
+                  <a:txBody>
+                    <a:bodyPr/>
+                    <a:lstStyle/>
+                    <a:p>
+                      <a:r>
+                        <a:rPr lang="en-US" sz="1800" kern="1200" dirty="0" smtClean="0">
+                          <a:solidFill>
+                            <a:srgbClr val="049DC8"/>
+                          </a:solidFill>
+                          <a:latin typeface="Consolas" panose="020B0609020204030204" pitchFamily="49" charset="0"/>
+                          <a:ea typeface="+mn-ea"/>
+                          <a:cs typeface="Calibri" panose="020F0502020204030204" pitchFamily="34" charset="0"/>
+                        </a:rPr>
+                        <a:t>{ $avg: &lt;expression&gt; }</a:t>
+                      </a:r>
+                      <a:endParaRPr lang="en-US" sz="1800" kern="1200" dirty="0">
+                        <a:solidFill>
+                          <a:srgbClr val="049DC8"/>
+                        </a:solidFill>
+                        <a:latin typeface="Consolas" panose="020B0609020204030204" pitchFamily="49" charset="0"/>
+                        <a:ea typeface="+mn-ea"/>
+                        <a:cs typeface="Calibri" panose="020F0502020204030204" pitchFamily="34" charset="0"/>
+                      </a:endParaRPr>
+                    </a:p>
+                  </a:txBody>
+                  <a:tcPr/>
+                </a:tc>
+              </a:tr>
+              <a:tr h="127000">
+                <a:tc>
+                  <a:txBody>
+                    <a:bodyPr/>
+                    <a:lstStyle/>
+                    <a:p>
+                      <a:r>
+                        <a:rPr lang="en-US" dirty="0" smtClean="0">
+                          <a:solidFill>
+                            <a:srgbClr val="036883"/>
+                          </a:solidFill>
+                        </a:rPr>
+                        <a:t>  $sum</a:t>
+                      </a:r>
+                      <a:endParaRPr lang="en-US" dirty="0">
+                        <a:solidFill>
+                          <a:srgbClr val="036883"/>
+                        </a:solidFill>
+                      </a:endParaRPr>
+                    </a:p>
+                  </a:txBody>
+                  <a:tcPr anchor="ctr"/>
+                </a:tc>
+                <a:tc>
+                  <a:txBody>
+                    <a:bodyPr/>
+                    <a:lstStyle/>
+                    <a:p>
+                      <a:r>
+                        <a:rPr lang="en-US" sz="1800" kern="1200" dirty="0" smtClean="0">
+                          <a:solidFill>
+                            <a:srgbClr val="049DC8"/>
+                          </a:solidFill>
+                          <a:latin typeface="Consolas" panose="020B0609020204030204" pitchFamily="49" charset="0"/>
+                          <a:ea typeface="+mn-ea"/>
+                          <a:cs typeface="Calibri" panose="020F0502020204030204" pitchFamily="34" charset="0"/>
+                        </a:rPr>
+                        <a:t>{ $sum: &lt;expression&gt; }</a:t>
+                      </a:r>
+                      <a:endParaRPr lang="en-US" sz="1800" kern="1200" dirty="0">
+                        <a:solidFill>
+                          <a:srgbClr val="049DC8"/>
+                        </a:solidFill>
+                        <a:latin typeface="Consolas" panose="020B0609020204030204" pitchFamily="49" charset="0"/>
+                        <a:ea typeface="+mn-ea"/>
+                        <a:cs typeface="Calibri" panose="020F0502020204030204" pitchFamily="34" charset="0"/>
+                      </a:endParaRPr>
+                    </a:p>
+                  </a:txBody>
+                  <a:tcPr/>
+                </a:tc>
+              </a:tr>
+              <a:tr h="127000">
+                <a:tc>
+                  <a:txBody>
+                    <a:bodyPr/>
+                    <a:lstStyle/>
+                    <a:p>
+                      <a:r>
+                        <a:rPr lang="en-US" dirty="0" smtClean="0">
+                          <a:solidFill>
+                            <a:srgbClr val="036883"/>
+                          </a:solidFill>
+                        </a:rPr>
+                        <a:t>  $min</a:t>
+                      </a:r>
+                      <a:endParaRPr lang="en-US" dirty="0">
+                        <a:solidFill>
+                          <a:srgbClr val="036883"/>
+                        </a:solidFill>
+                      </a:endParaRPr>
+                    </a:p>
+                  </a:txBody>
+                  <a:tcPr anchor="ctr"/>
+                </a:tc>
+                <a:tc>
+                  <a:txBody>
+                    <a:bodyPr/>
+                    <a:lstStyle/>
+                    <a:p>
+                      <a:r>
+                        <a:rPr lang="en-US" sz="1800" kern="1200" dirty="0" smtClean="0">
+                          <a:solidFill>
+                            <a:srgbClr val="049DC8"/>
+                          </a:solidFill>
+                          <a:latin typeface="Consolas" panose="020B0609020204030204" pitchFamily="49" charset="0"/>
+                          <a:ea typeface="+mn-ea"/>
+                          <a:cs typeface="Calibri" panose="020F0502020204030204" pitchFamily="34" charset="0"/>
+                        </a:rPr>
+                        <a:t>{ $min: &lt;expression&gt; }</a:t>
+                      </a:r>
+                      <a:endParaRPr lang="en-US" sz="1800" kern="1200" dirty="0">
+                        <a:solidFill>
+                          <a:srgbClr val="049DC8"/>
+                        </a:solidFill>
+                        <a:latin typeface="Consolas" panose="020B0609020204030204" pitchFamily="49" charset="0"/>
+                        <a:ea typeface="+mn-ea"/>
+                        <a:cs typeface="Calibri" panose="020F0502020204030204" pitchFamily="34" charset="0"/>
+                      </a:endParaRPr>
+                    </a:p>
+                  </a:txBody>
+                  <a:tcPr/>
+                </a:tc>
+              </a:tr>
+              <a:tr h="127000">
+                <a:tc>
+                  <a:txBody>
+                    <a:bodyPr/>
+                    <a:lstStyle/>
+                    <a:p>
+                      <a:r>
+                        <a:rPr lang="en-US" dirty="0" smtClean="0">
+                          <a:solidFill>
+                            <a:srgbClr val="036883"/>
+                          </a:solidFill>
+                        </a:rPr>
+                        <a:t>  $max</a:t>
+                      </a:r>
+                      <a:endParaRPr lang="en-US" dirty="0">
+                        <a:solidFill>
+                          <a:srgbClr val="036883"/>
+                        </a:solidFill>
+                      </a:endParaRPr>
+                    </a:p>
+                  </a:txBody>
+                  <a:tcPr anchor="ctr"/>
+                </a:tc>
+                <a:tc>
+                  <a:txBody>
+                    <a:bodyPr/>
+                    <a:lstStyle/>
+                    <a:p>
+                      <a:r>
+                        <a:rPr lang="en-US" sz="1800" kern="1200" dirty="0" smtClean="0">
+                          <a:solidFill>
+                            <a:srgbClr val="049DC8"/>
+                          </a:solidFill>
+                          <a:latin typeface="Consolas" panose="020B0609020204030204" pitchFamily="49" charset="0"/>
+                          <a:ea typeface="+mn-ea"/>
+                          <a:cs typeface="Calibri" panose="020F0502020204030204" pitchFamily="34" charset="0"/>
+                        </a:rPr>
+                        <a:t>{ $max: &lt;expression&gt; }</a:t>
+                      </a:r>
+                      <a:endParaRPr lang="en-US" sz="1800" kern="1200" dirty="0">
+                        <a:solidFill>
+                          <a:srgbClr val="049DC8"/>
+                        </a:solidFill>
+                        <a:latin typeface="Consolas" panose="020B0609020204030204" pitchFamily="49" charset="0"/>
+                        <a:ea typeface="+mn-ea"/>
+                        <a:cs typeface="Calibri" panose="020F0502020204030204" pitchFamily="34" charset="0"/>
+                      </a:endParaRPr>
+                    </a:p>
+                  </a:txBody>
+                  <a:tcPr/>
+                </a:tc>
+              </a:tr>
+            </a:tbl>
+          </a:graphicData>
+        </a:graphic>
+      </p:graphicFrame>
     </p:spTree>
     <p:extLst>
       <p:ext uri="{BB962C8B-B14F-4D97-AF65-F5344CB8AC3E}">
-        <p14:creationId xmlns:p14="http://schemas.microsoft.com/office/powerpoint/2010/main" val="1785036271"/>
+        <p14:creationId xmlns:p14="http://schemas.microsoft.com/office/powerpoint/2010/main" val="250252946"/>
       </p:ext>
     </p:extLst>
   </p:cSld>
@@ -27021,26 +28516,16 @@
                 <a:latin typeface="Arial" pitchFamily="34" charset="0"/>
                 <a:cs typeface="Arial" pitchFamily="34" charset="0"/>
               </a:rPr>
-              <a:t>MongoDB</a:t>
-            </a:r>
-            <a:r>
-              <a:rPr lang="en-US" sz="3200" b="1" i="1" dirty="0" smtClean="0">
+              <a:t>$match</a:t>
+            </a:r>
+            <a:r>
+              <a:rPr lang="en-IN" sz="3200" b="1" i="1" dirty="0">
                 <a:solidFill>
                   <a:srgbClr val="FFFF00"/>
                 </a:solidFill>
                 <a:latin typeface="Arial" pitchFamily="34" charset="0"/>
                 <a:cs typeface="Arial" pitchFamily="34" charset="0"/>
               </a:rPr>
-              <a:t> </a:t>
-            </a:r>
-            <a:r>
-              <a:rPr lang="en-IN" sz="3200" b="1" i="1" dirty="0">
-                <a:solidFill>
-                  <a:srgbClr val="FFFF00"/>
-                </a:solidFill>
-                <a:latin typeface="Arial" pitchFamily="34" charset="0"/>
-                <a:cs typeface="Arial" pitchFamily="34" charset="0"/>
-              </a:rPr>
               <a:t> </a:t>
             </a:r>
           </a:p>
@@ -27055,7 +28540,7 @@
         <p:spPr>
           <a:xfrm>
             <a:off x="149188" y="762000"/>
-            <a:ext cx="8845624" cy="369332"/>
+            <a:ext cx="8845624" cy="646331"/>
           </a:xfrm>
           <a:prstGeom prst="rect">
             <a:avLst/>
@@ -27068,17 +28553,421 @@
           <a:lstStyle/>
           <a:p>
             <a:r>
-              <a:rPr lang="en-US" dirty="0" smtClean="0"/>
-              <a:t>TODO</a:t>
+              <a:rPr lang="en-US" dirty="0"/>
+              <a:t>Filters the documents to pass only the documents that match the specified condition(s) to the next pipeline stage.</a:t>
             </a:r>
             <a:endParaRPr lang="en-IN" dirty="0"/>
+          </a:p>
+        </p:txBody>
+      </p:sp>
+      <p:sp>
+        <p:nvSpPr>
+          <p:cNvPr id="4" name="Rectangle 3"/>
+          <p:cNvSpPr/>
+          <p:nvPr/>
+        </p:nvSpPr>
+        <p:spPr>
+          <a:xfrm>
+            <a:off x="149188" y="1524000"/>
+            <a:ext cx="8761264" cy="369332"/>
+          </a:xfrm>
+          <a:prstGeom prst="rect">
+            <a:avLst/>
+          </a:prstGeom>
+        </p:spPr>
+        <p:txBody>
+          <a:bodyPr wrap="square">
+            <a:spAutoFit/>
+          </a:bodyPr>
+          <a:lstStyle/>
+          <a:p>
+            <a:r>
+              <a:rPr lang="en-US" dirty="0">
+                <a:solidFill>
+                  <a:srgbClr val="049DC8"/>
+                </a:solidFill>
+                <a:latin typeface="Consolas" panose="020B0609020204030204" pitchFamily="49" charset="0"/>
+                <a:cs typeface="Calibri" panose="020F0502020204030204" pitchFamily="34" charset="0"/>
+              </a:rPr>
+              <a:t>{ $match: { &lt;query&gt; } }</a:t>
+            </a:r>
+            <a:endParaRPr lang="en-US" dirty="0">
+              <a:solidFill>
+                <a:srgbClr val="049DC8"/>
+              </a:solidFill>
+              <a:latin typeface="Consolas" panose="020B0609020204030204" pitchFamily="49" charset="0"/>
+              <a:cs typeface="Calibri" panose="020F0502020204030204" pitchFamily="34" charset="0"/>
+            </a:endParaRPr>
+          </a:p>
+        </p:txBody>
+      </p:sp>
+      <p:sp>
+        <p:nvSpPr>
+          <p:cNvPr id="5" name="Rectangle 4"/>
+          <p:cNvSpPr/>
+          <p:nvPr/>
+        </p:nvSpPr>
+        <p:spPr>
+          <a:xfrm>
+            <a:off x="149188" y="2133600"/>
+            <a:ext cx="8761264" cy="1354217"/>
+          </a:xfrm>
+          <a:prstGeom prst="rect">
+            <a:avLst/>
+          </a:prstGeom>
+        </p:spPr>
+        <p:txBody>
+          <a:bodyPr wrap="square">
+            <a:spAutoFit/>
+          </a:bodyPr>
+          <a:lstStyle/>
+          <a:p>
+            <a:r>
+              <a:rPr lang="en-US" sz="2200" dirty="0">
+                <a:solidFill>
+                  <a:srgbClr val="FC6F0D"/>
+                </a:solidFill>
+                <a:latin typeface="Calibri" panose="020F0502020204030204" pitchFamily="34" charset="0"/>
+                <a:cs typeface="Calibri" panose="020F0502020204030204" pitchFamily="34" charset="0"/>
+              </a:rPr>
+              <a:t>db.emp.aggregate</a:t>
+            </a:r>
+            <a:r>
+              <a:rPr lang="en-US" sz="2200" dirty="0" smtClean="0">
+                <a:solidFill>
+                  <a:srgbClr val="FC6F0D"/>
+                </a:solidFill>
+                <a:latin typeface="Calibri" panose="020F0502020204030204" pitchFamily="34" charset="0"/>
+                <a:cs typeface="Calibri" panose="020F0502020204030204" pitchFamily="34" charset="0"/>
+              </a:rPr>
+              <a:t>([ {$</a:t>
+            </a:r>
+            <a:r>
+              <a:rPr lang="en-US" sz="2200" dirty="0">
+                <a:solidFill>
+                  <a:srgbClr val="FC6F0D"/>
+                </a:solidFill>
+                <a:latin typeface="Calibri" panose="020F0502020204030204" pitchFamily="34" charset="0"/>
+                <a:cs typeface="Calibri" panose="020F0502020204030204" pitchFamily="34" charset="0"/>
+              </a:rPr>
+              <a:t>group</a:t>
+            </a:r>
+            <a:r>
+              <a:rPr lang="en-US" sz="2200" dirty="0" smtClean="0">
+                <a:solidFill>
+                  <a:srgbClr val="FC6F0D"/>
+                </a:solidFill>
+                <a:latin typeface="Calibri" panose="020F0502020204030204" pitchFamily="34" charset="0"/>
+                <a:cs typeface="Calibri" panose="020F0502020204030204" pitchFamily="34" charset="0"/>
+              </a:rPr>
+              <a:t>: {_</a:t>
+            </a:r>
+            <a:r>
+              <a:rPr lang="en-US" sz="2200" dirty="0">
+                <a:solidFill>
+                  <a:srgbClr val="FC6F0D"/>
+                </a:solidFill>
+                <a:latin typeface="Calibri" panose="020F0502020204030204" pitchFamily="34" charset="0"/>
+                <a:cs typeface="Calibri" panose="020F0502020204030204" pitchFamily="34" charset="0"/>
+              </a:rPr>
+              <a:t>id</a:t>
+            </a:r>
+            <a:r>
+              <a:rPr lang="en-US" sz="2200" dirty="0" smtClean="0">
+                <a:solidFill>
+                  <a:srgbClr val="FC6F0D"/>
+                </a:solidFill>
+                <a:latin typeface="Calibri" panose="020F0502020204030204" pitchFamily="34" charset="0"/>
+                <a:cs typeface="Calibri" panose="020F0502020204030204" pitchFamily="34" charset="0"/>
+              </a:rPr>
+              <a:t>: null</a:t>
+            </a:r>
+            <a:r>
+              <a:rPr lang="en-US" sz="2200" dirty="0">
+                <a:solidFill>
+                  <a:srgbClr val="FC6F0D"/>
+                </a:solidFill>
+                <a:latin typeface="Calibri" panose="020F0502020204030204" pitchFamily="34" charset="0"/>
+                <a:cs typeface="Calibri" panose="020F0502020204030204" pitchFamily="34" charset="0"/>
+              </a:rPr>
+              <a:t>, count: {$sum</a:t>
+            </a:r>
+            <a:r>
+              <a:rPr lang="en-US" sz="2200" dirty="0" smtClean="0">
+                <a:solidFill>
+                  <a:srgbClr val="FC6F0D"/>
+                </a:solidFill>
+                <a:latin typeface="Calibri" panose="020F0502020204030204" pitchFamily="34" charset="0"/>
+                <a:cs typeface="Calibri" panose="020F0502020204030204" pitchFamily="34" charset="0"/>
+              </a:rPr>
+              <a:t>: 1} } } ])</a:t>
+            </a:r>
+          </a:p>
+          <a:p>
+            <a:endParaRPr lang="en-US" sz="800" dirty="0">
+              <a:solidFill>
+                <a:srgbClr val="FC6F0D"/>
+              </a:solidFill>
+              <a:latin typeface="Calibri" panose="020F0502020204030204" pitchFamily="34" charset="0"/>
+              <a:cs typeface="Calibri" panose="020F0502020204030204" pitchFamily="34" charset="0"/>
+            </a:endParaRPr>
+          </a:p>
+          <a:p>
+            <a:r>
+              <a:rPr lang="en-US" sz="2200" dirty="0" smtClean="0">
+                <a:solidFill>
+                  <a:srgbClr val="FC6F0D"/>
+                </a:solidFill>
+                <a:latin typeface="Calibri" panose="020F0502020204030204" pitchFamily="34" charset="0"/>
+                <a:cs typeface="Calibri" panose="020F0502020204030204" pitchFamily="34" charset="0"/>
+              </a:rPr>
+              <a:t>db.emp.aggregate</a:t>
+            </a:r>
+            <a:r>
+              <a:rPr lang="en-US" sz="2200" dirty="0" smtClean="0">
+                <a:solidFill>
+                  <a:srgbClr val="FC6F0D"/>
+                </a:solidFill>
+                <a:latin typeface="Calibri" panose="020F0502020204030204" pitchFamily="34" charset="0"/>
+                <a:cs typeface="Calibri" panose="020F0502020204030204" pitchFamily="34" charset="0"/>
+              </a:rPr>
+              <a:t>([ </a:t>
+            </a:r>
+            <a:r>
+              <a:rPr lang="en-US" sz="2200" dirty="0" smtClean="0">
+                <a:solidFill>
+                  <a:srgbClr val="FC6F0D"/>
+                </a:solidFill>
+                <a:latin typeface="Calibri" panose="020F0502020204030204" pitchFamily="34" charset="0"/>
+                <a:cs typeface="Calibri" panose="020F0502020204030204" pitchFamily="34" charset="0"/>
+              </a:rPr>
+              <a:t>{$group: </a:t>
+            </a:r>
+            <a:r>
+              <a:rPr lang="en-US" sz="2200" dirty="0" smtClean="0">
+                <a:solidFill>
+                  <a:srgbClr val="FC6F0D"/>
+                </a:solidFill>
+                <a:latin typeface="Calibri" panose="020F0502020204030204" pitchFamily="34" charset="0"/>
+                <a:cs typeface="Calibri" panose="020F0502020204030204" pitchFamily="34" charset="0"/>
+              </a:rPr>
+              <a:t>{_</a:t>
+            </a:r>
+            <a:r>
+              <a:rPr lang="en-US" sz="2200" dirty="0">
+                <a:solidFill>
+                  <a:srgbClr val="FC6F0D"/>
+                </a:solidFill>
+                <a:latin typeface="Calibri" panose="020F0502020204030204" pitchFamily="34" charset="0"/>
+                <a:cs typeface="Calibri" panose="020F0502020204030204" pitchFamily="34" charset="0"/>
+              </a:rPr>
+              <a:t>id</a:t>
+            </a:r>
+            <a:r>
+              <a:rPr lang="en-US" sz="2200" dirty="0" smtClean="0">
+                <a:solidFill>
+                  <a:srgbClr val="FC6F0D"/>
+                </a:solidFill>
+                <a:latin typeface="Calibri" panose="020F0502020204030204" pitchFamily="34" charset="0"/>
+                <a:cs typeface="Calibri" panose="020F0502020204030204" pitchFamily="34" charset="0"/>
+              </a:rPr>
+              <a:t>: </a:t>
+            </a:r>
+            <a:r>
+              <a:rPr lang="en-US" sz="2200" dirty="0" smtClean="0">
+                <a:solidFill>
+                  <a:srgbClr val="FC6F0D"/>
+                </a:solidFill>
+                <a:latin typeface="Calibri" panose="020F0502020204030204" pitchFamily="34" charset="0"/>
+                <a:cs typeface="Calibri" panose="020F0502020204030204" pitchFamily="34" charset="0"/>
+              </a:rPr>
+              <a:t>null, </a:t>
+            </a:r>
+            <a:r>
+              <a:rPr lang="en-US" sz="2200" dirty="0">
+                <a:solidFill>
+                  <a:srgbClr val="FC6F0D"/>
+                </a:solidFill>
+                <a:latin typeface="Calibri" panose="020F0502020204030204" pitchFamily="34" charset="0"/>
+                <a:cs typeface="Calibri" panose="020F0502020204030204" pitchFamily="34" charset="0"/>
+              </a:rPr>
+              <a:t>total</a:t>
+            </a:r>
+            <a:r>
+              <a:rPr lang="en-US" sz="2200" dirty="0" smtClean="0">
+                <a:solidFill>
+                  <a:srgbClr val="FC6F0D"/>
+                </a:solidFill>
+                <a:latin typeface="Calibri" panose="020F0502020204030204" pitchFamily="34" charset="0"/>
+                <a:cs typeface="Calibri" panose="020F0502020204030204" pitchFamily="34" charset="0"/>
+              </a:rPr>
+              <a:t>: </a:t>
+            </a:r>
+            <a:r>
+              <a:rPr lang="en-US" sz="2200" dirty="0" smtClean="0">
+                <a:solidFill>
+                  <a:srgbClr val="FC6F0D"/>
+                </a:solidFill>
+                <a:latin typeface="Calibri" panose="020F0502020204030204" pitchFamily="34" charset="0"/>
+                <a:cs typeface="Calibri" panose="020F0502020204030204" pitchFamily="34" charset="0"/>
+              </a:rPr>
+              <a:t>{$</a:t>
+            </a:r>
+            <a:r>
+              <a:rPr lang="en-US" sz="2200" dirty="0">
+                <a:solidFill>
+                  <a:srgbClr val="FC6F0D"/>
+                </a:solidFill>
+                <a:latin typeface="Calibri" panose="020F0502020204030204" pitchFamily="34" charset="0"/>
+                <a:cs typeface="Calibri" panose="020F0502020204030204" pitchFamily="34" charset="0"/>
+              </a:rPr>
+              <a:t>sum: "$</a:t>
+            </a:r>
+            <a:r>
+              <a:rPr lang="en-US" sz="2200" dirty="0" smtClean="0">
+                <a:solidFill>
+                  <a:srgbClr val="FC6F0D"/>
+                </a:solidFill>
+                <a:latin typeface="Calibri" panose="020F0502020204030204" pitchFamily="34" charset="0"/>
+                <a:cs typeface="Calibri" panose="020F0502020204030204" pitchFamily="34" charset="0"/>
+              </a:rPr>
+              <a:t>sal</a:t>
+            </a:r>
+            <a:r>
+              <a:rPr lang="en-US" sz="2200" dirty="0" smtClean="0">
+                <a:solidFill>
+                  <a:srgbClr val="FC6F0D"/>
+                </a:solidFill>
+                <a:latin typeface="Calibri" panose="020F0502020204030204" pitchFamily="34" charset="0"/>
+                <a:cs typeface="Calibri" panose="020F0502020204030204" pitchFamily="34" charset="0"/>
+              </a:rPr>
+              <a:t>"} </a:t>
+            </a:r>
+            <a:r>
+              <a:rPr lang="en-US" sz="2200" dirty="0" smtClean="0">
+                <a:solidFill>
+                  <a:srgbClr val="FC6F0D"/>
+                </a:solidFill>
+                <a:latin typeface="Calibri" panose="020F0502020204030204" pitchFamily="34" charset="0"/>
+                <a:cs typeface="Calibri" panose="020F0502020204030204" pitchFamily="34" charset="0"/>
+              </a:rPr>
+              <a:t>} } </a:t>
+            </a:r>
+            <a:r>
+              <a:rPr lang="en-US" sz="2200" dirty="0" smtClean="0">
+                <a:solidFill>
+                  <a:srgbClr val="FC6F0D"/>
+                </a:solidFill>
+                <a:latin typeface="Calibri" panose="020F0502020204030204" pitchFamily="34" charset="0"/>
+                <a:cs typeface="Calibri" panose="020F0502020204030204" pitchFamily="34" charset="0"/>
+              </a:rPr>
+              <a:t>])</a:t>
+            </a:r>
+          </a:p>
+          <a:p>
+            <a:endParaRPr lang="en-US" sz="800" dirty="0" smtClean="0">
+              <a:solidFill>
+                <a:srgbClr val="FC6F0D"/>
+              </a:solidFill>
+              <a:latin typeface="Calibri" panose="020F0502020204030204" pitchFamily="34" charset="0"/>
+              <a:cs typeface="Calibri" panose="020F0502020204030204" pitchFamily="34" charset="0"/>
+            </a:endParaRPr>
+          </a:p>
+          <a:p>
+            <a:r>
+              <a:rPr lang="en-US" sz="2200" dirty="0">
+                <a:solidFill>
+                  <a:srgbClr val="FC6F0D"/>
+                </a:solidFill>
+                <a:latin typeface="Calibri" panose="020F0502020204030204" pitchFamily="34" charset="0"/>
+                <a:cs typeface="Calibri" panose="020F0502020204030204" pitchFamily="34" charset="0"/>
+              </a:rPr>
+              <a:t>db.emp.aggregate</a:t>
+            </a:r>
+            <a:r>
+              <a:rPr lang="en-US" sz="2200" dirty="0" smtClean="0">
+                <a:solidFill>
+                  <a:srgbClr val="FC6F0D"/>
+                </a:solidFill>
+                <a:latin typeface="Calibri" panose="020F0502020204030204" pitchFamily="34" charset="0"/>
+                <a:cs typeface="Calibri" panose="020F0502020204030204" pitchFamily="34" charset="0"/>
+              </a:rPr>
+              <a:t>([ {$</a:t>
+            </a:r>
+            <a:r>
+              <a:rPr lang="en-US" sz="2200" dirty="0">
+                <a:solidFill>
+                  <a:srgbClr val="FC6F0D"/>
+                </a:solidFill>
+                <a:latin typeface="Calibri" panose="020F0502020204030204" pitchFamily="34" charset="0"/>
+                <a:cs typeface="Calibri" panose="020F0502020204030204" pitchFamily="34" charset="0"/>
+              </a:rPr>
+              <a:t>group</a:t>
+            </a:r>
+            <a:r>
+              <a:rPr lang="en-US" sz="2200" dirty="0" smtClean="0">
+                <a:solidFill>
+                  <a:srgbClr val="FC6F0D"/>
+                </a:solidFill>
+                <a:latin typeface="Calibri" panose="020F0502020204030204" pitchFamily="34" charset="0"/>
+                <a:cs typeface="Calibri" panose="020F0502020204030204" pitchFamily="34" charset="0"/>
+              </a:rPr>
+              <a:t>: {_</a:t>
+            </a:r>
+            <a:r>
+              <a:rPr lang="en-US" sz="2200" dirty="0">
+                <a:solidFill>
+                  <a:srgbClr val="FC6F0D"/>
+                </a:solidFill>
+                <a:latin typeface="Calibri" panose="020F0502020204030204" pitchFamily="34" charset="0"/>
+                <a:cs typeface="Calibri" panose="020F0502020204030204" pitchFamily="34" charset="0"/>
+              </a:rPr>
+              <a:t>id</a:t>
+            </a:r>
+            <a:r>
+              <a:rPr lang="en-US" sz="2200" dirty="0" smtClean="0">
+                <a:solidFill>
+                  <a:srgbClr val="FC6F0D"/>
+                </a:solidFill>
+                <a:latin typeface="Calibri" panose="020F0502020204030204" pitchFamily="34" charset="0"/>
+                <a:cs typeface="Calibri" panose="020F0502020204030204" pitchFamily="34" charset="0"/>
+              </a:rPr>
+              <a:t>: "$</a:t>
+            </a:r>
+            <a:r>
+              <a:rPr lang="en-US" sz="2200" dirty="0">
+                <a:solidFill>
+                  <a:srgbClr val="FC6F0D"/>
+                </a:solidFill>
+                <a:latin typeface="Calibri" panose="020F0502020204030204" pitchFamily="34" charset="0"/>
+                <a:cs typeface="Calibri" panose="020F0502020204030204" pitchFamily="34" charset="0"/>
+              </a:rPr>
+              <a:t>job", count: {$</a:t>
+            </a:r>
+            <a:r>
+              <a:rPr lang="en-US" sz="2200" dirty="0" smtClean="0">
+                <a:solidFill>
+                  <a:srgbClr val="FC6F0D"/>
+                </a:solidFill>
+                <a:latin typeface="Calibri" panose="020F0502020204030204" pitchFamily="34" charset="0"/>
+                <a:cs typeface="Calibri" panose="020F0502020204030204" pitchFamily="34" charset="0"/>
+              </a:rPr>
+              <a:t>sum: 1} } } ])</a:t>
+            </a:r>
+            <a:endParaRPr lang="en-US" sz="2200" dirty="0">
+              <a:solidFill>
+                <a:srgbClr val="FC6F0D"/>
+              </a:solidFill>
+              <a:latin typeface="Calibri" panose="020F0502020204030204" pitchFamily="34" charset="0"/>
+              <a:cs typeface="Calibri" panose="020F0502020204030204" pitchFamily="34" charset="0"/>
+            </a:endParaRPr>
           </a:p>
         </p:txBody>
       </p:sp>
     </p:spTree>
     <p:extLst>
       <p:ext uri="{BB962C8B-B14F-4D97-AF65-F5344CB8AC3E}">
-        <p14:creationId xmlns:p14="http://schemas.microsoft.com/office/powerpoint/2010/main" val="2324753550"/>
+        <p14:creationId xmlns:p14="http://schemas.microsoft.com/office/powerpoint/2010/main" val="3783028887"/>
       </p:ext>
     </p:extLst>
   </p:cSld>
@@ -27205,10 +29094,51 @@
           </a:p>
         </p:txBody>
       </p:sp>
+      <p:sp>
+        <p:nvSpPr>
+          <p:cNvPr id="4" name="Rectangle 3"/>
+          <p:cNvSpPr/>
+          <p:nvPr/>
+        </p:nvSpPr>
+        <p:spPr>
+          <a:xfrm>
+            <a:off x="149188" y="1828800"/>
+            <a:ext cx="8761264" cy="369332"/>
+          </a:xfrm>
+          <a:prstGeom prst="rect">
+            <a:avLst/>
+          </a:prstGeom>
+        </p:spPr>
+        <p:txBody>
+          <a:bodyPr wrap="square">
+            <a:spAutoFit/>
+          </a:bodyPr>
+          <a:lstStyle/>
+          <a:p>
+            <a:r>
+              <a:rPr lang="en-US" dirty="0" smtClean="0">
+                <a:solidFill>
+                  <a:srgbClr val="049DC8"/>
+                </a:solidFill>
+                <a:latin typeface="Consolas" panose="020B0609020204030204" pitchFamily="49" charset="0"/>
+                <a:cs typeface="Calibri" panose="020F0502020204030204" pitchFamily="34" charset="0"/>
+              </a:rPr>
+              <a:t>{ $&lt;stageOperator&gt; : { } }</a:t>
+            </a:r>
+            <a:endParaRPr lang="en-US" dirty="0">
+              <a:solidFill>
+                <a:srgbClr val="049DC8"/>
+              </a:solidFill>
+              <a:latin typeface="Consolas" panose="020B0609020204030204" pitchFamily="49" charset="0"/>
+              <a:cs typeface="Calibri" panose="020F0502020204030204" pitchFamily="34" charset="0"/>
+            </a:endParaRPr>
+          </a:p>
+        </p:txBody>
+      </p:sp>
     </p:spTree>
     <p:extLst>
       <p:ext uri="{BB962C8B-B14F-4D97-AF65-F5344CB8AC3E}">
-        <p14:creationId xmlns:p14="http://schemas.microsoft.com/office/powerpoint/2010/main" val="159175200"/>
+        <p14:creationId xmlns:p14="http://schemas.microsoft.com/office/powerpoint/2010/main" val="895975297"/>
       </p:ext>
     </p:extLst>
   </p:cSld>
@@ -27335,10 +29265,51 @@
           </a:p>
         </p:txBody>
       </p:sp>
+      <p:sp>
+        <p:nvSpPr>
+          <p:cNvPr id="4" name="Rectangle 3"/>
+          <p:cNvSpPr/>
+          <p:nvPr/>
+        </p:nvSpPr>
+        <p:spPr>
+          <a:xfrm>
+            <a:off x="149188" y="1828800"/>
+            <a:ext cx="8761264" cy="369332"/>
+          </a:xfrm>
+          <a:prstGeom prst="rect">
+            <a:avLst/>
+          </a:prstGeom>
+        </p:spPr>
+        <p:txBody>
+          <a:bodyPr wrap="square">
+            <a:spAutoFit/>
+          </a:bodyPr>
+          <a:lstStyle/>
+          <a:p>
+            <a:r>
+              <a:rPr lang="en-US" dirty="0" smtClean="0">
+                <a:solidFill>
+                  <a:srgbClr val="049DC8"/>
+                </a:solidFill>
+                <a:latin typeface="Consolas" panose="020B0609020204030204" pitchFamily="49" charset="0"/>
+                <a:cs typeface="Calibri" panose="020F0502020204030204" pitchFamily="34" charset="0"/>
+              </a:rPr>
+              <a:t>{ $&lt;stageOperator&gt; : { } }</a:t>
+            </a:r>
+            <a:endParaRPr lang="en-US" dirty="0">
+              <a:solidFill>
+                <a:srgbClr val="049DC8"/>
+              </a:solidFill>
+              <a:latin typeface="Consolas" panose="020B0609020204030204" pitchFamily="49" charset="0"/>
+              <a:cs typeface="Calibri" panose="020F0502020204030204" pitchFamily="34" charset="0"/>
+            </a:endParaRPr>
+          </a:p>
+        </p:txBody>
+      </p:sp>
     </p:spTree>
     <p:extLst>
       <p:ext uri="{BB962C8B-B14F-4D97-AF65-F5344CB8AC3E}">
-        <p14:creationId xmlns:p14="http://schemas.microsoft.com/office/powerpoint/2010/main" val="4200858574"/>
+        <p14:creationId xmlns:p14="http://schemas.microsoft.com/office/powerpoint/2010/main" val="1785036271"/>
       </p:ext>
     </p:extLst>
   </p:cSld>
@@ -27465,10 +29436,51 @@
           </a:p>
         </p:txBody>
       </p:sp>
+      <p:sp>
+        <p:nvSpPr>
+          <p:cNvPr id="4" name="Rectangle 3"/>
+          <p:cNvSpPr/>
+          <p:nvPr/>
+        </p:nvSpPr>
+        <p:spPr>
+          <a:xfrm>
+            <a:off x="149188" y="1828800"/>
+            <a:ext cx="8761264" cy="369332"/>
+          </a:xfrm>
+          <a:prstGeom prst="rect">
+            <a:avLst/>
+          </a:prstGeom>
+        </p:spPr>
+        <p:txBody>
+          <a:bodyPr wrap="square">
+            <a:spAutoFit/>
+          </a:bodyPr>
+          <a:lstStyle/>
+          <a:p>
+            <a:r>
+              <a:rPr lang="en-US" dirty="0" smtClean="0">
+                <a:solidFill>
+                  <a:srgbClr val="049DC8"/>
+                </a:solidFill>
+                <a:latin typeface="Consolas" panose="020B0609020204030204" pitchFamily="49" charset="0"/>
+                <a:cs typeface="Calibri" panose="020F0502020204030204" pitchFamily="34" charset="0"/>
+              </a:rPr>
+              <a:t>{ $&lt;stageOperator&gt; : { } }</a:t>
+            </a:r>
+            <a:endParaRPr lang="en-US" dirty="0">
+              <a:solidFill>
+                <a:srgbClr val="049DC8"/>
+              </a:solidFill>
+              <a:latin typeface="Consolas" panose="020B0609020204030204" pitchFamily="49" charset="0"/>
+              <a:cs typeface="Calibri" panose="020F0502020204030204" pitchFamily="34" charset="0"/>
+            </a:endParaRPr>
+          </a:p>
+        </p:txBody>
+      </p:sp>
     </p:spTree>
     <p:extLst>
       <p:ext uri="{BB962C8B-B14F-4D97-AF65-F5344CB8AC3E}">
-        <p14:creationId xmlns:p14="http://schemas.microsoft.com/office/powerpoint/2010/main" val="2535387021"/>
+        <p14:creationId xmlns:p14="http://schemas.microsoft.com/office/powerpoint/2010/main" val="2324753550"/>
       </p:ext>
     </p:extLst>
   </p:cSld>
@@ -27595,10 +29607,51 @@
           </a:p>
         </p:txBody>
       </p:sp>
+      <p:sp>
+        <p:nvSpPr>
+          <p:cNvPr id="4" name="Rectangle 3"/>
+          <p:cNvSpPr/>
+          <p:nvPr/>
+        </p:nvSpPr>
+        <p:spPr>
+          <a:xfrm>
+            <a:off x="149188" y="1828800"/>
+            <a:ext cx="8761264" cy="369332"/>
+          </a:xfrm>
+          <a:prstGeom prst="rect">
+            <a:avLst/>
+          </a:prstGeom>
+        </p:spPr>
+        <p:txBody>
+          <a:bodyPr wrap="square">
+            <a:spAutoFit/>
+          </a:bodyPr>
+          <a:lstStyle/>
+          <a:p>
+            <a:r>
+              <a:rPr lang="en-US" dirty="0" smtClean="0">
+                <a:solidFill>
+                  <a:srgbClr val="049DC8"/>
+                </a:solidFill>
+                <a:latin typeface="Consolas" panose="020B0609020204030204" pitchFamily="49" charset="0"/>
+                <a:cs typeface="Calibri" panose="020F0502020204030204" pitchFamily="34" charset="0"/>
+              </a:rPr>
+              <a:t>{ $&lt;stageOperator&gt; : { } }</a:t>
+            </a:r>
+            <a:endParaRPr lang="en-US" dirty="0">
+              <a:solidFill>
+                <a:srgbClr val="049DC8"/>
+              </a:solidFill>
+              <a:latin typeface="Consolas" panose="020B0609020204030204" pitchFamily="49" charset="0"/>
+              <a:cs typeface="Calibri" panose="020F0502020204030204" pitchFamily="34" charset="0"/>
+            </a:endParaRPr>
+          </a:p>
+        </p:txBody>
+      </p:sp>
     </p:spTree>
     <p:extLst>
       <p:ext uri="{BB962C8B-B14F-4D97-AF65-F5344CB8AC3E}">
-        <p14:creationId xmlns:p14="http://schemas.microsoft.com/office/powerpoint/2010/main" val="3372373110"/>
+        <p14:creationId xmlns:p14="http://schemas.microsoft.com/office/powerpoint/2010/main" val="159175200"/>
       </p:ext>
     </p:extLst>
   </p:cSld>
@@ -27725,10 +29778,51 @@
           </a:p>
         </p:txBody>
       </p:sp>
+      <p:sp>
+        <p:nvSpPr>
+          <p:cNvPr id="4" name="Rectangle 3"/>
+          <p:cNvSpPr/>
+          <p:nvPr/>
+        </p:nvSpPr>
+        <p:spPr>
+          <a:xfrm>
+            <a:off x="149188" y="1828800"/>
+            <a:ext cx="8761264" cy="369332"/>
+          </a:xfrm>
+          <a:prstGeom prst="rect">
+            <a:avLst/>
+          </a:prstGeom>
+        </p:spPr>
+        <p:txBody>
+          <a:bodyPr wrap="square">
+            <a:spAutoFit/>
+          </a:bodyPr>
+          <a:lstStyle/>
+          <a:p>
+            <a:r>
+              <a:rPr lang="en-US" dirty="0" smtClean="0">
+                <a:solidFill>
+                  <a:srgbClr val="049DC8"/>
+                </a:solidFill>
+                <a:latin typeface="Consolas" panose="020B0609020204030204" pitchFamily="49" charset="0"/>
+                <a:cs typeface="Calibri" panose="020F0502020204030204" pitchFamily="34" charset="0"/>
+              </a:rPr>
+              <a:t>{ $&lt;stageOperator&gt; : { } }</a:t>
+            </a:r>
+            <a:endParaRPr lang="en-US" dirty="0">
+              <a:solidFill>
+                <a:srgbClr val="049DC8"/>
+              </a:solidFill>
+              <a:latin typeface="Consolas" panose="020B0609020204030204" pitchFamily="49" charset="0"/>
+              <a:cs typeface="Calibri" panose="020F0502020204030204" pitchFamily="34" charset="0"/>
+            </a:endParaRPr>
+          </a:p>
+        </p:txBody>
+      </p:sp>
     </p:spTree>
     <p:extLst>
       <p:ext uri="{BB962C8B-B14F-4D97-AF65-F5344CB8AC3E}">
-        <p14:creationId xmlns:p14="http://schemas.microsoft.com/office/powerpoint/2010/main" val="1298561359"/>
+        <p14:creationId xmlns:p14="http://schemas.microsoft.com/office/powerpoint/2010/main" val="4200858574"/>
       </p:ext>
     </p:extLst>
   </p:cSld>
@@ -27855,10 +29949,51 @@
           </a:p>
         </p:txBody>
       </p:sp>
+      <p:sp>
+        <p:nvSpPr>
+          <p:cNvPr id="4" name="Rectangle 3"/>
+          <p:cNvSpPr/>
+          <p:nvPr/>
+        </p:nvSpPr>
+        <p:spPr>
+          <a:xfrm>
+            <a:off x="149188" y="1828800"/>
+            <a:ext cx="8761264" cy="369332"/>
+          </a:xfrm>
+          <a:prstGeom prst="rect">
+            <a:avLst/>
+          </a:prstGeom>
+        </p:spPr>
+        <p:txBody>
+          <a:bodyPr wrap="square">
+            <a:spAutoFit/>
+          </a:bodyPr>
+          <a:lstStyle/>
+          <a:p>
+            <a:r>
+              <a:rPr lang="en-US" dirty="0" smtClean="0">
+                <a:solidFill>
+                  <a:srgbClr val="049DC8"/>
+                </a:solidFill>
+                <a:latin typeface="Consolas" panose="020B0609020204030204" pitchFamily="49" charset="0"/>
+                <a:cs typeface="Calibri" panose="020F0502020204030204" pitchFamily="34" charset="0"/>
+              </a:rPr>
+              <a:t>{ $&lt;stageOperator&gt; : { } }</a:t>
+            </a:r>
+            <a:endParaRPr lang="en-US" dirty="0">
+              <a:solidFill>
+                <a:srgbClr val="049DC8"/>
+              </a:solidFill>
+              <a:latin typeface="Consolas" panose="020B0609020204030204" pitchFamily="49" charset="0"/>
+              <a:cs typeface="Calibri" panose="020F0502020204030204" pitchFamily="34" charset="0"/>
+            </a:endParaRPr>
+          </a:p>
+        </p:txBody>
+      </p:sp>
     </p:spTree>
     <p:extLst>
       <p:ext uri="{BB962C8B-B14F-4D97-AF65-F5344CB8AC3E}">
-        <p14:creationId xmlns:p14="http://schemas.microsoft.com/office/powerpoint/2010/main" val="2767122750"/>
+        <p14:creationId xmlns:p14="http://schemas.microsoft.com/office/powerpoint/2010/main" val="2535387021"/>
       </p:ext>
     </p:extLst>
   </p:cSld>
@@ -28291,10 +30426,51 @@
           </a:p>
         </p:txBody>
       </p:sp>
+      <p:sp>
+        <p:nvSpPr>
+          <p:cNvPr id="4" name="Rectangle 3"/>
+          <p:cNvSpPr/>
+          <p:nvPr/>
+        </p:nvSpPr>
+        <p:spPr>
+          <a:xfrm>
+            <a:off x="149188" y="1828800"/>
+            <a:ext cx="8761264" cy="369332"/>
+          </a:xfrm>
+          <a:prstGeom prst="rect">
+            <a:avLst/>
+          </a:prstGeom>
+        </p:spPr>
+        <p:txBody>
+          <a:bodyPr wrap="square">
+            <a:spAutoFit/>
+          </a:bodyPr>
+          <a:lstStyle/>
+          <a:p>
+            <a:r>
+              <a:rPr lang="en-US" dirty="0" smtClean="0">
+                <a:solidFill>
+                  <a:srgbClr val="049DC8"/>
+                </a:solidFill>
+                <a:latin typeface="Consolas" panose="020B0609020204030204" pitchFamily="49" charset="0"/>
+                <a:cs typeface="Calibri" panose="020F0502020204030204" pitchFamily="34" charset="0"/>
+              </a:rPr>
+              <a:t>{ $&lt;stageOperator&gt; : { } }</a:t>
+            </a:r>
+            <a:endParaRPr lang="en-US" dirty="0">
+              <a:solidFill>
+                <a:srgbClr val="049DC8"/>
+              </a:solidFill>
+              <a:latin typeface="Consolas" panose="020B0609020204030204" pitchFamily="49" charset="0"/>
+              <a:cs typeface="Calibri" panose="020F0502020204030204" pitchFamily="34" charset="0"/>
+            </a:endParaRPr>
+          </a:p>
+        </p:txBody>
+      </p:sp>
     </p:spTree>
     <p:extLst>
       <p:ext uri="{BB962C8B-B14F-4D97-AF65-F5344CB8AC3E}">
-        <p14:creationId xmlns:p14="http://schemas.microsoft.com/office/powerpoint/2010/main" val="3923222660"/>
+        <p14:creationId xmlns:p14="http://schemas.microsoft.com/office/powerpoint/2010/main" val="3372373110"/>
       </p:ext>
     </p:extLst>
   </p:cSld>
@@ -28424,7 +30600,7 @@
     </p:spTree>
     <p:extLst>
       <p:ext uri="{BB962C8B-B14F-4D97-AF65-F5344CB8AC3E}">
-        <p14:creationId xmlns:p14="http://schemas.microsoft.com/office/powerpoint/2010/main" val="166747101"/>
+        <p14:creationId xmlns:p14="http://schemas.microsoft.com/office/powerpoint/2010/main" val="1298561359"/>
       </p:ext>
     </p:extLst>
   </p:cSld>
@@ -28554,7 +30730,7 @@
     </p:spTree>
     <p:extLst>
       <p:ext uri="{BB962C8B-B14F-4D97-AF65-F5344CB8AC3E}">
-        <p14:creationId xmlns:p14="http://schemas.microsoft.com/office/powerpoint/2010/main" val="924942284"/>
+        <p14:creationId xmlns:p14="http://schemas.microsoft.com/office/powerpoint/2010/main" val="2767122750"/>
       </p:ext>
     </p:extLst>
   </p:cSld>
@@ -28684,7 +30860,7 @@
     </p:spTree>
     <p:extLst>
       <p:ext uri="{BB962C8B-B14F-4D97-AF65-F5344CB8AC3E}">
-        <p14:creationId xmlns:p14="http://schemas.microsoft.com/office/powerpoint/2010/main" val="3259065627"/>
+        <p14:creationId xmlns:p14="http://schemas.microsoft.com/office/powerpoint/2010/main" val="3923222660"/>
       </p:ext>
     </p:extLst>
   </p:cSld>
@@ -28814,7 +30990,7 @@
     </p:spTree>
     <p:extLst>
       <p:ext uri="{BB962C8B-B14F-4D97-AF65-F5344CB8AC3E}">
-        <p14:creationId xmlns:p14="http://schemas.microsoft.com/office/powerpoint/2010/main" val="3171492564"/>
+        <p14:creationId xmlns:p14="http://schemas.microsoft.com/office/powerpoint/2010/main" val="166747101"/>
       </p:ext>
     </p:extLst>
   </p:cSld>
@@ -28944,7 +31120,7 @@
     </p:spTree>
     <p:extLst>
       <p:ext uri="{BB962C8B-B14F-4D97-AF65-F5344CB8AC3E}">
-        <p14:creationId xmlns:p14="http://schemas.microsoft.com/office/powerpoint/2010/main" val="2780407736"/>
+        <p14:creationId xmlns:p14="http://schemas.microsoft.com/office/powerpoint/2010/main" val="924942284"/>
       </p:ext>
     </p:extLst>
   </p:cSld>
@@ -29074,7 +31250,7 @@
     </p:spTree>
     <p:extLst>
       <p:ext uri="{BB962C8B-B14F-4D97-AF65-F5344CB8AC3E}">
-        <p14:creationId xmlns:p14="http://schemas.microsoft.com/office/powerpoint/2010/main" val="848474725"/>
+        <p14:creationId xmlns:p14="http://schemas.microsoft.com/office/powerpoint/2010/main" val="3259065627"/>
       </p:ext>
     </p:extLst>
   </p:cSld>
@@ -29204,7 +31380,7 @@
     </p:spTree>
     <p:extLst>
       <p:ext uri="{BB962C8B-B14F-4D97-AF65-F5344CB8AC3E}">
-        <p14:creationId xmlns:p14="http://schemas.microsoft.com/office/powerpoint/2010/main" val="4030158449"/>
+        <p14:creationId xmlns:p14="http://schemas.microsoft.com/office/powerpoint/2010/main" val="3171492564"/>
       </p:ext>
     </p:extLst>
   </p:cSld>
@@ -29334,7 +31510,7 @@
     </p:spTree>
     <p:extLst>
       <p:ext uri="{BB962C8B-B14F-4D97-AF65-F5344CB8AC3E}">
-        <p14:creationId xmlns:p14="http://schemas.microsoft.com/office/powerpoint/2010/main" val="1708605334"/>
+        <p14:creationId xmlns:p14="http://schemas.microsoft.com/office/powerpoint/2010/main" val="2780407736"/>
       </p:ext>
     </p:extLst>
   </p:cSld>
@@ -29464,7 +31640,7 @@
     </p:spTree>
     <p:extLst>
       <p:ext uri="{BB962C8B-B14F-4D97-AF65-F5344CB8AC3E}">
-        <p14:creationId xmlns:p14="http://schemas.microsoft.com/office/powerpoint/2010/main" val="1478242473"/>
+        <p14:creationId xmlns:p14="http://schemas.microsoft.com/office/powerpoint/2010/main" val="848474725"/>
       </p:ext>
     </p:extLst>
   </p:cSld>

--- a/MongoDB PPT.pptx
+++ b/MongoDB PPT.pptx
@@ -27923,7 +27923,17 @@
                 <a:latin typeface="Calibri" panose="020F0502020204030204" pitchFamily="34" charset="0"/>
                 <a:cs typeface="Calibri" panose="020F0502020204030204" pitchFamily="34" charset="0"/>
               </a:rPr>
-              <a:t>db.emp.aggregate</a:t>
+              <a:t>db.emp.aggregate([ {$group: {_</a:t>
+            </a:r>
+            <a:r>
+              <a:rPr lang="en-US" sz="2200" dirty="0">
+                <a:solidFill>
+                  <a:srgbClr val="FC6F0D"/>
+                </a:solidFill>
+                <a:latin typeface="Calibri" panose="020F0502020204030204" pitchFamily="34" charset="0"/>
+                <a:cs typeface="Calibri" panose="020F0502020204030204" pitchFamily="34" charset="0"/>
+              </a:rPr>
+              <a:t>id</a:t>
             </a:r>
             <a:r>
               <a:rPr lang="en-US" sz="2200" dirty="0" smtClean="0">
@@ -27933,7 +27943,17 @@
                 <a:latin typeface="Calibri" panose="020F0502020204030204" pitchFamily="34" charset="0"/>
                 <a:cs typeface="Calibri" panose="020F0502020204030204" pitchFamily="34" charset="0"/>
               </a:rPr>
-              <a:t>([ </a:t>
+              <a:t>: null, </a:t>
+            </a:r>
+            <a:r>
+              <a:rPr lang="en-US" sz="2200" dirty="0">
+                <a:solidFill>
+                  <a:srgbClr val="FC6F0D"/>
+                </a:solidFill>
+                <a:latin typeface="Calibri" panose="020F0502020204030204" pitchFamily="34" charset="0"/>
+                <a:cs typeface="Calibri" panose="020F0502020204030204" pitchFamily="34" charset="0"/>
+              </a:rPr>
+              <a:t>total</a:t>
             </a:r>
             <a:r>
               <a:rPr lang="en-US" sz="2200" dirty="0" smtClean="0">
@@ -27943,7 +27963,17 @@
                 <a:latin typeface="Calibri" panose="020F0502020204030204" pitchFamily="34" charset="0"/>
                 <a:cs typeface="Calibri" panose="020F0502020204030204" pitchFamily="34" charset="0"/>
               </a:rPr>
-              <a:t>{$group: </a:t>
+              <a:t>: {$</a:t>
+            </a:r>
+            <a:r>
+              <a:rPr lang="en-US" sz="2200" dirty="0">
+                <a:solidFill>
+                  <a:srgbClr val="FC6F0D"/>
+                </a:solidFill>
+                <a:latin typeface="Calibri" panose="020F0502020204030204" pitchFamily="34" charset="0"/>
+                <a:cs typeface="Calibri" panose="020F0502020204030204" pitchFamily="34" charset="0"/>
+              </a:rPr>
+              <a:t>sum: "$</a:t>
             </a:r>
             <a:r>
               <a:rPr lang="en-US" sz="2200" dirty="0" smtClean="0">
@@ -27953,117 +27983,7 @@
                 <a:latin typeface="Calibri" panose="020F0502020204030204" pitchFamily="34" charset="0"/>
                 <a:cs typeface="Calibri" panose="020F0502020204030204" pitchFamily="34" charset="0"/>
               </a:rPr>
-              <a:t>{_</a:t>
-            </a:r>
-            <a:r>
-              <a:rPr lang="en-US" sz="2200" dirty="0">
-                <a:solidFill>
-                  <a:srgbClr val="FC6F0D"/>
-                </a:solidFill>
-                <a:latin typeface="Calibri" panose="020F0502020204030204" pitchFamily="34" charset="0"/>
-                <a:cs typeface="Calibri" panose="020F0502020204030204" pitchFamily="34" charset="0"/>
-              </a:rPr>
-              <a:t>id</a:t>
-            </a:r>
-            <a:r>
-              <a:rPr lang="en-US" sz="2200" dirty="0" smtClean="0">
-                <a:solidFill>
-                  <a:srgbClr val="FC6F0D"/>
-                </a:solidFill>
-                <a:latin typeface="Calibri" panose="020F0502020204030204" pitchFamily="34" charset="0"/>
-                <a:cs typeface="Calibri" panose="020F0502020204030204" pitchFamily="34" charset="0"/>
-              </a:rPr>
-              <a:t>: </a:t>
-            </a:r>
-            <a:r>
-              <a:rPr lang="en-US" sz="2200" dirty="0" smtClean="0">
-                <a:solidFill>
-                  <a:srgbClr val="FC6F0D"/>
-                </a:solidFill>
-                <a:latin typeface="Calibri" panose="020F0502020204030204" pitchFamily="34" charset="0"/>
-                <a:cs typeface="Calibri" panose="020F0502020204030204" pitchFamily="34" charset="0"/>
-              </a:rPr>
-              <a:t>null, </a:t>
-            </a:r>
-            <a:r>
-              <a:rPr lang="en-US" sz="2200" dirty="0">
-                <a:solidFill>
-                  <a:srgbClr val="FC6F0D"/>
-                </a:solidFill>
-                <a:latin typeface="Calibri" panose="020F0502020204030204" pitchFamily="34" charset="0"/>
-                <a:cs typeface="Calibri" panose="020F0502020204030204" pitchFamily="34" charset="0"/>
-              </a:rPr>
-              <a:t>total</a:t>
-            </a:r>
-            <a:r>
-              <a:rPr lang="en-US" sz="2200" dirty="0" smtClean="0">
-                <a:solidFill>
-                  <a:srgbClr val="FC6F0D"/>
-                </a:solidFill>
-                <a:latin typeface="Calibri" panose="020F0502020204030204" pitchFamily="34" charset="0"/>
-                <a:cs typeface="Calibri" panose="020F0502020204030204" pitchFamily="34" charset="0"/>
-              </a:rPr>
-              <a:t>: </a:t>
-            </a:r>
-            <a:r>
-              <a:rPr lang="en-US" sz="2200" dirty="0" smtClean="0">
-                <a:solidFill>
-                  <a:srgbClr val="FC6F0D"/>
-                </a:solidFill>
-                <a:latin typeface="Calibri" panose="020F0502020204030204" pitchFamily="34" charset="0"/>
-                <a:cs typeface="Calibri" panose="020F0502020204030204" pitchFamily="34" charset="0"/>
-              </a:rPr>
-              <a:t>{$</a:t>
-            </a:r>
-            <a:r>
-              <a:rPr lang="en-US" sz="2200" dirty="0">
-                <a:solidFill>
-                  <a:srgbClr val="FC6F0D"/>
-                </a:solidFill>
-                <a:latin typeface="Calibri" panose="020F0502020204030204" pitchFamily="34" charset="0"/>
-                <a:cs typeface="Calibri" panose="020F0502020204030204" pitchFamily="34" charset="0"/>
-              </a:rPr>
-              <a:t>sum: "$</a:t>
-            </a:r>
-            <a:r>
-              <a:rPr lang="en-US" sz="2200" dirty="0" smtClean="0">
-                <a:solidFill>
-                  <a:srgbClr val="FC6F0D"/>
-                </a:solidFill>
-                <a:latin typeface="Calibri" panose="020F0502020204030204" pitchFamily="34" charset="0"/>
-                <a:cs typeface="Calibri" panose="020F0502020204030204" pitchFamily="34" charset="0"/>
-              </a:rPr>
-              <a:t>sal</a:t>
-            </a:r>
-            <a:r>
-              <a:rPr lang="en-US" sz="2200" dirty="0" smtClean="0">
-                <a:solidFill>
-                  <a:srgbClr val="FC6F0D"/>
-                </a:solidFill>
-                <a:latin typeface="Calibri" panose="020F0502020204030204" pitchFamily="34" charset="0"/>
-                <a:cs typeface="Calibri" panose="020F0502020204030204" pitchFamily="34" charset="0"/>
-              </a:rPr>
-              <a:t>"} </a:t>
-            </a:r>
-            <a:r>
-              <a:rPr lang="en-US" sz="2200" dirty="0" smtClean="0">
-                <a:solidFill>
-                  <a:srgbClr val="FC6F0D"/>
-                </a:solidFill>
-                <a:latin typeface="Calibri" panose="020F0502020204030204" pitchFamily="34" charset="0"/>
-                <a:cs typeface="Calibri" panose="020F0502020204030204" pitchFamily="34" charset="0"/>
-              </a:rPr>
-              <a:t>} } </a:t>
-            </a:r>
-            <a:r>
-              <a:rPr lang="en-US" sz="2200" dirty="0" smtClean="0">
-                <a:solidFill>
-                  <a:srgbClr val="FC6F0D"/>
-                </a:solidFill>
-                <a:latin typeface="Calibri" panose="020F0502020204030204" pitchFamily="34" charset="0"/>
-                <a:cs typeface="Calibri" panose="020F0502020204030204" pitchFamily="34" charset="0"/>
-              </a:rPr>
-              <a:t>])</a:t>
+              <a:t>sal"} } } ])</a:t>
             </a:r>
           </a:p>
           <a:p>
@@ -28591,13 +28511,6 @@
               </a:rPr>
               <a:t>{ $match: { &lt;query&gt; } }</a:t>
             </a:r>
-            <a:endParaRPr lang="en-US" dirty="0">
-              <a:solidFill>
-                <a:srgbClr val="049DC8"/>
-              </a:solidFill>
-              <a:latin typeface="Consolas" panose="020B0609020204030204" pitchFamily="49" charset="0"/>
-              <a:cs typeface="Calibri" panose="020F0502020204030204" pitchFamily="34" charset="0"/>
-            </a:endParaRPr>
           </a:p>
         </p:txBody>
       </p:sp>
@@ -28610,7 +28523,7 @@
         <p:spPr>
           <a:xfrm>
             <a:off x="149188" y="2133600"/>
-            <a:ext cx="8761264" cy="1354217"/>
+            <a:ext cx="8761264" cy="892552"/>
           </a:xfrm>
           <a:prstGeom prst="rect">
             <a:avLst/>
@@ -28630,7 +28543,7 @@
                 <a:latin typeface="Calibri" panose="020F0502020204030204" pitchFamily="34" charset="0"/>
                 <a:cs typeface="Calibri" panose="020F0502020204030204" pitchFamily="34" charset="0"/>
               </a:rPr>
-              <a:t>db.emp.aggregate</a:t>
+              <a:t>db.emp.aggregate </a:t>
             </a:r>
             <a:r>
               <a:rPr lang="en-US" sz="2200" dirty="0" smtClean="0">
@@ -28650,7 +28563,7 @@
                 <a:latin typeface="Calibri" panose="020F0502020204030204" pitchFamily="34" charset="0"/>
                 <a:cs typeface="Calibri" panose="020F0502020204030204" pitchFamily="34" charset="0"/>
               </a:rPr>
-              <a:t>group</a:t>
+              <a:t>match: { job:'manager' } </a:t>
             </a:r>
             <a:r>
               <a:rPr lang="en-US" sz="2200" dirty="0" smtClean="0">
@@ -28660,209 +28573,15 @@
                 <a:latin typeface="Calibri" panose="020F0502020204030204" pitchFamily="34" charset="0"/>
                 <a:cs typeface="Calibri" panose="020F0502020204030204" pitchFamily="34" charset="0"/>
               </a:rPr>
-              <a:t>: {_</a:t>
-            </a:r>
-            <a:r>
-              <a:rPr lang="en-US" sz="2200" dirty="0">
-                <a:solidFill>
-                  <a:srgbClr val="FC6F0D"/>
-                </a:solidFill>
-                <a:latin typeface="Calibri" panose="020F0502020204030204" pitchFamily="34" charset="0"/>
-                <a:cs typeface="Calibri" panose="020F0502020204030204" pitchFamily="34" charset="0"/>
-              </a:rPr>
-              <a:t>id</a:t>
-            </a:r>
-            <a:r>
-              <a:rPr lang="en-US" sz="2200" dirty="0" smtClean="0">
-                <a:solidFill>
-                  <a:srgbClr val="FC6F0D"/>
-                </a:solidFill>
-                <a:latin typeface="Calibri" panose="020F0502020204030204" pitchFamily="34" charset="0"/>
-                <a:cs typeface="Calibri" panose="020F0502020204030204" pitchFamily="34" charset="0"/>
-              </a:rPr>
-              <a:t>: null</a:t>
-            </a:r>
-            <a:r>
-              <a:rPr lang="en-US" sz="2200" dirty="0">
-                <a:solidFill>
-                  <a:srgbClr val="FC6F0D"/>
-                </a:solidFill>
-                <a:latin typeface="Calibri" panose="020F0502020204030204" pitchFamily="34" charset="0"/>
-                <a:cs typeface="Calibri" panose="020F0502020204030204" pitchFamily="34" charset="0"/>
-              </a:rPr>
-              <a:t>, count: {$sum</a:t>
-            </a:r>
-            <a:r>
-              <a:rPr lang="en-US" sz="2200" dirty="0" smtClean="0">
-                <a:solidFill>
-                  <a:srgbClr val="FC6F0D"/>
-                </a:solidFill>
-                <a:latin typeface="Calibri" panose="020F0502020204030204" pitchFamily="34" charset="0"/>
-                <a:cs typeface="Calibri" panose="020F0502020204030204" pitchFamily="34" charset="0"/>
-              </a:rPr>
-              <a:t>: 1} } } ])</a:t>
-            </a:r>
-          </a:p>
-          <a:p>
-            <a:endParaRPr lang="en-US" sz="800" dirty="0">
+              <a:t>} ])</a:t>
+            </a:r>
+            <a:endParaRPr lang="en-US" sz="2200" dirty="0" smtClean="0">
               <a:solidFill>
                 <a:srgbClr val="FC6F0D"/>
               </a:solidFill>
               <a:latin typeface="Calibri" panose="020F0502020204030204" pitchFamily="34" charset="0"/>
               <a:cs typeface="Calibri" panose="020F0502020204030204" pitchFamily="34" charset="0"/>
             </a:endParaRPr>
-          </a:p>
-          <a:p>
-            <a:r>
-              <a:rPr lang="en-US" sz="2200" dirty="0" smtClean="0">
-                <a:solidFill>
-                  <a:srgbClr val="FC6F0D"/>
-                </a:solidFill>
-                <a:latin typeface="Calibri" panose="020F0502020204030204" pitchFamily="34" charset="0"/>
-                <a:cs typeface="Calibri" panose="020F0502020204030204" pitchFamily="34" charset="0"/>
-              </a:rPr>
-              <a:t>db.emp.aggregate</a:t>
-            </a:r>
-            <a:r>
-              <a:rPr lang="en-US" sz="2200" dirty="0" smtClean="0">
-                <a:solidFill>
-                  <a:srgbClr val="FC6F0D"/>
-                </a:solidFill>
-                <a:latin typeface="Calibri" panose="020F0502020204030204" pitchFamily="34" charset="0"/>
-                <a:cs typeface="Calibri" panose="020F0502020204030204" pitchFamily="34" charset="0"/>
-              </a:rPr>
-              <a:t>([ </a:t>
-            </a:r>
-            <a:r>
-              <a:rPr lang="en-US" sz="2200" dirty="0" smtClean="0">
-                <a:solidFill>
-                  <a:srgbClr val="FC6F0D"/>
-                </a:solidFill>
-                <a:latin typeface="Calibri" panose="020F0502020204030204" pitchFamily="34" charset="0"/>
-                <a:cs typeface="Calibri" panose="020F0502020204030204" pitchFamily="34" charset="0"/>
-              </a:rPr>
-              <a:t>{$group: </a:t>
-            </a:r>
-            <a:r>
-              <a:rPr lang="en-US" sz="2200" dirty="0" smtClean="0">
-                <a:solidFill>
-                  <a:srgbClr val="FC6F0D"/>
-                </a:solidFill>
-                <a:latin typeface="Calibri" panose="020F0502020204030204" pitchFamily="34" charset="0"/>
-                <a:cs typeface="Calibri" panose="020F0502020204030204" pitchFamily="34" charset="0"/>
-              </a:rPr>
-              <a:t>{_</a:t>
-            </a:r>
-            <a:r>
-              <a:rPr lang="en-US" sz="2200" dirty="0">
-                <a:solidFill>
-                  <a:srgbClr val="FC6F0D"/>
-                </a:solidFill>
-                <a:latin typeface="Calibri" panose="020F0502020204030204" pitchFamily="34" charset="0"/>
-                <a:cs typeface="Calibri" panose="020F0502020204030204" pitchFamily="34" charset="0"/>
-              </a:rPr>
-              <a:t>id</a:t>
-            </a:r>
-            <a:r>
-              <a:rPr lang="en-US" sz="2200" dirty="0" smtClean="0">
-                <a:solidFill>
-                  <a:srgbClr val="FC6F0D"/>
-                </a:solidFill>
-                <a:latin typeface="Calibri" panose="020F0502020204030204" pitchFamily="34" charset="0"/>
-                <a:cs typeface="Calibri" panose="020F0502020204030204" pitchFamily="34" charset="0"/>
-              </a:rPr>
-              <a:t>: </a:t>
-            </a:r>
-            <a:r>
-              <a:rPr lang="en-US" sz="2200" dirty="0" smtClean="0">
-                <a:solidFill>
-                  <a:srgbClr val="FC6F0D"/>
-                </a:solidFill>
-                <a:latin typeface="Calibri" panose="020F0502020204030204" pitchFamily="34" charset="0"/>
-                <a:cs typeface="Calibri" panose="020F0502020204030204" pitchFamily="34" charset="0"/>
-              </a:rPr>
-              <a:t>null, </a:t>
-            </a:r>
-            <a:r>
-              <a:rPr lang="en-US" sz="2200" dirty="0">
-                <a:solidFill>
-                  <a:srgbClr val="FC6F0D"/>
-                </a:solidFill>
-                <a:latin typeface="Calibri" panose="020F0502020204030204" pitchFamily="34" charset="0"/>
-                <a:cs typeface="Calibri" panose="020F0502020204030204" pitchFamily="34" charset="0"/>
-              </a:rPr>
-              <a:t>total</a:t>
-            </a:r>
-            <a:r>
-              <a:rPr lang="en-US" sz="2200" dirty="0" smtClean="0">
-                <a:solidFill>
-                  <a:srgbClr val="FC6F0D"/>
-                </a:solidFill>
-                <a:latin typeface="Calibri" panose="020F0502020204030204" pitchFamily="34" charset="0"/>
-                <a:cs typeface="Calibri" panose="020F0502020204030204" pitchFamily="34" charset="0"/>
-              </a:rPr>
-              <a:t>: </a:t>
-            </a:r>
-            <a:r>
-              <a:rPr lang="en-US" sz="2200" dirty="0" smtClean="0">
-                <a:solidFill>
-                  <a:srgbClr val="FC6F0D"/>
-                </a:solidFill>
-                <a:latin typeface="Calibri" panose="020F0502020204030204" pitchFamily="34" charset="0"/>
-                <a:cs typeface="Calibri" panose="020F0502020204030204" pitchFamily="34" charset="0"/>
-              </a:rPr>
-              <a:t>{$</a:t>
-            </a:r>
-            <a:r>
-              <a:rPr lang="en-US" sz="2200" dirty="0">
-                <a:solidFill>
-                  <a:srgbClr val="FC6F0D"/>
-                </a:solidFill>
-                <a:latin typeface="Calibri" panose="020F0502020204030204" pitchFamily="34" charset="0"/>
-                <a:cs typeface="Calibri" panose="020F0502020204030204" pitchFamily="34" charset="0"/>
-              </a:rPr>
-              <a:t>sum: "$</a:t>
-            </a:r>
-            <a:r>
-              <a:rPr lang="en-US" sz="2200" dirty="0" smtClean="0">
-                <a:solidFill>
-                  <a:srgbClr val="FC6F0D"/>
-                </a:solidFill>
-                <a:latin typeface="Calibri" panose="020F0502020204030204" pitchFamily="34" charset="0"/>
-                <a:cs typeface="Calibri" panose="020F0502020204030204" pitchFamily="34" charset="0"/>
-              </a:rPr>
-              <a:t>sal</a:t>
-            </a:r>
-            <a:r>
-              <a:rPr lang="en-US" sz="2200" dirty="0" smtClean="0">
-                <a:solidFill>
-                  <a:srgbClr val="FC6F0D"/>
-                </a:solidFill>
-                <a:latin typeface="Calibri" panose="020F0502020204030204" pitchFamily="34" charset="0"/>
-                <a:cs typeface="Calibri" panose="020F0502020204030204" pitchFamily="34" charset="0"/>
-              </a:rPr>
-              <a:t>"} </a:t>
-            </a:r>
-            <a:r>
-              <a:rPr lang="en-US" sz="2200" dirty="0" smtClean="0">
-                <a:solidFill>
-                  <a:srgbClr val="FC6F0D"/>
-                </a:solidFill>
-                <a:latin typeface="Calibri" panose="020F0502020204030204" pitchFamily="34" charset="0"/>
-                <a:cs typeface="Calibri" panose="020F0502020204030204" pitchFamily="34" charset="0"/>
-              </a:rPr>
-              <a:t>} } </a:t>
-            </a:r>
-            <a:r>
-              <a:rPr lang="en-US" sz="2200" dirty="0" smtClean="0">
-                <a:solidFill>
-                  <a:srgbClr val="FC6F0D"/>
-                </a:solidFill>
-                <a:latin typeface="Calibri" panose="020F0502020204030204" pitchFamily="34" charset="0"/>
-                <a:cs typeface="Calibri" panose="020F0502020204030204" pitchFamily="34" charset="0"/>
-              </a:rPr>
-              <a:t>])</a:t>
-            </a:r>
           </a:p>
           <a:p>
             <a:endParaRPr lang="en-US" sz="800" dirty="0" smtClean="0">
@@ -28882,7 +28601,7 @@
                 <a:latin typeface="Calibri" panose="020F0502020204030204" pitchFamily="34" charset="0"/>
                 <a:cs typeface="Calibri" panose="020F0502020204030204" pitchFamily="34" charset="0"/>
               </a:rPr>
-              <a:t>db.emp.aggregate</a:t>
+              <a:t>db.emp.aggregate </a:t>
             </a:r>
             <a:r>
               <a:rPr lang="en-US" sz="2200" dirty="0" smtClean="0">
@@ -28902,7 +28621,7 @@
                 <a:latin typeface="Calibri" panose="020F0502020204030204" pitchFamily="34" charset="0"/>
                 <a:cs typeface="Calibri" panose="020F0502020204030204" pitchFamily="34" charset="0"/>
               </a:rPr>
-              <a:t>group</a:t>
+              <a:t>match: {comm: { $eq</a:t>
             </a:r>
             <a:r>
               <a:rPr lang="en-US" sz="2200" dirty="0" smtClean="0">
@@ -28912,7 +28631,7 @@
                 <a:latin typeface="Calibri" panose="020F0502020204030204" pitchFamily="34" charset="0"/>
                 <a:cs typeface="Calibri" panose="020F0502020204030204" pitchFamily="34" charset="0"/>
               </a:rPr>
-              <a:t>: {_</a:t>
+              <a:t>: null </a:t>
             </a:r>
             <a:r>
               <a:rPr lang="en-US" sz="2200" dirty="0">
@@ -28922,7 +28641,7 @@
                 <a:latin typeface="Calibri" panose="020F0502020204030204" pitchFamily="34" charset="0"/>
                 <a:cs typeface="Calibri" panose="020F0502020204030204" pitchFamily="34" charset="0"/>
               </a:rPr>
-              <a:t>id</a:t>
+              <a:t>} } </a:t>
             </a:r>
             <a:r>
               <a:rPr lang="en-US" sz="2200" dirty="0" smtClean="0">
@@ -28932,27 +28651,7 @@
                 <a:latin typeface="Calibri" panose="020F0502020204030204" pitchFamily="34" charset="0"/>
                 <a:cs typeface="Calibri" panose="020F0502020204030204" pitchFamily="34" charset="0"/>
               </a:rPr>
-              <a:t>: "$</a:t>
-            </a:r>
-            <a:r>
-              <a:rPr lang="en-US" sz="2200" dirty="0">
-                <a:solidFill>
-                  <a:srgbClr val="FC6F0D"/>
-                </a:solidFill>
-                <a:latin typeface="Calibri" panose="020F0502020204030204" pitchFamily="34" charset="0"/>
-                <a:cs typeface="Calibri" panose="020F0502020204030204" pitchFamily="34" charset="0"/>
-              </a:rPr>
-              <a:t>job", count: {$</a:t>
-            </a:r>
-            <a:r>
-              <a:rPr lang="en-US" sz="2200" dirty="0" smtClean="0">
-                <a:solidFill>
-                  <a:srgbClr val="FC6F0D"/>
-                </a:solidFill>
-                <a:latin typeface="Calibri" panose="020F0502020204030204" pitchFamily="34" charset="0"/>
-                <a:cs typeface="Calibri" panose="020F0502020204030204" pitchFamily="34" charset="0"/>
-              </a:rPr>
-              <a:t>sum: 1} } } ])</a:t>
+              <a:t>} ])</a:t>
             </a:r>
             <a:endParaRPr lang="en-US" sz="2200" dirty="0">
               <a:solidFill>

--- a/MongoDB PPT.pptx
+++ b/MongoDB PPT.pptx
@@ -5,7 +5,7 @@
     <p:sldMasterId id="2147483720" r:id="rId1"/>
   </p:sldMasterIdLst>
   <p:notesMasterIdLst>
-    <p:notesMasterId r:id="rId117"/>
+    <p:notesMasterId r:id="rId120"/>
   </p:notesMasterIdLst>
   <p:sldIdLst>
     <p:sldId id="497" r:id="rId2"/>
@@ -91,38 +91,41 @@
     <p:sldId id="1099" r:id="rId82"/>
     <p:sldId id="1092" r:id="rId83"/>
     <p:sldId id="1202" r:id="rId84"/>
-    <p:sldId id="1102" r:id="rId85"/>
-    <p:sldId id="1103" r:id="rId86"/>
-    <p:sldId id="1104" r:id="rId87"/>
-    <p:sldId id="1105" r:id="rId88"/>
-    <p:sldId id="1106" r:id="rId89"/>
-    <p:sldId id="1107" r:id="rId90"/>
-    <p:sldId id="1108" r:id="rId91"/>
-    <p:sldId id="1109" r:id="rId92"/>
-    <p:sldId id="1110" r:id="rId93"/>
-    <p:sldId id="1111" r:id="rId94"/>
-    <p:sldId id="1112" r:id="rId95"/>
-    <p:sldId id="1113" r:id="rId96"/>
-    <p:sldId id="1114" r:id="rId97"/>
-    <p:sldId id="1115" r:id="rId98"/>
-    <p:sldId id="1116" r:id="rId99"/>
-    <p:sldId id="1117" r:id="rId100"/>
-    <p:sldId id="1118" r:id="rId101"/>
-    <p:sldId id="1119" r:id="rId102"/>
-    <p:sldId id="1120" r:id="rId103"/>
-    <p:sldId id="1121" r:id="rId104"/>
-    <p:sldId id="1122" r:id="rId105"/>
-    <p:sldId id="1123" r:id="rId106"/>
-    <p:sldId id="1124" r:id="rId107"/>
-    <p:sldId id="1125" r:id="rId108"/>
-    <p:sldId id="1126" r:id="rId109"/>
-    <p:sldId id="1127" r:id="rId110"/>
-    <p:sldId id="1128" r:id="rId111"/>
-    <p:sldId id="1129" r:id="rId112"/>
-    <p:sldId id="954" r:id="rId113"/>
-    <p:sldId id="788" r:id="rId114"/>
-    <p:sldId id="1071" r:id="rId115"/>
-    <p:sldId id="1087" r:id="rId116"/>
+    <p:sldId id="1203" r:id="rId85"/>
+    <p:sldId id="1204" r:id="rId86"/>
+    <p:sldId id="1205" r:id="rId87"/>
+    <p:sldId id="1102" r:id="rId88"/>
+    <p:sldId id="1103" r:id="rId89"/>
+    <p:sldId id="1104" r:id="rId90"/>
+    <p:sldId id="1105" r:id="rId91"/>
+    <p:sldId id="1106" r:id="rId92"/>
+    <p:sldId id="1107" r:id="rId93"/>
+    <p:sldId id="1108" r:id="rId94"/>
+    <p:sldId id="1109" r:id="rId95"/>
+    <p:sldId id="1110" r:id="rId96"/>
+    <p:sldId id="1111" r:id="rId97"/>
+    <p:sldId id="1112" r:id="rId98"/>
+    <p:sldId id="1113" r:id="rId99"/>
+    <p:sldId id="1114" r:id="rId100"/>
+    <p:sldId id="1115" r:id="rId101"/>
+    <p:sldId id="1116" r:id="rId102"/>
+    <p:sldId id="1117" r:id="rId103"/>
+    <p:sldId id="1118" r:id="rId104"/>
+    <p:sldId id="1119" r:id="rId105"/>
+    <p:sldId id="1120" r:id="rId106"/>
+    <p:sldId id="1121" r:id="rId107"/>
+    <p:sldId id="1122" r:id="rId108"/>
+    <p:sldId id="1123" r:id="rId109"/>
+    <p:sldId id="1124" r:id="rId110"/>
+    <p:sldId id="1125" r:id="rId111"/>
+    <p:sldId id="1126" r:id="rId112"/>
+    <p:sldId id="1127" r:id="rId113"/>
+    <p:sldId id="1128" r:id="rId114"/>
+    <p:sldId id="1129" r:id="rId115"/>
+    <p:sldId id="954" r:id="rId116"/>
+    <p:sldId id="788" r:id="rId117"/>
+    <p:sldId id="1071" r:id="rId118"/>
+    <p:sldId id="1087" r:id="rId119"/>
   </p:sldIdLst>
   <p:sldSz cx="9144000" cy="6858000" type="screen4x3"/>
   <p:notesSz cx="6858000" cy="9144000"/>
@@ -5098,7 +5101,7 @@
     </p:spTree>
     <p:extLst>
       <p:ext uri="{BB962C8B-B14F-4D97-AF65-F5344CB8AC3E}">
-        <p14:creationId xmlns:p14="http://schemas.microsoft.com/office/powerpoint/2010/main" val="4030158449"/>
+        <p14:creationId xmlns:p14="http://schemas.microsoft.com/office/powerpoint/2010/main" val="3171492564"/>
       </p:ext>
     </p:extLst>
   </p:cSld>
@@ -5228,7 +5231,7 @@
     </p:spTree>
     <p:extLst>
       <p:ext uri="{BB962C8B-B14F-4D97-AF65-F5344CB8AC3E}">
-        <p14:creationId xmlns:p14="http://schemas.microsoft.com/office/powerpoint/2010/main" val="1708605334"/>
+        <p14:creationId xmlns:p14="http://schemas.microsoft.com/office/powerpoint/2010/main" val="2780407736"/>
       </p:ext>
     </p:extLst>
   </p:cSld>
@@ -5358,7 +5361,7 @@
     </p:spTree>
     <p:extLst>
       <p:ext uri="{BB962C8B-B14F-4D97-AF65-F5344CB8AC3E}">
-        <p14:creationId xmlns:p14="http://schemas.microsoft.com/office/powerpoint/2010/main" val="1478242473"/>
+        <p14:creationId xmlns:p14="http://schemas.microsoft.com/office/powerpoint/2010/main" val="848474725"/>
       </p:ext>
     </p:extLst>
   </p:cSld>
@@ -5488,7 +5491,7 @@
     </p:spTree>
     <p:extLst>
       <p:ext uri="{BB962C8B-B14F-4D97-AF65-F5344CB8AC3E}">
-        <p14:creationId xmlns:p14="http://schemas.microsoft.com/office/powerpoint/2010/main" val="2136286712"/>
+        <p14:creationId xmlns:p14="http://schemas.microsoft.com/office/powerpoint/2010/main" val="4030158449"/>
       </p:ext>
     </p:extLst>
   </p:cSld>
@@ -5618,7 +5621,7 @@
     </p:spTree>
     <p:extLst>
       <p:ext uri="{BB962C8B-B14F-4D97-AF65-F5344CB8AC3E}">
-        <p14:creationId xmlns:p14="http://schemas.microsoft.com/office/powerpoint/2010/main" val="160110094"/>
+        <p14:creationId xmlns:p14="http://schemas.microsoft.com/office/powerpoint/2010/main" val="1708605334"/>
       </p:ext>
     </p:extLst>
   </p:cSld>
@@ -5748,7 +5751,7 @@
     </p:spTree>
     <p:extLst>
       <p:ext uri="{BB962C8B-B14F-4D97-AF65-F5344CB8AC3E}">
-        <p14:creationId xmlns:p14="http://schemas.microsoft.com/office/powerpoint/2010/main" val="1060267809"/>
+        <p14:creationId xmlns:p14="http://schemas.microsoft.com/office/powerpoint/2010/main" val="1478242473"/>
       </p:ext>
     </p:extLst>
   </p:cSld>
@@ -5878,7 +5881,7 @@
     </p:spTree>
     <p:extLst>
       <p:ext uri="{BB962C8B-B14F-4D97-AF65-F5344CB8AC3E}">
-        <p14:creationId xmlns:p14="http://schemas.microsoft.com/office/powerpoint/2010/main" val="1137647517"/>
+        <p14:creationId xmlns:p14="http://schemas.microsoft.com/office/powerpoint/2010/main" val="2136286712"/>
       </p:ext>
     </p:extLst>
   </p:cSld>
@@ -6008,7 +6011,7 @@
     </p:spTree>
     <p:extLst>
       <p:ext uri="{BB962C8B-B14F-4D97-AF65-F5344CB8AC3E}">
-        <p14:creationId xmlns:p14="http://schemas.microsoft.com/office/powerpoint/2010/main" val="3052086859"/>
+        <p14:creationId xmlns:p14="http://schemas.microsoft.com/office/powerpoint/2010/main" val="160110094"/>
       </p:ext>
     </p:extLst>
   </p:cSld>
@@ -6138,7 +6141,7 @@
     </p:spTree>
     <p:extLst>
       <p:ext uri="{BB962C8B-B14F-4D97-AF65-F5344CB8AC3E}">
-        <p14:creationId xmlns:p14="http://schemas.microsoft.com/office/powerpoint/2010/main" val="1097272351"/>
+        <p14:creationId xmlns:p14="http://schemas.microsoft.com/office/powerpoint/2010/main" val="1060267809"/>
       </p:ext>
     </p:extLst>
   </p:cSld>
@@ -6268,7 +6271,7 @@
     </p:spTree>
     <p:extLst>
       <p:ext uri="{BB962C8B-B14F-4D97-AF65-F5344CB8AC3E}">
-        <p14:creationId xmlns:p14="http://schemas.microsoft.com/office/powerpoint/2010/main" val="1587220367"/>
+        <p14:creationId xmlns:p14="http://schemas.microsoft.com/office/powerpoint/2010/main" val="1137647517"/>
       </p:ext>
     </p:extLst>
   </p:cSld>
@@ -6598,7 +6601,7 @@
     </p:spTree>
     <p:extLst>
       <p:ext uri="{BB962C8B-B14F-4D97-AF65-F5344CB8AC3E}">
-        <p14:creationId xmlns:p14="http://schemas.microsoft.com/office/powerpoint/2010/main" val="1863467568"/>
+        <p14:creationId xmlns:p14="http://schemas.microsoft.com/office/powerpoint/2010/main" val="3052086859"/>
       </p:ext>
     </p:extLst>
   </p:cSld>
@@ -6728,7 +6731,7 @@
     </p:spTree>
     <p:extLst>
       <p:ext uri="{BB962C8B-B14F-4D97-AF65-F5344CB8AC3E}">
-        <p14:creationId xmlns:p14="http://schemas.microsoft.com/office/powerpoint/2010/main" val="1971192509"/>
+        <p14:creationId xmlns:p14="http://schemas.microsoft.com/office/powerpoint/2010/main" val="1097272351"/>
       </p:ext>
     </p:extLst>
   </p:cSld>
@@ -6764,7 +6767,7 @@
       </p:grpSpPr>
       <p:sp>
         <p:nvSpPr>
-          <p:cNvPr id="4" name="Rectangle 3"/>
+          <p:cNvPr id="6" name="Rectangle 5"/>
           <p:cNvSpPr/>
           <p:nvPr/>
         </p:nvSpPr>
@@ -6777,8 +6780,8 @@
             <a:avLst/>
           </a:prstGeom>
           <a:solidFill>
-            <a:schemeClr val="bg2">
-              <a:lumMod val="10000"/>
+            <a:schemeClr val="accent4">
+              <a:lumMod val="75000"/>
             </a:schemeClr>
           </a:solidFill>
         </p:spPr>
@@ -6788,7 +6791,11 @@
           </a:bodyPr>
           <a:lstStyle/>
           <a:p>
-            <a:pPr algn="r"/>
+            <a:pPr algn="r">
+              <a:spcBef>
+                <a:spcPct val="0"/>
+              </a:spcBef>
+            </a:pPr>
             <a:r>
               <a:rPr lang="en-IN" sz="3200" b="1" i="1" dirty="0" smtClean="0">
                 <a:solidFill>
@@ -6797,27 +6804,40 @@
                 <a:latin typeface="Arial" pitchFamily="34" charset="0"/>
                 <a:cs typeface="Arial" pitchFamily="34" charset="0"/>
               </a:rPr>
-              <a:t>IMP</a:t>
-            </a:r>
-            <a:endParaRPr lang="en-IN" sz="3200" b="1" i="1" dirty="0">
-              <a:solidFill>
-                <a:srgbClr val="FFFF00"/>
-              </a:solidFill>
-              <a:latin typeface="Arial" pitchFamily="34" charset="0"/>
-              <a:cs typeface="Arial" pitchFamily="34" charset="0"/>
-            </a:endParaRPr>
-          </a:p>
-        </p:txBody>
-      </p:sp>
-      <p:sp>
-        <p:nvSpPr>
-          <p:cNvPr id="2" name="Rectangle 1"/>
+              <a:t>MongoDB</a:t>
+            </a:r>
+            <a:r>
+              <a:rPr lang="en-US" sz="3200" b="1" i="1" dirty="0" smtClean="0">
+                <a:solidFill>
+                  <a:srgbClr val="FFFF00"/>
+                </a:solidFill>
+                <a:latin typeface="Arial" pitchFamily="34" charset="0"/>
+                <a:cs typeface="Arial" pitchFamily="34" charset="0"/>
+              </a:rPr>
+              <a:t> </a:t>
+            </a:r>
+            <a:r>
+              <a:rPr lang="en-IN" sz="3200" b="1" i="1" dirty="0">
+                <a:solidFill>
+                  <a:srgbClr val="FFFF00"/>
+                </a:solidFill>
+                <a:latin typeface="Arial" pitchFamily="34" charset="0"/>
+                <a:cs typeface="Arial" pitchFamily="34" charset="0"/>
+              </a:rPr>
+              <a:t> </a:t>
+            </a:r>
+          </a:p>
+        </p:txBody>
+      </p:sp>
+      <p:sp>
+        <p:nvSpPr>
+          <p:cNvPr id="7" name="Rectangle 6"/>
           <p:cNvSpPr/>
           <p:nvPr/>
         </p:nvSpPr>
         <p:spPr>
           <a:xfrm>
-            <a:off x="145976" y="849264"/>
+            <a:off x="149188" y="762000"/>
             <a:ext cx="8845624" cy="369332"/>
           </a:xfrm>
           <a:prstGeom prst="rect">
@@ -6831,153 +6851,17 @@
           <a:lstStyle/>
           <a:p>
             <a:r>
-              <a:rPr lang="en-IN" dirty="0" smtClean="0">
-                <a:solidFill>
-                  <a:srgbClr val="222222"/>
-                </a:solidFill>
-                <a:latin typeface="Verdana" panose="020B0604030504040204" pitchFamily="34" charset="0"/>
-              </a:rPr>
-              <a:t>1. Think </a:t>
-            </a:r>
-            <a:r>
-              <a:rPr lang="en-IN" dirty="0">
-                <a:solidFill>
-                  <a:srgbClr val="222222"/>
-                </a:solidFill>
-                <a:latin typeface="Verdana" panose="020B0604030504040204" pitchFamily="34" charset="0"/>
-              </a:rPr>
-              <a:t>about how multiplication can be done without actually </a:t>
-            </a:r>
-            <a:r>
-              <a:rPr lang="en-IN" dirty="0" smtClean="0">
-                <a:solidFill>
-                  <a:srgbClr val="222222"/>
-                </a:solidFill>
-                <a:latin typeface="Verdana" panose="020B0604030504040204" pitchFamily="34" charset="0"/>
-              </a:rPr>
-              <a:t>multiplying </a:t>
+              <a:rPr lang="en-US" dirty="0" smtClean="0"/>
+              <a:t>TODO</a:t>
             </a:r>
             <a:endParaRPr lang="en-IN" dirty="0"/>
           </a:p>
         </p:txBody>
       </p:sp>
-      <p:sp>
-        <p:nvSpPr>
-          <p:cNvPr id="3" name="TextBox 2"/>
-          <p:cNvSpPr txBox="1"/>
-          <p:nvPr/>
-        </p:nvSpPr>
-        <p:spPr>
-          <a:xfrm>
-            <a:off x="990600" y="2514600"/>
-            <a:ext cx="184731" cy="369332"/>
-          </a:xfrm>
-          <a:prstGeom prst="rect">
-            <a:avLst/>
-          </a:prstGeom>
-          <a:noFill/>
-        </p:spPr>
-        <p:txBody>
-          <a:bodyPr wrap="none" rtlCol="0">
-            <a:spAutoFit/>
-          </a:bodyPr>
-          <a:lstStyle/>
-          <a:p>
-            <a:endParaRPr lang="en-IN" dirty="0"/>
-          </a:p>
-        </p:txBody>
-      </p:sp>
-      <p:pic>
-        <p:nvPicPr>
-          <p:cNvPr id="5" name="Picture 4"/>
-          <p:cNvPicPr>
-            <a:picLocks noChangeAspect="1"/>
-          </p:cNvPicPr>
-          <p:nvPr/>
-        </p:nvPicPr>
-        <p:blipFill>
-          <a:blip r:embed="rId2"/>
-          <a:stretch>
-            <a:fillRect/>
-          </a:stretch>
-        </p:blipFill>
-        <p:spPr>
-          <a:xfrm>
-            <a:off x="304800" y="3700361"/>
-            <a:ext cx="4648200" cy="2471839"/>
-          </a:xfrm>
-          <a:prstGeom prst="rect">
-            <a:avLst/>
-          </a:prstGeom>
-        </p:spPr>
-      </p:pic>
-      <p:sp>
-        <p:nvSpPr>
-          <p:cNvPr id="6" name="Rectangle 5"/>
-          <p:cNvSpPr/>
-          <p:nvPr/>
-        </p:nvSpPr>
-        <p:spPr>
-          <a:xfrm>
-            <a:off x="145976" y="3243552"/>
-            <a:ext cx="1317990" cy="369332"/>
-          </a:xfrm>
-          <a:prstGeom prst="rect">
-            <a:avLst/>
-          </a:prstGeom>
-        </p:spPr>
-        <p:txBody>
-          <a:bodyPr wrap="none">
-            <a:spAutoFit/>
-          </a:bodyPr>
-          <a:lstStyle/>
-          <a:p>
-            <a:r>
-              <a:rPr lang="en-IN" dirty="0" smtClean="0">
-                <a:solidFill>
-                  <a:srgbClr val="222222"/>
-                </a:solidFill>
-                <a:latin typeface="Verdana" panose="020B0604030504040204" pitchFamily="34" charset="0"/>
-              </a:rPr>
-              <a:t>2. Square</a:t>
-            </a:r>
-            <a:endParaRPr lang="en-IN" dirty="0">
-              <a:solidFill>
-                <a:srgbClr val="222222"/>
-              </a:solidFill>
-              <a:latin typeface="Verdana" panose="020B0604030504040204" pitchFamily="34" charset="0"/>
-            </a:endParaRPr>
-          </a:p>
-        </p:txBody>
-      </p:sp>
-      <p:pic>
-        <p:nvPicPr>
-          <p:cNvPr id="8" name="Picture 7"/>
-          <p:cNvPicPr>
-            <a:picLocks noChangeAspect="1"/>
-          </p:cNvPicPr>
-          <p:nvPr/>
-        </p:nvPicPr>
-        <p:blipFill>
-          <a:blip r:embed="rId3"/>
-          <a:stretch>
-            <a:fillRect/>
-          </a:stretch>
-        </p:blipFill>
-        <p:spPr>
-          <a:xfrm>
-            <a:off x="533400" y="1250647"/>
-            <a:ext cx="4495800" cy="1883657"/>
-          </a:xfrm>
-          <a:prstGeom prst="rect">
-            <a:avLst/>
-          </a:prstGeom>
-        </p:spPr>
-      </p:pic>
     </p:spTree>
     <p:extLst>
       <p:ext uri="{BB962C8B-B14F-4D97-AF65-F5344CB8AC3E}">
-        <p14:creationId xmlns:p14="http://schemas.microsoft.com/office/powerpoint/2010/main" val="3391323119"/>
+        <p14:creationId xmlns:p14="http://schemas.microsoft.com/office/powerpoint/2010/main" val="1587220367"/>
       </p:ext>
     </p:extLst>
   </p:cSld>
@@ -7011,61 +6895,25 @@
           <a:chExt cx="0" cy="0"/>
         </a:xfrm>
       </p:grpSpPr>
-      <p:pic>
-        <p:nvPicPr>
-          <p:cNvPr id="1026" name="Picture 2" descr="http://www.bvctch.vn/vnt_upload/weblink/thks.jpg"/>
-          <p:cNvPicPr>
-            <a:picLocks noChangeAspect="1" noChangeArrowheads="1"/>
-          </p:cNvPicPr>
-          <p:nvPr/>
-        </p:nvPicPr>
-        <p:blipFill>
-          <a:blip r:embed="rId2">
-            <a:extLst>
-              <a:ext uri="{28A0092B-C50C-407E-A947-70E740481C1C}">
-                <a14:useLocalDpi xmlns:a14="http://schemas.microsoft.com/office/drawing/2010/main" val="0"/>
-              </a:ext>
-            </a:extLst>
-          </a:blip>
-          <a:srcRect/>
-          <a:stretch>
-            <a:fillRect/>
-          </a:stretch>
-        </p:blipFill>
-        <p:spPr bwMode="auto">
-          <a:xfrm>
-            <a:off x="2895600" y="757237"/>
-            <a:ext cx="3124200" cy="4881563"/>
-          </a:xfrm>
-          <a:prstGeom prst="rect">
-            <a:avLst/>
-          </a:prstGeom>
-          <a:noFill/>
-          <a:extLst>
-            <a:ext uri="{909E8E84-426E-40DD-AFC4-6F175D3DCCD1}">
-              <a14:hiddenFill xmlns:a14="http://schemas.microsoft.com/office/drawing/2010/main">
-                <a:solidFill>
-                  <a:srgbClr val="FFFFFF"/>
-                </a:solidFill>
-              </a14:hiddenFill>
-            </a:ext>
-          </a:extLst>
-        </p:spPr>
-      </p:pic>
-      <p:sp>
-        <p:nvSpPr>
-          <p:cNvPr id="3" name="Rectangle 2"/>
+      <p:sp>
+        <p:nvSpPr>
+          <p:cNvPr id="6" name="Rectangle 5"/>
           <p:cNvSpPr/>
           <p:nvPr/>
         </p:nvSpPr>
         <p:spPr>
           <a:xfrm>
-            <a:off x="304800" y="5105400"/>
-            <a:ext cx="8610600" cy="1077218"/>
-          </a:xfrm>
-          <a:prstGeom prst="rect">
-            <a:avLst/>
-          </a:prstGeom>
+            <a:off x="0" y="0"/>
+            <a:ext cx="9144000" cy="584775"/>
+          </a:xfrm>
+          <a:prstGeom prst="rect">
+            <a:avLst/>
+          </a:prstGeom>
+          <a:solidFill>
+            <a:schemeClr val="accent4">
+              <a:lumMod val="75000"/>
+            </a:schemeClr>
+          </a:solidFill>
         </p:spPr>
         <p:txBody>
           <a:bodyPr wrap="square">
@@ -7073,35 +6921,77 @@
           </a:bodyPr>
           <a:lstStyle/>
           <a:p>
-            <a:pPr algn="ctr"/>
-            <a:r>
-              <a:rPr lang="en-IN" sz="3200" dirty="0">
-                <a:solidFill>
-                  <a:srgbClr val="FE1212"/>
-                </a:solidFill>
-                <a:latin typeface="Segoe Print" panose="02000600000000000000" pitchFamily="2" charset="0"/>
-              </a:rPr>
-              <a:t>"Live as if you were to die tomorrow.</a:t>
-            </a:r>
-          </a:p>
-          <a:p>
-            <a:pPr algn="ctr"/>
-            <a:r>
-              <a:rPr lang="en-IN" sz="3200" dirty="0">
-                <a:solidFill>
-                  <a:srgbClr val="FE1212"/>
-                </a:solidFill>
-                <a:latin typeface="Segoe Print" panose="02000600000000000000" pitchFamily="2" charset="0"/>
-              </a:rPr>
-              <a:t>Learn as if you were to live forever"</a:t>
-            </a:r>
+            <a:pPr algn="r">
+              <a:spcBef>
+                <a:spcPct val="0"/>
+              </a:spcBef>
+            </a:pPr>
+            <a:r>
+              <a:rPr lang="en-IN" sz="3200" b="1" i="1" dirty="0" smtClean="0">
+                <a:solidFill>
+                  <a:srgbClr val="FFFF00"/>
+                </a:solidFill>
+                <a:latin typeface="Arial" pitchFamily="34" charset="0"/>
+                <a:cs typeface="Arial" pitchFamily="34" charset="0"/>
+              </a:rPr>
+              <a:t>MongoDB</a:t>
+            </a:r>
+            <a:r>
+              <a:rPr lang="en-US" sz="3200" b="1" i="1" dirty="0" smtClean="0">
+                <a:solidFill>
+                  <a:srgbClr val="FFFF00"/>
+                </a:solidFill>
+                <a:latin typeface="Arial" pitchFamily="34" charset="0"/>
+                <a:cs typeface="Arial" pitchFamily="34" charset="0"/>
+              </a:rPr>
+              <a:t> </a:t>
+            </a:r>
+            <a:r>
+              <a:rPr lang="en-IN" sz="3200" b="1" i="1" dirty="0">
+                <a:solidFill>
+                  <a:srgbClr val="FFFF00"/>
+                </a:solidFill>
+                <a:latin typeface="Arial" pitchFamily="34" charset="0"/>
+                <a:cs typeface="Arial" pitchFamily="34" charset="0"/>
+              </a:rPr>
+              <a:t> </a:t>
+            </a:r>
+          </a:p>
+        </p:txBody>
+      </p:sp>
+      <p:sp>
+        <p:nvSpPr>
+          <p:cNvPr id="7" name="Rectangle 6"/>
+          <p:cNvSpPr/>
+          <p:nvPr/>
+        </p:nvSpPr>
+        <p:spPr>
+          <a:xfrm>
+            <a:off x="149188" y="762000"/>
+            <a:ext cx="8845624" cy="369332"/>
+          </a:xfrm>
+          <a:prstGeom prst="rect">
+            <a:avLst/>
+          </a:prstGeom>
+        </p:spPr>
+        <p:txBody>
+          <a:bodyPr wrap="square">
+            <a:spAutoFit/>
+          </a:bodyPr>
+          <a:lstStyle/>
+          <a:p>
+            <a:r>
+              <a:rPr lang="en-US" dirty="0" smtClean="0"/>
+              <a:t>TODO</a:t>
+            </a:r>
+            <a:endParaRPr lang="en-IN" dirty="0"/>
           </a:p>
         </p:txBody>
       </p:sp>
     </p:spTree>
     <p:extLst>
       <p:ext uri="{BB962C8B-B14F-4D97-AF65-F5344CB8AC3E}">
-        <p14:creationId xmlns:p14="http://schemas.microsoft.com/office/powerpoint/2010/main" val="1148130326"/>
+        <p14:creationId xmlns:p14="http://schemas.microsoft.com/office/powerpoint/2010/main" val="1863467568"/>
       </p:ext>
     </p:extLst>
   </p:cSld>
@@ -7137,6 +7027,509 @@
       </p:grpSpPr>
       <p:sp>
         <p:nvSpPr>
+          <p:cNvPr id="6" name="Rectangle 5"/>
+          <p:cNvSpPr/>
+          <p:nvPr/>
+        </p:nvSpPr>
+        <p:spPr>
+          <a:xfrm>
+            <a:off x="0" y="0"/>
+            <a:ext cx="9144000" cy="584775"/>
+          </a:xfrm>
+          <a:prstGeom prst="rect">
+            <a:avLst/>
+          </a:prstGeom>
+          <a:solidFill>
+            <a:schemeClr val="accent4">
+              <a:lumMod val="75000"/>
+            </a:schemeClr>
+          </a:solidFill>
+        </p:spPr>
+        <p:txBody>
+          <a:bodyPr wrap="square">
+            <a:spAutoFit/>
+          </a:bodyPr>
+          <a:lstStyle/>
+          <a:p>
+            <a:pPr algn="r">
+              <a:spcBef>
+                <a:spcPct val="0"/>
+              </a:spcBef>
+            </a:pPr>
+            <a:r>
+              <a:rPr lang="en-IN" sz="3200" b="1" i="1" dirty="0" smtClean="0">
+                <a:solidFill>
+                  <a:srgbClr val="FFFF00"/>
+                </a:solidFill>
+                <a:latin typeface="Arial" pitchFamily="34" charset="0"/>
+                <a:cs typeface="Arial" pitchFamily="34" charset="0"/>
+              </a:rPr>
+              <a:t>MongoDB</a:t>
+            </a:r>
+            <a:r>
+              <a:rPr lang="en-US" sz="3200" b="1" i="1" dirty="0" smtClean="0">
+                <a:solidFill>
+                  <a:srgbClr val="FFFF00"/>
+                </a:solidFill>
+                <a:latin typeface="Arial" pitchFamily="34" charset="0"/>
+                <a:cs typeface="Arial" pitchFamily="34" charset="0"/>
+              </a:rPr>
+              <a:t> </a:t>
+            </a:r>
+            <a:r>
+              <a:rPr lang="en-IN" sz="3200" b="1" i="1" dirty="0">
+                <a:solidFill>
+                  <a:srgbClr val="FFFF00"/>
+                </a:solidFill>
+                <a:latin typeface="Arial" pitchFamily="34" charset="0"/>
+                <a:cs typeface="Arial" pitchFamily="34" charset="0"/>
+              </a:rPr>
+              <a:t> </a:t>
+            </a:r>
+          </a:p>
+        </p:txBody>
+      </p:sp>
+      <p:sp>
+        <p:nvSpPr>
+          <p:cNvPr id="7" name="Rectangle 6"/>
+          <p:cNvSpPr/>
+          <p:nvPr/>
+        </p:nvSpPr>
+        <p:spPr>
+          <a:xfrm>
+            <a:off x="149188" y="762000"/>
+            <a:ext cx="8845624" cy="369332"/>
+          </a:xfrm>
+          <a:prstGeom prst="rect">
+            <a:avLst/>
+          </a:prstGeom>
+        </p:spPr>
+        <p:txBody>
+          <a:bodyPr wrap="square">
+            <a:spAutoFit/>
+          </a:bodyPr>
+          <a:lstStyle/>
+          <a:p>
+            <a:r>
+              <a:rPr lang="en-US" dirty="0" smtClean="0"/>
+              <a:t>TODO</a:t>
+            </a:r>
+            <a:endParaRPr lang="en-IN" dirty="0"/>
+          </a:p>
+        </p:txBody>
+      </p:sp>
+    </p:spTree>
+    <p:extLst>
+      <p:ext uri="{BB962C8B-B14F-4D97-AF65-F5344CB8AC3E}">
+        <p14:creationId xmlns:p14="http://schemas.microsoft.com/office/powerpoint/2010/main" val="1971192509"/>
+      </p:ext>
+    </p:extLst>
+  </p:cSld>
+  <p:clrMapOvr>
+    <a:masterClrMapping/>
+  </p:clrMapOvr>
+  <p:timing>
+    <p:tnLst>
+      <p:par>
+        <p:cTn id="1" dur="indefinite" restart="never" nodeType="tmRoot"/>
+      </p:par>
+    </p:tnLst>
+  </p:timing>
+</p:sld>
+</file>
+
+<file path=ppt/slides/slide115.xml><?xml version="1.0" encoding="utf-8"?>
+<p:sld xmlns:a="http://schemas.openxmlformats.org/drawingml/2006/main" xmlns:r="http://schemas.openxmlformats.org/officeDocument/2006/relationships" xmlns:p="http://schemas.openxmlformats.org/presentationml/2006/main">
+  <p:cSld>
+    <p:spTree>
+      <p:nvGrpSpPr>
+        <p:cNvPr id="1" name=""/>
+        <p:cNvGrpSpPr/>
+        <p:nvPr/>
+      </p:nvGrpSpPr>
+      <p:grpSpPr>
+        <a:xfrm>
+          <a:off x="0" y="0"/>
+          <a:ext cx="0" cy="0"/>
+          <a:chOff x="0" y="0"/>
+          <a:chExt cx="0" cy="0"/>
+        </a:xfrm>
+      </p:grpSpPr>
+      <p:sp>
+        <p:nvSpPr>
+          <p:cNvPr id="4" name="Rectangle 3"/>
+          <p:cNvSpPr/>
+          <p:nvPr/>
+        </p:nvSpPr>
+        <p:spPr>
+          <a:xfrm>
+            <a:off x="0" y="0"/>
+            <a:ext cx="9144000" cy="584775"/>
+          </a:xfrm>
+          <a:prstGeom prst="rect">
+            <a:avLst/>
+          </a:prstGeom>
+          <a:solidFill>
+            <a:schemeClr val="bg2">
+              <a:lumMod val="10000"/>
+            </a:schemeClr>
+          </a:solidFill>
+        </p:spPr>
+        <p:txBody>
+          <a:bodyPr wrap="square">
+            <a:spAutoFit/>
+          </a:bodyPr>
+          <a:lstStyle/>
+          <a:p>
+            <a:pPr algn="r"/>
+            <a:r>
+              <a:rPr lang="en-IN" sz="3200" b="1" i="1" dirty="0" smtClean="0">
+                <a:solidFill>
+                  <a:srgbClr val="FFFF00"/>
+                </a:solidFill>
+                <a:latin typeface="Arial" pitchFamily="34" charset="0"/>
+                <a:cs typeface="Arial" pitchFamily="34" charset="0"/>
+              </a:rPr>
+              <a:t>IMP</a:t>
+            </a:r>
+            <a:endParaRPr lang="en-IN" sz="3200" b="1" i="1" dirty="0">
+              <a:solidFill>
+                <a:srgbClr val="FFFF00"/>
+              </a:solidFill>
+              <a:latin typeface="Arial" pitchFamily="34" charset="0"/>
+              <a:cs typeface="Arial" pitchFamily="34" charset="0"/>
+            </a:endParaRPr>
+          </a:p>
+        </p:txBody>
+      </p:sp>
+      <p:sp>
+        <p:nvSpPr>
+          <p:cNvPr id="2" name="Rectangle 1"/>
+          <p:cNvSpPr/>
+          <p:nvPr/>
+        </p:nvSpPr>
+        <p:spPr>
+          <a:xfrm>
+            <a:off x="145976" y="849264"/>
+            <a:ext cx="8845624" cy="369332"/>
+          </a:xfrm>
+          <a:prstGeom prst="rect">
+            <a:avLst/>
+          </a:prstGeom>
+        </p:spPr>
+        <p:txBody>
+          <a:bodyPr wrap="square">
+            <a:spAutoFit/>
+          </a:bodyPr>
+          <a:lstStyle/>
+          <a:p>
+            <a:r>
+              <a:rPr lang="en-IN" dirty="0" smtClean="0">
+                <a:solidFill>
+                  <a:srgbClr val="222222"/>
+                </a:solidFill>
+                <a:latin typeface="Verdana" panose="020B0604030504040204" pitchFamily="34" charset="0"/>
+              </a:rPr>
+              <a:t>1. Think </a:t>
+            </a:r>
+            <a:r>
+              <a:rPr lang="en-IN" dirty="0">
+                <a:solidFill>
+                  <a:srgbClr val="222222"/>
+                </a:solidFill>
+                <a:latin typeface="Verdana" panose="020B0604030504040204" pitchFamily="34" charset="0"/>
+              </a:rPr>
+              <a:t>about how multiplication can be done without actually </a:t>
+            </a:r>
+            <a:r>
+              <a:rPr lang="en-IN" dirty="0" smtClean="0">
+                <a:solidFill>
+                  <a:srgbClr val="222222"/>
+                </a:solidFill>
+                <a:latin typeface="Verdana" panose="020B0604030504040204" pitchFamily="34" charset="0"/>
+              </a:rPr>
+              <a:t>multiplying </a:t>
+            </a:r>
+            <a:endParaRPr lang="en-IN" dirty="0"/>
+          </a:p>
+        </p:txBody>
+      </p:sp>
+      <p:sp>
+        <p:nvSpPr>
+          <p:cNvPr id="3" name="TextBox 2"/>
+          <p:cNvSpPr txBox="1"/>
+          <p:nvPr/>
+        </p:nvSpPr>
+        <p:spPr>
+          <a:xfrm>
+            <a:off x="990600" y="2514600"/>
+            <a:ext cx="184731" cy="369332"/>
+          </a:xfrm>
+          <a:prstGeom prst="rect">
+            <a:avLst/>
+          </a:prstGeom>
+          <a:noFill/>
+        </p:spPr>
+        <p:txBody>
+          <a:bodyPr wrap="none" rtlCol="0">
+            <a:spAutoFit/>
+          </a:bodyPr>
+          <a:lstStyle/>
+          <a:p>
+            <a:endParaRPr lang="en-IN" dirty="0"/>
+          </a:p>
+        </p:txBody>
+      </p:sp>
+      <p:pic>
+        <p:nvPicPr>
+          <p:cNvPr id="5" name="Picture 4"/>
+          <p:cNvPicPr>
+            <a:picLocks noChangeAspect="1"/>
+          </p:cNvPicPr>
+          <p:nvPr/>
+        </p:nvPicPr>
+        <p:blipFill>
+          <a:blip r:embed="rId2"/>
+          <a:stretch>
+            <a:fillRect/>
+          </a:stretch>
+        </p:blipFill>
+        <p:spPr>
+          <a:xfrm>
+            <a:off x="304800" y="3700361"/>
+            <a:ext cx="4648200" cy="2471839"/>
+          </a:xfrm>
+          <a:prstGeom prst="rect">
+            <a:avLst/>
+          </a:prstGeom>
+        </p:spPr>
+      </p:pic>
+      <p:sp>
+        <p:nvSpPr>
+          <p:cNvPr id="6" name="Rectangle 5"/>
+          <p:cNvSpPr/>
+          <p:nvPr/>
+        </p:nvSpPr>
+        <p:spPr>
+          <a:xfrm>
+            <a:off x="145976" y="3243552"/>
+            <a:ext cx="1317990" cy="369332"/>
+          </a:xfrm>
+          <a:prstGeom prst="rect">
+            <a:avLst/>
+          </a:prstGeom>
+        </p:spPr>
+        <p:txBody>
+          <a:bodyPr wrap="none">
+            <a:spAutoFit/>
+          </a:bodyPr>
+          <a:lstStyle/>
+          <a:p>
+            <a:r>
+              <a:rPr lang="en-IN" dirty="0" smtClean="0">
+                <a:solidFill>
+                  <a:srgbClr val="222222"/>
+                </a:solidFill>
+                <a:latin typeface="Verdana" panose="020B0604030504040204" pitchFamily="34" charset="0"/>
+              </a:rPr>
+              <a:t>2. Square</a:t>
+            </a:r>
+            <a:endParaRPr lang="en-IN" dirty="0">
+              <a:solidFill>
+                <a:srgbClr val="222222"/>
+              </a:solidFill>
+              <a:latin typeface="Verdana" panose="020B0604030504040204" pitchFamily="34" charset="0"/>
+            </a:endParaRPr>
+          </a:p>
+        </p:txBody>
+      </p:sp>
+      <p:pic>
+        <p:nvPicPr>
+          <p:cNvPr id="8" name="Picture 7"/>
+          <p:cNvPicPr>
+            <a:picLocks noChangeAspect="1"/>
+          </p:cNvPicPr>
+          <p:nvPr/>
+        </p:nvPicPr>
+        <p:blipFill>
+          <a:blip r:embed="rId3"/>
+          <a:stretch>
+            <a:fillRect/>
+          </a:stretch>
+        </p:blipFill>
+        <p:spPr>
+          <a:xfrm>
+            <a:off x="533400" y="1250647"/>
+            <a:ext cx="4495800" cy="1883657"/>
+          </a:xfrm>
+          <a:prstGeom prst="rect">
+            <a:avLst/>
+          </a:prstGeom>
+        </p:spPr>
+      </p:pic>
+    </p:spTree>
+    <p:extLst>
+      <p:ext uri="{BB962C8B-B14F-4D97-AF65-F5344CB8AC3E}">
+        <p14:creationId xmlns:p14="http://schemas.microsoft.com/office/powerpoint/2010/main" val="3391323119"/>
+      </p:ext>
+    </p:extLst>
+  </p:cSld>
+  <p:clrMapOvr>
+    <a:masterClrMapping/>
+  </p:clrMapOvr>
+  <p:timing>
+    <p:tnLst>
+      <p:par>
+        <p:cTn id="1" dur="indefinite" restart="never" nodeType="tmRoot"/>
+      </p:par>
+    </p:tnLst>
+  </p:timing>
+</p:sld>
+</file>
+
+<file path=ppt/slides/slide116.xml><?xml version="1.0" encoding="utf-8"?>
+<p:sld xmlns:a="http://schemas.openxmlformats.org/drawingml/2006/main" xmlns:r="http://schemas.openxmlformats.org/officeDocument/2006/relationships" xmlns:p="http://schemas.openxmlformats.org/presentationml/2006/main">
+  <p:cSld>
+    <p:spTree>
+      <p:nvGrpSpPr>
+        <p:cNvPr id="1" name=""/>
+        <p:cNvGrpSpPr/>
+        <p:nvPr/>
+      </p:nvGrpSpPr>
+      <p:grpSpPr>
+        <a:xfrm>
+          <a:off x="0" y="0"/>
+          <a:ext cx="0" cy="0"/>
+          <a:chOff x="0" y="0"/>
+          <a:chExt cx="0" cy="0"/>
+        </a:xfrm>
+      </p:grpSpPr>
+      <p:pic>
+        <p:nvPicPr>
+          <p:cNvPr id="1026" name="Picture 2" descr="http://www.bvctch.vn/vnt_upload/weblink/thks.jpg"/>
+          <p:cNvPicPr>
+            <a:picLocks noChangeAspect="1" noChangeArrowheads="1"/>
+          </p:cNvPicPr>
+          <p:nvPr/>
+        </p:nvPicPr>
+        <p:blipFill>
+          <a:blip r:embed="rId2">
+            <a:extLst>
+              <a:ext uri="{28A0092B-C50C-407E-A947-70E740481C1C}">
+                <a14:useLocalDpi xmlns:a14="http://schemas.microsoft.com/office/drawing/2010/main" val="0"/>
+              </a:ext>
+            </a:extLst>
+          </a:blip>
+          <a:srcRect/>
+          <a:stretch>
+            <a:fillRect/>
+          </a:stretch>
+        </p:blipFill>
+        <p:spPr bwMode="auto">
+          <a:xfrm>
+            <a:off x="2895600" y="757237"/>
+            <a:ext cx="3124200" cy="4881563"/>
+          </a:xfrm>
+          <a:prstGeom prst="rect">
+            <a:avLst/>
+          </a:prstGeom>
+          <a:noFill/>
+          <a:extLst>
+            <a:ext uri="{909E8E84-426E-40DD-AFC4-6F175D3DCCD1}">
+              <a14:hiddenFill xmlns:a14="http://schemas.microsoft.com/office/drawing/2010/main">
+                <a:solidFill>
+                  <a:srgbClr val="FFFFFF"/>
+                </a:solidFill>
+              </a14:hiddenFill>
+            </a:ext>
+          </a:extLst>
+        </p:spPr>
+      </p:pic>
+      <p:sp>
+        <p:nvSpPr>
+          <p:cNvPr id="3" name="Rectangle 2"/>
+          <p:cNvSpPr/>
+          <p:nvPr/>
+        </p:nvSpPr>
+        <p:spPr>
+          <a:xfrm>
+            <a:off x="304800" y="5105400"/>
+            <a:ext cx="8610600" cy="1077218"/>
+          </a:xfrm>
+          <a:prstGeom prst="rect">
+            <a:avLst/>
+          </a:prstGeom>
+        </p:spPr>
+        <p:txBody>
+          <a:bodyPr wrap="square">
+            <a:spAutoFit/>
+          </a:bodyPr>
+          <a:lstStyle/>
+          <a:p>
+            <a:pPr algn="ctr"/>
+            <a:r>
+              <a:rPr lang="en-IN" sz="3200" dirty="0">
+                <a:solidFill>
+                  <a:srgbClr val="FE1212"/>
+                </a:solidFill>
+                <a:latin typeface="Segoe Print" panose="02000600000000000000" pitchFamily="2" charset="0"/>
+              </a:rPr>
+              <a:t>"Live as if you were to die tomorrow.</a:t>
+            </a:r>
+          </a:p>
+          <a:p>
+            <a:pPr algn="ctr"/>
+            <a:r>
+              <a:rPr lang="en-IN" sz="3200" dirty="0">
+                <a:solidFill>
+                  <a:srgbClr val="FE1212"/>
+                </a:solidFill>
+                <a:latin typeface="Segoe Print" panose="02000600000000000000" pitchFamily="2" charset="0"/>
+              </a:rPr>
+              <a:t>Learn as if you were to live forever"</a:t>
+            </a:r>
+          </a:p>
+        </p:txBody>
+      </p:sp>
+    </p:spTree>
+    <p:extLst>
+      <p:ext uri="{BB962C8B-B14F-4D97-AF65-F5344CB8AC3E}">
+        <p14:creationId xmlns:p14="http://schemas.microsoft.com/office/powerpoint/2010/main" val="1148130326"/>
+      </p:ext>
+    </p:extLst>
+  </p:cSld>
+  <p:clrMapOvr>
+    <a:masterClrMapping/>
+  </p:clrMapOvr>
+  <p:timing>
+    <p:tnLst>
+      <p:par>
+        <p:cTn id="1" dur="indefinite" restart="never" nodeType="tmRoot"/>
+      </p:par>
+    </p:tnLst>
+  </p:timing>
+</p:sld>
+</file>
+
+<file path=ppt/slides/slide117.xml><?xml version="1.0" encoding="utf-8"?>
+<p:sld xmlns:a="http://schemas.openxmlformats.org/drawingml/2006/main" xmlns:r="http://schemas.openxmlformats.org/officeDocument/2006/relationships" xmlns:p="http://schemas.openxmlformats.org/presentationml/2006/main">
+  <p:cSld>
+    <p:spTree>
+      <p:nvGrpSpPr>
+        <p:cNvPr id="1" name=""/>
+        <p:cNvGrpSpPr/>
+        <p:nvPr/>
+      </p:nvGrpSpPr>
+      <p:grpSpPr>
+        <a:xfrm>
+          <a:off x="0" y="0"/>
+          <a:ext cx="0" cy="0"/>
+          <a:chOff x="0" y="0"/>
+          <a:chExt cx="0" cy="0"/>
+        </a:xfrm>
+      </p:grpSpPr>
+      <p:sp>
+        <p:nvSpPr>
           <p:cNvPr id="3" name="Rectangle 2"/>
           <p:cNvSpPr/>
           <p:nvPr/>
@@ -7219,7 +7612,7 @@
 </p:sld>
 </file>
 
-<file path=ppt/slides/slide115.xml><?xml version="1.0" encoding="utf-8"?>
+<file path=ppt/slides/slide118.xml><?xml version="1.0" encoding="utf-8"?>
 <p:sld xmlns:a="http://schemas.openxmlformats.org/drawingml/2006/main" xmlns:r="http://schemas.openxmlformats.org/officeDocument/2006/relationships" xmlns:p="http://schemas.openxmlformats.org/presentationml/2006/main">
   <p:cSld>
     <p:spTree>
@@ -28523,7 +28916,7 @@
         <p:spPr>
           <a:xfrm>
             <a:off x="149188" y="2133600"/>
-            <a:ext cx="8761264" cy="892552"/>
+            <a:ext cx="8761264" cy="1692771"/>
           </a:xfrm>
           <a:prstGeom prst="rect">
             <a:avLst/>
@@ -28563,7 +28956,7 @@
                 <a:latin typeface="Calibri" panose="020F0502020204030204" pitchFamily="34" charset="0"/>
                 <a:cs typeface="Calibri" panose="020F0502020204030204" pitchFamily="34" charset="0"/>
               </a:rPr>
-              <a:t>match: { job:'manager' } </a:t>
+              <a:t>match: { job:'manager</a:t>
             </a:r>
             <a:r>
               <a:rPr lang="en-US" sz="2200" dirty="0" smtClean="0">
@@ -28573,15 +28966,18 @@
                 <a:latin typeface="Calibri" panose="020F0502020204030204" pitchFamily="34" charset="0"/>
                 <a:cs typeface="Calibri" panose="020F0502020204030204" pitchFamily="34" charset="0"/>
               </a:rPr>
+              <a:t>'} </a:t>
+            </a:r>
+            <a:r>
+              <a:rPr lang="en-US" sz="2200" dirty="0" smtClean="0">
+                <a:solidFill>
+                  <a:srgbClr val="FC6F0D"/>
+                </a:solidFill>
+                <a:latin typeface="Calibri" panose="020F0502020204030204" pitchFamily="34" charset="0"/>
+                <a:cs typeface="Calibri" panose="020F0502020204030204" pitchFamily="34" charset="0"/>
+              </a:rPr>
               <a:t>} ])</a:t>
             </a:r>
-            <a:endParaRPr lang="en-US" sz="2200" dirty="0" smtClean="0">
-              <a:solidFill>
-                <a:srgbClr val="FC6F0D"/>
-              </a:solidFill>
-              <a:latin typeface="Calibri" panose="020F0502020204030204" pitchFamily="34" charset="0"/>
-              <a:cs typeface="Calibri" panose="020F0502020204030204" pitchFamily="34" charset="0"/>
-            </a:endParaRPr>
           </a:p>
           <a:p>
             <a:endParaRPr lang="en-US" sz="800" dirty="0" smtClean="0">
@@ -28621,7 +29017,7 @@
                 <a:latin typeface="Calibri" panose="020F0502020204030204" pitchFamily="34" charset="0"/>
                 <a:cs typeface="Calibri" panose="020F0502020204030204" pitchFamily="34" charset="0"/>
               </a:rPr>
-              <a:t>match: {comm: { $eq</a:t>
+              <a:t>match: {comm: </a:t>
             </a:r>
             <a:r>
               <a:rPr lang="en-US" sz="2200" dirty="0" smtClean="0">
@@ -28631,7 +29027,7 @@
                 <a:latin typeface="Calibri" panose="020F0502020204030204" pitchFamily="34" charset="0"/>
                 <a:cs typeface="Calibri" panose="020F0502020204030204" pitchFamily="34" charset="0"/>
               </a:rPr>
-              <a:t>: null </a:t>
+              <a:t>{$</a:t>
             </a:r>
             <a:r>
               <a:rPr lang="en-US" sz="2200" dirty="0">
@@ -28641,7 +29037,7 @@
                 <a:latin typeface="Calibri" panose="020F0502020204030204" pitchFamily="34" charset="0"/>
                 <a:cs typeface="Calibri" panose="020F0502020204030204" pitchFamily="34" charset="0"/>
               </a:rPr>
-              <a:t>} } </a:t>
+              <a:t>eq</a:t>
             </a:r>
             <a:r>
               <a:rPr lang="en-US" sz="2200" dirty="0" smtClean="0">
@@ -28651,7 +29047,228 @@
                 <a:latin typeface="Calibri" panose="020F0502020204030204" pitchFamily="34" charset="0"/>
                 <a:cs typeface="Calibri" panose="020F0502020204030204" pitchFamily="34" charset="0"/>
               </a:rPr>
-              <a:t>} ])</a:t>
+              <a:t>: </a:t>
+            </a:r>
+            <a:r>
+              <a:rPr lang="en-US" sz="2200" dirty="0" smtClean="0">
+                <a:solidFill>
+                  <a:srgbClr val="FC6F0D"/>
+                </a:solidFill>
+                <a:latin typeface="Calibri" panose="020F0502020204030204" pitchFamily="34" charset="0"/>
+                <a:cs typeface="Calibri" panose="020F0502020204030204" pitchFamily="34" charset="0"/>
+              </a:rPr>
+              <a:t>null} </a:t>
+            </a:r>
+            <a:r>
+              <a:rPr lang="en-US" sz="2200" dirty="0">
+                <a:solidFill>
+                  <a:srgbClr val="FC6F0D"/>
+                </a:solidFill>
+                <a:latin typeface="Calibri" panose="020F0502020204030204" pitchFamily="34" charset="0"/>
+                <a:cs typeface="Calibri" panose="020F0502020204030204" pitchFamily="34" charset="0"/>
+              </a:rPr>
+              <a:t>} </a:t>
+            </a:r>
+            <a:r>
+              <a:rPr lang="en-US" sz="2200" dirty="0" smtClean="0">
+                <a:solidFill>
+                  <a:srgbClr val="FC6F0D"/>
+                </a:solidFill>
+                <a:latin typeface="Calibri" panose="020F0502020204030204" pitchFamily="34" charset="0"/>
+                <a:cs typeface="Calibri" panose="020F0502020204030204" pitchFamily="34" charset="0"/>
+              </a:rPr>
+              <a:t>} </a:t>
+            </a:r>
+            <a:r>
+              <a:rPr lang="en-US" sz="2200" dirty="0" smtClean="0">
+                <a:solidFill>
+                  <a:srgbClr val="FC6F0D"/>
+                </a:solidFill>
+                <a:latin typeface="Calibri" panose="020F0502020204030204" pitchFamily="34" charset="0"/>
+                <a:cs typeface="Calibri" panose="020F0502020204030204" pitchFamily="34" charset="0"/>
+              </a:rPr>
+              <a:t>])</a:t>
+            </a:r>
+          </a:p>
+          <a:p>
+            <a:endParaRPr lang="en-US" sz="800" dirty="0">
+              <a:solidFill>
+                <a:srgbClr val="FC6F0D"/>
+              </a:solidFill>
+              <a:latin typeface="Calibri" panose="020F0502020204030204" pitchFamily="34" charset="0"/>
+              <a:cs typeface="Calibri" panose="020F0502020204030204" pitchFamily="34" charset="0"/>
+            </a:endParaRPr>
+          </a:p>
+          <a:p>
+            <a:r>
+              <a:rPr lang="en-US" sz="2200" dirty="0" smtClean="0">
+                <a:solidFill>
+                  <a:srgbClr val="FC6F0D"/>
+                </a:solidFill>
+                <a:latin typeface="Calibri" panose="020F0502020204030204" pitchFamily="34" charset="0"/>
+                <a:cs typeface="Calibri" panose="020F0502020204030204" pitchFamily="34" charset="0"/>
+              </a:rPr>
+              <a:t>db.emp.aggregate ([ {$</a:t>
+            </a:r>
+            <a:r>
+              <a:rPr lang="en-US" sz="2200" dirty="0">
+                <a:solidFill>
+                  <a:srgbClr val="FC6F0D"/>
+                </a:solidFill>
+                <a:latin typeface="Calibri" panose="020F0502020204030204" pitchFamily="34" charset="0"/>
+                <a:cs typeface="Calibri" panose="020F0502020204030204" pitchFamily="34" charset="0"/>
+              </a:rPr>
+              <a:t>match</a:t>
+            </a:r>
+            <a:r>
+              <a:rPr lang="en-US" sz="2200" dirty="0" smtClean="0">
+                <a:solidFill>
+                  <a:srgbClr val="FC6F0D"/>
+                </a:solidFill>
+                <a:latin typeface="Calibri" panose="020F0502020204030204" pitchFamily="34" charset="0"/>
+                <a:cs typeface="Calibri" panose="020F0502020204030204" pitchFamily="34" charset="0"/>
+              </a:rPr>
+              <a:t>: {</a:t>
+            </a:r>
+            <a:r>
+              <a:rPr lang="en-US" sz="2200" dirty="0">
+                <a:solidFill>
+                  <a:srgbClr val="FC6F0D"/>
+                </a:solidFill>
+                <a:latin typeface="Calibri" panose="020F0502020204030204" pitchFamily="34" charset="0"/>
+                <a:cs typeface="Calibri" panose="020F0502020204030204" pitchFamily="34" charset="0"/>
+              </a:rPr>
+              <a:t>sal</a:t>
+            </a:r>
+            <a:r>
+              <a:rPr lang="en-US" sz="2200" dirty="0" smtClean="0">
+                <a:solidFill>
+                  <a:srgbClr val="FC6F0D"/>
+                </a:solidFill>
+                <a:latin typeface="Calibri" panose="020F0502020204030204" pitchFamily="34" charset="0"/>
+                <a:cs typeface="Calibri" panose="020F0502020204030204" pitchFamily="34" charset="0"/>
+              </a:rPr>
+              <a:t>: {$</a:t>
+            </a:r>
+            <a:r>
+              <a:rPr lang="en-US" sz="2200" dirty="0">
+                <a:solidFill>
+                  <a:srgbClr val="FC6F0D"/>
+                </a:solidFill>
+                <a:latin typeface="Calibri" panose="020F0502020204030204" pitchFamily="34" charset="0"/>
+                <a:cs typeface="Calibri" panose="020F0502020204030204" pitchFamily="34" charset="0"/>
+              </a:rPr>
+              <a:t>gt</a:t>
+            </a:r>
+            <a:r>
+              <a:rPr lang="en-US" sz="2200" dirty="0" smtClean="0">
+                <a:solidFill>
+                  <a:srgbClr val="FC6F0D"/>
+                </a:solidFill>
+                <a:latin typeface="Calibri" panose="020F0502020204030204" pitchFamily="34" charset="0"/>
+                <a:cs typeface="Calibri" panose="020F0502020204030204" pitchFamily="34" charset="0"/>
+              </a:rPr>
+              <a:t>: 4000} }}, {$</a:t>
+            </a:r>
+            <a:r>
+              <a:rPr lang="en-US" sz="2200" dirty="0">
+                <a:solidFill>
+                  <a:srgbClr val="FC6F0D"/>
+                </a:solidFill>
+                <a:latin typeface="Calibri" panose="020F0502020204030204" pitchFamily="34" charset="0"/>
+                <a:cs typeface="Calibri" panose="020F0502020204030204" pitchFamily="34" charset="0"/>
+              </a:rPr>
+              <a:t>group</a:t>
+            </a:r>
+            <a:r>
+              <a:rPr lang="en-US" sz="2200" dirty="0" smtClean="0">
+                <a:solidFill>
+                  <a:srgbClr val="FC6F0D"/>
+                </a:solidFill>
+                <a:latin typeface="Calibri" panose="020F0502020204030204" pitchFamily="34" charset="0"/>
+                <a:cs typeface="Calibri" panose="020F0502020204030204" pitchFamily="34" charset="0"/>
+              </a:rPr>
+              <a:t>: {_</a:t>
+            </a:r>
+            <a:r>
+              <a:rPr lang="en-US" sz="2200" dirty="0">
+                <a:solidFill>
+                  <a:srgbClr val="FC6F0D"/>
+                </a:solidFill>
+                <a:latin typeface="Calibri" panose="020F0502020204030204" pitchFamily="34" charset="0"/>
+                <a:cs typeface="Calibri" panose="020F0502020204030204" pitchFamily="34" charset="0"/>
+              </a:rPr>
+              <a:t>id</a:t>
+            </a:r>
+            <a:r>
+              <a:rPr lang="en-US" sz="2200" dirty="0" smtClean="0">
+                <a:solidFill>
+                  <a:srgbClr val="FC6F0D"/>
+                </a:solidFill>
+                <a:latin typeface="Calibri" panose="020F0502020204030204" pitchFamily="34" charset="0"/>
+                <a:cs typeface="Calibri" panose="020F0502020204030204" pitchFamily="34" charset="0"/>
+              </a:rPr>
+              <a:t>: '$</a:t>
+            </a:r>
+            <a:r>
+              <a:rPr lang="en-US" sz="2200" dirty="0">
+                <a:solidFill>
+                  <a:srgbClr val="FC6F0D"/>
+                </a:solidFill>
+                <a:latin typeface="Calibri" panose="020F0502020204030204" pitchFamily="34" charset="0"/>
+                <a:cs typeface="Calibri" panose="020F0502020204030204" pitchFamily="34" charset="0"/>
+              </a:rPr>
+              <a:t>job', count</a:t>
+            </a:r>
+            <a:r>
+              <a:rPr lang="en-US" sz="2200" dirty="0" smtClean="0">
+                <a:solidFill>
+                  <a:srgbClr val="FC6F0D"/>
+                </a:solidFill>
+                <a:latin typeface="Calibri" panose="020F0502020204030204" pitchFamily="34" charset="0"/>
+                <a:cs typeface="Calibri" panose="020F0502020204030204" pitchFamily="34" charset="0"/>
+              </a:rPr>
+              <a:t>: {$</a:t>
+            </a:r>
+            <a:r>
+              <a:rPr lang="en-US" sz="2200" dirty="0">
+                <a:solidFill>
+                  <a:srgbClr val="FC6F0D"/>
+                </a:solidFill>
+                <a:latin typeface="Calibri" panose="020F0502020204030204" pitchFamily="34" charset="0"/>
+                <a:cs typeface="Calibri" panose="020F0502020204030204" pitchFamily="34" charset="0"/>
+              </a:rPr>
+              <a:t>sum</a:t>
+            </a:r>
+            <a:r>
+              <a:rPr lang="en-US" sz="2200" dirty="0" smtClean="0">
+                <a:solidFill>
+                  <a:srgbClr val="FC6F0D"/>
+                </a:solidFill>
+                <a:latin typeface="Calibri" panose="020F0502020204030204" pitchFamily="34" charset="0"/>
+                <a:cs typeface="Calibri" panose="020F0502020204030204" pitchFamily="34" charset="0"/>
+              </a:rPr>
+              <a:t>: '$</a:t>
+            </a:r>
+            <a:r>
+              <a:rPr lang="en-US" sz="2200" dirty="0">
+                <a:solidFill>
+                  <a:srgbClr val="FC6F0D"/>
+                </a:solidFill>
+                <a:latin typeface="Calibri" panose="020F0502020204030204" pitchFamily="34" charset="0"/>
+                <a:cs typeface="Calibri" panose="020F0502020204030204" pitchFamily="34" charset="0"/>
+              </a:rPr>
+              <a:t>sal'} </a:t>
+            </a:r>
+            <a:r>
+              <a:rPr lang="en-US" sz="2200" dirty="0" smtClean="0">
+                <a:solidFill>
+                  <a:srgbClr val="FC6F0D"/>
+                </a:solidFill>
+                <a:latin typeface="Calibri" panose="020F0502020204030204" pitchFamily="34" charset="0"/>
+                <a:cs typeface="Calibri" panose="020F0502020204030204" pitchFamily="34" charset="0"/>
+              </a:rPr>
+              <a:t>} } ])</a:t>
             </a:r>
             <a:endParaRPr lang="en-US" sz="2200" dirty="0">
               <a:solidFill>
@@ -28739,26 +29356,16 @@
                 <a:latin typeface="Arial" pitchFamily="34" charset="0"/>
                 <a:cs typeface="Arial" pitchFamily="34" charset="0"/>
               </a:rPr>
-              <a:t>MongoDB</a:t>
-            </a:r>
-            <a:r>
-              <a:rPr lang="en-US" sz="3200" b="1" i="1" dirty="0" smtClean="0">
+              <a:t>$project</a:t>
+            </a:r>
+            <a:r>
+              <a:rPr lang="en-IN" sz="3200" b="1" i="1" dirty="0">
                 <a:solidFill>
                   <a:srgbClr val="FFFF00"/>
                 </a:solidFill>
                 <a:latin typeface="Arial" pitchFamily="34" charset="0"/>
                 <a:cs typeface="Arial" pitchFamily="34" charset="0"/>
               </a:rPr>
-              <a:t> </a:t>
-            </a:r>
-            <a:r>
-              <a:rPr lang="en-IN" sz="3200" b="1" i="1" dirty="0">
-                <a:solidFill>
-                  <a:srgbClr val="FFFF00"/>
-                </a:solidFill>
-                <a:latin typeface="Arial" pitchFamily="34" charset="0"/>
-                <a:cs typeface="Arial" pitchFamily="34" charset="0"/>
-              </a:rPr>
               <a:t> </a:t>
             </a:r>
           </a:p>
@@ -28773,7 +29380,7 @@
         <p:spPr>
           <a:xfrm>
             <a:off x="149188" y="762000"/>
-            <a:ext cx="8845624" cy="369332"/>
+            <a:ext cx="8845624" cy="923330"/>
           </a:xfrm>
           <a:prstGeom prst="rect">
             <a:avLst/>
@@ -28786,8 +29393,8 @@
           <a:lstStyle/>
           <a:p>
             <a:r>
-              <a:rPr lang="en-US" dirty="0" smtClean="0"/>
-              <a:t>TODO</a:t>
+              <a:rPr lang="en-US" dirty="0"/>
+              <a:t>Passes along the documents with the requested fields to the next stage in the pipeline. The specified fields can be existing fields from the input documents or newly computed fields.</a:t>
             </a:r>
             <a:endParaRPr lang="en-IN" dirty="0"/>
           </a:p>
@@ -28801,7 +29408,7 @@
         </p:nvSpPr>
         <p:spPr>
           <a:xfrm>
-            <a:off x="149188" y="1828800"/>
+            <a:off x="149188" y="1812429"/>
             <a:ext cx="8761264" cy="369332"/>
           </a:xfrm>
           <a:prstGeom prst="rect">
@@ -28815,14 +29422,14 @@
           <a:lstStyle/>
           <a:p>
             <a:r>
-              <a:rPr lang="en-US" dirty="0" smtClean="0">
+              <a:rPr lang="en-US">
                 <a:solidFill>
                   <a:srgbClr val="049DC8"/>
                 </a:solidFill>
                 <a:latin typeface="Consolas" panose="020B0609020204030204" pitchFamily="49" charset="0"/>
                 <a:cs typeface="Calibri" panose="020F0502020204030204" pitchFamily="34" charset="0"/>
               </a:rPr>
-              <a:t>{ $&lt;stageOperator&gt; : { } }</a:t>
+              <a:t>{ $project: { &lt;specification(s)&gt; } }</a:t>
             </a:r>
             <a:endParaRPr lang="en-US" dirty="0">
               <a:solidFill>
@@ -28834,10 +29441,383 @@
           </a:p>
         </p:txBody>
       </p:sp>
+      <p:sp>
+        <p:nvSpPr>
+          <p:cNvPr id="5" name="Rectangle 4"/>
+          <p:cNvSpPr/>
+          <p:nvPr/>
+        </p:nvSpPr>
+        <p:spPr>
+          <a:xfrm>
+            <a:off x="149188" y="2422029"/>
+            <a:ext cx="8761264" cy="1692771"/>
+          </a:xfrm>
+          <a:prstGeom prst="rect">
+            <a:avLst/>
+          </a:prstGeom>
+        </p:spPr>
+        <p:txBody>
+          <a:bodyPr wrap="square">
+            <a:spAutoFit/>
+          </a:bodyPr>
+          <a:lstStyle/>
+          <a:p>
+            <a:r>
+              <a:rPr lang="en-US" sz="2200" dirty="0">
+                <a:solidFill>
+                  <a:srgbClr val="FC6F0D"/>
+                </a:solidFill>
+                <a:latin typeface="Calibri" panose="020F0502020204030204" pitchFamily="34" charset="0"/>
+                <a:cs typeface="Calibri" panose="020F0502020204030204" pitchFamily="34" charset="0"/>
+              </a:rPr>
+              <a:t>db.emp.aggregate </a:t>
+            </a:r>
+            <a:r>
+              <a:rPr lang="en-US" sz="2200" dirty="0" smtClean="0">
+                <a:solidFill>
+                  <a:srgbClr val="FC6F0D"/>
+                </a:solidFill>
+                <a:latin typeface="Calibri" panose="020F0502020204030204" pitchFamily="34" charset="0"/>
+                <a:cs typeface="Calibri" panose="020F0502020204030204" pitchFamily="34" charset="0"/>
+              </a:rPr>
+              <a:t>([ {$</a:t>
+            </a:r>
+            <a:r>
+              <a:rPr lang="en-US" sz="2200" dirty="0">
+                <a:solidFill>
+                  <a:srgbClr val="FC6F0D"/>
+                </a:solidFill>
+                <a:latin typeface="Calibri" panose="020F0502020204030204" pitchFamily="34" charset="0"/>
+                <a:cs typeface="Calibri" panose="020F0502020204030204" pitchFamily="34" charset="0"/>
+              </a:rPr>
+              <a:t>match: { job:'manager</a:t>
+            </a:r>
+            <a:r>
+              <a:rPr lang="en-US" sz="2200" dirty="0" smtClean="0">
+                <a:solidFill>
+                  <a:srgbClr val="FC6F0D"/>
+                </a:solidFill>
+                <a:latin typeface="Calibri" panose="020F0502020204030204" pitchFamily="34" charset="0"/>
+                <a:cs typeface="Calibri" panose="020F0502020204030204" pitchFamily="34" charset="0"/>
+              </a:rPr>
+              <a:t>'} </a:t>
+            </a:r>
+            <a:r>
+              <a:rPr lang="en-US" sz="2200" dirty="0" smtClean="0">
+                <a:solidFill>
+                  <a:srgbClr val="FC6F0D"/>
+                </a:solidFill>
+                <a:latin typeface="Calibri" panose="020F0502020204030204" pitchFamily="34" charset="0"/>
+                <a:cs typeface="Calibri" panose="020F0502020204030204" pitchFamily="34" charset="0"/>
+              </a:rPr>
+              <a:t>} ])</a:t>
+            </a:r>
+          </a:p>
+          <a:p>
+            <a:endParaRPr lang="en-US" sz="800" dirty="0" smtClean="0">
+              <a:solidFill>
+                <a:srgbClr val="FC6F0D"/>
+              </a:solidFill>
+              <a:latin typeface="Calibri" panose="020F0502020204030204" pitchFamily="34" charset="0"/>
+              <a:cs typeface="Calibri" panose="020F0502020204030204" pitchFamily="34" charset="0"/>
+            </a:endParaRPr>
+          </a:p>
+          <a:p>
+            <a:r>
+              <a:rPr lang="en-US" sz="2200" dirty="0">
+                <a:solidFill>
+                  <a:srgbClr val="FC6F0D"/>
+                </a:solidFill>
+                <a:latin typeface="Calibri" panose="020F0502020204030204" pitchFamily="34" charset="0"/>
+                <a:cs typeface="Calibri" panose="020F0502020204030204" pitchFamily="34" charset="0"/>
+              </a:rPr>
+              <a:t>db.emp.aggregate </a:t>
+            </a:r>
+            <a:r>
+              <a:rPr lang="en-US" sz="2200" dirty="0" smtClean="0">
+                <a:solidFill>
+                  <a:srgbClr val="FC6F0D"/>
+                </a:solidFill>
+                <a:latin typeface="Calibri" panose="020F0502020204030204" pitchFamily="34" charset="0"/>
+                <a:cs typeface="Calibri" panose="020F0502020204030204" pitchFamily="34" charset="0"/>
+              </a:rPr>
+              <a:t>([ {$</a:t>
+            </a:r>
+            <a:r>
+              <a:rPr lang="en-US" sz="2200" dirty="0">
+                <a:solidFill>
+                  <a:srgbClr val="FC6F0D"/>
+                </a:solidFill>
+                <a:latin typeface="Calibri" panose="020F0502020204030204" pitchFamily="34" charset="0"/>
+                <a:cs typeface="Calibri" panose="020F0502020204030204" pitchFamily="34" charset="0"/>
+              </a:rPr>
+              <a:t>match: {comm: </a:t>
+            </a:r>
+            <a:r>
+              <a:rPr lang="en-US" sz="2200" dirty="0" smtClean="0">
+                <a:solidFill>
+                  <a:srgbClr val="FC6F0D"/>
+                </a:solidFill>
+                <a:latin typeface="Calibri" panose="020F0502020204030204" pitchFamily="34" charset="0"/>
+                <a:cs typeface="Calibri" panose="020F0502020204030204" pitchFamily="34" charset="0"/>
+              </a:rPr>
+              <a:t>{$</a:t>
+            </a:r>
+            <a:r>
+              <a:rPr lang="en-US" sz="2200" dirty="0">
+                <a:solidFill>
+                  <a:srgbClr val="FC6F0D"/>
+                </a:solidFill>
+                <a:latin typeface="Calibri" panose="020F0502020204030204" pitchFamily="34" charset="0"/>
+                <a:cs typeface="Calibri" panose="020F0502020204030204" pitchFamily="34" charset="0"/>
+              </a:rPr>
+              <a:t>eq</a:t>
+            </a:r>
+            <a:r>
+              <a:rPr lang="en-US" sz="2200" dirty="0" smtClean="0">
+                <a:solidFill>
+                  <a:srgbClr val="FC6F0D"/>
+                </a:solidFill>
+                <a:latin typeface="Calibri" panose="020F0502020204030204" pitchFamily="34" charset="0"/>
+                <a:cs typeface="Calibri" panose="020F0502020204030204" pitchFamily="34" charset="0"/>
+              </a:rPr>
+              <a:t>: </a:t>
+            </a:r>
+            <a:r>
+              <a:rPr lang="en-US" sz="2200" dirty="0" smtClean="0">
+                <a:solidFill>
+                  <a:srgbClr val="FC6F0D"/>
+                </a:solidFill>
+                <a:latin typeface="Calibri" panose="020F0502020204030204" pitchFamily="34" charset="0"/>
+                <a:cs typeface="Calibri" panose="020F0502020204030204" pitchFamily="34" charset="0"/>
+              </a:rPr>
+              <a:t>null} </a:t>
+            </a:r>
+            <a:r>
+              <a:rPr lang="en-US" sz="2200" dirty="0">
+                <a:solidFill>
+                  <a:srgbClr val="FC6F0D"/>
+                </a:solidFill>
+                <a:latin typeface="Calibri" panose="020F0502020204030204" pitchFamily="34" charset="0"/>
+                <a:cs typeface="Calibri" panose="020F0502020204030204" pitchFamily="34" charset="0"/>
+              </a:rPr>
+              <a:t>} </a:t>
+            </a:r>
+            <a:r>
+              <a:rPr lang="en-US" sz="2200" dirty="0" smtClean="0">
+                <a:solidFill>
+                  <a:srgbClr val="FC6F0D"/>
+                </a:solidFill>
+                <a:latin typeface="Calibri" panose="020F0502020204030204" pitchFamily="34" charset="0"/>
+                <a:cs typeface="Calibri" panose="020F0502020204030204" pitchFamily="34" charset="0"/>
+              </a:rPr>
+              <a:t>} </a:t>
+            </a:r>
+            <a:r>
+              <a:rPr lang="en-US" sz="2200" dirty="0" smtClean="0">
+                <a:solidFill>
+                  <a:srgbClr val="FC6F0D"/>
+                </a:solidFill>
+                <a:latin typeface="Calibri" panose="020F0502020204030204" pitchFamily="34" charset="0"/>
+                <a:cs typeface="Calibri" panose="020F0502020204030204" pitchFamily="34" charset="0"/>
+              </a:rPr>
+              <a:t>])</a:t>
+            </a:r>
+          </a:p>
+          <a:p>
+            <a:endParaRPr lang="en-US" sz="800" dirty="0">
+              <a:solidFill>
+                <a:srgbClr val="FC6F0D"/>
+              </a:solidFill>
+              <a:latin typeface="Calibri" panose="020F0502020204030204" pitchFamily="34" charset="0"/>
+              <a:cs typeface="Calibri" panose="020F0502020204030204" pitchFamily="34" charset="0"/>
+            </a:endParaRPr>
+          </a:p>
+          <a:p>
+            <a:r>
+              <a:rPr lang="en-US" sz="2200" dirty="0" smtClean="0">
+                <a:solidFill>
+                  <a:srgbClr val="FC6F0D"/>
+                </a:solidFill>
+                <a:latin typeface="Calibri" panose="020F0502020204030204" pitchFamily="34" charset="0"/>
+                <a:cs typeface="Calibri" panose="020F0502020204030204" pitchFamily="34" charset="0"/>
+              </a:rPr>
+              <a:t>db.emp.aggregate ([ {$</a:t>
+            </a:r>
+            <a:r>
+              <a:rPr lang="en-US" sz="2200" dirty="0">
+                <a:solidFill>
+                  <a:srgbClr val="FC6F0D"/>
+                </a:solidFill>
+                <a:latin typeface="Calibri" panose="020F0502020204030204" pitchFamily="34" charset="0"/>
+                <a:cs typeface="Calibri" panose="020F0502020204030204" pitchFamily="34" charset="0"/>
+              </a:rPr>
+              <a:t>match</a:t>
+            </a:r>
+            <a:r>
+              <a:rPr lang="en-US" sz="2200" dirty="0" smtClean="0">
+                <a:solidFill>
+                  <a:srgbClr val="FC6F0D"/>
+                </a:solidFill>
+                <a:latin typeface="Calibri" panose="020F0502020204030204" pitchFamily="34" charset="0"/>
+                <a:cs typeface="Calibri" panose="020F0502020204030204" pitchFamily="34" charset="0"/>
+              </a:rPr>
+              <a:t>: {</a:t>
+            </a:r>
+            <a:r>
+              <a:rPr lang="en-US" sz="2200" dirty="0">
+                <a:solidFill>
+                  <a:srgbClr val="FC6F0D"/>
+                </a:solidFill>
+                <a:latin typeface="Calibri" panose="020F0502020204030204" pitchFamily="34" charset="0"/>
+                <a:cs typeface="Calibri" panose="020F0502020204030204" pitchFamily="34" charset="0"/>
+              </a:rPr>
+              <a:t>sal</a:t>
+            </a:r>
+            <a:r>
+              <a:rPr lang="en-US" sz="2200" dirty="0" smtClean="0">
+                <a:solidFill>
+                  <a:srgbClr val="FC6F0D"/>
+                </a:solidFill>
+                <a:latin typeface="Calibri" panose="020F0502020204030204" pitchFamily="34" charset="0"/>
+                <a:cs typeface="Calibri" panose="020F0502020204030204" pitchFamily="34" charset="0"/>
+              </a:rPr>
+              <a:t>: {$</a:t>
+            </a:r>
+            <a:r>
+              <a:rPr lang="en-US" sz="2200" dirty="0">
+                <a:solidFill>
+                  <a:srgbClr val="FC6F0D"/>
+                </a:solidFill>
+                <a:latin typeface="Calibri" panose="020F0502020204030204" pitchFamily="34" charset="0"/>
+                <a:cs typeface="Calibri" panose="020F0502020204030204" pitchFamily="34" charset="0"/>
+              </a:rPr>
+              <a:t>gt</a:t>
+            </a:r>
+            <a:r>
+              <a:rPr lang="en-US" sz="2200" dirty="0" smtClean="0">
+                <a:solidFill>
+                  <a:srgbClr val="FC6F0D"/>
+                </a:solidFill>
+                <a:latin typeface="Calibri" panose="020F0502020204030204" pitchFamily="34" charset="0"/>
+                <a:cs typeface="Calibri" panose="020F0502020204030204" pitchFamily="34" charset="0"/>
+              </a:rPr>
+              <a:t>: 4000} }}, {$</a:t>
+            </a:r>
+            <a:r>
+              <a:rPr lang="en-US" sz="2200" dirty="0">
+                <a:solidFill>
+                  <a:srgbClr val="FC6F0D"/>
+                </a:solidFill>
+                <a:latin typeface="Calibri" panose="020F0502020204030204" pitchFamily="34" charset="0"/>
+                <a:cs typeface="Calibri" panose="020F0502020204030204" pitchFamily="34" charset="0"/>
+              </a:rPr>
+              <a:t>group</a:t>
+            </a:r>
+            <a:r>
+              <a:rPr lang="en-US" sz="2200" dirty="0" smtClean="0">
+                <a:solidFill>
+                  <a:srgbClr val="FC6F0D"/>
+                </a:solidFill>
+                <a:latin typeface="Calibri" panose="020F0502020204030204" pitchFamily="34" charset="0"/>
+                <a:cs typeface="Calibri" panose="020F0502020204030204" pitchFamily="34" charset="0"/>
+              </a:rPr>
+              <a:t>: {_</a:t>
+            </a:r>
+            <a:r>
+              <a:rPr lang="en-US" sz="2200" dirty="0">
+                <a:solidFill>
+                  <a:srgbClr val="FC6F0D"/>
+                </a:solidFill>
+                <a:latin typeface="Calibri" panose="020F0502020204030204" pitchFamily="34" charset="0"/>
+                <a:cs typeface="Calibri" panose="020F0502020204030204" pitchFamily="34" charset="0"/>
+              </a:rPr>
+              <a:t>id</a:t>
+            </a:r>
+            <a:r>
+              <a:rPr lang="en-US" sz="2200" dirty="0" smtClean="0">
+                <a:solidFill>
+                  <a:srgbClr val="FC6F0D"/>
+                </a:solidFill>
+                <a:latin typeface="Calibri" panose="020F0502020204030204" pitchFamily="34" charset="0"/>
+                <a:cs typeface="Calibri" panose="020F0502020204030204" pitchFamily="34" charset="0"/>
+              </a:rPr>
+              <a:t>: '$</a:t>
+            </a:r>
+            <a:r>
+              <a:rPr lang="en-US" sz="2200" dirty="0">
+                <a:solidFill>
+                  <a:srgbClr val="FC6F0D"/>
+                </a:solidFill>
+                <a:latin typeface="Calibri" panose="020F0502020204030204" pitchFamily="34" charset="0"/>
+                <a:cs typeface="Calibri" panose="020F0502020204030204" pitchFamily="34" charset="0"/>
+              </a:rPr>
+              <a:t>job', count</a:t>
+            </a:r>
+            <a:r>
+              <a:rPr lang="en-US" sz="2200" dirty="0" smtClean="0">
+                <a:solidFill>
+                  <a:srgbClr val="FC6F0D"/>
+                </a:solidFill>
+                <a:latin typeface="Calibri" panose="020F0502020204030204" pitchFamily="34" charset="0"/>
+                <a:cs typeface="Calibri" panose="020F0502020204030204" pitchFamily="34" charset="0"/>
+              </a:rPr>
+              <a:t>: {$</a:t>
+            </a:r>
+            <a:r>
+              <a:rPr lang="en-US" sz="2200" dirty="0">
+                <a:solidFill>
+                  <a:srgbClr val="FC6F0D"/>
+                </a:solidFill>
+                <a:latin typeface="Calibri" panose="020F0502020204030204" pitchFamily="34" charset="0"/>
+                <a:cs typeface="Calibri" panose="020F0502020204030204" pitchFamily="34" charset="0"/>
+              </a:rPr>
+              <a:t>sum</a:t>
+            </a:r>
+            <a:r>
+              <a:rPr lang="en-US" sz="2200" dirty="0" smtClean="0">
+                <a:solidFill>
+                  <a:srgbClr val="FC6F0D"/>
+                </a:solidFill>
+                <a:latin typeface="Calibri" panose="020F0502020204030204" pitchFamily="34" charset="0"/>
+                <a:cs typeface="Calibri" panose="020F0502020204030204" pitchFamily="34" charset="0"/>
+              </a:rPr>
+              <a:t>: '$</a:t>
+            </a:r>
+            <a:r>
+              <a:rPr lang="en-US" sz="2200" dirty="0">
+                <a:solidFill>
+                  <a:srgbClr val="FC6F0D"/>
+                </a:solidFill>
+                <a:latin typeface="Calibri" panose="020F0502020204030204" pitchFamily="34" charset="0"/>
+                <a:cs typeface="Calibri" panose="020F0502020204030204" pitchFamily="34" charset="0"/>
+              </a:rPr>
+              <a:t>sal'} </a:t>
+            </a:r>
+            <a:r>
+              <a:rPr lang="en-US" sz="2200" dirty="0" smtClean="0">
+                <a:solidFill>
+                  <a:srgbClr val="FC6F0D"/>
+                </a:solidFill>
+                <a:latin typeface="Calibri" panose="020F0502020204030204" pitchFamily="34" charset="0"/>
+                <a:cs typeface="Calibri" panose="020F0502020204030204" pitchFamily="34" charset="0"/>
+              </a:rPr>
+              <a:t>} } ])</a:t>
+            </a:r>
+            <a:endParaRPr lang="en-US" sz="2200" dirty="0">
+              <a:solidFill>
+                <a:srgbClr val="FC6F0D"/>
+              </a:solidFill>
+              <a:latin typeface="Calibri" panose="020F0502020204030204" pitchFamily="34" charset="0"/>
+              <a:cs typeface="Calibri" panose="020F0502020204030204" pitchFamily="34" charset="0"/>
+            </a:endParaRPr>
+          </a:p>
+        </p:txBody>
+      </p:sp>
     </p:spTree>
     <p:extLst>
       <p:ext uri="{BB962C8B-B14F-4D97-AF65-F5344CB8AC3E}">
-        <p14:creationId xmlns:p14="http://schemas.microsoft.com/office/powerpoint/2010/main" val="895975297"/>
+        <p14:creationId xmlns:p14="http://schemas.microsoft.com/office/powerpoint/2010/main" val="514370092"/>
       </p:ext>
     </p:extLst>
   </p:cSld>
@@ -28910,26 +29890,16 @@
                 <a:latin typeface="Arial" pitchFamily="34" charset="0"/>
                 <a:cs typeface="Arial" pitchFamily="34" charset="0"/>
               </a:rPr>
-              <a:t>MongoDB</a:t>
-            </a:r>
-            <a:r>
-              <a:rPr lang="en-US" sz="3200" b="1" i="1" dirty="0" smtClean="0">
+              <a:t>$match</a:t>
+            </a:r>
+            <a:r>
+              <a:rPr lang="en-IN" sz="3200" b="1" i="1" dirty="0">
                 <a:solidFill>
                   <a:srgbClr val="FFFF00"/>
                 </a:solidFill>
                 <a:latin typeface="Arial" pitchFamily="34" charset="0"/>
                 <a:cs typeface="Arial" pitchFamily="34" charset="0"/>
               </a:rPr>
-              <a:t> </a:t>
-            </a:r>
-            <a:r>
-              <a:rPr lang="en-IN" sz="3200" b="1" i="1" dirty="0">
-                <a:solidFill>
-                  <a:srgbClr val="FFFF00"/>
-                </a:solidFill>
-                <a:latin typeface="Arial" pitchFamily="34" charset="0"/>
-                <a:cs typeface="Arial" pitchFamily="34" charset="0"/>
-              </a:rPr>
               <a:t> </a:t>
             </a:r>
           </a:p>
@@ -28944,7 +29914,7 @@
         <p:spPr>
           <a:xfrm>
             <a:off x="149188" y="762000"/>
-            <a:ext cx="8845624" cy="369332"/>
+            <a:ext cx="8845624" cy="646331"/>
           </a:xfrm>
           <a:prstGeom prst="rect">
             <a:avLst/>
@@ -28957,8 +29927,8 @@
           <a:lstStyle/>
           <a:p>
             <a:r>
-              <a:rPr lang="en-US" dirty="0" smtClean="0"/>
-              <a:t>TODO</a:t>
+              <a:rPr lang="en-US" dirty="0"/>
+              <a:t>Filters the documents to pass only the documents that match the specified condition(s) to the next pipeline stage.</a:t>
             </a:r>
             <a:endParaRPr lang="en-IN" dirty="0"/>
           </a:p>
@@ -28972,7 +29942,7 @@
         </p:nvSpPr>
         <p:spPr>
           <a:xfrm>
-            <a:off x="149188" y="1828800"/>
+            <a:off x="149188" y="1524000"/>
             <a:ext cx="8761264" cy="369332"/>
           </a:xfrm>
           <a:prstGeom prst="rect">
@@ -28986,20 +29956,386 @@
           <a:lstStyle/>
           <a:p>
             <a:r>
-              <a:rPr lang="en-US" dirty="0" smtClean="0">
+              <a:rPr lang="en-US" dirty="0">
                 <a:solidFill>
                   <a:srgbClr val="049DC8"/>
                 </a:solidFill>
                 <a:latin typeface="Consolas" panose="020B0609020204030204" pitchFamily="49" charset="0"/>
                 <a:cs typeface="Calibri" panose="020F0502020204030204" pitchFamily="34" charset="0"/>
               </a:rPr>
-              <a:t>{ $&lt;stageOperator&gt; : { } }</a:t>
-            </a:r>
-            <a:endParaRPr lang="en-US" dirty="0">
+              <a:t>{ $match: { &lt;query&gt; } }</a:t>
+            </a:r>
+          </a:p>
+        </p:txBody>
+      </p:sp>
+      <p:sp>
+        <p:nvSpPr>
+          <p:cNvPr id="5" name="Rectangle 4"/>
+          <p:cNvSpPr/>
+          <p:nvPr/>
+        </p:nvSpPr>
+        <p:spPr>
+          <a:xfrm>
+            <a:off x="149188" y="2133600"/>
+            <a:ext cx="8761264" cy="1692771"/>
+          </a:xfrm>
+          <a:prstGeom prst="rect">
+            <a:avLst/>
+          </a:prstGeom>
+        </p:spPr>
+        <p:txBody>
+          <a:bodyPr wrap="square">
+            <a:spAutoFit/>
+          </a:bodyPr>
+          <a:lstStyle/>
+          <a:p>
+            <a:r>
+              <a:rPr lang="en-US" sz="2200" dirty="0">
+                <a:solidFill>
+                  <a:srgbClr val="FC6F0D"/>
+                </a:solidFill>
+                <a:latin typeface="Calibri" panose="020F0502020204030204" pitchFamily="34" charset="0"/>
+                <a:cs typeface="Calibri" panose="020F0502020204030204" pitchFamily="34" charset="0"/>
+              </a:rPr>
+              <a:t>db.emp.aggregate </a:t>
+            </a:r>
+            <a:r>
+              <a:rPr lang="en-US" sz="2200" dirty="0" smtClean="0">
+                <a:solidFill>
+                  <a:srgbClr val="FC6F0D"/>
+                </a:solidFill>
+                <a:latin typeface="Calibri" panose="020F0502020204030204" pitchFamily="34" charset="0"/>
+                <a:cs typeface="Calibri" panose="020F0502020204030204" pitchFamily="34" charset="0"/>
+              </a:rPr>
+              <a:t>([ {$</a:t>
+            </a:r>
+            <a:r>
+              <a:rPr lang="en-US" sz="2200" dirty="0">
+                <a:solidFill>
+                  <a:srgbClr val="FC6F0D"/>
+                </a:solidFill>
+                <a:latin typeface="Calibri" panose="020F0502020204030204" pitchFamily="34" charset="0"/>
+                <a:cs typeface="Calibri" panose="020F0502020204030204" pitchFamily="34" charset="0"/>
+              </a:rPr>
+              <a:t>match: { job:'manager</a:t>
+            </a:r>
+            <a:r>
+              <a:rPr lang="en-US" sz="2200" dirty="0" smtClean="0">
+                <a:solidFill>
+                  <a:srgbClr val="FC6F0D"/>
+                </a:solidFill>
+                <a:latin typeface="Calibri" panose="020F0502020204030204" pitchFamily="34" charset="0"/>
+                <a:cs typeface="Calibri" panose="020F0502020204030204" pitchFamily="34" charset="0"/>
+              </a:rPr>
+              <a:t>'} </a:t>
+            </a:r>
+            <a:r>
+              <a:rPr lang="en-US" sz="2200" dirty="0" smtClean="0">
+                <a:solidFill>
+                  <a:srgbClr val="FC6F0D"/>
+                </a:solidFill>
+                <a:latin typeface="Calibri" panose="020F0502020204030204" pitchFamily="34" charset="0"/>
+                <a:cs typeface="Calibri" panose="020F0502020204030204" pitchFamily="34" charset="0"/>
+              </a:rPr>
+              <a:t>} ])</a:t>
+            </a:r>
+          </a:p>
+          <a:p>
+            <a:endParaRPr lang="en-US" sz="800" dirty="0" smtClean="0">
               <a:solidFill>
-                <a:srgbClr val="049DC8"/>
+                <a:srgbClr val="FC6F0D"/>
               </a:solidFill>
-              <a:latin typeface="Consolas" panose="020B0609020204030204" pitchFamily="49" charset="0"/>
+              <a:latin typeface="Calibri" panose="020F0502020204030204" pitchFamily="34" charset="0"/>
+              <a:cs typeface="Calibri" panose="020F0502020204030204" pitchFamily="34" charset="0"/>
+            </a:endParaRPr>
+          </a:p>
+          <a:p>
+            <a:r>
+              <a:rPr lang="en-US" sz="2200" dirty="0">
+                <a:solidFill>
+                  <a:srgbClr val="FC6F0D"/>
+                </a:solidFill>
+                <a:latin typeface="Calibri" panose="020F0502020204030204" pitchFamily="34" charset="0"/>
+                <a:cs typeface="Calibri" panose="020F0502020204030204" pitchFamily="34" charset="0"/>
+              </a:rPr>
+              <a:t>db.emp.aggregate </a:t>
+            </a:r>
+            <a:r>
+              <a:rPr lang="en-US" sz="2200" dirty="0" smtClean="0">
+                <a:solidFill>
+                  <a:srgbClr val="FC6F0D"/>
+                </a:solidFill>
+                <a:latin typeface="Calibri" panose="020F0502020204030204" pitchFamily="34" charset="0"/>
+                <a:cs typeface="Calibri" panose="020F0502020204030204" pitchFamily="34" charset="0"/>
+              </a:rPr>
+              <a:t>([ {$</a:t>
+            </a:r>
+            <a:r>
+              <a:rPr lang="en-US" sz="2200" dirty="0">
+                <a:solidFill>
+                  <a:srgbClr val="FC6F0D"/>
+                </a:solidFill>
+                <a:latin typeface="Calibri" panose="020F0502020204030204" pitchFamily="34" charset="0"/>
+                <a:cs typeface="Calibri" panose="020F0502020204030204" pitchFamily="34" charset="0"/>
+              </a:rPr>
+              <a:t>match: {comm: </a:t>
+            </a:r>
+            <a:r>
+              <a:rPr lang="en-US" sz="2200" dirty="0" smtClean="0">
+                <a:solidFill>
+                  <a:srgbClr val="FC6F0D"/>
+                </a:solidFill>
+                <a:latin typeface="Calibri" panose="020F0502020204030204" pitchFamily="34" charset="0"/>
+                <a:cs typeface="Calibri" panose="020F0502020204030204" pitchFamily="34" charset="0"/>
+              </a:rPr>
+              <a:t>{$</a:t>
+            </a:r>
+            <a:r>
+              <a:rPr lang="en-US" sz="2200" dirty="0">
+                <a:solidFill>
+                  <a:srgbClr val="FC6F0D"/>
+                </a:solidFill>
+                <a:latin typeface="Calibri" panose="020F0502020204030204" pitchFamily="34" charset="0"/>
+                <a:cs typeface="Calibri" panose="020F0502020204030204" pitchFamily="34" charset="0"/>
+              </a:rPr>
+              <a:t>eq</a:t>
+            </a:r>
+            <a:r>
+              <a:rPr lang="en-US" sz="2200" dirty="0" smtClean="0">
+                <a:solidFill>
+                  <a:srgbClr val="FC6F0D"/>
+                </a:solidFill>
+                <a:latin typeface="Calibri" panose="020F0502020204030204" pitchFamily="34" charset="0"/>
+                <a:cs typeface="Calibri" panose="020F0502020204030204" pitchFamily="34" charset="0"/>
+              </a:rPr>
+              <a:t>: </a:t>
+            </a:r>
+            <a:r>
+              <a:rPr lang="en-US" sz="2200" dirty="0" smtClean="0">
+                <a:solidFill>
+                  <a:srgbClr val="FC6F0D"/>
+                </a:solidFill>
+                <a:latin typeface="Calibri" panose="020F0502020204030204" pitchFamily="34" charset="0"/>
+                <a:cs typeface="Calibri" panose="020F0502020204030204" pitchFamily="34" charset="0"/>
+              </a:rPr>
+              <a:t>null} </a:t>
+            </a:r>
+            <a:r>
+              <a:rPr lang="en-US" sz="2200" dirty="0">
+                <a:solidFill>
+                  <a:srgbClr val="FC6F0D"/>
+                </a:solidFill>
+                <a:latin typeface="Calibri" panose="020F0502020204030204" pitchFamily="34" charset="0"/>
+                <a:cs typeface="Calibri" panose="020F0502020204030204" pitchFamily="34" charset="0"/>
+              </a:rPr>
+              <a:t>} </a:t>
+            </a:r>
+            <a:r>
+              <a:rPr lang="en-US" sz="2200" dirty="0" smtClean="0">
+                <a:solidFill>
+                  <a:srgbClr val="FC6F0D"/>
+                </a:solidFill>
+                <a:latin typeface="Calibri" panose="020F0502020204030204" pitchFamily="34" charset="0"/>
+                <a:cs typeface="Calibri" panose="020F0502020204030204" pitchFamily="34" charset="0"/>
+              </a:rPr>
+              <a:t>} </a:t>
+            </a:r>
+            <a:r>
+              <a:rPr lang="en-US" sz="2200" dirty="0" smtClean="0">
+                <a:solidFill>
+                  <a:srgbClr val="FC6F0D"/>
+                </a:solidFill>
+                <a:latin typeface="Calibri" panose="020F0502020204030204" pitchFamily="34" charset="0"/>
+                <a:cs typeface="Calibri" panose="020F0502020204030204" pitchFamily="34" charset="0"/>
+              </a:rPr>
+              <a:t>])</a:t>
+            </a:r>
+          </a:p>
+          <a:p>
+            <a:endParaRPr lang="en-US" sz="800" dirty="0">
+              <a:solidFill>
+                <a:srgbClr val="FC6F0D"/>
+              </a:solidFill>
+              <a:latin typeface="Calibri" panose="020F0502020204030204" pitchFamily="34" charset="0"/>
+              <a:cs typeface="Calibri" panose="020F0502020204030204" pitchFamily="34" charset="0"/>
+            </a:endParaRPr>
+          </a:p>
+          <a:p>
+            <a:r>
+              <a:rPr lang="en-US" sz="2200" dirty="0" smtClean="0">
+                <a:solidFill>
+                  <a:srgbClr val="FC6F0D"/>
+                </a:solidFill>
+                <a:latin typeface="Calibri" panose="020F0502020204030204" pitchFamily="34" charset="0"/>
+                <a:cs typeface="Calibri" panose="020F0502020204030204" pitchFamily="34" charset="0"/>
+              </a:rPr>
+              <a:t>db.emp.aggregate ([ {$</a:t>
+            </a:r>
+            <a:r>
+              <a:rPr lang="en-US" sz="2200" dirty="0">
+                <a:solidFill>
+                  <a:srgbClr val="FC6F0D"/>
+                </a:solidFill>
+                <a:latin typeface="Calibri" panose="020F0502020204030204" pitchFamily="34" charset="0"/>
+                <a:cs typeface="Calibri" panose="020F0502020204030204" pitchFamily="34" charset="0"/>
+              </a:rPr>
+              <a:t>match</a:t>
+            </a:r>
+            <a:r>
+              <a:rPr lang="en-US" sz="2200" dirty="0" smtClean="0">
+                <a:solidFill>
+                  <a:srgbClr val="FC6F0D"/>
+                </a:solidFill>
+                <a:latin typeface="Calibri" panose="020F0502020204030204" pitchFamily="34" charset="0"/>
+                <a:cs typeface="Calibri" panose="020F0502020204030204" pitchFamily="34" charset="0"/>
+              </a:rPr>
+              <a:t>: {</a:t>
+            </a:r>
+            <a:r>
+              <a:rPr lang="en-US" sz="2200" dirty="0">
+                <a:solidFill>
+                  <a:srgbClr val="FC6F0D"/>
+                </a:solidFill>
+                <a:latin typeface="Calibri" panose="020F0502020204030204" pitchFamily="34" charset="0"/>
+                <a:cs typeface="Calibri" panose="020F0502020204030204" pitchFamily="34" charset="0"/>
+              </a:rPr>
+              <a:t>sal</a:t>
+            </a:r>
+            <a:r>
+              <a:rPr lang="en-US" sz="2200" dirty="0" smtClean="0">
+                <a:solidFill>
+                  <a:srgbClr val="FC6F0D"/>
+                </a:solidFill>
+                <a:latin typeface="Calibri" panose="020F0502020204030204" pitchFamily="34" charset="0"/>
+                <a:cs typeface="Calibri" panose="020F0502020204030204" pitchFamily="34" charset="0"/>
+              </a:rPr>
+              <a:t>: {$</a:t>
+            </a:r>
+            <a:r>
+              <a:rPr lang="en-US" sz="2200" dirty="0">
+                <a:solidFill>
+                  <a:srgbClr val="FC6F0D"/>
+                </a:solidFill>
+                <a:latin typeface="Calibri" panose="020F0502020204030204" pitchFamily="34" charset="0"/>
+                <a:cs typeface="Calibri" panose="020F0502020204030204" pitchFamily="34" charset="0"/>
+              </a:rPr>
+              <a:t>gt</a:t>
+            </a:r>
+            <a:r>
+              <a:rPr lang="en-US" sz="2200" dirty="0" smtClean="0">
+                <a:solidFill>
+                  <a:srgbClr val="FC6F0D"/>
+                </a:solidFill>
+                <a:latin typeface="Calibri" panose="020F0502020204030204" pitchFamily="34" charset="0"/>
+                <a:cs typeface="Calibri" panose="020F0502020204030204" pitchFamily="34" charset="0"/>
+              </a:rPr>
+              <a:t>: 4000} }}, {$</a:t>
+            </a:r>
+            <a:r>
+              <a:rPr lang="en-US" sz="2200" dirty="0">
+                <a:solidFill>
+                  <a:srgbClr val="FC6F0D"/>
+                </a:solidFill>
+                <a:latin typeface="Calibri" panose="020F0502020204030204" pitchFamily="34" charset="0"/>
+                <a:cs typeface="Calibri" panose="020F0502020204030204" pitchFamily="34" charset="0"/>
+              </a:rPr>
+              <a:t>group</a:t>
+            </a:r>
+            <a:r>
+              <a:rPr lang="en-US" sz="2200" dirty="0" smtClean="0">
+                <a:solidFill>
+                  <a:srgbClr val="FC6F0D"/>
+                </a:solidFill>
+                <a:latin typeface="Calibri" panose="020F0502020204030204" pitchFamily="34" charset="0"/>
+                <a:cs typeface="Calibri" panose="020F0502020204030204" pitchFamily="34" charset="0"/>
+              </a:rPr>
+              <a:t>: {_</a:t>
+            </a:r>
+            <a:r>
+              <a:rPr lang="en-US" sz="2200" dirty="0">
+                <a:solidFill>
+                  <a:srgbClr val="FC6F0D"/>
+                </a:solidFill>
+                <a:latin typeface="Calibri" panose="020F0502020204030204" pitchFamily="34" charset="0"/>
+                <a:cs typeface="Calibri" panose="020F0502020204030204" pitchFamily="34" charset="0"/>
+              </a:rPr>
+              <a:t>id</a:t>
+            </a:r>
+            <a:r>
+              <a:rPr lang="en-US" sz="2200" dirty="0" smtClean="0">
+                <a:solidFill>
+                  <a:srgbClr val="FC6F0D"/>
+                </a:solidFill>
+                <a:latin typeface="Calibri" panose="020F0502020204030204" pitchFamily="34" charset="0"/>
+                <a:cs typeface="Calibri" panose="020F0502020204030204" pitchFamily="34" charset="0"/>
+              </a:rPr>
+              <a:t>: '$</a:t>
+            </a:r>
+            <a:r>
+              <a:rPr lang="en-US" sz="2200" dirty="0">
+                <a:solidFill>
+                  <a:srgbClr val="FC6F0D"/>
+                </a:solidFill>
+                <a:latin typeface="Calibri" panose="020F0502020204030204" pitchFamily="34" charset="0"/>
+                <a:cs typeface="Calibri" panose="020F0502020204030204" pitchFamily="34" charset="0"/>
+              </a:rPr>
+              <a:t>job', count</a:t>
+            </a:r>
+            <a:r>
+              <a:rPr lang="en-US" sz="2200" dirty="0" smtClean="0">
+                <a:solidFill>
+                  <a:srgbClr val="FC6F0D"/>
+                </a:solidFill>
+                <a:latin typeface="Calibri" panose="020F0502020204030204" pitchFamily="34" charset="0"/>
+                <a:cs typeface="Calibri" panose="020F0502020204030204" pitchFamily="34" charset="0"/>
+              </a:rPr>
+              <a:t>: {$</a:t>
+            </a:r>
+            <a:r>
+              <a:rPr lang="en-US" sz="2200" dirty="0">
+                <a:solidFill>
+                  <a:srgbClr val="FC6F0D"/>
+                </a:solidFill>
+                <a:latin typeface="Calibri" panose="020F0502020204030204" pitchFamily="34" charset="0"/>
+                <a:cs typeface="Calibri" panose="020F0502020204030204" pitchFamily="34" charset="0"/>
+              </a:rPr>
+              <a:t>sum</a:t>
+            </a:r>
+            <a:r>
+              <a:rPr lang="en-US" sz="2200" dirty="0" smtClean="0">
+                <a:solidFill>
+                  <a:srgbClr val="FC6F0D"/>
+                </a:solidFill>
+                <a:latin typeface="Calibri" panose="020F0502020204030204" pitchFamily="34" charset="0"/>
+                <a:cs typeface="Calibri" panose="020F0502020204030204" pitchFamily="34" charset="0"/>
+              </a:rPr>
+              <a:t>: '$</a:t>
+            </a:r>
+            <a:r>
+              <a:rPr lang="en-US" sz="2200" dirty="0">
+                <a:solidFill>
+                  <a:srgbClr val="FC6F0D"/>
+                </a:solidFill>
+                <a:latin typeface="Calibri" panose="020F0502020204030204" pitchFamily="34" charset="0"/>
+                <a:cs typeface="Calibri" panose="020F0502020204030204" pitchFamily="34" charset="0"/>
+              </a:rPr>
+              <a:t>sal'} </a:t>
+            </a:r>
+            <a:r>
+              <a:rPr lang="en-US" sz="2200" dirty="0" smtClean="0">
+                <a:solidFill>
+                  <a:srgbClr val="FC6F0D"/>
+                </a:solidFill>
+                <a:latin typeface="Calibri" panose="020F0502020204030204" pitchFamily="34" charset="0"/>
+                <a:cs typeface="Calibri" panose="020F0502020204030204" pitchFamily="34" charset="0"/>
+              </a:rPr>
+              <a:t>} } ])</a:t>
+            </a:r>
+            <a:endParaRPr lang="en-US" sz="2200" dirty="0">
+              <a:solidFill>
+                <a:srgbClr val="FC6F0D"/>
+              </a:solidFill>
+              <a:latin typeface="Calibri" panose="020F0502020204030204" pitchFamily="34" charset="0"/>
               <a:cs typeface="Calibri" panose="020F0502020204030204" pitchFamily="34" charset="0"/>
             </a:endParaRPr>
           </a:p>
@@ -29008,7 +30344,7 @@
     </p:spTree>
     <p:extLst>
       <p:ext uri="{BB962C8B-B14F-4D97-AF65-F5344CB8AC3E}">
-        <p14:creationId xmlns:p14="http://schemas.microsoft.com/office/powerpoint/2010/main" val="1785036271"/>
+        <p14:creationId xmlns:p14="http://schemas.microsoft.com/office/powerpoint/2010/main" val="1459319695"/>
       </p:ext>
     </p:extLst>
   </p:cSld>
@@ -29081,26 +30417,16 @@
                 <a:latin typeface="Arial" pitchFamily="34" charset="0"/>
                 <a:cs typeface="Arial" pitchFamily="34" charset="0"/>
               </a:rPr>
-              <a:t>MongoDB</a:t>
-            </a:r>
-            <a:r>
-              <a:rPr lang="en-US" sz="3200" b="1" i="1" dirty="0" smtClean="0">
+              <a:t>$match</a:t>
+            </a:r>
+            <a:r>
+              <a:rPr lang="en-IN" sz="3200" b="1" i="1" dirty="0">
                 <a:solidFill>
                   <a:srgbClr val="FFFF00"/>
                 </a:solidFill>
                 <a:latin typeface="Arial" pitchFamily="34" charset="0"/>
                 <a:cs typeface="Arial" pitchFamily="34" charset="0"/>
               </a:rPr>
-              <a:t> </a:t>
-            </a:r>
-            <a:r>
-              <a:rPr lang="en-IN" sz="3200" b="1" i="1" dirty="0">
-                <a:solidFill>
-                  <a:srgbClr val="FFFF00"/>
-                </a:solidFill>
-                <a:latin typeface="Arial" pitchFamily="34" charset="0"/>
-                <a:cs typeface="Arial" pitchFamily="34" charset="0"/>
-              </a:rPr>
               <a:t> </a:t>
             </a:r>
           </a:p>
@@ -29115,7 +30441,7 @@
         <p:spPr>
           <a:xfrm>
             <a:off x="149188" y="762000"/>
-            <a:ext cx="8845624" cy="369332"/>
+            <a:ext cx="8845624" cy="646331"/>
           </a:xfrm>
           <a:prstGeom prst="rect">
             <a:avLst/>
@@ -29128,8 +30454,8 @@
           <a:lstStyle/>
           <a:p>
             <a:r>
-              <a:rPr lang="en-US" dirty="0" smtClean="0"/>
-              <a:t>TODO</a:t>
+              <a:rPr lang="en-US" dirty="0"/>
+              <a:t>Filters the documents to pass only the documents that match the specified condition(s) to the next pipeline stage.</a:t>
             </a:r>
             <a:endParaRPr lang="en-IN" dirty="0"/>
           </a:p>
@@ -29143,7 +30469,7 @@
         </p:nvSpPr>
         <p:spPr>
           <a:xfrm>
-            <a:off x="149188" y="1828800"/>
+            <a:off x="149188" y="1524000"/>
             <a:ext cx="8761264" cy="369332"/>
           </a:xfrm>
           <a:prstGeom prst="rect">
@@ -29157,20 +30483,386 @@
           <a:lstStyle/>
           <a:p>
             <a:r>
-              <a:rPr lang="en-US" dirty="0" smtClean="0">
+              <a:rPr lang="en-US" dirty="0">
                 <a:solidFill>
                   <a:srgbClr val="049DC8"/>
                 </a:solidFill>
                 <a:latin typeface="Consolas" panose="020B0609020204030204" pitchFamily="49" charset="0"/>
                 <a:cs typeface="Calibri" panose="020F0502020204030204" pitchFamily="34" charset="0"/>
               </a:rPr>
-              <a:t>{ $&lt;stageOperator&gt; : { } }</a:t>
-            </a:r>
-            <a:endParaRPr lang="en-US" dirty="0">
+              <a:t>{ $match: { &lt;query&gt; } }</a:t>
+            </a:r>
+          </a:p>
+        </p:txBody>
+      </p:sp>
+      <p:sp>
+        <p:nvSpPr>
+          <p:cNvPr id="5" name="Rectangle 4"/>
+          <p:cNvSpPr/>
+          <p:nvPr/>
+        </p:nvSpPr>
+        <p:spPr>
+          <a:xfrm>
+            <a:off x="149188" y="2133600"/>
+            <a:ext cx="8761264" cy="1692771"/>
+          </a:xfrm>
+          <a:prstGeom prst="rect">
+            <a:avLst/>
+          </a:prstGeom>
+        </p:spPr>
+        <p:txBody>
+          <a:bodyPr wrap="square">
+            <a:spAutoFit/>
+          </a:bodyPr>
+          <a:lstStyle/>
+          <a:p>
+            <a:r>
+              <a:rPr lang="en-US" sz="2200" dirty="0">
+                <a:solidFill>
+                  <a:srgbClr val="FC6F0D"/>
+                </a:solidFill>
+                <a:latin typeface="Calibri" panose="020F0502020204030204" pitchFamily="34" charset="0"/>
+                <a:cs typeface="Calibri" panose="020F0502020204030204" pitchFamily="34" charset="0"/>
+              </a:rPr>
+              <a:t>db.emp.aggregate </a:t>
+            </a:r>
+            <a:r>
+              <a:rPr lang="en-US" sz="2200" dirty="0" smtClean="0">
+                <a:solidFill>
+                  <a:srgbClr val="FC6F0D"/>
+                </a:solidFill>
+                <a:latin typeface="Calibri" panose="020F0502020204030204" pitchFamily="34" charset="0"/>
+                <a:cs typeface="Calibri" panose="020F0502020204030204" pitchFamily="34" charset="0"/>
+              </a:rPr>
+              <a:t>([ {$</a:t>
+            </a:r>
+            <a:r>
+              <a:rPr lang="en-US" sz="2200" dirty="0">
+                <a:solidFill>
+                  <a:srgbClr val="FC6F0D"/>
+                </a:solidFill>
+                <a:latin typeface="Calibri" panose="020F0502020204030204" pitchFamily="34" charset="0"/>
+                <a:cs typeface="Calibri" panose="020F0502020204030204" pitchFamily="34" charset="0"/>
+              </a:rPr>
+              <a:t>match: { job:'manager</a:t>
+            </a:r>
+            <a:r>
+              <a:rPr lang="en-US" sz="2200" dirty="0" smtClean="0">
+                <a:solidFill>
+                  <a:srgbClr val="FC6F0D"/>
+                </a:solidFill>
+                <a:latin typeface="Calibri" panose="020F0502020204030204" pitchFamily="34" charset="0"/>
+                <a:cs typeface="Calibri" panose="020F0502020204030204" pitchFamily="34" charset="0"/>
+              </a:rPr>
+              <a:t>'} </a:t>
+            </a:r>
+            <a:r>
+              <a:rPr lang="en-US" sz="2200" dirty="0" smtClean="0">
+                <a:solidFill>
+                  <a:srgbClr val="FC6F0D"/>
+                </a:solidFill>
+                <a:latin typeface="Calibri" panose="020F0502020204030204" pitchFamily="34" charset="0"/>
+                <a:cs typeface="Calibri" panose="020F0502020204030204" pitchFamily="34" charset="0"/>
+              </a:rPr>
+              <a:t>} ])</a:t>
+            </a:r>
+          </a:p>
+          <a:p>
+            <a:endParaRPr lang="en-US" sz="800" dirty="0" smtClean="0">
               <a:solidFill>
-                <a:srgbClr val="049DC8"/>
+                <a:srgbClr val="FC6F0D"/>
               </a:solidFill>
-              <a:latin typeface="Consolas" panose="020B0609020204030204" pitchFamily="49" charset="0"/>
+              <a:latin typeface="Calibri" panose="020F0502020204030204" pitchFamily="34" charset="0"/>
+              <a:cs typeface="Calibri" panose="020F0502020204030204" pitchFamily="34" charset="0"/>
+            </a:endParaRPr>
+          </a:p>
+          <a:p>
+            <a:r>
+              <a:rPr lang="en-US" sz="2200" dirty="0">
+                <a:solidFill>
+                  <a:srgbClr val="FC6F0D"/>
+                </a:solidFill>
+                <a:latin typeface="Calibri" panose="020F0502020204030204" pitchFamily="34" charset="0"/>
+                <a:cs typeface="Calibri" panose="020F0502020204030204" pitchFamily="34" charset="0"/>
+              </a:rPr>
+              <a:t>db.emp.aggregate </a:t>
+            </a:r>
+            <a:r>
+              <a:rPr lang="en-US" sz="2200" dirty="0" smtClean="0">
+                <a:solidFill>
+                  <a:srgbClr val="FC6F0D"/>
+                </a:solidFill>
+                <a:latin typeface="Calibri" panose="020F0502020204030204" pitchFamily="34" charset="0"/>
+                <a:cs typeface="Calibri" panose="020F0502020204030204" pitchFamily="34" charset="0"/>
+              </a:rPr>
+              <a:t>([ {$</a:t>
+            </a:r>
+            <a:r>
+              <a:rPr lang="en-US" sz="2200" dirty="0">
+                <a:solidFill>
+                  <a:srgbClr val="FC6F0D"/>
+                </a:solidFill>
+                <a:latin typeface="Calibri" panose="020F0502020204030204" pitchFamily="34" charset="0"/>
+                <a:cs typeface="Calibri" panose="020F0502020204030204" pitchFamily="34" charset="0"/>
+              </a:rPr>
+              <a:t>match: {comm: </a:t>
+            </a:r>
+            <a:r>
+              <a:rPr lang="en-US" sz="2200" dirty="0" smtClean="0">
+                <a:solidFill>
+                  <a:srgbClr val="FC6F0D"/>
+                </a:solidFill>
+                <a:latin typeface="Calibri" panose="020F0502020204030204" pitchFamily="34" charset="0"/>
+                <a:cs typeface="Calibri" panose="020F0502020204030204" pitchFamily="34" charset="0"/>
+              </a:rPr>
+              <a:t>{$</a:t>
+            </a:r>
+            <a:r>
+              <a:rPr lang="en-US" sz="2200" dirty="0">
+                <a:solidFill>
+                  <a:srgbClr val="FC6F0D"/>
+                </a:solidFill>
+                <a:latin typeface="Calibri" panose="020F0502020204030204" pitchFamily="34" charset="0"/>
+                <a:cs typeface="Calibri" panose="020F0502020204030204" pitchFamily="34" charset="0"/>
+              </a:rPr>
+              <a:t>eq</a:t>
+            </a:r>
+            <a:r>
+              <a:rPr lang="en-US" sz="2200" dirty="0" smtClean="0">
+                <a:solidFill>
+                  <a:srgbClr val="FC6F0D"/>
+                </a:solidFill>
+                <a:latin typeface="Calibri" panose="020F0502020204030204" pitchFamily="34" charset="0"/>
+                <a:cs typeface="Calibri" panose="020F0502020204030204" pitchFamily="34" charset="0"/>
+              </a:rPr>
+              <a:t>: </a:t>
+            </a:r>
+            <a:r>
+              <a:rPr lang="en-US" sz="2200" dirty="0" smtClean="0">
+                <a:solidFill>
+                  <a:srgbClr val="FC6F0D"/>
+                </a:solidFill>
+                <a:latin typeface="Calibri" panose="020F0502020204030204" pitchFamily="34" charset="0"/>
+                <a:cs typeface="Calibri" panose="020F0502020204030204" pitchFamily="34" charset="0"/>
+              </a:rPr>
+              <a:t>null} </a:t>
+            </a:r>
+            <a:r>
+              <a:rPr lang="en-US" sz="2200" dirty="0">
+                <a:solidFill>
+                  <a:srgbClr val="FC6F0D"/>
+                </a:solidFill>
+                <a:latin typeface="Calibri" panose="020F0502020204030204" pitchFamily="34" charset="0"/>
+                <a:cs typeface="Calibri" panose="020F0502020204030204" pitchFamily="34" charset="0"/>
+              </a:rPr>
+              <a:t>} </a:t>
+            </a:r>
+            <a:r>
+              <a:rPr lang="en-US" sz="2200" dirty="0" smtClean="0">
+                <a:solidFill>
+                  <a:srgbClr val="FC6F0D"/>
+                </a:solidFill>
+                <a:latin typeface="Calibri" panose="020F0502020204030204" pitchFamily="34" charset="0"/>
+                <a:cs typeface="Calibri" panose="020F0502020204030204" pitchFamily="34" charset="0"/>
+              </a:rPr>
+              <a:t>} </a:t>
+            </a:r>
+            <a:r>
+              <a:rPr lang="en-US" sz="2200" dirty="0" smtClean="0">
+                <a:solidFill>
+                  <a:srgbClr val="FC6F0D"/>
+                </a:solidFill>
+                <a:latin typeface="Calibri" panose="020F0502020204030204" pitchFamily="34" charset="0"/>
+                <a:cs typeface="Calibri" panose="020F0502020204030204" pitchFamily="34" charset="0"/>
+              </a:rPr>
+              <a:t>])</a:t>
+            </a:r>
+          </a:p>
+          <a:p>
+            <a:endParaRPr lang="en-US" sz="800" dirty="0">
+              <a:solidFill>
+                <a:srgbClr val="FC6F0D"/>
+              </a:solidFill>
+              <a:latin typeface="Calibri" panose="020F0502020204030204" pitchFamily="34" charset="0"/>
+              <a:cs typeface="Calibri" panose="020F0502020204030204" pitchFamily="34" charset="0"/>
+            </a:endParaRPr>
+          </a:p>
+          <a:p>
+            <a:r>
+              <a:rPr lang="en-US" sz="2200" dirty="0" smtClean="0">
+                <a:solidFill>
+                  <a:srgbClr val="FC6F0D"/>
+                </a:solidFill>
+                <a:latin typeface="Calibri" panose="020F0502020204030204" pitchFamily="34" charset="0"/>
+                <a:cs typeface="Calibri" panose="020F0502020204030204" pitchFamily="34" charset="0"/>
+              </a:rPr>
+              <a:t>db.emp.aggregate ([ {$</a:t>
+            </a:r>
+            <a:r>
+              <a:rPr lang="en-US" sz="2200" dirty="0">
+                <a:solidFill>
+                  <a:srgbClr val="FC6F0D"/>
+                </a:solidFill>
+                <a:latin typeface="Calibri" panose="020F0502020204030204" pitchFamily="34" charset="0"/>
+                <a:cs typeface="Calibri" panose="020F0502020204030204" pitchFamily="34" charset="0"/>
+              </a:rPr>
+              <a:t>match</a:t>
+            </a:r>
+            <a:r>
+              <a:rPr lang="en-US" sz="2200" dirty="0" smtClean="0">
+                <a:solidFill>
+                  <a:srgbClr val="FC6F0D"/>
+                </a:solidFill>
+                <a:latin typeface="Calibri" panose="020F0502020204030204" pitchFamily="34" charset="0"/>
+                <a:cs typeface="Calibri" panose="020F0502020204030204" pitchFamily="34" charset="0"/>
+              </a:rPr>
+              <a:t>: {</a:t>
+            </a:r>
+            <a:r>
+              <a:rPr lang="en-US" sz="2200" dirty="0">
+                <a:solidFill>
+                  <a:srgbClr val="FC6F0D"/>
+                </a:solidFill>
+                <a:latin typeface="Calibri" panose="020F0502020204030204" pitchFamily="34" charset="0"/>
+                <a:cs typeface="Calibri" panose="020F0502020204030204" pitchFamily="34" charset="0"/>
+              </a:rPr>
+              <a:t>sal</a:t>
+            </a:r>
+            <a:r>
+              <a:rPr lang="en-US" sz="2200" dirty="0" smtClean="0">
+                <a:solidFill>
+                  <a:srgbClr val="FC6F0D"/>
+                </a:solidFill>
+                <a:latin typeface="Calibri" panose="020F0502020204030204" pitchFamily="34" charset="0"/>
+                <a:cs typeface="Calibri" panose="020F0502020204030204" pitchFamily="34" charset="0"/>
+              </a:rPr>
+              <a:t>: {$</a:t>
+            </a:r>
+            <a:r>
+              <a:rPr lang="en-US" sz="2200" dirty="0">
+                <a:solidFill>
+                  <a:srgbClr val="FC6F0D"/>
+                </a:solidFill>
+                <a:latin typeface="Calibri" panose="020F0502020204030204" pitchFamily="34" charset="0"/>
+                <a:cs typeface="Calibri" panose="020F0502020204030204" pitchFamily="34" charset="0"/>
+              </a:rPr>
+              <a:t>gt</a:t>
+            </a:r>
+            <a:r>
+              <a:rPr lang="en-US" sz="2200" dirty="0" smtClean="0">
+                <a:solidFill>
+                  <a:srgbClr val="FC6F0D"/>
+                </a:solidFill>
+                <a:latin typeface="Calibri" panose="020F0502020204030204" pitchFamily="34" charset="0"/>
+                <a:cs typeface="Calibri" panose="020F0502020204030204" pitchFamily="34" charset="0"/>
+              </a:rPr>
+              <a:t>: 4000} }}, {$</a:t>
+            </a:r>
+            <a:r>
+              <a:rPr lang="en-US" sz="2200" dirty="0">
+                <a:solidFill>
+                  <a:srgbClr val="FC6F0D"/>
+                </a:solidFill>
+                <a:latin typeface="Calibri" panose="020F0502020204030204" pitchFamily="34" charset="0"/>
+                <a:cs typeface="Calibri" panose="020F0502020204030204" pitchFamily="34" charset="0"/>
+              </a:rPr>
+              <a:t>group</a:t>
+            </a:r>
+            <a:r>
+              <a:rPr lang="en-US" sz="2200" dirty="0" smtClean="0">
+                <a:solidFill>
+                  <a:srgbClr val="FC6F0D"/>
+                </a:solidFill>
+                <a:latin typeface="Calibri" panose="020F0502020204030204" pitchFamily="34" charset="0"/>
+                <a:cs typeface="Calibri" panose="020F0502020204030204" pitchFamily="34" charset="0"/>
+              </a:rPr>
+              <a:t>: {_</a:t>
+            </a:r>
+            <a:r>
+              <a:rPr lang="en-US" sz="2200" dirty="0">
+                <a:solidFill>
+                  <a:srgbClr val="FC6F0D"/>
+                </a:solidFill>
+                <a:latin typeface="Calibri" panose="020F0502020204030204" pitchFamily="34" charset="0"/>
+                <a:cs typeface="Calibri" panose="020F0502020204030204" pitchFamily="34" charset="0"/>
+              </a:rPr>
+              <a:t>id</a:t>
+            </a:r>
+            <a:r>
+              <a:rPr lang="en-US" sz="2200" dirty="0" smtClean="0">
+                <a:solidFill>
+                  <a:srgbClr val="FC6F0D"/>
+                </a:solidFill>
+                <a:latin typeface="Calibri" panose="020F0502020204030204" pitchFamily="34" charset="0"/>
+                <a:cs typeface="Calibri" panose="020F0502020204030204" pitchFamily="34" charset="0"/>
+              </a:rPr>
+              <a:t>: '$</a:t>
+            </a:r>
+            <a:r>
+              <a:rPr lang="en-US" sz="2200" dirty="0">
+                <a:solidFill>
+                  <a:srgbClr val="FC6F0D"/>
+                </a:solidFill>
+                <a:latin typeface="Calibri" panose="020F0502020204030204" pitchFamily="34" charset="0"/>
+                <a:cs typeface="Calibri" panose="020F0502020204030204" pitchFamily="34" charset="0"/>
+              </a:rPr>
+              <a:t>job', count</a:t>
+            </a:r>
+            <a:r>
+              <a:rPr lang="en-US" sz="2200" dirty="0" smtClean="0">
+                <a:solidFill>
+                  <a:srgbClr val="FC6F0D"/>
+                </a:solidFill>
+                <a:latin typeface="Calibri" panose="020F0502020204030204" pitchFamily="34" charset="0"/>
+                <a:cs typeface="Calibri" panose="020F0502020204030204" pitchFamily="34" charset="0"/>
+              </a:rPr>
+              <a:t>: {$</a:t>
+            </a:r>
+            <a:r>
+              <a:rPr lang="en-US" sz="2200" dirty="0">
+                <a:solidFill>
+                  <a:srgbClr val="FC6F0D"/>
+                </a:solidFill>
+                <a:latin typeface="Calibri" panose="020F0502020204030204" pitchFamily="34" charset="0"/>
+                <a:cs typeface="Calibri" panose="020F0502020204030204" pitchFamily="34" charset="0"/>
+              </a:rPr>
+              <a:t>sum</a:t>
+            </a:r>
+            <a:r>
+              <a:rPr lang="en-US" sz="2200" dirty="0" smtClean="0">
+                <a:solidFill>
+                  <a:srgbClr val="FC6F0D"/>
+                </a:solidFill>
+                <a:latin typeface="Calibri" panose="020F0502020204030204" pitchFamily="34" charset="0"/>
+                <a:cs typeface="Calibri" panose="020F0502020204030204" pitchFamily="34" charset="0"/>
+              </a:rPr>
+              <a:t>: '$</a:t>
+            </a:r>
+            <a:r>
+              <a:rPr lang="en-US" sz="2200" dirty="0">
+                <a:solidFill>
+                  <a:srgbClr val="FC6F0D"/>
+                </a:solidFill>
+                <a:latin typeface="Calibri" panose="020F0502020204030204" pitchFamily="34" charset="0"/>
+                <a:cs typeface="Calibri" panose="020F0502020204030204" pitchFamily="34" charset="0"/>
+              </a:rPr>
+              <a:t>sal'} </a:t>
+            </a:r>
+            <a:r>
+              <a:rPr lang="en-US" sz="2200" dirty="0" smtClean="0">
+                <a:solidFill>
+                  <a:srgbClr val="FC6F0D"/>
+                </a:solidFill>
+                <a:latin typeface="Calibri" panose="020F0502020204030204" pitchFamily="34" charset="0"/>
+                <a:cs typeface="Calibri" panose="020F0502020204030204" pitchFamily="34" charset="0"/>
+              </a:rPr>
+              <a:t>} } ])</a:t>
+            </a:r>
+            <a:endParaRPr lang="en-US" sz="2200" dirty="0">
+              <a:solidFill>
+                <a:srgbClr val="FC6F0D"/>
+              </a:solidFill>
+              <a:latin typeface="Calibri" panose="020F0502020204030204" pitchFamily="34" charset="0"/>
               <a:cs typeface="Calibri" panose="020F0502020204030204" pitchFamily="34" charset="0"/>
             </a:endParaRPr>
           </a:p>
@@ -29179,7 +30871,7 @@
     </p:spTree>
     <p:extLst>
       <p:ext uri="{BB962C8B-B14F-4D97-AF65-F5344CB8AC3E}">
-        <p14:creationId xmlns:p14="http://schemas.microsoft.com/office/powerpoint/2010/main" val="2324753550"/>
+        <p14:creationId xmlns:p14="http://schemas.microsoft.com/office/powerpoint/2010/main" val="933350516"/>
       </p:ext>
     </p:extLst>
   </p:cSld>
@@ -29350,7 +31042,7 @@
     </p:spTree>
     <p:extLst>
       <p:ext uri="{BB962C8B-B14F-4D97-AF65-F5344CB8AC3E}">
-        <p14:creationId xmlns:p14="http://schemas.microsoft.com/office/powerpoint/2010/main" val="159175200"/>
+        <p14:creationId xmlns:p14="http://schemas.microsoft.com/office/powerpoint/2010/main" val="895975297"/>
       </p:ext>
     </p:extLst>
   </p:cSld>
@@ -29521,7 +31213,7 @@
     </p:spTree>
     <p:extLst>
       <p:ext uri="{BB962C8B-B14F-4D97-AF65-F5344CB8AC3E}">
-        <p14:creationId xmlns:p14="http://schemas.microsoft.com/office/powerpoint/2010/main" val="4200858574"/>
+        <p14:creationId xmlns:p14="http://schemas.microsoft.com/office/powerpoint/2010/main" val="1785036271"/>
       </p:ext>
     </p:extLst>
   </p:cSld>
@@ -29692,7 +31384,7 @@
     </p:spTree>
     <p:extLst>
       <p:ext uri="{BB962C8B-B14F-4D97-AF65-F5344CB8AC3E}">
-        <p14:creationId xmlns:p14="http://schemas.microsoft.com/office/powerpoint/2010/main" val="2535387021"/>
+        <p14:creationId xmlns:p14="http://schemas.microsoft.com/office/powerpoint/2010/main" val="2324753550"/>
       </p:ext>
     </p:extLst>
   </p:cSld>
@@ -30169,7 +31861,7 @@
     </p:spTree>
     <p:extLst>
       <p:ext uri="{BB962C8B-B14F-4D97-AF65-F5344CB8AC3E}">
-        <p14:creationId xmlns:p14="http://schemas.microsoft.com/office/powerpoint/2010/main" val="3372373110"/>
+        <p14:creationId xmlns:p14="http://schemas.microsoft.com/office/powerpoint/2010/main" val="159175200"/>
       </p:ext>
     </p:extLst>
   </p:cSld>
@@ -30296,10 +31988,51 @@
           </a:p>
         </p:txBody>
       </p:sp>
+      <p:sp>
+        <p:nvSpPr>
+          <p:cNvPr id="4" name="Rectangle 3"/>
+          <p:cNvSpPr/>
+          <p:nvPr/>
+        </p:nvSpPr>
+        <p:spPr>
+          <a:xfrm>
+            <a:off x="149188" y="1828800"/>
+            <a:ext cx="8761264" cy="369332"/>
+          </a:xfrm>
+          <a:prstGeom prst="rect">
+            <a:avLst/>
+          </a:prstGeom>
+        </p:spPr>
+        <p:txBody>
+          <a:bodyPr wrap="square">
+            <a:spAutoFit/>
+          </a:bodyPr>
+          <a:lstStyle/>
+          <a:p>
+            <a:r>
+              <a:rPr lang="en-US" dirty="0" smtClean="0">
+                <a:solidFill>
+                  <a:srgbClr val="049DC8"/>
+                </a:solidFill>
+                <a:latin typeface="Consolas" panose="020B0609020204030204" pitchFamily="49" charset="0"/>
+                <a:cs typeface="Calibri" panose="020F0502020204030204" pitchFamily="34" charset="0"/>
+              </a:rPr>
+              <a:t>{ $&lt;stageOperator&gt; : { } }</a:t>
+            </a:r>
+            <a:endParaRPr lang="en-US" dirty="0">
+              <a:solidFill>
+                <a:srgbClr val="049DC8"/>
+              </a:solidFill>
+              <a:latin typeface="Consolas" panose="020B0609020204030204" pitchFamily="49" charset="0"/>
+              <a:cs typeface="Calibri" panose="020F0502020204030204" pitchFamily="34" charset="0"/>
+            </a:endParaRPr>
+          </a:p>
+        </p:txBody>
+      </p:sp>
     </p:spTree>
     <p:extLst>
       <p:ext uri="{BB962C8B-B14F-4D97-AF65-F5344CB8AC3E}">
-        <p14:creationId xmlns:p14="http://schemas.microsoft.com/office/powerpoint/2010/main" val="1298561359"/>
+        <p14:creationId xmlns:p14="http://schemas.microsoft.com/office/powerpoint/2010/main" val="4200858574"/>
       </p:ext>
     </p:extLst>
   </p:cSld>
@@ -30426,10 +32159,51 @@
           </a:p>
         </p:txBody>
       </p:sp>
+      <p:sp>
+        <p:nvSpPr>
+          <p:cNvPr id="4" name="Rectangle 3"/>
+          <p:cNvSpPr/>
+          <p:nvPr/>
+        </p:nvSpPr>
+        <p:spPr>
+          <a:xfrm>
+            <a:off x="149188" y="1828800"/>
+            <a:ext cx="8761264" cy="369332"/>
+          </a:xfrm>
+          <a:prstGeom prst="rect">
+            <a:avLst/>
+          </a:prstGeom>
+        </p:spPr>
+        <p:txBody>
+          <a:bodyPr wrap="square">
+            <a:spAutoFit/>
+          </a:bodyPr>
+          <a:lstStyle/>
+          <a:p>
+            <a:r>
+              <a:rPr lang="en-US" dirty="0" smtClean="0">
+                <a:solidFill>
+                  <a:srgbClr val="049DC8"/>
+                </a:solidFill>
+                <a:latin typeface="Consolas" panose="020B0609020204030204" pitchFamily="49" charset="0"/>
+                <a:cs typeface="Calibri" panose="020F0502020204030204" pitchFamily="34" charset="0"/>
+              </a:rPr>
+              <a:t>{ $&lt;stageOperator&gt; : { } }</a:t>
+            </a:r>
+            <a:endParaRPr lang="en-US" dirty="0">
+              <a:solidFill>
+                <a:srgbClr val="049DC8"/>
+              </a:solidFill>
+              <a:latin typeface="Consolas" panose="020B0609020204030204" pitchFamily="49" charset="0"/>
+              <a:cs typeface="Calibri" panose="020F0502020204030204" pitchFamily="34" charset="0"/>
+            </a:endParaRPr>
+          </a:p>
+        </p:txBody>
+      </p:sp>
     </p:spTree>
     <p:extLst>
       <p:ext uri="{BB962C8B-B14F-4D97-AF65-F5344CB8AC3E}">
-        <p14:creationId xmlns:p14="http://schemas.microsoft.com/office/powerpoint/2010/main" val="2767122750"/>
+        <p14:creationId xmlns:p14="http://schemas.microsoft.com/office/powerpoint/2010/main" val="2535387021"/>
       </p:ext>
     </p:extLst>
   </p:cSld>
@@ -30556,10 +32330,51 @@
           </a:p>
         </p:txBody>
       </p:sp>
+      <p:sp>
+        <p:nvSpPr>
+          <p:cNvPr id="4" name="Rectangle 3"/>
+          <p:cNvSpPr/>
+          <p:nvPr/>
+        </p:nvSpPr>
+        <p:spPr>
+          <a:xfrm>
+            <a:off x="149188" y="1828800"/>
+            <a:ext cx="8761264" cy="369332"/>
+          </a:xfrm>
+          <a:prstGeom prst="rect">
+            <a:avLst/>
+          </a:prstGeom>
+        </p:spPr>
+        <p:txBody>
+          <a:bodyPr wrap="square">
+            <a:spAutoFit/>
+          </a:bodyPr>
+          <a:lstStyle/>
+          <a:p>
+            <a:r>
+              <a:rPr lang="en-US" dirty="0" smtClean="0">
+                <a:solidFill>
+                  <a:srgbClr val="049DC8"/>
+                </a:solidFill>
+                <a:latin typeface="Consolas" panose="020B0609020204030204" pitchFamily="49" charset="0"/>
+                <a:cs typeface="Calibri" panose="020F0502020204030204" pitchFamily="34" charset="0"/>
+              </a:rPr>
+              <a:t>{ $&lt;stageOperator&gt; : { } }</a:t>
+            </a:r>
+            <a:endParaRPr lang="en-US" dirty="0">
+              <a:solidFill>
+                <a:srgbClr val="049DC8"/>
+              </a:solidFill>
+              <a:latin typeface="Consolas" panose="020B0609020204030204" pitchFamily="49" charset="0"/>
+              <a:cs typeface="Calibri" panose="020F0502020204030204" pitchFamily="34" charset="0"/>
+            </a:endParaRPr>
+          </a:p>
+        </p:txBody>
+      </p:sp>
     </p:spTree>
     <p:extLst>
       <p:ext uri="{BB962C8B-B14F-4D97-AF65-F5344CB8AC3E}">
-        <p14:creationId xmlns:p14="http://schemas.microsoft.com/office/powerpoint/2010/main" val="3923222660"/>
+        <p14:creationId xmlns:p14="http://schemas.microsoft.com/office/powerpoint/2010/main" val="3372373110"/>
       </p:ext>
     </p:extLst>
   </p:cSld>
@@ -30689,7 +32504,7 @@
     </p:spTree>
     <p:extLst>
       <p:ext uri="{BB962C8B-B14F-4D97-AF65-F5344CB8AC3E}">
-        <p14:creationId xmlns:p14="http://schemas.microsoft.com/office/powerpoint/2010/main" val="166747101"/>
+        <p14:creationId xmlns:p14="http://schemas.microsoft.com/office/powerpoint/2010/main" val="1298561359"/>
       </p:ext>
     </p:extLst>
   </p:cSld>
@@ -30819,7 +32634,7 @@
     </p:spTree>
     <p:extLst>
       <p:ext uri="{BB962C8B-B14F-4D97-AF65-F5344CB8AC3E}">
-        <p14:creationId xmlns:p14="http://schemas.microsoft.com/office/powerpoint/2010/main" val="924942284"/>
+        <p14:creationId xmlns:p14="http://schemas.microsoft.com/office/powerpoint/2010/main" val="2767122750"/>
       </p:ext>
     </p:extLst>
   </p:cSld>
@@ -30949,7 +32764,7 @@
     </p:spTree>
     <p:extLst>
       <p:ext uri="{BB962C8B-B14F-4D97-AF65-F5344CB8AC3E}">
-        <p14:creationId xmlns:p14="http://schemas.microsoft.com/office/powerpoint/2010/main" val="3259065627"/>
+        <p14:creationId xmlns:p14="http://schemas.microsoft.com/office/powerpoint/2010/main" val="3923222660"/>
       </p:ext>
     </p:extLst>
   </p:cSld>
@@ -31079,7 +32894,7 @@
     </p:spTree>
     <p:extLst>
       <p:ext uri="{BB962C8B-B14F-4D97-AF65-F5344CB8AC3E}">
-        <p14:creationId xmlns:p14="http://schemas.microsoft.com/office/powerpoint/2010/main" val="3171492564"/>
+        <p14:creationId xmlns:p14="http://schemas.microsoft.com/office/powerpoint/2010/main" val="166747101"/>
       </p:ext>
     </p:extLst>
   </p:cSld>
@@ -31209,7 +33024,7 @@
     </p:spTree>
     <p:extLst>
       <p:ext uri="{BB962C8B-B14F-4D97-AF65-F5344CB8AC3E}">
-        <p14:creationId xmlns:p14="http://schemas.microsoft.com/office/powerpoint/2010/main" val="2780407736"/>
+        <p14:creationId xmlns:p14="http://schemas.microsoft.com/office/powerpoint/2010/main" val="924942284"/>
       </p:ext>
     </p:extLst>
   </p:cSld>
@@ -31339,7 +33154,7 @@
     </p:spTree>
     <p:extLst>
       <p:ext uri="{BB962C8B-B14F-4D97-AF65-F5344CB8AC3E}">
-        <p14:creationId xmlns:p14="http://schemas.microsoft.com/office/powerpoint/2010/main" val="848474725"/>
+        <p14:creationId xmlns:p14="http://schemas.microsoft.com/office/powerpoint/2010/main" val="3259065627"/>
       </p:ext>
     </p:extLst>
   </p:cSld>

--- a/MongoDB PPT.pptx
+++ b/MongoDB PPT.pptx
@@ -5,7 +5,7 @@
     <p:sldMasterId id="2147483720" r:id="rId1"/>
   </p:sldMasterIdLst>
   <p:notesMasterIdLst>
-    <p:notesMasterId r:id="rId120"/>
+    <p:notesMasterId r:id="rId118"/>
   </p:notesMasterIdLst>
   <p:sldIdLst>
     <p:sldId id="497" r:id="rId2"/>
@@ -93,39 +93,37 @@
     <p:sldId id="1202" r:id="rId84"/>
     <p:sldId id="1203" r:id="rId85"/>
     <p:sldId id="1204" r:id="rId86"/>
-    <p:sldId id="1205" r:id="rId87"/>
-    <p:sldId id="1102" r:id="rId88"/>
-    <p:sldId id="1103" r:id="rId89"/>
-    <p:sldId id="1104" r:id="rId90"/>
-    <p:sldId id="1105" r:id="rId91"/>
-    <p:sldId id="1106" r:id="rId92"/>
-    <p:sldId id="1107" r:id="rId93"/>
-    <p:sldId id="1108" r:id="rId94"/>
-    <p:sldId id="1109" r:id="rId95"/>
-    <p:sldId id="1110" r:id="rId96"/>
-    <p:sldId id="1111" r:id="rId97"/>
-    <p:sldId id="1112" r:id="rId98"/>
-    <p:sldId id="1113" r:id="rId99"/>
-    <p:sldId id="1114" r:id="rId100"/>
-    <p:sldId id="1115" r:id="rId101"/>
-    <p:sldId id="1116" r:id="rId102"/>
-    <p:sldId id="1117" r:id="rId103"/>
-    <p:sldId id="1118" r:id="rId104"/>
-    <p:sldId id="1119" r:id="rId105"/>
-    <p:sldId id="1120" r:id="rId106"/>
-    <p:sldId id="1121" r:id="rId107"/>
-    <p:sldId id="1122" r:id="rId108"/>
-    <p:sldId id="1123" r:id="rId109"/>
-    <p:sldId id="1124" r:id="rId110"/>
-    <p:sldId id="1125" r:id="rId111"/>
-    <p:sldId id="1126" r:id="rId112"/>
-    <p:sldId id="1127" r:id="rId113"/>
-    <p:sldId id="1128" r:id="rId114"/>
-    <p:sldId id="1129" r:id="rId115"/>
-    <p:sldId id="954" r:id="rId116"/>
-    <p:sldId id="788" r:id="rId117"/>
-    <p:sldId id="1071" r:id="rId118"/>
-    <p:sldId id="1087" r:id="rId119"/>
+    <p:sldId id="1206" r:id="rId87"/>
+    <p:sldId id="1207" r:id="rId88"/>
+    <p:sldId id="1208" r:id="rId89"/>
+    <p:sldId id="1209" r:id="rId90"/>
+    <p:sldId id="1210" r:id="rId91"/>
+    <p:sldId id="1211" r:id="rId92"/>
+    <p:sldId id="1109" r:id="rId93"/>
+    <p:sldId id="1110" r:id="rId94"/>
+    <p:sldId id="1111" r:id="rId95"/>
+    <p:sldId id="1112" r:id="rId96"/>
+    <p:sldId id="1113" r:id="rId97"/>
+    <p:sldId id="1114" r:id="rId98"/>
+    <p:sldId id="1115" r:id="rId99"/>
+    <p:sldId id="1116" r:id="rId100"/>
+    <p:sldId id="1117" r:id="rId101"/>
+    <p:sldId id="1118" r:id="rId102"/>
+    <p:sldId id="1119" r:id="rId103"/>
+    <p:sldId id="1120" r:id="rId104"/>
+    <p:sldId id="1121" r:id="rId105"/>
+    <p:sldId id="1122" r:id="rId106"/>
+    <p:sldId id="1123" r:id="rId107"/>
+    <p:sldId id="1124" r:id="rId108"/>
+    <p:sldId id="1125" r:id="rId109"/>
+    <p:sldId id="1126" r:id="rId110"/>
+    <p:sldId id="1127" r:id="rId111"/>
+    <p:sldId id="1128" r:id="rId112"/>
+    <p:sldId id="1129" r:id="rId113"/>
+    <p:sldId id="954" r:id="rId114"/>
+    <p:sldId id="788" r:id="rId115"/>
+    <p:sldId id="1071" r:id="rId116"/>
+    <p:sldId id="1087" r:id="rId117"/>
   </p:sldIdLst>
   <p:sldSz cx="9144000" cy="6858000" type="screen4x3"/>
   <p:notesSz cx="6858000" cy="9144000"/>
@@ -5101,7 +5099,7 @@
     </p:spTree>
     <p:extLst>
       <p:ext uri="{BB962C8B-B14F-4D97-AF65-F5344CB8AC3E}">
-        <p14:creationId xmlns:p14="http://schemas.microsoft.com/office/powerpoint/2010/main" val="3171492564"/>
+        <p14:creationId xmlns:p14="http://schemas.microsoft.com/office/powerpoint/2010/main" val="848474725"/>
       </p:ext>
     </p:extLst>
   </p:cSld>
@@ -5231,7 +5229,7 @@
     </p:spTree>
     <p:extLst>
       <p:ext uri="{BB962C8B-B14F-4D97-AF65-F5344CB8AC3E}">
-        <p14:creationId xmlns:p14="http://schemas.microsoft.com/office/powerpoint/2010/main" val="2780407736"/>
+        <p14:creationId xmlns:p14="http://schemas.microsoft.com/office/powerpoint/2010/main" val="4030158449"/>
       </p:ext>
     </p:extLst>
   </p:cSld>
@@ -5361,7 +5359,7 @@
     </p:spTree>
     <p:extLst>
       <p:ext uri="{BB962C8B-B14F-4D97-AF65-F5344CB8AC3E}">
-        <p14:creationId xmlns:p14="http://schemas.microsoft.com/office/powerpoint/2010/main" val="848474725"/>
+        <p14:creationId xmlns:p14="http://schemas.microsoft.com/office/powerpoint/2010/main" val="1708605334"/>
       </p:ext>
     </p:extLst>
   </p:cSld>
@@ -5491,7 +5489,7 @@
     </p:spTree>
     <p:extLst>
       <p:ext uri="{BB962C8B-B14F-4D97-AF65-F5344CB8AC3E}">
-        <p14:creationId xmlns:p14="http://schemas.microsoft.com/office/powerpoint/2010/main" val="4030158449"/>
+        <p14:creationId xmlns:p14="http://schemas.microsoft.com/office/powerpoint/2010/main" val="1478242473"/>
       </p:ext>
     </p:extLst>
   </p:cSld>
@@ -5621,7 +5619,7 @@
     </p:spTree>
     <p:extLst>
       <p:ext uri="{BB962C8B-B14F-4D97-AF65-F5344CB8AC3E}">
-        <p14:creationId xmlns:p14="http://schemas.microsoft.com/office/powerpoint/2010/main" val="1708605334"/>
+        <p14:creationId xmlns:p14="http://schemas.microsoft.com/office/powerpoint/2010/main" val="2136286712"/>
       </p:ext>
     </p:extLst>
   </p:cSld>
@@ -5751,7 +5749,7 @@
     </p:spTree>
     <p:extLst>
       <p:ext uri="{BB962C8B-B14F-4D97-AF65-F5344CB8AC3E}">
-        <p14:creationId xmlns:p14="http://schemas.microsoft.com/office/powerpoint/2010/main" val="1478242473"/>
+        <p14:creationId xmlns:p14="http://schemas.microsoft.com/office/powerpoint/2010/main" val="160110094"/>
       </p:ext>
     </p:extLst>
   </p:cSld>
@@ -5881,7 +5879,7 @@
     </p:spTree>
     <p:extLst>
       <p:ext uri="{BB962C8B-B14F-4D97-AF65-F5344CB8AC3E}">
-        <p14:creationId xmlns:p14="http://schemas.microsoft.com/office/powerpoint/2010/main" val="2136286712"/>
+        <p14:creationId xmlns:p14="http://schemas.microsoft.com/office/powerpoint/2010/main" val="1060267809"/>
       </p:ext>
     </p:extLst>
   </p:cSld>
@@ -6011,7 +6009,7 @@
     </p:spTree>
     <p:extLst>
       <p:ext uri="{BB962C8B-B14F-4D97-AF65-F5344CB8AC3E}">
-        <p14:creationId xmlns:p14="http://schemas.microsoft.com/office/powerpoint/2010/main" val="160110094"/>
+        <p14:creationId xmlns:p14="http://schemas.microsoft.com/office/powerpoint/2010/main" val="1137647517"/>
       </p:ext>
     </p:extLst>
   </p:cSld>
@@ -6141,7 +6139,7 @@
     </p:spTree>
     <p:extLst>
       <p:ext uri="{BB962C8B-B14F-4D97-AF65-F5344CB8AC3E}">
-        <p14:creationId xmlns:p14="http://schemas.microsoft.com/office/powerpoint/2010/main" val="1060267809"/>
+        <p14:creationId xmlns:p14="http://schemas.microsoft.com/office/powerpoint/2010/main" val="3052086859"/>
       </p:ext>
     </p:extLst>
   </p:cSld>
@@ -6271,7 +6269,7 @@
     </p:spTree>
     <p:extLst>
       <p:ext uri="{BB962C8B-B14F-4D97-AF65-F5344CB8AC3E}">
-        <p14:creationId xmlns:p14="http://schemas.microsoft.com/office/powerpoint/2010/main" val="1137647517"/>
+        <p14:creationId xmlns:p14="http://schemas.microsoft.com/office/powerpoint/2010/main" val="1097272351"/>
       </p:ext>
     </p:extLst>
   </p:cSld>
@@ -6601,7 +6599,7 @@
     </p:spTree>
     <p:extLst>
       <p:ext uri="{BB962C8B-B14F-4D97-AF65-F5344CB8AC3E}">
-        <p14:creationId xmlns:p14="http://schemas.microsoft.com/office/powerpoint/2010/main" val="3052086859"/>
+        <p14:creationId xmlns:p14="http://schemas.microsoft.com/office/powerpoint/2010/main" val="1587220367"/>
       </p:ext>
     </p:extLst>
   </p:cSld>
@@ -6731,7 +6729,7 @@
     </p:spTree>
     <p:extLst>
       <p:ext uri="{BB962C8B-B14F-4D97-AF65-F5344CB8AC3E}">
-        <p14:creationId xmlns:p14="http://schemas.microsoft.com/office/powerpoint/2010/main" val="1097272351"/>
+        <p14:creationId xmlns:p14="http://schemas.microsoft.com/office/powerpoint/2010/main" val="1863467568"/>
       </p:ext>
     </p:extLst>
   </p:cSld>
@@ -6861,7 +6859,7 @@
     </p:spTree>
     <p:extLst>
       <p:ext uri="{BB962C8B-B14F-4D97-AF65-F5344CB8AC3E}">
-        <p14:creationId xmlns:p14="http://schemas.microsoft.com/office/powerpoint/2010/main" val="1587220367"/>
+        <p14:creationId xmlns:p14="http://schemas.microsoft.com/office/powerpoint/2010/main" val="1971192509"/>
       </p:ext>
     </p:extLst>
   </p:cSld>
@@ -6897,101 +6895,220 @@
       </p:grpSpPr>
       <p:sp>
         <p:nvSpPr>
+          <p:cNvPr id="4" name="Rectangle 3"/>
+          <p:cNvSpPr/>
+          <p:nvPr/>
+        </p:nvSpPr>
+        <p:spPr>
+          <a:xfrm>
+            <a:off x="0" y="0"/>
+            <a:ext cx="9144000" cy="584775"/>
+          </a:xfrm>
+          <a:prstGeom prst="rect">
+            <a:avLst/>
+          </a:prstGeom>
+          <a:solidFill>
+            <a:schemeClr val="bg2">
+              <a:lumMod val="10000"/>
+            </a:schemeClr>
+          </a:solidFill>
+        </p:spPr>
+        <p:txBody>
+          <a:bodyPr wrap="square">
+            <a:spAutoFit/>
+          </a:bodyPr>
+          <a:lstStyle/>
+          <a:p>
+            <a:pPr algn="r"/>
+            <a:r>
+              <a:rPr lang="en-IN" sz="3200" b="1" i="1" dirty="0" smtClean="0">
+                <a:solidFill>
+                  <a:srgbClr val="FFFF00"/>
+                </a:solidFill>
+                <a:latin typeface="Arial" pitchFamily="34" charset="0"/>
+                <a:cs typeface="Arial" pitchFamily="34" charset="0"/>
+              </a:rPr>
+              <a:t>IMP</a:t>
+            </a:r>
+            <a:endParaRPr lang="en-IN" sz="3200" b="1" i="1" dirty="0">
+              <a:solidFill>
+                <a:srgbClr val="FFFF00"/>
+              </a:solidFill>
+              <a:latin typeface="Arial" pitchFamily="34" charset="0"/>
+              <a:cs typeface="Arial" pitchFamily="34" charset="0"/>
+            </a:endParaRPr>
+          </a:p>
+        </p:txBody>
+      </p:sp>
+      <p:sp>
+        <p:nvSpPr>
+          <p:cNvPr id="2" name="Rectangle 1"/>
+          <p:cNvSpPr/>
+          <p:nvPr/>
+        </p:nvSpPr>
+        <p:spPr>
+          <a:xfrm>
+            <a:off x="145976" y="849264"/>
+            <a:ext cx="8845624" cy="369332"/>
+          </a:xfrm>
+          <a:prstGeom prst="rect">
+            <a:avLst/>
+          </a:prstGeom>
+        </p:spPr>
+        <p:txBody>
+          <a:bodyPr wrap="square">
+            <a:spAutoFit/>
+          </a:bodyPr>
+          <a:lstStyle/>
+          <a:p>
+            <a:r>
+              <a:rPr lang="en-IN" dirty="0" smtClean="0">
+                <a:solidFill>
+                  <a:srgbClr val="222222"/>
+                </a:solidFill>
+                <a:latin typeface="Verdana" panose="020B0604030504040204" pitchFamily="34" charset="0"/>
+              </a:rPr>
+              <a:t>1. Think </a:t>
+            </a:r>
+            <a:r>
+              <a:rPr lang="en-IN" dirty="0">
+                <a:solidFill>
+                  <a:srgbClr val="222222"/>
+                </a:solidFill>
+                <a:latin typeface="Verdana" panose="020B0604030504040204" pitchFamily="34" charset="0"/>
+              </a:rPr>
+              <a:t>about how multiplication can be done without actually </a:t>
+            </a:r>
+            <a:r>
+              <a:rPr lang="en-IN" dirty="0" smtClean="0">
+                <a:solidFill>
+                  <a:srgbClr val="222222"/>
+                </a:solidFill>
+                <a:latin typeface="Verdana" panose="020B0604030504040204" pitchFamily="34" charset="0"/>
+              </a:rPr>
+              <a:t>multiplying </a:t>
+            </a:r>
+            <a:endParaRPr lang="en-IN" dirty="0"/>
+          </a:p>
+        </p:txBody>
+      </p:sp>
+      <p:sp>
+        <p:nvSpPr>
+          <p:cNvPr id="3" name="TextBox 2"/>
+          <p:cNvSpPr txBox="1"/>
+          <p:nvPr/>
+        </p:nvSpPr>
+        <p:spPr>
+          <a:xfrm>
+            <a:off x="990600" y="2514600"/>
+            <a:ext cx="184731" cy="369332"/>
+          </a:xfrm>
+          <a:prstGeom prst="rect">
+            <a:avLst/>
+          </a:prstGeom>
+          <a:noFill/>
+        </p:spPr>
+        <p:txBody>
+          <a:bodyPr wrap="none" rtlCol="0">
+            <a:spAutoFit/>
+          </a:bodyPr>
+          <a:lstStyle/>
+          <a:p>
+            <a:endParaRPr lang="en-IN" dirty="0"/>
+          </a:p>
+        </p:txBody>
+      </p:sp>
+      <p:pic>
+        <p:nvPicPr>
+          <p:cNvPr id="5" name="Picture 4"/>
+          <p:cNvPicPr>
+            <a:picLocks noChangeAspect="1"/>
+          </p:cNvPicPr>
+          <p:nvPr/>
+        </p:nvPicPr>
+        <p:blipFill>
+          <a:blip r:embed="rId2"/>
+          <a:stretch>
+            <a:fillRect/>
+          </a:stretch>
+        </p:blipFill>
+        <p:spPr>
+          <a:xfrm>
+            <a:off x="304800" y="3700361"/>
+            <a:ext cx="4648200" cy="2471839"/>
+          </a:xfrm>
+          <a:prstGeom prst="rect">
+            <a:avLst/>
+          </a:prstGeom>
+        </p:spPr>
+      </p:pic>
+      <p:sp>
+        <p:nvSpPr>
           <p:cNvPr id="6" name="Rectangle 5"/>
           <p:cNvSpPr/>
           <p:nvPr/>
         </p:nvSpPr>
         <p:spPr>
           <a:xfrm>
-            <a:off x="0" y="0"/>
-            <a:ext cx="9144000" cy="584775"/>
-          </a:xfrm>
-          <a:prstGeom prst="rect">
-            <a:avLst/>
-          </a:prstGeom>
-          <a:solidFill>
-            <a:schemeClr val="accent4">
-              <a:lumMod val="75000"/>
-            </a:schemeClr>
-          </a:solidFill>
-        </p:spPr>
-        <p:txBody>
-          <a:bodyPr wrap="square">
+            <a:off x="145976" y="3243552"/>
+            <a:ext cx="1317990" cy="369332"/>
+          </a:xfrm>
+          <a:prstGeom prst="rect">
+            <a:avLst/>
+          </a:prstGeom>
+        </p:spPr>
+        <p:txBody>
+          <a:bodyPr wrap="none">
             <a:spAutoFit/>
           </a:bodyPr>
           <a:lstStyle/>
           <a:p>
-            <a:pPr algn="r">
-              <a:spcBef>
-                <a:spcPct val="0"/>
-              </a:spcBef>
-            </a:pPr>
-            <a:r>
-              <a:rPr lang="en-IN" sz="3200" b="1" i="1" dirty="0" smtClean="0">
-                <a:solidFill>
-                  <a:srgbClr val="FFFF00"/>
-                </a:solidFill>
-                <a:latin typeface="Arial" pitchFamily="34" charset="0"/>
-                <a:cs typeface="Arial" pitchFamily="34" charset="0"/>
-              </a:rPr>
-              <a:t>MongoDB</a:t>
-            </a:r>
-            <a:r>
-              <a:rPr lang="en-US" sz="3200" b="1" i="1" dirty="0" smtClean="0">
-                <a:solidFill>
-                  <a:srgbClr val="FFFF00"/>
-                </a:solidFill>
-                <a:latin typeface="Arial" pitchFamily="34" charset="0"/>
-                <a:cs typeface="Arial" pitchFamily="34" charset="0"/>
-              </a:rPr>
-              <a:t> </a:t>
-            </a:r>
-            <a:r>
-              <a:rPr lang="en-IN" sz="3200" b="1" i="1" dirty="0">
-                <a:solidFill>
-                  <a:srgbClr val="FFFF00"/>
-                </a:solidFill>
-                <a:latin typeface="Arial" pitchFamily="34" charset="0"/>
-                <a:cs typeface="Arial" pitchFamily="34" charset="0"/>
-              </a:rPr>
-              <a:t> </a:t>
-            </a:r>
-          </a:p>
-        </p:txBody>
-      </p:sp>
-      <p:sp>
-        <p:nvSpPr>
-          <p:cNvPr id="7" name="Rectangle 6"/>
-          <p:cNvSpPr/>
-          <p:nvPr/>
-        </p:nvSpPr>
-        <p:spPr>
-          <a:xfrm>
-            <a:off x="149188" y="762000"/>
-            <a:ext cx="8845624" cy="369332"/>
-          </a:xfrm>
-          <a:prstGeom prst="rect">
-            <a:avLst/>
-          </a:prstGeom>
-        </p:spPr>
-        <p:txBody>
-          <a:bodyPr wrap="square">
-            <a:spAutoFit/>
-          </a:bodyPr>
-          <a:lstStyle/>
-          <a:p>
-            <a:r>
-              <a:rPr lang="en-US" dirty="0" smtClean="0"/>
-              <a:t>TODO</a:t>
-            </a:r>
-            <a:endParaRPr lang="en-IN" dirty="0"/>
-          </a:p>
-        </p:txBody>
-      </p:sp>
+            <a:r>
+              <a:rPr lang="en-IN" dirty="0" smtClean="0">
+                <a:solidFill>
+                  <a:srgbClr val="222222"/>
+                </a:solidFill>
+                <a:latin typeface="Verdana" panose="020B0604030504040204" pitchFamily="34" charset="0"/>
+              </a:rPr>
+              <a:t>2. Square</a:t>
+            </a:r>
+            <a:endParaRPr lang="en-IN" dirty="0">
+              <a:solidFill>
+                <a:srgbClr val="222222"/>
+              </a:solidFill>
+              <a:latin typeface="Verdana" panose="020B0604030504040204" pitchFamily="34" charset="0"/>
+            </a:endParaRPr>
+          </a:p>
+        </p:txBody>
+      </p:sp>
+      <p:pic>
+        <p:nvPicPr>
+          <p:cNvPr id="8" name="Picture 7"/>
+          <p:cNvPicPr>
+            <a:picLocks noChangeAspect="1"/>
+          </p:cNvPicPr>
+          <p:nvPr/>
+        </p:nvPicPr>
+        <p:blipFill>
+          <a:blip r:embed="rId3"/>
+          <a:stretch>
+            <a:fillRect/>
+          </a:stretch>
+        </p:blipFill>
+        <p:spPr>
+          <a:xfrm>
+            <a:off x="533400" y="1250647"/>
+            <a:ext cx="4495800" cy="1883657"/>
+          </a:xfrm>
+          <a:prstGeom prst="rect">
+            <a:avLst/>
+          </a:prstGeom>
+        </p:spPr>
+      </p:pic>
     </p:spTree>
     <p:extLst>
       <p:ext uri="{BB962C8B-B14F-4D97-AF65-F5344CB8AC3E}">
-        <p14:creationId xmlns:p14="http://schemas.microsoft.com/office/powerpoint/2010/main" val="1863467568"/>
+        <p14:creationId xmlns:p14="http://schemas.microsoft.com/office/powerpoint/2010/main" val="3391323119"/>
       </p:ext>
     </p:extLst>
   </p:cSld>
@@ -7025,25 +7142,61 @@
           <a:chExt cx="0" cy="0"/>
         </a:xfrm>
       </p:grpSpPr>
-      <p:sp>
-        <p:nvSpPr>
-          <p:cNvPr id="6" name="Rectangle 5"/>
+      <p:pic>
+        <p:nvPicPr>
+          <p:cNvPr id="1026" name="Picture 2" descr="http://www.bvctch.vn/vnt_upload/weblink/thks.jpg"/>
+          <p:cNvPicPr>
+            <a:picLocks noChangeAspect="1" noChangeArrowheads="1"/>
+          </p:cNvPicPr>
+          <p:nvPr/>
+        </p:nvPicPr>
+        <p:blipFill>
+          <a:blip r:embed="rId2">
+            <a:extLst>
+              <a:ext uri="{28A0092B-C50C-407E-A947-70E740481C1C}">
+                <a14:useLocalDpi xmlns:a14="http://schemas.microsoft.com/office/drawing/2010/main" val="0"/>
+              </a:ext>
+            </a:extLst>
+          </a:blip>
+          <a:srcRect/>
+          <a:stretch>
+            <a:fillRect/>
+          </a:stretch>
+        </p:blipFill>
+        <p:spPr bwMode="auto">
+          <a:xfrm>
+            <a:off x="2895600" y="757237"/>
+            <a:ext cx="3124200" cy="4881563"/>
+          </a:xfrm>
+          <a:prstGeom prst="rect">
+            <a:avLst/>
+          </a:prstGeom>
+          <a:noFill/>
+          <a:extLst>
+            <a:ext uri="{909E8E84-426E-40DD-AFC4-6F175D3DCCD1}">
+              <a14:hiddenFill xmlns:a14="http://schemas.microsoft.com/office/drawing/2010/main">
+                <a:solidFill>
+                  <a:srgbClr val="FFFFFF"/>
+                </a:solidFill>
+              </a14:hiddenFill>
+            </a:ext>
+          </a:extLst>
+        </p:spPr>
+      </p:pic>
+      <p:sp>
+        <p:nvSpPr>
+          <p:cNvPr id="3" name="Rectangle 2"/>
           <p:cNvSpPr/>
           <p:nvPr/>
         </p:nvSpPr>
         <p:spPr>
           <a:xfrm>
-            <a:off x="0" y="0"/>
-            <a:ext cx="9144000" cy="584775"/>
-          </a:xfrm>
-          <a:prstGeom prst="rect">
-            <a:avLst/>
-          </a:prstGeom>
-          <a:solidFill>
-            <a:schemeClr val="accent4">
-              <a:lumMod val="75000"/>
-            </a:schemeClr>
-          </a:solidFill>
+            <a:off x="304800" y="5105400"/>
+            <a:ext cx="8610600" cy="1077218"/>
+          </a:xfrm>
+          <a:prstGeom prst="rect">
+            <a:avLst/>
+          </a:prstGeom>
         </p:spPr>
         <p:txBody>
           <a:bodyPr wrap="square">
@@ -7051,77 +7204,35 @@
           </a:bodyPr>
           <a:lstStyle/>
           <a:p>
-            <a:pPr algn="r">
-              <a:spcBef>
-                <a:spcPct val="0"/>
-              </a:spcBef>
-            </a:pPr>
-            <a:r>
-              <a:rPr lang="en-IN" sz="3200" b="1" i="1" dirty="0" smtClean="0">
-                <a:solidFill>
-                  <a:srgbClr val="FFFF00"/>
-                </a:solidFill>
-                <a:latin typeface="Arial" pitchFamily="34" charset="0"/>
-                <a:cs typeface="Arial" pitchFamily="34" charset="0"/>
-              </a:rPr>
-              <a:t>MongoDB</a:t>
-            </a:r>
-            <a:r>
-              <a:rPr lang="en-US" sz="3200" b="1" i="1" dirty="0" smtClean="0">
-                <a:solidFill>
-                  <a:srgbClr val="FFFF00"/>
-                </a:solidFill>
-                <a:latin typeface="Arial" pitchFamily="34" charset="0"/>
-                <a:cs typeface="Arial" pitchFamily="34" charset="0"/>
-              </a:rPr>
-              <a:t> </a:t>
-            </a:r>
-            <a:r>
-              <a:rPr lang="en-IN" sz="3200" b="1" i="1" dirty="0">
-                <a:solidFill>
-                  <a:srgbClr val="FFFF00"/>
-                </a:solidFill>
-                <a:latin typeface="Arial" pitchFamily="34" charset="0"/>
-                <a:cs typeface="Arial" pitchFamily="34" charset="0"/>
-              </a:rPr>
-              <a:t> </a:t>
-            </a:r>
-          </a:p>
-        </p:txBody>
-      </p:sp>
-      <p:sp>
-        <p:nvSpPr>
-          <p:cNvPr id="7" name="Rectangle 6"/>
-          <p:cNvSpPr/>
-          <p:nvPr/>
-        </p:nvSpPr>
-        <p:spPr>
-          <a:xfrm>
-            <a:off x="149188" y="762000"/>
-            <a:ext cx="8845624" cy="369332"/>
-          </a:xfrm>
-          <a:prstGeom prst="rect">
-            <a:avLst/>
-          </a:prstGeom>
-        </p:spPr>
-        <p:txBody>
-          <a:bodyPr wrap="square">
-            <a:spAutoFit/>
-          </a:bodyPr>
-          <a:lstStyle/>
-          <a:p>
-            <a:r>
-              <a:rPr lang="en-US" dirty="0" smtClean="0"/>
-              <a:t>TODO</a:t>
-            </a:r>
-            <a:endParaRPr lang="en-IN" dirty="0"/>
+            <a:pPr algn="ctr"/>
+            <a:r>
+              <a:rPr lang="en-IN" sz="3200" dirty="0">
+                <a:solidFill>
+                  <a:srgbClr val="FE1212"/>
+                </a:solidFill>
+                <a:latin typeface="Segoe Print" panose="02000600000000000000" pitchFamily="2" charset="0"/>
+              </a:rPr>
+              <a:t>"Live as if you were to die tomorrow.</a:t>
+            </a:r>
+          </a:p>
+          <a:p>
+            <a:pPr algn="ctr"/>
+            <a:r>
+              <a:rPr lang="en-IN" sz="3200" dirty="0">
+                <a:solidFill>
+                  <a:srgbClr val="FE1212"/>
+                </a:solidFill>
+                <a:latin typeface="Segoe Print" panose="02000600000000000000" pitchFamily="2" charset="0"/>
+              </a:rPr>
+              <a:t>Learn as if you were to live forever"</a:t>
+            </a:r>
           </a:p>
         </p:txBody>
       </p:sp>
     </p:spTree>
     <p:extLst>
       <p:ext uri="{BB962C8B-B14F-4D97-AF65-F5344CB8AC3E}">
-        <p14:creationId xmlns:p14="http://schemas.microsoft.com/office/powerpoint/2010/main" val="1971192509"/>
+        <p14:creationId xmlns:p14="http://schemas.microsoft.com/office/powerpoint/2010/main" val="1148130326"/>
       </p:ext>
     </p:extLst>
   </p:cSld>
@@ -7157,379 +7268,6 @@
       </p:grpSpPr>
       <p:sp>
         <p:nvSpPr>
-          <p:cNvPr id="4" name="Rectangle 3"/>
-          <p:cNvSpPr/>
-          <p:nvPr/>
-        </p:nvSpPr>
-        <p:spPr>
-          <a:xfrm>
-            <a:off x="0" y="0"/>
-            <a:ext cx="9144000" cy="584775"/>
-          </a:xfrm>
-          <a:prstGeom prst="rect">
-            <a:avLst/>
-          </a:prstGeom>
-          <a:solidFill>
-            <a:schemeClr val="bg2">
-              <a:lumMod val="10000"/>
-            </a:schemeClr>
-          </a:solidFill>
-        </p:spPr>
-        <p:txBody>
-          <a:bodyPr wrap="square">
-            <a:spAutoFit/>
-          </a:bodyPr>
-          <a:lstStyle/>
-          <a:p>
-            <a:pPr algn="r"/>
-            <a:r>
-              <a:rPr lang="en-IN" sz="3200" b="1" i="1" dirty="0" smtClean="0">
-                <a:solidFill>
-                  <a:srgbClr val="FFFF00"/>
-                </a:solidFill>
-                <a:latin typeface="Arial" pitchFamily="34" charset="0"/>
-                <a:cs typeface="Arial" pitchFamily="34" charset="0"/>
-              </a:rPr>
-              <a:t>IMP</a:t>
-            </a:r>
-            <a:endParaRPr lang="en-IN" sz="3200" b="1" i="1" dirty="0">
-              <a:solidFill>
-                <a:srgbClr val="FFFF00"/>
-              </a:solidFill>
-              <a:latin typeface="Arial" pitchFamily="34" charset="0"/>
-              <a:cs typeface="Arial" pitchFamily="34" charset="0"/>
-            </a:endParaRPr>
-          </a:p>
-        </p:txBody>
-      </p:sp>
-      <p:sp>
-        <p:nvSpPr>
-          <p:cNvPr id="2" name="Rectangle 1"/>
-          <p:cNvSpPr/>
-          <p:nvPr/>
-        </p:nvSpPr>
-        <p:spPr>
-          <a:xfrm>
-            <a:off x="145976" y="849264"/>
-            <a:ext cx="8845624" cy="369332"/>
-          </a:xfrm>
-          <a:prstGeom prst="rect">
-            <a:avLst/>
-          </a:prstGeom>
-        </p:spPr>
-        <p:txBody>
-          <a:bodyPr wrap="square">
-            <a:spAutoFit/>
-          </a:bodyPr>
-          <a:lstStyle/>
-          <a:p>
-            <a:r>
-              <a:rPr lang="en-IN" dirty="0" smtClean="0">
-                <a:solidFill>
-                  <a:srgbClr val="222222"/>
-                </a:solidFill>
-                <a:latin typeface="Verdana" panose="020B0604030504040204" pitchFamily="34" charset="0"/>
-              </a:rPr>
-              <a:t>1. Think </a:t>
-            </a:r>
-            <a:r>
-              <a:rPr lang="en-IN" dirty="0">
-                <a:solidFill>
-                  <a:srgbClr val="222222"/>
-                </a:solidFill>
-                <a:latin typeface="Verdana" panose="020B0604030504040204" pitchFamily="34" charset="0"/>
-              </a:rPr>
-              <a:t>about how multiplication can be done without actually </a:t>
-            </a:r>
-            <a:r>
-              <a:rPr lang="en-IN" dirty="0" smtClean="0">
-                <a:solidFill>
-                  <a:srgbClr val="222222"/>
-                </a:solidFill>
-                <a:latin typeface="Verdana" panose="020B0604030504040204" pitchFamily="34" charset="0"/>
-              </a:rPr>
-              <a:t>multiplying </a:t>
-            </a:r>
-            <a:endParaRPr lang="en-IN" dirty="0"/>
-          </a:p>
-        </p:txBody>
-      </p:sp>
-      <p:sp>
-        <p:nvSpPr>
-          <p:cNvPr id="3" name="TextBox 2"/>
-          <p:cNvSpPr txBox="1"/>
-          <p:nvPr/>
-        </p:nvSpPr>
-        <p:spPr>
-          <a:xfrm>
-            <a:off x="990600" y="2514600"/>
-            <a:ext cx="184731" cy="369332"/>
-          </a:xfrm>
-          <a:prstGeom prst="rect">
-            <a:avLst/>
-          </a:prstGeom>
-          <a:noFill/>
-        </p:spPr>
-        <p:txBody>
-          <a:bodyPr wrap="none" rtlCol="0">
-            <a:spAutoFit/>
-          </a:bodyPr>
-          <a:lstStyle/>
-          <a:p>
-            <a:endParaRPr lang="en-IN" dirty="0"/>
-          </a:p>
-        </p:txBody>
-      </p:sp>
-      <p:pic>
-        <p:nvPicPr>
-          <p:cNvPr id="5" name="Picture 4"/>
-          <p:cNvPicPr>
-            <a:picLocks noChangeAspect="1"/>
-          </p:cNvPicPr>
-          <p:nvPr/>
-        </p:nvPicPr>
-        <p:blipFill>
-          <a:blip r:embed="rId2"/>
-          <a:stretch>
-            <a:fillRect/>
-          </a:stretch>
-        </p:blipFill>
-        <p:spPr>
-          <a:xfrm>
-            <a:off x="304800" y="3700361"/>
-            <a:ext cx="4648200" cy="2471839"/>
-          </a:xfrm>
-          <a:prstGeom prst="rect">
-            <a:avLst/>
-          </a:prstGeom>
-        </p:spPr>
-      </p:pic>
-      <p:sp>
-        <p:nvSpPr>
-          <p:cNvPr id="6" name="Rectangle 5"/>
-          <p:cNvSpPr/>
-          <p:nvPr/>
-        </p:nvSpPr>
-        <p:spPr>
-          <a:xfrm>
-            <a:off x="145976" y="3243552"/>
-            <a:ext cx="1317990" cy="369332"/>
-          </a:xfrm>
-          <a:prstGeom prst="rect">
-            <a:avLst/>
-          </a:prstGeom>
-        </p:spPr>
-        <p:txBody>
-          <a:bodyPr wrap="none">
-            <a:spAutoFit/>
-          </a:bodyPr>
-          <a:lstStyle/>
-          <a:p>
-            <a:r>
-              <a:rPr lang="en-IN" dirty="0" smtClean="0">
-                <a:solidFill>
-                  <a:srgbClr val="222222"/>
-                </a:solidFill>
-                <a:latin typeface="Verdana" panose="020B0604030504040204" pitchFamily="34" charset="0"/>
-              </a:rPr>
-              <a:t>2. Square</a:t>
-            </a:r>
-            <a:endParaRPr lang="en-IN" dirty="0">
-              <a:solidFill>
-                <a:srgbClr val="222222"/>
-              </a:solidFill>
-              <a:latin typeface="Verdana" panose="020B0604030504040204" pitchFamily="34" charset="0"/>
-            </a:endParaRPr>
-          </a:p>
-        </p:txBody>
-      </p:sp>
-      <p:pic>
-        <p:nvPicPr>
-          <p:cNvPr id="8" name="Picture 7"/>
-          <p:cNvPicPr>
-            <a:picLocks noChangeAspect="1"/>
-          </p:cNvPicPr>
-          <p:nvPr/>
-        </p:nvPicPr>
-        <p:blipFill>
-          <a:blip r:embed="rId3"/>
-          <a:stretch>
-            <a:fillRect/>
-          </a:stretch>
-        </p:blipFill>
-        <p:spPr>
-          <a:xfrm>
-            <a:off x="533400" y="1250647"/>
-            <a:ext cx="4495800" cy="1883657"/>
-          </a:xfrm>
-          <a:prstGeom prst="rect">
-            <a:avLst/>
-          </a:prstGeom>
-        </p:spPr>
-      </p:pic>
-    </p:spTree>
-    <p:extLst>
-      <p:ext uri="{BB962C8B-B14F-4D97-AF65-F5344CB8AC3E}">
-        <p14:creationId xmlns:p14="http://schemas.microsoft.com/office/powerpoint/2010/main" val="3391323119"/>
-      </p:ext>
-    </p:extLst>
-  </p:cSld>
-  <p:clrMapOvr>
-    <a:masterClrMapping/>
-  </p:clrMapOvr>
-  <p:timing>
-    <p:tnLst>
-      <p:par>
-        <p:cTn id="1" dur="indefinite" restart="never" nodeType="tmRoot"/>
-      </p:par>
-    </p:tnLst>
-  </p:timing>
-</p:sld>
-</file>
-
-<file path=ppt/slides/slide116.xml><?xml version="1.0" encoding="utf-8"?>
-<p:sld xmlns:a="http://schemas.openxmlformats.org/drawingml/2006/main" xmlns:r="http://schemas.openxmlformats.org/officeDocument/2006/relationships" xmlns:p="http://schemas.openxmlformats.org/presentationml/2006/main">
-  <p:cSld>
-    <p:spTree>
-      <p:nvGrpSpPr>
-        <p:cNvPr id="1" name=""/>
-        <p:cNvGrpSpPr/>
-        <p:nvPr/>
-      </p:nvGrpSpPr>
-      <p:grpSpPr>
-        <a:xfrm>
-          <a:off x="0" y="0"/>
-          <a:ext cx="0" cy="0"/>
-          <a:chOff x="0" y="0"/>
-          <a:chExt cx="0" cy="0"/>
-        </a:xfrm>
-      </p:grpSpPr>
-      <p:pic>
-        <p:nvPicPr>
-          <p:cNvPr id="1026" name="Picture 2" descr="http://www.bvctch.vn/vnt_upload/weblink/thks.jpg"/>
-          <p:cNvPicPr>
-            <a:picLocks noChangeAspect="1" noChangeArrowheads="1"/>
-          </p:cNvPicPr>
-          <p:nvPr/>
-        </p:nvPicPr>
-        <p:blipFill>
-          <a:blip r:embed="rId2">
-            <a:extLst>
-              <a:ext uri="{28A0092B-C50C-407E-A947-70E740481C1C}">
-                <a14:useLocalDpi xmlns:a14="http://schemas.microsoft.com/office/drawing/2010/main" val="0"/>
-              </a:ext>
-            </a:extLst>
-          </a:blip>
-          <a:srcRect/>
-          <a:stretch>
-            <a:fillRect/>
-          </a:stretch>
-        </p:blipFill>
-        <p:spPr bwMode="auto">
-          <a:xfrm>
-            <a:off x="2895600" y="757237"/>
-            <a:ext cx="3124200" cy="4881563"/>
-          </a:xfrm>
-          <a:prstGeom prst="rect">
-            <a:avLst/>
-          </a:prstGeom>
-          <a:noFill/>
-          <a:extLst>
-            <a:ext uri="{909E8E84-426E-40DD-AFC4-6F175D3DCCD1}">
-              <a14:hiddenFill xmlns:a14="http://schemas.microsoft.com/office/drawing/2010/main">
-                <a:solidFill>
-                  <a:srgbClr val="FFFFFF"/>
-                </a:solidFill>
-              </a14:hiddenFill>
-            </a:ext>
-          </a:extLst>
-        </p:spPr>
-      </p:pic>
-      <p:sp>
-        <p:nvSpPr>
-          <p:cNvPr id="3" name="Rectangle 2"/>
-          <p:cNvSpPr/>
-          <p:nvPr/>
-        </p:nvSpPr>
-        <p:spPr>
-          <a:xfrm>
-            <a:off x="304800" y="5105400"/>
-            <a:ext cx="8610600" cy="1077218"/>
-          </a:xfrm>
-          <a:prstGeom prst="rect">
-            <a:avLst/>
-          </a:prstGeom>
-        </p:spPr>
-        <p:txBody>
-          <a:bodyPr wrap="square">
-            <a:spAutoFit/>
-          </a:bodyPr>
-          <a:lstStyle/>
-          <a:p>
-            <a:pPr algn="ctr"/>
-            <a:r>
-              <a:rPr lang="en-IN" sz="3200" dirty="0">
-                <a:solidFill>
-                  <a:srgbClr val="FE1212"/>
-                </a:solidFill>
-                <a:latin typeface="Segoe Print" panose="02000600000000000000" pitchFamily="2" charset="0"/>
-              </a:rPr>
-              <a:t>"Live as if you were to die tomorrow.</a:t>
-            </a:r>
-          </a:p>
-          <a:p>
-            <a:pPr algn="ctr"/>
-            <a:r>
-              <a:rPr lang="en-IN" sz="3200" dirty="0">
-                <a:solidFill>
-                  <a:srgbClr val="FE1212"/>
-                </a:solidFill>
-                <a:latin typeface="Segoe Print" panose="02000600000000000000" pitchFamily="2" charset="0"/>
-              </a:rPr>
-              <a:t>Learn as if you were to live forever"</a:t>
-            </a:r>
-          </a:p>
-        </p:txBody>
-      </p:sp>
-    </p:spTree>
-    <p:extLst>
-      <p:ext uri="{BB962C8B-B14F-4D97-AF65-F5344CB8AC3E}">
-        <p14:creationId xmlns:p14="http://schemas.microsoft.com/office/powerpoint/2010/main" val="1148130326"/>
-      </p:ext>
-    </p:extLst>
-  </p:cSld>
-  <p:clrMapOvr>
-    <a:masterClrMapping/>
-  </p:clrMapOvr>
-  <p:timing>
-    <p:tnLst>
-      <p:par>
-        <p:cTn id="1" dur="indefinite" restart="never" nodeType="tmRoot"/>
-      </p:par>
-    </p:tnLst>
-  </p:timing>
-</p:sld>
-</file>
-
-<file path=ppt/slides/slide117.xml><?xml version="1.0" encoding="utf-8"?>
-<p:sld xmlns:a="http://schemas.openxmlformats.org/drawingml/2006/main" xmlns:r="http://schemas.openxmlformats.org/officeDocument/2006/relationships" xmlns:p="http://schemas.openxmlformats.org/presentationml/2006/main">
-  <p:cSld>
-    <p:spTree>
-      <p:nvGrpSpPr>
-        <p:cNvPr id="1" name=""/>
-        <p:cNvGrpSpPr/>
-        <p:nvPr/>
-      </p:nvGrpSpPr>
-      <p:grpSpPr>
-        <a:xfrm>
-          <a:off x="0" y="0"/>
-          <a:ext cx="0" cy="0"/>
-          <a:chOff x="0" y="0"/>
-          <a:chExt cx="0" cy="0"/>
-        </a:xfrm>
-      </p:grpSpPr>
-      <p:sp>
-        <p:nvSpPr>
           <p:cNvPr id="3" name="Rectangle 2"/>
           <p:cNvSpPr/>
           <p:nvPr/>
@@ -7612,7 +7350,7 @@
 </p:sld>
 </file>
 
-<file path=ppt/slides/slide118.xml><?xml version="1.0" encoding="utf-8"?>
+<file path=ppt/slides/slide116.xml><?xml version="1.0" encoding="utf-8"?>
 <p:sld xmlns:a="http://schemas.openxmlformats.org/drawingml/2006/main" xmlns:r="http://schemas.openxmlformats.org/officeDocument/2006/relationships" xmlns:p="http://schemas.openxmlformats.org/presentationml/2006/main">
   <p:cSld>
     <p:spTree>
@@ -28966,17 +28704,7 @@
                 <a:latin typeface="Calibri" panose="020F0502020204030204" pitchFamily="34" charset="0"/>
                 <a:cs typeface="Calibri" panose="020F0502020204030204" pitchFamily="34" charset="0"/>
               </a:rPr>
-              <a:t>'} </a:t>
-            </a:r>
-            <a:r>
-              <a:rPr lang="en-US" sz="2200" dirty="0" smtClean="0">
-                <a:solidFill>
-                  <a:srgbClr val="FC6F0D"/>
-                </a:solidFill>
-                <a:latin typeface="Calibri" panose="020F0502020204030204" pitchFamily="34" charset="0"/>
-                <a:cs typeface="Calibri" panose="020F0502020204030204" pitchFamily="34" charset="0"/>
-              </a:rPr>
-              <a:t>} ])</a:t>
+              <a:t>'} } ])</a:t>
             </a:r>
           </a:p>
           <a:p>
@@ -29047,7 +28775,17 @@
                 <a:latin typeface="Calibri" panose="020F0502020204030204" pitchFamily="34" charset="0"/>
                 <a:cs typeface="Calibri" panose="020F0502020204030204" pitchFamily="34" charset="0"/>
               </a:rPr>
-              <a:t>: </a:t>
+              <a:t>: null} </a:t>
+            </a:r>
+            <a:r>
+              <a:rPr lang="en-US" sz="2200" dirty="0">
+                <a:solidFill>
+                  <a:srgbClr val="FC6F0D"/>
+                </a:solidFill>
+                <a:latin typeface="Calibri" panose="020F0502020204030204" pitchFamily="34" charset="0"/>
+                <a:cs typeface="Calibri" panose="020F0502020204030204" pitchFamily="34" charset="0"/>
+              </a:rPr>
+              <a:t>} </a:t>
             </a:r>
             <a:r>
               <a:rPr lang="en-US" sz="2200" dirty="0" smtClean="0">
@@ -29057,37 +28795,7 @@
                 <a:latin typeface="Calibri" panose="020F0502020204030204" pitchFamily="34" charset="0"/>
                 <a:cs typeface="Calibri" panose="020F0502020204030204" pitchFamily="34" charset="0"/>
               </a:rPr>
-              <a:t>null} </a:t>
-            </a:r>
-            <a:r>
-              <a:rPr lang="en-US" sz="2200" dirty="0">
-                <a:solidFill>
-                  <a:srgbClr val="FC6F0D"/>
-                </a:solidFill>
-                <a:latin typeface="Calibri" panose="020F0502020204030204" pitchFamily="34" charset="0"/>
-                <a:cs typeface="Calibri" panose="020F0502020204030204" pitchFamily="34" charset="0"/>
-              </a:rPr>
-              <a:t>} </a:t>
-            </a:r>
-            <a:r>
-              <a:rPr lang="en-US" sz="2200" dirty="0" smtClean="0">
-                <a:solidFill>
-                  <a:srgbClr val="FC6F0D"/>
-                </a:solidFill>
-                <a:latin typeface="Calibri" panose="020F0502020204030204" pitchFamily="34" charset="0"/>
-                <a:cs typeface="Calibri" panose="020F0502020204030204" pitchFamily="34" charset="0"/>
-              </a:rPr>
-              <a:t>} </a:t>
-            </a:r>
-            <a:r>
-              <a:rPr lang="en-US" sz="2200" dirty="0" smtClean="0">
-                <a:solidFill>
-                  <a:srgbClr val="FC6F0D"/>
-                </a:solidFill>
-                <a:latin typeface="Calibri" panose="020F0502020204030204" pitchFamily="34" charset="0"/>
-                <a:cs typeface="Calibri" panose="020F0502020204030204" pitchFamily="34" charset="0"/>
-              </a:rPr>
-              <a:t>])</a:t>
+              <a:t>} ])</a:t>
             </a:r>
           </a:p>
           <a:p>
@@ -29450,7 +29158,7 @@
         <p:spPr>
           <a:xfrm>
             <a:off x="149188" y="2422029"/>
-            <a:ext cx="8761264" cy="1692771"/>
+            <a:ext cx="8761264" cy="430887"/>
           </a:xfrm>
           <a:prstGeom prst="rect">
             <a:avLst/>
@@ -29463,6 +29171,16 @@
           <a:lstStyle/>
           <a:p>
             <a:r>
+              <a:rPr lang="en-US" sz="2200" dirty="0" smtClean="0">
+                <a:solidFill>
+                  <a:srgbClr val="FC6F0D"/>
+                </a:solidFill>
+                <a:latin typeface="Calibri" panose="020F0502020204030204" pitchFamily="34" charset="0"/>
+                <a:cs typeface="Calibri" panose="020F0502020204030204" pitchFamily="34" charset="0"/>
+              </a:rPr>
+              <a:t>db.emp.aggregate ([ {$</a:t>
+            </a:r>
+            <a:r>
               <a:rPr lang="en-US" sz="2200" dirty="0">
                 <a:solidFill>
                   <a:srgbClr val="FC6F0D"/>
@@ -29470,7 +29188,7 @@
                 <a:latin typeface="Calibri" panose="020F0502020204030204" pitchFamily="34" charset="0"/>
                 <a:cs typeface="Calibri" panose="020F0502020204030204" pitchFamily="34" charset="0"/>
               </a:rPr>
-              <a:t>db.emp.aggregate </a:t>
+              <a:t>project: { ename:true </a:t>
             </a:r>
             <a:r>
               <a:rPr lang="en-US" sz="2200" dirty="0" smtClean="0">
@@ -29480,331 +29198,9 @@
                 <a:latin typeface="Calibri" panose="020F0502020204030204" pitchFamily="34" charset="0"/>
                 <a:cs typeface="Calibri" panose="020F0502020204030204" pitchFamily="34" charset="0"/>
               </a:rPr>
-              <a:t>([ {$</a:t>
-            </a:r>
-            <a:r>
-              <a:rPr lang="en-US" sz="2200" dirty="0">
-                <a:solidFill>
-                  <a:srgbClr val="FC6F0D"/>
-                </a:solidFill>
-                <a:latin typeface="Calibri" panose="020F0502020204030204" pitchFamily="34" charset="0"/>
-                <a:cs typeface="Calibri" panose="020F0502020204030204" pitchFamily="34" charset="0"/>
-              </a:rPr>
-              <a:t>match: { job:'manager</a:t>
-            </a:r>
-            <a:r>
-              <a:rPr lang="en-US" sz="2200" dirty="0" smtClean="0">
-                <a:solidFill>
-                  <a:srgbClr val="FC6F0D"/>
-                </a:solidFill>
-                <a:latin typeface="Calibri" panose="020F0502020204030204" pitchFamily="34" charset="0"/>
-                <a:cs typeface="Calibri" panose="020F0502020204030204" pitchFamily="34" charset="0"/>
-              </a:rPr>
-              <a:t>'} </a:t>
-            </a:r>
-            <a:r>
-              <a:rPr lang="en-US" sz="2200" dirty="0" smtClean="0">
-                <a:solidFill>
-                  <a:srgbClr val="FC6F0D"/>
-                </a:solidFill>
-                <a:latin typeface="Calibri" panose="020F0502020204030204" pitchFamily="34" charset="0"/>
-                <a:cs typeface="Calibri" panose="020F0502020204030204" pitchFamily="34" charset="0"/>
-              </a:rPr>
-              <a:t>} ])</a:t>
-            </a:r>
-          </a:p>
-          <a:p>
-            <a:endParaRPr lang="en-US" sz="800" dirty="0" smtClean="0">
-              <a:solidFill>
-                <a:srgbClr val="FC6F0D"/>
-              </a:solidFill>
-              <a:latin typeface="Calibri" panose="020F0502020204030204" pitchFamily="34" charset="0"/>
-              <a:cs typeface="Calibri" panose="020F0502020204030204" pitchFamily="34" charset="0"/>
-            </a:endParaRPr>
-          </a:p>
-          <a:p>
-            <a:r>
-              <a:rPr lang="en-US" sz="2200" dirty="0">
-                <a:solidFill>
-                  <a:srgbClr val="FC6F0D"/>
-                </a:solidFill>
-                <a:latin typeface="Calibri" panose="020F0502020204030204" pitchFamily="34" charset="0"/>
-                <a:cs typeface="Calibri" panose="020F0502020204030204" pitchFamily="34" charset="0"/>
-              </a:rPr>
-              <a:t>db.emp.aggregate </a:t>
-            </a:r>
-            <a:r>
-              <a:rPr lang="en-US" sz="2200" dirty="0" smtClean="0">
-                <a:solidFill>
-                  <a:srgbClr val="FC6F0D"/>
-                </a:solidFill>
-                <a:latin typeface="Calibri" panose="020F0502020204030204" pitchFamily="34" charset="0"/>
-                <a:cs typeface="Calibri" panose="020F0502020204030204" pitchFamily="34" charset="0"/>
-              </a:rPr>
-              <a:t>([ {$</a:t>
-            </a:r>
-            <a:r>
-              <a:rPr lang="en-US" sz="2200" dirty="0">
-                <a:solidFill>
-                  <a:srgbClr val="FC6F0D"/>
-                </a:solidFill>
-                <a:latin typeface="Calibri" panose="020F0502020204030204" pitchFamily="34" charset="0"/>
-                <a:cs typeface="Calibri" panose="020F0502020204030204" pitchFamily="34" charset="0"/>
-              </a:rPr>
-              <a:t>match: {comm: </a:t>
-            </a:r>
-            <a:r>
-              <a:rPr lang="en-US" sz="2200" dirty="0" smtClean="0">
-                <a:solidFill>
-                  <a:srgbClr val="FC6F0D"/>
-                </a:solidFill>
-                <a:latin typeface="Calibri" panose="020F0502020204030204" pitchFamily="34" charset="0"/>
-                <a:cs typeface="Calibri" panose="020F0502020204030204" pitchFamily="34" charset="0"/>
-              </a:rPr>
-              <a:t>{$</a:t>
-            </a:r>
-            <a:r>
-              <a:rPr lang="en-US" sz="2200" dirty="0">
-                <a:solidFill>
-                  <a:srgbClr val="FC6F0D"/>
-                </a:solidFill>
-                <a:latin typeface="Calibri" panose="020F0502020204030204" pitchFamily="34" charset="0"/>
-                <a:cs typeface="Calibri" panose="020F0502020204030204" pitchFamily="34" charset="0"/>
-              </a:rPr>
-              <a:t>eq</a:t>
-            </a:r>
-            <a:r>
-              <a:rPr lang="en-US" sz="2200" dirty="0" smtClean="0">
-                <a:solidFill>
-                  <a:srgbClr val="FC6F0D"/>
-                </a:solidFill>
-                <a:latin typeface="Calibri" panose="020F0502020204030204" pitchFamily="34" charset="0"/>
-                <a:cs typeface="Calibri" panose="020F0502020204030204" pitchFamily="34" charset="0"/>
-              </a:rPr>
-              <a:t>: </a:t>
-            </a:r>
-            <a:r>
-              <a:rPr lang="en-US" sz="2200" dirty="0" smtClean="0">
-                <a:solidFill>
-                  <a:srgbClr val="FC6F0D"/>
-                </a:solidFill>
-                <a:latin typeface="Calibri" panose="020F0502020204030204" pitchFamily="34" charset="0"/>
-                <a:cs typeface="Calibri" panose="020F0502020204030204" pitchFamily="34" charset="0"/>
-              </a:rPr>
-              <a:t>null} </a:t>
-            </a:r>
-            <a:r>
-              <a:rPr lang="en-US" sz="2200" dirty="0">
-                <a:solidFill>
-                  <a:srgbClr val="FC6F0D"/>
-                </a:solidFill>
-                <a:latin typeface="Calibri" panose="020F0502020204030204" pitchFamily="34" charset="0"/>
-                <a:cs typeface="Calibri" panose="020F0502020204030204" pitchFamily="34" charset="0"/>
-              </a:rPr>
-              <a:t>} </a:t>
-            </a:r>
-            <a:r>
-              <a:rPr lang="en-US" sz="2200" dirty="0" smtClean="0">
-                <a:solidFill>
-                  <a:srgbClr val="FC6F0D"/>
-                </a:solidFill>
-                <a:latin typeface="Calibri" panose="020F0502020204030204" pitchFamily="34" charset="0"/>
-                <a:cs typeface="Calibri" panose="020F0502020204030204" pitchFamily="34" charset="0"/>
-              </a:rPr>
-              <a:t>} </a:t>
-            </a:r>
-            <a:r>
-              <a:rPr lang="en-US" sz="2200" dirty="0" smtClean="0">
-                <a:solidFill>
-                  <a:srgbClr val="FC6F0D"/>
-                </a:solidFill>
-                <a:latin typeface="Calibri" panose="020F0502020204030204" pitchFamily="34" charset="0"/>
-                <a:cs typeface="Calibri" panose="020F0502020204030204" pitchFamily="34" charset="0"/>
-              </a:rPr>
-              <a:t>])</a:t>
-            </a:r>
-          </a:p>
-          <a:p>
-            <a:endParaRPr lang="en-US" sz="800" dirty="0">
-              <a:solidFill>
-                <a:srgbClr val="FC6F0D"/>
-              </a:solidFill>
-              <a:latin typeface="Calibri" panose="020F0502020204030204" pitchFamily="34" charset="0"/>
-              <a:cs typeface="Calibri" panose="020F0502020204030204" pitchFamily="34" charset="0"/>
-            </a:endParaRPr>
-          </a:p>
-          <a:p>
-            <a:r>
-              <a:rPr lang="en-US" sz="2200" dirty="0" smtClean="0">
-                <a:solidFill>
-                  <a:srgbClr val="FC6F0D"/>
-                </a:solidFill>
-                <a:latin typeface="Calibri" panose="020F0502020204030204" pitchFamily="34" charset="0"/>
-                <a:cs typeface="Calibri" panose="020F0502020204030204" pitchFamily="34" charset="0"/>
-              </a:rPr>
-              <a:t>db.emp.aggregate ([ {$</a:t>
-            </a:r>
-            <a:r>
-              <a:rPr lang="en-US" sz="2200" dirty="0">
-                <a:solidFill>
-                  <a:srgbClr val="FC6F0D"/>
-                </a:solidFill>
-                <a:latin typeface="Calibri" panose="020F0502020204030204" pitchFamily="34" charset="0"/>
-                <a:cs typeface="Calibri" panose="020F0502020204030204" pitchFamily="34" charset="0"/>
-              </a:rPr>
-              <a:t>match</a:t>
-            </a:r>
-            <a:r>
-              <a:rPr lang="en-US" sz="2200" dirty="0" smtClean="0">
-                <a:solidFill>
-                  <a:srgbClr val="FC6F0D"/>
-                </a:solidFill>
-                <a:latin typeface="Calibri" panose="020F0502020204030204" pitchFamily="34" charset="0"/>
-                <a:cs typeface="Calibri" panose="020F0502020204030204" pitchFamily="34" charset="0"/>
-              </a:rPr>
-              <a:t>: {</a:t>
-            </a:r>
-            <a:r>
-              <a:rPr lang="en-US" sz="2200" dirty="0">
-                <a:solidFill>
-                  <a:srgbClr val="FC6F0D"/>
-                </a:solidFill>
-                <a:latin typeface="Calibri" panose="020F0502020204030204" pitchFamily="34" charset="0"/>
-                <a:cs typeface="Calibri" panose="020F0502020204030204" pitchFamily="34" charset="0"/>
-              </a:rPr>
-              <a:t>sal</a:t>
-            </a:r>
-            <a:r>
-              <a:rPr lang="en-US" sz="2200" dirty="0" smtClean="0">
-                <a:solidFill>
-                  <a:srgbClr val="FC6F0D"/>
-                </a:solidFill>
-                <a:latin typeface="Calibri" panose="020F0502020204030204" pitchFamily="34" charset="0"/>
-                <a:cs typeface="Calibri" panose="020F0502020204030204" pitchFamily="34" charset="0"/>
-              </a:rPr>
-              <a:t>: {$</a:t>
-            </a:r>
-            <a:r>
-              <a:rPr lang="en-US" sz="2200" dirty="0">
-                <a:solidFill>
-                  <a:srgbClr val="FC6F0D"/>
-                </a:solidFill>
-                <a:latin typeface="Calibri" panose="020F0502020204030204" pitchFamily="34" charset="0"/>
-                <a:cs typeface="Calibri" panose="020F0502020204030204" pitchFamily="34" charset="0"/>
-              </a:rPr>
-              <a:t>gt</a:t>
-            </a:r>
-            <a:r>
-              <a:rPr lang="en-US" sz="2200" dirty="0" smtClean="0">
-                <a:solidFill>
-                  <a:srgbClr val="FC6F0D"/>
-                </a:solidFill>
-                <a:latin typeface="Calibri" panose="020F0502020204030204" pitchFamily="34" charset="0"/>
-                <a:cs typeface="Calibri" panose="020F0502020204030204" pitchFamily="34" charset="0"/>
-              </a:rPr>
-              <a:t>: 4000} }}, {$</a:t>
-            </a:r>
-            <a:r>
-              <a:rPr lang="en-US" sz="2200" dirty="0">
-                <a:solidFill>
-                  <a:srgbClr val="FC6F0D"/>
-                </a:solidFill>
-                <a:latin typeface="Calibri" panose="020F0502020204030204" pitchFamily="34" charset="0"/>
-                <a:cs typeface="Calibri" panose="020F0502020204030204" pitchFamily="34" charset="0"/>
-              </a:rPr>
-              <a:t>group</a:t>
-            </a:r>
-            <a:r>
-              <a:rPr lang="en-US" sz="2200" dirty="0" smtClean="0">
-                <a:solidFill>
-                  <a:srgbClr val="FC6F0D"/>
-                </a:solidFill>
-                <a:latin typeface="Calibri" panose="020F0502020204030204" pitchFamily="34" charset="0"/>
-                <a:cs typeface="Calibri" panose="020F0502020204030204" pitchFamily="34" charset="0"/>
-              </a:rPr>
-              <a:t>: {_</a:t>
-            </a:r>
-            <a:r>
-              <a:rPr lang="en-US" sz="2200" dirty="0">
-                <a:solidFill>
-                  <a:srgbClr val="FC6F0D"/>
-                </a:solidFill>
-                <a:latin typeface="Calibri" panose="020F0502020204030204" pitchFamily="34" charset="0"/>
-                <a:cs typeface="Calibri" panose="020F0502020204030204" pitchFamily="34" charset="0"/>
-              </a:rPr>
-              <a:t>id</a:t>
-            </a:r>
-            <a:r>
-              <a:rPr lang="en-US" sz="2200" dirty="0" smtClean="0">
-                <a:solidFill>
-                  <a:srgbClr val="FC6F0D"/>
-                </a:solidFill>
-                <a:latin typeface="Calibri" panose="020F0502020204030204" pitchFamily="34" charset="0"/>
-                <a:cs typeface="Calibri" panose="020F0502020204030204" pitchFamily="34" charset="0"/>
-              </a:rPr>
-              <a:t>: '$</a:t>
-            </a:r>
-            <a:r>
-              <a:rPr lang="en-US" sz="2200" dirty="0">
-                <a:solidFill>
-                  <a:srgbClr val="FC6F0D"/>
-                </a:solidFill>
-                <a:latin typeface="Calibri" panose="020F0502020204030204" pitchFamily="34" charset="0"/>
-                <a:cs typeface="Calibri" panose="020F0502020204030204" pitchFamily="34" charset="0"/>
-              </a:rPr>
-              <a:t>job', count</a:t>
-            </a:r>
-            <a:r>
-              <a:rPr lang="en-US" sz="2200" dirty="0" smtClean="0">
-                <a:solidFill>
-                  <a:srgbClr val="FC6F0D"/>
-                </a:solidFill>
-                <a:latin typeface="Calibri" panose="020F0502020204030204" pitchFamily="34" charset="0"/>
-                <a:cs typeface="Calibri" panose="020F0502020204030204" pitchFamily="34" charset="0"/>
-              </a:rPr>
-              <a:t>: {$</a:t>
-            </a:r>
-            <a:r>
-              <a:rPr lang="en-US" sz="2200" dirty="0">
-                <a:solidFill>
-                  <a:srgbClr val="FC6F0D"/>
-                </a:solidFill>
-                <a:latin typeface="Calibri" panose="020F0502020204030204" pitchFamily="34" charset="0"/>
-                <a:cs typeface="Calibri" panose="020F0502020204030204" pitchFamily="34" charset="0"/>
-              </a:rPr>
-              <a:t>sum</a:t>
-            </a:r>
-            <a:r>
-              <a:rPr lang="en-US" sz="2200" dirty="0" smtClean="0">
-                <a:solidFill>
-                  <a:srgbClr val="FC6F0D"/>
-                </a:solidFill>
-                <a:latin typeface="Calibri" panose="020F0502020204030204" pitchFamily="34" charset="0"/>
-                <a:cs typeface="Calibri" panose="020F0502020204030204" pitchFamily="34" charset="0"/>
-              </a:rPr>
-              <a:t>: '$</a:t>
-            </a:r>
-            <a:r>
-              <a:rPr lang="en-US" sz="2200" dirty="0">
-                <a:solidFill>
-                  <a:srgbClr val="FC6F0D"/>
-                </a:solidFill>
-                <a:latin typeface="Calibri" panose="020F0502020204030204" pitchFamily="34" charset="0"/>
-                <a:cs typeface="Calibri" panose="020F0502020204030204" pitchFamily="34" charset="0"/>
-              </a:rPr>
-              <a:t>sal'} </a:t>
-            </a:r>
-            <a:r>
-              <a:rPr lang="en-US" sz="2200" dirty="0" smtClean="0">
-                <a:solidFill>
-                  <a:srgbClr val="FC6F0D"/>
-                </a:solidFill>
-                <a:latin typeface="Calibri" panose="020F0502020204030204" pitchFamily="34" charset="0"/>
-                <a:cs typeface="Calibri" panose="020F0502020204030204" pitchFamily="34" charset="0"/>
-              </a:rPr>
               <a:t>} } ])</a:t>
             </a:r>
-            <a:endParaRPr lang="en-US" sz="2200" dirty="0">
+            <a:endParaRPr lang="en-US" sz="2200" dirty="0" smtClean="0">
               <a:solidFill>
                 <a:srgbClr val="FC6F0D"/>
               </a:solidFill>
@@ -29890,7 +29286,7 @@
                 <a:latin typeface="Arial" pitchFamily="34" charset="0"/>
                 <a:cs typeface="Arial" pitchFamily="34" charset="0"/>
               </a:rPr>
-              <a:t>$match</a:t>
+              <a:t>$</a:t>
             </a:r>
             <a:r>
               <a:rPr lang="en-IN" sz="3200" b="1" i="1" dirty="0">
@@ -29900,8 +29296,15 @@
                 <a:latin typeface="Arial" pitchFamily="34" charset="0"/>
                 <a:cs typeface="Arial" pitchFamily="34" charset="0"/>
               </a:rPr>
-              <a:t> </a:t>
-            </a:r>
+              <a:t>skip</a:t>
+            </a:r>
+            <a:endParaRPr lang="en-IN" sz="3200" b="1" i="1" dirty="0">
+              <a:solidFill>
+                <a:srgbClr val="FFFF00"/>
+              </a:solidFill>
+              <a:latin typeface="Arial" pitchFamily="34" charset="0"/>
+              <a:cs typeface="Arial" pitchFamily="34" charset="0"/>
+            </a:endParaRPr>
           </a:p>
         </p:txBody>
       </p:sp>
@@ -29914,7 +29317,7 @@
         <p:spPr>
           <a:xfrm>
             <a:off x="149188" y="762000"/>
-            <a:ext cx="8845624" cy="646331"/>
+            <a:ext cx="8845624" cy="369332"/>
           </a:xfrm>
           <a:prstGeom prst="rect">
             <a:avLst/>
@@ -29927,8 +29330,8 @@
           <a:lstStyle/>
           <a:p>
             <a:r>
-              <a:rPr lang="en-US" dirty="0"/>
-              <a:t>Filters the documents to pass only the documents that match the specified condition(s) to the next pipeline stage.</a:t>
+              <a:rPr lang="en-US" dirty="0" smtClean="0"/>
+              <a:t>TODO</a:t>
             </a:r>
             <a:endParaRPr lang="en-IN" dirty="0"/>
           </a:p>
@@ -29965,379 +29368,6 @@
               </a:rPr>
               <a:t>{ $match: { &lt;query&gt; } }</a:t>
             </a:r>
-          </a:p>
-        </p:txBody>
-      </p:sp>
-      <p:sp>
-        <p:nvSpPr>
-          <p:cNvPr id="5" name="Rectangle 4"/>
-          <p:cNvSpPr/>
-          <p:nvPr/>
-        </p:nvSpPr>
-        <p:spPr>
-          <a:xfrm>
-            <a:off x="149188" y="2133600"/>
-            <a:ext cx="8761264" cy="1692771"/>
-          </a:xfrm>
-          <a:prstGeom prst="rect">
-            <a:avLst/>
-          </a:prstGeom>
-        </p:spPr>
-        <p:txBody>
-          <a:bodyPr wrap="square">
-            <a:spAutoFit/>
-          </a:bodyPr>
-          <a:lstStyle/>
-          <a:p>
-            <a:r>
-              <a:rPr lang="en-US" sz="2200" dirty="0">
-                <a:solidFill>
-                  <a:srgbClr val="FC6F0D"/>
-                </a:solidFill>
-                <a:latin typeface="Calibri" panose="020F0502020204030204" pitchFamily="34" charset="0"/>
-                <a:cs typeface="Calibri" panose="020F0502020204030204" pitchFamily="34" charset="0"/>
-              </a:rPr>
-              <a:t>db.emp.aggregate </a:t>
-            </a:r>
-            <a:r>
-              <a:rPr lang="en-US" sz="2200" dirty="0" smtClean="0">
-                <a:solidFill>
-                  <a:srgbClr val="FC6F0D"/>
-                </a:solidFill>
-                <a:latin typeface="Calibri" panose="020F0502020204030204" pitchFamily="34" charset="0"/>
-                <a:cs typeface="Calibri" panose="020F0502020204030204" pitchFamily="34" charset="0"/>
-              </a:rPr>
-              <a:t>([ {$</a:t>
-            </a:r>
-            <a:r>
-              <a:rPr lang="en-US" sz="2200" dirty="0">
-                <a:solidFill>
-                  <a:srgbClr val="FC6F0D"/>
-                </a:solidFill>
-                <a:latin typeface="Calibri" panose="020F0502020204030204" pitchFamily="34" charset="0"/>
-                <a:cs typeface="Calibri" panose="020F0502020204030204" pitchFamily="34" charset="0"/>
-              </a:rPr>
-              <a:t>match: { job:'manager</a:t>
-            </a:r>
-            <a:r>
-              <a:rPr lang="en-US" sz="2200" dirty="0" smtClean="0">
-                <a:solidFill>
-                  <a:srgbClr val="FC6F0D"/>
-                </a:solidFill>
-                <a:latin typeface="Calibri" panose="020F0502020204030204" pitchFamily="34" charset="0"/>
-                <a:cs typeface="Calibri" panose="020F0502020204030204" pitchFamily="34" charset="0"/>
-              </a:rPr>
-              <a:t>'} </a:t>
-            </a:r>
-            <a:r>
-              <a:rPr lang="en-US" sz="2200" dirty="0" smtClean="0">
-                <a:solidFill>
-                  <a:srgbClr val="FC6F0D"/>
-                </a:solidFill>
-                <a:latin typeface="Calibri" panose="020F0502020204030204" pitchFamily="34" charset="0"/>
-                <a:cs typeface="Calibri" panose="020F0502020204030204" pitchFamily="34" charset="0"/>
-              </a:rPr>
-              <a:t>} ])</a:t>
-            </a:r>
-          </a:p>
-          <a:p>
-            <a:endParaRPr lang="en-US" sz="800" dirty="0" smtClean="0">
-              <a:solidFill>
-                <a:srgbClr val="FC6F0D"/>
-              </a:solidFill>
-              <a:latin typeface="Calibri" panose="020F0502020204030204" pitchFamily="34" charset="0"/>
-              <a:cs typeface="Calibri" panose="020F0502020204030204" pitchFamily="34" charset="0"/>
-            </a:endParaRPr>
-          </a:p>
-          <a:p>
-            <a:r>
-              <a:rPr lang="en-US" sz="2200" dirty="0">
-                <a:solidFill>
-                  <a:srgbClr val="FC6F0D"/>
-                </a:solidFill>
-                <a:latin typeface="Calibri" panose="020F0502020204030204" pitchFamily="34" charset="0"/>
-                <a:cs typeface="Calibri" panose="020F0502020204030204" pitchFamily="34" charset="0"/>
-              </a:rPr>
-              <a:t>db.emp.aggregate </a:t>
-            </a:r>
-            <a:r>
-              <a:rPr lang="en-US" sz="2200" dirty="0" smtClean="0">
-                <a:solidFill>
-                  <a:srgbClr val="FC6F0D"/>
-                </a:solidFill>
-                <a:latin typeface="Calibri" panose="020F0502020204030204" pitchFamily="34" charset="0"/>
-                <a:cs typeface="Calibri" panose="020F0502020204030204" pitchFamily="34" charset="0"/>
-              </a:rPr>
-              <a:t>([ {$</a:t>
-            </a:r>
-            <a:r>
-              <a:rPr lang="en-US" sz="2200" dirty="0">
-                <a:solidFill>
-                  <a:srgbClr val="FC6F0D"/>
-                </a:solidFill>
-                <a:latin typeface="Calibri" panose="020F0502020204030204" pitchFamily="34" charset="0"/>
-                <a:cs typeface="Calibri" panose="020F0502020204030204" pitchFamily="34" charset="0"/>
-              </a:rPr>
-              <a:t>match: {comm: </a:t>
-            </a:r>
-            <a:r>
-              <a:rPr lang="en-US" sz="2200" dirty="0" smtClean="0">
-                <a:solidFill>
-                  <a:srgbClr val="FC6F0D"/>
-                </a:solidFill>
-                <a:latin typeface="Calibri" panose="020F0502020204030204" pitchFamily="34" charset="0"/>
-                <a:cs typeface="Calibri" panose="020F0502020204030204" pitchFamily="34" charset="0"/>
-              </a:rPr>
-              <a:t>{$</a:t>
-            </a:r>
-            <a:r>
-              <a:rPr lang="en-US" sz="2200" dirty="0">
-                <a:solidFill>
-                  <a:srgbClr val="FC6F0D"/>
-                </a:solidFill>
-                <a:latin typeface="Calibri" panose="020F0502020204030204" pitchFamily="34" charset="0"/>
-                <a:cs typeface="Calibri" panose="020F0502020204030204" pitchFamily="34" charset="0"/>
-              </a:rPr>
-              <a:t>eq</a:t>
-            </a:r>
-            <a:r>
-              <a:rPr lang="en-US" sz="2200" dirty="0" smtClean="0">
-                <a:solidFill>
-                  <a:srgbClr val="FC6F0D"/>
-                </a:solidFill>
-                <a:latin typeface="Calibri" panose="020F0502020204030204" pitchFamily="34" charset="0"/>
-                <a:cs typeface="Calibri" panose="020F0502020204030204" pitchFamily="34" charset="0"/>
-              </a:rPr>
-              <a:t>: </a:t>
-            </a:r>
-            <a:r>
-              <a:rPr lang="en-US" sz="2200" dirty="0" smtClean="0">
-                <a:solidFill>
-                  <a:srgbClr val="FC6F0D"/>
-                </a:solidFill>
-                <a:latin typeface="Calibri" panose="020F0502020204030204" pitchFamily="34" charset="0"/>
-                <a:cs typeface="Calibri" panose="020F0502020204030204" pitchFamily="34" charset="0"/>
-              </a:rPr>
-              <a:t>null} </a:t>
-            </a:r>
-            <a:r>
-              <a:rPr lang="en-US" sz="2200" dirty="0">
-                <a:solidFill>
-                  <a:srgbClr val="FC6F0D"/>
-                </a:solidFill>
-                <a:latin typeface="Calibri" panose="020F0502020204030204" pitchFamily="34" charset="0"/>
-                <a:cs typeface="Calibri" panose="020F0502020204030204" pitchFamily="34" charset="0"/>
-              </a:rPr>
-              <a:t>} </a:t>
-            </a:r>
-            <a:r>
-              <a:rPr lang="en-US" sz="2200" dirty="0" smtClean="0">
-                <a:solidFill>
-                  <a:srgbClr val="FC6F0D"/>
-                </a:solidFill>
-                <a:latin typeface="Calibri" panose="020F0502020204030204" pitchFamily="34" charset="0"/>
-                <a:cs typeface="Calibri" panose="020F0502020204030204" pitchFamily="34" charset="0"/>
-              </a:rPr>
-              <a:t>} </a:t>
-            </a:r>
-            <a:r>
-              <a:rPr lang="en-US" sz="2200" dirty="0" smtClean="0">
-                <a:solidFill>
-                  <a:srgbClr val="FC6F0D"/>
-                </a:solidFill>
-                <a:latin typeface="Calibri" panose="020F0502020204030204" pitchFamily="34" charset="0"/>
-                <a:cs typeface="Calibri" panose="020F0502020204030204" pitchFamily="34" charset="0"/>
-              </a:rPr>
-              <a:t>])</a:t>
-            </a:r>
-          </a:p>
-          <a:p>
-            <a:endParaRPr lang="en-US" sz="800" dirty="0">
-              <a:solidFill>
-                <a:srgbClr val="FC6F0D"/>
-              </a:solidFill>
-              <a:latin typeface="Calibri" panose="020F0502020204030204" pitchFamily="34" charset="0"/>
-              <a:cs typeface="Calibri" panose="020F0502020204030204" pitchFamily="34" charset="0"/>
-            </a:endParaRPr>
-          </a:p>
-          <a:p>
-            <a:r>
-              <a:rPr lang="en-US" sz="2200" dirty="0" smtClean="0">
-                <a:solidFill>
-                  <a:srgbClr val="FC6F0D"/>
-                </a:solidFill>
-                <a:latin typeface="Calibri" panose="020F0502020204030204" pitchFamily="34" charset="0"/>
-                <a:cs typeface="Calibri" panose="020F0502020204030204" pitchFamily="34" charset="0"/>
-              </a:rPr>
-              <a:t>db.emp.aggregate ([ {$</a:t>
-            </a:r>
-            <a:r>
-              <a:rPr lang="en-US" sz="2200" dirty="0">
-                <a:solidFill>
-                  <a:srgbClr val="FC6F0D"/>
-                </a:solidFill>
-                <a:latin typeface="Calibri" panose="020F0502020204030204" pitchFamily="34" charset="0"/>
-                <a:cs typeface="Calibri" panose="020F0502020204030204" pitchFamily="34" charset="0"/>
-              </a:rPr>
-              <a:t>match</a:t>
-            </a:r>
-            <a:r>
-              <a:rPr lang="en-US" sz="2200" dirty="0" smtClean="0">
-                <a:solidFill>
-                  <a:srgbClr val="FC6F0D"/>
-                </a:solidFill>
-                <a:latin typeface="Calibri" panose="020F0502020204030204" pitchFamily="34" charset="0"/>
-                <a:cs typeface="Calibri" panose="020F0502020204030204" pitchFamily="34" charset="0"/>
-              </a:rPr>
-              <a:t>: {</a:t>
-            </a:r>
-            <a:r>
-              <a:rPr lang="en-US" sz="2200" dirty="0">
-                <a:solidFill>
-                  <a:srgbClr val="FC6F0D"/>
-                </a:solidFill>
-                <a:latin typeface="Calibri" panose="020F0502020204030204" pitchFamily="34" charset="0"/>
-                <a:cs typeface="Calibri" panose="020F0502020204030204" pitchFamily="34" charset="0"/>
-              </a:rPr>
-              <a:t>sal</a:t>
-            </a:r>
-            <a:r>
-              <a:rPr lang="en-US" sz="2200" dirty="0" smtClean="0">
-                <a:solidFill>
-                  <a:srgbClr val="FC6F0D"/>
-                </a:solidFill>
-                <a:latin typeface="Calibri" panose="020F0502020204030204" pitchFamily="34" charset="0"/>
-                <a:cs typeface="Calibri" panose="020F0502020204030204" pitchFamily="34" charset="0"/>
-              </a:rPr>
-              <a:t>: {$</a:t>
-            </a:r>
-            <a:r>
-              <a:rPr lang="en-US" sz="2200" dirty="0">
-                <a:solidFill>
-                  <a:srgbClr val="FC6F0D"/>
-                </a:solidFill>
-                <a:latin typeface="Calibri" panose="020F0502020204030204" pitchFamily="34" charset="0"/>
-                <a:cs typeface="Calibri" panose="020F0502020204030204" pitchFamily="34" charset="0"/>
-              </a:rPr>
-              <a:t>gt</a:t>
-            </a:r>
-            <a:r>
-              <a:rPr lang="en-US" sz="2200" dirty="0" smtClean="0">
-                <a:solidFill>
-                  <a:srgbClr val="FC6F0D"/>
-                </a:solidFill>
-                <a:latin typeface="Calibri" panose="020F0502020204030204" pitchFamily="34" charset="0"/>
-                <a:cs typeface="Calibri" panose="020F0502020204030204" pitchFamily="34" charset="0"/>
-              </a:rPr>
-              <a:t>: 4000} }}, {$</a:t>
-            </a:r>
-            <a:r>
-              <a:rPr lang="en-US" sz="2200" dirty="0">
-                <a:solidFill>
-                  <a:srgbClr val="FC6F0D"/>
-                </a:solidFill>
-                <a:latin typeface="Calibri" panose="020F0502020204030204" pitchFamily="34" charset="0"/>
-                <a:cs typeface="Calibri" panose="020F0502020204030204" pitchFamily="34" charset="0"/>
-              </a:rPr>
-              <a:t>group</a:t>
-            </a:r>
-            <a:r>
-              <a:rPr lang="en-US" sz="2200" dirty="0" smtClean="0">
-                <a:solidFill>
-                  <a:srgbClr val="FC6F0D"/>
-                </a:solidFill>
-                <a:latin typeface="Calibri" panose="020F0502020204030204" pitchFamily="34" charset="0"/>
-                <a:cs typeface="Calibri" panose="020F0502020204030204" pitchFamily="34" charset="0"/>
-              </a:rPr>
-              <a:t>: {_</a:t>
-            </a:r>
-            <a:r>
-              <a:rPr lang="en-US" sz="2200" dirty="0">
-                <a:solidFill>
-                  <a:srgbClr val="FC6F0D"/>
-                </a:solidFill>
-                <a:latin typeface="Calibri" panose="020F0502020204030204" pitchFamily="34" charset="0"/>
-                <a:cs typeface="Calibri" panose="020F0502020204030204" pitchFamily="34" charset="0"/>
-              </a:rPr>
-              <a:t>id</a:t>
-            </a:r>
-            <a:r>
-              <a:rPr lang="en-US" sz="2200" dirty="0" smtClean="0">
-                <a:solidFill>
-                  <a:srgbClr val="FC6F0D"/>
-                </a:solidFill>
-                <a:latin typeface="Calibri" panose="020F0502020204030204" pitchFamily="34" charset="0"/>
-                <a:cs typeface="Calibri" panose="020F0502020204030204" pitchFamily="34" charset="0"/>
-              </a:rPr>
-              <a:t>: '$</a:t>
-            </a:r>
-            <a:r>
-              <a:rPr lang="en-US" sz="2200" dirty="0">
-                <a:solidFill>
-                  <a:srgbClr val="FC6F0D"/>
-                </a:solidFill>
-                <a:latin typeface="Calibri" panose="020F0502020204030204" pitchFamily="34" charset="0"/>
-                <a:cs typeface="Calibri" panose="020F0502020204030204" pitchFamily="34" charset="0"/>
-              </a:rPr>
-              <a:t>job', count</a:t>
-            </a:r>
-            <a:r>
-              <a:rPr lang="en-US" sz="2200" dirty="0" smtClean="0">
-                <a:solidFill>
-                  <a:srgbClr val="FC6F0D"/>
-                </a:solidFill>
-                <a:latin typeface="Calibri" panose="020F0502020204030204" pitchFamily="34" charset="0"/>
-                <a:cs typeface="Calibri" panose="020F0502020204030204" pitchFamily="34" charset="0"/>
-              </a:rPr>
-              <a:t>: {$</a:t>
-            </a:r>
-            <a:r>
-              <a:rPr lang="en-US" sz="2200" dirty="0">
-                <a:solidFill>
-                  <a:srgbClr val="FC6F0D"/>
-                </a:solidFill>
-                <a:latin typeface="Calibri" panose="020F0502020204030204" pitchFamily="34" charset="0"/>
-                <a:cs typeface="Calibri" panose="020F0502020204030204" pitchFamily="34" charset="0"/>
-              </a:rPr>
-              <a:t>sum</a:t>
-            </a:r>
-            <a:r>
-              <a:rPr lang="en-US" sz="2200" dirty="0" smtClean="0">
-                <a:solidFill>
-                  <a:srgbClr val="FC6F0D"/>
-                </a:solidFill>
-                <a:latin typeface="Calibri" panose="020F0502020204030204" pitchFamily="34" charset="0"/>
-                <a:cs typeface="Calibri" panose="020F0502020204030204" pitchFamily="34" charset="0"/>
-              </a:rPr>
-              <a:t>: '$</a:t>
-            </a:r>
-            <a:r>
-              <a:rPr lang="en-US" sz="2200" dirty="0">
-                <a:solidFill>
-                  <a:srgbClr val="FC6F0D"/>
-                </a:solidFill>
-                <a:latin typeface="Calibri" panose="020F0502020204030204" pitchFamily="34" charset="0"/>
-                <a:cs typeface="Calibri" panose="020F0502020204030204" pitchFamily="34" charset="0"/>
-              </a:rPr>
-              <a:t>sal'} </a:t>
-            </a:r>
-            <a:r>
-              <a:rPr lang="en-US" sz="2200" dirty="0" smtClean="0">
-                <a:solidFill>
-                  <a:srgbClr val="FC6F0D"/>
-                </a:solidFill>
-                <a:latin typeface="Calibri" panose="020F0502020204030204" pitchFamily="34" charset="0"/>
-                <a:cs typeface="Calibri" panose="020F0502020204030204" pitchFamily="34" charset="0"/>
-              </a:rPr>
-              <a:t>} } ])</a:t>
-            </a:r>
-            <a:endParaRPr lang="en-US" sz="2200" dirty="0">
-              <a:solidFill>
-                <a:srgbClr val="FC6F0D"/>
-              </a:solidFill>
-              <a:latin typeface="Calibri" panose="020F0502020204030204" pitchFamily="34" charset="0"/>
-              <a:cs typeface="Calibri" panose="020F0502020204030204" pitchFamily="34" charset="0"/>
-            </a:endParaRPr>
           </a:p>
         </p:txBody>
       </p:sp>
@@ -30417,18 +29447,15 @@
                 <a:latin typeface="Arial" pitchFamily="34" charset="0"/>
                 <a:cs typeface="Arial" pitchFamily="34" charset="0"/>
               </a:rPr>
-              <a:t>$match</a:t>
-            </a:r>
-            <a:r>
-              <a:rPr lang="en-IN" sz="3200" b="1" i="1" dirty="0">
-                <a:solidFill>
-                  <a:srgbClr val="FFFF00"/>
-                </a:solidFill>
-                <a:latin typeface="Arial" pitchFamily="34" charset="0"/>
-                <a:cs typeface="Arial" pitchFamily="34" charset="0"/>
-              </a:rPr>
-              <a:t> </a:t>
-            </a:r>
+              <a:t>$sort</a:t>
+            </a:r>
+            <a:endParaRPr lang="en-IN" sz="3200" b="1" i="1" dirty="0">
+              <a:solidFill>
+                <a:srgbClr val="FFFF00"/>
+              </a:solidFill>
+              <a:latin typeface="Arial" pitchFamily="34" charset="0"/>
+              <a:cs typeface="Arial" pitchFamily="34" charset="0"/>
+            </a:endParaRPr>
           </a:p>
         </p:txBody>
       </p:sp>
@@ -30441,7 +29468,7 @@
         <p:spPr>
           <a:xfrm>
             <a:off x="149188" y="762000"/>
-            <a:ext cx="8845624" cy="646331"/>
+            <a:ext cx="8845624" cy="369332"/>
           </a:xfrm>
           <a:prstGeom prst="rect">
             <a:avLst/>
@@ -30454,8 +29481,8 @@
           <a:lstStyle/>
           <a:p>
             <a:r>
-              <a:rPr lang="en-US" dirty="0"/>
-              <a:t>Filters the documents to pass only the documents that match the specified condition(s) to the next pipeline stage.</a:t>
+              <a:rPr lang="en-US" dirty="0" smtClean="0"/>
+              <a:t>TODO</a:t>
             </a:r>
             <a:endParaRPr lang="en-IN" dirty="0"/>
           </a:p>
@@ -30554,17 +29581,7 @@
                 <a:latin typeface="Calibri" panose="020F0502020204030204" pitchFamily="34" charset="0"/>
                 <a:cs typeface="Calibri" panose="020F0502020204030204" pitchFamily="34" charset="0"/>
               </a:rPr>
-              <a:t>'} </a:t>
-            </a:r>
-            <a:r>
-              <a:rPr lang="en-US" sz="2200" dirty="0" smtClean="0">
-                <a:solidFill>
-                  <a:srgbClr val="FC6F0D"/>
-                </a:solidFill>
-                <a:latin typeface="Calibri" panose="020F0502020204030204" pitchFamily="34" charset="0"/>
-                <a:cs typeface="Calibri" panose="020F0502020204030204" pitchFamily="34" charset="0"/>
-              </a:rPr>
-              <a:t>} ])</a:t>
+              <a:t>'} } ])</a:t>
             </a:r>
           </a:p>
           <a:p>
@@ -30635,7 +29652,17 @@
                 <a:latin typeface="Calibri" panose="020F0502020204030204" pitchFamily="34" charset="0"/>
                 <a:cs typeface="Calibri" panose="020F0502020204030204" pitchFamily="34" charset="0"/>
               </a:rPr>
-              <a:t>: </a:t>
+              <a:t>: null} </a:t>
+            </a:r>
+            <a:r>
+              <a:rPr lang="en-US" sz="2200" dirty="0">
+                <a:solidFill>
+                  <a:srgbClr val="FC6F0D"/>
+                </a:solidFill>
+                <a:latin typeface="Calibri" panose="020F0502020204030204" pitchFamily="34" charset="0"/>
+                <a:cs typeface="Calibri" panose="020F0502020204030204" pitchFamily="34" charset="0"/>
+              </a:rPr>
+              <a:t>} </a:t>
             </a:r>
             <a:r>
               <a:rPr lang="en-US" sz="2200" dirty="0" smtClean="0">
@@ -30645,37 +29672,7 @@
                 <a:latin typeface="Calibri" panose="020F0502020204030204" pitchFamily="34" charset="0"/>
                 <a:cs typeface="Calibri" panose="020F0502020204030204" pitchFamily="34" charset="0"/>
               </a:rPr>
-              <a:t>null} </a:t>
-            </a:r>
-            <a:r>
-              <a:rPr lang="en-US" sz="2200" dirty="0">
-                <a:solidFill>
-                  <a:srgbClr val="FC6F0D"/>
-                </a:solidFill>
-                <a:latin typeface="Calibri" panose="020F0502020204030204" pitchFamily="34" charset="0"/>
-                <a:cs typeface="Calibri" panose="020F0502020204030204" pitchFamily="34" charset="0"/>
-              </a:rPr>
-              <a:t>} </a:t>
-            </a:r>
-            <a:r>
-              <a:rPr lang="en-US" sz="2200" dirty="0" smtClean="0">
-                <a:solidFill>
-                  <a:srgbClr val="FC6F0D"/>
-                </a:solidFill>
-                <a:latin typeface="Calibri" panose="020F0502020204030204" pitchFamily="34" charset="0"/>
-                <a:cs typeface="Calibri" panose="020F0502020204030204" pitchFamily="34" charset="0"/>
-              </a:rPr>
-              <a:t>} </a:t>
-            </a:r>
-            <a:r>
-              <a:rPr lang="en-US" sz="2200" dirty="0" smtClean="0">
-                <a:solidFill>
-                  <a:srgbClr val="FC6F0D"/>
-                </a:solidFill>
-                <a:latin typeface="Calibri" panose="020F0502020204030204" pitchFamily="34" charset="0"/>
-                <a:cs typeface="Calibri" panose="020F0502020204030204" pitchFamily="34" charset="0"/>
-              </a:rPr>
-              <a:t>])</a:t>
+              <a:t>} ])</a:t>
             </a:r>
           </a:p>
           <a:p>
@@ -30871,7 +29868,7 @@
     </p:spTree>
     <p:extLst>
       <p:ext uri="{BB962C8B-B14F-4D97-AF65-F5344CB8AC3E}">
-        <p14:creationId xmlns:p14="http://schemas.microsoft.com/office/powerpoint/2010/main" val="933350516"/>
+        <p14:creationId xmlns:p14="http://schemas.microsoft.com/office/powerpoint/2010/main" val="3459078610"/>
       </p:ext>
     </p:extLst>
   </p:cSld>
@@ -30944,28 +29941,15 @@
                 <a:latin typeface="Arial" pitchFamily="34" charset="0"/>
                 <a:cs typeface="Arial" pitchFamily="34" charset="0"/>
               </a:rPr>
-              <a:t>MongoDB</a:t>
-            </a:r>
-            <a:r>
-              <a:rPr lang="en-US" sz="3200" b="1" i="1" dirty="0" smtClean="0">
-                <a:solidFill>
-                  <a:srgbClr val="FFFF00"/>
-                </a:solidFill>
-                <a:latin typeface="Arial" pitchFamily="34" charset="0"/>
-                <a:cs typeface="Arial" pitchFamily="34" charset="0"/>
-              </a:rPr>
-              <a:t> </a:t>
-            </a:r>
-            <a:r>
-              <a:rPr lang="en-IN" sz="3200" b="1" i="1" dirty="0">
-                <a:solidFill>
-                  <a:srgbClr val="FFFF00"/>
-                </a:solidFill>
-                <a:latin typeface="Arial" pitchFamily="34" charset="0"/>
-                <a:cs typeface="Arial" pitchFamily="34" charset="0"/>
-              </a:rPr>
-              <a:t> </a:t>
-            </a:r>
+              <a:t>$limit</a:t>
+            </a:r>
+            <a:endParaRPr lang="en-IN" sz="3200" b="1" i="1" dirty="0">
+              <a:solidFill>
+                <a:srgbClr val="FFFF00"/>
+              </a:solidFill>
+              <a:latin typeface="Arial" pitchFamily="34" charset="0"/>
+              <a:cs typeface="Arial" pitchFamily="34" charset="0"/>
+            </a:endParaRPr>
           </a:p>
         </p:txBody>
       </p:sp>
@@ -31006,7 +29990,7 @@
         </p:nvSpPr>
         <p:spPr>
           <a:xfrm>
-            <a:off x="149188" y="1828800"/>
+            <a:off x="149188" y="1524000"/>
             <a:ext cx="8761264" cy="369332"/>
           </a:xfrm>
           <a:prstGeom prst="rect">
@@ -31020,20 +30004,356 @@
           <a:lstStyle/>
           <a:p>
             <a:r>
-              <a:rPr lang="en-US" dirty="0" smtClean="0">
+              <a:rPr lang="en-US" dirty="0">
                 <a:solidFill>
                   <a:srgbClr val="049DC8"/>
                 </a:solidFill>
                 <a:latin typeface="Consolas" panose="020B0609020204030204" pitchFamily="49" charset="0"/>
                 <a:cs typeface="Calibri" panose="020F0502020204030204" pitchFamily="34" charset="0"/>
               </a:rPr>
-              <a:t>{ $&lt;stageOperator&gt; : { } }</a:t>
-            </a:r>
-            <a:endParaRPr lang="en-US" dirty="0">
+              <a:t>{ $match: { &lt;query&gt; } }</a:t>
+            </a:r>
+          </a:p>
+        </p:txBody>
+      </p:sp>
+      <p:sp>
+        <p:nvSpPr>
+          <p:cNvPr id="5" name="Rectangle 4"/>
+          <p:cNvSpPr/>
+          <p:nvPr/>
+        </p:nvSpPr>
+        <p:spPr>
+          <a:xfrm>
+            <a:off x="149188" y="2133600"/>
+            <a:ext cx="8761264" cy="1692771"/>
+          </a:xfrm>
+          <a:prstGeom prst="rect">
+            <a:avLst/>
+          </a:prstGeom>
+        </p:spPr>
+        <p:txBody>
+          <a:bodyPr wrap="square">
+            <a:spAutoFit/>
+          </a:bodyPr>
+          <a:lstStyle/>
+          <a:p>
+            <a:r>
+              <a:rPr lang="en-US" sz="2200" dirty="0">
+                <a:solidFill>
+                  <a:srgbClr val="FC6F0D"/>
+                </a:solidFill>
+                <a:latin typeface="Calibri" panose="020F0502020204030204" pitchFamily="34" charset="0"/>
+                <a:cs typeface="Calibri" panose="020F0502020204030204" pitchFamily="34" charset="0"/>
+              </a:rPr>
+              <a:t>db.emp.aggregate </a:t>
+            </a:r>
+            <a:r>
+              <a:rPr lang="en-US" sz="2200" dirty="0" smtClean="0">
+                <a:solidFill>
+                  <a:srgbClr val="FC6F0D"/>
+                </a:solidFill>
+                <a:latin typeface="Calibri" panose="020F0502020204030204" pitchFamily="34" charset="0"/>
+                <a:cs typeface="Calibri" panose="020F0502020204030204" pitchFamily="34" charset="0"/>
+              </a:rPr>
+              <a:t>([ {$</a:t>
+            </a:r>
+            <a:r>
+              <a:rPr lang="en-US" sz="2200" dirty="0">
+                <a:solidFill>
+                  <a:srgbClr val="FC6F0D"/>
+                </a:solidFill>
+                <a:latin typeface="Calibri" panose="020F0502020204030204" pitchFamily="34" charset="0"/>
+                <a:cs typeface="Calibri" panose="020F0502020204030204" pitchFamily="34" charset="0"/>
+              </a:rPr>
+              <a:t>match: { job:'manager</a:t>
+            </a:r>
+            <a:r>
+              <a:rPr lang="en-US" sz="2200" dirty="0" smtClean="0">
+                <a:solidFill>
+                  <a:srgbClr val="FC6F0D"/>
+                </a:solidFill>
+                <a:latin typeface="Calibri" panose="020F0502020204030204" pitchFamily="34" charset="0"/>
+                <a:cs typeface="Calibri" panose="020F0502020204030204" pitchFamily="34" charset="0"/>
+              </a:rPr>
+              <a:t>'} } ])</a:t>
+            </a:r>
+          </a:p>
+          <a:p>
+            <a:endParaRPr lang="en-US" sz="800" dirty="0" smtClean="0">
               <a:solidFill>
-                <a:srgbClr val="049DC8"/>
+                <a:srgbClr val="FC6F0D"/>
               </a:solidFill>
-              <a:latin typeface="Consolas" panose="020B0609020204030204" pitchFamily="49" charset="0"/>
+              <a:latin typeface="Calibri" panose="020F0502020204030204" pitchFamily="34" charset="0"/>
+              <a:cs typeface="Calibri" panose="020F0502020204030204" pitchFamily="34" charset="0"/>
+            </a:endParaRPr>
+          </a:p>
+          <a:p>
+            <a:r>
+              <a:rPr lang="en-US" sz="2200" dirty="0">
+                <a:solidFill>
+                  <a:srgbClr val="FC6F0D"/>
+                </a:solidFill>
+                <a:latin typeface="Calibri" panose="020F0502020204030204" pitchFamily="34" charset="0"/>
+                <a:cs typeface="Calibri" panose="020F0502020204030204" pitchFamily="34" charset="0"/>
+              </a:rPr>
+              <a:t>db.emp.aggregate </a:t>
+            </a:r>
+            <a:r>
+              <a:rPr lang="en-US" sz="2200" dirty="0" smtClean="0">
+                <a:solidFill>
+                  <a:srgbClr val="FC6F0D"/>
+                </a:solidFill>
+                <a:latin typeface="Calibri" panose="020F0502020204030204" pitchFamily="34" charset="0"/>
+                <a:cs typeface="Calibri" panose="020F0502020204030204" pitchFamily="34" charset="0"/>
+              </a:rPr>
+              <a:t>([ {$</a:t>
+            </a:r>
+            <a:r>
+              <a:rPr lang="en-US" sz="2200" dirty="0">
+                <a:solidFill>
+                  <a:srgbClr val="FC6F0D"/>
+                </a:solidFill>
+                <a:latin typeface="Calibri" panose="020F0502020204030204" pitchFamily="34" charset="0"/>
+                <a:cs typeface="Calibri" panose="020F0502020204030204" pitchFamily="34" charset="0"/>
+              </a:rPr>
+              <a:t>match: {comm: </a:t>
+            </a:r>
+            <a:r>
+              <a:rPr lang="en-US" sz="2200" dirty="0" smtClean="0">
+                <a:solidFill>
+                  <a:srgbClr val="FC6F0D"/>
+                </a:solidFill>
+                <a:latin typeface="Calibri" panose="020F0502020204030204" pitchFamily="34" charset="0"/>
+                <a:cs typeface="Calibri" panose="020F0502020204030204" pitchFamily="34" charset="0"/>
+              </a:rPr>
+              <a:t>{$</a:t>
+            </a:r>
+            <a:r>
+              <a:rPr lang="en-US" sz="2200" dirty="0">
+                <a:solidFill>
+                  <a:srgbClr val="FC6F0D"/>
+                </a:solidFill>
+                <a:latin typeface="Calibri" panose="020F0502020204030204" pitchFamily="34" charset="0"/>
+                <a:cs typeface="Calibri" panose="020F0502020204030204" pitchFamily="34" charset="0"/>
+              </a:rPr>
+              <a:t>eq</a:t>
+            </a:r>
+            <a:r>
+              <a:rPr lang="en-US" sz="2200" dirty="0" smtClean="0">
+                <a:solidFill>
+                  <a:srgbClr val="FC6F0D"/>
+                </a:solidFill>
+                <a:latin typeface="Calibri" panose="020F0502020204030204" pitchFamily="34" charset="0"/>
+                <a:cs typeface="Calibri" panose="020F0502020204030204" pitchFamily="34" charset="0"/>
+              </a:rPr>
+              <a:t>: null} </a:t>
+            </a:r>
+            <a:r>
+              <a:rPr lang="en-US" sz="2200" dirty="0">
+                <a:solidFill>
+                  <a:srgbClr val="FC6F0D"/>
+                </a:solidFill>
+                <a:latin typeface="Calibri" panose="020F0502020204030204" pitchFamily="34" charset="0"/>
+                <a:cs typeface="Calibri" panose="020F0502020204030204" pitchFamily="34" charset="0"/>
+              </a:rPr>
+              <a:t>} </a:t>
+            </a:r>
+            <a:r>
+              <a:rPr lang="en-US" sz="2200" dirty="0" smtClean="0">
+                <a:solidFill>
+                  <a:srgbClr val="FC6F0D"/>
+                </a:solidFill>
+                <a:latin typeface="Calibri" panose="020F0502020204030204" pitchFamily="34" charset="0"/>
+                <a:cs typeface="Calibri" panose="020F0502020204030204" pitchFamily="34" charset="0"/>
+              </a:rPr>
+              <a:t>} ])</a:t>
+            </a:r>
+          </a:p>
+          <a:p>
+            <a:endParaRPr lang="en-US" sz="800" dirty="0">
+              <a:solidFill>
+                <a:srgbClr val="FC6F0D"/>
+              </a:solidFill>
+              <a:latin typeface="Calibri" panose="020F0502020204030204" pitchFamily="34" charset="0"/>
+              <a:cs typeface="Calibri" panose="020F0502020204030204" pitchFamily="34" charset="0"/>
+            </a:endParaRPr>
+          </a:p>
+          <a:p>
+            <a:r>
+              <a:rPr lang="en-US" sz="2200" dirty="0" smtClean="0">
+                <a:solidFill>
+                  <a:srgbClr val="FC6F0D"/>
+                </a:solidFill>
+                <a:latin typeface="Calibri" panose="020F0502020204030204" pitchFamily="34" charset="0"/>
+                <a:cs typeface="Calibri" panose="020F0502020204030204" pitchFamily="34" charset="0"/>
+              </a:rPr>
+              <a:t>db.emp.aggregate ([ {$</a:t>
+            </a:r>
+            <a:r>
+              <a:rPr lang="en-US" sz="2200" dirty="0">
+                <a:solidFill>
+                  <a:srgbClr val="FC6F0D"/>
+                </a:solidFill>
+                <a:latin typeface="Calibri" panose="020F0502020204030204" pitchFamily="34" charset="0"/>
+                <a:cs typeface="Calibri" panose="020F0502020204030204" pitchFamily="34" charset="0"/>
+              </a:rPr>
+              <a:t>match</a:t>
+            </a:r>
+            <a:r>
+              <a:rPr lang="en-US" sz="2200" dirty="0" smtClean="0">
+                <a:solidFill>
+                  <a:srgbClr val="FC6F0D"/>
+                </a:solidFill>
+                <a:latin typeface="Calibri" panose="020F0502020204030204" pitchFamily="34" charset="0"/>
+                <a:cs typeface="Calibri" panose="020F0502020204030204" pitchFamily="34" charset="0"/>
+              </a:rPr>
+              <a:t>: {</a:t>
+            </a:r>
+            <a:r>
+              <a:rPr lang="en-US" sz="2200" dirty="0">
+                <a:solidFill>
+                  <a:srgbClr val="FC6F0D"/>
+                </a:solidFill>
+                <a:latin typeface="Calibri" panose="020F0502020204030204" pitchFamily="34" charset="0"/>
+                <a:cs typeface="Calibri" panose="020F0502020204030204" pitchFamily="34" charset="0"/>
+              </a:rPr>
+              <a:t>sal</a:t>
+            </a:r>
+            <a:r>
+              <a:rPr lang="en-US" sz="2200" dirty="0" smtClean="0">
+                <a:solidFill>
+                  <a:srgbClr val="FC6F0D"/>
+                </a:solidFill>
+                <a:latin typeface="Calibri" panose="020F0502020204030204" pitchFamily="34" charset="0"/>
+                <a:cs typeface="Calibri" panose="020F0502020204030204" pitchFamily="34" charset="0"/>
+              </a:rPr>
+              <a:t>: {$</a:t>
+            </a:r>
+            <a:r>
+              <a:rPr lang="en-US" sz="2200" dirty="0">
+                <a:solidFill>
+                  <a:srgbClr val="FC6F0D"/>
+                </a:solidFill>
+                <a:latin typeface="Calibri" panose="020F0502020204030204" pitchFamily="34" charset="0"/>
+                <a:cs typeface="Calibri" panose="020F0502020204030204" pitchFamily="34" charset="0"/>
+              </a:rPr>
+              <a:t>gt</a:t>
+            </a:r>
+            <a:r>
+              <a:rPr lang="en-US" sz="2200" dirty="0" smtClean="0">
+                <a:solidFill>
+                  <a:srgbClr val="FC6F0D"/>
+                </a:solidFill>
+                <a:latin typeface="Calibri" panose="020F0502020204030204" pitchFamily="34" charset="0"/>
+                <a:cs typeface="Calibri" panose="020F0502020204030204" pitchFamily="34" charset="0"/>
+              </a:rPr>
+              <a:t>: 4000} }}, {$</a:t>
+            </a:r>
+            <a:r>
+              <a:rPr lang="en-US" sz="2200" dirty="0">
+                <a:solidFill>
+                  <a:srgbClr val="FC6F0D"/>
+                </a:solidFill>
+                <a:latin typeface="Calibri" panose="020F0502020204030204" pitchFamily="34" charset="0"/>
+                <a:cs typeface="Calibri" panose="020F0502020204030204" pitchFamily="34" charset="0"/>
+              </a:rPr>
+              <a:t>group</a:t>
+            </a:r>
+            <a:r>
+              <a:rPr lang="en-US" sz="2200" dirty="0" smtClean="0">
+                <a:solidFill>
+                  <a:srgbClr val="FC6F0D"/>
+                </a:solidFill>
+                <a:latin typeface="Calibri" panose="020F0502020204030204" pitchFamily="34" charset="0"/>
+                <a:cs typeface="Calibri" panose="020F0502020204030204" pitchFamily="34" charset="0"/>
+              </a:rPr>
+              <a:t>: {_</a:t>
+            </a:r>
+            <a:r>
+              <a:rPr lang="en-US" sz="2200" dirty="0">
+                <a:solidFill>
+                  <a:srgbClr val="FC6F0D"/>
+                </a:solidFill>
+                <a:latin typeface="Calibri" panose="020F0502020204030204" pitchFamily="34" charset="0"/>
+                <a:cs typeface="Calibri" panose="020F0502020204030204" pitchFamily="34" charset="0"/>
+              </a:rPr>
+              <a:t>id</a:t>
+            </a:r>
+            <a:r>
+              <a:rPr lang="en-US" sz="2200" dirty="0" smtClean="0">
+                <a:solidFill>
+                  <a:srgbClr val="FC6F0D"/>
+                </a:solidFill>
+                <a:latin typeface="Calibri" panose="020F0502020204030204" pitchFamily="34" charset="0"/>
+                <a:cs typeface="Calibri" panose="020F0502020204030204" pitchFamily="34" charset="0"/>
+              </a:rPr>
+              <a:t>: '$</a:t>
+            </a:r>
+            <a:r>
+              <a:rPr lang="en-US" sz="2200" dirty="0">
+                <a:solidFill>
+                  <a:srgbClr val="FC6F0D"/>
+                </a:solidFill>
+                <a:latin typeface="Calibri" panose="020F0502020204030204" pitchFamily="34" charset="0"/>
+                <a:cs typeface="Calibri" panose="020F0502020204030204" pitchFamily="34" charset="0"/>
+              </a:rPr>
+              <a:t>job', count</a:t>
+            </a:r>
+            <a:r>
+              <a:rPr lang="en-US" sz="2200" dirty="0" smtClean="0">
+                <a:solidFill>
+                  <a:srgbClr val="FC6F0D"/>
+                </a:solidFill>
+                <a:latin typeface="Calibri" panose="020F0502020204030204" pitchFamily="34" charset="0"/>
+                <a:cs typeface="Calibri" panose="020F0502020204030204" pitchFamily="34" charset="0"/>
+              </a:rPr>
+              <a:t>: {$</a:t>
+            </a:r>
+            <a:r>
+              <a:rPr lang="en-US" sz="2200" dirty="0">
+                <a:solidFill>
+                  <a:srgbClr val="FC6F0D"/>
+                </a:solidFill>
+                <a:latin typeface="Calibri" panose="020F0502020204030204" pitchFamily="34" charset="0"/>
+                <a:cs typeface="Calibri" panose="020F0502020204030204" pitchFamily="34" charset="0"/>
+              </a:rPr>
+              <a:t>sum</a:t>
+            </a:r>
+            <a:r>
+              <a:rPr lang="en-US" sz="2200" dirty="0" smtClean="0">
+                <a:solidFill>
+                  <a:srgbClr val="FC6F0D"/>
+                </a:solidFill>
+                <a:latin typeface="Calibri" panose="020F0502020204030204" pitchFamily="34" charset="0"/>
+                <a:cs typeface="Calibri" panose="020F0502020204030204" pitchFamily="34" charset="0"/>
+              </a:rPr>
+              <a:t>: '$</a:t>
+            </a:r>
+            <a:r>
+              <a:rPr lang="en-US" sz="2200" dirty="0">
+                <a:solidFill>
+                  <a:srgbClr val="FC6F0D"/>
+                </a:solidFill>
+                <a:latin typeface="Calibri" panose="020F0502020204030204" pitchFamily="34" charset="0"/>
+                <a:cs typeface="Calibri" panose="020F0502020204030204" pitchFamily="34" charset="0"/>
+              </a:rPr>
+              <a:t>sal'} </a:t>
+            </a:r>
+            <a:r>
+              <a:rPr lang="en-US" sz="2200" dirty="0" smtClean="0">
+                <a:solidFill>
+                  <a:srgbClr val="FC6F0D"/>
+                </a:solidFill>
+                <a:latin typeface="Calibri" panose="020F0502020204030204" pitchFamily="34" charset="0"/>
+                <a:cs typeface="Calibri" panose="020F0502020204030204" pitchFamily="34" charset="0"/>
+              </a:rPr>
+              <a:t>} } ])</a:t>
+            </a:r>
+            <a:endParaRPr lang="en-US" sz="2200" dirty="0">
+              <a:solidFill>
+                <a:srgbClr val="FC6F0D"/>
+              </a:solidFill>
+              <a:latin typeface="Calibri" panose="020F0502020204030204" pitchFamily="34" charset="0"/>
               <a:cs typeface="Calibri" panose="020F0502020204030204" pitchFamily="34" charset="0"/>
             </a:endParaRPr>
           </a:p>
@@ -31042,7 +30362,7 @@
     </p:spTree>
     <p:extLst>
       <p:ext uri="{BB962C8B-B14F-4D97-AF65-F5344CB8AC3E}">
-        <p14:creationId xmlns:p14="http://schemas.microsoft.com/office/powerpoint/2010/main" val="895975297"/>
+        <p14:creationId xmlns:p14="http://schemas.microsoft.com/office/powerpoint/2010/main" val="1236912247"/>
       </p:ext>
     </p:extLst>
   </p:cSld>
@@ -31115,28 +30435,35 @@
                 <a:latin typeface="Arial" pitchFamily="34" charset="0"/>
                 <a:cs typeface="Arial" pitchFamily="34" charset="0"/>
               </a:rPr>
-              <a:t>MongoDB</a:t>
-            </a:r>
-            <a:r>
-              <a:rPr lang="en-US" sz="3200" b="1" i="1" dirty="0" smtClean="0">
+              <a:t>$match</a:t>
+            </a:r>
+            <a:r>
+              <a:rPr lang="en-IN" sz="3200" b="1" i="1" dirty="0">
                 <a:solidFill>
                   <a:srgbClr val="FFFF00"/>
                 </a:solidFill>
                 <a:latin typeface="Arial" pitchFamily="34" charset="0"/>
                 <a:cs typeface="Arial" pitchFamily="34" charset="0"/>
               </a:rPr>
-              <a:t> </a:t>
-            </a:r>
-            <a:r>
-              <a:rPr lang="en-IN" sz="3200" b="1" i="1" dirty="0">
+              <a:t> </a:t>
+            </a:r>
+            <a:r>
+              <a:rPr lang="en-IN" sz="3200" b="1" i="1" dirty="0" smtClean="0">
                 <a:solidFill>
                   <a:srgbClr val="FFFF00"/>
                 </a:solidFill>
                 <a:latin typeface="Arial" pitchFamily="34" charset="0"/>
                 <a:cs typeface="Arial" pitchFamily="34" charset="0"/>
               </a:rPr>
-              <a:t> </a:t>
-            </a:r>
+              <a:t> TODO</a:t>
+            </a:r>
+            <a:endParaRPr lang="en-IN" sz="3200" b="1" i="1" dirty="0">
+              <a:solidFill>
+                <a:srgbClr val="FFFF00"/>
+              </a:solidFill>
+              <a:latin typeface="Arial" pitchFamily="34" charset="0"/>
+              <a:cs typeface="Arial" pitchFamily="34" charset="0"/>
+            </a:endParaRPr>
           </a:p>
         </p:txBody>
       </p:sp>
@@ -31177,7 +30504,7 @@
         </p:nvSpPr>
         <p:spPr>
           <a:xfrm>
-            <a:off x="149188" y="1828800"/>
+            <a:off x="149188" y="1524000"/>
             <a:ext cx="8761264" cy="369332"/>
           </a:xfrm>
           <a:prstGeom prst="rect">
@@ -31191,20 +30518,356 @@
           <a:lstStyle/>
           <a:p>
             <a:r>
-              <a:rPr lang="en-US" dirty="0" smtClean="0">
+              <a:rPr lang="en-US" dirty="0">
                 <a:solidFill>
                   <a:srgbClr val="049DC8"/>
                 </a:solidFill>
                 <a:latin typeface="Consolas" panose="020B0609020204030204" pitchFamily="49" charset="0"/>
                 <a:cs typeface="Calibri" panose="020F0502020204030204" pitchFamily="34" charset="0"/>
               </a:rPr>
-              <a:t>{ $&lt;stageOperator&gt; : { } }</a:t>
-            </a:r>
-            <a:endParaRPr lang="en-US" dirty="0">
+              <a:t>{ $match: { &lt;query&gt; } }</a:t>
+            </a:r>
+          </a:p>
+        </p:txBody>
+      </p:sp>
+      <p:sp>
+        <p:nvSpPr>
+          <p:cNvPr id="5" name="Rectangle 4"/>
+          <p:cNvSpPr/>
+          <p:nvPr/>
+        </p:nvSpPr>
+        <p:spPr>
+          <a:xfrm>
+            <a:off x="149188" y="2133600"/>
+            <a:ext cx="8761264" cy="1692771"/>
+          </a:xfrm>
+          <a:prstGeom prst="rect">
+            <a:avLst/>
+          </a:prstGeom>
+        </p:spPr>
+        <p:txBody>
+          <a:bodyPr wrap="square">
+            <a:spAutoFit/>
+          </a:bodyPr>
+          <a:lstStyle/>
+          <a:p>
+            <a:r>
+              <a:rPr lang="en-US" sz="2200" dirty="0">
+                <a:solidFill>
+                  <a:srgbClr val="FC6F0D"/>
+                </a:solidFill>
+                <a:latin typeface="Calibri" panose="020F0502020204030204" pitchFamily="34" charset="0"/>
+                <a:cs typeface="Calibri" panose="020F0502020204030204" pitchFamily="34" charset="0"/>
+              </a:rPr>
+              <a:t>db.emp.aggregate </a:t>
+            </a:r>
+            <a:r>
+              <a:rPr lang="en-US" sz="2200" dirty="0" smtClean="0">
+                <a:solidFill>
+                  <a:srgbClr val="FC6F0D"/>
+                </a:solidFill>
+                <a:latin typeface="Calibri" panose="020F0502020204030204" pitchFamily="34" charset="0"/>
+                <a:cs typeface="Calibri" panose="020F0502020204030204" pitchFamily="34" charset="0"/>
+              </a:rPr>
+              <a:t>([ {$</a:t>
+            </a:r>
+            <a:r>
+              <a:rPr lang="en-US" sz="2200" dirty="0">
+                <a:solidFill>
+                  <a:srgbClr val="FC6F0D"/>
+                </a:solidFill>
+                <a:latin typeface="Calibri" panose="020F0502020204030204" pitchFamily="34" charset="0"/>
+                <a:cs typeface="Calibri" panose="020F0502020204030204" pitchFamily="34" charset="0"/>
+              </a:rPr>
+              <a:t>match: { job:'manager</a:t>
+            </a:r>
+            <a:r>
+              <a:rPr lang="en-US" sz="2200" dirty="0" smtClean="0">
+                <a:solidFill>
+                  <a:srgbClr val="FC6F0D"/>
+                </a:solidFill>
+                <a:latin typeface="Calibri" panose="020F0502020204030204" pitchFamily="34" charset="0"/>
+                <a:cs typeface="Calibri" panose="020F0502020204030204" pitchFamily="34" charset="0"/>
+              </a:rPr>
+              <a:t>'} } ])</a:t>
+            </a:r>
+          </a:p>
+          <a:p>
+            <a:endParaRPr lang="en-US" sz="800" dirty="0" smtClean="0">
               <a:solidFill>
-                <a:srgbClr val="049DC8"/>
+                <a:srgbClr val="FC6F0D"/>
               </a:solidFill>
-              <a:latin typeface="Consolas" panose="020B0609020204030204" pitchFamily="49" charset="0"/>
+              <a:latin typeface="Calibri" panose="020F0502020204030204" pitchFamily="34" charset="0"/>
+              <a:cs typeface="Calibri" panose="020F0502020204030204" pitchFamily="34" charset="0"/>
+            </a:endParaRPr>
+          </a:p>
+          <a:p>
+            <a:r>
+              <a:rPr lang="en-US" sz="2200" dirty="0">
+                <a:solidFill>
+                  <a:srgbClr val="FC6F0D"/>
+                </a:solidFill>
+                <a:latin typeface="Calibri" panose="020F0502020204030204" pitchFamily="34" charset="0"/>
+                <a:cs typeface="Calibri" panose="020F0502020204030204" pitchFamily="34" charset="0"/>
+              </a:rPr>
+              <a:t>db.emp.aggregate </a:t>
+            </a:r>
+            <a:r>
+              <a:rPr lang="en-US" sz="2200" dirty="0" smtClean="0">
+                <a:solidFill>
+                  <a:srgbClr val="FC6F0D"/>
+                </a:solidFill>
+                <a:latin typeface="Calibri" panose="020F0502020204030204" pitchFamily="34" charset="0"/>
+                <a:cs typeface="Calibri" panose="020F0502020204030204" pitchFamily="34" charset="0"/>
+              </a:rPr>
+              <a:t>([ {$</a:t>
+            </a:r>
+            <a:r>
+              <a:rPr lang="en-US" sz="2200" dirty="0">
+                <a:solidFill>
+                  <a:srgbClr val="FC6F0D"/>
+                </a:solidFill>
+                <a:latin typeface="Calibri" panose="020F0502020204030204" pitchFamily="34" charset="0"/>
+                <a:cs typeface="Calibri" panose="020F0502020204030204" pitchFamily="34" charset="0"/>
+              </a:rPr>
+              <a:t>match: {comm: </a:t>
+            </a:r>
+            <a:r>
+              <a:rPr lang="en-US" sz="2200" dirty="0" smtClean="0">
+                <a:solidFill>
+                  <a:srgbClr val="FC6F0D"/>
+                </a:solidFill>
+                <a:latin typeface="Calibri" panose="020F0502020204030204" pitchFamily="34" charset="0"/>
+                <a:cs typeface="Calibri" panose="020F0502020204030204" pitchFamily="34" charset="0"/>
+              </a:rPr>
+              <a:t>{$</a:t>
+            </a:r>
+            <a:r>
+              <a:rPr lang="en-US" sz="2200" dirty="0">
+                <a:solidFill>
+                  <a:srgbClr val="FC6F0D"/>
+                </a:solidFill>
+                <a:latin typeface="Calibri" panose="020F0502020204030204" pitchFamily="34" charset="0"/>
+                <a:cs typeface="Calibri" panose="020F0502020204030204" pitchFamily="34" charset="0"/>
+              </a:rPr>
+              <a:t>eq</a:t>
+            </a:r>
+            <a:r>
+              <a:rPr lang="en-US" sz="2200" dirty="0" smtClean="0">
+                <a:solidFill>
+                  <a:srgbClr val="FC6F0D"/>
+                </a:solidFill>
+                <a:latin typeface="Calibri" panose="020F0502020204030204" pitchFamily="34" charset="0"/>
+                <a:cs typeface="Calibri" panose="020F0502020204030204" pitchFamily="34" charset="0"/>
+              </a:rPr>
+              <a:t>: null} </a:t>
+            </a:r>
+            <a:r>
+              <a:rPr lang="en-US" sz="2200" dirty="0">
+                <a:solidFill>
+                  <a:srgbClr val="FC6F0D"/>
+                </a:solidFill>
+                <a:latin typeface="Calibri" panose="020F0502020204030204" pitchFamily="34" charset="0"/>
+                <a:cs typeface="Calibri" panose="020F0502020204030204" pitchFamily="34" charset="0"/>
+              </a:rPr>
+              <a:t>} </a:t>
+            </a:r>
+            <a:r>
+              <a:rPr lang="en-US" sz="2200" dirty="0" smtClean="0">
+                <a:solidFill>
+                  <a:srgbClr val="FC6F0D"/>
+                </a:solidFill>
+                <a:latin typeface="Calibri" panose="020F0502020204030204" pitchFamily="34" charset="0"/>
+                <a:cs typeface="Calibri" panose="020F0502020204030204" pitchFamily="34" charset="0"/>
+              </a:rPr>
+              <a:t>} ])</a:t>
+            </a:r>
+          </a:p>
+          <a:p>
+            <a:endParaRPr lang="en-US" sz="800" dirty="0">
+              <a:solidFill>
+                <a:srgbClr val="FC6F0D"/>
+              </a:solidFill>
+              <a:latin typeface="Calibri" panose="020F0502020204030204" pitchFamily="34" charset="0"/>
+              <a:cs typeface="Calibri" panose="020F0502020204030204" pitchFamily="34" charset="0"/>
+            </a:endParaRPr>
+          </a:p>
+          <a:p>
+            <a:r>
+              <a:rPr lang="en-US" sz="2200" dirty="0" smtClean="0">
+                <a:solidFill>
+                  <a:srgbClr val="FC6F0D"/>
+                </a:solidFill>
+                <a:latin typeface="Calibri" panose="020F0502020204030204" pitchFamily="34" charset="0"/>
+                <a:cs typeface="Calibri" panose="020F0502020204030204" pitchFamily="34" charset="0"/>
+              </a:rPr>
+              <a:t>db.emp.aggregate ([ {$</a:t>
+            </a:r>
+            <a:r>
+              <a:rPr lang="en-US" sz="2200" dirty="0">
+                <a:solidFill>
+                  <a:srgbClr val="FC6F0D"/>
+                </a:solidFill>
+                <a:latin typeface="Calibri" panose="020F0502020204030204" pitchFamily="34" charset="0"/>
+                <a:cs typeface="Calibri" panose="020F0502020204030204" pitchFamily="34" charset="0"/>
+              </a:rPr>
+              <a:t>match</a:t>
+            </a:r>
+            <a:r>
+              <a:rPr lang="en-US" sz="2200" dirty="0" smtClean="0">
+                <a:solidFill>
+                  <a:srgbClr val="FC6F0D"/>
+                </a:solidFill>
+                <a:latin typeface="Calibri" panose="020F0502020204030204" pitchFamily="34" charset="0"/>
+                <a:cs typeface="Calibri" panose="020F0502020204030204" pitchFamily="34" charset="0"/>
+              </a:rPr>
+              <a:t>: {</a:t>
+            </a:r>
+            <a:r>
+              <a:rPr lang="en-US" sz="2200" dirty="0">
+                <a:solidFill>
+                  <a:srgbClr val="FC6F0D"/>
+                </a:solidFill>
+                <a:latin typeface="Calibri" panose="020F0502020204030204" pitchFamily="34" charset="0"/>
+                <a:cs typeface="Calibri" panose="020F0502020204030204" pitchFamily="34" charset="0"/>
+              </a:rPr>
+              <a:t>sal</a:t>
+            </a:r>
+            <a:r>
+              <a:rPr lang="en-US" sz="2200" dirty="0" smtClean="0">
+                <a:solidFill>
+                  <a:srgbClr val="FC6F0D"/>
+                </a:solidFill>
+                <a:latin typeface="Calibri" panose="020F0502020204030204" pitchFamily="34" charset="0"/>
+                <a:cs typeface="Calibri" panose="020F0502020204030204" pitchFamily="34" charset="0"/>
+              </a:rPr>
+              <a:t>: {$</a:t>
+            </a:r>
+            <a:r>
+              <a:rPr lang="en-US" sz="2200" dirty="0">
+                <a:solidFill>
+                  <a:srgbClr val="FC6F0D"/>
+                </a:solidFill>
+                <a:latin typeface="Calibri" panose="020F0502020204030204" pitchFamily="34" charset="0"/>
+                <a:cs typeface="Calibri" panose="020F0502020204030204" pitchFamily="34" charset="0"/>
+              </a:rPr>
+              <a:t>gt</a:t>
+            </a:r>
+            <a:r>
+              <a:rPr lang="en-US" sz="2200" dirty="0" smtClean="0">
+                <a:solidFill>
+                  <a:srgbClr val="FC6F0D"/>
+                </a:solidFill>
+                <a:latin typeface="Calibri" panose="020F0502020204030204" pitchFamily="34" charset="0"/>
+                <a:cs typeface="Calibri" panose="020F0502020204030204" pitchFamily="34" charset="0"/>
+              </a:rPr>
+              <a:t>: 4000} }}, {$</a:t>
+            </a:r>
+            <a:r>
+              <a:rPr lang="en-US" sz="2200" dirty="0">
+                <a:solidFill>
+                  <a:srgbClr val="FC6F0D"/>
+                </a:solidFill>
+                <a:latin typeface="Calibri" panose="020F0502020204030204" pitchFamily="34" charset="0"/>
+                <a:cs typeface="Calibri" panose="020F0502020204030204" pitchFamily="34" charset="0"/>
+              </a:rPr>
+              <a:t>group</a:t>
+            </a:r>
+            <a:r>
+              <a:rPr lang="en-US" sz="2200" dirty="0" smtClean="0">
+                <a:solidFill>
+                  <a:srgbClr val="FC6F0D"/>
+                </a:solidFill>
+                <a:latin typeface="Calibri" panose="020F0502020204030204" pitchFamily="34" charset="0"/>
+                <a:cs typeface="Calibri" panose="020F0502020204030204" pitchFamily="34" charset="0"/>
+              </a:rPr>
+              <a:t>: {_</a:t>
+            </a:r>
+            <a:r>
+              <a:rPr lang="en-US" sz="2200" dirty="0">
+                <a:solidFill>
+                  <a:srgbClr val="FC6F0D"/>
+                </a:solidFill>
+                <a:latin typeface="Calibri" panose="020F0502020204030204" pitchFamily="34" charset="0"/>
+                <a:cs typeface="Calibri" panose="020F0502020204030204" pitchFamily="34" charset="0"/>
+              </a:rPr>
+              <a:t>id</a:t>
+            </a:r>
+            <a:r>
+              <a:rPr lang="en-US" sz="2200" dirty="0" smtClean="0">
+                <a:solidFill>
+                  <a:srgbClr val="FC6F0D"/>
+                </a:solidFill>
+                <a:latin typeface="Calibri" panose="020F0502020204030204" pitchFamily="34" charset="0"/>
+                <a:cs typeface="Calibri" panose="020F0502020204030204" pitchFamily="34" charset="0"/>
+              </a:rPr>
+              <a:t>: '$</a:t>
+            </a:r>
+            <a:r>
+              <a:rPr lang="en-US" sz="2200" dirty="0">
+                <a:solidFill>
+                  <a:srgbClr val="FC6F0D"/>
+                </a:solidFill>
+                <a:latin typeface="Calibri" panose="020F0502020204030204" pitchFamily="34" charset="0"/>
+                <a:cs typeface="Calibri" panose="020F0502020204030204" pitchFamily="34" charset="0"/>
+              </a:rPr>
+              <a:t>job', count</a:t>
+            </a:r>
+            <a:r>
+              <a:rPr lang="en-US" sz="2200" dirty="0" smtClean="0">
+                <a:solidFill>
+                  <a:srgbClr val="FC6F0D"/>
+                </a:solidFill>
+                <a:latin typeface="Calibri" panose="020F0502020204030204" pitchFamily="34" charset="0"/>
+                <a:cs typeface="Calibri" panose="020F0502020204030204" pitchFamily="34" charset="0"/>
+              </a:rPr>
+              <a:t>: {$</a:t>
+            </a:r>
+            <a:r>
+              <a:rPr lang="en-US" sz="2200" dirty="0">
+                <a:solidFill>
+                  <a:srgbClr val="FC6F0D"/>
+                </a:solidFill>
+                <a:latin typeface="Calibri" panose="020F0502020204030204" pitchFamily="34" charset="0"/>
+                <a:cs typeface="Calibri" panose="020F0502020204030204" pitchFamily="34" charset="0"/>
+              </a:rPr>
+              <a:t>sum</a:t>
+            </a:r>
+            <a:r>
+              <a:rPr lang="en-US" sz="2200" dirty="0" smtClean="0">
+                <a:solidFill>
+                  <a:srgbClr val="FC6F0D"/>
+                </a:solidFill>
+                <a:latin typeface="Calibri" panose="020F0502020204030204" pitchFamily="34" charset="0"/>
+                <a:cs typeface="Calibri" panose="020F0502020204030204" pitchFamily="34" charset="0"/>
+              </a:rPr>
+              <a:t>: '$</a:t>
+            </a:r>
+            <a:r>
+              <a:rPr lang="en-US" sz="2200" dirty="0">
+                <a:solidFill>
+                  <a:srgbClr val="FC6F0D"/>
+                </a:solidFill>
+                <a:latin typeface="Calibri" panose="020F0502020204030204" pitchFamily="34" charset="0"/>
+                <a:cs typeface="Calibri" panose="020F0502020204030204" pitchFamily="34" charset="0"/>
+              </a:rPr>
+              <a:t>sal'} </a:t>
+            </a:r>
+            <a:r>
+              <a:rPr lang="en-US" sz="2200" dirty="0" smtClean="0">
+                <a:solidFill>
+                  <a:srgbClr val="FC6F0D"/>
+                </a:solidFill>
+                <a:latin typeface="Calibri" panose="020F0502020204030204" pitchFamily="34" charset="0"/>
+                <a:cs typeface="Calibri" panose="020F0502020204030204" pitchFamily="34" charset="0"/>
+              </a:rPr>
+              <a:t>} } ])</a:t>
+            </a:r>
+            <a:endParaRPr lang="en-US" sz="2200" dirty="0">
+              <a:solidFill>
+                <a:srgbClr val="FC6F0D"/>
+              </a:solidFill>
+              <a:latin typeface="Calibri" panose="020F0502020204030204" pitchFamily="34" charset="0"/>
               <a:cs typeface="Calibri" panose="020F0502020204030204" pitchFamily="34" charset="0"/>
             </a:endParaRPr>
           </a:p>
@@ -31213,7 +30876,7 @@
     </p:spTree>
     <p:extLst>
       <p:ext uri="{BB962C8B-B14F-4D97-AF65-F5344CB8AC3E}">
-        <p14:creationId xmlns:p14="http://schemas.microsoft.com/office/powerpoint/2010/main" val="1785036271"/>
+        <p14:creationId xmlns:p14="http://schemas.microsoft.com/office/powerpoint/2010/main" val="1087509688"/>
       </p:ext>
     </p:extLst>
   </p:cSld>
@@ -31286,28 +30949,35 @@
                 <a:latin typeface="Arial" pitchFamily="34" charset="0"/>
                 <a:cs typeface="Arial" pitchFamily="34" charset="0"/>
               </a:rPr>
-              <a:t>MongoDB</a:t>
-            </a:r>
-            <a:r>
-              <a:rPr lang="en-US" sz="3200" b="1" i="1" dirty="0" smtClean="0">
+              <a:t>$match</a:t>
+            </a:r>
+            <a:r>
+              <a:rPr lang="en-IN" sz="3200" b="1" i="1" dirty="0">
                 <a:solidFill>
                   <a:srgbClr val="FFFF00"/>
                 </a:solidFill>
                 <a:latin typeface="Arial" pitchFamily="34" charset="0"/>
                 <a:cs typeface="Arial" pitchFamily="34" charset="0"/>
               </a:rPr>
-              <a:t> </a:t>
-            </a:r>
-            <a:r>
-              <a:rPr lang="en-IN" sz="3200" b="1" i="1" dirty="0">
+              <a:t> </a:t>
+            </a:r>
+            <a:r>
+              <a:rPr lang="en-IN" sz="3200" b="1" i="1" dirty="0" smtClean="0">
                 <a:solidFill>
                   <a:srgbClr val="FFFF00"/>
                 </a:solidFill>
                 <a:latin typeface="Arial" pitchFamily="34" charset="0"/>
                 <a:cs typeface="Arial" pitchFamily="34" charset="0"/>
               </a:rPr>
-              <a:t> </a:t>
-            </a:r>
+              <a:t> TODO</a:t>
+            </a:r>
+            <a:endParaRPr lang="en-IN" sz="3200" b="1" i="1" dirty="0">
+              <a:solidFill>
+                <a:srgbClr val="FFFF00"/>
+              </a:solidFill>
+              <a:latin typeface="Arial" pitchFamily="34" charset="0"/>
+              <a:cs typeface="Arial" pitchFamily="34" charset="0"/>
+            </a:endParaRPr>
           </a:p>
         </p:txBody>
       </p:sp>
@@ -31348,7 +31018,7 @@
         </p:nvSpPr>
         <p:spPr>
           <a:xfrm>
-            <a:off x="149188" y="1828800"/>
+            <a:off x="149188" y="1524000"/>
             <a:ext cx="8761264" cy="369332"/>
           </a:xfrm>
           <a:prstGeom prst="rect">
@@ -31362,20 +31032,356 @@
           <a:lstStyle/>
           <a:p>
             <a:r>
-              <a:rPr lang="en-US" dirty="0" smtClean="0">
+              <a:rPr lang="en-US" dirty="0">
                 <a:solidFill>
                   <a:srgbClr val="049DC8"/>
                 </a:solidFill>
                 <a:latin typeface="Consolas" panose="020B0609020204030204" pitchFamily="49" charset="0"/>
                 <a:cs typeface="Calibri" panose="020F0502020204030204" pitchFamily="34" charset="0"/>
               </a:rPr>
-              <a:t>{ $&lt;stageOperator&gt; : { } }</a:t>
-            </a:r>
-            <a:endParaRPr lang="en-US" dirty="0">
+              <a:t>{ $match: { &lt;query&gt; } }</a:t>
+            </a:r>
+          </a:p>
+        </p:txBody>
+      </p:sp>
+      <p:sp>
+        <p:nvSpPr>
+          <p:cNvPr id="5" name="Rectangle 4"/>
+          <p:cNvSpPr/>
+          <p:nvPr/>
+        </p:nvSpPr>
+        <p:spPr>
+          <a:xfrm>
+            <a:off x="149188" y="2133600"/>
+            <a:ext cx="8761264" cy="1692771"/>
+          </a:xfrm>
+          <a:prstGeom prst="rect">
+            <a:avLst/>
+          </a:prstGeom>
+        </p:spPr>
+        <p:txBody>
+          <a:bodyPr wrap="square">
+            <a:spAutoFit/>
+          </a:bodyPr>
+          <a:lstStyle/>
+          <a:p>
+            <a:r>
+              <a:rPr lang="en-US" sz="2200" dirty="0">
+                <a:solidFill>
+                  <a:srgbClr val="FC6F0D"/>
+                </a:solidFill>
+                <a:latin typeface="Calibri" panose="020F0502020204030204" pitchFamily="34" charset="0"/>
+                <a:cs typeface="Calibri" panose="020F0502020204030204" pitchFamily="34" charset="0"/>
+              </a:rPr>
+              <a:t>db.emp.aggregate </a:t>
+            </a:r>
+            <a:r>
+              <a:rPr lang="en-US" sz="2200" dirty="0" smtClean="0">
+                <a:solidFill>
+                  <a:srgbClr val="FC6F0D"/>
+                </a:solidFill>
+                <a:latin typeface="Calibri" panose="020F0502020204030204" pitchFamily="34" charset="0"/>
+                <a:cs typeface="Calibri" panose="020F0502020204030204" pitchFamily="34" charset="0"/>
+              </a:rPr>
+              <a:t>([ {$</a:t>
+            </a:r>
+            <a:r>
+              <a:rPr lang="en-US" sz="2200" dirty="0">
+                <a:solidFill>
+                  <a:srgbClr val="FC6F0D"/>
+                </a:solidFill>
+                <a:latin typeface="Calibri" panose="020F0502020204030204" pitchFamily="34" charset="0"/>
+                <a:cs typeface="Calibri" panose="020F0502020204030204" pitchFamily="34" charset="0"/>
+              </a:rPr>
+              <a:t>match: { job:'manager</a:t>
+            </a:r>
+            <a:r>
+              <a:rPr lang="en-US" sz="2200" dirty="0" smtClean="0">
+                <a:solidFill>
+                  <a:srgbClr val="FC6F0D"/>
+                </a:solidFill>
+                <a:latin typeface="Calibri" panose="020F0502020204030204" pitchFamily="34" charset="0"/>
+                <a:cs typeface="Calibri" panose="020F0502020204030204" pitchFamily="34" charset="0"/>
+              </a:rPr>
+              <a:t>'} } ])</a:t>
+            </a:r>
+          </a:p>
+          <a:p>
+            <a:endParaRPr lang="en-US" sz="800" dirty="0" smtClean="0">
               <a:solidFill>
-                <a:srgbClr val="049DC8"/>
+                <a:srgbClr val="FC6F0D"/>
               </a:solidFill>
-              <a:latin typeface="Consolas" panose="020B0609020204030204" pitchFamily="49" charset="0"/>
+              <a:latin typeface="Calibri" panose="020F0502020204030204" pitchFamily="34" charset="0"/>
+              <a:cs typeface="Calibri" panose="020F0502020204030204" pitchFamily="34" charset="0"/>
+            </a:endParaRPr>
+          </a:p>
+          <a:p>
+            <a:r>
+              <a:rPr lang="en-US" sz="2200" dirty="0">
+                <a:solidFill>
+                  <a:srgbClr val="FC6F0D"/>
+                </a:solidFill>
+                <a:latin typeface="Calibri" panose="020F0502020204030204" pitchFamily="34" charset="0"/>
+                <a:cs typeface="Calibri" panose="020F0502020204030204" pitchFamily="34" charset="0"/>
+              </a:rPr>
+              <a:t>db.emp.aggregate </a:t>
+            </a:r>
+            <a:r>
+              <a:rPr lang="en-US" sz="2200" dirty="0" smtClean="0">
+                <a:solidFill>
+                  <a:srgbClr val="FC6F0D"/>
+                </a:solidFill>
+                <a:latin typeface="Calibri" panose="020F0502020204030204" pitchFamily="34" charset="0"/>
+                <a:cs typeface="Calibri" panose="020F0502020204030204" pitchFamily="34" charset="0"/>
+              </a:rPr>
+              <a:t>([ {$</a:t>
+            </a:r>
+            <a:r>
+              <a:rPr lang="en-US" sz="2200" dirty="0">
+                <a:solidFill>
+                  <a:srgbClr val="FC6F0D"/>
+                </a:solidFill>
+                <a:latin typeface="Calibri" panose="020F0502020204030204" pitchFamily="34" charset="0"/>
+                <a:cs typeface="Calibri" panose="020F0502020204030204" pitchFamily="34" charset="0"/>
+              </a:rPr>
+              <a:t>match: {comm: </a:t>
+            </a:r>
+            <a:r>
+              <a:rPr lang="en-US" sz="2200" dirty="0" smtClean="0">
+                <a:solidFill>
+                  <a:srgbClr val="FC6F0D"/>
+                </a:solidFill>
+                <a:latin typeface="Calibri" panose="020F0502020204030204" pitchFamily="34" charset="0"/>
+                <a:cs typeface="Calibri" panose="020F0502020204030204" pitchFamily="34" charset="0"/>
+              </a:rPr>
+              <a:t>{$</a:t>
+            </a:r>
+            <a:r>
+              <a:rPr lang="en-US" sz="2200" dirty="0">
+                <a:solidFill>
+                  <a:srgbClr val="FC6F0D"/>
+                </a:solidFill>
+                <a:latin typeface="Calibri" panose="020F0502020204030204" pitchFamily="34" charset="0"/>
+                <a:cs typeface="Calibri" panose="020F0502020204030204" pitchFamily="34" charset="0"/>
+              </a:rPr>
+              <a:t>eq</a:t>
+            </a:r>
+            <a:r>
+              <a:rPr lang="en-US" sz="2200" dirty="0" smtClean="0">
+                <a:solidFill>
+                  <a:srgbClr val="FC6F0D"/>
+                </a:solidFill>
+                <a:latin typeface="Calibri" panose="020F0502020204030204" pitchFamily="34" charset="0"/>
+                <a:cs typeface="Calibri" panose="020F0502020204030204" pitchFamily="34" charset="0"/>
+              </a:rPr>
+              <a:t>: null} </a:t>
+            </a:r>
+            <a:r>
+              <a:rPr lang="en-US" sz="2200" dirty="0">
+                <a:solidFill>
+                  <a:srgbClr val="FC6F0D"/>
+                </a:solidFill>
+                <a:latin typeface="Calibri" panose="020F0502020204030204" pitchFamily="34" charset="0"/>
+                <a:cs typeface="Calibri" panose="020F0502020204030204" pitchFamily="34" charset="0"/>
+              </a:rPr>
+              <a:t>} </a:t>
+            </a:r>
+            <a:r>
+              <a:rPr lang="en-US" sz="2200" dirty="0" smtClean="0">
+                <a:solidFill>
+                  <a:srgbClr val="FC6F0D"/>
+                </a:solidFill>
+                <a:latin typeface="Calibri" panose="020F0502020204030204" pitchFamily="34" charset="0"/>
+                <a:cs typeface="Calibri" panose="020F0502020204030204" pitchFamily="34" charset="0"/>
+              </a:rPr>
+              <a:t>} ])</a:t>
+            </a:r>
+          </a:p>
+          <a:p>
+            <a:endParaRPr lang="en-US" sz="800" dirty="0">
+              <a:solidFill>
+                <a:srgbClr val="FC6F0D"/>
+              </a:solidFill>
+              <a:latin typeface="Calibri" panose="020F0502020204030204" pitchFamily="34" charset="0"/>
+              <a:cs typeface="Calibri" panose="020F0502020204030204" pitchFamily="34" charset="0"/>
+            </a:endParaRPr>
+          </a:p>
+          <a:p>
+            <a:r>
+              <a:rPr lang="en-US" sz="2200" dirty="0" smtClean="0">
+                <a:solidFill>
+                  <a:srgbClr val="FC6F0D"/>
+                </a:solidFill>
+                <a:latin typeface="Calibri" panose="020F0502020204030204" pitchFamily="34" charset="0"/>
+                <a:cs typeface="Calibri" panose="020F0502020204030204" pitchFamily="34" charset="0"/>
+              </a:rPr>
+              <a:t>db.emp.aggregate ([ {$</a:t>
+            </a:r>
+            <a:r>
+              <a:rPr lang="en-US" sz="2200" dirty="0">
+                <a:solidFill>
+                  <a:srgbClr val="FC6F0D"/>
+                </a:solidFill>
+                <a:latin typeface="Calibri" panose="020F0502020204030204" pitchFamily="34" charset="0"/>
+                <a:cs typeface="Calibri" panose="020F0502020204030204" pitchFamily="34" charset="0"/>
+              </a:rPr>
+              <a:t>match</a:t>
+            </a:r>
+            <a:r>
+              <a:rPr lang="en-US" sz="2200" dirty="0" smtClean="0">
+                <a:solidFill>
+                  <a:srgbClr val="FC6F0D"/>
+                </a:solidFill>
+                <a:latin typeface="Calibri" panose="020F0502020204030204" pitchFamily="34" charset="0"/>
+                <a:cs typeface="Calibri" panose="020F0502020204030204" pitchFamily="34" charset="0"/>
+              </a:rPr>
+              <a:t>: {</a:t>
+            </a:r>
+            <a:r>
+              <a:rPr lang="en-US" sz="2200" dirty="0">
+                <a:solidFill>
+                  <a:srgbClr val="FC6F0D"/>
+                </a:solidFill>
+                <a:latin typeface="Calibri" panose="020F0502020204030204" pitchFamily="34" charset="0"/>
+                <a:cs typeface="Calibri" panose="020F0502020204030204" pitchFamily="34" charset="0"/>
+              </a:rPr>
+              <a:t>sal</a:t>
+            </a:r>
+            <a:r>
+              <a:rPr lang="en-US" sz="2200" dirty="0" smtClean="0">
+                <a:solidFill>
+                  <a:srgbClr val="FC6F0D"/>
+                </a:solidFill>
+                <a:latin typeface="Calibri" panose="020F0502020204030204" pitchFamily="34" charset="0"/>
+                <a:cs typeface="Calibri" panose="020F0502020204030204" pitchFamily="34" charset="0"/>
+              </a:rPr>
+              <a:t>: {$</a:t>
+            </a:r>
+            <a:r>
+              <a:rPr lang="en-US" sz="2200" dirty="0">
+                <a:solidFill>
+                  <a:srgbClr val="FC6F0D"/>
+                </a:solidFill>
+                <a:latin typeface="Calibri" panose="020F0502020204030204" pitchFamily="34" charset="0"/>
+                <a:cs typeface="Calibri" panose="020F0502020204030204" pitchFamily="34" charset="0"/>
+              </a:rPr>
+              <a:t>gt</a:t>
+            </a:r>
+            <a:r>
+              <a:rPr lang="en-US" sz="2200" dirty="0" smtClean="0">
+                <a:solidFill>
+                  <a:srgbClr val="FC6F0D"/>
+                </a:solidFill>
+                <a:latin typeface="Calibri" panose="020F0502020204030204" pitchFamily="34" charset="0"/>
+                <a:cs typeface="Calibri" panose="020F0502020204030204" pitchFamily="34" charset="0"/>
+              </a:rPr>
+              <a:t>: 4000} }}, {$</a:t>
+            </a:r>
+            <a:r>
+              <a:rPr lang="en-US" sz="2200" dirty="0">
+                <a:solidFill>
+                  <a:srgbClr val="FC6F0D"/>
+                </a:solidFill>
+                <a:latin typeface="Calibri" panose="020F0502020204030204" pitchFamily="34" charset="0"/>
+                <a:cs typeface="Calibri" panose="020F0502020204030204" pitchFamily="34" charset="0"/>
+              </a:rPr>
+              <a:t>group</a:t>
+            </a:r>
+            <a:r>
+              <a:rPr lang="en-US" sz="2200" dirty="0" smtClean="0">
+                <a:solidFill>
+                  <a:srgbClr val="FC6F0D"/>
+                </a:solidFill>
+                <a:latin typeface="Calibri" panose="020F0502020204030204" pitchFamily="34" charset="0"/>
+                <a:cs typeface="Calibri" panose="020F0502020204030204" pitchFamily="34" charset="0"/>
+              </a:rPr>
+              <a:t>: {_</a:t>
+            </a:r>
+            <a:r>
+              <a:rPr lang="en-US" sz="2200" dirty="0">
+                <a:solidFill>
+                  <a:srgbClr val="FC6F0D"/>
+                </a:solidFill>
+                <a:latin typeface="Calibri" panose="020F0502020204030204" pitchFamily="34" charset="0"/>
+                <a:cs typeface="Calibri" panose="020F0502020204030204" pitchFamily="34" charset="0"/>
+              </a:rPr>
+              <a:t>id</a:t>
+            </a:r>
+            <a:r>
+              <a:rPr lang="en-US" sz="2200" dirty="0" smtClean="0">
+                <a:solidFill>
+                  <a:srgbClr val="FC6F0D"/>
+                </a:solidFill>
+                <a:latin typeface="Calibri" panose="020F0502020204030204" pitchFamily="34" charset="0"/>
+                <a:cs typeface="Calibri" panose="020F0502020204030204" pitchFamily="34" charset="0"/>
+              </a:rPr>
+              <a:t>: '$</a:t>
+            </a:r>
+            <a:r>
+              <a:rPr lang="en-US" sz="2200" dirty="0">
+                <a:solidFill>
+                  <a:srgbClr val="FC6F0D"/>
+                </a:solidFill>
+                <a:latin typeface="Calibri" panose="020F0502020204030204" pitchFamily="34" charset="0"/>
+                <a:cs typeface="Calibri" panose="020F0502020204030204" pitchFamily="34" charset="0"/>
+              </a:rPr>
+              <a:t>job', count</a:t>
+            </a:r>
+            <a:r>
+              <a:rPr lang="en-US" sz="2200" dirty="0" smtClean="0">
+                <a:solidFill>
+                  <a:srgbClr val="FC6F0D"/>
+                </a:solidFill>
+                <a:latin typeface="Calibri" panose="020F0502020204030204" pitchFamily="34" charset="0"/>
+                <a:cs typeface="Calibri" panose="020F0502020204030204" pitchFamily="34" charset="0"/>
+              </a:rPr>
+              <a:t>: {$</a:t>
+            </a:r>
+            <a:r>
+              <a:rPr lang="en-US" sz="2200" dirty="0">
+                <a:solidFill>
+                  <a:srgbClr val="FC6F0D"/>
+                </a:solidFill>
+                <a:latin typeface="Calibri" panose="020F0502020204030204" pitchFamily="34" charset="0"/>
+                <a:cs typeface="Calibri" panose="020F0502020204030204" pitchFamily="34" charset="0"/>
+              </a:rPr>
+              <a:t>sum</a:t>
+            </a:r>
+            <a:r>
+              <a:rPr lang="en-US" sz="2200" dirty="0" smtClean="0">
+                <a:solidFill>
+                  <a:srgbClr val="FC6F0D"/>
+                </a:solidFill>
+                <a:latin typeface="Calibri" panose="020F0502020204030204" pitchFamily="34" charset="0"/>
+                <a:cs typeface="Calibri" panose="020F0502020204030204" pitchFamily="34" charset="0"/>
+              </a:rPr>
+              <a:t>: '$</a:t>
+            </a:r>
+            <a:r>
+              <a:rPr lang="en-US" sz="2200" dirty="0">
+                <a:solidFill>
+                  <a:srgbClr val="FC6F0D"/>
+                </a:solidFill>
+                <a:latin typeface="Calibri" panose="020F0502020204030204" pitchFamily="34" charset="0"/>
+                <a:cs typeface="Calibri" panose="020F0502020204030204" pitchFamily="34" charset="0"/>
+              </a:rPr>
+              <a:t>sal'} </a:t>
+            </a:r>
+            <a:r>
+              <a:rPr lang="en-US" sz="2200" dirty="0" smtClean="0">
+                <a:solidFill>
+                  <a:srgbClr val="FC6F0D"/>
+                </a:solidFill>
+                <a:latin typeface="Calibri" panose="020F0502020204030204" pitchFamily="34" charset="0"/>
+                <a:cs typeface="Calibri" panose="020F0502020204030204" pitchFamily="34" charset="0"/>
+              </a:rPr>
+              <a:t>} } ])</a:t>
+            </a:r>
+            <a:endParaRPr lang="en-US" sz="2200" dirty="0">
+              <a:solidFill>
+                <a:srgbClr val="FC6F0D"/>
+              </a:solidFill>
+              <a:latin typeface="Calibri" panose="020F0502020204030204" pitchFamily="34" charset="0"/>
               <a:cs typeface="Calibri" panose="020F0502020204030204" pitchFamily="34" charset="0"/>
             </a:endParaRPr>
           </a:p>
@@ -31384,7 +31390,7 @@
     </p:spTree>
     <p:extLst>
       <p:ext uri="{BB962C8B-B14F-4D97-AF65-F5344CB8AC3E}">
-        <p14:creationId xmlns:p14="http://schemas.microsoft.com/office/powerpoint/2010/main" val="2324753550"/>
+        <p14:creationId xmlns:p14="http://schemas.microsoft.com/office/powerpoint/2010/main" val="691073419"/>
       </p:ext>
     </p:extLst>
   </p:cSld>
@@ -31763,28 +31769,35 @@
                 <a:latin typeface="Arial" pitchFamily="34" charset="0"/>
                 <a:cs typeface="Arial" pitchFamily="34" charset="0"/>
               </a:rPr>
-              <a:t>MongoDB</a:t>
-            </a:r>
-            <a:r>
-              <a:rPr lang="en-US" sz="3200" b="1" i="1" dirty="0" smtClean="0">
+              <a:t>$match</a:t>
+            </a:r>
+            <a:r>
+              <a:rPr lang="en-IN" sz="3200" b="1" i="1" dirty="0">
                 <a:solidFill>
                   <a:srgbClr val="FFFF00"/>
                 </a:solidFill>
                 <a:latin typeface="Arial" pitchFamily="34" charset="0"/>
                 <a:cs typeface="Arial" pitchFamily="34" charset="0"/>
               </a:rPr>
-              <a:t> </a:t>
-            </a:r>
-            <a:r>
-              <a:rPr lang="en-IN" sz="3200" b="1" i="1" dirty="0">
+              <a:t> </a:t>
+            </a:r>
+            <a:r>
+              <a:rPr lang="en-IN" sz="3200" b="1" i="1" dirty="0" smtClean="0">
                 <a:solidFill>
                   <a:srgbClr val="FFFF00"/>
                 </a:solidFill>
                 <a:latin typeface="Arial" pitchFamily="34" charset="0"/>
                 <a:cs typeface="Arial" pitchFamily="34" charset="0"/>
               </a:rPr>
-              <a:t> </a:t>
-            </a:r>
+              <a:t> TODO</a:t>
+            </a:r>
+            <a:endParaRPr lang="en-IN" sz="3200" b="1" i="1" dirty="0">
+              <a:solidFill>
+                <a:srgbClr val="FFFF00"/>
+              </a:solidFill>
+              <a:latin typeface="Arial" pitchFamily="34" charset="0"/>
+              <a:cs typeface="Arial" pitchFamily="34" charset="0"/>
+            </a:endParaRPr>
           </a:p>
         </p:txBody>
       </p:sp>
@@ -31825,7 +31838,7 @@
         </p:nvSpPr>
         <p:spPr>
           <a:xfrm>
-            <a:off x="149188" y="1828800"/>
+            <a:off x="149188" y="1524000"/>
             <a:ext cx="8761264" cy="369332"/>
           </a:xfrm>
           <a:prstGeom prst="rect">
@@ -31839,20 +31852,356 @@
           <a:lstStyle/>
           <a:p>
             <a:r>
-              <a:rPr lang="en-US" dirty="0" smtClean="0">
+              <a:rPr lang="en-US" dirty="0">
                 <a:solidFill>
                   <a:srgbClr val="049DC8"/>
                 </a:solidFill>
                 <a:latin typeface="Consolas" panose="020B0609020204030204" pitchFamily="49" charset="0"/>
                 <a:cs typeface="Calibri" panose="020F0502020204030204" pitchFamily="34" charset="0"/>
               </a:rPr>
-              <a:t>{ $&lt;stageOperator&gt; : { } }</a:t>
-            </a:r>
-            <a:endParaRPr lang="en-US" dirty="0">
+              <a:t>{ $match: { &lt;query&gt; } }</a:t>
+            </a:r>
+          </a:p>
+        </p:txBody>
+      </p:sp>
+      <p:sp>
+        <p:nvSpPr>
+          <p:cNvPr id="5" name="Rectangle 4"/>
+          <p:cNvSpPr/>
+          <p:nvPr/>
+        </p:nvSpPr>
+        <p:spPr>
+          <a:xfrm>
+            <a:off x="149188" y="2133600"/>
+            <a:ext cx="8761264" cy="1692771"/>
+          </a:xfrm>
+          <a:prstGeom prst="rect">
+            <a:avLst/>
+          </a:prstGeom>
+        </p:spPr>
+        <p:txBody>
+          <a:bodyPr wrap="square">
+            <a:spAutoFit/>
+          </a:bodyPr>
+          <a:lstStyle/>
+          <a:p>
+            <a:r>
+              <a:rPr lang="en-US" sz="2200" dirty="0">
+                <a:solidFill>
+                  <a:srgbClr val="FC6F0D"/>
+                </a:solidFill>
+                <a:latin typeface="Calibri" panose="020F0502020204030204" pitchFamily="34" charset="0"/>
+                <a:cs typeface="Calibri" panose="020F0502020204030204" pitchFamily="34" charset="0"/>
+              </a:rPr>
+              <a:t>db.emp.aggregate </a:t>
+            </a:r>
+            <a:r>
+              <a:rPr lang="en-US" sz="2200" dirty="0" smtClean="0">
+                <a:solidFill>
+                  <a:srgbClr val="FC6F0D"/>
+                </a:solidFill>
+                <a:latin typeface="Calibri" panose="020F0502020204030204" pitchFamily="34" charset="0"/>
+                <a:cs typeface="Calibri" panose="020F0502020204030204" pitchFamily="34" charset="0"/>
+              </a:rPr>
+              <a:t>([ {$</a:t>
+            </a:r>
+            <a:r>
+              <a:rPr lang="en-US" sz="2200" dirty="0">
+                <a:solidFill>
+                  <a:srgbClr val="FC6F0D"/>
+                </a:solidFill>
+                <a:latin typeface="Calibri" panose="020F0502020204030204" pitchFamily="34" charset="0"/>
+                <a:cs typeface="Calibri" panose="020F0502020204030204" pitchFamily="34" charset="0"/>
+              </a:rPr>
+              <a:t>match: { job:'manager</a:t>
+            </a:r>
+            <a:r>
+              <a:rPr lang="en-US" sz="2200" dirty="0" smtClean="0">
+                <a:solidFill>
+                  <a:srgbClr val="FC6F0D"/>
+                </a:solidFill>
+                <a:latin typeface="Calibri" panose="020F0502020204030204" pitchFamily="34" charset="0"/>
+                <a:cs typeface="Calibri" panose="020F0502020204030204" pitchFamily="34" charset="0"/>
+              </a:rPr>
+              <a:t>'} } ])</a:t>
+            </a:r>
+          </a:p>
+          <a:p>
+            <a:endParaRPr lang="en-US" sz="800" dirty="0" smtClean="0">
               <a:solidFill>
-                <a:srgbClr val="049DC8"/>
+                <a:srgbClr val="FC6F0D"/>
               </a:solidFill>
-              <a:latin typeface="Consolas" panose="020B0609020204030204" pitchFamily="49" charset="0"/>
+              <a:latin typeface="Calibri" panose="020F0502020204030204" pitchFamily="34" charset="0"/>
+              <a:cs typeface="Calibri" panose="020F0502020204030204" pitchFamily="34" charset="0"/>
+            </a:endParaRPr>
+          </a:p>
+          <a:p>
+            <a:r>
+              <a:rPr lang="en-US" sz="2200" dirty="0">
+                <a:solidFill>
+                  <a:srgbClr val="FC6F0D"/>
+                </a:solidFill>
+                <a:latin typeface="Calibri" panose="020F0502020204030204" pitchFamily="34" charset="0"/>
+                <a:cs typeface="Calibri" panose="020F0502020204030204" pitchFamily="34" charset="0"/>
+              </a:rPr>
+              <a:t>db.emp.aggregate </a:t>
+            </a:r>
+            <a:r>
+              <a:rPr lang="en-US" sz="2200" dirty="0" smtClean="0">
+                <a:solidFill>
+                  <a:srgbClr val="FC6F0D"/>
+                </a:solidFill>
+                <a:latin typeface="Calibri" panose="020F0502020204030204" pitchFamily="34" charset="0"/>
+                <a:cs typeface="Calibri" panose="020F0502020204030204" pitchFamily="34" charset="0"/>
+              </a:rPr>
+              <a:t>([ {$</a:t>
+            </a:r>
+            <a:r>
+              <a:rPr lang="en-US" sz="2200" dirty="0">
+                <a:solidFill>
+                  <a:srgbClr val="FC6F0D"/>
+                </a:solidFill>
+                <a:latin typeface="Calibri" panose="020F0502020204030204" pitchFamily="34" charset="0"/>
+                <a:cs typeface="Calibri" panose="020F0502020204030204" pitchFamily="34" charset="0"/>
+              </a:rPr>
+              <a:t>match: {comm: </a:t>
+            </a:r>
+            <a:r>
+              <a:rPr lang="en-US" sz="2200" dirty="0" smtClean="0">
+                <a:solidFill>
+                  <a:srgbClr val="FC6F0D"/>
+                </a:solidFill>
+                <a:latin typeface="Calibri" panose="020F0502020204030204" pitchFamily="34" charset="0"/>
+                <a:cs typeface="Calibri" panose="020F0502020204030204" pitchFamily="34" charset="0"/>
+              </a:rPr>
+              <a:t>{$</a:t>
+            </a:r>
+            <a:r>
+              <a:rPr lang="en-US" sz="2200" dirty="0">
+                <a:solidFill>
+                  <a:srgbClr val="FC6F0D"/>
+                </a:solidFill>
+                <a:latin typeface="Calibri" panose="020F0502020204030204" pitchFamily="34" charset="0"/>
+                <a:cs typeface="Calibri" panose="020F0502020204030204" pitchFamily="34" charset="0"/>
+              </a:rPr>
+              <a:t>eq</a:t>
+            </a:r>
+            <a:r>
+              <a:rPr lang="en-US" sz="2200" dirty="0" smtClean="0">
+                <a:solidFill>
+                  <a:srgbClr val="FC6F0D"/>
+                </a:solidFill>
+                <a:latin typeface="Calibri" panose="020F0502020204030204" pitchFamily="34" charset="0"/>
+                <a:cs typeface="Calibri" panose="020F0502020204030204" pitchFamily="34" charset="0"/>
+              </a:rPr>
+              <a:t>: null} </a:t>
+            </a:r>
+            <a:r>
+              <a:rPr lang="en-US" sz="2200" dirty="0">
+                <a:solidFill>
+                  <a:srgbClr val="FC6F0D"/>
+                </a:solidFill>
+                <a:latin typeface="Calibri" panose="020F0502020204030204" pitchFamily="34" charset="0"/>
+                <a:cs typeface="Calibri" panose="020F0502020204030204" pitchFamily="34" charset="0"/>
+              </a:rPr>
+              <a:t>} </a:t>
+            </a:r>
+            <a:r>
+              <a:rPr lang="en-US" sz="2200" dirty="0" smtClean="0">
+                <a:solidFill>
+                  <a:srgbClr val="FC6F0D"/>
+                </a:solidFill>
+                <a:latin typeface="Calibri" panose="020F0502020204030204" pitchFamily="34" charset="0"/>
+                <a:cs typeface="Calibri" panose="020F0502020204030204" pitchFamily="34" charset="0"/>
+              </a:rPr>
+              <a:t>} ])</a:t>
+            </a:r>
+          </a:p>
+          <a:p>
+            <a:endParaRPr lang="en-US" sz="800" dirty="0">
+              <a:solidFill>
+                <a:srgbClr val="FC6F0D"/>
+              </a:solidFill>
+              <a:latin typeface="Calibri" panose="020F0502020204030204" pitchFamily="34" charset="0"/>
+              <a:cs typeface="Calibri" panose="020F0502020204030204" pitchFamily="34" charset="0"/>
+            </a:endParaRPr>
+          </a:p>
+          <a:p>
+            <a:r>
+              <a:rPr lang="en-US" sz="2200" dirty="0" smtClean="0">
+                <a:solidFill>
+                  <a:srgbClr val="FC6F0D"/>
+                </a:solidFill>
+                <a:latin typeface="Calibri" panose="020F0502020204030204" pitchFamily="34" charset="0"/>
+                <a:cs typeface="Calibri" panose="020F0502020204030204" pitchFamily="34" charset="0"/>
+              </a:rPr>
+              <a:t>db.emp.aggregate ([ {$</a:t>
+            </a:r>
+            <a:r>
+              <a:rPr lang="en-US" sz="2200" dirty="0">
+                <a:solidFill>
+                  <a:srgbClr val="FC6F0D"/>
+                </a:solidFill>
+                <a:latin typeface="Calibri" panose="020F0502020204030204" pitchFamily="34" charset="0"/>
+                <a:cs typeface="Calibri" panose="020F0502020204030204" pitchFamily="34" charset="0"/>
+              </a:rPr>
+              <a:t>match</a:t>
+            </a:r>
+            <a:r>
+              <a:rPr lang="en-US" sz="2200" dirty="0" smtClean="0">
+                <a:solidFill>
+                  <a:srgbClr val="FC6F0D"/>
+                </a:solidFill>
+                <a:latin typeface="Calibri" panose="020F0502020204030204" pitchFamily="34" charset="0"/>
+                <a:cs typeface="Calibri" panose="020F0502020204030204" pitchFamily="34" charset="0"/>
+              </a:rPr>
+              <a:t>: {</a:t>
+            </a:r>
+            <a:r>
+              <a:rPr lang="en-US" sz="2200" dirty="0">
+                <a:solidFill>
+                  <a:srgbClr val="FC6F0D"/>
+                </a:solidFill>
+                <a:latin typeface="Calibri" panose="020F0502020204030204" pitchFamily="34" charset="0"/>
+                <a:cs typeface="Calibri" panose="020F0502020204030204" pitchFamily="34" charset="0"/>
+              </a:rPr>
+              <a:t>sal</a:t>
+            </a:r>
+            <a:r>
+              <a:rPr lang="en-US" sz="2200" dirty="0" smtClean="0">
+                <a:solidFill>
+                  <a:srgbClr val="FC6F0D"/>
+                </a:solidFill>
+                <a:latin typeface="Calibri" panose="020F0502020204030204" pitchFamily="34" charset="0"/>
+                <a:cs typeface="Calibri" panose="020F0502020204030204" pitchFamily="34" charset="0"/>
+              </a:rPr>
+              <a:t>: {$</a:t>
+            </a:r>
+            <a:r>
+              <a:rPr lang="en-US" sz="2200" dirty="0">
+                <a:solidFill>
+                  <a:srgbClr val="FC6F0D"/>
+                </a:solidFill>
+                <a:latin typeface="Calibri" panose="020F0502020204030204" pitchFamily="34" charset="0"/>
+                <a:cs typeface="Calibri" panose="020F0502020204030204" pitchFamily="34" charset="0"/>
+              </a:rPr>
+              <a:t>gt</a:t>
+            </a:r>
+            <a:r>
+              <a:rPr lang="en-US" sz="2200" dirty="0" smtClean="0">
+                <a:solidFill>
+                  <a:srgbClr val="FC6F0D"/>
+                </a:solidFill>
+                <a:latin typeface="Calibri" panose="020F0502020204030204" pitchFamily="34" charset="0"/>
+                <a:cs typeface="Calibri" panose="020F0502020204030204" pitchFamily="34" charset="0"/>
+              </a:rPr>
+              <a:t>: 4000} }}, {$</a:t>
+            </a:r>
+            <a:r>
+              <a:rPr lang="en-US" sz="2200" dirty="0">
+                <a:solidFill>
+                  <a:srgbClr val="FC6F0D"/>
+                </a:solidFill>
+                <a:latin typeface="Calibri" panose="020F0502020204030204" pitchFamily="34" charset="0"/>
+                <a:cs typeface="Calibri" panose="020F0502020204030204" pitchFamily="34" charset="0"/>
+              </a:rPr>
+              <a:t>group</a:t>
+            </a:r>
+            <a:r>
+              <a:rPr lang="en-US" sz="2200" dirty="0" smtClean="0">
+                <a:solidFill>
+                  <a:srgbClr val="FC6F0D"/>
+                </a:solidFill>
+                <a:latin typeface="Calibri" panose="020F0502020204030204" pitchFamily="34" charset="0"/>
+                <a:cs typeface="Calibri" panose="020F0502020204030204" pitchFamily="34" charset="0"/>
+              </a:rPr>
+              <a:t>: {_</a:t>
+            </a:r>
+            <a:r>
+              <a:rPr lang="en-US" sz="2200" dirty="0">
+                <a:solidFill>
+                  <a:srgbClr val="FC6F0D"/>
+                </a:solidFill>
+                <a:latin typeface="Calibri" panose="020F0502020204030204" pitchFamily="34" charset="0"/>
+                <a:cs typeface="Calibri" panose="020F0502020204030204" pitchFamily="34" charset="0"/>
+              </a:rPr>
+              <a:t>id</a:t>
+            </a:r>
+            <a:r>
+              <a:rPr lang="en-US" sz="2200" dirty="0" smtClean="0">
+                <a:solidFill>
+                  <a:srgbClr val="FC6F0D"/>
+                </a:solidFill>
+                <a:latin typeface="Calibri" panose="020F0502020204030204" pitchFamily="34" charset="0"/>
+                <a:cs typeface="Calibri" panose="020F0502020204030204" pitchFamily="34" charset="0"/>
+              </a:rPr>
+              <a:t>: '$</a:t>
+            </a:r>
+            <a:r>
+              <a:rPr lang="en-US" sz="2200" dirty="0">
+                <a:solidFill>
+                  <a:srgbClr val="FC6F0D"/>
+                </a:solidFill>
+                <a:latin typeface="Calibri" panose="020F0502020204030204" pitchFamily="34" charset="0"/>
+                <a:cs typeface="Calibri" panose="020F0502020204030204" pitchFamily="34" charset="0"/>
+              </a:rPr>
+              <a:t>job', count</a:t>
+            </a:r>
+            <a:r>
+              <a:rPr lang="en-US" sz="2200" dirty="0" smtClean="0">
+                <a:solidFill>
+                  <a:srgbClr val="FC6F0D"/>
+                </a:solidFill>
+                <a:latin typeface="Calibri" panose="020F0502020204030204" pitchFamily="34" charset="0"/>
+                <a:cs typeface="Calibri" panose="020F0502020204030204" pitchFamily="34" charset="0"/>
+              </a:rPr>
+              <a:t>: {$</a:t>
+            </a:r>
+            <a:r>
+              <a:rPr lang="en-US" sz="2200" dirty="0">
+                <a:solidFill>
+                  <a:srgbClr val="FC6F0D"/>
+                </a:solidFill>
+                <a:latin typeface="Calibri" panose="020F0502020204030204" pitchFamily="34" charset="0"/>
+                <a:cs typeface="Calibri" panose="020F0502020204030204" pitchFamily="34" charset="0"/>
+              </a:rPr>
+              <a:t>sum</a:t>
+            </a:r>
+            <a:r>
+              <a:rPr lang="en-US" sz="2200" dirty="0" smtClean="0">
+                <a:solidFill>
+                  <a:srgbClr val="FC6F0D"/>
+                </a:solidFill>
+                <a:latin typeface="Calibri" panose="020F0502020204030204" pitchFamily="34" charset="0"/>
+                <a:cs typeface="Calibri" panose="020F0502020204030204" pitchFamily="34" charset="0"/>
+              </a:rPr>
+              <a:t>: '$</a:t>
+            </a:r>
+            <a:r>
+              <a:rPr lang="en-US" sz="2200" dirty="0">
+                <a:solidFill>
+                  <a:srgbClr val="FC6F0D"/>
+                </a:solidFill>
+                <a:latin typeface="Calibri" panose="020F0502020204030204" pitchFamily="34" charset="0"/>
+                <a:cs typeface="Calibri" panose="020F0502020204030204" pitchFamily="34" charset="0"/>
+              </a:rPr>
+              <a:t>sal'} </a:t>
+            </a:r>
+            <a:r>
+              <a:rPr lang="en-US" sz="2200" dirty="0" smtClean="0">
+                <a:solidFill>
+                  <a:srgbClr val="FC6F0D"/>
+                </a:solidFill>
+                <a:latin typeface="Calibri" panose="020F0502020204030204" pitchFamily="34" charset="0"/>
+                <a:cs typeface="Calibri" panose="020F0502020204030204" pitchFamily="34" charset="0"/>
+              </a:rPr>
+              <a:t>} } ])</a:t>
+            </a:r>
+            <a:endParaRPr lang="en-US" sz="2200" dirty="0">
+              <a:solidFill>
+                <a:srgbClr val="FC6F0D"/>
+              </a:solidFill>
+              <a:latin typeface="Calibri" panose="020F0502020204030204" pitchFamily="34" charset="0"/>
               <a:cs typeface="Calibri" panose="020F0502020204030204" pitchFamily="34" charset="0"/>
             </a:endParaRPr>
           </a:p>
@@ -31861,7 +32210,7 @@
     </p:spTree>
     <p:extLst>
       <p:ext uri="{BB962C8B-B14F-4D97-AF65-F5344CB8AC3E}">
-        <p14:creationId xmlns:p14="http://schemas.microsoft.com/office/powerpoint/2010/main" val="159175200"/>
+        <p14:creationId xmlns:p14="http://schemas.microsoft.com/office/powerpoint/2010/main" val="1894960303"/>
       </p:ext>
     </p:extLst>
   </p:cSld>
@@ -31934,28 +32283,35 @@
                 <a:latin typeface="Arial" pitchFamily="34" charset="0"/>
                 <a:cs typeface="Arial" pitchFamily="34" charset="0"/>
               </a:rPr>
-              <a:t>MongoDB</a:t>
-            </a:r>
-            <a:r>
-              <a:rPr lang="en-US" sz="3200" b="1" i="1" dirty="0" smtClean="0">
+              <a:t>$match</a:t>
+            </a:r>
+            <a:r>
+              <a:rPr lang="en-IN" sz="3200" b="1" i="1" dirty="0">
                 <a:solidFill>
                   <a:srgbClr val="FFFF00"/>
                 </a:solidFill>
                 <a:latin typeface="Arial" pitchFamily="34" charset="0"/>
                 <a:cs typeface="Arial" pitchFamily="34" charset="0"/>
               </a:rPr>
-              <a:t> </a:t>
-            </a:r>
-            <a:r>
-              <a:rPr lang="en-IN" sz="3200" b="1" i="1" dirty="0">
+              <a:t> </a:t>
+            </a:r>
+            <a:r>
+              <a:rPr lang="en-IN" sz="3200" b="1" i="1" dirty="0" smtClean="0">
                 <a:solidFill>
                   <a:srgbClr val="FFFF00"/>
                 </a:solidFill>
                 <a:latin typeface="Arial" pitchFamily="34" charset="0"/>
                 <a:cs typeface="Arial" pitchFamily="34" charset="0"/>
               </a:rPr>
-              <a:t> </a:t>
-            </a:r>
+              <a:t> TODO</a:t>
+            </a:r>
+            <a:endParaRPr lang="en-IN" sz="3200" b="1" i="1" dirty="0">
+              <a:solidFill>
+                <a:srgbClr val="FFFF00"/>
+              </a:solidFill>
+              <a:latin typeface="Arial" pitchFamily="34" charset="0"/>
+              <a:cs typeface="Arial" pitchFamily="34" charset="0"/>
+            </a:endParaRPr>
           </a:p>
         </p:txBody>
       </p:sp>
@@ -31996,7 +32352,7 @@
         </p:nvSpPr>
         <p:spPr>
           <a:xfrm>
-            <a:off x="149188" y="1828800"/>
+            <a:off x="149188" y="1524000"/>
             <a:ext cx="8761264" cy="369332"/>
           </a:xfrm>
           <a:prstGeom prst="rect">
@@ -32010,20 +32366,356 @@
           <a:lstStyle/>
           <a:p>
             <a:r>
-              <a:rPr lang="en-US" dirty="0" smtClean="0">
+              <a:rPr lang="en-US" dirty="0">
                 <a:solidFill>
                   <a:srgbClr val="049DC8"/>
                 </a:solidFill>
                 <a:latin typeface="Consolas" panose="020B0609020204030204" pitchFamily="49" charset="0"/>
                 <a:cs typeface="Calibri" panose="020F0502020204030204" pitchFamily="34" charset="0"/>
               </a:rPr>
-              <a:t>{ $&lt;stageOperator&gt; : { } }</a:t>
-            </a:r>
-            <a:endParaRPr lang="en-US" dirty="0">
+              <a:t>{ $match: { &lt;query&gt; } }</a:t>
+            </a:r>
+          </a:p>
+        </p:txBody>
+      </p:sp>
+      <p:sp>
+        <p:nvSpPr>
+          <p:cNvPr id="5" name="Rectangle 4"/>
+          <p:cNvSpPr/>
+          <p:nvPr/>
+        </p:nvSpPr>
+        <p:spPr>
+          <a:xfrm>
+            <a:off x="149188" y="2133600"/>
+            <a:ext cx="8761264" cy="1692771"/>
+          </a:xfrm>
+          <a:prstGeom prst="rect">
+            <a:avLst/>
+          </a:prstGeom>
+        </p:spPr>
+        <p:txBody>
+          <a:bodyPr wrap="square">
+            <a:spAutoFit/>
+          </a:bodyPr>
+          <a:lstStyle/>
+          <a:p>
+            <a:r>
+              <a:rPr lang="en-US" sz="2200" dirty="0">
+                <a:solidFill>
+                  <a:srgbClr val="FC6F0D"/>
+                </a:solidFill>
+                <a:latin typeface="Calibri" panose="020F0502020204030204" pitchFamily="34" charset="0"/>
+                <a:cs typeface="Calibri" panose="020F0502020204030204" pitchFamily="34" charset="0"/>
+              </a:rPr>
+              <a:t>db.emp.aggregate </a:t>
+            </a:r>
+            <a:r>
+              <a:rPr lang="en-US" sz="2200" dirty="0" smtClean="0">
+                <a:solidFill>
+                  <a:srgbClr val="FC6F0D"/>
+                </a:solidFill>
+                <a:latin typeface="Calibri" panose="020F0502020204030204" pitchFamily="34" charset="0"/>
+                <a:cs typeface="Calibri" panose="020F0502020204030204" pitchFamily="34" charset="0"/>
+              </a:rPr>
+              <a:t>([ {$</a:t>
+            </a:r>
+            <a:r>
+              <a:rPr lang="en-US" sz="2200" dirty="0">
+                <a:solidFill>
+                  <a:srgbClr val="FC6F0D"/>
+                </a:solidFill>
+                <a:latin typeface="Calibri" panose="020F0502020204030204" pitchFamily="34" charset="0"/>
+                <a:cs typeface="Calibri" panose="020F0502020204030204" pitchFamily="34" charset="0"/>
+              </a:rPr>
+              <a:t>match: { job:'manager</a:t>
+            </a:r>
+            <a:r>
+              <a:rPr lang="en-US" sz="2200" dirty="0" smtClean="0">
+                <a:solidFill>
+                  <a:srgbClr val="FC6F0D"/>
+                </a:solidFill>
+                <a:latin typeface="Calibri" panose="020F0502020204030204" pitchFamily="34" charset="0"/>
+                <a:cs typeface="Calibri" panose="020F0502020204030204" pitchFamily="34" charset="0"/>
+              </a:rPr>
+              <a:t>'} } ])</a:t>
+            </a:r>
+          </a:p>
+          <a:p>
+            <a:endParaRPr lang="en-US" sz="800" dirty="0" smtClean="0">
               <a:solidFill>
-                <a:srgbClr val="049DC8"/>
+                <a:srgbClr val="FC6F0D"/>
               </a:solidFill>
-              <a:latin typeface="Consolas" panose="020B0609020204030204" pitchFamily="49" charset="0"/>
+              <a:latin typeface="Calibri" panose="020F0502020204030204" pitchFamily="34" charset="0"/>
+              <a:cs typeface="Calibri" panose="020F0502020204030204" pitchFamily="34" charset="0"/>
+            </a:endParaRPr>
+          </a:p>
+          <a:p>
+            <a:r>
+              <a:rPr lang="en-US" sz="2200" dirty="0">
+                <a:solidFill>
+                  <a:srgbClr val="FC6F0D"/>
+                </a:solidFill>
+                <a:latin typeface="Calibri" panose="020F0502020204030204" pitchFamily="34" charset="0"/>
+                <a:cs typeface="Calibri" panose="020F0502020204030204" pitchFamily="34" charset="0"/>
+              </a:rPr>
+              <a:t>db.emp.aggregate </a:t>
+            </a:r>
+            <a:r>
+              <a:rPr lang="en-US" sz="2200" dirty="0" smtClean="0">
+                <a:solidFill>
+                  <a:srgbClr val="FC6F0D"/>
+                </a:solidFill>
+                <a:latin typeface="Calibri" panose="020F0502020204030204" pitchFamily="34" charset="0"/>
+                <a:cs typeface="Calibri" panose="020F0502020204030204" pitchFamily="34" charset="0"/>
+              </a:rPr>
+              <a:t>([ {$</a:t>
+            </a:r>
+            <a:r>
+              <a:rPr lang="en-US" sz="2200" dirty="0">
+                <a:solidFill>
+                  <a:srgbClr val="FC6F0D"/>
+                </a:solidFill>
+                <a:latin typeface="Calibri" panose="020F0502020204030204" pitchFamily="34" charset="0"/>
+                <a:cs typeface="Calibri" panose="020F0502020204030204" pitchFamily="34" charset="0"/>
+              </a:rPr>
+              <a:t>match: {comm: </a:t>
+            </a:r>
+            <a:r>
+              <a:rPr lang="en-US" sz="2200" dirty="0" smtClean="0">
+                <a:solidFill>
+                  <a:srgbClr val="FC6F0D"/>
+                </a:solidFill>
+                <a:latin typeface="Calibri" panose="020F0502020204030204" pitchFamily="34" charset="0"/>
+                <a:cs typeface="Calibri" panose="020F0502020204030204" pitchFamily="34" charset="0"/>
+              </a:rPr>
+              <a:t>{$</a:t>
+            </a:r>
+            <a:r>
+              <a:rPr lang="en-US" sz="2200" dirty="0">
+                <a:solidFill>
+                  <a:srgbClr val="FC6F0D"/>
+                </a:solidFill>
+                <a:latin typeface="Calibri" panose="020F0502020204030204" pitchFamily="34" charset="0"/>
+                <a:cs typeface="Calibri" panose="020F0502020204030204" pitchFamily="34" charset="0"/>
+              </a:rPr>
+              <a:t>eq</a:t>
+            </a:r>
+            <a:r>
+              <a:rPr lang="en-US" sz="2200" dirty="0" smtClean="0">
+                <a:solidFill>
+                  <a:srgbClr val="FC6F0D"/>
+                </a:solidFill>
+                <a:latin typeface="Calibri" panose="020F0502020204030204" pitchFamily="34" charset="0"/>
+                <a:cs typeface="Calibri" panose="020F0502020204030204" pitchFamily="34" charset="0"/>
+              </a:rPr>
+              <a:t>: null} </a:t>
+            </a:r>
+            <a:r>
+              <a:rPr lang="en-US" sz="2200" dirty="0">
+                <a:solidFill>
+                  <a:srgbClr val="FC6F0D"/>
+                </a:solidFill>
+                <a:latin typeface="Calibri" panose="020F0502020204030204" pitchFamily="34" charset="0"/>
+                <a:cs typeface="Calibri" panose="020F0502020204030204" pitchFamily="34" charset="0"/>
+              </a:rPr>
+              <a:t>} </a:t>
+            </a:r>
+            <a:r>
+              <a:rPr lang="en-US" sz="2200" dirty="0" smtClean="0">
+                <a:solidFill>
+                  <a:srgbClr val="FC6F0D"/>
+                </a:solidFill>
+                <a:latin typeface="Calibri" panose="020F0502020204030204" pitchFamily="34" charset="0"/>
+                <a:cs typeface="Calibri" panose="020F0502020204030204" pitchFamily="34" charset="0"/>
+              </a:rPr>
+              <a:t>} ])</a:t>
+            </a:r>
+          </a:p>
+          <a:p>
+            <a:endParaRPr lang="en-US" sz="800" dirty="0">
+              <a:solidFill>
+                <a:srgbClr val="FC6F0D"/>
+              </a:solidFill>
+              <a:latin typeface="Calibri" panose="020F0502020204030204" pitchFamily="34" charset="0"/>
+              <a:cs typeface="Calibri" panose="020F0502020204030204" pitchFamily="34" charset="0"/>
+            </a:endParaRPr>
+          </a:p>
+          <a:p>
+            <a:r>
+              <a:rPr lang="en-US" sz="2200" dirty="0" smtClean="0">
+                <a:solidFill>
+                  <a:srgbClr val="FC6F0D"/>
+                </a:solidFill>
+                <a:latin typeface="Calibri" panose="020F0502020204030204" pitchFamily="34" charset="0"/>
+                <a:cs typeface="Calibri" panose="020F0502020204030204" pitchFamily="34" charset="0"/>
+              </a:rPr>
+              <a:t>db.emp.aggregate ([ {$</a:t>
+            </a:r>
+            <a:r>
+              <a:rPr lang="en-US" sz="2200" dirty="0">
+                <a:solidFill>
+                  <a:srgbClr val="FC6F0D"/>
+                </a:solidFill>
+                <a:latin typeface="Calibri" panose="020F0502020204030204" pitchFamily="34" charset="0"/>
+                <a:cs typeface="Calibri" panose="020F0502020204030204" pitchFamily="34" charset="0"/>
+              </a:rPr>
+              <a:t>match</a:t>
+            </a:r>
+            <a:r>
+              <a:rPr lang="en-US" sz="2200" dirty="0" smtClean="0">
+                <a:solidFill>
+                  <a:srgbClr val="FC6F0D"/>
+                </a:solidFill>
+                <a:latin typeface="Calibri" panose="020F0502020204030204" pitchFamily="34" charset="0"/>
+                <a:cs typeface="Calibri" panose="020F0502020204030204" pitchFamily="34" charset="0"/>
+              </a:rPr>
+              <a:t>: {</a:t>
+            </a:r>
+            <a:r>
+              <a:rPr lang="en-US" sz="2200" dirty="0">
+                <a:solidFill>
+                  <a:srgbClr val="FC6F0D"/>
+                </a:solidFill>
+                <a:latin typeface="Calibri" panose="020F0502020204030204" pitchFamily="34" charset="0"/>
+                <a:cs typeface="Calibri" panose="020F0502020204030204" pitchFamily="34" charset="0"/>
+              </a:rPr>
+              <a:t>sal</a:t>
+            </a:r>
+            <a:r>
+              <a:rPr lang="en-US" sz="2200" dirty="0" smtClean="0">
+                <a:solidFill>
+                  <a:srgbClr val="FC6F0D"/>
+                </a:solidFill>
+                <a:latin typeface="Calibri" panose="020F0502020204030204" pitchFamily="34" charset="0"/>
+                <a:cs typeface="Calibri" panose="020F0502020204030204" pitchFamily="34" charset="0"/>
+              </a:rPr>
+              <a:t>: {$</a:t>
+            </a:r>
+            <a:r>
+              <a:rPr lang="en-US" sz="2200" dirty="0">
+                <a:solidFill>
+                  <a:srgbClr val="FC6F0D"/>
+                </a:solidFill>
+                <a:latin typeface="Calibri" panose="020F0502020204030204" pitchFamily="34" charset="0"/>
+                <a:cs typeface="Calibri" panose="020F0502020204030204" pitchFamily="34" charset="0"/>
+              </a:rPr>
+              <a:t>gt</a:t>
+            </a:r>
+            <a:r>
+              <a:rPr lang="en-US" sz="2200" dirty="0" smtClean="0">
+                <a:solidFill>
+                  <a:srgbClr val="FC6F0D"/>
+                </a:solidFill>
+                <a:latin typeface="Calibri" panose="020F0502020204030204" pitchFamily="34" charset="0"/>
+                <a:cs typeface="Calibri" panose="020F0502020204030204" pitchFamily="34" charset="0"/>
+              </a:rPr>
+              <a:t>: 4000} }}, {$</a:t>
+            </a:r>
+            <a:r>
+              <a:rPr lang="en-US" sz="2200" dirty="0">
+                <a:solidFill>
+                  <a:srgbClr val="FC6F0D"/>
+                </a:solidFill>
+                <a:latin typeface="Calibri" panose="020F0502020204030204" pitchFamily="34" charset="0"/>
+                <a:cs typeface="Calibri" panose="020F0502020204030204" pitchFamily="34" charset="0"/>
+              </a:rPr>
+              <a:t>group</a:t>
+            </a:r>
+            <a:r>
+              <a:rPr lang="en-US" sz="2200" dirty="0" smtClean="0">
+                <a:solidFill>
+                  <a:srgbClr val="FC6F0D"/>
+                </a:solidFill>
+                <a:latin typeface="Calibri" panose="020F0502020204030204" pitchFamily="34" charset="0"/>
+                <a:cs typeface="Calibri" panose="020F0502020204030204" pitchFamily="34" charset="0"/>
+              </a:rPr>
+              <a:t>: {_</a:t>
+            </a:r>
+            <a:r>
+              <a:rPr lang="en-US" sz="2200" dirty="0">
+                <a:solidFill>
+                  <a:srgbClr val="FC6F0D"/>
+                </a:solidFill>
+                <a:latin typeface="Calibri" panose="020F0502020204030204" pitchFamily="34" charset="0"/>
+                <a:cs typeface="Calibri" panose="020F0502020204030204" pitchFamily="34" charset="0"/>
+              </a:rPr>
+              <a:t>id</a:t>
+            </a:r>
+            <a:r>
+              <a:rPr lang="en-US" sz="2200" dirty="0" smtClean="0">
+                <a:solidFill>
+                  <a:srgbClr val="FC6F0D"/>
+                </a:solidFill>
+                <a:latin typeface="Calibri" panose="020F0502020204030204" pitchFamily="34" charset="0"/>
+                <a:cs typeface="Calibri" panose="020F0502020204030204" pitchFamily="34" charset="0"/>
+              </a:rPr>
+              <a:t>: '$</a:t>
+            </a:r>
+            <a:r>
+              <a:rPr lang="en-US" sz="2200" dirty="0">
+                <a:solidFill>
+                  <a:srgbClr val="FC6F0D"/>
+                </a:solidFill>
+                <a:latin typeface="Calibri" panose="020F0502020204030204" pitchFamily="34" charset="0"/>
+                <a:cs typeface="Calibri" panose="020F0502020204030204" pitchFamily="34" charset="0"/>
+              </a:rPr>
+              <a:t>job', count</a:t>
+            </a:r>
+            <a:r>
+              <a:rPr lang="en-US" sz="2200" dirty="0" smtClean="0">
+                <a:solidFill>
+                  <a:srgbClr val="FC6F0D"/>
+                </a:solidFill>
+                <a:latin typeface="Calibri" panose="020F0502020204030204" pitchFamily="34" charset="0"/>
+                <a:cs typeface="Calibri" panose="020F0502020204030204" pitchFamily="34" charset="0"/>
+              </a:rPr>
+              <a:t>: {$</a:t>
+            </a:r>
+            <a:r>
+              <a:rPr lang="en-US" sz="2200" dirty="0">
+                <a:solidFill>
+                  <a:srgbClr val="FC6F0D"/>
+                </a:solidFill>
+                <a:latin typeface="Calibri" panose="020F0502020204030204" pitchFamily="34" charset="0"/>
+                <a:cs typeface="Calibri" panose="020F0502020204030204" pitchFamily="34" charset="0"/>
+              </a:rPr>
+              <a:t>sum</a:t>
+            </a:r>
+            <a:r>
+              <a:rPr lang="en-US" sz="2200" dirty="0" smtClean="0">
+                <a:solidFill>
+                  <a:srgbClr val="FC6F0D"/>
+                </a:solidFill>
+                <a:latin typeface="Calibri" panose="020F0502020204030204" pitchFamily="34" charset="0"/>
+                <a:cs typeface="Calibri" panose="020F0502020204030204" pitchFamily="34" charset="0"/>
+              </a:rPr>
+              <a:t>: '$</a:t>
+            </a:r>
+            <a:r>
+              <a:rPr lang="en-US" sz="2200" dirty="0">
+                <a:solidFill>
+                  <a:srgbClr val="FC6F0D"/>
+                </a:solidFill>
+                <a:latin typeface="Calibri" panose="020F0502020204030204" pitchFamily="34" charset="0"/>
+                <a:cs typeface="Calibri" panose="020F0502020204030204" pitchFamily="34" charset="0"/>
+              </a:rPr>
+              <a:t>sal'} </a:t>
+            </a:r>
+            <a:r>
+              <a:rPr lang="en-US" sz="2200" dirty="0" smtClean="0">
+                <a:solidFill>
+                  <a:srgbClr val="FC6F0D"/>
+                </a:solidFill>
+                <a:latin typeface="Calibri" panose="020F0502020204030204" pitchFamily="34" charset="0"/>
+                <a:cs typeface="Calibri" panose="020F0502020204030204" pitchFamily="34" charset="0"/>
+              </a:rPr>
+              <a:t>} } ])</a:t>
+            </a:r>
+            <a:endParaRPr lang="en-US" sz="2200" dirty="0">
+              <a:solidFill>
+                <a:srgbClr val="FC6F0D"/>
+              </a:solidFill>
+              <a:latin typeface="Calibri" panose="020F0502020204030204" pitchFamily="34" charset="0"/>
               <a:cs typeface="Calibri" panose="020F0502020204030204" pitchFamily="34" charset="0"/>
             </a:endParaRPr>
           </a:p>
@@ -32032,7 +32724,7 @@
     </p:spTree>
     <p:extLst>
       <p:ext uri="{BB962C8B-B14F-4D97-AF65-F5344CB8AC3E}">
-        <p14:creationId xmlns:p14="http://schemas.microsoft.com/office/powerpoint/2010/main" val="4200858574"/>
+        <p14:creationId xmlns:p14="http://schemas.microsoft.com/office/powerpoint/2010/main" val="4208513119"/>
       </p:ext>
     </p:extLst>
   </p:cSld>
@@ -32159,51 +32851,10 @@
           </a:p>
         </p:txBody>
       </p:sp>
-      <p:sp>
-        <p:nvSpPr>
-          <p:cNvPr id="4" name="Rectangle 3"/>
-          <p:cNvSpPr/>
-          <p:nvPr/>
-        </p:nvSpPr>
-        <p:spPr>
-          <a:xfrm>
-            <a:off x="149188" y="1828800"/>
-            <a:ext cx="8761264" cy="369332"/>
-          </a:xfrm>
-          <a:prstGeom prst="rect">
-            <a:avLst/>
-          </a:prstGeom>
-        </p:spPr>
-        <p:txBody>
-          <a:bodyPr wrap="square">
-            <a:spAutoFit/>
-          </a:bodyPr>
-          <a:lstStyle/>
-          <a:p>
-            <a:r>
-              <a:rPr lang="en-US" dirty="0" smtClean="0">
-                <a:solidFill>
-                  <a:srgbClr val="049DC8"/>
-                </a:solidFill>
-                <a:latin typeface="Consolas" panose="020B0609020204030204" pitchFamily="49" charset="0"/>
-                <a:cs typeface="Calibri" panose="020F0502020204030204" pitchFamily="34" charset="0"/>
-              </a:rPr>
-              <a:t>{ $&lt;stageOperator&gt; : { } }</a:t>
-            </a:r>
-            <a:endParaRPr lang="en-US" dirty="0">
-              <a:solidFill>
-                <a:srgbClr val="049DC8"/>
-              </a:solidFill>
-              <a:latin typeface="Consolas" panose="020B0609020204030204" pitchFamily="49" charset="0"/>
-              <a:cs typeface="Calibri" panose="020F0502020204030204" pitchFamily="34" charset="0"/>
-            </a:endParaRPr>
-          </a:p>
-        </p:txBody>
-      </p:sp>
     </p:spTree>
     <p:extLst>
       <p:ext uri="{BB962C8B-B14F-4D97-AF65-F5344CB8AC3E}">
-        <p14:creationId xmlns:p14="http://schemas.microsoft.com/office/powerpoint/2010/main" val="2535387021"/>
+        <p14:creationId xmlns:p14="http://schemas.microsoft.com/office/powerpoint/2010/main" val="1298561359"/>
       </p:ext>
     </p:extLst>
   </p:cSld>
@@ -32330,51 +32981,10 @@
           </a:p>
         </p:txBody>
       </p:sp>
-      <p:sp>
-        <p:nvSpPr>
-          <p:cNvPr id="4" name="Rectangle 3"/>
-          <p:cNvSpPr/>
-          <p:nvPr/>
-        </p:nvSpPr>
-        <p:spPr>
-          <a:xfrm>
-            <a:off x="149188" y="1828800"/>
-            <a:ext cx="8761264" cy="369332"/>
-          </a:xfrm>
-          <a:prstGeom prst="rect">
-            <a:avLst/>
-          </a:prstGeom>
-        </p:spPr>
-        <p:txBody>
-          <a:bodyPr wrap="square">
-            <a:spAutoFit/>
-          </a:bodyPr>
-          <a:lstStyle/>
-          <a:p>
-            <a:r>
-              <a:rPr lang="en-US" dirty="0" smtClean="0">
-                <a:solidFill>
-                  <a:srgbClr val="049DC8"/>
-                </a:solidFill>
-                <a:latin typeface="Consolas" panose="020B0609020204030204" pitchFamily="49" charset="0"/>
-                <a:cs typeface="Calibri" panose="020F0502020204030204" pitchFamily="34" charset="0"/>
-              </a:rPr>
-              <a:t>{ $&lt;stageOperator&gt; : { } }</a:t>
-            </a:r>
-            <a:endParaRPr lang="en-US" dirty="0">
-              <a:solidFill>
-                <a:srgbClr val="049DC8"/>
-              </a:solidFill>
-              <a:latin typeface="Consolas" panose="020B0609020204030204" pitchFamily="49" charset="0"/>
-              <a:cs typeface="Calibri" panose="020F0502020204030204" pitchFamily="34" charset="0"/>
-            </a:endParaRPr>
-          </a:p>
-        </p:txBody>
-      </p:sp>
     </p:spTree>
     <p:extLst>
       <p:ext uri="{BB962C8B-B14F-4D97-AF65-F5344CB8AC3E}">
-        <p14:creationId xmlns:p14="http://schemas.microsoft.com/office/powerpoint/2010/main" val="3372373110"/>
+        <p14:creationId xmlns:p14="http://schemas.microsoft.com/office/powerpoint/2010/main" val="2767122750"/>
       </p:ext>
     </p:extLst>
   </p:cSld>
@@ -32504,7 +33114,7 @@
     </p:spTree>
     <p:extLst>
       <p:ext uri="{BB962C8B-B14F-4D97-AF65-F5344CB8AC3E}">
-        <p14:creationId xmlns:p14="http://schemas.microsoft.com/office/powerpoint/2010/main" val="1298561359"/>
+        <p14:creationId xmlns:p14="http://schemas.microsoft.com/office/powerpoint/2010/main" val="3923222660"/>
       </p:ext>
     </p:extLst>
   </p:cSld>
@@ -32634,7 +33244,7 @@
     </p:spTree>
     <p:extLst>
       <p:ext uri="{BB962C8B-B14F-4D97-AF65-F5344CB8AC3E}">
-        <p14:creationId xmlns:p14="http://schemas.microsoft.com/office/powerpoint/2010/main" val="2767122750"/>
+        <p14:creationId xmlns:p14="http://schemas.microsoft.com/office/powerpoint/2010/main" val="166747101"/>
       </p:ext>
     </p:extLst>
   </p:cSld>
@@ -32764,7 +33374,7 @@
     </p:spTree>
     <p:extLst>
       <p:ext uri="{BB962C8B-B14F-4D97-AF65-F5344CB8AC3E}">
-        <p14:creationId xmlns:p14="http://schemas.microsoft.com/office/powerpoint/2010/main" val="3923222660"/>
+        <p14:creationId xmlns:p14="http://schemas.microsoft.com/office/powerpoint/2010/main" val="924942284"/>
       </p:ext>
     </p:extLst>
   </p:cSld>
@@ -32894,7 +33504,7 @@
     </p:spTree>
     <p:extLst>
       <p:ext uri="{BB962C8B-B14F-4D97-AF65-F5344CB8AC3E}">
-        <p14:creationId xmlns:p14="http://schemas.microsoft.com/office/powerpoint/2010/main" val="166747101"/>
+        <p14:creationId xmlns:p14="http://schemas.microsoft.com/office/powerpoint/2010/main" val="3259065627"/>
       </p:ext>
     </p:extLst>
   </p:cSld>
@@ -33024,7 +33634,7 @@
     </p:spTree>
     <p:extLst>
       <p:ext uri="{BB962C8B-B14F-4D97-AF65-F5344CB8AC3E}">
-        <p14:creationId xmlns:p14="http://schemas.microsoft.com/office/powerpoint/2010/main" val="924942284"/>
+        <p14:creationId xmlns:p14="http://schemas.microsoft.com/office/powerpoint/2010/main" val="3171492564"/>
       </p:ext>
     </p:extLst>
   </p:cSld>
@@ -33154,7 +33764,7 @@
     </p:spTree>
     <p:extLst>
       <p:ext uri="{BB962C8B-B14F-4D97-AF65-F5344CB8AC3E}">
-        <p14:creationId xmlns:p14="http://schemas.microsoft.com/office/powerpoint/2010/main" val="3259065627"/>
+        <p14:creationId xmlns:p14="http://schemas.microsoft.com/office/powerpoint/2010/main" val="2780407736"/>
       </p:ext>
     </p:extLst>
   </p:cSld>

--- a/MongoDB PPT.pptx
+++ b/MongoDB PPT.pptx
@@ -93,8 +93,8 @@
     <p:sldId id="1202" r:id="rId84"/>
     <p:sldId id="1203" r:id="rId85"/>
     <p:sldId id="1204" r:id="rId86"/>
-    <p:sldId id="1206" r:id="rId87"/>
-    <p:sldId id="1207" r:id="rId88"/>
+    <p:sldId id="1212" r:id="rId87"/>
+    <p:sldId id="1206" r:id="rId88"/>
     <p:sldId id="1208" r:id="rId89"/>
     <p:sldId id="1209" r:id="rId90"/>
     <p:sldId id="1210" r:id="rId91"/>
@@ -27535,7 +27535,7 @@
         </p:nvSpPr>
         <p:spPr>
           <a:xfrm>
-            <a:off x="149188" y="1828800"/>
+            <a:off x="149188" y="1764268"/>
             <a:ext cx="8761264" cy="369332"/>
           </a:xfrm>
           <a:prstGeom prst="rect">
@@ -27576,7 +27576,7 @@
         </p:nvSpPr>
         <p:spPr>
           <a:xfrm>
-            <a:off x="149188" y="3933493"/>
+            <a:off x="182835" y="5257800"/>
             <a:ext cx="8845624" cy="461665"/>
           </a:xfrm>
           <a:prstGeom prst="rect">
@@ -27625,7 +27625,7 @@
         </p:nvSpPr>
         <p:spPr>
           <a:xfrm>
-            <a:off x="155126" y="4507468"/>
+            <a:off x="188773" y="5831775"/>
             <a:ext cx="8761264" cy="369332"/>
           </a:xfrm>
           <a:prstGeom prst="rect">
@@ -27666,7 +27666,7 @@
         </p:nvSpPr>
         <p:spPr>
           <a:xfrm>
-            <a:off x="149188" y="2485654"/>
+            <a:off x="149188" y="2231648"/>
             <a:ext cx="8761264" cy="892552"/>
           </a:xfrm>
           <a:prstGeom prst="rect">
@@ -27780,6 +27780,166 @@
           </a:p>
         </p:txBody>
       </p:sp>
+      <p:graphicFrame>
+        <p:nvGraphicFramePr>
+          <p:cNvPr id="2" name="Table 1"/>
+          <p:cNvGraphicFramePr>
+            <a:graphicFrameLocks noGrp="1"/>
+          </p:cNvGraphicFramePr>
+          <p:nvPr>
+            <p:extLst>
+              <p:ext uri="{D42A27DB-BD31-4B8C-83A1-F6EECF244321}">
+                <p14:modId xmlns:p14="http://schemas.microsoft.com/office/powerpoint/2010/main" val="37039961"/>
+              </p:ext>
+            </p:extLst>
+          </p:nvPr>
+        </p:nvGraphicFramePr>
+        <p:xfrm>
+          <a:off x="166010" y="3286825"/>
+          <a:ext cx="8784026" cy="1879600"/>
+        </p:xfrm>
+        <a:graphic>
+          <a:graphicData uri="http://schemas.openxmlformats.org/drawingml/2006/table">
+            <a:tbl>
+              <a:tblPr firstRow="1" bandRow="1">
+                <a:tableStyleId>{5940675A-B579-460E-94D1-54222C63F5DA}</a:tableStyleId>
+              </a:tblPr>
+              <a:tblGrid>
+                <a:gridCol w="4392013"/>
+                <a:gridCol w="4392013"/>
+              </a:tblGrid>
+              <a:tr h="370840">
+                <a:tc gridSpan="2">
+                  <a:txBody>
+                    <a:bodyPr/>
+                    <a:lstStyle/>
+                    <a:p>
+                      <a:r>
+                        <a:rPr kumimoji="0" lang="en-US" sz="2000" b="1" kern="1200" dirty="0" smtClean="0">
+                          <a:solidFill>
+                            <a:srgbClr val="DFE100"/>
+                          </a:solidFill>
+                          <a:latin typeface="+mn-lt"/>
+                          <a:ea typeface="+mn-ea"/>
+                          <a:cs typeface="+mn-cs"/>
+                        </a:rPr>
+                        <a:t>Stage Operators</a:t>
+                      </a:r>
+                      <a:endParaRPr kumimoji="0" lang="en-US" sz="2000" b="1" kern="1200" dirty="0">
+                        <a:solidFill>
+                          <a:srgbClr val="DFE100"/>
+                        </a:solidFill>
+                        <a:latin typeface="+mn-lt"/>
+                        <a:ea typeface="+mn-ea"/>
+                        <a:cs typeface="+mn-cs"/>
+                      </a:endParaRPr>
+                    </a:p>
+                  </a:txBody>
+                  <a:tcPr/>
+                </a:tc>
+                <a:tc hMerge="1">
+                  <a:txBody>
+                    <a:bodyPr/>
+                    <a:lstStyle/>
+                    <a:p>
+                      <a:endParaRPr lang="en-US" dirty="0"/>
+                    </a:p>
+                  </a:txBody>
+                  <a:tcPr/>
+                </a:tc>
+              </a:tr>
+              <a:tr h="370840">
+                <a:tc>
+                  <a:txBody>
+                    <a:bodyPr/>
+                    <a:lstStyle/>
+                    <a:p>
+                      <a:endParaRPr lang="en-US" dirty="0"/>
+                    </a:p>
+                  </a:txBody>
+                  <a:tcPr/>
+                </a:tc>
+                <a:tc>
+                  <a:txBody>
+                    <a:bodyPr/>
+                    <a:lstStyle/>
+                    <a:p>
+                      <a:endParaRPr lang="en-US"/>
+                    </a:p>
+                  </a:txBody>
+                  <a:tcPr/>
+                </a:tc>
+              </a:tr>
+              <a:tr h="370840">
+                <a:tc>
+                  <a:txBody>
+                    <a:bodyPr/>
+                    <a:lstStyle/>
+                    <a:p>
+                      <a:endParaRPr lang="en-US"/>
+                    </a:p>
+                  </a:txBody>
+                  <a:tcPr/>
+                </a:tc>
+                <a:tc>
+                  <a:txBody>
+                    <a:bodyPr/>
+                    <a:lstStyle/>
+                    <a:p>
+                      <a:endParaRPr lang="en-US"/>
+                    </a:p>
+                  </a:txBody>
+                  <a:tcPr/>
+                </a:tc>
+              </a:tr>
+              <a:tr h="370840">
+                <a:tc>
+                  <a:txBody>
+                    <a:bodyPr/>
+                    <a:lstStyle/>
+                    <a:p>
+                      <a:endParaRPr lang="en-US"/>
+                    </a:p>
+                  </a:txBody>
+                  <a:tcPr/>
+                </a:tc>
+                <a:tc>
+                  <a:txBody>
+                    <a:bodyPr/>
+                    <a:lstStyle/>
+                    <a:p>
+                      <a:endParaRPr lang="en-US"/>
+                    </a:p>
+                  </a:txBody>
+                  <a:tcPr/>
+                </a:tc>
+              </a:tr>
+              <a:tr h="370840">
+                <a:tc>
+                  <a:txBody>
+                    <a:bodyPr/>
+                    <a:lstStyle/>
+                    <a:p>
+                      <a:endParaRPr lang="en-US"/>
+                    </a:p>
+                  </a:txBody>
+                  <a:tcPr/>
+                </a:tc>
+                <a:tc>
+                  <a:txBody>
+                    <a:bodyPr/>
+                    <a:lstStyle/>
+                    <a:p>
+                      <a:endParaRPr lang="en-US" dirty="0"/>
+                    </a:p>
+                  </a:txBody>
+                  <a:tcPr/>
+                </a:tc>
+              </a:tr>
+            </a:tbl>
+          </a:graphicData>
+        </a:graphic>
+      </p:graphicFrame>
     </p:spTree>
     <p:extLst>
       <p:ext uri="{BB962C8B-B14F-4D97-AF65-F5344CB8AC3E}">
@@ -28226,14 +28386,14 @@
           <p:nvPr>
             <p:extLst>
               <p:ext uri="{D42A27DB-BD31-4B8C-83A1-F6EECF244321}">
-                <p14:modId xmlns:p14="http://schemas.microsoft.com/office/powerpoint/2010/main" val="2851991049"/>
+                <p14:modId xmlns:p14="http://schemas.microsoft.com/office/powerpoint/2010/main" val="2117911735"/>
               </p:ext>
             </p:extLst>
           </p:nvPr>
         </p:nvGraphicFramePr>
         <p:xfrm>
           <a:off x="149188" y="2438400"/>
-          <a:ext cx="8845624" cy="1828800"/>
+          <a:ext cx="8845624" cy="1859280"/>
         </p:xfrm>
         <a:graphic>
           <a:graphicData uri="http://schemas.openxmlformats.org/drawingml/2006/table">
@@ -28252,14 +28412,14 @@
                     <a:lstStyle/>
                     <a:p>
                       <a:r>
-                        <a:rPr lang="en-US" b="1" dirty="0" smtClean="0">
+                        <a:rPr lang="en-US" sz="2000" b="1" dirty="0" smtClean="0">
                           <a:solidFill>
                             <a:srgbClr val="DFE100"/>
                           </a:solidFill>
                         </a:rPr>
                         <a:t>Accumulator Operator</a:t>
                       </a:r>
-                      <a:endParaRPr lang="en-US" b="1" dirty="0">
+                      <a:endParaRPr lang="en-US" sz="2000" b="1" dirty="0">
                         <a:solidFill>
                           <a:srgbClr val="DFE100"/>
                         </a:solidFill>
@@ -29200,13 +29360,6 @@
               </a:rPr>
               <a:t>} } ])</a:t>
             </a:r>
-            <a:endParaRPr lang="en-US" sz="2200" dirty="0" smtClean="0">
-              <a:solidFill>
-                <a:srgbClr val="FC6F0D"/>
-              </a:solidFill>
-              <a:latin typeface="Calibri" panose="020F0502020204030204" pitchFamily="34" charset="0"/>
-              <a:cs typeface="Calibri" panose="020F0502020204030204" pitchFamily="34" charset="0"/>
-            </a:endParaRPr>
           </a:p>
         </p:txBody>
       </p:sp>
@@ -29298,13 +29451,6 @@
               </a:rPr>
               <a:t>skip</a:t>
             </a:r>
-            <a:endParaRPr lang="en-IN" sz="3200" b="1" i="1" dirty="0">
-              <a:solidFill>
-                <a:srgbClr val="FFFF00"/>
-              </a:solidFill>
-              <a:latin typeface="Arial" pitchFamily="34" charset="0"/>
-              <a:cs typeface="Arial" pitchFamily="34" charset="0"/>
-            </a:endParaRPr>
           </a:p>
         </p:txBody>
       </p:sp>
@@ -29366,8 +29512,15 @@
                 <a:latin typeface="Consolas" panose="020B0609020204030204" pitchFamily="49" charset="0"/>
                 <a:cs typeface="Calibri" panose="020F0502020204030204" pitchFamily="34" charset="0"/>
               </a:rPr>
-              <a:t>{ $match: { &lt;query&gt; } }</a:t>
-            </a:r>
+              <a:t>{ $skip: &lt;positive integer&gt; }</a:t>
+            </a:r>
+            <a:endParaRPr lang="en-US" dirty="0">
+              <a:solidFill>
+                <a:srgbClr val="049DC8"/>
+              </a:solidFill>
+              <a:latin typeface="Consolas" panose="020B0609020204030204" pitchFamily="49" charset="0"/>
+              <a:cs typeface="Calibri" panose="020F0502020204030204" pitchFamily="34" charset="0"/>
+            </a:endParaRPr>
           </a:p>
         </p:txBody>
       </p:sp>
@@ -29447,7 +29600,7 @@
                 <a:latin typeface="Arial" pitchFamily="34" charset="0"/>
                 <a:cs typeface="Arial" pitchFamily="34" charset="0"/>
               </a:rPr>
-              <a:t>$sort</a:t>
+              <a:t>$limit</a:t>
             </a:r>
             <a:endParaRPr lang="en-IN" sz="3200" b="1" i="1" dirty="0">
               <a:solidFill>
@@ -29517,349 +29670,13 @@
                 <a:latin typeface="Consolas" panose="020B0609020204030204" pitchFamily="49" charset="0"/>
                 <a:cs typeface="Calibri" panose="020F0502020204030204" pitchFamily="34" charset="0"/>
               </a:rPr>
-              <a:t>{ $match: { &lt;query&gt; } }</a:t>
-            </a:r>
-          </a:p>
-        </p:txBody>
-      </p:sp>
-      <p:sp>
-        <p:nvSpPr>
-          <p:cNvPr id="5" name="Rectangle 4"/>
-          <p:cNvSpPr/>
-          <p:nvPr/>
-        </p:nvSpPr>
-        <p:spPr>
-          <a:xfrm>
-            <a:off x="149188" y="2133600"/>
-            <a:ext cx="8761264" cy="1692771"/>
-          </a:xfrm>
-          <a:prstGeom prst="rect">
-            <a:avLst/>
-          </a:prstGeom>
-        </p:spPr>
-        <p:txBody>
-          <a:bodyPr wrap="square">
-            <a:spAutoFit/>
-          </a:bodyPr>
-          <a:lstStyle/>
-          <a:p>
-            <a:r>
-              <a:rPr lang="en-US" sz="2200" dirty="0">
-                <a:solidFill>
-                  <a:srgbClr val="FC6F0D"/>
-                </a:solidFill>
-                <a:latin typeface="Calibri" panose="020F0502020204030204" pitchFamily="34" charset="0"/>
-                <a:cs typeface="Calibri" panose="020F0502020204030204" pitchFamily="34" charset="0"/>
-              </a:rPr>
-              <a:t>db.emp.aggregate </a:t>
-            </a:r>
-            <a:r>
-              <a:rPr lang="en-US" sz="2200" dirty="0" smtClean="0">
-                <a:solidFill>
-                  <a:srgbClr val="FC6F0D"/>
-                </a:solidFill>
-                <a:latin typeface="Calibri" panose="020F0502020204030204" pitchFamily="34" charset="0"/>
-                <a:cs typeface="Calibri" panose="020F0502020204030204" pitchFamily="34" charset="0"/>
-              </a:rPr>
-              <a:t>([ {$</a:t>
-            </a:r>
-            <a:r>
-              <a:rPr lang="en-US" sz="2200" dirty="0">
-                <a:solidFill>
-                  <a:srgbClr val="FC6F0D"/>
-                </a:solidFill>
-                <a:latin typeface="Calibri" panose="020F0502020204030204" pitchFamily="34" charset="0"/>
-                <a:cs typeface="Calibri" panose="020F0502020204030204" pitchFamily="34" charset="0"/>
-              </a:rPr>
-              <a:t>match: { job:'manager</a:t>
-            </a:r>
-            <a:r>
-              <a:rPr lang="en-US" sz="2200" dirty="0" smtClean="0">
-                <a:solidFill>
-                  <a:srgbClr val="FC6F0D"/>
-                </a:solidFill>
-                <a:latin typeface="Calibri" panose="020F0502020204030204" pitchFamily="34" charset="0"/>
-                <a:cs typeface="Calibri" panose="020F0502020204030204" pitchFamily="34" charset="0"/>
-              </a:rPr>
-              <a:t>'} } ])</a:t>
-            </a:r>
-          </a:p>
-          <a:p>
-            <a:endParaRPr lang="en-US" sz="800" dirty="0" smtClean="0">
+              <a:t>{ $limit: &lt;positive integer&gt; }</a:t>
+            </a:r>
+            <a:endParaRPr lang="en-US" dirty="0">
               <a:solidFill>
-                <a:srgbClr val="FC6F0D"/>
+                <a:srgbClr val="049DC8"/>
               </a:solidFill>
-              <a:latin typeface="Calibri" panose="020F0502020204030204" pitchFamily="34" charset="0"/>
-              <a:cs typeface="Calibri" panose="020F0502020204030204" pitchFamily="34" charset="0"/>
-            </a:endParaRPr>
-          </a:p>
-          <a:p>
-            <a:r>
-              <a:rPr lang="en-US" sz="2200" dirty="0">
-                <a:solidFill>
-                  <a:srgbClr val="FC6F0D"/>
-                </a:solidFill>
-                <a:latin typeface="Calibri" panose="020F0502020204030204" pitchFamily="34" charset="0"/>
-                <a:cs typeface="Calibri" panose="020F0502020204030204" pitchFamily="34" charset="0"/>
-              </a:rPr>
-              <a:t>db.emp.aggregate </a:t>
-            </a:r>
-            <a:r>
-              <a:rPr lang="en-US" sz="2200" dirty="0" smtClean="0">
-                <a:solidFill>
-                  <a:srgbClr val="FC6F0D"/>
-                </a:solidFill>
-                <a:latin typeface="Calibri" panose="020F0502020204030204" pitchFamily="34" charset="0"/>
-                <a:cs typeface="Calibri" panose="020F0502020204030204" pitchFamily="34" charset="0"/>
-              </a:rPr>
-              <a:t>([ {$</a:t>
-            </a:r>
-            <a:r>
-              <a:rPr lang="en-US" sz="2200" dirty="0">
-                <a:solidFill>
-                  <a:srgbClr val="FC6F0D"/>
-                </a:solidFill>
-                <a:latin typeface="Calibri" panose="020F0502020204030204" pitchFamily="34" charset="0"/>
-                <a:cs typeface="Calibri" panose="020F0502020204030204" pitchFamily="34" charset="0"/>
-              </a:rPr>
-              <a:t>match: {comm: </a:t>
-            </a:r>
-            <a:r>
-              <a:rPr lang="en-US" sz="2200" dirty="0" smtClean="0">
-                <a:solidFill>
-                  <a:srgbClr val="FC6F0D"/>
-                </a:solidFill>
-                <a:latin typeface="Calibri" panose="020F0502020204030204" pitchFamily="34" charset="0"/>
-                <a:cs typeface="Calibri" panose="020F0502020204030204" pitchFamily="34" charset="0"/>
-              </a:rPr>
-              <a:t>{$</a:t>
-            </a:r>
-            <a:r>
-              <a:rPr lang="en-US" sz="2200" dirty="0">
-                <a:solidFill>
-                  <a:srgbClr val="FC6F0D"/>
-                </a:solidFill>
-                <a:latin typeface="Calibri" panose="020F0502020204030204" pitchFamily="34" charset="0"/>
-                <a:cs typeface="Calibri" panose="020F0502020204030204" pitchFamily="34" charset="0"/>
-              </a:rPr>
-              <a:t>eq</a:t>
-            </a:r>
-            <a:r>
-              <a:rPr lang="en-US" sz="2200" dirty="0" smtClean="0">
-                <a:solidFill>
-                  <a:srgbClr val="FC6F0D"/>
-                </a:solidFill>
-                <a:latin typeface="Calibri" panose="020F0502020204030204" pitchFamily="34" charset="0"/>
-                <a:cs typeface="Calibri" panose="020F0502020204030204" pitchFamily="34" charset="0"/>
-              </a:rPr>
-              <a:t>: null} </a:t>
-            </a:r>
-            <a:r>
-              <a:rPr lang="en-US" sz="2200" dirty="0">
-                <a:solidFill>
-                  <a:srgbClr val="FC6F0D"/>
-                </a:solidFill>
-                <a:latin typeface="Calibri" panose="020F0502020204030204" pitchFamily="34" charset="0"/>
-                <a:cs typeface="Calibri" panose="020F0502020204030204" pitchFamily="34" charset="0"/>
-              </a:rPr>
-              <a:t>} </a:t>
-            </a:r>
-            <a:r>
-              <a:rPr lang="en-US" sz="2200" dirty="0" smtClean="0">
-                <a:solidFill>
-                  <a:srgbClr val="FC6F0D"/>
-                </a:solidFill>
-                <a:latin typeface="Calibri" panose="020F0502020204030204" pitchFamily="34" charset="0"/>
-                <a:cs typeface="Calibri" panose="020F0502020204030204" pitchFamily="34" charset="0"/>
-              </a:rPr>
-              <a:t>} ])</a:t>
-            </a:r>
-          </a:p>
-          <a:p>
-            <a:endParaRPr lang="en-US" sz="800" dirty="0">
-              <a:solidFill>
-                <a:srgbClr val="FC6F0D"/>
-              </a:solidFill>
-              <a:latin typeface="Calibri" panose="020F0502020204030204" pitchFamily="34" charset="0"/>
-              <a:cs typeface="Calibri" panose="020F0502020204030204" pitchFamily="34" charset="0"/>
-            </a:endParaRPr>
-          </a:p>
-          <a:p>
-            <a:r>
-              <a:rPr lang="en-US" sz="2200" dirty="0" smtClean="0">
-                <a:solidFill>
-                  <a:srgbClr val="FC6F0D"/>
-                </a:solidFill>
-                <a:latin typeface="Calibri" panose="020F0502020204030204" pitchFamily="34" charset="0"/>
-                <a:cs typeface="Calibri" panose="020F0502020204030204" pitchFamily="34" charset="0"/>
-              </a:rPr>
-              <a:t>db.emp.aggregate ([ {$</a:t>
-            </a:r>
-            <a:r>
-              <a:rPr lang="en-US" sz="2200" dirty="0">
-                <a:solidFill>
-                  <a:srgbClr val="FC6F0D"/>
-                </a:solidFill>
-                <a:latin typeface="Calibri" panose="020F0502020204030204" pitchFamily="34" charset="0"/>
-                <a:cs typeface="Calibri" panose="020F0502020204030204" pitchFamily="34" charset="0"/>
-              </a:rPr>
-              <a:t>match</a:t>
-            </a:r>
-            <a:r>
-              <a:rPr lang="en-US" sz="2200" dirty="0" smtClean="0">
-                <a:solidFill>
-                  <a:srgbClr val="FC6F0D"/>
-                </a:solidFill>
-                <a:latin typeface="Calibri" panose="020F0502020204030204" pitchFamily="34" charset="0"/>
-                <a:cs typeface="Calibri" panose="020F0502020204030204" pitchFamily="34" charset="0"/>
-              </a:rPr>
-              <a:t>: {</a:t>
-            </a:r>
-            <a:r>
-              <a:rPr lang="en-US" sz="2200" dirty="0">
-                <a:solidFill>
-                  <a:srgbClr val="FC6F0D"/>
-                </a:solidFill>
-                <a:latin typeface="Calibri" panose="020F0502020204030204" pitchFamily="34" charset="0"/>
-                <a:cs typeface="Calibri" panose="020F0502020204030204" pitchFamily="34" charset="0"/>
-              </a:rPr>
-              <a:t>sal</a:t>
-            </a:r>
-            <a:r>
-              <a:rPr lang="en-US" sz="2200" dirty="0" smtClean="0">
-                <a:solidFill>
-                  <a:srgbClr val="FC6F0D"/>
-                </a:solidFill>
-                <a:latin typeface="Calibri" panose="020F0502020204030204" pitchFamily="34" charset="0"/>
-                <a:cs typeface="Calibri" panose="020F0502020204030204" pitchFamily="34" charset="0"/>
-              </a:rPr>
-              <a:t>: {$</a:t>
-            </a:r>
-            <a:r>
-              <a:rPr lang="en-US" sz="2200" dirty="0">
-                <a:solidFill>
-                  <a:srgbClr val="FC6F0D"/>
-                </a:solidFill>
-                <a:latin typeface="Calibri" panose="020F0502020204030204" pitchFamily="34" charset="0"/>
-                <a:cs typeface="Calibri" panose="020F0502020204030204" pitchFamily="34" charset="0"/>
-              </a:rPr>
-              <a:t>gt</a:t>
-            </a:r>
-            <a:r>
-              <a:rPr lang="en-US" sz="2200" dirty="0" smtClean="0">
-                <a:solidFill>
-                  <a:srgbClr val="FC6F0D"/>
-                </a:solidFill>
-                <a:latin typeface="Calibri" panose="020F0502020204030204" pitchFamily="34" charset="0"/>
-                <a:cs typeface="Calibri" panose="020F0502020204030204" pitchFamily="34" charset="0"/>
-              </a:rPr>
-              <a:t>: 4000} }}, {$</a:t>
-            </a:r>
-            <a:r>
-              <a:rPr lang="en-US" sz="2200" dirty="0">
-                <a:solidFill>
-                  <a:srgbClr val="FC6F0D"/>
-                </a:solidFill>
-                <a:latin typeface="Calibri" panose="020F0502020204030204" pitchFamily="34" charset="0"/>
-                <a:cs typeface="Calibri" panose="020F0502020204030204" pitchFamily="34" charset="0"/>
-              </a:rPr>
-              <a:t>group</a:t>
-            </a:r>
-            <a:r>
-              <a:rPr lang="en-US" sz="2200" dirty="0" smtClean="0">
-                <a:solidFill>
-                  <a:srgbClr val="FC6F0D"/>
-                </a:solidFill>
-                <a:latin typeface="Calibri" panose="020F0502020204030204" pitchFamily="34" charset="0"/>
-                <a:cs typeface="Calibri" panose="020F0502020204030204" pitchFamily="34" charset="0"/>
-              </a:rPr>
-              <a:t>: {_</a:t>
-            </a:r>
-            <a:r>
-              <a:rPr lang="en-US" sz="2200" dirty="0">
-                <a:solidFill>
-                  <a:srgbClr val="FC6F0D"/>
-                </a:solidFill>
-                <a:latin typeface="Calibri" panose="020F0502020204030204" pitchFamily="34" charset="0"/>
-                <a:cs typeface="Calibri" panose="020F0502020204030204" pitchFamily="34" charset="0"/>
-              </a:rPr>
-              <a:t>id</a:t>
-            </a:r>
-            <a:r>
-              <a:rPr lang="en-US" sz="2200" dirty="0" smtClean="0">
-                <a:solidFill>
-                  <a:srgbClr val="FC6F0D"/>
-                </a:solidFill>
-                <a:latin typeface="Calibri" panose="020F0502020204030204" pitchFamily="34" charset="0"/>
-                <a:cs typeface="Calibri" panose="020F0502020204030204" pitchFamily="34" charset="0"/>
-              </a:rPr>
-              <a:t>: '$</a:t>
-            </a:r>
-            <a:r>
-              <a:rPr lang="en-US" sz="2200" dirty="0">
-                <a:solidFill>
-                  <a:srgbClr val="FC6F0D"/>
-                </a:solidFill>
-                <a:latin typeface="Calibri" panose="020F0502020204030204" pitchFamily="34" charset="0"/>
-                <a:cs typeface="Calibri" panose="020F0502020204030204" pitchFamily="34" charset="0"/>
-              </a:rPr>
-              <a:t>job', count</a:t>
-            </a:r>
-            <a:r>
-              <a:rPr lang="en-US" sz="2200" dirty="0" smtClean="0">
-                <a:solidFill>
-                  <a:srgbClr val="FC6F0D"/>
-                </a:solidFill>
-                <a:latin typeface="Calibri" panose="020F0502020204030204" pitchFamily="34" charset="0"/>
-                <a:cs typeface="Calibri" panose="020F0502020204030204" pitchFamily="34" charset="0"/>
-              </a:rPr>
-              <a:t>: {$</a:t>
-            </a:r>
-            <a:r>
-              <a:rPr lang="en-US" sz="2200" dirty="0">
-                <a:solidFill>
-                  <a:srgbClr val="FC6F0D"/>
-                </a:solidFill>
-                <a:latin typeface="Calibri" panose="020F0502020204030204" pitchFamily="34" charset="0"/>
-                <a:cs typeface="Calibri" panose="020F0502020204030204" pitchFamily="34" charset="0"/>
-              </a:rPr>
-              <a:t>sum</a:t>
-            </a:r>
-            <a:r>
-              <a:rPr lang="en-US" sz="2200" dirty="0" smtClean="0">
-                <a:solidFill>
-                  <a:srgbClr val="FC6F0D"/>
-                </a:solidFill>
-                <a:latin typeface="Calibri" panose="020F0502020204030204" pitchFamily="34" charset="0"/>
-                <a:cs typeface="Calibri" panose="020F0502020204030204" pitchFamily="34" charset="0"/>
-              </a:rPr>
-              <a:t>: '$</a:t>
-            </a:r>
-            <a:r>
-              <a:rPr lang="en-US" sz="2200" dirty="0">
-                <a:solidFill>
-                  <a:srgbClr val="FC6F0D"/>
-                </a:solidFill>
-                <a:latin typeface="Calibri" panose="020F0502020204030204" pitchFamily="34" charset="0"/>
-                <a:cs typeface="Calibri" panose="020F0502020204030204" pitchFamily="34" charset="0"/>
-              </a:rPr>
-              <a:t>sal'} </a:t>
-            </a:r>
-            <a:r>
-              <a:rPr lang="en-US" sz="2200" dirty="0" smtClean="0">
-                <a:solidFill>
-                  <a:srgbClr val="FC6F0D"/>
-                </a:solidFill>
-                <a:latin typeface="Calibri" panose="020F0502020204030204" pitchFamily="34" charset="0"/>
-                <a:cs typeface="Calibri" panose="020F0502020204030204" pitchFamily="34" charset="0"/>
-              </a:rPr>
-              <a:t>} } ])</a:t>
-            </a:r>
-            <a:endParaRPr lang="en-US" sz="2200" dirty="0">
-              <a:solidFill>
-                <a:srgbClr val="FC6F0D"/>
-              </a:solidFill>
-              <a:latin typeface="Calibri" panose="020F0502020204030204" pitchFamily="34" charset="0"/>
+              <a:latin typeface="Consolas" panose="020B0609020204030204" pitchFamily="49" charset="0"/>
               <a:cs typeface="Calibri" panose="020F0502020204030204" pitchFamily="34" charset="0"/>
             </a:endParaRPr>
           </a:p>
@@ -29868,7 +29685,7 @@
     </p:spTree>
     <p:extLst>
       <p:ext uri="{BB962C8B-B14F-4D97-AF65-F5344CB8AC3E}">
-        <p14:creationId xmlns:p14="http://schemas.microsoft.com/office/powerpoint/2010/main" val="3459078610"/>
+        <p14:creationId xmlns:p14="http://schemas.microsoft.com/office/powerpoint/2010/main" val="3560609883"/>
       </p:ext>
     </p:extLst>
   </p:cSld>
@@ -29941,7 +29758,7 @@
                 <a:latin typeface="Arial" pitchFamily="34" charset="0"/>
                 <a:cs typeface="Arial" pitchFamily="34" charset="0"/>
               </a:rPr>
-              <a:t>$limit</a:t>
+              <a:t>$sort</a:t>
             </a:r>
             <a:endParaRPr lang="en-IN" sz="3200" b="1" i="1" dirty="0">
               <a:solidFill>
@@ -30011,349 +29828,13 @@
                 <a:latin typeface="Consolas" panose="020B0609020204030204" pitchFamily="49" charset="0"/>
                 <a:cs typeface="Calibri" panose="020F0502020204030204" pitchFamily="34" charset="0"/>
               </a:rPr>
-              <a:t>{ $match: { &lt;query&gt; } }</a:t>
-            </a:r>
-          </a:p>
-        </p:txBody>
-      </p:sp>
-      <p:sp>
-        <p:nvSpPr>
-          <p:cNvPr id="5" name="Rectangle 4"/>
-          <p:cNvSpPr/>
-          <p:nvPr/>
-        </p:nvSpPr>
-        <p:spPr>
-          <a:xfrm>
-            <a:off x="149188" y="2133600"/>
-            <a:ext cx="8761264" cy="1692771"/>
-          </a:xfrm>
-          <a:prstGeom prst="rect">
-            <a:avLst/>
-          </a:prstGeom>
-        </p:spPr>
-        <p:txBody>
-          <a:bodyPr wrap="square">
-            <a:spAutoFit/>
-          </a:bodyPr>
-          <a:lstStyle/>
-          <a:p>
-            <a:r>
-              <a:rPr lang="en-US" sz="2200" dirty="0">
-                <a:solidFill>
-                  <a:srgbClr val="FC6F0D"/>
-                </a:solidFill>
-                <a:latin typeface="Calibri" panose="020F0502020204030204" pitchFamily="34" charset="0"/>
-                <a:cs typeface="Calibri" panose="020F0502020204030204" pitchFamily="34" charset="0"/>
-              </a:rPr>
-              <a:t>db.emp.aggregate </a:t>
-            </a:r>
-            <a:r>
-              <a:rPr lang="en-US" sz="2200" dirty="0" smtClean="0">
-                <a:solidFill>
-                  <a:srgbClr val="FC6F0D"/>
-                </a:solidFill>
-                <a:latin typeface="Calibri" panose="020F0502020204030204" pitchFamily="34" charset="0"/>
-                <a:cs typeface="Calibri" panose="020F0502020204030204" pitchFamily="34" charset="0"/>
-              </a:rPr>
-              <a:t>([ {$</a:t>
-            </a:r>
-            <a:r>
-              <a:rPr lang="en-US" sz="2200" dirty="0">
-                <a:solidFill>
-                  <a:srgbClr val="FC6F0D"/>
-                </a:solidFill>
-                <a:latin typeface="Calibri" panose="020F0502020204030204" pitchFamily="34" charset="0"/>
-                <a:cs typeface="Calibri" panose="020F0502020204030204" pitchFamily="34" charset="0"/>
-              </a:rPr>
-              <a:t>match: { job:'manager</a:t>
-            </a:r>
-            <a:r>
-              <a:rPr lang="en-US" sz="2200" dirty="0" smtClean="0">
-                <a:solidFill>
-                  <a:srgbClr val="FC6F0D"/>
-                </a:solidFill>
-                <a:latin typeface="Calibri" panose="020F0502020204030204" pitchFamily="34" charset="0"/>
-                <a:cs typeface="Calibri" panose="020F0502020204030204" pitchFamily="34" charset="0"/>
-              </a:rPr>
-              <a:t>'} } ])</a:t>
-            </a:r>
-          </a:p>
-          <a:p>
-            <a:endParaRPr lang="en-US" sz="800" dirty="0" smtClean="0">
+              <a:t>{ $sort: { &lt;field1&gt;: &lt;sort order&gt;, &lt;field2&gt;: &lt;sort order&gt; ... } }</a:t>
+            </a:r>
+            <a:endParaRPr lang="en-US" dirty="0">
               <a:solidFill>
-                <a:srgbClr val="FC6F0D"/>
+                <a:srgbClr val="049DC8"/>
               </a:solidFill>
-              <a:latin typeface="Calibri" panose="020F0502020204030204" pitchFamily="34" charset="0"/>
-              <a:cs typeface="Calibri" panose="020F0502020204030204" pitchFamily="34" charset="0"/>
-            </a:endParaRPr>
-          </a:p>
-          <a:p>
-            <a:r>
-              <a:rPr lang="en-US" sz="2200" dirty="0">
-                <a:solidFill>
-                  <a:srgbClr val="FC6F0D"/>
-                </a:solidFill>
-                <a:latin typeface="Calibri" panose="020F0502020204030204" pitchFamily="34" charset="0"/>
-                <a:cs typeface="Calibri" panose="020F0502020204030204" pitchFamily="34" charset="0"/>
-              </a:rPr>
-              <a:t>db.emp.aggregate </a:t>
-            </a:r>
-            <a:r>
-              <a:rPr lang="en-US" sz="2200" dirty="0" smtClean="0">
-                <a:solidFill>
-                  <a:srgbClr val="FC6F0D"/>
-                </a:solidFill>
-                <a:latin typeface="Calibri" panose="020F0502020204030204" pitchFamily="34" charset="0"/>
-                <a:cs typeface="Calibri" panose="020F0502020204030204" pitchFamily="34" charset="0"/>
-              </a:rPr>
-              <a:t>([ {$</a:t>
-            </a:r>
-            <a:r>
-              <a:rPr lang="en-US" sz="2200" dirty="0">
-                <a:solidFill>
-                  <a:srgbClr val="FC6F0D"/>
-                </a:solidFill>
-                <a:latin typeface="Calibri" panose="020F0502020204030204" pitchFamily="34" charset="0"/>
-                <a:cs typeface="Calibri" panose="020F0502020204030204" pitchFamily="34" charset="0"/>
-              </a:rPr>
-              <a:t>match: {comm: </a:t>
-            </a:r>
-            <a:r>
-              <a:rPr lang="en-US" sz="2200" dirty="0" smtClean="0">
-                <a:solidFill>
-                  <a:srgbClr val="FC6F0D"/>
-                </a:solidFill>
-                <a:latin typeface="Calibri" panose="020F0502020204030204" pitchFamily="34" charset="0"/>
-                <a:cs typeface="Calibri" panose="020F0502020204030204" pitchFamily="34" charset="0"/>
-              </a:rPr>
-              <a:t>{$</a:t>
-            </a:r>
-            <a:r>
-              <a:rPr lang="en-US" sz="2200" dirty="0">
-                <a:solidFill>
-                  <a:srgbClr val="FC6F0D"/>
-                </a:solidFill>
-                <a:latin typeface="Calibri" panose="020F0502020204030204" pitchFamily="34" charset="0"/>
-                <a:cs typeface="Calibri" panose="020F0502020204030204" pitchFamily="34" charset="0"/>
-              </a:rPr>
-              <a:t>eq</a:t>
-            </a:r>
-            <a:r>
-              <a:rPr lang="en-US" sz="2200" dirty="0" smtClean="0">
-                <a:solidFill>
-                  <a:srgbClr val="FC6F0D"/>
-                </a:solidFill>
-                <a:latin typeface="Calibri" panose="020F0502020204030204" pitchFamily="34" charset="0"/>
-                <a:cs typeface="Calibri" panose="020F0502020204030204" pitchFamily="34" charset="0"/>
-              </a:rPr>
-              <a:t>: null} </a:t>
-            </a:r>
-            <a:r>
-              <a:rPr lang="en-US" sz="2200" dirty="0">
-                <a:solidFill>
-                  <a:srgbClr val="FC6F0D"/>
-                </a:solidFill>
-                <a:latin typeface="Calibri" panose="020F0502020204030204" pitchFamily="34" charset="0"/>
-                <a:cs typeface="Calibri" panose="020F0502020204030204" pitchFamily="34" charset="0"/>
-              </a:rPr>
-              <a:t>} </a:t>
-            </a:r>
-            <a:r>
-              <a:rPr lang="en-US" sz="2200" dirty="0" smtClean="0">
-                <a:solidFill>
-                  <a:srgbClr val="FC6F0D"/>
-                </a:solidFill>
-                <a:latin typeface="Calibri" panose="020F0502020204030204" pitchFamily="34" charset="0"/>
-                <a:cs typeface="Calibri" panose="020F0502020204030204" pitchFamily="34" charset="0"/>
-              </a:rPr>
-              <a:t>} ])</a:t>
-            </a:r>
-          </a:p>
-          <a:p>
-            <a:endParaRPr lang="en-US" sz="800" dirty="0">
-              <a:solidFill>
-                <a:srgbClr val="FC6F0D"/>
-              </a:solidFill>
-              <a:latin typeface="Calibri" panose="020F0502020204030204" pitchFamily="34" charset="0"/>
-              <a:cs typeface="Calibri" panose="020F0502020204030204" pitchFamily="34" charset="0"/>
-            </a:endParaRPr>
-          </a:p>
-          <a:p>
-            <a:r>
-              <a:rPr lang="en-US" sz="2200" dirty="0" smtClean="0">
-                <a:solidFill>
-                  <a:srgbClr val="FC6F0D"/>
-                </a:solidFill>
-                <a:latin typeface="Calibri" panose="020F0502020204030204" pitchFamily="34" charset="0"/>
-                <a:cs typeface="Calibri" panose="020F0502020204030204" pitchFamily="34" charset="0"/>
-              </a:rPr>
-              <a:t>db.emp.aggregate ([ {$</a:t>
-            </a:r>
-            <a:r>
-              <a:rPr lang="en-US" sz="2200" dirty="0">
-                <a:solidFill>
-                  <a:srgbClr val="FC6F0D"/>
-                </a:solidFill>
-                <a:latin typeface="Calibri" panose="020F0502020204030204" pitchFamily="34" charset="0"/>
-                <a:cs typeface="Calibri" panose="020F0502020204030204" pitchFamily="34" charset="0"/>
-              </a:rPr>
-              <a:t>match</a:t>
-            </a:r>
-            <a:r>
-              <a:rPr lang="en-US" sz="2200" dirty="0" smtClean="0">
-                <a:solidFill>
-                  <a:srgbClr val="FC6F0D"/>
-                </a:solidFill>
-                <a:latin typeface="Calibri" panose="020F0502020204030204" pitchFamily="34" charset="0"/>
-                <a:cs typeface="Calibri" panose="020F0502020204030204" pitchFamily="34" charset="0"/>
-              </a:rPr>
-              <a:t>: {</a:t>
-            </a:r>
-            <a:r>
-              <a:rPr lang="en-US" sz="2200" dirty="0">
-                <a:solidFill>
-                  <a:srgbClr val="FC6F0D"/>
-                </a:solidFill>
-                <a:latin typeface="Calibri" panose="020F0502020204030204" pitchFamily="34" charset="0"/>
-                <a:cs typeface="Calibri" panose="020F0502020204030204" pitchFamily="34" charset="0"/>
-              </a:rPr>
-              <a:t>sal</a:t>
-            </a:r>
-            <a:r>
-              <a:rPr lang="en-US" sz="2200" dirty="0" smtClean="0">
-                <a:solidFill>
-                  <a:srgbClr val="FC6F0D"/>
-                </a:solidFill>
-                <a:latin typeface="Calibri" panose="020F0502020204030204" pitchFamily="34" charset="0"/>
-                <a:cs typeface="Calibri" panose="020F0502020204030204" pitchFamily="34" charset="0"/>
-              </a:rPr>
-              <a:t>: {$</a:t>
-            </a:r>
-            <a:r>
-              <a:rPr lang="en-US" sz="2200" dirty="0">
-                <a:solidFill>
-                  <a:srgbClr val="FC6F0D"/>
-                </a:solidFill>
-                <a:latin typeface="Calibri" panose="020F0502020204030204" pitchFamily="34" charset="0"/>
-                <a:cs typeface="Calibri" panose="020F0502020204030204" pitchFamily="34" charset="0"/>
-              </a:rPr>
-              <a:t>gt</a:t>
-            </a:r>
-            <a:r>
-              <a:rPr lang="en-US" sz="2200" dirty="0" smtClean="0">
-                <a:solidFill>
-                  <a:srgbClr val="FC6F0D"/>
-                </a:solidFill>
-                <a:latin typeface="Calibri" panose="020F0502020204030204" pitchFamily="34" charset="0"/>
-                <a:cs typeface="Calibri" panose="020F0502020204030204" pitchFamily="34" charset="0"/>
-              </a:rPr>
-              <a:t>: 4000} }}, {$</a:t>
-            </a:r>
-            <a:r>
-              <a:rPr lang="en-US" sz="2200" dirty="0">
-                <a:solidFill>
-                  <a:srgbClr val="FC6F0D"/>
-                </a:solidFill>
-                <a:latin typeface="Calibri" panose="020F0502020204030204" pitchFamily="34" charset="0"/>
-                <a:cs typeface="Calibri" panose="020F0502020204030204" pitchFamily="34" charset="0"/>
-              </a:rPr>
-              <a:t>group</a:t>
-            </a:r>
-            <a:r>
-              <a:rPr lang="en-US" sz="2200" dirty="0" smtClean="0">
-                <a:solidFill>
-                  <a:srgbClr val="FC6F0D"/>
-                </a:solidFill>
-                <a:latin typeface="Calibri" panose="020F0502020204030204" pitchFamily="34" charset="0"/>
-                <a:cs typeface="Calibri" panose="020F0502020204030204" pitchFamily="34" charset="0"/>
-              </a:rPr>
-              <a:t>: {_</a:t>
-            </a:r>
-            <a:r>
-              <a:rPr lang="en-US" sz="2200" dirty="0">
-                <a:solidFill>
-                  <a:srgbClr val="FC6F0D"/>
-                </a:solidFill>
-                <a:latin typeface="Calibri" panose="020F0502020204030204" pitchFamily="34" charset="0"/>
-                <a:cs typeface="Calibri" panose="020F0502020204030204" pitchFamily="34" charset="0"/>
-              </a:rPr>
-              <a:t>id</a:t>
-            </a:r>
-            <a:r>
-              <a:rPr lang="en-US" sz="2200" dirty="0" smtClean="0">
-                <a:solidFill>
-                  <a:srgbClr val="FC6F0D"/>
-                </a:solidFill>
-                <a:latin typeface="Calibri" panose="020F0502020204030204" pitchFamily="34" charset="0"/>
-                <a:cs typeface="Calibri" panose="020F0502020204030204" pitchFamily="34" charset="0"/>
-              </a:rPr>
-              <a:t>: '$</a:t>
-            </a:r>
-            <a:r>
-              <a:rPr lang="en-US" sz="2200" dirty="0">
-                <a:solidFill>
-                  <a:srgbClr val="FC6F0D"/>
-                </a:solidFill>
-                <a:latin typeface="Calibri" panose="020F0502020204030204" pitchFamily="34" charset="0"/>
-                <a:cs typeface="Calibri" panose="020F0502020204030204" pitchFamily="34" charset="0"/>
-              </a:rPr>
-              <a:t>job', count</a:t>
-            </a:r>
-            <a:r>
-              <a:rPr lang="en-US" sz="2200" dirty="0" smtClean="0">
-                <a:solidFill>
-                  <a:srgbClr val="FC6F0D"/>
-                </a:solidFill>
-                <a:latin typeface="Calibri" panose="020F0502020204030204" pitchFamily="34" charset="0"/>
-                <a:cs typeface="Calibri" panose="020F0502020204030204" pitchFamily="34" charset="0"/>
-              </a:rPr>
-              <a:t>: {$</a:t>
-            </a:r>
-            <a:r>
-              <a:rPr lang="en-US" sz="2200" dirty="0">
-                <a:solidFill>
-                  <a:srgbClr val="FC6F0D"/>
-                </a:solidFill>
-                <a:latin typeface="Calibri" panose="020F0502020204030204" pitchFamily="34" charset="0"/>
-                <a:cs typeface="Calibri" panose="020F0502020204030204" pitchFamily="34" charset="0"/>
-              </a:rPr>
-              <a:t>sum</a:t>
-            </a:r>
-            <a:r>
-              <a:rPr lang="en-US" sz="2200" dirty="0" smtClean="0">
-                <a:solidFill>
-                  <a:srgbClr val="FC6F0D"/>
-                </a:solidFill>
-                <a:latin typeface="Calibri" panose="020F0502020204030204" pitchFamily="34" charset="0"/>
-                <a:cs typeface="Calibri" panose="020F0502020204030204" pitchFamily="34" charset="0"/>
-              </a:rPr>
-              <a:t>: '$</a:t>
-            </a:r>
-            <a:r>
-              <a:rPr lang="en-US" sz="2200" dirty="0">
-                <a:solidFill>
-                  <a:srgbClr val="FC6F0D"/>
-                </a:solidFill>
-                <a:latin typeface="Calibri" panose="020F0502020204030204" pitchFamily="34" charset="0"/>
-                <a:cs typeface="Calibri" panose="020F0502020204030204" pitchFamily="34" charset="0"/>
-              </a:rPr>
-              <a:t>sal'} </a:t>
-            </a:r>
-            <a:r>
-              <a:rPr lang="en-US" sz="2200" dirty="0" smtClean="0">
-                <a:solidFill>
-                  <a:srgbClr val="FC6F0D"/>
-                </a:solidFill>
-                <a:latin typeface="Calibri" panose="020F0502020204030204" pitchFamily="34" charset="0"/>
-                <a:cs typeface="Calibri" panose="020F0502020204030204" pitchFamily="34" charset="0"/>
-              </a:rPr>
-              <a:t>} } ])</a:t>
-            </a:r>
-            <a:endParaRPr lang="en-US" sz="2200" dirty="0">
-              <a:solidFill>
-                <a:srgbClr val="FC6F0D"/>
-              </a:solidFill>
-              <a:latin typeface="Calibri" panose="020F0502020204030204" pitchFamily="34" charset="0"/>
+              <a:latin typeface="Consolas" panose="020B0609020204030204" pitchFamily="49" charset="0"/>
               <a:cs typeface="Calibri" panose="020F0502020204030204" pitchFamily="34" charset="0"/>
             </a:endParaRPr>
           </a:p>
@@ -30362,7 +29843,7 @@
     </p:spTree>
     <p:extLst>
       <p:ext uri="{BB962C8B-B14F-4D97-AF65-F5344CB8AC3E}">
-        <p14:creationId xmlns:p14="http://schemas.microsoft.com/office/powerpoint/2010/main" val="1236912247"/>
+        <p14:creationId xmlns:p14="http://schemas.microsoft.com/office/powerpoint/2010/main" val="3459078610"/>
       </p:ext>
     </p:extLst>
   </p:cSld>

--- a/MongoDB PPT.pptx
+++ b/MongoDB PPT.pptx
@@ -5,7 +5,7 @@
     <p:sldMasterId id="2147483720" r:id="rId1"/>
   </p:sldMasterIdLst>
   <p:notesMasterIdLst>
-    <p:notesMasterId r:id="rId118"/>
+    <p:notesMasterId r:id="rId119"/>
   </p:notesMasterIdLst>
   <p:sldIdLst>
     <p:sldId id="497" r:id="rId2"/>
@@ -95,35 +95,36 @@
     <p:sldId id="1204" r:id="rId86"/>
     <p:sldId id="1212" r:id="rId87"/>
     <p:sldId id="1206" r:id="rId88"/>
-    <p:sldId id="1208" r:id="rId89"/>
-    <p:sldId id="1209" r:id="rId90"/>
-    <p:sldId id="1210" r:id="rId91"/>
-    <p:sldId id="1211" r:id="rId92"/>
-    <p:sldId id="1109" r:id="rId93"/>
-    <p:sldId id="1110" r:id="rId94"/>
-    <p:sldId id="1111" r:id="rId95"/>
-    <p:sldId id="1112" r:id="rId96"/>
-    <p:sldId id="1113" r:id="rId97"/>
-    <p:sldId id="1114" r:id="rId98"/>
-    <p:sldId id="1115" r:id="rId99"/>
-    <p:sldId id="1116" r:id="rId100"/>
-    <p:sldId id="1117" r:id="rId101"/>
-    <p:sldId id="1118" r:id="rId102"/>
-    <p:sldId id="1119" r:id="rId103"/>
-    <p:sldId id="1120" r:id="rId104"/>
-    <p:sldId id="1121" r:id="rId105"/>
-    <p:sldId id="1122" r:id="rId106"/>
-    <p:sldId id="1123" r:id="rId107"/>
-    <p:sldId id="1124" r:id="rId108"/>
-    <p:sldId id="1125" r:id="rId109"/>
-    <p:sldId id="1126" r:id="rId110"/>
-    <p:sldId id="1127" r:id="rId111"/>
-    <p:sldId id="1128" r:id="rId112"/>
-    <p:sldId id="1129" r:id="rId113"/>
-    <p:sldId id="954" r:id="rId114"/>
-    <p:sldId id="788" r:id="rId115"/>
-    <p:sldId id="1071" r:id="rId116"/>
-    <p:sldId id="1087" r:id="rId117"/>
+    <p:sldId id="1213" r:id="rId89"/>
+    <p:sldId id="1208" r:id="rId90"/>
+    <p:sldId id="1209" r:id="rId91"/>
+    <p:sldId id="1210" r:id="rId92"/>
+    <p:sldId id="1211" r:id="rId93"/>
+    <p:sldId id="1109" r:id="rId94"/>
+    <p:sldId id="1110" r:id="rId95"/>
+    <p:sldId id="1111" r:id="rId96"/>
+    <p:sldId id="1112" r:id="rId97"/>
+    <p:sldId id="1113" r:id="rId98"/>
+    <p:sldId id="1114" r:id="rId99"/>
+    <p:sldId id="1115" r:id="rId100"/>
+    <p:sldId id="1116" r:id="rId101"/>
+    <p:sldId id="1117" r:id="rId102"/>
+    <p:sldId id="1118" r:id="rId103"/>
+    <p:sldId id="1119" r:id="rId104"/>
+    <p:sldId id="1120" r:id="rId105"/>
+    <p:sldId id="1121" r:id="rId106"/>
+    <p:sldId id="1122" r:id="rId107"/>
+    <p:sldId id="1123" r:id="rId108"/>
+    <p:sldId id="1124" r:id="rId109"/>
+    <p:sldId id="1125" r:id="rId110"/>
+    <p:sldId id="1126" r:id="rId111"/>
+    <p:sldId id="1127" r:id="rId112"/>
+    <p:sldId id="1128" r:id="rId113"/>
+    <p:sldId id="1129" r:id="rId114"/>
+    <p:sldId id="954" r:id="rId115"/>
+    <p:sldId id="788" r:id="rId116"/>
+    <p:sldId id="1071" r:id="rId117"/>
+    <p:sldId id="1087" r:id="rId118"/>
   </p:sldIdLst>
   <p:sldSz cx="9144000" cy="6858000" type="screen4x3"/>
   <p:notesSz cx="6858000" cy="9144000"/>
@@ -5099,7 +5100,7 @@
     </p:spTree>
     <p:extLst>
       <p:ext uri="{BB962C8B-B14F-4D97-AF65-F5344CB8AC3E}">
-        <p14:creationId xmlns:p14="http://schemas.microsoft.com/office/powerpoint/2010/main" val="848474725"/>
+        <p14:creationId xmlns:p14="http://schemas.microsoft.com/office/powerpoint/2010/main" val="2780407736"/>
       </p:ext>
     </p:extLst>
   </p:cSld>
@@ -5229,7 +5230,7 @@
     </p:spTree>
     <p:extLst>
       <p:ext uri="{BB962C8B-B14F-4D97-AF65-F5344CB8AC3E}">
-        <p14:creationId xmlns:p14="http://schemas.microsoft.com/office/powerpoint/2010/main" val="4030158449"/>
+        <p14:creationId xmlns:p14="http://schemas.microsoft.com/office/powerpoint/2010/main" val="848474725"/>
       </p:ext>
     </p:extLst>
   </p:cSld>
@@ -5359,7 +5360,7 @@
     </p:spTree>
     <p:extLst>
       <p:ext uri="{BB962C8B-B14F-4D97-AF65-F5344CB8AC3E}">
-        <p14:creationId xmlns:p14="http://schemas.microsoft.com/office/powerpoint/2010/main" val="1708605334"/>
+        <p14:creationId xmlns:p14="http://schemas.microsoft.com/office/powerpoint/2010/main" val="4030158449"/>
       </p:ext>
     </p:extLst>
   </p:cSld>
@@ -5489,7 +5490,7 @@
     </p:spTree>
     <p:extLst>
       <p:ext uri="{BB962C8B-B14F-4D97-AF65-F5344CB8AC3E}">
-        <p14:creationId xmlns:p14="http://schemas.microsoft.com/office/powerpoint/2010/main" val="1478242473"/>
+        <p14:creationId xmlns:p14="http://schemas.microsoft.com/office/powerpoint/2010/main" val="1708605334"/>
       </p:ext>
     </p:extLst>
   </p:cSld>
@@ -5619,7 +5620,7 @@
     </p:spTree>
     <p:extLst>
       <p:ext uri="{BB962C8B-B14F-4D97-AF65-F5344CB8AC3E}">
-        <p14:creationId xmlns:p14="http://schemas.microsoft.com/office/powerpoint/2010/main" val="2136286712"/>
+        <p14:creationId xmlns:p14="http://schemas.microsoft.com/office/powerpoint/2010/main" val="1478242473"/>
       </p:ext>
     </p:extLst>
   </p:cSld>
@@ -5749,7 +5750,7 @@
     </p:spTree>
     <p:extLst>
       <p:ext uri="{BB962C8B-B14F-4D97-AF65-F5344CB8AC3E}">
-        <p14:creationId xmlns:p14="http://schemas.microsoft.com/office/powerpoint/2010/main" val="160110094"/>
+        <p14:creationId xmlns:p14="http://schemas.microsoft.com/office/powerpoint/2010/main" val="2136286712"/>
       </p:ext>
     </p:extLst>
   </p:cSld>
@@ -5879,7 +5880,7 @@
     </p:spTree>
     <p:extLst>
       <p:ext uri="{BB962C8B-B14F-4D97-AF65-F5344CB8AC3E}">
-        <p14:creationId xmlns:p14="http://schemas.microsoft.com/office/powerpoint/2010/main" val="1060267809"/>
+        <p14:creationId xmlns:p14="http://schemas.microsoft.com/office/powerpoint/2010/main" val="160110094"/>
       </p:ext>
     </p:extLst>
   </p:cSld>
@@ -6009,7 +6010,7 @@
     </p:spTree>
     <p:extLst>
       <p:ext uri="{BB962C8B-B14F-4D97-AF65-F5344CB8AC3E}">
-        <p14:creationId xmlns:p14="http://schemas.microsoft.com/office/powerpoint/2010/main" val="1137647517"/>
+        <p14:creationId xmlns:p14="http://schemas.microsoft.com/office/powerpoint/2010/main" val="1060267809"/>
       </p:ext>
     </p:extLst>
   </p:cSld>
@@ -6139,7 +6140,7 @@
     </p:spTree>
     <p:extLst>
       <p:ext uri="{BB962C8B-B14F-4D97-AF65-F5344CB8AC3E}">
-        <p14:creationId xmlns:p14="http://schemas.microsoft.com/office/powerpoint/2010/main" val="3052086859"/>
+        <p14:creationId xmlns:p14="http://schemas.microsoft.com/office/powerpoint/2010/main" val="1137647517"/>
       </p:ext>
     </p:extLst>
   </p:cSld>
@@ -6269,7 +6270,7 @@
     </p:spTree>
     <p:extLst>
       <p:ext uri="{BB962C8B-B14F-4D97-AF65-F5344CB8AC3E}">
-        <p14:creationId xmlns:p14="http://schemas.microsoft.com/office/powerpoint/2010/main" val="1097272351"/>
+        <p14:creationId xmlns:p14="http://schemas.microsoft.com/office/powerpoint/2010/main" val="3052086859"/>
       </p:ext>
     </p:extLst>
   </p:cSld>
@@ -6599,7 +6600,7 @@
     </p:spTree>
     <p:extLst>
       <p:ext uri="{BB962C8B-B14F-4D97-AF65-F5344CB8AC3E}">
-        <p14:creationId xmlns:p14="http://schemas.microsoft.com/office/powerpoint/2010/main" val="1587220367"/>
+        <p14:creationId xmlns:p14="http://schemas.microsoft.com/office/powerpoint/2010/main" val="1097272351"/>
       </p:ext>
     </p:extLst>
   </p:cSld>
@@ -6729,7 +6730,7 @@
     </p:spTree>
     <p:extLst>
       <p:ext uri="{BB962C8B-B14F-4D97-AF65-F5344CB8AC3E}">
-        <p14:creationId xmlns:p14="http://schemas.microsoft.com/office/powerpoint/2010/main" val="1863467568"/>
+        <p14:creationId xmlns:p14="http://schemas.microsoft.com/office/powerpoint/2010/main" val="1587220367"/>
       </p:ext>
     </p:extLst>
   </p:cSld>
@@ -6859,7 +6860,7 @@
     </p:spTree>
     <p:extLst>
       <p:ext uri="{BB962C8B-B14F-4D97-AF65-F5344CB8AC3E}">
-        <p14:creationId xmlns:p14="http://schemas.microsoft.com/office/powerpoint/2010/main" val="1971192509"/>
+        <p14:creationId xmlns:p14="http://schemas.microsoft.com/office/powerpoint/2010/main" val="1863467568"/>
       </p:ext>
     </p:extLst>
   </p:cSld>
@@ -6895,7 +6896,7 @@
       </p:grpSpPr>
       <p:sp>
         <p:nvSpPr>
-          <p:cNvPr id="4" name="Rectangle 3"/>
+          <p:cNvPr id="6" name="Rectangle 5"/>
           <p:cNvSpPr/>
           <p:nvPr/>
         </p:nvSpPr>
@@ -6908,8 +6909,8 @@
             <a:avLst/>
           </a:prstGeom>
           <a:solidFill>
-            <a:schemeClr val="bg2">
-              <a:lumMod val="10000"/>
+            <a:schemeClr val="accent4">
+              <a:lumMod val="75000"/>
             </a:schemeClr>
           </a:solidFill>
         </p:spPr>
@@ -6919,7 +6920,11 @@
           </a:bodyPr>
           <a:lstStyle/>
           <a:p>
-            <a:pPr algn="r"/>
+            <a:pPr algn="r">
+              <a:spcBef>
+                <a:spcPct val="0"/>
+              </a:spcBef>
+            </a:pPr>
             <a:r>
               <a:rPr lang="en-IN" sz="3200" b="1" i="1" dirty="0" smtClean="0">
                 <a:solidFill>
@@ -6928,27 +6933,40 @@
                 <a:latin typeface="Arial" pitchFamily="34" charset="0"/>
                 <a:cs typeface="Arial" pitchFamily="34" charset="0"/>
               </a:rPr>
-              <a:t>IMP</a:t>
-            </a:r>
-            <a:endParaRPr lang="en-IN" sz="3200" b="1" i="1" dirty="0">
-              <a:solidFill>
-                <a:srgbClr val="FFFF00"/>
-              </a:solidFill>
-              <a:latin typeface="Arial" pitchFamily="34" charset="0"/>
-              <a:cs typeface="Arial" pitchFamily="34" charset="0"/>
-            </a:endParaRPr>
-          </a:p>
-        </p:txBody>
-      </p:sp>
-      <p:sp>
-        <p:nvSpPr>
-          <p:cNvPr id="2" name="Rectangle 1"/>
+              <a:t>MongoDB</a:t>
+            </a:r>
+            <a:r>
+              <a:rPr lang="en-US" sz="3200" b="1" i="1" dirty="0" smtClean="0">
+                <a:solidFill>
+                  <a:srgbClr val="FFFF00"/>
+                </a:solidFill>
+                <a:latin typeface="Arial" pitchFamily="34" charset="0"/>
+                <a:cs typeface="Arial" pitchFamily="34" charset="0"/>
+              </a:rPr>
+              <a:t> </a:t>
+            </a:r>
+            <a:r>
+              <a:rPr lang="en-IN" sz="3200" b="1" i="1" dirty="0">
+                <a:solidFill>
+                  <a:srgbClr val="FFFF00"/>
+                </a:solidFill>
+                <a:latin typeface="Arial" pitchFamily="34" charset="0"/>
+                <a:cs typeface="Arial" pitchFamily="34" charset="0"/>
+              </a:rPr>
+              <a:t> </a:t>
+            </a:r>
+          </a:p>
+        </p:txBody>
+      </p:sp>
+      <p:sp>
+        <p:nvSpPr>
+          <p:cNvPr id="7" name="Rectangle 6"/>
           <p:cNvSpPr/>
           <p:nvPr/>
         </p:nvSpPr>
         <p:spPr>
           <a:xfrm>
-            <a:off x="145976" y="849264"/>
+            <a:off x="149188" y="762000"/>
             <a:ext cx="8845624" cy="369332"/>
           </a:xfrm>
           <a:prstGeom prst="rect">
@@ -6962,153 +6980,17 @@
           <a:lstStyle/>
           <a:p>
             <a:r>
-              <a:rPr lang="en-IN" dirty="0" smtClean="0">
-                <a:solidFill>
-                  <a:srgbClr val="222222"/>
-                </a:solidFill>
-                <a:latin typeface="Verdana" panose="020B0604030504040204" pitchFamily="34" charset="0"/>
-              </a:rPr>
-              <a:t>1. Think </a:t>
-            </a:r>
-            <a:r>
-              <a:rPr lang="en-IN" dirty="0">
-                <a:solidFill>
-                  <a:srgbClr val="222222"/>
-                </a:solidFill>
-                <a:latin typeface="Verdana" panose="020B0604030504040204" pitchFamily="34" charset="0"/>
-              </a:rPr>
-              <a:t>about how multiplication can be done without actually </a:t>
-            </a:r>
-            <a:r>
-              <a:rPr lang="en-IN" dirty="0" smtClean="0">
-                <a:solidFill>
-                  <a:srgbClr val="222222"/>
-                </a:solidFill>
-                <a:latin typeface="Verdana" panose="020B0604030504040204" pitchFamily="34" charset="0"/>
-              </a:rPr>
-              <a:t>multiplying </a:t>
+              <a:rPr lang="en-US" dirty="0" smtClean="0"/>
+              <a:t>TODO</a:t>
             </a:r>
             <a:endParaRPr lang="en-IN" dirty="0"/>
           </a:p>
         </p:txBody>
       </p:sp>
-      <p:sp>
-        <p:nvSpPr>
-          <p:cNvPr id="3" name="TextBox 2"/>
-          <p:cNvSpPr txBox="1"/>
-          <p:nvPr/>
-        </p:nvSpPr>
-        <p:spPr>
-          <a:xfrm>
-            <a:off x="990600" y="2514600"/>
-            <a:ext cx="184731" cy="369332"/>
-          </a:xfrm>
-          <a:prstGeom prst="rect">
-            <a:avLst/>
-          </a:prstGeom>
-          <a:noFill/>
-        </p:spPr>
-        <p:txBody>
-          <a:bodyPr wrap="none" rtlCol="0">
-            <a:spAutoFit/>
-          </a:bodyPr>
-          <a:lstStyle/>
-          <a:p>
-            <a:endParaRPr lang="en-IN" dirty="0"/>
-          </a:p>
-        </p:txBody>
-      </p:sp>
-      <p:pic>
-        <p:nvPicPr>
-          <p:cNvPr id="5" name="Picture 4"/>
-          <p:cNvPicPr>
-            <a:picLocks noChangeAspect="1"/>
-          </p:cNvPicPr>
-          <p:nvPr/>
-        </p:nvPicPr>
-        <p:blipFill>
-          <a:blip r:embed="rId2"/>
-          <a:stretch>
-            <a:fillRect/>
-          </a:stretch>
-        </p:blipFill>
-        <p:spPr>
-          <a:xfrm>
-            <a:off x="304800" y="3700361"/>
-            <a:ext cx="4648200" cy="2471839"/>
-          </a:xfrm>
-          <a:prstGeom prst="rect">
-            <a:avLst/>
-          </a:prstGeom>
-        </p:spPr>
-      </p:pic>
-      <p:sp>
-        <p:nvSpPr>
-          <p:cNvPr id="6" name="Rectangle 5"/>
-          <p:cNvSpPr/>
-          <p:nvPr/>
-        </p:nvSpPr>
-        <p:spPr>
-          <a:xfrm>
-            <a:off x="145976" y="3243552"/>
-            <a:ext cx="1317990" cy="369332"/>
-          </a:xfrm>
-          <a:prstGeom prst="rect">
-            <a:avLst/>
-          </a:prstGeom>
-        </p:spPr>
-        <p:txBody>
-          <a:bodyPr wrap="none">
-            <a:spAutoFit/>
-          </a:bodyPr>
-          <a:lstStyle/>
-          <a:p>
-            <a:r>
-              <a:rPr lang="en-IN" dirty="0" smtClean="0">
-                <a:solidFill>
-                  <a:srgbClr val="222222"/>
-                </a:solidFill>
-                <a:latin typeface="Verdana" panose="020B0604030504040204" pitchFamily="34" charset="0"/>
-              </a:rPr>
-              <a:t>2. Square</a:t>
-            </a:r>
-            <a:endParaRPr lang="en-IN" dirty="0">
-              <a:solidFill>
-                <a:srgbClr val="222222"/>
-              </a:solidFill>
-              <a:latin typeface="Verdana" panose="020B0604030504040204" pitchFamily="34" charset="0"/>
-            </a:endParaRPr>
-          </a:p>
-        </p:txBody>
-      </p:sp>
-      <p:pic>
-        <p:nvPicPr>
-          <p:cNvPr id="8" name="Picture 7"/>
-          <p:cNvPicPr>
-            <a:picLocks noChangeAspect="1"/>
-          </p:cNvPicPr>
-          <p:nvPr/>
-        </p:nvPicPr>
-        <p:blipFill>
-          <a:blip r:embed="rId3"/>
-          <a:stretch>
-            <a:fillRect/>
-          </a:stretch>
-        </p:blipFill>
-        <p:spPr>
-          <a:xfrm>
-            <a:off x="533400" y="1250647"/>
-            <a:ext cx="4495800" cy="1883657"/>
-          </a:xfrm>
-          <a:prstGeom prst="rect">
-            <a:avLst/>
-          </a:prstGeom>
-        </p:spPr>
-      </p:pic>
     </p:spTree>
     <p:extLst>
       <p:ext uri="{BB962C8B-B14F-4D97-AF65-F5344CB8AC3E}">
-        <p14:creationId xmlns:p14="http://schemas.microsoft.com/office/powerpoint/2010/main" val="3391323119"/>
+        <p14:creationId xmlns:p14="http://schemas.microsoft.com/office/powerpoint/2010/main" val="1971192509"/>
       </p:ext>
     </p:extLst>
   </p:cSld>
@@ -7142,97 +7024,222 @@
           <a:chExt cx="0" cy="0"/>
         </a:xfrm>
       </p:grpSpPr>
+      <p:sp>
+        <p:nvSpPr>
+          <p:cNvPr id="4" name="Rectangle 3"/>
+          <p:cNvSpPr/>
+          <p:nvPr/>
+        </p:nvSpPr>
+        <p:spPr>
+          <a:xfrm>
+            <a:off x="0" y="0"/>
+            <a:ext cx="9144000" cy="584775"/>
+          </a:xfrm>
+          <a:prstGeom prst="rect">
+            <a:avLst/>
+          </a:prstGeom>
+          <a:solidFill>
+            <a:schemeClr val="bg2">
+              <a:lumMod val="10000"/>
+            </a:schemeClr>
+          </a:solidFill>
+        </p:spPr>
+        <p:txBody>
+          <a:bodyPr wrap="square">
+            <a:spAutoFit/>
+          </a:bodyPr>
+          <a:lstStyle/>
+          <a:p>
+            <a:pPr algn="r"/>
+            <a:r>
+              <a:rPr lang="en-IN" sz="3200" b="1" i="1" dirty="0" smtClean="0">
+                <a:solidFill>
+                  <a:srgbClr val="FFFF00"/>
+                </a:solidFill>
+                <a:latin typeface="Arial" pitchFamily="34" charset="0"/>
+                <a:cs typeface="Arial" pitchFamily="34" charset="0"/>
+              </a:rPr>
+              <a:t>IMP</a:t>
+            </a:r>
+            <a:endParaRPr lang="en-IN" sz="3200" b="1" i="1" dirty="0">
+              <a:solidFill>
+                <a:srgbClr val="FFFF00"/>
+              </a:solidFill>
+              <a:latin typeface="Arial" pitchFamily="34" charset="0"/>
+              <a:cs typeface="Arial" pitchFamily="34" charset="0"/>
+            </a:endParaRPr>
+          </a:p>
+        </p:txBody>
+      </p:sp>
+      <p:sp>
+        <p:nvSpPr>
+          <p:cNvPr id="2" name="Rectangle 1"/>
+          <p:cNvSpPr/>
+          <p:nvPr/>
+        </p:nvSpPr>
+        <p:spPr>
+          <a:xfrm>
+            <a:off x="145976" y="849264"/>
+            <a:ext cx="8845624" cy="369332"/>
+          </a:xfrm>
+          <a:prstGeom prst="rect">
+            <a:avLst/>
+          </a:prstGeom>
+        </p:spPr>
+        <p:txBody>
+          <a:bodyPr wrap="square">
+            <a:spAutoFit/>
+          </a:bodyPr>
+          <a:lstStyle/>
+          <a:p>
+            <a:r>
+              <a:rPr lang="en-IN" dirty="0" smtClean="0">
+                <a:solidFill>
+                  <a:srgbClr val="222222"/>
+                </a:solidFill>
+                <a:latin typeface="Verdana" panose="020B0604030504040204" pitchFamily="34" charset="0"/>
+              </a:rPr>
+              <a:t>1. Think </a:t>
+            </a:r>
+            <a:r>
+              <a:rPr lang="en-IN" dirty="0">
+                <a:solidFill>
+                  <a:srgbClr val="222222"/>
+                </a:solidFill>
+                <a:latin typeface="Verdana" panose="020B0604030504040204" pitchFamily="34" charset="0"/>
+              </a:rPr>
+              <a:t>about how multiplication can be done without actually </a:t>
+            </a:r>
+            <a:r>
+              <a:rPr lang="en-IN" dirty="0" smtClean="0">
+                <a:solidFill>
+                  <a:srgbClr val="222222"/>
+                </a:solidFill>
+                <a:latin typeface="Verdana" panose="020B0604030504040204" pitchFamily="34" charset="0"/>
+              </a:rPr>
+              <a:t>multiplying </a:t>
+            </a:r>
+            <a:endParaRPr lang="en-IN" dirty="0"/>
+          </a:p>
+        </p:txBody>
+      </p:sp>
+      <p:sp>
+        <p:nvSpPr>
+          <p:cNvPr id="3" name="TextBox 2"/>
+          <p:cNvSpPr txBox="1"/>
+          <p:nvPr/>
+        </p:nvSpPr>
+        <p:spPr>
+          <a:xfrm>
+            <a:off x="990600" y="2514600"/>
+            <a:ext cx="184731" cy="369332"/>
+          </a:xfrm>
+          <a:prstGeom prst="rect">
+            <a:avLst/>
+          </a:prstGeom>
+          <a:noFill/>
+        </p:spPr>
+        <p:txBody>
+          <a:bodyPr wrap="none" rtlCol="0">
+            <a:spAutoFit/>
+          </a:bodyPr>
+          <a:lstStyle/>
+          <a:p>
+            <a:endParaRPr lang="en-IN" dirty="0"/>
+          </a:p>
+        </p:txBody>
+      </p:sp>
       <p:pic>
         <p:nvPicPr>
-          <p:cNvPr id="1026" name="Picture 2" descr="http://www.bvctch.vn/vnt_upload/weblink/thks.jpg"/>
+          <p:cNvPr id="5" name="Picture 4"/>
           <p:cNvPicPr>
-            <a:picLocks noChangeAspect="1" noChangeArrowheads="1"/>
+            <a:picLocks noChangeAspect="1"/>
           </p:cNvPicPr>
           <p:nvPr/>
         </p:nvPicPr>
         <p:blipFill>
-          <a:blip r:embed="rId2">
-            <a:extLst>
-              <a:ext uri="{28A0092B-C50C-407E-A947-70E740481C1C}">
-                <a14:useLocalDpi xmlns:a14="http://schemas.microsoft.com/office/drawing/2010/main" val="0"/>
-              </a:ext>
-            </a:extLst>
-          </a:blip>
-          <a:srcRect/>
+          <a:blip r:embed="rId2"/>
           <a:stretch>
             <a:fillRect/>
           </a:stretch>
         </p:blipFill>
-        <p:spPr bwMode="auto">
-          <a:xfrm>
-            <a:off x="2895600" y="757237"/>
-            <a:ext cx="3124200" cy="4881563"/>
-          </a:xfrm>
-          <a:prstGeom prst="rect">
-            <a:avLst/>
-          </a:prstGeom>
-          <a:noFill/>
-          <a:extLst>
-            <a:ext uri="{909E8E84-426E-40DD-AFC4-6F175D3DCCD1}">
-              <a14:hiddenFill xmlns:a14="http://schemas.microsoft.com/office/drawing/2010/main">
-                <a:solidFill>
-                  <a:srgbClr val="FFFFFF"/>
-                </a:solidFill>
-              </a14:hiddenFill>
-            </a:ext>
-          </a:extLst>
+        <p:spPr>
+          <a:xfrm>
+            <a:off x="304800" y="3700361"/>
+            <a:ext cx="4648200" cy="2471839"/>
+          </a:xfrm>
+          <a:prstGeom prst="rect">
+            <a:avLst/>
+          </a:prstGeom>
         </p:spPr>
       </p:pic>
       <p:sp>
         <p:nvSpPr>
-          <p:cNvPr id="3" name="Rectangle 2"/>
+          <p:cNvPr id="6" name="Rectangle 5"/>
           <p:cNvSpPr/>
           <p:nvPr/>
         </p:nvSpPr>
         <p:spPr>
           <a:xfrm>
-            <a:off x="304800" y="5105400"/>
-            <a:ext cx="8610600" cy="1077218"/>
-          </a:xfrm>
-          <a:prstGeom prst="rect">
-            <a:avLst/>
-          </a:prstGeom>
-        </p:spPr>
-        <p:txBody>
-          <a:bodyPr wrap="square">
+            <a:off x="145976" y="3243552"/>
+            <a:ext cx="1317990" cy="369332"/>
+          </a:xfrm>
+          <a:prstGeom prst="rect">
+            <a:avLst/>
+          </a:prstGeom>
+        </p:spPr>
+        <p:txBody>
+          <a:bodyPr wrap="none">
             <a:spAutoFit/>
           </a:bodyPr>
           <a:lstStyle/>
           <a:p>
-            <a:pPr algn="ctr"/>
-            <a:r>
-              <a:rPr lang="en-IN" sz="3200" dirty="0">
-                <a:solidFill>
-                  <a:srgbClr val="FE1212"/>
-                </a:solidFill>
-                <a:latin typeface="Segoe Print" panose="02000600000000000000" pitchFamily="2" charset="0"/>
-              </a:rPr>
-              <a:t>"Live as if you were to die tomorrow.</a:t>
-            </a:r>
-          </a:p>
-          <a:p>
-            <a:pPr algn="ctr"/>
-            <a:r>
-              <a:rPr lang="en-IN" sz="3200" dirty="0">
-                <a:solidFill>
-                  <a:srgbClr val="FE1212"/>
-                </a:solidFill>
-                <a:latin typeface="Segoe Print" panose="02000600000000000000" pitchFamily="2" charset="0"/>
-              </a:rPr>
-              <a:t>Learn as if you were to live forever"</a:t>
-            </a:r>
-          </a:p>
-        </p:txBody>
-      </p:sp>
+            <a:r>
+              <a:rPr lang="en-IN" dirty="0" smtClean="0">
+                <a:solidFill>
+                  <a:srgbClr val="222222"/>
+                </a:solidFill>
+                <a:latin typeface="Verdana" panose="020B0604030504040204" pitchFamily="34" charset="0"/>
+              </a:rPr>
+              <a:t>2. Square</a:t>
+            </a:r>
+            <a:endParaRPr lang="en-IN" dirty="0">
+              <a:solidFill>
+                <a:srgbClr val="222222"/>
+              </a:solidFill>
+              <a:latin typeface="Verdana" panose="020B0604030504040204" pitchFamily="34" charset="0"/>
+            </a:endParaRPr>
+          </a:p>
+        </p:txBody>
+      </p:sp>
+      <p:pic>
+        <p:nvPicPr>
+          <p:cNvPr id="8" name="Picture 7"/>
+          <p:cNvPicPr>
+            <a:picLocks noChangeAspect="1"/>
+          </p:cNvPicPr>
+          <p:nvPr/>
+        </p:nvPicPr>
+        <p:blipFill>
+          <a:blip r:embed="rId3"/>
+          <a:stretch>
+            <a:fillRect/>
+          </a:stretch>
+        </p:blipFill>
+        <p:spPr>
+          <a:xfrm>
+            <a:off x="533400" y="1250647"/>
+            <a:ext cx="4495800" cy="1883657"/>
+          </a:xfrm>
+          <a:prstGeom prst="rect">
+            <a:avLst/>
+          </a:prstGeom>
+        </p:spPr>
+      </p:pic>
     </p:spTree>
     <p:extLst>
       <p:ext uri="{BB962C8B-B14F-4D97-AF65-F5344CB8AC3E}">
-        <p14:creationId xmlns:p14="http://schemas.microsoft.com/office/powerpoint/2010/main" val="1148130326"/>
+        <p14:creationId xmlns:p14="http://schemas.microsoft.com/office/powerpoint/2010/main" val="3391323119"/>
       </p:ext>
     </p:extLst>
   </p:cSld>
@@ -7266,6 +7273,130 @@
           <a:chExt cx="0" cy="0"/>
         </a:xfrm>
       </p:grpSpPr>
+      <p:pic>
+        <p:nvPicPr>
+          <p:cNvPr id="1026" name="Picture 2" descr="http://www.bvctch.vn/vnt_upload/weblink/thks.jpg"/>
+          <p:cNvPicPr>
+            <a:picLocks noChangeAspect="1" noChangeArrowheads="1"/>
+          </p:cNvPicPr>
+          <p:nvPr/>
+        </p:nvPicPr>
+        <p:blipFill>
+          <a:blip r:embed="rId2">
+            <a:extLst>
+              <a:ext uri="{28A0092B-C50C-407E-A947-70E740481C1C}">
+                <a14:useLocalDpi xmlns:a14="http://schemas.microsoft.com/office/drawing/2010/main" val="0"/>
+              </a:ext>
+            </a:extLst>
+          </a:blip>
+          <a:srcRect/>
+          <a:stretch>
+            <a:fillRect/>
+          </a:stretch>
+        </p:blipFill>
+        <p:spPr bwMode="auto">
+          <a:xfrm>
+            <a:off x="2895600" y="757237"/>
+            <a:ext cx="3124200" cy="4881563"/>
+          </a:xfrm>
+          <a:prstGeom prst="rect">
+            <a:avLst/>
+          </a:prstGeom>
+          <a:noFill/>
+          <a:extLst>
+            <a:ext uri="{909E8E84-426E-40DD-AFC4-6F175D3DCCD1}">
+              <a14:hiddenFill xmlns:a14="http://schemas.microsoft.com/office/drawing/2010/main">
+                <a:solidFill>
+                  <a:srgbClr val="FFFFFF"/>
+                </a:solidFill>
+              </a14:hiddenFill>
+            </a:ext>
+          </a:extLst>
+        </p:spPr>
+      </p:pic>
+      <p:sp>
+        <p:nvSpPr>
+          <p:cNvPr id="3" name="Rectangle 2"/>
+          <p:cNvSpPr/>
+          <p:nvPr/>
+        </p:nvSpPr>
+        <p:spPr>
+          <a:xfrm>
+            <a:off x="304800" y="5105400"/>
+            <a:ext cx="8610600" cy="1077218"/>
+          </a:xfrm>
+          <a:prstGeom prst="rect">
+            <a:avLst/>
+          </a:prstGeom>
+        </p:spPr>
+        <p:txBody>
+          <a:bodyPr wrap="square">
+            <a:spAutoFit/>
+          </a:bodyPr>
+          <a:lstStyle/>
+          <a:p>
+            <a:pPr algn="ctr"/>
+            <a:r>
+              <a:rPr lang="en-IN" sz="3200" dirty="0">
+                <a:solidFill>
+                  <a:srgbClr val="FE1212"/>
+                </a:solidFill>
+                <a:latin typeface="Segoe Print" panose="02000600000000000000" pitchFamily="2" charset="0"/>
+              </a:rPr>
+              <a:t>"Live as if you were to die tomorrow.</a:t>
+            </a:r>
+          </a:p>
+          <a:p>
+            <a:pPr algn="ctr"/>
+            <a:r>
+              <a:rPr lang="en-IN" sz="3200" dirty="0">
+                <a:solidFill>
+                  <a:srgbClr val="FE1212"/>
+                </a:solidFill>
+                <a:latin typeface="Segoe Print" panose="02000600000000000000" pitchFamily="2" charset="0"/>
+              </a:rPr>
+              <a:t>Learn as if you were to live forever"</a:t>
+            </a:r>
+          </a:p>
+        </p:txBody>
+      </p:sp>
+    </p:spTree>
+    <p:extLst>
+      <p:ext uri="{BB962C8B-B14F-4D97-AF65-F5344CB8AC3E}">
+        <p14:creationId xmlns:p14="http://schemas.microsoft.com/office/powerpoint/2010/main" val="1148130326"/>
+      </p:ext>
+    </p:extLst>
+  </p:cSld>
+  <p:clrMapOvr>
+    <a:masterClrMapping/>
+  </p:clrMapOvr>
+  <p:timing>
+    <p:tnLst>
+      <p:par>
+        <p:cTn id="1" dur="indefinite" restart="never" nodeType="tmRoot"/>
+      </p:par>
+    </p:tnLst>
+  </p:timing>
+</p:sld>
+</file>
+
+<file path=ppt/slides/slide116.xml><?xml version="1.0" encoding="utf-8"?>
+<p:sld xmlns:a="http://schemas.openxmlformats.org/drawingml/2006/main" xmlns:r="http://schemas.openxmlformats.org/officeDocument/2006/relationships" xmlns:p="http://schemas.openxmlformats.org/presentationml/2006/main">
+  <p:cSld>
+    <p:spTree>
+      <p:nvGrpSpPr>
+        <p:cNvPr id="1" name=""/>
+        <p:cNvGrpSpPr/>
+        <p:nvPr/>
+      </p:nvGrpSpPr>
+      <p:grpSpPr>
+        <a:xfrm>
+          <a:off x="0" y="0"/>
+          <a:ext cx="0" cy="0"/>
+          <a:chOff x="0" y="0"/>
+          <a:chExt cx="0" cy="0"/>
+        </a:xfrm>
+      </p:grpSpPr>
       <p:sp>
         <p:nvSpPr>
           <p:cNvPr id="3" name="Rectangle 2"/>
@@ -7350,7 +7481,7 @@
 </p:sld>
 </file>
 
-<file path=ppt/slides/slide116.xml><?xml version="1.0" encoding="utf-8"?>
+<file path=ppt/slides/slide117.xml><?xml version="1.0" encoding="utf-8"?>
 <p:sld xmlns:a="http://schemas.openxmlformats.org/drawingml/2006/main" xmlns:r="http://schemas.openxmlformats.org/officeDocument/2006/relationships" xmlns:p="http://schemas.openxmlformats.org/presentationml/2006/main">
   <p:cSld>
     <p:spTree>
@@ -7711,7 +7842,7 @@
         </p:nvSpPr>
         <p:spPr>
           <a:xfrm>
-            <a:off x="188894" y="3048000"/>
+            <a:off x="188894" y="2895600"/>
             <a:ext cx="8766212" cy="1107996"/>
           </a:xfrm>
           <a:prstGeom prst="rect">
@@ -7931,7 +8062,7 @@
         </p:nvSpPr>
         <p:spPr>
           <a:xfrm>
-            <a:off x="146219" y="4482851"/>
+            <a:off x="146219" y="4280832"/>
             <a:ext cx="8845624" cy="400110"/>
           </a:xfrm>
           <a:prstGeom prst="rect">
@@ -7984,7 +8115,7 @@
         </p:nvCxnSpPr>
         <p:spPr>
           <a:xfrm>
-            <a:off x="146219" y="4316819"/>
+            <a:off x="146219" y="4114800"/>
             <a:ext cx="8848593" cy="0"/>
           </a:xfrm>
           <a:prstGeom prst="line">
@@ -8014,7 +8145,7 @@
         </p:nvSpPr>
         <p:spPr>
           <a:xfrm>
-            <a:off x="188894" y="5097959"/>
+            <a:off x="188894" y="4674781"/>
             <a:ext cx="8766212" cy="769441"/>
           </a:xfrm>
           <a:prstGeom prst="rect">
@@ -8163,6 +8294,69 @@
               <a:t>comparison operator</a:t>
             </a:r>
             <a:endParaRPr lang="en-IN" dirty="0"/>
+          </a:p>
+        </p:txBody>
+      </p:sp>
+      <p:sp>
+        <p:nvSpPr>
+          <p:cNvPr id="3" name="Rectangle 2"/>
+          <p:cNvSpPr/>
+          <p:nvPr/>
+        </p:nvSpPr>
+        <p:spPr>
+          <a:xfrm>
+            <a:off x="182713" y="152400"/>
+            <a:ext cx="8808887" cy="769441"/>
+          </a:xfrm>
+          <a:prstGeom prst="rect">
+            <a:avLst/>
+          </a:prstGeom>
+        </p:spPr>
+        <p:txBody>
+          <a:bodyPr wrap="square">
+            <a:spAutoFit/>
+          </a:bodyPr>
+          <a:lstStyle/>
+          <a:p>
+            <a:r>
+              <a:rPr lang="en-US" sz="2200" dirty="0">
+                <a:solidFill>
+                  <a:srgbClr val="FC6F0D"/>
+                </a:solidFill>
+                <a:latin typeface="Calibri" panose="020F0502020204030204" pitchFamily="34" charset="0"/>
+                <a:cs typeface="Calibri" panose="020F0502020204030204" pitchFamily="34" charset="0"/>
+              </a:rPr>
+              <a:t>db.version()</a:t>
+            </a:r>
+            <a:endParaRPr lang="en-US" sz="2200" dirty="0">
+              <a:solidFill>
+                <a:srgbClr val="FC6F0D"/>
+              </a:solidFill>
+              <a:latin typeface="Calibri" panose="020F0502020204030204" pitchFamily="34" charset="0"/>
+              <a:cs typeface="Calibri" panose="020F0502020204030204" pitchFamily="34" charset="0"/>
+            </a:endParaRPr>
+          </a:p>
+          <a:p>
+            <a:r>
+              <a:rPr lang="en-US" sz="2200" dirty="0" smtClean="0">
+                <a:solidFill>
+                  <a:srgbClr val="FC6F0D"/>
+                </a:solidFill>
+                <a:latin typeface="Calibri" panose="020F0502020204030204" pitchFamily="34" charset="0"/>
+                <a:cs typeface="Calibri" panose="020F0502020204030204" pitchFamily="34" charset="0"/>
+              </a:rPr>
+              <a:t>db.getMongo</a:t>
+            </a:r>
+            <a:r>
+              <a:rPr lang="en-US" sz="2200" dirty="0">
+                <a:solidFill>
+                  <a:srgbClr val="FC6F0D"/>
+                </a:solidFill>
+                <a:latin typeface="Calibri" panose="020F0502020204030204" pitchFamily="34" charset="0"/>
+                <a:cs typeface="Calibri" panose="020F0502020204030204" pitchFamily="34" charset="0"/>
+              </a:rPr>
+              <a:t>();</a:t>
+            </a:r>
           </a:p>
         </p:txBody>
       </p:sp>
@@ -27789,7 +27983,7 @@
           <p:nvPr>
             <p:extLst>
               <p:ext uri="{D42A27DB-BD31-4B8C-83A1-F6EECF244321}">
-                <p14:modId xmlns:p14="http://schemas.microsoft.com/office/powerpoint/2010/main" val="37039961"/>
+                <p14:modId xmlns:p14="http://schemas.microsoft.com/office/powerpoint/2010/main" val="258626520"/>
               </p:ext>
             </p:extLst>
           </p:nvPr>
@@ -27854,7 +28048,25 @@
                     <a:bodyPr/>
                     <a:lstStyle/>
                     <a:p>
-                      <a:endParaRPr lang="en-US" dirty="0"/>
+                      <a:r>
+                        <a:rPr kumimoji="0" lang="en-US" kern="1200" dirty="0" smtClean="0">
+                          <a:solidFill>
+                            <a:srgbClr val="036883"/>
+                          </a:solidFill>
+                          <a:latin typeface="+mn-lt"/>
+                          <a:ea typeface="+mn-ea"/>
+                          <a:cs typeface="+mn-cs"/>
+                        </a:rPr>
+                        <a:t>  $group</a:t>
+                      </a:r>
+                      <a:endParaRPr kumimoji="0" lang="en-US" kern="1200" dirty="0">
+                        <a:solidFill>
+                          <a:srgbClr val="036883"/>
+                        </a:solidFill>
+                        <a:latin typeface="+mn-lt"/>
+                        <a:ea typeface="+mn-ea"/>
+                        <a:cs typeface="+mn-cs"/>
+                      </a:endParaRPr>
                     </a:p>
                   </a:txBody>
                   <a:tcPr/>
@@ -27864,7 +28076,25 @@
                     <a:bodyPr/>
                     <a:lstStyle/>
                     <a:p>
-                      <a:endParaRPr lang="en-US"/>
+                      <a:r>
+                        <a:rPr kumimoji="0" lang="en-US" kern="1200" dirty="0" smtClean="0">
+                          <a:solidFill>
+                            <a:srgbClr val="036883"/>
+                          </a:solidFill>
+                          <a:latin typeface="+mn-lt"/>
+                          <a:ea typeface="+mn-ea"/>
+                          <a:cs typeface="+mn-cs"/>
+                        </a:rPr>
+                        <a:t>  $limit</a:t>
+                      </a:r>
+                      <a:endParaRPr kumimoji="0" lang="en-US" kern="1200" dirty="0">
+                        <a:solidFill>
+                          <a:srgbClr val="036883"/>
+                        </a:solidFill>
+                        <a:latin typeface="+mn-lt"/>
+                        <a:ea typeface="+mn-ea"/>
+                        <a:cs typeface="+mn-cs"/>
+                      </a:endParaRPr>
                     </a:p>
                   </a:txBody>
                   <a:tcPr/>
@@ -27876,7 +28106,25 @@
                     <a:bodyPr/>
                     <a:lstStyle/>
                     <a:p>
-                      <a:endParaRPr lang="en-US"/>
+                      <a:r>
+                        <a:rPr kumimoji="0" lang="en-US" kern="1200" dirty="0" smtClean="0">
+                          <a:solidFill>
+                            <a:srgbClr val="036883"/>
+                          </a:solidFill>
+                          <a:latin typeface="+mn-lt"/>
+                          <a:ea typeface="+mn-ea"/>
+                          <a:cs typeface="+mn-cs"/>
+                        </a:rPr>
+                        <a:t>  $match</a:t>
+                      </a:r>
+                      <a:endParaRPr kumimoji="0" lang="en-US" kern="1200" dirty="0">
+                        <a:solidFill>
+                          <a:srgbClr val="036883"/>
+                        </a:solidFill>
+                        <a:latin typeface="+mn-lt"/>
+                        <a:ea typeface="+mn-ea"/>
+                        <a:cs typeface="+mn-cs"/>
+                      </a:endParaRPr>
                     </a:p>
                   </a:txBody>
                   <a:tcPr/>
@@ -27886,7 +28134,25 @@
                     <a:bodyPr/>
                     <a:lstStyle/>
                     <a:p>
-                      <a:endParaRPr lang="en-US"/>
+                      <a:r>
+                        <a:rPr kumimoji="0" lang="en-US" kern="1200" dirty="0" smtClean="0">
+                          <a:solidFill>
+                            <a:srgbClr val="036883"/>
+                          </a:solidFill>
+                          <a:latin typeface="+mn-lt"/>
+                          <a:ea typeface="+mn-ea"/>
+                          <a:cs typeface="+mn-cs"/>
+                        </a:rPr>
+                        <a:t>  $sort</a:t>
+                      </a:r>
+                      <a:endParaRPr kumimoji="0" lang="en-US" kern="1200" dirty="0">
+                        <a:solidFill>
+                          <a:srgbClr val="036883"/>
+                        </a:solidFill>
+                        <a:latin typeface="+mn-lt"/>
+                        <a:ea typeface="+mn-ea"/>
+                        <a:cs typeface="+mn-cs"/>
+                      </a:endParaRPr>
                     </a:p>
                   </a:txBody>
                   <a:tcPr/>
@@ -27898,7 +28164,25 @@
                     <a:bodyPr/>
                     <a:lstStyle/>
                     <a:p>
-                      <a:endParaRPr lang="en-US"/>
+                      <a:r>
+                        <a:rPr kumimoji="0" lang="en-US" kern="1200" dirty="0" smtClean="0">
+                          <a:solidFill>
+                            <a:srgbClr val="036883"/>
+                          </a:solidFill>
+                          <a:latin typeface="+mn-lt"/>
+                          <a:ea typeface="+mn-ea"/>
+                          <a:cs typeface="+mn-cs"/>
+                        </a:rPr>
+                        <a:t>  $project</a:t>
+                      </a:r>
+                      <a:endParaRPr kumimoji="0" lang="en-US" kern="1200" dirty="0">
+                        <a:solidFill>
+                          <a:srgbClr val="036883"/>
+                        </a:solidFill>
+                        <a:latin typeface="+mn-lt"/>
+                        <a:ea typeface="+mn-ea"/>
+                        <a:cs typeface="+mn-cs"/>
+                      </a:endParaRPr>
                     </a:p>
                   </a:txBody>
                   <a:tcPr/>
@@ -27908,7 +28192,25 @@
                     <a:bodyPr/>
                     <a:lstStyle/>
                     <a:p>
-                      <a:endParaRPr lang="en-US"/>
+                      <a:r>
+                        <a:rPr kumimoji="0" lang="en-US" kern="1200" dirty="0" smtClean="0">
+                          <a:solidFill>
+                            <a:srgbClr val="036883"/>
+                          </a:solidFill>
+                          <a:latin typeface="+mn-lt"/>
+                          <a:ea typeface="+mn-ea"/>
+                          <a:cs typeface="+mn-cs"/>
+                        </a:rPr>
+                        <a:t>  $count</a:t>
+                      </a:r>
+                      <a:endParaRPr kumimoji="0" lang="en-US" kern="1200" dirty="0">
+                        <a:solidFill>
+                          <a:srgbClr val="036883"/>
+                        </a:solidFill>
+                        <a:latin typeface="+mn-lt"/>
+                        <a:ea typeface="+mn-ea"/>
+                        <a:cs typeface="+mn-cs"/>
+                      </a:endParaRPr>
                     </a:p>
                   </a:txBody>
                   <a:tcPr/>
@@ -27920,7 +28222,25 @@
                     <a:bodyPr/>
                     <a:lstStyle/>
                     <a:p>
-                      <a:endParaRPr lang="en-US"/>
+                      <a:r>
+                        <a:rPr kumimoji="0" lang="en-US" kern="1200" dirty="0" smtClean="0">
+                          <a:solidFill>
+                            <a:srgbClr val="036883"/>
+                          </a:solidFill>
+                          <a:latin typeface="+mn-lt"/>
+                          <a:ea typeface="+mn-ea"/>
+                          <a:cs typeface="+mn-cs"/>
+                        </a:rPr>
+                        <a:t>  $skip</a:t>
+                      </a:r>
+                      <a:endParaRPr kumimoji="0" lang="en-US" kern="1200" dirty="0">
+                        <a:solidFill>
+                          <a:srgbClr val="036883"/>
+                        </a:solidFill>
+                        <a:latin typeface="+mn-lt"/>
+                        <a:ea typeface="+mn-ea"/>
+                        <a:cs typeface="+mn-cs"/>
+                      </a:endParaRPr>
                     </a:p>
                   </a:txBody>
                   <a:tcPr/>
@@ -27930,7 +28250,25 @@
                     <a:bodyPr/>
                     <a:lstStyle/>
                     <a:p>
-                      <a:endParaRPr lang="en-US" dirty="0"/>
+                      <a:r>
+                        <a:rPr kumimoji="0" lang="en-US" kern="1200" dirty="0" smtClean="0">
+                          <a:solidFill>
+                            <a:srgbClr val="036883"/>
+                          </a:solidFill>
+                          <a:latin typeface="+mn-lt"/>
+                          <a:ea typeface="+mn-ea"/>
+                          <a:cs typeface="+mn-cs"/>
+                        </a:rPr>
+                        <a:t>  </a:t>
+                      </a:r>
+                      <a:endParaRPr kumimoji="0" lang="en-US" kern="1200" dirty="0">
+                        <a:solidFill>
+                          <a:srgbClr val="036883"/>
+                        </a:solidFill>
+                        <a:latin typeface="+mn-lt"/>
+                        <a:ea typeface="+mn-ea"/>
+                        <a:cs typeface="+mn-cs"/>
+                      </a:endParaRPr>
                     </a:p>
                   </a:txBody>
                   <a:tcPr/>
@@ -28386,7 +28724,7 @@
           <p:nvPr>
             <p:extLst>
               <p:ext uri="{D42A27DB-BD31-4B8C-83A1-F6EECF244321}">
-                <p14:modId xmlns:p14="http://schemas.microsoft.com/office/powerpoint/2010/main" val="2117911735"/>
+                <p14:modId xmlns:p14="http://schemas.microsoft.com/office/powerpoint/2010/main" val="2943245847"/>
               </p:ext>
             </p:extLst>
           </p:nvPr>
@@ -29514,13 +29852,6 @@
               </a:rPr>
               <a:t>{ $skip: &lt;positive integer&gt; }</a:t>
             </a:r>
-            <a:endParaRPr lang="en-US" dirty="0">
-              <a:solidFill>
-                <a:srgbClr val="049DC8"/>
-              </a:solidFill>
-              <a:latin typeface="Consolas" panose="020B0609020204030204" pitchFamily="49" charset="0"/>
-              <a:cs typeface="Calibri" panose="020F0502020204030204" pitchFamily="34" charset="0"/>
-            </a:endParaRPr>
           </a:p>
         </p:txBody>
       </p:sp>
@@ -29672,13 +30003,6 @@
               </a:rPr>
               <a:t>{ $limit: &lt;positive integer&gt; }</a:t>
             </a:r>
-            <a:endParaRPr lang="en-US" dirty="0">
-              <a:solidFill>
-                <a:srgbClr val="049DC8"/>
-              </a:solidFill>
-              <a:latin typeface="Consolas" panose="020B0609020204030204" pitchFamily="49" charset="0"/>
-              <a:cs typeface="Calibri" panose="020F0502020204030204" pitchFamily="34" charset="0"/>
-            </a:endParaRPr>
           </a:p>
         </p:txBody>
       </p:sp>
@@ -29830,13 +30154,6 @@
               </a:rPr>
               <a:t>{ $sort: { &lt;field1&gt;: &lt;sort order&gt;, &lt;field2&gt;: &lt;sort order&gt; ... } }</a:t>
             </a:r>
-            <a:endParaRPr lang="en-US" dirty="0">
-              <a:solidFill>
-                <a:srgbClr val="049DC8"/>
-              </a:solidFill>
-              <a:latin typeface="Consolas" panose="020B0609020204030204" pitchFamily="49" charset="0"/>
-              <a:cs typeface="Calibri" panose="020F0502020204030204" pitchFamily="34" charset="0"/>
-            </a:endParaRPr>
           </a:p>
         </p:txBody>
       </p:sp>
@@ -29916,27 +30233,7 @@
                 <a:latin typeface="Arial" pitchFamily="34" charset="0"/>
                 <a:cs typeface="Arial" pitchFamily="34" charset="0"/>
               </a:rPr>
-              <a:t>$match</a:t>
-            </a:r>
-            <a:r>
-              <a:rPr lang="en-IN" sz="3200" b="1" i="1" dirty="0">
-                <a:solidFill>
-                  <a:srgbClr val="FFFF00"/>
-                </a:solidFill>
-                <a:latin typeface="Arial" pitchFamily="34" charset="0"/>
-                <a:cs typeface="Arial" pitchFamily="34" charset="0"/>
-              </a:rPr>
-              <a:t> </a:t>
-            </a:r>
-            <a:r>
-              <a:rPr lang="en-IN" sz="3200" b="1" i="1" dirty="0" smtClean="0">
-                <a:solidFill>
-                  <a:srgbClr val="FFFF00"/>
-                </a:solidFill>
-                <a:latin typeface="Arial" pitchFamily="34" charset="0"/>
-                <a:cs typeface="Arial" pitchFamily="34" charset="0"/>
-              </a:rPr>
-              <a:t> TODO</a:t>
+              <a:t>$count</a:t>
             </a:r>
             <a:endParaRPr lang="en-IN" sz="3200" b="1" i="1" dirty="0">
               <a:solidFill>
@@ -30006,358 +30303,15 @@
                 <a:latin typeface="Consolas" panose="020B0609020204030204" pitchFamily="49" charset="0"/>
                 <a:cs typeface="Calibri" panose="020F0502020204030204" pitchFamily="34" charset="0"/>
               </a:rPr>
-              <a:t>{ $match: { &lt;query&gt; } }</a:t>
-            </a:r>
-          </a:p>
-        </p:txBody>
-      </p:sp>
-      <p:sp>
-        <p:nvSpPr>
-          <p:cNvPr id="5" name="Rectangle 4"/>
-          <p:cNvSpPr/>
-          <p:nvPr/>
-        </p:nvSpPr>
-        <p:spPr>
-          <a:xfrm>
-            <a:off x="149188" y="2133600"/>
-            <a:ext cx="8761264" cy="1692771"/>
-          </a:xfrm>
-          <a:prstGeom prst="rect">
-            <a:avLst/>
-          </a:prstGeom>
-        </p:spPr>
-        <p:txBody>
-          <a:bodyPr wrap="square">
-            <a:spAutoFit/>
-          </a:bodyPr>
-          <a:lstStyle/>
-          <a:p>
-            <a:r>
-              <a:rPr lang="en-US" sz="2200" dirty="0">
-                <a:solidFill>
-                  <a:srgbClr val="FC6F0D"/>
-                </a:solidFill>
-                <a:latin typeface="Calibri" panose="020F0502020204030204" pitchFamily="34" charset="0"/>
-                <a:cs typeface="Calibri" panose="020F0502020204030204" pitchFamily="34" charset="0"/>
-              </a:rPr>
-              <a:t>db.emp.aggregate </a:t>
-            </a:r>
-            <a:r>
-              <a:rPr lang="en-US" sz="2200" dirty="0" smtClean="0">
-                <a:solidFill>
-                  <a:srgbClr val="FC6F0D"/>
-                </a:solidFill>
-                <a:latin typeface="Calibri" panose="020F0502020204030204" pitchFamily="34" charset="0"/>
-                <a:cs typeface="Calibri" panose="020F0502020204030204" pitchFamily="34" charset="0"/>
-              </a:rPr>
-              <a:t>([ {$</a:t>
-            </a:r>
-            <a:r>
-              <a:rPr lang="en-US" sz="2200" dirty="0">
-                <a:solidFill>
-                  <a:srgbClr val="FC6F0D"/>
-                </a:solidFill>
-                <a:latin typeface="Calibri" panose="020F0502020204030204" pitchFamily="34" charset="0"/>
-                <a:cs typeface="Calibri" panose="020F0502020204030204" pitchFamily="34" charset="0"/>
-              </a:rPr>
-              <a:t>match: { job:'manager</a:t>
-            </a:r>
-            <a:r>
-              <a:rPr lang="en-US" sz="2200" dirty="0" smtClean="0">
-                <a:solidFill>
-                  <a:srgbClr val="FC6F0D"/>
-                </a:solidFill>
-                <a:latin typeface="Calibri" panose="020F0502020204030204" pitchFamily="34" charset="0"/>
-                <a:cs typeface="Calibri" panose="020F0502020204030204" pitchFamily="34" charset="0"/>
-              </a:rPr>
-              <a:t>'} } ])</a:t>
-            </a:r>
-          </a:p>
-          <a:p>
-            <a:endParaRPr lang="en-US" sz="800" dirty="0" smtClean="0">
-              <a:solidFill>
-                <a:srgbClr val="FC6F0D"/>
-              </a:solidFill>
-              <a:latin typeface="Calibri" panose="020F0502020204030204" pitchFamily="34" charset="0"/>
-              <a:cs typeface="Calibri" panose="020F0502020204030204" pitchFamily="34" charset="0"/>
-            </a:endParaRPr>
-          </a:p>
-          <a:p>
-            <a:r>
-              <a:rPr lang="en-US" sz="2200" dirty="0">
-                <a:solidFill>
-                  <a:srgbClr val="FC6F0D"/>
-                </a:solidFill>
-                <a:latin typeface="Calibri" panose="020F0502020204030204" pitchFamily="34" charset="0"/>
-                <a:cs typeface="Calibri" panose="020F0502020204030204" pitchFamily="34" charset="0"/>
-              </a:rPr>
-              <a:t>db.emp.aggregate </a:t>
-            </a:r>
-            <a:r>
-              <a:rPr lang="en-US" sz="2200" dirty="0" smtClean="0">
-                <a:solidFill>
-                  <a:srgbClr val="FC6F0D"/>
-                </a:solidFill>
-                <a:latin typeface="Calibri" panose="020F0502020204030204" pitchFamily="34" charset="0"/>
-                <a:cs typeface="Calibri" panose="020F0502020204030204" pitchFamily="34" charset="0"/>
-              </a:rPr>
-              <a:t>([ {$</a:t>
-            </a:r>
-            <a:r>
-              <a:rPr lang="en-US" sz="2200" dirty="0">
-                <a:solidFill>
-                  <a:srgbClr val="FC6F0D"/>
-                </a:solidFill>
-                <a:latin typeface="Calibri" panose="020F0502020204030204" pitchFamily="34" charset="0"/>
-                <a:cs typeface="Calibri" panose="020F0502020204030204" pitchFamily="34" charset="0"/>
-              </a:rPr>
-              <a:t>match: {comm: </a:t>
-            </a:r>
-            <a:r>
-              <a:rPr lang="en-US" sz="2200" dirty="0" smtClean="0">
-                <a:solidFill>
-                  <a:srgbClr val="FC6F0D"/>
-                </a:solidFill>
-                <a:latin typeface="Calibri" panose="020F0502020204030204" pitchFamily="34" charset="0"/>
-                <a:cs typeface="Calibri" panose="020F0502020204030204" pitchFamily="34" charset="0"/>
-              </a:rPr>
-              <a:t>{$</a:t>
-            </a:r>
-            <a:r>
-              <a:rPr lang="en-US" sz="2200" dirty="0">
-                <a:solidFill>
-                  <a:srgbClr val="FC6F0D"/>
-                </a:solidFill>
-                <a:latin typeface="Calibri" panose="020F0502020204030204" pitchFamily="34" charset="0"/>
-                <a:cs typeface="Calibri" panose="020F0502020204030204" pitchFamily="34" charset="0"/>
-              </a:rPr>
-              <a:t>eq</a:t>
-            </a:r>
-            <a:r>
-              <a:rPr lang="en-US" sz="2200" dirty="0" smtClean="0">
-                <a:solidFill>
-                  <a:srgbClr val="FC6F0D"/>
-                </a:solidFill>
-                <a:latin typeface="Calibri" panose="020F0502020204030204" pitchFamily="34" charset="0"/>
-                <a:cs typeface="Calibri" panose="020F0502020204030204" pitchFamily="34" charset="0"/>
-              </a:rPr>
-              <a:t>: null} </a:t>
-            </a:r>
-            <a:r>
-              <a:rPr lang="en-US" sz="2200" dirty="0">
-                <a:solidFill>
-                  <a:srgbClr val="FC6F0D"/>
-                </a:solidFill>
-                <a:latin typeface="Calibri" panose="020F0502020204030204" pitchFamily="34" charset="0"/>
-                <a:cs typeface="Calibri" panose="020F0502020204030204" pitchFamily="34" charset="0"/>
-              </a:rPr>
-              <a:t>} </a:t>
-            </a:r>
-            <a:r>
-              <a:rPr lang="en-US" sz="2200" dirty="0" smtClean="0">
-                <a:solidFill>
-                  <a:srgbClr val="FC6F0D"/>
-                </a:solidFill>
-                <a:latin typeface="Calibri" panose="020F0502020204030204" pitchFamily="34" charset="0"/>
-                <a:cs typeface="Calibri" panose="020F0502020204030204" pitchFamily="34" charset="0"/>
-              </a:rPr>
-              <a:t>} ])</a:t>
-            </a:r>
-          </a:p>
-          <a:p>
-            <a:endParaRPr lang="en-US" sz="800" dirty="0">
-              <a:solidFill>
-                <a:srgbClr val="FC6F0D"/>
-              </a:solidFill>
-              <a:latin typeface="Calibri" panose="020F0502020204030204" pitchFamily="34" charset="0"/>
-              <a:cs typeface="Calibri" panose="020F0502020204030204" pitchFamily="34" charset="0"/>
-            </a:endParaRPr>
-          </a:p>
-          <a:p>
-            <a:r>
-              <a:rPr lang="en-US" sz="2200" dirty="0" smtClean="0">
-                <a:solidFill>
-                  <a:srgbClr val="FC6F0D"/>
-                </a:solidFill>
-                <a:latin typeface="Calibri" panose="020F0502020204030204" pitchFamily="34" charset="0"/>
-                <a:cs typeface="Calibri" panose="020F0502020204030204" pitchFamily="34" charset="0"/>
-              </a:rPr>
-              <a:t>db.emp.aggregate ([ {$</a:t>
-            </a:r>
-            <a:r>
-              <a:rPr lang="en-US" sz="2200" dirty="0">
-                <a:solidFill>
-                  <a:srgbClr val="FC6F0D"/>
-                </a:solidFill>
-                <a:latin typeface="Calibri" panose="020F0502020204030204" pitchFamily="34" charset="0"/>
-                <a:cs typeface="Calibri" panose="020F0502020204030204" pitchFamily="34" charset="0"/>
-              </a:rPr>
-              <a:t>match</a:t>
-            </a:r>
-            <a:r>
-              <a:rPr lang="en-US" sz="2200" dirty="0" smtClean="0">
-                <a:solidFill>
-                  <a:srgbClr val="FC6F0D"/>
-                </a:solidFill>
-                <a:latin typeface="Calibri" panose="020F0502020204030204" pitchFamily="34" charset="0"/>
-                <a:cs typeface="Calibri" panose="020F0502020204030204" pitchFamily="34" charset="0"/>
-              </a:rPr>
-              <a:t>: {</a:t>
-            </a:r>
-            <a:r>
-              <a:rPr lang="en-US" sz="2200" dirty="0">
-                <a:solidFill>
-                  <a:srgbClr val="FC6F0D"/>
-                </a:solidFill>
-                <a:latin typeface="Calibri" panose="020F0502020204030204" pitchFamily="34" charset="0"/>
-                <a:cs typeface="Calibri" panose="020F0502020204030204" pitchFamily="34" charset="0"/>
-              </a:rPr>
-              <a:t>sal</a:t>
-            </a:r>
-            <a:r>
-              <a:rPr lang="en-US" sz="2200" dirty="0" smtClean="0">
-                <a:solidFill>
-                  <a:srgbClr val="FC6F0D"/>
-                </a:solidFill>
-                <a:latin typeface="Calibri" panose="020F0502020204030204" pitchFamily="34" charset="0"/>
-                <a:cs typeface="Calibri" panose="020F0502020204030204" pitchFamily="34" charset="0"/>
-              </a:rPr>
-              <a:t>: {$</a:t>
-            </a:r>
-            <a:r>
-              <a:rPr lang="en-US" sz="2200" dirty="0">
-                <a:solidFill>
-                  <a:srgbClr val="FC6F0D"/>
-                </a:solidFill>
-                <a:latin typeface="Calibri" panose="020F0502020204030204" pitchFamily="34" charset="0"/>
-                <a:cs typeface="Calibri" panose="020F0502020204030204" pitchFamily="34" charset="0"/>
-              </a:rPr>
-              <a:t>gt</a:t>
-            </a:r>
-            <a:r>
-              <a:rPr lang="en-US" sz="2200" dirty="0" smtClean="0">
-                <a:solidFill>
-                  <a:srgbClr val="FC6F0D"/>
-                </a:solidFill>
-                <a:latin typeface="Calibri" panose="020F0502020204030204" pitchFamily="34" charset="0"/>
-                <a:cs typeface="Calibri" panose="020F0502020204030204" pitchFamily="34" charset="0"/>
-              </a:rPr>
-              <a:t>: 4000} }}, {$</a:t>
-            </a:r>
-            <a:r>
-              <a:rPr lang="en-US" sz="2200" dirty="0">
-                <a:solidFill>
-                  <a:srgbClr val="FC6F0D"/>
-                </a:solidFill>
-                <a:latin typeface="Calibri" panose="020F0502020204030204" pitchFamily="34" charset="0"/>
-                <a:cs typeface="Calibri" panose="020F0502020204030204" pitchFamily="34" charset="0"/>
-              </a:rPr>
-              <a:t>group</a:t>
-            </a:r>
-            <a:r>
-              <a:rPr lang="en-US" sz="2200" dirty="0" smtClean="0">
-                <a:solidFill>
-                  <a:srgbClr val="FC6F0D"/>
-                </a:solidFill>
-                <a:latin typeface="Calibri" panose="020F0502020204030204" pitchFamily="34" charset="0"/>
-                <a:cs typeface="Calibri" panose="020F0502020204030204" pitchFamily="34" charset="0"/>
-              </a:rPr>
-              <a:t>: {_</a:t>
-            </a:r>
-            <a:r>
-              <a:rPr lang="en-US" sz="2200" dirty="0">
-                <a:solidFill>
-                  <a:srgbClr val="FC6F0D"/>
-                </a:solidFill>
-                <a:latin typeface="Calibri" panose="020F0502020204030204" pitchFamily="34" charset="0"/>
-                <a:cs typeface="Calibri" panose="020F0502020204030204" pitchFamily="34" charset="0"/>
-              </a:rPr>
-              <a:t>id</a:t>
-            </a:r>
-            <a:r>
-              <a:rPr lang="en-US" sz="2200" dirty="0" smtClean="0">
-                <a:solidFill>
-                  <a:srgbClr val="FC6F0D"/>
-                </a:solidFill>
-                <a:latin typeface="Calibri" panose="020F0502020204030204" pitchFamily="34" charset="0"/>
-                <a:cs typeface="Calibri" panose="020F0502020204030204" pitchFamily="34" charset="0"/>
-              </a:rPr>
-              <a:t>: '$</a:t>
-            </a:r>
-            <a:r>
-              <a:rPr lang="en-US" sz="2200" dirty="0">
-                <a:solidFill>
-                  <a:srgbClr val="FC6F0D"/>
-                </a:solidFill>
-                <a:latin typeface="Calibri" panose="020F0502020204030204" pitchFamily="34" charset="0"/>
-                <a:cs typeface="Calibri" panose="020F0502020204030204" pitchFamily="34" charset="0"/>
-              </a:rPr>
-              <a:t>job', count</a:t>
-            </a:r>
-            <a:r>
-              <a:rPr lang="en-US" sz="2200" dirty="0" smtClean="0">
-                <a:solidFill>
-                  <a:srgbClr val="FC6F0D"/>
-                </a:solidFill>
-                <a:latin typeface="Calibri" panose="020F0502020204030204" pitchFamily="34" charset="0"/>
-                <a:cs typeface="Calibri" panose="020F0502020204030204" pitchFamily="34" charset="0"/>
-              </a:rPr>
-              <a:t>: {$</a:t>
-            </a:r>
-            <a:r>
-              <a:rPr lang="en-US" sz="2200" dirty="0">
-                <a:solidFill>
-                  <a:srgbClr val="FC6F0D"/>
-                </a:solidFill>
-                <a:latin typeface="Calibri" panose="020F0502020204030204" pitchFamily="34" charset="0"/>
-                <a:cs typeface="Calibri" panose="020F0502020204030204" pitchFamily="34" charset="0"/>
-              </a:rPr>
-              <a:t>sum</a:t>
-            </a:r>
-            <a:r>
-              <a:rPr lang="en-US" sz="2200" dirty="0" smtClean="0">
-                <a:solidFill>
-                  <a:srgbClr val="FC6F0D"/>
-                </a:solidFill>
-                <a:latin typeface="Calibri" panose="020F0502020204030204" pitchFamily="34" charset="0"/>
-                <a:cs typeface="Calibri" panose="020F0502020204030204" pitchFamily="34" charset="0"/>
-              </a:rPr>
-              <a:t>: '$</a:t>
-            </a:r>
-            <a:r>
-              <a:rPr lang="en-US" sz="2200" dirty="0">
-                <a:solidFill>
-                  <a:srgbClr val="FC6F0D"/>
-                </a:solidFill>
-                <a:latin typeface="Calibri" panose="020F0502020204030204" pitchFamily="34" charset="0"/>
-                <a:cs typeface="Calibri" panose="020F0502020204030204" pitchFamily="34" charset="0"/>
-              </a:rPr>
-              <a:t>sal'} </a:t>
-            </a:r>
-            <a:r>
-              <a:rPr lang="en-US" sz="2200" dirty="0" smtClean="0">
-                <a:solidFill>
-                  <a:srgbClr val="FC6F0D"/>
-                </a:solidFill>
-                <a:latin typeface="Calibri" panose="020F0502020204030204" pitchFamily="34" charset="0"/>
-                <a:cs typeface="Calibri" panose="020F0502020204030204" pitchFamily="34" charset="0"/>
-              </a:rPr>
-              <a:t>} } ])</a:t>
-            </a:r>
-            <a:endParaRPr lang="en-US" sz="2200" dirty="0">
-              <a:solidFill>
-                <a:srgbClr val="FC6F0D"/>
-              </a:solidFill>
-              <a:latin typeface="Calibri" panose="020F0502020204030204" pitchFamily="34" charset="0"/>
-              <a:cs typeface="Calibri" panose="020F0502020204030204" pitchFamily="34" charset="0"/>
-            </a:endParaRPr>
+              <a:t>{ $count: &lt;string&gt; }</a:t>
+            </a:r>
           </a:p>
         </p:txBody>
       </p:sp>
     </p:spTree>
     <p:extLst>
       <p:ext uri="{BB962C8B-B14F-4D97-AF65-F5344CB8AC3E}">
-        <p14:creationId xmlns:p14="http://schemas.microsoft.com/office/powerpoint/2010/main" val="1087509688"/>
+        <p14:creationId xmlns:p14="http://schemas.microsoft.com/office/powerpoint/2010/main" val="3090784624"/>
       </p:ext>
     </p:extLst>
   </p:cSld>
@@ -30871,7 +30825,7 @@
     </p:spTree>
     <p:extLst>
       <p:ext uri="{BB962C8B-B14F-4D97-AF65-F5344CB8AC3E}">
-        <p14:creationId xmlns:p14="http://schemas.microsoft.com/office/powerpoint/2010/main" val="691073419"/>
+        <p14:creationId xmlns:p14="http://schemas.microsoft.com/office/powerpoint/2010/main" val="1087509688"/>
       </p:ext>
     </p:extLst>
   </p:cSld>
@@ -31691,7 +31645,7 @@
     </p:spTree>
     <p:extLst>
       <p:ext uri="{BB962C8B-B14F-4D97-AF65-F5344CB8AC3E}">
-        <p14:creationId xmlns:p14="http://schemas.microsoft.com/office/powerpoint/2010/main" val="1894960303"/>
+        <p14:creationId xmlns:p14="http://schemas.microsoft.com/office/powerpoint/2010/main" val="691073419"/>
       </p:ext>
     </p:extLst>
   </p:cSld>
@@ -32205,7 +32159,7 @@
     </p:spTree>
     <p:extLst>
       <p:ext uri="{BB962C8B-B14F-4D97-AF65-F5344CB8AC3E}">
-        <p14:creationId xmlns:p14="http://schemas.microsoft.com/office/powerpoint/2010/main" val="4208513119"/>
+        <p14:creationId xmlns:p14="http://schemas.microsoft.com/office/powerpoint/2010/main" val="1894960303"/>
       </p:ext>
     </p:extLst>
   </p:cSld>
@@ -32278,28 +32232,35 @@
                 <a:latin typeface="Arial" pitchFamily="34" charset="0"/>
                 <a:cs typeface="Arial" pitchFamily="34" charset="0"/>
               </a:rPr>
-              <a:t>MongoDB</a:t>
-            </a:r>
-            <a:r>
-              <a:rPr lang="en-US" sz="3200" b="1" i="1" dirty="0" smtClean="0">
+              <a:t>$match</a:t>
+            </a:r>
+            <a:r>
+              <a:rPr lang="en-IN" sz="3200" b="1" i="1" dirty="0">
                 <a:solidFill>
                   <a:srgbClr val="FFFF00"/>
                 </a:solidFill>
                 <a:latin typeface="Arial" pitchFamily="34" charset="0"/>
                 <a:cs typeface="Arial" pitchFamily="34" charset="0"/>
               </a:rPr>
-              <a:t> </a:t>
-            </a:r>
-            <a:r>
-              <a:rPr lang="en-IN" sz="3200" b="1" i="1" dirty="0">
+              <a:t> </a:t>
+            </a:r>
+            <a:r>
+              <a:rPr lang="en-IN" sz="3200" b="1" i="1" dirty="0" smtClean="0">
                 <a:solidFill>
                   <a:srgbClr val="FFFF00"/>
                 </a:solidFill>
                 <a:latin typeface="Arial" pitchFamily="34" charset="0"/>
                 <a:cs typeface="Arial" pitchFamily="34" charset="0"/>
               </a:rPr>
-              <a:t> </a:t>
-            </a:r>
+              <a:t> TODO</a:t>
+            </a:r>
+            <a:endParaRPr lang="en-IN" sz="3200" b="1" i="1" dirty="0">
+              <a:solidFill>
+                <a:srgbClr val="FFFF00"/>
+              </a:solidFill>
+              <a:latin typeface="Arial" pitchFamily="34" charset="0"/>
+              <a:cs typeface="Arial" pitchFamily="34" charset="0"/>
+            </a:endParaRPr>
           </a:p>
         </p:txBody>
       </p:sp>
@@ -32329,13 +32290,390 @@
               <a:t>TODO</a:t>
             </a:r>
             <a:endParaRPr lang="en-IN" dirty="0"/>
+          </a:p>
+        </p:txBody>
+      </p:sp>
+      <p:sp>
+        <p:nvSpPr>
+          <p:cNvPr id="4" name="Rectangle 3"/>
+          <p:cNvSpPr/>
+          <p:nvPr/>
+        </p:nvSpPr>
+        <p:spPr>
+          <a:xfrm>
+            <a:off x="149188" y="1524000"/>
+            <a:ext cx="8761264" cy="369332"/>
+          </a:xfrm>
+          <a:prstGeom prst="rect">
+            <a:avLst/>
+          </a:prstGeom>
+        </p:spPr>
+        <p:txBody>
+          <a:bodyPr wrap="square">
+            <a:spAutoFit/>
+          </a:bodyPr>
+          <a:lstStyle/>
+          <a:p>
+            <a:r>
+              <a:rPr lang="en-US" dirty="0">
+                <a:solidFill>
+                  <a:srgbClr val="049DC8"/>
+                </a:solidFill>
+                <a:latin typeface="Consolas" panose="020B0609020204030204" pitchFamily="49" charset="0"/>
+                <a:cs typeface="Calibri" panose="020F0502020204030204" pitchFamily="34" charset="0"/>
+              </a:rPr>
+              <a:t>{ $match: { &lt;query&gt; } }</a:t>
+            </a:r>
+          </a:p>
+        </p:txBody>
+      </p:sp>
+      <p:sp>
+        <p:nvSpPr>
+          <p:cNvPr id="5" name="Rectangle 4"/>
+          <p:cNvSpPr/>
+          <p:nvPr/>
+        </p:nvSpPr>
+        <p:spPr>
+          <a:xfrm>
+            <a:off x="149188" y="2133600"/>
+            <a:ext cx="8761264" cy="1692771"/>
+          </a:xfrm>
+          <a:prstGeom prst="rect">
+            <a:avLst/>
+          </a:prstGeom>
+        </p:spPr>
+        <p:txBody>
+          <a:bodyPr wrap="square">
+            <a:spAutoFit/>
+          </a:bodyPr>
+          <a:lstStyle/>
+          <a:p>
+            <a:r>
+              <a:rPr lang="en-US" sz="2200" dirty="0">
+                <a:solidFill>
+                  <a:srgbClr val="FC6F0D"/>
+                </a:solidFill>
+                <a:latin typeface="Calibri" panose="020F0502020204030204" pitchFamily="34" charset="0"/>
+                <a:cs typeface="Calibri" panose="020F0502020204030204" pitchFamily="34" charset="0"/>
+              </a:rPr>
+              <a:t>db.emp.aggregate </a:t>
+            </a:r>
+            <a:r>
+              <a:rPr lang="en-US" sz="2200" dirty="0" smtClean="0">
+                <a:solidFill>
+                  <a:srgbClr val="FC6F0D"/>
+                </a:solidFill>
+                <a:latin typeface="Calibri" panose="020F0502020204030204" pitchFamily="34" charset="0"/>
+                <a:cs typeface="Calibri" panose="020F0502020204030204" pitchFamily="34" charset="0"/>
+              </a:rPr>
+              <a:t>([ {$</a:t>
+            </a:r>
+            <a:r>
+              <a:rPr lang="en-US" sz="2200" dirty="0">
+                <a:solidFill>
+                  <a:srgbClr val="FC6F0D"/>
+                </a:solidFill>
+                <a:latin typeface="Calibri" panose="020F0502020204030204" pitchFamily="34" charset="0"/>
+                <a:cs typeface="Calibri" panose="020F0502020204030204" pitchFamily="34" charset="0"/>
+              </a:rPr>
+              <a:t>match: { job:'manager</a:t>
+            </a:r>
+            <a:r>
+              <a:rPr lang="en-US" sz="2200" dirty="0" smtClean="0">
+                <a:solidFill>
+                  <a:srgbClr val="FC6F0D"/>
+                </a:solidFill>
+                <a:latin typeface="Calibri" panose="020F0502020204030204" pitchFamily="34" charset="0"/>
+                <a:cs typeface="Calibri" panose="020F0502020204030204" pitchFamily="34" charset="0"/>
+              </a:rPr>
+              <a:t>'} } ])</a:t>
+            </a:r>
+          </a:p>
+          <a:p>
+            <a:endParaRPr lang="en-US" sz="800" dirty="0" smtClean="0">
+              <a:solidFill>
+                <a:srgbClr val="FC6F0D"/>
+              </a:solidFill>
+              <a:latin typeface="Calibri" panose="020F0502020204030204" pitchFamily="34" charset="0"/>
+              <a:cs typeface="Calibri" panose="020F0502020204030204" pitchFamily="34" charset="0"/>
+            </a:endParaRPr>
+          </a:p>
+          <a:p>
+            <a:r>
+              <a:rPr lang="en-US" sz="2200" dirty="0">
+                <a:solidFill>
+                  <a:srgbClr val="FC6F0D"/>
+                </a:solidFill>
+                <a:latin typeface="Calibri" panose="020F0502020204030204" pitchFamily="34" charset="0"/>
+                <a:cs typeface="Calibri" panose="020F0502020204030204" pitchFamily="34" charset="0"/>
+              </a:rPr>
+              <a:t>db.emp.aggregate </a:t>
+            </a:r>
+            <a:r>
+              <a:rPr lang="en-US" sz="2200" dirty="0" smtClean="0">
+                <a:solidFill>
+                  <a:srgbClr val="FC6F0D"/>
+                </a:solidFill>
+                <a:latin typeface="Calibri" panose="020F0502020204030204" pitchFamily="34" charset="0"/>
+                <a:cs typeface="Calibri" panose="020F0502020204030204" pitchFamily="34" charset="0"/>
+              </a:rPr>
+              <a:t>([ {$</a:t>
+            </a:r>
+            <a:r>
+              <a:rPr lang="en-US" sz="2200" dirty="0">
+                <a:solidFill>
+                  <a:srgbClr val="FC6F0D"/>
+                </a:solidFill>
+                <a:latin typeface="Calibri" panose="020F0502020204030204" pitchFamily="34" charset="0"/>
+                <a:cs typeface="Calibri" panose="020F0502020204030204" pitchFamily="34" charset="0"/>
+              </a:rPr>
+              <a:t>match: {comm: </a:t>
+            </a:r>
+            <a:r>
+              <a:rPr lang="en-US" sz="2200" dirty="0" smtClean="0">
+                <a:solidFill>
+                  <a:srgbClr val="FC6F0D"/>
+                </a:solidFill>
+                <a:latin typeface="Calibri" panose="020F0502020204030204" pitchFamily="34" charset="0"/>
+                <a:cs typeface="Calibri" panose="020F0502020204030204" pitchFamily="34" charset="0"/>
+              </a:rPr>
+              <a:t>{$</a:t>
+            </a:r>
+            <a:r>
+              <a:rPr lang="en-US" sz="2200" dirty="0">
+                <a:solidFill>
+                  <a:srgbClr val="FC6F0D"/>
+                </a:solidFill>
+                <a:latin typeface="Calibri" panose="020F0502020204030204" pitchFamily="34" charset="0"/>
+                <a:cs typeface="Calibri" panose="020F0502020204030204" pitchFamily="34" charset="0"/>
+              </a:rPr>
+              <a:t>eq</a:t>
+            </a:r>
+            <a:r>
+              <a:rPr lang="en-US" sz="2200" dirty="0" smtClean="0">
+                <a:solidFill>
+                  <a:srgbClr val="FC6F0D"/>
+                </a:solidFill>
+                <a:latin typeface="Calibri" panose="020F0502020204030204" pitchFamily="34" charset="0"/>
+                <a:cs typeface="Calibri" panose="020F0502020204030204" pitchFamily="34" charset="0"/>
+              </a:rPr>
+              <a:t>: null} </a:t>
+            </a:r>
+            <a:r>
+              <a:rPr lang="en-US" sz="2200" dirty="0">
+                <a:solidFill>
+                  <a:srgbClr val="FC6F0D"/>
+                </a:solidFill>
+                <a:latin typeface="Calibri" panose="020F0502020204030204" pitchFamily="34" charset="0"/>
+                <a:cs typeface="Calibri" panose="020F0502020204030204" pitchFamily="34" charset="0"/>
+              </a:rPr>
+              <a:t>} </a:t>
+            </a:r>
+            <a:r>
+              <a:rPr lang="en-US" sz="2200" dirty="0" smtClean="0">
+                <a:solidFill>
+                  <a:srgbClr val="FC6F0D"/>
+                </a:solidFill>
+                <a:latin typeface="Calibri" panose="020F0502020204030204" pitchFamily="34" charset="0"/>
+                <a:cs typeface="Calibri" panose="020F0502020204030204" pitchFamily="34" charset="0"/>
+              </a:rPr>
+              <a:t>} ])</a:t>
+            </a:r>
+          </a:p>
+          <a:p>
+            <a:endParaRPr lang="en-US" sz="800" dirty="0">
+              <a:solidFill>
+                <a:srgbClr val="FC6F0D"/>
+              </a:solidFill>
+              <a:latin typeface="Calibri" panose="020F0502020204030204" pitchFamily="34" charset="0"/>
+              <a:cs typeface="Calibri" panose="020F0502020204030204" pitchFamily="34" charset="0"/>
+            </a:endParaRPr>
+          </a:p>
+          <a:p>
+            <a:r>
+              <a:rPr lang="en-US" sz="2200" dirty="0" smtClean="0">
+                <a:solidFill>
+                  <a:srgbClr val="FC6F0D"/>
+                </a:solidFill>
+                <a:latin typeface="Calibri" panose="020F0502020204030204" pitchFamily="34" charset="0"/>
+                <a:cs typeface="Calibri" panose="020F0502020204030204" pitchFamily="34" charset="0"/>
+              </a:rPr>
+              <a:t>db.emp.aggregate ([ {$</a:t>
+            </a:r>
+            <a:r>
+              <a:rPr lang="en-US" sz="2200" dirty="0">
+                <a:solidFill>
+                  <a:srgbClr val="FC6F0D"/>
+                </a:solidFill>
+                <a:latin typeface="Calibri" panose="020F0502020204030204" pitchFamily="34" charset="0"/>
+                <a:cs typeface="Calibri" panose="020F0502020204030204" pitchFamily="34" charset="0"/>
+              </a:rPr>
+              <a:t>match</a:t>
+            </a:r>
+            <a:r>
+              <a:rPr lang="en-US" sz="2200" dirty="0" smtClean="0">
+                <a:solidFill>
+                  <a:srgbClr val="FC6F0D"/>
+                </a:solidFill>
+                <a:latin typeface="Calibri" panose="020F0502020204030204" pitchFamily="34" charset="0"/>
+                <a:cs typeface="Calibri" panose="020F0502020204030204" pitchFamily="34" charset="0"/>
+              </a:rPr>
+              <a:t>: {</a:t>
+            </a:r>
+            <a:r>
+              <a:rPr lang="en-US" sz="2200" dirty="0">
+                <a:solidFill>
+                  <a:srgbClr val="FC6F0D"/>
+                </a:solidFill>
+                <a:latin typeface="Calibri" panose="020F0502020204030204" pitchFamily="34" charset="0"/>
+                <a:cs typeface="Calibri" panose="020F0502020204030204" pitchFamily="34" charset="0"/>
+              </a:rPr>
+              <a:t>sal</a:t>
+            </a:r>
+            <a:r>
+              <a:rPr lang="en-US" sz="2200" dirty="0" smtClean="0">
+                <a:solidFill>
+                  <a:srgbClr val="FC6F0D"/>
+                </a:solidFill>
+                <a:latin typeface="Calibri" panose="020F0502020204030204" pitchFamily="34" charset="0"/>
+                <a:cs typeface="Calibri" panose="020F0502020204030204" pitchFamily="34" charset="0"/>
+              </a:rPr>
+              <a:t>: {$</a:t>
+            </a:r>
+            <a:r>
+              <a:rPr lang="en-US" sz="2200" dirty="0">
+                <a:solidFill>
+                  <a:srgbClr val="FC6F0D"/>
+                </a:solidFill>
+                <a:latin typeface="Calibri" panose="020F0502020204030204" pitchFamily="34" charset="0"/>
+                <a:cs typeface="Calibri" panose="020F0502020204030204" pitchFamily="34" charset="0"/>
+              </a:rPr>
+              <a:t>gt</a:t>
+            </a:r>
+            <a:r>
+              <a:rPr lang="en-US" sz="2200" dirty="0" smtClean="0">
+                <a:solidFill>
+                  <a:srgbClr val="FC6F0D"/>
+                </a:solidFill>
+                <a:latin typeface="Calibri" panose="020F0502020204030204" pitchFamily="34" charset="0"/>
+                <a:cs typeface="Calibri" panose="020F0502020204030204" pitchFamily="34" charset="0"/>
+              </a:rPr>
+              <a:t>: 4000} }}, {$</a:t>
+            </a:r>
+            <a:r>
+              <a:rPr lang="en-US" sz="2200" dirty="0">
+                <a:solidFill>
+                  <a:srgbClr val="FC6F0D"/>
+                </a:solidFill>
+                <a:latin typeface="Calibri" panose="020F0502020204030204" pitchFamily="34" charset="0"/>
+                <a:cs typeface="Calibri" panose="020F0502020204030204" pitchFamily="34" charset="0"/>
+              </a:rPr>
+              <a:t>group</a:t>
+            </a:r>
+            <a:r>
+              <a:rPr lang="en-US" sz="2200" dirty="0" smtClean="0">
+                <a:solidFill>
+                  <a:srgbClr val="FC6F0D"/>
+                </a:solidFill>
+                <a:latin typeface="Calibri" panose="020F0502020204030204" pitchFamily="34" charset="0"/>
+                <a:cs typeface="Calibri" panose="020F0502020204030204" pitchFamily="34" charset="0"/>
+              </a:rPr>
+              <a:t>: {_</a:t>
+            </a:r>
+            <a:r>
+              <a:rPr lang="en-US" sz="2200" dirty="0">
+                <a:solidFill>
+                  <a:srgbClr val="FC6F0D"/>
+                </a:solidFill>
+                <a:latin typeface="Calibri" panose="020F0502020204030204" pitchFamily="34" charset="0"/>
+                <a:cs typeface="Calibri" panose="020F0502020204030204" pitchFamily="34" charset="0"/>
+              </a:rPr>
+              <a:t>id</a:t>
+            </a:r>
+            <a:r>
+              <a:rPr lang="en-US" sz="2200" dirty="0" smtClean="0">
+                <a:solidFill>
+                  <a:srgbClr val="FC6F0D"/>
+                </a:solidFill>
+                <a:latin typeface="Calibri" panose="020F0502020204030204" pitchFamily="34" charset="0"/>
+                <a:cs typeface="Calibri" panose="020F0502020204030204" pitchFamily="34" charset="0"/>
+              </a:rPr>
+              <a:t>: '$</a:t>
+            </a:r>
+            <a:r>
+              <a:rPr lang="en-US" sz="2200" dirty="0">
+                <a:solidFill>
+                  <a:srgbClr val="FC6F0D"/>
+                </a:solidFill>
+                <a:latin typeface="Calibri" panose="020F0502020204030204" pitchFamily="34" charset="0"/>
+                <a:cs typeface="Calibri" panose="020F0502020204030204" pitchFamily="34" charset="0"/>
+              </a:rPr>
+              <a:t>job', count</a:t>
+            </a:r>
+            <a:r>
+              <a:rPr lang="en-US" sz="2200" dirty="0" smtClean="0">
+                <a:solidFill>
+                  <a:srgbClr val="FC6F0D"/>
+                </a:solidFill>
+                <a:latin typeface="Calibri" panose="020F0502020204030204" pitchFamily="34" charset="0"/>
+                <a:cs typeface="Calibri" panose="020F0502020204030204" pitchFamily="34" charset="0"/>
+              </a:rPr>
+              <a:t>: {$</a:t>
+            </a:r>
+            <a:r>
+              <a:rPr lang="en-US" sz="2200" dirty="0">
+                <a:solidFill>
+                  <a:srgbClr val="FC6F0D"/>
+                </a:solidFill>
+                <a:latin typeface="Calibri" panose="020F0502020204030204" pitchFamily="34" charset="0"/>
+                <a:cs typeface="Calibri" panose="020F0502020204030204" pitchFamily="34" charset="0"/>
+              </a:rPr>
+              <a:t>sum</a:t>
+            </a:r>
+            <a:r>
+              <a:rPr lang="en-US" sz="2200" dirty="0" smtClean="0">
+                <a:solidFill>
+                  <a:srgbClr val="FC6F0D"/>
+                </a:solidFill>
+                <a:latin typeface="Calibri" panose="020F0502020204030204" pitchFamily="34" charset="0"/>
+                <a:cs typeface="Calibri" panose="020F0502020204030204" pitchFamily="34" charset="0"/>
+              </a:rPr>
+              <a:t>: '$</a:t>
+            </a:r>
+            <a:r>
+              <a:rPr lang="en-US" sz="2200" dirty="0">
+                <a:solidFill>
+                  <a:srgbClr val="FC6F0D"/>
+                </a:solidFill>
+                <a:latin typeface="Calibri" panose="020F0502020204030204" pitchFamily="34" charset="0"/>
+                <a:cs typeface="Calibri" panose="020F0502020204030204" pitchFamily="34" charset="0"/>
+              </a:rPr>
+              <a:t>sal'} </a:t>
+            </a:r>
+            <a:r>
+              <a:rPr lang="en-US" sz="2200" dirty="0" smtClean="0">
+                <a:solidFill>
+                  <a:srgbClr val="FC6F0D"/>
+                </a:solidFill>
+                <a:latin typeface="Calibri" panose="020F0502020204030204" pitchFamily="34" charset="0"/>
+                <a:cs typeface="Calibri" panose="020F0502020204030204" pitchFamily="34" charset="0"/>
+              </a:rPr>
+              <a:t>} } ])</a:t>
+            </a:r>
+            <a:endParaRPr lang="en-US" sz="2200" dirty="0">
+              <a:solidFill>
+                <a:srgbClr val="FC6F0D"/>
+              </a:solidFill>
+              <a:latin typeface="Calibri" panose="020F0502020204030204" pitchFamily="34" charset="0"/>
+              <a:cs typeface="Calibri" panose="020F0502020204030204" pitchFamily="34" charset="0"/>
+            </a:endParaRPr>
           </a:p>
         </p:txBody>
       </p:sp>
     </p:spTree>
     <p:extLst>
       <p:ext uri="{BB962C8B-B14F-4D97-AF65-F5344CB8AC3E}">
-        <p14:creationId xmlns:p14="http://schemas.microsoft.com/office/powerpoint/2010/main" val="1298561359"/>
+        <p14:creationId xmlns:p14="http://schemas.microsoft.com/office/powerpoint/2010/main" val="4208513119"/>
       </p:ext>
     </p:extLst>
   </p:cSld>
@@ -32465,7 +32803,7 @@
     </p:spTree>
     <p:extLst>
       <p:ext uri="{BB962C8B-B14F-4D97-AF65-F5344CB8AC3E}">
-        <p14:creationId xmlns:p14="http://schemas.microsoft.com/office/powerpoint/2010/main" val="2767122750"/>
+        <p14:creationId xmlns:p14="http://schemas.microsoft.com/office/powerpoint/2010/main" val="1298561359"/>
       </p:ext>
     </p:extLst>
   </p:cSld>
@@ -32595,7 +32933,7 @@
     </p:spTree>
     <p:extLst>
       <p:ext uri="{BB962C8B-B14F-4D97-AF65-F5344CB8AC3E}">
-        <p14:creationId xmlns:p14="http://schemas.microsoft.com/office/powerpoint/2010/main" val="3923222660"/>
+        <p14:creationId xmlns:p14="http://schemas.microsoft.com/office/powerpoint/2010/main" val="2767122750"/>
       </p:ext>
     </p:extLst>
   </p:cSld>
@@ -32725,7 +33063,7 @@
     </p:spTree>
     <p:extLst>
       <p:ext uri="{BB962C8B-B14F-4D97-AF65-F5344CB8AC3E}">
-        <p14:creationId xmlns:p14="http://schemas.microsoft.com/office/powerpoint/2010/main" val="166747101"/>
+        <p14:creationId xmlns:p14="http://schemas.microsoft.com/office/powerpoint/2010/main" val="3923222660"/>
       </p:ext>
     </p:extLst>
   </p:cSld>
@@ -32855,7 +33193,7 @@
     </p:spTree>
     <p:extLst>
       <p:ext uri="{BB962C8B-B14F-4D97-AF65-F5344CB8AC3E}">
-        <p14:creationId xmlns:p14="http://schemas.microsoft.com/office/powerpoint/2010/main" val="924942284"/>
+        <p14:creationId xmlns:p14="http://schemas.microsoft.com/office/powerpoint/2010/main" val="166747101"/>
       </p:ext>
     </p:extLst>
   </p:cSld>
@@ -32985,7 +33323,7 @@
     </p:spTree>
     <p:extLst>
       <p:ext uri="{BB962C8B-B14F-4D97-AF65-F5344CB8AC3E}">
-        <p14:creationId xmlns:p14="http://schemas.microsoft.com/office/powerpoint/2010/main" val="3259065627"/>
+        <p14:creationId xmlns:p14="http://schemas.microsoft.com/office/powerpoint/2010/main" val="924942284"/>
       </p:ext>
     </p:extLst>
   </p:cSld>
@@ -33115,7 +33453,7 @@
     </p:spTree>
     <p:extLst>
       <p:ext uri="{BB962C8B-B14F-4D97-AF65-F5344CB8AC3E}">
-        <p14:creationId xmlns:p14="http://schemas.microsoft.com/office/powerpoint/2010/main" val="3171492564"/>
+        <p14:creationId xmlns:p14="http://schemas.microsoft.com/office/powerpoint/2010/main" val="3259065627"/>
       </p:ext>
     </p:extLst>
   </p:cSld>
@@ -33245,7 +33583,7 @@
     </p:spTree>
     <p:extLst>
       <p:ext uri="{BB962C8B-B14F-4D97-AF65-F5344CB8AC3E}">
-        <p14:creationId xmlns:p14="http://schemas.microsoft.com/office/powerpoint/2010/main" val="2780407736"/>
+        <p14:creationId xmlns:p14="http://schemas.microsoft.com/office/powerpoint/2010/main" val="3171492564"/>
       </p:ext>
     </p:extLst>
   </p:cSld>

--- a/MongoDB PPT.pptx
+++ b/MongoDB PPT.pptx
@@ -5,7 +5,7 @@
     <p:sldMasterId id="2147483720" r:id="rId1"/>
   </p:sldMasterIdLst>
   <p:notesMasterIdLst>
-    <p:notesMasterId r:id="rId119"/>
+    <p:notesMasterId r:id="rId128"/>
   </p:notesMasterIdLst>
   <p:sldIdLst>
     <p:sldId id="497" r:id="rId2"/>
@@ -89,42 +89,51 @@
     <p:sldId id="1200" r:id="rId80"/>
     <p:sldId id="1201" r:id="rId81"/>
     <p:sldId id="1099" r:id="rId82"/>
-    <p:sldId id="1092" r:id="rId83"/>
-    <p:sldId id="1202" r:id="rId84"/>
-    <p:sldId id="1203" r:id="rId85"/>
-    <p:sldId id="1204" r:id="rId86"/>
-    <p:sldId id="1212" r:id="rId87"/>
-    <p:sldId id="1206" r:id="rId88"/>
-    <p:sldId id="1213" r:id="rId89"/>
-    <p:sldId id="1208" r:id="rId90"/>
-    <p:sldId id="1209" r:id="rId91"/>
-    <p:sldId id="1210" r:id="rId92"/>
-    <p:sldId id="1211" r:id="rId93"/>
-    <p:sldId id="1109" r:id="rId94"/>
-    <p:sldId id="1110" r:id="rId95"/>
-    <p:sldId id="1111" r:id="rId96"/>
-    <p:sldId id="1112" r:id="rId97"/>
-    <p:sldId id="1113" r:id="rId98"/>
-    <p:sldId id="1114" r:id="rId99"/>
-    <p:sldId id="1115" r:id="rId100"/>
-    <p:sldId id="1116" r:id="rId101"/>
-    <p:sldId id="1117" r:id="rId102"/>
-    <p:sldId id="1118" r:id="rId103"/>
-    <p:sldId id="1119" r:id="rId104"/>
-    <p:sldId id="1120" r:id="rId105"/>
-    <p:sldId id="1121" r:id="rId106"/>
-    <p:sldId id="1122" r:id="rId107"/>
-    <p:sldId id="1123" r:id="rId108"/>
-    <p:sldId id="1124" r:id="rId109"/>
-    <p:sldId id="1125" r:id="rId110"/>
-    <p:sldId id="1126" r:id="rId111"/>
-    <p:sldId id="1127" r:id="rId112"/>
-    <p:sldId id="1128" r:id="rId113"/>
-    <p:sldId id="1129" r:id="rId114"/>
-    <p:sldId id="954" r:id="rId115"/>
-    <p:sldId id="788" r:id="rId116"/>
-    <p:sldId id="1071" r:id="rId117"/>
-    <p:sldId id="1087" r:id="rId118"/>
+    <p:sldId id="1216" r:id="rId83"/>
+    <p:sldId id="1092" r:id="rId84"/>
+    <p:sldId id="1217" r:id="rId85"/>
+    <p:sldId id="1202" r:id="rId86"/>
+    <p:sldId id="1218" r:id="rId87"/>
+    <p:sldId id="1203" r:id="rId88"/>
+    <p:sldId id="1215" r:id="rId89"/>
+    <p:sldId id="1214" r:id="rId90"/>
+    <p:sldId id="1219" r:id="rId91"/>
+    <p:sldId id="1204" r:id="rId92"/>
+    <p:sldId id="1220" r:id="rId93"/>
+    <p:sldId id="1212" r:id="rId94"/>
+    <p:sldId id="1221" r:id="rId95"/>
+    <p:sldId id="1206" r:id="rId96"/>
+    <p:sldId id="1222" r:id="rId97"/>
+    <p:sldId id="1213" r:id="rId98"/>
+    <p:sldId id="1208" r:id="rId99"/>
+    <p:sldId id="1209" r:id="rId100"/>
+    <p:sldId id="1210" r:id="rId101"/>
+    <p:sldId id="1211" r:id="rId102"/>
+    <p:sldId id="1109" r:id="rId103"/>
+    <p:sldId id="1110" r:id="rId104"/>
+    <p:sldId id="1111" r:id="rId105"/>
+    <p:sldId id="1112" r:id="rId106"/>
+    <p:sldId id="1113" r:id="rId107"/>
+    <p:sldId id="1114" r:id="rId108"/>
+    <p:sldId id="1115" r:id="rId109"/>
+    <p:sldId id="1116" r:id="rId110"/>
+    <p:sldId id="1117" r:id="rId111"/>
+    <p:sldId id="1118" r:id="rId112"/>
+    <p:sldId id="1119" r:id="rId113"/>
+    <p:sldId id="1120" r:id="rId114"/>
+    <p:sldId id="1121" r:id="rId115"/>
+    <p:sldId id="1122" r:id="rId116"/>
+    <p:sldId id="1123" r:id="rId117"/>
+    <p:sldId id="1124" r:id="rId118"/>
+    <p:sldId id="1125" r:id="rId119"/>
+    <p:sldId id="1126" r:id="rId120"/>
+    <p:sldId id="1127" r:id="rId121"/>
+    <p:sldId id="1128" r:id="rId122"/>
+    <p:sldId id="1129" r:id="rId123"/>
+    <p:sldId id="954" r:id="rId124"/>
+    <p:sldId id="788" r:id="rId125"/>
+    <p:sldId id="1071" r:id="rId126"/>
+    <p:sldId id="1087" r:id="rId127"/>
   </p:sldIdLst>
   <p:sldSz cx="9144000" cy="6858000" type="screen4x3"/>
   <p:notesSz cx="6858000" cy="9144000"/>
@@ -5043,28 +5052,35 @@
                 <a:latin typeface="Arial" pitchFamily="34" charset="0"/>
                 <a:cs typeface="Arial" pitchFamily="34" charset="0"/>
               </a:rPr>
-              <a:t>MongoDB</a:t>
-            </a:r>
-            <a:r>
-              <a:rPr lang="en-US" sz="3200" b="1" i="1" dirty="0" smtClean="0">
+              <a:t>$match</a:t>
+            </a:r>
+            <a:r>
+              <a:rPr lang="en-IN" sz="3200" b="1" i="1" dirty="0">
                 <a:solidFill>
                   <a:srgbClr val="FFFF00"/>
                 </a:solidFill>
                 <a:latin typeface="Arial" pitchFamily="34" charset="0"/>
                 <a:cs typeface="Arial" pitchFamily="34" charset="0"/>
               </a:rPr>
-              <a:t> </a:t>
-            </a:r>
-            <a:r>
-              <a:rPr lang="en-IN" sz="3200" b="1" i="1" dirty="0">
+              <a:t> </a:t>
+            </a:r>
+            <a:r>
+              <a:rPr lang="en-IN" sz="3200" b="1" i="1" dirty="0" smtClean="0">
                 <a:solidFill>
                   <a:srgbClr val="FFFF00"/>
                 </a:solidFill>
                 <a:latin typeface="Arial" pitchFamily="34" charset="0"/>
                 <a:cs typeface="Arial" pitchFamily="34" charset="0"/>
               </a:rPr>
-              <a:t> </a:t>
-            </a:r>
+              <a:t> TODO</a:t>
+            </a:r>
+            <a:endParaRPr lang="en-IN" sz="3200" b="1" i="1" dirty="0">
+              <a:solidFill>
+                <a:srgbClr val="FFFF00"/>
+              </a:solidFill>
+              <a:latin typeface="Arial" pitchFamily="34" charset="0"/>
+              <a:cs typeface="Arial" pitchFamily="34" charset="0"/>
+            </a:endParaRPr>
           </a:p>
         </p:txBody>
       </p:sp>
@@ -5094,13 +5110,390 @@
               <a:t>TODO</a:t>
             </a:r>
             <a:endParaRPr lang="en-IN" dirty="0"/>
+          </a:p>
+        </p:txBody>
+      </p:sp>
+      <p:sp>
+        <p:nvSpPr>
+          <p:cNvPr id="4" name="Rectangle 3"/>
+          <p:cNvSpPr/>
+          <p:nvPr/>
+        </p:nvSpPr>
+        <p:spPr>
+          <a:xfrm>
+            <a:off x="149188" y="1524000"/>
+            <a:ext cx="8761264" cy="369332"/>
+          </a:xfrm>
+          <a:prstGeom prst="rect">
+            <a:avLst/>
+          </a:prstGeom>
+        </p:spPr>
+        <p:txBody>
+          <a:bodyPr wrap="square">
+            <a:spAutoFit/>
+          </a:bodyPr>
+          <a:lstStyle/>
+          <a:p>
+            <a:r>
+              <a:rPr lang="en-US" dirty="0">
+                <a:solidFill>
+                  <a:srgbClr val="049DC8"/>
+                </a:solidFill>
+                <a:latin typeface="Consolas" panose="020B0609020204030204" pitchFamily="49" charset="0"/>
+                <a:cs typeface="Calibri" panose="020F0502020204030204" pitchFamily="34" charset="0"/>
+              </a:rPr>
+              <a:t>{ $match: { &lt;query&gt; } }</a:t>
+            </a:r>
+          </a:p>
+        </p:txBody>
+      </p:sp>
+      <p:sp>
+        <p:nvSpPr>
+          <p:cNvPr id="5" name="Rectangle 4"/>
+          <p:cNvSpPr/>
+          <p:nvPr/>
+        </p:nvSpPr>
+        <p:spPr>
+          <a:xfrm>
+            <a:off x="149188" y="2133600"/>
+            <a:ext cx="8761264" cy="1692771"/>
+          </a:xfrm>
+          <a:prstGeom prst="rect">
+            <a:avLst/>
+          </a:prstGeom>
+        </p:spPr>
+        <p:txBody>
+          <a:bodyPr wrap="square">
+            <a:spAutoFit/>
+          </a:bodyPr>
+          <a:lstStyle/>
+          <a:p>
+            <a:r>
+              <a:rPr lang="en-US" sz="2200" dirty="0">
+                <a:solidFill>
+                  <a:srgbClr val="FC6F0D"/>
+                </a:solidFill>
+                <a:latin typeface="Calibri" panose="020F0502020204030204" pitchFamily="34" charset="0"/>
+                <a:cs typeface="Calibri" panose="020F0502020204030204" pitchFamily="34" charset="0"/>
+              </a:rPr>
+              <a:t>db.emp.aggregate </a:t>
+            </a:r>
+            <a:r>
+              <a:rPr lang="en-US" sz="2200" dirty="0" smtClean="0">
+                <a:solidFill>
+                  <a:srgbClr val="FC6F0D"/>
+                </a:solidFill>
+                <a:latin typeface="Calibri" panose="020F0502020204030204" pitchFamily="34" charset="0"/>
+                <a:cs typeface="Calibri" panose="020F0502020204030204" pitchFamily="34" charset="0"/>
+              </a:rPr>
+              <a:t>([ {$</a:t>
+            </a:r>
+            <a:r>
+              <a:rPr lang="en-US" sz="2200" dirty="0">
+                <a:solidFill>
+                  <a:srgbClr val="FC6F0D"/>
+                </a:solidFill>
+                <a:latin typeface="Calibri" panose="020F0502020204030204" pitchFamily="34" charset="0"/>
+                <a:cs typeface="Calibri" panose="020F0502020204030204" pitchFamily="34" charset="0"/>
+              </a:rPr>
+              <a:t>match: { job:'manager</a:t>
+            </a:r>
+            <a:r>
+              <a:rPr lang="en-US" sz="2200" dirty="0" smtClean="0">
+                <a:solidFill>
+                  <a:srgbClr val="FC6F0D"/>
+                </a:solidFill>
+                <a:latin typeface="Calibri" panose="020F0502020204030204" pitchFamily="34" charset="0"/>
+                <a:cs typeface="Calibri" panose="020F0502020204030204" pitchFamily="34" charset="0"/>
+              </a:rPr>
+              <a:t>'} } ])</a:t>
+            </a:r>
+          </a:p>
+          <a:p>
+            <a:endParaRPr lang="en-US" sz="800" dirty="0" smtClean="0">
+              <a:solidFill>
+                <a:srgbClr val="FC6F0D"/>
+              </a:solidFill>
+              <a:latin typeface="Calibri" panose="020F0502020204030204" pitchFamily="34" charset="0"/>
+              <a:cs typeface="Calibri" panose="020F0502020204030204" pitchFamily="34" charset="0"/>
+            </a:endParaRPr>
+          </a:p>
+          <a:p>
+            <a:r>
+              <a:rPr lang="en-US" sz="2200" dirty="0">
+                <a:solidFill>
+                  <a:srgbClr val="FC6F0D"/>
+                </a:solidFill>
+                <a:latin typeface="Calibri" panose="020F0502020204030204" pitchFamily="34" charset="0"/>
+                <a:cs typeface="Calibri" panose="020F0502020204030204" pitchFamily="34" charset="0"/>
+              </a:rPr>
+              <a:t>db.emp.aggregate </a:t>
+            </a:r>
+            <a:r>
+              <a:rPr lang="en-US" sz="2200" dirty="0" smtClean="0">
+                <a:solidFill>
+                  <a:srgbClr val="FC6F0D"/>
+                </a:solidFill>
+                <a:latin typeface="Calibri" panose="020F0502020204030204" pitchFamily="34" charset="0"/>
+                <a:cs typeface="Calibri" panose="020F0502020204030204" pitchFamily="34" charset="0"/>
+              </a:rPr>
+              <a:t>([ {$</a:t>
+            </a:r>
+            <a:r>
+              <a:rPr lang="en-US" sz="2200" dirty="0">
+                <a:solidFill>
+                  <a:srgbClr val="FC6F0D"/>
+                </a:solidFill>
+                <a:latin typeface="Calibri" panose="020F0502020204030204" pitchFamily="34" charset="0"/>
+                <a:cs typeface="Calibri" panose="020F0502020204030204" pitchFamily="34" charset="0"/>
+              </a:rPr>
+              <a:t>match: {comm: </a:t>
+            </a:r>
+            <a:r>
+              <a:rPr lang="en-US" sz="2200" dirty="0" smtClean="0">
+                <a:solidFill>
+                  <a:srgbClr val="FC6F0D"/>
+                </a:solidFill>
+                <a:latin typeface="Calibri" panose="020F0502020204030204" pitchFamily="34" charset="0"/>
+                <a:cs typeface="Calibri" panose="020F0502020204030204" pitchFamily="34" charset="0"/>
+              </a:rPr>
+              <a:t>{$</a:t>
+            </a:r>
+            <a:r>
+              <a:rPr lang="en-US" sz="2200" dirty="0">
+                <a:solidFill>
+                  <a:srgbClr val="FC6F0D"/>
+                </a:solidFill>
+                <a:latin typeface="Calibri" panose="020F0502020204030204" pitchFamily="34" charset="0"/>
+                <a:cs typeface="Calibri" panose="020F0502020204030204" pitchFamily="34" charset="0"/>
+              </a:rPr>
+              <a:t>eq</a:t>
+            </a:r>
+            <a:r>
+              <a:rPr lang="en-US" sz="2200" dirty="0" smtClean="0">
+                <a:solidFill>
+                  <a:srgbClr val="FC6F0D"/>
+                </a:solidFill>
+                <a:latin typeface="Calibri" panose="020F0502020204030204" pitchFamily="34" charset="0"/>
+                <a:cs typeface="Calibri" panose="020F0502020204030204" pitchFamily="34" charset="0"/>
+              </a:rPr>
+              <a:t>: null} </a:t>
+            </a:r>
+            <a:r>
+              <a:rPr lang="en-US" sz="2200" dirty="0">
+                <a:solidFill>
+                  <a:srgbClr val="FC6F0D"/>
+                </a:solidFill>
+                <a:latin typeface="Calibri" panose="020F0502020204030204" pitchFamily="34" charset="0"/>
+                <a:cs typeface="Calibri" panose="020F0502020204030204" pitchFamily="34" charset="0"/>
+              </a:rPr>
+              <a:t>} </a:t>
+            </a:r>
+            <a:r>
+              <a:rPr lang="en-US" sz="2200" dirty="0" smtClean="0">
+                <a:solidFill>
+                  <a:srgbClr val="FC6F0D"/>
+                </a:solidFill>
+                <a:latin typeface="Calibri" panose="020F0502020204030204" pitchFamily="34" charset="0"/>
+                <a:cs typeface="Calibri" panose="020F0502020204030204" pitchFamily="34" charset="0"/>
+              </a:rPr>
+              <a:t>} ])</a:t>
+            </a:r>
+          </a:p>
+          <a:p>
+            <a:endParaRPr lang="en-US" sz="800" dirty="0">
+              <a:solidFill>
+                <a:srgbClr val="FC6F0D"/>
+              </a:solidFill>
+              <a:latin typeface="Calibri" panose="020F0502020204030204" pitchFamily="34" charset="0"/>
+              <a:cs typeface="Calibri" panose="020F0502020204030204" pitchFamily="34" charset="0"/>
+            </a:endParaRPr>
+          </a:p>
+          <a:p>
+            <a:r>
+              <a:rPr lang="en-US" sz="2200" dirty="0" smtClean="0">
+                <a:solidFill>
+                  <a:srgbClr val="FC6F0D"/>
+                </a:solidFill>
+                <a:latin typeface="Calibri" panose="020F0502020204030204" pitchFamily="34" charset="0"/>
+                <a:cs typeface="Calibri" panose="020F0502020204030204" pitchFamily="34" charset="0"/>
+              </a:rPr>
+              <a:t>db.emp.aggregate ([ {$</a:t>
+            </a:r>
+            <a:r>
+              <a:rPr lang="en-US" sz="2200" dirty="0">
+                <a:solidFill>
+                  <a:srgbClr val="FC6F0D"/>
+                </a:solidFill>
+                <a:latin typeface="Calibri" panose="020F0502020204030204" pitchFamily="34" charset="0"/>
+                <a:cs typeface="Calibri" panose="020F0502020204030204" pitchFamily="34" charset="0"/>
+              </a:rPr>
+              <a:t>match</a:t>
+            </a:r>
+            <a:r>
+              <a:rPr lang="en-US" sz="2200" dirty="0" smtClean="0">
+                <a:solidFill>
+                  <a:srgbClr val="FC6F0D"/>
+                </a:solidFill>
+                <a:latin typeface="Calibri" panose="020F0502020204030204" pitchFamily="34" charset="0"/>
+                <a:cs typeface="Calibri" panose="020F0502020204030204" pitchFamily="34" charset="0"/>
+              </a:rPr>
+              <a:t>: {</a:t>
+            </a:r>
+            <a:r>
+              <a:rPr lang="en-US" sz="2200" dirty="0">
+                <a:solidFill>
+                  <a:srgbClr val="FC6F0D"/>
+                </a:solidFill>
+                <a:latin typeface="Calibri" panose="020F0502020204030204" pitchFamily="34" charset="0"/>
+                <a:cs typeface="Calibri" panose="020F0502020204030204" pitchFamily="34" charset="0"/>
+              </a:rPr>
+              <a:t>sal</a:t>
+            </a:r>
+            <a:r>
+              <a:rPr lang="en-US" sz="2200" dirty="0" smtClean="0">
+                <a:solidFill>
+                  <a:srgbClr val="FC6F0D"/>
+                </a:solidFill>
+                <a:latin typeface="Calibri" panose="020F0502020204030204" pitchFamily="34" charset="0"/>
+                <a:cs typeface="Calibri" panose="020F0502020204030204" pitchFamily="34" charset="0"/>
+              </a:rPr>
+              <a:t>: {$</a:t>
+            </a:r>
+            <a:r>
+              <a:rPr lang="en-US" sz="2200" dirty="0">
+                <a:solidFill>
+                  <a:srgbClr val="FC6F0D"/>
+                </a:solidFill>
+                <a:latin typeface="Calibri" panose="020F0502020204030204" pitchFamily="34" charset="0"/>
+                <a:cs typeface="Calibri" panose="020F0502020204030204" pitchFamily="34" charset="0"/>
+              </a:rPr>
+              <a:t>gt</a:t>
+            </a:r>
+            <a:r>
+              <a:rPr lang="en-US" sz="2200" dirty="0" smtClean="0">
+                <a:solidFill>
+                  <a:srgbClr val="FC6F0D"/>
+                </a:solidFill>
+                <a:latin typeface="Calibri" panose="020F0502020204030204" pitchFamily="34" charset="0"/>
+                <a:cs typeface="Calibri" panose="020F0502020204030204" pitchFamily="34" charset="0"/>
+              </a:rPr>
+              <a:t>: 4000} }}, {$</a:t>
+            </a:r>
+            <a:r>
+              <a:rPr lang="en-US" sz="2200" dirty="0">
+                <a:solidFill>
+                  <a:srgbClr val="FC6F0D"/>
+                </a:solidFill>
+                <a:latin typeface="Calibri" panose="020F0502020204030204" pitchFamily="34" charset="0"/>
+                <a:cs typeface="Calibri" panose="020F0502020204030204" pitchFamily="34" charset="0"/>
+              </a:rPr>
+              <a:t>group</a:t>
+            </a:r>
+            <a:r>
+              <a:rPr lang="en-US" sz="2200" dirty="0" smtClean="0">
+                <a:solidFill>
+                  <a:srgbClr val="FC6F0D"/>
+                </a:solidFill>
+                <a:latin typeface="Calibri" panose="020F0502020204030204" pitchFamily="34" charset="0"/>
+                <a:cs typeface="Calibri" panose="020F0502020204030204" pitchFamily="34" charset="0"/>
+              </a:rPr>
+              <a:t>: {_</a:t>
+            </a:r>
+            <a:r>
+              <a:rPr lang="en-US" sz="2200" dirty="0">
+                <a:solidFill>
+                  <a:srgbClr val="FC6F0D"/>
+                </a:solidFill>
+                <a:latin typeface="Calibri" panose="020F0502020204030204" pitchFamily="34" charset="0"/>
+                <a:cs typeface="Calibri" panose="020F0502020204030204" pitchFamily="34" charset="0"/>
+              </a:rPr>
+              <a:t>id</a:t>
+            </a:r>
+            <a:r>
+              <a:rPr lang="en-US" sz="2200" dirty="0" smtClean="0">
+                <a:solidFill>
+                  <a:srgbClr val="FC6F0D"/>
+                </a:solidFill>
+                <a:latin typeface="Calibri" panose="020F0502020204030204" pitchFamily="34" charset="0"/>
+                <a:cs typeface="Calibri" panose="020F0502020204030204" pitchFamily="34" charset="0"/>
+              </a:rPr>
+              <a:t>: '$</a:t>
+            </a:r>
+            <a:r>
+              <a:rPr lang="en-US" sz="2200" dirty="0">
+                <a:solidFill>
+                  <a:srgbClr val="FC6F0D"/>
+                </a:solidFill>
+                <a:latin typeface="Calibri" panose="020F0502020204030204" pitchFamily="34" charset="0"/>
+                <a:cs typeface="Calibri" panose="020F0502020204030204" pitchFamily="34" charset="0"/>
+              </a:rPr>
+              <a:t>job', count</a:t>
+            </a:r>
+            <a:r>
+              <a:rPr lang="en-US" sz="2200" dirty="0" smtClean="0">
+                <a:solidFill>
+                  <a:srgbClr val="FC6F0D"/>
+                </a:solidFill>
+                <a:latin typeface="Calibri" panose="020F0502020204030204" pitchFamily="34" charset="0"/>
+                <a:cs typeface="Calibri" panose="020F0502020204030204" pitchFamily="34" charset="0"/>
+              </a:rPr>
+              <a:t>: {$</a:t>
+            </a:r>
+            <a:r>
+              <a:rPr lang="en-US" sz="2200" dirty="0">
+                <a:solidFill>
+                  <a:srgbClr val="FC6F0D"/>
+                </a:solidFill>
+                <a:latin typeface="Calibri" panose="020F0502020204030204" pitchFamily="34" charset="0"/>
+                <a:cs typeface="Calibri" panose="020F0502020204030204" pitchFamily="34" charset="0"/>
+              </a:rPr>
+              <a:t>sum</a:t>
+            </a:r>
+            <a:r>
+              <a:rPr lang="en-US" sz="2200" dirty="0" smtClean="0">
+                <a:solidFill>
+                  <a:srgbClr val="FC6F0D"/>
+                </a:solidFill>
+                <a:latin typeface="Calibri" panose="020F0502020204030204" pitchFamily="34" charset="0"/>
+                <a:cs typeface="Calibri" panose="020F0502020204030204" pitchFamily="34" charset="0"/>
+              </a:rPr>
+              <a:t>: '$</a:t>
+            </a:r>
+            <a:r>
+              <a:rPr lang="en-US" sz="2200" dirty="0">
+                <a:solidFill>
+                  <a:srgbClr val="FC6F0D"/>
+                </a:solidFill>
+                <a:latin typeface="Calibri" panose="020F0502020204030204" pitchFamily="34" charset="0"/>
+                <a:cs typeface="Calibri" panose="020F0502020204030204" pitchFamily="34" charset="0"/>
+              </a:rPr>
+              <a:t>sal'} </a:t>
+            </a:r>
+            <a:r>
+              <a:rPr lang="en-US" sz="2200" dirty="0" smtClean="0">
+                <a:solidFill>
+                  <a:srgbClr val="FC6F0D"/>
+                </a:solidFill>
+                <a:latin typeface="Calibri" panose="020F0502020204030204" pitchFamily="34" charset="0"/>
+                <a:cs typeface="Calibri" panose="020F0502020204030204" pitchFamily="34" charset="0"/>
+              </a:rPr>
+              <a:t>} } ])</a:t>
+            </a:r>
+            <a:endParaRPr lang="en-US" sz="2200" dirty="0">
+              <a:solidFill>
+                <a:srgbClr val="FC6F0D"/>
+              </a:solidFill>
+              <a:latin typeface="Calibri" panose="020F0502020204030204" pitchFamily="34" charset="0"/>
+              <a:cs typeface="Calibri" panose="020F0502020204030204" pitchFamily="34" charset="0"/>
+            </a:endParaRPr>
           </a:p>
         </p:txBody>
       </p:sp>
     </p:spTree>
     <p:extLst>
       <p:ext uri="{BB962C8B-B14F-4D97-AF65-F5344CB8AC3E}">
-        <p14:creationId xmlns:p14="http://schemas.microsoft.com/office/powerpoint/2010/main" val="2780407736"/>
+        <p14:creationId xmlns:p14="http://schemas.microsoft.com/office/powerpoint/2010/main" val="1894960303"/>
       </p:ext>
     </p:extLst>
   </p:cSld>
@@ -5173,28 +5566,35 @@
                 <a:latin typeface="Arial" pitchFamily="34" charset="0"/>
                 <a:cs typeface="Arial" pitchFamily="34" charset="0"/>
               </a:rPr>
-              <a:t>MongoDB</a:t>
-            </a:r>
-            <a:r>
-              <a:rPr lang="en-US" sz="3200" b="1" i="1" dirty="0" smtClean="0">
+              <a:t>$match</a:t>
+            </a:r>
+            <a:r>
+              <a:rPr lang="en-IN" sz="3200" b="1" i="1" dirty="0">
                 <a:solidFill>
                   <a:srgbClr val="FFFF00"/>
                 </a:solidFill>
                 <a:latin typeface="Arial" pitchFamily="34" charset="0"/>
                 <a:cs typeface="Arial" pitchFamily="34" charset="0"/>
               </a:rPr>
-              <a:t> </a:t>
-            </a:r>
-            <a:r>
-              <a:rPr lang="en-IN" sz="3200" b="1" i="1" dirty="0">
+              <a:t> </a:t>
+            </a:r>
+            <a:r>
+              <a:rPr lang="en-IN" sz="3200" b="1" i="1" dirty="0" smtClean="0">
                 <a:solidFill>
                   <a:srgbClr val="FFFF00"/>
                 </a:solidFill>
                 <a:latin typeface="Arial" pitchFamily="34" charset="0"/>
                 <a:cs typeface="Arial" pitchFamily="34" charset="0"/>
               </a:rPr>
-              <a:t> </a:t>
-            </a:r>
+              <a:t> TODO</a:t>
+            </a:r>
+            <a:endParaRPr lang="en-IN" sz="3200" b="1" i="1" dirty="0">
+              <a:solidFill>
+                <a:srgbClr val="FFFF00"/>
+              </a:solidFill>
+              <a:latin typeface="Arial" pitchFamily="34" charset="0"/>
+              <a:cs typeface="Arial" pitchFamily="34" charset="0"/>
+            </a:endParaRPr>
           </a:p>
         </p:txBody>
       </p:sp>
@@ -5224,13 +5624,390 @@
               <a:t>TODO</a:t>
             </a:r>
             <a:endParaRPr lang="en-IN" dirty="0"/>
+          </a:p>
+        </p:txBody>
+      </p:sp>
+      <p:sp>
+        <p:nvSpPr>
+          <p:cNvPr id="4" name="Rectangle 3"/>
+          <p:cNvSpPr/>
+          <p:nvPr/>
+        </p:nvSpPr>
+        <p:spPr>
+          <a:xfrm>
+            <a:off x="149188" y="1524000"/>
+            <a:ext cx="8761264" cy="369332"/>
+          </a:xfrm>
+          <a:prstGeom prst="rect">
+            <a:avLst/>
+          </a:prstGeom>
+        </p:spPr>
+        <p:txBody>
+          <a:bodyPr wrap="square">
+            <a:spAutoFit/>
+          </a:bodyPr>
+          <a:lstStyle/>
+          <a:p>
+            <a:r>
+              <a:rPr lang="en-US" dirty="0">
+                <a:solidFill>
+                  <a:srgbClr val="049DC8"/>
+                </a:solidFill>
+                <a:latin typeface="Consolas" panose="020B0609020204030204" pitchFamily="49" charset="0"/>
+                <a:cs typeface="Calibri" panose="020F0502020204030204" pitchFamily="34" charset="0"/>
+              </a:rPr>
+              <a:t>{ $match: { &lt;query&gt; } }</a:t>
+            </a:r>
+          </a:p>
+        </p:txBody>
+      </p:sp>
+      <p:sp>
+        <p:nvSpPr>
+          <p:cNvPr id="5" name="Rectangle 4"/>
+          <p:cNvSpPr/>
+          <p:nvPr/>
+        </p:nvSpPr>
+        <p:spPr>
+          <a:xfrm>
+            <a:off x="149188" y="2133600"/>
+            <a:ext cx="8761264" cy="1692771"/>
+          </a:xfrm>
+          <a:prstGeom prst="rect">
+            <a:avLst/>
+          </a:prstGeom>
+        </p:spPr>
+        <p:txBody>
+          <a:bodyPr wrap="square">
+            <a:spAutoFit/>
+          </a:bodyPr>
+          <a:lstStyle/>
+          <a:p>
+            <a:r>
+              <a:rPr lang="en-US" sz="2200" dirty="0">
+                <a:solidFill>
+                  <a:srgbClr val="FC6F0D"/>
+                </a:solidFill>
+                <a:latin typeface="Calibri" panose="020F0502020204030204" pitchFamily="34" charset="0"/>
+                <a:cs typeface="Calibri" panose="020F0502020204030204" pitchFamily="34" charset="0"/>
+              </a:rPr>
+              <a:t>db.emp.aggregate </a:t>
+            </a:r>
+            <a:r>
+              <a:rPr lang="en-US" sz="2200" dirty="0" smtClean="0">
+                <a:solidFill>
+                  <a:srgbClr val="FC6F0D"/>
+                </a:solidFill>
+                <a:latin typeface="Calibri" panose="020F0502020204030204" pitchFamily="34" charset="0"/>
+                <a:cs typeface="Calibri" panose="020F0502020204030204" pitchFamily="34" charset="0"/>
+              </a:rPr>
+              <a:t>([ {$</a:t>
+            </a:r>
+            <a:r>
+              <a:rPr lang="en-US" sz="2200" dirty="0">
+                <a:solidFill>
+                  <a:srgbClr val="FC6F0D"/>
+                </a:solidFill>
+                <a:latin typeface="Calibri" panose="020F0502020204030204" pitchFamily="34" charset="0"/>
+                <a:cs typeface="Calibri" panose="020F0502020204030204" pitchFamily="34" charset="0"/>
+              </a:rPr>
+              <a:t>match: { job:'manager</a:t>
+            </a:r>
+            <a:r>
+              <a:rPr lang="en-US" sz="2200" dirty="0" smtClean="0">
+                <a:solidFill>
+                  <a:srgbClr val="FC6F0D"/>
+                </a:solidFill>
+                <a:latin typeface="Calibri" panose="020F0502020204030204" pitchFamily="34" charset="0"/>
+                <a:cs typeface="Calibri" panose="020F0502020204030204" pitchFamily="34" charset="0"/>
+              </a:rPr>
+              <a:t>'} } ])</a:t>
+            </a:r>
+          </a:p>
+          <a:p>
+            <a:endParaRPr lang="en-US" sz="800" dirty="0" smtClean="0">
+              <a:solidFill>
+                <a:srgbClr val="FC6F0D"/>
+              </a:solidFill>
+              <a:latin typeface="Calibri" panose="020F0502020204030204" pitchFamily="34" charset="0"/>
+              <a:cs typeface="Calibri" panose="020F0502020204030204" pitchFamily="34" charset="0"/>
+            </a:endParaRPr>
+          </a:p>
+          <a:p>
+            <a:r>
+              <a:rPr lang="en-US" sz="2200" dirty="0">
+                <a:solidFill>
+                  <a:srgbClr val="FC6F0D"/>
+                </a:solidFill>
+                <a:latin typeface="Calibri" panose="020F0502020204030204" pitchFamily="34" charset="0"/>
+                <a:cs typeface="Calibri" panose="020F0502020204030204" pitchFamily="34" charset="0"/>
+              </a:rPr>
+              <a:t>db.emp.aggregate </a:t>
+            </a:r>
+            <a:r>
+              <a:rPr lang="en-US" sz="2200" dirty="0" smtClean="0">
+                <a:solidFill>
+                  <a:srgbClr val="FC6F0D"/>
+                </a:solidFill>
+                <a:latin typeface="Calibri" panose="020F0502020204030204" pitchFamily="34" charset="0"/>
+                <a:cs typeface="Calibri" panose="020F0502020204030204" pitchFamily="34" charset="0"/>
+              </a:rPr>
+              <a:t>([ {$</a:t>
+            </a:r>
+            <a:r>
+              <a:rPr lang="en-US" sz="2200" dirty="0">
+                <a:solidFill>
+                  <a:srgbClr val="FC6F0D"/>
+                </a:solidFill>
+                <a:latin typeface="Calibri" panose="020F0502020204030204" pitchFamily="34" charset="0"/>
+                <a:cs typeface="Calibri" panose="020F0502020204030204" pitchFamily="34" charset="0"/>
+              </a:rPr>
+              <a:t>match: {comm: </a:t>
+            </a:r>
+            <a:r>
+              <a:rPr lang="en-US" sz="2200" dirty="0" smtClean="0">
+                <a:solidFill>
+                  <a:srgbClr val="FC6F0D"/>
+                </a:solidFill>
+                <a:latin typeface="Calibri" panose="020F0502020204030204" pitchFamily="34" charset="0"/>
+                <a:cs typeface="Calibri" panose="020F0502020204030204" pitchFamily="34" charset="0"/>
+              </a:rPr>
+              <a:t>{$</a:t>
+            </a:r>
+            <a:r>
+              <a:rPr lang="en-US" sz="2200" dirty="0">
+                <a:solidFill>
+                  <a:srgbClr val="FC6F0D"/>
+                </a:solidFill>
+                <a:latin typeface="Calibri" panose="020F0502020204030204" pitchFamily="34" charset="0"/>
+                <a:cs typeface="Calibri" panose="020F0502020204030204" pitchFamily="34" charset="0"/>
+              </a:rPr>
+              <a:t>eq</a:t>
+            </a:r>
+            <a:r>
+              <a:rPr lang="en-US" sz="2200" dirty="0" smtClean="0">
+                <a:solidFill>
+                  <a:srgbClr val="FC6F0D"/>
+                </a:solidFill>
+                <a:latin typeface="Calibri" panose="020F0502020204030204" pitchFamily="34" charset="0"/>
+                <a:cs typeface="Calibri" panose="020F0502020204030204" pitchFamily="34" charset="0"/>
+              </a:rPr>
+              <a:t>: null} </a:t>
+            </a:r>
+            <a:r>
+              <a:rPr lang="en-US" sz="2200" dirty="0">
+                <a:solidFill>
+                  <a:srgbClr val="FC6F0D"/>
+                </a:solidFill>
+                <a:latin typeface="Calibri" panose="020F0502020204030204" pitchFamily="34" charset="0"/>
+                <a:cs typeface="Calibri" panose="020F0502020204030204" pitchFamily="34" charset="0"/>
+              </a:rPr>
+              <a:t>} </a:t>
+            </a:r>
+            <a:r>
+              <a:rPr lang="en-US" sz="2200" dirty="0" smtClean="0">
+                <a:solidFill>
+                  <a:srgbClr val="FC6F0D"/>
+                </a:solidFill>
+                <a:latin typeface="Calibri" panose="020F0502020204030204" pitchFamily="34" charset="0"/>
+                <a:cs typeface="Calibri" panose="020F0502020204030204" pitchFamily="34" charset="0"/>
+              </a:rPr>
+              <a:t>} ])</a:t>
+            </a:r>
+          </a:p>
+          <a:p>
+            <a:endParaRPr lang="en-US" sz="800" dirty="0">
+              <a:solidFill>
+                <a:srgbClr val="FC6F0D"/>
+              </a:solidFill>
+              <a:latin typeface="Calibri" panose="020F0502020204030204" pitchFamily="34" charset="0"/>
+              <a:cs typeface="Calibri" panose="020F0502020204030204" pitchFamily="34" charset="0"/>
+            </a:endParaRPr>
+          </a:p>
+          <a:p>
+            <a:r>
+              <a:rPr lang="en-US" sz="2200" dirty="0" smtClean="0">
+                <a:solidFill>
+                  <a:srgbClr val="FC6F0D"/>
+                </a:solidFill>
+                <a:latin typeface="Calibri" panose="020F0502020204030204" pitchFamily="34" charset="0"/>
+                <a:cs typeface="Calibri" panose="020F0502020204030204" pitchFamily="34" charset="0"/>
+              </a:rPr>
+              <a:t>db.emp.aggregate ([ {$</a:t>
+            </a:r>
+            <a:r>
+              <a:rPr lang="en-US" sz="2200" dirty="0">
+                <a:solidFill>
+                  <a:srgbClr val="FC6F0D"/>
+                </a:solidFill>
+                <a:latin typeface="Calibri" panose="020F0502020204030204" pitchFamily="34" charset="0"/>
+                <a:cs typeface="Calibri" panose="020F0502020204030204" pitchFamily="34" charset="0"/>
+              </a:rPr>
+              <a:t>match</a:t>
+            </a:r>
+            <a:r>
+              <a:rPr lang="en-US" sz="2200" dirty="0" smtClean="0">
+                <a:solidFill>
+                  <a:srgbClr val="FC6F0D"/>
+                </a:solidFill>
+                <a:latin typeface="Calibri" panose="020F0502020204030204" pitchFamily="34" charset="0"/>
+                <a:cs typeface="Calibri" panose="020F0502020204030204" pitchFamily="34" charset="0"/>
+              </a:rPr>
+              <a:t>: {</a:t>
+            </a:r>
+            <a:r>
+              <a:rPr lang="en-US" sz="2200" dirty="0">
+                <a:solidFill>
+                  <a:srgbClr val="FC6F0D"/>
+                </a:solidFill>
+                <a:latin typeface="Calibri" panose="020F0502020204030204" pitchFamily="34" charset="0"/>
+                <a:cs typeface="Calibri" panose="020F0502020204030204" pitchFamily="34" charset="0"/>
+              </a:rPr>
+              <a:t>sal</a:t>
+            </a:r>
+            <a:r>
+              <a:rPr lang="en-US" sz="2200" dirty="0" smtClean="0">
+                <a:solidFill>
+                  <a:srgbClr val="FC6F0D"/>
+                </a:solidFill>
+                <a:latin typeface="Calibri" panose="020F0502020204030204" pitchFamily="34" charset="0"/>
+                <a:cs typeface="Calibri" panose="020F0502020204030204" pitchFamily="34" charset="0"/>
+              </a:rPr>
+              <a:t>: {$</a:t>
+            </a:r>
+            <a:r>
+              <a:rPr lang="en-US" sz="2200" dirty="0">
+                <a:solidFill>
+                  <a:srgbClr val="FC6F0D"/>
+                </a:solidFill>
+                <a:latin typeface="Calibri" panose="020F0502020204030204" pitchFamily="34" charset="0"/>
+                <a:cs typeface="Calibri" panose="020F0502020204030204" pitchFamily="34" charset="0"/>
+              </a:rPr>
+              <a:t>gt</a:t>
+            </a:r>
+            <a:r>
+              <a:rPr lang="en-US" sz="2200" dirty="0" smtClean="0">
+                <a:solidFill>
+                  <a:srgbClr val="FC6F0D"/>
+                </a:solidFill>
+                <a:latin typeface="Calibri" panose="020F0502020204030204" pitchFamily="34" charset="0"/>
+                <a:cs typeface="Calibri" panose="020F0502020204030204" pitchFamily="34" charset="0"/>
+              </a:rPr>
+              <a:t>: 4000} }}, {$</a:t>
+            </a:r>
+            <a:r>
+              <a:rPr lang="en-US" sz="2200" dirty="0">
+                <a:solidFill>
+                  <a:srgbClr val="FC6F0D"/>
+                </a:solidFill>
+                <a:latin typeface="Calibri" panose="020F0502020204030204" pitchFamily="34" charset="0"/>
+                <a:cs typeface="Calibri" panose="020F0502020204030204" pitchFamily="34" charset="0"/>
+              </a:rPr>
+              <a:t>group</a:t>
+            </a:r>
+            <a:r>
+              <a:rPr lang="en-US" sz="2200" dirty="0" smtClean="0">
+                <a:solidFill>
+                  <a:srgbClr val="FC6F0D"/>
+                </a:solidFill>
+                <a:latin typeface="Calibri" panose="020F0502020204030204" pitchFamily="34" charset="0"/>
+                <a:cs typeface="Calibri" panose="020F0502020204030204" pitchFamily="34" charset="0"/>
+              </a:rPr>
+              <a:t>: {_</a:t>
+            </a:r>
+            <a:r>
+              <a:rPr lang="en-US" sz="2200" dirty="0">
+                <a:solidFill>
+                  <a:srgbClr val="FC6F0D"/>
+                </a:solidFill>
+                <a:latin typeface="Calibri" panose="020F0502020204030204" pitchFamily="34" charset="0"/>
+                <a:cs typeface="Calibri" panose="020F0502020204030204" pitchFamily="34" charset="0"/>
+              </a:rPr>
+              <a:t>id</a:t>
+            </a:r>
+            <a:r>
+              <a:rPr lang="en-US" sz="2200" dirty="0" smtClean="0">
+                <a:solidFill>
+                  <a:srgbClr val="FC6F0D"/>
+                </a:solidFill>
+                <a:latin typeface="Calibri" panose="020F0502020204030204" pitchFamily="34" charset="0"/>
+                <a:cs typeface="Calibri" panose="020F0502020204030204" pitchFamily="34" charset="0"/>
+              </a:rPr>
+              <a:t>: '$</a:t>
+            </a:r>
+            <a:r>
+              <a:rPr lang="en-US" sz="2200" dirty="0">
+                <a:solidFill>
+                  <a:srgbClr val="FC6F0D"/>
+                </a:solidFill>
+                <a:latin typeface="Calibri" panose="020F0502020204030204" pitchFamily="34" charset="0"/>
+                <a:cs typeface="Calibri" panose="020F0502020204030204" pitchFamily="34" charset="0"/>
+              </a:rPr>
+              <a:t>job', count</a:t>
+            </a:r>
+            <a:r>
+              <a:rPr lang="en-US" sz="2200" dirty="0" smtClean="0">
+                <a:solidFill>
+                  <a:srgbClr val="FC6F0D"/>
+                </a:solidFill>
+                <a:latin typeface="Calibri" panose="020F0502020204030204" pitchFamily="34" charset="0"/>
+                <a:cs typeface="Calibri" panose="020F0502020204030204" pitchFamily="34" charset="0"/>
+              </a:rPr>
+              <a:t>: {$</a:t>
+            </a:r>
+            <a:r>
+              <a:rPr lang="en-US" sz="2200" dirty="0">
+                <a:solidFill>
+                  <a:srgbClr val="FC6F0D"/>
+                </a:solidFill>
+                <a:latin typeface="Calibri" panose="020F0502020204030204" pitchFamily="34" charset="0"/>
+                <a:cs typeface="Calibri" panose="020F0502020204030204" pitchFamily="34" charset="0"/>
+              </a:rPr>
+              <a:t>sum</a:t>
+            </a:r>
+            <a:r>
+              <a:rPr lang="en-US" sz="2200" dirty="0" smtClean="0">
+                <a:solidFill>
+                  <a:srgbClr val="FC6F0D"/>
+                </a:solidFill>
+                <a:latin typeface="Calibri" panose="020F0502020204030204" pitchFamily="34" charset="0"/>
+                <a:cs typeface="Calibri" panose="020F0502020204030204" pitchFamily="34" charset="0"/>
+              </a:rPr>
+              <a:t>: '$</a:t>
+            </a:r>
+            <a:r>
+              <a:rPr lang="en-US" sz="2200" dirty="0">
+                <a:solidFill>
+                  <a:srgbClr val="FC6F0D"/>
+                </a:solidFill>
+                <a:latin typeface="Calibri" panose="020F0502020204030204" pitchFamily="34" charset="0"/>
+                <a:cs typeface="Calibri" panose="020F0502020204030204" pitchFamily="34" charset="0"/>
+              </a:rPr>
+              <a:t>sal'} </a:t>
+            </a:r>
+            <a:r>
+              <a:rPr lang="en-US" sz="2200" dirty="0" smtClean="0">
+                <a:solidFill>
+                  <a:srgbClr val="FC6F0D"/>
+                </a:solidFill>
+                <a:latin typeface="Calibri" panose="020F0502020204030204" pitchFamily="34" charset="0"/>
+                <a:cs typeface="Calibri" panose="020F0502020204030204" pitchFamily="34" charset="0"/>
+              </a:rPr>
+              <a:t>} } ])</a:t>
+            </a:r>
+            <a:endParaRPr lang="en-US" sz="2200" dirty="0">
+              <a:solidFill>
+                <a:srgbClr val="FC6F0D"/>
+              </a:solidFill>
+              <a:latin typeface="Calibri" panose="020F0502020204030204" pitchFamily="34" charset="0"/>
+              <a:cs typeface="Calibri" panose="020F0502020204030204" pitchFamily="34" charset="0"/>
+            </a:endParaRPr>
           </a:p>
         </p:txBody>
       </p:sp>
     </p:spTree>
     <p:extLst>
       <p:ext uri="{BB962C8B-B14F-4D97-AF65-F5344CB8AC3E}">
-        <p14:creationId xmlns:p14="http://schemas.microsoft.com/office/powerpoint/2010/main" val="848474725"/>
+        <p14:creationId xmlns:p14="http://schemas.microsoft.com/office/powerpoint/2010/main" val="4208513119"/>
       </p:ext>
     </p:extLst>
   </p:cSld>
@@ -5360,7 +6137,7 @@
     </p:spTree>
     <p:extLst>
       <p:ext uri="{BB962C8B-B14F-4D97-AF65-F5344CB8AC3E}">
-        <p14:creationId xmlns:p14="http://schemas.microsoft.com/office/powerpoint/2010/main" val="4030158449"/>
+        <p14:creationId xmlns:p14="http://schemas.microsoft.com/office/powerpoint/2010/main" val="1298561359"/>
       </p:ext>
     </p:extLst>
   </p:cSld>
@@ -5490,7 +6267,7 @@
     </p:spTree>
     <p:extLst>
       <p:ext uri="{BB962C8B-B14F-4D97-AF65-F5344CB8AC3E}">
-        <p14:creationId xmlns:p14="http://schemas.microsoft.com/office/powerpoint/2010/main" val="1708605334"/>
+        <p14:creationId xmlns:p14="http://schemas.microsoft.com/office/powerpoint/2010/main" val="2767122750"/>
       </p:ext>
     </p:extLst>
   </p:cSld>
@@ -5620,7 +6397,7 @@
     </p:spTree>
     <p:extLst>
       <p:ext uri="{BB962C8B-B14F-4D97-AF65-F5344CB8AC3E}">
-        <p14:creationId xmlns:p14="http://schemas.microsoft.com/office/powerpoint/2010/main" val="1478242473"/>
+        <p14:creationId xmlns:p14="http://schemas.microsoft.com/office/powerpoint/2010/main" val="3923222660"/>
       </p:ext>
     </p:extLst>
   </p:cSld>
@@ -5750,7 +6527,7 @@
     </p:spTree>
     <p:extLst>
       <p:ext uri="{BB962C8B-B14F-4D97-AF65-F5344CB8AC3E}">
-        <p14:creationId xmlns:p14="http://schemas.microsoft.com/office/powerpoint/2010/main" val="2136286712"/>
+        <p14:creationId xmlns:p14="http://schemas.microsoft.com/office/powerpoint/2010/main" val="166747101"/>
       </p:ext>
     </p:extLst>
   </p:cSld>
@@ -5880,7 +6657,7 @@
     </p:spTree>
     <p:extLst>
       <p:ext uri="{BB962C8B-B14F-4D97-AF65-F5344CB8AC3E}">
-        <p14:creationId xmlns:p14="http://schemas.microsoft.com/office/powerpoint/2010/main" val="160110094"/>
+        <p14:creationId xmlns:p14="http://schemas.microsoft.com/office/powerpoint/2010/main" val="924942284"/>
       </p:ext>
     </p:extLst>
   </p:cSld>
@@ -6010,7 +6787,7 @@
     </p:spTree>
     <p:extLst>
       <p:ext uri="{BB962C8B-B14F-4D97-AF65-F5344CB8AC3E}">
-        <p14:creationId xmlns:p14="http://schemas.microsoft.com/office/powerpoint/2010/main" val="1060267809"/>
+        <p14:creationId xmlns:p14="http://schemas.microsoft.com/office/powerpoint/2010/main" val="3259065627"/>
       </p:ext>
     </p:extLst>
   </p:cSld>
@@ -6140,7 +6917,7 @@
     </p:spTree>
     <p:extLst>
       <p:ext uri="{BB962C8B-B14F-4D97-AF65-F5344CB8AC3E}">
-        <p14:creationId xmlns:p14="http://schemas.microsoft.com/office/powerpoint/2010/main" val="1137647517"/>
+        <p14:creationId xmlns:p14="http://schemas.microsoft.com/office/powerpoint/2010/main" val="3171492564"/>
       </p:ext>
     </p:extLst>
   </p:cSld>
@@ -6270,7 +7047,7 @@
     </p:spTree>
     <p:extLst>
       <p:ext uri="{BB962C8B-B14F-4D97-AF65-F5344CB8AC3E}">
-        <p14:creationId xmlns:p14="http://schemas.microsoft.com/office/powerpoint/2010/main" val="3052086859"/>
+        <p14:creationId xmlns:p14="http://schemas.microsoft.com/office/powerpoint/2010/main" val="2780407736"/>
       </p:ext>
     </p:extLst>
   </p:cSld>
@@ -6600,7 +7377,7 @@
     </p:spTree>
     <p:extLst>
       <p:ext uri="{BB962C8B-B14F-4D97-AF65-F5344CB8AC3E}">
-        <p14:creationId xmlns:p14="http://schemas.microsoft.com/office/powerpoint/2010/main" val="1097272351"/>
+        <p14:creationId xmlns:p14="http://schemas.microsoft.com/office/powerpoint/2010/main" val="848474725"/>
       </p:ext>
     </p:extLst>
   </p:cSld>
@@ -6730,7 +7507,7 @@
     </p:spTree>
     <p:extLst>
       <p:ext uri="{BB962C8B-B14F-4D97-AF65-F5344CB8AC3E}">
-        <p14:creationId xmlns:p14="http://schemas.microsoft.com/office/powerpoint/2010/main" val="1587220367"/>
+        <p14:creationId xmlns:p14="http://schemas.microsoft.com/office/powerpoint/2010/main" val="4030158449"/>
       </p:ext>
     </p:extLst>
   </p:cSld>
@@ -6860,7 +7637,7 @@
     </p:spTree>
     <p:extLst>
       <p:ext uri="{BB962C8B-B14F-4D97-AF65-F5344CB8AC3E}">
-        <p14:creationId xmlns:p14="http://schemas.microsoft.com/office/powerpoint/2010/main" val="1863467568"/>
+        <p14:creationId xmlns:p14="http://schemas.microsoft.com/office/powerpoint/2010/main" val="1708605334"/>
       </p:ext>
     </p:extLst>
   </p:cSld>
@@ -6990,7 +7767,7 @@
     </p:spTree>
     <p:extLst>
       <p:ext uri="{BB962C8B-B14F-4D97-AF65-F5344CB8AC3E}">
-        <p14:creationId xmlns:p14="http://schemas.microsoft.com/office/powerpoint/2010/main" val="1971192509"/>
+        <p14:creationId xmlns:p14="http://schemas.microsoft.com/office/powerpoint/2010/main" val="1478242473"/>
       </p:ext>
     </p:extLst>
   </p:cSld>
@@ -7026,7 +7803,7 @@
       </p:grpSpPr>
       <p:sp>
         <p:nvSpPr>
-          <p:cNvPr id="4" name="Rectangle 3"/>
+          <p:cNvPr id="6" name="Rectangle 5"/>
           <p:cNvSpPr/>
           <p:nvPr/>
         </p:nvSpPr>
@@ -7039,8 +7816,8 @@
             <a:avLst/>
           </a:prstGeom>
           <a:solidFill>
-            <a:schemeClr val="bg2">
-              <a:lumMod val="10000"/>
+            <a:schemeClr val="accent4">
+              <a:lumMod val="75000"/>
             </a:schemeClr>
           </a:solidFill>
         </p:spPr>
@@ -7050,7 +7827,11 @@
           </a:bodyPr>
           <a:lstStyle/>
           <a:p>
-            <a:pPr algn="r"/>
+            <a:pPr algn="r">
+              <a:spcBef>
+                <a:spcPct val="0"/>
+              </a:spcBef>
+            </a:pPr>
             <a:r>
               <a:rPr lang="en-IN" sz="3200" b="1" i="1" dirty="0" smtClean="0">
                 <a:solidFill>
@@ -7059,27 +7840,40 @@
                 <a:latin typeface="Arial" pitchFamily="34" charset="0"/>
                 <a:cs typeface="Arial" pitchFamily="34" charset="0"/>
               </a:rPr>
-              <a:t>IMP</a:t>
-            </a:r>
-            <a:endParaRPr lang="en-IN" sz="3200" b="1" i="1" dirty="0">
-              <a:solidFill>
-                <a:srgbClr val="FFFF00"/>
-              </a:solidFill>
-              <a:latin typeface="Arial" pitchFamily="34" charset="0"/>
-              <a:cs typeface="Arial" pitchFamily="34" charset="0"/>
-            </a:endParaRPr>
-          </a:p>
-        </p:txBody>
-      </p:sp>
-      <p:sp>
-        <p:nvSpPr>
-          <p:cNvPr id="2" name="Rectangle 1"/>
+              <a:t>MongoDB</a:t>
+            </a:r>
+            <a:r>
+              <a:rPr lang="en-US" sz="3200" b="1" i="1" dirty="0" smtClean="0">
+                <a:solidFill>
+                  <a:srgbClr val="FFFF00"/>
+                </a:solidFill>
+                <a:latin typeface="Arial" pitchFamily="34" charset="0"/>
+                <a:cs typeface="Arial" pitchFamily="34" charset="0"/>
+              </a:rPr>
+              <a:t> </a:t>
+            </a:r>
+            <a:r>
+              <a:rPr lang="en-IN" sz="3200" b="1" i="1" dirty="0">
+                <a:solidFill>
+                  <a:srgbClr val="FFFF00"/>
+                </a:solidFill>
+                <a:latin typeface="Arial" pitchFamily="34" charset="0"/>
+                <a:cs typeface="Arial" pitchFamily="34" charset="0"/>
+              </a:rPr>
+              <a:t> </a:t>
+            </a:r>
+          </a:p>
+        </p:txBody>
+      </p:sp>
+      <p:sp>
+        <p:nvSpPr>
+          <p:cNvPr id="7" name="Rectangle 6"/>
           <p:cNvSpPr/>
           <p:nvPr/>
         </p:nvSpPr>
         <p:spPr>
           <a:xfrm>
-            <a:off x="145976" y="849264"/>
+            <a:off x="149188" y="762000"/>
             <a:ext cx="8845624" cy="369332"/>
           </a:xfrm>
           <a:prstGeom prst="rect">
@@ -7093,153 +7887,17 @@
           <a:lstStyle/>
           <a:p>
             <a:r>
-              <a:rPr lang="en-IN" dirty="0" smtClean="0">
-                <a:solidFill>
-                  <a:srgbClr val="222222"/>
-                </a:solidFill>
-                <a:latin typeface="Verdana" panose="020B0604030504040204" pitchFamily="34" charset="0"/>
-              </a:rPr>
-              <a:t>1. Think </a:t>
-            </a:r>
-            <a:r>
-              <a:rPr lang="en-IN" dirty="0">
-                <a:solidFill>
-                  <a:srgbClr val="222222"/>
-                </a:solidFill>
-                <a:latin typeface="Verdana" panose="020B0604030504040204" pitchFamily="34" charset="0"/>
-              </a:rPr>
-              <a:t>about how multiplication can be done without actually </a:t>
-            </a:r>
-            <a:r>
-              <a:rPr lang="en-IN" dirty="0" smtClean="0">
-                <a:solidFill>
-                  <a:srgbClr val="222222"/>
-                </a:solidFill>
-                <a:latin typeface="Verdana" panose="020B0604030504040204" pitchFamily="34" charset="0"/>
-              </a:rPr>
-              <a:t>multiplying </a:t>
+              <a:rPr lang="en-US" dirty="0" smtClean="0"/>
+              <a:t>TODO</a:t>
             </a:r>
             <a:endParaRPr lang="en-IN" dirty="0"/>
           </a:p>
         </p:txBody>
       </p:sp>
-      <p:sp>
-        <p:nvSpPr>
-          <p:cNvPr id="3" name="TextBox 2"/>
-          <p:cNvSpPr txBox="1"/>
-          <p:nvPr/>
-        </p:nvSpPr>
-        <p:spPr>
-          <a:xfrm>
-            <a:off x="990600" y="2514600"/>
-            <a:ext cx="184731" cy="369332"/>
-          </a:xfrm>
-          <a:prstGeom prst="rect">
-            <a:avLst/>
-          </a:prstGeom>
-          <a:noFill/>
-        </p:spPr>
-        <p:txBody>
-          <a:bodyPr wrap="none" rtlCol="0">
-            <a:spAutoFit/>
-          </a:bodyPr>
-          <a:lstStyle/>
-          <a:p>
-            <a:endParaRPr lang="en-IN" dirty="0"/>
-          </a:p>
-        </p:txBody>
-      </p:sp>
-      <p:pic>
-        <p:nvPicPr>
-          <p:cNvPr id="5" name="Picture 4"/>
-          <p:cNvPicPr>
-            <a:picLocks noChangeAspect="1"/>
-          </p:cNvPicPr>
-          <p:nvPr/>
-        </p:nvPicPr>
-        <p:blipFill>
-          <a:blip r:embed="rId2"/>
-          <a:stretch>
-            <a:fillRect/>
-          </a:stretch>
-        </p:blipFill>
-        <p:spPr>
-          <a:xfrm>
-            <a:off x="304800" y="3700361"/>
-            <a:ext cx="4648200" cy="2471839"/>
-          </a:xfrm>
-          <a:prstGeom prst="rect">
-            <a:avLst/>
-          </a:prstGeom>
-        </p:spPr>
-      </p:pic>
-      <p:sp>
-        <p:nvSpPr>
-          <p:cNvPr id="6" name="Rectangle 5"/>
-          <p:cNvSpPr/>
-          <p:nvPr/>
-        </p:nvSpPr>
-        <p:spPr>
-          <a:xfrm>
-            <a:off x="145976" y="3243552"/>
-            <a:ext cx="1317990" cy="369332"/>
-          </a:xfrm>
-          <a:prstGeom prst="rect">
-            <a:avLst/>
-          </a:prstGeom>
-        </p:spPr>
-        <p:txBody>
-          <a:bodyPr wrap="none">
-            <a:spAutoFit/>
-          </a:bodyPr>
-          <a:lstStyle/>
-          <a:p>
-            <a:r>
-              <a:rPr lang="en-IN" dirty="0" smtClean="0">
-                <a:solidFill>
-                  <a:srgbClr val="222222"/>
-                </a:solidFill>
-                <a:latin typeface="Verdana" panose="020B0604030504040204" pitchFamily="34" charset="0"/>
-              </a:rPr>
-              <a:t>2. Square</a:t>
-            </a:r>
-            <a:endParaRPr lang="en-IN" dirty="0">
-              <a:solidFill>
-                <a:srgbClr val="222222"/>
-              </a:solidFill>
-              <a:latin typeface="Verdana" panose="020B0604030504040204" pitchFamily="34" charset="0"/>
-            </a:endParaRPr>
-          </a:p>
-        </p:txBody>
-      </p:sp>
-      <p:pic>
-        <p:nvPicPr>
-          <p:cNvPr id="8" name="Picture 7"/>
-          <p:cNvPicPr>
-            <a:picLocks noChangeAspect="1"/>
-          </p:cNvPicPr>
-          <p:nvPr/>
-        </p:nvPicPr>
-        <p:blipFill>
-          <a:blip r:embed="rId3"/>
-          <a:stretch>
-            <a:fillRect/>
-          </a:stretch>
-        </p:blipFill>
-        <p:spPr>
-          <a:xfrm>
-            <a:off x="533400" y="1250647"/>
-            <a:ext cx="4495800" cy="1883657"/>
-          </a:xfrm>
-          <a:prstGeom prst="rect">
-            <a:avLst/>
-          </a:prstGeom>
-        </p:spPr>
-      </p:pic>
     </p:spTree>
     <p:extLst>
       <p:ext uri="{BB962C8B-B14F-4D97-AF65-F5344CB8AC3E}">
-        <p14:creationId xmlns:p14="http://schemas.microsoft.com/office/powerpoint/2010/main" val="3391323119"/>
+        <p14:creationId xmlns:p14="http://schemas.microsoft.com/office/powerpoint/2010/main" val="2136286712"/>
       </p:ext>
     </p:extLst>
   </p:cSld>
@@ -7273,61 +7931,25 @@
           <a:chExt cx="0" cy="0"/>
         </a:xfrm>
       </p:grpSpPr>
-      <p:pic>
-        <p:nvPicPr>
-          <p:cNvPr id="1026" name="Picture 2" descr="http://www.bvctch.vn/vnt_upload/weblink/thks.jpg"/>
-          <p:cNvPicPr>
-            <a:picLocks noChangeAspect="1" noChangeArrowheads="1"/>
-          </p:cNvPicPr>
-          <p:nvPr/>
-        </p:nvPicPr>
-        <p:blipFill>
-          <a:blip r:embed="rId2">
-            <a:extLst>
-              <a:ext uri="{28A0092B-C50C-407E-A947-70E740481C1C}">
-                <a14:useLocalDpi xmlns:a14="http://schemas.microsoft.com/office/drawing/2010/main" val="0"/>
-              </a:ext>
-            </a:extLst>
-          </a:blip>
-          <a:srcRect/>
-          <a:stretch>
-            <a:fillRect/>
-          </a:stretch>
-        </p:blipFill>
-        <p:spPr bwMode="auto">
-          <a:xfrm>
-            <a:off x="2895600" y="757237"/>
-            <a:ext cx="3124200" cy="4881563"/>
-          </a:xfrm>
-          <a:prstGeom prst="rect">
-            <a:avLst/>
-          </a:prstGeom>
-          <a:noFill/>
-          <a:extLst>
-            <a:ext uri="{909E8E84-426E-40DD-AFC4-6F175D3DCCD1}">
-              <a14:hiddenFill xmlns:a14="http://schemas.microsoft.com/office/drawing/2010/main">
-                <a:solidFill>
-                  <a:srgbClr val="FFFFFF"/>
-                </a:solidFill>
-              </a14:hiddenFill>
-            </a:ext>
-          </a:extLst>
-        </p:spPr>
-      </p:pic>
-      <p:sp>
-        <p:nvSpPr>
-          <p:cNvPr id="3" name="Rectangle 2"/>
+      <p:sp>
+        <p:nvSpPr>
+          <p:cNvPr id="6" name="Rectangle 5"/>
           <p:cNvSpPr/>
           <p:nvPr/>
         </p:nvSpPr>
         <p:spPr>
           <a:xfrm>
-            <a:off x="304800" y="5105400"/>
-            <a:ext cx="8610600" cy="1077218"/>
-          </a:xfrm>
-          <a:prstGeom prst="rect">
-            <a:avLst/>
-          </a:prstGeom>
+            <a:off x="0" y="0"/>
+            <a:ext cx="9144000" cy="584775"/>
+          </a:xfrm>
+          <a:prstGeom prst="rect">
+            <a:avLst/>
+          </a:prstGeom>
+          <a:solidFill>
+            <a:schemeClr val="accent4">
+              <a:lumMod val="75000"/>
+            </a:schemeClr>
+          </a:solidFill>
         </p:spPr>
         <p:txBody>
           <a:bodyPr wrap="square">
@@ -7335,35 +7957,77 @@
           </a:bodyPr>
           <a:lstStyle/>
           <a:p>
-            <a:pPr algn="ctr"/>
-            <a:r>
-              <a:rPr lang="en-IN" sz="3200" dirty="0">
-                <a:solidFill>
-                  <a:srgbClr val="FE1212"/>
-                </a:solidFill>
-                <a:latin typeface="Segoe Print" panose="02000600000000000000" pitchFamily="2" charset="0"/>
-              </a:rPr>
-              <a:t>"Live as if you were to die tomorrow.</a:t>
-            </a:r>
-          </a:p>
-          <a:p>
-            <a:pPr algn="ctr"/>
-            <a:r>
-              <a:rPr lang="en-IN" sz="3200" dirty="0">
-                <a:solidFill>
-                  <a:srgbClr val="FE1212"/>
-                </a:solidFill>
-                <a:latin typeface="Segoe Print" panose="02000600000000000000" pitchFamily="2" charset="0"/>
-              </a:rPr>
-              <a:t>Learn as if you were to live forever"</a:t>
-            </a:r>
+            <a:pPr algn="r">
+              <a:spcBef>
+                <a:spcPct val="0"/>
+              </a:spcBef>
+            </a:pPr>
+            <a:r>
+              <a:rPr lang="en-IN" sz="3200" b="1" i="1" dirty="0" smtClean="0">
+                <a:solidFill>
+                  <a:srgbClr val="FFFF00"/>
+                </a:solidFill>
+                <a:latin typeface="Arial" pitchFamily="34" charset="0"/>
+                <a:cs typeface="Arial" pitchFamily="34" charset="0"/>
+              </a:rPr>
+              <a:t>MongoDB</a:t>
+            </a:r>
+            <a:r>
+              <a:rPr lang="en-US" sz="3200" b="1" i="1" dirty="0" smtClean="0">
+                <a:solidFill>
+                  <a:srgbClr val="FFFF00"/>
+                </a:solidFill>
+                <a:latin typeface="Arial" pitchFamily="34" charset="0"/>
+                <a:cs typeface="Arial" pitchFamily="34" charset="0"/>
+              </a:rPr>
+              <a:t> </a:t>
+            </a:r>
+            <a:r>
+              <a:rPr lang="en-IN" sz="3200" b="1" i="1" dirty="0">
+                <a:solidFill>
+                  <a:srgbClr val="FFFF00"/>
+                </a:solidFill>
+                <a:latin typeface="Arial" pitchFamily="34" charset="0"/>
+                <a:cs typeface="Arial" pitchFamily="34" charset="0"/>
+              </a:rPr>
+              <a:t> </a:t>
+            </a:r>
+          </a:p>
+        </p:txBody>
+      </p:sp>
+      <p:sp>
+        <p:nvSpPr>
+          <p:cNvPr id="7" name="Rectangle 6"/>
+          <p:cNvSpPr/>
+          <p:nvPr/>
+        </p:nvSpPr>
+        <p:spPr>
+          <a:xfrm>
+            <a:off x="149188" y="762000"/>
+            <a:ext cx="8845624" cy="369332"/>
+          </a:xfrm>
+          <a:prstGeom prst="rect">
+            <a:avLst/>
+          </a:prstGeom>
+        </p:spPr>
+        <p:txBody>
+          <a:bodyPr wrap="square">
+            <a:spAutoFit/>
+          </a:bodyPr>
+          <a:lstStyle/>
+          <a:p>
+            <a:r>
+              <a:rPr lang="en-US" dirty="0" smtClean="0"/>
+              <a:t>TODO</a:t>
+            </a:r>
+            <a:endParaRPr lang="en-IN" dirty="0"/>
           </a:p>
         </p:txBody>
       </p:sp>
     </p:spTree>
     <p:extLst>
       <p:ext uri="{BB962C8B-B14F-4D97-AF65-F5344CB8AC3E}">
-        <p14:creationId xmlns:p14="http://schemas.microsoft.com/office/powerpoint/2010/main" val="1148130326"/>
+        <p14:creationId xmlns:p14="http://schemas.microsoft.com/office/powerpoint/2010/main" val="160110094"/>
       </p:ext>
     </p:extLst>
   </p:cSld>
@@ -7399,18 +8063,23 @@
       </p:grpSpPr>
       <p:sp>
         <p:nvSpPr>
-          <p:cNvPr id="3" name="Rectangle 2"/>
+          <p:cNvPr id="6" name="Rectangle 5"/>
           <p:cNvSpPr/>
           <p:nvPr/>
         </p:nvSpPr>
         <p:spPr>
           <a:xfrm>
-            <a:off x="304800" y="1981200"/>
-            <a:ext cx="8305800" cy="1754326"/>
-          </a:xfrm>
-          <a:prstGeom prst="rect">
-            <a:avLst/>
-          </a:prstGeom>
+            <a:off x="0" y="0"/>
+            <a:ext cx="9144000" cy="584775"/>
+          </a:xfrm>
+          <a:prstGeom prst="rect">
+            <a:avLst/>
+          </a:prstGeom>
+          <a:solidFill>
+            <a:schemeClr val="accent4">
+              <a:lumMod val="75000"/>
+            </a:schemeClr>
+          </a:solidFill>
         </p:spPr>
         <p:txBody>
           <a:bodyPr wrap="square">
@@ -7418,66 +8087,90 @@
           </a:bodyPr>
           <a:lstStyle/>
           <a:p>
-            <a:r>
-              <a:rPr lang="en-US" dirty="0"/>
-              <a:t>The ALTER TABLE...DROP UNUSED COLUMNS statement is the only action allowed on unused columns. It physically removes unused columns from the table and reclaims disk space</a:t>
-            </a:r>
+            <a:pPr algn="r">
+              <a:spcBef>
+                <a:spcPct val="0"/>
+              </a:spcBef>
+            </a:pPr>
+            <a:r>
+              <a:rPr lang="en-IN" sz="3200" b="1" i="1" dirty="0" smtClean="0">
+                <a:solidFill>
+                  <a:srgbClr val="FFFF00"/>
+                </a:solidFill>
+                <a:latin typeface="Arial" pitchFamily="34" charset="0"/>
+                <a:cs typeface="Arial" pitchFamily="34" charset="0"/>
+              </a:rPr>
+              <a:t>MongoDB</a:t>
+            </a:r>
+            <a:r>
+              <a:rPr lang="en-US" sz="3200" b="1" i="1" dirty="0" smtClean="0">
+                <a:solidFill>
+                  <a:srgbClr val="FFFF00"/>
+                </a:solidFill>
+                <a:latin typeface="Arial" pitchFamily="34" charset="0"/>
+                <a:cs typeface="Arial" pitchFamily="34" charset="0"/>
+              </a:rPr>
+              <a:t> </a:t>
+            </a:r>
+            <a:r>
+              <a:rPr lang="en-IN" sz="3200" b="1" i="1" dirty="0">
+                <a:solidFill>
+                  <a:srgbClr val="FFFF00"/>
+                </a:solidFill>
+                <a:latin typeface="Arial" pitchFamily="34" charset="0"/>
+                <a:cs typeface="Arial" pitchFamily="34" charset="0"/>
+              </a:rPr>
+              <a:t> </a:t>
+            </a:r>
+          </a:p>
+        </p:txBody>
+      </p:sp>
+      <p:sp>
+        <p:nvSpPr>
+          <p:cNvPr id="7" name="Rectangle 6"/>
+          <p:cNvSpPr/>
+          <p:nvPr/>
+        </p:nvSpPr>
+        <p:spPr>
+          <a:xfrm>
+            <a:off x="149188" y="762000"/>
+            <a:ext cx="8845624" cy="369332"/>
+          </a:xfrm>
+          <a:prstGeom prst="rect">
+            <a:avLst/>
+          </a:prstGeom>
+        </p:spPr>
+        <p:txBody>
+          <a:bodyPr wrap="square">
+            <a:spAutoFit/>
+          </a:bodyPr>
+          <a:lstStyle/>
+          <a:p>
             <a:r>
               <a:rPr lang="en-US" dirty="0" smtClean="0"/>
-              <a:t>.</a:t>
-            </a:r>
-          </a:p>
-          <a:p>
-            <a:endParaRPr lang="en-US" dirty="0" smtClean="0"/>
-          </a:p>
-          <a:p>
-            <a:r>
-              <a:rPr lang="en-US" dirty="0" smtClean="0">
-                <a:solidFill>
-                  <a:srgbClr val="FF0000"/>
-                </a:solidFill>
-              </a:rPr>
-              <a:t>alter </a:t>
-            </a:r>
-            <a:r>
-              <a:rPr lang="en-US" dirty="0">
-                <a:solidFill>
-                  <a:srgbClr val="FF0000"/>
-                </a:solidFill>
-              </a:rPr>
-              <a:t>table t set unused(c2);</a:t>
-            </a:r>
-          </a:p>
-          <a:p>
-            <a:r>
-              <a:rPr lang="en-US" dirty="0" smtClean="0">
-                <a:solidFill>
-                  <a:srgbClr val="FF0000"/>
-                </a:solidFill>
-              </a:rPr>
-              <a:t> </a:t>
-            </a:r>
-            <a:r>
-              <a:rPr lang="en-US" dirty="0">
-                <a:solidFill>
-                  <a:srgbClr val="FF0000"/>
-                </a:solidFill>
-              </a:rPr>
-              <a:t>alter table t drop unused column;</a:t>
-            </a:r>
+              <a:t>TODO</a:t>
+            </a:r>
+            <a:endParaRPr lang="en-IN" dirty="0"/>
           </a:p>
         </p:txBody>
       </p:sp>
     </p:spTree>
     <p:extLst>
       <p:ext uri="{BB962C8B-B14F-4D97-AF65-F5344CB8AC3E}">
-        <p14:creationId xmlns:p14="http://schemas.microsoft.com/office/powerpoint/2010/main" val="1183446369"/>
+        <p14:creationId xmlns:p14="http://schemas.microsoft.com/office/powerpoint/2010/main" val="1060267809"/>
       </p:ext>
     </p:extLst>
   </p:cSld>
   <p:clrMapOvr>
     <a:masterClrMapping/>
   </p:clrMapOvr>
+  <p:timing>
+    <p:tnLst>
+      <p:par>
+        <p:cTn id="1" dur="indefinite" restart="never" nodeType="tmRoot"/>
+      </p:par>
+    </p:tnLst>
+  </p:timing>
 </p:sld>
 </file>
 
@@ -7500,18 +8193,23 @@
       </p:grpSpPr>
       <p:sp>
         <p:nvSpPr>
-          <p:cNvPr id="2" name="Rectangle 1"/>
+          <p:cNvPr id="6" name="Rectangle 5"/>
           <p:cNvSpPr/>
           <p:nvPr/>
         </p:nvSpPr>
         <p:spPr>
           <a:xfrm>
-            <a:off x="152400" y="228600"/>
-            <a:ext cx="8763000" cy="2862322"/>
-          </a:xfrm>
-          <a:prstGeom prst="rect">
-            <a:avLst/>
-          </a:prstGeom>
+            <a:off x="0" y="0"/>
+            <a:ext cx="9144000" cy="584775"/>
+          </a:xfrm>
+          <a:prstGeom prst="rect">
+            <a:avLst/>
+          </a:prstGeom>
+          <a:solidFill>
+            <a:schemeClr val="accent4">
+              <a:lumMod val="75000"/>
+            </a:schemeClr>
+          </a:solidFill>
         </p:spPr>
         <p:txBody>
           <a:bodyPr wrap="square">
@@ -7519,102 +8217,350 @@
           </a:bodyPr>
           <a:lstStyle/>
           <a:p>
-            <a:r>
-              <a:rPr lang="en-US" dirty="0"/>
-              <a:t>create table book (id raw(16) primary key, data clob check(data is json</a:t>
-            </a:r>
+            <a:pPr algn="r">
+              <a:spcBef>
+                <a:spcPct val="0"/>
+              </a:spcBef>
+            </a:pPr>
+            <a:r>
+              <a:rPr lang="en-IN" sz="3200" b="1" i="1" dirty="0" smtClean="0">
+                <a:solidFill>
+                  <a:srgbClr val="FFFF00"/>
+                </a:solidFill>
+                <a:latin typeface="Arial" pitchFamily="34" charset="0"/>
+                <a:cs typeface="Arial" pitchFamily="34" charset="0"/>
+              </a:rPr>
+              <a:t>MongoDB</a:t>
+            </a:r>
+            <a:r>
+              <a:rPr lang="en-US" sz="3200" b="1" i="1" dirty="0" smtClean="0">
+                <a:solidFill>
+                  <a:srgbClr val="FFFF00"/>
+                </a:solidFill>
+                <a:latin typeface="Arial" pitchFamily="34" charset="0"/>
+                <a:cs typeface="Arial" pitchFamily="34" charset="0"/>
+              </a:rPr>
+              <a:t> </a:t>
+            </a:r>
+            <a:r>
+              <a:rPr lang="en-IN" sz="3200" b="1" i="1" dirty="0">
+                <a:solidFill>
+                  <a:srgbClr val="FFFF00"/>
+                </a:solidFill>
+                <a:latin typeface="Arial" pitchFamily="34" charset="0"/>
+                <a:cs typeface="Arial" pitchFamily="34" charset="0"/>
+              </a:rPr>
+              <a:t> </a:t>
+            </a:r>
+          </a:p>
+        </p:txBody>
+      </p:sp>
+      <p:sp>
+        <p:nvSpPr>
+          <p:cNvPr id="7" name="Rectangle 6"/>
+          <p:cNvSpPr/>
+          <p:nvPr/>
+        </p:nvSpPr>
+        <p:spPr>
+          <a:xfrm>
+            <a:off x="149188" y="762000"/>
+            <a:ext cx="8845624" cy="369332"/>
+          </a:xfrm>
+          <a:prstGeom prst="rect">
+            <a:avLst/>
+          </a:prstGeom>
+        </p:spPr>
+        <p:txBody>
+          <a:bodyPr wrap="square">
+            <a:spAutoFit/>
+          </a:bodyPr>
+          <a:lstStyle/>
+          <a:p>
             <a:r>
               <a:rPr lang="en-US" dirty="0" smtClean="0"/>
-              <a:t>));</a:t>
-            </a:r>
-          </a:p>
-          <a:p>
-            <a:endParaRPr lang="en-US" dirty="0"/>
-          </a:p>
-          <a:p>
-            <a:r>
-              <a:rPr lang="en-US" dirty="0"/>
-              <a:t>select book.* </a:t>
-            </a:r>
-          </a:p>
-          <a:p>
-            <a:r>
-              <a:rPr lang="en-US" dirty="0"/>
-              <a:t>	from books,</a:t>
-            </a:r>
-          </a:p>
-          <a:p>
-            <a:r>
-              <a:rPr lang="en-US" dirty="0"/>
-              <a:t>	</a:t>
-            </a:r>
-            <a:r>
-              <a:rPr lang="en-US" dirty="0" err="1"/>
-              <a:t>json_table</a:t>
-            </a:r>
-            <a:r>
-              <a:rPr lang="en-US" dirty="0"/>
-              <a:t>(data,'$'</a:t>
-            </a:r>
-          </a:p>
-          <a:p>
-            <a:r>
-              <a:rPr lang="en-US" dirty="0"/>
-              <a:t>	columns(</a:t>
-            </a:r>
-            <a:r>
-              <a:rPr lang="en-US" dirty="0" err="1"/>
-              <a:t>isbn</a:t>
-            </a:r>
-            <a:r>
-              <a:rPr lang="en-US" dirty="0"/>
-              <a:t>   varchar2(20) path '$.</a:t>
-            </a:r>
-            <a:r>
-              <a:rPr lang="en-US" dirty="0" err="1"/>
-              <a:t>isbn</a:t>
-            </a:r>
-            <a:r>
-              <a:rPr lang="en-US" dirty="0"/>
-              <a:t>',</a:t>
-            </a:r>
-          </a:p>
-          <a:p>
-            <a:r>
-              <a:rPr lang="en-US" dirty="0"/>
-              <a:t>		title  varchar2(20) path '$.title',</a:t>
-            </a:r>
-          </a:p>
-          <a:p>
-            <a:r>
-              <a:rPr lang="en-US" dirty="0"/>
-              <a:t>		price  varchar2(10) path '$.price',</a:t>
-            </a:r>
-          </a:p>
-          <a:p>
-            <a:r>
-              <a:rPr lang="en-US" dirty="0"/>
-              <a:t>		author varchar2(20) path '$.author',</a:t>
-            </a:r>
-          </a:p>
-          <a:p>
-            <a:r>
-              <a:rPr lang="en-US" dirty="0"/>
-              <a:t>		phone  varchar2(10) path '$.phone')) book</a:t>
-            </a:r>
+              <a:t>TODO</a:t>
+            </a:r>
+            <a:endParaRPr lang="en-IN" dirty="0"/>
           </a:p>
         </p:txBody>
       </p:sp>
     </p:spTree>
     <p:extLst>
       <p:ext uri="{BB962C8B-B14F-4D97-AF65-F5344CB8AC3E}">
-        <p14:creationId xmlns:p14="http://schemas.microsoft.com/office/powerpoint/2010/main" val="1501210411"/>
+        <p14:creationId xmlns:p14="http://schemas.microsoft.com/office/powerpoint/2010/main" val="1137647517"/>
       </p:ext>
     </p:extLst>
   </p:cSld>
   <p:clrMapOvr>
     <a:masterClrMapping/>
   </p:clrMapOvr>
+  <p:timing>
+    <p:tnLst>
+      <p:par>
+        <p:cTn id="1" dur="indefinite" restart="never" nodeType="tmRoot"/>
+      </p:par>
+    </p:tnLst>
+  </p:timing>
+</p:sld>
+</file>
+
+<file path=ppt/slides/slide118.xml><?xml version="1.0" encoding="utf-8"?>
+<p:sld xmlns:a="http://schemas.openxmlformats.org/drawingml/2006/main" xmlns:r="http://schemas.openxmlformats.org/officeDocument/2006/relationships" xmlns:p="http://schemas.openxmlformats.org/presentationml/2006/main">
+  <p:cSld>
+    <p:spTree>
+      <p:nvGrpSpPr>
+        <p:cNvPr id="1" name=""/>
+        <p:cNvGrpSpPr/>
+        <p:nvPr/>
+      </p:nvGrpSpPr>
+      <p:grpSpPr>
+        <a:xfrm>
+          <a:off x="0" y="0"/>
+          <a:ext cx="0" cy="0"/>
+          <a:chOff x="0" y="0"/>
+          <a:chExt cx="0" cy="0"/>
+        </a:xfrm>
+      </p:grpSpPr>
+      <p:sp>
+        <p:nvSpPr>
+          <p:cNvPr id="6" name="Rectangle 5"/>
+          <p:cNvSpPr/>
+          <p:nvPr/>
+        </p:nvSpPr>
+        <p:spPr>
+          <a:xfrm>
+            <a:off x="0" y="0"/>
+            <a:ext cx="9144000" cy="584775"/>
+          </a:xfrm>
+          <a:prstGeom prst="rect">
+            <a:avLst/>
+          </a:prstGeom>
+          <a:solidFill>
+            <a:schemeClr val="accent4">
+              <a:lumMod val="75000"/>
+            </a:schemeClr>
+          </a:solidFill>
+        </p:spPr>
+        <p:txBody>
+          <a:bodyPr wrap="square">
+            <a:spAutoFit/>
+          </a:bodyPr>
+          <a:lstStyle/>
+          <a:p>
+            <a:pPr algn="r">
+              <a:spcBef>
+                <a:spcPct val="0"/>
+              </a:spcBef>
+            </a:pPr>
+            <a:r>
+              <a:rPr lang="en-IN" sz="3200" b="1" i="1" dirty="0" smtClean="0">
+                <a:solidFill>
+                  <a:srgbClr val="FFFF00"/>
+                </a:solidFill>
+                <a:latin typeface="Arial" pitchFamily="34" charset="0"/>
+                <a:cs typeface="Arial" pitchFamily="34" charset="0"/>
+              </a:rPr>
+              <a:t>MongoDB</a:t>
+            </a:r>
+            <a:r>
+              <a:rPr lang="en-US" sz="3200" b="1" i="1" dirty="0" smtClean="0">
+                <a:solidFill>
+                  <a:srgbClr val="FFFF00"/>
+                </a:solidFill>
+                <a:latin typeface="Arial" pitchFamily="34" charset="0"/>
+                <a:cs typeface="Arial" pitchFamily="34" charset="0"/>
+              </a:rPr>
+              <a:t> </a:t>
+            </a:r>
+            <a:r>
+              <a:rPr lang="en-IN" sz="3200" b="1" i="1" dirty="0">
+                <a:solidFill>
+                  <a:srgbClr val="FFFF00"/>
+                </a:solidFill>
+                <a:latin typeface="Arial" pitchFamily="34" charset="0"/>
+                <a:cs typeface="Arial" pitchFamily="34" charset="0"/>
+              </a:rPr>
+              <a:t> </a:t>
+            </a:r>
+          </a:p>
+        </p:txBody>
+      </p:sp>
+      <p:sp>
+        <p:nvSpPr>
+          <p:cNvPr id="7" name="Rectangle 6"/>
+          <p:cNvSpPr/>
+          <p:nvPr/>
+        </p:nvSpPr>
+        <p:spPr>
+          <a:xfrm>
+            <a:off x="149188" y="762000"/>
+            <a:ext cx="8845624" cy="369332"/>
+          </a:xfrm>
+          <a:prstGeom prst="rect">
+            <a:avLst/>
+          </a:prstGeom>
+        </p:spPr>
+        <p:txBody>
+          <a:bodyPr wrap="square">
+            <a:spAutoFit/>
+          </a:bodyPr>
+          <a:lstStyle/>
+          <a:p>
+            <a:r>
+              <a:rPr lang="en-US" dirty="0" smtClean="0"/>
+              <a:t>TODO</a:t>
+            </a:r>
+            <a:endParaRPr lang="en-IN" dirty="0"/>
+          </a:p>
+        </p:txBody>
+      </p:sp>
+    </p:spTree>
+    <p:extLst>
+      <p:ext uri="{BB962C8B-B14F-4D97-AF65-F5344CB8AC3E}">
+        <p14:creationId xmlns:p14="http://schemas.microsoft.com/office/powerpoint/2010/main" val="3052086859"/>
+      </p:ext>
+    </p:extLst>
+  </p:cSld>
+  <p:clrMapOvr>
+    <a:masterClrMapping/>
+  </p:clrMapOvr>
+  <p:timing>
+    <p:tnLst>
+      <p:par>
+        <p:cTn id="1" dur="indefinite" restart="never" nodeType="tmRoot"/>
+      </p:par>
+    </p:tnLst>
+  </p:timing>
+</p:sld>
+</file>
+
+<file path=ppt/slides/slide119.xml><?xml version="1.0" encoding="utf-8"?>
+<p:sld xmlns:a="http://schemas.openxmlformats.org/drawingml/2006/main" xmlns:r="http://schemas.openxmlformats.org/officeDocument/2006/relationships" xmlns:p="http://schemas.openxmlformats.org/presentationml/2006/main">
+  <p:cSld>
+    <p:spTree>
+      <p:nvGrpSpPr>
+        <p:cNvPr id="1" name=""/>
+        <p:cNvGrpSpPr/>
+        <p:nvPr/>
+      </p:nvGrpSpPr>
+      <p:grpSpPr>
+        <a:xfrm>
+          <a:off x="0" y="0"/>
+          <a:ext cx="0" cy="0"/>
+          <a:chOff x="0" y="0"/>
+          <a:chExt cx="0" cy="0"/>
+        </a:xfrm>
+      </p:grpSpPr>
+      <p:sp>
+        <p:nvSpPr>
+          <p:cNvPr id="6" name="Rectangle 5"/>
+          <p:cNvSpPr/>
+          <p:nvPr/>
+        </p:nvSpPr>
+        <p:spPr>
+          <a:xfrm>
+            <a:off x="0" y="0"/>
+            <a:ext cx="9144000" cy="584775"/>
+          </a:xfrm>
+          <a:prstGeom prst="rect">
+            <a:avLst/>
+          </a:prstGeom>
+          <a:solidFill>
+            <a:schemeClr val="accent4">
+              <a:lumMod val="75000"/>
+            </a:schemeClr>
+          </a:solidFill>
+        </p:spPr>
+        <p:txBody>
+          <a:bodyPr wrap="square">
+            <a:spAutoFit/>
+          </a:bodyPr>
+          <a:lstStyle/>
+          <a:p>
+            <a:pPr algn="r">
+              <a:spcBef>
+                <a:spcPct val="0"/>
+              </a:spcBef>
+            </a:pPr>
+            <a:r>
+              <a:rPr lang="en-IN" sz="3200" b="1" i="1" dirty="0" smtClean="0">
+                <a:solidFill>
+                  <a:srgbClr val="FFFF00"/>
+                </a:solidFill>
+                <a:latin typeface="Arial" pitchFamily="34" charset="0"/>
+                <a:cs typeface="Arial" pitchFamily="34" charset="0"/>
+              </a:rPr>
+              <a:t>MongoDB</a:t>
+            </a:r>
+            <a:r>
+              <a:rPr lang="en-US" sz="3200" b="1" i="1" dirty="0" smtClean="0">
+                <a:solidFill>
+                  <a:srgbClr val="FFFF00"/>
+                </a:solidFill>
+                <a:latin typeface="Arial" pitchFamily="34" charset="0"/>
+                <a:cs typeface="Arial" pitchFamily="34" charset="0"/>
+              </a:rPr>
+              <a:t> </a:t>
+            </a:r>
+            <a:r>
+              <a:rPr lang="en-IN" sz="3200" b="1" i="1" dirty="0">
+                <a:solidFill>
+                  <a:srgbClr val="FFFF00"/>
+                </a:solidFill>
+                <a:latin typeface="Arial" pitchFamily="34" charset="0"/>
+                <a:cs typeface="Arial" pitchFamily="34" charset="0"/>
+              </a:rPr>
+              <a:t> </a:t>
+            </a:r>
+          </a:p>
+        </p:txBody>
+      </p:sp>
+      <p:sp>
+        <p:nvSpPr>
+          <p:cNvPr id="7" name="Rectangle 6"/>
+          <p:cNvSpPr/>
+          <p:nvPr/>
+        </p:nvSpPr>
+        <p:spPr>
+          <a:xfrm>
+            <a:off x="149188" y="762000"/>
+            <a:ext cx="8845624" cy="369332"/>
+          </a:xfrm>
+          <a:prstGeom prst="rect">
+            <a:avLst/>
+          </a:prstGeom>
+        </p:spPr>
+        <p:txBody>
+          <a:bodyPr wrap="square">
+            <a:spAutoFit/>
+          </a:bodyPr>
+          <a:lstStyle/>
+          <a:p>
+            <a:r>
+              <a:rPr lang="en-US" dirty="0" smtClean="0"/>
+              <a:t>TODO</a:t>
+            </a:r>
+            <a:endParaRPr lang="en-IN" dirty="0"/>
+          </a:p>
+        </p:txBody>
+      </p:sp>
+    </p:spTree>
+    <p:extLst>
+      <p:ext uri="{BB962C8B-B14F-4D97-AF65-F5344CB8AC3E}">
+        <p14:creationId xmlns:p14="http://schemas.microsoft.com/office/powerpoint/2010/main" val="1097272351"/>
+      </p:ext>
+    </p:extLst>
+  </p:cSld>
+  <p:clrMapOvr>
+    <a:masterClrMapping/>
+  </p:clrMapOvr>
+  <p:timing>
+    <p:tnLst>
+      <p:par>
+        <p:cTn id="1" dur="indefinite" restart="never" nodeType="tmRoot"/>
+      </p:par>
+    </p:tnLst>
+  </p:timing>
 </p:sld>
 </file>
 
@@ -7707,6 +8653,1007 @@
       </p:par>
     </p:tnLst>
   </p:timing>
+</p:sld>
+</file>
+
+<file path=ppt/slides/slide120.xml><?xml version="1.0" encoding="utf-8"?>
+<p:sld xmlns:a="http://schemas.openxmlformats.org/drawingml/2006/main" xmlns:r="http://schemas.openxmlformats.org/officeDocument/2006/relationships" xmlns:p="http://schemas.openxmlformats.org/presentationml/2006/main">
+  <p:cSld>
+    <p:spTree>
+      <p:nvGrpSpPr>
+        <p:cNvPr id="1" name=""/>
+        <p:cNvGrpSpPr/>
+        <p:nvPr/>
+      </p:nvGrpSpPr>
+      <p:grpSpPr>
+        <a:xfrm>
+          <a:off x="0" y="0"/>
+          <a:ext cx="0" cy="0"/>
+          <a:chOff x="0" y="0"/>
+          <a:chExt cx="0" cy="0"/>
+        </a:xfrm>
+      </p:grpSpPr>
+      <p:sp>
+        <p:nvSpPr>
+          <p:cNvPr id="6" name="Rectangle 5"/>
+          <p:cNvSpPr/>
+          <p:nvPr/>
+        </p:nvSpPr>
+        <p:spPr>
+          <a:xfrm>
+            <a:off x="0" y="0"/>
+            <a:ext cx="9144000" cy="584775"/>
+          </a:xfrm>
+          <a:prstGeom prst="rect">
+            <a:avLst/>
+          </a:prstGeom>
+          <a:solidFill>
+            <a:schemeClr val="accent4">
+              <a:lumMod val="75000"/>
+            </a:schemeClr>
+          </a:solidFill>
+        </p:spPr>
+        <p:txBody>
+          <a:bodyPr wrap="square">
+            <a:spAutoFit/>
+          </a:bodyPr>
+          <a:lstStyle/>
+          <a:p>
+            <a:pPr algn="r">
+              <a:spcBef>
+                <a:spcPct val="0"/>
+              </a:spcBef>
+            </a:pPr>
+            <a:r>
+              <a:rPr lang="en-IN" sz="3200" b="1" i="1" dirty="0" smtClean="0">
+                <a:solidFill>
+                  <a:srgbClr val="FFFF00"/>
+                </a:solidFill>
+                <a:latin typeface="Arial" pitchFamily="34" charset="0"/>
+                <a:cs typeface="Arial" pitchFamily="34" charset="0"/>
+              </a:rPr>
+              <a:t>MongoDB</a:t>
+            </a:r>
+            <a:r>
+              <a:rPr lang="en-US" sz="3200" b="1" i="1" dirty="0" smtClean="0">
+                <a:solidFill>
+                  <a:srgbClr val="FFFF00"/>
+                </a:solidFill>
+                <a:latin typeface="Arial" pitchFamily="34" charset="0"/>
+                <a:cs typeface="Arial" pitchFamily="34" charset="0"/>
+              </a:rPr>
+              <a:t> </a:t>
+            </a:r>
+            <a:r>
+              <a:rPr lang="en-IN" sz="3200" b="1" i="1" dirty="0">
+                <a:solidFill>
+                  <a:srgbClr val="FFFF00"/>
+                </a:solidFill>
+                <a:latin typeface="Arial" pitchFamily="34" charset="0"/>
+                <a:cs typeface="Arial" pitchFamily="34" charset="0"/>
+              </a:rPr>
+              <a:t> </a:t>
+            </a:r>
+          </a:p>
+        </p:txBody>
+      </p:sp>
+      <p:sp>
+        <p:nvSpPr>
+          <p:cNvPr id="7" name="Rectangle 6"/>
+          <p:cNvSpPr/>
+          <p:nvPr/>
+        </p:nvSpPr>
+        <p:spPr>
+          <a:xfrm>
+            <a:off x="149188" y="762000"/>
+            <a:ext cx="8845624" cy="369332"/>
+          </a:xfrm>
+          <a:prstGeom prst="rect">
+            <a:avLst/>
+          </a:prstGeom>
+        </p:spPr>
+        <p:txBody>
+          <a:bodyPr wrap="square">
+            <a:spAutoFit/>
+          </a:bodyPr>
+          <a:lstStyle/>
+          <a:p>
+            <a:r>
+              <a:rPr lang="en-US" dirty="0" smtClean="0"/>
+              <a:t>TODO</a:t>
+            </a:r>
+            <a:endParaRPr lang="en-IN" dirty="0"/>
+          </a:p>
+        </p:txBody>
+      </p:sp>
+    </p:spTree>
+    <p:extLst>
+      <p:ext uri="{BB962C8B-B14F-4D97-AF65-F5344CB8AC3E}">
+        <p14:creationId xmlns:p14="http://schemas.microsoft.com/office/powerpoint/2010/main" val="1587220367"/>
+      </p:ext>
+    </p:extLst>
+  </p:cSld>
+  <p:clrMapOvr>
+    <a:masterClrMapping/>
+  </p:clrMapOvr>
+  <p:timing>
+    <p:tnLst>
+      <p:par>
+        <p:cTn id="1" dur="indefinite" restart="never" nodeType="tmRoot"/>
+      </p:par>
+    </p:tnLst>
+  </p:timing>
+</p:sld>
+</file>
+
+<file path=ppt/slides/slide121.xml><?xml version="1.0" encoding="utf-8"?>
+<p:sld xmlns:a="http://schemas.openxmlformats.org/drawingml/2006/main" xmlns:r="http://schemas.openxmlformats.org/officeDocument/2006/relationships" xmlns:p="http://schemas.openxmlformats.org/presentationml/2006/main">
+  <p:cSld>
+    <p:spTree>
+      <p:nvGrpSpPr>
+        <p:cNvPr id="1" name=""/>
+        <p:cNvGrpSpPr/>
+        <p:nvPr/>
+      </p:nvGrpSpPr>
+      <p:grpSpPr>
+        <a:xfrm>
+          <a:off x="0" y="0"/>
+          <a:ext cx="0" cy="0"/>
+          <a:chOff x="0" y="0"/>
+          <a:chExt cx="0" cy="0"/>
+        </a:xfrm>
+      </p:grpSpPr>
+      <p:sp>
+        <p:nvSpPr>
+          <p:cNvPr id="6" name="Rectangle 5"/>
+          <p:cNvSpPr/>
+          <p:nvPr/>
+        </p:nvSpPr>
+        <p:spPr>
+          <a:xfrm>
+            <a:off x="0" y="0"/>
+            <a:ext cx="9144000" cy="584775"/>
+          </a:xfrm>
+          <a:prstGeom prst="rect">
+            <a:avLst/>
+          </a:prstGeom>
+          <a:solidFill>
+            <a:schemeClr val="accent4">
+              <a:lumMod val="75000"/>
+            </a:schemeClr>
+          </a:solidFill>
+        </p:spPr>
+        <p:txBody>
+          <a:bodyPr wrap="square">
+            <a:spAutoFit/>
+          </a:bodyPr>
+          <a:lstStyle/>
+          <a:p>
+            <a:pPr algn="r">
+              <a:spcBef>
+                <a:spcPct val="0"/>
+              </a:spcBef>
+            </a:pPr>
+            <a:r>
+              <a:rPr lang="en-IN" sz="3200" b="1" i="1" dirty="0" smtClean="0">
+                <a:solidFill>
+                  <a:srgbClr val="FFFF00"/>
+                </a:solidFill>
+                <a:latin typeface="Arial" pitchFamily="34" charset="0"/>
+                <a:cs typeface="Arial" pitchFamily="34" charset="0"/>
+              </a:rPr>
+              <a:t>MongoDB</a:t>
+            </a:r>
+            <a:r>
+              <a:rPr lang="en-US" sz="3200" b="1" i="1" dirty="0" smtClean="0">
+                <a:solidFill>
+                  <a:srgbClr val="FFFF00"/>
+                </a:solidFill>
+                <a:latin typeface="Arial" pitchFamily="34" charset="0"/>
+                <a:cs typeface="Arial" pitchFamily="34" charset="0"/>
+              </a:rPr>
+              <a:t> </a:t>
+            </a:r>
+            <a:r>
+              <a:rPr lang="en-IN" sz="3200" b="1" i="1" dirty="0">
+                <a:solidFill>
+                  <a:srgbClr val="FFFF00"/>
+                </a:solidFill>
+                <a:latin typeface="Arial" pitchFamily="34" charset="0"/>
+                <a:cs typeface="Arial" pitchFamily="34" charset="0"/>
+              </a:rPr>
+              <a:t> </a:t>
+            </a:r>
+          </a:p>
+        </p:txBody>
+      </p:sp>
+      <p:sp>
+        <p:nvSpPr>
+          <p:cNvPr id="7" name="Rectangle 6"/>
+          <p:cNvSpPr/>
+          <p:nvPr/>
+        </p:nvSpPr>
+        <p:spPr>
+          <a:xfrm>
+            <a:off x="149188" y="762000"/>
+            <a:ext cx="8845624" cy="369332"/>
+          </a:xfrm>
+          <a:prstGeom prst="rect">
+            <a:avLst/>
+          </a:prstGeom>
+        </p:spPr>
+        <p:txBody>
+          <a:bodyPr wrap="square">
+            <a:spAutoFit/>
+          </a:bodyPr>
+          <a:lstStyle/>
+          <a:p>
+            <a:r>
+              <a:rPr lang="en-US" dirty="0" smtClean="0"/>
+              <a:t>TODO</a:t>
+            </a:r>
+            <a:endParaRPr lang="en-IN" dirty="0"/>
+          </a:p>
+        </p:txBody>
+      </p:sp>
+    </p:spTree>
+    <p:extLst>
+      <p:ext uri="{BB962C8B-B14F-4D97-AF65-F5344CB8AC3E}">
+        <p14:creationId xmlns:p14="http://schemas.microsoft.com/office/powerpoint/2010/main" val="1863467568"/>
+      </p:ext>
+    </p:extLst>
+  </p:cSld>
+  <p:clrMapOvr>
+    <a:masterClrMapping/>
+  </p:clrMapOvr>
+  <p:timing>
+    <p:tnLst>
+      <p:par>
+        <p:cTn id="1" dur="indefinite" restart="never" nodeType="tmRoot"/>
+      </p:par>
+    </p:tnLst>
+  </p:timing>
+</p:sld>
+</file>
+
+<file path=ppt/slides/slide122.xml><?xml version="1.0" encoding="utf-8"?>
+<p:sld xmlns:a="http://schemas.openxmlformats.org/drawingml/2006/main" xmlns:r="http://schemas.openxmlformats.org/officeDocument/2006/relationships" xmlns:p="http://schemas.openxmlformats.org/presentationml/2006/main">
+  <p:cSld>
+    <p:spTree>
+      <p:nvGrpSpPr>
+        <p:cNvPr id="1" name=""/>
+        <p:cNvGrpSpPr/>
+        <p:nvPr/>
+      </p:nvGrpSpPr>
+      <p:grpSpPr>
+        <a:xfrm>
+          <a:off x="0" y="0"/>
+          <a:ext cx="0" cy="0"/>
+          <a:chOff x="0" y="0"/>
+          <a:chExt cx="0" cy="0"/>
+        </a:xfrm>
+      </p:grpSpPr>
+      <p:sp>
+        <p:nvSpPr>
+          <p:cNvPr id="6" name="Rectangle 5"/>
+          <p:cNvSpPr/>
+          <p:nvPr/>
+        </p:nvSpPr>
+        <p:spPr>
+          <a:xfrm>
+            <a:off x="0" y="0"/>
+            <a:ext cx="9144000" cy="584775"/>
+          </a:xfrm>
+          <a:prstGeom prst="rect">
+            <a:avLst/>
+          </a:prstGeom>
+          <a:solidFill>
+            <a:schemeClr val="accent4">
+              <a:lumMod val="75000"/>
+            </a:schemeClr>
+          </a:solidFill>
+        </p:spPr>
+        <p:txBody>
+          <a:bodyPr wrap="square">
+            <a:spAutoFit/>
+          </a:bodyPr>
+          <a:lstStyle/>
+          <a:p>
+            <a:pPr algn="r">
+              <a:spcBef>
+                <a:spcPct val="0"/>
+              </a:spcBef>
+            </a:pPr>
+            <a:r>
+              <a:rPr lang="en-IN" sz="3200" b="1" i="1" dirty="0" smtClean="0">
+                <a:solidFill>
+                  <a:srgbClr val="FFFF00"/>
+                </a:solidFill>
+                <a:latin typeface="Arial" pitchFamily="34" charset="0"/>
+                <a:cs typeface="Arial" pitchFamily="34" charset="0"/>
+              </a:rPr>
+              <a:t>MongoDB</a:t>
+            </a:r>
+            <a:r>
+              <a:rPr lang="en-US" sz="3200" b="1" i="1" dirty="0" smtClean="0">
+                <a:solidFill>
+                  <a:srgbClr val="FFFF00"/>
+                </a:solidFill>
+                <a:latin typeface="Arial" pitchFamily="34" charset="0"/>
+                <a:cs typeface="Arial" pitchFamily="34" charset="0"/>
+              </a:rPr>
+              <a:t> </a:t>
+            </a:r>
+            <a:r>
+              <a:rPr lang="en-IN" sz="3200" b="1" i="1" dirty="0">
+                <a:solidFill>
+                  <a:srgbClr val="FFFF00"/>
+                </a:solidFill>
+                <a:latin typeface="Arial" pitchFamily="34" charset="0"/>
+                <a:cs typeface="Arial" pitchFamily="34" charset="0"/>
+              </a:rPr>
+              <a:t> </a:t>
+            </a:r>
+          </a:p>
+        </p:txBody>
+      </p:sp>
+      <p:sp>
+        <p:nvSpPr>
+          <p:cNvPr id="7" name="Rectangle 6"/>
+          <p:cNvSpPr/>
+          <p:nvPr/>
+        </p:nvSpPr>
+        <p:spPr>
+          <a:xfrm>
+            <a:off x="149188" y="762000"/>
+            <a:ext cx="8845624" cy="369332"/>
+          </a:xfrm>
+          <a:prstGeom prst="rect">
+            <a:avLst/>
+          </a:prstGeom>
+        </p:spPr>
+        <p:txBody>
+          <a:bodyPr wrap="square">
+            <a:spAutoFit/>
+          </a:bodyPr>
+          <a:lstStyle/>
+          <a:p>
+            <a:r>
+              <a:rPr lang="en-US" dirty="0" smtClean="0"/>
+              <a:t>TODO</a:t>
+            </a:r>
+            <a:endParaRPr lang="en-IN" dirty="0"/>
+          </a:p>
+        </p:txBody>
+      </p:sp>
+    </p:spTree>
+    <p:extLst>
+      <p:ext uri="{BB962C8B-B14F-4D97-AF65-F5344CB8AC3E}">
+        <p14:creationId xmlns:p14="http://schemas.microsoft.com/office/powerpoint/2010/main" val="1971192509"/>
+      </p:ext>
+    </p:extLst>
+  </p:cSld>
+  <p:clrMapOvr>
+    <a:masterClrMapping/>
+  </p:clrMapOvr>
+  <p:timing>
+    <p:tnLst>
+      <p:par>
+        <p:cTn id="1" dur="indefinite" restart="never" nodeType="tmRoot"/>
+      </p:par>
+    </p:tnLst>
+  </p:timing>
+</p:sld>
+</file>
+
+<file path=ppt/slides/slide123.xml><?xml version="1.0" encoding="utf-8"?>
+<p:sld xmlns:a="http://schemas.openxmlformats.org/drawingml/2006/main" xmlns:r="http://schemas.openxmlformats.org/officeDocument/2006/relationships" xmlns:p="http://schemas.openxmlformats.org/presentationml/2006/main">
+  <p:cSld>
+    <p:spTree>
+      <p:nvGrpSpPr>
+        <p:cNvPr id="1" name=""/>
+        <p:cNvGrpSpPr/>
+        <p:nvPr/>
+      </p:nvGrpSpPr>
+      <p:grpSpPr>
+        <a:xfrm>
+          <a:off x="0" y="0"/>
+          <a:ext cx="0" cy="0"/>
+          <a:chOff x="0" y="0"/>
+          <a:chExt cx="0" cy="0"/>
+        </a:xfrm>
+      </p:grpSpPr>
+      <p:sp>
+        <p:nvSpPr>
+          <p:cNvPr id="4" name="Rectangle 3"/>
+          <p:cNvSpPr/>
+          <p:nvPr/>
+        </p:nvSpPr>
+        <p:spPr>
+          <a:xfrm>
+            <a:off x="0" y="0"/>
+            <a:ext cx="9144000" cy="584775"/>
+          </a:xfrm>
+          <a:prstGeom prst="rect">
+            <a:avLst/>
+          </a:prstGeom>
+          <a:solidFill>
+            <a:schemeClr val="bg2">
+              <a:lumMod val="10000"/>
+            </a:schemeClr>
+          </a:solidFill>
+        </p:spPr>
+        <p:txBody>
+          <a:bodyPr wrap="square">
+            <a:spAutoFit/>
+          </a:bodyPr>
+          <a:lstStyle/>
+          <a:p>
+            <a:pPr algn="r"/>
+            <a:r>
+              <a:rPr lang="en-IN" sz="3200" b="1" i="1" dirty="0" smtClean="0">
+                <a:solidFill>
+                  <a:srgbClr val="FFFF00"/>
+                </a:solidFill>
+                <a:latin typeface="Arial" pitchFamily="34" charset="0"/>
+                <a:cs typeface="Arial" pitchFamily="34" charset="0"/>
+              </a:rPr>
+              <a:t>IMP</a:t>
+            </a:r>
+            <a:endParaRPr lang="en-IN" sz="3200" b="1" i="1" dirty="0">
+              <a:solidFill>
+                <a:srgbClr val="FFFF00"/>
+              </a:solidFill>
+              <a:latin typeface="Arial" pitchFamily="34" charset="0"/>
+              <a:cs typeface="Arial" pitchFamily="34" charset="0"/>
+            </a:endParaRPr>
+          </a:p>
+        </p:txBody>
+      </p:sp>
+      <p:sp>
+        <p:nvSpPr>
+          <p:cNvPr id="2" name="Rectangle 1"/>
+          <p:cNvSpPr/>
+          <p:nvPr/>
+        </p:nvSpPr>
+        <p:spPr>
+          <a:xfrm>
+            <a:off x="145976" y="849264"/>
+            <a:ext cx="8845624" cy="369332"/>
+          </a:xfrm>
+          <a:prstGeom prst="rect">
+            <a:avLst/>
+          </a:prstGeom>
+        </p:spPr>
+        <p:txBody>
+          <a:bodyPr wrap="square">
+            <a:spAutoFit/>
+          </a:bodyPr>
+          <a:lstStyle/>
+          <a:p>
+            <a:r>
+              <a:rPr lang="en-IN" dirty="0" smtClean="0">
+                <a:solidFill>
+                  <a:srgbClr val="222222"/>
+                </a:solidFill>
+                <a:latin typeface="Verdana" panose="020B0604030504040204" pitchFamily="34" charset="0"/>
+              </a:rPr>
+              <a:t>1. Think </a:t>
+            </a:r>
+            <a:r>
+              <a:rPr lang="en-IN" dirty="0">
+                <a:solidFill>
+                  <a:srgbClr val="222222"/>
+                </a:solidFill>
+                <a:latin typeface="Verdana" panose="020B0604030504040204" pitchFamily="34" charset="0"/>
+              </a:rPr>
+              <a:t>about how multiplication can be done without actually </a:t>
+            </a:r>
+            <a:r>
+              <a:rPr lang="en-IN" dirty="0" smtClean="0">
+                <a:solidFill>
+                  <a:srgbClr val="222222"/>
+                </a:solidFill>
+                <a:latin typeface="Verdana" panose="020B0604030504040204" pitchFamily="34" charset="0"/>
+              </a:rPr>
+              <a:t>multiplying </a:t>
+            </a:r>
+            <a:endParaRPr lang="en-IN" dirty="0"/>
+          </a:p>
+        </p:txBody>
+      </p:sp>
+      <p:sp>
+        <p:nvSpPr>
+          <p:cNvPr id="3" name="TextBox 2"/>
+          <p:cNvSpPr txBox="1"/>
+          <p:nvPr/>
+        </p:nvSpPr>
+        <p:spPr>
+          <a:xfrm>
+            <a:off x="990600" y="2514600"/>
+            <a:ext cx="184731" cy="369332"/>
+          </a:xfrm>
+          <a:prstGeom prst="rect">
+            <a:avLst/>
+          </a:prstGeom>
+          <a:noFill/>
+        </p:spPr>
+        <p:txBody>
+          <a:bodyPr wrap="none" rtlCol="0">
+            <a:spAutoFit/>
+          </a:bodyPr>
+          <a:lstStyle/>
+          <a:p>
+            <a:endParaRPr lang="en-IN" dirty="0"/>
+          </a:p>
+        </p:txBody>
+      </p:sp>
+      <p:pic>
+        <p:nvPicPr>
+          <p:cNvPr id="5" name="Picture 4"/>
+          <p:cNvPicPr>
+            <a:picLocks noChangeAspect="1"/>
+          </p:cNvPicPr>
+          <p:nvPr/>
+        </p:nvPicPr>
+        <p:blipFill>
+          <a:blip r:embed="rId2"/>
+          <a:stretch>
+            <a:fillRect/>
+          </a:stretch>
+        </p:blipFill>
+        <p:spPr>
+          <a:xfrm>
+            <a:off x="304800" y="3700361"/>
+            <a:ext cx="4648200" cy="2471839"/>
+          </a:xfrm>
+          <a:prstGeom prst="rect">
+            <a:avLst/>
+          </a:prstGeom>
+        </p:spPr>
+      </p:pic>
+      <p:sp>
+        <p:nvSpPr>
+          <p:cNvPr id="6" name="Rectangle 5"/>
+          <p:cNvSpPr/>
+          <p:nvPr/>
+        </p:nvSpPr>
+        <p:spPr>
+          <a:xfrm>
+            <a:off x="145976" y="3243552"/>
+            <a:ext cx="1317990" cy="369332"/>
+          </a:xfrm>
+          <a:prstGeom prst="rect">
+            <a:avLst/>
+          </a:prstGeom>
+        </p:spPr>
+        <p:txBody>
+          <a:bodyPr wrap="none">
+            <a:spAutoFit/>
+          </a:bodyPr>
+          <a:lstStyle/>
+          <a:p>
+            <a:r>
+              <a:rPr lang="en-IN" dirty="0" smtClean="0">
+                <a:solidFill>
+                  <a:srgbClr val="222222"/>
+                </a:solidFill>
+                <a:latin typeface="Verdana" panose="020B0604030504040204" pitchFamily="34" charset="0"/>
+              </a:rPr>
+              <a:t>2. Square</a:t>
+            </a:r>
+            <a:endParaRPr lang="en-IN" dirty="0">
+              <a:solidFill>
+                <a:srgbClr val="222222"/>
+              </a:solidFill>
+              <a:latin typeface="Verdana" panose="020B0604030504040204" pitchFamily="34" charset="0"/>
+            </a:endParaRPr>
+          </a:p>
+        </p:txBody>
+      </p:sp>
+      <p:pic>
+        <p:nvPicPr>
+          <p:cNvPr id="8" name="Picture 7"/>
+          <p:cNvPicPr>
+            <a:picLocks noChangeAspect="1"/>
+          </p:cNvPicPr>
+          <p:nvPr/>
+        </p:nvPicPr>
+        <p:blipFill>
+          <a:blip r:embed="rId3"/>
+          <a:stretch>
+            <a:fillRect/>
+          </a:stretch>
+        </p:blipFill>
+        <p:spPr>
+          <a:xfrm>
+            <a:off x="533400" y="1250647"/>
+            <a:ext cx="4495800" cy="1883657"/>
+          </a:xfrm>
+          <a:prstGeom prst="rect">
+            <a:avLst/>
+          </a:prstGeom>
+        </p:spPr>
+      </p:pic>
+    </p:spTree>
+    <p:extLst>
+      <p:ext uri="{BB962C8B-B14F-4D97-AF65-F5344CB8AC3E}">
+        <p14:creationId xmlns:p14="http://schemas.microsoft.com/office/powerpoint/2010/main" val="3391323119"/>
+      </p:ext>
+    </p:extLst>
+  </p:cSld>
+  <p:clrMapOvr>
+    <a:masterClrMapping/>
+  </p:clrMapOvr>
+  <p:timing>
+    <p:tnLst>
+      <p:par>
+        <p:cTn id="1" dur="indefinite" restart="never" nodeType="tmRoot"/>
+      </p:par>
+    </p:tnLst>
+  </p:timing>
+</p:sld>
+</file>
+
+<file path=ppt/slides/slide124.xml><?xml version="1.0" encoding="utf-8"?>
+<p:sld xmlns:a="http://schemas.openxmlformats.org/drawingml/2006/main" xmlns:r="http://schemas.openxmlformats.org/officeDocument/2006/relationships" xmlns:p="http://schemas.openxmlformats.org/presentationml/2006/main">
+  <p:cSld>
+    <p:spTree>
+      <p:nvGrpSpPr>
+        <p:cNvPr id="1" name=""/>
+        <p:cNvGrpSpPr/>
+        <p:nvPr/>
+      </p:nvGrpSpPr>
+      <p:grpSpPr>
+        <a:xfrm>
+          <a:off x="0" y="0"/>
+          <a:ext cx="0" cy="0"/>
+          <a:chOff x="0" y="0"/>
+          <a:chExt cx="0" cy="0"/>
+        </a:xfrm>
+      </p:grpSpPr>
+      <p:pic>
+        <p:nvPicPr>
+          <p:cNvPr id="1026" name="Picture 2" descr="http://www.bvctch.vn/vnt_upload/weblink/thks.jpg"/>
+          <p:cNvPicPr>
+            <a:picLocks noChangeAspect="1" noChangeArrowheads="1"/>
+          </p:cNvPicPr>
+          <p:nvPr/>
+        </p:nvPicPr>
+        <p:blipFill>
+          <a:blip r:embed="rId2">
+            <a:extLst>
+              <a:ext uri="{28A0092B-C50C-407E-A947-70E740481C1C}">
+                <a14:useLocalDpi xmlns:a14="http://schemas.microsoft.com/office/drawing/2010/main" val="0"/>
+              </a:ext>
+            </a:extLst>
+          </a:blip>
+          <a:srcRect/>
+          <a:stretch>
+            <a:fillRect/>
+          </a:stretch>
+        </p:blipFill>
+        <p:spPr bwMode="auto">
+          <a:xfrm>
+            <a:off x="2895600" y="757237"/>
+            <a:ext cx="3124200" cy="4881563"/>
+          </a:xfrm>
+          <a:prstGeom prst="rect">
+            <a:avLst/>
+          </a:prstGeom>
+          <a:noFill/>
+          <a:extLst>
+            <a:ext uri="{909E8E84-426E-40DD-AFC4-6F175D3DCCD1}">
+              <a14:hiddenFill xmlns:a14="http://schemas.microsoft.com/office/drawing/2010/main">
+                <a:solidFill>
+                  <a:srgbClr val="FFFFFF"/>
+                </a:solidFill>
+              </a14:hiddenFill>
+            </a:ext>
+          </a:extLst>
+        </p:spPr>
+      </p:pic>
+      <p:sp>
+        <p:nvSpPr>
+          <p:cNvPr id="3" name="Rectangle 2"/>
+          <p:cNvSpPr/>
+          <p:nvPr/>
+        </p:nvSpPr>
+        <p:spPr>
+          <a:xfrm>
+            <a:off x="304800" y="5105400"/>
+            <a:ext cx="8610600" cy="1077218"/>
+          </a:xfrm>
+          <a:prstGeom prst="rect">
+            <a:avLst/>
+          </a:prstGeom>
+        </p:spPr>
+        <p:txBody>
+          <a:bodyPr wrap="square">
+            <a:spAutoFit/>
+          </a:bodyPr>
+          <a:lstStyle/>
+          <a:p>
+            <a:pPr algn="ctr"/>
+            <a:r>
+              <a:rPr lang="en-IN" sz="3200" dirty="0">
+                <a:solidFill>
+                  <a:srgbClr val="FE1212"/>
+                </a:solidFill>
+                <a:latin typeface="Segoe Print" panose="02000600000000000000" pitchFamily="2" charset="0"/>
+              </a:rPr>
+              <a:t>"Live as if you were to die tomorrow.</a:t>
+            </a:r>
+          </a:p>
+          <a:p>
+            <a:pPr algn="ctr"/>
+            <a:r>
+              <a:rPr lang="en-IN" sz="3200" dirty="0">
+                <a:solidFill>
+                  <a:srgbClr val="FE1212"/>
+                </a:solidFill>
+                <a:latin typeface="Segoe Print" panose="02000600000000000000" pitchFamily="2" charset="0"/>
+              </a:rPr>
+              <a:t>Learn as if you were to live forever"</a:t>
+            </a:r>
+          </a:p>
+        </p:txBody>
+      </p:sp>
+    </p:spTree>
+    <p:extLst>
+      <p:ext uri="{BB962C8B-B14F-4D97-AF65-F5344CB8AC3E}">
+        <p14:creationId xmlns:p14="http://schemas.microsoft.com/office/powerpoint/2010/main" val="1148130326"/>
+      </p:ext>
+    </p:extLst>
+  </p:cSld>
+  <p:clrMapOvr>
+    <a:masterClrMapping/>
+  </p:clrMapOvr>
+  <p:timing>
+    <p:tnLst>
+      <p:par>
+        <p:cTn id="1" dur="indefinite" restart="never" nodeType="tmRoot"/>
+      </p:par>
+    </p:tnLst>
+  </p:timing>
+</p:sld>
+</file>
+
+<file path=ppt/slides/slide125.xml><?xml version="1.0" encoding="utf-8"?>
+<p:sld xmlns:a="http://schemas.openxmlformats.org/drawingml/2006/main" xmlns:r="http://schemas.openxmlformats.org/officeDocument/2006/relationships" xmlns:p="http://schemas.openxmlformats.org/presentationml/2006/main">
+  <p:cSld>
+    <p:spTree>
+      <p:nvGrpSpPr>
+        <p:cNvPr id="1" name=""/>
+        <p:cNvGrpSpPr/>
+        <p:nvPr/>
+      </p:nvGrpSpPr>
+      <p:grpSpPr>
+        <a:xfrm>
+          <a:off x="0" y="0"/>
+          <a:ext cx="0" cy="0"/>
+          <a:chOff x="0" y="0"/>
+          <a:chExt cx="0" cy="0"/>
+        </a:xfrm>
+      </p:grpSpPr>
+      <p:sp>
+        <p:nvSpPr>
+          <p:cNvPr id="3" name="Rectangle 2"/>
+          <p:cNvSpPr/>
+          <p:nvPr/>
+        </p:nvSpPr>
+        <p:spPr>
+          <a:xfrm>
+            <a:off x="304800" y="1981200"/>
+            <a:ext cx="8305800" cy="1754326"/>
+          </a:xfrm>
+          <a:prstGeom prst="rect">
+            <a:avLst/>
+          </a:prstGeom>
+        </p:spPr>
+        <p:txBody>
+          <a:bodyPr wrap="square">
+            <a:spAutoFit/>
+          </a:bodyPr>
+          <a:lstStyle/>
+          <a:p>
+            <a:r>
+              <a:rPr lang="en-US" dirty="0"/>
+              <a:t>The ALTER TABLE...DROP UNUSED COLUMNS statement is the only action allowed on unused columns. It physically removes unused columns from the table and reclaims disk space</a:t>
+            </a:r>
+            <a:r>
+              <a:rPr lang="en-US" dirty="0" smtClean="0"/>
+              <a:t>.</a:t>
+            </a:r>
+          </a:p>
+          <a:p>
+            <a:endParaRPr lang="en-US" dirty="0" smtClean="0"/>
+          </a:p>
+          <a:p>
+            <a:r>
+              <a:rPr lang="en-US" dirty="0" smtClean="0">
+                <a:solidFill>
+                  <a:srgbClr val="FF0000"/>
+                </a:solidFill>
+              </a:rPr>
+              <a:t>alter </a:t>
+            </a:r>
+            <a:r>
+              <a:rPr lang="en-US" dirty="0">
+                <a:solidFill>
+                  <a:srgbClr val="FF0000"/>
+                </a:solidFill>
+              </a:rPr>
+              <a:t>table t set unused(c2);</a:t>
+            </a:r>
+          </a:p>
+          <a:p>
+            <a:r>
+              <a:rPr lang="en-US" dirty="0" smtClean="0">
+                <a:solidFill>
+                  <a:srgbClr val="FF0000"/>
+                </a:solidFill>
+              </a:rPr>
+              <a:t> </a:t>
+            </a:r>
+            <a:r>
+              <a:rPr lang="en-US" dirty="0">
+                <a:solidFill>
+                  <a:srgbClr val="FF0000"/>
+                </a:solidFill>
+              </a:rPr>
+              <a:t>alter table t drop unused column;</a:t>
+            </a:r>
+          </a:p>
+        </p:txBody>
+      </p:sp>
+    </p:spTree>
+    <p:extLst>
+      <p:ext uri="{BB962C8B-B14F-4D97-AF65-F5344CB8AC3E}">
+        <p14:creationId xmlns:p14="http://schemas.microsoft.com/office/powerpoint/2010/main" val="1183446369"/>
+      </p:ext>
+    </p:extLst>
+  </p:cSld>
+  <p:clrMapOvr>
+    <a:masterClrMapping/>
+  </p:clrMapOvr>
+</p:sld>
+</file>
+
+<file path=ppt/slides/slide126.xml><?xml version="1.0" encoding="utf-8"?>
+<p:sld xmlns:a="http://schemas.openxmlformats.org/drawingml/2006/main" xmlns:r="http://schemas.openxmlformats.org/officeDocument/2006/relationships" xmlns:p="http://schemas.openxmlformats.org/presentationml/2006/main">
+  <p:cSld>
+    <p:spTree>
+      <p:nvGrpSpPr>
+        <p:cNvPr id="1" name=""/>
+        <p:cNvGrpSpPr/>
+        <p:nvPr/>
+      </p:nvGrpSpPr>
+      <p:grpSpPr>
+        <a:xfrm>
+          <a:off x="0" y="0"/>
+          <a:ext cx="0" cy="0"/>
+          <a:chOff x="0" y="0"/>
+          <a:chExt cx="0" cy="0"/>
+        </a:xfrm>
+      </p:grpSpPr>
+      <p:sp>
+        <p:nvSpPr>
+          <p:cNvPr id="2" name="Rectangle 1"/>
+          <p:cNvSpPr/>
+          <p:nvPr/>
+        </p:nvSpPr>
+        <p:spPr>
+          <a:xfrm>
+            <a:off x="152400" y="228600"/>
+            <a:ext cx="8763000" cy="2862322"/>
+          </a:xfrm>
+          <a:prstGeom prst="rect">
+            <a:avLst/>
+          </a:prstGeom>
+        </p:spPr>
+        <p:txBody>
+          <a:bodyPr wrap="square">
+            <a:spAutoFit/>
+          </a:bodyPr>
+          <a:lstStyle/>
+          <a:p>
+            <a:r>
+              <a:rPr lang="en-US" dirty="0"/>
+              <a:t>create table book (id raw(16) primary key, data clob check(data is json</a:t>
+            </a:r>
+            <a:r>
+              <a:rPr lang="en-US" dirty="0" smtClean="0"/>
+              <a:t>));</a:t>
+            </a:r>
+          </a:p>
+          <a:p>
+            <a:endParaRPr lang="en-US" dirty="0"/>
+          </a:p>
+          <a:p>
+            <a:r>
+              <a:rPr lang="en-US" dirty="0"/>
+              <a:t>select book.* </a:t>
+            </a:r>
+          </a:p>
+          <a:p>
+            <a:r>
+              <a:rPr lang="en-US" dirty="0"/>
+              <a:t>	from books,</a:t>
+            </a:r>
+          </a:p>
+          <a:p>
+            <a:r>
+              <a:rPr lang="en-US" dirty="0"/>
+              <a:t>	</a:t>
+            </a:r>
+            <a:r>
+              <a:rPr lang="en-US" dirty="0" err="1"/>
+              <a:t>json_table</a:t>
+            </a:r>
+            <a:r>
+              <a:rPr lang="en-US" dirty="0"/>
+              <a:t>(data,'$'</a:t>
+            </a:r>
+          </a:p>
+          <a:p>
+            <a:r>
+              <a:rPr lang="en-US" dirty="0"/>
+              <a:t>	columns(</a:t>
+            </a:r>
+            <a:r>
+              <a:rPr lang="en-US" dirty="0" err="1"/>
+              <a:t>isbn</a:t>
+            </a:r>
+            <a:r>
+              <a:rPr lang="en-US" dirty="0"/>
+              <a:t>   varchar2(20) path '$.</a:t>
+            </a:r>
+            <a:r>
+              <a:rPr lang="en-US" dirty="0" err="1"/>
+              <a:t>isbn</a:t>
+            </a:r>
+            <a:r>
+              <a:rPr lang="en-US" dirty="0"/>
+              <a:t>',</a:t>
+            </a:r>
+          </a:p>
+          <a:p>
+            <a:r>
+              <a:rPr lang="en-US" dirty="0"/>
+              <a:t>		title  varchar2(20) path '$.title',</a:t>
+            </a:r>
+          </a:p>
+          <a:p>
+            <a:r>
+              <a:rPr lang="en-US" dirty="0"/>
+              <a:t>		price  varchar2(10) path '$.price',</a:t>
+            </a:r>
+          </a:p>
+          <a:p>
+            <a:r>
+              <a:rPr lang="en-US" dirty="0"/>
+              <a:t>		author varchar2(20) path '$.author',</a:t>
+            </a:r>
+          </a:p>
+          <a:p>
+            <a:r>
+              <a:rPr lang="en-US" dirty="0"/>
+              <a:t>		phone  varchar2(10) path '$.phone')) book</a:t>
+            </a:r>
+          </a:p>
+        </p:txBody>
+      </p:sp>
+    </p:spTree>
+    <p:extLst>
+      <p:ext uri="{BB962C8B-B14F-4D97-AF65-F5344CB8AC3E}">
+        <p14:creationId xmlns:p14="http://schemas.microsoft.com/office/powerpoint/2010/main" val="1501210411"/>
+      </p:ext>
+    </p:extLst>
+  </p:cSld>
+  <p:clrMapOvr>
+    <a:masterClrMapping/>
+  </p:clrMapOvr>
 </p:sld>
 </file>
 
@@ -8328,13 +10275,6 @@
               </a:rPr>
               <a:t>db.version()</a:t>
             </a:r>
-            <a:endParaRPr lang="en-US" sz="2200" dirty="0">
-              <a:solidFill>
-                <a:srgbClr val="FC6F0D"/>
-              </a:solidFill>
-              <a:latin typeface="Calibri" panose="020F0502020204030204" pitchFamily="34" charset="0"/>
-              <a:cs typeface="Calibri" panose="020F0502020204030204" pitchFamily="34" charset="0"/>
-            </a:endParaRPr>
           </a:p>
           <a:p>
             <a:r>
@@ -28317,6 +30257,138 @@
       </p:grpSpPr>
       <p:sp>
         <p:nvSpPr>
+          <p:cNvPr id="2" name="Title 1"/>
+          <p:cNvSpPr txBox="1">
+            <a:spLocks/>
+          </p:cNvSpPr>
+          <p:nvPr/>
+        </p:nvSpPr>
+        <p:spPr>
+          <a:xfrm>
+            <a:off x="152400" y="2057400"/>
+            <a:ext cx="8839200" cy="838200"/>
+          </a:xfrm>
+          <a:prstGeom prst="rect">
+            <a:avLst/>
+          </a:prstGeom>
+        </p:spPr>
+        <p:txBody>
+          <a:bodyPr>
+            <a:noAutofit/>
+          </a:bodyPr>
+          <a:lstStyle>
+            <a:defPPr>
+              <a:defRPr lang="en-US"/>
+            </a:defPPr>
+            <a:lvl1pPr lvl="0" algn="ctr">
+              <a:spcBef>
+                <a:spcPct val="0"/>
+              </a:spcBef>
+              <a:defRPr sz="4800">
+                <a:solidFill>
+                  <a:srgbClr val="7EEEE3"/>
+                </a:solidFill>
+                <a:latin typeface="Segoe UI Light" panose="020B0502040204020203" pitchFamily="34" charset="0"/>
+                <a:cs typeface="Segoe UI Light" panose="020B0502040204020203" pitchFamily="34" charset="0"/>
+              </a:defRPr>
+            </a:lvl1pPr>
+          </a:lstStyle>
+          <a:p>
+            <a:r>
+              <a:rPr lang="en-IN" dirty="0" smtClean="0"/>
+              <a:t>$group</a:t>
+            </a:r>
+            <a:endParaRPr lang="en-US" dirty="0"/>
+          </a:p>
+        </p:txBody>
+      </p:sp>
+      <p:sp>
+        <p:nvSpPr>
+          <p:cNvPr id="3" name="Rectangle 2"/>
+          <p:cNvSpPr/>
+          <p:nvPr/>
+        </p:nvSpPr>
+        <p:spPr>
+          <a:xfrm>
+            <a:off x="419100" y="2861953"/>
+            <a:ext cx="8305800" cy="369332"/>
+          </a:xfrm>
+          <a:prstGeom prst="rect">
+            <a:avLst/>
+          </a:prstGeom>
+          <a:solidFill>
+            <a:schemeClr val="accent6">
+              <a:lumMod val="20000"/>
+              <a:lumOff val="80000"/>
+            </a:schemeClr>
+          </a:solidFill>
+        </p:spPr>
+        <p:txBody>
+          <a:bodyPr wrap="square">
+            <a:spAutoFit/>
+          </a:bodyPr>
+          <a:lstStyle/>
+          <a:p>
+            <a:r>
+              <a:rPr lang="en-US" dirty="0" smtClean="0">
+                <a:solidFill>
+                  <a:srgbClr val="222222"/>
+                </a:solidFill>
+                <a:latin typeface="arial" panose="020B0604020202020204" pitchFamily="34" charset="0"/>
+              </a:rPr>
+              <a:t>TODO</a:t>
+            </a:r>
+            <a:endParaRPr lang="en-US" dirty="0"/>
+          </a:p>
+        </p:txBody>
+      </p:sp>
+    </p:spTree>
+    <p:extLst>
+      <p:ext uri="{BB962C8B-B14F-4D97-AF65-F5344CB8AC3E}">
+        <p14:creationId xmlns:p14="http://schemas.microsoft.com/office/powerpoint/2010/main" val="63110572"/>
+      </p:ext>
+    </p:extLst>
+  </p:cSld>
+  <p:clrMapOvr>
+    <a:masterClrMapping/>
+  </p:clrMapOvr>
+  <mc:AlternateContent xmlns:mc="http://schemas.openxmlformats.org/markup-compatibility/2006">
+    <mc:Choice xmlns:p14="http://schemas.microsoft.com/office/powerpoint/2010/main" Requires="p14">
+      <p:transition spd="slow" p14:dur="2000"/>
+    </mc:Choice>
+    <mc:Fallback>
+      <p:transition spd="slow"/>
+    </mc:Fallback>
+  </mc:AlternateContent>
+  <p:timing>
+    <p:tnLst>
+      <p:par>
+        <p:cTn id="1" dur="indefinite" restart="never" nodeType="tmRoot"/>
+      </p:par>
+    </p:tnLst>
+  </p:timing>
+</p:sld>
+</file>
+
+<file path=ppt/slides/slide83.xml><?xml version="1.0" encoding="utf-8"?>
+<p:sld xmlns:a="http://schemas.openxmlformats.org/drawingml/2006/main" xmlns:r="http://schemas.openxmlformats.org/officeDocument/2006/relationships" xmlns:p="http://schemas.openxmlformats.org/presentationml/2006/main">
+  <p:cSld>
+    <p:spTree>
+      <p:nvGrpSpPr>
+        <p:cNvPr id="1" name=""/>
+        <p:cNvGrpSpPr/>
+        <p:nvPr/>
+      </p:nvGrpSpPr>
+      <p:grpSpPr>
+        <a:xfrm>
+          <a:off x="0" y="0"/>
+          <a:ext cx="0" cy="0"/>
+          <a:chOff x="0" y="0"/>
+          <a:chExt cx="0" cy="0"/>
+        </a:xfrm>
+      </p:grpSpPr>
+      <p:sp>
+        <p:nvSpPr>
           <p:cNvPr id="6" name="Rectangle 5"/>
           <p:cNvSpPr/>
           <p:nvPr/>
@@ -28724,7 +30796,7 @@
           <p:nvPr>
             <p:extLst>
               <p:ext uri="{D42A27DB-BD31-4B8C-83A1-F6EECF244321}">
-                <p14:modId xmlns:p14="http://schemas.microsoft.com/office/powerpoint/2010/main" val="2943245847"/>
+                <p14:modId xmlns:p14="http://schemas.microsoft.com/office/powerpoint/2010/main" val="3620998442"/>
               </p:ext>
             </p:extLst>
           </p:nvPr>
@@ -29009,503 +31081,6 @@
 </p:sld>
 </file>
 
-<file path=ppt/slides/slide83.xml><?xml version="1.0" encoding="utf-8"?>
-<p:sld xmlns:a="http://schemas.openxmlformats.org/drawingml/2006/main" xmlns:r="http://schemas.openxmlformats.org/officeDocument/2006/relationships" xmlns:p="http://schemas.openxmlformats.org/presentationml/2006/main">
-  <p:cSld>
-    <p:spTree>
-      <p:nvGrpSpPr>
-        <p:cNvPr id="1" name=""/>
-        <p:cNvGrpSpPr/>
-        <p:nvPr/>
-      </p:nvGrpSpPr>
-      <p:grpSpPr>
-        <a:xfrm>
-          <a:off x="0" y="0"/>
-          <a:ext cx="0" cy="0"/>
-          <a:chOff x="0" y="0"/>
-          <a:chExt cx="0" cy="0"/>
-        </a:xfrm>
-      </p:grpSpPr>
-      <p:sp>
-        <p:nvSpPr>
-          <p:cNvPr id="6" name="Rectangle 5"/>
-          <p:cNvSpPr/>
-          <p:nvPr/>
-        </p:nvSpPr>
-        <p:spPr>
-          <a:xfrm>
-            <a:off x="0" y="0"/>
-            <a:ext cx="9144000" cy="584775"/>
-          </a:xfrm>
-          <a:prstGeom prst="rect">
-            <a:avLst/>
-          </a:prstGeom>
-          <a:solidFill>
-            <a:schemeClr val="accent4">
-              <a:lumMod val="75000"/>
-            </a:schemeClr>
-          </a:solidFill>
-        </p:spPr>
-        <p:txBody>
-          <a:bodyPr wrap="square">
-            <a:spAutoFit/>
-          </a:bodyPr>
-          <a:lstStyle/>
-          <a:p>
-            <a:pPr algn="r">
-              <a:spcBef>
-                <a:spcPct val="0"/>
-              </a:spcBef>
-            </a:pPr>
-            <a:r>
-              <a:rPr lang="en-IN" sz="3200" b="1" i="1" dirty="0" smtClean="0">
-                <a:solidFill>
-                  <a:srgbClr val="FFFF00"/>
-                </a:solidFill>
-                <a:latin typeface="Arial" pitchFamily="34" charset="0"/>
-                <a:cs typeface="Arial" pitchFamily="34" charset="0"/>
-              </a:rPr>
-              <a:t>$match</a:t>
-            </a:r>
-            <a:r>
-              <a:rPr lang="en-IN" sz="3200" b="1" i="1" dirty="0">
-                <a:solidFill>
-                  <a:srgbClr val="FFFF00"/>
-                </a:solidFill>
-                <a:latin typeface="Arial" pitchFamily="34" charset="0"/>
-                <a:cs typeface="Arial" pitchFamily="34" charset="0"/>
-              </a:rPr>
-              <a:t> </a:t>
-            </a:r>
-          </a:p>
-        </p:txBody>
-      </p:sp>
-      <p:sp>
-        <p:nvSpPr>
-          <p:cNvPr id="7" name="Rectangle 6"/>
-          <p:cNvSpPr/>
-          <p:nvPr/>
-        </p:nvSpPr>
-        <p:spPr>
-          <a:xfrm>
-            <a:off x="149188" y="762000"/>
-            <a:ext cx="8845624" cy="646331"/>
-          </a:xfrm>
-          <a:prstGeom prst="rect">
-            <a:avLst/>
-          </a:prstGeom>
-        </p:spPr>
-        <p:txBody>
-          <a:bodyPr wrap="square">
-            <a:spAutoFit/>
-          </a:bodyPr>
-          <a:lstStyle/>
-          <a:p>
-            <a:r>
-              <a:rPr lang="en-US" dirty="0"/>
-              <a:t>Filters the documents to pass only the documents that match the specified condition(s) to the next pipeline stage.</a:t>
-            </a:r>
-            <a:endParaRPr lang="en-IN" dirty="0"/>
-          </a:p>
-        </p:txBody>
-      </p:sp>
-      <p:sp>
-        <p:nvSpPr>
-          <p:cNvPr id="4" name="Rectangle 3"/>
-          <p:cNvSpPr/>
-          <p:nvPr/>
-        </p:nvSpPr>
-        <p:spPr>
-          <a:xfrm>
-            <a:off x="149188" y="1524000"/>
-            <a:ext cx="8761264" cy="369332"/>
-          </a:xfrm>
-          <a:prstGeom prst="rect">
-            <a:avLst/>
-          </a:prstGeom>
-        </p:spPr>
-        <p:txBody>
-          <a:bodyPr wrap="square">
-            <a:spAutoFit/>
-          </a:bodyPr>
-          <a:lstStyle/>
-          <a:p>
-            <a:r>
-              <a:rPr lang="en-US" dirty="0">
-                <a:solidFill>
-                  <a:srgbClr val="049DC8"/>
-                </a:solidFill>
-                <a:latin typeface="Consolas" panose="020B0609020204030204" pitchFamily="49" charset="0"/>
-                <a:cs typeface="Calibri" panose="020F0502020204030204" pitchFamily="34" charset="0"/>
-              </a:rPr>
-              <a:t>{ $match: { &lt;query&gt; } }</a:t>
-            </a:r>
-          </a:p>
-        </p:txBody>
-      </p:sp>
-      <p:sp>
-        <p:nvSpPr>
-          <p:cNvPr id="5" name="Rectangle 4"/>
-          <p:cNvSpPr/>
-          <p:nvPr/>
-        </p:nvSpPr>
-        <p:spPr>
-          <a:xfrm>
-            <a:off x="149188" y="2133600"/>
-            <a:ext cx="8761264" cy="1692771"/>
-          </a:xfrm>
-          <a:prstGeom prst="rect">
-            <a:avLst/>
-          </a:prstGeom>
-        </p:spPr>
-        <p:txBody>
-          <a:bodyPr wrap="square">
-            <a:spAutoFit/>
-          </a:bodyPr>
-          <a:lstStyle/>
-          <a:p>
-            <a:r>
-              <a:rPr lang="en-US" sz="2200" dirty="0">
-                <a:solidFill>
-                  <a:srgbClr val="FC6F0D"/>
-                </a:solidFill>
-                <a:latin typeface="Calibri" panose="020F0502020204030204" pitchFamily="34" charset="0"/>
-                <a:cs typeface="Calibri" panose="020F0502020204030204" pitchFamily="34" charset="0"/>
-              </a:rPr>
-              <a:t>db.emp.aggregate </a:t>
-            </a:r>
-            <a:r>
-              <a:rPr lang="en-US" sz="2200" dirty="0" smtClean="0">
-                <a:solidFill>
-                  <a:srgbClr val="FC6F0D"/>
-                </a:solidFill>
-                <a:latin typeface="Calibri" panose="020F0502020204030204" pitchFamily="34" charset="0"/>
-                <a:cs typeface="Calibri" panose="020F0502020204030204" pitchFamily="34" charset="0"/>
-              </a:rPr>
-              <a:t>([ {$</a:t>
-            </a:r>
-            <a:r>
-              <a:rPr lang="en-US" sz="2200" dirty="0">
-                <a:solidFill>
-                  <a:srgbClr val="FC6F0D"/>
-                </a:solidFill>
-                <a:latin typeface="Calibri" panose="020F0502020204030204" pitchFamily="34" charset="0"/>
-                <a:cs typeface="Calibri" panose="020F0502020204030204" pitchFamily="34" charset="0"/>
-              </a:rPr>
-              <a:t>match: { job:'manager</a:t>
-            </a:r>
-            <a:r>
-              <a:rPr lang="en-US" sz="2200" dirty="0" smtClean="0">
-                <a:solidFill>
-                  <a:srgbClr val="FC6F0D"/>
-                </a:solidFill>
-                <a:latin typeface="Calibri" panose="020F0502020204030204" pitchFamily="34" charset="0"/>
-                <a:cs typeface="Calibri" panose="020F0502020204030204" pitchFamily="34" charset="0"/>
-              </a:rPr>
-              <a:t>'} } ])</a:t>
-            </a:r>
-          </a:p>
-          <a:p>
-            <a:endParaRPr lang="en-US" sz="800" dirty="0" smtClean="0">
-              <a:solidFill>
-                <a:srgbClr val="FC6F0D"/>
-              </a:solidFill>
-              <a:latin typeface="Calibri" panose="020F0502020204030204" pitchFamily="34" charset="0"/>
-              <a:cs typeface="Calibri" panose="020F0502020204030204" pitchFamily="34" charset="0"/>
-            </a:endParaRPr>
-          </a:p>
-          <a:p>
-            <a:r>
-              <a:rPr lang="en-US" sz="2200" dirty="0">
-                <a:solidFill>
-                  <a:srgbClr val="FC6F0D"/>
-                </a:solidFill>
-                <a:latin typeface="Calibri" panose="020F0502020204030204" pitchFamily="34" charset="0"/>
-                <a:cs typeface="Calibri" panose="020F0502020204030204" pitchFamily="34" charset="0"/>
-              </a:rPr>
-              <a:t>db.emp.aggregate </a:t>
-            </a:r>
-            <a:r>
-              <a:rPr lang="en-US" sz="2200" dirty="0" smtClean="0">
-                <a:solidFill>
-                  <a:srgbClr val="FC6F0D"/>
-                </a:solidFill>
-                <a:latin typeface="Calibri" panose="020F0502020204030204" pitchFamily="34" charset="0"/>
-                <a:cs typeface="Calibri" panose="020F0502020204030204" pitchFamily="34" charset="0"/>
-              </a:rPr>
-              <a:t>([ {$</a:t>
-            </a:r>
-            <a:r>
-              <a:rPr lang="en-US" sz="2200" dirty="0">
-                <a:solidFill>
-                  <a:srgbClr val="FC6F0D"/>
-                </a:solidFill>
-                <a:latin typeface="Calibri" panose="020F0502020204030204" pitchFamily="34" charset="0"/>
-                <a:cs typeface="Calibri" panose="020F0502020204030204" pitchFamily="34" charset="0"/>
-              </a:rPr>
-              <a:t>match: {comm: </a:t>
-            </a:r>
-            <a:r>
-              <a:rPr lang="en-US" sz="2200" dirty="0" smtClean="0">
-                <a:solidFill>
-                  <a:srgbClr val="FC6F0D"/>
-                </a:solidFill>
-                <a:latin typeface="Calibri" panose="020F0502020204030204" pitchFamily="34" charset="0"/>
-                <a:cs typeface="Calibri" panose="020F0502020204030204" pitchFamily="34" charset="0"/>
-              </a:rPr>
-              <a:t>{$</a:t>
-            </a:r>
-            <a:r>
-              <a:rPr lang="en-US" sz="2200" dirty="0">
-                <a:solidFill>
-                  <a:srgbClr val="FC6F0D"/>
-                </a:solidFill>
-                <a:latin typeface="Calibri" panose="020F0502020204030204" pitchFamily="34" charset="0"/>
-                <a:cs typeface="Calibri" panose="020F0502020204030204" pitchFamily="34" charset="0"/>
-              </a:rPr>
-              <a:t>eq</a:t>
-            </a:r>
-            <a:r>
-              <a:rPr lang="en-US" sz="2200" dirty="0" smtClean="0">
-                <a:solidFill>
-                  <a:srgbClr val="FC6F0D"/>
-                </a:solidFill>
-                <a:latin typeface="Calibri" panose="020F0502020204030204" pitchFamily="34" charset="0"/>
-                <a:cs typeface="Calibri" panose="020F0502020204030204" pitchFamily="34" charset="0"/>
-              </a:rPr>
-              <a:t>: null} </a:t>
-            </a:r>
-            <a:r>
-              <a:rPr lang="en-US" sz="2200" dirty="0">
-                <a:solidFill>
-                  <a:srgbClr val="FC6F0D"/>
-                </a:solidFill>
-                <a:latin typeface="Calibri" panose="020F0502020204030204" pitchFamily="34" charset="0"/>
-                <a:cs typeface="Calibri" panose="020F0502020204030204" pitchFamily="34" charset="0"/>
-              </a:rPr>
-              <a:t>} </a:t>
-            </a:r>
-            <a:r>
-              <a:rPr lang="en-US" sz="2200" dirty="0" smtClean="0">
-                <a:solidFill>
-                  <a:srgbClr val="FC6F0D"/>
-                </a:solidFill>
-                <a:latin typeface="Calibri" panose="020F0502020204030204" pitchFamily="34" charset="0"/>
-                <a:cs typeface="Calibri" panose="020F0502020204030204" pitchFamily="34" charset="0"/>
-              </a:rPr>
-              <a:t>} ])</a:t>
-            </a:r>
-          </a:p>
-          <a:p>
-            <a:endParaRPr lang="en-US" sz="800" dirty="0">
-              <a:solidFill>
-                <a:srgbClr val="FC6F0D"/>
-              </a:solidFill>
-              <a:latin typeface="Calibri" panose="020F0502020204030204" pitchFamily="34" charset="0"/>
-              <a:cs typeface="Calibri" panose="020F0502020204030204" pitchFamily="34" charset="0"/>
-            </a:endParaRPr>
-          </a:p>
-          <a:p>
-            <a:r>
-              <a:rPr lang="en-US" sz="2200" dirty="0" smtClean="0">
-                <a:solidFill>
-                  <a:srgbClr val="FC6F0D"/>
-                </a:solidFill>
-                <a:latin typeface="Calibri" panose="020F0502020204030204" pitchFamily="34" charset="0"/>
-                <a:cs typeface="Calibri" panose="020F0502020204030204" pitchFamily="34" charset="0"/>
-              </a:rPr>
-              <a:t>db.emp.aggregate ([ {$</a:t>
-            </a:r>
-            <a:r>
-              <a:rPr lang="en-US" sz="2200" dirty="0">
-                <a:solidFill>
-                  <a:srgbClr val="FC6F0D"/>
-                </a:solidFill>
-                <a:latin typeface="Calibri" panose="020F0502020204030204" pitchFamily="34" charset="0"/>
-                <a:cs typeface="Calibri" panose="020F0502020204030204" pitchFamily="34" charset="0"/>
-              </a:rPr>
-              <a:t>match</a:t>
-            </a:r>
-            <a:r>
-              <a:rPr lang="en-US" sz="2200" dirty="0" smtClean="0">
-                <a:solidFill>
-                  <a:srgbClr val="FC6F0D"/>
-                </a:solidFill>
-                <a:latin typeface="Calibri" panose="020F0502020204030204" pitchFamily="34" charset="0"/>
-                <a:cs typeface="Calibri" panose="020F0502020204030204" pitchFamily="34" charset="0"/>
-              </a:rPr>
-              <a:t>: {</a:t>
-            </a:r>
-            <a:r>
-              <a:rPr lang="en-US" sz="2200" dirty="0">
-                <a:solidFill>
-                  <a:srgbClr val="FC6F0D"/>
-                </a:solidFill>
-                <a:latin typeface="Calibri" panose="020F0502020204030204" pitchFamily="34" charset="0"/>
-                <a:cs typeface="Calibri" panose="020F0502020204030204" pitchFamily="34" charset="0"/>
-              </a:rPr>
-              <a:t>sal</a:t>
-            </a:r>
-            <a:r>
-              <a:rPr lang="en-US" sz="2200" dirty="0" smtClean="0">
-                <a:solidFill>
-                  <a:srgbClr val="FC6F0D"/>
-                </a:solidFill>
-                <a:latin typeface="Calibri" panose="020F0502020204030204" pitchFamily="34" charset="0"/>
-                <a:cs typeface="Calibri" panose="020F0502020204030204" pitchFamily="34" charset="0"/>
-              </a:rPr>
-              <a:t>: {$</a:t>
-            </a:r>
-            <a:r>
-              <a:rPr lang="en-US" sz="2200" dirty="0">
-                <a:solidFill>
-                  <a:srgbClr val="FC6F0D"/>
-                </a:solidFill>
-                <a:latin typeface="Calibri" panose="020F0502020204030204" pitchFamily="34" charset="0"/>
-                <a:cs typeface="Calibri" panose="020F0502020204030204" pitchFamily="34" charset="0"/>
-              </a:rPr>
-              <a:t>gt</a:t>
-            </a:r>
-            <a:r>
-              <a:rPr lang="en-US" sz="2200" dirty="0" smtClean="0">
-                <a:solidFill>
-                  <a:srgbClr val="FC6F0D"/>
-                </a:solidFill>
-                <a:latin typeface="Calibri" panose="020F0502020204030204" pitchFamily="34" charset="0"/>
-                <a:cs typeface="Calibri" panose="020F0502020204030204" pitchFamily="34" charset="0"/>
-              </a:rPr>
-              <a:t>: 4000} }}, {$</a:t>
-            </a:r>
-            <a:r>
-              <a:rPr lang="en-US" sz="2200" dirty="0">
-                <a:solidFill>
-                  <a:srgbClr val="FC6F0D"/>
-                </a:solidFill>
-                <a:latin typeface="Calibri" panose="020F0502020204030204" pitchFamily="34" charset="0"/>
-                <a:cs typeface="Calibri" panose="020F0502020204030204" pitchFamily="34" charset="0"/>
-              </a:rPr>
-              <a:t>group</a:t>
-            </a:r>
-            <a:r>
-              <a:rPr lang="en-US" sz="2200" dirty="0" smtClean="0">
-                <a:solidFill>
-                  <a:srgbClr val="FC6F0D"/>
-                </a:solidFill>
-                <a:latin typeface="Calibri" panose="020F0502020204030204" pitchFamily="34" charset="0"/>
-                <a:cs typeface="Calibri" panose="020F0502020204030204" pitchFamily="34" charset="0"/>
-              </a:rPr>
-              <a:t>: {_</a:t>
-            </a:r>
-            <a:r>
-              <a:rPr lang="en-US" sz="2200" dirty="0">
-                <a:solidFill>
-                  <a:srgbClr val="FC6F0D"/>
-                </a:solidFill>
-                <a:latin typeface="Calibri" panose="020F0502020204030204" pitchFamily="34" charset="0"/>
-                <a:cs typeface="Calibri" panose="020F0502020204030204" pitchFamily="34" charset="0"/>
-              </a:rPr>
-              <a:t>id</a:t>
-            </a:r>
-            <a:r>
-              <a:rPr lang="en-US" sz="2200" dirty="0" smtClean="0">
-                <a:solidFill>
-                  <a:srgbClr val="FC6F0D"/>
-                </a:solidFill>
-                <a:latin typeface="Calibri" panose="020F0502020204030204" pitchFamily="34" charset="0"/>
-                <a:cs typeface="Calibri" panose="020F0502020204030204" pitchFamily="34" charset="0"/>
-              </a:rPr>
-              <a:t>: '$</a:t>
-            </a:r>
-            <a:r>
-              <a:rPr lang="en-US" sz="2200" dirty="0">
-                <a:solidFill>
-                  <a:srgbClr val="FC6F0D"/>
-                </a:solidFill>
-                <a:latin typeface="Calibri" panose="020F0502020204030204" pitchFamily="34" charset="0"/>
-                <a:cs typeface="Calibri" panose="020F0502020204030204" pitchFamily="34" charset="0"/>
-              </a:rPr>
-              <a:t>job', count</a:t>
-            </a:r>
-            <a:r>
-              <a:rPr lang="en-US" sz="2200" dirty="0" smtClean="0">
-                <a:solidFill>
-                  <a:srgbClr val="FC6F0D"/>
-                </a:solidFill>
-                <a:latin typeface="Calibri" panose="020F0502020204030204" pitchFamily="34" charset="0"/>
-                <a:cs typeface="Calibri" panose="020F0502020204030204" pitchFamily="34" charset="0"/>
-              </a:rPr>
-              <a:t>: {$</a:t>
-            </a:r>
-            <a:r>
-              <a:rPr lang="en-US" sz="2200" dirty="0">
-                <a:solidFill>
-                  <a:srgbClr val="FC6F0D"/>
-                </a:solidFill>
-                <a:latin typeface="Calibri" panose="020F0502020204030204" pitchFamily="34" charset="0"/>
-                <a:cs typeface="Calibri" panose="020F0502020204030204" pitchFamily="34" charset="0"/>
-              </a:rPr>
-              <a:t>sum</a:t>
-            </a:r>
-            <a:r>
-              <a:rPr lang="en-US" sz="2200" dirty="0" smtClean="0">
-                <a:solidFill>
-                  <a:srgbClr val="FC6F0D"/>
-                </a:solidFill>
-                <a:latin typeface="Calibri" panose="020F0502020204030204" pitchFamily="34" charset="0"/>
-                <a:cs typeface="Calibri" panose="020F0502020204030204" pitchFamily="34" charset="0"/>
-              </a:rPr>
-              <a:t>: '$</a:t>
-            </a:r>
-            <a:r>
-              <a:rPr lang="en-US" sz="2200" dirty="0">
-                <a:solidFill>
-                  <a:srgbClr val="FC6F0D"/>
-                </a:solidFill>
-                <a:latin typeface="Calibri" panose="020F0502020204030204" pitchFamily="34" charset="0"/>
-                <a:cs typeface="Calibri" panose="020F0502020204030204" pitchFamily="34" charset="0"/>
-              </a:rPr>
-              <a:t>sal'} </a:t>
-            </a:r>
-            <a:r>
-              <a:rPr lang="en-US" sz="2200" dirty="0" smtClean="0">
-                <a:solidFill>
-                  <a:srgbClr val="FC6F0D"/>
-                </a:solidFill>
-                <a:latin typeface="Calibri" panose="020F0502020204030204" pitchFamily="34" charset="0"/>
-                <a:cs typeface="Calibri" panose="020F0502020204030204" pitchFamily="34" charset="0"/>
-              </a:rPr>
-              <a:t>} } ])</a:t>
-            </a:r>
-            <a:endParaRPr lang="en-US" sz="2200" dirty="0">
-              <a:solidFill>
-                <a:srgbClr val="FC6F0D"/>
-              </a:solidFill>
-              <a:latin typeface="Calibri" panose="020F0502020204030204" pitchFamily="34" charset="0"/>
-              <a:cs typeface="Calibri" panose="020F0502020204030204" pitchFamily="34" charset="0"/>
-            </a:endParaRPr>
-          </a:p>
-        </p:txBody>
-      </p:sp>
-    </p:spTree>
-    <p:extLst>
-      <p:ext uri="{BB962C8B-B14F-4D97-AF65-F5344CB8AC3E}">
-        <p14:creationId xmlns:p14="http://schemas.microsoft.com/office/powerpoint/2010/main" val="3783028887"/>
-      </p:ext>
-    </p:extLst>
-  </p:cSld>
-  <p:clrMapOvr>
-    <a:masterClrMapping/>
-  </p:clrMapOvr>
-  <p:timing>
-    <p:tnLst>
-      <p:par>
-        <p:cTn id="1" dur="indefinite" restart="never" nodeType="tmRoot"/>
-      </p:par>
-    </p:tnLst>
-  </p:timing>
-</p:sld>
-</file>
-
 <file path=ppt/slides/slide84.xml><?xml version="1.0" encoding="utf-8"?>
 <p:sld xmlns:a="http://schemas.openxmlformats.org/drawingml/2006/main" xmlns:r="http://schemas.openxmlformats.org/officeDocument/2006/relationships" xmlns:p="http://schemas.openxmlformats.org/presentationml/2006/main">
   <p:cSld>
@@ -29525,72 +31100,71 @@
       </p:grpSpPr>
       <p:sp>
         <p:nvSpPr>
-          <p:cNvPr id="6" name="Rectangle 5"/>
-          <p:cNvSpPr/>
-          <p:nvPr/>
-        </p:nvSpPr>
-        <p:spPr>
-          <a:xfrm>
-            <a:off x="0" y="0"/>
-            <a:ext cx="9144000" cy="584775"/>
-          </a:xfrm>
-          <a:prstGeom prst="rect">
-            <a:avLst/>
-          </a:prstGeom>
-          <a:solidFill>
-            <a:schemeClr val="accent4">
-              <a:lumMod val="75000"/>
-            </a:schemeClr>
-          </a:solidFill>
-        </p:spPr>
-        <p:txBody>
-          <a:bodyPr wrap="square">
-            <a:spAutoFit/>
-          </a:bodyPr>
-          <a:lstStyle/>
-          <a:p>
-            <a:pPr algn="r">
+          <p:cNvPr id="2" name="Title 1"/>
+          <p:cNvSpPr txBox="1">
+            <a:spLocks/>
+          </p:cNvSpPr>
+          <p:nvPr/>
+        </p:nvSpPr>
+        <p:spPr>
+          <a:xfrm>
+            <a:off x="152400" y="2057400"/>
+            <a:ext cx="8839200" cy="838200"/>
+          </a:xfrm>
+          <a:prstGeom prst="rect">
+            <a:avLst/>
+          </a:prstGeom>
+        </p:spPr>
+        <p:txBody>
+          <a:bodyPr>
+            <a:noAutofit/>
+          </a:bodyPr>
+          <a:lstStyle>
+            <a:defPPr>
+              <a:defRPr lang="en-US"/>
+            </a:defPPr>
+            <a:lvl1pPr lvl="0" algn="ctr">
               <a:spcBef>
                 <a:spcPct val="0"/>
               </a:spcBef>
-            </a:pPr>
-            <a:r>
-              <a:rPr lang="en-IN" sz="3200" b="1" i="1" dirty="0" smtClean="0">
-                <a:solidFill>
-                  <a:srgbClr val="FFFF00"/>
-                </a:solidFill>
-                <a:latin typeface="Arial" pitchFamily="34" charset="0"/>
-                <a:cs typeface="Arial" pitchFamily="34" charset="0"/>
-              </a:rPr>
-              <a:t>$project</a:t>
-            </a:r>
-            <a:r>
-              <a:rPr lang="en-IN" sz="3200" b="1" i="1" dirty="0">
-                <a:solidFill>
-                  <a:srgbClr val="FFFF00"/>
-                </a:solidFill>
-                <a:latin typeface="Arial" pitchFamily="34" charset="0"/>
-                <a:cs typeface="Arial" pitchFamily="34" charset="0"/>
-              </a:rPr>
-              <a:t> </a:t>
-            </a:r>
-          </a:p>
-        </p:txBody>
-      </p:sp>
-      <p:sp>
-        <p:nvSpPr>
-          <p:cNvPr id="7" name="Rectangle 6"/>
+              <a:defRPr sz="4800">
+                <a:solidFill>
+                  <a:srgbClr val="7EEEE3"/>
+                </a:solidFill>
+                <a:latin typeface="Segoe UI Light" panose="020B0502040204020203" pitchFamily="34" charset="0"/>
+                <a:cs typeface="Segoe UI Light" panose="020B0502040204020203" pitchFamily="34" charset="0"/>
+              </a:defRPr>
+            </a:lvl1pPr>
+          </a:lstStyle>
+          <a:p>
+            <a:r>
+              <a:rPr lang="en-IN" dirty="0" smtClean="0"/>
+              <a:t>$match</a:t>
+            </a:r>
+            <a:endParaRPr lang="en-US" dirty="0"/>
+          </a:p>
+        </p:txBody>
+      </p:sp>
+      <p:sp>
+        <p:nvSpPr>
+          <p:cNvPr id="3" name="Rectangle 2"/>
           <p:cNvSpPr/>
           <p:nvPr/>
         </p:nvSpPr>
         <p:spPr>
           <a:xfrm>
-            <a:off x="149188" y="762000"/>
-            <a:ext cx="8845624" cy="923330"/>
-          </a:xfrm>
-          <a:prstGeom prst="rect">
-            <a:avLst/>
-          </a:prstGeom>
+            <a:off x="419100" y="2861953"/>
+            <a:ext cx="8305800" cy="369332"/>
+          </a:xfrm>
+          <a:prstGeom prst="rect">
+            <a:avLst/>
+          </a:prstGeom>
+          <a:solidFill>
+            <a:schemeClr val="accent6">
+              <a:lumMod val="20000"/>
+              <a:lumOff val="80000"/>
+            </a:schemeClr>
+          </a:solidFill>
         </p:spPr>
         <p:txBody>
           <a:bodyPr wrap="square">
@@ -29599,118 +31173,36 @@
           <a:lstStyle/>
           <a:p>
             <a:r>
-              <a:rPr lang="en-US" dirty="0"/>
-              <a:t>Passes along the documents with the requested fields to the next stage in the pipeline. The specified fields can be existing fields from the input documents or newly computed fields.</a:t>
-            </a:r>
-            <a:endParaRPr lang="en-IN" dirty="0"/>
-          </a:p>
-        </p:txBody>
-      </p:sp>
-      <p:sp>
-        <p:nvSpPr>
-          <p:cNvPr id="4" name="Rectangle 3"/>
-          <p:cNvSpPr/>
-          <p:nvPr/>
-        </p:nvSpPr>
-        <p:spPr>
-          <a:xfrm>
-            <a:off x="149188" y="1812429"/>
-            <a:ext cx="8761264" cy="369332"/>
-          </a:xfrm>
-          <a:prstGeom prst="rect">
-            <a:avLst/>
-          </a:prstGeom>
-        </p:spPr>
-        <p:txBody>
-          <a:bodyPr wrap="square">
-            <a:spAutoFit/>
-          </a:bodyPr>
-          <a:lstStyle/>
-          <a:p>
-            <a:r>
-              <a:rPr lang="en-US">
-                <a:solidFill>
-                  <a:srgbClr val="049DC8"/>
-                </a:solidFill>
-                <a:latin typeface="Consolas" panose="020B0609020204030204" pitchFamily="49" charset="0"/>
-                <a:cs typeface="Calibri" panose="020F0502020204030204" pitchFamily="34" charset="0"/>
-              </a:rPr>
-              <a:t>{ $project: { &lt;specification(s)&gt; } }</a:t>
-            </a:r>
-            <a:endParaRPr lang="en-US" dirty="0">
-              <a:solidFill>
-                <a:srgbClr val="049DC8"/>
-              </a:solidFill>
-              <a:latin typeface="Consolas" panose="020B0609020204030204" pitchFamily="49" charset="0"/>
-              <a:cs typeface="Calibri" panose="020F0502020204030204" pitchFamily="34" charset="0"/>
-            </a:endParaRPr>
-          </a:p>
-        </p:txBody>
-      </p:sp>
-      <p:sp>
-        <p:nvSpPr>
-          <p:cNvPr id="5" name="Rectangle 4"/>
-          <p:cNvSpPr/>
-          <p:nvPr/>
-        </p:nvSpPr>
-        <p:spPr>
-          <a:xfrm>
-            <a:off x="149188" y="2422029"/>
-            <a:ext cx="8761264" cy="430887"/>
-          </a:xfrm>
-          <a:prstGeom prst="rect">
-            <a:avLst/>
-          </a:prstGeom>
-        </p:spPr>
-        <p:txBody>
-          <a:bodyPr wrap="square">
-            <a:spAutoFit/>
-          </a:bodyPr>
-          <a:lstStyle/>
-          <a:p>
-            <a:r>
-              <a:rPr lang="en-US" sz="2200" dirty="0" smtClean="0">
-                <a:solidFill>
-                  <a:srgbClr val="FC6F0D"/>
-                </a:solidFill>
-                <a:latin typeface="Calibri" panose="020F0502020204030204" pitchFamily="34" charset="0"/>
-                <a:cs typeface="Calibri" panose="020F0502020204030204" pitchFamily="34" charset="0"/>
-              </a:rPr>
-              <a:t>db.emp.aggregate ([ {$</a:t>
-            </a:r>
-            <a:r>
-              <a:rPr lang="en-US" sz="2200" dirty="0">
-                <a:solidFill>
-                  <a:srgbClr val="FC6F0D"/>
-                </a:solidFill>
-                <a:latin typeface="Calibri" panose="020F0502020204030204" pitchFamily="34" charset="0"/>
-                <a:cs typeface="Calibri" panose="020F0502020204030204" pitchFamily="34" charset="0"/>
-              </a:rPr>
-              <a:t>project: { ename:true </a:t>
-            </a:r>
-            <a:r>
-              <a:rPr lang="en-US" sz="2200" dirty="0" smtClean="0">
-                <a:solidFill>
-                  <a:srgbClr val="FC6F0D"/>
-                </a:solidFill>
-                <a:latin typeface="Calibri" panose="020F0502020204030204" pitchFamily="34" charset="0"/>
-                <a:cs typeface="Calibri" panose="020F0502020204030204" pitchFamily="34" charset="0"/>
-              </a:rPr>
-              <a:t>} } ])</a:t>
-            </a:r>
+              <a:rPr lang="en-US" dirty="0" smtClean="0">
+                <a:solidFill>
+                  <a:srgbClr val="222222"/>
+                </a:solidFill>
+                <a:latin typeface="arial" panose="020B0604020202020204" pitchFamily="34" charset="0"/>
+              </a:rPr>
+              <a:t>TODO</a:t>
+            </a:r>
+            <a:endParaRPr lang="en-US" dirty="0"/>
           </a:p>
         </p:txBody>
       </p:sp>
     </p:spTree>
     <p:extLst>
       <p:ext uri="{BB962C8B-B14F-4D97-AF65-F5344CB8AC3E}">
-        <p14:creationId xmlns:p14="http://schemas.microsoft.com/office/powerpoint/2010/main" val="514370092"/>
+        <p14:creationId xmlns:p14="http://schemas.microsoft.com/office/powerpoint/2010/main" val="1364223551"/>
       </p:ext>
     </p:extLst>
   </p:cSld>
   <p:clrMapOvr>
     <a:masterClrMapping/>
   </p:clrMapOvr>
+  <mc:AlternateContent xmlns:mc="http://schemas.openxmlformats.org/markup-compatibility/2006">
+    <mc:Choice xmlns:p14="http://schemas.microsoft.com/office/powerpoint/2010/main" Requires="p14">
+      <p:transition spd="slow" p14:dur="2000"/>
+    </mc:Choice>
+    <mc:Fallback>
+      <p:transition spd="slow"/>
+    </mc:Fallback>
+  </mc:AlternateContent>
   <p:timing>
     <p:tnLst>
       <p:par>
@@ -29777,7 +31269,7 @@
                 <a:latin typeface="Arial" pitchFamily="34" charset="0"/>
                 <a:cs typeface="Arial" pitchFamily="34" charset="0"/>
               </a:rPr>
-              <a:t>$</a:t>
+              <a:t>$match</a:t>
             </a:r>
             <a:r>
               <a:rPr lang="en-IN" sz="3200" b="1" i="1" dirty="0">
@@ -29787,7 +31279,7 @@
                 <a:latin typeface="Arial" pitchFamily="34" charset="0"/>
                 <a:cs typeface="Arial" pitchFamily="34" charset="0"/>
               </a:rPr>
-              <a:t>skip</a:t>
+              <a:t> </a:t>
             </a:r>
           </a:p>
         </p:txBody>
@@ -29801,7 +31293,7 @@
         <p:spPr>
           <a:xfrm>
             <a:off x="149188" y="762000"/>
-            <a:ext cx="8845624" cy="369332"/>
+            <a:ext cx="8845624" cy="646331"/>
           </a:xfrm>
           <a:prstGeom prst="rect">
             <a:avLst/>
@@ -29814,8 +31306,8 @@
           <a:lstStyle/>
           <a:p>
             <a:r>
-              <a:rPr lang="en-US" dirty="0" smtClean="0"/>
-              <a:t>TODO</a:t>
+              <a:rPr lang="en-US" dirty="0"/>
+              <a:t>Filters the documents to pass only the documents that match the specified condition(s) to the next pipeline stage.</a:t>
             </a:r>
             <a:endParaRPr lang="en-IN" dirty="0"/>
           </a:p>
@@ -29850,15 +31342,358 @@
                 <a:latin typeface="Consolas" panose="020B0609020204030204" pitchFamily="49" charset="0"/>
                 <a:cs typeface="Calibri" panose="020F0502020204030204" pitchFamily="34" charset="0"/>
               </a:rPr>
-              <a:t>{ $skip: &lt;positive integer&gt; }</a:t>
-            </a:r>
+              <a:t>{ $match: { &lt;query&gt; } }</a:t>
+            </a:r>
+          </a:p>
+        </p:txBody>
+      </p:sp>
+      <p:sp>
+        <p:nvSpPr>
+          <p:cNvPr id="5" name="Rectangle 4"/>
+          <p:cNvSpPr/>
+          <p:nvPr/>
+        </p:nvSpPr>
+        <p:spPr>
+          <a:xfrm>
+            <a:off x="149188" y="2133600"/>
+            <a:ext cx="8761264" cy="1692771"/>
+          </a:xfrm>
+          <a:prstGeom prst="rect">
+            <a:avLst/>
+          </a:prstGeom>
+        </p:spPr>
+        <p:txBody>
+          <a:bodyPr wrap="square">
+            <a:spAutoFit/>
+          </a:bodyPr>
+          <a:lstStyle/>
+          <a:p>
+            <a:r>
+              <a:rPr lang="en-US" sz="2200" dirty="0">
+                <a:solidFill>
+                  <a:srgbClr val="FC6F0D"/>
+                </a:solidFill>
+                <a:latin typeface="Calibri" panose="020F0502020204030204" pitchFamily="34" charset="0"/>
+                <a:cs typeface="Calibri" panose="020F0502020204030204" pitchFamily="34" charset="0"/>
+              </a:rPr>
+              <a:t>db.emp.aggregate </a:t>
+            </a:r>
+            <a:r>
+              <a:rPr lang="en-US" sz="2200" dirty="0" smtClean="0">
+                <a:solidFill>
+                  <a:srgbClr val="FC6F0D"/>
+                </a:solidFill>
+                <a:latin typeface="Calibri" panose="020F0502020204030204" pitchFamily="34" charset="0"/>
+                <a:cs typeface="Calibri" panose="020F0502020204030204" pitchFamily="34" charset="0"/>
+              </a:rPr>
+              <a:t>([ {$</a:t>
+            </a:r>
+            <a:r>
+              <a:rPr lang="en-US" sz="2200" dirty="0">
+                <a:solidFill>
+                  <a:srgbClr val="FC6F0D"/>
+                </a:solidFill>
+                <a:latin typeface="Calibri" panose="020F0502020204030204" pitchFamily="34" charset="0"/>
+                <a:cs typeface="Calibri" panose="020F0502020204030204" pitchFamily="34" charset="0"/>
+              </a:rPr>
+              <a:t>match: { job:'manager</a:t>
+            </a:r>
+            <a:r>
+              <a:rPr lang="en-US" sz="2200" dirty="0" smtClean="0">
+                <a:solidFill>
+                  <a:srgbClr val="FC6F0D"/>
+                </a:solidFill>
+                <a:latin typeface="Calibri" panose="020F0502020204030204" pitchFamily="34" charset="0"/>
+                <a:cs typeface="Calibri" panose="020F0502020204030204" pitchFamily="34" charset="0"/>
+              </a:rPr>
+              <a:t>'} } ])</a:t>
+            </a:r>
+          </a:p>
+          <a:p>
+            <a:endParaRPr lang="en-US" sz="800" dirty="0" smtClean="0">
+              <a:solidFill>
+                <a:srgbClr val="FC6F0D"/>
+              </a:solidFill>
+              <a:latin typeface="Calibri" panose="020F0502020204030204" pitchFamily="34" charset="0"/>
+              <a:cs typeface="Calibri" panose="020F0502020204030204" pitchFamily="34" charset="0"/>
+            </a:endParaRPr>
+          </a:p>
+          <a:p>
+            <a:r>
+              <a:rPr lang="en-US" sz="2200" dirty="0">
+                <a:solidFill>
+                  <a:srgbClr val="FC6F0D"/>
+                </a:solidFill>
+                <a:latin typeface="Calibri" panose="020F0502020204030204" pitchFamily="34" charset="0"/>
+                <a:cs typeface="Calibri" panose="020F0502020204030204" pitchFamily="34" charset="0"/>
+              </a:rPr>
+              <a:t>db.emp.aggregate </a:t>
+            </a:r>
+            <a:r>
+              <a:rPr lang="en-US" sz="2200" dirty="0" smtClean="0">
+                <a:solidFill>
+                  <a:srgbClr val="FC6F0D"/>
+                </a:solidFill>
+                <a:latin typeface="Calibri" panose="020F0502020204030204" pitchFamily="34" charset="0"/>
+                <a:cs typeface="Calibri" panose="020F0502020204030204" pitchFamily="34" charset="0"/>
+              </a:rPr>
+              <a:t>([ {$</a:t>
+            </a:r>
+            <a:r>
+              <a:rPr lang="en-US" sz="2200" dirty="0">
+                <a:solidFill>
+                  <a:srgbClr val="FC6F0D"/>
+                </a:solidFill>
+                <a:latin typeface="Calibri" panose="020F0502020204030204" pitchFamily="34" charset="0"/>
+                <a:cs typeface="Calibri" panose="020F0502020204030204" pitchFamily="34" charset="0"/>
+              </a:rPr>
+              <a:t>match: {comm: </a:t>
+            </a:r>
+            <a:r>
+              <a:rPr lang="en-US" sz="2200" dirty="0" smtClean="0">
+                <a:solidFill>
+                  <a:srgbClr val="FC6F0D"/>
+                </a:solidFill>
+                <a:latin typeface="Calibri" panose="020F0502020204030204" pitchFamily="34" charset="0"/>
+                <a:cs typeface="Calibri" panose="020F0502020204030204" pitchFamily="34" charset="0"/>
+              </a:rPr>
+              <a:t>{$</a:t>
+            </a:r>
+            <a:r>
+              <a:rPr lang="en-US" sz="2200" dirty="0">
+                <a:solidFill>
+                  <a:srgbClr val="FC6F0D"/>
+                </a:solidFill>
+                <a:latin typeface="Calibri" panose="020F0502020204030204" pitchFamily="34" charset="0"/>
+                <a:cs typeface="Calibri" panose="020F0502020204030204" pitchFamily="34" charset="0"/>
+              </a:rPr>
+              <a:t>eq</a:t>
+            </a:r>
+            <a:r>
+              <a:rPr lang="en-US" sz="2200" dirty="0" smtClean="0">
+                <a:solidFill>
+                  <a:srgbClr val="FC6F0D"/>
+                </a:solidFill>
+                <a:latin typeface="Calibri" panose="020F0502020204030204" pitchFamily="34" charset="0"/>
+                <a:cs typeface="Calibri" panose="020F0502020204030204" pitchFamily="34" charset="0"/>
+              </a:rPr>
+              <a:t>: null} </a:t>
+            </a:r>
+            <a:r>
+              <a:rPr lang="en-US" sz="2200" dirty="0">
+                <a:solidFill>
+                  <a:srgbClr val="FC6F0D"/>
+                </a:solidFill>
+                <a:latin typeface="Calibri" panose="020F0502020204030204" pitchFamily="34" charset="0"/>
+                <a:cs typeface="Calibri" panose="020F0502020204030204" pitchFamily="34" charset="0"/>
+              </a:rPr>
+              <a:t>} </a:t>
+            </a:r>
+            <a:r>
+              <a:rPr lang="en-US" sz="2200" dirty="0" smtClean="0">
+                <a:solidFill>
+                  <a:srgbClr val="FC6F0D"/>
+                </a:solidFill>
+                <a:latin typeface="Calibri" panose="020F0502020204030204" pitchFamily="34" charset="0"/>
+                <a:cs typeface="Calibri" panose="020F0502020204030204" pitchFamily="34" charset="0"/>
+              </a:rPr>
+              <a:t>} ])</a:t>
+            </a:r>
+          </a:p>
+          <a:p>
+            <a:endParaRPr lang="en-US" sz="800" dirty="0">
+              <a:solidFill>
+                <a:srgbClr val="FC6F0D"/>
+              </a:solidFill>
+              <a:latin typeface="Calibri" panose="020F0502020204030204" pitchFamily="34" charset="0"/>
+              <a:cs typeface="Calibri" panose="020F0502020204030204" pitchFamily="34" charset="0"/>
+            </a:endParaRPr>
+          </a:p>
+          <a:p>
+            <a:r>
+              <a:rPr lang="en-US" sz="2200" dirty="0" smtClean="0">
+                <a:solidFill>
+                  <a:srgbClr val="FC6F0D"/>
+                </a:solidFill>
+                <a:latin typeface="Calibri" panose="020F0502020204030204" pitchFamily="34" charset="0"/>
+                <a:cs typeface="Calibri" panose="020F0502020204030204" pitchFamily="34" charset="0"/>
+              </a:rPr>
+              <a:t>db.emp.aggregate ([ {$</a:t>
+            </a:r>
+            <a:r>
+              <a:rPr lang="en-US" sz="2200" dirty="0">
+                <a:solidFill>
+                  <a:srgbClr val="FC6F0D"/>
+                </a:solidFill>
+                <a:latin typeface="Calibri" panose="020F0502020204030204" pitchFamily="34" charset="0"/>
+                <a:cs typeface="Calibri" panose="020F0502020204030204" pitchFamily="34" charset="0"/>
+              </a:rPr>
+              <a:t>match</a:t>
+            </a:r>
+            <a:r>
+              <a:rPr lang="en-US" sz="2200" dirty="0" smtClean="0">
+                <a:solidFill>
+                  <a:srgbClr val="FC6F0D"/>
+                </a:solidFill>
+                <a:latin typeface="Calibri" panose="020F0502020204030204" pitchFamily="34" charset="0"/>
+                <a:cs typeface="Calibri" panose="020F0502020204030204" pitchFamily="34" charset="0"/>
+              </a:rPr>
+              <a:t>: {</a:t>
+            </a:r>
+            <a:r>
+              <a:rPr lang="en-US" sz="2200" dirty="0">
+                <a:solidFill>
+                  <a:srgbClr val="FC6F0D"/>
+                </a:solidFill>
+                <a:latin typeface="Calibri" panose="020F0502020204030204" pitchFamily="34" charset="0"/>
+                <a:cs typeface="Calibri" panose="020F0502020204030204" pitchFamily="34" charset="0"/>
+              </a:rPr>
+              <a:t>sal</a:t>
+            </a:r>
+            <a:r>
+              <a:rPr lang="en-US" sz="2200" dirty="0" smtClean="0">
+                <a:solidFill>
+                  <a:srgbClr val="FC6F0D"/>
+                </a:solidFill>
+                <a:latin typeface="Calibri" panose="020F0502020204030204" pitchFamily="34" charset="0"/>
+                <a:cs typeface="Calibri" panose="020F0502020204030204" pitchFamily="34" charset="0"/>
+              </a:rPr>
+              <a:t>: {$</a:t>
+            </a:r>
+            <a:r>
+              <a:rPr lang="en-US" sz="2200" dirty="0">
+                <a:solidFill>
+                  <a:srgbClr val="FC6F0D"/>
+                </a:solidFill>
+                <a:latin typeface="Calibri" panose="020F0502020204030204" pitchFamily="34" charset="0"/>
+                <a:cs typeface="Calibri" panose="020F0502020204030204" pitchFamily="34" charset="0"/>
+              </a:rPr>
+              <a:t>gt</a:t>
+            </a:r>
+            <a:r>
+              <a:rPr lang="en-US" sz="2200" dirty="0" smtClean="0">
+                <a:solidFill>
+                  <a:srgbClr val="FC6F0D"/>
+                </a:solidFill>
+                <a:latin typeface="Calibri" panose="020F0502020204030204" pitchFamily="34" charset="0"/>
+                <a:cs typeface="Calibri" panose="020F0502020204030204" pitchFamily="34" charset="0"/>
+              </a:rPr>
+              <a:t>: 4000} }}, {$</a:t>
+            </a:r>
+            <a:r>
+              <a:rPr lang="en-US" sz="2200" dirty="0">
+                <a:solidFill>
+                  <a:srgbClr val="FC6F0D"/>
+                </a:solidFill>
+                <a:latin typeface="Calibri" panose="020F0502020204030204" pitchFamily="34" charset="0"/>
+                <a:cs typeface="Calibri" panose="020F0502020204030204" pitchFamily="34" charset="0"/>
+              </a:rPr>
+              <a:t>group</a:t>
+            </a:r>
+            <a:r>
+              <a:rPr lang="en-US" sz="2200" dirty="0" smtClean="0">
+                <a:solidFill>
+                  <a:srgbClr val="FC6F0D"/>
+                </a:solidFill>
+                <a:latin typeface="Calibri" panose="020F0502020204030204" pitchFamily="34" charset="0"/>
+                <a:cs typeface="Calibri" panose="020F0502020204030204" pitchFamily="34" charset="0"/>
+              </a:rPr>
+              <a:t>: {_</a:t>
+            </a:r>
+            <a:r>
+              <a:rPr lang="en-US" sz="2200" dirty="0">
+                <a:solidFill>
+                  <a:srgbClr val="FC6F0D"/>
+                </a:solidFill>
+                <a:latin typeface="Calibri" panose="020F0502020204030204" pitchFamily="34" charset="0"/>
+                <a:cs typeface="Calibri" panose="020F0502020204030204" pitchFamily="34" charset="0"/>
+              </a:rPr>
+              <a:t>id</a:t>
+            </a:r>
+            <a:r>
+              <a:rPr lang="en-US" sz="2200" dirty="0" smtClean="0">
+                <a:solidFill>
+                  <a:srgbClr val="FC6F0D"/>
+                </a:solidFill>
+                <a:latin typeface="Calibri" panose="020F0502020204030204" pitchFamily="34" charset="0"/>
+                <a:cs typeface="Calibri" panose="020F0502020204030204" pitchFamily="34" charset="0"/>
+              </a:rPr>
+              <a:t>: '$</a:t>
+            </a:r>
+            <a:r>
+              <a:rPr lang="en-US" sz="2200" dirty="0">
+                <a:solidFill>
+                  <a:srgbClr val="FC6F0D"/>
+                </a:solidFill>
+                <a:latin typeface="Calibri" panose="020F0502020204030204" pitchFamily="34" charset="0"/>
+                <a:cs typeface="Calibri" panose="020F0502020204030204" pitchFamily="34" charset="0"/>
+              </a:rPr>
+              <a:t>job', count</a:t>
+            </a:r>
+            <a:r>
+              <a:rPr lang="en-US" sz="2200" dirty="0" smtClean="0">
+                <a:solidFill>
+                  <a:srgbClr val="FC6F0D"/>
+                </a:solidFill>
+                <a:latin typeface="Calibri" panose="020F0502020204030204" pitchFamily="34" charset="0"/>
+                <a:cs typeface="Calibri" panose="020F0502020204030204" pitchFamily="34" charset="0"/>
+              </a:rPr>
+              <a:t>: {$</a:t>
+            </a:r>
+            <a:r>
+              <a:rPr lang="en-US" sz="2200" dirty="0">
+                <a:solidFill>
+                  <a:srgbClr val="FC6F0D"/>
+                </a:solidFill>
+                <a:latin typeface="Calibri" panose="020F0502020204030204" pitchFamily="34" charset="0"/>
+                <a:cs typeface="Calibri" panose="020F0502020204030204" pitchFamily="34" charset="0"/>
+              </a:rPr>
+              <a:t>sum</a:t>
+            </a:r>
+            <a:r>
+              <a:rPr lang="en-US" sz="2200" dirty="0" smtClean="0">
+                <a:solidFill>
+                  <a:srgbClr val="FC6F0D"/>
+                </a:solidFill>
+                <a:latin typeface="Calibri" panose="020F0502020204030204" pitchFamily="34" charset="0"/>
+                <a:cs typeface="Calibri" panose="020F0502020204030204" pitchFamily="34" charset="0"/>
+              </a:rPr>
+              <a:t>: '$</a:t>
+            </a:r>
+            <a:r>
+              <a:rPr lang="en-US" sz="2200" dirty="0">
+                <a:solidFill>
+                  <a:srgbClr val="FC6F0D"/>
+                </a:solidFill>
+                <a:latin typeface="Calibri" panose="020F0502020204030204" pitchFamily="34" charset="0"/>
+                <a:cs typeface="Calibri" panose="020F0502020204030204" pitchFamily="34" charset="0"/>
+              </a:rPr>
+              <a:t>sal'} </a:t>
+            </a:r>
+            <a:r>
+              <a:rPr lang="en-US" sz="2200" dirty="0" smtClean="0">
+                <a:solidFill>
+                  <a:srgbClr val="FC6F0D"/>
+                </a:solidFill>
+                <a:latin typeface="Calibri" panose="020F0502020204030204" pitchFamily="34" charset="0"/>
+                <a:cs typeface="Calibri" panose="020F0502020204030204" pitchFamily="34" charset="0"/>
+              </a:rPr>
+              <a:t>} } ])</a:t>
+            </a:r>
+            <a:endParaRPr lang="en-US" sz="2200" dirty="0">
+              <a:solidFill>
+                <a:srgbClr val="FC6F0D"/>
+              </a:solidFill>
+              <a:latin typeface="Calibri" panose="020F0502020204030204" pitchFamily="34" charset="0"/>
+              <a:cs typeface="Calibri" panose="020F0502020204030204" pitchFamily="34" charset="0"/>
+            </a:endParaRPr>
           </a:p>
         </p:txBody>
       </p:sp>
     </p:spTree>
     <p:extLst>
       <p:ext uri="{BB962C8B-B14F-4D97-AF65-F5344CB8AC3E}">
-        <p14:creationId xmlns:p14="http://schemas.microsoft.com/office/powerpoint/2010/main" val="1459319695"/>
+        <p14:creationId xmlns:p14="http://schemas.microsoft.com/office/powerpoint/2010/main" val="3783028887"/>
       </p:ext>
     </p:extLst>
   </p:cSld>
@@ -29894,69 +31729,71 @@
       </p:grpSpPr>
       <p:sp>
         <p:nvSpPr>
-          <p:cNvPr id="6" name="Rectangle 5"/>
-          <p:cNvSpPr/>
-          <p:nvPr/>
-        </p:nvSpPr>
-        <p:spPr>
-          <a:xfrm>
-            <a:off x="0" y="0"/>
-            <a:ext cx="9144000" cy="584775"/>
-          </a:xfrm>
-          <a:prstGeom prst="rect">
-            <a:avLst/>
-          </a:prstGeom>
-          <a:solidFill>
-            <a:schemeClr val="accent4">
-              <a:lumMod val="75000"/>
-            </a:schemeClr>
-          </a:solidFill>
-        </p:spPr>
-        <p:txBody>
-          <a:bodyPr wrap="square">
-            <a:spAutoFit/>
-          </a:bodyPr>
-          <a:lstStyle/>
-          <a:p>
-            <a:pPr algn="r">
+          <p:cNvPr id="2" name="Title 1"/>
+          <p:cNvSpPr txBox="1">
+            <a:spLocks/>
+          </p:cNvSpPr>
+          <p:nvPr/>
+        </p:nvSpPr>
+        <p:spPr>
+          <a:xfrm>
+            <a:off x="152400" y="2057400"/>
+            <a:ext cx="8839200" cy="838200"/>
+          </a:xfrm>
+          <a:prstGeom prst="rect">
+            <a:avLst/>
+          </a:prstGeom>
+        </p:spPr>
+        <p:txBody>
+          <a:bodyPr>
+            <a:noAutofit/>
+          </a:bodyPr>
+          <a:lstStyle>
+            <a:defPPr>
+              <a:defRPr lang="en-US"/>
+            </a:defPPr>
+            <a:lvl1pPr lvl="0" algn="ctr">
               <a:spcBef>
                 <a:spcPct val="0"/>
               </a:spcBef>
-            </a:pPr>
-            <a:r>
-              <a:rPr lang="en-IN" sz="3200" b="1" i="1" dirty="0" smtClean="0">
-                <a:solidFill>
-                  <a:srgbClr val="FFFF00"/>
-                </a:solidFill>
-                <a:latin typeface="Arial" pitchFamily="34" charset="0"/>
-                <a:cs typeface="Arial" pitchFamily="34" charset="0"/>
-              </a:rPr>
-              <a:t>$limit</a:t>
-            </a:r>
-            <a:endParaRPr lang="en-IN" sz="3200" b="1" i="1" dirty="0">
-              <a:solidFill>
-                <a:srgbClr val="FFFF00"/>
-              </a:solidFill>
-              <a:latin typeface="Arial" pitchFamily="34" charset="0"/>
-              <a:cs typeface="Arial" pitchFamily="34" charset="0"/>
-            </a:endParaRPr>
-          </a:p>
-        </p:txBody>
-      </p:sp>
-      <p:sp>
-        <p:nvSpPr>
-          <p:cNvPr id="7" name="Rectangle 6"/>
+              <a:defRPr sz="4800">
+                <a:solidFill>
+                  <a:srgbClr val="7EEEE3"/>
+                </a:solidFill>
+                <a:latin typeface="Segoe UI Light" panose="020B0502040204020203" pitchFamily="34" charset="0"/>
+                <a:cs typeface="Segoe UI Light" panose="020B0502040204020203" pitchFamily="34" charset="0"/>
+              </a:defRPr>
+            </a:lvl1pPr>
+          </a:lstStyle>
+          <a:p>
+            <a:r>
+              <a:rPr lang="en-IN" dirty="0" smtClean="0"/>
+              <a:t>$project</a:t>
+            </a:r>
+            <a:endParaRPr lang="en-US" dirty="0"/>
+          </a:p>
+        </p:txBody>
+      </p:sp>
+      <p:sp>
+        <p:nvSpPr>
+          <p:cNvPr id="3" name="Rectangle 2"/>
           <p:cNvSpPr/>
           <p:nvPr/>
         </p:nvSpPr>
         <p:spPr>
           <a:xfrm>
-            <a:off x="149188" y="762000"/>
-            <a:ext cx="8845624" cy="369332"/>
-          </a:xfrm>
-          <a:prstGeom prst="rect">
-            <a:avLst/>
-          </a:prstGeom>
+            <a:off x="419100" y="2861953"/>
+            <a:ext cx="8305800" cy="369332"/>
+          </a:xfrm>
+          <a:prstGeom prst="rect">
+            <a:avLst/>
+          </a:prstGeom>
+          <a:solidFill>
+            <a:schemeClr val="accent6">
+              <a:lumMod val="20000"/>
+              <a:lumOff val="80000"/>
+            </a:schemeClr>
+          </a:solidFill>
         </p:spPr>
         <p:txBody>
           <a:bodyPr wrap="square">
@@ -29965,57 +31802,36 @@
           <a:lstStyle/>
           <a:p>
             <a:r>
-              <a:rPr lang="en-US" dirty="0" smtClean="0"/>
+              <a:rPr lang="en-US" dirty="0" smtClean="0">
+                <a:solidFill>
+                  <a:srgbClr val="222222"/>
+                </a:solidFill>
+                <a:latin typeface="arial" panose="020B0604020202020204" pitchFamily="34" charset="0"/>
+              </a:rPr>
               <a:t>TODO</a:t>
             </a:r>
-            <a:endParaRPr lang="en-IN" dirty="0"/>
-          </a:p>
-        </p:txBody>
-      </p:sp>
-      <p:sp>
-        <p:nvSpPr>
-          <p:cNvPr id="4" name="Rectangle 3"/>
-          <p:cNvSpPr/>
-          <p:nvPr/>
-        </p:nvSpPr>
-        <p:spPr>
-          <a:xfrm>
-            <a:off x="149188" y="1524000"/>
-            <a:ext cx="8761264" cy="369332"/>
-          </a:xfrm>
-          <a:prstGeom prst="rect">
-            <a:avLst/>
-          </a:prstGeom>
-        </p:spPr>
-        <p:txBody>
-          <a:bodyPr wrap="square">
-            <a:spAutoFit/>
-          </a:bodyPr>
-          <a:lstStyle/>
-          <a:p>
-            <a:r>
-              <a:rPr lang="en-US" dirty="0">
-                <a:solidFill>
-                  <a:srgbClr val="049DC8"/>
-                </a:solidFill>
-                <a:latin typeface="Consolas" panose="020B0609020204030204" pitchFamily="49" charset="0"/>
-                <a:cs typeface="Calibri" panose="020F0502020204030204" pitchFamily="34" charset="0"/>
-              </a:rPr>
-              <a:t>{ $limit: &lt;positive integer&gt; }</a:t>
-            </a:r>
+            <a:endParaRPr lang="en-US" dirty="0"/>
           </a:p>
         </p:txBody>
       </p:sp>
     </p:spTree>
     <p:extLst>
       <p:ext uri="{BB962C8B-B14F-4D97-AF65-F5344CB8AC3E}">
-        <p14:creationId xmlns:p14="http://schemas.microsoft.com/office/powerpoint/2010/main" val="3560609883"/>
+        <p14:creationId xmlns:p14="http://schemas.microsoft.com/office/powerpoint/2010/main" val="697438091"/>
       </p:ext>
     </p:extLst>
   </p:cSld>
   <p:clrMapOvr>
     <a:masterClrMapping/>
   </p:clrMapOvr>
+  <mc:AlternateContent xmlns:mc="http://schemas.openxmlformats.org/markup-compatibility/2006">
+    <mc:Choice xmlns:p14="http://schemas.microsoft.com/office/powerpoint/2010/main" Requires="p14">
+      <p:transition spd="slow" p14:dur="2000"/>
+    </mc:Choice>
+    <mc:Fallback>
+      <p:transition spd="slow"/>
+    </mc:Fallback>
+  </mc:AlternateContent>
   <p:timing>
     <p:tnLst>
       <p:par>
@@ -30082,15 +31898,18 @@
                 <a:latin typeface="Arial" pitchFamily="34" charset="0"/>
                 <a:cs typeface="Arial" pitchFamily="34" charset="0"/>
               </a:rPr>
-              <a:t>$sort</a:t>
-            </a:r>
-            <a:endParaRPr lang="en-IN" sz="3200" b="1" i="1" dirty="0">
-              <a:solidFill>
-                <a:srgbClr val="FFFF00"/>
-              </a:solidFill>
-              <a:latin typeface="Arial" pitchFamily="34" charset="0"/>
-              <a:cs typeface="Arial" pitchFamily="34" charset="0"/>
-            </a:endParaRPr>
+              <a:t>$project</a:t>
+            </a:r>
+            <a:r>
+              <a:rPr lang="en-IN" sz="3200" b="1" i="1" dirty="0">
+                <a:solidFill>
+                  <a:srgbClr val="FFFF00"/>
+                </a:solidFill>
+                <a:latin typeface="Arial" pitchFamily="34" charset="0"/>
+                <a:cs typeface="Arial" pitchFamily="34" charset="0"/>
+              </a:rPr>
+              <a:t> </a:t>
+            </a:r>
           </a:p>
         </p:txBody>
       </p:sp>
@@ -30103,7 +31922,7 @@
         <p:spPr>
           <a:xfrm>
             <a:off x="149188" y="762000"/>
-            <a:ext cx="8845624" cy="369332"/>
+            <a:ext cx="8845624" cy="923330"/>
           </a:xfrm>
           <a:prstGeom prst="rect">
             <a:avLst/>
@@ -30116,8 +31935,8 @@
           <a:lstStyle/>
           <a:p>
             <a:r>
-              <a:rPr lang="en-US" dirty="0" smtClean="0"/>
-              <a:t>TODO</a:t>
+              <a:rPr lang="en-US" dirty="0"/>
+              <a:t>Passes along the documents with the requested fields to the next stage in the pipeline. The specified fields can be existing fields from the input documents or newly computed fields.</a:t>
             </a:r>
             <a:endParaRPr lang="en-IN" dirty="0"/>
           </a:p>
@@ -30131,7 +31950,7 @@
         </p:nvSpPr>
         <p:spPr>
           <a:xfrm>
-            <a:off x="149188" y="1524000"/>
+            <a:off x="149188" y="1812429"/>
             <a:ext cx="8761264" cy="369332"/>
           </a:xfrm>
           <a:prstGeom prst="rect">
@@ -30145,22 +31964,132 @@
           <a:lstStyle/>
           <a:p>
             <a:r>
-              <a:rPr lang="en-US" dirty="0">
+              <a:rPr lang="en-US">
                 <a:solidFill>
                   <a:srgbClr val="049DC8"/>
                 </a:solidFill>
                 <a:latin typeface="Consolas" panose="020B0609020204030204" pitchFamily="49" charset="0"/>
                 <a:cs typeface="Calibri" panose="020F0502020204030204" pitchFamily="34" charset="0"/>
               </a:rPr>
-              <a:t>{ $sort: { &lt;field1&gt;: &lt;sort order&gt;, &lt;field2&gt;: &lt;sort order&gt; ... } }</a:t>
-            </a:r>
+              <a:t>{ $project: { &lt;specification(s)&gt; } }</a:t>
+            </a:r>
+            <a:endParaRPr lang="en-US" dirty="0">
+              <a:solidFill>
+                <a:srgbClr val="049DC8"/>
+              </a:solidFill>
+              <a:latin typeface="Consolas" panose="020B0609020204030204" pitchFamily="49" charset="0"/>
+              <a:cs typeface="Calibri" panose="020F0502020204030204" pitchFamily="34" charset="0"/>
+            </a:endParaRPr>
+          </a:p>
+        </p:txBody>
+      </p:sp>
+      <p:sp>
+        <p:nvSpPr>
+          <p:cNvPr id="5" name="Rectangle 4"/>
+          <p:cNvSpPr/>
+          <p:nvPr/>
+        </p:nvSpPr>
+        <p:spPr>
+          <a:xfrm>
+            <a:off x="149188" y="2422029"/>
+            <a:ext cx="8761264" cy="769441"/>
+          </a:xfrm>
+          <a:prstGeom prst="rect">
+            <a:avLst/>
+          </a:prstGeom>
+        </p:spPr>
+        <p:txBody>
+          <a:bodyPr wrap="square">
+            <a:spAutoFit/>
+          </a:bodyPr>
+          <a:lstStyle/>
+          <a:p>
+            <a:r>
+              <a:rPr lang="en-US" sz="2200" dirty="0" smtClean="0">
+                <a:solidFill>
+                  <a:srgbClr val="FC6F0D"/>
+                </a:solidFill>
+                <a:latin typeface="Calibri" panose="020F0502020204030204" pitchFamily="34" charset="0"/>
+                <a:cs typeface="Calibri" panose="020F0502020204030204" pitchFamily="34" charset="0"/>
+              </a:rPr>
+              <a:t>db.emp.aggregate ([ {$</a:t>
+            </a:r>
+            <a:r>
+              <a:rPr lang="en-US" sz="2200" dirty="0">
+                <a:solidFill>
+                  <a:srgbClr val="FC6F0D"/>
+                </a:solidFill>
+                <a:latin typeface="Calibri" panose="020F0502020204030204" pitchFamily="34" charset="0"/>
+                <a:cs typeface="Calibri" panose="020F0502020204030204" pitchFamily="34" charset="0"/>
+              </a:rPr>
+              <a:t>project: { ename:true </a:t>
+            </a:r>
+            <a:r>
+              <a:rPr lang="en-US" sz="2200" dirty="0" smtClean="0">
+                <a:solidFill>
+                  <a:srgbClr val="FC6F0D"/>
+                </a:solidFill>
+                <a:latin typeface="Calibri" panose="020F0502020204030204" pitchFamily="34" charset="0"/>
+                <a:cs typeface="Calibri" panose="020F0502020204030204" pitchFamily="34" charset="0"/>
+              </a:rPr>
+              <a:t>} } </a:t>
+            </a:r>
+            <a:r>
+              <a:rPr lang="en-US" sz="2200" dirty="0" smtClean="0">
+                <a:solidFill>
+                  <a:srgbClr val="FC6F0D"/>
+                </a:solidFill>
+                <a:latin typeface="Calibri" panose="020F0502020204030204" pitchFamily="34" charset="0"/>
+                <a:cs typeface="Calibri" panose="020F0502020204030204" pitchFamily="34" charset="0"/>
+              </a:rPr>
+              <a:t>])</a:t>
+            </a:r>
+          </a:p>
+          <a:p>
+            <a:r>
+              <a:rPr lang="en-US" sz="2200" dirty="0" smtClean="0">
+                <a:solidFill>
+                  <a:srgbClr val="FC6F0D"/>
+                </a:solidFill>
+                <a:latin typeface="Calibri" panose="020F0502020204030204" pitchFamily="34" charset="0"/>
+                <a:cs typeface="Calibri" panose="020F0502020204030204" pitchFamily="34" charset="0"/>
+              </a:rPr>
+              <a:t>db.emp.aggregate ([ {$</a:t>
+            </a:r>
+            <a:r>
+              <a:rPr lang="en-US" sz="2200" dirty="0">
+                <a:solidFill>
+                  <a:srgbClr val="FC6F0D"/>
+                </a:solidFill>
+                <a:latin typeface="Calibri" panose="020F0502020204030204" pitchFamily="34" charset="0"/>
+                <a:cs typeface="Calibri" panose="020F0502020204030204" pitchFamily="34" charset="0"/>
+              </a:rPr>
+              <a:t>project: {_id:false, sal:true, comm:true </a:t>
+            </a:r>
+            <a:r>
+              <a:rPr lang="en-US" sz="2200" dirty="0" smtClean="0">
+                <a:solidFill>
+                  <a:srgbClr val="FC6F0D"/>
+                </a:solidFill>
+                <a:latin typeface="Calibri" panose="020F0502020204030204" pitchFamily="34" charset="0"/>
+                <a:cs typeface="Calibri" panose="020F0502020204030204" pitchFamily="34" charset="0"/>
+              </a:rPr>
+              <a:t>} } ])</a:t>
+            </a:r>
+            <a:endParaRPr lang="en-US" sz="2200" dirty="0" smtClean="0">
+              <a:solidFill>
+                <a:srgbClr val="FC6F0D"/>
+              </a:solidFill>
+              <a:latin typeface="Calibri" panose="020F0502020204030204" pitchFamily="34" charset="0"/>
+              <a:cs typeface="Calibri" panose="020F0502020204030204" pitchFamily="34" charset="0"/>
+            </a:endParaRPr>
           </a:p>
         </p:txBody>
       </p:sp>
     </p:spTree>
     <p:extLst>
       <p:ext uri="{BB962C8B-B14F-4D97-AF65-F5344CB8AC3E}">
-        <p14:creationId xmlns:p14="http://schemas.microsoft.com/office/powerpoint/2010/main" val="3459078610"/>
+        <p14:creationId xmlns:p14="http://schemas.microsoft.com/office/powerpoint/2010/main" val="514370092"/>
       </p:ext>
     </p:extLst>
   </p:cSld>
@@ -30196,69 +32125,71 @@
       </p:grpSpPr>
       <p:sp>
         <p:nvSpPr>
-          <p:cNvPr id="6" name="Rectangle 5"/>
-          <p:cNvSpPr/>
-          <p:nvPr/>
-        </p:nvSpPr>
-        <p:spPr>
-          <a:xfrm>
-            <a:off x="0" y="0"/>
-            <a:ext cx="9144000" cy="584775"/>
-          </a:xfrm>
-          <a:prstGeom prst="rect">
-            <a:avLst/>
-          </a:prstGeom>
-          <a:solidFill>
-            <a:schemeClr val="accent4">
-              <a:lumMod val="75000"/>
-            </a:schemeClr>
-          </a:solidFill>
-        </p:spPr>
-        <p:txBody>
-          <a:bodyPr wrap="square">
-            <a:spAutoFit/>
-          </a:bodyPr>
-          <a:lstStyle/>
-          <a:p>
-            <a:pPr algn="r">
+          <p:cNvPr id="2" name="Title 1"/>
+          <p:cNvSpPr txBox="1">
+            <a:spLocks/>
+          </p:cNvSpPr>
+          <p:nvPr/>
+        </p:nvSpPr>
+        <p:spPr>
+          <a:xfrm>
+            <a:off x="152400" y="2057400"/>
+            <a:ext cx="8839200" cy="838200"/>
+          </a:xfrm>
+          <a:prstGeom prst="rect">
+            <a:avLst/>
+          </a:prstGeom>
+        </p:spPr>
+        <p:txBody>
+          <a:bodyPr>
+            <a:noAutofit/>
+          </a:bodyPr>
+          <a:lstStyle>
+            <a:defPPr>
+              <a:defRPr lang="en-US"/>
+            </a:defPPr>
+            <a:lvl1pPr lvl="0" algn="ctr">
               <a:spcBef>
                 <a:spcPct val="0"/>
               </a:spcBef>
-            </a:pPr>
-            <a:r>
-              <a:rPr lang="en-IN" sz="3200" b="1" i="1" dirty="0" smtClean="0">
-                <a:solidFill>
-                  <a:srgbClr val="FFFF00"/>
-                </a:solidFill>
-                <a:latin typeface="Arial" pitchFamily="34" charset="0"/>
-                <a:cs typeface="Arial" pitchFamily="34" charset="0"/>
-              </a:rPr>
-              <a:t>$count</a:t>
-            </a:r>
-            <a:endParaRPr lang="en-IN" sz="3200" b="1" i="1" dirty="0">
-              <a:solidFill>
-                <a:srgbClr val="FFFF00"/>
-              </a:solidFill>
-              <a:latin typeface="Arial" pitchFamily="34" charset="0"/>
-              <a:cs typeface="Arial" pitchFamily="34" charset="0"/>
-            </a:endParaRPr>
-          </a:p>
-        </p:txBody>
-      </p:sp>
-      <p:sp>
-        <p:nvSpPr>
-          <p:cNvPr id="7" name="Rectangle 6"/>
+              <a:defRPr sz="4800">
+                <a:solidFill>
+                  <a:srgbClr val="7EEEE3"/>
+                </a:solidFill>
+                <a:latin typeface="Segoe UI Light" panose="020B0502040204020203" pitchFamily="34" charset="0"/>
+                <a:cs typeface="Segoe UI Light" panose="020B0502040204020203" pitchFamily="34" charset="0"/>
+              </a:defRPr>
+            </a:lvl1pPr>
+          </a:lstStyle>
+          <a:p>
+            <a:r>
+              <a:rPr lang="en-IN" dirty="0" smtClean="0"/>
+              <a:t>arithmetic expression operators</a:t>
+            </a:r>
+            <a:endParaRPr lang="en-US" dirty="0"/>
+          </a:p>
+        </p:txBody>
+      </p:sp>
+      <p:sp>
+        <p:nvSpPr>
+          <p:cNvPr id="3" name="Rectangle 2"/>
           <p:cNvSpPr/>
           <p:nvPr/>
         </p:nvSpPr>
         <p:spPr>
           <a:xfrm>
-            <a:off x="149188" y="762000"/>
-            <a:ext cx="8845624" cy="369332"/>
-          </a:xfrm>
-          <a:prstGeom prst="rect">
-            <a:avLst/>
-          </a:prstGeom>
+            <a:off x="419100" y="2861953"/>
+            <a:ext cx="8305800" cy="369332"/>
+          </a:xfrm>
+          <a:prstGeom prst="rect">
+            <a:avLst/>
+          </a:prstGeom>
+          <a:solidFill>
+            <a:schemeClr val="accent6">
+              <a:lumMod val="20000"/>
+              <a:lumOff val="80000"/>
+            </a:schemeClr>
+          </a:solidFill>
         </p:spPr>
         <p:txBody>
           <a:bodyPr wrap="square">
@@ -30267,57 +32198,36 @@
           <a:lstStyle/>
           <a:p>
             <a:r>
-              <a:rPr lang="en-US" dirty="0" smtClean="0"/>
+              <a:rPr lang="en-US" dirty="0" smtClean="0">
+                <a:solidFill>
+                  <a:srgbClr val="222222"/>
+                </a:solidFill>
+                <a:latin typeface="arial" panose="020B0604020202020204" pitchFamily="34" charset="0"/>
+              </a:rPr>
               <a:t>TODO</a:t>
             </a:r>
-            <a:endParaRPr lang="en-IN" dirty="0"/>
-          </a:p>
-        </p:txBody>
-      </p:sp>
-      <p:sp>
-        <p:nvSpPr>
-          <p:cNvPr id="4" name="Rectangle 3"/>
-          <p:cNvSpPr/>
-          <p:nvPr/>
-        </p:nvSpPr>
-        <p:spPr>
-          <a:xfrm>
-            <a:off x="149188" y="1524000"/>
-            <a:ext cx="8761264" cy="369332"/>
-          </a:xfrm>
-          <a:prstGeom prst="rect">
-            <a:avLst/>
-          </a:prstGeom>
-        </p:spPr>
-        <p:txBody>
-          <a:bodyPr wrap="square">
-            <a:spAutoFit/>
-          </a:bodyPr>
-          <a:lstStyle/>
-          <a:p>
-            <a:r>
-              <a:rPr lang="en-US" dirty="0">
-                <a:solidFill>
-                  <a:srgbClr val="049DC8"/>
-                </a:solidFill>
-                <a:latin typeface="Consolas" panose="020B0609020204030204" pitchFamily="49" charset="0"/>
-                <a:cs typeface="Calibri" panose="020F0502020204030204" pitchFamily="34" charset="0"/>
-              </a:rPr>
-              <a:t>{ $count: &lt;string&gt; }</a:t>
-            </a:r>
+            <a:endParaRPr lang="en-US" dirty="0"/>
           </a:p>
         </p:txBody>
       </p:sp>
     </p:spTree>
     <p:extLst>
       <p:ext uri="{BB962C8B-B14F-4D97-AF65-F5344CB8AC3E}">
-        <p14:creationId xmlns:p14="http://schemas.microsoft.com/office/powerpoint/2010/main" val="3090784624"/>
+        <p14:creationId xmlns:p14="http://schemas.microsoft.com/office/powerpoint/2010/main" val="157081376"/>
       </p:ext>
     </p:extLst>
   </p:cSld>
   <p:clrMapOvr>
     <a:masterClrMapping/>
   </p:clrMapOvr>
+  <mc:AlternateContent xmlns:mc="http://schemas.openxmlformats.org/markup-compatibility/2006">
+    <mc:Choice xmlns:p14="http://schemas.microsoft.com/office/powerpoint/2010/main" Requires="p14">
+      <p:transition spd="slow" p14:dur="2000"/>
+    </mc:Choice>
+    <mc:Fallback>
+      <p:transition spd="slow"/>
+    </mc:Fallback>
+  </mc:AlternateContent>
   <p:timing>
     <p:tnLst>
       <p:par>
@@ -30377,34 +32287,14 @@
               </a:spcBef>
             </a:pPr>
             <a:r>
-              <a:rPr lang="en-IN" sz="3200" b="1" i="1" dirty="0" smtClean="0">
+              <a:rPr lang="en-IN" sz="3200" b="1" i="1" dirty="0">
                 <a:solidFill>
                   <a:srgbClr val="FFFF00"/>
                 </a:solidFill>
                 <a:latin typeface="Arial" pitchFamily="34" charset="0"/>
                 <a:cs typeface="Arial" pitchFamily="34" charset="0"/>
               </a:rPr>
-              <a:t>$match</a:t>
-            </a:r>
-            <a:r>
-              <a:rPr lang="en-IN" sz="3200" b="1" i="1" dirty="0">
-                <a:solidFill>
-                  <a:srgbClr val="FFFF00"/>
-                </a:solidFill>
-                <a:latin typeface="Arial" pitchFamily="34" charset="0"/>
-                <a:cs typeface="Arial" pitchFamily="34" charset="0"/>
-              </a:rPr>
-              <a:t> </a:t>
-            </a:r>
-            <a:r>
-              <a:rPr lang="en-IN" sz="3200" b="1" i="1" dirty="0" smtClean="0">
-                <a:solidFill>
-                  <a:srgbClr val="FFFF00"/>
-                </a:solidFill>
-                <a:latin typeface="Arial" pitchFamily="34" charset="0"/>
-                <a:cs typeface="Arial" pitchFamily="34" charset="0"/>
-              </a:rPr>
-              <a:t> TODO</a:t>
+              <a:t>arithmetic expression operators</a:t>
             </a:r>
             <a:endParaRPr lang="en-IN" sz="3200" b="1" i="1" dirty="0">
               <a:solidFill>
@@ -30425,7 +32315,7 @@
         <p:spPr>
           <a:xfrm>
             <a:off x="149188" y="762000"/>
-            <a:ext cx="8845624" cy="369332"/>
+            <a:ext cx="8845624" cy="646331"/>
           </a:xfrm>
           <a:prstGeom prst="rect">
             <a:avLst/>
@@ -30438,23 +32328,454 @@
           <a:lstStyle/>
           <a:p>
             <a:r>
-              <a:rPr lang="en-US" dirty="0" smtClean="0"/>
-              <a:t>TODO</a:t>
+              <a:rPr lang="en-US" dirty="0"/>
+              <a:t>Arithmetic expressions perform mathematic operations on numbers. Some arithmetic expressions can also support date arithmetic.</a:t>
             </a:r>
             <a:endParaRPr lang="en-IN" dirty="0"/>
           </a:p>
         </p:txBody>
       </p:sp>
-      <p:sp>
-        <p:nvSpPr>
-          <p:cNvPr id="4" name="Rectangle 3"/>
+      <p:graphicFrame>
+        <p:nvGraphicFramePr>
+          <p:cNvPr id="2" name="Table 1"/>
+          <p:cNvGraphicFramePr>
+            <a:graphicFrameLocks noGrp="1"/>
+          </p:cNvGraphicFramePr>
+          <p:nvPr>
+            <p:extLst>
+              <p:ext uri="{D42A27DB-BD31-4B8C-83A1-F6EECF244321}">
+                <p14:modId xmlns:p14="http://schemas.microsoft.com/office/powerpoint/2010/main" val="638648537"/>
+              </p:ext>
+            </p:extLst>
+          </p:nvPr>
+        </p:nvGraphicFramePr>
+        <p:xfrm>
+          <a:off x="149188" y="1600200"/>
+          <a:ext cx="8845624" cy="2590800"/>
+        </p:xfrm>
+        <a:graphic>
+          <a:graphicData uri="http://schemas.openxmlformats.org/drawingml/2006/table">
+            <a:tbl>
+              <a:tblPr firstRow="1" bandRow="1">
+                <a:tableStyleId>{5940675A-B579-460E-94D1-54222C63F5DA}</a:tableStyleId>
+              </a:tblPr>
+              <a:tblGrid>
+                <a:gridCol w="1527212"/>
+                <a:gridCol w="7318412"/>
+              </a:tblGrid>
+              <a:tr h="0">
+                <a:tc gridSpan="2">
+                  <a:txBody>
+                    <a:bodyPr/>
+                    <a:lstStyle/>
+                    <a:p>
+                      <a:r>
+                        <a:rPr kumimoji="0" lang="en-US" sz="2000" b="1" kern="1200" dirty="0" smtClean="0">
+                          <a:solidFill>
+                            <a:srgbClr val="DFE100"/>
+                          </a:solidFill>
+                          <a:latin typeface="+mn-lt"/>
+                          <a:ea typeface="+mn-ea"/>
+                          <a:cs typeface="+mn-cs"/>
+                        </a:rPr>
+                        <a:t>Arithmetic expressions</a:t>
+                      </a:r>
+                      <a:endParaRPr kumimoji="0" lang="en-US" sz="2000" b="1" kern="1200" dirty="0">
+                        <a:solidFill>
+                          <a:srgbClr val="DFE100"/>
+                        </a:solidFill>
+                        <a:latin typeface="+mn-lt"/>
+                        <a:ea typeface="+mn-ea"/>
+                        <a:cs typeface="+mn-cs"/>
+                      </a:endParaRPr>
+                    </a:p>
+                  </a:txBody>
+                  <a:tcPr/>
+                </a:tc>
+                <a:tc hMerge="1">
+                  <a:txBody>
+                    <a:bodyPr/>
+                    <a:lstStyle/>
+                    <a:p>
+                      <a:endParaRPr kumimoji="0" lang="en-US" sz="1800" kern="1200" dirty="0">
+                        <a:solidFill>
+                          <a:srgbClr val="049DC8"/>
+                        </a:solidFill>
+                        <a:latin typeface="Consolas" panose="020B0609020204030204" pitchFamily="49" charset="0"/>
+                        <a:ea typeface="+mn-ea"/>
+                        <a:cs typeface="Calibri" panose="020F0502020204030204" pitchFamily="34" charset="0"/>
+                      </a:endParaRPr>
+                    </a:p>
+                  </a:txBody>
+                  <a:tcPr/>
+                </a:tc>
+              </a:tr>
+              <a:tr h="0">
+                <a:tc>
+                  <a:txBody>
+                    <a:bodyPr/>
+                    <a:lstStyle/>
+                    <a:p>
+                      <a:r>
+                        <a:rPr lang="en-US" u="none" dirty="0" smtClean="0"/>
+                        <a:t>  </a:t>
+                      </a:r>
+                      <a:r>
+                        <a:rPr kumimoji="0" lang="en-US" kern="1200" dirty="0" smtClean="0">
+                          <a:solidFill>
+                            <a:srgbClr val="036883"/>
+                          </a:solidFill>
+                          <a:latin typeface="+mn-lt"/>
+                          <a:ea typeface="+mn-ea"/>
+                          <a:cs typeface="+mn-cs"/>
+                        </a:rPr>
+                        <a:t>$abs</a:t>
+                      </a:r>
+                      <a:endParaRPr kumimoji="0" lang="en-US" kern="1200" dirty="0">
+                        <a:solidFill>
+                          <a:srgbClr val="036883"/>
+                        </a:solidFill>
+                        <a:latin typeface="+mn-lt"/>
+                        <a:ea typeface="+mn-ea"/>
+                        <a:cs typeface="+mn-cs"/>
+                      </a:endParaRPr>
+                    </a:p>
+                  </a:txBody>
+                  <a:tcPr/>
+                </a:tc>
+                <a:tc>
+                  <a:txBody>
+                    <a:bodyPr/>
+                    <a:lstStyle/>
+                    <a:p>
+                      <a:r>
+                        <a:rPr kumimoji="0" lang="en-US" sz="1800" kern="1200" dirty="0" smtClean="0">
+                          <a:solidFill>
+                            <a:srgbClr val="049DC8"/>
+                          </a:solidFill>
+                          <a:latin typeface="Consolas" panose="020B0609020204030204" pitchFamily="49" charset="0"/>
+                          <a:ea typeface="+mn-ea"/>
+                          <a:cs typeface="Calibri" panose="020F0502020204030204" pitchFamily="34" charset="0"/>
+                        </a:rPr>
+                        <a:t>  { $abs: &lt;number&gt; }</a:t>
+                      </a:r>
+                      <a:endParaRPr kumimoji="0" lang="en-US" sz="1800" kern="1200" dirty="0">
+                        <a:solidFill>
+                          <a:srgbClr val="049DC8"/>
+                        </a:solidFill>
+                        <a:latin typeface="Consolas" panose="020B0609020204030204" pitchFamily="49" charset="0"/>
+                        <a:ea typeface="+mn-ea"/>
+                        <a:cs typeface="Calibri" panose="020F0502020204030204" pitchFamily="34" charset="0"/>
+                      </a:endParaRPr>
+                    </a:p>
+                  </a:txBody>
+                  <a:tcPr/>
+                </a:tc>
+              </a:tr>
+              <a:tr h="0">
+                <a:tc>
+                  <a:txBody>
+                    <a:bodyPr/>
+                    <a:lstStyle/>
+                    <a:p>
+                      <a:r>
+                        <a:rPr kumimoji="0" lang="en-US" kern="1200" dirty="0" smtClean="0">
+                          <a:solidFill>
+                            <a:srgbClr val="036883"/>
+                          </a:solidFill>
+                          <a:latin typeface="+mn-lt"/>
+                          <a:ea typeface="+mn-ea"/>
+                          <a:cs typeface="+mn-cs"/>
+                        </a:rPr>
+                        <a:t>  $add</a:t>
+                      </a:r>
+                      <a:endParaRPr kumimoji="0" lang="en-US" kern="1200" dirty="0">
+                        <a:solidFill>
+                          <a:srgbClr val="036883"/>
+                        </a:solidFill>
+                        <a:latin typeface="+mn-lt"/>
+                        <a:ea typeface="+mn-ea"/>
+                        <a:cs typeface="+mn-cs"/>
+                      </a:endParaRPr>
+                    </a:p>
+                  </a:txBody>
+                  <a:tcPr/>
+                </a:tc>
+                <a:tc>
+                  <a:txBody>
+                    <a:bodyPr/>
+                    <a:lstStyle/>
+                    <a:p>
+                      <a:r>
+                        <a:rPr kumimoji="0" lang="en-US" sz="1800" kern="1200" dirty="0" smtClean="0">
+                          <a:solidFill>
+                            <a:srgbClr val="049DC8"/>
+                          </a:solidFill>
+                          <a:latin typeface="Consolas" panose="020B0609020204030204" pitchFamily="49" charset="0"/>
+                          <a:ea typeface="+mn-ea"/>
+                          <a:cs typeface="Calibri" panose="020F0502020204030204" pitchFamily="34" charset="0"/>
+                        </a:rPr>
+                        <a:t>  { $add: [ &lt;expression1&gt;, &lt;expression2&gt;, ... ] }</a:t>
+                      </a:r>
+                      <a:endParaRPr kumimoji="0" lang="en-US" sz="1800" kern="1200" dirty="0">
+                        <a:solidFill>
+                          <a:srgbClr val="049DC8"/>
+                        </a:solidFill>
+                        <a:latin typeface="Consolas" panose="020B0609020204030204" pitchFamily="49" charset="0"/>
+                        <a:ea typeface="+mn-ea"/>
+                        <a:cs typeface="Calibri" panose="020F0502020204030204" pitchFamily="34" charset="0"/>
+                      </a:endParaRPr>
+                    </a:p>
+                  </a:txBody>
+                  <a:tcPr/>
+                </a:tc>
+              </a:tr>
+              <a:tr h="0">
+                <a:tc>
+                  <a:txBody>
+                    <a:bodyPr/>
+                    <a:lstStyle/>
+                    <a:p>
+                      <a:r>
+                        <a:rPr kumimoji="0" lang="en-US" kern="1200" dirty="0" smtClean="0">
+                          <a:solidFill>
+                            <a:srgbClr val="036883"/>
+                          </a:solidFill>
+                          <a:latin typeface="+mn-lt"/>
+                          <a:ea typeface="+mn-ea"/>
+                          <a:cs typeface="+mn-cs"/>
+                        </a:rPr>
+                        <a:t>  $subtract</a:t>
+                      </a:r>
+                      <a:endParaRPr kumimoji="0" lang="en-US" kern="1200" dirty="0">
+                        <a:solidFill>
+                          <a:srgbClr val="036883"/>
+                        </a:solidFill>
+                        <a:latin typeface="+mn-lt"/>
+                        <a:ea typeface="+mn-ea"/>
+                        <a:cs typeface="+mn-cs"/>
+                      </a:endParaRPr>
+                    </a:p>
+                  </a:txBody>
+                  <a:tcPr/>
+                </a:tc>
+                <a:tc>
+                  <a:txBody>
+                    <a:bodyPr/>
+                    <a:lstStyle/>
+                    <a:p>
+                      <a:r>
+                        <a:rPr kumimoji="0" lang="en-US" sz="1800" kern="1200" dirty="0" smtClean="0">
+                          <a:solidFill>
+                            <a:srgbClr val="049DC8"/>
+                          </a:solidFill>
+                          <a:latin typeface="Consolas" panose="020B0609020204030204" pitchFamily="49" charset="0"/>
+                          <a:ea typeface="+mn-ea"/>
+                          <a:cs typeface="Calibri" panose="020F0502020204030204" pitchFamily="34" charset="0"/>
+                        </a:rPr>
+                        <a:t>  { $subtract: [ &lt;expression1&gt;, &lt;expression2&gt; ] }</a:t>
+                      </a:r>
+                      <a:endParaRPr kumimoji="0" lang="en-US" sz="1800" kern="1200" dirty="0">
+                        <a:solidFill>
+                          <a:srgbClr val="049DC8"/>
+                        </a:solidFill>
+                        <a:latin typeface="Consolas" panose="020B0609020204030204" pitchFamily="49" charset="0"/>
+                        <a:ea typeface="+mn-ea"/>
+                        <a:cs typeface="Calibri" panose="020F0502020204030204" pitchFamily="34" charset="0"/>
+                      </a:endParaRPr>
+                    </a:p>
+                  </a:txBody>
+                  <a:tcPr/>
+                </a:tc>
+              </a:tr>
+              <a:tr h="0">
+                <a:tc>
+                  <a:txBody>
+                    <a:bodyPr/>
+                    <a:lstStyle/>
+                    <a:p>
+                      <a:r>
+                        <a:rPr kumimoji="0" lang="en-US" kern="1200" dirty="0" smtClean="0">
+                          <a:solidFill>
+                            <a:srgbClr val="036883"/>
+                          </a:solidFill>
+                          <a:latin typeface="+mn-lt"/>
+                          <a:ea typeface="+mn-ea"/>
+                          <a:cs typeface="+mn-cs"/>
+                        </a:rPr>
+                        <a:t>  $multiply</a:t>
+                      </a:r>
+                      <a:endParaRPr kumimoji="0" lang="en-US" kern="1200" dirty="0">
+                        <a:solidFill>
+                          <a:srgbClr val="036883"/>
+                        </a:solidFill>
+                        <a:latin typeface="+mn-lt"/>
+                        <a:ea typeface="+mn-ea"/>
+                        <a:cs typeface="+mn-cs"/>
+                      </a:endParaRPr>
+                    </a:p>
+                  </a:txBody>
+                  <a:tcPr/>
+                </a:tc>
+                <a:tc>
+                  <a:txBody>
+                    <a:bodyPr/>
+                    <a:lstStyle/>
+                    <a:p>
+                      <a:r>
+                        <a:rPr kumimoji="0" lang="en-US" sz="1800" kern="1200" dirty="0" smtClean="0">
+                          <a:solidFill>
+                            <a:srgbClr val="049DC8"/>
+                          </a:solidFill>
+                          <a:latin typeface="Consolas" panose="020B0609020204030204" pitchFamily="49" charset="0"/>
+                          <a:ea typeface="+mn-ea"/>
+                          <a:cs typeface="Calibri" panose="020F0502020204030204" pitchFamily="34" charset="0"/>
+                        </a:rPr>
+                        <a:t>  { $multiply: [ &lt;expression1&gt;, &lt;expression2&gt;, ... ] }</a:t>
+                      </a:r>
+                      <a:endParaRPr kumimoji="0" lang="en-US" sz="1800" kern="1200" dirty="0">
+                        <a:solidFill>
+                          <a:srgbClr val="049DC8"/>
+                        </a:solidFill>
+                        <a:latin typeface="Consolas" panose="020B0609020204030204" pitchFamily="49" charset="0"/>
+                        <a:ea typeface="+mn-ea"/>
+                        <a:cs typeface="Calibri" panose="020F0502020204030204" pitchFamily="34" charset="0"/>
+                      </a:endParaRPr>
+                    </a:p>
+                  </a:txBody>
+                  <a:tcPr/>
+                </a:tc>
+              </a:tr>
+              <a:tr h="0">
+                <a:tc>
+                  <a:txBody>
+                    <a:bodyPr/>
+                    <a:lstStyle/>
+                    <a:p>
+                      <a:r>
+                        <a:rPr kumimoji="0" lang="en-US" kern="1200" dirty="0" smtClean="0">
+                          <a:solidFill>
+                            <a:srgbClr val="036883"/>
+                          </a:solidFill>
+                          <a:latin typeface="+mn-lt"/>
+                          <a:ea typeface="+mn-ea"/>
+                          <a:cs typeface="+mn-cs"/>
+                        </a:rPr>
+                        <a:t>  $divide</a:t>
+                      </a:r>
+                      <a:endParaRPr kumimoji="0" lang="en-US" kern="1200" dirty="0">
+                        <a:solidFill>
+                          <a:srgbClr val="036883"/>
+                        </a:solidFill>
+                        <a:latin typeface="+mn-lt"/>
+                        <a:ea typeface="+mn-ea"/>
+                        <a:cs typeface="+mn-cs"/>
+                      </a:endParaRPr>
+                    </a:p>
+                  </a:txBody>
+                  <a:tcPr/>
+                </a:tc>
+                <a:tc>
+                  <a:txBody>
+                    <a:bodyPr/>
+                    <a:lstStyle/>
+                    <a:p>
+                      <a:r>
+                        <a:rPr kumimoji="0" lang="en-US" sz="1800" kern="1200" dirty="0" smtClean="0">
+                          <a:solidFill>
+                            <a:srgbClr val="049DC8"/>
+                          </a:solidFill>
+                          <a:latin typeface="Consolas" panose="020B0609020204030204" pitchFamily="49" charset="0"/>
+                          <a:ea typeface="+mn-ea"/>
+                          <a:cs typeface="Calibri" panose="020F0502020204030204" pitchFamily="34" charset="0"/>
+                        </a:rPr>
+                        <a:t>  { $divide: [ &lt;expression1&gt;, &lt;expression2&gt; ] }</a:t>
+                      </a:r>
+                      <a:endParaRPr kumimoji="0" lang="en-US" sz="1800" kern="1200" dirty="0">
+                        <a:solidFill>
+                          <a:srgbClr val="049DC8"/>
+                        </a:solidFill>
+                        <a:latin typeface="Consolas" panose="020B0609020204030204" pitchFamily="49" charset="0"/>
+                        <a:ea typeface="+mn-ea"/>
+                        <a:cs typeface="Calibri" panose="020F0502020204030204" pitchFamily="34" charset="0"/>
+                      </a:endParaRPr>
+                    </a:p>
+                  </a:txBody>
+                  <a:tcPr/>
+                </a:tc>
+              </a:tr>
+              <a:tr h="0">
+                <a:tc>
+                  <a:txBody>
+                    <a:bodyPr/>
+                    <a:lstStyle/>
+                    <a:p>
+                      <a:r>
+                        <a:rPr kumimoji="0" lang="en-US" kern="1200" dirty="0" smtClean="0">
+                          <a:solidFill>
+                            <a:srgbClr val="036883"/>
+                          </a:solidFill>
+                          <a:latin typeface="+mn-lt"/>
+                          <a:ea typeface="+mn-ea"/>
+                          <a:cs typeface="+mn-cs"/>
+                        </a:rPr>
+                        <a:t>  $mod</a:t>
+                      </a:r>
+                      <a:endParaRPr kumimoji="0" lang="en-US" kern="1200" dirty="0">
+                        <a:solidFill>
+                          <a:srgbClr val="036883"/>
+                        </a:solidFill>
+                        <a:latin typeface="+mn-lt"/>
+                        <a:ea typeface="+mn-ea"/>
+                        <a:cs typeface="+mn-cs"/>
+                      </a:endParaRPr>
+                    </a:p>
+                  </a:txBody>
+                  <a:tcPr/>
+                </a:tc>
+                <a:tc>
+                  <a:txBody>
+                    <a:bodyPr/>
+                    <a:lstStyle/>
+                    <a:p>
+                      <a:r>
+                        <a:rPr kumimoji="0" lang="en-US" sz="1800" kern="1200" dirty="0" smtClean="0">
+                          <a:solidFill>
+                            <a:srgbClr val="049DC8"/>
+                          </a:solidFill>
+                          <a:latin typeface="Consolas" panose="020B0609020204030204" pitchFamily="49" charset="0"/>
+                          <a:ea typeface="+mn-ea"/>
+                          <a:cs typeface="Calibri" panose="020F0502020204030204" pitchFamily="34" charset="0"/>
+                        </a:rPr>
+                        <a:t>  { $mod: [ &lt;expression1&gt;, &lt;expression2&gt; ] }</a:t>
+                      </a:r>
+                      <a:endParaRPr kumimoji="0" lang="en-US" sz="1800" kern="1200" dirty="0">
+                        <a:solidFill>
+                          <a:srgbClr val="049DC8"/>
+                        </a:solidFill>
+                        <a:latin typeface="Consolas" panose="020B0609020204030204" pitchFamily="49" charset="0"/>
+                        <a:ea typeface="+mn-ea"/>
+                        <a:cs typeface="Calibri" panose="020F0502020204030204" pitchFamily="34" charset="0"/>
+                      </a:endParaRPr>
+                    </a:p>
+                  </a:txBody>
+                  <a:tcPr/>
+                </a:tc>
+              </a:tr>
+            </a:tbl>
+          </a:graphicData>
+        </a:graphic>
+      </p:graphicFrame>
+      <p:sp>
+        <p:nvSpPr>
+          <p:cNvPr id="3" name="Rectangle 2"/>
           <p:cNvSpPr/>
           <p:nvPr/>
         </p:nvSpPr>
         <p:spPr>
           <a:xfrm>
-            <a:off x="149188" y="1524000"/>
-            <a:ext cx="8761264" cy="369332"/>
+            <a:off x="149188" y="4445913"/>
+            <a:ext cx="8845624" cy="430887"/>
           </a:xfrm>
           <a:prstGeom prst="rect">
             <a:avLst/>
@@ -30467,40 +32788,6 @@
           <a:lstStyle/>
           <a:p>
             <a:r>
-              <a:rPr lang="en-US" dirty="0">
-                <a:solidFill>
-                  <a:srgbClr val="049DC8"/>
-                </a:solidFill>
-                <a:latin typeface="Consolas" panose="020B0609020204030204" pitchFamily="49" charset="0"/>
-                <a:cs typeface="Calibri" panose="020F0502020204030204" pitchFamily="34" charset="0"/>
-              </a:rPr>
-              <a:t>{ $match: { &lt;query&gt; } }</a:t>
-            </a:r>
-          </a:p>
-        </p:txBody>
-      </p:sp>
-      <p:sp>
-        <p:nvSpPr>
-          <p:cNvPr id="5" name="Rectangle 4"/>
-          <p:cNvSpPr/>
-          <p:nvPr/>
-        </p:nvSpPr>
-        <p:spPr>
-          <a:xfrm>
-            <a:off x="149188" y="2133600"/>
-            <a:ext cx="8761264" cy="1692771"/>
-          </a:xfrm>
-          <a:prstGeom prst="rect">
-            <a:avLst/>
-          </a:prstGeom>
-        </p:spPr>
-        <p:txBody>
-          <a:bodyPr wrap="square">
-            <a:spAutoFit/>
-          </a:bodyPr>
-          <a:lstStyle/>
-          <a:p>
-            <a:r>
               <a:rPr lang="en-US" sz="2200" dirty="0">
                 <a:solidFill>
                   <a:srgbClr val="FC6F0D"/>
@@ -30508,7 +32795,7 @@
                 <a:latin typeface="Calibri" panose="020F0502020204030204" pitchFamily="34" charset="0"/>
                 <a:cs typeface="Calibri" panose="020F0502020204030204" pitchFamily="34" charset="0"/>
               </a:rPr>
-              <a:t>db.emp.aggregate </a:t>
+              <a:t>db.emp.aggregate</a:t>
             </a:r>
             <a:r>
               <a:rPr lang="en-US" sz="2200" dirty="0" smtClean="0">
@@ -30528,7 +32815,7 @@
                 <a:latin typeface="Calibri" panose="020F0502020204030204" pitchFamily="34" charset="0"/>
                 <a:cs typeface="Calibri" panose="020F0502020204030204" pitchFamily="34" charset="0"/>
               </a:rPr>
-              <a:t>match: { job:'manager</a:t>
+              <a:t>project: { sal:true,  o :{$add</a:t>
             </a:r>
             <a:r>
               <a:rPr lang="en-US" sz="2200" dirty="0" smtClean="0">
@@ -30538,19 +32825,8 @@
                 <a:latin typeface="Calibri" panose="020F0502020204030204" pitchFamily="34" charset="0"/>
                 <a:cs typeface="Calibri" panose="020F0502020204030204" pitchFamily="34" charset="0"/>
               </a:rPr>
-              <a:t>'} } ])</a:t>
-            </a:r>
-          </a:p>
-          <a:p>
-            <a:endParaRPr lang="en-US" sz="800" dirty="0" smtClean="0">
-              <a:solidFill>
-                <a:srgbClr val="FC6F0D"/>
-              </a:solidFill>
-              <a:latin typeface="Calibri" panose="020F0502020204030204" pitchFamily="34" charset="0"/>
-              <a:cs typeface="Calibri" panose="020F0502020204030204" pitchFamily="34" charset="0"/>
-            </a:endParaRPr>
-          </a:p>
-          <a:p>
+              <a:t>: ['$</a:t>
+            </a:r>
             <a:r>
               <a:rPr lang="en-US" sz="2200" dirty="0">
                 <a:solidFill>
@@ -30559,7 +32835,7 @@
                 <a:latin typeface="Calibri" panose="020F0502020204030204" pitchFamily="34" charset="0"/>
                 <a:cs typeface="Calibri" panose="020F0502020204030204" pitchFamily="34" charset="0"/>
               </a:rPr>
-              <a:t>db.emp.aggregate </a:t>
+              <a:t>sal</a:t>
             </a:r>
             <a:r>
               <a:rPr lang="en-US" sz="2200" dirty="0" smtClean="0">
@@ -30569,248 +32845,7 @@
                 <a:latin typeface="Calibri" panose="020F0502020204030204" pitchFamily="34" charset="0"/>
                 <a:cs typeface="Calibri" panose="020F0502020204030204" pitchFamily="34" charset="0"/>
               </a:rPr>
-              <a:t>([ {$</a:t>
-            </a:r>
-            <a:r>
-              <a:rPr lang="en-US" sz="2200" dirty="0">
-                <a:solidFill>
-                  <a:srgbClr val="FC6F0D"/>
-                </a:solidFill>
-                <a:latin typeface="Calibri" panose="020F0502020204030204" pitchFamily="34" charset="0"/>
-                <a:cs typeface="Calibri" panose="020F0502020204030204" pitchFamily="34" charset="0"/>
-              </a:rPr>
-              <a:t>match: {comm: </a:t>
-            </a:r>
-            <a:r>
-              <a:rPr lang="en-US" sz="2200" dirty="0" smtClean="0">
-                <a:solidFill>
-                  <a:srgbClr val="FC6F0D"/>
-                </a:solidFill>
-                <a:latin typeface="Calibri" panose="020F0502020204030204" pitchFamily="34" charset="0"/>
-                <a:cs typeface="Calibri" panose="020F0502020204030204" pitchFamily="34" charset="0"/>
-              </a:rPr>
-              <a:t>{$</a:t>
-            </a:r>
-            <a:r>
-              <a:rPr lang="en-US" sz="2200" dirty="0">
-                <a:solidFill>
-                  <a:srgbClr val="FC6F0D"/>
-                </a:solidFill>
-                <a:latin typeface="Calibri" panose="020F0502020204030204" pitchFamily="34" charset="0"/>
-                <a:cs typeface="Calibri" panose="020F0502020204030204" pitchFamily="34" charset="0"/>
-              </a:rPr>
-              <a:t>eq</a:t>
-            </a:r>
-            <a:r>
-              <a:rPr lang="en-US" sz="2200" dirty="0" smtClean="0">
-                <a:solidFill>
-                  <a:srgbClr val="FC6F0D"/>
-                </a:solidFill>
-                <a:latin typeface="Calibri" panose="020F0502020204030204" pitchFamily="34" charset="0"/>
-                <a:cs typeface="Calibri" panose="020F0502020204030204" pitchFamily="34" charset="0"/>
-              </a:rPr>
-              <a:t>: null} </a:t>
-            </a:r>
-            <a:r>
-              <a:rPr lang="en-US" sz="2200" dirty="0">
-                <a:solidFill>
-                  <a:srgbClr val="FC6F0D"/>
-                </a:solidFill>
-                <a:latin typeface="Calibri" panose="020F0502020204030204" pitchFamily="34" charset="0"/>
-                <a:cs typeface="Calibri" panose="020F0502020204030204" pitchFamily="34" charset="0"/>
-              </a:rPr>
-              <a:t>} </a:t>
-            </a:r>
-            <a:r>
-              <a:rPr lang="en-US" sz="2200" dirty="0" smtClean="0">
-                <a:solidFill>
-                  <a:srgbClr val="FC6F0D"/>
-                </a:solidFill>
-                <a:latin typeface="Calibri" panose="020F0502020204030204" pitchFamily="34" charset="0"/>
-                <a:cs typeface="Calibri" panose="020F0502020204030204" pitchFamily="34" charset="0"/>
-              </a:rPr>
-              <a:t>} ])</a:t>
-            </a:r>
-          </a:p>
-          <a:p>
-            <a:endParaRPr lang="en-US" sz="800" dirty="0">
-              <a:solidFill>
-                <a:srgbClr val="FC6F0D"/>
-              </a:solidFill>
-              <a:latin typeface="Calibri" panose="020F0502020204030204" pitchFamily="34" charset="0"/>
-              <a:cs typeface="Calibri" panose="020F0502020204030204" pitchFamily="34" charset="0"/>
-            </a:endParaRPr>
-          </a:p>
-          <a:p>
-            <a:r>
-              <a:rPr lang="en-US" sz="2200" dirty="0" smtClean="0">
-                <a:solidFill>
-                  <a:srgbClr val="FC6F0D"/>
-                </a:solidFill>
-                <a:latin typeface="Calibri" panose="020F0502020204030204" pitchFamily="34" charset="0"/>
-                <a:cs typeface="Calibri" panose="020F0502020204030204" pitchFamily="34" charset="0"/>
-              </a:rPr>
-              <a:t>db.emp.aggregate ([ {$</a:t>
-            </a:r>
-            <a:r>
-              <a:rPr lang="en-US" sz="2200" dirty="0">
-                <a:solidFill>
-                  <a:srgbClr val="FC6F0D"/>
-                </a:solidFill>
-                <a:latin typeface="Calibri" panose="020F0502020204030204" pitchFamily="34" charset="0"/>
-                <a:cs typeface="Calibri" panose="020F0502020204030204" pitchFamily="34" charset="0"/>
-              </a:rPr>
-              <a:t>match</a:t>
-            </a:r>
-            <a:r>
-              <a:rPr lang="en-US" sz="2200" dirty="0" smtClean="0">
-                <a:solidFill>
-                  <a:srgbClr val="FC6F0D"/>
-                </a:solidFill>
-                <a:latin typeface="Calibri" panose="020F0502020204030204" pitchFamily="34" charset="0"/>
-                <a:cs typeface="Calibri" panose="020F0502020204030204" pitchFamily="34" charset="0"/>
-              </a:rPr>
-              <a:t>: {</a:t>
-            </a:r>
-            <a:r>
-              <a:rPr lang="en-US" sz="2200" dirty="0">
-                <a:solidFill>
-                  <a:srgbClr val="FC6F0D"/>
-                </a:solidFill>
-                <a:latin typeface="Calibri" panose="020F0502020204030204" pitchFamily="34" charset="0"/>
-                <a:cs typeface="Calibri" panose="020F0502020204030204" pitchFamily="34" charset="0"/>
-              </a:rPr>
-              <a:t>sal</a:t>
-            </a:r>
-            <a:r>
-              <a:rPr lang="en-US" sz="2200" dirty="0" smtClean="0">
-                <a:solidFill>
-                  <a:srgbClr val="FC6F0D"/>
-                </a:solidFill>
-                <a:latin typeface="Calibri" panose="020F0502020204030204" pitchFamily="34" charset="0"/>
-                <a:cs typeface="Calibri" panose="020F0502020204030204" pitchFamily="34" charset="0"/>
-              </a:rPr>
-              <a:t>: {$</a:t>
-            </a:r>
-            <a:r>
-              <a:rPr lang="en-US" sz="2200" dirty="0">
-                <a:solidFill>
-                  <a:srgbClr val="FC6F0D"/>
-                </a:solidFill>
-                <a:latin typeface="Calibri" panose="020F0502020204030204" pitchFamily="34" charset="0"/>
-                <a:cs typeface="Calibri" panose="020F0502020204030204" pitchFamily="34" charset="0"/>
-              </a:rPr>
-              <a:t>gt</a:t>
-            </a:r>
-            <a:r>
-              <a:rPr lang="en-US" sz="2200" dirty="0" smtClean="0">
-                <a:solidFill>
-                  <a:srgbClr val="FC6F0D"/>
-                </a:solidFill>
-                <a:latin typeface="Calibri" panose="020F0502020204030204" pitchFamily="34" charset="0"/>
-                <a:cs typeface="Calibri" panose="020F0502020204030204" pitchFamily="34" charset="0"/>
-              </a:rPr>
-              <a:t>: 4000} }}, {$</a:t>
-            </a:r>
-            <a:r>
-              <a:rPr lang="en-US" sz="2200" dirty="0">
-                <a:solidFill>
-                  <a:srgbClr val="FC6F0D"/>
-                </a:solidFill>
-                <a:latin typeface="Calibri" panose="020F0502020204030204" pitchFamily="34" charset="0"/>
-                <a:cs typeface="Calibri" panose="020F0502020204030204" pitchFamily="34" charset="0"/>
-              </a:rPr>
-              <a:t>group</a:t>
-            </a:r>
-            <a:r>
-              <a:rPr lang="en-US" sz="2200" dirty="0" smtClean="0">
-                <a:solidFill>
-                  <a:srgbClr val="FC6F0D"/>
-                </a:solidFill>
-                <a:latin typeface="Calibri" panose="020F0502020204030204" pitchFamily="34" charset="0"/>
-                <a:cs typeface="Calibri" panose="020F0502020204030204" pitchFamily="34" charset="0"/>
-              </a:rPr>
-              <a:t>: {_</a:t>
-            </a:r>
-            <a:r>
-              <a:rPr lang="en-US" sz="2200" dirty="0">
-                <a:solidFill>
-                  <a:srgbClr val="FC6F0D"/>
-                </a:solidFill>
-                <a:latin typeface="Calibri" panose="020F0502020204030204" pitchFamily="34" charset="0"/>
-                <a:cs typeface="Calibri" panose="020F0502020204030204" pitchFamily="34" charset="0"/>
-              </a:rPr>
-              <a:t>id</a:t>
-            </a:r>
-            <a:r>
-              <a:rPr lang="en-US" sz="2200" dirty="0" smtClean="0">
-                <a:solidFill>
-                  <a:srgbClr val="FC6F0D"/>
-                </a:solidFill>
-                <a:latin typeface="Calibri" panose="020F0502020204030204" pitchFamily="34" charset="0"/>
-                <a:cs typeface="Calibri" panose="020F0502020204030204" pitchFamily="34" charset="0"/>
-              </a:rPr>
-              <a:t>: '$</a:t>
-            </a:r>
-            <a:r>
-              <a:rPr lang="en-US" sz="2200" dirty="0">
-                <a:solidFill>
-                  <a:srgbClr val="FC6F0D"/>
-                </a:solidFill>
-                <a:latin typeface="Calibri" panose="020F0502020204030204" pitchFamily="34" charset="0"/>
-                <a:cs typeface="Calibri" panose="020F0502020204030204" pitchFamily="34" charset="0"/>
-              </a:rPr>
-              <a:t>job', count</a:t>
-            </a:r>
-            <a:r>
-              <a:rPr lang="en-US" sz="2200" dirty="0" smtClean="0">
-                <a:solidFill>
-                  <a:srgbClr val="FC6F0D"/>
-                </a:solidFill>
-                <a:latin typeface="Calibri" panose="020F0502020204030204" pitchFamily="34" charset="0"/>
-                <a:cs typeface="Calibri" panose="020F0502020204030204" pitchFamily="34" charset="0"/>
-              </a:rPr>
-              <a:t>: {$</a:t>
-            </a:r>
-            <a:r>
-              <a:rPr lang="en-US" sz="2200" dirty="0">
-                <a:solidFill>
-                  <a:srgbClr val="FC6F0D"/>
-                </a:solidFill>
-                <a:latin typeface="Calibri" panose="020F0502020204030204" pitchFamily="34" charset="0"/>
-                <a:cs typeface="Calibri" panose="020F0502020204030204" pitchFamily="34" charset="0"/>
-              </a:rPr>
-              <a:t>sum</a:t>
-            </a:r>
-            <a:r>
-              <a:rPr lang="en-US" sz="2200" dirty="0" smtClean="0">
-                <a:solidFill>
-                  <a:srgbClr val="FC6F0D"/>
-                </a:solidFill>
-                <a:latin typeface="Calibri" panose="020F0502020204030204" pitchFamily="34" charset="0"/>
-                <a:cs typeface="Calibri" panose="020F0502020204030204" pitchFamily="34" charset="0"/>
-              </a:rPr>
-              <a:t>: '$</a:t>
-            </a:r>
-            <a:r>
-              <a:rPr lang="en-US" sz="2200" dirty="0">
-                <a:solidFill>
-                  <a:srgbClr val="FC6F0D"/>
-                </a:solidFill>
-                <a:latin typeface="Calibri" panose="020F0502020204030204" pitchFamily="34" charset="0"/>
-                <a:cs typeface="Calibri" panose="020F0502020204030204" pitchFamily="34" charset="0"/>
-              </a:rPr>
-              <a:t>sal'} </a:t>
-            </a:r>
-            <a:r>
-              <a:rPr lang="en-US" sz="2200" dirty="0" smtClean="0">
-                <a:solidFill>
-                  <a:srgbClr val="FC6F0D"/>
-                </a:solidFill>
-                <a:latin typeface="Calibri" panose="020F0502020204030204" pitchFamily="34" charset="0"/>
-                <a:cs typeface="Calibri" panose="020F0502020204030204" pitchFamily="34" charset="0"/>
-              </a:rPr>
-              <a:t>} } ])</a:t>
+              <a:t>', 1000] } } } ])</a:t>
             </a:r>
             <a:endParaRPr lang="en-US" sz="2200" dirty="0">
               <a:solidFill>
@@ -30825,7 +32860,7 @@
     </p:spTree>
     <p:extLst>
       <p:ext uri="{BB962C8B-B14F-4D97-AF65-F5344CB8AC3E}">
-        <p14:creationId xmlns:p14="http://schemas.microsoft.com/office/powerpoint/2010/main" val="1087509688"/>
+        <p14:creationId xmlns:p14="http://schemas.microsoft.com/office/powerpoint/2010/main" val="4188622638"/>
       </p:ext>
     </p:extLst>
   </p:cSld>
@@ -31167,89 +33202,71 @@
       </p:grpSpPr>
       <p:sp>
         <p:nvSpPr>
-          <p:cNvPr id="6" name="Rectangle 5"/>
-          <p:cNvSpPr/>
-          <p:nvPr/>
-        </p:nvSpPr>
-        <p:spPr>
-          <a:xfrm>
-            <a:off x="0" y="0"/>
-            <a:ext cx="9144000" cy="584775"/>
-          </a:xfrm>
-          <a:prstGeom prst="rect">
-            <a:avLst/>
-          </a:prstGeom>
-          <a:solidFill>
-            <a:schemeClr val="accent4">
-              <a:lumMod val="75000"/>
-            </a:schemeClr>
-          </a:solidFill>
-        </p:spPr>
-        <p:txBody>
-          <a:bodyPr wrap="square">
-            <a:spAutoFit/>
-          </a:bodyPr>
-          <a:lstStyle/>
-          <a:p>
-            <a:pPr algn="r">
+          <p:cNvPr id="2" name="Title 1"/>
+          <p:cNvSpPr txBox="1">
+            <a:spLocks/>
+          </p:cNvSpPr>
+          <p:nvPr/>
+        </p:nvSpPr>
+        <p:spPr>
+          <a:xfrm>
+            <a:off x="152400" y="2057400"/>
+            <a:ext cx="8839200" cy="838200"/>
+          </a:xfrm>
+          <a:prstGeom prst="rect">
+            <a:avLst/>
+          </a:prstGeom>
+        </p:spPr>
+        <p:txBody>
+          <a:bodyPr>
+            <a:noAutofit/>
+          </a:bodyPr>
+          <a:lstStyle>
+            <a:defPPr>
+              <a:defRPr lang="en-US"/>
+            </a:defPPr>
+            <a:lvl1pPr lvl="0" algn="ctr">
               <a:spcBef>
                 <a:spcPct val="0"/>
               </a:spcBef>
-            </a:pPr>
-            <a:r>
-              <a:rPr lang="en-IN" sz="3200" b="1" i="1" dirty="0" smtClean="0">
-                <a:solidFill>
-                  <a:srgbClr val="FFFF00"/>
-                </a:solidFill>
-                <a:latin typeface="Arial" pitchFamily="34" charset="0"/>
-                <a:cs typeface="Arial" pitchFamily="34" charset="0"/>
-              </a:rPr>
-              <a:t>$match</a:t>
-            </a:r>
-            <a:r>
-              <a:rPr lang="en-IN" sz="3200" b="1" i="1" dirty="0">
-                <a:solidFill>
-                  <a:srgbClr val="FFFF00"/>
-                </a:solidFill>
-                <a:latin typeface="Arial" pitchFamily="34" charset="0"/>
-                <a:cs typeface="Arial" pitchFamily="34" charset="0"/>
-              </a:rPr>
-              <a:t> </a:t>
-            </a:r>
-            <a:r>
-              <a:rPr lang="en-IN" sz="3200" b="1" i="1" dirty="0" smtClean="0">
-                <a:solidFill>
-                  <a:srgbClr val="FFFF00"/>
-                </a:solidFill>
-                <a:latin typeface="Arial" pitchFamily="34" charset="0"/>
-                <a:cs typeface="Arial" pitchFamily="34" charset="0"/>
-              </a:rPr>
-              <a:t> TODO</a:t>
-            </a:r>
-            <a:endParaRPr lang="en-IN" sz="3200" b="1" i="1" dirty="0">
-              <a:solidFill>
-                <a:srgbClr val="FFFF00"/>
-              </a:solidFill>
-              <a:latin typeface="Arial" pitchFamily="34" charset="0"/>
-              <a:cs typeface="Arial" pitchFamily="34" charset="0"/>
-            </a:endParaRPr>
-          </a:p>
-        </p:txBody>
-      </p:sp>
-      <p:sp>
-        <p:nvSpPr>
-          <p:cNvPr id="7" name="Rectangle 6"/>
+              <a:defRPr sz="4800">
+                <a:solidFill>
+                  <a:srgbClr val="7EEEE3"/>
+                </a:solidFill>
+                <a:latin typeface="Segoe UI Light" panose="020B0502040204020203" pitchFamily="34" charset="0"/>
+                <a:cs typeface="Segoe UI Light" panose="020B0502040204020203" pitchFamily="34" charset="0"/>
+              </a:defRPr>
+            </a:lvl1pPr>
+          </a:lstStyle>
+          <a:p>
+            <a:r>
+              <a:rPr lang="en-IN" dirty="0" smtClean="0"/>
+              <a:t>$skip</a:t>
+            </a:r>
+            <a:endParaRPr lang="en-US" dirty="0"/>
+          </a:p>
+        </p:txBody>
+      </p:sp>
+      <p:sp>
+        <p:nvSpPr>
+          <p:cNvPr id="3" name="Rectangle 2"/>
           <p:cNvSpPr/>
           <p:nvPr/>
         </p:nvSpPr>
         <p:spPr>
           <a:xfrm>
-            <a:off x="149188" y="762000"/>
-            <a:ext cx="8845624" cy="369332"/>
-          </a:xfrm>
-          <a:prstGeom prst="rect">
-            <a:avLst/>
-          </a:prstGeom>
+            <a:off x="419100" y="2861953"/>
+            <a:ext cx="8305800" cy="369332"/>
+          </a:xfrm>
+          <a:prstGeom prst="rect">
+            <a:avLst/>
+          </a:prstGeom>
+          <a:solidFill>
+            <a:schemeClr val="accent6">
+              <a:lumMod val="20000"/>
+              <a:lumOff val="80000"/>
+            </a:schemeClr>
+          </a:solidFill>
         </p:spPr>
         <p:txBody>
           <a:bodyPr wrap="square">
@@ -31258,400 +33275,36 @@
           <a:lstStyle/>
           <a:p>
             <a:r>
-              <a:rPr lang="en-US" dirty="0" smtClean="0"/>
+              <a:rPr lang="en-US" dirty="0" smtClean="0">
+                <a:solidFill>
+                  <a:srgbClr val="222222"/>
+                </a:solidFill>
+                <a:latin typeface="arial" panose="020B0604020202020204" pitchFamily="34" charset="0"/>
+              </a:rPr>
               <a:t>TODO</a:t>
             </a:r>
-            <a:endParaRPr lang="en-IN" dirty="0"/>
-          </a:p>
-        </p:txBody>
-      </p:sp>
-      <p:sp>
-        <p:nvSpPr>
-          <p:cNvPr id="4" name="Rectangle 3"/>
-          <p:cNvSpPr/>
-          <p:nvPr/>
-        </p:nvSpPr>
-        <p:spPr>
-          <a:xfrm>
-            <a:off x="149188" y="1524000"/>
-            <a:ext cx="8761264" cy="369332"/>
-          </a:xfrm>
-          <a:prstGeom prst="rect">
-            <a:avLst/>
-          </a:prstGeom>
-        </p:spPr>
-        <p:txBody>
-          <a:bodyPr wrap="square">
-            <a:spAutoFit/>
-          </a:bodyPr>
-          <a:lstStyle/>
-          <a:p>
-            <a:r>
-              <a:rPr lang="en-US" dirty="0">
-                <a:solidFill>
-                  <a:srgbClr val="049DC8"/>
-                </a:solidFill>
-                <a:latin typeface="Consolas" panose="020B0609020204030204" pitchFamily="49" charset="0"/>
-                <a:cs typeface="Calibri" panose="020F0502020204030204" pitchFamily="34" charset="0"/>
-              </a:rPr>
-              <a:t>{ $match: { &lt;query&gt; } }</a:t>
-            </a:r>
-          </a:p>
-        </p:txBody>
-      </p:sp>
-      <p:sp>
-        <p:nvSpPr>
-          <p:cNvPr id="5" name="Rectangle 4"/>
-          <p:cNvSpPr/>
-          <p:nvPr/>
-        </p:nvSpPr>
-        <p:spPr>
-          <a:xfrm>
-            <a:off x="149188" y="2133600"/>
-            <a:ext cx="8761264" cy="1692771"/>
-          </a:xfrm>
-          <a:prstGeom prst="rect">
-            <a:avLst/>
-          </a:prstGeom>
-        </p:spPr>
-        <p:txBody>
-          <a:bodyPr wrap="square">
-            <a:spAutoFit/>
-          </a:bodyPr>
-          <a:lstStyle/>
-          <a:p>
-            <a:r>
-              <a:rPr lang="en-US" sz="2200" dirty="0">
-                <a:solidFill>
-                  <a:srgbClr val="FC6F0D"/>
-                </a:solidFill>
-                <a:latin typeface="Calibri" panose="020F0502020204030204" pitchFamily="34" charset="0"/>
-                <a:cs typeface="Calibri" panose="020F0502020204030204" pitchFamily="34" charset="0"/>
-              </a:rPr>
-              <a:t>db.emp.aggregate </a:t>
-            </a:r>
-            <a:r>
-              <a:rPr lang="en-US" sz="2200" dirty="0" smtClean="0">
-                <a:solidFill>
-                  <a:srgbClr val="FC6F0D"/>
-                </a:solidFill>
-                <a:latin typeface="Calibri" panose="020F0502020204030204" pitchFamily="34" charset="0"/>
-                <a:cs typeface="Calibri" panose="020F0502020204030204" pitchFamily="34" charset="0"/>
-              </a:rPr>
-              <a:t>([ {$</a:t>
-            </a:r>
-            <a:r>
-              <a:rPr lang="en-US" sz="2200" dirty="0">
-                <a:solidFill>
-                  <a:srgbClr val="FC6F0D"/>
-                </a:solidFill>
-                <a:latin typeface="Calibri" panose="020F0502020204030204" pitchFamily="34" charset="0"/>
-                <a:cs typeface="Calibri" panose="020F0502020204030204" pitchFamily="34" charset="0"/>
-              </a:rPr>
-              <a:t>match: { job:'manager</a:t>
-            </a:r>
-            <a:r>
-              <a:rPr lang="en-US" sz="2200" dirty="0" smtClean